--- a/doc/thor architecture.pptx
+++ b/doc/thor architecture.pptx
@@ -250,7 +250,7 @@
           <a:p>
             <a:fld id="{26E5557C-EA97-4CBB-BFBF-8E388EEF4F51}" type="datetimeFigureOut">
               <a:rPr lang="zh-CN" altLang="en-US" smtClean="0"/>
-              <a:t>2014/8/8</a:t>
+              <a:t>2014/8/10</a:t>
             </a:fld>
             <a:endParaRPr lang="zh-CN" altLang="en-US"/>
           </a:p>
@@ -420,7 +420,7 @@
           <a:p>
             <a:fld id="{26E5557C-EA97-4CBB-BFBF-8E388EEF4F51}" type="datetimeFigureOut">
               <a:rPr lang="zh-CN" altLang="en-US" smtClean="0"/>
-              <a:t>2014/8/8</a:t>
+              <a:t>2014/8/10</a:t>
             </a:fld>
             <a:endParaRPr lang="zh-CN" altLang="en-US"/>
           </a:p>
@@ -600,7 +600,7 @@
           <a:p>
             <a:fld id="{26E5557C-EA97-4CBB-BFBF-8E388EEF4F51}" type="datetimeFigureOut">
               <a:rPr lang="zh-CN" altLang="en-US" smtClean="0"/>
-              <a:t>2014/8/8</a:t>
+              <a:t>2014/8/10</a:t>
             </a:fld>
             <a:endParaRPr lang="zh-CN" altLang="en-US"/>
           </a:p>
@@ -770,7 +770,7 @@
           <a:p>
             <a:fld id="{26E5557C-EA97-4CBB-BFBF-8E388EEF4F51}" type="datetimeFigureOut">
               <a:rPr lang="zh-CN" altLang="en-US" smtClean="0"/>
-              <a:t>2014/8/8</a:t>
+              <a:t>2014/8/10</a:t>
             </a:fld>
             <a:endParaRPr lang="zh-CN" altLang="en-US"/>
           </a:p>
@@ -1016,7 +1016,7 @@
           <a:p>
             <a:fld id="{26E5557C-EA97-4CBB-BFBF-8E388EEF4F51}" type="datetimeFigureOut">
               <a:rPr lang="zh-CN" altLang="en-US" smtClean="0"/>
-              <a:t>2014/8/8</a:t>
+              <a:t>2014/8/10</a:t>
             </a:fld>
             <a:endParaRPr lang="zh-CN" altLang="en-US"/>
           </a:p>
@@ -1248,7 +1248,7 @@
           <a:p>
             <a:fld id="{26E5557C-EA97-4CBB-BFBF-8E388EEF4F51}" type="datetimeFigureOut">
               <a:rPr lang="zh-CN" altLang="en-US" smtClean="0"/>
-              <a:t>2014/8/8</a:t>
+              <a:t>2014/8/10</a:t>
             </a:fld>
             <a:endParaRPr lang="zh-CN" altLang="en-US"/>
           </a:p>
@@ -1615,7 +1615,7 @@
           <a:p>
             <a:fld id="{26E5557C-EA97-4CBB-BFBF-8E388EEF4F51}" type="datetimeFigureOut">
               <a:rPr lang="zh-CN" altLang="en-US" smtClean="0"/>
-              <a:t>2014/8/8</a:t>
+              <a:t>2014/8/10</a:t>
             </a:fld>
             <a:endParaRPr lang="zh-CN" altLang="en-US"/>
           </a:p>
@@ -1738,7 +1738,7 @@
           <a:p>
             <a:fld id="{26E5557C-EA97-4CBB-BFBF-8E388EEF4F51}" type="datetimeFigureOut">
               <a:rPr lang="zh-CN" altLang="en-US" smtClean="0"/>
-              <a:t>2014/8/8</a:t>
+              <a:t>2014/8/10</a:t>
             </a:fld>
             <a:endParaRPr lang="zh-CN" altLang="en-US"/>
           </a:p>
@@ -1833,7 +1833,7 @@
           <a:p>
             <a:fld id="{26E5557C-EA97-4CBB-BFBF-8E388EEF4F51}" type="datetimeFigureOut">
               <a:rPr lang="zh-CN" altLang="en-US" smtClean="0"/>
-              <a:t>2014/8/8</a:t>
+              <a:t>2014/8/10</a:t>
             </a:fld>
             <a:endParaRPr lang="zh-CN" altLang="en-US"/>
           </a:p>
@@ -2110,7 +2110,7 @@
           <a:p>
             <a:fld id="{26E5557C-EA97-4CBB-BFBF-8E388EEF4F51}" type="datetimeFigureOut">
               <a:rPr lang="zh-CN" altLang="en-US" smtClean="0"/>
-              <a:t>2014/8/8</a:t>
+              <a:t>2014/8/10</a:t>
             </a:fld>
             <a:endParaRPr lang="zh-CN" altLang="en-US"/>
           </a:p>
@@ -2367,7 +2367,7 @@
           <a:p>
             <a:fld id="{26E5557C-EA97-4CBB-BFBF-8E388EEF4F51}" type="datetimeFigureOut">
               <a:rPr lang="zh-CN" altLang="en-US" smtClean="0"/>
-              <a:t>2014/8/8</a:t>
+              <a:t>2014/8/10</a:t>
             </a:fld>
             <a:endParaRPr lang="zh-CN" altLang="en-US"/>
           </a:p>
@@ -2580,7 +2580,7 @@
           <a:p>
             <a:fld id="{26E5557C-EA97-4CBB-BFBF-8E388EEF4F51}" type="datetimeFigureOut">
               <a:rPr lang="zh-CN" altLang="en-US" smtClean="0"/>
-              <a:t>2014/8/8</a:t>
+              <a:t>2014/8/10</a:t>
             </a:fld>
             <a:endParaRPr lang="zh-CN" altLang="en-US"/>
           </a:p>
@@ -6845,11 +6845,7 @@
             <a:pPr algn="ctr"/>
             <a:r>
               <a:rPr lang="en-US" altLang="zh-CN" sz="1400" smtClean="0"/>
-              <a:t>Exchange</a:t>
-            </a:r>
-            <a:r>
-              <a:rPr lang="en-US" altLang="zh-CN" sz="1400" smtClean="0"/>
-              <a:t>(1:1)</a:t>
+              <a:t>Exchange(1:1)</a:t>
             </a:r>
             <a:endParaRPr lang="zh-CN" altLang="en-US" sz="1400"/>
           </a:p>
@@ -6976,11 +6972,7 @@
             <a:pPr algn="ctr"/>
             <a:r>
               <a:rPr lang="en-US" altLang="zh-CN" sz="1400" smtClean="0"/>
-              <a:t>Exchange</a:t>
-            </a:r>
-            <a:r>
-              <a:rPr lang="en-US" altLang="zh-CN" sz="1400" smtClean="0"/>
-              <a:t>(1:1)</a:t>
+              <a:t>Exchange(1:1)</a:t>
             </a:r>
             <a:endParaRPr lang="zh-CN" altLang="en-US" sz="1400"/>
           </a:p>
@@ -7063,11 +7055,7 @@
             <a:pPr algn="ctr"/>
             <a:r>
               <a:rPr lang="en-US" altLang="zh-CN" sz="1400" smtClean="0"/>
-              <a:t>Exchange</a:t>
-            </a:r>
-            <a:r>
-              <a:rPr lang="en-US" altLang="zh-CN" sz="1400" smtClean="0"/>
-              <a:t>(1:1)</a:t>
+              <a:t>Exchange(1:1)</a:t>
             </a:r>
             <a:endParaRPr lang="zh-CN" altLang="en-US" sz="1400"/>
           </a:p>
@@ -7475,11 +7463,7 @@
             </a:r>
             <a:r>
               <a:rPr lang="zh-CN" altLang="en-US"/>
-              <a:t>多</a:t>
-            </a:r>
-            <a:r>
-              <a:rPr lang="zh-CN" altLang="en-US"/>
-              <a:t>线程</a:t>
+              <a:t>多线程</a:t>
             </a:r>
             <a:r>
               <a:rPr lang="zh-CN" altLang="en-US" smtClean="0"/>
@@ -9506,13 +9490,13 @@
           <p:nvPr>
             <p:extLst>
               <p:ext uri="{D42A27DB-BD31-4B8C-83A1-F6EECF244321}">
-                <p14:modId xmlns:p14="http://schemas.microsoft.com/office/powerpoint/2010/main" val="978102382"/>
+                <p14:modId xmlns:p14="http://schemas.microsoft.com/office/powerpoint/2010/main" val="2917757823"/>
               </p:ext>
             </p:extLst>
           </p:nvPr>
         </p:nvGraphicFramePr>
         <p:xfrm>
-          <a:off x="4709887" y="2240763"/>
+          <a:off x="10888267" y="2924506"/>
           <a:ext cx="667656" cy="975360"/>
         </p:xfrm>
         <a:graphic>
@@ -9532,13 +9516,20 @@
                     <a:lstStyle/>
                     <a:p>
                       <a:r>
-                        <a:rPr lang="en-US" altLang="zh-CN" sz="1000" smtClean="0"/>
+                        <a:rPr lang="en-US" altLang="zh-CN" sz="1000" dirty="0" smtClean="0"/>
                         <a:t>1</a:t>
                       </a:r>
-                      <a:endParaRPr lang="zh-CN" altLang="en-US" sz="1000"/>
+                      <a:endParaRPr lang="zh-CN" altLang="en-US" sz="1000" dirty="0"/>
                     </a:p>
                   </a:txBody>
-                  <a:tcPr/>
+                  <a:tcPr>
+                    <a:solidFill>
+                      <a:schemeClr val="accent4">
+                        <a:lumMod val="60000"/>
+                        <a:lumOff val="40000"/>
+                      </a:schemeClr>
+                    </a:solidFill>
+                  </a:tcPr>
                 </a:tc>
                 <a:tc>
                   <a:txBody>
@@ -9546,10 +9537,10 @@
                     <a:lstStyle/>
                     <a:p>
                       <a:r>
-                        <a:rPr lang="zh-CN" altLang="en-US" sz="1000" smtClean="0"/>
+                        <a:rPr lang="zh-CN" altLang="en-US" sz="1000" dirty="0" smtClean="0"/>
                         <a:t>√</a:t>
                       </a:r>
-                      <a:endParaRPr lang="zh-CN" altLang="en-US" sz="1000"/>
+                      <a:endParaRPr lang="zh-CN" altLang="en-US" sz="1000" dirty="0"/>
                     </a:p>
                   </a:txBody>
                   <a:tcPr/>
@@ -9568,7 +9559,49 @@
                       <a:endParaRPr lang="zh-CN" altLang="en-US" sz="1000"/>
                     </a:p>
                   </a:txBody>
-                  <a:tcPr/>
+                  <a:tcPr>
+                    <a:solidFill>
+                      <a:schemeClr val="bg2"/>
+                    </a:solidFill>
+                  </a:tcPr>
+                </a:tc>
+                <a:tc>
+                  <a:txBody>
+                    <a:bodyPr/>
+                    <a:lstStyle/>
+                    <a:p>
+                      <a:r>
+                        <a:rPr lang="en-US" altLang="zh-CN" sz="1000" dirty="0" smtClean="0"/>
+                        <a:t>X</a:t>
+                      </a:r>
+                      <a:endParaRPr lang="zh-CN" altLang="en-US" sz="1000" dirty="0"/>
+                    </a:p>
+                  </a:txBody>
+                  <a:tcPr>
+                    <a:solidFill>
+                      <a:schemeClr val="bg2"/>
+                    </a:solidFill>
+                  </a:tcPr>
+                </a:tc>
+              </a:tr>
+              <a:tr h="215416">
+                <a:tc>
+                  <a:txBody>
+                    <a:bodyPr/>
+                    <a:lstStyle/>
+                    <a:p>
+                      <a:r>
+                        <a:rPr lang="en-US" altLang="zh-CN" sz="1000" dirty="0" smtClean="0"/>
+                        <a:t>3</a:t>
+                      </a:r>
+                      <a:endParaRPr lang="zh-CN" altLang="en-US" sz="1000" dirty="0"/>
+                    </a:p>
+                  </a:txBody>
+                  <a:tcPr>
+                    <a:solidFill>
+                      <a:schemeClr val="bg2"/>
+                    </a:solidFill>
+                  </a:tcPr>
                 </a:tc>
                 <a:tc>
                   <a:txBody>
@@ -9592,43 +9625,20 @@
                     <a:lstStyle/>
                     <a:p>
                       <a:r>
-                        <a:rPr lang="en-US" altLang="zh-CN" sz="1000" smtClean="0"/>
-                        <a:t>3</a:t>
+                        <a:rPr lang="en-US" altLang="zh-CN" sz="1000" dirty="0" smtClean="0"/>
+                        <a:t>4</a:t>
                       </a:r>
-                      <a:endParaRPr lang="zh-CN" altLang="en-US" sz="1000"/>
+                      <a:endParaRPr lang="zh-CN" altLang="en-US" sz="1000" dirty="0"/>
                     </a:p>
                   </a:txBody>
-                  <a:tcPr/>
-                </a:tc>
-                <a:tc>
-                  <a:txBody>
-                    <a:bodyPr/>
-                    <a:lstStyle/>
-                    <a:p>
-                      <a:r>
-                        <a:rPr lang="en-US" altLang="zh-CN" sz="1000" smtClean="0"/>
-                        <a:t>X</a:t>
-                      </a:r>
-                      <a:endParaRPr lang="zh-CN" altLang="en-US" sz="1000"/>
-                    </a:p>
-                  </a:txBody>
-                  <a:tcPr/>
-                </a:tc>
-              </a:tr>
-              <a:tr h="215416">
-                <a:tc>
-                  <a:txBody>
-                    <a:bodyPr/>
-                    <a:lstStyle/>
-                    <a:p>
-                      <a:r>
-                        <a:rPr lang="en-US" altLang="zh-CN" sz="1000" smtClean="0"/>
-                        <a:t>4</a:t>
-                      </a:r>
-                      <a:endParaRPr lang="zh-CN" altLang="en-US" sz="1000"/>
-                    </a:p>
-                  </a:txBody>
-                  <a:tcPr/>
+                  <a:tcPr>
+                    <a:solidFill>
+                      <a:schemeClr val="accent4">
+                        <a:lumMod val="60000"/>
+                        <a:lumOff val="40000"/>
+                      </a:schemeClr>
+                    </a:solidFill>
+                  </a:tcPr>
                 </a:tc>
                 <a:tc>
                   <a:txBody>
@@ -9658,13 +9668,13 @@
           <p:nvPr>
             <p:extLst>
               <p:ext uri="{D42A27DB-BD31-4B8C-83A1-F6EECF244321}">
-                <p14:modId xmlns:p14="http://schemas.microsoft.com/office/powerpoint/2010/main" val="3698449031"/>
+                <p14:modId xmlns:p14="http://schemas.microsoft.com/office/powerpoint/2010/main" val="1205046475"/>
               </p:ext>
             </p:extLst>
           </p:nvPr>
         </p:nvGraphicFramePr>
         <p:xfrm>
-          <a:off x="4709887" y="3503505"/>
+          <a:off x="10888267" y="4187248"/>
           <a:ext cx="667656" cy="975360"/>
         </p:xfrm>
         <a:graphic>
@@ -9684,13 +9694,17 @@
                     <a:lstStyle/>
                     <a:p>
                       <a:r>
-                        <a:rPr lang="en-US" altLang="zh-CN" sz="1000" smtClean="0"/>
+                        <a:rPr lang="en-US" altLang="zh-CN" sz="1000" dirty="0" smtClean="0"/>
                         <a:t>5</a:t>
                       </a:r>
-                      <a:endParaRPr lang="zh-CN" altLang="en-US" sz="1000"/>
+                      <a:endParaRPr lang="zh-CN" altLang="en-US" sz="1000" dirty="0"/>
                     </a:p>
                   </a:txBody>
-                  <a:tcPr/>
+                  <a:tcPr>
+                    <a:solidFill>
+                      <a:schemeClr val="bg2"/>
+                    </a:solidFill>
+                  </a:tcPr>
                 </a:tc>
                 <a:tc>
                   <a:txBody>
@@ -9720,7 +9734,14 @@
                       <a:endParaRPr lang="zh-CN" altLang="en-US" sz="1000"/>
                     </a:p>
                   </a:txBody>
-                  <a:tcPr/>
+                  <a:tcPr>
+                    <a:solidFill>
+                      <a:schemeClr val="accent4">
+                        <a:lumMod val="60000"/>
+                        <a:lumOff val="40000"/>
+                      </a:schemeClr>
+                    </a:solidFill>
+                  </a:tcPr>
                 </a:tc>
                 <a:tc>
                   <a:txBody>
@@ -9750,7 +9771,11 @@
                       <a:endParaRPr lang="zh-CN" altLang="en-US" sz="1000"/>
                     </a:p>
                   </a:txBody>
-                  <a:tcPr/>
+                  <a:tcPr>
+                    <a:solidFill>
+                      <a:schemeClr val="bg2"/>
+                    </a:solidFill>
+                  </a:tcPr>
                 </a:tc>
                 <a:tc>
                   <a:txBody>
@@ -9774,13 +9799,17 @@
                     <a:lstStyle/>
                     <a:p>
                       <a:r>
-                        <a:rPr lang="en-US" altLang="zh-CN" sz="1000" smtClean="0"/>
+                        <a:rPr lang="en-US" altLang="zh-CN" sz="1000" dirty="0" smtClean="0"/>
                         <a:t>8</a:t>
                       </a:r>
-                      <a:endParaRPr lang="zh-CN" altLang="en-US" sz="1000"/>
+                      <a:endParaRPr lang="zh-CN" altLang="en-US" sz="1000" dirty="0"/>
                     </a:p>
                   </a:txBody>
-                  <a:tcPr/>
+                  <a:tcPr>
+                    <a:solidFill>
+                      <a:schemeClr val="bg2"/>
+                    </a:solidFill>
+                  </a:tcPr>
                 </a:tc>
                 <a:tc>
                   <a:txBody>
@@ -9810,13 +9839,13 @@
           <p:nvPr>
             <p:extLst>
               <p:ext uri="{D42A27DB-BD31-4B8C-83A1-F6EECF244321}">
-                <p14:modId xmlns:p14="http://schemas.microsoft.com/office/powerpoint/2010/main" val="2172765596"/>
+                <p14:modId xmlns:p14="http://schemas.microsoft.com/office/powerpoint/2010/main" val="3415794168"/>
               </p:ext>
             </p:extLst>
           </p:nvPr>
         </p:nvGraphicFramePr>
         <p:xfrm>
-          <a:off x="4709887" y="4766248"/>
+          <a:off x="10888267" y="5449991"/>
           <a:ext cx="667656" cy="975360"/>
         </p:xfrm>
         <a:graphic>
@@ -9836,13 +9865,17 @@
                     <a:lstStyle/>
                     <a:p>
                       <a:r>
-                        <a:rPr lang="en-US" altLang="zh-CN" sz="1000" smtClean="0"/>
+                        <a:rPr lang="en-US" altLang="zh-CN" sz="1000" dirty="0" smtClean="0"/>
                         <a:t>9</a:t>
                       </a:r>
-                      <a:endParaRPr lang="zh-CN" altLang="en-US" sz="1000"/>
+                      <a:endParaRPr lang="zh-CN" altLang="en-US" sz="1000" dirty="0"/>
                     </a:p>
                   </a:txBody>
-                  <a:tcPr/>
+                  <a:tcPr>
+                    <a:solidFill>
+                      <a:schemeClr val="bg2"/>
+                    </a:solidFill>
+                  </a:tcPr>
                 </a:tc>
                 <a:tc>
                   <a:txBody>
@@ -9872,7 +9905,14 @@
                       <a:endParaRPr lang="zh-CN" altLang="en-US" sz="1000"/>
                     </a:p>
                   </a:txBody>
-                  <a:tcPr/>
+                  <a:tcPr>
+                    <a:solidFill>
+                      <a:schemeClr val="accent4">
+                        <a:lumMod val="60000"/>
+                        <a:lumOff val="40000"/>
+                      </a:schemeClr>
+                    </a:solidFill>
+                  </a:tcPr>
                 </a:tc>
                 <a:tc>
                   <a:txBody>
@@ -9902,7 +9942,14 @@
                       <a:endParaRPr lang="zh-CN" altLang="en-US" sz="1000"/>
                     </a:p>
                   </a:txBody>
-                  <a:tcPr/>
+                  <a:tcPr>
+                    <a:solidFill>
+                      <a:schemeClr val="accent4">
+                        <a:lumMod val="60000"/>
+                        <a:lumOff val="40000"/>
+                      </a:schemeClr>
+                    </a:solidFill>
+                  </a:tcPr>
                 </a:tc>
                 <a:tc>
                   <a:txBody>
@@ -9926,13 +9973,20 @@
                     <a:lstStyle/>
                     <a:p>
                       <a:r>
-                        <a:rPr lang="en-US" altLang="zh-CN" sz="1000" smtClean="0"/>
+                        <a:rPr lang="en-US" altLang="zh-CN" sz="1000" dirty="0" smtClean="0"/>
                         <a:t>12</a:t>
                       </a:r>
-                      <a:endParaRPr lang="zh-CN" altLang="en-US" sz="1000"/>
+                      <a:endParaRPr lang="zh-CN" altLang="en-US" sz="1000" dirty="0"/>
                     </a:p>
                   </a:txBody>
-                  <a:tcPr/>
+                  <a:tcPr>
+                    <a:solidFill>
+                      <a:schemeClr val="accent4">
+                        <a:lumMod val="60000"/>
+                        <a:lumOff val="40000"/>
+                      </a:schemeClr>
+                    </a:solidFill>
+                  </a:tcPr>
                 </a:tc>
                 <a:tc>
                   <a:txBody>
@@ -9962,13 +10016,13 @@
           <p:nvPr>
             <p:extLst>
               <p:ext uri="{D42A27DB-BD31-4B8C-83A1-F6EECF244321}">
-                <p14:modId xmlns:p14="http://schemas.microsoft.com/office/powerpoint/2010/main" val="3166825628"/>
+                <p14:modId xmlns:p14="http://schemas.microsoft.com/office/powerpoint/2010/main" val="2681679129"/>
               </p:ext>
             </p:extLst>
           </p:nvPr>
         </p:nvGraphicFramePr>
         <p:xfrm>
-          <a:off x="3523342" y="3445451"/>
+          <a:off x="9701722" y="4129194"/>
           <a:ext cx="333828" cy="975360"/>
         </p:xfrm>
         <a:graphic>
@@ -9987,16 +10041,23 @@
                     <a:lstStyle/>
                     <a:p>
                       <a:r>
-                        <a:rPr lang="en-US" altLang="zh-CN" sz="1000" smtClean="0"/>
+                        <a:rPr lang="en-US" altLang="zh-CN" sz="1000" dirty="0" smtClean="0"/>
                         <a:t>1</a:t>
                       </a:r>
-                      <a:endParaRPr lang="zh-CN" altLang="en-US" sz="1000"/>
+                      <a:endParaRPr lang="zh-CN" altLang="en-US" sz="1000" dirty="0"/>
                     </a:p>
                   </a:txBody>
-                  <a:tcPr/>
+                  <a:tcPr>
+                    <a:solidFill>
+                      <a:schemeClr val="accent4">
+                        <a:lumMod val="60000"/>
+                        <a:lumOff val="40000"/>
+                      </a:schemeClr>
+                    </a:solidFill>
+                  </a:tcPr>
                 </a:tc>
               </a:tr>
-              <a:tr h="215416">
+              <a:tr h="223681">
                 <a:tc>
                   <a:txBody>
                     <a:bodyPr/>
@@ -10009,7 +10070,14 @@
                       <a:endParaRPr lang="zh-CN" altLang="en-US" sz="1000"/>
                     </a:p>
                   </a:txBody>
-                  <a:tcPr/>
+                  <a:tcPr>
+                    <a:solidFill>
+                      <a:schemeClr val="accent4">
+                        <a:lumMod val="60000"/>
+                        <a:lumOff val="40000"/>
+                      </a:schemeClr>
+                    </a:solidFill>
+                  </a:tcPr>
                 </a:tc>
               </a:tr>
               <a:tr h="215416">
@@ -10025,7 +10093,14 @@
                       <a:endParaRPr lang="zh-CN" altLang="en-US" sz="1000"/>
                     </a:p>
                   </a:txBody>
-                  <a:tcPr/>
+                  <a:tcPr>
+                    <a:solidFill>
+                      <a:schemeClr val="accent4">
+                        <a:lumMod val="60000"/>
+                        <a:lumOff val="40000"/>
+                      </a:schemeClr>
+                    </a:solidFill>
+                  </a:tcPr>
                 </a:tc>
               </a:tr>
               <a:tr h="215416">
@@ -10035,13 +10110,20 @@
                     <a:lstStyle/>
                     <a:p>
                       <a:r>
-                        <a:rPr lang="en-US" altLang="zh-CN" sz="1000" smtClean="0"/>
+                        <a:rPr lang="en-US" altLang="zh-CN" sz="1000" dirty="0" smtClean="0"/>
                         <a:t>10</a:t>
                       </a:r>
-                      <a:endParaRPr lang="zh-CN" altLang="en-US" sz="1000"/>
+                      <a:endParaRPr lang="zh-CN" altLang="en-US" sz="1000" dirty="0"/>
                     </a:p>
                   </a:txBody>
-                  <a:tcPr/>
+                  <a:tcPr>
+                    <a:solidFill>
+                      <a:schemeClr val="accent4">
+                        <a:lumMod val="60000"/>
+                        <a:lumOff val="40000"/>
+                      </a:schemeClr>
+                    </a:solidFill>
+                  </a:tcPr>
                 </a:tc>
               </a:tr>
             </a:tbl>
@@ -10056,7 +10138,7 @@
         </p:nvCxnSpPr>
         <p:spPr>
           <a:xfrm flipH="1">
-            <a:off x="3984171" y="2797629"/>
+            <a:off x="10162551" y="3481372"/>
             <a:ext cx="566058" cy="631371"/>
           </a:xfrm>
           <a:prstGeom prst="straightConnector1">
@@ -10089,7 +10171,7 @@
         </p:nvCxnSpPr>
         <p:spPr>
           <a:xfrm flipH="1" flipV="1">
-            <a:off x="3984171" y="3907971"/>
+            <a:off x="10162551" y="4591714"/>
             <a:ext cx="566058" cy="10887"/>
           </a:xfrm>
           <a:prstGeom prst="straightConnector1">
@@ -10122,7 +10204,7 @@
         </p:nvCxnSpPr>
         <p:spPr>
           <a:xfrm flipH="1" flipV="1">
-            <a:off x="3984171" y="4397829"/>
+            <a:off x="10162551" y="5081572"/>
             <a:ext cx="653144" cy="733928"/>
           </a:xfrm>
           <a:prstGeom prst="straightConnector1">
@@ -10156,13 +10238,13 @@
           <p:nvPr>
             <p:extLst>
               <p:ext uri="{D42A27DB-BD31-4B8C-83A1-F6EECF244321}">
-                <p14:modId xmlns:p14="http://schemas.microsoft.com/office/powerpoint/2010/main" val="490314754"/>
+                <p14:modId xmlns:p14="http://schemas.microsoft.com/office/powerpoint/2010/main" val="3155389151"/>
               </p:ext>
             </p:extLst>
           </p:nvPr>
         </p:nvGraphicFramePr>
         <p:xfrm>
-          <a:off x="3512460" y="4882362"/>
+          <a:off x="9707316" y="5269544"/>
           <a:ext cx="333828" cy="975360"/>
         </p:xfrm>
         <a:graphic>
@@ -10181,13 +10263,20 @@
                     <a:lstStyle/>
                     <a:p>
                       <a:r>
-                        <a:rPr lang="en-US" altLang="zh-CN" sz="1000" smtClean="0"/>
+                        <a:rPr lang="en-US" altLang="zh-CN" sz="1000" dirty="0" smtClean="0"/>
                         <a:t>11</a:t>
                       </a:r>
-                      <a:endParaRPr lang="zh-CN" altLang="en-US" sz="1000"/>
+                      <a:endParaRPr lang="zh-CN" altLang="en-US" sz="1000" dirty="0"/>
                     </a:p>
                   </a:txBody>
-                  <a:tcPr/>
+                  <a:tcPr>
+                    <a:solidFill>
+                      <a:schemeClr val="accent4">
+                        <a:lumMod val="60000"/>
+                        <a:lumOff val="40000"/>
+                      </a:schemeClr>
+                    </a:solidFill>
+                  </a:tcPr>
                 </a:tc>
               </a:tr>
               <a:tr h="215416">
@@ -10203,7 +10292,14 @@
                       <a:endParaRPr lang="zh-CN" altLang="en-US" sz="1000"/>
                     </a:p>
                   </a:txBody>
-                  <a:tcPr/>
+                  <a:tcPr>
+                    <a:solidFill>
+                      <a:schemeClr val="accent4">
+                        <a:lumMod val="60000"/>
+                        <a:lumOff val="40000"/>
+                      </a:schemeClr>
+                    </a:solidFill>
+                  </a:tcPr>
                 </a:tc>
               </a:tr>
               <a:tr h="215416">
@@ -10215,7 +10311,11 @@
                       <a:endParaRPr lang="zh-CN" altLang="en-US" sz="1000"/>
                     </a:p>
                   </a:txBody>
-                  <a:tcPr/>
+                  <a:tcPr>
+                    <a:solidFill>
+                      <a:schemeClr val="bg2"/>
+                    </a:solidFill>
+                  </a:tcPr>
                 </a:tc>
               </a:tr>
               <a:tr h="215416">
@@ -10224,10 +10324,14 @@
                     <a:bodyPr/>
                     <a:lstStyle/>
                     <a:p>
-                      <a:endParaRPr lang="zh-CN" altLang="en-US" sz="1000"/>
+                      <a:endParaRPr lang="zh-CN" altLang="en-US" sz="1000" dirty="0"/>
                     </a:p>
                   </a:txBody>
-                  <a:tcPr/>
+                  <a:tcPr>
+                    <a:solidFill>
+                      <a:schemeClr val="bg2"/>
+                    </a:solidFill>
+                  </a:tcPr>
                 </a:tc>
               </a:tr>
             </a:tbl>
@@ -10242,7 +10346,7 @@
         </p:nvSpPr>
         <p:spPr>
           <a:xfrm>
-            <a:off x="1731608" y="3670040"/>
+            <a:off x="7994825" y="5122382"/>
             <a:ext cx="1094024" cy="475861"/>
           </a:xfrm>
           <a:prstGeom prst="roundRect">
@@ -10271,10 +10375,10 @@
           <a:p>
             <a:pPr algn="ctr"/>
             <a:r>
-              <a:rPr lang="en-US" altLang="zh-CN" sz="1400" smtClean="0"/>
+              <a:rPr lang="en-US" altLang="zh-CN" sz="1200" smtClean="0"/>
               <a:t>SCAN</a:t>
             </a:r>
-            <a:endParaRPr lang="zh-CN" altLang="en-US" sz="1400"/>
+            <a:endParaRPr lang="zh-CN" altLang="en-US" sz="1200"/>
           </a:p>
         </p:txBody>
       </p:sp>
@@ -10285,9 +10389,9 @@
           <p:nvPr/>
         </p:nvCxnSpPr>
         <p:spPr>
-          <a:xfrm flipH="1" flipV="1">
-            <a:off x="2869175" y="3897083"/>
-            <a:ext cx="566058" cy="10887"/>
+          <a:xfrm flipH="1">
+            <a:off x="9218364" y="4827373"/>
+            <a:ext cx="312864" cy="230850"/>
           </a:xfrm>
           <a:prstGeom prst="straightConnector1">
             <a:avLst/>
@@ -10319,7 +10423,7 @@
         </p:nvSpPr>
         <p:spPr>
           <a:xfrm>
-            <a:off x="1731608" y="2366907"/>
+            <a:off x="7186715" y="4112743"/>
             <a:ext cx="1094024" cy="475861"/>
           </a:xfrm>
           <a:prstGeom prst="roundRect">
@@ -10348,10 +10452,10 @@
           <a:p>
             <a:pPr algn="ctr"/>
             <a:r>
-              <a:rPr lang="en-US" altLang="zh-CN" sz="1400" smtClean="0"/>
+              <a:rPr lang="en-US" altLang="zh-CN" sz="1200" smtClean="0"/>
               <a:t>JOIN</a:t>
             </a:r>
-            <a:endParaRPr lang="zh-CN" altLang="en-US" sz="1400"/>
+            <a:endParaRPr lang="zh-CN" altLang="en-US" sz="1200"/>
           </a:p>
         </p:txBody>
       </p:sp>
@@ -10362,9 +10466,851 @@
           <p:nvPr/>
         </p:nvCxnSpPr>
         <p:spPr>
+          <a:xfrm flipH="1" flipV="1">
+            <a:off x="8158883" y="4744995"/>
+            <a:ext cx="243712" cy="336577"/>
+          </a:xfrm>
+          <a:prstGeom prst="straightConnector1">
+            <a:avLst/>
+          </a:prstGeom>
+          <a:ln w="50800">
+            <a:tailEnd type="triangle"/>
+          </a:ln>
+        </p:spPr>
+        <p:style>
+          <a:lnRef idx="1">
+            <a:schemeClr val="accent1"/>
+          </a:lnRef>
+          <a:fillRef idx="0">
+            <a:schemeClr val="accent1"/>
+          </a:fillRef>
+          <a:effectRef idx="0">
+            <a:schemeClr val="accent1"/>
+          </a:effectRef>
+          <a:fontRef idx="minor">
+            <a:schemeClr val="tx1"/>
+          </a:fontRef>
+        </p:style>
+      </p:cxnSp>
+      <p:sp>
+        <p:nvSpPr>
+          <p:cNvPr id="18" name="圆角矩形 17"/>
+          <p:cNvSpPr/>
+          <p:nvPr/>
+        </p:nvSpPr>
+        <p:spPr>
+          <a:xfrm>
+            <a:off x="6458422" y="5122381"/>
+            <a:ext cx="1094024" cy="475861"/>
+          </a:xfrm>
+          <a:prstGeom prst="roundRect">
+            <a:avLst/>
+          </a:prstGeom>
+        </p:spPr>
+        <p:style>
+          <a:lnRef idx="2">
+            <a:schemeClr val="accent1">
+              <a:shade val="50000"/>
+            </a:schemeClr>
+          </a:lnRef>
+          <a:fillRef idx="1">
+            <a:schemeClr val="accent1"/>
+          </a:fillRef>
+          <a:effectRef idx="0">
+            <a:schemeClr val="accent1"/>
+          </a:effectRef>
+          <a:fontRef idx="minor">
+            <a:schemeClr val="lt1"/>
+          </a:fontRef>
+        </p:style>
+        <p:txBody>
+          <a:bodyPr rtlCol="0" anchor="ctr"/>
+          <a:lstStyle/>
+          <a:p>
+            <a:pPr algn="ctr"/>
+            <a:r>
+              <a:rPr lang="en-US" altLang="zh-CN" sz="1200" dirty="0" smtClean="0"/>
+              <a:t>SCAN</a:t>
+            </a:r>
+            <a:endParaRPr lang="zh-CN" altLang="en-US" sz="1200" dirty="0"/>
+          </a:p>
+        </p:txBody>
+      </p:sp>
+      <p:cxnSp>
+        <p:nvCxnSpPr>
+          <p:cNvPr id="22" name="直接箭头连接符 21"/>
+          <p:cNvCxnSpPr/>
+          <p:nvPr/>
+        </p:nvCxnSpPr>
+        <p:spPr>
           <a:xfrm flipV="1">
-            <a:off x="2278620" y="3026228"/>
-            <a:ext cx="0" cy="402772"/>
+            <a:off x="7103310" y="4744995"/>
+            <a:ext cx="310581" cy="336577"/>
+          </a:xfrm>
+          <a:prstGeom prst="straightConnector1">
+            <a:avLst/>
+          </a:prstGeom>
+          <a:ln w="50800">
+            <a:tailEnd type="triangle"/>
+          </a:ln>
+        </p:spPr>
+        <p:style>
+          <a:lnRef idx="1">
+            <a:schemeClr val="accent1"/>
+          </a:lnRef>
+          <a:fillRef idx="0">
+            <a:schemeClr val="accent1"/>
+          </a:fillRef>
+          <a:effectRef idx="0">
+            <a:schemeClr val="accent1"/>
+          </a:effectRef>
+          <a:fontRef idx="minor">
+            <a:schemeClr val="tx1"/>
+          </a:fontRef>
+        </p:style>
+      </p:cxnSp>
+      <p:graphicFrame>
+        <p:nvGraphicFramePr>
+          <p:cNvPr id="23" name="表格 22"/>
+          <p:cNvGraphicFramePr>
+            <a:graphicFrameLocks noGrp="1"/>
+          </p:cNvGraphicFramePr>
+          <p:nvPr>
+            <p:extLst>
+              <p:ext uri="{D42A27DB-BD31-4B8C-83A1-F6EECF244321}">
+                <p14:modId xmlns:p14="http://schemas.microsoft.com/office/powerpoint/2010/main" val="436035753"/>
+              </p:ext>
+            </p:extLst>
+          </p:nvPr>
+        </p:nvGraphicFramePr>
+        <p:xfrm>
+          <a:off x="5521961" y="4875154"/>
+          <a:ext cx="333828" cy="975360"/>
+        </p:xfrm>
+        <a:graphic>
+          <a:graphicData uri="http://schemas.openxmlformats.org/drawingml/2006/table">
+            <a:tbl>
+              <a:tblPr>
+                <a:tableStyleId>{D7AC3CCA-C797-4891-BE02-D94E43425B78}</a:tableStyleId>
+              </a:tblPr>
+              <a:tblGrid>
+                <a:gridCol w="333828"/>
+              </a:tblGrid>
+              <a:tr h="0">
+                <a:tc>
+                  <a:txBody>
+                    <a:bodyPr/>
+                    <a:lstStyle/>
+                    <a:p>
+                      <a:r>
+                        <a:rPr lang="en-US" altLang="zh-CN" sz="1000" dirty="0" smtClean="0"/>
+                        <a:t>3</a:t>
+                      </a:r>
+                      <a:endParaRPr lang="zh-CN" altLang="en-US" sz="1000" dirty="0"/>
+                    </a:p>
+                  </a:txBody>
+                  <a:tcPr>
+                    <a:solidFill>
+                      <a:schemeClr val="accent5">
+                        <a:lumMod val="60000"/>
+                        <a:lumOff val="40000"/>
+                      </a:schemeClr>
+                    </a:solidFill>
+                  </a:tcPr>
+                </a:tc>
+              </a:tr>
+              <a:tr h="215416">
+                <a:tc>
+                  <a:txBody>
+                    <a:bodyPr/>
+                    <a:lstStyle/>
+                    <a:p>
+                      <a:r>
+                        <a:rPr lang="en-US" altLang="zh-CN" sz="1000" dirty="0" smtClean="0"/>
+                        <a:t>5</a:t>
+                      </a:r>
+                      <a:endParaRPr lang="zh-CN" altLang="en-US" sz="1000" dirty="0"/>
+                    </a:p>
+                  </a:txBody>
+                  <a:tcPr>
+                    <a:solidFill>
+                      <a:schemeClr val="accent5">
+                        <a:lumMod val="60000"/>
+                        <a:lumOff val="40000"/>
+                      </a:schemeClr>
+                    </a:solidFill>
+                  </a:tcPr>
+                </a:tc>
+              </a:tr>
+              <a:tr h="215416">
+                <a:tc>
+                  <a:txBody>
+                    <a:bodyPr/>
+                    <a:lstStyle/>
+                    <a:p>
+                      <a:r>
+                        <a:rPr lang="en-US" altLang="zh-CN" sz="1000" dirty="0" smtClean="0"/>
+                        <a:t>7</a:t>
+                      </a:r>
+                      <a:endParaRPr lang="zh-CN" altLang="en-US" sz="1000" dirty="0"/>
+                    </a:p>
+                  </a:txBody>
+                  <a:tcPr>
+                    <a:solidFill>
+                      <a:schemeClr val="accent5">
+                        <a:lumMod val="60000"/>
+                        <a:lumOff val="40000"/>
+                      </a:schemeClr>
+                    </a:solidFill>
+                  </a:tcPr>
+                </a:tc>
+              </a:tr>
+              <a:tr h="215416">
+                <a:tc>
+                  <a:txBody>
+                    <a:bodyPr/>
+                    <a:lstStyle/>
+                    <a:p>
+                      <a:r>
+                        <a:rPr lang="en-US" altLang="zh-CN" sz="1000" dirty="0" smtClean="0"/>
+                        <a:t>12</a:t>
+                      </a:r>
+                      <a:endParaRPr lang="zh-CN" altLang="en-US" sz="1000" dirty="0"/>
+                    </a:p>
+                  </a:txBody>
+                  <a:tcPr>
+                    <a:solidFill>
+                      <a:schemeClr val="accent5">
+                        <a:lumMod val="60000"/>
+                        <a:lumOff val="40000"/>
+                      </a:schemeClr>
+                    </a:solidFill>
+                  </a:tcPr>
+                </a:tc>
+              </a:tr>
+            </a:tbl>
+          </a:graphicData>
+        </a:graphic>
+      </p:graphicFrame>
+      <p:cxnSp>
+        <p:nvCxnSpPr>
+          <p:cNvPr id="24" name="直接箭头连接符 23"/>
+          <p:cNvCxnSpPr/>
+          <p:nvPr/>
+        </p:nvCxnSpPr>
+        <p:spPr>
+          <a:xfrm>
+            <a:off x="5988910" y="5377374"/>
+            <a:ext cx="361102" cy="0"/>
+          </a:xfrm>
+          <a:prstGeom prst="straightConnector1">
+            <a:avLst/>
+          </a:prstGeom>
+          <a:ln w="50800">
+            <a:tailEnd type="triangle"/>
+          </a:ln>
+        </p:spPr>
+        <p:style>
+          <a:lnRef idx="1">
+            <a:schemeClr val="accent1"/>
+          </a:lnRef>
+          <a:fillRef idx="0">
+            <a:schemeClr val="accent1"/>
+          </a:fillRef>
+          <a:effectRef idx="0">
+            <a:schemeClr val="accent1"/>
+          </a:effectRef>
+          <a:fontRef idx="minor">
+            <a:schemeClr val="tx1"/>
+          </a:fontRef>
+        </p:style>
+      </p:cxnSp>
+      <p:graphicFrame>
+        <p:nvGraphicFramePr>
+          <p:cNvPr id="31" name="表格 30"/>
+          <p:cNvGraphicFramePr>
+            <a:graphicFrameLocks noGrp="1"/>
+          </p:cNvGraphicFramePr>
+          <p:nvPr>
+            <p:extLst>
+              <p:ext uri="{D42A27DB-BD31-4B8C-83A1-F6EECF244321}">
+                <p14:modId xmlns:p14="http://schemas.microsoft.com/office/powerpoint/2010/main" val="4164719559"/>
+              </p:ext>
+            </p:extLst>
+          </p:nvPr>
+        </p:nvGraphicFramePr>
+        <p:xfrm>
+          <a:off x="5695774" y="3481372"/>
+          <a:ext cx="1042777" cy="975360"/>
+        </p:xfrm>
+        <a:graphic>
+          <a:graphicData uri="http://schemas.openxmlformats.org/drawingml/2006/table">
+            <a:tbl>
+              <a:tblPr>
+                <a:tableStyleId>{D7AC3CCA-C797-4891-BE02-D94E43425B78}</a:tableStyleId>
+              </a:tblPr>
+              <a:tblGrid>
+                <a:gridCol w="359037"/>
+                <a:gridCol w="327099"/>
+                <a:gridCol w="356641"/>
+              </a:tblGrid>
+              <a:tr h="0">
+                <a:tc>
+                  <a:txBody>
+                    <a:bodyPr/>
+                    <a:lstStyle/>
+                    <a:p>
+                      <a:r>
+                        <a:rPr lang="en-US" altLang="zh-CN" sz="1000" dirty="0" smtClean="0"/>
+                        <a:t>3</a:t>
+                      </a:r>
+                      <a:endParaRPr lang="zh-CN" altLang="en-US" sz="1000" dirty="0"/>
+                    </a:p>
+                  </a:txBody>
+                  <a:tcPr>
+                    <a:solidFill>
+                      <a:schemeClr val="accent5">
+                        <a:lumMod val="60000"/>
+                        <a:lumOff val="40000"/>
+                      </a:schemeClr>
+                    </a:solidFill>
+                  </a:tcPr>
+                </a:tc>
+                <a:tc>
+                  <a:txBody>
+                    <a:bodyPr/>
+                    <a:lstStyle/>
+                    <a:p>
+                      <a:r>
+                        <a:rPr lang="en-US" altLang="zh-CN" sz="1000" dirty="0" smtClean="0"/>
+                        <a:t>1</a:t>
+                      </a:r>
+                      <a:endParaRPr lang="zh-CN" altLang="en-US" sz="1000" dirty="0"/>
+                    </a:p>
+                  </a:txBody>
+                  <a:tcPr>
+                    <a:solidFill>
+                      <a:schemeClr val="accent4">
+                        <a:lumMod val="60000"/>
+                        <a:lumOff val="40000"/>
+                      </a:schemeClr>
+                    </a:solidFill>
+                  </a:tcPr>
+                </a:tc>
+                <a:tc>
+                  <a:txBody>
+                    <a:bodyPr/>
+                    <a:lstStyle/>
+                    <a:p>
+                      <a:r>
+                        <a:rPr lang="en-US" altLang="zh-CN" sz="1000" dirty="0" smtClean="0"/>
+                        <a:t>x</a:t>
+                      </a:r>
+                      <a:endParaRPr lang="zh-CN" altLang="en-US" sz="1000" dirty="0"/>
+                    </a:p>
+                  </a:txBody>
+                  <a:tcPr>
+                    <a:solidFill>
+                      <a:schemeClr val="bg2"/>
+                    </a:solidFill>
+                  </a:tcPr>
+                </a:tc>
+              </a:tr>
+              <a:tr h="215416">
+                <a:tc>
+                  <a:txBody>
+                    <a:bodyPr/>
+                    <a:lstStyle/>
+                    <a:p>
+                      <a:r>
+                        <a:rPr lang="en-US" altLang="zh-CN" sz="1000" dirty="0" smtClean="0"/>
+                        <a:t>5</a:t>
+                      </a:r>
+                      <a:endParaRPr lang="zh-CN" altLang="en-US" sz="1000" dirty="0"/>
+                    </a:p>
+                  </a:txBody>
+                  <a:tcPr>
+                    <a:solidFill>
+                      <a:schemeClr val="accent5">
+                        <a:lumMod val="60000"/>
+                        <a:lumOff val="40000"/>
+                      </a:schemeClr>
+                    </a:solidFill>
+                  </a:tcPr>
+                </a:tc>
+                <a:tc>
+                  <a:txBody>
+                    <a:bodyPr/>
+                    <a:lstStyle/>
+                    <a:p>
+                      <a:r>
+                        <a:rPr lang="en-US" altLang="zh-CN" sz="1000" dirty="0" smtClean="0"/>
+                        <a:t>4</a:t>
+                      </a:r>
+                      <a:endParaRPr lang="zh-CN" altLang="en-US" sz="1000" dirty="0"/>
+                    </a:p>
+                  </a:txBody>
+                  <a:tcPr>
+                    <a:solidFill>
+                      <a:schemeClr val="accent4">
+                        <a:lumMod val="60000"/>
+                        <a:lumOff val="40000"/>
+                      </a:schemeClr>
+                    </a:solidFill>
+                  </a:tcPr>
+                </a:tc>
+                <a:tc>
+                  <a:txBody>
+                    <a:bodyPr/>
+                    <a:lstStyle/>
+                    <a:p>
+                      <a:pPr marL="0" marR="0" indent="0" algn="l" defTabSz="914400" rtl="0" eaLnBrk="1" fontAlgn="auto" latinLnBrk="0" hangingPunct="1">
+                        <a:lnSpc>
+                          <a:spcPct val="100000"/>
+                        </a:lnSpc>
+                        <a:spcBef>
+                          <a:spcPts val="0"/>
+                        </a:spcBef>
+                        <a:spcAft>
+                          <a:spcPts val="0"/>
+                        </a:spcAft>
+                        <a:buClrTx/>
+                        <a:buSzTx/>
+                        <a:buFontTx/>
+                        <a:buNone/>
+                        <a:tabLst/>
+                        <a:defRPr/>
+                      </a:pPr>
+                      <a:r>
+                        <a:rPr lang="zh-CN" altLang="en-US" sz="1000" dirty="0" smtClean="0"/>
+                        <a:t>√</a:t>
+                      </a:r>
+                    </a:p>
+                  </a:txBody>
+                  <a:tcPr>
+                    <a:solidFill>
+                      <a:schemeClr val="bg2"/>
+                    </a:solidFill>
+                  </a:tcPr>
+                </a:tc>
+              </a:tr>
+              <a:tr h="215416">
+                <a:tc>
+                  <a:txBody>
+                    <a:bodyPr/>
+                    <a:lstStyle/>
+                    <a:p>
+                      <a:r>
+                        <a:rPr lang="en-US" altLang="zh-CN" sz="1000" dirty="0" smtClean="0"/>
+                        <a:t>7</a:t>
+                      </a:r>
+                      <a:endParaRPr lang="zh-CN" altLang="en-US" sz="1000" dirty="0"/>
+                    </a:p>
+                  </a:txBody>
+                  <a:tcPr>
+                    <a:solidFill>
+                      <a:schemeClr val="accent5">
+                        <a:lumMod val="60000"/>
+                        <a:lumOff val="40000"/>
+                      </a:schemeClr>
+                    </a:solidFill>
+                  </a:tcPr>
+                </a:tc>
+                <a:tc>
+                  <a:txBody>
+                    <a:bodyPr/>
+                    <a:lstStyle/>
+                    <a:p>
+                      <a:r>
+                        <a:rPr lang="en-US" altLang="zh-CN" sz="1000" dirty="0" smtClean="0"/>
+                        <a:t>5</a:t>
+                      </a:r>
+                      <a:endParaRPr lang="zh-CN" altLang="en-US" sz="1000" dirty="0"/>
+                    </a:p>
+                  </a:txBody>
+                  <a:tcPr>
+                    <a:solidFill>
+                      <a:schemeClr val="accent4">
+                        <a:lumMod val="60000"/>
+                        <a:lumOff val="40000"/>
+                      </a:schemeClr>
+                    </a:solidFill>
+                  </a:tcPr>
+                </a:tc>
+                <a:tc>
+                  <a:txBody>
+                    <a:bodyPr/>
+                    <a:lstStyle/>
+                    <a:p>
+                      <a:r>
+                        <a:rPr lang="en-US" altLang="zh-CN" sz="1000" dirty="0" smtClean="0"/>
+                        <a:t>x</a:t>
+                      </a:r>
+                      <a:endParaRPr lang="zh-CN" altLang="en-US" sz="1000" dirty="0"/>
+                    </a:p>
+                  </a:txBody>
+                  <a:tcPr>
+                    <a:solidFill>
+                      <a:schemeClr val="bg2"/>
+                    </a:solidFill>
+                  </a:tcPr>
+                </a:tc>
+              </a:tr>
+              <a:tr h="215416">
+                <a:tc>
+                  <a:txBody>
+                    <a:bodyPr/>
+                    <a:lstStyle/>
+                    <a:p>
+                      <a:r>
+                        <a:rPr lang="en-US" altLang="zh-CN" sz="1000" dirty="0" smtClean="0"/>
+                        <a:t>12</a:t>
+                      </a:r>
+                      <a:endParaRPr lang="zh-CN" altLang="en-US" sz="1000" dirty="0"/>
+                    </a:p>
+                  </a:txBody>
+                  <a:tcPr>
+                    <a:solidFill>
+                      <a:schemeClr val="accent5">
+                        <a:lumMod val="60000"/>
+                        <a:lumOff val="40000"/>
+                      </a:schemeClr>
+                    </a:solidFill>
+                  </a:tcPr>
+                </a:tc>
+                <a:tc>
+                  <a:txBody>
+                    <a:bodyPr/>
+                    <a:lstStyle/>
+                    <a:p>
+                      <a:r>
+                        <a:rPr lang="en-US" altLang="zh-CN" sz="1000" dirty="0" smtClean="0"/>
+                        <a:t>10</a:t>
+                      </a:r>
+                      <a:endParaRPr lang="zh-CN" altLang="en-US" sz="1000" dirty="0"/>
+                    </a:p>
+                  </a:txBody>
+                  <a:tcPr>
+                    <a:solidFill>
+                      <a:schemeClr val="accent4">
+                        <a:lumMod val="60000"/>
+                        <a:lumOff val="40000"/>
+                      </a:schemeClr>
+                    </a:solidFill>
+                  </a:tcPr>
+                </a:tc>
+                <a:tc>
+                  <a:txBody>
+                    <a:bodyPr/>
+                    <a:lstStyle/>
+                    <a:p>
+                      <a:pPr marL="0" marR="0" indent="0" algn="l" defTabSz="914400" rtl="0" eaLnBrk="1" fontAlgn="auto" latinLnBrk="0" hangingPunct="1">
+                        <a:lnSpc>
+                          <a:spcPct val="100000"/>
+                        </a:lnSpc>
+                        <a:spcBef>
+                          <a:spcPts val="0"/>
+                        </a:spcBef>
+                        <a:spcAft>
+                          <a:spcPts val="0"/>
+                        </a:spcAft>
+                        <a:buClrTx/>
+                        <a:buSzTx/>
+                        <a:buFontTx/>
+                        <a:buNone/>
+                        <a:tabLst/>
+                        <a:defRPr/>
+                      </a:pPr>
+                      <a:r>
+                        <a:rPr lang="zh-CN" altLang="en-US" sz="1000" dirty="0" smtClean="0"/>
+                        <a:t>√</a:t>
+                      </a:r>
+                    </a:p>
+                  </a:txBody>
+                  <a:tcPr>
+                    <a:solidFill>
+                      <a:schemeClr val="bg2"/>
+                    </a:solidFill>
+                  </a:tcPr>
+                </a:tc>
+              </a:tr>
+            </a:tbl>
+          </a:graphicData>
+        </a:graphic>
+      </p:graphicFrame>
+      <p:cxnSp>
+        <p:nvCxnSpPr>
+          <p:cNvPr id="39" name="直接箭头连接符 38"/>
+          <p:cNvCxnSpPr/>
+          <p:nvPr/>
+        </p:nvCxnSpPr>
+        <p:spPr>
+          <a:xfrm flipH="1" flipV="1">
+            <a:off x="9220237" y="5412956"/>
+            <a:ext cx="310991" cy="35580"/>
+          </a:xfrm>
+          <a:prstGeom prst="straightConnector1">
+            <a:avLst/>
+          </a:prstGeom>
+          <a:ln w="50800">
+            <a:tailEnd type="triangle"/>
+          </a:ln>
+        </p:spPr>
+        <p:style>
+          <a:lnRef idx="1">
+            <a:schemeClr val="accent1"/>
+          </a:lnRef>
+          <a:fillRef idx="0">
+            <a:schemeClr val="accent1"/>
+          </a:fillRef>
+          <a:effectRef idx="0">
+            <a:schemeClr val="accent1"/>
+          </a:effectRef>
+          <a:fontRef idx="minor">
+            <a:schemeClr val="tx1"/>
+          </a:fontRef>
+        </p:style>
+      </p:cxnSp>
+      <p:cxnSp>
+        <p:nvCxnSpPr>
+          <p:cNvPr id="45" name="直接箭头连接符 44"/>
+          <p:cNvCxnSpPr/>
+          <p:nvPr/>
+        </p:nvCxnSpPr>
+        <p:spPr>
+          <a:xfrm flipH="1" flipV="1">
+            <a:off x="6903308" y="4112743"/>
+            <a:ext cx="200002" cy="129743"/>
+          </a:xfrm>
+          <a:prstGeom prst="straightConnector1">
+            <a:avLst/>
+          </a:prstGeom>
+          <a:ln w="50800">
+            <a:tailEnd type="triangle"/>
+          </a:ln>
+        </p:spPr>
+        <p:style>
+          <a:lnRef idx="1">
+            <a:schemeClr val="accent1"/>
+          </a:lnRef>
+          <a:fillRef idx="0">
+            <a:schemeClr val="accent1"/>
+          </a:fillRef>
+          <a:effectRef idx="0">
+            <a:schemeClr val="accent1"/>
+          </a:effectRef>
+          <a:fontRef idx="minor">
+            <a:schemeClr val="tx1"/>
+          </a:fontRef>
+        </p:style>
+      </p:cxnSp>
+      <p:sp>
+        <p:nvSpPr>
+          <p:cNvPr id="48" name="圆角矩形 47"/>
+          <p:cNvSpPr/>
+          <p:nvPr/>
+        </p:nvSpPr>
+        <p:spPr>
+          <a:xfrm>
+            <a:off x="7186715" y="3103104"/>
+            <a:ext cx="1094024" cy="475861"/>
+          </a:xfrm>
+          <a:prstGeom prst="roundRect">
+            <a:avLst/>
+          </a:prstGeom>
+        </p:spPr>
+        <p:style>
+          <a:lnRef idx="2">
+            <a:schemeClr val="accent1">
+              <a:shade val="50000"/>
+            </a:schemeClr>
+          </a:lnRef>
+          <a:fillRef idx="1">
+            <a:schemeClr val="accent1"/>
+          </a:fillRef>
+          <a:effectRef idx="0">
+            <a:schemeClr val="accent1"/>
+          </a:effectRef>
+          <a:fontRef idx="minor">
+            <a:schemeClr val="lt1"/>
+          </a:fontRef>
+        </p:style>
+        <p:txBody>
+          <a:bodyPr rtlCol="0" anchor="ctr"/>
+          <a:lstStyle/>
+          <a:p>
+            <a:pPr algn="ctr"/>
+            <a:r>
+              <a:rPr lang="en-US" altLang="zh-CN" sz="1200" dirty="0" smtClean="0"/>
+              <a:t>PROJECT</a:t>
+            </a:r>
+            <a:endParaRPr lang="zh-CN" altLang="en-US" sz="1200" dirty="0"/>
+          </a:p>
+        </p:txBody>
+      </p:sp>
+      <p:cxnSp>
+        <p:nvCxnSpPr>
+          <p:cNvPr id="50" name="直接箭头连接符 49"/>
+          <p:cNvCxnSpPr/>
+          <p:nvPr/>
+        </p:nvCxnSpPr>
+        <p:spPr>
+          <a:xfrm flipV="1">
+            <a:off x="7733727" y="3716111"/>
+            <a:ext cx="0" cy="303954"/>
+          </a:xfrm>
+          <a:prstGeom prst="straightConnector1">
+            <a:avLst/>
+          </a:prstGeom>
+          <a:ln w="50800">
+            <a:tailEnd type="triangle"/>
+          </a:ln>
+        </p:spPr>
+        <p:style>
+          <a:lnRef idx="1">
+            <a:schemeClr val="accent1"/>
+          </a:lnRef>
+          <a:fillRef idx="0">
+            <a:schemeClr val="accent1"/>
+          </a:fillRef>
+          <a:effectRef idx="0">
+            <a:schemeClr val="accent1"/>
+          </a:effectRef>
+          <a:fontRef idx="minor">
+            <a:schemeClr val="tx1"/>
+          </a:fontRef>
+        </p:style>
+      </p:cxnSp>
+      <p:graphicFrame>
+        <p:nvGraphicFramePr>
+          <p:cNvPr id="52" name="表格 51"/>
+          <p:cNvGraphicFramePr>
+            <a:graphicFrameLocks noGrp="1"/>
+          </p:cNvGraphicFramePr>
+          <p:nvPr>
+            <p:extLst>
+              <p:ext uri="{D42A27DB-BD31-4B8C-83A1-F6EECF244321}">
+                <p14:modId xmlns:p14="http://schemas.microsoft.com/office/powerpoint/2010/main" val="1597026081"/>
+              </p:ext>
+            </p:extLst>
+          </p:nvPr>
+        </p:nvGraphicFramePr>
+        <p:xfrm>
+          <a:off x="8745781" y="3091285"/>
+          <a:ext cx="686136" cy="487680"/>
+        </p:xfrm>
+        <a:graphic>
+          <a:graphicData uri="http://schemas.openxmlformats.org/drawingml/2006/table">
+            <a:tbl>
+              <a:tblPr>
+                <a:tableStyleId>{D7AC3CCA-C797-4891-BE02-D94E43425B78}</a:tableStyleId>
+              </a:tblPr>
+              <a:tblGrid>
+                <a:gridCol w="359037"/>
+                <a:gridCol w="327099"/>
+              </a:tblGrid>
+              <a:tr h="215416">
+                <a:tc>
+                  <a:txBody>
+                    <a:bodyPr/>
+                    <a:lstStyle/>
+                    <a:p>
+                      <a:r>
+                        <a:rPr lang="en-US" altLang="zh-CN" sz="1000" dirty="0" smtClean="0"/>
+                        <a:t>5</a:t>
+                      </a:r>
+                      <a:endParaRPr lang="zh-CN" altLang="en-US" sz="1000" dirty="0"/>
+                    </a:p>
+                  </a:txBody>
+                  <a:tcPr>
+                    <a:solidFill>
+                      <a:schemeClr val="accent5">
+                        <a:lumMod val="60000"/>
+                        <a:lumOff val="40000"/>
+                      </a:schemeClr>
+                    </a:solidFill>
+                  </a:tcPr>
+                </a:tc>
+                <a:tc>
+                  <a:txBody>
+                    <a:bodyPr/>
+                    <a:lstStyle/>
+                    <a:p>
+                      <a:r>
+                        <a:rPr lang="en-US" altLang="zh-CN" sz="1000" dirty="0" smtClean="0"/>
+                        <a:t>4</a:t>
+                      </a:r>
+                      <a:endParaRPr lang="zh-CN" altLang="en-US" sz="1000" dirty="0"/>
+                    </a:p>
+                  </a:txBody>
+                  <a:tcPr>
+                    <a:solidFill>
+                      <a:schemeClr val="accent4">
+                        <a:lumMod val="60000"/>
+                        <a:lumOff val="40000"/>
+                      </a:schemeClr>
+                    </a:solidFill>
+                  </a:tcPr>
+                </a:tc>
+              </a:tr>
+              <a:tr h="215416">
+                <a:tc>
+                  <a:txBody>
+                    <a:bodyPr/>
+                    <a:lstStyle/>
+                    <a:p>
+                      <a:r>
+                        <a:rPr lang="en-US" altLang="zh-CN" sz="1000" dirty="0" smtClean="0"/>
+                        <a:t>12</a:t>
+                      </a:r>
+                      <a:endParaRPr lang="zh-CN" altLang="en-US" sz="1000" dirty="0"/>
+                    </a:p>
+                  </a:txBody>
+                  <a:tcPr>
+                    <a:solidFill>
+                      <a:schemeClr val="accent5">
+                        <a:lumMod val="60000"/>
+                        <a:lumOff val="40000"/>
+                      </a:schemeClr>
+                    </a:solidFill>
+                  </a:tcPr>
+                </a:tc>
+                <a:tc>
+                  <a:txBody>
+                    <a:bodyPr/>
+                    <a:lstStyle/>
+                    <a:p>
+                      <a:r>
+                        <a:rPr lang="en-US" altLang="zh-CN" sz="1000" dirty="0" smtClean="0"/>
+                        <a:t>10</a:t>
+                      </a:r>
+                      <a:endParaRPr lang="zh-CN" altLang="en-US" sz="1000" dirty="0"/>
+                    </a:p>
+                  </a:txBody>
+                  <a:tcPr>
+                    <a:solidFill>
+                      <a:schemeClr val="accent4">
+                        <a:lumMod val="60000"/>
+                        <a:lumOff val="40000"/>
+                      </a:schemeClr>
+                    </a:solidFill>
+                  </a:tcPr>
+                </a:tc>
+              </a:tr>
+            </a:tbl>
+          </a:graphicData>
+        </a:graphic>
+      </p:graphicFrame>
+      <p:cxnSp>
+        <p:nvCxnSpPr>
+          <p:cNvPr id="53" name="直接箭头连接符 52"/>
+          <p:cNvCxnSpPr/>
+          <p:nvPr/>
+        </p:nvCxnSpPr>
+        <p:spPr>
+          <a:xfrm>
+            <a:off x="8402595" y="3341034"/>
+            <a:ext cx="263610" cy="0"/>
           </a:xfrm>
           <a:prstGeom prst="straightConnector1">
             <a:avLst/>

--- a/doc/thor architecture.pptx
+++ b/doc/thor architecture.pptx
@@ -13,6 +13,7 @@
     <p:sldId id="262" r:id="rId7"/>
     <p:sldId id="261" r:id="rId8"/>
     <p:sldId id="263" r:id="rId9"/>
+    <p:sldId id="264" r:id="rId10"/>
   </p:sldIdLst>
   <p:sldSz cx="12192000" cy="6858000"/>
   <p:notesSz cx="6858000" cy="9144000"/>
@@ -250,7 +251,7 @@
           <a:p>
             <a:fld id="{26E5557C-EA97-4CBB-BFBF-8E388EEF4F51}" type="datetimeFigureOut">
               <a:rPr lang="zh-CN" altLang="en-US" smtClean="0"/>
-              <a:t>2014/8/10</a:t>
+              <a:t>2014/8/14</a:t>
             </a:fld>
             <a:endParaRPr lang="zh-CN" altLang="en-US"/>
           </a:p>
@@ -420,7 +421,7 @@
           <a:p>
             <a:fld id="{26E5557C-EA97-4CBB-BFBF-8E388EEF4F51}" type="datetimeFigureOut">
               <a:rPr lang="zh-CN" altLang="en-US" smtClean="0"/>
-              <a:t>2014/8/10</a:t>
+              <a:t>2014/8/14</a:t>
             </a:fld>
             <a:endParaRPr lang="zh-CN" altLang="en-US"/>
           </a:p>
@@ -600,7 +601,7 @@
           <a:p>
             <a:fld id="{26E5557C-EA97-4CBB-BFBF-8E388EEF4F51}" type="datetimeFigureOut">
               <a:rPr lang="zh-CN" altLang="en-US" smtClean="0"/>
-              <a:t>2014/8/10</a:t>
+              <a:t>2014/8/14</a:t>
             </a:fld>
             <a:endParaRPr lang="zh-CN" altLang="en-US"/>
           </a:p>
@@ -770,7 +771,7 @@
           <a:p>
             <a:fld id="{26E5557C-EA97-4CBB-BFBF-8E388EEF4F51}" type="datetimeFigureOut">
               <a:rPr lang="zh-CN" altLang="en-US" smtClean="0"/>
-              <a:t>2014/8/10</a:t>
+              <a:t>2014/8/14</a:t>
             </a:fld>
             <a:endParaRPr lang="zh-CN" altLang="en-US"/>
           </a:p>
@@ -1016,7 +1017,7 @@
           <a:p>
             <a:fld id="{26E5557C-EA97-4CBB-BFBF-8E388EEF4F51}" type="datetimeFigureOut">
               <a:rPr lang="zh-CN" altLang="en-US" smtClean="0"/>
-              <a:t>2014/8/10</a:t>
+              <a:t>2014/8/14</a:t>
             </a:fld>
             <a:endParaRPr lang="zh-CN" altLang="en-US"/>
           </a:p>
@@ -1248,7 +1249,7 @@
           <a:p>
             <a:fld id="{26E5557C-EA97-4CBB-BFBF-8E388EEF4F51}" type="datetimeFigureOut">
               <a:rPr lang="zh-CN" altLang="en-US" smtClean="0"/>
-              <a:t>2014/8/10</a:t>
+              <a:t>2014/8/14</a:t>
             </a:fld>
             <a:endParaRPr lang="zh-CN" altLang="en-US"/>
           </a:p>
@@ -1615,7 +1616,7 @@
           <a:p>
             <a:fld id="{26E5557C-EA97-4CBB-BFBF-8E388EEF4F51}" type="datetimeFigureOut">
               <a:rPr lang="zh-CN" altLang="en-US" smtClean="0"/>
-              <a:t>2014/8/10</a:t>
+              <a:t>2014/8/14</a:t>
             </a:fld>
             <a:endParaRPr lang="zh-CN" altLang="en-US"/>
           </a:p>
@@ -1738,7 +1739,7 @@
           <a:p>
             <a:fld id="{26E5557C-EA97-4CBB-BFBF-8E388EEF4F51}" type="datetimeFigureOut">
               <a:rPr lang="zh-CN" altLang="en-US" smtClean="0"/>
-              <a:t>2014/8/10</a:t>
+              <a:t>2014/8/14</a:t>
             </a:fld>
             <a:endParaRPr lang="zh-CN" altLang="en-US"/>
           </a:p>
@@ -1833,7 +1834,7 @@
           <a:p>
             <a:fld id="{26E5557C-EA97-4CBB-BFBF-8E388EEF4F51}" type="datetimeFigureOut">
               <a:rPr lang="zh-CN" altLang="en-US" smtClean="0"/>
-              <a:t>2014/8/10</a:t>
+              <a:t>2014/8/14</a:t>
             </a:fld>
             <a:endParaRPr lang="zh-CN" altLang="en-US"/>
           </a:p>
@@ -2110,7 +2111,7 @@
           <a:p>
             <a:fld id="{26E5557C-EA97-4CBB-BFBF-8E388EEF4F51}" type="datetimeFigureOut">
               <a:rPr lang="zh-CN" altLang="en-US" smtClean="0"/>
-              <a:t>2014/8/10</a:t>
+              <a:t>2014/8/14</a:t>
             </a:fld>
             <a:endParaRPr lang="zh-CN" altLang="en-US"/>
           </a:p>
@@ -2367,7 +2368,7 @@
           <a:p>
             <a:fld id="{26E5557C-EA97-4CBB-BFBF-8E388EEF4F51}" type="datetimeFigureOut">
               <a:rPr lang="zh-CN" altLang="en-US" smtClean="0"/>
-              <a:t>2014/8/10</a:t>
+              <a:t>2014/8/14</a:t>
             </a:fld>
             <a:endParaRPr lang="zh-CN" altLang="en-US"/>
           </a:p>
@@ -2580,7 +2581,7 @@
           <a:p>
             <a:fld id="{26E5557C-EA97-4CBB-BFBF-8E388EEF4F51}" type="datetimeFigureOut">
               <a:rPr lang="zh-CN" altLang="en-US" smtClean="0"/>
-              <a:t>2014/8/10</a:t>
+              <a:t>2014/8/14</a:t>
             </a:fld>
             <a:endParaRPr lang="zh-CN" altLang="en-US"/>
           </a:p>
@@ -11347,6 +11348,737 @@
 </p:sld>
 </file>
 
+<file path=ppt/slides/slide9.xml><?xml version="1.0" encoding="utf-8"?>
+<p:sld xmlns:a="http://schemas.openxmlformats.org/drawingml/2006/main" xmlns:r="http://schemas.openxmlformats.org/officeDocument/2006/relationships" xmlns:p="http://schemas.openxmlformats.org/presentationml/2006/main">
+  <p:cSld>
+    <p:spTree>
+      <p:nvGrpSpPr>
+        <p:cNvPr id="1" name=""/>
+        <p:cNvGrpSpPr/>
+        <p:nvPr/>
+      </p:nvGrpSpPr>
+      <p:grpSpPr>
+        <a:xfrm>
+          <a:off x="0" y="0"/>
+          <a:ext cx="0" cy="0"/>
+          <a:chOff x="0" y="0"/>
+          <a:chExt cx="0" cy="0"/>
+        </a:xfrm>
+      </p:grpSpPr>
+      <p:sp>
+        <p:nvSpPr>
+          <p:cNvPr id="2" name="标题 1"/>
+          <p:cNvSpPr>
+            <a:spLocks noGrp="1"/>
+          </p:cNvSpPr>
+          <p:nvPr>
+            <p:ph type="title"/>
+          </p:nvPr>
+        </p:nvSpPr>
+        <p:spPr/>
+        <p:txBody>
+          <a:bodyPr/>
+          <a:lstStyle/>
+          <a:p>
+            <a:r>
+              <a:rPr lang="zh-CN" altLang="en-US" smtClean="0"/>
+              <a:t>内存管理</a:t>
+            </a:r>
+            <a:endParaRPr lang="zh-CN" altLang="en-US"/>
+          </a:p>
+        </p:txBody>
+      </p:sp>
+      <p:sp>
+        <p:nvSpPr>
+          <p:cNvPr id="4" name="圆角矩形 3"/>
+          <p:cNvSpPr/>
+          <p:nvPr/>
+        </p:nvSpPr>
+        <p:spPr>
+          <a:xfrm>
+            <a:off x="2833693" y="3932464"/>
+            <a:ext cx="601045" cy="398104"/>
+          </a:xfrm>
+          <a:prstGeom prst="roundRect">
+            <a:avLst/>
+          </a:prstGeom>
+        </p:spPr>
+        <p:style>
+          <a:lnRef idx="2">
+            <a:schemeClr val="accent1">
+              <a:shade val="50000"/>
+            </a:schemeClr>
+          </a:lnRef>
+          <a:fillRef idx="1">
+            <a:schemeClr val="accent1"/>
+          </a:fillRef>
+          <a:effectRef idx="0">
+            <a:schemeClr val="accent1"/>
+          </a:effectRef>
+          <a:fontRef idx="minor">
+            <a:schemeClr val="lt1"/>
+          </a:fontRef>
+        </p:style>
+        <p:txBody>
+          <a:bodyPr rtlCol="0" anchor="ctr"/>
+          <a:lstStyle/>
+          <a:p>
+            <a:pPr algn="ctr"/>
+            <a:r>
+              <a:rPr lang="en-US" altLang="zh-CN" sz="1200" smtClean="0"/>
+              <a:t>page</a:t>
+            </a:r>
+            <a:endParaRPr lang="zh-CN" altLang="en-US" sz="1200"/>
+          </a:p>
+        </p:txBody>
+      </p:sp>
+      <p:sp>
+        <p:nvSpPr>
+          <p:cNvPr id="5" name="圆角矩形 4"/>
+          <p:cNvSpPr/>
+          <p:nvPr/>
+        </p:nvSpPr>
+        <p:spPr>
+          <a:xfrm>
+            <a:off x="3751202" y="3932464"/>
+            <a:ext cx="601045" cy="398104"/>
+          </a:xfrm>
+          <a:prstGeom prst="roundRect">
+            <a:avLst/>
+          </a:prstGeom>
+        </p:spPr>
+        <p:style>
+          <a:lnRef idx="2">
+            <a:schemeClr val="accent1">
+              <a:shade val="50000"/>
+            </a:schemeClr>
+          </a:lnRef>
+          <a:fillRef idx="1">
+            <a:schemeClr val="accent1"/>
+          </a:fillRef>
+          <a:effectRef idx="0">
+            <a:schemeClr val="accent1"/>
+          </a:effectRef>
+          <a:fontRef idx="minor">
+            <a:schemeClr val="lt1"/>
+          </a:fontRef>
+        </p:style>
+        <p:txBody>
+          <a:bodyPr rtlCol="0" anchor="ctr"/>
+          <a:lstStyle/>
+          <a:p>
+            <a:pPr algn="ctr"/>
+            <a:r>
+              <a:rPr lang="en-US" altLang="zh-CN" sz="1200" smtClean="0"/>
+              <a:t>page</a:t>
+            </a:r>
+            <a:endParaRPr lang="zh-CN" altLang="en-US" sz="1200"/>
+          </a:p>
+        </p:txBody>
+      </p:sp>
+      <p:grpSp>
+        <p:nvGrpSpPr>
+          <p:cNvPr id="17" name="组合 16"/>
+          <p:cNvGrpSpPr/>
+          <p:nvPr/>
+        </p:nvGrpSpPr>
+        <p:grpSpPr>
+          <a:xfrm>
+            <a:off x="1708575" y="1730427"/>
+            <a:ext cx="578498" cy="2338888"/>
+            <a:chOff x="970384" y="1539540"/>
+            <a:chExt cx="578498" cy="2338888"/>
+          </a:xfrm>
+        </p:grpSpPr>
+        <p:sp>
+          <p:nvSpPr>
+            <p:cNvPr id="9" name="矩形 8"/>
+            <p:cNvSpPr/>
+            <p:nvPr/>
+          </p:nvSpPr>
+          <p:spPr>
+            <a:xfrm>
+              <a:off x="970384" y="3586067"/>
+              <a:ext cx="578498" cy="292361"/>
+            </a:xfrm>
+            <a:prstGeom prst="rect">
+              <a:avLst/>
+            </a:prstGeom>
+          </p:spPr>
+          <p:style>
+            <a:lnRef idx="2">
+              <a:schemeClr val="accent3">
+                <a:shade val="50000"/>
+              </a:schemeClr>
+            </a:lnRef>
+            <a:fillRef idx="1">
+              <a:schemeClr val="accent3"/>
+            </a:fillRef>
+            <a:effectRef idx="0">
+              <a:schemeClr val="accent3"/>
+            </a:effectRef>
+            <a:fontRef idx="minor">
+              <a:schemeClr val="lt1"/>
+            </a:fontRef>
+          </p:style>
+          <p:txBody>
+            <a:bodyPr rtlCol="0" anchor="ctr"/>
+            <a:lstStyle/>
+            <a:p>
+              <a:pPr algn="ctr"/>
+              <a:endParaRPr lang="zh-CN" altLang="en-US"/>
+            </a:p>
+          </p:txBody>
+        </p:sp>
+        <p:sp>
+          <p:nvSpPr>
+            <p:cNvPr id="10" name="矩形 9"/>
+            <p:cNvSpPr/>
+            <p:nvPr/>
+          </p:nvSpPr>
+          <p:spPr>
+            <a:xfrm>
+              <a:off x="970384" y="3293706"/>
+              <a:ext cx="578498" cy="292361"/>
+            </a:xfrm>
+            <a:prstGeom prst="rect">
+              <a:avLst/>
+            </a:prstGeom>
+          </p:spPr>
+          <p:style>
+            <a:lnRef idx="2">
+              <a:schemeClr val="accent3">
+                <a:shade val="50000"/>
+              </a:schemeClr>
+            </a:lnRef>
+            <a:fillRef idx="1">
+              <a:schemeClr val="accent3"/>
+            </a:fillRef>
+            <a:effectRef idx="0">
+              <a:schemeClr val="accent3"/>
+            </a:effectRef>
+            <a:fontRef idx="minor">
+              <a:schemeClr val="lt1"/>
+            </a:fontRef>
+          </p:style>
+          <p:txBody>
+            <a:bodyPr rtlCol="0" anchor="ctr"/>
+            <a:lstStyle/>
+            <a:p>
+              <a:pPr algn="ctr"/>
+              <a:endParaRPr lang="zh-CN" altLang="en-US"/>
+            </a:p>
+          </p:txBody>
+        </p:sp>
+        <p:sp>
+          <p:nvSpPr>
+            <p:cNvPr id="11" name="矩形 10"/>
+            <p:cNvSpPr/>
+            <p:nvPr/>
+          </p:nvSpPr>
+          <p:spPr>
+            <a:xfrm>
+              <a:off x="970384" y="3001345"/>
+              <a:ext cx="578498" cy="292361"/>
+            </a:xfrm>
+            <a:prstGeom prst="rect">
+              <a:avLst/>
+            </a:prstGeom>
+          </p:spPr>
+          <p:style>
+            <a:lnRef idx="2">
+              <a:schemeClr val="accent3">
+                <a:shade val="50000"/>
+              </a:schemeClr>
+            </a:lnRef>
+            <a:fillRef idx="1">
+              <a:schemeClr val="accent3"/>
+            </a:fillRef>
+            <a:effectRef idx="0">
+              <a:schemeClr val="accent3"/>
+            </a:effectRef>
+            <a:fontRef idx="minor">
+              <a:schemeClr val="lt1"/>
+            </a:fontRef>
+          </p:style>
+          <p:txBody>
+            <a:bodyPr rtlCol="0" anchor="ctr"/>
+            <a:lstStyle/>
+            <a:p>
+              <a:pPr algn="ctr"/>
+              <a:endParaRPr lang="zh-CN" altLang="en-US"/>
+            </a:p>
+          </p:txBody>
+        </p:sp>
+        <p:sp>
+          <p:nvSpPr>
+            <p:cNvPr id="12" name="矩形 11"/>
+            <p:cNvSpPr/>
+            <p:nvPr/>
+          </p:nvSpPr>
+          <p:spPr>
+            <a:xfrm>
+              <a:off x="970384" y="2708984"/>
+              <a:ext cx="578498" cy="292361"/>
+            </a:xfrm>
+            <a:prstGeom prst="rect">
+              <a:avLst/>
+            </a:prstGeom>
+          </p:spPr>
+          <p:style>
+            <a:lnRef idx="2">
+              <a:schemeClr val="accent3">
+                <a:shade val="50000"/>
+              </a:schemeClr>
+            </a:lnRef>
+            <a:fillRef idx="1">
+              <a:schemeClr val="accent3"/>
+            </a:fillRef>
+            <a:effectRef idx="0">
+              <a:schemeClr val="accent3"/>
+            </a:effectRef>
+            <a:fontRef idx="minor">
+              <a:schemeClr val="lt1"/>
+            </a:fontRef>
+          </p:style>
+          <p:txBody>
+            <a:bodyPr rtlCol="0" anchor="ctr"/>
+            <a:lstStyle/>
+            <a:p>
+              <a:pPr algn="ctr"/>
+              <a:endParaRPr lang="zh-CN" altLang="en-US"/>
+            </a:p>
+          </p:txBody>
+        </p:sp>
+        <p:sp>
+          <p:nvSpPr>
+            <p:cNvPr id="13" name="矩形 12"/>
+            <p:cNvSpPr/>
+            <p:nvPr/>
+          </p:nvSpPr>
+          <p:spPr>
+            <a:xfrm>
+              <a:off x="970384" y="2416623"/>
+              <a:ext cx="578498" cy="292361"/>
+            </a:xfrm>
+            <a:prstGeom prst="rect">
+              <a:avLst/>
+            </a:prstGeom>
+          </p:spPr>
+          <p:style>
+            <a:lnRef idx="2">
+              <a:schemeClr val="accent3">
+                <a:shade val="50000"/>
+              </a:schemeClr>
+            </a:lnRef>
+            <a:fillRef idx="1">
+              <a:schemeClr val="accent3"/>
+            </a:fillRef>
+            <a:effectRef idx="0">
+              <a:schemeClr val="accent3"/>
+            </a:effectRef>
+            <a:fontRef idx="minor">
+              <a:schemeClr val="lt1"/>
+            </a:fontRef>
+          </p:style>
+          <p:txBody>
+            <a:bodyPr rtlCol="0" anchor="ctr"/>
+            <a:lstStyle/>
+            <a:p>
+              <a:pPr algn="ctr"/>
+              <a:endParaRPr lang="zh-CN" altLang="en-US"/>
+            </a:p>
+          </p:txBody>
+        </p:sp>
+        <p:sp>
+          <p:nvSpPr>
+            <p:cNvPr id="14" name="矩形 13"/>
+            <p:cNvSpPr/>
+            <p:nvPr/>
+          </p:nvSpPr>
+          <p:spPr>
+            <a:xfrm>
+              <a:off x="970384" y="2124262"/>
+              <a:ext cx="578498" cy="292361"/>
+            </a:xfrm>
+            <a:prstGeom prst="rect">
+              <a:avLst/>
+            </a:prstGeom>
+          </p:spPr>
+          <p:style>
+            <a:lnRef idx="2">
+              <a:schemeClr val="accent3">
+                <a:shade val="50000"/>
+              </a:schemeClr>
+            </a:lnRef>
+            <a:fillRef idx="1">
+              <a:schemeClr val="accent3"/>
+            </a:fillRef>
+            <a:effectRef idx="0">
+              <a:schemeClr val="accent3"/>
+            </a:effectRef>
+            <a:fontRef idx="minor">
+              <a:schemeClr val="lt1"/>
+            </a:fontRef>
+          </p:style>
+          <p:txBody>
+            <a:bodyPr rtlCol="0" anchor="ctr"/>
+            <a:lstStyle/>
+            <a:p>
+              <a:pPr algn="ctr"/>
+              <a:endParaRPr lang="zh-CN" altLang="en-US"/>
+            </a:p>
+          </p:txBody>
+        </p:sp>
+        <p:sp>
+          <p:nvSpPr>
+            <p:cNvPr id="15" name="矩形 14"/>
+            <p:cNvSpPr/>
+            <p:nvPr/>
+          </p:nvSpPr>
+          <p:spPr>
+            <a:xfrm>
+              <a:off x="970384" y="1831901"/>
+              <a:ext cx="578498" cy="292361"/>
+            </a:xfrm>
+            <a:prstGeom prst="rect">
+              <a:avLst/>
+            </a:prstGeom>
+          </p:spPr>
+          <p:style>
+            <a:lnRef idx="2">
+              <a:schemeClr val="accent3">
+                <a:shade val="50000"/>
+              </a:schemeClr>
+            </a:lnRef>
+            <a:fillRef idx="1">
+              <a:schemeClr val="accent3"/>
+            </a:fillRef>
+            <a:effectRef idx="0">
+              <a:schemeClr val="accent3"/>
+            </a:effectRef>
+            <a:fontRef idx="minor">
+              <a:schemeClr val="lt1"/>
+            </a:fontRef>
+          </p:style>
+          <p:txBody>
+            <a:bodyPr rtlCol="0" anchor="ctr"/>
+            <a:lstStyle/>
+            <a:p>
+              <a:pPr algn="ctr"/>
+              <a:endParaRPr lang="zh-CN" altLang="en-US"/>
+            </a:p>
+          </p:txBody>
+        </p:sp>
+        <p:sp>
+          <p:nvSpPr>
+            <p:cNvPr id="16" name="矩形 15"/>
+            <p:cNvSpPr/>
+            <p:nvPr/>
+          </p:nvSpPr>
+          <p:spPr>
+            <a:xfrm>
+              <a:off x="970384" y="1539540"/>
+              <a:ext cx="578498" cy="292361"/>
+            </a:xfrm>
+            <a:prstGeom prst="rect">
+              <a:avLst/>
+            </a:prstGeom>
+          </p:spPr>
+          <p:style>
+            <a:lnRef idx="2">
+              <a:schemeClr val="accent3">
+                <a:shade val="50000"/>
+              </a:schemeClr>
+            </a:lnRef>
+            <a:fillRef idx="1">
+              <a:schemeClr val="accent3"/>
+            </a:fillRef>
+            <a:effectRef idx="0">
+              <a:schemeClr val="accent3"/>
+            </a:effectRef>
+            <a:fontRef idx="minor">
+              <a:schemeClr val="lt1"/>
+            </a:fontRef>
+          </p:style>
+          <p:txBody>
+            <a:bodyPr rtlCol="0" anchor="ctr"/>
+            <a:lstStyle/>
+            <a:p>
+              <a:pPr algn="ctr"/>
+              <a:endParaRPr lang="zh-CN" altLang="en-US"/>
+            </a:p>
+          </p:txBody>
+        </p:sp>
+      </p:grpSp>
+      <p:cxnSp>
+        <p:nvCxnSpPr>
+          <p:cNvPr id="19" name="肘形连接符 18"/>
+          <p:cNvCxnSpPr>
+            <a:stCxn id="9" idx="3"/>
+            <a:endCxn id="4" idx="1"/>
+          </p:cNvCxnSpPr>
+          <p:nvPr/>
+        </p:nvCxnSpPr>
+        <p:spPr>
+          <a:xfrm>
+            <a:off x="2287073" y="3923135"/>
+            <a:ext cx="546620" cy="208381"/>
+          </a:xfrm>
+          <a:prstGeom prst="bentConnector3">
+            <a:avLst/>
+          </a:prstGeom>
+          <a:ln>
+            <a:tailEnd type="triangle"/>
+          </a:ln>
+        </p:spPr>
+        <p:style>
+          <a:lnRef idx="1">
+            <a:schemeClr val="dk1"/>
+          </a:lnRef>
+          <a:fillRef idx="0">
+            <a:schemeClr val="dk1"/>
+          </a:fillRef>
+          <a:effectRef idx="0">
+            <a:schemeClr val="dk1"/>
+          </a:effectRef>
+          <a:fontRef idx="minor">
+            <a:schemeClr val="tx1"/>
+          </a:fontRef>
+        </p:style>
+      </p:cxnSp>
+      <p:sp>
+        <p:nvSpPr>
+          <p:cNvPr id="22" name="文本框 21"/>
+          <p:cNvSpPr txBox="1"/>
+          <p:nvPr/>
+        </p:nvSpPr>
+        <p:spPr>
+          <a:xfrm>
+            <a:off x="759341" y="3793964"/>
+            <a:ext cx="949234" cy="276999"/>
+          </a:xfrm>
+          <a:prstGeom prst="rect">
+            <a:avLst/>
+          </a:prstGeom>
+          <a:noFill/>
+        </p:spPr>
+        <p:txBody>
+          <a:bodyPr wrap="none" rtlCol="0">
+            <a:spAutoFit/>
+          </a:bodyPr>
+          <a:lstStyle/>
+          <a:p>
+            <a:r>
+              <a:rPr lang="en-US" altLang="zh-CN" sz="1200" smtClean="0"/>
+              <a:t>32768 bytes</a:t>
+            </a:r>
+            <a:endParaRPr lang="zh-CN" altLang="en-US" sz="1200"/>
+          </a:p>
+        </p:txBody>
+      </p:sp>
+      <p:sp>
+        <p:nvSpPr>
+          <p:cNvPr id="23" name="矩形 22"/>
+          <p:cNvSpPr/>
+          <p:nvPr/>
+        </p:nvSpPr>
+        <p:spPr>
+          <a:xfrm>
+            <a:off x="956962" y="1164084"/>
+            <a:ext cx="2081724" cy="369332"/>
+          </a:xfrm>
+          <a:prstGeom prst="rect">
+            <a:avLst/>
+          </a:prstGeom>
+        </p:spPr>
+        <p:txBody>
+          <a:bodyPr wrap="none">
+            <a:spAutoFit/>
+          </a:bodyPr>
+          <a:lstStyle/>
+          <a:p>
+            <a:r>
+              <a:rPr lang="en-US" altLang="zh-CN" smtClean="0"/>
+              <a:t>segment size = 1024</a:t>
+            </a:r>
+            <a:endParaRPr lang="zh-CN" altLang="en-US"/>
+          </a:p>
+        </p:txBody>
+      </p:sp>
+      <p:sp>
+        <p:nvSpPr>
+          <p:cNvPr id="24" name="文本框 23"/>
+          <p:cNvSpPr txBox="1"/>
+          <p:nvPr/>
+        </p:nvSpPr>
+        <p:spPr>
+          <a:xfrm>
+            <a:off x="851118" y="1750739"/>
+            <a:ext cx="792140" cy="276999"/>
+          </a:xfrm>
+          <a:prstGeom prst="rect">
+            <a:avLst/>
+          </a:prstGeom>
+          <a:noFill/>
+        </p:spPr>
+        <p:txBody>
+          <a:bodyPr wrap="none" rtlCol="0">
+            <a:spAutoFit/>
+          </a:bodyPr>
+          <a:lstStyle/>
+          <a:p>
+            <a:r>
+              <a:rPr lang="en-US" altLang="zh-CN" sz="1200" smtClean="0"/>
+              <a:t>128 </a:t>
+            </a:r>
+            <a:r>
+              <a:rPr lang="en-US" altLang="zh-CN" sz="1200"/>
+              <a:t>bytes</a:t>
+            </a:r>
+            <a:endParaRPr lang="zh-CN" altLang="en-US" sz="1200"/>
+          </a:p>
+        </p:txBody>
+      </p:sp>
+      <p:sp>
+        <p:nvSpPr>
+          <p:cNvPr id="25" name="文本框 24"/>
+          <p:cNvSpPr txBox="1"/>
+          <p:nvPr/>
+        </p:nvSpPr>
+        <p:spPr>
+          <a:xfrm>
+            <a:off x="856416" y="2023043"/>
+            <a:ext cx="792140" cy="276999"/>
+          </a:xfrm>
+          <a:prstGeom prst="rect">
+            <a:avLst/>
+          </a:prstGeom>
+          <a:noFill/>
+        </p:spPr>
+        <p:txBody>
+          <a:bodyPr wrap="none" rtlCol="0">
+            <a:spAutoFit/>
+          </a:bodyPr>
+          <a:lstStyle/>
+          <a:p>
+            <a:r>
+              <a:rPr lang="en-US" altLang="zh-CN" sz="1200" smtClean="0"/>
+              <a:t>258 bytes</a:t>
+            </a:r>
+            <a:endParaRPr lang="zh-CN" altLang="en-US" sz="1200"/>
+          </a:p>
+        </p:txBody>
+      </p:sp>
+      <p:sp>
+        <p:nvSpPr>
+          <p:cNvPr id="26" name="文本框 25"/>
+          <p:cNvSpPr txBox="1"/>
+          <p:nvPr/>
+        </p:nvSpPr>
+        <p:spPr>
+          <a:xfrm>
+            <a:off x="856398" y="2305919"/>
+            <a:ext cx="792140" cy="276999"/>
+          </a:xfrm>
+          <a:prstGeom prst="rect">
+            <a:avLst/>
+          </a:prstGeom>
+          <a:noFill/>
+        </p:spPr>
+        <p:txBody>
+          <a:bodyPr wrap="none" rtlCol="0">
+            <a:spAutoFit/>
+          </a:bodyPr>
+          <a:lstStyle/>
+          <a:p>
+            <a:r>
+              <a:rPr lang="en-US" altLang="zh-CN" sz="1200" smtClean="0"/>
+              <a:t>512 bytes</a:t>
+            </a:r>
+            <a:endParaRPr lang="zh-CN" altLang="en-US" sz="1200"/>
+          </a:p>
+        </p:txBody>
+      </p:sp>
+      <p:sp>
+        <p:nvSpPr>
+          <p:cNvPr id="27" name="文本框 26"/>
+          <p:cNvSpPr txBox="1"/>
+          <p:nvPr/>
+        </p:nvSpPr>
+        <p:spPr>
+          <a:xfrm>
+            <a:off x="1062276" y="2719870"/>
+            <a:ext cx="343364" cy="369332"/>
+          </a:xfrm>
+          <a:prstGeom prst="rect">
+            <a:avLst/>
+          </a:prstGeom>
+          <a:noFill/>
+        </p:spPr>
+        <p:txBody>
+          <a:bodyPr wrap="none" rtlCol="0">
+            <a:spAutoFit/>
+          </a:bodyPr>
+          <a:lstStyle/>
+          <a:p>
+            <a:r>
+              <a:rPr lang="en-US" altLang="zh-CN" smtClean="0"/>
+              <a:t>…</a:t>
+            </a:r>
+            <a:endParaRPr lang="zh-CN" altLang="en-US"/>
+          </a:p>
+        </p:txBody>
+      </p:sp>
+      <p:cxnSp>
+        <p:nvCxnSpPr>
+          <p:cNvPr id="28" name="肘形连接符 27"/>
+          <p:cNvCxnSpPr>
+            <a:stCxn id="4" idx="3"/>
+            <a:endCxn id="5" idx="1"/>
+          </p:cNvCxnSpPr>
+          <p:nvPr/>
+        </p:nvCxnSpPr>
+        <p:spPr>
+          <a:xfrm>
+            <a:off x="3434738" y="4131516"/>
+            <a:ext cx="316464" cy="0"/>
+          </a:xfrm>
+          <a:prstGeom prst="straightConnector1">
+            <a:avLst/>
+          </a:prstGeom>
+          <a:ln>
+            <a:tailEnd type="triangle"/>
+          </a:ln>
+        </p:spPr>
+        <p:style>
+          <a:lnRef idx="1">
+            <a:schemeClr val="dk1"/>
+          </a:lnRef>
+          <a:fillRef idx="0">
+            <a:schemeClr val="dk1"/>
+          </a:fillRef>
+          <a:effectRef idx="0">
+            <a:schemeClr val="dk1"/>
+          </a:effectRef>
+          <a:fontRef idx="minor">
+            <a:schemeClr val="tx1"/>
+          </a:fontRef>
+        </p:style>
+      </p:cxnSp>
+    </p:spTree>
+    <p:extLst>
+      <p:ext uri="{BB962C8B-B14F-4D97-AF65-F5344CB8AC3E}">
+        <p14:creationId xmlns:p14="http://schemas.microsoft.com/office/powerpoint/2010/main" val="2134072860"/>
+      </p:ext>
+    </p:extLst>
+  </p:cSld>
+  <p:clrMapOvr>
+    <a:masterClrMapping/>
+  </p:clrMapOvr>
+</p:sld>
+</file>
+
 <file path=ppt/theme/theme1.xml><?xml version="1.0" encoding="utf-8"?>
 <a:theme xmlns:a="http://schemas.openxmlformats.org/drawingml/2006/main" name="Office Theme">
   <a:themeElements>

--- a/doc/thor architecture.pptx
+++ b/doc/thor architecture.pptx
@@ -12,8 +12,15 @@
     <p:sldId id="259" r:id="rId6"/>
     <p:sldId id="262" r:id="rId7"/>
     <p:sldId id="261" r:id="rId8"/>
-    <p:sldId id="263" r:id="rId9"/>
-    <p:sldId id="264" r:id="rId10"/>
+    <p:sldId id="265" r:id="rId9"/>
+    <p:sldId id="266" r:id="rId10"/>
+    <p:sldId id="269" r:id="rId11"/>
+    <p:sldId id="270" r:id="rId12"/>
+    <p:sldId id="271" r:id="rId13"/>
+    <p:sldId id="268" r:id="rId14"/>
+    <p:sldId id="267" r:id="rId15"/>
+    <p:sldId id="263" r:id="rId16"/>
+    <p:sldId id="264" r:id="rId17"/>
   </p:sldIdLst>
   <p:sldSz cx="12192000" cy="6858000"/>
   <p:notesSz cx="6858000" cy="9144000"/>
@@ -251,7 +258,7 @@
           <a:p>
             <a:fld id="{26E5557C-EA97-4CBB-BFBF-8E388EEF4F51}" type="datetimeFigureOut">
               <a:rPr lang="zh-CN" altLang="en-US" smtClean="0"/>
-              <a:t>2014/8/14</a:t>
+              <a:t>2014/10/4</a:t>
             </a:fld>
             <a:endParaRPr lang="zh-CN" altLang="en-US"/>
           </a:p>
@@ -421,7 +428,7 @@
           <a:p>
             <a:fld id="{26E5557C-EA97-4CBB-BFBF-8E388EEF4F51}" type="datetimeFigureOut">
               <a:rPr lang="zh-CN" altLang="en-US" smtClean="0"/>
-              <a:t>2014/8/14</a:t>
+              <a:t>2014/10/4</a:t>
             </a:fld>
             <a:endParaRPr lang="zh-CN" altLang="en-US"/>
           </a:p>
@@ -601,7 +608,7 @@
           <a:p>
             <a:fld id="{26E5557C-EA97-4CBB-BFBF-8E388EEF4F51}" type="datetimeFigureOut">
               <a:rPr lang="zh-CN" altLang="en-US" smtClean="0"/>
-              <a:t>2014/8/14</a:t>
+              <a:t>2014/10/4</a:t>
             </a:fld>
             <a:endParaRPr lang="zh-CN" altLang="en-US"/>
           </a:p>
@@ -771,7 +778,7 @@
           <a:p>
             <a:fld id="{26E5557C-EA97-4CBB-BFBF-8E388EEF4F51}" type="datetimeFigureOut">
               <a:rPr lang="zh-CN" altLang="en-US" smtClean="0"/>
-              <a:t>2014/8/14</a:t>
+              <a:t>2014/10/4</a:t>
             </a:fld>
             <a:endParaRPr lang="zh-CN" altLang="en-US"/>
           </a:p>
@@ -1017,7 +1024,7 @@
           <a:p>
             <a:fld id="{26E5557C-EA97-4CBB-BFBF-8E388EEF4F51}" type="datetimeFigureOut">
               <a:rPr lang="zh-CN" altLang="en-US" smtClean="0"/>
-              <a:t>2014/8/14</a:t>
+              <a:t>2014/10/4</a:t>
             </a:fld>
             <a:endParaRPr lang="zh-CN" altLang="en-US"/>
           </a:p>
@@ -1249,7 +1256,7 @@
           <a:p>
             <a:fld id="{26E5557C-EA97-4CBB-BFBF-8E388EEF4F51}" type="datetimeFigureOut">
               <a:rPr lang="zh-CN" altLang="en-US" smtClean="0"/>
-              <a:t>2014/8/14</a:t>
+              <a:t>2014/10/4</a:t>
             </a:fld>
             <a:endParaRPr lang="zh-CN" altLang="en-US"/>
           </a:p>
@@ -1616,7 +1623,7 @@
           <a:p>
             <a:fld id="{26E5557C-EA97-4CBB-BFBF-8E388EEF4F51}" type="datetimeFigureOut">
               <a:rPr lang="zh-CN" altLang="en-US" smtClean="0"/>
-              <a:t>2014/8/14</a:t>
+              <a:t>2014/10/4</a:t>
             </a:fld>
             <a:endParaRPr lang="zh-CN" altLang="en-US"/>
           </a:p>
@@ -1739,7 +1746,7 @@
           <a:p>
             <a:fld id="{26E5557C-EA97-4CBB-BFBF-8E388EEF4F51}" type="datetimeFigureOut">
               <a:rPr lang="zh-CN" altLang="en-US" smtClean="0"/>
-              <a:t>2014/8/14</a:t>
+              <a:t>2014/10/4</a:t>
             </a:fld>
             <a:endParaRPr lang="zh-CN" altLang="en-US"/>
           </a:p>
@@ -1834,7 +1841,7 @@
           <a:p>
             <a:fld id="{26E5557C-EA97-4CBB-BFBF-8E388EEF4F51}" type="datetimeFigureOut">
               <a:rPr lang="zh-CN" altLang="en-US" smtClean="0"/>
-              <a:t>2014/8/14</a:t>
+              <a:t>2014/10/4</a:t>
             </a:fld>
             <a:endParaRPr lang="zh-CN" altLang="en-US"/>
           </a:p>
@@ -2111,7 +2118,7 @@
           <a:p>
             <a:fld id="{26E5557C-EA97-4CBB-BFBF-8E388EEF4F51}" type="datetimeFigureOut">
               <a:rPr lang="zh-CN" altLang="en-US" smtClean="0"/>
-              <a:t>2014/8/14</a:t>
+              <a:t>2014/10/4</a:t>
             </a:fld>
             <a:endParaRPr lang="zh-CN" altLang="en-US"/>
           </a:p>
@@ -2368,7 +2375,7 @@
           <a:p>
             <a:fld id="{26E5557C-EA97-4CBB-BFBF-8E388EEF4F51}" type="datetimeFigureOut">
               <a:rPr lang="zh-CN" altLang="en-US" smtClean="0"/>
-              <a:t>2014/8/14</a:t>
+              <a:t>2014/10/4</a:t>
             </a:fld>
             <a:endParaRPr lang="zh-CN" altLang="en-US"/>
           </a:p>
@@ -2581,7 +2588,7 @@
           <a:p>
             <a:fld id="{26E5557C-EA97-4CBB-BFBF-8E388EEF4F51}" type="datetimeFigureOut">
               <a:rPr lang="zh-CN" altLang="en-US" smtClean="0"/>
-              <a:t>2014/8/14</a:t>
+              <a:t>2014/10/4</a:t>
             </a:fld>
             <a:endParaRPr lang="zh-CN" altLang="en-US"/>
           </a:p>
@@ -3049,6 +3056,4664 @@
       </p:par>
     </p:tnLst>
   </p:timing>
+</p:sld>
+</file>
+
+<file path=ppt/slides/slide10.xml><?xml version="1.0" encoding="utf-8"?>
+<p:sld xmlns:a="http://schemas.openxmlformats.org/drawingml/2006/main" xmlns:r="http://schemas.openxmlformats.org/officeDocument/2006/relationships" xmlns:p="http://schemas.openxmlformats.org/presentationml/2006/main">
+  <p:cSld>
+    <p:spTree>
+      <p:nvGrpSpPr>
+        <p:cNvPr id="1" name=""/>
+        <p:cNvGrpSpPr/>
+        <p:nvPr/>
+      </p:nvGrpSpPr>
+      <p:grpSpPr>
+        <a:xfrm>
+          <a:off x="0" y="0"/>
+          <a:ext cx="0" cy="0"/>
+          <a:chOff x="0" y="0"/>
+          <a:chExt cx="0" cy="0"/>
+        </a:xfrm>
+      </p:grpSpPr>
+      <p:sp>
+        <p:nvSpPr>
+          <p:cNvPr id="2" name="标题 1"/>
+          <p:cNvSpPr>
+            <a:spLocks noGrp="1"/>
+          </p:cNvSpPr>
+          <p:nvPr>
+            <p:ph type="title"/>
+          </p:nvPr>
+        </p:nvSpPr>
+        <p:spPr/>
+        <p:txBody>
+          <a:bodyPr/>
+          <a:lstStyle/>
+          <a:p>
+            <a:r>
+              <a:rPr lang="en-US" altLang="zh-CN" smtClean="0"/>
+              <a:t>Parallel hash join</a:t>
+            </a:r>
+            <a:endParaRPr lang="zh-CN" altLang="en-US"/>
+          </a:p>
+        </p:txBody>
+      </p:sp>
+      <p:sp>
+        <p:nvSpPr>
+          <p:cNvPr id="3" name="圆角矩形 2"/>
+          <p:cNvSpPr/>
+          <p:nvPr/>
+        </p:nvSpPr>
+        <p:spPr>
+          <a:xfrm>
+            <a:off x="2172242" y="2681858"/>
+            <a:ext cx="1124345" cy="475861"/>
+          </a:xfrm>
+          <a:prstGeom prst="roundRect">
+            <a:avLst/>
+          </a:prstGeom>
+        </p:spPr>
+        <p:style>
+          <a:lnRef idx="2">
+            <a:schemeClr val="accent1">
+              <a:shade val="50000"/>
+            </a:schemeClr>
+          </a:lnRef>
+          <a:fillRef idx="1">
+            <a:schemeClr val="accent1"/>
+          </a:fillRef>
+          <a:effectRef idx="0">
+            <a:schemeClr val="accent1"/>
+          </a:effectRef>
+          <a:fontRef idx="minor">
+            <a:schemeClr val="lt1"/>
+          </a:fontRef>
+        </p:style>
+        <p:txBody>
+          <a:bodyPr rtlCol="0" anchor="ctr"/>
+          <a:lstStyle/>
+          <a:p>
+            <a:pPr algn="ctr"/>
+            <a:r>
+              <a:rPr lang="en-US" altLang="zh-CN" sz="1400" smtClean="0"/>
+              <a:t>join</a:t>
+            </a:r>
+            <a:endParaRPr lang="zh-CN" altLang="en-US" sz="1400"/>
+          </a:p>
+        </p:txBody>
+      </p:sp>
+      <p:sp>
+        <p:nvSpPr>
+          <p:cNvPr id="4" name="圆角矩形 3"/>
+          <p:cNvSpPr/>
+          <p:nvPr/>
+        </p:nvSpPr>
+        <p:spPr>
+          <a:xfrm>
+            <a:off x="1407136" y="3529734"/>
+            <a:ext cx="1124345" cy="475861"/>
+          </a:xfrm>
+          <a:prstGeom prst="roundRect">
+            <a:avLst/>
+          </a:prstGeom>
+        </p:spPr>
+        <p:style>
+          <a:lnRef idx="2">
+            <a:schemeClr val="accent1">
+              <a:shade val="50000"/>
+            </a:schemeClr>
+          </a:lnRef>
+          <a:fillRef idx="1">
+            <a:schemeClr val="accent1"/>
+          </a:fillRef>
+          <a:effectRef idx="0">
+            <a:schemeClr val="accent1"/>
+          </a:effectRef>
+          <a:fontRef idx="minor">
+            <a:schemeClr val="lt1"/>
+          </a:fontRef>
+        </p:style>
+        <p:txBody>
+          <a:bodyPr rtlCol="0" anchor="ctr"/>
+          <a:lstStyle/>
+          <a:p>
+            <a:pPr algn="ctr"/>
+            <a:r>
+              <a:rPr lang="en-US" altLang="zh-CN" sz="1400" smtClean="0"/>
+              <a:t>scan1</a:t>
+            </a:r>
+            <a:endParaRPr lang="zh-CN" altLang="en-US" sz="1400"/>
+          </a:p>
+        </p:txBody>
+      </p:sp>
+      <p:sp>
+        <p:nvSpPr>
+          <p:cNvPr id="5" name="圆角矩形 4"/>
+          <p:cNvSpPr/>
+          <p:nvPr/>
+        </p:nvSpPr>
+        <p:spPr>
+          <a:xfrm>
+            <a:off x="2172242" y="1833982"/>
+            <a:ext cx="1124345" cy="475861"/>
+          </a:xfrm>
+          <a:prstGeom prst="roundRect">
+            <a:avLst/>
+          </a:prstGeom>
+        </p:spPr>
+        <p:style>
+          <a:lnRef idx="2">
+            <a:schemeClr val="accent1">
+              <a:shade val="50000"/>
+            </a:schemeClr>
+          </a:lnRef>
+          <a:fillRef idx="1">
+            <a:schemeClr val="accent1"/>
+          </a:fillRef>
+          <a:effectRef idx="0">
+            <a:schemeClr val="accent1"/>
+          </a:effectRef>
+          <a:fontRef idx="minor">
+            <a:schemeClr val="lt1"/>
+          </a:fontRef>
+        </p:style>
+        <p:txBody>
+          <a:bodyPr rtlCol="0" anchor="ctr"/>
+          <a:lstStyle/>
+          <a:p>
+            <a:pPr algn="ctr"/>
+            <a:r>
+              <a:rPr lang="en-US" altLang="zh-CN" sz="1400" smtClean="0"/>
+              <a:t>project</a:t>
+            </a:r>
+            <a:endParaRPr lang="zh-CN" altLang="en-US" sz="1400"/>
+          </a:p>
+        </p:txBody>
+      </p:sp>
+      <p:cxnSp>
+        <p:nvCxnSpPr>
+          <p:cNvPr id="6" name="直接箭头连接符 5"/>
+          <p:cNvCxnSpPr>
+            <a:stCxn id="4" idx="0"/>
+            <a:endCxn id="3" idx="2"/>
+          </p:cNvCxnSpPr>
+          <p:nvPr/>
+        </p:nvCxnSpPr>
+        <p:spPr>
+          <a:xfrm flipV="1">
+            <a:off x="1969309" y="3157719"/>
+            <a:ext cx="765106" cy="372015"/>
+          </a:xfrm>
+          <a:prstGeom prst="straightConnector1">
+            <a:avLst/>
+          </a:prstGeom>
+          <a:ln w="25400">
+            <a:solidFill>
+              <a:srgbClr val="C00000"/>
+            </a:solidFill>
+            <a:tailEnd type="triangle"/>
+          </a:ln>
+        </p:spPr>
+        <p:style>
+          <a:lnRef idx="1">
+            <a:schemeClr val="accent1"/>
+          </a:lnRef>
+          <a:fillRef idx="0">
+            <a:schemeClr val="accent1"/>
+          </a:fillRef>
+          <a:effectRef idx="0">
+            <a:schemeClr val="accent1"/>
+          </a:effectRef>
+          <a:fontRef idx="minor">
+            <a:schemeClr val="tx1"/>
+          </a:fontRef>
+        </p:style>
+      </p:cxnSp>
+      <p:cxnSp>
+        <p:nvCxnSpPr>
+          <p:cNvPr id="7" name="直接箭头连接符 6"/>
+          <p:cNvCxnSpPr>
+            <a:stCxn id="3" idx="0"/>
+            <a:endCxn id="5" idx="2"/>
+          </p:cNvCxnSpPr>
+          <p:nvPr/>
+        </p:nvCxnSpPr>
+        <p:spPr>
+          <a:xfrm flipV="1">
+            <a:off x="2734415" y="2309843"/>
+            <a:ext cx="0" cy="372015"/>
+          </a:xfrm>
+          <a:prstGeom prst="straightConnector1">
+            <a:avLst/>
+          </a:prstGeom>
+          <a:ln w="25400">
+            <a:solidFill>
+              <a:srgbClr val="C00000"/>
+            </a:solidFill>
+            <a:tailEnd type="triangle"/>
+          </a:ln>
+        </p:spPr>
+        <p:style>
+          <a:lnRef idx="1">
+            <a:schemeClr val="accent1"/>
+          </a:lnRef>
+          <a:fillRef idx="0">
+            <a:schemeClr val="accent1"/>
+          </a:fillRef>
+          <a:effectRef idx="0">
+            <a:schemeClr val="accent1"/>
+          </a:effectRef>
+          <a:fontRef idx="minor">
+            <a:schemeClr val="tx1"/>
+          </a:fontRef>
+        </p:style>
+      </p:cxnSp>
+      <p:sp>
+        <p:nvSpPr>
+          <p:cNvPr id="10" name="圆角矩形 9"/>
+          <p:cNvSpPr/>
+          <p:nvPr/>
+        </p:nvSpPr>
+        <p:spPr>
+          <a:xfrm>
+            <a:off x="2935030" y="3529734"/>
+            <a:ext cx="1124345" cy="475861"/>
+          </a:xfrm>
+          <a:prstGeom prst="roundRect">
+            <a:avLst/>
+          </a:prstGeom>
+        </p:spPr>
+        <p:style>
+          <a:lnRef idx="2">
+            <a:schemeClr val="accent1">
+              <a:shade val="50000"/>
+            </a:schemeClr>
+          </a:lnRef>
+          <a:fillRef idx="1">
+            <a:schemeClr val="accent1"/>
+          </a:fillRef>
+          <a:effectRef idx="0">
+            <a:schemeClr val="accent1"/>
+          </a:effectRef>
+          <a:fontRef idx="minor">
+            <a:schemeClr val="lt1"/>
+          </a:fontRef>
+        </p:style>
+        <p:txBody>
+          <a:bodyPr rtlCol="0" anchor="ctr"/>
+          <a:lstStyle/>
+          <a:p>
+            <a:pPr algn="ctr"/>
+            <a:r>
+              <a:rPr lang="en-US" altLang="zh-CN" sz="1400" smtClean="0"/>
+              <a:t>scan2</a:t>
+            </a:r>
+            <a:endParaRPr lang="zh-CN" altLang="en-US" sz="1400"/>
+          </a:p>
+        </p:txBody>
+      </p:sp>
+      <p:cxnSp>
+        <p:nvCxnSpPr>
+          <p:cNvPr id="11" name="直接箭头连接符 10"/>
+          <p:cNvCxnSpPr>
+            <a:stCxn id="10" idx="0"/>
+            <a:endCxn id="3" idx="2"/>
+          </p:cNvCxnSpPr>
+          <p:nvPr/>
+        </p:nvCxnSpPr>
+        <p:spPr>
+          <a:xfrm flipH="1" flipV="1">
+            <a:off x="2734415" y="3157719"/>
+            <a:ext cx="762788" cy="372015"/>
+          </a:xfrm>
+          <a:prstGeom prst="straightConnector1">
+            <a:avLst/>
+          </a:prstGeom>
+          <a:ln w="25400">
+            <a:solidFill>
+              <a:srgbClr val="C00000"/>
+            </a:solidFill>
+            <a:tailEnd type="triangle"/>
+          </a:ln>
+        </p:spPr>
+        <p:style>
+          <a:lnRef idx="1">
+            <a:schemeClr val="accent1"/>
+          </a:lnRef>
+          <a:fillRef idx="0">
+            <a:schemeClr val="accent1"/>
+          </a:fillRef>
+          <a:effectRef idx="0">
+            <a:schemeClr val="accent1"/>
+          </a:effectRef>
+          <a:fontRef idx="minor">
+            <a:schemeClr val="tx1"/>
+          </a:fontRef>
+        </p:style>
+      </p:cxnSp>
+      <p:sp>
+        <p:nvSpPr>
+          <p:cNvPr id="14" name="右箭头 13"/>
+          <p:cNvSpPr/>
+          <p:nvPr/>
+        </p:nvSpPr>
+        <p:spPr>
+          <a:xfrm>
+            <a:off x="4562669" y="2309843"/>
+            <a:ext cx="895739" cy="1002524"/>
+          </a:xfrm>
+          <a:prstGeom prst="rightArrow">
+            <a:avLst/>
+          </a:prstGeom>
+        </p:spPr>
+        <p:style>
+          <a:lnRef idx="2">
+            <a:schemeClr val="accent4">
+              <a:shade val="50000"/>
+            </a:schemeClr>
+          </a:lnRef>
+          <a:fillRef idx="1">
+            <a:schemeClr val="accent4"/>
+          </a:fillRef>
+          <a:effectRef idx="0">
+            <a:schemeClr val="accent4"/>
+          </a:effectRef>
+          <a:fontRef idx="minor">
+            <a:schemeClr val="lt1"/>
+          </a:fontRef>
+        </p:style>
+        <p:txBody>
+          <a:bodyPr rtlCol="0" anchor="ctr"/>
+          <a:lstStyle/>
+          <a:p>
+            <a:pPr algn="ctr"/>
+            <a:endParaRPr lang="zh-CN" altLang="en-US"/>
+          </a:p>
+        </p:txBody>
+      </p:sp>
+      <p:sp>
+        <p:nvSpPr>
+          <p:cNvPr id="15" name="圆角矩形 14"/>
+          <p:cNvSpPr/>
+          <p:nvPr/>
+        </p:nvSpPr>
+        <p:spPr>
+          <a:xfrm>
+            <a:off x="6410138" y="3773023"/>
+            <a:ext cx="1124345" cy="475861"/>
+          </a:xfrm>
+          <a:prstGeom prst="roundRect">
+            <a:avLst/>
+          </a:prstGeom>
+        </p:spPr>
+        <p:style>
+          <a:lnRef idx="2">
+            <a:schemeClr val="accent1">
+              <a:shade val="50000"/>
+            </a:schemeClr>
+          </a:lnRef>
+          <a:fillRef idx="1">
+            <a:schemeClr val="accent1"/>
+          </a:fillRef>
+          <a:effectRef idx="0">
+            <a:schemeClr val="accent1"/>
+          </a:effectRef>
+          <a:fontRef idx="minor">
+            <a:schemeClr val="lt1"/>
+          </a:fontRef>
+        </p:style>
+        <p:txBody>
+          <a:bodyPr rtlCol="0" anchor="ctr"/>
+          <a:lstStyle/>
+          <a:p>
+            <a:pPr algn="ctr"/>
+            <a:r>
+              <a:rPr lang="en-US" altLang="zh-CN" sz="1400" smtClean="0"/>
+              <a:t>join</a:t>
+            </a:r>
+            <a:endParaRPr lang="zh-CN" altLang="en-US" sz="1400"/>
+          </a:p>
+        </p:txBody>
+      </p:sp>
+      <p:sp>
+        <p:nvSpPr>
+          <p:cNvPr id="16" name="圆角矩形 15"/>
+          <p:cNvSpPr/>
+          <p:nvPr/>
+        </p:nvSpPr>
+        <p:spPr>
+          <a:xfrm>
+            <a:off x="5655918" y="5116715"/>
+            <a:ext cx="1124345" cy="475861"/>
+          </a:xfrm>
+          <a:prstGeom prst="roundRect">
+            <a:avLst/>
+          </a:prstGeom>
+        </p:spPr>
+        <p:style>
+          <a:lnRef idx="2">
+            <a:schemeClr val="accent1">
+              <a:shade val="50000"/>
+            </a:schemeClr>
+          </a:lnRef>
+          <a:fillRef idx="1">
+            <a:schemeClr val="accent1"/>
+          </a:fillRef>
+          <a:effectRef idx="0">
+            <a:schemeClr val="accent1"/>
+          </a:effectRef>
+          <a:fontRef idx="minor">
+            <a:schemeClr val="lt1"/>
+          </a:fontRef>
+        </p:style>
+        <p:txBody>
+          <a:bodyPr rtlCol="0" anchor="ctr"/>
+          <a:lstStyle/>
+          <a:p>
+            <a:pPr algn="ctr"/>
+            <a:r>
+              <a:rPr lang="en-US" altLang="zh-CN" sz="1400" smtClean="0"/>
+              <a:t>scan1</a:t>
+            </a:r>
+            <a:endParaRPr lang="zh-CN" altLang="en-US" sz="1400"/>
+          </a:p>
+        </p:txBody>
+      </p:sp>
+      <p:sp>
+        <p:nvSpPr>
+          <p:cNvPr id="17" name="圆角矩形 16"/>
+          <p:cNvSpPr/>
+          <p:nvPr/>
+        </p:nvSpPr>
+        <p:spPr>
+          <a:xfrm>
+            <a:off x="7735097" y="1717477"/>
+            <a:ext cx="1124345" cy="475861"/>
+          </a:xfrm>
+          <a:prstGeom prst="roundRect">
+            <a:avLst/>
+          </a:prstGeom>
+        </p:spPr>
+        <p:style>
+          <a:lnRef idx="2">
+            <a:schemeClr val="accent1">
+              <a:shade val="50000"/>
+            </a:schemeClr>
+          </a:lnRef>
+          <a:fillRef idx="1">
+            <a:schemeClr val="accent1"/>
+          </a:fillRef>
+          <a:effectRef idx="0">
+            <a:schemeClr val="accent1"/>
+          </a:effectRef>
+          <a:fontRef idx="minor">
+            <a:schemeClr val="lt1"/>
+          </a:fontRef>
+        </p:style>
+        <p:txBody>
+          <a:bodyPr rtlCol="0" anchor="ctr"/>
+          <a:lstStyle/>
+          <a:p>
+            <a:pPr algn="ctr"/>
+            <a:r>
+              <a:rPr lang="en-US" altLang="zh-CN" sz="1400" smtClean="0"/>
+              <a:t>project</a:t>
+            </a:r>
+            <a:endParaRPr lang="zh-CN" altLang="en-US" sz="1400"/>
+          </a:p>
+        </p:txBody>
+      </p:sp>
+      <p:cxnSp>
+        <p:nvCxnSpPr>
+          <p:cNvPr id="18" name="直接箭头连接符 17"/>
+          <p:cNvCxnSpPr>
+            <a:stCxn id="16" idx="0"/>
+            <a:endCxn id="15" idx="2"/>
+          </p:cNvCxnSpPr>
+          <p:nvPr/>
+        </p:nvCxnSpPr>
+        <p:spPr>
+          <a:xfrm flipV="1">
+            <a:off x="6218091" y="4248884"/>
+            <a:ext cx="754220" cy="867831"/>
+          </a:xfrm>
+          <a:prstGeom prst="straightConnector1">
+            <a:avLst/>
+          </a:prstGeom>
+          <a:ln w="25400">
+            <a:solidFill>
+              <a:srgbClr val="C00000"/>
+            </a:solidFill>
+            <a:tailEnd type="triangle"/>
+          </a:ln>
+        </p:spPr>
+        <p:style>
+          <a:lnRef idx="1">
+            <a:schemeClr val="accent1"/>
+          </a:lnRef>
+          <a:fillRef idx="0">
+            <a:schemeClr val="accent1"/>
+          </a:fillRef>
+          <a:effectRef idx="0">
+            <a:schemeClr val="accent1"/>
+          </a:effectRef>
+          <a:fontRef idx="minor">
+            <a:schemeClr val="tx1"/>
+          </a:fontRef>
+        </p:style>
+      </p:cxnSp>
+      <p:cxnSp>
+        <p:nvCxnSpPr>
+          <p:cNvPr id="19" name="直接箭头连接符 18"/>
+          <p:cNvCxnSpPr>
+            <a:stCxn id="15" idx="0"/>
+            <a:endCxn id="39" idx="2"/>
+          </p:cNvCxnSpPr>
+          <p:nvPr/>
+        </p:nvCxnSpPr>
+        <p:spPr>
+          <a:xfrm flipV="1">
+            <a:off x="6972311" y="3224760"/>
+            <a:ext cx="1324960" cy="548263"/>
+          </a:xfrm>
+          <a:prstGeom prst="straightConnector1">
+            <a:avLst/>
+          </a:prstGeom>
+          <a:ln w="25400">
+            <a:solidFill>
+              <a:srgbClr val="C00000"/>
+            </a:solidFill>
+            <a:tailEnd type="triangle"/>
+          </a:ln>
+        </p:spPr>
+        <p:style>
+          <a:lnRef idx="1">
+            <a:schemeClr val="accent1"/>
+          </a:lnRef>
+          <a:fillRef idx="0">
+            <a:schemeClr val="accent1"/>
+          </a:fillRef>
+          <a:effectRef idx="0">
+            <a:schemeClr val="accent1"/>
+          </a:effectRef>
+          <a:fontRef idx="minor">
+            <a:schemeClr val="tx1"/>
+          </a:fontRef>
+        </p:style>
+      </p:cxnSp>
+      <p:sp>
+        <p:nvSpPr>
+          <p:cNvPr id="20" name="圆角矩形 19"/>
+          <p:cNvSpPr/>
+          <p:nvPr/>
+        </p:nvSpPr>
+        <p:spPr>
+          <a:xfrm>
+            <a:off x="7183812" y="5116715"/>
+            <a:ext cx="1124345" cy="475861"/>
+          </a:xfrm>
+          <a:prstGeom prst="roundRect">
+            <a:avLst/>
+          </a:prstGeom>
+        </p:spPr>
+        <p:style>
+          <a:lnRef idx="2">
+            <a:schemeClr val="accent1">
+              <a:shade val="50000"/>
+            </a:schemeClr>
+          </a:lnRef>
+          <a:fillRef idx="1">
+            <a:schemeClr val="accent1"/>
+          </a:fillRef>
+          <a:effectRef idx="0">
+            <a:schemeClr val="accent1"/>
+          </a:effectRef>
+          <a:fontRef idx="minor">
+            <a:schemeClr val="lt1"/>
+          </a:fontRef>
+        </p:style>
+        <p:txBody>
+          <a:bodyPr rtlCol="0" anchor="ctr"/>
+          <a:lstStyle/>
+          <a:p>
+            <a:pPr algn="ctr"/>
+            <a:r>
+              <a:rPr lang="en-US" altLang="zh-CN" sz="1400" smtClean="0"/>
+              <a:t>Scan2(part)</a:t>
+            </a:r>
+            <a:endParaRPr lang="zh-CN" altLang="en-US" sz="1400"/>
+          </a:p>
+        </p:txBody>
+      </p:sp>
+      <p:cxnSp>
+        <p:nvCxnSpPr>
+          <p:cNvPr id="21" name="直接箭头连接符 20"/>
+          <p:cNvCxnSpPr>
+            <a:stCxn id="20" idx="0"/>
+            <a:endCxn id="15" idx="2"/>
+          </p:cNvCxnSpPr>
+          <p:nvPr/>
+        </p:nvCxnSpPr>
+        <p:spPr>
+          <a:xfrm flipH="1" flipV="1">
+            <a:off x="6972311" y="4248884"/>
+            <a:ext cx="773674" cy="867831"/>
+          </a:xfrm>
+          <a:prstGeom prst="straightConnector1">
+            <a:avLst/>
+          </a:prstGeom>
+          <a:ln w="25400">
+            <a:solidFill>
+              <a:srgbClr val="C00000"/>
+            </a:solidFill>
+            <a:tailEnd type="triangle"/>
+          </a:ln>
+        </p:spPr>
+        <p:style>
+          <a:lnRef idx="1">
+            <a:schemeClr val="accent1"/>
+          </a:lnRef>
+          <a:fillRef idx="0">
+            <a:schemeClr val="accent1"/>
+          </a:fillRef>
+          <a:effectRef idx="0">
+            <a:schemeClr val="accent1"/>
+          </a:effectRef>
+          <a:fontRef idx="minor">
+            <a:schemeClr val="tx1"/>
+          </a:fontRef>
+        </p:style>
+      </p:cxnSp>
+      <p:sp>
+        <p:nvSpPr>
+          <p:cNvPr id="22" name="圆角矩形 21"/>
+          <p:cNvSpPr/>
+          <p:nvPr/>
+        </p:nvSpPr>
+        <p:spPr>
+          <a:xfrm>
+            <a:off x="9290982" y="3767664"/>
+            <a:ext cx="1124345" cy="475861"/>
+          </a:xfrm>
+          <a:prstGeom prst="roundRect">
+            <a:avLst/>
+          </a:prstGeom>
+        </p:spPr>
+        <p:style>
+          <a:lnRef idx="2">
+            <a:schemeClr val="accent1">
+              <a:shade val="50000"/>
+            </a:schemeClr>
+          </a:lnRef>
+          <a:fillRef idx="1">
+            <a:schemeClr val="accent1"/>
+          </a:fillRef>
+          <a:effectRef idx="0">
+            <a:schemeClr val="accent1"/>
+          </a:effectRef>
+          <a:fontRef idx="minor">
+            <a:schemeClr val="lt1"/>
+          </a:fontRef>
+        </p:style>
+        <p:txBody>
+          <a:bodyPr rtlCol="0" anchor="ctr"/>
+          <a:lstStyle/>
+          <a:p>
+            <a:pPr algn="ctr"/>
+            <a:r>
+              <a:rPr lang="en-US" altLang="zh-CN" sz="1400" smtClean="0"/>
+              <a:t>join</a:t>
+            </a:r>
+            <a:endParaRPr lang="zh-CN" altLang="en-US" sz="1400"/>
+          </a:p>
+        </p:txBody>
+      </p:sp>
+      <p:sp>
+        <p:nvSpPr>
+          <p:cNvPr id="23" name="圆角矩形 22"/>
+          <p:cNvSpPr/>
+          <p:nvPr/>
+        </p:nvSpPr>
+        <p:spPr>
+          <a:xfrm>
+            <a:off x="8536762" y="5111356"/>
+            <a:ext cx="1124345" cy="475861"/>
+          </a:xfrm>
+          <a:prstGeom prst="roundRect">
+            <a:avLst/>
+          </a:prstGeom>
+        </p:spPr>
+        <p:style>
+          <a:lnRef idx="2">
+            <a:schemeClr val="accent1">
+              <a:shade val="50000"/>
+            </a:schemeClr>
+          </a:lnRef>
+          <a:fillRef idx="1">
+            <a:schemeClr val="accent1"/>
+          </a:fillRef>
+          <a:effectRef idx="0">
+            <a:schemeClr val="accent1"/>
+          </a:effectRef>
+          <a:fontRef idx="minor">
+            <a:schemeClr val="lt1"/>
+          </a:fontRef>
+        </p:style>
+        <p:txBody>
+          <a:bodyPr rtlCol="0" anchor="ctr"/>
+          <a:lstStyle/>
+          <a:p>
+            <a:pPr algn="ctr"/>
+            <a:r>
+              <a:rPr lang="en-US" altLang="zh-CN" sz="1400"/>
+              <a:t>scan1</a:t>
+            </a:r>
+            <a:endParaRPr lang="zh-CN" altLang="en-US" sz="1400"/>
+          </a:p>
+        </p:txBody>
+      </p:sp>
+      <p:cxnSp>
+        <p:nvCxnSpPr>
+          <p:cNvPr id="24" name="直接箭头连接符 23"/>
+          <p:cNvCxnSpPr>
+            <a:stCxn id="23" idx="0"/>
+            <a:endCxn id="22" idx="2"/>
+          </p:cNvCxnSpPr>
+          <p:nvPr/>
+        </p:nvCxnSpPr>
+        <p:spPr>
+          <a:xfrm flipV="1">
+            <a:off x="9098935" y="4243525"/>
+            <a:ext cx="754220" cy="867831"/>
+          </a:xfrm>
+          <a:prstGeom prst="straightConnector1">
+            <a:avLst/>
+          </a:prstGeom>
+          <a:ln w="25400">
+            <a:solidFill>
+              <a:srgbClr val="C00000"/>
+            </a:solidFill>
+            <a:tailEnd type="triangle"/>
+          </a:ln>
+        </p:spPr>
+        <p:style>
+          <a:lnRef idx="1">
+            <a:schemeClr val="accent1"/>
+          </a:lnRef>
+          <a:fillRef idx="0">
+            <a:schemeClr val="accent1"/>
+          </a:fillRef>
+          <a:effectRef idx="0">
+            <a:schemeClr val="accent1"/>
+          </a:effectRef>
+          <a:fontRef idx="minor">
+            <a:schemeClr val="tx1"/>
+          </a:fontRef>
+        </p:style>
+      </p:cxnSp>
+      <p:sp>
+        <p:nvSpPr>
+          <p:cNvPr id="25" name="圆角矩形 24"/>
+          <p:cNvSpPr/>
+          <p:nvPr/>
+        </p:nvSpPr>
+        <p:spPr>
+          <a:xfrm>
+            <a:off x="10064656" y="5111356"/>
+            <a:ext cx="1124345" cy="475861"/>
+          </a:xfrm>
+          <a:prstGeom prst="roundRect">
+            <a:avLst/>
+          </a:prstGeom>
+        </p:spPr>
+        <p:style>
+          <a:lnRef idx="2">
+            <a:schemeClr val="accent1">
+              <a:shade val="50000"/>
+            </a:schemeClr>
+          </a:lnRef>
+          <a:fillRef idx="1">
+            <a:schemeClr val="accent1"/>
+          </a:fillRef>
+          <a:effectRef idx="0">
+            <a:schemeClr val="accent1"/>
+          </a:effectRef>
+          <a:fontRef idx="minor">
+            <a:schemeClr val="lt1"/>
+          </a:fontRef>
+        </p:style>
+        <p:txBody>
+          <a:bodyPr rtlCol="0" anchor="ctr"/>
+          <a:lstStyle/>
+          <a:p>
+            <a:pPr algn="ctr"/>
+            <a:r>
+              <a:rPr lang="en-US" altLang="zh-CN" sz="1400"/>
+              <a:t>Scan2(part</a:t>
+            </a:r>
+            <a:r>
+              <a:rPr lang="en-US" altLang="zh-CN" sz="1400" smtClean="0"/>
+              <a:t>)</a:t>
+            </a:r>
+            <a:endParaRPr lang="zh-CN" altLang="en-US" sz="1400"/>
+          </a:p>
+        </p:txBody>
+      </p:sp>
+      <p:cxnSp>
+        <p:nvCxnSpPr>
+          <p:cNvPr id="26" name="直接箭头连接符 25"/>
+          <p:cNvCxnSpPr>
+            <a:stCxn id="25" idx="0"/>
+            <a:endCxn id="22" idx="2"/>
+          </p:cNvCxnSpPr>
+          <p:nvPr/>
+        </p:nvCxnSpPr>
+        <p:spPr>
+          <a:xfrm flipH="1" flipV="1">
+            <a:off x="9853155" y="4243525"/>
+            <a:ext cx="773674" cy="867831"/>
+          </a:xfrm>
+          <a:prstGeom prst="straightConnector1">
+            <a:avLst/>
+          </a:prstGeom>
+          <a:ln w="25400">
+            <a:solidFill>
+              <a:srgbClr val="C00000"/>
+            </a:solidFill>
+            <a:tailEnd type="triangle"/>
+          </a:ln>
+        </p:spPr>
+        <p:style>
+          <a:lnRef idx="1">
+            <a:schemeClr val="accent1"/>
+          </a:lnRef>
+          <a:fillRef idx="0">
+            <a:schemeClr val="accent1"/>
+          </a:fillRef>
+          <a:effectRef idx="0">
+            <a:schemeClr val="accent1"/>
+          </a:effectRef>
+          <a:fontRef idx="minor">
+            <a:schemeClr val="tx1"/>
+          </a:fontRef>
+        </p:style>
+      </p:cxnSp>
+      <p:cxnSp>
+        <p:nvCxnSpPr>
+          <p:cNvPr id="27" name="直接箭头连接符 26"/>
+          <p:cNvCxnSpPr>
+            <a:endCxn id="39" idx="2"/>
+          </p:cNvCxnSpPr>
+          <p:nvPr/>
+        </p:nvCxnSpPr>
+        <p:spPr>
+          <a:xfrm flipH="1" flipV="1">
+            <a:off x="8297271" y="3224760"/>
+            <a:ext cx="1524015" cy="548264"/>
+          </a:xfrm>
+          <a:prstGeom prst="straightConnector1">
+            <a:avLst/>
+          </a:prstGeom>
+          <a:ln w="25400">
+            <a:solidFill>
+              <a:srgbClr val="C00000"/>
+            </a:solidFill>
+            <a:tailEnd type="triangle"/>
+          </a:ln>
+        </p:spPr>
+        <p:style>
+          <a:lnRef idx="1">
+            <a:schemeClr val="accent1"/>
+          </a:lnRef>
+          <a:fillRef idx="0">
+            <a:schemeClr val="accent1"/>
+          </a:fillRef>
+          <a:effectRef idx="0">
+            <a:schemeClr val="accent1"/>
+          </a:effectRef>
+          <a:fontRef idx="minor">
+            <a:schemeClr val="tx1"/>
+          </a:fontRef>
+        </p:style>
+      </p:cxnSp>
+      <p:sp>
+        <p:nvSpPr>
+          <p:cNvPr id="28" name="文本框 27"/>
+          <p:cNvSpPr txBox="1"/>
+          <p:nvPr/>
+        </p:nvSpPr>
+        <p:spPr>
+          <a:xfrm>
+            <a:off x="391886" y="4421537"/>
+            <a:ext cx="5050212" cy="2031325"/>
+          </a:xfrm>
+          <a:prstGeom prst="rect">
+            <a:avLst/>
+          </a:prstGeom>
+          <a:noFill/>
+        </p:spPr>
+        <p:txBody>
+          <a:bodyPr wrap="square" rtlCol="0">
+            <a:spAutoFit/>
+          </a:bodyPr>
+          <a:lstStyle/>
+          <a:p>
+            <a:r>
+              <a:rPr lang="en-US" altLang="zh-CN" sz="1400" smtClean="0"/>
+              <a:t>HASH JOIN </a:t>
+            </a:r>
+            <a:r>
+              <a:rPr lang="zh-CN" altLang="en-US" sz="1400" smtClean="0"/>
+              <a:t>并行需要先在两表中选取小表来做</a:t>
+            </a:r>
+            <a:r>
+              <a:rPr lang="en-US" altLang="zh-CN" sz="1400" smtClean="0"/>
+              <a:t>HASH TABLE</a:t>
+            </a:r>
+          </a:p>
+          <a:p>
+            <a:r>
+              <a:rPr lang="zh-CN" altLang="en-US" sz="1400" smtClean="0"/>
+              <a:t>做</a:t>
+            </a:r>
+            <a:r>
+              <a:rPr lang="en-US" altLang="zh-CN" sz="1400" smtClean="0"/>
+              <a:t>HASH TABLE</a:t>
+            </a:r>
+            <a:r>
+              <a:rPr lang="zh-CN" altLang="en-US" sz="1400" smtClean="0"/>
+              <a:t>有两种模型，一种是本身就是基于</a:t>
+            </a:r>
+            <a:r>
+              <a:rPr lang="en-US" altLang="zh-CN" sz="1400" smtClean="0"/>
+              <a:t>HASH</a:t>
+            </a:r>
+            <a:r>
+              <a:rPr lang="zh-CN" altLang="en-US" sz="1400" smtClean="0"/>
+              <a:t>分区的，则每个</a:t>
+            </a:r>
+            <a:r>
+              <a:rPr lang="en-US" altLang="zh-CN" sz="1400" smtClean="0"/>
+              <a:t>JOIN</a:t>
+            </a:r>
+            <a:r>
+              <a:rPr lang="zh-CN" altLang="en-US" sz="1400" smtClean="0"/>
+              <a:t>节点自己做</a:t>
+            </a:r>
+            <a:r>
+              <a:rPr lang="en-US" altLang="zh-CN" sz="1400" smtClean="0"/>
+              <a:t>HASH TABLE</a:t>
+            </a:r>
+            <a:r>
+              <a:rPr lang="zh-CN" altLang="en-US" sz="1400" smtClean="0"/>
+              <a:t>（也可以运行时生成）</a:t>
+            </a:r>
+            <a:endParaRPr lang="en-US" altLang="zh-CN" sz="1400" smtClean="0"/>
+          </a:p>
+          <a:p>
+            <a:r>
+              <a:rPr lang="zh-CN" altLang="en-US" sz="1400"/>
+              <a:t>另</a:t>
+            </a:r>
+            <a:r>
+              <a:rPr lang="zh-CN" altLang="en-US" sz="1400" smtClean="0"/>
+              <a:t>一种则是通用的场景，需要整个表可间</a:t>
+            </a:r>
+            <a:r>
+              <a:rPr lang="en-US" altLang="zh-CN" sz="1400" smtClean="0"/>
+              <a:t>HASH TABLE</a:t>
+            </a:r>
+            <a:r>
+              <a:rPr lang="zh-CN" altLang="en-US" sz="1400" smtClean="0"/>
+              <a:t>，这个时候需要支持一个并行插入生成的</a:t>
+            </a:r>
+            <a:r>
+              <a:rPr lang="en-US" altLang="zh-CN" sz="1400" smtClean="0"/>
+              <a:t>HASH </a:t>
+            </a:r>
+            <a:r>
+              <a:rPr lang="zh-CN" altLang="en-US" sz="1400" smtClean="0"/>
+              <a:t>表，这个时候效率是很高的，详细论文可以参考一下（之前看过，忘了是哪篇了）</a:t>
+            </a:r>
+            <a:endParaRPr lang="en-US" altLang="zh-CN" sz="1400" smtClean="0"/>
+          </a:p>
+          <a:p>
+            <a:endParaRPr lang="en-US" altLang="zh-CN" sz="1400"/>
+          </a:p>
+          <a:p>
+            <a:r>
+              <a:rPr lang="zh-CN" altLang="en-US" sz="1400" b="1" smtClean="0">
+                <a:solidFill>
+                  <a:srgbClr val="FF0000"/>
+                </a:solidFill>
+              </a:rPr>
+              <a:t>增加一个类似 </a:t>
+            </a:r>
+            <a:r>
+              <a:rPr lang="en-US" altLang="zh-CN" sz="1400" b="1" smtClean="0">
+                <a:solidFill>
+                  <a:srgbClr val="FF0000"/>
+                </a:solidFill>
+              </a:rPr>
+              <a:t>prepare</a:t>
+            </a:r>
+            <a:r>
+              <a:rPr lang="zh-CN" altLang="en-US" sz="1400" b="1" smtClean="0">
+                <a:solidFill>
+                  <a:srgbClr val="FF0000"/>
+                </a:solidFill>
+              </a:rPr>
+              <a:t>的阶段，并且这个阶段可以设置线程屏障，需要同步后再一起执行</a:t>
+            </a:r>
+            <a:endParaRPr lang="zh-CN" altLang="en-US" sz="1400" b="1">
+              <a:solidFill>
+                <a:srgbClr val="FF0000"/>
+              </a:solidFill>
+            </a:endParaRPr>
+          </a:p>
+        </p:txBody>
+      </p:sp>
+      <p:sp>
+        <p:nvSpPr>
+          <p:cNvPr id="29" name="圆角矩形 28"/>
+          <p:cNvSpPr/>
+          <p:nvPr/>
+        </p:nvSpPr>
+        <p:spPr>
+          <a:xfrm>
+            <a:off x="7789546" y="4314275"/>
+            <a:ext cx="1124345" cy="475861"/>
+          </a:xfrm>
+          <a:prstGeom prst="roundRect">
+            <a:avLst/>
+          </a:prstGeom>
+        </p:spPr>
+        <p:style>
+          <a:lnRef idx="3">
+            <a:schemeClr val="lt1"/>
+          </a:lnRef>
+          <a:fillRef idx="1">
+            <a:schemeClr val="accent6"/>
+          </a:fillRef>
+          <a:effectRef idx="1">
+            <a:schemeClr val="accent6"/>
+          </a:effectRef>
+          <a:fontRef idx="minor">
+            <a:schemeClr val="lt1"/>
+          </a:fontRef>
+        </p:style>
+        <p:txBody>
+          <a:bodyPr rtlCol="0" anchor="ctr"/>
+          <a:lstStyle/>
+          <a:p>
+            <a:pPr algn="ctr"/>
+            <a:r>
+              <a:rPr lang="en-US" altLang="zh-CN" sz="1400" smtClean="0"/>
+              <a:t>Hash table</a:t>
+            </a:r>
+            <a:r>
+              <a:rPr lang="en-US" altLang="zh-CN" sz="1400" smtClean="0"/>
+              <a:t> index</a:t>
+            </a:r>
+            <a:endParaRPr lang="zh-CN" altLang="en-US" sz="1400"/>
+          </a:p>
+        </p:txBody>
+      </p:sp>
+      <p:cxnSp>
+        <p:nvCxnSpPr>
+          <p:cNvPr id="30" name="直接箭头连接符 29"/>
+          <p:cNvCxnSpPr>
+            <a:stCxn id="16" idx="0"/>
+            <a:endCxn id="29" idx="1"/>
+          </p:cNvCxnSpPr>
+          <p:nvPr/>
+        </p:nvCxnSpPr>
+        <p:spPr>
+          <a:xfrm flipV="1">
+            <a:off x="6218091" y="4552206"/>
+            <a:ext cx="1571455" cy="564509"/>
+          </a:xfrm>
+          <a:prstGeom prst="straightConnector1">
+            <a:avLst/>
+          </a:prstGeom>
+          <a:ln w="25400">
+            <a:solidFill>
+              <a:srgbClr val="C00000"/>
+            </a:solidFill>
+            <a:prstDash val="dash"/>
+            <a:tailEnd type="triangle"/>
+          </a:ln>
+        </p:spPr>
+        <p:style>
+          <a:lnRef idx="1">
+            <a:schemeClr val="accent1"/>
+          </a:lnRef>
+          <a:fillRef idx="0">
+            <a:schemeClr val="accent1"/>
+          </a:fillRef>
+          <a:effectRef idx="0">
+            <a:schemeClr val="accent1"/>
+          </a:effectRef>
+          <a:fontRef idx="minor">
+            <a:schemeClr val="tx1"/>
+          </a:fontRef>
+        </p:style>
+      </p:cxnSp>
+      <p:cxnSp>
+        <p:nvCxnSpPr>
+          <p:cNvPr id="34" name="直接箭头连接符 33"/>
+          <p:cNvCxnSpPr>
+            <a:stCxn id="23" idx="0"/>
+            <a:endCxn id="29" idx="3"/>
+          </p:cNvCxnSpPr>
+          <p:nvPr/>
+        </p:nvCxnSpPr>
+        <p:spPr>
+          <a:xfrm flipH="1" flipV="1">
+            <a:off x="8913891" y="4552206"/>
+            <a:ext cx="185044" cy="559150"/>
+          </a:xfrm>
+          <a:prstGeom prst="straightConnector1">
+            <a:avLst/>
+          </a:prstGeom>
+          <a:ln w="25400">
+            <a:solidFill>
+              <a:srgbClr val="C00000"/>
+            </a:solidFill>
+            <a:prstDash val="dash"/>
+            <a:tailEnd type="triangle"/>
+          </a:ln>
+        </p:spPr>
+        <p:style>
+          <a:lnRef idx="1">
+            <a:schemeClr val="accent1"/>
+          </a:lnRef>
+          <a:fillRef idx="0">
+            <a:schemeClr val="accent1"/>
+          </a:fillRef>
+          <a:effectRef idx="0">
+            <a:schemeClr val="accent1"/>
+          </a:effectRef>
+          <a:fontRef idx="minor">
+            <a:schemeClr val="tx1"/>
+          </a:fontRef>
+        </p:style>
+      </p:cxnSp>
+      <p:sp>
+        <p:nvSpPr>
+          <p:cNvPr id="39" name="圆角矩形 38"/>
+          <p:cNvSpPr/>
+          <p:nvPr/>
+        </p:nvSpPr>
+        <p:spPr>
+          <a:xfrm>
+            <a:off x="7735098" y="2748899"/>
+            <a:ext cx="1124345" cy="475861"/>
+          </a:xfrm>
+          <a:prstGeom prst="roundRect">
+            <a:avLst/>
+          </a:prstGeom>
+        </p:spPr>
+        <p:style>
+          <a:lnRef idx="2">
+            <a:schemeClr val="accent1">
+              <a:shade val="50000"/>
+            </a:schemeClr>
+          </a:lnRef>
+          <a:fillRef idx="1">
+            <a:schemeClr val="accent1"/>
+          </a:fillRef>
+          <a:effectRef idx="0">
+            <a:schemeClr val="accent1"/>
+          </a:effectRef>
+          <a:fontRef idx="minor">
+            <a:schemeClr val="lt1"/>
+          </a:fontRef>
+        </p:style>
+        <p:txBody>
+          <a:bodyPr rtlCol="0" anchor="ctr"/>
+          <a:lstStyle/>
+          <a:p>
+            <a:pPr algn="ctr"/>
+            <a:r>
+              <a:rPr lang="en-US" altLang="zh-CN" sz="1400" smtClean="0"/>
+              <a:t>Exchange</a:t>
+            </a:r>
+          </a:p>
+          <a:p>
+            <a:pPr algn="ctr"/>
+            <a:r>
+              <a:rPr lang="en-US" altLang="zh-CN" sz="1400" smtClean="0"/>
+              <a:t>(n:1)</a:t>
+            </a:r>
+            <a:endParaRPr lang="zh-CN" altLang="en-US" sz="1400"/>
+          </a:p>
+        </p:txBody>
+      </p:sp>
+      <p:cxnSp>
+        <p:nvCxnSpPr>
+          <p:cNvPr id="42" name="直接箭头连接符 41"/>
+          <p:cNvCxnSpPr>
+            <a:stCxn id="39" idx="0"/>
+            <a:endCxn id="17" idx="2"/>
+          </p:cNvCxnSpPr>
+          <p:nvPr/>
+        </p:nvCxnSpPr>
+        <p:spPr>
+          <a:xfrm flipH="1" flipV="1">
+            <a:off x="8297270" y="2193338"/>
+            <a:ext cx="1" cy="555561"/>
+          </a:xfrm>
+          <a:prstGeom prst="straightConnector1">
+            <a:avLst/>
+          </a:prstGeom>
+          <a:ln w="25400">
+            <a:solidFill>
+              <a:srgbClr val="C00000"/>
+            </a:solidFill>
+            <a:tailEnd type="triangle"/>
+          </a:ln>
+        </p:spPr>
+        <p:style>
+          <a:lnRef idx="1">
+            <a:schemeClr val="accent1"/>
+          </a:lnRef>
+          <a:fillRef idx="0">
+            <a:schemeClr val="accent1"/>
+          </a:fillRef>
+          <a:effectRef idx="0">
+            <a:schemeClr val="accent1"/>
+          </a:effectRef>
+          <a:fontRef idx="minor">
+            <a:schemeClr val="tx1"/>
+          </a:fontRef>
+        </p:style>
+      </p:cxnSp>
+      <p:sp>
+        <p:nvSpPr>
+          <p:cNvPr id="60" name="圆角矩形 59"/>
+          <p:cNvSpPr/>
+          <p:nvPr/>
+        </p:nvSpPr>
+        <p:spPr>
+          <a:xfrm>
+            <a:off x="845292" y="2919788"/>
+            <a:ext cx="1124345" cy="475861"/>
+          </a:xfrm>
+          <a:prstGeom prst="roundRect">
+            <a:avLst/>
+          </a:prstGeom>
+        </p:spPr>
+        <p:style>
+          <a:lnRef idx="3">
+            <a:schemeClr val="lt1"/>
+          </a:lnRef>
+          <a:fillRef idx="1">
+            <a:schemeClr val="accent6"/>
+          </a:fillRef>
+          <a:effectRef idx="1">
+            <a:schemeClr val="accent6"/>
+          </a:effectRef>
+          <a:fontRef idx="minor">
+            <a:schemeClr val="lt1"/>
+          </a:fontRef>
+        </p:style>
+        <p:txBody>
+          <a:bodyPr rtlCol="0" anchor="ctr"/>
+          <a:lstStyle/>
+          <a:p>
+            <a:pPr algn="ctr"/>
+            <a:r>
+              <a:rPr lang="en-US" altLang="zh-CN" sz="1400" smtClean="0"/>
+              <a:t>Hash table</a:t>
+            </a:r>
+            <a:r>
+              <a:rPr lang="en-US" altLang="zh-CN" sz="1400" smtClean="0"/>
+              <a:t> index</a:t>
+            </a:r>
+            <a:endParaRPr lang="zh-CN" altLang="en-US" sz="1400"/>
+          </a:p>
+        </p:txBody>
+      </p:sp>
+      <p:cxnSp>
+        <p:nvCxnSpPr>
+          <p:cNvPr id="61" name="直接箭头连接符 60"/>
+          <p:cNvCxnSpPr>
+            <a:stCxn id="4" idx="0"/>
+            <a:endCxn id="60" idx="2"/>
+          </p:cNvCxnSpPr>
+          <p:nvPr/>
+        </p:nvCxnSpPr>
+        <p:spPr>
+          <a:xfrm flipH="1" flipV="1">
+            <a:off x="1407465" y="3395649"/>
+            <a:ext cx="561844" cy="134085"/>
+          </a:xfrm>
+          <a:prstGeom prst="straightConnector1">
+            <a:avLst/>
+          </a:prstGeom>
+          <a:ln w="25400">
+            <a:solidFill>
+              <a:srgbClr val="C00000"/>
+            </a:solidFill>
+            <a:prstDash val="dash"/>
+            <a:tailEnd type="triangle"/>
+          </a:ln>
+        </p:spPr>
+        <p:style>
+          <a:lnRef idx="1">
+            <a:schemeClr val="accent1"/>
+          </a:lnRef>
+          <a:fillRef idx="0">
+            <a:schemeClr val="accent1"/>
+          </a:fillRef>
+          <a:effectRef idx="0">
+            <a:schemeClr val="accent1"/>
+          </a:effectRef>
+          <a:fontRef idx="minor">
+            <a:schemeClr val="tx1"/>
+          </a:fontRef>
+        </p:style>
+      </p:cxnSp>
+    </p:spTree>
+    <p:extLst>
+      <p:ext uri="{BB962C8B-B14F-4D97-AF65-F5344CB8AC3E}">
+        <p14:creationId xmlns:p14="http://schemas.microsoft.com/office/powerpoint/2010/main" val="1559062338"/>
+      </p:ext>
+    </p:extLst>
+  </p:cSld>
+  <p:clrMapOvr>
+    <a:masterClrMapping/>
+  </p:clrMapOvr>
+</p:sld>
+</file>
+
+<file path=ppt/slides/slide11.xml><?xml version="1.0" encoding="utf-8"?>
+<p:sld xmlns:a="http://schemas.openxmlformats.org/drawingml/2006/main" xmlns:r="http://schemas.openxmlformats.org/officeDocument/2006/relationships" xmlns:p="http://schemas.openxmlformats.org/presentationml/2006/main">
+  <p:cSld>
+    <p:spTree>
+      <p:nvGrpSpPr>
+        <p:cNvPr id="1" name=""/>
+        <p:cNvGrpSpPr/>
+        <p:nvPr/>
+      </p:nvGrpSpPr>
+      <p:grpSpPr>
+        <a:xfrm>
+          <a:off x="0" y="0"/>
+          <a:ext cx="0" cy="0"/>
+          <a:chOff x="0" y="0"/>
+          <a:chExt cx="0" cy="0"/>
+        </a:xfrm>
+      </p:grpSpPr>
+      <p:sp>
+        <p:nvSpPr>
+          <p:cNvPr id="2" name="标题 1"/>
+          <p:cNvSpPr>
+            <a:spLocks noGrp="1"/>
+          </p:cNvSpPr>
+          <p:nvPr>
+            <p:ph type="title"/>
+          </p:nvPr>
+        </p:nvSpPr>
+        <p:spPr/>
+        <p:txBody>
+          <a:bodyPr/>
+          <a:lstStyle/>
+          <a:p>
+            <a:r>
+              <a:rPr lang="en-US" altLang="zh-CN" smtClean="0"/>
+              <a:t>Parallel merge join</a:t>
+            </a:r>
+            <a:endParaRPr lang="zh-CN" altLang="en-US"/>
+          </a:p>
+        </p:txBody>
+      </p:sp>
+      <p:sp>
+        <p:nvSpPr>
+          <p:cNvPr id="3" name="文本框 2"/>
+          <p:cNvSpPr txBox="1"/>
+          <p:nvPr/>
+        </p:nvSpPr>
+        <p:spPr>
+          <a:xfrm>
+            <a:off x="718457" y="1338942"/>
+            <a:ext cx="10907486" cy="4801314"/>
+          </a:xfrm>
+          <a:prstGeom prst="rect">
+            <a:avLst/>
+          </a:prstGeom>
+          <a:noFill/>
+        </p:spPr>
+        <p:txBody>
+          <a:bodyPr wrap="square" rtlCol="0">
+            <a:spAutoFit/>
+          </a:bodyPr>
+          <a:lstStyle/>
+          <a:p>
+            <a:r>
+              <a:rPr lang="en-US" altLang="zh-CN" smtClean="0"/>
+              <a:t>Hash join </a:t>
+            </a:r>
+            <a:r>
+              <a:rPr lang="zh-CN" altLang="en-US" smtClean="0"/>
+              <a:t>比较好做并行，主要是因为</a:t>
+            </a:r>
+            <a:r>
+              <a:rPr lang="en-US" altLang="zh-CN" smtClean="0"/>
+              <a:t>HASH JOIN</a:t>
+            </a:r>
+            <a:r>
+              <a:rPr lang="zh-CN" altLang="en-US" smtClean="0"/>
+              <a:t>适合大小表的情况，如果两个都是大表，则不太好处理。这个时候使用</a:t>
+            </a:r>
+            <a:r>
+              <a:rPr lang="en-US" altLang="zh-CN" smtClean="0"/>
+              <a:t>MERGE JOIN</a:t>
+            </a:r>
+            <a:r>
+              <a:rPr lang="zh-CN" altLang="en-US" smtClean="0"/>
+              <a:t>会比较好。</a:t>
+            </a:r>
+            <a:endParaRPr lang="en-US" altLang="zh-CN" smtClean="0"/>
+          </a:p>
+          <a:p>
+            <a:endParaRPr lang="en-US" altLang="zh-CN"/>
+          </a:p>
+          <a:p>
+            <a:r>
+              <a:rPr lang="zh-CN" altLang="en-US" smtClean="0"/>
+              <a:t>之前</a:t>
+            </a:r>
+            <a:r>
+              <a:rPr lang="en-US" altLang="zh-CN" smtClean="0"/>
+              <a:t>MONETDB</a:t>
+            </a:r>
+            <a:r>
+              <a:rPr lang="zh-CN" altLang="en-US" smtClean="0"/>
+              <a:t>的论文中，提到</a:t>
+            </a:r>
+            <a:r>
+              <a:rPr lang="en-US" altLang="zh-CN" smtClean="0"/>
+              <a:t>MERGE JOIN</a:t>
+            </a:r>
+            <a:r>
+              <a:rPr lang="zh-CN" altLang="en-US" smtClean="0"/>
+              <a:t>，但方式是将</a:t>
+            </a:r>
+            <a:r>
+              <a:rPr lang="en-US" altLang="zh-CN" smtClean="0"/>
+              <a:t>MERGE JOIN</a:t>
+            </a:r>
+            <a:r>
+              <a:rPr lang="zh-CN" altLang="en-US" smtClean="0"/>
+              <a:t>替换成</a:t>
+            </a:r>
+            <a:r>
+              <a:rPr lang="en-US" altLang="zh-CN" smtClean="0"/>
+              <a:t>HASH JOIN</a:t>
+            </a:r>
+            <a:r>
+              <a:rPr lang="zh-CN" altLang="en-US" smtClean="0"/>
+              <a:t>，因为他们觉得：</a:t>
+            </a:r>
+            <a:endParaRPr lang="en-US" altLang="zh-CN" smtClean="0"/>
+          </a:p>
+          <a:p>
+            <a:r>
+              <a:rPr lang="en-US" altLang="zh-CN" smtClean="0"/>
+              <a:t>MERGE JOIN</a:t>
+            </a:r>
+            <a:r>
+              <a:rPr lang="zh-CN" altLang="en-US" smtClean="0"/>
+              <a:t>有几个缺点：</a:t>
+            </a:r>
+            <a:endParaRPr lang="en-US" altLang="zh-CN" smtClean="0"/>
+          </a:p>
+          <a:p>
+            <a:r>
+              <a:rPr lang="zh-CN" altLang="en-US" smtClean="0"/>
+              <a:t>第一个问题是计算的消耗比较大</a:t>
+            </a:r>
+            <a:endParaRPr lang="en-US" altLang="zh-CN" smtClean="0"/>
+          </a:p>
+          <a:p>
+            <a:r>
+              <a:rPr lang="zh-CN" altLang="en-US" smtClean="0"/>
+              <a:t>第二个问题是需要序列化整个表，这个内存消耗太大；</a:t>
+            </a:r>
+            <a:endParaRPr lang="en-US" altLang="zh-CN" smtClean="0"/>
+          </a:p>
+          <a:p>
+            <a:endParaRPr lang="en-US" altLang="zh-CN"/>
+          </a:p>
+          <a:p>
+            <a:r>
+              <a:rPr lang="zh-CN" altLang="en-US" smtClean="0"/>
+              <a:t>对于第一个问题，</a:t>
+            </a:r>
+            <a:r>
+              <a:rPr lang="en-US" altLang="zh-CN" smtClean="0"/>
+              <a:t>HYPER</a:t>
+            </a:r>
+            <a:r>
+              <a:rPr lang="zh-CN" altLang="en-US" smtClean="0"/>
+              <a:t>上经过实践，</a:t>
+            </a:r>
+            <a:r>
+              <a:rPr lang="en-US" altLang="zh-CN" smtClean="0"/>
+              <a:t>SORT</a:t>
+            </a:r>
+            <a:r>
+              <a:rPr lang="zh-CN" altLang="en-US" smtClean="0"/>
+              <a:t>的性能并行后续的优势会比较大，如果使用多种排序组合，特别是整形数据</a:t>
+            </a:r>
+            <a:r>
+              <a:rPr lang="zh-CN" altLang="en-US"/>
+              <a:t>，使用</a:t>
+            </a:r>
+            <a:r>
+              <a:rPr lang="en-US" altLang="zh-CN"/>
+              <a:t>RADIX</a:t>
+            </a:r>
+            <a:r>
+              <a:rPr lang="zh-CN" altLang="en-US"/>
+              <a:t> </a:t>
+            </a:r>
+            <a:r>
+              <a:rPr lang="en-US" altLang="zh-CN"/>
+              <a:t>SORT</a:t>
+            </a:r>
+            <a:r>
+              <a:rPr lang="zh-CN" altLang="en-US"/>
+              <a:t>性能是</a:t>
+            </a:r>
+            <a:r>
+              <a:rPr lang="zh-CN" altLang="en-US"/>
+              <a:t>比较</a:t>
+            </a:r>
+            <a:r>
+              <a:rPr lang="zh-CN" altLang="en-US" smtClean="0"/>
+              <a:t>好的，另外，有可能数据本身就是排序的；</a:t>
+            </a:r>
+            <a:endParaRPr lang="en-US" altLang="zh-CN" smtClean="0"/>
+          </a:p>
+          <a:p>
+            <a:endParaRPr lang="en-US" altLang="zh-CN" smtClean="0"/>
+          </a:p>
+          <a:p>
+            <a:r>
+              <a:rPr lang="zh-CN" altLang="en-US" smtClean="0"/>
+              <a:t>对于第二个问题，内存问题，目前没有很好的办法，但如果基于分布式的场景，未尝不能考虑</a:t>
+            </a:r>
+            <a:endParaRPr lang="en-US" altLang="zh-CN" smtClean="0"/>
+          </a:p>
+          <a:p>
+            <a:endParaRPr lang="en-US" altLang="zh-CN"/>
+          </a:p>
+          <a:p>
+            <a:r>
+              <a:rPr lang="zh-CN" altLang="en-US" smtClean="0"/>
+              <a:t>综合来看，</a:t>
+            </a:r>
+            <a:r>
+              <a:rPr lang="en-US" altLang="zh-CN" smtClean="0"/>
+              <a:t>MERGE JOIN</a:t>
+            </a:r>
+            <a:r>
+              <a:rPr lang="zh-CN" altLang="en-US" smtClean="0"/>
+              <a:t>目前可以先不做，但后续需要考虑</a:t>
+            </a:r>
+            <a:endParaRPr lang="en-US" altLang="zh-CN"/>
+          </a:p>
+          <a:p>
+            <a:endParaRPr lang="en-US" altLang="zh-CN" smtClean="0"/>
+          </a:p>
+          <a:p>
+            <a:endParaRPr lang="en-US" altLang="zh-CN"/>
+          </a:p>
+          <a:p>
+            <a:endParaRPr lang="en-US" altLang="zh-CN" smtClean="0"/>
+          </a:p>
+        </p:txBody>
+      </p:sp>
+    </p:spTree>
+    <p:extLst>
+      <p:ext uri="{BB962C8B-B14F-4D97-AF65-F5344CB8AC3E}">
+        <p14:creationId xmlns:p14="http://schemas.microsoft.com/office/powerpoint/2010/main" val="4282479518"/>
+      </p:ext>
+    </p:extLst>
+  </p:cSld>
+  <p:clrMapOvr>
+    <a:masterClrMapping/>
+  </p:clrMapOvr>
+</p:sld>
+</file>
+
+<file path=ppt/slides/slide12.xml><?xml version="1.0" encoding="utf-8"?>
+<p:sld xmlns:a="http://schemas.openxmlformats.org/drawingml/2006/main" xmlns:r="http://schemas.openxmlformats.org/officeDocument/2006/relationships" xmlns:p="http://schemas.openxmlformats.org/presentationml/2006/main">
+  <p:cSld>
+    <p:spTree>
+      <p:nvGrpSpPr>
+        <p:cNvPr id="1" name=""/>
+        <p:cNvGrpSpPr/>
+        <p:nvPr/>
+      </p:nvGrpSpPr>
+      <p:grpSpPr>
+        <a:xfrm>
+          <a:off x="0" y="0"/>
+          <a:ext cx="0" cy="0"/>
+          <a:chOff x="0" y="0"/>
+          <a:chExt cx="0" cy="0"/>
+        </a:xfrm>
+      </p:grpSpPr>
+      <p:sp>
+        <p:nvSpPr>
+          <p:cNvPr id="2" name="标题 1"/>
+          <p:cNvSpPr>
+            <a:spLocks noGrp="1"/>
+          </p:cNvSpPr>
+          <p:nvPr>
+            <p:ph type="title"/>
+          </p:nvPr>
+        </p:nvSpPr>
+        <p:spPr/>
+        <p:txBody>
+          <a:bodyPr/>
+          <a:lstStyle/>
+          <a:p>
+            <a:r>
+              <a:rPr lang="en-US" altLang="zh-CN" smtClean="0"/>
+              <a:t>Parallel star join</a:t>
+            </a:r>
+            <a:endParaRPr lang="zh-CN" altLang="en-US"/>
+          </a:p>
+        </p:txBody>
+      </p:sp>
+    </p:spTree>
+    <p:extLst>
+      <p:ext uri="{BB962C8B-B14F-4D97-AF65-F5344CB8AC3E}">
+        <p14:creationId xmlns:p14="http://schemas.microsoft.com/office/powerpoint/2010/main" val="3729693676"/>
+      </p:ext>
+    </p:extLst>
+  </p:cSld>
+  <p:clrMapOvr>
+    <a:masterClrMapping/>
+  </p:clrMapOvr>
+</p:sld>
+</file>
+
+<file path=ppt/slides/slide13.xml><?xml version="1.0" encoding="utf-8"?>
+<p:sld xmlns:a="http://schemas.openxmlformats.org/drawingml/2006/main" xmlns:r="http://schemas.openxmlformats.org/officeDocument/2006/relationships" xmlns:p="http://schemas.openxmlformats.org/presentationml/2006/main">
+  <p:cSld>
+    <p:spTree>
+      <p:nvGrpSpPr>
+        <p:cNvPr id="1" name=""/>
+        <p:cNvGrpSpPr/>
+        <p:nvPr/>
+      </p:nvGrpSpPr>
+      <p:grpSpPr>
+        <a:xfrm>
+          <a:off x="0" y="0"/>
+          <a:ext cx="0" cy="0"/>
+          <a:chOff x="0" y="0"/>
+          <a:chExt cx="0" cy="0"/>
+        </a:xfrm>
+      </p:grpSpPr>
+      <p:sp>
+        <p:nvSpPr>
+          <p:cNvPr id="3" name="标题 2"/>
+          <p:cNvSpPr>
+            <a:spLocks noGrp="1"/>
+          </p:cNvSpPr>
+          <p:nvPr>
+            <p:ph type="title"/>
+          </p:nvPr>
+        </p:nvSpPr>
+        <p:spPr/>
+        <p:txBody>
+          <a:bodyPr/>
+          <a:lstStyle/>
+          <a:p>
+            <a:r>
+              <a:rPr lang="en-US" altLang="zh-CN" smtClean="0"/>
+              <a:t>Multi-thread execute plan</a:t>
+            </a:r>
+            <a:endParaRPr lang="zh-CN" altLang="en-US"/>
+          </a:p>
+        </p:txBody>
+      </p:sp>
+      <p:sp>
+        <p:nvSpPr>
+          <p:cNvPr id="4" name="内容占位符 3"/>
+          <p:cNvSpPr>
+            <a:spLocks noGrp="1"/>
+          </p:cNvSpPr>
+          <p:nvPr>
+            <p:ph idx="1"/>
+          </p:nvPr>
+        </p:nvSpPr>
+        <p:spPr/>
+        <p:txBody>
+          <a:bodyPr>
+            <a:normAutofit fontScale="92500" lnSpcReduction="20000"/>
+          </a:bodyPr>
+          <a:lstStyle/>
+          <a:p>
+            <a:r>
+              <a:rPr lang="en-US" altLang="zh-CN" smtClean="0"/>
+              <a:t>Main thread</a:t>
+            </a:r>
+          </a:p>
+          <a:p>
+            <a:pPr lvl="1"/>
+            <a:r>
+              <a:rPr lang="en-US" altLang="zh-CN" smtClean="0"/>
+              <a:t>Parser-&gt; execute plan</a:t>
+            </a:r>
+          </a:p>
+          <a:p>
+            <a:pPr lvl="1"/>
+            <a:r>
+              <a:rPr lang="en-US" altLang="zh-CN" smtClean="0"/>
+              <a:t>Generate Parallel </a:t>
+            </a:r>
+            <a:r>
+              <a:rPr lang="en-US" altLang="zh-CN"/>
+              <a:t>execute </a:t>
+            </a:r>
+            <a:r>
+              <a:rPr lang="en-US" altLang="zh-CN" smtClean="0"/>
+              <a:t>plan</a:t>
+            </a:r>
+          </a:p>
+          <a:p>
+            <a:pPr lvl="1"/>
+            <a:r>
+              <a:rPr lang="en-US" altLang="zh-CN" smtClean="0"/>
+              <a:t>Get the all thread resource </a:t>
+            </a:r>
+          </a:p>
+          <a:p>
+            <a:pPr lvl="1"/>
+            <a:r>
+              <a:rPr lang="en-US" altLang="zh-CN" smtClean="0"/>
+              <a:t>Dispatch the sub tasks</a:t>
+            </a:r>
+          </a:p>
+          <a:p>
+            <a:pPr lvl="1"/>
+            <a:r>
+              <a:rPr lang="en-US" altLang="zh-CN" smtClean="0"/>
+              <a:t>Loop Execute root next</a:t>
+            </a:r>
+          </a:p>
+          <a:p>
+            <a:pPr lvl="1"/>
+            <a:r>
+              <a:rPr lang="en-US" altLang="zh-CN" smtClean="0"/>
+              <a:t>Sub node call the exchange node </a:t>
+            </a:r>
+          </a:p>
+          <a:p>
+            <a:pPr lvl="1"/>
+            <a:r>
+              <a:rPr lang="en-US" altLang="zh-CN"/>
+              <a:t>exchange </a:t>
+            </a:r>
+            <a:r>
+              <a:rPr lang="en-US" altLang="zh-CN" smtClean="0"/>
+              <a:t>node fetch completed buffer from other worker thread generated (maybe blocked)</a:t>
+            </a:r>
+          </a:p>
+          <a:p>
+            <a:pPr lvl="1"/>
+            <a:endParaRPr lang="en-US" altLang="zh-CN"/>
+          </a:p>
+          <a:p>
+            <a:r>
+              <a:rPr lang="en-US" altLang="zh-CN" smtClean="0"/>
+              <a:t>Worker thread</a:t>
+            </a:r>
+          </a:p>
+          <a:p>
+            <a:pPr lvl="1"/>
+            <a:r>
+              <a:rPr lang="en-US" altLang="zh-CN" smtClean="0"/>
+              <a:t>Get the sub task</a:t>
+            </a:r>
+          </a:p>
+          <a:p>
+            <a:pPr lvl="1"/>
+            <a:r>
+              <a:rPr lang="en-US" altLang="zh-CN" smtClean="0"/>
+              <a:t>Alloc the buffer from the root tree</a:t>
+            </a:r>
+          </a:p>
+          <a:p>
+            <a:pPr lvl="1"/>
+            <a:r>
+              <a:rPr lang="en-US" altLang="zh-CN" smtClean="0"/>
+              <a:t>Execute the sub tree to the result buffer</a:t>
+            </a:r>
+          </a:p>
+          <a:p>
+            <a:pPr lvl="1"/>
+            <a:endParaRPr lang="en-US" altLang="zh-CN" smtClean="0"/>
+          </a:p>
+          <a:p>
+            <a:pPr lvl="1"/>
+            <a:endParaRPr lang="en-US" altLang="zh-CN" smtClean="0"/>
+          </a:p>
+          <a:p>
+            <a:pPr lvl="1"/>
+            <a:endParaRPr lang="zh-CN" altLang="en-US"/>
+          </a:p>
+        </p:txBody>
+      </p:sp>
+    </p:spTree>
+    <p:extLst>
+      <p:ext uri="{BB962C8B-B14F-4D97-AF65-F5344CB8AC3E}">
+        <p14:creationId xmlns:p14="http://schemas.microsoft.com/office/powerpoint/2010/main" val="2500249155"/>
+      </p:ext>
+    </p:extLst>
+  </p:cSld>
+  <p:clrMapOvr>
+    <a:masterClrMapping/>
+  </p:clrMapOvr>
+</p:sld>
+</file>
+
+<file path=ppt/slides/slide14.xml><?xml version="1.0" encoding="utf-8"?>
+<p:sld xmlns:a="http://schemas.openxmlformats.org/drawingml/2006/main" xmlns:r="http://schemas.openxmlformats.org/officeDocument/2006/relationships" xmlns:p="http://schemas.openxmlformats.org/presentationml/2006/main">
+  <p:cSld>
+    <p:spTree>
+      <p:nvGrpSpPr>
+        <p:cNvPr id="1" name=""/>
+        <p:cNvGrpSpPr/>
+        <p:nvPr/>
+      </p:nvGrpSpPr>
+      <p:grpSpPr>
+        <a:xfrm>
+          <a:off x="0" y="0"/>
+          <a:ext cx="0" cy="0"/>
+          <a:chOff x="0" y="0"/>
+          <a:chExt cx="0" cy="0"/>
+        </a:xfrm>
+      </p:grpSpPr>
+      <p:sp>
+        <p:nvSpPr>
+          <p:cNvPr id="4" name="标题 3"/>
+          <p:cNvSpPr>
+            <a:spLocks noGrp="1"/>
+          </p:cNvSpPr>
+          <p:nvPr>
+            <p:ph type="title"/>
+          </p:nvPr>
+        </p:nvSpPr>
+        <p:spPr/>
+        <p:txBody>
+          <a:bodyPr/>
+          <a:lstStyle/>
+          <a:p>
+            <a:r>
+              <a:rPr lang="zh-CN" altLang="en-US" smtClean="0"/>
+              <a:t>多线程执行框架</a:t>
+            </a:r>
+            <a:endParaRPr lang="zh-CN" altLang="en-US"/>
+          </a:p>
+        </p:txBody>
+      </p:sp>
+      <p:sp>
+        <p:nvSpPr>
+          <p:cNvPr id="5" name="内容占位符 4"/>
+          <p:cNvSpPr>
+            <a:spLocks noGrp="1"/>
+          </p:cNvSpPr>
+          <p:nvPr>
+            <p:ph idx="1"/>
+          </p:nvPr>
+        </p:nvSpPr>
+        <p:spPr/>
+        <p:txBody>
+          <a:bodyPr/>
+          <a:lstStyle/>
+          <a:p>
+            <a:r>
+              <a:rPr lang="zh-CN" altLang="en-US" smtClean="0"/>
+              <a:t>语法解析完成后，先生成单线程的执行计划</a:t>
+            </a:r>
+            <a:endParaRPr lang="en-US" altLang="zh-CN" smtClean="0"/>
+          </a:p>
+          <a:p>
+            <a:r>
+              <a:rPr lang="zh-CN" altLang="en-US" smtClean="0"/>
+              <a:t>根据单线程的执行计划，根据成本原则生成多线程的执行计划</a:t>
+            </a:r>
+            <a:endParaRPr lang="en-US" altLang="zh-CN" smtClean="0"/>
+          </a:p>
+          <a:p>
+            <a:pPr lvl="1"/>
+            <a:r>
+              <a:rPr lang="zh-CN" altLang="en-US" smtClean="0"/>
+              <a:t>使用多线程的规则，</a:t>
+            </a:r>
+            <a:r>
+              <a:rPr lang="zh-CN" altLang="en-US"/>
+              <a:t>可根据成本或者</a:t>
+            </a:r>
+            <a:r>
+              <a:rPr lang="en-US" altLang="zh-CN"/>
+              <a:t>HINT</a:t>
+            </a:r>
+            <a:r>
+              <a:rPr lang="zh-CN" altLang="en-US"/>
+              <a:t>方式决定</a:t>
+            </a:r>
+            <a:endParaRPr lang="en-US" altLang="zh-CN" smtClean="0"/>
+          </a:p>
+          <a:p>
+            <a:pPr lvl="2"/>
+            <a:r>
+              <a:rPr lang="zh-CN" altLang="en-US" smtClean="0"/>
+              <a:t>本身执行节点是否支持多线程</a:t>
+            </a:r>
+            <a:endParaRPr lang="en-US" altLang="zh-CN" smtClean="0"/>
+          </a:p>
+          <a:p>
+            <a:pPr lvl="2"/>
+            <a:r>
+              <a:rPr lang="zh-CN" altLang="en-US" smtClean="0"/>
+              <a:t>当前环境的</a:t>
+            </a:r>
+            <a:r>
+              <a:rPr lang="en-US" altLang="zh-CN" smtClean="0"/>
+              <a:t>CPU</a:t>
+            </a:r>
+            <a:r>
+              <a:rPr lang="zh-CN" altLang="en-US" smtClean="0"/>
+              <a:t>个数</a:t>
+            </a:r>
+            <a:endParaRPr lang="en-US" altLang="zh-CN" smtClean="0"/>
+          </a:p>
+          <a:p>
+            <a:pPr lvl="2"/>
+            <a:r>
+              <a:rPr lang="zh-CN" altLang="en-US"/>
+              <a:t>表</a:t>
+            </a:r>
+            <a:r>
+              <a:rPr lang="zh-CN" altLang="en-US" smtClean="0"/>
+              <a:t>规模大小</a:t>
+            </a:r>
+            <a:endParaRPr lang="en-US" altLang="zh-CN" smtClean="0"/>
+          </a:p>
+          <a:p>
+            <a:pPr lvl="2"/>
+            <a:r>
+              <a:rPr lang="zh-CN" altLang="en-US" smtClean="0"/>
+              <a:t>是否使用了</a:t>
+            </a:r>
+            <a:r>
+              <a:rPr lang="en-US" altLang="zh-CN" smtClean="0"/>
+              <a:t>HINT</a:t>
+            </a:r>
+          </a:p>
+          <a:p>
+            <a:endParaRPr lang="en-US" altLang="zh-CN" smtClean="0"/>
+          </a:p>
+          <a:p>
+            <a:r>
+              <a:rPr lang="zh-CN" altLang="en-US" smtClean="0"/>
+              <a:t>主线程启动后，根据执行的并行度，申请线程资源；</a:t>
+            </a:r>
+            <a:endParaRPr lang="zh-CN" altLang="en-US"/>
+          </a:p>
+        </p:txBody>
+      </p:sp>
+    </p:spTree>
+    <p:extLst>
+      <p:ext uri="{BB962C8B-B14F-4D97-AF65-F5344CB8AC3E}">
+        <p14:creationId xmlns:p14="http://schemas.microsoft.com/office/powerpoint/2010/main" val="168534006"/>
+      </p:ext>
+    </p:extLst>
+  </p:cSld>
+  <p:clrMapOvr>
+    <a:masterClrMapping/>
+  </p:clrMapOvr>
+</p:sld>
+</file>
+
+<file path=ppt/slides/slide15.xml><?xml version="1.0" encoding="utf-8"?>
+<p:sld xmlns:a="http://schemas.openxmlformats.org/drawingml/2006/main" xmlns:r="http://schemas.openxmlformats.org/officeDocument/2006/relationships" xmlns:p="http://schemas.openxmlformats.org/presentationml/2006/main">
+  <p:cSld>
+    <p:spTree>
+      <p:nvGrpSpPr>
+        <p:cNvPr id="1" name=""/>
+        <p:cNvGrpSpPr/>
+        <p:nvPr/>
+      </p:nvGrpSpPr>
+      <p:grpSpPr>
+        <a:xfrm>
+          <a:off x="0" y="0"/>
+          <a:ext cx="0" cy="0"/>
+          <a:chOff x="0" y="0"/>
+          <a:chExt cx="0" cy="0"/>
+        </a:xfrm>
+      </p:grpSpPr>
+      <p:sp>
+        <p:nvSpPr>
+          <p:cNvPr id="2" name="标题 1"/>
+          <p:cNvSpPr>
+            <a:spLocks noGrp="1"/>
+          </p:cNvSpPr>
+          <p:nvPr>
+            <p:ph type="title"/>
+          </p:nvPr>
+        </p:nvSpPr>
+        <p:spPr/>
+        <p:txBody>
+          <a:bodyPr/>
+          <a:lstStyle/>
+          <a:p>
+            <a:endParaRPr lang="zh-CN" altLang="en-US"/>
+          </a:p>
+        </p:txBody>
+      </p:sp>
+      <p:graphicFrame>
+        <p:nvGraphicFramePr>
+          <p:cNvPr id="3" name="表格 2"/>
+          <p:cNvGraphicFramePr>
+            <a:graphicFrameLocks noGrp="1"/>
+          </p:cNvGraphicFramePr>
+          <p:nvPr>
+            <p:extLst>
+              <p:ext uri="{D42A27DB-BD31-4B8C-83A1-F6EECF244321}">
+                <p14:modId xmlns:p14="http://schemas.microsoft.com/office/powerpoint/2010/main" val="2917757823"/>
+              </p:ext>
+            </p:extLst>
+          </p:nvPr>
+        </p:nvGraphicFramePr>
+        <p:xfrm>
+          <a:off x="10888267" y="2924506"/>
+          <a:ext cx="667656" cy="975360"/>
+        </p:xfrm>
+        <a:graphic>
+          <a:graphicData uri="http://schemas.openxmlformats.org/drawingml/2006/table">
+            <a:tbl>
+              <a:tblPr>
+                <a:tableStyleId>{D7AC3CCA-C797-4891-BE02-D94E43425B78}</a:tableStyleId>
+              </a:tblPr>
+              <a:tblGrid>
+                <a:gridCol w="333828"/>
+                <a:gridCol w="333828"/>
+              </a:tblGrid>
+              <a:tr h="215416">
+                <a:tc>
+                  <a:txBody>
+                    <a:bodyPr/>
+                    <a:lstStyle/>
+                    <a:p>
+                      <a:r>
+                        <a:rPr lang="en-US" altLang="zh-CN" sz="1000" dirty="0" smtClean="0"/>
+                        <a:t>1</a:t>
+                      </a:r>
+                      <a:endParaRPr lang="zh-CN" altLang="en-US" sz="1000" dirty="0"/>
+                    </a:p>
+                  </a:txBody>
+                  <a:tcPr>
+                    <a:solidFill>
+                      <a:schemeClr val="accent4">
+                        <a:lumMod val="60000"/>
+                        <a:lumOff val="40000"/>
+                      </a:schemeClr>
+                    </a:solidFill>
+                  </a:tcPr>
+                </a:tc>
+                <a:tc>
+                  <a:txBody>
+                    <a:bodyPr/>
+                    <a:lstStyle/>
+                    <a:p>
+                      <a:r>
+                        <a:rPr lang="zh-CN" altLang="en-US" sz="1000" dirty="0" smtClean="0"/>
+                        <a:t>√</a:t>
+                      </a:r>
+                      <a:endParaRPr lang="zh-CN" altLang="en-US" sz="1000" dirty="0"/>
+                    </a:p>
+                  </a:txBody>
+                  <a:tcPr/>
+                </a:tc>
+              </a:tr>
+              <a:tr h="215416">
+                <a:tc>
+                  <a:txBody>
+                    <a:bodyPr/>
+                    <a:lstStyle/>
+                    <a:p>
+                      <a:r>
+                        <a:rPr lang="en-US" altLang="zh-CN" sz="1000" smtClean="0"/>
+                        <a:t>2</a:t>
+                      </a:r>
+                      <a:endParaRPr lang="zh-CN" altLang="en-US" sz="1000"/>
+                    </a:p>
+                  </a:txBody>
+                  <a:tcPr>
+                    <a:solidFill>
+                      <a:schemeClr val="bg2"/>
+                    </a:solidFill>
+                  </a:tcPr>
+                </a:tc>
+                <a:tc>
+                  <a:txBody>
+                    <a:bodyPr/>
+                    <a:lstStyle/>
+                    <a:p>
+                      <a:r>
+                        <a:rPr lang="en-US" altLang="zh-CN" sz="1000" dirty="0" smtClean="0"/>
+                        <a:t>X</a:t>
+                      </a:r>
+                      <a:endParaRPr lang="zh-CN" altLang="en-US" sz="1000" dirty="0"/>
+                    </a:p>
+                  </a:txBody>
+                  <a:tcPr>
+                    <a:solidFill>
+                      <a:schemeClr val="bg2"/>
+                    </a:solidFill>
+                  </a:tcPr>
+                </a:tc>
+              </a:tr>
+              <a:tr h="215416">
+                <a:tc>
+                  <a:txBody>
+                    <a:bodyPr/>
+                    <a:lstStyle/>
+                    <a:p>
+                      <a:r>
+                        <a:rPr lang="en-US" altLang="zh-CN" sz="1000" dirty="0" smtClean="0"/>
+                        <a:t>3</a:t>
+                      </a:r>
+                      <a:endParaRPr lang="zh-CN" altLang="en-US" sz="1000" dirty="0"/>
+                    </a:p>
+                  </a:txBody>
+                  <a:tcPr>
+                    <a:solidFill>
+                      <a:schemeClr val="bg2"/>
+                    </a:solidFill>
+                  </a:tcPr>
+                </a:tc>
+                <a:tc>
+                  <a:txBody>
+                    <a:bodyPr/>
+                    <a:lstStyle/>
+                    <a:p>
+                      <a:r>
+                        <a:rPr lang="en-US" altLang="zh-CN" sz="1000" smtClean="0"/>
+                        <a:t>X</a:t>
+                      </a:r>
+                      <a:endParaRPr lang="zh-CN" altLang="en-US" sz="1000"/>
+                    </a:p>
+                  </a:txBody>
+                  <a:tcPr/>
+                </a:tc>
+              </a:tr>
+              <a:tr h="215416">
+                <a:tc>
+                  <a:txBody>
+                    <a:bodyPr/>
+                    <a:lstStyle/>
+                    <a:p>
+                      <a:r>
+                        <a:rPr lang="en-US" altLang="zh-CN" sz="1000" dirty="0" smtClean="0"/>
+                        <a:t>4</a:t>
+                      </a:r>
+                      <a:endParaRPr lang="zh-CN" altLang="en-US" sz="1000" dirty="0"/>
+                    </a:p>
+                  </a:txBody>
+                  <a:tcPr>
+                    <a:solidFill>
+                      <a:schemeClr val="accent4">
+                        <a:lumMod val="60000"/>
+                        <a:lumOff val="40000"/>
+                      </a:schemeClr>
+                    </a:solidFill>
+                  </a:tcPr>
+                </a:tc>
+                <a:tc>
+                  <a:txBody>
+                    <a:bodyPr/>
+                    <a:lstStyle/>
+                    <a:p>
+                      <a:r>
+                        <a:rPr lang="zh-CN" altLang="en-US" sz="1000" smtClean="0"/>
+                        <a:t>√</a:t>
+                      </a:r>
+                      <a:endParaRPr lang="zh-CN" altLang="en-US" sz="1000"/>
+                    </a:p>
+                  </a:txBody>
+                  <a:tcPr/>
+                </a:tc>
+              </a:tr>
+            </a:tbl>
+          </a:graphicData>
+        </a:graphic>
+      </p:graphicFrame>
+      <p:graphicFrame>
+        <p:nvGraphicFramePr>
+          <p:cNvPr id="5" name="表格 4"/>
+          <p:cNvGraphicFramePr>
+            <a:graphicFrameLocks noGrp="1"/>
+          </p:cNvGraphicFramePr>
+          <p:nvPr>
+            <p:extLst>
+              <p:ext uri="{D42A27DB-BD31-4B8C-83A1-F6EECF244321}">
+                <p14:modId xmlns:p14="http://schemas.microsoft.com/office/powerpoint/2010/main" val="1205046475"/>
+              </p:ext>
+            </p:extLst>
+          </p:nvPr>
+        </p:nvGraphicFramePr>
+        <p:xfrm>
+          <a:off x="10888267" y="4187248"/>
+          <a:ext cx="667656" cy="975360"/>
+        </p:xfrm>
+        <a:graphic>
+          <a:graphicData uri="http://schemas.openxmlformats.org/drawingml/2006/table">
+            <a:tbl>
+              <a:tblPr>
+                <a:tableStyleId>{D7AC3CCA-C797-4891-BE02-D94E43425B78}</a:tableStyleId>
+              </a:tblPr>
+              <a:tblGrid>
+                <a:gridCol w="333828"/>
+                <a:gridCol w="333828"/>
+              </a:tblGrid>
+              <a:tr h="215416">
+                <a:tc>
+                  <a:txBody>
+                    <a:bodyPr/>
+                    <a:lstStyle/>
+                    <a:p>
+                      <a:r>
+                        <a:rPr lang="en-US" altLang="zh-CN" sz="1000" dirty="0" smtClean="0"/>
+                        <a:t>5</a:t>
+                      </a:r>
+                      <a:endParaRPr lang="zh-CN" altLang="en-US" sz="1000" dirty="0"/>
+                    </a:p>
+                  </a:txBody>
+                  <a:tcPr>
+                    <a:solidFill>
+                      <a:schemeClr val="bg2"/>
+                    </a:solidFill>
+                  </a:tcPr>
+                </a:tc>
+                <a:tc>
+                  <a:txBody>
+                    <a:bodyPr/>
+                    <a:lstStyle/>
+                    <a:p>
+                      <a:r>
+                        <a:rPr lang="en-US" altLang="zh-CN" sz="1000" smtClean="0"/>
+                        <a:t>X</a:t>
+                      </a:r>
+                      <a:endParaRPr lang="zh-CN" altLang="en-US" sz="1000"/>
+                    </a:p>
+                  </a:txBody>
+                  <a:tcPr/>
+                </a:tc>
+              </a:tr>
+              <a:tr h="215416">
+                <a:tc>
+                  <a:txBody>
+                    <a:bodyPr/>
+                    <a:lstStyle/>
+                    <a:p>
+                      <a:r>
+                        <a:rPr lang="en-US" altLang="zh-CN" sz="1000" smtClean="0"/>
+                        <a:t>6</a:t>
+                      </a:r>
+                      <a:endParaRPr lang="zh-CN" altLang="en-US" sz="1000"/>
+                    </a:p>
+                  </a:txBody>
+                  <a:tcPr>
+                    <a:solidFill>
+                      <a:schemeClr val="accent4">
+                        <a:lumMod val="60000"/>
+                        <a:lumOff val="40000"/>
+                      </a:schemeClr>
+                    </a:solidFill>
+                  </a:tcPr>
+                </a:tc>
+                <a:tc>
+                  <a:txBody>
+                    <a:bodyPr/>
+                    <a:lstStyle/>
+                    <a:p>
+                      <a:r>
+                        <a:rPr lang="zh-CN" altLang="en-US" sz="1000" smtClean="0"/>
+                        <a:t>√</a:t>
+                      </a:r>
+                      <a:endParaRPr lang="zh-CN" altLang="en-US" sz="1000"/>
+                    </a:p>
+                  </a:txBody>
+                  <a:tcPr/>
+                </a:tc>
+              </a:tr>
+              <a:tr h="215416">
+                <a:tc>
+                  <a:txBody>
+                    <a:bodyPr/>
+                    <a:lstStyle/>
+                    <a:p>
+                      <a:r>
+                        <a:rPr lang="en-US" altLang="zh-CN" sz="1000" smtClean="0"/>
+                        <a:t>7</a:t>
+                      </a:r>
+                      <a:endParaRPr lang="zh-CN" altLang="en-US" sz="1000"/>
+                    </a:p>
+                  </a:txBody>
+                  <a:tcPr>
+                    <a:solidFill>
+                      <a:schemeClr val="bg2"/>
+                    </a:solidFill>
+                  </a:tcPr>
+                </a:tc>
+                <a:tc>
+                  <a:txBody>
+                    <a:bodyPr/>
+                    <a:lstStyle/>
+                    <a:p>
+                      <a:r>
+                        <a:rPr lang="en-US" altLang="zh-CN" sz="1000" smtClean="0"/>
+                        <a:t>X</a:t>
+                      </a:r>
+                      <a:endParaRPr lang="zh-CN" altLang="en-US" sz="1000"/>
+                    </a:p>
+                  </a:txBody>
+                  <a:tcPr/>
+                </a:tc>
+              </a:tr>
+              <a:tr h="215416">
+                <a:tc>
+                  <a:txBody>
+                    <a:bodyPr/>
+                    <a:lstStyle/>
+                    <a:p>
+                      <a:r>
+                        <a:rPr lang="en-US" altLang="zh-CN" sz="1000" dirty="0" smtClean="0"/>
+                        <a:t>8</a:t>
+                      </a:r>
+                      <a:endParaRPr lang="zh-CN" altLang="en-US" sz="1000" dirty="0"/>
+                    </a:p>
+                  </a:txBody>
+                  <a:tcPr>
+                    <a:solidFill>
+                      <a:schemeClr val="bg2"/>
+                    </a:solidFill>
+                  </a:tcPr>
+                </a:tc>
+                <a:tc>
+                  <a:txBody>
+                    <a:bodyPr/>
+                    <a:lstStyle/>
+                    <a:p>
+                      <a:r>
+                        <a:rPr lang="en-US" altLang="zh-CN" sz="1000" smtClean="0"/>
+                        <a:t>X</a:t>
+                      </a:r>
+                      <a:endParaRPr lang="zh-CN" altLang="en-US" sz="1000"/>
+                    </a:p>
+                  </a:txBody>
+                  <a:tcPr/>
+                </a:tc>
+              </a:tr>
+            </a:tbl>
+          </a:graphicData>
+        </a:graphic>
+      </p:graphicFrame>
+      <p:graphicFrame>
+        <p:nvGraphicFramePr>
+          <p:cNvPr id="6" name="表格 5"/>
+          <p:cNvGraphicFramePr>
+            <a:graphicFrameLocks noGrp="1"/>
+          </p:cNvGraphicFramePr>
+          <p:nvPr>
+            <p:extLst>
+              <p:ext uri="{D42A27DB-BD31-4B8C-83A1-F6EECF244321}">
+                <p14:modId xmlns:p14="http://schemas.microsoft.com/office/powerpoint/2010/main" val="3415794168"/>
+              </p:ext>
+            </p:extLst>
+          </p:nvPr>
+        </p:nvGraphicFramePr>
+        <p:xfrm>
+          <a:off x="10888267" y="5449991"/>
+          <a:ext cx="667656" cy="975360"/>
+        </p:xfrm>
+        <a:graphic>
+          <a:graphicData uri="http://schemas.openxmlformats.org/drawingml/2006/table">
+            <a:tbl>
+              <a:tblPr>
+                <a:tableStyleId>{D7AC3CCA-C797-4891-BE02-D94E43425B78}</a:tableStyleId>
+              </a:tblPr>
+              <a:tblGrid>
+                <a:gridCol w="333828"/>
+                <a:gridCol w="333828"/>
+              </a:tblGrid>
+              <a:tr h="215416">
+                <a:tc>
+                  <a:txBody>
+                    <a:bodyPr/>
+                    <a:lstStyle/>
+                    <a:p>
+                      <a:r>
+                        <a:rPr lang="en-US" altLang="zh-CN" sz="1000" dirty="0" smtClean="0"/>
+                        <a:t>9</a:t>
+                      </a:r>
+                      <a:endParaRPr lang="zh-CN" altLang="en-US" sz="1000" dirty="0"/>
+                    </a:p>
+                  </a:txBody>
+                  <a:tcPr>
+                    <a:solidFill>
+                      <a:schemeClr val="bg2"/>
+                    </a:solidFill>
+                  </a:tcPr>
+                </a:tc>
+                <a:tc>
+                  <a:txBody>
+                    <a:bodyPr/>
+                    <a:lstStyle/>
+                    <a:p>
+                      <a:r>
+                        <a:rPr lang="en-US" altLang="zh-CN" sz="1000" smtClean="0"/>
+                        <a:t>X</a:t>
+                      </a:r>
+                      <a:endParaRPr lang="zh-CN" altLang="en-US" sz="1000"/>
+                    </a:p>
+                  </a:txBody>
+                  <a:tcPr/>
+                </a:tc>
+              </a:tr>
+              <a:tr h="215416">
+                <a:tc>
+                  <a:txBody>
+                    <a:bodyPr/>
+                    <a:lstStyle/>
+                    <a:p>
+                      <a:r>
+                        <a:rPr lang="en-US" altLang="zh-CN" sz="1000" smtClean="0"/>
+                        <a:t>10</a:t>
+                      </a:r>
+                      <a:endParaRPr lang="zh-CN" altLang="en-US" sz="1000"/>
+                    </a:p>
+                  </a:txBody>
+                  <a:tcPr>
+                    <a:solidFill>
+                      <a:schemeClr val="accent4">
+                        <a:lumMod val="60000"/>
+                        <a:lumOff val="40000"/>
+                      </a:schemeClr>
+                    </a:solidFill>
+                  </a:tcPr>
+                </a:tc>
+                <a:tc>
+                  <a:txBody>
+                    <a:bodyPr/>
+                    <a:lstStyle/>
+                    <a:p>
+                      <a:r>
+                        <a:rPr lang="zh-CN" altLang="en-US" sz="1000" smtClean="0"/>
+                        <a:t>√</a:t>
+                      </a:r>
+                      <a:endParaRPr lang="zh-CN" altLang="en-US" sz="1000"/>
+                    </a:p>
+                  </a:txBody>
+                  <a:tcPr/>
+                </a:tc>
+              </a:tr>
+              <a:tr h="215416">
+                <a:tc>
+                  <a:txBody>
+                    <a:bodyPr/>
+                    <a:lstStyle/>
+                    <a:p>
+                      <a:r>
+                        <a:rPr lang="en-US" altLang="zh-CN" sz="1000" smtClean="0"/>
+                        <a:t>11</a:t>
+                      </a:r>
+                      <a:endParaRPr lang="zh-CN" altLang="en-US" sz="1000"/>
+                    </a:p>
+                  </a:txBody>
+                  <a:tcPr>
+                    <a:solidFill>
+                      <a:schemeClr val="accent4">
+                        <a:lumMod val="60000"/>
+                        <a:lumOff val="40000"/>
+                      </a:schemeClr>
+                    </a:solidFill>
+                  </a:tcPr>
+                </a:tc>
+                <a:tc>
+                  <a:txBody>
+                    <a:bodyPr/>
+                    <a:lstStyle/>
+                    <a:p>
+                      <a:r>
+                        <a:rPr lang="zh-CN" altLang="en-US" sz="1000" smtClean="0"/>
+                        <a:t>√</a:t>
+                      </a:r>
+                      <a:endParaRPr lang="zh-CN" altLang="en-US" sz="1000"/>
+                    </a:p>
+                  </a:txBody>
+                  <a:tcPr/>
+                </a:tc>
+              </a:tr>
+              <a:tr h="215416">
+                <a:tc>
+                  <a:txBody>
+                    <a:bodyPr/>
+                    <a:lstStyle/>
+                    <a:p>
+                      <a:r>
+                        <a:rPr lang="en-US" altLang="zh-CN" sz="1000" dirty="0" smtClean="0"/>
+                        <a:t>12</a:t>
+                      </a:r>
+                      <a:endParaRPr lang="zh-CN" altLang="en-US" sz="1000" dirty="0"/>
+                    </a:p>
+                  </a:txBody>
+                  <a:tcPr>
+                    <a:solidFill>
+                      <a:schemeClr val="accent4">
+                        <a:lumMod val="60000"/>
+                        <a:lumOff val="40000"/>
+                      </a:schemeClr>
+                    </a:solidFill>
+                  </a:tcPr>
+                </a:tc>
+                <a:tc>
+                  <a:txBody>
+                    <a:bodyPr/>
+                    <a:lstStyle/>
+                    <a:p>
+                      <a:r>
+                        <a:rPr lang="zh-CN" altLang="en-US" sz="1000" smtClean="0"/>
+                        <a:t>√</a:t>
+                      </a:r>
+                      <a:endParaRPr lang="zh-CN" altLang="en-US" sz="1000"/>
+                    </a:p>
+                  </a:txBody>
+                  <a:tcPr/>
+                </a:tc>
+              </a:tr>
+            </a:tbl>
+          </a:graphicData>
+        </a:graphic>
+      </p:graphicFrame>
+      <p:graphicFrame>
+        <p:nvGraphicFramePr>
+          <p:cNvPr id="7" name="表格 6"/>
+          <p:cNvGraphicFramePr>
+            <a:graphicFrameLocks noGrp="1"/>
+          </p:cNvGraphicFramePr>
+          <p:nvPr>
+            <p:extLst>
+              <p:ext uri="{D42A27DB-BD31-4B8C-83A1-F6EECF244321}">
+                <p14:modId xmlns:p14="http://schemas.microsoft.com/office/powerpoint/2010/main" val="2681679129"/>
+              </p:ext>
+            </p:extLst>
+          </p:nvPr>
+        </p:nvGraphicFramePr>
+        <p:xfrm>
+          <a:off x="9701722" y="4129194"/>
+          <a:ext cx="333828" cy="975360"/>
+        </p:xfrm>
+        <a:graphic>
+          <a:graphicData uri="http://schemas.openxmlformats.org/drawingml/2006/table">
+            <a:tbl>
+              <a:tblPr>
+                <a:tableStyleId>{D7AC3CCA-C797-4891-BE02-D94E43425B78}</a:tableStyleId>
+              </a:tblPr>
+              <a:tblGrid>
+                <a:gridCol w="333828"/>
+              </a:tblGrid>
+              <a:tr h="0">
+                <a:tc>
+                  <a:txBody>
+                    <a:bodyPr/>
+                    <a:lstStyle/>
+                    <a:p>
+                      <a:r>
+                        <a:rPr lang="en-US" altLang="zh-CN" sz="1000" dirty="0" smtClean="0"/>
+                        <a:t>1</a:t>
+                      </a:r>
+                      <a:endParaRPr lang="zh-CN" altLang="en-US" sz="1000" dirty="0"/>
+                    </a:p>
+                  </a:txBody>
+                  <a:tcPr>
+                    <a:solidFill>
+                      <a:schemeClr val="accent4">
+                        <a:lumMod val="60000"/>
+                        <a:lumOff val="40000"/>
+                      </a:schemeClr>
+                    </a:solidFill>
+                  </a:tcPr>
+                </a:tc>
+              </a:tr>
+              <a:tr h="223681">
+                <a:tc>
+                  <a:txBody>
+                    <a:bodyPr/>
+                    <a:lstStyle/>
+                    <a:p>
+                      <a:r>
+                        <a:rPr lang="en-US" altLang="zh-CN" sz="1000" smtClean="0"/>
+                        <a:t>4</a:t>
+                      </a:r>
+                      <a:endParaRPr lang="zh-CN" altLang="en-US" sz="1000"/>
+                    </a:p>
+                  </a:txBody>
+                  <a:tcPr>
+                    <a:solidFill>
+                      <a:schemeClr val="accent4">
+                        <a:lumMod val="60000"/>
+                        <a:lumOff val="40000"/>
+                      </a:schemeClr>
+                    </a:solidFill>
+                  </a:tcPr>
+                </a:tc>
+              </a:tr>
+              <a:tr h="215416">
+                <a:tc>
+                  <a:txBody>
+                    <a:bodyPr/>
+                    <a:lstStyle/>
+                    <a:p>
+                      <a:r>
+                        <a:rPr lang="en-US" altLang="zh-CN" sz="1000" smtClean="0"/>
+                        <a:t>5</a:t>
+                      </a:r>
+                      <a:endParaRPr lang="zh-CN" altLang="en-US" sz="1000"/>
+                    </a:p>
+                  </a:txBody>
+                  <a:tcPr>
+                    <a:solidFill>
+                      <a:schemeClr val="accent4">
+                        <a:lumMod val="60000"/>
+                        <a:lumOff val="40000"/>
+                      </a:schemeClr>
+                    </a:solidFill>
+                  </a:tcPr>
+                </a:tc>
+              </a:tr>
+              <a:tr h="215416">
+                <a:tc>
+                  <a:txBody>
+                    <a:bodyPr/>
+                    <a:lstStyle/>
+                    <a:p>
+                      <a:r>
+                        <a:rPr lang="en-US" altLang="zh-CN" sz="1000" dirty="0" smtClean="0"/>
+                        <a:t>10</a:t>
+                      </a:r>
+                      <a:endParaRPr lang="zh-CN" altLang="en-US" sz="1000" dirty="0"/>
+                    </a:p>
+                  </a:txBody>
+                  <a:tcPr>
+                    <a:solidFill>
+                      <a:schemeClr val="accent4">
+                        <a:lumMod val="60000"/>
+                        <a:lumOff val="40000"/>
+                      </a:schemeClr>
+                    </a:solidFill>
+                  </a:tcPr>
+                </a:tc>
+              </a:tr>
+            </a:tbl>
+          </a:graphicData>
+        </a:graphic>
+      </p:graphicFrame>
+      <p:cxnSp>
+        <p:nvCxnSpPr>
+          <p:cNvPr id="9" name="直接箭头连接符 8"/>
+          <p:cNvCxnSpPr/>
+          <p:nvPr/>
+        </p:nvCxnSpPr>
+        <p:spPr>
+          <a:xfrm flipH="1">
+            <a:off x="10162551" y="3481372"/>
+            <a:ext cx="566058" cy="631371"/>
+          </a:xfrm>
+          <a:prstGeom prst="straightConnector1">
+            <a:avLst/>
+          </a:prstGeom>
+          <a:ln w="50800">
+            <a:tailEnd type="triangle"/>
+          </a:ln>
+        </p:spPr>
+        <p:style>
+          <a:lnRef idx="1">
+            <a:schemeClr val="accent1"/>
+          </a:lnRef>
+          <a:fillRef idx="0">
+            <a:schemeClr val="accent1"/>
+          </a:fillRef>
+          <a:effectRef idx="0">
+            <a:schemeClr val="accent1"/>
+          </a:effectRef>
+          <a:fontRef idx="minor">
+            <a:schemeClr val="tx1"/>
+          </a:fontRef>
+        </p:style>
+      </p:cxnSp>
+      <p:cxnSp>
+        <p:nvCxnSpPr>
+          <p:cNvPr id="10" name="直接箭头连接符 9"/>
+          <p:cNvCxnSpPr/>
+          <p:nvPr/>
+        </p:nvCxnSpPr>
+        <p:spPr>
+          <a:xfrm flipH="1" flipV="1">
+            <a:off x="10162551" y="4591714"/>
+            <a:ext cx="566058" cy="10887"/>
+          </a:xfrm>
+          <a:prstGeom prst="straightConnector1">
+            <a:avLst/>
+          </a:prstGeom>
+          <a:ln w="50800">
+            <a:tailEnd type="triangle"/>
+          </a:ln>
+        </p:spPr>
+        <p:style>
+          <a:lnRef idx="1">
+            <a:schemeClr val="accent1"/>
+          </a:lnRef>
+          <a:fillRef idx="0">
+            <a:schemeClr val="accent1"/>
+          </a:fillRef>
+          <a:effectRef idx="0">
+            <a:schemeClr val="accent1"/>
+          </a:effectRef>
+          <a:fontRef idx="minor">
+            <a:schemeClr val="tx1"/>
+          </a:fontRef>
+        </p:style>
+      </p:cxnSp>
+      <p:cxnSp>
+        <p:nvCxnSpPr>
+          <p:cNvPr id="12" name="直接箭头连接符 11"/>
+          <p:cNvCxnSpPr/>
+          <p:nvPr/>
+        </p:nvCxnSpPr>
+        <p:spPr>
+          <a:xfrm flipH="1" flipV="1">
+            <a:off x="10162551" y="5081572"/>
+            <a:ext cx="653144" cy="733928"/>
+          </a:xfrm>
+          <a:prstGeom prst="straightConnector1">
+            <a:avLst/>
+          </a:prstGeom>
+          <a:ln w="50800">
+            <a:tailEnd type="triangle"/>
+          </a:ln>
+        </p:spPr>
+        <p:style>
+          <a:lnRef idx="1">
+            <a:schemeClr val="accent1"/>
+          </a:lnRef>
+          <a:fillRef idx="0">
+            <a:schemeClr val="accent1"/>
+          </a:fillRef>
+          <a:effectRef idx="0">
+            <a:schemeClr val="accent1"/>
+          </a:effectRef>
+          <a:fontRef idx="minor">
+            <a:schemeClr val="tx1"/>
+          </a:fontRef>
+        </p:style>
+      </p:cxnSp>
+      <p:graphicFrame>
+        <p:nvGraphicFramePr>
+          <p:cNvPr id="16" name="表格 15"/>
+          <p:cNvGraphicFramePr>
+            <a:graphicFrameLocks noGrp="1"/>
+          </p:cNvGraphicFramePr>
+          <p:nvPr>
+            <p:extLst>
+              <p:ext uri="{D42A27DB-BD31-4B8C-83A1-F6EECF244321}">
+                <p14:modId xmlns:p14="http://schemas.microsoft.com/office/powerpoint/2010/main" val="3155389151"/>
+              </p:ext>
+            </p:extLst>
+          </p:nvPr>
+        </p:nvGraphicFramePr>
+        <p:xfrm>
+          <a:off x="9707316" y="5269544"/>
+          <a:ext cx="333828" cy="975360"/>
+        </p:xfrm>
+        <a:graphic>
+          <a:graphicData uri="http://schemas.openxmlformats.org/drawingml/2006/table">
+            <a:tbl>
+              <a:tblPr>
+                <a:tableStyleId>{D7AC3CCA-C797-4891-BE02-D94E43425B78}</a:tableStyleId>
+              </a:tblPr>
+              <a:tblGrid>
+                <a:gridCol w="333828"/>
+              </a:tblGrid>
+              <a:tr h="0">
+                <a:tc>
+                  <a:txBody>
+                    <a:bodyPr/>
+                    <a:lstStyle/>
+                    <a:p>
+                      <a:r>
+                        <a:rPr lang="en-US" altLang="zh-CN" sz="1000" dirty="0" smtClean="0"/>
+                        <a:t>11</a:t>
+                      </a:r>
+                      <a:endParaRPr lang="zh-CN" altLang="en-US" sz="1000" dirty="0"/>
+                    </a:p>
+                  </a:txBody>
+                  <a:tcPr>
+                    <a:solidFill>
+                      <a:schemeClr val="accent4">
+                        <a:lumMod val="60000"/>
+                        <a:lumOff val="40000"/>
+                      </a:schemeClr>
+                    </a:solidFill>
+                  </a:tcPr>
+                </a:tc>
+              </a:tr>
+              <a:tr h="215416">
+                <a:tc>
+                  <a:txBody>
+                    <a:bodyPr/>
+                    <a:lstStyle/>
+                    <a:p>
+                      <a:r>
+                        <a:rPr lang="en-US" altLang="zh-CN" sz="1000" smtClean="0"/>
+                        <a:t>12</a:t>
+                      </a:r>
+                      <a:endParaRPr lang="zh-CN" altLang="en-US" sz="1000"/>
+                    </a:p>
+                  </a:txBody>
+                  <a:tcPr>
+                    <a:solidFill>
+                      <a:schemeClr val="accent4">
+                        <a:lumMod val="60000"/>
+                        <a:lumOff val="40000"/>
+                      </a:schemeClr>
+                    </a:solidFill>
+                  </a:tcPr>
+                </a:tc>
+              </a:tr>
+              <a:tr h="215416">
+                <a:tc>
+                  <a:txBody>
+                    <a:bodyPr/>
+                    <a:lstStyle/>
+                    <a:p>
+                      <a:endParaRPr lang="zh-CN" altLang="en-US" sz="1000"/>
+                    </a:p>
+                  </a:txBody>
+                  <a:tcPr>
+                    <a:solidFill>
+                      <a:schemeClr val="bg2"/>
+                    </a:solidFill>
+                  </a:tcPr>
+                </a:tc>
+              </a:tr>
+              <a:tr h="215416">
+                <a:tc>
+                  <a:txBody>
+                    <a:bodyPr/>
+                    <a:lstStyle/>
+                    <a:p>
+                      <a:endParaRPr lang="zh-CN" altLang="en-US" sz="1000" dirty="0"/>
+                    </a:p>
+                  </a:txBody>
+                  <a:tcPr>
+                    <a:solidFill>
+                      <a:schemeClr val="bg2"/>
+                    </a:solidFill>
+                  </a:tcPr>
+                </a:tc>
+              </a:tr>
+            </a:tbl>
+          </a:graphicData>
+        </a:graphic>
+      </p:graphicFrame>
+      <p:sp>
+        <p:nvSpPr>
+          <p:cNvPr id="17" name="圆角矩形 16"/>
+          <p:cNvSpPr/>
+          <p:nvPr/>
+        </p:nvSpPr>
+        <p:spPr>
+          <a:xfrm>
+            <a:off x="7994825" y="5122382"/>
+            <a:ext cx="1094024" cy="475861"/>
+          </a:xfrm>
+          <a:prstGeom prst="roundRect">
+            <a:avLst/>
+          </a:prstGeom>
+        </p:spPr>
+        <p:style>
+          <a:lnRef idx="2">
+            <a:schemeClr val="accent1">
+              <a:shade val="50000"/>
+            </a:schemeClr>
+          </a:lnRef>
+          <a:fillRef idx="1">
+            <a:schemeClr val="accent1"/>
+          </a:fillRef>
+          <a:effectRef idx="0">
+            <a:schemeClr val="accent1"/>
+          </a:effectRef>
+          <a:fontRef idx="minor">
+            <a:schemeClr val="lt1"/>
+          </a:fontRef>
+        </p:style>
+        <p:txBody>
+          <a:bodyPr rtlCol="0" anchor="ctr"/>
+          <a:lstStyle/>
+          <a:p>
+            <a:pPr algn="ctr"/>
+            <a:r>
+              <a:rPr lang="en-US" altLang="zh-CN" sz="1200" smtClean="0"/>
+              <a:t>SCAN</a:t>
+            </a:r>
+            <a:endParaRPr lang="zh-CN" altLang="en-US" sz="1200"/>
+          </a:p>
+        </p:txBody>
+      </p:sp>
+      <p:cxnSp>
+        <p:nvCxnSpPr>
+          <p:cNvPr id="19" name="直接箭头连接符 18"/>
+          <p:cNvCxnSpPr/>
+          <p:nvPr/>
+        </p:nvCxnSpPr>
+        <p:spPr>
+          <a:xfrm flipH="1">
+            <a:off x="9218364" y="4827373"/>
+            <a:ext cx="312864" cy="230850"/>
+          </a:xfrm>
+          <a:prstGeom prst="straightConnector1">
+            <a:avLst/>
+          </a:prstGeom>
+          <a:ln w="50800">
+            <a:tailEnd type="triangle"/>
+          </a:ln>
+        </p:spPr>
+        <p:style>
+          <a:lnRef idx="1">
+            <a:schemeClr val="accent1"/>
+          </a:lnRef>
+          <a:fillRef idx="0">
+            <a:schemeClr val="accent1"/>
+          </a:fillRef>
+          <a:effectRef idx="0">
+            <a:schemeClr val="accent1"/>
+          </a:effectRef>
+          <a:fontRef idx="minor">
+            <a:schemeClr val="tx1"/>
+          </a:fontRef>
+        </p:style>
+      </p:cxnSp>
+      <p:sp>
+        <p:nvSpPr>
+          <p:cNvPr id="20" name="圆角矩形 19"/>
+          <p:cNvSpPr/>
+          <p:nvPr/>
+        </p:nvSpPr>
+        <p:spPr>
+          <a:xfrm>
+            <a:off x="7186715" y="4112743"/>
+            <a:ext cx="1094024" cy="475861"/>
+          </a:xfrm>
+          <a:prstGeom prst="roundRect">
+            <a:avLst/>
+          </a:prstGeom>
+        </p:spPr>
+        <p:style>
+          <a:lnRef idx="2">
+            <a:schemeClr val="accent1">
+              <a:shade val="50000"/>
+            </a:schemeClr>
+          </a:lnRef>
+          <a:fillRef idx="1">
+            <a:schemeClr val="accent1"/>
+          </a:fillRef>
+          <a:effectRef idx="0">
+            <a:schemeClr val="accent1"/>
+          </a:effectRef>
+          <a:fontRef idx="minor">
+            <a:schemeClr val="lt1"/>
+          </a:fontRef>
+        </p:style>
+        <p:txBody>
+          <a:bodyPr rtlCol="0" anchor="ctr"/>
+          <a:lstStyle/>
+          <a:p>
+            <a:pPr algn="ctr"/>
+            <a:r>
+              <a:rPr lang="en-US" altLang="zh-CN" sz="1200" smtClean="0"/>
+              <a:t>JOIN</a:t>
+            </a:r>
+            <a:endParaRPr lang="zh-CN" altLang="en-US" sz="1200"/>
+          </a:p>
+        </p:txBody>
+      </p:sp>
+      <p:cxnSp>
+        <p:nvCxnSpPr>
+          <p:cNvPr id="21" name="直接箭头连接符 20"/>
+          <p:cNvCxnSpPr/>
+          <p:nvPr/>
+        </p:nvCxnSpPr>
+        <p:spPr>
+          <a:xfrm flipH="1" flipV="1">
+            <a:off x="8158883" y="4744995"/>
+            <a:ext cx="243712" cy="336577"/>
+          </a:xfrm>
+          <a:prstGeom prst="straightConnector1">
+            <a:avLst/>
+          </a:prstGeom>
+          <a:ln w="50800">
+            <a:tailEnd type="triangle"/>
+          </a:ln>
+        </p:spPr>
+        <p:style>
+          <a:lnRef idx="1">
+            <a:schemeClr val="accent1"/>
+          </a:lnRef>
+          <a:fillRef idx="0">
+            <a:schemeClr val="accent1"/>
+          </a:fillRef>
+          <a:effectRef idx="0">
+            <a:schemeClr val="accent1"/>
+          </a:effectRef>
+          <a:fontRef idx="minor">
+            <a:schemeClr val="tx1"/>
+          </a:fontRef>
+        </p:style>
+      </p:cxnSp>
+      <p:sp>
+        <p:nvSpPr>
+          <p:cNvPr id="18" name="圆角矩形 17"/>
+          <p:cNvSpPr/>
+          <p:nvPr/>
+        </p:nvSpPr>
+        <p:spPr>
+          <a:xfrm>
+            <a:off x="6458422" y="5122381"/>
+            <a:ext cx="1094024" cy="475861"/>
+          </a:xfrm>
+          <a:prstGeom prst="roundRect">
+            <a:avLst/>
+          </a:prstGeom>
+        </p:spPr>
+        <p:style>
+          <a:lnRef idx="2">
+            <a:schemeClr val="accent1">
+              <a:shade val="50000"/>
+            </a:schemeClr>
+          </a:lnRef>
+          <a:fillRef idx="1">
+            <a:schemeClr val="accent1"/>
+          </a:fillRef>
+          <a:effectRef idx="0">
+            <a:schemeClr val="accent1"/>
+          </a:effectRef>
+          <a:fontRef idx="minor">
+            <a:schemeClr val="lt1"/>
+          </a:fontRef>
+        </p:style>
+        <p:txBody>
+          <a:bodyPr rtlCol="0" anchor="ctr"/>
+          <a:lstStyle/>
+          <a:p>
+            <a:pPr algn="ctr"/>
+            <a:r>
+              <a:rPr lang="en-US" altLang="zh-CN" sz="1200" dirty="0" smtClean="0"/>
+              <a:t>SCAN</a:t>
+            </a:r>
+            <a:endParaRPr lang="zh-CN" altLang="en-US" sz="1200" dirty="0"/>
+          </a:p>
+        </p:txBody>
+      </p:sp>
+      <p:cxnSp>
+        <p:nvCxnSpPr>
+          <p:cNvPr id="22" name="直接箭头连接符 21"/>
+          <p:cNvCxnSpPr/>
+          <p:nvPr/>
+        </p:nvCxnSpPr>
+        <p:spPr>
+          <a:xfrm flipV="1">
+            <a:off x="7103310" y="4744995"/>
+            <a:ext cx="310581" cy="336577"/>
+          </a:xfrm>
+          <a:prstGeom prst="straightConnector1">
+            <a:avLst/>
+          </a:prstGeom>
+          <a:ln w="50800">
+            <a:tailEnd type="triangle"/>
+          </a:ln>
+        </p:spPr>
+        <p:style>
+          <a:lnRef idx="1">
+            <a:schemeClr val="accent1"/>
+          </a:lnRef>
+          <a:fillRef idx="0">
+            <a:schemeClr val="accent1"/>
+          </a:fillRef>
+          <a:effectRef idx="0">
+            <a:schemeClr val="accent1"/>
+          </a:effectRef>
+          <a:fontRef idx="minor">
+            <a:schemeClr val="tx1"/>
+          </a:fontRef>
+        </p:style>
+      </p:cxnSp>
+      <p:graphicFrame>
+        <p:nvGraphicFramePr>
+          <p:cNvPr id="23" name="表格 22"/>
+          <p:cNvGraphicFramePr>
+            <a:graphicFrameLocks noGrp="1"/>
+          </p:cNvGraphicFramePr>
+          <p:nvPr>
+            <p:extLst>
+              <p:ext uri="{D42A27DB-BD31-4B8C-83A1-F6EECF244321}">
+                <p14:modId xmlns:p14="http://schemas.microsoft.com/office/powerpoint/2010/main" val="436035753"/>
+              </p:ext>
+            </p:extLst>
+          </p:nvPr>
+        </p:nvGraphicFramePr>
+        <p:xfrm>
+          <a:off x="5521961" y="4875154"/>
+          <a:ext cx="333828" cy="975360"/>
+        </p:xfrm>
+        <a:graphic>
+          <a:graphicData uri="http://schemas.openxmlformats.org/drawingml/2006/table">
+            <a:tbl>
+              <a:tblPr>
+                <a:tableStyleId>{D7AC3CCA-C797-4891-BE02-D94E43425B78}</a:tableStyleId>
+              </a:tblPr>
+              <a:tblGrid>
+                <a:gridCol w="333828"/>
+              </a:tblGrid>
+              <a:tr h="0">
+                <a:tc>
+                  <a:txBody>
+                    <a:bodyPr/>
+                    <a:lstStyle/>
+                    <a:p>
+                      <a:r>
+                        <a:rPr lang="en-US" altLang="zh-CN" sz="1000" dirty="0" smtClean="0"/>
+                        <a:t>3</a:t>
+                      </a:r>
+                      <a:endParaRPr lang="zh-CN" altLang="en-US" sz="1000" dirty="0"/>
+                    </a:p>
+                  </a:txBody>
+                  <a:tcPr>
+                    <a:solidFill>
+                      <a:schemeClr val="accent5">
+                        <a:lumMod val="60000"/>
+                        <a:lumOff val="40000"/>
+                      </a:schemeClr>
+                    </a:solidFill>
+                  </a:tcPr>
+                </a:tc>
+              </a:tr>
+              <a:tr h="215416">
+                <a:tc>
+                  <a:txBody>
+                    <a:bodyPr/>
+                    <a:lstStyle/>
+                    <a:p>
+                      <a:r>
+                        <a:rPr lang="en-US" altLang="zh-CN" sz="1000" dirty="0" smtClean="0"/>
+                        <a:t>5</a:t>
+                      </a:r>
+                      <a:endParaRPr lang="zh-CN" altLang="en-US" sz="1000" dirty="0"/>
+                    </a:p>
+                  </a:txBody>
+                  <a:tcPr>
+                    <a:solidFill>
+                      <a:schemeClr val="accent5">
+                        <a:lumMod val="60000"/>
+                        <a:lumOff val="40000"/>
+                      </a:schemeClr>
+                    </a:solidFill>
+                  </a:tcPr>
+                </a:tc>
+              </a:tr>
+              <a:tr h="215416">
+                <a:tc>
+                  <a:txBody>
+                    <a:bodyPr/>
+                    <a:lstStyle/>
+                    <a:p>
+                      <a:r>
+                        <a:rPr lang="en-US" altLang="zh-CN" sz="1000" dirty="0" smtClean="0"/>
+                        <a:t>7</a:t>
+                      </a:r>
+                      <a:endParaRPr lang="zh-CN" altLang="en-US" sz="1000" dirty="0"/>
+                    </a:p>
+                  </a:txBody>
+                  <a:tcPr>
+                    <a:solidFill>
+                      <a:schemeClr val="accent5">
+                        <a:lumMod val="60000"/>
+                        <a:lumOff val="40000"/>
+                      </a:schemeClr>
+                    </a:solidFill>
+                  </a:tcPr>
+                </a:tc>
+              </a:tr>
+              <a:tr h="215416">
+                <a:tc>
+                  <a:txBody>
+                    <a:bodyPr/>
+                    <a:lstStyle/>
+                    <a:p>
+                      <a:r>
+                        <a:rPr lang="en-US" altLang="zh-CN" sz="1000" dirty="0" smtClean="0"/>
+                        <a:t>12</a:t>
+                      </a:r>
+                      <a:endParaRPr lang="zh-CN" altLang="en-US" sz="1000" dirty="0"/>
+                    </a:p>
+                  </a:txBody>
+                  <a:tcPr>
+                    <a:solidFill>
+                      <a:schemeClr val="accent5">
+                        <a:lumMod val="60000"/>
+                        <a:lumOff val="40000"/>
+                      </a:schemeClr>
+                    </a:solidFill>
+                  </a:tcPr>
+                </a:tc>
+              </a:tr>
+            </a:tbl>
+          </a:graphicData>
+        </a:graphic>
+      </p:graphicFrame>
+      <p:cxnSp>
+        <p:nvCxnSpPr>
+          <p:cNvPr id="24" name="直接箭头连接符 23"/>
+          <p:cNvCxnSpPr/>
+          <p:nvPr/>
+        </p:nvCxnSpPr>
+        <p:spPr>
+          <a:xfrm>
+            <a:off x="5988910" y="5377374"/>
+            <a:ext cx="361102" cy="0"/>
+          </a:xfrm>
+          <a:prstGeom prst="straightConnector1">
+            <a:avLst/>
+          </a:prstGeom>
+          <a:ln w="50800">
+            <a:tailEnd type="triangle"/>
+          </a:ln>
+        </p:spPr>
+        <p:style>
+          <a:lnRef idx="1">
+            <a:schemeClr val="accent1"/>
+          </a:lnRef>
+          <a:fillRef idx="0">
+            <a:schemeClr val="accent1"/>
+          </a:fillRef>
+          <a:effectRef idx="0">
+            <a:schemeClr val="accent1"/>
+          </a:effectRef>
+          <a:fontRef idx="minor">
+            <a:schemeClr val="tx1"/>
+          </a:fontRef>
+        </p:style>
+      </p:cxnSp>
+      <p:graphicFrame>
+        <p:nvGraphicFramePr>
+          <p:cNvPr id="31" name="表格 30"/>
+          <p:cNvGraphicFramePr>
+            <a:graphicFrameLocks noGrp="1"/>
+          </p:cNvGraphicFramePr>
+          <p:nvPr>
+            <p:extLst>
+              <p:ext uri="{D42A27DB-BD31-4B8C-83A1-F6EECF244321}">
+                <p14:modId xmlns:p14="http://schemas.microsoft.com/office/powerpoint/2010/main" val="4164719559"/>
+              </p:ext>
+            </p:extLst>
+          </p:nvPr>
+        </p:nvGraphicFramePr>
+        <p:xfrm>
+          <a:off x="5695774" y="3481372"/>
+          <a:ext cx="1042777" cy="975360"/>
+        </p:xfrm>
+        <a:graphic>
+          <a:graphicData uri="http://schemas.openxmlformats.org/drawingml/2006/table">
+            <a:tbl>
+              <a:tblPr>
+                <a:tableStyleId>{D7AC3CCA-C797-4891-BE02-D94E43425B78}</a:tableStyleId>
+              </a:tblPr>
+              <a:tblGrid>
+                <a:gridCol w="359037"/>
+                <a:gridCol w="327099"/>
+                <a:gridCol w="356641"/>
+              </a:tblGrid>
+              <a:tr h="0">
+                <a:tc>
+                  <a:txBody>
+                    <a:bodyPr/>
+                    <a:lstStyle/>
+                    <a:p>
+                      <a:r>
+                        <a:rPr lang="en-US" altLang="zh-CN" sz="1000" dirty="0" smtClean="0"/>
+                        <a:t>3</a:t>
+                      </a:r>
+                      <a:endParaRPr lang="zh-CN" altLang="en-US" sz="1000" dirty="0"/>
+                    </a:p>
+                  </a:txBody>
+                  <a:tcPr>
+                    <a:solidFill>
+                      <a:schemeClr val="accent5">
+                        <a:lumMod val="60000"/>
+                        <a:lumOff val="40000"/>
+                      </a:schemeClr>
+                    </a:solidFill>
+                  </a:tcPr>
+                </a:tc>
+                <a:tc>
+                  <a:txBody>
+                    <a:bodyPr/>
+                    <a:lstStyle/>
+                    <a:p>
+                      <a:r>
+                        <a:rPr lang="en-US" altLang="zh-CN" sz="1000" dirty="0" smtClean="0"/>
+                        <a:t>1</a:t>
+                      </a:r>
+                      <a:endParaRPr lang="zh-CN" altLang="en-US" sz="1000" dirty="0"/>
+                    </a:p>
+                  </a:txBody>
+                  <a:tcPr>
+                    <a:solidFill>
+                      <a:schemeClr val="accent4">
+                        <a:lumMod val="60000"/>
+                        <a:lumOff val="40000"/>
+                      </a:schemeClr>
+                    </a:solidFill>
+                  </a:tcPr>
+                </a:tc>
+                <a:tc>
+                  <a:txBody>
+                    <a:bodyPr/>
+                    <a:lstStyle/>
+                    <a:p>
+                      <a:r>
+                        <a:rPr lang="en-US" altLang="zh-CN" sz="1000" dirty="0" smtClean="0"/>
+                        <a:t>x</a:t>
+                      </a:r>
+                      <a:endParaRPr lang="zh-CN" altLang="en-US" sz="1000" dirty="0"/>
+                    </a:p>
+                  </a:txBody>
+                  <a:tcPr>
+                    <a:solidFill>
+                      <a:schemeClr val="bg2"/>
+                    </a:solidFill>
+                  </a:tcPr>
+                </a:tc>
+              </a:tr>
+              <a:tr h="215416">
+                <a:tc>
+                  <a:txBody>
+                    <a:bodyPr/>
+                    <a:lstStyle/>
+                    <a:p>
+                      <a:r>
+                        <a:rPr lang="en-US" altLang="zh-CN" sz="1000" dirty="0" smtClean="0"/>
+                        <a:t>5</a:t>
+                      </a:r>
+                      <a:endParaRPr lang="zh-CN" altLang="en-US" sz="1000" dirty="0"/>
+                    </a:p>
+                  </a:txBody>
+                  <a:tcPr>
+                    <a:solidFill>
+                      <a:schemeClr val="accent5">
+                        <a:lumMod val="60000"/>
+                        <a:lumOff val="40000"/>
+                      </a:schemeClr>
+                    </a:solidFill>
+                  </a:tcPr>
+                </a:tc>
+                <a:tc>
+                  <a:txBody>
+                    <a:bodyPr/>
+                    <a:lstStyle/>
+                    <a:p>
+                      <a:r>
+                        <a:rPr lang="en-US" altLang="zh-CN" sz="1000" dirty="0" smtClean="0"/>
+                        <a:t>4</a:t>
+                      </a:r>
+                      <a:endParaRPr lang="zh-CN" altLang="en-US" sz="1000" dirty="0"/>
+                    </a:p>
+                  </a:txBody>
+                  <a:tcPr>
+                    <a:solidFill>
+                      <a:schemeClr val="accent4">
+                        <a:lumMod val="60000"/>
+                        <a:lumOff val="40000"/>
+                      </a:schemeClr>
+                    </a:solidFill>
+                  </a:tcPr>
+                </a:tc>
+                <a:tc>
+                  <a:txBody>
+                    <a:bodyPr/>
+                    <a:lstStyle/>
+                    <a:p>
+                      <a:pPr marL="0" marR="0" indent="0" algn="l" defTabSz="914400" rtl="0" eaLnBrk="1" fontAlgn="auto" latinLnBrk="0" hangingPunct="1">
+                        <a:lnSpc>
+                          <a:spcPct val="100000"/>
+                        </a:lnSpc>
+                        <a:spcBef>
+                          <a:spcPts val="0"/>
+                        </a:spcBef>
+                        <a:spcAft>
+                          <a:spcPts val="0"/>
+                        </a:spcAft>
+                        <a:buClrTx/>
+                        <a:buSzTx/>
+                        <a:buFontTx/>
+                        <a:buNone/>
+                        <a:tabLst/>
+                        <a:defRPr/>
+                      </a:pPr>
+                      <a:r>
+                        <a:rPr lang="zh-CN" altLang="en-US" sz="1000" dirty="0" smtClean="0"/>
+                        <a:t>√</a:t>
+                      </a:r>
+                    </a:p>
+                  </a:txBody>
+                  <a:tcPr>
+                    <a:solidFill>
+                      <a:schemeClr val="bg2"/>
+                    </a:solidFill>
+                  </a:tcPr>
+                </a:tc>
+              </a:tr>
+              <a:tr h="215416">
+                <a:tc>
+                  <a:txBody>
+                    <a:bodyPr/>
+                    <a:lstStyle/>
+                    <a:p>
+                      <a:r>
+                        <a:rPr lang="en-US" altLang="zh-CN" sz="1000" dirty="0" smtClean="0"/>
+                        <a:t>7</a:t>
+                      </a:r>
+                      <a:endParaRPr lang="zh-CN" altLang="en-US" sz="1000" dirty="0"/>
+                    </a:p>
+                  </a:txBody>
+                  <a:tcPr>
+                    <a:solidFill>
+                      <a:schemeClr val="accent5">
+                        <a:lumMod val="60000"/>
+                        <a:lumOff val="40000"/>
+                      </a:schemeClr>
+                    </a:solidFill>
+                  </a:tcPr>
+                </a:tc>
+                <a:tc>
+                  <a:txBody>
+                    <a:bodyPr/>
+                    <a:lstStyle/>
+                    <a:p>
+                      <a:r>
+                        <a:rPr lang="en-US" altLang="zh-CN" sz="1000" dirty="0" smtClean="0"/>
+                        <a:t>5</a:t>
+                      </a:r>
+                      <a:endParaRPr lang="zh-CN" altLang="en-US" sz="1000" dirty="0"/>
+                    </a:p>
+                  </a:txBody>
+                  <a:tcPr>
+                    <a:solidFill>
+                      <a:schemeClr val="accent4">
+                        <a:lumMod val="60000"/>
+                        <a:lumOff val="40000"/>
+                      </a:schemeClr>
+                    </a:solidFill>
+                  </a:tcPr>
+                </a:tc>
+                <a:tc>
+                  <a:txBody>
+                    <a:bodyPr/>
+                    <a:lstStyle/>
+                    <a:p>
+                      <a:r>
+                        <a:rPr lang="en-US" altLang="zh-CN" sz="1000" dirty="0" smtClean="0"/>
+                        <a:t>x</a:t>
+                      </a:r>
+                      <a:endParaRPr lang="zh-CN" altLang="en-US" sz="1000" dirty="0"/>
+                    </a:p>
+                  </a:txBody>
+                  <a:tcPr>
+                    <a:solidFill>
+                      <a:schemeClr val="bg2"/>
+                    </a:solidFill>
+                  </a:tcPr>
+                </a:tc>
+              </a:tr>
+              <a:tr h="215416">
+                <a:tc>
+                  <a:txBody>
+                    <a:bodyPr/>
+                    <a:lstStyle/>
+                    <a:p>
+                      <a:r>
+                        <a:rPr lang="en-US" altLang="zh-CN" sz="1000" dirty="0" smtClean="0"/>
+                        <a:t>12</a:t>
+                      </a:r>
+                      <a:endParaRPr lang="zh-CN" altLang="en-US" sz="1000" dirty="0"/>
+                    </a:p>
+                  </a:txBody>
+                  <a:tcPr>
+                    <a:solidFill>
+                      <a:schemeClr val="accent5">
+                        <a:lumMod val="60000"/>
+                        <a:lumOff val="40000"/>
+                      </a:schemeClr>
+                    </a:solidFill>
+                  </a:tcPr>
+                </a:tc>
+                <a:tc>
+                  <a:txBody>
+                    <a:bodyPr/>
+                    <a:lstStyle/>
+                    <a:p>
+                      <a:r>
+                        <a:rPr lang="en-US" altLang="zh-CN" sz="1000" dirty="0" smtClean="0"/>
+                        <a:t>10</a:t>
+                      </a:r>
+                      <a:endParaRPr lang="zh-CN" altLang="en-US" sz="1000" dirty="0"/>
+                    </a:p>
+                  </a:txBody>
+                  <a:tcPr>
+                    <a:solidFill>
+                      <a:schemeClr val="accent4">
+                        <a:lumMod val="60000"/>
+                        <a:lumOff val="40000"/>
+                      </a:schemeClr>
+                    </a:solidFill>
+                  </a:tcPr>
+                </a:tc>
+                <a:tc>
+                  <a:txBody>
+                    <a:bodyPr/>
+                    <a:lstStyle/>
+                    <a:p>
+                      <a:pPr marL="0" marR="0" indent="0" algn="l" defTabSz="914400" rtl="0" eaLnBrk="1" fontAlgn="auto" latinLnBrk="0" hangingPunct="1">
+                        <a:lnSpc>
+                          <a:spcPct val="100000"/>
+                        </a:lnSpc>
+                        <a:spcBef>
+                          <a:spcPts val="0"/>
+                        </a:spcBef>
+                        <a:spcAft>
+                          <a:spcPts val="0"/>
+                        </a:spcAft>
+                        <a:buClrTx/>
+                        <a:buSzTx/>
+                        <a:buFontTx/>
+                        <a:buNone/>
+                        <a:tabLst/>
+                        <a:defRPr/>
+                      </a:pPr>
+                      <a:r>
+                        <a:rPr lang="zh-CN" altLang="en-US" sz="1000" dirty="0" smtClean="0"/>
+                        <a:t>√</a:t>
+                      </a:r>
+                    </a:p>
+                  </a:txBody>
+                  <a:tcPr>
+                    <a:solidFill>
+                      <a:schemeClr val="bg2"/>
+                    </a:solidFill>
+                  </a:tcPr>
+                </a:tc>
+              </a:tr>
+            </a:tbl>
+          </a:graphicData>
+        </a:graphic>
+      </p:graphicFrame>
+      <p:cxnSp>
+        <p:nvCxnSpPr>
+          <p:cNvPr id="39" name="直接箭头连接符 38"/>
+          <p:cNvCxnSpPr/>
+          <p:nvPr/>
+        </p:nvCxnSpPr>
+        <p:spPr>
+          <a:xfrm flipH="1" flipV="1">
+            <a:off x="9220237" y="5412956"/>
+            <a:ext cx="310991" cy="35580"/>
+          </a:xfrm>
+          <a:prstGeom prst="straightConnector1">
+            <a:avLst/>
+          </a:prstGeom>
+          <a:ln w="50800">
+            <a:tailEnd type="triangle"/>
+          </a:ln>
+        </p:spPr>
+        <p:style>
+          <a:lnRef idx="1">
+            <a:schemeClr val="accent1"/>
+          </a:lnRef>
+          <a:fillRef idx="0">
+            <a:schemeClr val="accent1"/>
+          </a:fillRef>
+          <a:effectRef idx="0">
+            <a:schemeClr val="accent1"/>
+          </a:effectRef>
+          <a:fontRef idx="minor">
+            <a:schemeClr val="tx1"/>
+          </a:fontRef>
+        </p:style>
+      </p:cxnSp>
+      <p:cxnSp>
+        <p:nvCxnSpPr>
+          <p:cNvPr id="45" name="直接箭头连接符 44"/>
+          <p:cNvCxnSpPr/>
+          <p:nvPr/>
+        </p:nvCxnSpPr>
+        <p:spPr>
+          <a:xfrm flipH="1" flipV="1">
+            <a:off x="6903308" y="4112743"/>
+            <a:ext cx="200002" cy="129743"/>
+          </a:xfrm>
+          <a:prstGeom prst="straightConnector1">
+            <a:avLst/>
+          </a:prstGeom>
+          <a:ln w="50800">
+            <a:tailEnd type="triangle"/>
+          </a:ln>
+        </p:spPr>
+        <p:style>
+          <a:lnRef idx="1">
+            <a:schemeClr val="accent1"/>
+          </a:lnRef>
+          <a:fillRef idx="0">
+            <a:schemeClr val="accent1"/>
+          </a:fillRef>
+          <a:effectRef idx="0">
+            <a:schemeClr val="accent1"/>
+          </a:effectRef>
+          <a:fontRef idx="minor">
+            <a:schemeClr val="tx1"/>
+          </a:fontRef>
+        </p:style>
+      </p:cxnSp>
+      <p:sp>
+        <p:nvSpPr>
+          <p:cNvPr id="48" name="圆角矩形 47"/>
+          <p:cNvSpPr/>
+          <p:nvPr/>
+        </p:nvSpPr>
+        <p:spPr>
+          <a:xfrm>
+            <a:off x="7186715" y="3103104"/>
+            <a:ext cx="1094024" cy="475861"/>
+          </a:xfrm>
+          <a:prstGeom prst="roundRect">
+            <a:avLst/>
+          </a:prstGeom>
+        </p:spPr>
+        <p:style>
+          <a:lnRef idx="2">
+            <a:schemeClr val="accent1">
+              <a:shade val="50000"/>
+            </a:schemeClr>
+          </a:lnRef>
+          <a:fillRef idx="1">
+            <a:schemeClr val="accent1"/>
+          </a:fillRef>
+          <a:effectRef idx="0">
+            <a:schemeClr val="accent1"/>
+          </a:effectRef>
+          <a:fontRef idx="minor">
+            <a:schemeClr val="lt1"/>
+          </a:fontRef>
+        </p:style>
+        <p:txBody>
+          <a:bodyPr rtlCol="0" anchor="ctr"/>
+          <a:lstStyle/>
+          <a:p>
+            <a:pPr algn="ctr"/>
+            <a:r>
+              <a:rPr lang="en-US" altLang="zh-CN" sz="1200" dirty="0" smtClean="0"/>
+              <a:t>PROJECT</a:t>
+            </a:r>
+            <a:endParaRPr lang="zh-CN" altLang="en-US" sz="1200" dirty="0"/>
+          </a:p>
+        </p:txBody>
+      </p:sp>
+      <p:cxnSp>
+        <p:nvCxnSpPr>
+          <p:cNvPr id="50" name="直接箭头连接符 49"/>
+          <p:cNvCxnSpPr/>
+          <p:nvPr/>
+        </p:nvCxnSpPr>
+        <p:spPr>
+          <a:xfrm flipV="1">
+            <a:off x="7733727" y="3716111"/>
+            <a:ext cx="0" cy="303954"/>
+          </a:xfrm>
+          <a:prstGeom prst="straightConnector1">
+            <a:avLst/>
+          </a:prstGeom>
+          <a:ln w="50800">
+            <a:tailEnd type="triangle"/>
+          </a:ln>
+        </p:spPr>
+        <p:style>
+          <a:lnRef idx="1">
+            <a:schemeClr val="accent1"/>
+          </a:lnRef>
+          <a:fillRef idx="0">
+            <a:schemeClr val="accent1"/>
+          </a:fillRef>
+          <a:effectRef idx="0">
+            <a:schemeClr val="accent1"/>
+          </a:effectRef>
+          <a:fontRef idx="minor">
+            <a:schemeClr val="tx1"/>
+          </a:fontRef>
+        </p:style>
+      </p:cxnSp>
+      <p:graphicFrame>
+        <p:nvGraphicFramePr>
+          <p:cNvPr id="52" name="表格 51"/>
+          <p:cNvGraphicFramePr>
+            <a:graphicFrameLocks noGrp="1"/>
+          </p:cNvGraphicFramePr>
+          <p:nvPr>
+            <p:extLst>
+              <p:ext uri="{D42A27DB-BD31-4B8C-83A1-F6EECF244321}">
+                <p14:modId xmlns:p14="http://schemas.microsoft.com/office/powerpoint/2010/main" val="1597026081"/>
+              </p:ext>
+            </p:extLst>
+          </p:nvPr>
+        </p:nvGraphicFramePr>
+        <p:xfrm>
+          <a:off x="8745781" y="3091285"/>
+          <a:ext cx="686136" cy="487680"/>
+        </p:xfrm>
+        <a:graphic>
+          <a:graphicData uri="http://schemas.openxmlformats.org/drawingml/2006/table">
+            <a:tbl>
+              <a:tblPr>
+                <a:tableStyleId>{D7AC3CCA-C797-4891-BE02-D94E43425B78}</a:tableStyleId>
+              </a:tblPr>
+              <a:tblGrid>
+                <a:gridCol w="359037"/>
+                <a:gridCol w="327099"/>
+              </a:tblGrid>
+              <a:tr h="215416">
+                <a:tc>
+                  <a:txBody>
+                    <a:bodyPr/>
+                    <a:lstStyle/>
+                    <a:p>
+                      <a:r>
+                        <a:rPr lang="en-US" altLang="zh-CN" sz="1000" dirty="0" smtClean="0"/>
+                        <a:t>5</a:t>
+                      </a:r>
+                      <a:endParaRPr lang="zh-CN" altLang="en-US" sz="1000" dirty="0"/>
+                    </a:p>
+                  </a:txBody>
+                  <a:tcPr>
+                    <a:solidFill>
+                      <a:schemeClr val="accent5">
+                        <a:lumMod val="60000"/>
+                        <a:lumOff val="40000"/>
+                      </a:schemeClr>
+                    </a:solidFill>
+                  </a:tcPr>
+                </a:tc>
+                <a:tc>
+                  <a:txBody>
+                    <a:bodyPr/>
+                    <a:lstStyle/>
+                    <a:p>
+                      <a:r>
+                        <a:rPr lang="en-US" altLang="zh-CN" sz="1000" dirty="0" smtClean="0"/>
+                        <a:t>4</a:t>
+                      </a:r>
+                      <a:endParaRPr lang="zh-CN" altLang="en-US" sz="1000" dirty="0"/>
+                    </a:p>
+                  </a:txBody>
+                  <a:tcPr>
+                    <a:solidFill>
+                      <a:schemeClr val="accent4">
+                        <a:lumMod val="60000"/>
+                        <a:lumOff val="40000"/>
+                      </a:schemeClr>
+                    </a:solidFill>
+                  </a:tcPr>
+                </a:tc>
+              </a:tr>
+              <a:tr h="215416">
+                <a:tc>
+                  <a:txBody>
+                    <a:bodyPr/>
+                    <a:lstStyle/>
+                    <a:p>
+                      <a:r>
+                        <a:rPr lang="en-US" altLang="zh-CN" sz="1000" dirty="0" smtClean="0"/>
+                        <a:t>12</a:t>
+                      </a:r>
+                      <a:endParaRPr lang="zh-CN" altLang="en-US" sz="1000" dirty="0"/>
+                    </a:p>
+                  </a:txBody>
+                  <a:tcPr>
+                    <a:solidFill>
+                      <a:schemeClr val="accent5">
+                        <a:lumMod val="60000"/>
+                        <a:lumOff val="40000"/>
+                      </a:schemeClr>
+                    </a:solidFill>
+                  </a:tcPr>
+                </a:tc>
+                <a:tc>
+                  <a:txBody>
+                    <a:bodyPr/>
+                    <a:lstStyle/>
+                    <a:p>
+                      <a:r>
+                        <a:rPr lang="en-US" altLang="zh-CN" sz="1000" dirty="0" smtClean="0"/>
+                        <a:t>10</a:t>
+                      </a:r>
+                      <a:endParaRPr lang="zh-CN" altLang="en-US" sz="1000" dirty="0"/>
+                    </a:p>
+                  </a:txBody>
+                  <a:tcPr>
+                    <a:solidFill>
+                      <a:schemeClr val="accent4">
+                        <a:lumMod val="60000"/>
+                        <a:lumOff val="40000"/>
+                      </a:schemeClr>
+                    </a:solidFill>
+                  </a:tcPr>
+                </a:tc>
+              </a:tr>
+            </a:tbl>
+          </a:graphicData>
+        </a:graphic>
+      </p:graphicFrame>
+      <p:cxnSp>
+        <p:nvCxnSpPr>
+          <p:cNvPr id="53" name="直接箭头连接符 52"/>
+          <p:cNvCxnSpPr/>
+          <p:nvPr/>
+        </p:nvCxnSpPr>
+        <p:spPr>
+          <a:xfrm>
+            <a:off x="8402595" y="3341034"/>
+            <a:ext cx="263610" cy="0"/>
+          </a:xfrm>
+          <a:prstGeom prst="straightConnector1">
+            <a:avLst/>
+          </a:prstGeom>
+          <a:ln w="50800">
+            <a:tailEnd type="triangle"/>
+          </a:ln>
+        </p:spPr>
+        <p:style>
+          <a:lnRef idx="1">
+            <a:schemeClr val="accent1"/>
+          </a:lnRef>
+          <a:fillRef idx="0">
+            <a:schemeClr val="accent1"/>
+          </a:fillRef>
+          <a:effectRef idx="0">
+            <a:schemeClr val="accent1"/>
+          </a:effectRef>
+          <a:fontRef idx="minor">
+            <a:schemeClr val="tx1"/>
+          </a:fontRef>
+        </p:style>
+      </p:cxnSp>
+    </p:spTree>
+    <p:extLst>
+      <p:ext uri="{BB962C8B-B14F-4D97-AF65-F5344CB8AC3E}">
+        <p14:creationId xmlns:p14="http://schemas.microsoft.com/office/powerpoint/2010/main" val="1476650932"/>
+      </p:ext>
+    </p:extLst>
+  </p:cSld>
+  <p:clrMapOvr>
+    <a:masterClrMapping/>
+  </p:clrMapOvr>
+</p:sld>
+</file>
+
+<file path=ppt/slides/slide16.xml><?xml version="1.0" encoding="utf-8"?>
+<p:sld xmlns:a="http://schemas.openxmlformats.org/drawingml/2006/main" xmlns:r="http://schemas.openxmlformats.org/officeDocument/2006/relationships" xmlns:p="http://schemas.openxmlformats.org/presentationml/2006/main">
+  <p:cSld>
+    <p:spTree>
+      <p:nvGrpSpPr>
+        <p:cNvPr id="1" name=""/>
+        <p:cNvGrpSpPr/>
+        <p:nvPr/>
+      </p:nvGrpSpPr>
+      <p:grpSpPr>
+        <a:xfrm>
+          <a:off x="0" y="0"/>
+          <a:ext cx="0" cy="0"/>
+          <a:chOff x="0" y="0"/>
+          <a:chExt cx="0" cy="0"/>
+        </a:xfrm>
+      </p:grpSpPr>
+      <p:sp>
+        <p:nvSpPr>
+          <p:cNvPr id="2" name="标题 1"/>
+          <p:cNvSpPr>
+            <a:spLocks noGrp="1"/>
+          </p:cNvSpPr>
+          <p:nvPr>
+            <p:ph type="title"/>
+          </p:nvPr>
+        </p:nvSpPr>
+        <p:spPr/>
+        <p:txBody>
+          <a:bodyPr/>
+          <a:lstStyle/>
+          <a:p>
+            <a:r>
+              <a:rPr lang="zh-CN" altLang="en-US" smtClean="0"/>
+              <a:t>内存管理</a:t>
+            </a:r>
+            <a:endParaRPr lang="zh-CN" altLang="en-US"/>
+          </a:p>
+        </p:txBody>
+      </p:sp>
+      <p:sp>
+        <p:nvSpPr>
+          <p:cNvPr id="4" name="圆角矩形 3"/>
+          <p:cNvSpPr/>
+          <p:nvPr/>
+        </p:nvSpPr>
+        <p:spPr>
+          <a:xfrm>
+            <a:off x="2833693" y="3932464"/>
+            <a:ext cx="601045" cy="398104"/>
+          </a:xfrm>
+          <a:prstGeom prst="roundRect">
+            <a:avLst/>
+          </a:prstGeom>
+        </p:spPr>
+        <p:style>
+          <a:lnRef idx="2">
+            <a:schemeClr val="accent1">
+              <a:shade val="50000"/>
+            </a:schemeClr>
+          </a:lnRef>
+          <a:fillRef idx="1">
+            <a:schemeClr val="accent1"/>
+          </a:fillRef>
+          <a:effectRef idx="0">
+            <a:schemeClr val="accent1"/>
+          </a:effectRef>
+          <a:fontRef idx="minor">
+            <a:schemeClr val="lt1"/>
+          </a:fontRef>
+        </p:style>
+        <p:txBody>
+          <a:bodyPr rtlCol="0" anchor="ctr"/>
+          <a:lstStyle/>
+          <a:p>
+            <a:pPr algn="ctr"/>
+            <a:r>
+              <a:rPr lang="en-US" altLang="zh-CN" sz="1200" smtClean="0"/>
+              <a:t>page</a:t>
+            </a:r>
+            <a:endParaRPr lang="zh-CN" altLang="en-US" sz="1200"/>
+          </a:p>
+        </p:txBody>
+      </p:sp>
+      <p:sp>
+        <p:nvSpPr>
+          <p:cNvPr id="5" name="圆角矩形 4"/>
+          <p:cNvSpPr/>
+          <p:nvPr/>
+        </p:nvSpPr>
+        <p:spPr>
+          <a:xfrm>
+            <a:off x="3751202" y="3932464"/>
+            <a:ext cx="601045" cy="398104"/>
+          </a:xfrm>
+          <a:prstGeom prst="roundRect">
+            <a:avLst/>
+          </a:prstGeom>
+        </p:spPr>
+        <p:style>
+          <a:lnRef idx="2">
+            <a:schemeClr val="accent1">
+              <a:shade val="50000"/>
+            </a:schemeClr>
+          </a:lnRef>
+          <a:fillRef idx="1">
+            <a:schemeClr val="accent1"/>
+          </a:fillRef>
+          <a:effectRef idx="0">
+            <a:schemeClr val="accent1"/>
+          </a:effectRef>
+          <a:fontRef idx="minor">
+            <a:schemeClr val="lt1"/>
+          </a:fontRef>
+        </p:style>
+        <p:txBody>
+          <a:bodyPr rtlCol="0" anchor="ctr"/>
+          <a:lstStyle/>
+          <a:p>
+            <a:pPr algn="ctr"/>
+            <a:r>
+              <a:rPr lang="en-US" altLang="zh-CN" sz="1200" smtClean="0"/>
+              <a:t>page</a:t>
+            </a:r>
+            <a:endParaRPr lang="zh-CN" altLang="en-US" sz="1200"/>
+          </a:p>
+        </p:txBody>
+      </p:sp>
+      <p:grpSp>
+        <p:nvGrpSpPr>
+          <p:cNvPr id="17" name="组合 16"/>
+          <p:cNvGrpSpPr/>
+          <p:nvPr/>
+        </p:nvGrpSpPr>
+        <p:grpSpPr>
+          <a:xfrm>
+            <a:off x="1708575" y="1730427"/>
+            <a:ext cx="578498" cy="2338888"/>
+            <a:chOff x="970384" y="1539540"/>
+            <a:chExt cx="578498" cy="2338888"/>
+          </a:xfrm>
+        </p:grpSpPr>
+        <p:sp>
+          <p:nvSpPr>
+            <p:cNvPr id="9" name="矩形 8"/>
+            <p:cNvSpPr/>
+            <p:nvPr/>
+          </p:nvSpPr>
+          <p:spPr>
+            <a:xfrm>
+              <a:off x="970384" y="3586067"/>
+              <a:ext cx="578498" cy="292361"/>
+            </a:xfrm>
+            <a:prstGeom prst="rect">
+              <a:avLst/>
+            </a:prstGeom>
+          </p:spPr>
+          <p:style>
+            <a:lnRef idx="2">
+              <a:schemeClr val="accent3">
+                <a:shade val="50000"/>
+              </a:schemeClr>
+            </a:lnRef>
+            <a:fillRef idx="1">
+              <a:schemeClr val="accent3"/>
+            </a:fillRef>
+            <a:effectRef idx="0">
+              <a:schemeClr val="accent3"/>
+            </a:effectRef>
+            <a:fontRef idx="minor">
+              <a:schemeClr val="lt1"/>
+            </a:fontRef>
+          </p:style>
+          <p:txBody>
+            <a:bodyPr rtlCol="0" anchor="ctr"/>
+            <a:lstStyle/>
+            <a:p>
+              <a:pPr algn="ctr"/>
+              <a:endParaRPr lang="zh-CN" altLang="en-US"/>
+            </a:p>
+          </p:txBody>
+        </p:sp>
+        <p:sp>
+          <p:nvSpPr>
+            <p:cNvPr id="10" name="矩形 9"/>
+            <p:cNvSpPr/>
+            <p:nvPr/>
+          </p:nvSpPr>
+          <p:spPr>
+            <a:xfrm>
+              <a:off x="970384" y="3293706"/>
+              <a:ext cx="578498" cy="292361"/>
+            </a:xfrm>
+            <a:prstGeom prst="rect">
+              <a:avLst/>
+            </a:prstGeom>
+          </p:spPr>
+          <p:style>
+            <a:lnRef idx="2">
+              <a:schemeClr val="accent3">
+                <a:shade val="50000"/>
+              </a:schemeClr>
+            </a:lnRef>
+            <a:fillRef idx="1">
+              <a:schemeClr val="accent3"/>
+            </a:fillRef>
+            <a:effectRef idx="0">
+              <a:schemeClr val="accent3"/>
+            </a:effectRef>
+            <a:fontRef idx="minor">
+              <a:schemeClr val="lt1"/>
+            </a:fontRef>
+          </p:style>
+          <p:txBody>
+            <a:bodyPr rtlCol="0" anchor="ctr"/>
+            <a:lstStyle/>
+            <a:p>
+              <a:pPr algn="ctr"/>
+              <a:endParaRPr lang="zh-CN" altLang="en-US"/>
+            </a:p>
+          </p:txBody>
+        </p:sp>
+        <p:sp>
+          <p:nvSpPr>
+            <p:cNvPr id="11" name="矩形 10"/>
+            <p:cNvSpPr/>
+            <p:nvPr/>
+          </p:nvSpPr>
+          <p:spPr>
+            <a:xfrm>
+              <a:off x="970384" y="3001345"/>
+              <a:ext cx="578498" cy="292361"/>
+            </a:xfrm>
+            <a:prstGeom prst="rect">
+              <a:avLst/>
+            </a:prstGeom>
+          </p:spPr>
+          <p:style>
+            <a:lnRef idx="2">
+              <a:schemeClr val="accent3">
+                <a:shade val="50000"/>
+              </a:schemeClr>
+            </a:lnRef>
+            <a:fillRef idx="1">
+              <a:schemeClr val="accent3"/>
+            </a:fillRef>
+            <a:effectRef idx="0">
+              <a:schemeClr val="accent3"/>
+            </a:effectRef>
+            <a:fontRef idx="minor">
+              <a:schemeClr val="lt1"/>
+            </a:fontRef>
+          </p:style>
+          <p:txBody>
+            <a:bodyPr rtlCol="0" anchor="ctr"/>
+            <a:lstStyle/>
+            <a:p>
+              <a:pPr algn="ctr"/>
+              <a:endParaRPr lang="zh-CN" altLang="en-US"/>
+            </a:p>
+          </p:txBody>
+        </p:sp>
+        <p:sp>
+          <p:nvSpPr>
+            <p:cNvPr id="12" name="矩形 11"/>
+            <p:cNvSpPr/>
+            <p:nvPr/>
+          </p:nvSpPr>
+          <p:spPr>
+            <a:xfrm>
+              <a:off x="970384" y="2708984"/>
+              <a:ext cx="578498" cy="292361"/>
+            </a:xfrm>
+            <a:prstGeom prst="rect">
+              <a:avLst/>
+            </a:prstGeom>
+          </p:spPr>
+          <p:style>
+            <a:lnRef idx="2">
+              <a:schemeClr val="accent3">
+                <a:shade val="50000"/>
+              </a:schemeClr>
+            </a:lnRef>
+            <a:fillRef idx="1">
+              <a:schemeClr val="accent3"/>
+            </a:fillRef>
+            <a:effectRef idx="0">
+              <a:schemeClr val="accent3"/>
+            </a:effectRef>
+            <a:fontRef idx="minor">
+              <a:schemeClr val="lt1"/>
+            </a:fontRef>
+          </p:style>
+          <p:txBody>
+            <a:bodyPr rtlCol="0" anchor="ctr"/>
+            <a:lstStyle/>
+            <a:p>
+              <a:pPr algn="ctr"/>
+              <a:endParaRPr lang="zh-CN" altLang="en-US"/>
+            </a:p>
+          </p:txBody>
+        </p:sp>
+        <p:sp>
+          <p:nvSpPr>
+            <p:cNvPr id="13" name="矩形 12"/>
+            <p:cNvSpPr/>
+            <p:nvPr/>
+          </p:nvSpPr>
+          <p:spPr>
+            <a:xfrm>
+              <a:off x="970384" y="2416623"/>
+              <a:ext cx="578498" cy="292361"/>
+            </a:xfrm>
+            <a:prstGeom prst="rect">
+              <a:avLst/>
+            </a:prstGeom>
+          </p:spPr>
+          <p:style>
+            <a:lnRef idx="2">
+              <a:schemeClr val="accent3">
+                <a:shade val="50000"/>
+              </a:schemeClr>
+            </a:lnRef>
+            <a:fillRef idx="1">
+              <a:schemeClr val="accent3"/>
+            </a:fillRef>
+            <a:effectRef idx="0">
+              <a:schemeClr val="accent3"/>
+            </a:effectRef>
+            <a:fontRef idx="minor">
+              <a:schemeClr val="lt1"/>
+            </a:fontRef>
+          </p:style>
+          <p:txBody>
+            <a:bodyPr rtlCol="0" anchor="ctr"/>
+            <a:lstStyle/>
+            <a:p>
+              <a:pPr algn="ctr"/>
+              <a:endParaRPr lang="zh-CN" altLang="en-US"/>
+            </a:p>
+          </p:txBody>
+        </p:sp>
+        <p:sp>
+          <p:nvSpPr>
+            <p:cNvPr id="14" name="矩形 13"/>
+            <p:cNvSpPr/>
+            <p:nvPr/>
+          </p:nvSpPr>
+          <p:spPr>
+            <a:xfrm>
+              <a:off x="970384" y="2124262"/>
+              <a:ext cx="578498" cy="292361"/>
+            </a:xfrm>
+            <a:prstGeom prst="rect">
+              <a:avLst/>
+            </a:prstGeom>
+          </p:spPr>
+          <p:style>
+            <a:lnRef idx="2">
+              <a:schemeClr val="accent3">
+                <a:shade val="50000"/>
+              </a:schemeClr>
+            </a:lnRef>
+            <a:fillRef idx="1">
+              <a:schemeClr val="accent3"/>
+            </a:fillRef>
+            <a:effectRef idx="0">
+              <a:schemeClr val="accent3"/>
+            </a:effectRef>
+            <a:fontRef idx="minor">
+              <a:schemeClr val="lt1"/>
+            </a:fontRef>
+          </p:style>
+          <p:txBody>
+            <a:bodyPr rtlCol="0" anchor="ctr"/>
+            <a:lstStyle/>
+            <a:p>
+              <a:pPr algn="ctr"/>
+              <a:endParaRPr lang="zh-CN" altLang="en-US"/>
+            </a:p>
+          </p:txBody>
+        </p:sp>
+        <p:sp>
+          <p:nvSpPr>
+            <p:cNvPr id="15" name="矩形 14"/>
+            <p:cNvSpPr/>
+            <p:nvPr/>
+          </p:nvSpPr>
+          <p:spPr>
+            <a:xfrm>
+              <a:off x="970384" y="1831901"/>
+              <a:ext cx="578498" cy="292361"/>
+            </a:xfrm>
+            <a:prstGeom prst="rect">
+              <a:avLst/>
+            </a:prstGeom>
+          </p:spPr>
+          <p:style>
+            <a:lnRef idx="2">
+              <a:schemeClr val="accent3">
+                <a:shade val="50000"/>
+              </a:schemeClr>
+            </a:lnRef>
+            <a:fillRef idx="1">
+              <a:schemeClr val="accent3"/>
+            </a:fillRef>
+            <a:effectRef idx="0">
+              <a:schemeClr val="accent3"/>
+            </a:effectRef>
+            <a:fontRef idx="minor">
+              <a:schemeClr val="lt1"/>
+            </a:fontRef>
+          </p:style>
+          <p:txBody>
+            <a:bodyPr rtlCol="0" anchor="ctr"/>
+            <a:lstStyle/>
+            <a:p>
+              <a:pPr algn="ctr"/>
+              <a:endParaRPr lang="zh-CN" altLang="en-US"/>
+            </a:p>
+          </p:txBody>
+        </p:sp>
+        <p:sp>
+          <p:nvSpPr>
+            <p:cNvPr id="16" name="矩形 15"/>
+            <p:cNvSpPr/>
+            <p:nvPr/>
+          </p:nvSpPr>
+          <p:spPr>
+            <a:xfrm>
+              <a:off x="970384" y="1539540"/>
+              <a:ext cx="578498" cy="292361"/>
+            </a:xfrm>
+            <a:prstGeom prst="rect">
+              <a:avLst/>
+            </a:prstGeom>
+          </p:spPr>
+          <p:style>
+            <a:lnRef idx="2">
+              <a:schemeClr val="accent3">
+                <a:shade val="50000"/>
+              </a:schemeClr>
+            </a:lnRef>
+            <a:fillRef idx="1">
+              <a:schemeClr val="accent3"/>
+            </a:fillRef>
+            <a:effectRef idx="0">
+              <a:schemeClr val="accent3"/>
+            </a:effectRef>
+            <a:fontRef idx="minor">
+              <a:schemeClr val="lt1"/>
+            </a:fontRef>
+          </p:style>
+          <p:txBody>
+            <a:bodyPr rtlCol="0" anchor="ctr"/>
+            <a:lstStyle/>
+            <a:p>
+              <a:pPr algn="ctr"/>
+              <a:endParaRPr lang="zh-CN" altLang="en-US"/>
+            </a:p>
+          </p:txBody>
+        </p:sp>
+      </p:grpSp>
+      <p:cxnSp>
+        <p:nvCxnSpPr>
+          <p:cNvPr id="19" name="肘形连接符 18"/>
+          <p:cNvCxnSpPr>
+            <a:stCxn id="9" idx="3"/>
+            <a:endCxn id="4" idx="1"/>
+          </p:cNvCxnSpPr>
+          <p:nvPr/>
+        </p:nvCxnSpPr>
+        <p:spPr>
+          <a:xfrm>
+            <a:off x="2287073" y="3923135"/>
+            <a:ext cx="546620" cy="208381"/>
+          </a:xfrm>
+          <a:prstGeom prst="bentConnector3">
+            <a:avLst/>
+          </a:prstGeom>
+          <a:ln>
+            <a:tailEnd type="triangle"/>
+          </a:ln>
+        </p:spPr>
+        <p:style>
+          <a:lnRef idx="1">
+            <a:schemeClr val="dk1"/>
+          </a:lnRef>
+          <a:fillRef idx="0">
+            <a:schemeClr val="dk1"/>
+          </a:fillRef>
+          <a:effectRef idx="0">
+            <a:schemeClr val="dk1"/>
+          </a:effectRef>
+          <a:fontRef idx="minor">
+            <a:schemeClr val="tx1"/>
+          </a:fontRef>
+        </p:style>
+      </p:cxnSp>
+      <p:sp>
+        <p:nvSpPr>
+          <p:cNvPr id="22" name="文本框 21"/>
+          <p:cNvSpPr txBox="1"/>
+          <p:nvPr/>
+        </p:nvSpPr>
+        <p:spPr>
+          <a:xfrm>
+            <a:off x="759341" y="3793964"/>
+            <a:ext cx="949234" cy="276999"/>
+          </a:xfrm>
+          <a:prstGeom prst="rect">
+            <a:avLst/>
+          </a:prstGeom>
+          <a:noFill/>
+        </p:spPr>
+        <p:txBody>
+          <a:bodyPr wrap="none" rtlCol="0">
+            <a:spAutoFit/>
+          </a:bodyPr>
+          <a:lstStyle/>
+          <a:p>
+            <a:r>
+              <a:rPr lang="en-US" altLang="zh-CN" sz="1200" smtClean="0"/>
+              <a:t>32768 bytes</a:t>
+            </a:r>
+            <a:endParaRPr lang="zh-CN" altLang="en-US" sz="1200"/>
+          </a:p>
+        </p:txBody>
+      </p:sp>
+      <p:sp>
+        <p:nvSpPr>
+          <p:cNvPr id="23" name="矩形 22"/>
+          <p:cNvSpPr/>
+          <p:nvPr/>
+        </p:nvSpPr>
+        <p:spPr>
+          <a:xfrm>
+            <a:off x="956962" y="1164084"/>
+            <a:ext cx="2081724" cy="369332"/>
+          </a:xfrm>
+          <a:prstGeom prst="rect">
+            <a:avLst/>
+          </a:prstGeom>
+        </p:spPr>
+        <p:txBody>
+          <a:bodyPr wrap="none">
+            <a:spAutoFit/>
+          </a:bodyPr>
+          <a:lstStyle/>
+          <a:p>
+            <a:r>
+              <a:rPr lang="en-US" altLang="zh-CN" smtClean="0"/>
+              <a:t>segment size = 1024</a:t>
+            </a:r>
+            <a:endParaRPr lang="zh-CN" altLang="en-US"/>
+          </a:p>
+        </p:txBody>
+      </p:sp>
+      <p:sp>
+        <p:nvSpPr>
+          <p:cNvPr id="24" name="文本框 23"/>
+          <p:cNvSpPr txBox="1"/>
+          <p:nvPr/>
+        </p:nvSpPr>
+        <p:spPr>
+          <a:xfrm>
+            <a:off x="851118" y="1750739"/>
+            <a:ext cx="792140" cy="276999"/>
+          </a:xfrm>
+          <a:prstGeom prst="rect">
+            <a:avLst/>
+          </a:prstGeom>
+          <a:noFill/>
+        </p:spPr>
+        <p:txBody>
+          <a:bodyPr wrap="none" rtlCol="0">
+            <a:spAutoFit/>
+          </a:bodyPr>
+          <a:lstStyle/>
+          <a:p>
+            <a:r>
+              <a:rPr lang="en-US" altLang="zh-CN" sz="1200" smtClean="0"/>
+              <a:t>128 </a:t>
+            </a:r>
+            <a:r>
+              <a:rPr lang="en-US" altLang="zh-CN" sz="1200"/>
+              <a:t>bytes</a:t>
+            </a:r>
+            <a:endParaRPr lang="zh-CN" altLang="en-US" sz="1200"/>
+          </a:p>
+        </p:txBody>
+      </p:sp>
+      <p:sp>
+        <p:nvSpPr>
+          <p:cNvPr id="25" name="文本框 24"/>
+          <p:cNvSpPr txBox="1"/>
+          <p:nvPr/>
+        </p:nvSpPr>
+        <p:spPr>
+          <a:xfrm>
+            <a:off x="856416" y="2023043"/>
+            <a:ext cx="792140" cy="276999"/>
+          </a:xfrm>
+          <a:prstGeom prst="rect">
+            <a:avLst/>
+          </a:prstGeom>
+          <a:noFill/>
+        </p:spPr>
+        <p:txBody>
+          <a:bodyPr wrap="none" rtlCol="0">
+            <a:spAutoFit/>
+          </a:bodyPr>
+          <a:lstStyle/>
+          <a:p>
+            <a:r>
+              <a:rPr lang="en-US" altLang="zh-CN" sz="1200" smtClean="0"/>
+              <a:t>258 bytes</a:t>
+            </a:r>
+            <a:endParaRPr lang="zh-CN" altLang="en-US" sz="1200"/>
+          </a:p>
+        </p:txBody>
+      </p:sp>
+      <p:sp>
+        <p:nvSpPr>
+          <p:cNvPr id="26" name="文本框 25"/>
+          <p:cNvSpPr txBox="1"/>
+          <p:nvPr/>
+        </p:nvSpPr>
+        <p:spPr>
+          <a:xfrm>
+            <a:off x="856398" y="2305919"/>
+            <a:ext cx="792140" cy="276999"/>
+          </a:xfrm>
+          <a:prstGeom prst="rect">
+            <a:avLst/>
+          </a:prstGeom>
+          <a:noFill/>
+        </p:spPr>
+        <p:txBody>
+          <a:bodyPr wrap="none" rtlCol="0">
+            <a:spAutoFit/>
+          </a:bodyPr>
+          <a:lstStyle/>
+          <a:p>
+            <a:r>
+              <a:rPr lang="en-US" altLang="zh-CN" sz="1200" smtClean="0"/>
+              <a:t>512 bytes</a:t>
+            </a:r>
+            <a:endParaRPr lang="zh-CN" altLang="en-US" sz="1200"/>
+          </a:p>
+        </p:txBody>
+      </p:sp>
+      <p:sp>
+        <p:nvSpPr>
+          <p:cNvPr id="27" name="文本框 26"/>
+          <p:cNvSpPr txBox="1"/>
+          <p:nvPr/>
+        </p:nvSpPr>
+        <p:spPr>
+          <a:xfrm>
+            <a:off x="1062276" y="2719870"/>
+            <a:ext cx="343364" cy="369332"/>
+          </a:xfrm>
+          <a:prstGeom prst="rect">
+            <a:avLst/>
+          </a:prstGeom>
+          <a:noFill/>
+        </p:spPr>
+        <p:txBody>
+          <a:bodyPr wrap="none" rtlCol="0">
+            <a:spAutoFit/>
+          </a:bodyPr>
+          <a:lstStyle/>
+          <a:p>
+            <a:r>
+              <a:rPr lang="en-US" altLang="zh-CN" smtClean="0"/>
+              <a:t>…</a:t>
+            </a:r>
+            <a:endParaRPr lang="zh-CN" altLang="en-US"/>
+          </a:p>
+        </p:txBody>
+      </p:sp>
+      <p:cxnSp>
+        <p:nvCxnSpPr>
+          <p:cNvPr id="28" name="肘形连接符 27"/>
+          <p:cNvCxnSpPr>
+            <a:stCxn id="4" idx="3"/>
+            <a:endCxn id="5" idx="1"/>
+          </p:cNvCxnSpPr>
+          <p:nvPr/>
+        </p:nvCxnSpPr>
+        <p:spPr>
+          <a:xfrm>
+            <a:off x="3434738" y="4131516"/>
+            <a:ext cx="316464" cy="0"/>
+          </a:xfrm>
+          <a:prstGeom prst="straightConnector1">
+            <a:avLst/>
+          </a:prstGeom>
+          <a:ln>
+            <a:tailEnd type="triangle"/>
+          </a:ln>
+        </p:spPr>
+        <p:style>
+          <a:lnRef idx="1">
+            <a:schemeClr val="dk1"/>
+          </a:lnRef>
+          <a:fillRef idx="0">
+            <a:schemeClr val="dk1"/>
+          </a:fillRef>
+          <a:effectRef idx="0">
+            <a:schemeClr val="dk1"/>
+          </a:effectRef>
+          <a:fontRef idx="minor">
+            <a:schemeClr val="tx1"/>
+          </a:fontRef>
+        </p:style>
+      </p:cxnSp>
+    </p:spTree>
+    <p:extLst>
+      <p:ext uri="{BB962C8B-B14F-4D97-AF65-F5344CB8AC3E}">
+        <p14:creationId xmlns:p14="http://schemas.microsoft.com/office/powerpoint/2010/main" val="2134072860"/>
+      </p:ext>
+    </p:extLst>
+  </p:cSld>
+  <p:clrMapOvr>
+    <a:masterClrMapping/>
+  </p:clrMapOvr>
 </p:sld>
 </file>
 
@@ -9478,877 +14143,28 @@
           <a:bodyPr/>
           <a:lstStyle/>
           <a:p>
+            <a:r>
+              <a:rPr lang="en-US" altLang="zh-CN"/>
+              <a:t>parallel </a:t>
+            </a:r>
+            <a:r>
+              <a:rPr lang="en-US" altLang="zh-CN" smtClean="0"/>
+              <a:t>GROUP BY</a:t>
+            </a:r>
             <a:endParaRPr lang="zh-CN" altLang="en-US"/>
           </a:p>
         </p:txBody>
       </p:sp>
-      <p:graphicFrame>
-        <p:nvGraphicFramePr>
-          <p:cNvPr id="3" name="表格 2"/>
-          <p:cNvGraphicFramePr>
-            <a:graphicFrameLocks noGrp="1"/>
-          </p:cNvGraphicFramePr>
-          <p:nvPr>
-            <p:extLst>
-              <p:ext uri="{D42A27DB-BD31-4B8C-83A1-F6EECF244321}">
-                <p14:modId xmlns:p14="http://schemas.microsoft.com/office/powerpoint/2010/main" val="2917757823"/>
-              </p:ext>
-            </p:extLst>
-          </p:nvPr>
-        </p:nvGraphicFramePr>
-        <p:xfrm>
-          <a:off x="10888267" y="2924506"/>
-          <a:ext cx="667656" cy="975360"/>
-        </p:xfrm>
-        <a:graphic>
-          <a:graphicData uri="http://schemas.openxmlformats.org/drawingml/2006/table">
-            <a:tbl>
-              <a:tblPr>
-                <a:tableStyleId>{D7AC3CCA-C797-4891-BE02-D94E43425B78}</a:tableStyleId>
-              </a:tblPr>
-              <a:tblGrid>
-                <a:gridCol w="333828"/>
-                <a:gridCol w="333828"/>
-              </a:tblGrid>
-              <a:tr h="215416">
-                <a:tc>
-                  <a:txBody>
-                    <a:bodyPr/>
-                    <a:lstStyle/>
-                    <a:p>
-                      <a:r>
-                        <a:rPr lang="en-US" altLang="zh-CN" sz="1000" dirty="0" smtClean="0"/>
-                        <a:t>1</a:t>
-                      </a:r>
-                      <a:endParaRPr lang="zh-CN" altLang="en-US" sz="1000" dirty="0"/>
-                    </a:p>
-                  </a:txBody>
-                  <a:tcPr>
-                    <a:solidFill>
-                      <a:schemeClr val="accent4">
-                        <a:lumMod val="60000"/>
-                        <a:lumOff val="40000"/>
-                      </a:schemeClr>
-                    </a:solidFill>
-                  </a:tcPr>
-                </a:tc>
-                <a:tc>
-                  <a:txBody>
-                    <a:bodyPr/>
-                    <a:lstStyle/>
-                    <a:p>
-                      <a:r>
-                        <a:rPr lang="zh-CN" altLang="en-US" sz="1000" dirty="0" smtClean="0"/>
-                        <a:t>√</a:t>
-                      </a:r>
-                      <a:endParaRPr lang="zh-CN" altLang="en-US" sz="1000" dirty="0"/>
-                    </a:p>
-                  </a:txBody>
-                  <a:tcPr/>
-                </a:tc>
-              </a:tr>
-              <a:tr h="215416">
-                <a:tc>
-                  <a:txBody>
-                    <a:bodyPr/>
-                    <a:lstStyle/>
-                    <a:p>
-                      <a:r>
-                        <a:rPr lang="en-US" altLang="zh-CN" sz="1000" smtClean="0"/>
-                        <a:t>2</a:t>
-                      </a:r>
-                      <a:endParaRPr lang="zh-CN" altLang="en-US" sz="1000"/>
-                    </a:p>
-                  </a:txBody>
-                  <a:tcPr>
-                    <a:solidFill>
-                      <a:schemeClr val="bg2"/>
-                    </a:solidFill>
-                  </a:tcPr>
-                </a:tc>
-                <a:tc>
-                  <a:txBody>
-                    <a:bodyPr/>
-                    <a:lstStyle/>
-                    <a:p>
-                      <a:r>
-                        <a:rPr lang="en-US" altLang="zh-CN" sz="1000" dirty="0" smtClean="0"/>
-                        <a:t>X</a:t>
-                      </a:r>
-                      <a:endParaRPr lang="zh-CN" altLang="en-US" sz="1000" dirty="0"/>
-                    </a:p>
-                  </a:txBody>
-                  <a:tcPr>
-                    <a:solidFill>
-                      <a:schemeClr val="bg2"/>
-                    </a:solidFill>
-                  </a:tcPr>
-                </a:tc>
-              </a:tr>
-              <a:tr h="215416">
-                <a:tc>
-                  <a:txBody>
-                    <a:bodyPr/>
-                    <a:lstStyle/>
-                    <a:p>
-                      <a:r>
-                        <a:rPr lang="en-US" altLang="zh-CN" sz="1000" dirty="0" smtClean="0"/>
-                        <a:t>3</a:t>
-                      </a:r>
-                      <a:endParaRPr lang="zh-CN" altLang="en-US" sz="1000" dirty="0"/>
-                    </a:p>
-                  </a:txBody>
-                  <a:tcPr>
-                    <a:solidFill>
-                      <a:schemeClr val="bg2"/>
-                    </a:solidFill>
-                  </a:tcPr>
-                </a:tc>
-                <a:tc>
-                  <a:txBody>
-                    <a:bodyPr/>
-                    <a:lstStyle/>
-                    <a:p>
-                      <a:r>
-                        <a:rPr lang="en-US" altLang="zh-CN" sz="1000" smtClean="0"/>
-                        <a:t>X</a:t>
-                      </a:r>
-                      <a:endParaRPr lang="zh-CN" altLang="en-US" sz="1000"/>
-                    </a:p>
-                  </a:txBody>
-                  <a:tcPr/>
-                </a:tc>
-              </a:tr>
-              <a:tr h="215416">
-                <a:tc>
-                  <a:txBody>
-                    <a:bodyPr/>
-                    <a:lstStyle/>
-                    <a:p>
-                      <a:r>
-                        <a:rPr lang="en-US" altLang="zh-CN" sz="1000" dirty="0" smtClean="0"/>
-                        <a:t>4</a:t>
-                      </a:r>
-                      <a:endParaRPr lang="zh-CN" altLang="en-US" sz="1000" dirty="0"/>
-                    </a:p>
-                  </a:txBody>
-                  <a:tcPr>
-                    <a:solidFill>
-                      <a:schemeClr val="accent4">
-                        <a:lumMod val="60000"/>
-                        <a:lumOff val="40000"/>
-                      </a:schemeClr>
-                    </a:solidFill>
-                  </a:tcPr>
-                </a:tc>
-                <a:tc>
-                  <a:txBody>
-                    <a:bodyPr/>
-                    <a:lstStyle/>
-                    <a:p>
-                      <a:r>
-                        <a:rPr lang="zh-CN" altLang="en-US" sz="1000" smtClean="0"/>
-                        <a:t>√</a:t>
-                      </a:r>
-                      <a:endParaRPr lang="zh-CN" altLang="en-US" sz="1000"/>
-                    </a:p>
-                  </a:txBody>
-                  <a:tcPr/>
-                </a:tc>
-              </a:tr>
-            </a:tbl>
-          </a:graphicData>
-        </a:graphic>
-      </p:graphicFrame>
-      <p:graphicFrame>
-        <p:nvGraphicFramePr>
-          <p:cNvPr id="5" name="表格 4"/>
-          <p:cNvGraphicFramePr>
-            <a:graphicFrameLocks noGrp="1"/>
-          </p:cNvGraphicFramePr>
-          <p:nvPr>
-            <p:extLst>
-              <p:ext uri="{D42A27DB-BD31-4B8C-83A1-F6EECF244321}">
-                <p14:modId xmlns:p14="http://schemas.microsoft.com/office/powerpoint/2010/main" val="1205046475"/>
-              </p:ext>
-            </p:extLst>
-          </p:nvPr>
-        </p:nvGraphicFramePr>
-        <p:xfrm>
-          <a:off x="10888267" y="4187248"/>
-          <a:ext cx="667656" cy="975360"/>
-        </p:xfrm>
-        <a:graphic>
-          <a:graphicData uri="http://schemas.openxmlformats.org/drawingml/2006/table">
-            <a:tbl>
-              <a:tblPr>
-                <a:tableStyleId>{D7AC3CCA-C797-4891-BE02-D94E43425B78}</a:tableStyleId>
-              </a:tblPr>
-              <a:tblGrid>
-                <a:gridCol w="333828"/>
-                <a:gridCol w="333828"/>
-              </a:tblGrid>
-              <a:tr h="215416">
-                <a:tc>
-                  <a:txBody>
-                    <a:bodyPr/>
-                    <a:lstStyle/>
-                    <a:p>
-                      <a:r>
-                        <a:rPr lang="en-US" altLang="zh-CN" sz="1000" dirty="0" smtClean="0"/>
-                        <a:t>5</a:t>
-                      </a:r>
-                      <a:endParaRPr lang="zh-CN" altLang="en-US" sz="1000" dirty="0"/>
-                    </a:p>
-                  </a:txBody>
-                  <a:tcPr>
-                    <a:solidFill>
-                      <a:schemeClr val="bg2"/>
-                    </a:solidFill>
-                  </a:tcPr>
-                </a:tc>
-                <a:tc>
-                  <a:txBody>
-                    <a:bodyPr/>
-                    <a:lstStyle/>
-                    <a:p>
-                      <a:r>
-                        <a:rPr lang="en-US" altLang="zh-CN" sz="1000" smtClean="0"/>
-                        <a:t>X</a:t>
-                      </a:r>
-                      <a:endParaRPr lang="zh-CN" altLang="en-US" sz="1000"/>
-                    </a:p>
-                  </a:txBody>
-                  <a:tcPr/>
-                </a:tc>
-              </a:tr>
-              <a:tr h="215416">
-                <a:tc>
-                  <a:txBody>
-                    <a:bodyPr/>
-                    <a:lstStyle/>
-                    <a:p>
-                      <a:r>
-                        <a:rPr lang="en-US" altLang="zh-CN" sz="1000" smtClean="0"/>
-                        <a:t>6</a:t>
-                      </a:r>
-                      <a:endParaRPr lang="zh-CN" altLang="en-US" sz="1000"/>
-                    </a:p>
-                  </a:txBody>
-                  <a:tcPr>
-                    <a:solidFill>
-                      <a:schemeClr val="accent4">
-                        <a:lumMod val="60000"/>
-                        <a:lumOff val="40000"/>
-                      </a:schemeClr>
-                    </a:solidFill>
-                  </a:tcPr>
-                </a:tc>
-                <a:tc>
-                  <a:txBody>
-                    <a:bodyPr/>
-                    <a:lstStyle/>
-                    <a:p>
-                      <a:r>
-                        <a:rPr lang="zh-CN" altLang="en-US" sz="1000" smtClean="0"/>
-                        <a:t>√</a:t>
-                      </a:r>
-                      <a:endParaRPr lang="zh-CN" altLang="en-US" sz="1000"/>
-                    </a:p>
-                  </a:txBody>
-                  <a:tcPr/>
-                </a:tc>
-              </a:tr>
-              <a:tr h="215416">
-                <a:tc>
-                  <a:txBody>
-                    <a:bodyPr/>
-                    <a:lstStyle/>
-                    <a:p>
-                      <a:r>
-                        <a:rPr lang="en-US" altLang="zh-CN" sz="1000" smtClean="0"/>
-                        <a:t>7</a:t>
-                      </a:r>
-                      <a:endParaRPr lang="zh-CN" altLang="en-US" sz="1000"/>
-                    </a:p>
-                  </a:txBody>
-                  <a:tcPr>
-                    <a:solidFill>
-                      <a:schemeClr val="bg2"/>
-                    </a:solidFill>
-                  </a:tcPr>
-                </a:tc>
-                <a:tc>
-                  <a:txBody>
-                    <a:bodyPr/>
-                    <a:lstStyle/>
-                    <a:p>
-                      <a:r>
-                        <a:rPr lang="en-US" altLang="zh-CN" sz="1000" smtClean="0"/>
-                        <a:t>X</a:t>
-                      </a:r>
-                      <a:endParaRPr lang="zh-CN" altLang="en-US" sz="1000"/>
-                    </a:p>
-                  </a:txBody>
-                  <a:tcPr/>
-                </a:tc>
-              </a:tr>
-              <a:tr h="215416">
-                <a:tc>
-                  <a:txBody>
-                    <a:bodyPr/>
-                    <a:lstStyle/>
-                    <a:p>
-                      <a:r>
-                        <a:rPr lang="en-US" altLang="zh-CN" sz="1000" dirty="0" smtClean="0"/>
-                        <a:t>8</a:t>
-                      </a:r>
-                      <a:endParaRPr lang="zh-CN" altLang="en-US" sz="1000" dirty="0"/>
-                    </a:p>
-                  </a:txBody>
-                  <a:tcPr>
-                    <a:solidFill>
-                      <a:schemeClr val="bg2"/>
-                    </a:solidFill>
-                  </a:tcPr>
-                </a:tc>
-                <a:tc>
-                  <a:txBody>
-                    <a:bodyPr/>
-                    <a:lstStyle/>
-                    <a:p>
-                      <a:r>
-                        <a:rPr lang="en-US" altLang="zh-CN" sz="1000" smtClean="0"/>
-                        <a:t>X</a:t>
-                      </a:r>
-                      <a:endParaRPr lang="zh-CN" altLang="en-US" sz="1000"/>
-                    </a:p>
-                  </a:txBody>
-                  <a:tcPr/>
-                </a:tc>
-              </a:tr>
-            </a:tbl>
-          </a:graphicData>
-        </a:graphic>
-      </p:graphicFrame>
-      <p:graphicFrame>
-        <p:nvGraphicFramePr>
-          <p:cNvPr id="6" name="表格 5"/>
-          <p:cNvGraphicFramePr>
-            <a:graphicFrameLocks noGrp="1"/>
-          </p:cNvGraphicFramePr>
-          <p:nvPr>
-            <p:extLst>
-              <p:ext uri="{D42A27DB-BD31-4B8C-83A1-F6EECF244321}">
-                <p14:modId xmlns:p14="http://schemas.microsoft.com/office/powerpoint/2010/main" val="3415794168"/>
-              </p:ext>
-            </p:extLst>
-          </p:nvPr>
-        </p:nvGraphicFramePr>
-        <p:xfrm>
-          <a:off x="10888267" y="5449991"/>
-          <a:ext cx="667656" cy="975360"/>
-        </p:xfrm>
-        <a:graphic>
-          <a:graphicData uri="http://schemas.openxmlformats.org/drawingml/2006/table">
-            <a:tbl>
-              <a:tblPr>
-                <a:tableStyleId>{D7AC3CCA-C797-4891-BE02-D94E43425B78}</a:tableStyleId>
-              </a:tblPr>
-              <a:tblGrid>
-                <a:gridCol w="333828"/>
-                <a:gridCol w="333828"/>
-              </a:tblGrid>
-              <a:tr h="215416">
-                <a:tc>
-                  <a:txBody>
-                    <a:bodyPr/>
-                    <a:lstStyle/>
-                    <a:p>
-                      <a:r>
-                        <a:rPr lang="en-US" altLang="zh-CN" sz="1000" dirty="0" smtClean="0"/>
-                        <a:t>9</a:t>
-                      </a:r>
-                      <a:endParaRPr lang="zh-CN" altLang="en-US" sz="1000" dirty="0"/>
-                    </a:p>
-                  </a:txBody>
-                  <a:tcPr>
-                    <a:solidFill>
-                      <a:schemeClr val="bg2"/>
-                    </a:solidFill>
-                  </a:tcPr>
-                </a:tc>
-                <a:tc>
-                  <a:txBody>
-                    <a:bodyPr/>
-                    <a:lstStyle/>
-                    <a:p>
-                      <a:r>
-                        <a:rPr lang="en-US" altLang="zh-CN" sz="1000" smtClean="0"/>
-                        <a:t>X</a:t>
-                      </a:r>
-                      <a:endParaRPr lang="zh-CN" altLang="en-US" sz="1000"/>
-                    </a:p>
-                  </a:txBody>
-                  <a:tcPr/>
-                </a:tc>
-              </a:tr>
-              <a:tr h="215416">
-                <a:tc>
-                  <a:txBody>
-                    <a:bodyPr/>
-                    <a:lstStyle/>
-                    <a:p>
-                      <a:r>
-                        <a:rPr lang="en-US" altLang="zh-CN" sz="1000" smtClean="0"/>
-                        <a:t>10</a:t>
-                      </a:r>
-                      <a:endParaRPr lang="zh-CN" altLang="en-US" sz="1000"/>
-                    </a:p>
-                  </a:txBody>
-                  <a:tcPr>
-                    <a:solidFill>
-                      <a:schemeClr val="accent4">
-                        <a:lumMod val="60000"/>
-                        <a:lumOff val="40000"/>
-                      </a:schemeClr>
-                    </a:solidFill>
-                  </a:tcPr>
-                </a:tc>
-                <a:tc>
-                  <a:txBody>
-                    <a:bodyPr/>
-                    <a:lstStyle/>
-                    <a:p>
-                      <a:r>
-                        <a:rPr lang="zh-CN" altLang="en-US" sz="1000" smtClean="0"/>
-                        <a:t>√</a:t>
-                      </a:r>
-                      <a:endParaRPr lang="zh-CN" altLang="en-US" sz="1000"/>
-                    </a:p>
-                  </a:txBody>
-                  <a:tcPr/>
-                </a:tc>
-              </a:tr>
-              <a:tr h="215416">
-                <a:tc>
-                  <a:txBody>
-                    <a:bodyPr/>
-                    <a:lstStyle/>
-                    <a:p>
-                      <a:r>
-                        <a:rPr lang="en-US" altLang="zh-CN" sz="1000" smtClean="0"/>
-                        <a:t>11</a:t>
-                      </a:r>
-                      <a:endParaRPr lang="zh-CN" altLang="en-US" sz="1000"/>
-                    </a:p>
-                  </a:txBody>
-                  <a:tcPr>
-                    <a:solidFill>
-                      <a:schemeClr val="accent4">
-                        <a:lumMod val="60000"/>
-                        <a:lumOff val="40000"/>
-                      </a:schemeClr>
-                    </a:solidFill>
-                  </a:tcPr>
-                </a:tc>
-                <a:tc>
-                  <a:txBody>
-                    <a:bodyPr/>
-                    <a:lstStyle/>
-                    <a:p>
-                      <a:r>
-                        <a:rPr lang="zh-CN" altLang="en-US" sz="1000" smtClean="0"/>
-                        <a:t>√</a:t>
-                      </a:r>
-                      <a:endParaRPr lang="zh-CN" altLang="en-US" sz="1000"/>
-                    </a:p>
-                  </a:txBody>
-                  <a:tcPr/>
-                </a:tc>
-              </a:tr>
-              <a:tr h="215416">
-                <a:tc>
-                  <a:txBody>
-                    <a:bodyPr/>
-                    <a:lstStyle/>
-                    <a:p>
-                      <a:r>
-                        <a:rPr lang="en-US" altLang="zh-CN" sz="1000" dirty="0" smtClean="0"/>
-                        <a:t>12</a:t>
-                      </a:r>
-                      <a:endParaRPr lang="zh-CN" altLang="en-US" sz="1000" dirty="0"/>
-                    </a:p>
-                  </a:txBody>
-                  <a:tcPr>
-                    <a:solidFill>
-                      <a:schemeClr val="accent4">
-                        <a:lumMod val="60000"/>
-                        <a:lumOff val="40000"/>
-                      </a:schemeClr>
-                    </a:solidFill>
-                  </a:tcPr>
-                </a:tc>
-                <a:tc>
-                  <a:txBody>
-                    <a:bodyPr/>
-                    <a:lstStyle/>
-                    <a:p>
-                      <a:r>
-                        <a:rPr lang="zh-CN" altLang="en-US" sz="1000" smtClean="0"/>
-                        <a:t>√</a:t>
-                      </a:r>
-                      <a:endParaRPr lang="zh-CN" altLang="en-US" sz="1000"/>
-                    </a:p>
-                  </a:txBody>
-                  <a:tcPr/>
-                </a:tc>
-              </a:tr>
-            </a:tbl>
-          </a:graphicData>
-        </a:graphic>
-      </p:graphicFrame>
-      <p:graphicFrame>
-        <p:nvGraphicFramePr>
-          <p:cNvPr id="7" name="表格 6"/>
-          <p:cNvGraphicFramePr>
-            <a:graphicFrameLocks noGrp="1"/>
-          </p:cNvGraphicFramePr>
-          <p:nvPr>
-            <p:extLst>
-              <p:ext uri="{D42A27DB-BD31-4B8C-83A1-F6EECF244321}">
-                <p14:modId xmlns:p14="http://schemas.microsoft.com/office/powerpoint/2010/main" val="2681679129"/>
-              </p:ext>
-            </p:extLst>
-          </p:nvPr>
-        </p:nvGraphicFramePr>
-        <p:xfrm>
-          <a:off x="9701722" y="4129194"/>
-          <a:ext cx="333828" cy="975360"/>
-        </p:xfrm>
-        <a:graphic>
-          <a:graphicData uri="http://schemas.openxmlformats.org/drawingml/2006/table">
-            <a:tbl>
-              <a:tblPr>
-                <a:tableStyleId>{D7AC3CCA-C797-4891-BE02-D94E43425B78}</a:tableStyleId>
-              </a:tblPr>
-              <a:tblGrid>
-                <a:gridCol w="333828"/>
-              </a:tblGrid>
-              <a:tr h="0">
-                <a:tc>
-                  <a:txBody>
-                    <a:bodyPr/>
-                    <a:lstStyle/>
-                    <a:p>
-                      <a:r>
-                        <a:rPr lang="en-US" altLang="zh-CN" sz="1000" dirty="0" smtClean="0"/>
-                        <a:t>1</a:t>
-                      </a:r>
-                      <a:endParaRPr lang="zh-CN" altLang="en-US" sz="1000" dirty="0"/>
-                    </a:p>
-                  </a:txBody>
-                  <a:tcPr>
-                    <a:solidFill>
-                      <a:schemeClr val="accent4">
-                        <a:lumMod val="60000"/>
-                        <a:lumOff val="40000"/>
-                      </a:schemeClr>
-                    </a:solidFill>
-                  </a:tcPr>
-                </a:tc>
-              </a:tr>
-              <a:tr h="223681">
-                <a:tc>
-                  <a:txBody>
-                    <a:bodyPr/>
-                    <a:lstStyle/>
-                    <a:p>
-                      <a:r>
-                        <a:rPr lang="en-US" altLang="zh-CN" sz="1000" smtClean="0"/>
-                        <a:t>4</a:t>
-                      </a:r>
-                      <a:endParaRPr lang="zh-CN" altLang="en-US" sz="1000"/>
-                    </a:p>
-                  </a:txBody>
-                  <a:tcPr>
-                    <a:solidFill>
-                      <a:schemeClr val="accent4">
-                        <a:lumMod val="60000"/>
-                        <a:lumOff val="40000"/>
-                      </a:schemeClr>
-                    </a:solidFill>
-                  </a:tcPr>
-                </a:tc>
-              </a:tr>
-              <a:tr h="215416">
-                <a:tc>
-                  <a:txBody>
-                    <a:bodyPr/>
-                    <a:lstStyle/>
-                    <a:p>
-                      <a:r>
-                        <a:rPr lang="en-US" altLang="zh-CN" sz="1000" smtClean="0"/>
-                        <a:t>5</a:t>
-                      </a:r>
-                      <a:endParaRPr lang="zh-CN" altLang="en-US" sz="1000"/>
-                    </a:p>
-                  </a:txBody>
-                  <a:tcPr>
-                    <a:solidFill>
-                      <a:schemeClr val="accent4">
-                        <a:lumMod val="60000"/>
-                        <a:lumOff val="40000"/>
-                      </a:schemeClr>
-                    </a:solidFill>
-                  </a:tcPr>
-                </a:tc>
-              </a:tr>
-              <a:tr h="215416">
-                <a:tc>
-                  <a:txBody>
-                    <a:bodyPr/>
-                    <a:lstStyle/>
-                    <a:p>
-                      <a:r>
-                        <a:rPr lang="en-US" altLang="zh-CN" sz="1000" dirty="0" smtClean="0"/>
-                        <a:t>10</a:t>
-                      </a:r>
-                      <a:endParaRPr lang="zh-CN" altLang="en-US" sz="1000" dirty="0"/>
-                    </a:p>
-                  </a:txBody>
-                  <a:tcPr>
-                    <a:solidFill>
-                      <a:schemeClr val="accent4">
-                        <a:lumMod val="60000"/>
-                        <a:lumOff val="40000"/>
-                      </a:schemeClr>
-                    </a:solidFill>
-                  </a:tcPr>
-                </a:tc>
-              </a:tr>
-            </a:tbl>
-          </a:graphicData>
-        </a:graphic>
-      </p:graphicFrame>
-      <p:cxnSp>
-        <p:nvCxnSpPr>
-          <p:cNvPr id="9" name="直接箭头连接符 8"/>
-          <p:cNvCxnSpPr/>
-          <p:nvPr/>
-        </p:nvCxnSpPr>
-        <p:spPr>
-          <a:xfrm flipH="1">
-            <a:off x="10162551" y="3481372"/>
-            <a:ext cx="566058" cy="631371"/>
-          </a:xfrm>
-          <a:prstGeom prst="straightConnector1">
-            <a:avLst/>
-          </a:prstGeom>
-          <a:ln w="50800">
-            <a:tailEnd type="triangle"/>
-          </a:ln>
-        </p:spPr>
-        <p:style>
-          <a:lnRef idx="1">
-            <a:schemeClr val="accent1"/>
-          </a:lnRef>
-          <a:fillRef idx="0">
-            <a:schemeClr val="accent1"/>
-          </a:fillRef>
-          <a:effectRef idx="0">
-            <a:schemeClr val="accent1"/>
-          </a:effectRef>
-          <a:fontRef idx="minor">
-            <a:schemeClr val="tx1"/>
-          </a:fontRef>
-        </p:style>
-      </p:cxnSp>
-      <p:cxnSp>
-        <p:nvCxnSpPr>
-          <p:cNvPr id="10" name="直接箭头连接符 9"/>
-          <p:cNvCxnSpPr/>
-          <p:nvPr/>
-        </p:nvCxnSpPr>
-        <p:spPr>
-          <a:xfrm flipH="1" flipV="1">
-            <a:off x="10162551" y="4591714"/>
-            <a:ext cx="566058" cy="10887"/>
-          </a:xfrm>
-          <a:prstGeom prst="straightConnector1">
-            <a:avLst/>
-          </a:prstGeom>
-          <a:ln w="50800">
-            <a:tailEnd type="triangle"/>
-          </a:ln>
-        </p:spPr>
-        <p:style>
-          <a:lnRef idx="1">
-            <a:schemeClr val="accent1"/>
-          </a:lnRef>
-          <a:fillRef idx="0">
-            <a:schemeClr val="accent1"/>
-          </a:fillRef>
-          <a:effectRef idx="0">
-            <a:schemeClr val="accent1"/>
-          </a:effectRef>
-          <a:fontRef idx="minor">
-            <a:schemeClr val="tx1"/>
-          </a:fontRef>
-        </p:style>
-      </p:cxnSp>
-      <p:cxnSp>
-        <p:nvCxnSpPr>
-          <p:cNvPr id="12" name="直接箭头连接符 11"/>
-          <p:cNvCxnSpPr/>
-          <p:nvPr/>
-        </p:nvCxnSpPr>
-        <p:spPr>
-          <a:xfrm flipH="1" flipV="1">
-            <a:off x="10162551" y="5081572"/>
-            <a:ext cx="653144" cy="733928"/>
-          </a:xfrm>
-          <a:prstGeom prst="straightConnector1">
-            <a:avLst/>
-          </a:prstGeom>
-          <a:ln w="50800">
-            <a:tailEnd type="triangle"/>
-          </a:ln>
-        </p:spPr>
-        <p:style>
-          <a:lnRef idx="1">
-            <a:schemeClr val="accent1"/>
-          </a:lnRef>
-          <a:fillRef idx="0">
-            <a:schemeClr val="accent1"/>
-          </a:fillRef>
-          <a:effectRef idx="0">
-            <a:schemeClr val="accent1"/>
-          </a:effectRef>
-          <a:fontRef idx="minor">
-            <a:schemeClr val="tx1"/>
-          </a:fontRef>
-        </p:style>
-      </p:cxnSp>
-      <p:graphicFrame>
-        <p:nvGraphicFramePr>
-          <p:cNvPr id="16" name="表格 15"/>
-          <p:cNvGraphicFramePr>
-            <a:graphicFrameLocks noGrp="1"/>
-          </p:cNvGraphicFramePr>
-          <p:nvPr>
-            <p:extLst>
-              <p:ext uri="{D42A27DB-BD31-4B8C-83A1-F6EECF244321}">
-                <p14:modId xmlns:p14="http://schemas.microsoft.com/office/powerpoint/2010/main" val="3155389151"/>
-              </p:ext>
-            </p:extLst>
-          </p:nvPr>
-        </p:nvGraphicFramePr>
-        <p:xfrm>
-          <a:off x="9707316" y="5269544"/>
-          <a:ext cx="333828" cy="975360"/>
-        </p:xfrm>
-        <a:graphic>
-          <a:graphicData uri="http://schemas.openxmlformats.org/drawingml/2006/table">
-            <a:tbl>
-              <a:tblPr>
-                <a:tableStyleId>{D7AC3CCA-C797-4891-BE02-D94E43425B78}</a:tableStyleId>
-              </a:tblPr>
-              <a:tblGrid>
-                <a:gridCol w="333828"/>
-              </a:tblGrid>
-              <a:tr h="0">
-                <a:tc>
-                  <a:txBody>
-                    <a:bodyPr/>
-                    <a:lstStyle/>
-                    <a:p>
-                      <a:r>
-                        <a:rPr lang="en-US" altLang="zh-CN" sz="1000" dirty="0" smtClean="0"/>
-                        <a:t>11</a:t>
-                      </a:r>
-                      <a:endParaRPr lang="zh-CN" altLang="en-US" sz="1000" dirty="0"/>
-                    </a:p>
-                  </a:txBody>
-                  <a:tcPr>
-                    <a:solidFill>
-                      <a:schemeClr val="accent4">
-                        <a:lumMod val="60000"/>
-                        <a:lumOff val="40000"/>
-                      </a:schemeClr>
-                    </a:solidFill>
-                  </a:tcPr>
-                </a:tc>
-              </a:tr>
-              <a:tr h="215416">
-                <a:tc>
-                  <a:txBody>
-                    <a:bodyPr/>
-                    <a:lstStyle/>
-                    <a:p>
-                      <a:r>
-                        <a:rPr lang="en-US" altLang="zh-CN" sz="1000" smtClean="0"/>
-                        <a:t>12</a:t>
-                      </a:r>
-                      <a:endParaRPr lang="zh-CN" altLang="en-US" sz="1000"/>
-                    </a:p>
-                  </a:txBody>
-                  <a:tcPr>
-                    <a:solidFill>
-                      <a:schemeClr val="accent4">
-                        <a:lumMod val="60000"/>
-                        <a:lumOff val="40000"/>
-                      </a:schemeClr>
-                    </a:solidFill>
-                  </a:tcPr>
-                </a:tc>
-              </a:tr>
-              <a:tr h="215416">
-                <a:tc>
-                  <a:txBody>
-                    <a:bodyPr/>
-                    <a:lstStyle/>
-                    <a:p>
-                      <a:endParaRPr lang="zh-CN" altLang="en-US" sz="1000"/>
-                    </a:p>
-                  </a:txBody>
-                  <a:tcPr>
-                    <a:solidFill>
-                      <a:schemeClr val="bg2"/>
-                    </a:solidFill>
-                  </a:tcPr>
-                </a:tc>
-              </a:tr>
-              <a:tr h="215416">
-                <a:tc>
-                  <a:txBody>
-                    <a:bodyPr/>
-                    <a:lstStyle/>
-                    <a:p>
-                      <a:endParaRPr lang="zh-CN" altLang="en-US" sz="1000" dirty="0"/>
-                    </a:p>
-                  </a:txBody>
-                  <a:tcPr>
-                    <a:solidFill>
-                      <a:schemeClr val="bg2"/>
-                    </a:solidFill>
-                  </a:tcPr>
-                </a:tc>
-              </a:tr>
-            </a:tbl>
-          </a:graphicData>
-        </a:graphic>
-      </p:graphicFrame>
-      <p:sp>
-        <p:nvSpPr>
-          <p:cNvPr id="17" name="圆角矩形 16"/>
+      <p:sp>
+        <p:nvSpPr>
+          <p:cNvPr id="3" name="圆角矩形 2"/>
           <p:cNvSpPr/>
           <p:nvPr/>
         </p:nvSpPr>
         <p:spPr>
           <a:xfrm>
-            <a:off x="7994825" y="5122382"/>
-            <a:ext cx="1094024" cy="475861"/>
+            <a:off x="2172242" y="2681858"/>
+            <a:ext cx="1124345" cy="475861"/>
           </a:xfrm>
           <a:prstGeom prst="roundRect">
             <a:avLst/>
@@ -10376,56 +14192,23 @@
           <a:p>
             <a:pPr algn="ctr"/>
             <a:r>
-              <a:rPr lang="en-US" altLang="zh-CN" sz="1200" smtClean="0"/>
-              <a:t>SCAN</a:t>
-            </a:r>
-            <a:endParaRPr lang="zh-CN" altLang="en-US" sz="1200"/>
-          </a:p>
-        </p:txBody>
-      </p:sp>
-      <p:cxnSp>
-        <p:nvCxnSpPr>
-          <p:cNvPr id="19" name="直接箭头连接符 18"/>
-          <p:cNvCxnSpPr/>
-          <p:nvPr/>
-        </p:nvCxnSpPr>
-        <p:spPr>
-          <a:xfrm flipH="1">
-            <a:off x="9218364" y="4827373"/>
-            <a:ext cx="312864" cy="230850"/>
-          </a:xfrm>
-          <a:prstGeom prst="straightConnector1">
-            <a:avLst/>
-          </a:prstGeom>
-          <a:ln w="50800">
-            <a:tailEnd type="triangle"/>
-          </a:ln>
-        </p:spPr>
-        <p:style>
-          <a:lnRef idx="1">
-            <a:schemeClr val="accent1"/>
-          </a:lnRef>
-          <a:fillRef idx="0">
-            <a:schemeClr val="accent1"/>
-          </a:fillRef>
-          <a:effectRef idx="0">
-            <a:schemeClr val="accent1"/>
-          </a:effectRef>
-          <a:fontRef idx="minor">
-            <a:schemeClr val="tx1"/>
-          </a:fontRef>
-        </p:style>
-      </p:cxnSp>
-      <p:sp>
-        <p:nvSpPr>
-          <p:cNvPr id="20" name="圆角矩形 19"/>
+              <a:rPr lang="en-US" altLang="zh-CN" sz="1400" smtClean="0"/>
+              <a:t>group</a:t>
+            </a:r>
+            <a:endParaRPr lang="zh-CN" altLang="en-US" sz="1400"/>
+          </a:p>
+        </p:txBody>
+      </p:sp>
+      <p:sp>
+        <p:nvSpPr>
+          <p:cNvPr id="4" name="圆角矩形 3"/>
           <p:cNvSpPr/>
           <p:nvPr/>
         </p:nvSpPr>
         <p:spPr>
           <a:xfrm>
-            <a:off x="7186715" y="4112743"/>
-            <a:ext cx="1094024" cy="475861"/>
+            <a:off x="2172242" y="3529734"/>
+            <a:ext cx="1124345" cy="475861"/>
           </a:xfrm>
           <a:prstGeom prst="roundRect">
             <a:avLst/>
@@ -10453,56 +14236,23 @@
           <a:p>
             <a:pPr algn="ctr"/>
             <a:r>
-              <a:rPr lang="en-US" altLang="zh-CN" sz="1200" smtClean="0"/>
-              <a:t>JOIN</a:t>
-            </a:r>
-            <a:endParaRPr lang="zh-CN" altLang="en-US" sz="1200"/>
-          </a:p>
-        </p:txBody>
-      </p:sp>
-      <p:cxnSp>
-        <p:nvCxnSpPr>
-          <p:cNvPr id="21" name="直接箭头连接符 20"/>
-          <p:cNvCxnSpPr/>
-          <p:nvPr/>
-        </p:nvCxnSpPr>
-        <p:spPr>
-          <a:xfrm flipH="1" flipV="1">
-            <a:off x="8158883" y="4744995"/>
-            <a:ext cx="243712" cy="336577"/>
-          </a:xfrm>
-          <a:prstGeom prst="straightConnector1">
-            <a:avLst/>
-          </a:prstGeom>
-          <a:ln w="50800">
-            <a:tailEnd type="triangle"/>
-          </a:ln>
-        </p:spPr>
-        <p:style>
-          <a:lnRef idx="1">
-            <a:schemeClr val="accent1"/>
-          </a:lnRef>
-          <a:fillRef idx="0">
-            <a:schemeClr val="accent1"/>
-          </a:fillRef>
-          <a:effectRef idx="0">
-            <a:schemeClr val="accent1"/>
-          </a:effectRef>
-          <a:fontRef idx="minor">
-            <a:schemeClr val="tx1"/>
-          </a:fontRef>
-        </p:style>
-      </p:cxnSp>
-      <p:sp>
-        <p:nvSpPr>
-          <p:cNvPr id="18" name="圆角矩形 17"/>
+              <a:rPr lang="en-US" altLang="zh-CN" sz="1400" smtClean="0"/>
+              <a:t>scan</a:t>
+            </a:r>
+            <a:endParaRPr lang="zh-CN" altLang="en-US" sz="1400"/>
+          </a:p>
+        </p:txBody>
+      </p:sp>
+      <p:sp>
+        <p:nvSpPr>
+          <p:cNvPr id="6" name="圆角矩形 5"/>
           <p:cNvSpPr/>
           <p:nvPr/>
         </p:nvSpPr>
         <p:spPr>
           <a:xfrm>
-            <a:off x="6458422" y="5122381"/>
-            <a:ext cx="1094024" cy="475861"/>
+            <a:off x="2172242" y="1833982"/>
+            <a:ext cx="1124345" cy="475861"/>
           </a:xfrm>
           <a:prstGeom prst="roundRect">
             <a:avLst/>
@@ -10530,530 +14280,34 @@
           <a:p>
             <a:pPr algn="ctr"/>
             <a:r>
-              <a:rPr lang="en-US" altLang="zh-CN" sz="1200" dirty="0" smtClean="0"/>
-              <a:t>SCAN</a:t>
-            </a:r>
-            <a:endParaRPr lang="zh-CN" altLang="en-US" sz="1200" dirty="0"/>
+              <a:rPr lang="en-US" altLang="zh-CN" sz="1400" smtClean="0"/>
+              <a:t>project</a:t>
+            </a:r>
+            <a:endParaRPr lang="zh-CN" altLang="en-US" sz="1400"/>
           </a:p>
         </p:txBody>
       </p:sp>
       <p:cxnSp>
         <p:nvCxnSpPr>
-          <p:cNvPr id="22" name="直接箭头连接符 21"/>
-          <p:cNvCxnSpPr/>
+          <p:cNvPr id="7" name="直接箭头连接符 6"/>
+          <p:cNvCxnSpPr>
+            <a:stCxn id="4" idx="0"/>
+            <a:endCxn id="3" idx="2"/>
+          </p:cNvCxnSpPr>
           <p:nvPr/>
         </p:nvCxnSpPr>
         <p:spPr>
           <a:xfrm flipV="1">
-            <a:off x="7103310" y="4744995"/>
-            <a:ext cx="310581" cy="336577"/>
+            <a:off x="2734415" y="3157719"/>
+            <a:ext cx="0" cy="372015"/>
           </a:xfrm>
           <a:prstGeom prst="straightConnector1">
             <a:avLst/>
           </a:prstGeom>
-          <a:ln w="50800">
-            <a:tailEnd type="triangle"/>
-          </a:ln>
-        </p:spPr>
-        <p:style>
-          <a:lnRef idx="1">
-            <a:schemeClr val="accent1"/>
-          </a:lnRef>
-          <a:fillRef idx="0">
-            <a:schemeClr val="accent1"/>
-          </a:fillRef>
-          <a:effectRef idx="0">
-            <a:schemeClr val="accent1"/>
-          </a:effectRef>
-          <a:fontRef idx="minor">
-            <a:schemeClr val="tx1"/>
-          </a:fontRef>
-        </p:style>
-      </p:cxnSp>
-      <p:graphicFrame>
-        <p:nvGraphicFramePr>
-          <p:cNvPr id="23" name="表格 22"/>
-          <p:cNvGraphicFramePr>
-            <a:graphicFrameLocks noGrp="1"/>
-          </p:cNvGraphicFramePr>
-          <p:nvPr>
-            <p:extLst>
-              <p:ext uri="{D42A27DB-BD31-4B8C-83A1-F6EECF244321}">
-                <p14:modId xmlns:p14="http://schemas.microsoft.com/office/powerpoint/2010/main" val="436035753"/>
-              </p:ext>
-            </p:extLst>
-          </p:nvPr>
-        </p:nvGraphicFramePr>
-        <p:xfrm>
-          <a:off x="5521961" y="4875154"/>
-          <a:ext cx="333828" cy="975360"/>
-        </p:xfrm>
-        <a:graphic>
-          <a:graphicData uri="http://schemas.openxmlformats.org/drawingml/2006/table">
-            <a:tbl>
-              <a:tblPr>
-                <a:tableStyleId>{D7AC3CCA-C797-4891-BE02-D94E43425B78}</a:tableStyleId>
-              </a:tblPr>
-              <a:tblGrid>
-                <a:gridCol w="333828"/>
-              </a:tblGrid>
-              <a:tr h="0">
-                <a:tc>
-                  <a:txBody>
-                    <a:bodyPr/>
-                    <a:lstStyle/>
-                    <a:p>
-                      <a:r>
-                        <a:rPr lang="en-US" altLang="zh-CN" sz="1000" dirty="0" smtClean="0"/>
-                        <a:t>3</a:t>
-                      </a:r>
-                      <a:endParaRPr lang="zh-CN" altLang="en-US" sz="1000" dirty="0"/>
-                    </a:p>
-                  </a:txBody>
-                  <a:tcPr>
-                    <a:solidFill>
-                      <a:schemeClr val="accent5">
-                        <a:lumMod val="60000"/>
-                        <a:lumOff val="40000"/>
-                      </a:schemeClr>
-                    </a:solidFill>
-                  </a:tcPr>
-                </a:tc>
-              </a:tr>
-              <a:tr h="215416">
-                <a:tc>
-                  <a:txBody>
-                    <a:bodyPr/>
-                    <a:lstStyle/>
-                    <a:p>
-                      <a:r>
-                        <a:rPr lang="en-US" altLang="zh-CN" sz="1000" dirty="0" smtClean="0"/>
-                        <a:t>5</a:t>
-                      </a:r>
-                      <a:endParaRPr lang="zh-CN" altLang="en-US" sz="1000" dirty="0"/>
-                    </a:p>
-                  </a:txBody>
-                  <a:tcPr>
-                    <a:solidFill>
-                      <a:schemeClr val="accent5">
-                        <a:lumMod val="60000"/>
-                        <a:lumOff val="40000"/>
-                      </a:schemeClr>
-                    </a:solidFill>
-                  </a:tcPr>
-                </a:tc>
-              </a:tr>
-              <a:tr h="215416">
-                <a:tc>
-                  <a:txBody>
-                    <a:bodyPr/>
-                    <a:lstStyle/>
-                    <a:p>
-                      <a:r>
-                        <a:rPr lang="en-US" altLang="zh-CN" sz="1000" dirty="0" smtClean="0"/>
-                        <a:t>7</a:t>
-                      </a:r>
-                      <a:endParaRPr lang="zh-CN" altLang="en-US" sz="1000" dirty="0"/>
-                    </a:p>
-                  </a:txBody>
-                  <a:tcPr>
-                    <a:solidFill>
-                      <a:schemeClr val="accent5">
-                        <a:lumMod val="60000"/>
-                        <a:lumOff val="40000"/>
-                      </a:schemeClr>
-                    </a:solidFill>
-                  </a:tcPr>
-                </a:tc>
-              </a:tr>
-              <a:tr h="215416">
-                <a:tc>
-                  <a:txBody>
-                    <a:bodyPr/>
-                    <a:lstStyle/>
-                    <a:p>
-                      <a:r>
-                        <a:rPr lang="en-US" altLang="zh-CN" sz="1000" dirty="0" smtClean="0"/>
-                        <a:t>12</a:t>
-                      </a:r>
-                      <a:endParaRPr lang="zh-CN" altLang="en-US" sz="1000" dirty="0"/>
-                    </a:p>
-                  </a:txBody>
-                  <a:tcPr>
-                    <a:solidFill>
-                      <a:schemeClr val="accent5">
-                        <a:lumMod val="60000"/>
-                        <a:lumOff val="40000"/>
-                      </a:schemeClr>
-                    </a:solidFill>
-                  </a:tcPr>
-                </a:tc>
-              </a:tr>
-            </a:tbl>
-          </a:graphicData>
-        </a:graphic>
-      </p:graphicFrame>
-      <p:cxnSp>
-        <p:nvCxnSpPr>
-          <p:cNvPr id="24" name="直接箭头连接符 23"/>
-          <p:cNvCxnSpPr/>
-          <p:nvPr/>
-        </p:nvCxnSpPr>
-        <p:spPr>
-          <a:xfrm>
-            <a:off x="5988910" y="5377374"/>
-            <a:ext cx="361102" cy="0"/>
-          </a:xfrm>
-          <a:prstGeom prst="straightConnector1">
-            <a:avLst/>
-          </a:prstGeom>
-          <a:ln w="50800">
-            <a:tailEnd type="triangle"/>
-          </a:ln>
-        </p:spPr>
-        <p:style>
-          <a:lnRef idx="1">
-            <a:schemeClr val="accent1"/>
-          </a:lnRef>
-          <a:fillRef idx="0">
-            <a:schemeClr val="accent1"/>
-          </a:fillRef>
-          <a:effectRef idx="0">
-            <a:schemeClr val="accent1"/>
-          </a:effectRef>
-          <a:fontRef idx="minor">
-            <a:schemeClr val="tx1"/>
-          </a:fontRef>
-        </p:style>
-      </p:cxnSp>
-      <p:graphicFrame>
-        <p:nvGraphicFramePr>
-          <p:cNvPr id="31" name="表格 30"/>
-          <p:cNvGraphicFramePr>
-            <a:graphicFrameLocks noGrp="1"/>
-          </p:cNvGraphicFramePr>
-          <p:nvPr>
-            <p:extLst>
-              <p:ext uri="{D42A27DB-BD31-4B8C-83A1-F6EECF244321}">
-                <p14:modId xmlns:p14="http://schemas.microsoft.com/office/powerpoint/2010/main" val="4164719559"/>
-              </p:ext>
-            </p:extLst>
-          </p:nvPr>
-        </p:nvGraphicFramePr>
-        <p:xfrm>
-          <a:off x="5695774" y="3481372"/>
-          <a:ext cx="1042777" cy="975360"/>
-        </p:xfrm>
-        <a:graphic>
-          <a:graphicData uri="http://schemas.openxmlformats.org/drawingml/2006/table">
-            <a:tbl>
-              <a:tblPr>
-                <a:tableStyleId>{D7AC3CCA-C797-4891-BE02-D94E43425B78}</a:tableStyleId>
-              </a:tblPr>
-              <a:tblGrid>
-                <a:gridCol w="359037"/>
-                <a:gridCol w="327099"/>
-                <a:gridCol w="356641"/>
-              </a:tblGrid>
-              <a:tr h="0">
-                <a:tc>
-                  <a:txBody>
-                    <a:bodyPr/>
-                    <a:lstStyle/>
-                    <a:p>
-                      <a:r>
-                        <a:rPr lang="en-US" altLang="zh-CN" sz="1000" dirty="0" smtClean="0"/>
-                        <a:t>3</a:t>
-                      </a:r>
-                      <a:endParaRPr lang="zh-CN" altLang="en-US" sz="1000" dirty="0"/>
-                    </a:p>
-                  </a:txBody>
-                  <a:tcPr>
-                    <a:solidFill>
-                      <a:schemeClr val="accent5">
-                        <a:lumMod val="60000"/>
-                        <a:lumOff val="40000"/>
-                      </a:schemeClr>
-                    </a:solidFill>
-                  </a:tcPr>
-                </a:tc>
-                <a:tc>
-                  <a:txBody>
-                    <a:bodyPr/>
-                    <a:lstStyle/>
-                    <a:p>
-                      <a:r>
-                        <a:rPr lang="en-US" altLang="zh-CN" sz="1000" dirty="0" smtClean="0"/>
-                        <a:t>1</a:t>
-                      </a:r>
-                      <a:endParaRPr lang="zh-CN" altLang="en-US" sz="1000" dirty="0"/>
-                    </a:p>
-                  </a:txBody>
-                  <a:tcPr>
-                    <a:solidFill>
-                      <a:schemeClr val="accent4">
-                        <a:lumMod val="60000"/>
-                        <a:lumOff val="40000"/>
-                      </a:schemeClr>
-                    </a:solidFill>
-                  </a:tcPr>
-                </a:tc>
-                <a:tc>
-                  <a:txBody>
-                    <a:bodyPr/>
-                    <a:lstStyle/>
-                    <a:p>
-                      <a:r>
-                        <a:rPr lang="en-US" altLang="zh-CN" sz="1000" dirty="0" smtClean="0"/>
-                        <a:t>x</a:t>
-                      </a:r>
-                      <a:endParaRPr lang="zh-CN" altLang="en-US" sz="1000" dirty="0"/>
-                    </a:p>
-                  </a:txBody>
-                  <a:tcPr>
-                    <a:solidFill>
-                      <a:schemeClr val="bg2"/>
-                    </a:solidFill>
-                  </a:tcPr>
-                </a:tc>
-              </a:tr>
-              <a:tr h="215416">
-                <a:tc>
-                  <a:txBody>
-                    <a:bodyPr/>
-                    <a:lstStyle/>
-                    <a:p>
-                      <a:r>
-                        <a:rPr lang="en-US" altLang="zh-CN" sz="1000" dirty="0" smtClean="0"/>
-                        <a:t>5</a:t>
-                      </a:r>
-                      <a:endParaRPr lang="zh-CN" altLang="en-US" sz="1000" dirty="0"/>
-                    </a:p>
-                  </a:txBody>
-                  <a:tcPr>
-                    <a:solidFill>
-                      <a:schemeClr val="accent5">
-                        <a:lumMod val="60000"/>
-                        <a:lumOff val="40000"/>
-                      </a:schemeClr>
-                    </a:solidFill>
-                  </a:tcPr>
-                </a:tc>
-                <a:tc>
-                  <a:txBody>
-                    <a:bodyPr/>
-                    <a:lstStyle/>
-                    <a:p>
-                      <a:r>
-                        <a:rPr lang="en-US" altLang="zh-CN" sz="1000" dirty="0" smtClean="0"/>
-                        <a:t>4</a:t>
-                      </a:r>
-                      <a:endParaRPr lang="zh-CN" altLang="en-US" sz="1000" dirty="0"/>
-                    </a:p>
-                  </a:txBody>
-                  <a:tcPr>
-                    <a:solidFill>
-                      <a:schemeClr val="accent4">
-                        <a:lumMod val="60000"/>
-                        <a:lumOff val="40000"/>
-                      </a:schemeClr>
-                    </a:solidFill>
-                  </a:tcPr>
-                </a:tc>
-                <a:tc>
-                  <a:txBody>
-                    <a:bodyPr/>
-                    <a:lstStyle/>
-                    <a:p>
-                      <a:pPr marL="0" marR="0" indent="0" algn="l" defTabSz="914400" rtl="0" eaLnBrk="1" fontAlgn="auto" latinLnBrk="0" hangingPunct="1">
-                        <a:lnSpc>
-                          <a:spcPct val="100000"/>
-                        </a:lnSpc>
-                        <a:spcBef>
-                          <a:spcPts val="0"/>
-                        </a:spcBef>
-                        <a:spcAft>
-                          <a:spcPts val="0"/>
-                        </a:spcAft>
-                        <a:buClrTx/>
-                        <a:buSzTx/>
-                        <a:buFontTx/>
-                        <a:buNone/>
-                        <a:tabLst/>
-                        <a:defRPr/>
-                      </a:pPr>
-                      <a:r>
-                        <a:rPr lang="zh-CN" altLang="en-US" sz="1000" dirty="0" smtClean="0"/>
-                        <a:t>√</a:t>
-                      </a:r>
-                    </a:p>
-                  </a:txBody>
-                  <a:tcPr>
-                    <a:solidFill>
-                      <a:schemeClr val="bg2"/>
-                    </a:solidFill>
-                  </a:tcPr>
-                </a:tc>
-              </a:tr>
-              <a:tr h="215416">
-                <a:tc>
-                  <a:txBody>
-                    <a:bodyPr/>
-                    <a:lstStyle/>
-                    <a:p>
-                      <a:r>
-                        <a:rPr lang="en-US" altLang="zh-CN" sz="1000" dirty="0" smtClean="0"/>
-                        <a:t>7</a:t>
-                      </a:r>
-                      <a:endParaRPr lang="zh-CN" altLang="en-US" sz="1000" dirty="0"/>
-                    </a:p>
-                  </a:txBody>
-                  <a:tcPr>
-                    <a:solidFill>
-                      <a:schemeClr val="accent5">
-                        <a:lumMod val="60000"/>
-                        <a:lumOff val="40000"/>
-                      </a:schemeClr>
-                    </a:solidFill>
-                  </a:tcPr>
-                </a:tc>
-                <a:tc>
-                  <a:txBody>
-                    <a:bodyPr/>
-                    <a:lstStyle/>
-                    <a:p>
-                      <a:r>
-                        <a:rPr lang="en-US" altLang="zh-CN" sz="1000" dirty="0" smtClean="0"/>
-                        <a:t>5</a:t>
-                      </a:r>
-                      <a:endParaRPr lang="zh-CN" altLang="en-US" sz="1000" dirty="0"/>
-                    </a:p>
-                  </a:txBody>
-                  <a:tcPr>
-                    <a:solidFill>
-                      <a:schemeClr val="accent4">
-                        <a:lumMod val="60000"/>
-                        <a:lumOff val="40000"/>
-                      </a:schemeClr>
-                    </a:solidFill>
-                  </a:tcPr>
-                </a:tc>
-                <a:tc>
-                  <a:txBody>
-                    <a:bodyPr/>
-                    <a:lstStyle/>
-                    <a:p>
-                      <a:r>
-                        <a:rPr lang="en-US" altLang="zh-CN" sz="1000" dirty="0" smtClean="0"/>
-                        <a:t>x</a:t>
-                      </a:r>
-                      <a:endParaRPr lang="zh-CN" altLang="en-US" sz="1000" dirty="0"/>
-                    </a:p>
-                  </a:txBody>
-                  <a:tcPr>
-                    <a:solidFill>
-                      <a:schemeClr val="bg2"/>
-                    </a:solidFill>
-                  </a:tcPr>
-                </a:tc>
-              </a:tr>
-              <a:tr h="215416">
-                <a:tc>
-                  <a:txBody>
-                    <a:bodyPr/>
-                    <a:lstStyle/>
-                    <a:p>
-                      <a:r>
-                        <a:rPr lang="en-US" altLang="zh-CN" sz="1000" dirty="0" smtClean="0"/>
-                        <a:t>12</a:t>
-                      </a:r>
-                      <a:endParaRPr lang="zh-CN" altLang="en-US" sz="1000" dirty="0"/>
-                    </a:p>
-                  </a:txBody>
-                  <a:tcPr>
-                    <a:solidFill>
-                      <a:schemeClr val="accent5">
-                        <a:lumMod val="60000"/>
-                        <a:lumOff val="40000"/>
-                      </a:schemeClr>
-                    </a:solidFill>
-                  </a:tcPr>
-                </a:tc>
-                <a:tc>
-                  <a:txBody>
-                    <a:bodyPr/>
-                    <a:lstStyle/>
-                    <a:p>
-                      <a:r>
-                        <a:rPr lang="en-US" altLang="zh-CN" sz="1000" dirty="0" smtClean="0"/>
-                        <a:t>10</a:t>
-                      </a:r>
-                      <a:endParaRPr lang="zh-CN" altLang="en-US" sz="1000" dirty="0"/>
-                    </a:p>
-                  </a:txBody>
-                  <a:tcPr>
-                    <a:solidFill>
-                      <a:schemeClr val="accent4">
-                        <a:lumMod val="60000"/>
-                        <a:lumOff val="40000"/>
-                      </a:schemeClr>
-                    </a:solidFill>
-                  </a:tcPr>
-                </a:tc>
-                <a:tc>
-                  <a:txBody>
-                    <a:bodyPr/>
-                    <a:lstStyle/>
-                    <a:p>
-                      <a:pPr marL="0" marR="0" indent="0" algn="l" defTabSz="914400" rtl="0" eaLnBrk="1" fontAlgn="auto" latinLnBrk="0" hangingPunct="1">
-                        <a:lnSpc>
-                          <a:spcPct val="100000"/>
-                        </a:lnSpc>
-                        <a:spcBef>
-                          <a:spcPts val="0"/>
-                        </a:spcBef>
-                        <a:spcAft>
-                          <a:spcPts val="0"/>
-                        </a:spcAft>
-                        <a:buClrTx/>
-                        <a:buSzTx/>
-                        <a:buFontTx/>
-                        <a:buNone/>
-                        <a:tabLst/>
-                        <a:defRPr/>
-                      </a:pPr>
-                      <a:r>
-                        <a:rPr lang="zh-CN" altLang="en-US" sz="1000" dirty="0" smtClean="0"/>
-                        <a:t>√</a:t>
-                      </a:r>
-                    </a:p>
-                  </a:txBody>
-                  <a:tcPr>
-                    <a:solidFill>
-                      <a:schemeClr val="bg2"/>
-                    </a:solidFill>
-                  </a:tcPr>
-                </a:tc>
-              </a:tr>
-            </a:tbl>
-          </a:graphicData>
-        </a:graphic>
-      </p:graphicFrame>
-      <p:cxnSp>
-        <p:nvCxnSpPr>
-          <p:cNvPr id="39" name="直接箭头连接符 38"/>
-          <p:cNvCxnSpPr/>
-          <p:nvPr/>
-        </p:nvCxnSpPr>
-        <p:spPr>
-          <a:xfrm flipH="1" flipV="1">
-            <a:off x="9220237" y="5412956"/>
-            <a:ext cx="310991" cy="35580"/>
-          </a:xfrm>
-          <a:prstGeom prst="straightConnector1">
-            <a:avLst/>
-          </a:prstGeom>
-          <a:ln w="50800">
+          <a:ln w="25400">
+            <a:solidFill>
+              <a:srgbClr val="C00000"/>
+            </a:solidFill>
             <a:tailEnd type="triangle"/>
           </a:ln>
         </p:spPr>
@@ -11074,19 +14328,25 @@
       </p:cxnSp>
       <p:cxnSp>
         <p:nvCxnSpPr>
-          <p:cNvPr id="45" name="直接箭头连接符 44"/>
-          <p:cNvCxnSpPr/>
+          <p:cNvPr id="9" name="直接箭头连接符 8"/>
+          <p:cNvCxnSpPr>
+            <a:stCxn id="3" idx="0"/>
+            <a:endCxn id="6" idx="2"/>
+          </p:cNvCxnSpPr>
           <p:nvPr/>
         </p:nvCxnSpPr>
         <p:spPr>
-          <a:xfrm flipH="1" flipV="1">
-            <a:off x="6903308" y="4112743"/>
-            <a:ext cx="200002" cy="129743"/>
+          <a:xfrm flipV="1">
+            <a:off x="2734415" y="2309843"/>
+            <a:ext cx="0" cy="372015"/>
           </a:xfrm>
           <a:prstGeom prst="straightConnector1">
             <a:avLst/>
           </a:prstGeom>
-          <a:ln w="50800">
+          <a:ln w="25400">
+            <a:solidFill>
+              <a:srgbClr val="C00000"/>
+            </a:solidFill>
             <a:tailEnd type="triangle"/>
           </a:ln>
         </p:spPr>
@@ -11107,14 +14367,14 @@
       </p:cxnSp>
       <p:sp>
         <p:nvSpPr>
-          <p:cNvPr id="48" name="圆角矩形 47"/>
+          <p:cNvPr id="11" name="圆角矩形 10"/>
           <p:cNvSpPr/>
           <p:nvPr/>
         </p:nvSpPr>
         <p:spPr>
           <a:xfrm>
-            <a:off x="7186715" y="3103104"/>
-            <a:ext cx="1094024" cy="475861"/>
+            <a:off x="5898266" y="3534656"/>
+            <a:ext cx="1124345" cy="475861"/>
           </a:xfrm>
           <a:prstGeom prst="roundRect">
             <a:avLst/>
@@ -11142,28 +14402,122 @@
           <a:p>
             <a:pPr algn="ctr"/>
             <a:r>
-              <a:rPr lang="en-US" altLang="zh-CN" sz="1200" dirty="0" smtClean="0"/>
-              <a:t>PROJECT</a:t>
-            </a:r>
-            <a:endParaRPr lang="zh-CN" altLang="en-US" sz="1200" dirty="0"/>
+              <a:rPr lang="en-US" altLang="zh-CN" sz="1400" smtClean="0"/>
+              <a:t>group</a:t>
+            </a:r>
+            <a:endParaRPr lang="zh-CN" altLang="en-US" sz="1400"/>
+          </a:p>
+        </p:txBody>
+      </p:sp>
+      <p:sp>
+        <p:nvSpPr>
+          <p:cNvPr id="12" name="圆角矩形 11"/>
+          <p:cNvSpPr/>
+          <p:nvPr/>
+        </p:nvSpPr>
+        <p:spPr>
+          <a:xfrm>
+            <a:off x="5898266" y="4382532"/>
+            <a:ext cx="1124345" cy="475861"/>
+          </a:xfrm>
+          <a:prstGeom prst="roundRect">
+            <a:avLst/>
+          </a:prstGeom>
+        </p:spPr>
+        <p:style>
+          <a:lnRef idx="2">
+            <a:schemeClr val="accent1">
+              <a:shade val="50000"/>
+            </a:schemeClr>
+          </a:lnRef>
+          <a:fillRef idx="1">
+            <a:schemeClr val="accent1"/>
+          </a:fillRef>
+          <a:effectRef idx="0">
+            <a:schemeClr val="accent1"/>
+          </a:effectRef>
+          <a:fontRef idx="minor">
+            <a:schemeClr val="lt1"/>
+          </a:fontRef>
+        </p:style>
+        <p:txBody>
+          <a:bodyPr rtlCol="0" anchor="ctr"/>
+          <a:lstStyle/>
+          <a:p>
+            <a:pPr algn="ctr"/>
+            <a:r>
+              <a:rPr lang="en-US" altLang="zh-CN" sz="1400" smtClean="0"/>
+              <a:t>scan</a:t>
+            </a:r>
+            <a:endParaRPr lang="zh-CN" altLang="en-US" sz="1400"/>
+          </a:p>
+        </p:txBody>
+      </p:sp>
+      <p:sp>
+        <p:nvSpPr>
+          <p:cNvPr id="13" name="圆角矩形 12"/>
+          <p:cNvSpPr/>
+          <p:nvPr/>
+        </p:nvSpPr>
+        <p:spPr>
+          <a:xfrm>
+            <a:off x="7297858" y="1647280"/>
+            <a:ext cx="1124345" cy="475861"/>
+          </a:xfrm>
+          <a:prstGeom prst="roundRect">
+            <a:avLst/>
+          </a:prstGeom>
+        </p:spPr>
+        <p:style>
+          <a:lnRef idx="2">
+            <a:schemeClr val="accent1">
+              <a:shade val="50000"/>
+            </a:schemeClr>
+          </a:lnRef>
+          <a:fillRef idx="1">
+            <a:schemeClr val="accent1"/>
+          </a:fillRef>
+          <a:effectRef idx="0">
+            <a:schemeClr val="accent1"/>
+          </a:effectRef>
+          <a:fontRef idx="minor">
+            <a:schemeClr val="lt1"/>
+          </a:fontRef>
+        </p:style>
+        <p:txBody>
+          <a:bodyPr rtlCol="0" anchor="ctr"/>
+          <a:lstStyle/>
+          <a:p>
+            <a:pPr algn="ctr"/>
+            <a:r>
+              <a:rPr lang="en-US" altLang="zh-CN" sz="1400" smtClean="0"/>
+              <a:t>project</a:t>
+            </a:r>
+            <a:endParaRPr lang="zh-CN" altLang="en-US" sz="1400"/>
           </a:p>
         </p:txBody>
       </p:sp>
       <p:cxnSp>
         <p:nvCxnSpPr>
-          <p:cNvPr id="50" name="直接箭头连接符 49"/>
-          <p:cNvCxnSpPr/>
+          <p:cNvPr id="14" name="直接箭头连接符 13"/>
+          <p:cNvCxnSpPr>
+            <a:stCxn id="12" idx="0"/>
+            <a:endCxn id="11" idx="2"/>
+          </p:cNvCxnSpPr>
           <p:nvPr/>
         </p:nvCxnSpPr>
         <p:spPr>
           <a:xfrm flipV="1">
-            <a:off x="7733727" y="3716111"/>
-            <a:ext cx="0" cy="303954"/>
+            <a:off x="6460439" y="4010517"/>
+            <a:ext cx="0" cy="372015"/>
           </a:xfrm>
           <a:prstGeom prst="straightConnector1">
             <a:avLst/>
           </a:prstGeom>
-          <a:ln w="50800">
+          <a:ln w="25400">
+            <a:solidFill>
+              <a:srgbClr val="C00000"/>
+            </a:solidFill>
             <a:tailEnd type="triangle"/>
           </a:ln>
         </p:spPr>
@@ -11182,141 +14536,27 @@
           </a:fontRef>
         </p:style>
       </p:cxnSp>
-      <p:graphicFrame>
-        <p:nvGraphicFramePr>
-          <p:cNvPr id="52" name="表格 51"/>
-          <p:cNvGraphicFramePr>
-            <a:graphicFrameLocks noGrp="1"/>
-          </p:cNvGraphicFramePr>
-          <p:nvPr>
-            <p:extLst>
-              <p:ext uri="{D42A27DB-BD31-4B8C-83A1-F6EECF244321}">
-                <p14:modId xmlns:p14="http://schemas.microsoft.com/office/powerpoint/2010/main" val="1597026081"/>
-              </p:ext>
-            </p:extLst>
-          </p:nvPr>
-        </p:nvGraphicFramePr>
-        <p:xfrm>
-          <a:off x="8745781" y="3091285"/>
-          <a:ext cx="686136" cy="487680"/>
-        </p:xfrm>
-        <a:graphic>
-          <a:graphicData uri="http://schemas.openxmlformats.org/drawingml/2006/table">
-            <a:tbl>
-              <a:tblPr>
-                <a:tableStyleId>{D7AC3CCA-C797-4891-BE02-D94E43425B78}</a:tableStyleId>
-              </a:tblPr>
-              <a:tblGrid>
-                <a:gridCol w="359037"/>
-                <a:gridCol w="327099"/>
-              </a:tblGrid>
-              <a:tr h="215416">
-                <a:tc>
-                  <a:txBody>
-                    <a:bodyPr/>
-                    <a:lstStyle/>
-                    <a:p>
-                      <a:r>
-                        <a:rPr lang="en-US" altLang="zh-CN" sz="1000" dirty="0" smtClean="0"/>
-                        <a:t>5</a:t>
-                      </a:r>
-                      <a:endParaRPr lang="zh-CN" altLang="en-US" sz="1000" dirty="0"/>
-                    </a:p>
-                  </a:txBody>
-                  <a:tcPr>
-                    <a:solidFill>
-                      <a:schemeClr val="accent5">
-                        <a:lumMod val="60000"/>
-                        <a:lumOff val="40000"/>
-                      </a:schemeClr>
-                    </a:solidFill>
-                  </a:tcPr>
-                </a:tc>
-                <a:tc>
-                  <a:txBody>
-                    <a:bodyPr/>
-                    <a:lstStyle/>
-                    <a:p>
-                      <a:r>
-                        <a:rPr lang="en-US" altLang="zh-CN" sz="1000" dirty="0" smtClean="0"/>
-                        <a:t>4</a:t>
-                      </a:r>
-                      <a:endParaRPr lang="zh-CN" altLang="en-US" sz="1000" dirty="0"/>
-                    </a:p>
-                  </a:txBody>
-                  <a:tcPr>
-                    <a:solidFill>
-                      <a:schemeClr val="accent4">
-                        <a:lumMod val="60000"/>
-                        <a:lumOff val="40000"/>
-                      </a:schemeClr>
-                    </a:solidFill>
-                  </a:tcPr>
-                </a:tc>
-              </a:tr>
-              <a:tr h="215416">
-                <a:tc>
-                  <a:txBody>
-                    <a:bodyPr/>
-                    <a:lstStyle/>
-                    <a:p>
-                      <a:r>
-                        <a:rPr lang="en-US" altLang="zh-CN" sz="1000" dirty="0" smtClean="0"/>
-                        <a:t>12</a:t>
-                      </a:r>
-                      <a:endParaRPr lang="zh-CN" altLang="en-US" sz="1000" dirty="0"/>
-                    </a:p>
-                  </a:txBody>
-                  <a:tcPr>
-                    <a:solidFill>
-                      <a:schemeClr val="accent5">
-                        <a:lumMod val="60000"/>
-                        <a:lumOff val="40000"/>
-                      </a:schemeClr>
-                    </a:solidFill>
-                  </a:tcPr>
-                </a:tc>
-                <a:tc>
-                  <a:txBody>
-                    <a:bodyPr/>
-                    <a:lstStyle/>
-                    <a:p>
-                      <a:r>
-                        <a:rPr lang="en-US" altLang="zh-CN" sz="1000" dirty="0" smtClean="0"/>
-                        <a:t>10</a:t>
-                      </a:r>
-                      <a:endParaRPr lang="zh-CN" altLang="en-US" sz="1000" dirty="0"/>
-                    </a:p>
-                  </a:txBody>
-                  <a:tcPr>
-                    <a:solidFill>
-                      <a:schemeClr val="accent4">
-                        <a:lumMod val="60000"/>
-                        <a:lumOff val="40000"/>
-                      </a:schemeClr>
-                    </a:solidFill>
-                  </a:tcPr>
-                </a:tc>
-              </a:tr>
-            </a:tbl>
-          </a:graphicData>
-        </a:graphic>
-      </p:graphicFrame>
       <p:cxnSp>
         <p:nvCxnSpPr>
-          <p:cNvPr id="53" name="直接箭头连接符 52"/>
-          <p:cNvCxnSpPr/>
+          <p:cNvPr id="15" name="直接箭头连接符 14"/>
+          <p:cNvCxnSpPr>
+            <a:stCxn id="11" idx="0"/>
+            <a:endCxn id="28" idx="2"/>
+          </p:cNvCxnSpPr>
           <p:nvPr/>
         </p:nvCxnSpPr>
         <p:spPr>
-          <a:xfrm>
-            <a:off x="8402595" y="3341034"/>
-            <a:ext cx="263610" cy="0"/>
+          <a:xfrm flipV="1">
+            <a:off x="6460439" y="2971017"/>
+            <a:ext cx="1399592" cy="563639"/>
           </a:xfrm>
           <a:prstGeom prst="straightConnector1">
             <a:avLst/>
           </a:prstGeom>
-          <a:ln w="50800">
+          <a:ln w="25400">
+            <a:solidFill>
+              <a:srgbClr val="C00000"/>
+            </a:solidFill>
             <a:tailEnd type="triangle"/>
           </a:ln>
         </p:spPr>
@@ -11335,10 +14575,569 @@
           </a:fontRef>
         </p:style>
       </p:cxnSp>
+      <p:sp>
+        <p:nvSpPr>
+          <p:cNvPr id="17" name="圆角矩形 16"/>
+          <p:cNvSpPr/>
+          <p:nvPr/>
+        </p:nvSpPr>
+        <p:spPr>
+          <a:xfrm>
+            <a:off x="7440152" y="3529734"/>
+            <a:ext cx="1124345" cy="475861"/>
+          </a:xfrm>
+          <a:prstGeom prst="roundRect">
+            <a:avLst/>
+          </a:prstGeom>
+        </p:spPr>
+        <p:style>
+          <a:lnRef idx="2">
+            <a:schemeClr val="accent1">
+              <a:shade val="50000"/>
+            </a:schemeClr>
+          </a:lnRef>
+          <a:fillRef idx="1">
+            <a:schemeClr val="accent1"/>
+          </a:fillRef>
+          <a:effectRef idx="0">
+            <a:schemeClr val="accent1"/>
+          </a:effectRef>
+          <a:fontRef idx="minor">
+            <a:schemeClr val="lt1"/>
+          </a:fontRef>
+        </p:style>
+        <p:txBody>
+          <a:bodyPr rtlCol="0" anchor="ctr"/>
+          <a:lstStyle/>
+          <a:p>
+            <a:pPr algn="ctr"/>
+            <a:r>
+              <a:rPr lang="en-US" altLang="zh-CN" sz="1400" smtClean="0"/>
+              <a:t>group</a:t>
+            </a:r>
+            <a:endParaRPr lang="zh-CN" altLang="en-US" sz="1400"/>
+          </a:p>
+        </p:txBody>
+      </p:sp>
+      <p:sp>
+        <p:nvSpPr>
+          <p:cNvPr id="18" name="圆角矩形 17"/>
+          <p:cNvSpPr/>
+          <p:nvPr/>
+        </p:nvSpPr>
+        <p:spPr>
+          <a:xfrm>
+            <a:off x="7440152" y="4377610"/>
+            <a:ext cx="1124345" cy="475861"/>
+          </a:xfrm>
+          <a:prstGeom prst="roundRect">
+            <a:avLst/>
+          </a:prstGeom>
+        </p:spPr>
+        <p:style>
+          <a:lnRef idx="2">
+            <a:schemeClr val="accent1">
+              <a:shade val="50000"/>
+            </a:schemeClr>
+          </a:lnRef>
+          <a:fillRef idx="1">
+            <a:schemeClr val="accent1"/>
+          </a:fillRef>
+          <a:effectRef idx="0">
+            <a:schemeClr val="accent1"/>
+          </a:effectRef>
+          <a:fontRef idx="minor">
+            <a:schemeClr val="lt1"/>
+          </a:fontRef>
+        </p:style>
+        <p:txBody>
+          <a:bodyPr rtlCol="0" anchor="ctr"/>
+          <a:lstStyle/>
+          <a:p>
+            <a:pPr algn="ctr"/>
+            <a:r>
+              <a:rPr lang="en-US" altLang="zh-CN" sz="1400" smtClean="0"/>
+              <a:t>scan</a:t>
+            </a:r>
+            <a:endParaRPr lang="zh-CN" altLang="en-US" sz="1400"/>
+          </a:p>
+        </p:txBody>
+      </p:sp>
+      <p:cxnSp>
+        <p:nvCxnSpPr>
+          <p:cNvPr id="19" name="直接箭头连接符 18"/>
+          <p:cNvCxnSpPr>
+            <a:stCxn id="18" idx="0"/>
+            <a:endCxn id="17" idx="2"/>
+          </p:cNvCxnSpPr>
+          <p:nvPr/>
+        </p:nvCxnSpPr>
+        <p:spPr>
+          <a:xfrm flipV="1">
+            <a:off x="8002325" y="4005595"/>
+            <a:ext cx="0" cy="372015"/>
+          </a:xfrm>
+          <a:prstGeom prst="straightConnector1">
+            <a:avLst/>
+          </a:prstGeom>
+          <a:ln w="25400">
+            <a:solidFill>
+              <a:srgbClr val="C00000"/>
+            </a:solidFill>
+            <a:tailEnd type="triangle"/>
+          </a:ln>
+        </p:spPr>
+        <p:style>
+          <a:lnRef idx="1">
+            <a:schemeClr val="accent1"/>
+          </a:lnRef>
+          <a:fillRef idx="0">
+            <a:schemeClr val="accent1"/>
+          </a:fillRef>
+          <a:effectRef idx="0">
+            <a:schemeClr val="accent1"/>
+          </a:effectRef>
+          <a:fontRef idx="minor">
+            <a:schemeClr val="tx1"/>
+          </a:fontRef>
+        </p:style>
+      </p:cxnSp>
+      <p:sp>
+        <p:nvSpPr>
+          <p:cNvPr id="20" name="圆角矩形 19"/>
+          <p:cNvSpPr/>
+          <p:nvPr/>
+        </p:nvSpPr>
+        <p:spPr>
+          <a:xfrm>
+            <a:off x="9204411" y="3539578"/>
+            <a:ext cx="1124345" cy="475861"/>
+          </a:xfrm>
+          <a:prstGeom prst="roundRect">
+            <a:avLst/>
+          </a:prstGeom>
+        </p:spPr>
+        <p:style>
+          <a:lnRef idx="2">
+            <a:schemeClr val="accent1">
+              <a:shade val="50000"/>
+            </a:schemeClr>
+          </a:lnRef>
+          <a:fillRef idx="1">
+            <a:schemeClr val="accent1"/>
+          </a:fillRef>
+          <a:effectRef idx="0">
+            <a:schemeClr val="accent1"/>
+          </a:effectRef>
+          <a:fontRef idx="minor">
+            <a:schemeClr val="lt1"/>
+          </a:fontRef>
+        </p:style>
+        <p:txBody>
+          <a:bodyPr rtlCol="0" anchor="ctr"/>
+          <a:lstStyle/>
+          <a:p>
+            <a:pPr algn="ctr"/>
+            <a:r>
+              <a:rPr lang="en-US" altLang="zh-CN" sz="1400" smtClean="0"/>
+              <a:t>group</a:t>
+            </a:r>
+            <a:endParaRPr lang="zh-CN" altLang="en-US" sz="1400"/>
+          </a:p>
+        </p:txBody>
+      </p:sp>
+      <p:sp>
+        <p:nvSpPr>
+          <p:cNvPr id="21" name="圆角矩形 20"/>
+          <p:cNvSpPr/>
+          <p:nvPr/>
+        </p:nvSpPr>
+        <p:spPr>
+          <a:xfrm>
+            <a:off x="9204411" y="4387454"/>
+            <a:ext cx="1124345" cy="475861"/>
+          </a:xfrm>
+          <a:prstGeom prst="roundRect">
+            <a:avLst/>
+          </a:prstGeom>
+        </p:spPr>
+        <p:style>
+          <a:lnRef idx="2">
+            <a:schemeClr val="accent1">
+              <a:shade val="50000"/>
+            </a:schemeClr>
+          </a:lnRef>
+          <a:fillRef idx="1">
+            <a:schemeClr val="accent1"/>
+          </a:fillRef>
+          <a:effectRef idx="0">
+            <a:schemeClr val="accent1"/>
+          </a:effectRef>
+          <a:fontRef idx="minor">
+            <a:schemeClr val="lt1"/>
+          </a:fontRef>
+        </p:style>
+        <p:txBody>
+          <a:bodyPr rtlCol="0" anchor="ctr"/>
+          <a:lstStyle/>
+          <a:p>
+            <a:pPr algn="ctr"/>
+            <a:r>
+              <a:rPr lang="en-US" altLang="zh-CN" sz="1400" smtClean="0"/>
+              <a:t>scan</a:t>
+            </a:r>
+            <a:endParaRPr lang="zh-CN" altLang="en-US" sz="1400"/>
+          </a:p>
+        </p:txBody>
+      </p:sp>
+      <p:cxnSp>
+        <p:nvCxnSpPr>
+          <p:cNvPr id="22" name="直接箭头连接符 21"/>
+          <p:cNvCxnSpPr>
+            <a:stCxn id="21" idx="0"/>
+            <a:endCxn id="20" idx="2"/>
+          </p:cNvCxnSpPr>
+          <p:nvPr/>
+        </p:nvCxnSpPr>
+        <p:spPr>
+          <a:xfrm flipV="1">
+            <a:off x="9766584" y="4015439"/>
+            <a:ext cx="0" cy="372015"/>
+          </a:xfrm>
+          <a:prstGeom prst="straightConnector1">
+            <a:avLst/>
+          </a:prstGeom>
+          <a:ln w="25400">
+            <a:solidFill>
+              <a:srgbClr val="C00000"/>
+            </a:solidFill>
+            <a:tailEnd type="triangle"/>
+          </a:ln>
+        </p:spPr>
+        <p:style>
+          <a:lnRef idx="1">
+            <a:schemeClr val="accent1"/>
+          </a:lnRef>
+          <a:fillRef idx="0">
+            <a:schemeClr val="accent1"/>
+          </a:fillRef>
+          <a:effectRef idx="0">
+            <a:schemeClr val="accent1"/>
+          </a:effectRef>
+          <a:fontRef idx="minor">
+            <a:schemeClr val="tx1"/>
+          </a:fontRef>
+        </p:style>
+      </p:cxnSp>
+      <p:sp>
+        <p:nvSpPr>
+          <p:cNvPr id="24" name="文本框 23"/>
+          <p:cNvSpPr txBox="1"/>
+          <p:nvPr/>
+        </p:nvSpPr>
+        <p:spPr>
+          <a:xfrm>
+            <a:off x="8842078" y="4015439"/>
+            <a:ext cx="343364" cy="369332"/>
+          </a:xfrm>
+          <a:prstGeom prst="rect">
+            <a:avLst/>
+          </a:prstGeom>
+          <a:noFill/>
+        </p:spPr>
+        <p:txBody>
+          <a:bodyPr wrap="none" rtlCol="0">
+            <a:spAutoFit/>
+          </a:bodyPr>
+          <a:lstStyle/>
+          <a:p>
+            <a:r>
+              <a:rPr lang="en-US" altLang="zh-CN" smtClean="0"/>
+              <a:t>…</a:t>
+            </a:r>
+            <a:endParaRPr lang="zh-CN" altLang="en-US"/>
+          </a:p>
+        </p:txBody>
+      </p:sp>
+      <p:sp>
+        <p:nvSpPr>
+          <p:cNvPr id="28" name="圆角矩形 27"/>
+          <p:cNvSpPr/>
+          <p:nvPr/>
+        </p:nvSpPr>
+        <p:spPr>
+          <a:xfrm>
+            <a:off x="7297858" y="2495156"/>
+            <a:ext cx="1124345" cy="475861"/>
+          </a:xfrm>
+          <a:prstGeom prst="roundRect">
+            <a:avLst/>
+          </a:prstGeom>
+        </p:spPr>
+        <p:style>
+          <a:lnRef idx="2">
+            <a:schemeClr val="accent1">
+              <a:shade val="50000"/>
+            </a:schemeClr>
+          </a:lnRef>
+          <a:fillRef idx="1">
+            <a:schemeClr val="accent1"/>
+          </a:fillRef>
+          <a:effectRef idx="0">
+            <a:schemeClr val="accent1"/>
+          </a:effectRef>
+          <a:fontRef idx="minor">
+            <a:schemeClr val="lt1"/>
+          </a:fontRef>
+        </p:style>
+        <p:txBody>
+          <a:bodyPr rtlCol="0" anchor="ctr"/>
+          <a:lstStyle/>
+          <a:p>
+            <a:pPr algn="ctr"/>
+            <a:r>
+              <a:rPr lang="en-US" altLang="zh-CN" sz="1400" smtClean="0"/>
+              <a:t>Exchange</a:t>
+            </a:r>
+          </a:p>
+          <a:p>
+            <a:pPr algn="ctr"/>
+            <a:r>
+              <a:rPr lang="en-US" altLang="zh-CN" sz="1400" smtClean="0"/>
+              <a:t>(n:1)</a:t>
+            </a:r>
+            <a:endParaRPr lang="zh-CN" altLang="en-US" sz="1400"/>
+          </a:p>
+        </p:txBody>
+      </p:sp>
+      <p:cxnSp>
+        <p:nvCxnSpPr>
+          <p:cNvPr id="30" name="直接箭头连接符 29"/>
+          <p:cNvCxnSpPr>
+            <a:stCxn id="17" idx="0"/>
+            <a:endCxn id="28" idx="2"/>
+          </p:cNvCxnSpPr>
+          <p:nvPr/>
+        </p:nvCxnSpPr>
+        <p:spPr>
+          <a:xfrm flipH="1" flipV="1">
+            <a:off x="7860031" y="2971017"/>
+            <a:ext cx="142294" cy="558717"/>
+          </a:xfrm>
+          <a:prstGeom prst="straightConnector1">
+            <a:avLst/>
+          </a:prstGeom>
+          <a:ln w="25400">
+            <a:solidFill>
+              <a:srgbClr val="C00000"/>
+            </a:solidFill>
+            <a:tailEnd type="triangle"/>
+          </a:ln>
+        </p:spPr>
+        <p:style>
+          <a:lnRef idx="1">
+            <a:schemeClr val="accent1"/>
+          </a:lnRef>
+          <a:fillRef idx="0">
+            <a:schemeClr val="accent1"/>
+          </a:fillRef>
+          <a:effectRef idx="0">
+            <a:schemeClr val="accent1"/>
+          </a:effectRef>
+          <a:fontRef idx="minor">
+            <a:schemeClr val="tx1"/>
+          </a:fontRef>
+        </p:style>
+      </p:cxnSp>
+      <p:cxnSp>
+        <p:nvCxnSpPr>
+          <p:cNvPr id="33" name="直接箭头连接符 32"/>
+          <p:cNvCxnSpPr>
+            <a:stCxn id="20" idx="0"/>
+            <a:endCxn id="28" idx="2"/>
+          </p:cNvCxnSpPr>
+          <p:nvPr/>
+        </p:nvCxnSpPr>
+        <p:spPr>
+          <a:xfrm flipH="1" flipV="1">
+            <a:off x="7860031" y="2971017"/>
+            <a:ext cx="1906553" cy="568561"/>
+          </a:xfrm>
+          <a:prstGeom prst="straightConnector1">
+            <a:avLst/>
+          </a:prstGeom>
+          <a:ln w="25400">
+            <a:solidFill>
+              <a:srgbClr val="C00000"/>
+            </a:solidFill>
+            <a:tailEnd type="triangle"/>
+          </a:ln>
+        </p:spPr>
+        <p:style>
+          <a:lnRef idx="1">
+            <a:schemeClr val="accent1"/>
+          </a:lnRef>
+          <a:fillRef idx="0">
+            <a:schemeClr val="accent1"/>
+          </a:fillRef>
+          <a:effectRef idx="0">
+            <a:schemeClr val="accent1"/>
+          </a:effectRef>
+          <a:fontRef idx="minor">
+            <a:schemeClr val="tx1"/>
+          </a:fontRef>
+        </p:style>
+      </p:cxnSp>
+      <p:cxnSp>
+        <p:nvCxnSpPr>
+          <p:cNvPr id="39" name="直接箭头连接符 38"/>
+          <p:cNvCxnSpPr>
+            <a:stCxn id="28" idx="0"/>
+            <a:endCxn id="13" idx="2"/>
+          </p:cNvCxnSpPr>
+          <p:nvPr/>
+        </p:nvCxnSpPr>
+        <p:spPr>
+          <a:xfrm flipV="1">
+            <a:off x="7860031" y="2123141"/>
+            <a:ext cx="0" cy="372015"/>
+          </a:xfrm>
+          <a:prstGeom prst="straightConnector1">
+            <a:avLst/>
+          </a:prstGeom>
+          <a:ln w="25400">
+            <a:solidFill>
+              <a:srgbClr val="C00000"/>
+            </a:solidFill>
+            <a:tailEnd type="triangle"/>
+          </a:ln>
+        </p:spPr>
+        <p:style>
+          <a:lnRef idx="1">
+            <a:schemeClr val="accent1"/>
+          </a:lnRef>
+          <a:fillRef idx="0">
+            <a:schemeClr val="accent1"/>
+          </a:fillRef>
+          <a:effectRef idx="0">
+            <a:schemeClr val="accent1"/>
+          </a:effectRef>
+          <a:fontRef idx="minor">
+            <a:schemeClr val="tx1"/>
+          </a:fontRef>
+        </p:style>
+      </p:cxnSp>
+      <p:sp>
+        <p:nvSpPr>
+          <p:cNvPr id="42" name="文本框 41"/>
+          <p:cNvSpPr txBox="1"/>
+          <p:nvPr/>
+        </p:nvSpPr>
+        <p:spPr>
+          <a:xfrm>
+            <a:off x="3433665" y="5220121"/>
+            <a:ext cx="8148384" cy="1477328"/>
+          </a:xfrm>
+          <a:prstGeom prst="rect">
+            <a:avLst/>
+          </a:prstGeom>
+          <a:noFill/>
+        </p:spPr>
+        <p:txBody>
+          <a:bodyPr wrap="none" rtlCol="0">
+            <a:spAutoFit/>
+          </a:bodyPr>
+          <a:lstStyle/>
+          <a:p>
+            <a:r>
+              <a:rPr lang="zh-CN" altLang="en-US" smtClean="0"/>
+              <a:t>增加两种游标，实际使用时，根据参数来决定：</a:t>
+            </a:r>
+            <a:endParaRPr lang="en-US" altLang="zh-CN" smtClean="0"/>
+          </a:p>
+          <a:p>
+            <a:pPr marL="342900" indent="-342900">
+              <a:buAutoNum type="arabicPeriod"/>
+            </a:pPr>
+            <a:r>
+              <a:rPr lang="zh-CN" altLang="en-US" smtClean="0"/>
+              <a:t>均分范围型游标，相当于将一个表拆分成多个表</a:t>
+            </a:r>
+            <a:endParaRPr lang="en-US" altLang="zh-CN" smtClean="0"/>
+          </a:p>
+          <a:p>
+            <a:pPr marL="342900" indent="-342900">
+              <a:buAutoNum type="arabicPeriod"/>
+            </a:pPr>
+            <a:r>
+              <a:rPr lang="zh-CN" altLang="en-US" smtClean="0"/>
+              <a:t>资源竞争型游标，公用一个表，但都全部遍历，只是每一个段只被遍历一次</a:t>
+            </a:r>
+            <a:endParaRPr lang="en-US" altLang="zh-CN" smtClean="0"/>
+          </a:p>
+          <a:p>
+            <a:pPr marL="342900" indent="-342900">
+              <a:buAutoNum type="arabicPeriod"/>
+            </a:pPr>
+            <a:endParaRPr lang="en-US" altLang="zh-CN"/>
+          </a:p>
+          <a:p>
+            <a:r>
+              <a:rPr lang="zh-CN" altLang="en-US" smtClean="0"/>
+              <a:t>目前先使用资源竞争型游标做</a:t>
+            </a:r>
+            <a:r>
+              <a:rPr lang="en-US" altLang="zh-CN" smtClean="0"/>
+              <a:t>DEMO</a:t>
+            </a:r>
+            <a:endParaRPr lang="zh-CN" altLang="en-US"/>
+          </a:p>
+        </p:txBody>
+      </p:sp>
+      <p:sp>
+        <p:nvSpPr>
+          <p:cNvPr id="43" name="右箭头 42"/>
+          <p:cNvSpPr/>
+          <p:nvPr/>
+        </p:nvSpPr>
+        <p:spPr>
+          <a:xfrm>
+            <a:off x="4562669" y="2309843"/>
+            <a:ext cx="895739" cy="1002524"/>
+          </a:xfrm>
+          <a:prstGeom prst="rightArrow">
+            <a:avLst/>
+          </a:prstGeom>
+        </p:spPr>
+        <p:style>
+          <a:lnRef idx="2">
+            <a:schemeClr val="accent4">
+              <a:shade val="50000"/>
+            </a:schemeClr>
+          </a:lnRef>
+          <a:fillRef idx="1">
+            <a:schemeClr val="accent4"/>
+          </a:fillRef>
+          <a:effectRef idx="0">
+            <a:schemeClr val="accent4"/>
+          </a:effectRef>
+          <a:fontRef idx="minor">
+            <a:schemeClr val="lt1"/>
+          </a:fontRef>
+        </p:style>
+        <p:txBody>
+          <a:bodyPr rtlCol="0" anchor="ctr"/>
+          <a:lstStyle/>
+          <a:p>
+            <a:pPr algn="ctr"/>
+            <a:endParaRPr lang="zh-CN" altLang="en-US"/>
+          </a:p>
+        </p:txBody>
+      </p:sp>
     </p:spTree>
     <p:extLst>
       <p:ext uri="{BB962C8B-B14F-4D97-AF65-F5344CB8AC3E}">
-        <p14:creationId xmlns:p14="http://schemas.microsoft.com/office/powerpoint/2010/main" val="1476650932"/>
+        <p14:creationId xmlns:p14="http://schemas.microsoft.com/office/powerpoint/2010/main" val="2536183752"/>
       </p:ext>
     </p:extLst>
   </p:cSld>
@@ -11381,23 +15180,215 @@
           <a:lstStyle/>
           <a:p>
             <a:r>
-              <a:rPr lang="zh-CN" altLang="en-US" smtClean="0"/>
-              <a:t>内存管理</a:t>
+              <a:rPr lang="en-US" altLang="zh-CN"/>
+              <a:t>parallel GROUP BY</a:t>
             </a:r>
             <a:endParaRPr lang="zh-CN" altLang="en-US"/>
           </a:p>
         </p:txBody>
       </p:sp>
-      <p:sp>
-        <p:nvSpPr>
-          <p:cNvPr id="4" name="圆角矩形 3"/>
+      <p:cxnSp>
+        <p:nvCxnSpPr>
+          <p:cNvPr id="3" name="直接连接符 2"/>
+          <p:cNvCxnSpPr/>
+          <p:nvPr/>
+        </p:nvCxnSpPr>
+        <p:spPr>
+          <a:xfrm>
+            <a:off x="1526338" y="2097834"/>
+            <a:ext cx="0" cy="3159928"/>
+          </a:xfrm>
+          <a:prstGeom prst="line">
+            <a:avLst/>
+          </a:prstGeom>
+        </p:spPr>
+        <p:style>
+          <a:lnRef idx="1">
+            <a:schemeClr val="dk1"/>
+          </a:lnRef>
+          <a:fillRef idx="0">
+            <a:schemeClr val="dk1"/>
+          </a:fillRef>
+          <a:effectRef idx="0">
+            <a:schemeClr val="dk1"/>
+          </a:effectRef>
+          <a:fontRef idx="minor">
+            <a:schemeClr val="tx1"/>
+          </a:fontRef>
+        </p:style>
+      </p:cxnSp>
+      <p:cxnSp>
+        <p:nvCxnSpPr>
+          <p:cNvPr id="4" name="直接箭头连接符 3"/>
+          <p:cNvCxnSpPr/>
+          <p:nvPr/>
+        </p:nvCxnSpPr>
+        <p:spPr>
+          <a:xfrm>
+            <a:off x="1526338" y="2480389"/>
+            <a:ext cx="8929396" cy="0"/>
+          </a:xfrm>
+          <a:prstGeom prst="straightConnector1">
+            <a:avLst/>
+          </a:prstGeom>
+          <a:ln>
+            <a:tailEnd type="triangle"/>
+          </a:ln>
+        </p:spPr>
+        <p:style>
+          <a:lnRef idx="1">
+            <a:schemeClr val="accent1"/>
+          </a:lnRef>
+          <a:fillRef idx="0">
+            <a:schemeClr val="accent1"/>
+          </a:fillRef>
+          <a:effectRef idx="0">
+            <a:schemeClr val="accent1"/>
+          </a:effectRef>
+          <a:fontRef idx="minor">
+            <a:schemeClr val="tx1"/>
+          </a:fontRef>
+        </p:style>
+      </p:cxnSp>
+      <p:sp>
+        <p:nvSpPr>
+          <p:cNvPr id="5" name="文本框 4"/>
+          <p:cNvSpPr txBox="1"/>
+          <p:nvPr/>
+        </p:nvSpPr>
+        <p:spPr>
+          <a:xfrm>
+            <a:off x="435416" y="2279108"/>
+            <a:ext cx="1044388" cy="369332"/>
+          </a:xfrm>
+          <a:prstGeom prst="rect">
+            <a:avLst/>
+          </a:prstGeom>
+          <a:noFill/>
+        </p:spPr>
+        <p:txBody>
+          <a:bodyPr wrap="none" rtlCol="0">
+            <a:spAutoFit/>
+          </a:bodyPr>
+          <a:lstStyle/>
+          <a:p>
+            <a:r>
+              <a:rPr lang="en-US" altLang="zh-CN" smtClean="0"/>
+              <a:t>Worker 1</a:t>
+            </a:r>
+            <a:endParaRPr lang="zh-CN" altLang="en-US"/>
+          </a:p>
+        </p:txBody>
+      </p:sp>
+      <p:cxnSp>
+        <p:nvCxnSpPr>
+          <p:cNvPr id="6" name="直接箭头连接符 5"/>
+          <p:cNvCxnSpPr/>
+          <p:nvPr/>
+        </p:nvCxnSpPr>
+        <p:spPr>
+          <a:xfrm>
+            <a:off x="1526338" y="3173965"/>
+            <a:ext cx="8929396" cy="0"/>
+          </a:xfrm>
+          <a:prstGeom prst="straightConnector1">
+            <a:avLst/>
+          </a:prstGeom>
+          <a:ln>
+            <a:tailEnd type="triangle"/>
+          </a:ln>
+        </p:spPr>
+        <p:style>
+          <a:lnRef idx="1">
+            <a:schemeClr val="accent1"/>
+          </a:lnRef>
+          <a:fillRef idx="0">
+            <a:schemeClr val="accent1"/>
+          </a:fillRef>
+          <a:effectRef idx="0">
+            <a:schemeClr val="accent1"/>
+          </a:effectRef>
+          <a:fontRef idx="minor">
+            <a:schemeClr val="tx1"/>
+          </a:fontRef>
+        </p:style>
+      </p:cxnSp>
+      <p:cxnSp>
+        <p:nvCxnSpPr>
+          <p:cNvPr id="7" name="直接箭头连接符 6"/>
+          <p:cNvCxnSpPr/>
+          <p:nvPr/>
+        </p:nvCxnSpPr>
+        <p:spPr>
+          <a:xfrm>
+            <a:off x="1526338" y="3886204"/>
+            <a:ext cx="8929396" cy="0"/>
+          </a:xfrm>
+          <a:prstGeom prst="straightConnector1">
+            <a:avLst/>
+          </a:prstGeom>
+          <a:ln>
+            <a:tailEnd type="triangle"/>
+          </a:ln>
+        </p:spPr>
+        <p:style>
+          <a:lnRef idx="1">
+            <a:schemeClr val="accent1"/>
+          </a:lnRef>
+          <a:fillRef idx="0">
+            <a:schemeClr val="accent1"/>
+          </a:fillRef>
+          <a:effectRef idx="0">
+            <a:schemeClr val="accent1"/>
+          </a:effectRef>
+          <a:fontRef idx="minor">
+            <a:schemeClr val="tx1"/>
+          </a:fontRef>
+        </p:style>
+      </p:cxnSp>
+      <p:cxnSp>
+        <p:nvCxnSpPr>
+          <p:cNvPr id="8" name="直接箭头连接符 7"/>
+          <p:cNvCxnSpPr/>
+          <p:nvPr/>
+        </p:nvCxnSpPr>
+        <p:spPr>
+          <a:xfrm>
+            <a:off x="1526338" y="4645090"/>
+            <a:ext cx="8929396" cy="0"/>
+          </a:xfrm>
+          <a:prstGeom prst="straightConnector1">
+            <a:avLst/>
+          </a:prstGeom>
+          <a:ln>
+            <a:tailEnd type="triangle"/>
+          </a:ln>
+        </p:spPr>
+        <p:style>
+          <a:lnRef idx="1">
+            <a:schemeClr val="accent1"/>
+          </a:lnRef>
+          <a:fillRef idx="0">
+            <a:schemeClr val="accent1"/>
+          </a:fillRef>
+          <a:effectRef idx="0">
+            <a:schemeClr val="accent1"/>
+          </a:effectRef>
+          <a:fontRef idx="minor">
+            <a:schemeClr val="tx1"/>
+          </a:fontRef>
+        </p:style>
+      </p:cxnSp>
+      <p:sp>
+        <p:nvSpPr>
+          <p:cNvPr id="9" name="圆角矩形 8"/>
           <p:cNvSpPr/>
           <p:nvPr/>
         </p:nvSpPr>
         <p:spPr>
           <a:xfrm>
-            <a:off x="2833693" y="3932464"/>
-            <a:ext cx="601045" cy="398104"/>
+            <a:off x="1871567" y="2242457"/>
+            <a:ext cx="1094024" cy="475861"/>
           </a:xfrm>
           <a:prstGeom prst="roundRect">
             <a:avLst/>
@@ -11425,23 +15416,23 @@
           <a:p>
             <a:pPr algn="ctr"/>
             <a:r>
-              <a:rPr lang="en-US" altLang="zh-CN" sz="1200" smtClean="0"/>
-              <a:t>page</a:t>
-            </a:r>
-            <a:endParaRPr lang="zh-CN" altLang="en-US" sz="1200"/>
-          </a:p>
-        </p:txBody>
-      </p:sp>
-      <p:sp>
-        <p:nvSpPr>
-          <p:cNvPr id="5" name="圆角矩形 4"/>
+              <a:rPr lang="en-US" altLang="zh-CN" sz="1400" smtClean="0"/>
+              <a:t>Scan table</a:t>
+            </a:r>
+            <a:endParaRPr lang="zh-CN" altLang="en-US" sz="1400"/>
+          </a:p>
+        </p:txBody>
+      </p:sp>
+      <p:sp>
+        <p:nvSpPr>
+          <p:cNvPr id="10" name="圆角矩形 9"/>
           <p:cNvSpPr/>
           <p:nvPr/>
         </p:nvSpPr>
         <p:spPr>
           <a:xfrm>
-            <a:off x="3751202" y="3932464"/>
-            <a:ext cx="601045" cy="398104"/>
+            <a:off x="1871567" y="2936034"/>
+            <a:ext cx="1094024" cy="475861"/>
           </a:xfrm>
           <a:prstGeom prst="roundRect">
             <a:avLst/>
@@ -11469,39 +15460,340 @@
           <a:p>
             <a:pPr algn="ctr"/>
             <a:r>
-              <a:rPr lang="en-US" altLang="zh-CN" sz="1200" smtClean="0"/>
-              <a:t>page</a:t>
-            </a:r>
-            <a:endParaRPr lang="zh-CN" altLang="en-US" sz="1200"/>
+              <a:rPr lang="en-US" altLang="zh-CN" sz="1400" smtClean="0"/>
+              <a:t>Scan table</a:t>
+            </a:r>
+            <a:endParaRPr lang="zh-CN" altLang="en-US" sz="1400"/>
+          </a:p>
+        </p:txBody>
+      </p:sp>
+      <p:sp>
+        <p:nvSpPr>
+          <p:cNvPr id="11" name="圆角矩形 10"/>
+          <p:cNvSpPr/>
+          <p:nvPr/>
+        </p:nvSpPr>
+        <p:spPr>
+          <a:xfrm>
+            <a:off x="1871567" y="3659136"/>
+            <a:ext cx="1094024" cy="475861"/>
+          </a:xfrm>
+          <a:prstGeom prst="roundRect">
+            <a:avLst/>
+          </a:prstGeom>
+        </p:spPr>
+        <p:style>
+          <a:lnRef idx="2">
+            <a:schemeClr val="accent1">
+              <a:shade val="50000"/>
+            </a:schemeClr>
+          </a:lnRef>
+          <a:fillRef idx="1">
+            <a:schemeClr val="accent1"/>
+          </a:fillRef>
+          <a:effectRef idx="0">
+            <a:schemeClr val="accent1"/>
+          </a:effectRef>
+          <a:fontRef idx="minor">
+            <a:schemeClr val="lt1"/>
+          </a:fontRef>
+        </p:style>
+        <p:txBody>
+          <a:bodyPr rtlCol="0" anchor="ctr"/>
+          <a:lstStyle/>
+          <a:p>
+            <a:pPr algn="ctr"/>
+            <a:r>
+              <a:rPr lang="en-US" altLang="zh-CN" sz="1400" smtClean="0"/>
+              <a:t>Scan table</a:t>
+            </a:r>
+            <a:endParaRPr lang="zh-CN" altLang="en-US" sz="1400"/>
+          </a:p>
+        </p:txBody>
+      </p:sp>
+      <p:sp>
+        <p:nvSpPr>
+          <p:cNvPr id="12" name="圆角矩形 11"/>
+          <p:cNvSpPr/>
+          <p:nvPr/>
+        </p:nvSpPr>
+        <p:spPr>
+          <a:xfrm>
+            <a:off x="3310819" y="2245581"/>
+            <a:ext cx="1094024" cy="475861"/>
+          </a:xfrm>
+          <a:prstGeom prst="roundRect">
+            <a:avLst/>
+          </a:prstGeom>
+        </p:spPr>
+        <p:style>
+          <a:lnRef idx="2">
+            <a:schemeClr val="accent1">
+              <a:shade val="50000"/>
+            </a:schemeClr>
+          </a:lnRef>
+          <a:fillRef idx="1">
+            <a:schemeClr val="accent1"/>
+          </a:fillRef>
+          <a:effectRef idx="0">
+            <a:schemeClr val="accent1"/>
+          </a:effectRef>
+          <a:fontRef idx="minor">
+            <a:schemeClr val="lt1"/>
+          </a:fontRef>
+        </p:style>
+        <p:txBody>
+          <a:bodyPr rtlCol="0" anchor="ctr"/>
+          <a:lstStyle/>
+          <a:p>
+            <a:pPr algn="ctr"/>
+            <a:r>
+              <a:rPr lang="en-US" altLang="zh-CN" sz="1400" smtClean="0"/>
+              <a:t>Group by</a:t>
+            </a:r>
+            <a:endParaRPr lang="zh-CN" altLang="en-US" sz="1400"/>
+          </a:p>
+        </p:txBody>
+      </p:sp>
+      <p:sp>
+        <p:nvSpPr>
+          <p:cNvPr id="13" name="圆角矩形 12"/>
+          <p:cNvSpPr/>
+          <p:nvPr/>
+        </p:nvSpPr>
+        <p:spPr>
+          <a:xfrm>
+            <a:off x="3310819" y="2939179"/>
+            <a:ext cx="1094024" cy="475861"/>
+          </a:xfrm>
+          <a:prstGeom prst="roundRect">
+            <a:avLst/>
+          </a:prstGeom>
+        </p:spPr>
+        <p:style>
+          <a:lnRef idx="2">
+            <a:schemeClr val="accent1">
+              <a:shade val="50000"/>
+            </a:schemeClr>
+          </a:lnRef>
+          <a:fillRef idx="1">
+            <a:schemeClr val="accent1"/>
+          </a:fillRef>
+          <a:effectRef idx="0">
+            <a:schemeClr val="accent1"/>
+          </a:effectRef>
+          <a:fontRef idx="minor">
+            <a:schemeClr val="lt1"/>
+          </a:fontRef>
+        </p:style>
+        <p:txBody>
+          <a:bodyPr rtlCol="0" anchor="ctr"/>
+          <a:lstStyle/>
+          <a:p>
+            <a:pPr algn="ctr"/>
+            <a:r>
+              <a:rPr lang="en-US" altLang="zh-CN" sz="1400"/>
+              <a:t>Group by</a:t>
+            </a:r>
+            <a:endParaRPr lang="zh-CN" altLang="en-US" sz="1400"/>
+          </a:p>
+        </p:txBody>
+      </p:sp>
+      <p:sp>
+        <p:nvSpPr>
+          <p:cNvPr id="16" name="圆角矩形 15"/>
+          <p:cNvSpPr/>
+          <p:nvPr/>
+        </p:nvSpPr>
+        <p:spPr>
+          <a:xfrm>
+            <a:off x="3310819" y="3659136"/>
+            <a:ext cx="1094024" cy="475861"/>
+          </a:xfrm>
+          <a:prstGeom prst="roundRect">
+            <a:avLst/>
+          </a:prstGeom>
+        </p:spPr>
+        <p:style>
+          <a:lnRef idx="2">
+            <a:schemeClr val="accent1">
+              <a:shade val="50000"/>
+            </a:schemeClr>
+          </a:lnRef>
+          <a:fillRef idx="1">
+            <a:schemeClr val="accent1"/>
+          </a:fillRef>
+          <a:effectRef idx="0">
+            <a:schemeClr val="accent1"/>
+          </a:effectRef>
+          <a:fontRef idx="minor">
+            <a:schemeClr val="lt1"/>
+          </a:fontRef>
+        </p:style>
+        <p:txBody>
+          <a:bodyPr rtlCol="0" anchor="ctr"/>
+          <a:lstStyle/>
+          <a:p>
+            <a:pPr algn="ctr"/>
+            <a:r>
+              <a:rPr lang="en-US" altLang="zh-CN" sz="1400"/>
+              <a:t>Group by</a:t>
+            </a:r>
+            <a:endParaRPr lang="zh-CN" altLang="en-US" sz="1400"/>
+          </a:p>
+        </p:txBody>
+      </p:sp>
+      <p:sp>
+        <p:nvSpPr>
+          <p:cNvPr id="17" name="圆角矩形 16"/>
+          <p:cNvSpPr/>
+          <p:nvPr/>
+        </p:nvSpPr>
+        <p:spPr>
+          <a:xfrm>
+            <a:off x="5428857" y="4419581"/>
+            <a:ext cx="1094024" cy="475861"/>
+          </a:xfrm>
+          <a:prstGeom prst="roundRect">
+            <a:avLst/>
+          </a:prstGeom>
+        </p:spPr>
+        <p:style>
+          <a:lnRef idx="2">
+            <a:schemeClr val="accent1">
+              <a:shade val="50000"/>
+            </a:schemeClr>
+          </a:lnRef>
+          <a:fillRef idx="1">
+            <a:schemeClr val="accent1"/>
+          </a:fillRef>
+          <a:effectRef idx="0">
+            <a:schemeClr val="accent1"/>
+          </a:effectRef>
+          <a:fontRef idx="minor">
+            <a:schemeClr val="lt1"/>
+          </a:fontRef>
+        </p:style>
+        <p:txBody>
+          <a:bodyPr rtlCol="0" anchor="ctr"/>
+          <a:lstStyle/>
+          <a:p>
+            <a:pPr algn="ctr"/>
+            <a:r>
+              <a:rPr lang="en-US" altLang="zh-CN" sz="1400" smtClean="0"/>
+              <a:t>Exchange</a:t>
+            </a:r>
+          </a:p>
+          <a:p>
+            <a:pPr algn="ctr"/>
+            <a:r>
+              <a:rPr lang="en-US" altLang="zh-CN" sz="1400" smtClean="0"/>
+              <a:t>n-&gt;1</a:t>
+            </a:r>
+            <a:endParaRPr lang="zh-CN" altLang="en-US" sz="1400"/>
+          </a:p>
+        </p:txBody>
+      </p:sp>
+      <p:sp>
+        <p:nvSpPr>
+          <p:cNvPr id="18" name="圆角矩形 17"/>
+          <p:cNvSpPr/>
+          <p:nvPr/>
+        </p:nvSpPr>
+        <p:spPr>
+          <a:xfrm>
+            <a:off x="6934196" y="4419581"/>
+            <a:ext cx="1094024" cy="475861"/>
+          </a:xfrm>
+          <a:prstGeom prst="roundRect">
+            <a:avLst/>
+          </a:prstGeom>
+        </p:spPr>
+        <p:style>
+          <a:lnRef idx="2">
+            <a:schemeClr val="accent1">
+              <a:shade val="50000"/>
+            </a:schemeClr>
+          </a:lnRef>
+          <a:fillRef idx="1">
+            <a:schemeClr val="accent1"/>
+          </a:fillRef>
+          <a:effectRef idx="0">
+            <a:schemeClr val="accent1"/>
+          </a:effectRef>
+          <a:fontRef idx="minor">
+            <a:schemeClr val="lt1"/>
+          </a:fontRef>
+        </p:style>
+        <p:txBody>
+          <a:bodyPr rtlCol="0" anchor="ctr"/>
+          <a:lstStyle/>
+          <a:p>
+            <a:pPr algn="ctr"/>
+            <a:r>
+              <a:rPr lang="en-US" altLang="zh-CN" sz="1400" smtClean="0"/>
+              <a:t>project</a:t>
+            </a:r>
+            <a:endParaRPr lang="zh-CN" altLang="en-US" sz="1400"/>
+          </a:p>
+        </p:txBody>
+      </p:sp>
+      <p:sp>
+        <p:nvSpPr>
+          <p:cNvPr id="19" name="文本框 18"/>
+          <p:cNvSpPr txBox="1"/>
+          <p:nvPr/>
+        </p:nvSpPr>
+        <p:spPr>
+          <a:xfrm>
+            <a:off x="171623" y="4441759"/>
+            <a:ext cx="1343829" cy="369332"/>
+          </a:xfrm>
+          <a:prstGeom prst="rect">
+            <a:avLst/>
+          </a:prstGeom>
+          <a:noFill/>
+        </p:spPr>
+        <p:txBody>
+          <a:bodyPr wrap="none" rtlCol="0">
+            <a:spAutoFit/>
+          </a:bodyPr>
+          <a:lstStyle/>
+          <a:p>
+            <a:r>
+              <a:rPr lang="en-US" altLang="zh-CN" smtClean="0"/>
+              <a:t>Main thread</a:t>
+            </a:r>
+            <a:endParaRPr lang="zh-CN" altLang="en-US"/>
           </a:p>
         </p:txBody>
       </p:sp>
       <p:grpSp>
         <p:nvGrpSpPr>
-          <p:cNvPr id="17" name="组合 16"/>
+          <p:cNvPr id="20" name="组合 19"/>
           <p:cNvGrpSpPr/>
           <p:nvPr/>
         </p:nvGrpSpPr>
         <p:grpSpPr>
           <a:xfrm>
-            <a:off x="1708575" y="1730427"/>
-            <a:ext cx="578498" cy="2338888"/>
-            <a:chOff x="970384" y="1539540"/>
-            <a:chExt cx="578498" cy="2338888"/>
+            <a:off x="4783894" y="2976489"/>
+            <a:ext cx="335939" cy="1377332"/>
+            <a:chOff x="5629416" y="3130423"/>
+            <a:chExt cx="335939" cy="1377332"/>
           </a:xfrm>
         </p:grpSpPr>
         <p:sp>
           <p:nvSpPr>
-            <p:cNvPr id="9" name="矩形 8"/>
+            <p:cNvPr id="21" name="圆角矩形 20"/>
             <p:cNvSpPr/>
             <p:nvPr/>
           </p:nvSpPr>
           <p:spPr>
             <a:xfrm>
-              <a:off x="970384" y="3586067"/>
-              <a:ext cx="578498" cy="292361"/>
+              <a:off x="5631008" y="3130423"/>
+              <a:ext cx="334347" cy="172616"/>
             </a:xfrm>
-            <a:prstGeom prst="rect">
+            <a:prstGeom prst="roundRect">
               <a:avLst/>
             </a:prstGeom>
           </p:spPr>
@@ -11526,22 +15818,22 @@
             <a:lstStyle/>
             <a:p>
               <a:pPr algn="ctr"/>
-              <a:endParaRPr lang="zh-CN" altLang="en-US"/>
+              <a:endParaRPr lang="zh-CN" altLang="en-US" sz="1400"/>
             </a:p>
           </p:txBody>
         </p:sp>
         <p:sp>
           <p:nvSpPr>
-            <p:cNvPr id="10" name="矩形 9"/>
+            <p:cNvPr id="22" name="圆角矩形 21"/>
             <p:cNvSpPr/>
             <p:nvPr/>
           </p:nvSpPr>
           <p:spPr>
             <a:xfrm>
-              <a:off x="970384" y="3293706"/>
-              <a:ext cx="578498" cy="292361"/>
+              <a:off x="5631007" y="3308442"/>
+              <a:ext cx="334347" cy="172616"/>
             </a:xfrm>
-            <a:prstGeom prst="rect">
+            <a:prstGeom prst="roundRect">
               <a:avLst/>
             </a:prstGeom>
           </p:spPr>
@@ -11566,22 +15858,22 @@
             <a:lstStyle/>
             <a:p>
               <a:pPr algn="ctr"/>
-              <a:endParaRPr lang="zh-CN" altLang="en-US"/>
+              <a:endParaRPr lang="zh-CN" altLang="en-US" sz="1400"/>
             </a:p>
           </p:txBody>
         </p:sp>
         <p:sp>
           <p:nvSpPr>
-            <p:cNvPr id="11" name="矩形 10"/>
+            <p:cNvPr id="23" name="圆角矩形 22"/>
             <p:cNvSpPr/>
             <p:nvPr/>
           </p:nvSpPr>
           <p:spPr>
             <a:xfrm>
-              <a:off x="970384" y="3001345"/>
-              <a:ext cx="578498" cy="292361"/>
+              <a:off x="5629422" y="3481058"/>
+              <a:ext cx="334347" cy="172616"/>
             </a:xfrm>
-            <a:prstGeom prst="rect">
+            <a:prstGeom prst="roundRect">
               <a:avLst/>
             </a:prstGeom>
           </p:spPr>
@@ -11606,22 +15898,22 @@
             <a:lstStyle/>
             <a:p>
               <a:pPr algn="ctr"/>
-              <a:endParaRPr lang="zh-CN" altLang="en-US"/>
+              <a:endParaRPr lang="zh-CN" altLang="en-US" sz="1400"/>
             </a:p>
           </p:txBody>
         </p:sp>
         <p:sp>
           <p:nvSpPr>
-            <p:cNvPr id="12" name="矩形 11"/>
+            <p:cNvPr id="24" name="圆角矩形 23"/>
             <p:cNvSpPr/>
             <p:nvPr/>
           </p:nvSpPr>
           <p:spPr>
             <a:xfrm>
-              <a:off x="970384" y="2708984"/>
-              <a:ext cx="578498" cy="292361"/>
+              <a:off x="5629422" y="3664930"/>
+              <a:ext cx="334347" cy="172616"/>
             </a:xfrm>
-            <a:prstGeom prst="rect">
+            <a:prstGeom prst="roundRect">
               <a:avLst/>
             </a:prstGeom>
           </p:spPr>
@@ -11646,22 +15938,22 @@
             <a:lstStyle/>
             <a:p>
               <a:pPr algn="ctr"/>
-              <a:endParaRPr lang="zh-CN" altLang="en-US"/>
+              <a:endParaRPr lang="zh-CN" altLang="en-US" sz="1400"/>
             </a:p>
           </p:txBody>
         </p:sp>
         <p:sp>
           <p:nvSpPr>
-            <p:cNvPr id="13" name="矩形 12"/>
+            <p:cNvPr id="25" name="圆角矩形 24"/>
             <p:cNvSpPr/>
             <p:nvPr/>
           </p:nvSpPr>
           <p:spPr>
             <a:xfrm>
-              <a:off x="970384" y="2416623"/>
-              <a:ext cx="578498" cy="292361"/>
+              <a:off x="5631008" y="3818596"/>
+              <a:ext cx="334347" cy="172616"/>
             </a:xfrm>
-            <a:prstGeom prst="rect">
+            <a:prstGeom prst="roundRect">
               <a:avLst/>
             </a:prstGeom>
           </p:spPr>
@@ -11686,22 +15978,22 @@
             <a:lstStyle/>
             <a:p>
               <a:pPr algn="ctr"/>
-              <a:endParaRPr lang="zh-CN" altLang="en-US"/>
+              <a:endParaRPr lang="zh-CN" altLang="en-US" sz="1400"/>
             </a:p>
           </p:txBody>
         </p:sp>
         <p:sp>
           <p:nvSpPr>
-            <p:cNvPr id="14" name="矩形 13"/>
+            <p:cNvPr id="26" name="圆角矩形 25"/>
             <p:cNvSpPr/>
             <p:nvPr/>
           </p:nvSpPr>
           <p:spPr>
             <a:xfrm>
-              <a:off x="970384" y="2124262"/>
-              <a:ext cx="578498" cy="292361"/>
+              <a:off x="5631007" y="3996615"/>
+              <a:ext cx="334347" cy="172616"/>
             </a:xfrm>
-            <a:prstGeom prst="rect">
+            <a:prstGeom prst="roundRect">
               <a:avLst/>
             </a:prstGeom>
           </p:spPr>
@@ -11726,22 +16018,22 @@
             <a:lstStyle/>
             <a:p>
               <a:pPr algn="ctr"/>
-              <a:endParaRPr lang="zh-CN" altLang="en-US"/>
+              <a:endParaRPr lang="zh-CN" altLang="en-US" sz="1400"/>
             </a:p>
           </p:txBody>
         </p:sp>
         <p:sp>
           <p:nvSpPr>
-            <p:cNvPr id="15" name="矩形 14"/>
+            <p:cNvPr id="27" name="圆角矩形 26"/>
             <p:cNvSpPr/>
             <p:nvPr/>
           </p:nvSpPr>
           <p:spPr>
             <a:xfrm>
-              <a:off x="970384" y="1831901"/>
-              <a:ext cx="578498" cy="292361"/>
+              <a:off x="5629422" y="4169231"/>
+              <a:ext cx="334347" cy="172616"/>
             </a:xfrm>
-            <a:prstGeom prst="rect">
+            <a:prstGeom prst="roundRect">
               <a:avLst/>
             </a:prstGeom>
           </p:spPr>
@@ -11766,22 +16058,22 @@
             <a:lstStyle/>
             <a:p>
               <a:pPr algn="ctr"/>
-              <a:endParaRPr lang="zh-CN" altLang="en-US"/>
+              <a:endParaRPr lang="zh-CN" altLang="en-US" sz="1400"/>
             </a:p>
           </p:txBody>
         </p:sp>
         <p:sp>
           <p:nvSpPr>
-            <p:cNvPr id="16" name="矩形 15"/>
+            <p:cNvPr id="28" name="圆角矩形 27"/>
             <p:cNvSpPr/>
             <p:nvPr/>
           </p:nvSpPr>
           <p:spPr>
             <a:xfrm>
-              <a:off x="970384" y="1539540"/>
-              <a:ext cx="578498" cy="292361"/>
+              <a:off x="5629416" y="4335139"/>
+              <a:ext cx="334347" cy="172616"/>
             </a:xfrm>
-            <a:prstGeom prst="rect">
+            <a:prstGeom prst="roundRect">
               <a:avLst/>
             </a:prstGeom>
           </p:spPr>
@@ -11806,57 +16098,343 @@
             <a:lstStyle/>
             <a:p>
               <a:pPr algn="ctr"/>
-              <a:endParaRPr lang="zh-CN" altLang="en-US"/>
+              <a:endParaRPr lang="zh-CN" altLang="en-US" sz="1400"/>
             </a:p>
           </p:txBody>
         </p:sp>
       </p:grpSp>
       <p:cxnSp>
         <p:nvCxnSpPr>
-          <p:cNvPr id="19" name="肘形连接符 18"/>
+          <p:cNvPr id="29" name="直接箭头连接符 37"/>
+          <p:cNvCxnSpPr>
+            <a:stCxn id="16" idx="3"/>
+            <a:endCxn id="22" idx="1"/>
+          </p:cNvCxnSpPr>
+          <p:nvPr/>
+        </p:nvCxnSpPr>
+        <p:spPr>
+          <a:xfrm flipV="1">
+            <a:off x="4404843" y="3240816"/>
+            <a:ext cx="380642" cy="656251"/>
+          </a:xfrm>
+          <a:prstGeom prst="bentConnector3">
+            <a:avLst>
+              <a:gd name="adj1" fmla="val 50000"/>
+            </a:avLst>
+          </a:prstGeom>
+          <a:ln w="19050">
+            <a:solidFill>
+              <a:srgbClr val="FF0000"/>
+            </a:solidFill>
+            <a:tailEnd type="triangle"/>
+          </a:ln>
+        </p:spPr>
+        <p:style>
+          <a:lnRef idx="1">
+            <a:schemeClr val="accent1"/>
+          </a:lnRef>
+          <a:fillRef idx="0">
+            <a:schemeClr val="accent1"/>
+          </a:fillRef>
+          <a:effectRef idx="0">
+            <a:schemeClr val="accent1"/>
+          </a:effectRef>
+          <a:fontRef idx="minor">
+            <a:schemeClr val="tx1"/>
+          </a:fontRef>
+        </p:style>
+      </p:cxnSp>
+      <p:cxnSp>
+        <p:nvCxnSpPr>
+          <p:cNvPr id="32" name="直接箭头连接符 37"/>
+          <p:cNvCxnSpPr>
+            <a:stCxn id="13" idx="3"/>
+            <a:endCxn id="23" idx="1"/>
+          </p:cNvCxnSpPr>
+          <p:nvPr/>
+        </p:nvCxnSpPr>
+        <p:spPr>
+          <a:xfrm>
+            <a:off x="4404843" y="3177110"/>
+            <a:ext cx="379057" cy="236322"/>
+          </a:xfrm>
+          <a:prstGeom prst="bentConnector3">
+            <a:avLst>
+              <a:gd name="adj1" fmla="val 50000"/>
+            </a:avLst>
+          </a:prstGeom>
+          <a:ln w="19050">
+            <a:solidFill>
+              <a:schemeClr val="accent3">
+                <a:lumMod val="75000"/>
+              </a:schemeClr>
+            </a:solidFill>
+            <a:tailEnd type="triangle"/>
+          </a:ln>
+        </p:spPr>
+        <p:style>
+          <a:lnRef idx="1">
+            <a:schemeClr val="accent1"/>
+          </a:lnRef>
+          <a:fillRef idx="0">
+            <a:schemeClr val="accent1"/>
+          </a:fillRef>
+          <a:effectRef idx="0">
+            <a:schemeClr val="accent1"/>
+          </a:effectRef>
+          <a:fontRef idx="minor">
+            <a:schemeClr val="tx1"/>
+          </a:fontRef>
+        </p:style>
+      </p:cxnSp>
+      <p:cxnSp>
+        <p:nvCxnSpPr>
+          <p:cNvPr id="35" name="直接箭头连接符 37"/>
+          <p:cNvCxnSpPr>
+            <a:stCxn id="12" idx="3"/>
+            <a:endCxn id="21" idx="1"/>
+          </p:cNvCxnSpPr>
+          <p:nvPr/>
+        </p:nvCxnSpPr>
+        <p:spPr>
+          <a:xfrm>
+            <a:off x="4404843" y="2483512"/>
+            <a:ext cx="380643" cy="579285"/>
+          </a:xfrm>
+          <a:prstGeom prst="bentConnector3">
+            <a:avLst>
+              <a:gd name="adj1" fmla="val 50000"/>
+            </a:avLst>
+          </a:prstGeom>
+          <a:ln w="19050">
+            <a:solidFill>
+              <a:srgbClr val="C00000"/>
+            </a:solidFill>
+            <a:tailEnd type="triangle"/>
+          </a:ln>
+        </p:spPr>
+        <p:style>
+          <a:lnRef idx="1">
+            <a:schemeClr val="accent1"/>
+          </a:lnRef>
+          <a:fillRef idx="0">
+            <a:schemeClr val="accent1"/>
+          </a:fillRef>
+          <a:effectRef idx="0">
+            <a:schemeClr val="accent1"/>
+          </a:effectRef>
+          <a:fontRef idx="minor">
+            <a:schemeClr val="tx1"/>
+          </a:fontRef>
+        </p:style>
+      </p:cxnSp>
+      <p:cxnSp>
+        <p:nvCxnSpPr>
+          <p:cNvPr id="41" name="直接箭头连接符 37"/>
+          <p:cNvCxnSpPr>
+            <a:stCxn id="28" idx="3"/>
+            <a:endCxn id="17" idx="1"/>
+          </p:cNvCxnSpPr>
+          <p:nvPr/>
+        </p:nvCxnSpPr>
+        <p:spPr>
+          <a:xfrm>
+            <a:off x="5118241" y="4267513"/>
+            <a:ext cx="310616" cy="389999"/>
+          </a:xfrm>
+          <a:prstGeom prst="bentConnector3">
+            <a:avLst>
+              <a:gd name="adj1" fmla="val 50000"/>
+            </a:avLst>
+          </a:prstGeom>
+          <a:ln w="19050">
+            <a:solidFill>
+              <a:srgbClr val="C00000"/>
+            </a:solidFill>
+            <a:tailEnd type="triangle"/>
+          </a:ln>
+        </p:spPr>
+        <p:style>
+          <a:lnRef idx="1">
+            <a:schemeClr val="accent1"/>
+          </a:lnRef>
+          <a:fillRef idx="0">
+            <a:schemeClr val="accent1"/>
+          </a:fillRef>
+          <a:effectRef idx="0">
+            <a:schemeClr val="accent1"/>
+          </a:effectRef>
+          <a:fontRef idx="minor">
+            <a:schemeClr val="tx1"/>
+          </a:fontRef>
+        </p:style>
+      </p:cxnSp>
+      <p:cxnSp>
+        <p:nvCxnSpPr>
+          <p:cNvPr id="44" name="直接箭头连接符 37"/>
           <p:cNvCxnSpPr>
             <a:stCxn id="9" idx="3"/>
-            <a:endCxn id="4" idx="1"/>
+            <a:endCxn id="12" idx="1"/>
           </p:cNvCxnSpPr>
           <p:nvPr/>
         </p:nvCxnSpPr>
         <p:spPr>
           <a:xfrm>
-            <a:off x="2287073" y="3923135"/>
-            <a:ext cx="546620" cy="208381"/>
-          </a:xfrm>
-          <a:prstGeom prst="bentConnector3">
-            <a:avLst/>
-          </a:prstGeom>
-          <a:ln>
+            <a:off x="2965591" y="2480388"/>
+            <a:ext cx="345228" cy="3124"/>
+          </a:xfrm>
+          <a:prstGeom prst="straightConnector1">
+            <a:avLst/>
+          </a:prstGeom>
+          <a:ln w="19050">
+            <a:solidFill>
+              <a:srgbClr val="C00000"/>
+            </a:solidFill>
             <a:tailEnd type="triangle"/>
           </a:ln>
         </p:spPr>
         <p:style>
           <a:lnRef idx="1">
-            <a:schemeClr val="dk1"/>
+            <a:schemeClr val="accent1"/>
           </a:lnRef>
           <a:fillRef idx="0">
-            <a:schemeClr val="dk1"/>
+            <a:schemeClr val="accent1"/>
           </a:fillRef>
           <a:effectRef idx="0">
-            <a:schemeClr val="dk1"/>
+            <a:schemeClr val="accent1"/>
           </a:effectRef>
           <a:fontRef idx="minor">
             <a:schemeClr val="tx1"/>
           </a:fontRef>
         </p:style>
       </p:cxnSp>
-      <p:sp>
-        <p:nvSpPr>
-          <p:cNvPr id="22" name="文本框 21"/>
+      <p:cxnSp>
+        <p:nvCxnSpPr>
+          <p:cNvPr id="47" name="直接箭头连接符 37"/>
+          <p:cNvCxnSpPr>
+            <a:stCxn id="10" idx="3"/>
+            <a:endCxn id="13" idx="1"/>
+          </p:cNvCxnSpPr>
+          <p:nvPr/>
+        </p:nvCxnSpPr>
+        <p:spPr>
+          <a:xfrm>
+            <a:off x="2965591" y="3173965"/>
+            <a:ext cx="345228" cy="3145"/>
+          </a:xfrm>
+          <a:prstGeom prst="straightConnector1">
+            <a:avLst/>
+          </a:prstGeom>
+          <a:ln w="19050">
+            <a:solidFill>
+              <a:srgbClr val="C00000"/>
+            </a:solidFill>
+            <a:tailEnd type="triangle"/>
+          </a:ln>
+        </p:spPr>
+        <p:style>
+          <a:lnRef idx="1">
+            <a:schemeClr val="accent1"/>
+          </a:lnRef>
+          <a:fillRef idx="0">
+            <a:schemeClr val="accent1"/>
+          </a:fillRef>
+          <a:effectRef idx="0">
+            <a:schemeClr val="accent1"/>
+          </a:effectRef>
+          <a:fontRef idx="minor">
+            <a:schemeClr val="tx1"/>
+          </a:fontRef>
+        </p:style>
+      </p:cxnSp>
+      <p:cxnSp>
+        <p:nvCxnSpPr>
+          <p:cNvPr id="50" name="直接箭头连接符 37"/>
+          <p:cNvCxnSpPr>
+            <a:stCxn id="11" idx="3"/>
+            <a:endCxn id="16" idx="1"/>
+          </p:cNvCxnSpPr>
+          <p:nvPr/>
+        </p:nvCxnSpPr>
+        <p:spPr>
+          <a:xfrm>
+            <a:off x="2965591" y="3897067"/>
+            <a:ext cx="345228" cy="0"/>
+          </a:xfrm>
+          <a:prstGeom prst="straightConnector1">
+            <a:avLst/>
+          </a:prstGeom>
+          <a:ln w="19050">
+            <a:solidFill>
+              <a:srgbClr val="C00000"/>
+            </a:solidFill>
+            <a:tailEnd type="triangle"/>
+          </a:ln>
+        </p:spPr>
+        <p:style>
+          <a:lnRef idx="1">
+            <a:schemeClr val="accent1"/>
+          </a:lnRef>
+          <a:fillRef idx="0">
+            <a:schemeClr val="accent1"/>
+          </a:fillRef>
+          <a:effectRef idx="0">
+            <a:schemeClr val="accent1"/>
+          </a:effectRef>
+          <a:fontRef idx="minor">
+            <a:schemeClr val="tx1"/>
+          </a:fontRef>
+        </p:style>
+      </p:cxnSp>
+      <p:cxnSp>
+        <p:nvCxnSpPr>
+          <p:cNvPr id="53" name="直接箭头连接符 37"/>
+          <p:cNvCxnSpPr>
+            <a:stCxn id="17" idx="3"/>
+            <a:endCxn id="18" idx="1"/>
+          </p:cNvCxnSpPr>
+          <p:nvPr/>
+        </p:nvCxnSpPr>
+        <p:spPr>
+          <a:xfrm>
+            <a:off x="6522881" y="4657512"/>
+            <a:ext cx="411315" cy="0"/>
+          </a:xfrm>
+          <a:prstGeom prst="straightConnector1">
+            <a:avLst/>
+          </a:prstGeom>
+          <a:ln w="19050">
+            <a:solidFill>
+              <a:srgbClr val="C00000"/>
+            </a:solidFill>
+            <a:tailEnd type="triangle"/>
+          </a:ln>
+        </p:spPr>
+        <p:style>
+          <a:lnRef idx="1">
+            <a:schemeClr val="accent1"/>
+          </a:lnRef>
+          <a:fillRef idx="0">
+            <a:schemeClr val="accent1"/>
+          </a:fillRef>
+          <a:effectRef idx="0">
+            <a:schemeClr val="accent1"/>
+          </a:effectRef>
+          <a:fontRef idx="minor">
+            <a:schemeClr val="tx1"/>
+          </a:fontRef>
+        </p:style>
+      </p:cxnSp>
+      <p:sp>
+        <p:nvSpPr>
+          <p:cNvPr id="57" name="文本框 56"/>
           <p:cNvSpPr txBox="1"/>
           <p:nvPr/>
         </p:nvSpPr>
         <p:spPr>
           <a:xfrm>
-            <a:off x="759341" y="3793964"/>
-            <a:ext cx="949234" cy="276999"/>
+            <a:off x="432314" y="2970239"/>
+            <a:ext cx="1044388" cy="369332"/>
           </a:xfrm>
           <a:prstGeom prst="rect">
             <a:avLst/>
@@ -11870,37 +16448,8 @@
           <a:lstStyle/>
           <a:p>
             <a:r>
-              <a:rPr lang="en-US" altLang="zh-CN" sz="1200" smtClean="0"/>
-              <a:t>32768 bytes</a:t>
-            </a:r>
-            <a:endParaRPr lang="zh-CN" altLang="en-US" sz="1200"/>
-          </a:p>
-        </p:txBody>
-      </p:sp>
-      <p:sp>
-        <p:nvSpPr>
-          <p:cNvPr id="23" name="矩形 22"/>
-          <p:cNvSpPr/>
-          <p:nvPr/>
-        </p:nvSpPr>
-        <p:spPr>
-          <a:xfrm>
-            <a:off x="956962" y="1164084"/>
-            <a:ext cx="2081724" cy="369332"/>
-          </a:xfrm>
-          <a:prstGeom prst="rect">
-            <a:avLst/>
-          </a:prstGeom>
-        </p:spPr>
-        <p:txBody>
-          <a:bodyPr wrap="none">
-            <a:spAutoFit/>
-          </a:bodyPr>
-          <a:lstStyle/>
-          <a:p>
-            <a:r>
               <a:rPr lang="en-US" altLang="zh-CN" smtClean="0"/>
-              <a:t>segment size = 1024</a:t>
+              <a:t>Worker 2</a:t>
             </a:r>
             <a:endParaRPr lang="zh-CN" altLang="en-US"/>
           </a:p>
@@ -11908,14 +16457,14 @@
       </p:sp>
       <p:sp>
         <p:nvSpPr>
-          <p:cNvPr id="24" name="文本框 23"/>
+          <p:cNvPr id="58" name="文本框 57"/>
           <p:cNvSpPr txBox="1"/>
           <p:nvPr/>
         </p:nvSpPr>
         <p:spPr>
           <a:xfrm>
-            <a:off x="851118" y="1750739"/>
-            <a:ext cx="792140" cy="276999"/>
+            <a:off x="432314" y="3677798"/>
+            <a:ext cx="1044388" cy="369332"/>
           </a:xfrm>
           <a:prstGeom prst="rect">
             <a:avLst/>
@@ -11929,147 +16478,17 @@
           <a:lstStyle/>
           <a:p>
             <a:r>
-              <a:rPr lang="en-US" altLang="zh-CN" sz="1200" smtClean="0"/>
-              <a:t>128 </a:t>
-            </a:r>
-            <a:r>
-              <a:rPr lang="en-US" altLang="zh-CN" sz="1200"/>
-              <a:t>bytes</a:t>
-            </a:r>
-            <a:endParaRPr lang="zh-CN" altLang="en-US" sz="1200"/>
-          </a:p>
-        </p:txBody>
-      </p:sp>
-      <p:sp>
-        <p:nvSpPr>
-          <p:cNvPr id="25" name="文本框 24"/>
-          <p:cNvSpPr txBox="1"/>
-          <p:nvPr/>
-        </p:nvSpPr>
-        <p:spPr>
-          <a:xfrm>
-            <a:off x="856416" y="2023043"/>
-            <a:ext cx="792140" cy="276999"/>
-          </a:xfrm>
-          <a:prstGeom prst="rect">
-            <a:avLst/>
-          </a:prstGeom>
-          <a:noFill/>
-        </p:spPr>
-        <p:txBody>
-          <a:bodyPr wrap="none" rtlCol="0">
-            <a:spAutoFit/>
-          </a:bodyPr>
-          <a:lstStyle/>
-          <a:p>
-            <a:r>
-              <a:rPr lang="en-US" altLang="zh-CN" sz="1200" smtClean="0"/>
-              <a:t>258 bytes</a:t>
-            </a:r>
-            <a:endParaRPr lang="zh-CN" altLang="en-US" sz="1200"/>
-          </a:p>
-        </p:txBody>
-      </p:sp>
-      <p:sp>
-        <p:nvSpPr>
-          <p:cNvPr id="26" name="文本框 25"/>
-          <p:cNvSpPr txBox="1"/>
-          <p:nvPr/>
-        </p:nvSpPr>
-        <p:spPr>
-          <a:xfrm>
-            <a:off x="856398" y="2305919"/>
-            <a:ext cx="792140" cy="276999"/>
-          </a:xfrm>
-          <a:prstGeom prst="rect">
-            <a:avLst/>
-          </a:prstGeom>
-          <a:noFill/>
-        </p:spPr>
-        <p:txBody>
-          <a:bodyPr wrap="none" rtlCol="0">
-            <a:spAutoFit/>
-          </a:bodyPr>
-          <a:lstStyle/>
-          <a:p>
-            <a:r>
-              <a:rPr lang="en-US" altLang="zh-CN" sz="1200" smtClean="0"/>
-              <a:t>512 bytes</a:t>
-            </a:r>
-            <a:endParaRPr lang="zh-CN" altLang="en-US" sz="1200"/>
-          </a:p>
-        </p:txBody>
-      </p:sp>
-      <p:sp>
-        <p:nvSpPr>
-          <p:cNvPr id="27" name="文本框 26"/>
-          <p:cNvSpPr txBox="1"/>
-          <p:nvPr/>
-        </p:nvSpPr>
-        <p:spPr>
-          <a:xfrm>
-            <a:off x="1062276" y="2719870"/>
-            <a:ext cx="343364" cy="369332"/>
-          </a:xfrm>
-          <a:prstGeom prst="rect">
-            <a:avLst/>
-          </a:prstGeom>
-          <a:noFill/>
-        </p:spPr>
-        <p:txBody>
-          <a:bodyPr wrap="none" rtlCol="0">
-            <a:spAutoFit/>
-          </a:bodyPr>
-          <a:lstStyle/>
-          <a:p>
-            <a:r>
               <a:rPr lang="en-US" altLang="zh-CN" smtClean="0"/>
-              <a:t>…</a:t>
+              <a:t>Worker 3</a:t>
             </a:r>
             <a:endParaRPr lang="zh-CN" altLang="en-US"/>
           </a:p>
         </p:txBody>
       </p:sp>
-      <p:cxnSp>
-        <p:nvCxnSpPr>
-          <p:cNvPr id="28" name="肘形连接符 27"/>
-          <p:cNvCxnSpPr>
-            <a:stCxn id="4" idx="3"/>
-            <a:endCxn id="5" idx="1"/>
-          </p:cNvCxnSpPr>
-          <p:nvPr/>
-        </p:nvCxnSpPr>
-        <p:spPr>
-          <a:xfrm>
-            <a:off x="3434738" y="4131516"/>
-            <a:ext cx="316464" cy="0"/>
-          </a:xfrm>
-          <a:prstGeom prst="straightConnector1">
-            <a:avLst/>
-          </a:prstGeom>
-          <a:ln>
-            <a:tailEnd type="triangle"/>
-          </a:ln>
-        </p:spPr>
-        <p:style>
-          <a:lnRef idx="1">
-            <a:schemeClr val="dk1"/>
-          </a:lnRef>
-          <a:fillRef idx="0">
-            <a:schemeClr val="dk1"/>
-          </a:fillRef>
-          <a:effectRef idx="0">
-            <a:schemeClr val="dk1"/>
-          </a:effectRef>
-          <a:fontRef idx="minor">
-            <a:schemeClr val="tx1"/>
-          </a:fontRef>
-        </p:style>
-      </p:cxnSp>
     </p:spTree>
     <p:extLst>
       <p:ext uri="{BB962C8B-B14F-4D97-AF65-F5344CB8AC3E}">
-        <p14:creationId xmlns:p14="http://schemas.microsoft.com/office/powerpoint/2010/main" val="2134072860"/>
+        <p14:creationId xmlns:p14="http://schemas.microsoft.com/office/powerpoint/2010/main" val="4265239955"/>
       </p:ext>
     </p:extLst>
   </p:cSld>

--- a/doc/thor architecture.pptx
+++ b/doc/thor architecture.pptx
@@ -4150,11 +4150,7 @@
             <a:pPr algn="ctr"/>
             <a:r>
               <a:rPr lang="en-US" altLang="zh-CN" sz="1400" smtClean="0"/>
-              <a:t>Hash table</a:t>
-            </a:r>
-            <a:r>
-              <a:rPr lang="en-US" altLang="zh-CN" sz="1400" smtClean="0"/>
-              <a:t> index</a:t>
+              <a:t>Hash table index</a:t>
             </a:r>
             <a:endParaRPr lang="zh-CN" altLang="en-US" sz="1400"/>
           </a:p>
@@ -4366,11 +4362,7 @@
             <a:pPr algn="ctr"/>
             <a:r>
               <a:rPr lang="en-US" altLang="zh-CN" sz="1400" smtClean="0"/>
-              <a:t>Hash table</a:t>
-            </a:r>
-            <a:r>
-              <a:rPr lang="en-US" altLang="zh-CN" sz="1400" smtClean="0"/>
-              <a:t> index</a:t>
+              <a:t>Hash table index</a:t>
             </a:r>
             <a:endParaRPr lang="zh-CN" altLang="en-US" sz="1400"/>
           </a:p>
@@ -4492,188 +4484,184 @@
           <a:lstStyle/>
           <a:p>
             <a:r>
-              <a:rPr lang="en-US" altLang="zh-CN" smtClean="0"/>
+              <a:rPr lang="en-US" altLang="zh-CN" dirty="0" smtClean="0"/>
               <a:t>Hash join </a:t>
             </a:r>
             <a:r>
-              <a:rPr lang="zh-CN" altLang="en-US" smtClean="0"/>
+              <a:rPr lang="zh-CN" altLang="en-US" dirty="0" smtClean="0"/>
               <a:t>比较好做并行，主要是因为</a:t>
             </a:r>
             <a:r>
-              <a:rPr lang="en-US" altLang="zh-CN" smtClean="0"/>
+              <a:rPr lang="en-US" altLang="zh-CN" dirty="0" smtClean="0"/>
               <a:t>HASH JOIN</a:t>
             </a:r>
             <a:r>
-              <a:rPr lang="zh-CN" altLang="en-US" smtClean="0"/>
+              <a:rPr lang="zh-CN" altLang="en-US" dirty="0" smtClean="0"/>
               <a:t>适合大小表的情况，如果两个都是大表，则不太好处理。这个时候使用</a:t>
             </a:r>
             <a:r>
-              <a:rPr lang="en-US" altLang="zh-CN" smtClean="0"/>
+              <a:rPr lang="en-US" altLang="zh-CN" dirty="0" smtClean="0"/>
               <a:t>MERGE JOIN</a:t>
             </a:r>
             <a:r>
-              <a:rPr lang="zh-CN" altLang="en-US" smtClean="0"/>
+              <a:rPr lang="zh-CN" altLang="en-US" dirty="0" smtClean="0"/>
               <a:t>会比较好。</a:t>
             </a:r>
-            <a:endParaRPr lang="en-US" altLang="zh-CN" smtClean="0"/>
-          </a:p>
-          <a:p>
-            <a:endParaRPr lang="en-US" altLang="zh-CN"/>
-          </a:p>
-          <a:p>
-            <a:r>
-              <a:rPr lang="zh-CN" altLang="en-US" smtClean="0"/>
+            <a:endParaRPr lang="en-US" altLang="zh-CN" dirty="0" smtClean="0"/>
+          </a:p>
+          <a:p>
+            <a:endParaRPr lang="en-US" altLang="zh-CN" dirty="0"/>
+          </a:p>
+          <a:p>
+            <a:r>
+              <a:rPr lang="zh-CN" altLang="en-US" dirty="0" smtClean="0"/>
               <a:t>之前</a:t>
             </a:r>
             <a:r>
-              <a:rPr lang="en-US" altLang="zh-CN" smtClean="0"/>
+              <a:rPr lang="en-US" altLang="zh-CN" dirty="0" smtClean="0"/>
               <a:t>MONETDB</a:t>
             </a:r>
             <a:r>
-              <a:rPr lang="zh-CN" altLang="en-US" smtClean="0"/>
+              <a:rPr lang="zh-CN" altLang="en-US" dirty="0" smtClean="0"/>
               <a:t>的论文中，提到</a:t>
             </a:r>
             <a:r>
-              <a:rPr lang="en-US" altLang="zh-CN" smtClean="0"/>
+              <a:rPr lang="en-US" altLang="zh-CN" dirty="0" smtClean="0"/>
               <a:t>MERGE JOIN</a:t>
             </a:r>
             <a:r>
-              <a:rPr lang="zh-CN" altLang="en-US" smtClean="0"/>
+              <a:rPr lang="zh-CN" altLang="en-US" dirty="0" smtClean="0"/>
               <a:t>，但方式是将</a:t>
             </a:r>
             <a:r>
-              <a:rPr lang="en-US" altLang="zh-CN" smtClean="0"/>
+              <a:rPr lang="en-US" altLang="zh-CN" dirty="0" smtClean="0"/>
               <a:t>MERGE JOIN</a:t>
             </a:r>
             <a:r>
-              <a:rPr lang="zh-CN" altLang="en-US" smtClean="0"/>
+              <a:rPr lang="zh-CN" altLang="en-US" dirty="0" smtClean="0"/>
               <a:t>替换成</a:t>
             </a:r>
             <a:r>
-              <a:rPr lang="en-US" altLang="zh-CN" smtClean="0"/>
+              <a:rPr lang="en-US" altLang="zh-CN" dirty="0" smtClean="0"/>
               <a:t>HASH JOIN</a:t>
             </a:r>
             <a:r>
-              <a:rPr lang="zh-CN" altLang="en-US" smtClean="0"/>
+              <a:rPr lang="zh-CN" altLang="en-US" dirty="0" smtClean="0"/>
               <a:t>，因为他们觉得：</a:t>
             </a:r>
-            <a:endParaRPr lang="en-US" altLang="zh-CN" smtClean="0"/>
-          </a:p>
-          <a:p>
-            <a:r>
-              <a:rPr lang="en-US" altLang="zh-CN" smtClean="0"/>
+            <a:endParaRPr lang="en-US" altLang="zh-CN" dirty="0" smtClean="0"/>
+          </a:p>
+          <a:p>
+            <a:r>
+              <a:rPr lang="en-US" altLang="zh-CN" dirty="0" smtClean="0"/>
               <a:t>MERGE JOIN</a:t>
             </a:r>
             <a:r>
-              <a:rPr lang="zh-CN" altLang="en-US" smtClean="0"/>
+              <a:rPr lang="zh-CN" altLang="en-US" dirty="0" smtClean="0"/>
               <a:t>有几个缺点：</a:t>
             </a:r>
-            <a:endParaRPr lang="en-US" altLang="zh-CN" smtClean="0"/>
-          </a:p>
-          <a:p>
-            <a:r>
-              <a:rPr lang="zh-CN" altLang="en-US" smtClean="0"/>
+            <a:endParaRPr lang="en-US" altLang="zh-CN" dirty="0" smtClean="0"/>
+          </a:p>
+          <a:p>
+            <a:r>
+              <a:rPr lang="zh-CN" altLang="en-US" dirty="0" smtClean="0"/>
               <a:t>第一个问题是计算的消耗比较大</a:t>
             </a:r>
-            <a:endParaRPr lang="en-US" altLang="zh-CN" smtClean="0"/>
-          </a:p>
-          <a:p>
-            <a:r>
-              <a:rPr lang="zh-CN" altLang="en-US" smtClean="0"/>
+            <a:endParaRPr lang="en-US" altLang="zh-CN" dirty="0" smtClean="0"/>
+          </a:p>
+          <a:p>
+            <a:r>
+              <a:rPr lang="zh-CN" altLang="en-US" dirty="0" smtClean="0"/>
               <a:t>第二个问题是需要序列化整个表，这个内存消耗太大；</a:t>
             </a:r>
-            <a:endParaRPr lang="en-US" altLang="zh-CN" smtClean="0"/>
-          </a:p>
-          <a:p>
-            <a:endParaRPr lang="en-US" altLang="zh-CN"/>
-          </a:p>
-          <a:p>
-            <a:r>
-              <a:rPr lang="zh-CN" altLang="en-US" smtClean="0"/>
+            <a:endParaRPr lang="en-US" altLang="zh-CN" dirty="0" smtClean="0"/>
+          </a:p>
+          <a:p>
+            <a:endParaRPr lang="en-US" altLang="zh-CN" dirty="0"/>
+          </a:p>
+          <a:p>
+            <a:r>
+              <a:rPr lang="zh-CN" altLang="en-US" dirty="0" smtClean="0"/>
               <a:t>对于第一个问题，</a:t>
             </a:r>
             <a:r>
-              <a:rPr lang="en-US" altLang="zh-CN" smtClean="0"/>
+              <a:rPr lang="en-US" altLang="zh-CN" dirty="0" smtClean="0"/>
               <a:t>HYPER</a:t>
             </a:r>
             <a:r>
-              <a:rPr lang="zh-CN" altLang="en-US" smtClean="0"/>
+              <a:rPr lang="zh-CN" altLang="en-US" dirty="0" smtClean="0"/>
               <a:t>上经过实践，</a:t>
             </a:r>
             <a:r>
-              <a:rPr lang="en-US" altLang="zh-CN" smtClean="0"/>
+              <a:rPr lang="en-US" altLang="zh-CN" dirty="0" smtClean="0"/>
               <a:t>SORT</a:t>
             </a:r>
             <a:r>
-              <a:rPr lang="zh-CN" altLang="en-US" smtClean="0"/>
+              <a:rPr lang="zh-CN" altLang="en-US" dirty="0" smtClean="0"/>
               <a:t>的性能并行后续的优势会比较大，如果使用多种排序组合，特别是整形数据</a:t>
             </a:r>
             <a:r>
-              <a:rPr lang="zh-CN" altLang="en-US"/>
+              <a:rPr lang="zh-CN" altLang="en-US" dirty="0"/>
               <a:t>，使用</a:t>
             </a:r>
             <a:r>
-              <a:rPr lang="en-US" altLang="zh-CN"/>
+              <a:rPr lang="en-US" altLang="zh-CN" dirty="0"/>
               <a:t>RADIX</a:t>
             </a:r>
             <a:r>
-              <a:rPr lang="zh-CN" altLang="en-US"/>
+              <a:rPr lang="zh-CN" altLang="en-US" dirty="0"/>
               <a:t> </a:t>
             </a:r>
             <a:r>
-              <a:rPr lang="en-US" altLang="zh-CN"/>
+              <a:rPr lang="en-US" altLang="zh-CN" dirty="0"/>
               <a:t>SORT</a:t>
             </a:r>
             <a:r>
-              <a:rPr lang="zh-CN" altLang="en-US"/>
-              <a:t>性能是</a:t>
-            </a:r>
-            <a:r>
-              <a:rPr lang="zh-CN" altLang="en-US"/>
-              <a:t>比较</a:t>
-            </a:r>
-            <a:r>
-              <a:rPr lang="zh-CN" altLang="en-US" smtClean="0"/>
+              <a:rPr lang="zh-CN" altLang="en-US" dirty="0"/>
+              <a:t>性能是比较</a:t>
+            </a:r>
+            <a:r>
+              <a:rPr lang="zh-CN" altLang="en-US" dirty="0" smtClean="0"/>
               <a:t>好的，另外，有可能数据本身就是排序的；</a:t>
             </a:r>
-            <a:endParaRPr lang="en-US" altLang="zh-CN" smtClean="0"/>
-          </a:p>
-          <a:p>
-            <a:endParaRPr lang="en-US" altLang="zh-CN" smtClean="0"/>
-          </a:p>
-          <a:p>
-            <a:r>
-              <a:rPr lang="zh-CN" altLang="en-US" smtClean="0"/>
+            <a:endParaRPr lang="en-US" altLang="zh-CN" dirty="0" smtClean="0"/>
+          </a:p>
+          <a:p>
+            <a:endParaRPr lang="en-US" altLang="zh-CN" dirty="0" smtClean="0"/>
+          </a:p>
+          <a:p>
+            <a:r>
+              <a:rPr lang="zh-CN" altLang="en-US" dirty="0" smtClean="0"/>
               <a:t>对于第二个问题，内存问题，目前没有很好的办法，但如果基于分布式的场景，未尝不能考虑</a:t>
             </a:r>
-            <a:endParaRPr lang="en-US" altLang="zh-CN" smtClean="0"/>
-          </a:p>
-          <a:p>
-            <a:endParaRPr lang="en-US" altLang="zh-CN"/>
-          </a:p>
-          <a:p>
-            <a:r>
-              <a:rPr lang="zh-CN" altLang="en-US" smtClean="0"/>
+            <a:endParaRPr lang="en-US" altLang="zh-CN" dirty="0" smtClean="0"/>
+          </a:p>
+          <a:p>
+            <a:endParaRPr lang="en-US" altLang="zh-CN" dirty="0"/>
+          </a:p>
+          <a:p>
+            <a:r>
+              <a:rPr lang="zh-CN" altLang="en-US" dirty="0" smtClean="0"/>
               <a:t>综合来看，</a:t>
             </a:r>
             <a:r>
-              <a:rPr lang="en-US" altLang="zh-CN" smtClean="0"/>
+              <a:rPr lang="en-US" altLang="zh-CN" dirty="0" smtClean="0"/>
               <a:t>MERGE JOIN</a:t>
             </a:r>
             <a:r>
-              <a:rPr lang="zh-CN" altLang="en-US" smtClean="0"/>
+              <a:rPr lang="zh-CN" altLang="en-US" dirty="0" smtClean="0"/>
               <a:t>目前可以先不做，但后续需要考虑</a:t>
             </a:r>
-            <a:endParaRPr lang="en-US" altLang="zh-CN"/>
-          </a:p>
-          <a:p>
-            <a:endParaRPr lang="en-US" altLang="zh-CN" smtClean="0"/>
-          </a:p>
-          <a:p>
-            <a:endParaRPr lang="en-US" altLang="zh-CN"/>
-          </a:p>
-          <a:p>
-            <a:endParaRPr lang="en-US" altLang="zh-CN" smtClean="0"/>
+            <a:endParaRPr lang="en-US" altLang="zh-CN" dirty="0"/>
+          </a:p>
+          <a:p>
+            <a:endParaRPr lang="en-US" altLang="zh-CN" dirty="0" smtClean="0"/>
+          </a:p>
+          <a:p>
+            <a:endParaRPr lang="en-US" altLang="zh-CN" dirty="0"/>
+          </a:p>
+          <a:p>
+            <a:endParaRPr lang="en-US" altLang="zh-CN" dirty="0" smtClean="0"/>
           </a:p>
         </p:txBody>
       </p:sp>
@@ -4730,6 +4718,43 @@
           </a:p>
         </p:txBody>
       </p:sp>
+      <p:sp>
+        <p:nvSpPr>
+          <p:cNvPr id="4" name="文本框 3"/>
+          <p:cNvSpPr txBox="1"/>
+          <p:nvPr/>
+        </p:nvSpPr>
+        <p:spPr>
+          <a:xfrm>
+            <a:off x="939113" y="1094874"/>
+            <a:ext cx="8263801" cy="646331"/>
+          </a:xfrm>
+          <a:prstGeom prst="rect">
+            <a:avLst/>
+          </a:prstGeom>
+          <a:noFill/>
+        </p:spPr>
+        <p:txBody>
+          <a:bodyPr wrap="none" rtlCol="0">
+            <a:spAutoFit/>
+          </a:bodyPr>
+          <a:lstStyle/>
+          <a:p>
+            <a:r>
+              <a:rPr lang="zh-CN" altLang="en-US" dirty="0" smtClean="0"/>
+              <a:t>星型连接即多个表（通常是小表）和一个大表连接，更复杂的连接则是雪花表；</a:t>
+            </a:r>
+            <a:endParaRPr lang="en-US" altLang="zh-CN" dirty="0" smtClean="0"/>
+          </a:p>
+          <a:p>
+            <a:r>
+              <a:rPr lang="zh-CN" altLang="en-US" dirty="0" smtClean="0"/>
+              <a:t>星型连接在实际的数据仓库中非常常见，因此需要后续考虑进行合理优化。</a:t>
+            </a:r>
+            <a:endParaRPr lang="zh-CN" altLang="en-US" dirty="0"/>
+          </a:p>
+        </p:txBody>
+      </p:sp>
     </p:spTree>
     <p:extLst>
       <p:ext uri="{BB962C8B-B14F-4D97-AF65-F5344CB8AC3E}">
@@ -4801,113 +4826,117 @@
           <a:lstStyle/>
           <a:p>
             <a:r>
-              <a:rPr lang="en-US" altLang="zh-CN" smtClean="0"/>
+              <a:rPr lang="en-US" altLang="zh-CN" dirty="0" smtClean="0"/>
               <a:t>Main thread</a:t>
             </a:r>
           </a:p>
           <a:p>
             <a:pPr lvl="1"/>
             <a:r>
-              <a:rPr lang="en-US" altLang="zh-CN" smtClean="0"/>
+              <a:rPr lang="en-US" altLang="zh-CN" dirty="0" smtClean="0"/>
               <a:t>Parser-&gt; execute plan</a:t>
             </a:r>
           </a:p>
           <a:p>
             <a:pPr lvl="1"/>
             <a:r>
-              <a:rPr lang="en-US" altLang="zh-CN" smtClean="0"/>
+              <a:rPr lang="en-US" altLang="zh-CN" dirty="0" smtClean="0"/>
               <a:t>Generate Parallel </a:t>
             </a:r>
             <a:r>
-              <a:rPr lang="en-US" altLang="zh-CN"/>
+              <a:rPr lang="en-US" altLang="zh-CN" dirty="0"/>
               <a:t>execute </a:t>
             </a:r>
             <a:r>
-              <a:rPr lang="en-US" altLang="zh-CN" smtClean="0"/>
+              <a:rPr lang="en-US" altLang="zh-CN" dirty="0" smtClean="0"/>
               <a:t>plan</a:t>
             </a:r>
           </a:p>
           <a:p>
             <a:pPr lvl="1"/>
             <a:r>
-              <a:rPr lang="en-US" altLang="zh-CN" smtClean="0"/>
+              <a:rPr lang="en-US" altLang="zh-CN" dirty="0" smtClean="0"/>
               <a:t>Get the all thread resource </a:t>
             </a:r>
           </a:p>
           <a:p>
             <a:pPr lvl="1"/>
             <a:r>
-              <a:rPr lang="en-US" altLang="zh-CN" smtClean="0"/>
+              <a:rPr lang="en-US" altLang="zh-CN" dirty="0" smtClean="0"/>
               <a:t>Dispatch the sub tasks</a:t>
             </a:r>
           </a:p>
           <a:p>
             <a:pPr lvl="1"/>
             <a:r>
-              <a:rPr lang="en-US" altLang="zh-CN" smtClean="0"/>
+              <a:rPr lang="en-US" altLang="zh-CN" dirty="0" smtClean="0"/>
               <a:t>Loop Execute root next</a:t>
             </a:r>
           </a:p>
           <a:p>
             <a:pPr lvl="1"/>
             <a:r>
-              <a:rPr lang="en-US" altLang="zh-CN" smtClean="0"/>
+              <a:rPr lang="en-US" altLang="zh-CN" dirty="0" smtClean="0"/>
               <a:t>Sub node call the exchange node </a:t>
             </a:r>
           </a:p>
           <a:p>
             <a:pPr lvl="1"/>
             <a:r>
-              <a:rPr lang="en-US" altLang="zh-CN"/>
+              <a:rPr lang="en-US" altLang="zh-CN" dirty="0"/>
               <a:t>exchange </a:t>
             </a:r>
             <a:r>
-              <a:rPr lang="en-US" altLang="zh-CN" smtClean="0"/>
+              <a:rPr lang="en-US" altLang="zh-CN" dirty="0" smtClean="0"/>
               <a:t>node fetch completed buffer from other worker thread generated (maybe blocked)</a:t>
             </a:r>
           </a:p>
           <a:p>
             <a:pPr lvl="1"/>
-            <a:endParaRPr lang="en-US" altLang="zh-CN"/>
-          </a:p>
-          <a:p>
-            <a:r>
-              <a:rPr lang="en-US" altLang="zh-CN" smtClean="0"/>
+            <a:endParaRPr lang="en-US" altLang="zh-CN" dirty="0"/>
+          </a:p>
+          <a:p>
+            <a:r>
+              <a:rPr lang="en-US" altLang="zh-CN" dirty="0" smtClean="0"/>
               <a:t>Worker thread</a:t>
             </a:r>
           </a:p>
           <a:p>
             <a:pPr lvl="1"/>
             <a:r>
-              <a:rPr lang="en-US" altLang="zh-CN" smtClean="0"/>
+              <a:rPr lang="en-US" altLang="zh-CN" dirty="0" smtClean="0"/>
               <a:t>Get the sub task</a:t>
             </a:r>
           </a:p>
           <a:p>
             <a:pPr lvl="1"/>
             <a:r>
-              <a:rPr lang="en-US" altLang="zh-CN" smtClean="0"/>
-              <a:t>Alloc the buffer from the root tree</a:t>
+              <a:rPr lang="en-US" altLang="zh-CN" dirty="0" err="1" smtClean="0"/>
+              <a:t>Alloc</a:t>
+            </a:r>
+            <a:r>
+              <a:rPr lang="en-US" altLang="zh-CN" dirty="0" smtClean="0"/>
+              <a:t> the buffer from the root tree</a:t>
             </a:r>
           </a:p>
           <a:p>
             <a:pPr lvl="1"/>
             <a:r>
-              <a:rPr lang="en-US" altLang="zh-CN" smtClean="0"/>
+              <a:rPr lang="en-US" altLang="zh-CN" dirty="0" smtClean="0"/>
               <a:t>Execute the sub tree to the result buffer</a:t>
             </a:r>
           </a:p>
           <a:p>
             <a:pPr lvl="1"/>
-            <a:endParaRPr lang="en-US" altLang="zh-CN" smtClean="0"/>
+            <a:endParaRPr lang="en-US" altLang="zh-CN" dirty="0" smtClean="0"/>
           </a:p>
           <a:p>
             <a:pPr lvl="1"/>
-            <a:endParaRPr lang="en-US" altLang="zh-CN" smtClean="0"/>
+            <a:endParaRPr lang="en-US" altLang="zh-CN" dirty="0" smtClean="0"/>
           </a:p>
           <a:p>
             <a:pPr lvl="1"/>
-            <a:endParaRPr lang="zh-CN" altLang="en-US"/>
+            <a:endParaRPr lang="zh-CN" altLang="en-US" dirty="0"/>
           </a:p>
         </p:txBody>
       </p:sp>

--- a/doc/thor architecture.pptx
+++ b/doc/thor architecture.pptx
@@ -19,8 +19,9 @@
     <p:sldId id="271" r:id="rId13"/>
     <p:sldId id="268" r:id="rId14"/>
     <p:sldId id="267" r:id="rId15"/>
-    <p:sldId id="263" r:id="rId16"/>
-    <p:sldId id="264" r:id="rId17"/>
+    <p:sldId id="272" r:id="rId16"/>
+    <p:sldId id="263" r:id="rId17"/>
+    <p:sldId id="264" r:id="rId18"/>
   </p:sldIdLst>
   <p:sldSz cx="12192000" cy="6858000"/>
   <p:notesSz cx="6858000" cy="9144000"/>
@@ -258,7 +259,7 @@
           <a:p>
             <a:fld id="{26E5557C-EA97-4CBB-BFBF-8E388EEF4F51}" type="datetimeFigureOut">
               <a:rPr lang="zh-CN" altLang="en-US" smtClean="0"/>
-              <a:t>2014/10/4</a:t>
+              <a:t>2014/10/5</a:t>
             </a:fld>
             <a:endParaRPr lang="zh-CN" altLang="en-US"/>
           </a:p>
@@ -428,7 +429,7 @@
           <a:p>
             <a:fld id="{26E5557C-EA97-4CBB-BFBF-8E388EEF4F51}" type="datetimeFigureOut">
               <a:rPr lang="zh-CN" altLang="en-US" smtClean="0"/>
-              <a:t>2014/10/4</a:t>
+              <a:t>2014/10/5</a:t>
             </a:fld>
             <a:endParaRPr lang="zh-CN" altLang="en-US"/>
           </a:p>
@@ -608,7 +609,7 @@
           <a:p>
             <a:fld id="{26E5557C-EA97-4CBB-BFBF-8E388EEF4F51}" type="datetimeFigureOut">
               <a:rPr lang="zh-CN" altLang="en-US" smtClean="0"/>
-              <a:t>2014/10/4</a:t>
+              <a:t>2014/10/5</a:t>
             </a:fld>
             <a:endParaRPr lang="zh-CN" altLang="en-US"/>
           </a:p>
@@ -778,7 +779,7 @@
           <a:p>
             <a:fld id="{26E5557C-EA97-4CBB-BFBF-8E388EEF4F51}" type="datetimeFigureOut">
               <a:rPr lang="zh-CN" altLang="en-US" smtClean="0"/>
-              <a:t>2014/10/4</a:t>
+              <a:t>2014/10/5</a:t>
             </a:fld>
             <a:endParaRPr lang="zh-CN" altLang="en-US"/>
           </a:p>
@@ -1024,7 +1025,7 @@
           <a:p>
             <a:fld id="{26E5557C-EA97-4CBB-BFBF-8E388EEF4F51}" type="datetimeFigureOut">
               <a:rPr lang="zh-CN" altLang="en-US" smtClean="0"/>
-              <a:t>2014/10/4</a:t>
+              <a:t>2014/10/5</a:t>
             </a:fld>
             <a:endParaRPr lang="zh-CN" altLang="en-US"/>
           </a:p>
@@ -1256,7 +1257,7 @@
           <a:p>
             <a:fld id="{26E5557C-EA97-4CBB-BFBF-8E388EEF4F51}" type="datetimeFigureOut">
               <a:rPr lang="zh-CN" altLang="en-US" smtClean="0"/>
-              <a:t>2014/10/4</a:t>
+              <a:t>2014/10/5</a:t>
             </a:fld>
             <a:endParaRPr lang="zh-CN" altLang="en-US"/>
           </a:p>
@@ -1623,7 +1624,7 @@
           <a:p>
             <a:fld id="{26E5557C-EA97-4CBB-BFBF-8E388EEF4F51}" type="datetimeFigureOut">
               <a:rPr lang="zh-CN" altLang="en-US" smtClean="0"/>
-              <a:t>2014/10/4</a:t>
+              <a:t>2014/10/5</a:t>
             </a:fld>
             <a:endParaRPr lang="zh-CN" altLang="en-US"/>
           </a:p>
@@ -1746,7 +1747,7 @@
           <a:p>
             <a:fld id="{26E5557C-EA97-4CBB-BFBF-8E388EEF4F51}" type="datetimeFigureOut">
               <a:rPr lang="zh-CN" altLang="en-US" smtClean="0"/>
-              <a:t>2014/10/4</a:t>
+              <a:t>2014/10/5</a:t>
             </a:fld>
             <a:endParaRPr lang="zh-CN" altLang="en-US"/>
           </a:p>
@@ -1841,7 +1842,7 @@
           <a:p>
             <a:fld id="{26E5557C-EA97-4CBB-BFBF-8E388EEF4F51}" type="datetimeFigureOut">
               <a:rPr lang="zh-CN" altLang="en-US" smtClean="0"/>
-              <a:t>2014/10/4</a:t>
+              <a:t>2014/10/5</a:t>
             </a:fld>
             <a:endParaRPr lang="zh-CN" altLang="en-US"/>
           </a:p>
@@ -2118,7 +2119,7 @@
           <a:p>
             <a:fld id="{26E5557C-EA97-4CBB-BFBF-8E388EEF4F51}" type="datetimeFigureOut">
               <a:rPr lang="zh-CN" altLang="en-US" smtClean="0"/>
-              <a:t>2014/10/4</a:t>
+              <a:t>2014/10/5</a:t>
             </a:fld>
             <a:endParaRPr lang="zh-CN" altLang="en-US"/>
           </a:p>
@@ -2375,7 +2376,7 @@
           <a:p>
             <a:fld id="{26E5557C-EA97-4CBB-BFBF-8E388EEF4F51}" type="datetimeFigureOut">
               <a:rPr lang="zh-CN" altLang="en-US" smtClean="0"/>
-              <a:t>2014/10/4</a:t>
+              <a:t>2014/10/5</a:t>
             </a:fld>
             <a:endParaRPr lang="zh-CN" altLang="en-US"/>
           </a:p>
@@ -2588,7 +2589,7 @@
           <a:p>
             <a:fld id="{26E5557C-EA97-4CBB-BFBF-8E388EEF4F51}" type="datetimeFigureOut">
               <a:rPr lang="zh-CN" altLang="en-US" smtClean="0"/>
-              <a:t>2014/10/4</a:t>
+              <a:t>2014/10/5</a:t>
             </a:fld>
             <a:endParaRPr lang="zh-CN" altLang="en-US"/>
           </a:p>
@@ -4727,7 +4728,7 @@
         <p:spPr>
           <a:xfrm>
             <a:off x="939113" y="1094874"/>
-            <a:ext cx="8263801" cy="646331"/>
+            <a:ext cx="10173646" cy="2031325"/>
           </a:xfrm>
           <a:prstGeom prst="rect">
             <a:avLst/>
@@ -4735,7 +4736,7 @@
           <a:noFill/>
         </p:spPr>
         <p:txBody>
-          <a:bodyPr wrap="none" rtlCol="0">
+          <a:bodyPr wrap="square" rtlCol="0">
             <a:spAutoFit/>
           </a:bodyPr>
           <a:lstStyle/>
@@ -4749,8 +4750,70 @@
           <a:p>
             <a:r>
               <a:rPr lang="zh-CN" altLang="en-US" dirty="0" smtClean="0"/>
-              <a:t>星型连接在实际的数据仓库中非常常见，因此需要后续考虑进行合理优化。</a:t>
-            </a:r>
+              <a:t>星型连接在实际的数据仓库中非常常见，因此需要后续考虑进行合理</a:t>
+            </a:r>
+            <a:r>
+              <a:rPr lang="zh-CN" altLang="en-US" smtClean="0"/>
+              <a:t>优化</a:t>
+            </a:r>
+            <a:r>
+              <a:rPr lang="zh-CN" altLang="en-US" smtClean="0"/>
+              <a:t>。</a:t>
+            </a:r>
+            <a:endParaRPr lang="en-US" altLang="zh-CN" smtClean="0"/>
+          </a:p>
+          <a:p>
+            <a:endParaRPr lang="en-US" altLang="zh-CN"/>
+          </a:p>
+          <a:p>
+            <a:r>
+              <a:rPr lang="zh-CN" altLang="en-US" smtClean="0"/>
+              <a:t>关于多级并行的问题，</a:t>
+            </a:r>
+            <a:r>
+              <a:rPr lang="zh-CN" altLang="en-US" smtClean="0"/>
+              <a:t>如下语句</a:t>
+            </a:r>
+            <a:endParaRPr lang="en-US" altLang="zh-CN" smtClean="0"/>
+          </a:p>
+          <a:p>
+            <a:r>
+              <a:rPr lang="en-US" altLang="zh-CN" smtClean="0"/>
+              <a:t>Select a.f1, count(a.f2) from test1 a, test2 b where a.f1=b.f1 group by a.f1;</a:t>
+            </a:r>
+          </a:p>
+          <a:p>
+            <a:r>
+              <a:rPr lang="zh-CN" altLang="en-US" smtClean="0"/>
+              <a:t>解决并行的方式是通过多级并行方式，在</a:t>
+            </a:r>
+            <a:r>
+              <a:rPr lang="en-US" altLang="zh-CN" smtClean="0"/>
+              <a:t>group</a:t>
+            </a:r>
+            <a:r>
+              <a:rPr lang="zh-CN" altLang="en-US" smtClean="0"/>
+              <a:t>和</a:t>
+            </a:r>
+            <a:r>
+              <a:rPr lang="en-US" altLang="zh-CN" smtClean="0"/>
+              <a:t>join</a:t>
+            </a:r>
+            <a:r>
+              <a:rPr lang="zh-CN" altLang="en-US" smtClean="0"/>
+              <a:t>节点增加 </a:t>
+            </a:r>
+            <a:r>
+              <a:rPr lang="en-US" altLang="zh-CN" smtClean="0"/>
+              <a:t>exchange(n&gt;m)</a:t>
+            </a:r>
+            <a:r>
+              <a:rPr lang="zh-CN" altLang="en-US" smtClean="0"/>
+              <a:t>节点</a:t>
+            </a:r>
+            <a:endParaRPr lang="en-US" altLang="zh-CN" smtClean="0"/>
+          </a:p>
+          <a:p>
             <a:endParaRPr lang="zh-CN" altLang="en-US" dirty="0"/>
           </a:p>
         </p:txBody>
@@ -5114,6 +5177,55 @@
 </file>
 
 <file path=ppt/slides/slide15.xml><?xml version="1.0" encoding="utf-8"?>
+<p:sld xmlns:a="http://schemas.openxmlformats.org/drawingml/2006/main" xmlns:r="http://schemas.openxmlformats.org/officeDocument/2006/relationships" xmlns:p="http://schemas.openxmlformats.org/presentationml/2006/main">
+  <p:cSld>
+    <p:spTree>
+      <p:nvGrpSpPr>
+        <p:cNvPr id="1" name=""/>
+        <p:cNvGrpSpPr/>
+        <p:nvPr/>
+      </p:nvGrpSpPr>
+      <p:grpSpPr>
+        <a:xfrm>
+          <a:off x="0" y="0"/>
+          <a:ext cx="0" cy="0"/>
+          <a:chOff x="0" y="0"/>
+          <a:chExt cx="0" cy="0"/>
+        </a:xfrm>
+      </p:grpSpPr>
+      <p:sp>
+        <p:nvSpPr>
+          <p:cNvPr id="4" name="标题 3"/>
+          <p:cNvSpPr>
+            <a:spLocks noGrp="1"/>
+          </p:cNvSpPr>
+          <p:nvPr>
+            <p:ph type="title"/>
+          </p:nvPr>
+        </p:nvSpPr>
+        <p:spPr/>
+        <p:txBody>
+          <a:bodyPr/>
+          <a:lstStyle/>
+          <a:p>
+            <a:endParaRPr lang="zh-CN" altLang="en-US"/>
+          </a:p>
+        </p:txBody>
+      </p:sp>
+    </p:spTree>
+    <p:extLst>
+      <p:ext uri="{BB962C8B-B14F-4D97-AF65-F5344CB8AC3E}">
+        <p14:creationId xmlns:p14="http://schemas.microsoft.com/office/powerpoint/2010/main" val="1835665518"/>
+      </p:ext>
+    </p:extLst>
+  </p:cSld>
+  <p:clrMapOvr>
+    <a:masterClrMapping/>
+  </p:clrMapOvr>
+</p:sld>
+</file>
+
+<file path=ppt/slides/slide16.xml><?xml version="1.0" encoding="utf-8"?>
 <p:sld xmlns:a="http://schemas.openxmlformats.org/drawingml/2006/main" xmlns:r="http://schemas.openxmlformats.org/officeDocument/2006/relationships" xmlns:p="http://schemas.openxmlformats.org/presentationml/2006/main">
   <p:cSld>
     <p:spTree>
@@ -7015,7 +7127,7 @@
 </p:sld>
 </file>
 
-<file path=ppt/slides/slide16.xml><?xml version="1.0" encoding="utf-8"?>
+<file path=ppt/slides/slide17.xml><?xml version="1.0" encoding="utf-8"?>
 <p:sld xmlns:a="http://schemas.openxmlformats.org/drawingml/2006/main" xmlns:r="http://schemas.openxmlformats.org/officeDocument/2006/relationships" xmlns:p="http://schemas.openxmlformats.org/presentationml/2006/main">
   <p:cSld>
     <p:spTree>

--- a/doc/thor architecture.pptx
+++ b/doc/thor architecture.pptx
@@ -23,6 +23,12 @@
     <p:sldId id="272" r:id="rId17"/>
     <p:sldId id="263" r:id="rId18"/>
     <p:sldId id="264" r:id="rId19"/>
+    <p:sldId id="276" r:id="rId20"/>
+    <p:sldId id="274" r:id="rId21"/>
+    <p:sldId id="275" r:id="rId22"/>
+    <p:sldId id="277" r:id="rId23"/>
+    <p:sldId id="278" r:id="rId24"/>
+    <p:sldId id="279" r:id="rId25"/>
   </p:sldIdLst>
   <p:sldSz cx="12192000" cy="6858000"/>
   <p:notesSz cx="6858000" cy="9144000"/>
@@ -260,7 +266,7 @@
           <a:p>
             <a:fld id="{26E5557C-EA97-4CBB-BFBF-8E388EEF4F51}" type="datetimeFigureOut">
               <a:rPr lang="zh-CN" altLang="en-US" smtClean="0"/>
-              <a:t>2014/10/14</a:t>
+              <a:t>2014/10/23</a:t>
             </a:fld>
             <a:endParaRPr lang="zh-CN" altLang="en-US"/>
           </a:p>
@@ -430,7 +436,7 @@
           <a:p>
             <a:fld id="{26E5557C-EA97-4CBB-BFBF-8E388EEF4F51}" type="datetimeFigureOut">
               <a:rPr lang="zh-CN" altLang="en-US" smtClean="0"/>
-              <a:t>2014/10/14</a:t>
+              <a:t>2014/10/23</a:t>
             </a:fld>
             <a:endParaRPr lang="zh-CN" altLang="en-US"/>
           </a:p>
@@ -610,7 +616,7 @@
           <a:p>
             <a:fld id="{26E5557C-EA97-4CBB-BFBF-8E388EEF4F51}" type="datetimeFigureOut">
               <a:rPr lang="zh-CN" altLang="en-US" smtClean="0"/>
-              <a:t>2014/10/14</a:t>
+              <a:t>2014/10/23</a:t>
             </a:fld>
             <a:endParaRPr lang="zh-CN" altLang="en-US"/>
           </a:p>
@@ -780,7 +786,7 @@
           <a:p>
             <a:fld id="{26E5557C-EA97-4CBB-BFBF-8E388EEF4F51}" type="datetimeFigureOut">
               <a:rPr lang="zh-CN" altLang="en-US" smtClean="0"/>
-              <a:t>2014/10/14</a:t>
+              <a:t>2014/10/23</a:t>
             </a:fld>
             <a:endParaRPr lang="zh-CN" altLang="en-US"/>
           </a:p>
@@ -1026,7 +1032,7 @@
           <a:p>
             <a:fld id="{26E5557C-EA97-4CBB-BFBF-8E388EEF4F51}" type="datetimeFigureOut">
               <a:rPr lang="zh-CN" altLang="en-US" smtClean="0"/>
-              <a:t>2014/10/14</a:t>
+              <a:t>2014/10/23</a:t>
             </a:fld>
             <a:endParaRPr lang="zh-CN" altLang="en-US"/>
           </a:p>
@@ -1258,7 +1264,7 @@
           <a:p>
             <a:fld id="{26E5557C-EA97-4CBB-BFBF-8E388EEF4F51}" type="datetimeFigureOut">
               <a:rPr lang="zh-CN" altLang="en-US" smtClean="0"/>
-              <a:t>2014/10/14</a:t>
+              <a:t>2014/10/23</a:t>
             </a:fld>
             <a:endParaRPr lang="zh-CN" altLang="en-US"/>
           </a:p>
@@ -1625,7 +1631,7 @@
           <a:p>
             <a:fld id="{26E5557C-EA97-4CBB-BFBF-8E388EEF4F51}" type="datetimeFigureOut">
               <a:rPr lang="zh-CN" altLang="en-US" smtClean="0"/>
-              <a:t>2014/10/14</a:t>
+              <a:t>2014/10/23</a:t>
             </a:fld>
             <a:endParaRPr lang="zh-CN" altLang="en-US"/>
           </a:p>
@@ -1748,7 +1754,7 @@
           <a:p>
             <a:fld id="{26E5557C-EA97-4CBB-BFBF-8E388EEF4F51}" type="datetimeFigureOut">
               <a:rPr lang="zh-CN" altLang="en-US" smtClean="0"/>
-              <a:t>2014/10/14</a:t>
+              <a:t>2014/10/23</a:t>
             </a:fld>
             <a:endParaRPr lang="zh-CN" altLang="en-US"/>
           </a:p>
@@ -1843,7 +1849,7 @@
           <a:p>
             <a:fld id="{26E5557C-EA97-4CBB-BFBF-8E388EEF4F51}" type="datetimeFigureOut">
               <a:rPr lang="zh-CN" altLang="en-US" smtClean="0"/>
-              <a:t>2014/10/14</a:t>
+              <a:t>2014/10/23</a:t>
             </a:fld>
             <a:endParaRPr lang="zh-CN" altLang="en-US"/>
           </a:p>
@@ -2120,7 +2126,7 @@
           <a:p>
             <a:fld id="{26E5557C-EA97-4CBB-BFBF-8E388EEF4F51}" type="datetimeFigureOut">
               <a:rPr lang="zh-CN" altLang="en-US" smtClean="0"/>
-              <a:t>2014/10/14</a:t>
+              <a:t>2014/10/23</a:t>
             </a:fld>
             <a:endParaRPr lang="zh-CN" altLang="en-US"/>
           </a:p>
@@ -2377,7 +2383,7 @@
           <a:p>
             <a:fld id="{26E5557C-EA97-4CBB-BFBF-8E388EEF4F51}" type="datetimeFigureOut">
               <a:rPr lang="zh-CN" altLang="en-US" smtClean="0"/>
-              <a:t>2014/10/14</a:t>
+              <a:t>2014/10/23</a:t>
             </a:fld>
             <a:endParaRPr lang="zh-CN" altLang="en-US"/>
           </a:p>
@@ -2590,7 +2596,7 @@
           <a:p>
             <a:fld id="{26E5557C-EA97-4CBB-BFBF-8E388EEF4F51}" type="datetimeFigureOut">
               <a:rPr lang="zh-CN" altLang="en-US" smtClean="0"/>
-              <a:t>2014/10/14</a:t>
+              <a:t>2014/10/23</a:t>
             </a:fld>
             <a:endParaRPr lang="zh-CN" altLang="en-US"/>
           </a:p>
@@ -9202,6 +9208,552 @@
 </p:sld>
 </file>
 
+<file path=ppt/slides/slide19.xml><?xml version="1.0" encoding="utf-8"?>
+<p:sld xmlns:a="http://schemas.openxmlformats.org/drawingml/2006/main" xmlns:r="http://schemas.openxmlformats.org/officeDocument/2006/relationships" xmlns:p="http://schemas.openxmlformats.org/presentationml/2006/main">
+  <p:cSld>
+    <p:spTree>
+      <p:nvGrpSpPr>
+        <p:cNvPr id="1" name=""/>
+        <p:cNvGrpSpPr/>
+        <p:nvPr/>
+      </p:nvGrpSpPr>
+      <p:grpSpPr>
+        <a:xfrm>
+          <a:off x="0" y="0"/>
+          <a:ext cx="0" cy="0"/>
+          <a:chOff x="0" y="0"/>
+          <a:chExt cx="0" cy="0"/>
+        </a:xfrm>
+      </p:grpSpPr>
+      <p:sp>
+        <p:nvSpPr>
+          <p:cNvPr id="2" name="标题 1"/>
+          <p:cNvSpPr>
+            <a:spLocks noGrp="1"/>
+          </p:cNvSpPr>
+          <p:nvPr>
+            <p:ph type="title"/>
+          </p:nvPr>
+        </p:nvSpPr>
+        <p:spPr/>
+        <p:txBody>
+          <a:bodyPr/>
+          <a:lstStyle/>
+          <a:p>
+            <a:r>
+              <a:rPr lang="en-US" altLang="zh-CN" smtClean="0"/>
+              <a:t>Project </a:t>
+            </a:r>
+            <a:r>
+              <a:rPr lang="en-US" altLang="zh-CN"/>
+              <a:t>parallelization</a:t>
+            </a:r>
+            <a:endParaRPr lang="zh-CN" altLang="en-US"/>
+          </a:p>
+        </p:txBody>
+      </p:sp>
+      <p:sp>
+        <p:nvSpPr>
+          <p:cNvPr id="3" name="圆角矩形 2"/>
+          <p:cNvSpPr/>
+          <p:nvPr/>
+        </p:nvSpPr>
+        <p:spPr>
+          <a:xfrm>
+            <a:off x="1629748" y="2362200"/>
+            <a:ext cx="906624" cy="391886"/>
+          </a:xfrm>
+          <a:prstGeom prst="roundRect">
+            <a:avLst/>
+          </a:prstGeom>
+          <a:solidFill>
+            <a:schemeClr val="bg1">
+              <a:lumMod val="65000"/>
+            </a:schemeClr>
+          </a:solidFill>
+          <a:ln w="22225">
+            <a:solidFill>
+              <a:schemeClr val="tx1">
+                <a:lumMod val="75000"/>
+                <a:lumOff val="25000"/>
+              </a:schemeClr>
+            </a:solidFill>
+          </a:ln>
+        </p:spPr>
+        <p:style>
+          <a:lnRef idx="2">
+            <a:schemeClr val="accent1">
+              <a:shade val="50000"/>
+            </a:schemeClr>
+          </a:lnRef>
+          <a:fillRef idx="1">
+            <a:schemeClr val="accent1"/>
+          </a:fillRef>
+          <a:effectRef idx="0">
+            <a:schemeClr val="accent1"/>
+          </a:effectRef>
+          <a:fontRef idx="minor">
+            <a:schemeClr val="lt1"/>
+          </a:fontRef>
+        </p:style>
+        <p:txBody>
+          <a:bodyPr rtlCol="0" anchor="ctr"/>
+          <a:lstStyle/>
+          <a:p>
+            <a:pPr algn="ctr"/>
+            <a:r>
+              <a:rPr lang="en-US" altLang="zh-CN" smtClean="0">
+                <a:solidFill>
+                  <a:schemeClr val="tx1"/>
+                </a:solidFill>
+              </a:rPr>
+              <a:t>Project</a:t>
+            </a:r>
+            <a:endParaRPr lang="zh-CN" altLang="en-US">
+              <a:solidFill>
+                <a:schemeClr val="tx1"/>
+              </a:solidFill>
+            </a:endParaRPr>
+          </a:p>
+        </p:txBody>
+      </p:sp>
+      <p:sp>
+        <p:nvSpPr>
+          <p:cNvPr id="4" name="圆角矩形 3"/>
+          <p:cNvSpPr/>
+          <p:nvPr/>
+        </p:nvSpPr>
+        <p:spPr>
+          <a:xfrm>
+            <a:off x="1629748" y="3102428"/>
+            <a:ext cx="906624" cy="391886"/>
+          </a:xfrm>
+          <a:prstGeom prst="roundRect">
+            <a:avLst/>
+          </a:prstGeom>
+          <a:solidFill>
+            <a:schemeClr val="bg1">
+              <a:lumMod val="65000"/>
+            </a:schemeClr>
+          </a:solidFill>
+          <a:ln w="22225">
+            <a:solidFill>
+              <a:schemeClr val="tx1">
+                <a:lumMod val="75000"/>
+                <a:lumOff val="25000"/>
+              </a:schemeClr>
+            </a:solidFill>
+          </a:ln>
+        </p:spPr>
+        <p:style>
+          <a:lnRef idx="2">
+            <a:schemeClr val="accent1">
+              <a:shade val="50000"/>
+            </a:schemeClr>
+          </a:lnRef>
+          <a:fillRef idx="1">
+            <a:schemeClr val="accent1"/>
+          </a:fillRef>
+          <a:effectRef idx="0">
+            <a:schemeClr val="accent1"/>
+          </a:effectRef>
+          <a:fontRef idx="minor">
+            <a:schemeClr val="lt1"/>
+          </a:fontRef>
+        </p:style>
+        <p:txBody>
+          <a:bodyPr rtlCol="0" anchor="ctr"/>
+          <a:lstStyle/>
+          <a:p>
+            <a:pPr algn="ctr"/>
+            <a:r>
+              <a:rPr lang="en-US" altLang="zh-CN" smtClean="0">
+                <a:solidFill>
+                  <a:schemeClr val="tx1"/>
+                </a:solidFill>
+              </a:rPr>
+              <a:t>sub</a:t>
+            </a:r>
+            <a:endParaRPr lang="zh-CN" altLang="en-US">
+              <a:solidFill>
+                <a:schemeClr val="tx1"/>
+              </a:solidFill>
+            </a:endParaRPr>
+          </a:p>
+        </p:txBody>
+      </p:sp>
+      <p:cxnSp>
+        <p:nvCxnSpPr>
+          <p:cNvPr id="5" name="直接箭头连接符 4"/>
+          <p:cNvCxnSpPr>
+            <a:stCxn id="4" idx="0"/>
+            <a:endCxn id="3" idx="2"/>
+          </p:cNvCxnSpPr>
+          <p:nvPr/>
+        </p:nvCxnSpPr>
+        <p:spPr>
+          <a:xfrm flipV="1">
+            <a:off x="2083060" y="2754086"/>
+            <a:ext cx="0" cy="348342"/>
+          </a:xfrm>
+          <a:prstGeom prst="straightConnector1">
+            <a:avLst/>
+          </a:prstGeom>
+          <a:ln w="31750">
+            <a:solidFill>
+              <a:schemeClr val="tx1">
+                <a:lumMod val="85000"/>
+                <a:lumOff val="15000"/>
+              </a:schemeClr>
+            </a:solidFill>
+            <a:tailEnd type="triangle"/>
+          </a:ln>
+        </p:spPr>
+        <p:style>
+          <a:lnRef idx="1">
+            <a:schemeClr val="accent1"/>
+          </a:lnRef>
+          <a:fillRef idx="0">
+            <a:schemeClr val="accent1"/>
+          </a:fillRef>
+          <a:effectRef idx="0">
+            <a:schemeClr val="accent1"/>
+          </a:effectRef>
+          <a:fontRef idx="minor">
+            <a:schemeClr val="tx1"/>
+          </a:fontRef>
+        </p:style>
+      </p:cxnSp>
+      <p:sp>
+        <p:nvSpPr>
+          <p:cNvPr id="6" name="圆角矩形 5"/>
+          <p:cNvSpPr/>
+          <p:nvPr/>
+        </p:nvSpPr>
+        <p:spPr>
+          <a:xfrm>
+            <a:off x="4177006" y="2362200"/>
+            <a:ext cx="906624" cy="391886"/>
+          </a:xfrm>
+          <a:prstGeom prst="roundRect">
+            <a:avLst/>
+          </a:prstGeom>
+          <a:solidFill>
+            <a:schemeClr val="bg1">
+              <a:lumMod val="65000"/>
+            </a:schemeClr>
+          </a:solidFill>
+          <a:ln w="22225">
+            <a:solidFill>
+              <a:schemeClr val="tx1">
+                <a:lumMod val="75000"/>
+                <a:lumOff val="25000"/>
+              </a:schemeClr>
+            </a:solidFill>
+          </a:ln>
+        </p:spPr>
+        <p:style>
+          <a:lnRef idx="2">
+            <a:schemeClr val="accent1">
+              <a:shade val="50000"/>
+            </a:schemeClr>
+          </a:lnRef>
+          <a:fillRef idx="1">
+            <a:schemeClr val="accent1"/>
+          </a:fillRef>
+          <a:effectRef idx="0">
+            <a:schemeClr val="accent1"/>
+          </a:effectRef>
+          <a:fontRef idx="minor">
+            <a:schemeClr val="lt1"/>
+          </a:fontRef>
+        </p:style>
+        <p:txBody>
+          <a:bodyPr rtlCol="0" anchor="ctr"/>
+          <a:lstStyle/>
+          <a:p>
+            <a:pPr algn="ctr"/>
+            <a:r>
+              <a:rPr lang="en-US" altLang="zh-CN" smtClean="0">
+                <a:solidFill>
+                  <a:schemeClr val="tx1"/>
+                </a:solidFill>
+              </a:rPr>
+              <a:t>Project</a:t>
+            </a:r>
+            <a:endParaRPr lang="zh-CN" altLang="en-US">
+              <a:solidFill>
+                <a:schemeClr val="tx1"/>
+              </a:solidFill>
+            </a:endParaRPr>
+          </a:p>
+        </p:txBody>
+      </p:sp>
+      <p:sp>
+        <p:nvSpPr>
+          <p:cNvPr id="7" name="圆角矩形 6"/>
+          <p:cNvSpPr/>
+          <p:nvPr/>
+        </p:nvSpPr>
+        <p:spPr>
+          <a:xfrm>
+            <a:off x="4177006" y="3102428"/>
+            <a:ext cx="906624" cy="391886"/>
+          </a:xfrm>
+          <a:prstGeom prst="roundRect">
+            <a:avLst/>
+          </a:prstGeom>
+          <a:solidFill>
+            <a:schemeClr val="bg1">
+              <a:lumMod val="65000"/>
+            </a:schemeClr>
+          </a:solidFill>
+          <a:ln w="22225">
+            <a:solidFill>
+              <a:schemeClr val="tx1">
+                <a:lumMod val="75000"/>
+                <a:lumOff val="25000"/>
+              </a:schemeClr>
+            </a:solidFill>
+          </a:ln>
+        </p:spPr>
+        <p:style>
+          <a:lnRef idx="2">
+            <a:schemeClr val="accent1">
+              <a:shade val="50000"/>
+            </a:schemeClr>
+          </a:lnRef>
+          <a:fillRef idx="1">
+            <a:schemeClr val="accent1"/>
+          </a:fillRef>
+          <a:effectRef idx="0">
+            <a:schemeClr val="accent1"/>
+          </a:effectRef>
+          <a:fontRef idx="minor">
+            <a:schemeClr val="lt1"/>
+          </a:fontRef>
+        </p:style>
+        <p:txBody>
+          <a:bodyPr rtlCol="0" anchor="ctr"/>
+          <a:lstStyle/>
+          <a:p>
+            <a:pPr algn="ctr"/>
+            <a:r>
+              <a:rPr lang="en-US" altLang="zh-CN" sz="1400" smtClean="0">
+                <a:solidFill>
+                  <a:schemeClr val="tx1"/>
+                </a:solidFill>
+              </a:rPr>
+              <a:t>exchange</a:t>
+            </a:r>
+            <a:endParaRPr lang="zh-CN" altLang="en-US" sz="1400">
+              <a:solidFill>
+                <a:schemeClr val="tx1"/>
+              </a:solidFill>
+            </a:endParaRPr>
+          </a:p>
+        </p:txBody>
+      </p:sp>
+      <p:cxnSp>
+        <p:nvCxnSpPr>
+          <p:cNvPr id="8" name="直接箭头连接符 7"/>
+          <p:cNvCxnSpPr>
+            <a:stCxn id="7" idx="0"/>
+            <a:endCxn id="6" idx="2"/>
+          </p:cNvCxnSpPr>
+          <p:nvPr/>
+        </p:nvCxnSpPr>
+        <p:spPr>
+          <a:xfrm flipV="1">
+            <a:off x="4630318" y="2754086"/>
+            <a:ext cx="0" cy="348342"/>
+          </a:xfrm>
+          <a:prstGeom prst="straightConnector1">
+            <a:avLst/>
+          </a:prstGeom>
+          <a:ln w="31750">
+            <a:solidFill>
+              <a:schemeClr val="tx1">
+                <a:lumMod val="85000"/>
+                <a:lumOff val="15000"/>
+              </a:schemeClr>
+            </a:solidFill>
+            <a:tailEnd type="triangle"/>
+          </a:ln>
+        </p:spPr>
+        <p:style>
+          <a:lnRef idx="1">
+            <a:schemeClr val="accent1"/>
+          </a:lnRef>
+          <a:fillRef idx="0">
+            <a:schemeClr val="accent1"/>
+          </a:fillRef>
+          <a:effectRef idx="0">
+            <a:schemeClr val="accent1"/>
+          </a:effectRef>
+          <a:fontRef idx="minor">
+            <a:schemeClr val="tx1"/>
+          </a:fontRef>
+        </p:style>
+      </p:cxnSp>
+      <p:sp>
+        <p:nvSpPr>
+          <p:cNvPr id="9" name="圆角矩形 8"/>
+          <p:cNvSpPr/>
+          <p:nvPr/>
+        </p:nvSpPr>
+        <p:spPr>
+          <a:xfrm>
+            <a:off x="4177006" y="3842656"/>
+            <a:ext cx="906624" cy="391886"/>
+          </a:xfrm>
+          <a:prstGeom prst="roundRect">
+            <a:avLst/>
+          </a:prstGeom>
+          <a:solidFill>
+            <a:schemeClr val="bg1">
+              <a:lumMod val="65000"/>
+            </a:schemeClr>
+          </a:solidFill>
+          <a:ln w="22225">
+            <a:solidFill>
+              <a:schemeClr val="tx1">
+                <a:lumMod val="75000"/>
+                <a:lumOff val="25000"/>
+              </a:schemeClr>
+            </a:solidFill>
+          </a:ln>
+        </p:spPr>
+        <p:style>
+          <a:lnRef idx="2">
+            <a:schemeClr val="accent1">
+              <a:shade val="50000"/>
+            </a:schemeClr>
+          </a:lnRef>
+          <a:fillRef idx="1">
+            <a:schemeClr val="accent1"/>
+          </a:fillRef>
+          <a:effectRef idx="0">
+            <a:schemeClr val="accent1"/>
+          </a:effectRef>
+          <a:fontRef idx="minor">
+            <a:schemeClr val="lt1"/>
+          </a:fontRef>
+        </p:style>
+        <p:txBody>
+          <a:bodyPr rtlCol="0" anchor="ctr"/>
+          <a:lstStyle/>
+          <a:p>
+            <a:pPr algn="ctr"/>
+            <a:r>
+              <a:rPr lang="en-US" altLang="zh-CN" smtClean="0">
+                <a:solidFill>
+                  <a:schemeClr val="tx1"/>
+                </a:solidFill>
+              </a:rPr>
+              <a:t>sub</a:t>
+            </a:r>
+            <a:endParaRPr lang="zh-CN" altLang="en-US">
+              <a:solidFill>
+                <a:schemeClr val="tx1"/>
+              </a:solidFill>
+            </a:endParaRPr>
+          </a:p>
+        </p:txBody>
+      </p:sp>
+      <p:cxnSp>
+        <p:nvCxnSpPr>
+          <p:cNvPr id="10" name="直接箭头连接符 9"/>
+          <p:cNvCxnSpPr>
+            <a:stCxn id="9" idx="0"/>
+            <a:endCxn id="7" idx="2"/>
+          </p:cNvCxnSpPr>
+          <p:nvPr/>
+        </p:nvCxnSpPr>
+        <p:spPr>
+          <a:xfrm flipV="1">
+            <a:off x="4630318" y="3494314"/>
+            <a:ext cx="0" cy="348342"/>
+          </a:xfrm>
+          <a:prstGeom prst="straightConnector1">
+            <a:avLst/>
+          </a:prstGeom>
+          <a:ln w="31750">
+            <a:solidFill>
+              <a:schemeClr val="tx1">
+                <a:lumMod val="85000"/>
+                <a:lumOff val="15000"/>
+              </a:schemeClr>
+            </a:solidFill>
+            <a:tailEnd type="triangle"/>
+          </a:ln>
+        </p:spPr>
+        <p:style>
+          <a:lnRef idx="1">
+            <a:schemeClr val="accent1"/>
+          </a:lnRef>
+          <a:fillRef idx="0">
+            <a:schemeClr val="accent1"/>
+          </a:fillRef>
+          <a:effectRef idx="0">
+            <a:schemeClr val="accent1"/>
+          </a:effectRef>
+          <a:fontRef idx="minor">
+            <a:schemeClr val="tx1"/>
+          </a:fontRef>
+        </p:style>
+      </p:cxnSp>
+      <p:sp>
+        <p:nvSpPr>
+          <p:cNvPr id="13" name="右箭头 12"/>
+          <p:cNvSpPr/>
+          <p:nvPr/>
+        </p:nvSpPr>
+        <p:spPr>
+          <a:xfrm>
+            <a:off x="3026229" y="2895600"/>
+            <a:ext cx="522514" cy="762000"/>
+          </a:xfrm>
+          <a:prstGeom prst="rightArrow">
+            <a:avLst/>
+          </a:prstGeom>
+        </p:spPr>
+        <p:style>
+          <a:lnRef idx="3">
+            <a:schemeClr val="lt1"/>
+          </a:lnRef>
+          <a:fillRef idx="1">
+            <a:schemeClr val="accent6"/>
+          </a:fillRef>
+          <a:effectRef idx="1">
+            <a:schemeClr val="accent6"/>
+          </a:effectRef>
+          <a:fontRef idx="minor">
+            <a:schemeClr val="lt1"/>
+          </a:fontRef>
+        </p:style>
+        <p:txBody>
+          <a:bodyPr rtlCol="0" anchor="ctr"/>
+          <a:lstStyle/>
+          <a:p>
+            <a:pPr algn="ctr"/>
+            <a:endParaRPr lang="zh-CN" altLang="en-US"/>
+          </a:p>
+        </p:txBody>
+      </p:sp>
+    </p:spTree>
+    <p:extLst>
+      <p:ext uri="{BB962C8B-B14F-4D97-AF65-F5344CB8AC3E}">
+        <p14:creationId xmlns:p14="http://schemas.microsoft.com/office/powerpoint/2010/main" val="3343690648"/>
+      </p:ext>
+    </p:extLst>
+  </p:cSld>
+  <p:clrMapOvr>
+    <a:masterClrMapping/>
+  </p:clrMapOvr>
+</p:sld>
+</file>
+
 <file path=ppt/slides/slide2.xml><?xml version="1.0" encoding="utf-8"?>
 <p:sld xmlns:a="http://schemas.openxmlformats.org/drawingml/2006/main" xmlns:r="http://schemas.openxmlformats.org/officeDocument/2006/relationships" xmlns:p="http://schemas.openxmlformats.org/presentationml/2006/main">
   <p:cSld>
@@ -11831,6 +12383,8762 @@
       </p:par>
     </p:tnLst>
   </p:timing>
+</p:sld>
+</file>
+
+<file path=ppt/slides/slide20.xml><?xml version="1.0" encoding="utf-8"?>
+<p:sld xmlns:a="http://schemas.openxmlformats.org/drawingml/2006/main" xmlns:r="http://schemas.openxmlformats.org/officeDocument/2006/relationships" xmlns:p="http://schemas.openxmlformats.org/presentationml/2006/main">
+  <p:cSld>
+    <p:spTree>
+      <p:nvGrpSpPr>
+        <p:cNvPr id="1" name=""/>
+        <p:cNvGrpSpPr/>
+        <p:nvPr/>
+      </p:nvGrpSpPr>
+      <p:grpSpPr>
+        <a:xfrm>
+          <a:off x="0" y="0"/>
+          <a:ext cx="0" cy="0"/>
+          <a:chOff x="0" y="0"/>
+          <a:chExt cx="0" cy="0"/>
+        </a:xfrm>
+      </p:grpSpPr>
+      <p:sp>
+        <p:nvSpPr>
+          <p:cNvPr id="2" name="标题 1"/>
+          <p:cNvSpPr>
+            <a:spLocks noGrp="1"/>
+          </p:cNvSpPr>
+          <p:nvPr>
+            <p:ph type="title"/>
+          </p:nvPr>
+        </p:nvSpPr>
+        <p:spPr/>
+        <p:txBody>
+          <a:bodyPr/>
+          <a:lstStyle/>
+          <a:p>
+            <a:r>
+              <a:rPr lang="en-US" altLang="zh-CN" smtClean="0"/>
+              <a:t>Order by parallelization</a:t>
+            </a:r>
+            <a:endParaRPr lang="zh-CN" altLang="en-US"/>
+          </a:p>
+        </p:txBody>
+      </p:sp>
+      <p:sp>
+        <p:nvSpPr>
+          <p:cNvPr id="3" name="圆角矩形 2"/>
+          <p:cNvSpPr/>
+          <p:nvPr/>
+        </p:nvSpPr>
+        <p:spPr>
+          <a:xfrm>
+            <a:off x="1235532" y="2373087"/>
+            <a:ext cx="906624" cy="391886"/>
+          </a:xfrm>
+          <a:prstGeom prst="roundRect">
+            <a:avLst/>
+          </a:prstGeom>
+          <a:solidFill>
+            <a:schemeClr val="bg1">
+              <a:lumMod val="65000"/>
+            </a:schemeClr>
+          </a:solidFill>
+          <a:ln w="22225">
+            <a:solidFill>
+              <a:schemeClr val="tx1">
+                <a:lumMod val="75000"/>
+                <a:lumOff val="25000"/>
+              </a:schemeClr>
+            </a:solidFill>
+          </a:ln>
+        </p:spPr>
+        <p:style>
+          <a:lnRef idx="2">
+            <a:schemeClr val="accent1">
+              <a:shade val="50000"/>
+            </a:schemeClr>
+          </a:lnRef>
+          <a:fillRef idx="1">
+            <a:schemeClr val="accent1"/>
+          </a:fillRef>
+          <a:effectRef idx="0">
+            <a:schemeClr val="accent1"/>
+          </a:effectRef>
+          <a:fontRef idx="minor">
+            <a:schemeClr val="lt1"/>
+          </a:fontRef>
+        </p:style>
+        <p:txBody>
+          <a:bodyPr rtlCol="0" anchor="ctr"/>
+          <a:lstStyle/>
+          <a:p>
+            <a:pPr algn="ctr"/>
+            <a:r>
+              <a:rPr lang="en-US" altLang="zh-CN" smtClean="0">
+                <a:solidFill>
+                  <a:schemeClr val="tx1"/>
+                </a:solidFill>
+              </a:rPr>
+              <a:t>sort</a:t>
+            </a:r>
+            <a:endParaRPr lang="zh-CN" altLang="en-US">
+              <a:solidFill>
+                <a:schemeClr val="tx1"/>
+              </a:solidFill>
+            </a:endParaRPr>
+          </a:p>
+        </p:txBody>
+      </p:sp>
+      <p:sp>
+        <p:nvSpPr>
+          <p:cNvPr id="4" name="圆角矩形 3"/>
+          <p:cNvSpPr/>
+          <p:nvPr/>
+        </p:nvSpPr>
+        <p:spPr>
+          <a:xfrm>
+            <a:off x="1235532" y="3113315"/>
+            <a:ext cx="906624" cy="391886"/>
+          </a:xfrm>
+          <a:prstGeom prst="roundRect">
+            <a:avLst/>
+          </a:prstGeom>
+          <a:solidFill>
+            <a:schemeClr val="bg1">
+              <a:lumMod val="65000"/>
+            </a:schemeClr>
+          </a:solidFill>
+          <a:ln w="22225">
+            <a:solidFill>
+              <a:schemeClr val="tx1">
+                <a:lumMod val="75000"/>
+                <a:lumOff val="25000"/>
+              </a:schemeClr>
+            </a:solidFill>
+          </a:ln>
+        </p:spPr>
+        <p:style>
+          <a:lnRef idx="2">
+            <a:schemeClr val="accent1">
+              <a:shade val="50000"/>
+            </a:schemeClr>
+          </a:lnRef>
+          <a:fillRef idx="1">
+            <a:schemeClr val="accent1"/>
+          </a:fillRef>
+          <a:effectRef idx="0">
+            <a:schemeClr val="accent1"/>
+          </a:effectRef>
+          <a:fontRef idx="minor">
+            <a:schemeClr val="lt1"/>
+          </a:fontRef>
+        </p:style>
+        <p:txBody>
+          <a:bodyPr rtlCol="0" anchor="ctr"/>
+          <a:lstStyle/>
+          <a:p>
+            <a:pPr algn="ctr"/>
+            <a:r>
+              <a:rPr lang="en-US" altLang="zh-CN" smtClean="0">
+                <a:solidFill>
+                  <a:schemeClr val="tx1"/>
+                </a:solidFill>
+              </a:rPr>
+              <a:t>sub</a:t>
+            </a:r>
+            <a:endParaRPr lang="zh-CN" altLang="en-US">
+              <a:solidFill>
+                <a:schemeClr val="tx1"/>
+              </a:solidFill>
+            </a:endParaRPr>
+          </a:p>
+        </p:txBody>
+      </p:sp>
+      <p:cxnSp>
+        <p:nvCxnSpPr>
+          <p:cNvPr id="6" name="直接箭头连接符 5"/>
+          <p:cNvCxnSpPr>
+            <a:stCxn id="4" idx="0"/>
+            <a:endCxn id="3" idx="2"/>
+          </p:cNvCxnSpPr>
+          <p:nvPr/>
+        </p:nvCxnSpPr>
+        <p:spPr>
+          <a:xfrm flipV="1">
+            <a:off x="1688844" y="2764973"/>
+            <a:ext cx="0" cy="348342"/>
+          </a:xfrm>
+          <a:prstGeom prst="straightConnector1">
+            <a:avLst/>
+          </a:prstGeom>
+          <a:ln w="31750">
+            <a:solidFill>
+              <a:schemeClr val="tx1">
+                <a:lumMod val="85000"/>
+                <a:lumOff val="15000"/>
+              </a:schemeClr>
+            </a:solidFill>
+            <a:tailEnd type="triangle"/>
+          </a:ln>
+        </p:spPr>
+        <p:style>
+          <a:lnRef idx="1">
+            <a:schemeClr val="accent1"/>
+          </a:lnRef>
+          <a:fillRef idx="0">
+            <a:schemeClr val="accent1"/>
+          </a:fillRef>
+          <a:effectRef idx="0">
+            <a:schemeClr val="accent1"/>
+          </a:effectRef>
+          <a:fontRef idx="minor">
+            <a:schemeClr val="tx1"/>
+          </a:fontRef>
+        </p:style>
+      </p:cxnSp>
+      <p:sp>
+        <p:nvSpPr>
+          <p:cNvPr id="9" name="圆角矩形 8"/>
+          <p:cNvSpPr/>
+          <p:nvPr/>
+        </p:nvSpPr>
+        <p:spPr>
+          <a:xfrm>
+            <a:off x="3371462" y="3722914"/>
+            <a:ext cx="906624" cy="391886"/>
+          </a:xfrm>
+          <a:prstGeom prst="roundRect">
+            <a:avLst/>
+          </a:prstGeom>
+          <a:solidFill>
+            <a:schemeClr val="bg1">
+              <a:lumMod val="65000"/>
+            </a:schemeClr>
+          </a:solidFill>
+          <a:ln w="22225">
+            <a:solidFill>
+              <a:schemeClr val="tx1">
+                <a:lumMod val="75000"/>
+                <a:lumOff val="25000"/>
+              </a:schemeClr>
+            </a:solidFill>
+          </a:ln>
+        </p:spPr>
+        <p:style>
+          <a:lnRef idx="2">
+            <a:schemeClr val="accent1">
+              <a:shade val="50000"/>
+            </a:schemeClr>
+          </a:lnRef>
+          <a:fillRef idx="1">
+            <a:schemeClr val="accent1"/>
+          </a:fillRef>
+          <a:effectRef idx="0">
+            <a:schemeClr val="accent1"/>
+          </a:effectRef>
+          <a:fontRef idx="minor">
+            <a:schemeClr val="lt1"/>
+          </a:fontRef>
+        </p:style>
+        <p:txBody>
+          <a:bodyPr rtlCol="0" anchor="ctr"/>
+          <a:lstStyle/>
+          <a:p>
+            <a:pPr algn="ctr"/>
+            <a:r>
+              <a:rPr lang="en-US" altLang="zh-CN" smtClean="0">
+                <a:solidFill>
+                  <a:schemeClr val="tx1"/>
+                </a:solidFill>
+              </a:rPr>
+              <a:t>sort</a:t>
+            </a:r>
+            <a:endParaRPr lang="zh-CN" altLang="en-US">
+              <a:solidFill>
+                <a:schemeClr val="tx1"/>
+              </a:solidFill>
+            </a:endParaRPr>
+          </a:p>
+        </p:txBody>
+      </p:sp>
+      <p:sp>
+        <p:nvSpPr>
+          <p:cNvPr id="10" name="圆角矩形 9"/>
+          <p:cNvSpPr/>
+          <p:nvPr/>
+        </p:nvSpPr>
+        <p:spPr>
+          <a:xfrm>
+            <a:off x="4568891" y="3722914"/>
+            <a:ext cx="906624" cy="391886"/>
+          </a:xfrm>
+          <a:prstGeom prst="roundRect">
+            <a:avLst/>
+          </a:prstGeom>
+          <a:solidFill>
+            <a:schemeClr val="bg1">
+              <a:lumMod val="65000"/>
+            </a:schemeClr>
+          </a:solidFill>
+          <a:ln w="22225">
+            <a:solidFill>
+              <a:schemeClr val="tx1">
+                <a:lumMod val="75000"/>
+                <a:lumOff val="25000"/>
+              </a:schemeClr>
+            </a:solidFill>
+          </a:ln>
+        </p:spPr>
+        <p:style>
+          <a:lnRef idx="2">
+            <a:schemeClr val="accent1">
+              <a:shade val="50000"/>
+            </a:schemeClr>
+          </a:lnRef>
+          <a:fillRef idx="1">
+            <a:schemeClr val="accent1"/>
+          </a:fillRef>
+          <a:effectRef idx="0">
+            <a:schemeClr val="accent1"/>
+          </a:effectRef>
+          <a:fontRef idx="minor">
+            <a:schemeClr val="lt1"/>
+          </a:fontRef>
+        </p:style>
+        <p:txBody>
+          <a:bodyPr rtlCol="0" anchor="ctr"/>
+          <a:lstStyle/>
+          <a:p>
+            <a:pPr algn="ctr"/>
+            <a:r>
+              <a:rPr lang="en-US" altLang="zh-CN" smtClean="0">
+                <a:solidFill>
+                  <a:schemeClr val="tx1"/>
+                </a:solidFill>
+              </a:rPr>
+              <a:t>sort</a:t>
+            </a:r>
+            <a:endParaRPr lang="zh-CN" altLang="en-US">
+              <a:solidFill>
+                <a:schemeClr val="tx1"/>
+              </a:solidFill>
+            </a:endParaRPr>
+          </a:p>
+        </p:txBody>
+      </p:sp>
+      <p:sp>
+        <p:nvSpPr>
+          <p:cNvPr id="11" name="圆角矩形 10"/>
+          <p:cNvSpPr/>
+          <p:nvPr/>
+        </p:nvSpPr>
+        <p:spPr>
+          <a:xfrm>
+            <a:off x="5766320" y="3712029"/>
+            <a:ext cx="906624" cy="391886"/>
+          </a:xfrm>
+          <a:prstGeom prst="roundRect">
+            <a:avLst/>
+          </a:prstGeom>
+          <a:solidFill>
+            <a:schemeClr val="bg1">
+              <a:lumMod val="65000"/>
+            </a:schemeClr>
+          </a:solidFill>
+          <a:ln w="22225">
+            <a:solidFill>
+              <a:schemeClr val="tx1">
+                <a:lumMod val="75000"/>
+                <a:lumOff val="25000"/>
+              </a:schemeClr>
+            </a:solidFill>
+          </a:ln>
+        </p:spPr>
+        <p:style>
+          <a:lnRef idx="2">
+            <a:schemeClr val="accent1">
+              <a:shade val="50000"/>
+            </a:schemeClr>
+          </a:lnRef>
+          <a:fillRef idx="1">
+            <a:schemeClr val="accent1"/>
+          </a:fillRef>
+          <a:effectRef idx="0">
+            <a:schemeClr val="accent1"/>
+          </a:effectRef>
+          <a:fontRef idx="minor">
+            <a:schemeClr val="lt1"/>
+          </a:fontRef>
+        </p:style>
+        <p:txBody>
+          <a:bodyPr rtlCol="0" anchor="ctr"/>
+          <a:lstStyle/>
+          <a:p>
+            <a:pPr algn="ctr"/>
+            <a:r>
+              <a:rPr lang="en-US" altLang="zh-CN" smtClean="0">
+                <a:solidFill>
+                  <a:schemeClr val="tx1"/>
+                </a:solidFill>
+              </a:rPr>
+              <a:t>sort</a:t>
+            </a:r>
+            <a:endParaRPr lang="zh-CN" altLang="en-US">
+              <a:solidFill>
+                <a:schemeClr val="tx1"/>
+              </a:solidFill>
+            </a:endParaRPr>
+          </a:p>
+        </p:txBody>
+      </p:sp>
+      <p:cxnSp>
+        <p:nvCxnSpPr>
+          <p:cNvPr id="13" name="直接箭头连接符 12"/>
+          <p:cNvCxnSpPr>
+            <a:stCxn id="20" idx="0"/>
+            <a:endCxn id="10" idx="2"/>
+          </p:cNvCxnSpPr>
+          <p:nvPr/>
+        </p:nvCxnSpPr>
+        <p:spPr>
+          <a:xfrm flipV="1">
+            <a:off x="5022203" y="4114800"/>
+            <a:ext cx="0" cy="402772"/>
+          </a:xfrm>
+          <a:prstGeom prst="straightConnector1">
+            <a:avLst/>
+          </a:prstGeom>
+          <a:ln w="31750">
+            <a:solidFill>
+              <a:schemeClr val="tx1">
+                <a:lumMod val="85000"/>
+                <a:lumOff val="15000"/>
+              </a:schemeClr>
+            </a:solidFill>
+            <a:tailEnd type="triangle"/>
+          </a:ln>
+        </p:spPr>
+        <p:style>
+          <a:lnRef idx="1">
+            <a:schemeClr val="accent1"/>
+          </a:lnRef>
+          <a:fillRef idx="0">
+            <a:schemeClr val="accent1"/>
+          </a:fillRef>
+          <a:effectRef idx="0">
+            <a:schemeClr val="accent1"/>
+          </a:effectRef>
+          <a:fontRef idx="minor">
+            <a:schemeClr val="tx1"/>
+          </a:fontRef>
+        </p:style>
+      </p:cxnSp>
+      <p:cxnSp>
+        <p:nvCxnSpPr>
+          <p:cNvPr id="14" name="直接箭头连接符 13"/>
+          <p:cNvCxnSpPr>
+            <a:stCxn id="20" idx="0"/>
+            <a:endCxn id="9" idx="2"/>
+          </p:cNvCxnSpPr>
+          <p:nvPr/>
+        </p:nvCxnSpPr>
+        <p:spPr>
+          <a:xfrm flipH="1" flipV="1">
+            <a:off x="3824774" y="4114800"/>
+            <a:ext cx="1197429" cy="402772"/>
+          </a:xfrm>
+          <a:prstGeom prst="straightConnector1">
+            <a:avLst/>
+          </a:prstGeom>
+          <a:ln w="31750">
+            <a:solidFill>
+              <a:schemeClr val="tx1">
+                <a:lumMod val="85000"/>
+                <a:lumOff val="15000"/>
+              </a:schemeClr>
+            </a:solidFill>
+            <a:tailEnd type="triangle"/>
+          </a:ln>
+        </p:spPr>
+        <p:style>
+          <a:lnRef idx="1">
+            <a:schemeClr val="accent1"/>
+          </a:lnRef>
+          <a:fillRef idx="0">
+            <a:schemeClr val="accent1"/>
+          </a:fillRef>
+          <a:effectRef idx="0">
+            <a:schemeClr val="accent1"/>
+          </a:effectRef>
+          <a:fontRef idx="minor">
+            <a:schemeClr val="tx1"/>
+          </a:fontRef>
+        </p:style>
+      </p:cxnSp>
+      <p:cxnSp>
+        <p:nvCxnSpPr>
+          <p:cNvPr id="17" name="直接箭头连接符 16"/>
+          <p:cNvCxnSpPr>
+            <a:stCxn id="20" idx="0"/>
+            <a:endCxn id="11" idx="2"/>
+          </p:cNvCxnSpPr>
+          <p:nvPr/>
+        </p:nvCxnSpPr>
+        <p:spPr>
+          <a:xfrm flipV="1">
+            <a:off x="5022203" y="4103915"/>
+            <a:ext cx="1197429" cy="413657"/>
+          </a:xfrm>
+          <a:prstGeom prst="straightConnector1">
+            <a:avLst/>
+          </a:prstGeom>
+          <a:ln w="31750">
+            <a:solidFill>
+              <a:schemeClr val="tx1">
+                <a:lumMod val="85000"/>
+                <a:lumOff val="15000"/>
+              </a:schemeClr>
+            </a:solidFill>
+            <a:tailEnd type="triangle"/>
+          </a:ln>
+        </p:spPr>
+        <p:style>
+          <a:lnRef idx="1">
+            <a:schemeClr val="accent1"/>
+          </a:lnRef>
+          <a:fillRef idx="0">
+            <a:schemeClr val="accent1"/>
+          </a:fillRef>
+          <a:effectRef idx="0">
+            <a:schemeClr val="accent1"/>
+          </a:effectRef>
+          <a:fontRef idx="minor">
+            <a:schemeClr val="tx1"/>
+          </a:fontRef>
+        </p:style>
+      </p:cxnSp>
+      <p:sp>
+        <p:nvSpPr>
+          <p:cNvPr id="20" name="圆角矩形 19"/>
+          <p:cNvSpPr/>
+          <p:nvPr/>
+        </p:nvSpPr>
+        <p:spPr>
+          <a:xfrm>
+            <a:off x="4568891" y="4517572"/>
+            <a:ext cx="906624" cy="391886"/>
+          </a:xfrm>
+          <a:prstGeom prst="roundRect">
+            <a:avLst/>
+          </a:prstGeom>
+          <a:solidFill>
+            <a:schemeClr val="bg1">
+              <a:lumMod val="65000"/>
+            </a:schemeClr>
+          </a:solidFill>
+          <a:ln w="22225">
+            <a:solidFill>
+              <a:schemeClr val="tx1">
+                <a:lumMod val="75000"/>
+                <a:lumOff val="25000"/>
+              </a:schemeClr>
+            </a:solidFill>
+          </a:ln>
+        </p:spPr>
+        <p:style>
+          <a:lnRef idx="2">
+            <a:schemeClr val="accent1">
+              <a:shade val="50000"/>
+            </a:schemeClr>
+          </a:lnRef>
+          <a:fillRef idx="1">
+            <a:schemeClr val="accent1"/>
+          </a:fillRef>
+          <a:effectRef idx="0">
+            <a:schemeClr val="accent1"/>
+          </a:effectRef>
+          <a:fontRef idx="minor">
+            <a:schemeClr val="lt1"/>
+          </a:fontRef>
+        </p:style>
+        <p:txBody>
+          <a:bodyPr rtlCol="0" anchor="ctr"/>
+          <a:lstStyle/>
+          <a:p>
+            <a:pPr algn="ctr"/>
+            <a:r>
+              <a:rPr lang="en-US" altLang="zh-CN" smtClean="0">
+                <a:solidFill>
+                  <a:schemeClr val="tx1"/>
+                </a:solidFill>
+              </a:rPr>
+              <a:t>guard</a:t>
+            </a:r>
+            <a:endParaRPr lang="zh-CN" altLang="en-US">
+              <a:solidFill>
+                <a:schemeClr val="tx1"/>
+              </a:solidFill>
+            </a:endParaRPr>
+          </a:p>
+        </p:txBody>
+      </p:sp>
+      <p:sp>
+        <p:nvSpPr>
+          <p:cNvPr id="33" name="圆角矩形 32"/>
+          <p:cNvSpPr/>
+          <p:nvPr/>
+        </p:nvSpPr>
+        <p:spPr>
+          <a:xfrm>
+            <a:off x="4568891" y="2122715"/>
+            <a:ext cx="906624" cy="391886"/>
+          </a:xfrm>
+          <a:prstGeom prst="roundRect">
+            <a:avLst/>
+          </a:prstGeom>
+          <a:solidFill>
+            <a:schemeClr val="bg1">
+              <a:lumMod val="65000"/>
+            </a:schemeClr>
+          </a:solidFill>
+          <a:ln w="22225">
+            <a:solidFill>
+              <a:schemeClr val="tx1">
+                <a:lumMod val="75000"/>
+                <a:lumOff val="25000"/>
+              </a:schemeClr>
+            </a:solidFill>
+          </a:ln>
+        </p:spPr>
+        <p:style>
+          <a:lnRef idx="2">
+            <a:schemeClr val="accent1">
+              <a:shade val="50000"/>
+            </a:schemeClr>
+          </a:lnRef>
+          <a:fillRef idx="1">
+            <a:schemeClr val="accent1"/>
+          </a:fillRef>
+          <a:effectRef idx="0">
+            <a:schemeClr val="accent1"/>
+          </a:effectRef>
+          <a:fontRef idx="minor">
+            <a:schemeClr val="lt1"/>
+          </a:fontRef>
+        </p:style>
+        <p:txBody>
+          <a:bodyPr rtlCol="0" anchor="ctr"/>
+          <a:lstStyle/>
+          <a:p>
+            <a:pPr algn="ctr"/>
+            <a:r>
+              <a:rPr lang="en-US" altLang="zh-CN" smtClean="0">
+                <a:solidFill>
+                  <a:schemeClr val="tx1"/>
+                </a:solidFill>
+              </a:rPr>
+              <a:t>Merge</a:t>
+            </a:r>
+            <a:endParaRPr lang="zh-CN" altLang="en-US">
+              <a:solidFill>
+                <a:schemeClr val="tx1"/>
+              </a:solidFill>
+            </a:endParaRPr>
+          </a:p>
+        </p:txBody>
+      </p:sp>
+      <p:sp>
+        <p:nvSpPr>
+          <p:cNvPr id="34" name="圆角矩形 33"/>
+          <p:cNvSpPr/>
+          <p:nvPr/>
+        </p:nvSpPr>
+        <p:spPr>
+          <a:xfrm>
+            <a:off x="3371462" y="3015343"/>
+            <a:ext cx="906624" cy="391886"/>
+          </a:xfrm>
+          <a:prstGeom prst="roundRect">
+            <a:avLst/>
+          </a:prstGeom>
+          <a:solidFill>
+            <a:schemeClr val="bg1">
+              <a:lumMod val="65000"/>
+            </a:schemeClr>
+          </a:solidFill>
+          <a:ln w="22225">
+            <a:solidFill>
+              <a:schemeClr val="tx1">
+                <a:lumMod val="75000"/>
+                <a:lumOff val="25000"/>
+              </a:schemeClr>
+            </a:solidFill>
+          </a:ln>
+        </p:spPr>
+        <p:style>
+          <a:lnRef idx="2">
+            <a:schemeClr val="accent1">
+              <a:shade val="50000"/>
+            </a:schemeClr>
+          </a:lnRef>
+          <a:fillRef idx="1">
+            <a:schemeClr val="accent1"/>
+          </a:fillRef>
+          <a:effectRef idx="0">
+            <a:schemeClr val="accent1"/>
+          </a:effectRef>
+          <a:fontRef idx="minor">
+            <a:schemeClr val="lt1"/>
+          </a:fontRef>
+        </p:style>
+        <p:txBody>
+          <a:bodyPr rtlCol="0" anchor="ctr"/>
+          <a:lstStyle/>
+          <a:p>
+            <a:pPr algn="ctr"/>
+            <a:r>
+              <a:rPr lang="en-US" altLang="zh-CN" sz="1200" smtClean="0">
+                <a:solidFill>
+                  <a:schemeClr val="tx1"/>
+                </a:solidFill>
+              </a:rPr>
+              <a:t>exchange</a:t>
+            </a:r>
+            <a:endParaRPr lang="zh-CN" altLang="en-US" sz="1200">
+              <a:solidFill>
+                <a:schemeClr val="tx1"/>
+              </a:solidFill>
+            </a:endParaRPr>
+          </a:p>
+        </p:txBody>
+      </p:sp>
+      <p:cxnSp>
+        <p:nvCxnSpPr>
+          <p:cNvPr id="35" name="直接箭头连接符 34"/>
+          <p:cNvCxnSpPr>
+            <a:stCxn id="9" idx="0"/>
+            <a:endCxn id="34" idx="2"/>
+          </p:cNvCxnSpPr>
+          <p:nvPr/>
+        </p:nvCxnSpPr>
+        <p:spPr>
+          <a:xfrm flipV="1">
+            <a:off x="3824774" y="3407229"/>
+            <a:ext cx="0" cy="315685"/>
+          </a:xfrm>
+          <a:prstGeom prst="straightConnector1">
+            <a:avLst/>
+          </a:prstGeom>
+          <a:ln w="31750">
+            <a:solidFill>
+              <a:schemeClr val="tx1">
+                <a:lumMod val="85000"/>
+                <a:lumOff val="15000"/>
+              </a:schemeClr>
+            </a:solidFill>
+            <a:tailEnd type="triangle"/>
+          </a:ln>
+        </p:spPr>
+        <p:style>
+          <a:lnRef idx="1">
+            <a:schemeClr val="accent1"/>
+          </a:lnRef>
+          <a:fillRef idx="0">
+            <a:schemeClr val="accent1"/>
+          </a:fillRef>
+          <a:effectRef idx="0">
+            <a:schemeClr val="accent1"/>
+          </a:effectRef>
+          <a:fontRef idx="minor">
+            <a:schemeClr val="tx1"/>
+          </a:fontRef>
+        </p:style>
+      </p:cxnSp>
+      <p:sp>
+        <p:nvSpPr>
+          <p:cNvPr id="39" name="圆角矩形 38"/>
+          <p:cNvSpPr/>
+          <p:nvPr/>
+        </p:nvSpPr>
+        <p:spPr>
+          <a:xfrm>
+            <a:off x="4568891" y="3015343"/>
+            <a:ext cx="906624" cy="391886"/>
+          </a:xfrm>
+          <a:prstGeom prst="roundRect">
+            <a:avLst/>
+          </a:prstGeom>
+          <a:solidFill>
+            <a:schemeClr val="bg1">
+              <a:lumMod val="65000"/>
+            </a:schemeClr>
+          </a:solidFill>
+          <a:ln w="22225">
+            <a:solidFill>
+              <a:schemeClr val="tx1">
+                <a:lumMod val="75000"/>
+                <a:lumOff val="25000"/>
+              </a:schemeClr>
+            </a:solidFill>
+          </a:ln>
+        </p:spPr>
+        <p:style>
+          <a:lnRef idx="2">
+            <a:schemeClr val="accent1">
+              <a:shade val="50000"/>
+            </a:schemeClr>
+          </a:lnRef>
+          <a:fillRef idx="1">
+            <a:schemeClr val="accent1"/>
+          </a:fillRef>
+          <a:effectRef idx="0">
+            <a:schemeClr val="accent1"/>
+          </a:effectRef>
+          <a:fontRef idx="minor">
+            <a:schemeClr val="lt1"/>
+          </a:fontRef>
+        </p:style>
+        <p:txBody>
+          <a:bodyPr rtlCol="0" anchor="ctr"/>
+          <a:lstStyle/>
+          <a:p>
+            <a:pPr algn="ctr"/>
+            <a:r>
+              <a:rPr lang="en-US" altLang="zh-CN" sz="1200" smtClean="0">
+                <a:solidFill>
+                  <a:schemeClr val="tx1"/>
+                </a:solidFill>
+              </a:rPr>
+              <a:t>exchange</a:t>
+            </a:r>
+            <a:endParaRPr lang="zh-CN" altLang="en-US" sz="1200">
+              <a:solidFill>
+                <a:schemeClr val="tx1"/>
+              </a:solidFill>
+            </a:endParaRPr>
+          </a:p>
+        </p:txBody>
+      </p:sp>
+      <p:cxnSp>
+        <p:nvCxnSpPr>
+          <p:cNvPr id="40" name="直接箭头连接符 39"/>
+          <p:cNvCxnSpPr>
+            <a:stCxn id="10" idx="0"/>
+            <a:endCxn id="39" idx="2"/>
+          </p:cNvCxnSpPr>
+          <p:nvPr/>
+        </p:nvCxnSpPr>
+        <p:spPr>
+          <a:xfrm flipV="1">
+            <a:off x="5022203" y="3407229"/>
+            <a:ext cx="0" cy="315685"/>
+          </a:xfrm>
+          <a:prstGeom prst="straightConnector1">
+            <a:avLst/>
+          </a:prstGeom>
+          <a:ln w="31750">
+            <a:solidFill>
+              <a:schemeClr val="tx1">
+                <a:lumMod val="85000"/>
+                <a:lumOff val="15000"/>
+              </a:schemeClr>
+            </a:solidFill>
+            <a:tailEnd type="triangle"/>
+          </a:ln>
+        </p:spPr>
+        <p:style>
+          <a:lnRef idx="1">
+            <a:schemeClr val="accent1"/>
+          </a:lnRef>
+          <a:fillRef idx="0">
+            <a:schemeClr val="accent1"/>
+          </a:fillRef>
+          <a:effectRef idx="0">
+            <a:schemeClr val="accent1"/>
+          </a:effectRef>
+          <a:fontRef idx="minor">
+            <a:schemeClr val="tx1"/>
+          </a:fontRef>
+        </p:style>
+      </p:cxnSp>
+      <p:sp>
+        <p:nvSpPr>
+          <p:cNvPr id="41" name="圆角矩形 40"/>
+          <p:cNvSpPr/>
+          <p:nvPr/>
+        </p:nvSpPr>
+        <p:spPr>
+          <a:xfrm>
+            <a:off x="5766319" y="3015343"/>
+            <a:ext cx="906624" cy="391886"/>
+          </a:xfrm>
+          <a:prstGeom prst="roundRect">
+            <a:avLst/>
+          </a:prstGeom>
+          <a:solidFill>
+            <a:schemeClr val="bg1">
+              <a:lumMod val="65000"/>
+            </a:schemeClr>
+          </a:solidFill>
+          <a:ln w="22225">
+            <a:solidFill>
+              <a:schemeClr val="tx1">
+                <a:lumMod val="75000"/>
+                <a:lumOff val="25000"/>
+              </a:schemeClr>
+            </a:solidFill>
+          </a:ln>
+        </p:spPr>
+        <p:style>
+          <a:lnRef idx="2">
+            <a:schemeClr val="accent1">
+              <a:shade val="50000"/>
+            </a:schemeClr>
+          </a:lnRef>
+          <a:fillRef idx="1">
+            <a:schemeClr val="accent1"/>
+          </a:fillRef>
+          <a:effectRef idx="0">
+            <a:schemeClr val="accent1"/>
+          </a:effectRef>
+          <a:fontRef idx="minor">
+            <a:schemeClr val="lt1"/>
+          </a:fontRef>
+        </p:style>
+        <p:txBody>
+          <a:bodyPr rtlCol="0" anchor="ctr"/>
+          <a:lstStyle/>
+          <a:p>
+            <a:pPr algn="ctr"/>
+            <a:r>
+              <a:rPr lang="en-US" altLang="zh-CN" sz="1200" smtClean="0">
+                <a:solidFill>
+                  <a:schemeClr val="tx1"/>
+                </a:solidFill>
+              </a:rPr>
+              <a:t>exchange</a:t>
+            </a:r>
+            <a:endParaRPr lang="zh-CN" altLang="en-US" sz="1200">
+              <a:solidFill>
+                <a:schemeClr val="tx1"/>
+              </a:solidFill>
+            </a:endParaRPr>
+          </a:p>
+        </p:txBody>
+      </p:sp>
+      <p:cxnSp>
+        <p:nvCxnSpPr>
+          <p:cNvPr id="42" name="直接箭头连接符 41"/>
+          <p:cNvCxnSpPr>
+            <a:stCxn id="11" idx="0"/>
+            <a:endCxn id="41" idx="2"/>
+          </p:cNvCxnSpPr>
+          <p:nvPr/>
+        </p:nvCxnSpPr>
+        <p:spPr>
+          <a:xfrm flipH="1" flipV="1">
+            <a:off x="6219631" y="3407229"/>
+            <a:ext cx="1" cy="304800"/>
+          </a:xfrm>
+          <a:prstGeom prst="straightConnector1">
+            <a:avLst/>
+          </a:prstGeom>
+          <a:ln w="31750">
+            <a:solidFill>
+              <a:schemeClr val="tx1">
+                <a:lumMod val="85000"/>
+                <a:lumOff val="15000"/>
+              </a:schemeClr>
+            </a:solidFill>
+            <a:tailEnd type="triangle"/>
+          </a:ln>
+        </p:spPr>
+        <p:style>
+          <a:lnRef idx="1">
+            <a:schemeClr val="accent1"/>
+          </a:lnRef>
+          <a:fillRef idx="0">
+            <a:schemeClr val="accent1"/>
+          </a:fillRef>
+          <a:effectRef idx="0">
+            <a:schemeClr val="accent1"/>
+          </a:effectRef>
+          <a:fontRef idx="minor">
+            <a:schemeClr val="tx1"/>
+          </a:fontRef>
+        </p:style>
+      </p:cxnSp>
+      <p:cxnSp>
+        <p:nvCxnSpPr>
+          <p:cNvPr id="45" name="直接箭头连接符 44"/>
+          <p:cNvCxnSpPr>
+            <a:stCxn id="34" idx="0"/>
+            <a:endCxn id="33" idx="2"/>
+          </p:cNvCxnSpPr>
+          <p:nvPr/>
+        </p:nvCxnSpPr>
+        <p:spPr>
+          <a:xfrm flipV="1">
+            <a:off x="3824774" y="2514601"/>
+            <a:ext cx="1197429" cy="500742"/>
+          </a:xfrm>
+          <a:prstGeom prst="straightConnector1">
+            <a:avLst/>
+          </a:prstGeom>
+          <a:ln w="31750">
+            <a:solidFill>
+              <a:schemeClr val="tx1">
+                <a:lumMod val="85000"/>
+                <a:lumOff val="15000"/>
+              </a:schemeClr>
+            </a:solidFill>
+            <a:tailEnd type="triangle"/>
+          </a:ln>
+        </p:spPr>
+        <p:style>
+          <a:lnRef idx="1">
+            <a:schemeClr val="accent1"/>
+          </a:lnRef>
+          <a:fillRef idx="0">
+            <a:schemeClr val="accent1"/>
+          </a:fillRef>
+          <a:effectRef idx="0">
+            <a:schemeClr val="accent1"/>
+          </a:effectRef>
+          <a:fontRef idx="minor">
+            <a:schemeClr val="tx1"/>
+          </a:fontRef>
+        </p:style>
+      </p:cxnSp>
+      <p:cxnSp>
+        <p:nvCxnSpPr>
+          <p:cNvPr id="48" name="直接箭头连接符 47"/>
+          <p:cNvCxnSpPr>
+            <a:stCxn id="39" idx="0"/>
+            <a:endCxn id="33" idx="2"/>
+          </p:cNvCxnSpPr>
+          <p:nvPr/>
+        </p:nvCxnSpPr>
+        <p:spPr>
+          <a:xfrm flipV="1">
+            <a:off x="5022203" y="2514601"/>
+            <a:ext cx="0" cy="500742"/>
+          </a:xfrm>
+          <a:prstGeom prst="straightConnector1">
+            <a:avLst/>
+          </a:prstGeom>
+          <a:ln w="31750">
+            <a:solidFill>
+              <a:schemeClr val="tx1">
+                <a:lumMod val="85000"/>
+                <a:lumOff val="15000"/>
+              </a:schemeClr>
+            </a:solidFill>
+            <a:tailEnd type="triangle"/>
+          </a:ln>
+        </p:spPr>
+        <p:style>
+          <a:lnRef idx="1">
+            <a:schemeClr val="accent1"/>
+          </a:lnRef>
+          <a:fillRef idx="0">
+            <a:schemeClr val="accent1"/>
+          </a:fillRef>
+          <a:effectRef idx="0">
+            <a:schemeClr val="accent1"/>
+          </a:effectRef>
+          <a:fontRef idx="minor">
+            <a:schemeClr val="tx1"/>
+          </a:fontRef>
+        </p:style>
+      </p:cxnSp>
+      <p:cxnSp>
+        <p:nvCxnSpPr>
+          <p:cNvPr id="51" name="直接箭头连接符 50"/>
+          <p:cNvCxnSpPr>
+            <a:stCxn id="41" idx="0"/>
+            <a:endCxn id="33" idx="2"/>
+          </p:cNvCxnSpPr>
+          <p:nvPr/>
+        </p:nvCxnSpPr>
+        <p:spPr>
+          <a:xfrm flipH="1" flipV="1">
+            <a:off x="5022203" y="2514601"/>
+            <a:ext cx="1197428" cy="500742"/>
+          </a:xfrm>
+          <a:prstGeom prst="straightConnector1">
+            <a:avLst/>
+          </a:prstGeom>
+          <a:ln w="31750">
+            <a:solidFill>
+              <a:schemeClr val="tx1">
+                <a:lumMod val="85000"/>
+                <a:lumOff val="15000"/>
+              </a:schemeClr>
+            </a:solidFill>
+            <a:tailEnd type="triangle"/>
+          </a:ln>
+        </p:spPr>
+        <p:style>
+          <a:lnRef idx="1">
+            <a:schemeClr val="accent1"/>
+          </a:lnRef>
+          <a:fillRef idx="0">
+            <a:schemeClr val="accent1"/>
+          </a:fillRef>
+          <a:effectRef idx="0">
+            <a:schemeClr val="accent1"/>
+          </a:effectRef>
+          <a:fontRef idx="minor">
+            <a:schemeClr val="tx1"/>
+          </a:fontRef>
+        </p:style>
+      </p:cxnSp>
+      <p:sp>
+        <p:nvSpPr>
+          <p:cNvPr id="54" name="圆角矩形 53"/>
+          <p:cNvSpPr/>
+          <p:nvPr/>
+        </p:nvSpPr>
+        <p:spPr>
+          <a:xfrm>
+            <a:off x="7148026" y="3722914"/>
+            <a:ext cx="906624" cy="391886"/>
+          </a:xfrm>
+          <a:prstGeom prst="roundRect">
+            <a:avLst/>
+          </a:prstGeom>
+          <a:solidFill>
+            <a:schemeClr val="bg1">
+              <a:lumMod val="65000"/>
+            </a:schemeClr>
+          </a:solidFill>
+          <a:ln w="22225">
+            <a:solidFill>
+              <a:schemeClr val="tx1">
+                <a:lumMod val="75000"/>
+                <a:lumOff val="25000"/>
+              </a:schemeClr>
+            </a:solidFill>
+          </a:ln>
+        </p:spPr>
+        <p:style>
+          <a:lnRef idx="2">
+            <a:schemeClr val="accent1">
+              <a:shade val="50000"/>
+            </a:schemeClr>
+          </a:lnRef>
+          <a:fillRef idx="1">
+            <a:schemeClr val="accent1"/>
+          </a:fillRef>
+          <a:effectRef idx="0">
+            <a:schemeClr val="accent1"/>
+          </a:effectRef>
+          <a:fontRef idx="minor">
+            <a:schemeClr val="lt1"/>
+          </a:fontRef>
+        </p:style>
+        <p:txBody>
+          <a:bodyPr rtlCol="0" anchor="ctr"/>
+          <a:lstStyle/>
+          <a:p>
+            <a:pPr algn="ctr"/>
+            <a:r>
+              <a:rPr lang="en-US" altLang="zh-CN" smtClean="0">
+                <a:solidFill>
+                  <a:schemeClr val="tx1"/>
+                </a:solidFill>
+              </a:rPr>
+              <a:t>sort</a:t>
+            </a:r>
+            <a:endParaRPr lang="zh-CN" altLang="en-US">
+              <a:solidFill>
+                <a:schemeClr val="tx1"/>
+              </a:solidFill>
+            </a:endParaRPr>
+          </a:p>
+        </p:txBody>
+      </p:sp>
+      <p:sp>
+        <p:nvSpPr>
+          <p:cNvPr id="55" name="圆角矩形 54"/>
+          <p:cNvSpPr/>
+          <p:nvPr/>
+        </p:nvSpPr>
+        <p:spPr>
+          <a:xfrm>
+            <a:off x="8345455" y="3722914"/>
+            <a:ext cx="906624" cy="391886"/>
+          </a:xfrm>
+          <a:prstGeom prst="roundRect">
+            <a:avLst/>
+          </a:prstGeom>
+          <a:solidFill>
+            <a:schemeClr val="bg1">
+              <a:lumMod val="65000"/>
+            </a:schemeClr>
+          </a:solidFill>
+          <a:ln w="22225">
+            <a:solidFill>
+              <a:schemeClr val="tx1">
+                <a:lumMod val="75000"/>
+                <a:lumOff val="25000"/>
+              </a:schemeClr>
+            </a:solidFill>
+          </a:ln>
+        </p:spPr>
+        <p:style>
+          <a:lnRef idx="2">
+            <a:schemeClr val="accent1">
+              <a:shade val="50000"/>
+            </a:schemeClr>
+          </a:lnRef>
+          <a:fillRef idx="1">
+            <a:schemeClr val="accent1"/>
+          </a:fillRef>
+          <a:effectRef idx="0">
+            <a:schemeClr val="accent1"/>
+          </a:effectRef>
+          <a:fontRef idx="minor">
+            <a:schemeClr val="lt1"/>
+          </a:fontRef>
+        </p:style>
+        <p:txBody>
+          <a:bodyPr rtlCol="0" anchor="ctr"/>
+          <a:lstStyle/>
+          <a:p>
+            <a:pPr algn="ctr"/>
+            <a:r>
+              <a:rPr lang="en-US" altLang="zh-CN" smtClean="0">
+                <a:solidFill>
+                  <a:schemeClr val="tx1"/>
+                </a:solidFill>
+              </a:rPr>
+              <a:t>sort</a:t>
+            </a:r>
+            <a:endParaRPr lang="zh-CN" altLang="en-US">
+              <a:solidFill>
+                <a:schemeClr val="tx1"/>
+              </a:solidFill>
+            </a:endParaRPr>
+          </a:p>
+        </p:txBody>
+      </p:sp>
+      <p:sp>
+        <p:nvSpPr>
+          <p:cNvPr id="56" name="圆角矩形 55"/>
+          <p:cNvSpPr/>
+          <p:nvPr/>
+        </p:nvSpPr>
+        <p:spPr>
+          <a:xfrm>
+            <a:off x="9542884" y="3712029"/>
+            <a:ext cx="906624" cy="391886"/>
+          </a:xfrm>
+          <a:prstGeom prst="roundRect">
+            <a:avLst/>
+          </a:prstGeom>
+          <a:solidFill>
+            <a:schemeClr val="bg1">
+              <a:lumMod val="65000"/>
+            </a:schemeClr>
+          </a:solidFill>
+          <a:ln w="22225">
+            <a:solidFill>
+              <a:schemeClr val="tx1">
+                <a:lumMod val="75000"/>
+                <a:lumOff val="25000"/>
+              </a:schemeClr>
+            </a:solidFill>
+          </a:ln>
+        </p:spPr>
+        <p:style>
+          <a:lnRef idx="2">
+            <a:schemeClr val="accent1">
+              <a:shade val="50000"/>
+            </a:schemeClr>
+          </a:lnRef>
+          <a:fillRef idx="1">
+            <a:schemeClr val="accent1"/>
+          </a:fillRef>
+          <a:effectRef idx="0">
+            <a:schemeClr val="accent1"/>
+          </a:effectRef>
+          <a:fontRef idx="minor">
+            <a:schemeClr val="lt1"/>
+          </a:fontRef>
+        </p:style>
+        <p:txBody>
+          <a:bodyPr rtlCol="0" anchor="ctr"/>
+          <a:lstStyle/>
+          <a:p>
+            <a:pPr algn="ctr"/>
+            <a:r>
+              <a:rPr lang="en-US" altLang="zh-CN" smtClean="0">
+                <a:solidFill>
+                  <a:schemeClr val="tx1"/>
+                </a:solidFill>
+              </a:rPr>
+              <a:t>sort</a:t>
+            </a:r>
+            <a:endParaRPr lang="zh-CN" altLang="en-US">
+              <a:solidFill>
+                <a:schemeClr val="tx1"/>
+              </a:solidFill>
+            </a:endParaRPr>
+          </a:p>
+        </p:txBody>
+      </p:sp>
+      <p:sp>
+        <p:nvSpPr>
+          <p:cNvPr id="60" name="圆角矩形 59"/>
+          <p:cNvSpPr/>
+          <p:nvPr/>
+        </p:nvSpPr>
+        <p:spPr>
+          <a:xfrm>
+            <a:off x="8345455" y="2122715"/>
+            <a:ext cx="906624" cy="391886"/>
+          </a:xfrm>
+          <a:prstGeom prst="roundRect">
+            <a:avLst/>
+          </a:prstGeom>
+          <a:solidFill>
+            <a:schemeClr val="bg1">
+              <a:lumMod val="65000"/>
+            </a:schemeClr>
+          </a:solidFill>
+          <a:ln w="22225">
+            <a:solidFill>
+              <a:schemeClr val="tx1">
+                <a:lumMod val="75000"/>
+                <a:lumOff val="25000"/>
+              </a:schemeClr>
+            </a:solidFill>
+          </a:ln>
+        </p:spPr>
+        <p:style>
+          <a:lnRef idx="2">
+            <a:schemeClr val="accent1">
+              <a:shade val="50000"/>
+            </a:schemeClr>
+          </a:lnRef>
+          <a:fillRef idx="1">
+            <a:schemeClr val="accent1"/>
+          </a:fillRef>
+          <a:effectRef idx="0">
+            <a:schemeClr val="accent1"/>
+          </a:effectRef>
+          <a:fontRef idx="minor">
+            <a:schemeClr val="lt1"/>
+          </a:fontRef>
+        </p:style>
+        <p:txBody>
+          <a:bodyPr rtlCol="0" anchor="ctr"/>
+          <a:lstStyle/>
+          <a:p>
+            <a:pPr algn="ctr"/>
+            <a:r>
+              <a:rPr lang="en-US" altLang="zh-CN" smtClean="0">
+                <a:solidFill>
+                  <a:schemeClr val="tx1"/>
+                </a:solidFill>
+              </a:rPr>
+              <a:t>Merge</a:t>
+            </a:r>
+            <a:endParaRPr lang="zh-CN" altLang="en-US">
+              <a:solidFill>
+                <a:schemeClr val="tx1"/>
+              </a:solidFill>
+            </a:endParaRPr>
+          </a:p>
+        </p:txBody>
+      </p:sp>
+      <p:sp>
+        <p:nvSpPr>
+          <p:cNvPr id="61" name="圆角矩形 60"/>
+          <p:cNvSpPr/>
+          <p:nvPr/>
+        </p:nvSpPr>
+        <p:spPr>
+          <a:xfrm>
+            <a:off x="7148026" y="3015343"/>
+            <a:ext cx="906624" cy="391886"/>
+          </a:xfrm>
+          <a:prstGeom prst="roundRect">
+            <a:avLst/>
+          </a:prstGeom>
+          <a:solidFill>
+            <a:schemeClr val="bg1">
+              <a:lumMod val="65000"/>
+            </a:schemeClr>
+          </a:solidFill>
+          <a:ln w="22225">
+            <a:solidFill>
+              <a:schemeClr val="tx1">
+                <a:lumMod val="75000"/>
+                <a:lumOff val="25000"/>
+              </a:schemeClr>
+            </a:solidFill>
+          </a:ln>
+        </p:spPr>
+        <p:style>
+          <a:lnRef idx="2">
+            <a:schemeClr val="accent1">
+              <a:shade val="50000"/>
+            </a:schemeClr>
+          </a:lnRef>
+          <a:fillRef idx="1">
+            <a:schemeClr val="accent1"/>
+          </a:fillRef>
+          <a:effectRef idx="0">
+            <a:schemeClr val="accent1"/>
+          </a:effectRef>
+          <a:fontRef idx="minor">
+            <a:schemeClr val="lt1"/>
+          </a:fontRef>
+        </p:style>
+        <p:txBody>
+          <a:bodyPr rtlCol="0" anchor="ctr"/>
+          <a:lstStyle/>
+          <a:p>
+            <a:pPr algn="ctr"/>
+            <a:r>
+              <a:rPr lang="en-US" altLang="zh-CN" sz="1200" smtClean="0">
+                <a:solidFill>
+                  <a:schemeClr val="tx1"/>
+                </a:solidFill>
+              </a:rPr>
+              <a:t>exchange</a:t>
+            </a:r>
+            <a:endParaRPr lang="zh-CN" altLang="en-US" sz="1200">
+              <a:solidFill>
+                <a:schemeClr val="tx1"/>
+              </a:solidFill>
+            </a:endParaRPr>
+          </a:p>
+        </p:txBody>
+      </p:sp>
+      <p:cxnSp>
+        <p:nvCxnSpPr>
+          <p:cNvPr id="62" name="直接箭头连接符 61"/>
+          <p:cNvCxnSpPr>
+            <a:stCxn id="54" idx="0"/>
+            <a:endCxn id="61" idx="2"/>
+          </p:cNvCxnSpPr>
+          <p:nvPr/>
+        </p:nvCxnSpPr>
+        <p:spPr>
+          <a:xfrm flipV="1">
+            <a:off x="7601338" y="3407229"/>
+            <a:ext cx="0" cy="315685"/>
+          </a:xfrm>
+          <a:prstGeom prst="straightConnector1">
+            <a:avLst/>
+          </a:prstGeom>
+          <a:ln w="31750">
+            <a:solidFill>
+              <a:schemeClr val="tx1">
+                <a:lumMod val="85000"/>
+                <a:lumOff val="15000"/>
+              </a:schemeClr>
+            </a:solidFill>
+            <a:tailEnd type="triangle"/>
+          </a:ln>
+        </p:spPr>
+        <p:style>
+          <a:lnRef idx="1">
+            <a:schemeClr val="accent1"/>
+          </a:lnRef>
+          <a:fillRef idx="0">
+            <a:schemeClr val="accent1"/>
+          </a:fillRef>
+          <a:effectRef idx="0">
+            <a:schemeClr val="accent1"/>
+          </a:effectRef>
+          <a:fontRef idx="minor">
+            <a:schemeClr val="tx1"/>
+          </a:fontRef>
+        </p:style>
+      </p:cxnSp>
+      <p:sp>
+        <p:nvSpPr>
+          <p:cNvPr id="63" name="圆角矩形 62"/>
+          <p:cNvSpPr/>
+          <p:nvPr/>
+        </p:nvSpPr>
+        <p:spPr>
+          <a:xfrm>
+            <a:off x="8345455" y="3015343"/>
+            <a:ext cx="906624" cy="391886"/>
+          </a:xfrm>
+          <a:prstGeom prst="roundRect">
+            <a:avLst/>
+          </a:prstGeom>
+          <a:solidFill>
+            <a:schemeClr val="bg1">
+              <a:lumMod val="65000"/>
+            </a:schemeClr>
+          </a:solidFill>
+          <a:ln w="22225">
+            <a:solidFill>
+              <a:schemeClr val="tx1">
+                <a:lumMod val="75000"/>
+                <a:lumOff val="25000"/>
+              </a:schemeClr>
+            </a:solidFill>
+          </a:ln>
+        </p:spPr>
+        <p:style>
+          <a:lnRef idx="2">
+            <a:schemeClr val="accent1">
+              <a:shade val="50000"/>
+            </a:schemeClr>
+          </a:lnRef>
+          <a:fillRef idx="1">
+            <a:schemeClr val="accent1"/>
+          </a:fillRef>
+          <a:effectRef idx="0">
+            <a:schemeClr val="accent1"/>
+          </a:effectRef>
+          <a:fontRef idx="minor">
+            <a:schemeClr val="lt1"/>
+          </a:fontRef>
+        </p:style>
+        <p:txBody>
+          <a:bodyPr rtlCol="0" anchor="ctr"/>
+          <a:lstStyle/>
+          <a:p>
+            <a:pPr algn="ctr"/>
+            <a:r>
+              <a:rPr lang="en-US" altLang="zh-CN" sz="1200" smtClean="0">
+                <a:solidFill>
+                  <a:schemeClr val="tx1"/>
+                </a:solidFill>
+              </a:rPr>
+              <a:t>exchange</a:t>
+            </a:r>
+            <a:endParaRPr lang="zh-CN" altLang="en-US" sz="1200">
+              <a:solidFill>
+                <a:schemeClr val="tx1"/>
+              </a:solidFill>
+            </a:endParaRPr>
+          </a:p>
+        </p:txBody>
+      </p:sp>
+      <p:cxnSp>
+        <p:nvCxnSpPr>
+          <p:cNvPr id="64" name="直接箭头连接符 63"/>
+          <p:cNvCxnSpPr>
+            <a:stCxn id="55" idx="0"/>
+            <a:endCxn id="63" idx="2"/>
+          </p:cNvCxnSpPr>
+          <p:nvPr/>
+        </p:nvCxnSpPr>
+        <p:spPr>
+          <a:xfrm flipV="1">
+            <a:off x="8798767" y="3407229"/>
+            <a:ext cx="0" cy="315685"/>
+          </a:xfrm>
+          <a:prstGeom prst="straightConnector1">
+            <a:avLst/>
+          </a:prstGeom>
+          <a:ln w="31750">
+            <a:solidFill>
+              <a:schemeClr val="tx1">
+                <a:lumMod val="85000"/>
+                <a:lumOff val="15000"/>
+              </a:schemeClr>
+            </a:solidFill>
+            <a:tailEnd type="triangle"/>
+          </a:ln>
+        </p:spPr>
+        <p:style>
+          <a:lnRef idx="1">
+            <a:schemeClr val="accent1"/>
+          </a:lnRef>
+          <a:fillRef idx="0">
+            <a:schemeClr val="accent1"/>
+          </a:fillRef>
+          <a:effectRef idx="0">
+            <a:schemeClr val="accent1"/>
+          </a:effectRef>
+          <a:fontRef idx="minor">
+            <a:schemeClr val="tx1"/>
+          </a:fontRef>
+        </p:style>
+      </p:cxnSp>
+      <p:sp>
+        <p:nvSpPr>
+          <p:cNvPr id="65" name="圆角矩形 64"/>
+          <p:cNvSpPr/>
+          <p:nvPr/>
+        </p:nvSpPr>
+        <p:spPr>
+          <a:xfrm>
+            <a:off x="9542883" y="3015343"/>
+            <a:ext cx="906624" cy="391886"/>
+          </a:xfrm>
+          <a:prstGeom prst="roundRect">
+            <a:avLst/>
+          </a:prstGeom>
+          <a:solidFill>
+            <a:schemeClr val="bg1">
+              <a:lumMod val="65000"/>
+            </a:schemeClr>
+          </a:solidFill>
+          <a:ln w="22225">
+            <a:solidFill>
+              <a:schemeClr val="tx1">
+                <a:lumMod val="75000"/>
+                <a:lumOff val="25000"/>
+              </a:schemeClr>
+            </a:solidFill>
+          </a:ln>
+        </p:spPr>
+        <p:style>
+          <a:lnRef idx="2">
+            <a:schemeClr val="accent1">
+              <a:shade val="50000"/>
+            </a:schemeClr>
+          </a:lnRef>
+          <a:fillRef idx="1">
+            <a:schemeClr val="accent1"/>
+          </a:fillRef>
+          <a:effectRef idx="0">
+            <a:schemeClr val="accent1"/>
+          </a:effectRef>
+          <a:fontRef idx="minor">
+            <a:schemeClr val="lt1"/>
+          </a:fontRef>
+        </p:style>
+        <p:txBody>
+          <a:bodyPr rtlCol="0" anchor="ctr"/>
+          <a:lstStyle/>
+          <a:p>
+            <a:pPr algn="ctr"/>
+            <a:r>
+              <a:rPr lang="en-US" altLang="zh-CN" sz="1200" smtClean="0">
+                <a:solidFill>
+                  <a:schemeClr val="tx1"/>
+                </a:solidFill>
+              </a:rPr>
+              <a:t>exchange</a:t>
+            </a:r>
+            <a:endParaRPr lang="zh-CN" altLang="en-US" sz="1200">
+              <a:solidFill>
+                <a:schemeClr val="tx1"/>
+              </a:solidFill>
+            </a:endParaRPr>
+          </a:p>
+        </p:txBody>
+      </p:sp>
+      <p:cxnSp>
+        <p:nvCxnSpPr>
+          <p:cNvPr id="66" name="直接箭头连接符 65"/>
+          <p:cNvCxnSpPr>
+            <a:stCxn id="56" idx="0"/>
+            <a:endCxn id="65" idx="2"/>
+          </p:cNvCxnSpPr>
+          <p:nvPr/>
+        </p:nvCxnSpPr>
+        <p:spPr>
+          <a:xfrm flipH="1" flipV="1">
+            <a:off x="9996195" y="3407229"/>
+            <a:ext cx="1" cy="304800"/>
+          </a:xfrm>
+          <a:prstGeom prst="straightConnector1">
+            <a:avLst/>
+          </a:prstGeom>
+          <a:ln w="31750">
+            <a:solidFill>
+              <a:schemeClr val="tx1">
+                <a:lumMod val="85000"/>
+                <a:lumOff val="15000"/>
+              </a:schemeClr>
+            </a:solidFill>
+            <a:tailEnd type="triangle"/>
+          </a:ln>
+        </p:spPr>
+        <p:style>
+          <a:lnRef idx="1">
+            <a:schemeClr val="accent1"/>
+          </a:lnRef>
+          <a:fillRef idx="0">
+            <a:schemeClr val="accent1"/>
+          </a:fillRef>
+          <a:effectRef idx="0">
+            <a:schemeClr val="accent1"/>
+          </a:effectRef>
+          <a:fontRef idx="minor">
+            <a:schemeClr val="tx1"/>
+          </a:fontRef>
+        </p:style>
+      </p:cxnSp>
+      <p:cxnSp>
+        <p:nvCxnSpPr>
+          <p:cNvPr id="67" name="直接箭头连接符 66"/>
+          <p:cNvCxnSpPr>
+            <a:stCxn id="61" idx="0"/>
+            <a:endCxn id="60" idx="2"/>
+          </p:cNvCxnSpPr>
+          <p:nvPr/>
+        </p:nvCxnSpPr>
+        <p:spPr>
+          <a:xfrm flipV="1">
+            <a:off x="7601338" y="2514601"/>
+            <a:ext cx="1197429" cy="500742"/>
+          </a:xfrm>
+          <a:prstGeom prst="straightConnector1">
+            <a:avLst/>
+          </a:prstGeom>
+          <a:ln w="31750">
+            <a:solidFill>
+              <a:schemeClr val="tx1">
+                <a:lumMod val="85000"/>
+                <a:lumOff val="15000"/>
+              </a:schemeClr>
+            </a:solidFill>
+            <a:tailEnd type="triangle"/>
+          </a:ln>
+        </p:spPr>
+        <p:style>
+          <a:lnRef idx="1">
+            <a:schemeClr val="accent1"/>
+          </a:lnRef>
+          <a:fillRef idx="0">
+            <a:schemeClr val="accent1"/>
+          </a:fillRef>
+          <a:effectRef idx="0">
+            <a:schemeClr val="accent1"/>
+          </a:effectRef>
+          <a:fontRef idx="minor">
+            <a:schemeClr val="tx1"/>
+          </a:fontRef>
+        </p:style>
+      </p:cxnSp>
+      <p:cxnSp>
+        <p:nvCxnSpPr>
+          <p:cNvPr id="68" name="直接箭头连接符 67"/>
+          <p:cNvCxnSpPr>
+            <a:stCxn id="63" idx="0"/>
+            <a:endCxn id="60" idx="2"/>
+          </p:cNvCxnSpPr>
+          <p:nvPr/>
+        </p:nvCxnSpPr>
+        <p:spPr>
+          <a:xfrm flipV="1">
+            <a:off x="8798767" y="2514601"/>
+            <a:ext cx="0" cy="500742"/>
+          </a:xfrm>
+          <a:prstGeom prst="straightConnector1">
+            <a:avLst/>
+          </a:prstGeom>
+          <a:ln w="31750">
+            <a:solidFill>
+              <a:schemeClr val="tx1">
+                <a:lumMod val="85000"/>
+                <a:lumOff val="15000"/>
+              </a:schemeClr>
+            </a:solidFill>
+            <a:tailEnd type="triangle"/>
+          </a:ln>
+        </p:spPr>
+        <p:style>
+          <a:lnRef idx="1">
+            <a:schemeClr val="accent1"/>
+          </a:lnRef>
+          <a:fillRef idx="0">
+            <a:schemeClr val="accent1"/>
+          </a:fillRef>
+          <a:effectRef idx="0">
+            <a:schemeClr val="accent1"/>
+          </a:effectRef>
+          <a:fontRef idx="minor">
+            <a:schemeClr val="tx1"/>
+          </a:fontRef>
+        </p:style>
+      </p:cxnSp>
+      <p:cxnSp>
+        <p:nvCxnSpPr>
+          <p:cNvPr id="69" name="直接箭头连接符 68"/>
+          <p:cNvCxnSpPr>
+            <a:stCxn id="65" idx="0"/>
+            <a:endCxn id="60" idx="2"/>
+          </p:cNvCxnSpPr>
+          <p:nvPr/>
+        </p:nvCxnSpPr>
+        <p:spPr>
+          <a:xfrm flipH="1" flipV="1">
+            <a:off x="8798767" y="2514601"/>
+            <a:ext cx="1197428" cy="500742"/>
+          </a:xfrm>
+          <a:prstGeom prst="straightConnector1">
+            <a:avLst/>
+          </a:prstGeom>
+          <a:ln w="31750">
+            <a:solidFill>
+              <a:schemeClr val="tx1">
+                <a:lumMod val="85000"/>
+                <a:lumOff val="15000"/>
+              </a:schemeClr>
+            </a:solidFill>
+            <a:tailEnd type="triangle"/>
+          </a:ln>
+        </p:spPr>
+        <p:style>
+          <a:lnRef idx="1">
+            <a:schemeClr val="accent1"/>
+          </a:lnRef>
+          <a:fillRef idx="0">
+            <a:schemeClr val="accent1"/>
+          </a:fillRef>
+          <a:effectRef idx="0">
+            <a:schemeClr val="accent1"/>
+          </a:effectRef>
+          <a:fontRef idx="minor">
+            <a:schemeClr val="tx1"/>
+          </a:fontRef>
+        </p:style>
+      </p:cxnSp>
+      <p:sp>
+        <p:nvSpPr>
+          <p:cNvPr id="70" name="圆角矩形 69"/>
+          <p:cNvSpPr/>
+          <p:nvPr/>
+        </p:nvSpPr>
+        <p:spPr>
+          <a:xfrm>
+            <a:off x="7148026" y="4430485"/>
+            <a:ext cx="906624" cy="391886"/>
+          </a:xfrm>
+          <a:prstGeom prst="roundRect">
+            <a:avLst/>
+          </a:prstGeom>
+          <a:solidFill>
+            <a:schemeClr val="bg1">
+              <a:lumMod val="65000"/>
+            </a:schemeClr>
+          </a:solidFill>
+          <a:ln w="22225">
+            <a:solidFill>
+              <a:schemeClr val="tx1">
+                <a:lumMod val="75000"/>
+                <a:lumOff val="25000"/>
+              </a:schemeClr>
+            </a:solidFill>
+          </a:ln>
+        </p:spPr>
+        <p:style>
+          <a:lnRef idx="2">
+            <a:schemeClr val="accent1">
+              <a:shade val="50000"/>
+            </a:schemeClr>
+          </a:lnRef>
+          <a:fillRef idx="1">
+            <a:schemeClr val="accent1"/>
+          </a:fillRef>
+          <a:effectRef idx="0">
+            <a:schemeClr val="accent1"/>
+          </a:effectRef>
+          <a:fontRef idx="minor">
+            <a:schemeClr val="lt1"/>
+          </a:fontRef>
+        </p:style>
+        <p:txBody>
+          <a:bodyPr rtlCol="0" anchor="ctr"/>
+          <a:lstStyle/>
+          <a:p>
+            <a:pPr algn="ctr"/>
+            <a:r>
+              <a:rPr lang="en-US" altLang="zh-CN" sz="1200" smtClean="0">
+                <a:solidFill>
+                  <a:schemeClr val="tx1"/>
+                </a:solidFill>
+              </a:rPr>
+              <a:t>Sub(Split)</a:t>
+            </a:r>
+            <a:endParaRPr lang="zh-CN" altLang="en-US" sz="1200">
+              <a:solidFill>
+                <a:schemeClr val="tx1"/>
+              </a:solidFill>
+            </a:endParaRPr>
+          </a:p>
+        </p:txBody>
+      </p:sp>
+      <p:sp>
+        <p:nvSpPr>
+          <p:cNvPr id="71" name="圆角矩形 70"/>
+          <p:cNvSpPr/>
+          <p:nvPr/>
+        </p:nvSpPr>
+        <p:spPr>
+          <a:xfrm>
+            <a:off x="8345454" y="4419599"/>
+            <a:ext cx="906624" cy="391886"/>
+          </a:xfrm>
+          <a:prstGeom prst="roundRect">
+            <a:avLst/>
+          </a:prstGeom>
+          <a:solidFill>
+            <a:schemeClr val="bg1">
+              <a:lumMod val="65000"/>
+            </a:schemeClr>
+          </a:solidFill>
+          <a:ln w="22225">
+            <a:solidFill>
+              <a:schemeClr val="tx1">
+                <a:lumMod val="75000"/>
+                <a:lumOff val="25000"/>
+              </a:schemeClr>
+            </a:solidFill>
+          </a:ln>
+        </p:spPr>
+        <p:style>
+          <a:lnRef idx="2">
+            <a:schemeClr val="accent1">
+              <a:shade val="50000"/>
+            </a:schemeClr>
+          </a:lnRef>
+          <a:fillRef idx="1">
+            <a:schemeClr val="accent1"/>
+          </a:fillRef>
+          <a:effectRef idx="0">
+            <a:schemeClr val="accent1"/>
+          </a:effectRef>
+          <a:fontRef idx="minor">
+            <a:schemeClr val="lt1"/>
+          </a:fontRef>
+        </p:style>
+        <p:txBody>
+          <a:bodyPr rtlCol="0" anchor="ctr"/>
+          <a:lstStyle/>
+          <a:p>
+            <a:pPr algn="ctr"/>
+            <a:r>
+              <a:rPr lang="en-US" altLang="zh-CN" sz="1200" smtClean="0">
+                <a:solidFill>
+                  <a:schemeClr val="tx1"/>
+                </a:solidFill>
+              </a:rPr>
+              <a:t>Sub(Split)</a:t>
+            </a:r>
+            <a:endParaRPr lang="zh-CN" altLang="en-US" sz="1200">
+              <a:solidFill>
+                <a:schemeClr val="tx1"/>
+              </a:solidFill>
+            </a:endParaRPr>
+          </a:p>
+        </p:txBody>
+      </p:sp>
+      <p:sp>
+        <p:nvSpPr>
+          <p:cNvPr id="72" name="圆角矩形 71"/>
+          <p:cNvSpPr/>
+          <p:nvPr/>
+        </p:nvSpPr>
+        <p:spPr>
+          <a:xfrm>
+            <a:off x="9542883" y="4430485"/>
+            <a:ext cx="906624" cy="391886"/>
+          </a:xfrm>
+          <a:prstGeom prst="roundRect">
+            <a:avLst/>
+          </a:prstGeom>
+          <a:solidFill>
+            <a:schemeClr val="bg1">
+              <a:lumMod val="65000"/>
+            </a:schemeClr>
+          </a:solidFill>
+          <a:ln w="22225">
+            <a:solidFill>
+              <a:schemeClr val="tx1">
+                <a:lumMod val="75000"/>
+                <a:lumOff val="25000"/>
+              </a:schemeClr>
+            </a:solidFill>
+          </a:ln>
+        </p:spPr>
+        <p:style>
+          <a:lnRef idx="2">
+            <a:schemeClr val="accent1">
+              <a:shade val="50000"/>
+            </a:schemeClr>
+          </a:lnRef>
+          <a:fillRef idx="1">
+            <a:schemeClr val="accent1"/>
+          </a:fillRef>
+          <a:effectRef idx="0">
+            <a:schemeClr val="accent1"/>
+          </a:effectRef>
+          <a:fontRef idx="minor">
+            <a:schemeClr val="lt1"/>
+          </a:fontRef>
+        </p:style>
+        <p:txBody>
+          <a:bodyPr rtlCol="0" anchor="ctr"/>
+          <a:lstStyle/>
+          <a:p>
+            <a:pPr algn="ctr"/>
+            <a:r>
+              <a:rPr lang="en-US" altLang="zh-CN" sz="1200" smtClean="0">
+                <a:solidFill>
+                  <a:schemeClr val="tx1"/>
+                </a:solidFill>
+              </a:rPr>
+              <a:t>Sub(Split)</a:t>
+            </a:r>
+            <a:endParaRPr lang="zh-CN" altLang="en-US" sz="1200">
+              <a:solidFill>
+                <a:schemeClr val="tx1"/>
+              </a:solidFill>
+            </a:endParaRPr>
+          </a:p>
+        </p:txBody>
+      </p:sp>
+      <p:cxnSp>
+        <p:nvCxnSpPr>
+          <p:cNvPr id="73" name="直接箭头连接符 72"/>
+          <p:cNvCxnSpPr>
+            <a:stCxn id="70" idx="0"/>
+            <a:endCxn id="54" idx="2"/>
+          </p:cNvCxnSpPr>
+          <p:nvPr/>
+        </p:nvCxnSpPr>
+        <p:spPr>
+          <a:xfrm flipV="1">
+            <a:off x="7601338" y="4114800"/>
+            <a:ext cx="0" cy="315685"/>
+          </a:xfrm>
+          <a:prstGeom prst="straightConnector1">
+            <a:avLst/>
+          </a:prstGeom>
+          <a:ln w="31750">
+            <a:solidFill>
+              <a:schemeClr val="tx1">
+                <a:lumMod val="85000"/>
+                <a:lumOff val="15000"/>
+              </a:schemeClr>
+            </a:solidFill>
+            <a:tailEnd type="triangle"/>
+          </a:ln>
+        </p:spPr>
+        <p:style>
+          <a:lnRef idx="1">
+            <a:schemeClr val="accent1"/>
+          </a:lnRef>
+          <a:fillRef idx="0">
+            <a:schemeClr val="accent1"/>
+          </a:fillRef>
+          <a:effectRef idx="0">
+            <a:schemeClr val="accent1"/>
+          </a:effectRef>
+          <a:fontRef idx="minor">
+            <a:schemeClr val="tx1"/>
+          </a:fontRef>
+        </p:style>
+      </p:cxnSp>
+      <p:cxnSp>
+        <p:nvCxnSpPr>
+          <p:cNvPr id="76" name="直接箭头连接符 75"/>
+          <p:cNvCxnSpPr>
+            <a:stCxn id="71" idx="0"/>
+            <a:endCxn id="55" idx="2"/>
+          </p:cNvCxnSpPr>
+          <p:nvPr/>
+        </p:nvCxnSpPr>
+        <p:spPr>
+          <a:xfrm flipV="1">
+            <a:off x="8798766" y="4114800"/>
+            <a:ext cx="1" cy="304799"/>
+          </a:xfrm>
+          <a:prstGeom prst="straightConnector1">
+            <a:avLst/>
+          </a:prstGeom>
+          <a:ln w="31750">
+            <a:solidFill>
+              <a:schemeClr val="tx1">
+                <a:lumMod val="85000"/>
+                <a:lumOff val="15000"/>
+              </a:schemeClr>
+            </a:solidFill>
+            <a:tailEnd type="triangle"/>
+          </a:ln>
+        </p:spPr>
+        <p:style>
+          <a:lnRef idx="1">
+            <a:schemeClr val="accent1"/>
+          </a:lnRef>
+          <a:fillRef idx="0">
+            <a:schemeClr val="accent1"/>
+          </a:fillRef>
+          <a:effectRef idx="0">
+            <a:schemeClr val="accent1"/>
+          </a:effectRef>
+          <a:fontRef idx="minor">
+            <a:schemeClr val="tx1"/>
+          </a:fontRef>
+        </p:style>
+      </p:cxnSp>
+      <p:cxnSp>
+        <p:nvCxnSpPr>
+          <p:cNvPr id="79" name="直接箭头连接符 78"/>
+          <p:cNvCxnSpPr>
+            <a:stCxn id="72" idx="0"/>
+            <a:endCxn id="56" idx="2"/>
+          </p:cNvCxnSpPr>
+          <p:nvPr/>
+        </p:nvCxnSpPr>
+        <p:spPr>
+          <a:xfrm flipV="1">
+            <a:off x="9996195" y="4103915"/>
+            <a:ext cx="1" cy="326570"/>
+          </a:xfrm>
+          <a:prstGeom prst="straightConnector1">
+            <a:avLst/>
+          </a:prstGeom>
+          <a:ln w="31750">
+            <a:solidFill>
+              <a:schemeClr val="tx1">
+                <a:lumMod val="85000"/>
+                <a:lumOff val="15000"/>
+              </a:schemeClr>
+            </a:solidFill>
+            <a:tailEnd type="triangle"/>
+          </a:ln>
+        </p:spPr>
+        <p:style>
+          <a:lnRef idx="1">
+            <a:schemeClr val="accent1"/>
+          </a:lnRef>
+          <a:fillRef idx="0">
+            <a:schemeClr val="accent1"/>
+          </a:fillRef>
+          <a:effectRef idx="0">
+            <a:schemeClr val="accent1"/>
+          </a:effectRef>
+          <a:fontRef idx="minor">
+            <a:schemeClr val="tx1"/>
+          </a:fontRef>
+        </p:style>
+      </p:cxnSp>
+      <p:sp>
+        <p:nvSpPr>
+          <p:cNvPr id="86" name="圆角矩形 85"/>
+          <p:cNvSpPr/>
+          <p:nvPr/>
+        </p:nvSpPr>
+        <p:spPr>
+          <a:xfrm>
+            <a:off x="4568891" y="5225143"/>
+            <a:ext cx="906624" cy="391886"/>
+          </a:xfrm>
+          <a:prstGeom prst="roundRect">
+            <a:avLst/>
+          </a:prstGeom>
+          <a:solidFill>
+            <a:schemeClr val="bg1">
+              <a:lumMod val="65000"/>
+            </a:schemeClr>
+          </a:solidFill>
+          <a:ln w="22225">
+            <a:solidFill>
+              <a:schemeClr val="tx1">
+                <a:lumMod val="75000"/>
+                <a:lumOff val="25000"/>
+              </a:schemeClr>
+            </a:solidFill>
+          </a:ln>
+        </p:spPr>
+        <p:style>
+          <a:lnRef idx="2">
+            <a:schemeClr val="accent1">
+              <a:shade val="50000"/>
+            </a:schemeClr>
+          </a:lnRef>
+          <a:fillRef idx="1">
+            <a:schemeClr val="accent1"/>
+          </a:fillRef>
+          <a:effectRef idx="0">
+            <a:schemeClr val="accent1"/>
+          </a:effectRef>
+          <a:fontRef idx="minor">
+            <a:schemeClr val="lt1"/>
+          </a:fontRef>
+        </p:style>
+        <p:txBody>
+          <a:bodyPr rtlCol="0" anchor="ctr"/>
+          <a:lstStyle/>
+          <a:p>
+            <a:pPr algn="ctr"/>
+            <a:r>
+              <a:rPr lang="en-US" altLang="zh-CN" smtClean="0">
+                <a:solidFill>
+                  <a:schemeClr val="tx1"/>
+                </a:solidFill>
+              </a:rPr>
+              <a:t>sub</a:t>
+            </a:r>
+            <a:endParaRPr lang="zh-CN" altLang="en-US">
+              <a:solidFill>
+                <a:schemeClr val="tx1"/>
+              </a:solidFill>
+            </a:endParaRPr>
+          </a:p>
+        </p:txBody>
+      </p:sp>
+      <p:cxnSp>
+        <p:nvCxnSpPr>
+          <p:cNvPr id="87" name="直接箭头连接符 86"/>
+          <p:cNvCxnSpPr>
+            <a:stCxn id="86" idx="0"/>
+            <a:endCxn id="20" idx="2"/>
+          </p:cNvCxnSpPr>
+          <p:nvPr/>
+        </p:nvCxnSpPr>
+        <p:spPr>
+          <a:xfrm flipV="1">
+            <a:off x="5022203" y="4909458"/>
+            <a:ext cx="0" cy="315685"/>
+          </a:xfrm>
+          <a:prstGeom prst="straightConnector1">
+            <a:avLst/>
+          </a:prstGeom>
+          <a:ln w="31750">
+            <a:solidFill>
+              <a:schemeClr val="tx1">
+                <a:lumMod val="85000"/>
+                <a:lumOff val="15000"/>
+              </a:schemeClr>
+            </a:solidFill>
+            <a:tailEnd type="triangle"/>
+          </a:ln>
+        </p:spPr>
+        <p:style>
+          <a:lnRef idx="1">
+            <a:schemeClr val="accent1"/>
+          </a:lnRef>
+          <a:fillRef idx="0">
+            <a:schemeClr val="accent1"/>
+          </a:fillRef>
+          <a:effectRef idx="0">
+            <a:schemeClr val="accent1"/>
+          </a:effectRef>
+          <a:fontRef idx="minor">
+            <a:schemeClr val="tx1"/>
+          </a:fontRef>
+        </p:style>
+      </p:cxnSp>
+      <p:sp>
+        <p:nvSpPr>
+          <p:cNvPr id="90" name="右箭头 89"/>
+          <p:cNvSpPr/>
+          <p:nvPr/>
+        </p:nvSpPr>
+        <p:spPr>
+          <a:xfrm>
+            <a:off x="2460950" y="2830286"/>
+            <a:ext cx="522514" cy="762000"/>
+          </a:xfrm>
+          <a:prstGeom prst="rightArrow">
+            <a:avLst/>
+          </a:prstGeom>
+        </p:spPr>
+        <p:style>
+          <a:lnRef idx="3">
+            <a:schemeClr val="lt1"/>
+          </a:lnRef>
+          <a:fillRef idx="1">
+            <a:schemeClr val="accent6"/>
+          </a:fillRef>
+          <a:effectRef idx="1">
+            <a:schemeClr val="accent6"/>
+          </a:effectRef>
+          <a:fontRef idx="minor">
+            <a:schemeClr val="lt1"/>
+          </a:fontRef>
+        </p:style>
+        <p:txBody>
+          <a:bodyPr rtlCol="0" anchor="ctr"/>
+          <a:lstStyle/>
+          <a:p>
+            <a:pPr algn="ctr"/>
+            <a:endParaRPr lang="zh-CN" altLang="en-US"/>
+          </a:p>
+        </p:txBody>
+      </p:sp>
+    </p:spTree>
+    <p:extLst>
+      <p:ext uri="{BB962C8B-B14F-4D97-AF65-F5344CB8AC3E}">
+        <p14:creationId xmlns:p14="http://schemas.microsoft.com/office/powerpoint/2010/main" val="1850783647"/>
+      </p:ext>
+    </p:extLst>
+  </p:cSld>
+  <p:clrMapOvr>
+    <a:masterClrMapping/>
+  </p:clrMapOvr>
+</p:sld>
+</file>
+
+<file path=ppt/slides/slide21.xml><?xml version="1.0" encoding="utf-8"?>
+<p:sld xmlns:a="http://schemas.openxmlformats.org/drawingml/2006/main" xmlns:r="http://schemas.openxmlformats.org/officeDocument/2006/relationships" xmlns:p="http://schemas.openxmlformats.org/presentationml/2006/main">
+  <p:cSld>
+    <p:spTree>
+      <p:nvGrpSpPr>
+        <p:cNvPr id="1" name=""/>
+        <p:cNvGrpSpPr/>
+        <p:nvPr/>
+      </p:nvGrpSpPr>
+      <p:grpSpPr>
+        <a:xfrm>
+          <a:off x="0" y="0"/>
+          <a:ext cx="0" cy="0"/>
+          <a:chOff x="0" y="0"/>
+          <a:chExt cx="0" cy="0"/>
+        </a:xfrm>
+      </p:grpSpPr>
+      <p:sp>
+        <p:nvSpPr>
+          <p:cNvPr id="2" name="标题 1"/>
+          <p:cNvSpPr>
+            <a:spLocks noGrp="1"/>
+          </p:cNvSpPr>
+          <p:nvPr>
+            <p:ph type="title"/>
+          </p:nvPr>
+        </p:nvSpPr>
+        <p:spPr/>
+        <p:txBody>
+          <a:bodyPr/>
+          <a:lstStyle/>
+          <a:p>
+            <a:r>
+              <a:rPr lang="en-US" altLang="zh-CN" smtClean="0"/>
+              <a:t>Group by parallelization</a:t>
+            </a:r>
+            <a:endParaRPr lang="zh-CN" altLang="en-US"/>
+          </a:p>
+        </p:txBody>
+      </p:sp>
+      <p:sp>
+        <p:nvSpPr>
+          <p:cNvPr id="3" name="圆角矩形 2"/>
+          <p:cNvSpPr/>
+          <p:nvPr/>
+        </p:nvSpPr>
+        <p:spPr>
+          <a:xfrm>
+            <a:off x="384888" y="2208360"/>
+            <a:ext cx="906624" cy="391886"/>
+          </a:xfrm>
+          <a:prstGeom prst="roundRect">
+            <a:avLst/>
+          </a:prstGeom>
+          <a:solidFill>
+            <a:schemeClr val="bg1">
+              <a:lumMod val="65000"/>
+            </a:schemeClr>
+          </a:solidFill>
+          <a:ln w="22225">
+            <a:solidFill>
+              <a:schemeClr val="tx1">
+                <a:lumMod val="75000"/>
+                <a:lumOff val="25000"/>
+              </a:schemeClr>
+            </a:solidFill>
+          </a:ln>
+        </p:spPr>
+        <p:style>
+          <a:lnRef idx="2">
+            <a:schemeClr val="accent1">
+              <a:shade val="50000"/>
+            </a:schemeClr>
+          </a:lnRef>
+          <a:fillRef idx="1">
+            <a:schemeClr val="accent1"/>
+          </a:fillRef>
+          <a:effectRef idx="0">
+            <a:schemeClr val="accent1"/>
+          </a:effectRef>
+          <a:fontRef idx="minor">
+            <a:schemeClr val="lt1"/>
+          </a:fontRef>
+        </p:style>
+        <p:txBody>
+          <a:bodyPr rtlCol="0" anchor="ctr"/>
+          <a:lstStyle/>
+          <a:p>
+            <a:pPr algn="ctr"/>
+            <a:r>
+              <a:rPr lang="en-US" altLang="zh-CN" smtClean="0">
+                <a:solidFill>
+                  <a:schemeClr val="tx1"/>
+                </a:solidFill>
+              </a:rPr>
+              <a:t>group</a:t>
+            </a:r>
+            <a:endParaRPr lang="zh-CN" altLang="en-US">
+              <a:solidFill>
+                <a:schemeClr val="tx1"/>
+              </a:solidFill>
+            </a:endParaRPr>
+          </a:p>
+        </p:txBody>
+      </p:sp>
+      <p:sp>
+        <p:nvSpPr>
+          <p:cNvPr id="4" name="圆角矩形 3"/>
+          <p:cNvSpPr/>
+          <p:nvPr/>
+        </p:nvSpPr>
+        <p:spPr>
+          <a:xfrm>
+            <a:off x="384888" y="2948588"/>
+            <a:ext cx="906624" cy="391886"/>
+          </a:xfrm>
+          <a:prstGeom prst="roundRect">
+            <a:avLst/>
+          </a:prstGeom>
+          <a:solidFill>
+            <a:schemeClr val="bg1">
+              <a:lumMod val="65000"/>
+            </a:schemeClr>
+          </a:solidFill>
+          <a:ln w="22225">
+            <a:solidFill>
+              <a:schemeClr val="tx1">
+                <a:lumMod val="75000"/>
+                <a:lumOff val="25000"/>
+              </a:schemeClr>
+            </a:solidFill>
+          </a:ln>
+        </p:spPr>
+        <p:style>
+          <a:lnRef idx="2">
+            <a:schemeClr val="accent1">
+              <a:shade val="50000"/>
+            </a:schemeClr>
+          </a:lnRef>
+          <a:fillRef idx="1">
+            <a:schemeClr val="accent1"/>
+          </a:fillRef>
+          <a:effectRef idx="0">
+            <a:schemeClr val="accent1"/>
+          </a:effectRef>
+          <a:fontRef idx="minor">
+            <a:schemeClr val="lt1"/>
+          </a:fontRef>
+        </p:style>
+        <p:txBody>
+          <a:bodyPr rtlCol="0" anchor="ctr"/>
+          <a:lstStyle/>
+          <a:p>
+            <a:pPr algn="ctr"/>
+            <a:r>
+              <a:rPr lang="en-US" altLang="zh-CN" smtClean="0">
+                <a:solidFill>
+                  <a:schemeClr val="tx1"/>
+                </a:solidFill>
+              </a:rPr>
+              <a:t>sub</a:t>
+            </a:r>
+            <a:endParaRPr lang="zh-CN" altLang="en-US">
+              <a:solidFill>
+                <a:schemeClr val="tx1"/>
+              </a:solidFill>
+            </a:endParaRPr>
+          </a:p>
+        </p:txBody>
+      </p:sp>
+      <p:cxnSp>
+        <p:nvCxnSpPr>
+          <p:cNvPr id="5" name="直接箭头连接符 4"/>
+          <p:cNvCxnSpPr>
+            <a:stCxn id="4" idx="0"/>
+            <a:endCxn id="3" idx="2"/>
+          </p:cNvCxnSpPr>
+          <p:nvPr/>
+        </p:nvCxnSpPr>
+        <p:spPr>
+          <a:xfrm flipV="1">
+            <a:off x="838200" y="2600246"/>
+            <a:ext cx="0" cy="348342"/>
+          </a:xfrm>
+          <a:prstGeom prst="straightConnector1">
+            <a:avLst/>
+          </a:prstGeom>
+          <a:ln w="31750">
+            <a:solidFill>
+              <a:schemeClr val="tx1">
+                <a:lumMod val="85000"/>
+                <a:lumOff val="15000"/>
+              </a:schemeClr>
+            </a:solidFill>
+            <a:tailEnd type="triangle"/>
+          </a:ln>
+        </p:spPr>
+        <p:style>
+          <a:lnRef idx="1">
+            <a:schemeClr val="accent1"/>
+          </a:lnRef>
+          <a:fillRef idx="0">
+            <a:schemeClr val="accent1"/>
+          </a:fillRef>
+          <a:effectRef idx="0">
+            <a:schemeClr val="accent1"/>
+          </a:effectRef>
+          <a:fontRef idx="minor">
+            <a:schemeClr val="tx1"/>
+          </a:fontRef>
+        </p:style>
+      </p:cxnSp>
+      <p:sp>
+        <p:nvSpPr>
+          <p:cNvPr id="6" name="圆角矩形 5"/>
+          <p:cNvSpPr/>
+          <p:nvPr/>
+        </p:nvSpPr>
+        <p:spPr>
+          <a:xfrm>
+            <a:off x="2394858" y="3340474"/>
+            <a:ext cx="906624" cy="391886"/>
+          </a:xfrm>
+          <a:prstGeom prst="roundRect">
+            <a:avLst/>
+          </a:prstGeom>
+          <a:solidFill>
+            <a:schemeClr val="bg1">
+              <a:lumMod val="65000"/>
+            </a:schemeClr>
+          </a:solidFill>
+          <a:ln w="22225">
+            <a:solidFill>
+              <a:schemeClr val="tx1">
+                <a:lumMod val="75000"/>
+                <a:lumOff val="25000"/>
+              </a:schemeClr>
+            </a:solidFill>
+          </a:ln>
+        </p:spPr>
+        <p:style>
+          <a:lnRef idx="2">
+            <a:schemeClr val="accent1">
+              <a:shade val="50000"/>
+            </a:schemeClr>
+          </a:lnRef>
+          <a:fillRef idx="1">
+            <a:schemeClr val="accent1"/>
+          </a:fillRef>
+          <a:effectRef idx="0">
+            <a:schemeClr val="accent1"/>
+          </a:effectRef>
+          <a:fontRef idx="minor">
+            <a:schemeClr val="lt1"/>
+          </a:fontRef>
+        </p:style>
+        <p:txBody>
+          <a:bodyPr rtlCol="0" anchor="ctr"/>
+          <a:lstStyle/>
+          <a:p>
+            <a:pPr algn="ctr"/>
+            <a:r>
+              <a:rPr lang="en-US" altLang="zh-CN" smtClean="0">
+                <a:solidFill>
+                  <a:schemeClr val="tx1"/>
+                </a:solidFill>
+              </a:rPr>
+              <a:t>group</a:t>
+            </a:r>
+            <a:endParaRPr lang="zh-CN" altLang="en-US">
+              <a:solidFill>
+                <a:schemeClr val="tx1"/>
+              </a:solidFill>
+            </a:endParaRPr>
+          </a:p>
+        </p:txBody>
+      </p:sp>
+      <p:sp>
+        <p:nvSpPr>
+          <p:cNvPr id="7" name="圆角矩形 6"/>
+          <p:cNvSpPr/>
+          <p:nvPr/>
+        </p:nvSpPr>
+        <p:spPr>
+          <a:xfrm>
+            <a:off x="3588399" y="4170080"/>
+            <a:ext cx="906624" cy="391886"/>
+          </a:xfrm>
+          <a:prstGeom prst="roundRect">
+            <a:avLst/>
+          </a:prstGeom>
+          <a:solidFill>
+            <a:schemeClr val="bg1">
+              <a:lumMod val="65000"/>
+            </a:schemeClr>
+          </a:solidFill>
+          <a:ln w="22225">
+            <a:solidFill>
+              <a:schemeClr val="tx1">
+                <a:lumMod val="75000"/>
+                <a:lumOff val="25000"/>
+              </a:schemeClr>
+            </a:solidFill>
+          </a:ln>
+        </p:spPr>
+        <p:style>
+          <a:lnRef idx="2">
+            <a:schemeClr val="accent1">
+              <a:shade val="50000"/>
+            </a:schemeClr>
+          </a:lnRef>
+          <a:fillRef idx="1">
+            <a:schemeClr val="accent1"/>
+          </a:fillRef>
+          <a:effectRef idx="0">
+            <a:schemeClr val="accent1"/>
+          </a:effectRef>
+          <a:fontRef idx="minor">
+            <a:schemeClr val="lt1"/>
+          </a:fontRef>
+        </p:style>
+        <p:txBody>
+          <a:bodyPr rtlCol="0" anchor="ctr"/>
+          <a:lstStyle/>
+          <a:p>
+            <a:pPr algn="ctr"/>
+            <a:r>
+              <a:rPr lang="en-US" altLang="zh-CN" smtClean="0">
+                <a:solidFill>
+                  <a:schemeClr val="tx1"/>
+                </a:solidFill>
+              </a:rPr>
+              <a:t>sub</a:t>
+            </a:r>
+            <a:endParaRPr lang="zh-CN" altLang="en-US">
+              <a:solidFill>
+                <a:schemeClr val="tx1"/>
+              </a:solidFill>
+            </a:endParaRPr>
+          </a:p>
+        </p:txBody>
+      </p:sp>
+      <p:cxnSp>
+        <p:nvCxnSpPr>
+          <p:cNvPr id="8" name="直接箭头连接符 7"/>
+          <p:cNvCxnSpPr>
+            <a:stCxn id="7" idx="0"/>
+            <a:endCxn id="6" idx="2"/>
+          </p:cNvCxnSpPr>
+          <p:nvPr/>
+        </p:nvCxnSpPr>
+        <p:spPr>
+          <a:xfrm flipH="1" flipV="1">
+            <a:off x="2848170" y="3732360"/>
+            <a:ext cx="1193541" cy="437720"/>
+          </a:xfrm>
+          <a:prstGeom prst="straightConnector1">
+            <a:avLst/>
+          </a:prstGeom>
+          <a:ln w="31750">
+            <a:solidFill>
+              <a:schemeClr val="tx1">
+                <a:lumMod val="85000"/>
+                <a:lumOff val="15000"/>
+              </a:schemeClr>
+            </a:solidFill>
+            <a:tailEnd type="triangle"/>
+          </a:ln>
+        </p:spPr>
+        <p:style>
+          <a:lnRef idx="1">
+            <a:schemeClr val="accent1"/>
+          </a:lnRef>
+          <a:fillRef idx="0">
+            <a:schemeClr val="accent1"/>
+          </a:fillRef>
+          <a:effectRef idx="0">
+            <a:schemeClr val="accent1"/>
+          </a:effectRef>
+          <a:fontRef idx="minor">
+            <a:schemeClr val="tx1"/>
+          </a:fontRef>
+        </p:style>
+      </p:cxnSp>
+      <p:sp>
+        <p:nvSpPr>
+          <p:cNvPr id="9" name="圆角矩形 8"/>
+          <p:cNvSpPr/>
+          <p:nvPr/>
+        </p:nvSpPr>
+        <p:spPr>
+          <a:xfrm>
+            <a:off x="3588399" y="1790118"/>
+            <a:ext cx="906624" cy="391886"/>
+          </a:xfrm>
+          <a:prstGeom prst="roundRect">
+            <a:avLst/>
+          </a:prstGeom>
+          <a:solidFill>
+            <a:schemeClr val="bg1">
+              <a:lumMod val="65000"/>
+            </a:schemeClr>
+          </a:solidFill>
+          <a:ln w="22225">
+            <a:solidFill>
+              <a:schemeClr val="tx1">
+                <a:lumMod val="75000"/>
+                <a:lumOff val="25000"/>
+              </a:schemeClr>
+            </a:solidFill>
+          </a:ln>
+        </p:spPr>
+        <p:style>
+          <a:lnRef idx="2">
+            <a:schemeClr val="accent1">
+              <a:shade val="50000"/>
+            </a:schemeClr>
+          </a:lnRef>
+          <a:fillRef idx="1">
+            <a:schemeClr val="accent1"/>
+          </a:fillRef>
+          <a:effectRef idx="0">
+            <a:schemeClr val="accent1"/>
+          </a:effectRef>
+          <a:fontRef idx="minor">
+            <a:schemeClr val="lt1"/>
+          </a:fontRef>
+        </p:style>
+        <p:txBody>
+          <a:bodyPr rtlCol="0" anchor="ctr"/>
+          <a:lstStyle/>
+          <a:p>
+            <a:pPr algn="ctr"/>
+            <a:r>
+              <a:rPr lang="en-US" altLang="zh-CN" sz="1400" smtClean="0">
+                <a:solidFill>
+                  <a:schemeClr val="tx1"/>
+                </a:solidFill>
+              </a:rPr>
+              <a:t>regroup</a:t>
+            </a:r>
+            <a:endParaRPr lang="zh-CN" altLang="en-US" sz="1400">
+              <a:solidFill>
+                <a:schemeClr val="tx1"/>
+              </a:solidFill>
+            </a:endParaRPr>
+          </a:p>
+        </p:txBody>
+      </p:sp>
+      <p:sp>
+        <p:nvSpPr>
+          <p:cNvPr id="12" name="圆角矩形 11"/>
+          <p:cNvSpPr/>
+          <p:nvPr/>
+        </p:nvSpPr>
+        <p:spPr>
+          <a:xfrm>
+            <a:off x="3588399" y="3340474"/>
+            <a:ext cx="906624" cy="391886"/>
+          </a:xfrm>
+          <a:prstGeom prst="roundRect">
+            <a:avLst/>
+          </a:prstGeom>
+          <a:solidFill>
+            <a:schemeClr val="bg1">
+              <a:lumMod val="65000"/>
+            </a:schemeClr>
+          </a:solidFill>
+          <a:ln w="22225">
+            <a:solidFill>
+              <a:schemeClr val="tx1">
+                <a:lumMod val="75000"/>
+                <a:lumOff val="25000"/>
+              </a:schemeClr>
+            </a:solidFill>
+          </a:ln>
+        </p:spPr>
+        <p:style>
+          <a:lnRef idx="2">
+            <a:schemeClr val="accent1">
+              <a:shade val="50000"/>
+            </a:schemeClr>
+          </a:lnRef>
+          <a:fillRef idx="1">
+            <a:schemeClr val="accent1"/>
+          </a:fillRef>
+          <a:effectRef idx="0">
+            <a:schemeClr val="accent1"/>
+          </a:effectRef>
+          <a:fontRef idx="minor">
+            <a:schemeClr val="lt1"/>
+          </a:fontRef>
+        </p:style>
+        <p:txBody>
+          <a:bodyPr rtlCol="0" anchor="ctr"/>
+          <a:lstStyle/>
+          <a:p>
+            <a:pPr algn="ctr"/>
+            <a:r>
+              <a:rPr lang="en-US" altLang="zh-CN" smtClean="0">
+                <a:solidFill>
+                  <a:schemeClr val="tx1"/>
+                </a:solidFill>
+              </a:rPr>
+              <a:t>group</a:t>
+            </a:r>
+            <a:endParaRPr lang="zh-CN" altLang="en-US">
+              <a:solidFill>
+                <a:schemeClr val="tx1"/>
+              </a:solidFill>
+            </a:endParaRPr>
+          </a:p>
+        </p:txBody>
+      </p:sp>
+      <p:sp>
+        <p:nvSpPr>
+          <p:cNvPr id="13" name="圆角矩形 12"/>
+          <p:cNvSpPr/>
+          <p:nvPr/>
+        </p:nvSpPr>
+        <p:spPr>
+          <a:xfrm>
+            <a:off x="4781940" y="3340474"/>
+            <a:ext cx="906624" cy="391886"/>
+          </a:xfrm>
+          <a:prstGeom prst="roundRect">
+            <a:avLst/>
+          </a:prstGeom>
+          <a:solidFill>
+            <a:schemeClr val="bg1">
+              <a:lumMod val="65000"/>
+            </a:schemeClr>
+          </a:solidFill>
+          <a:ln w="22225">
+            <a:solidFill>
+              <a:schemeClr val="tx1">
+                <a:lumMod val="75000"/>
+                <a:lumOff val="25000"/>
+              </a:schemeClr>
+            </a:solidFill>
+          </a:ln>
+        </p:spPr>
+        <p:style>
+          <a:lnRef idx="2">
+            <a:schemeClr val="accent1">
+              <a:shade val="50000"/>
+            </a:schemeClr>
+          </a:lnRef>
+          <a:fillRef idx="1">
+            <a:schemeClr val="accent1"/>
+          </a:fillRef>
+          <a:effectRef idx="0">
+            <a:schemeClr val="accent1"/>
+          </a:effectRef>
+          <a:fontRef idx="minor">
+            <a:schemeClr val="lt1"/>
+          </a:fontRef>
+        </p:style>
+        <p:txBody>
+          <a:bodyPr rtlCol="0" anchor="ctr"/>
+          <a:lstStyle/>
+          <a:p>
+            <a:pPr algn="ctr"/>
+            <a:r>
+              <a:rPr lang="en-US" altLang="zh-CN" smtClean="0">
+                <a:solidFill>
+                  <a:schemeClr val="tx1"/>
+                </a:solidFill>
+              </a:rPr>
+              <a:t>group</a:t>
+            </a:r>
+            <a:endParaRPr lang="zh-CN" altLang="en-US">
+              <a:solidFill>
+                <a:schemeClr val="tx1"/>
+              </a:solidFill>
+            </a:endParaRPr>
+          </a:p>
+        </p:txBody>
+      </p:sp>
+      <p:cxnSp>
+        <p:nvCxnSpPr>
+          <p:cNvPr id="16" name="直接箭头连接符 15"/>
+          <p:cNvCxnSpPr>
+            <a:stCxn id="7" idx="0"/>
+            <a:endCxn id="12" idx="2"/>
+          </p:cNvCxnSpPr>
+          <p:nvPr/>
+        </p:nvCxnSpPr>
+        <p:spPr>
+          <a:xfrm flipV="1">
+            <a:off x="4041711" y="3732360"/>
+            <a:ext cx="0" cy="437720"/>
+          </a:xfrm>
+          <a:prstGeom prst="straightConnector1">
+            <a:avLst/>
+          </a:prstGeom>
+          <a:ln w="31750">
+            <a:solidFill>
+              <a:schemeClr val="tx1">
+                <a:lumMod val="85000"/>
+                <a:lumOff val="15000"/>
+              </a:schemeClr>
+            </a:solidFill>
+            <a:tailEnd type="triangle"/>
+          </a:ln>
+        </p:spPr>
+        <p:style>
+          <a:lnRef idx="1">
+            <a:schemeClr val="accent1"/>
+          </a:lnRef>
+          <a:fillRef idx="0">
+            <a:schemeClr val="accent1"/>
+          </a:fillRef>
+          <a:effectRef idx="0">
+            <a:schemeClr val="accent1"/>
+          </a:effectRef>
+          <a:fontRef idx="minor">
+            <a:schemeClr val="tx1"/>
+          </a:fontRef>
+        </p:style>
+      </p:cxnSp>
+      <p:cxnSp>
+        <p:nvCxnSpPr>
+          <p:cNvPr id="19" name="直接箭头连接符 18"/>
+          <p:cNvCxnSpPr>
+            <a:stCxn id="7" idx="0"/>
+            <a:endCxn id="13" idx="2"/>
+          </p:cNvCxnSpPr>
+          <p:nvPr/>
+        </p:nvCxnSpPr>
+        <p:spPr>
+          <a:xfrm flipV="1">
+            <a:off x="4041711" y="3732360"/>
+            <a:ext cx="1193541" cy="437720"/>
+          </a:xfrm>
+          <a:prstGeom prst="straightConnector1">
+            <a:avLst/>
+          </a:prstGeom>
+          <a:ln w="31750">
+            <a:solidFill>
+              <a:schemeClr val="tx1">
+                <a:lumMod val="85000"/>
+                <a:lumOff val="15000"/>
+              </a:schemeClr>
+            </a:solidFill>
+            <a:tailEnd type="triangle"/>
+          </a:ln>
+        </p:spPr>
+        <p:style>
+          <a:lnRef idx="1">
+            <a:schemeClr val="accent1"/>
+          </a:lnRef>
+          <a:fillRef idx="0">
+            <a:schemeClr val="accent1"/>
+          </a:fillRef>
+          <a:effectRef idx="0">
+            <a:schemeClr val="accent1"/>
+          </a:effectRef>
+          <a:fontRef idx="minor">
+            <a:schemeClr val="tx1"/>
+          </a:fontRef>
+        </p:style>
+      </p:cxnSp>
+      <p:sp>
+        <p:nvSpPr>
+          <p:cNvPr id="22" name="圆角矩形 21"/>
+          <p:cNvSpPr/>
+          <p:nvPr/>
+        </p:nvSpPr>
+        <p:spPr>
+          <a:xfrm>
+            <a:off x="3588399" y="2480500"/>
+            <a:ext cx="906624" cy="391886"/>
+          </a:xfrm>
+          <a:prstGeom prst="roundRect">
+            <a:avLst/>
+          </a:prstGeom>
+          <a:solidFill>
+            <a:schemeClr val="bg1">
+              <a:lumMod val="65000"/>
+            </a:schemeClr>
+          </a:solidFill>
+          <a:ln w="22225">
+            <a:solidFill>
+              <a:schemeClr val="tx1">
+                <a:lumMod val="75000"/>
+                <a:lumOff val="25000"/>
+              </a:schemeClr>
+            </a:solidFill>
+          </a:ln>
+        </p:spPr>
+        <p:style>
+          <a:lnRef idx="2">
+            <a:schemeClr val="accent1">
+              <a:shade val="50000"/>
+            </a:schemeClr>
+          </a:lnRef>
+          <a:fillRef idx="1">
+            <a:schemeClr val="accent1"/>
+          </a:fillRef>
+          <a:effectRef idx="0">
+            <a:schemeClr val="accent1"/>
+          </a:effectRef>
+          <a:fontRef idx="minor">
+            <a:schemeClr val="lt1"/>
+          </a:fontRef>
+        </p:style>
+        <p:txBody>
+          <a:bodyPr rtlCol="0" anchor="ctr"/>
+          <a:lstStyle/>
+          <a:p>
+            <a:pPr algn="ctr"/>
+            <a:r>
+              <a:rPr lang="en-US" altLang="zh-CN" sz="1200" smtClean="0">
+                <a:solidFill>
+                  <a:schemeClr val="tx1"/>
+                </a:solidFill>
+              </a:rPr>
+              <a:t>exchange</a:t>
+            </a:r>
+            <a:endParaRPr lang="zh-CN" altLang="en-US" sz="1200">
+              <a:solidFill>
+                <a:schemeClr val="tx1"/>
+              </a:solidFill>
+            </a:endParaRPr>
+          </a:p>
+        </p:txBody>
+      </p:sp>
+      <p:cxnSp>
+        <p:nvCxnSpPr>
+          <p:cNvPr id="23" name="直接箭头连接符 22"/>
+          <p:cNvCxnSpPr>
+            <a:stCxn id="6" idx="0"/>
+            <a:endCxn id="22" idx="2"/>
+          </p:cNvCxnSpPr>
+          <p:nvPr/>
+        </p:nvCxnSpPr>
+        <p:spPr>
+          <a:xfrm flipV="1">
+            <a:off x="2848170" y="2872386"/>
+            <a:ext cx="1193541" cy="468088"/>
+          </a:xfrm>
+          <a:prstGeom prst="straightConnector1">
+            <a:avLst/>
+          </a:prstGeom>
+          <a:ln w="31750">
+            <a:solidFill>
+              <a:schemeClr val="tx1">
+                <a:lumMod val="85000"/>
+                <a:lumOff val="15000"/>
+              </a:schemeClr>
+            </a:solidFill>
+            <a:tailEnd type="triangle"/>
+          </a:ln>
+        </p:spPr>
+        <p:style>
+          <a:lnRef idx="1">
+            <a:schemeClr val="accent1"/>
+          </a:lnRef>
+          <a:fillRef idx="0">
+            <a:schemeClr val="accent1"/>
+          </a:fillRef>
+          <a:effectRef idx="0">
+            <a:schemeClr val="accent1"/>
+          </a:effectRef>
+          <a:fontRef idx="minor">
+            <a:schemeClr val="tx1"/>
+          </a:fontRef>
+        </p:style>
+      </p:cxnSp>
+      <p:cxnSp>
+        <p:nvCxnSpPr>
+          <p:cNvPr id="26" name="直接箭头连接符 25"/>
+          <p:cNvCxnSpPr>
+            <a:stCxn id="12" idx="0"/>
+            <a:endCxn id="22" idx="2"/>
+          </p:cNvCxnSpPr>
+          <p:nvPr/>
+        </p:nvCxnSpPr>
+        <p:spPr>
+          <a:xfrm flipV="1">
+            <a:off x="4041711" y="2872386"/>
+            <a:ext cx="0" cy="468088"/>
+          </a:xfrm>
+          <a:prstGeom prst="straightConnector1">
+            <a:avLst/>
+          </a:prstGeom>
+          <a:ln w="31750">
+            <a:solidFill>
+              <a:schemeClr val="tx1">
+                <a:lumMod val="85000"/>
+                <a:lumOff val="15000"/>
+              </a:schemeClr>
+            </a:solidFill>
+            <a:tailEnd type="triangle"/>
+          </a:ln>
+        </p:spPr>
+        <p:style>
+          <a:lnRef idx="1">
+            <a:schemeClr val="accent1"/>
+          </a:lnRef>
+          <a:fillRef idx="0">
+            <a:schemeClr val="accent1"/>
+          </a:fillRef>
+          <a:effectRef idx="0">
+            <a:schemeClr val="accent1"/>
+          </a:effectRef>
+          <a:fontRef idx="minor">
+            <a:schemeClr val="tx1"/>
+          </a:fontRef>
+        </p:style>
+      </p:cxnSp>
+      <p:cxnSp>
+        <p:nvCxnSpPr>
+          <p:cNvPr id="29" name="直接箭头连接符 28"/>
+          <p:cNvCxnSpPr>
+            <a:stCxn id="13" idx="0"/>
+            <a:endCxn id="22" idx="2"/>
+          </p:cNvCxnSpPr>
+          <p:nvPr/>
+        </p:nvCxnSpPr>
+        <p:spPr>
+          <a:xfrm flipH="1" flipV="1">
+            <a:off x="4041711" y="2872386"/>
+            <a:ext cx="1193541" cy="468088"/>
+          </a:xfrm>
+          <a:prstGeom prst="straightConnector1">
+            <a:avLst/>
+          </a:prstGeom>
+          <a:ln w="31750">
+            <a:solidFill>
+              <a:schemeClr val="tx1">
+                <a:lumMod val="85000"/>
+                <a:lumOff val="15000"/>
+              </a:schemeClr>
+            </a:solidFill>
+            <a:tailEnd type="triangle"/>
+          </a:ln>
+        </p:spPr>
+        <p:style>
+          <a:lnRef idx="1">
+            <a:schemeClr val="accent1"/>
+          </a:lnRef>
+          <a:fillRef idx="0">
+            <a:schemeClr val="accent1"/>
+          </a:fillRef>
+          <a:effectRef idx="0">
+            <a:schemeClr val="accent1"/>
+          </a:effectRef>
+          <a:fontRef idx="minor">
+            <a:schemeClr val="tx1"/>
+          </a:fontRef>
+        </p:style>
+      </p:cxnSp>
+      <p:cxnSp>
+        <p:nvCxnSpPr>
+          <p:cNvPr id="32" name="直接箭头连接符 31"/>
+          <p:cNvCxnSpPr>
+            <a:stCxn id="22" idx="0"/>
+            <a:endCxn id="9" idx="2"/>
+          </p:cNvCxnSpPr>
+          <p:nvPr/>
+        </p:nvCxnSpPr>
+        <p:spPr>
+          <a:xfrm flipV="1">
+            <a:off x="4041711" y="2182004"/>
+            <a:ext cx="0" cy="298496"/>
+          </a:xfrm>
+          <a:prstGeom prst="straightConnector1">
+            <a:avLst/>
+          </a:prstGeom>
+          <a:ln w="31750">
+            <a:solidFill>
+              <a:schemeClr val="tx1">
+                <a:lumMod val="85000"/>
+                <a:lumOff val="15000"/>
+              </a:schemeClr>
+            </a:solidFill>
+            <a:tailEnd type="triangle"/>
+          </a:ln>
+        </p:spPr>
+        <p:style>
+          <a:lnRef idx="1">
+            <a:schemeClr val="accent1"/>
+          </a:lnRef>
+          <a:fillRef idx="0">
+            <a:schemeClr val="accent1"/>
+          </a:fillRef>
+          <a:effectRef idx="0">
+            <a:schemeClr val="accent1"/>
+          </a:effectRef>
+          <a:fontRef idx="minor">
+            <a:schemeClr val="tx1"/>
+          </a:fontRef>
+        </p:style>
+      </p:cxnSp>
+      <p:sp>
+        <p:nvSpPr>
+          <p:cNvPr id="36" name="右箭头 35"/>
+          <p:cNvSpPr/>
+          <p:nvPr/>
+        </p:nvSpPr>
+        <p:spPr>
+          <a:xfrm>
+            <a:off x="1728886" y="2344430"/>
+            <a:ext cx="522514" cy="762000"/>
+          </a:xfrm>
+          <a:prstGeom prst="rightArrow">
+            <a:avLst/>
+          </a:prstGeom>
+        </p:spPr>
+        <p:style>
+          <a:lnRef idx="3">
+            <a:schemeClr val="lt1"/>
+          </a:lnRef>
+          <a:fillRef idx="1">
+            <a:schemeClr val="accent6"/>
+          </a:fillRef>
+          <a:effectRef idx="1">
+            <a:schemeClr val="accent6"/>
+          </a:effectRef>
+          <a:fontRef idx="minor">
+            <a:schemeClr val="lt1"/>
+          </a:fontRef>
+        </p:style>
+        <p:txBody>
+          <a:bodyPr rtlCol="0" anchor="ctr"/>
+          <a:lstStyle/>
+          <a:p>
+            <a:pPr algn="ctr"/>
+            <a:endParaRPr lang="zh-CN" altLang="en-US"/>
+          </a:p>
+        </p:txBody>
+      </p:sp>
+      <p:sp>
+        <p:nvSpPr>
+          <p:cNvPr id="37" name="圆角矩形 36"/>
+          <p:cNvSpPr/>
+          <p:nvPr/>
+        </p:nvSpPr>
+        <p:spPr>
+          <a:xfrm>
+            <a:off x="6811736" y="3340474"/>
+            <a:ext cx="906624" cy="391886"/>
+          </a:xfrm>
+          <a:prstGeom prst="roundRect">
+            <a:avLst/>
+          </a:prstGeom>
+          <a:solidFill>
+            <a:schemeClr val="bg1">
+              <a:lumMod val="65000"/>
+            </a:schemeClr>
+          </a:solidFill>
+          <a:ln w="22225">
+            <a:solidFill>
+              <a:schemeClr val="tx1">
+                <a:lumMod val="75000"/>
+                <a:lumOff val="25000"/>
+              </a:schemeClr>
+            </a:solidFill>
+          </a:ln>
+        </p:spPr>
+        <p:style>
+          <a:lnRef idx="2">
+            <a:schemeClr val="accent1">
+              <a:shade val="50000"/>
+            </a:schemeClr>
+          </a:lnRef>
+          <a:fillRef idx="1">
+            <a:schemeClr val="accent1"/>
+          </a:fillRef>
+          <a:effectRef idx="0">
+            <a:schemeClr val="accent1"/>
+          </a:effectRef>
+          <a:fontRef idx="minor">
+            <a:schemeClr val="lt1"/>
+          </a:fontRef>
+        </p:style>
+        <p:txBody>
+          <a:bodyPr rtlCol="0" anchor="ctr"/>
+          <a:lstStyle/>
+          <a:p>
+            <a:pPr algn="ctr"/>
+            <a:r>
+              <a:rPr lang="en-US" altLang="zh-CN" smtClean="0">
+                <a:solidFill>
+                  <a:schemeClr val="tx1"/>
+                </a:solidFill>
+              </a:rPr>
+              <a:t>group</a:t>
+            </a:r>
+            <a:endParaRPr lang="zh-CN" altLang="en-US">
+              <a:solidFill>
+                <a:schemeClr val="tx1"/>
+              </a:solidFill>
+            </a:endParaRPr>
+          </a:p>
+        </p:txBody>
+      </p:sp>
+      <p:sp>
+        <p:nvSpPr>
+          <p:cNvPr id="40" name="圆角矩形 39"/>
+          <p:cNvSpPr/>
+          <p:nvPr/>
+        </p:nvSpPr>
+        <p:spPr>
+          <a:xfrm>
+            <a:off x="8005277" y="1790118"/>
+            <a:ext cx="906624" cy="391886"/>
+          </a:xfrm>
+          <a:prstGeom prst="roundRect">
+            <a:avLst/>
+          </a:prstGeom>
+          <a:solidFill>
+            <a:schemeClr val="bg1">
+              <a:lumMod val="65000"/>
+            </a:schemeClr>
+          </a:solidFill>
+          <a:ln w="22225">
+            <a:solidFill>
+              <a:schemeClr val="tx1">
+                <a:lumMod val="75000"/>
+                <a:lumOff val="25000"/>
+              </a:schemeClr>
+            </a:solidFill>
+          </a:ln>
+        </p:spPr>
+        <p:style>
+          <a:lnRef idx="2">
+            <a:schemeClr val="accent1">
+              <a:shade val="50000"/>
+            </a:schemeClr>
+          </a:lnRef>
+          <a:fillRef idx="1">
+            <a:schemeClr val="accent1"/>
+          </a:fillRef>
+          <a:effectRef idx="0">
+            <a:schemeClr val="accent1"/>
+          </a:effectRef>
+          <a:fontRef idx="minor">
+            <a:schemeClr val="lt1"/>
+          </a:fontRef>
+        </p:style>
+        <p:txBody>
+          <a:bodyPr rtlCol="0" anchor="ctr"/>
+          <a:lstStyle/>
+          <a:p>
+            <a:pPr algn="ctr"/>
+            <a:r>
+              <a:rPr lang="en-US" altLang="zh-CN" sz="1400" smtClean="0">
+                <a:solidFill>
+                  <a:schemeClr val="tx1"/>
+                </a:solidFill>
+              </a:rPr>
+              <a:t>regroup</a:t>
+            </a:r>
+            <a:endParaRPr lang="zh-CN" altLang="en-US" sz="1400">
+              <a:solidFill>
+                <a:schemeClr val="tx1"/>
+              </a:solidFill>
+            </a:endParaRPr>
+          </a:p>
+        </p:txBody>
+      </p:sp>
+      <p:sp>
+        <p:nvSpPr>
+          <p:cNvPr id="41" name="圆角矩形 40"/>
+          <p:cNvSpPr/>
+          <p:nvPr/>
+        </p:nvSpPr>
+        <p:spPr>
+          <a:xfrm>
+            <a:off x="8005277" y="3340474"/>
+            <a:ext cx="906624" cy="391886"/>
+          </a:xfrm>
+          <a:prstGeom prst="roundRect">
+            <a:avLst/>
+          </a:prstGeom>
+          <a:solidFill>
+            <a:schemeClr val="bg1">
+              <a:lumMod val="65000"/>
+            </a:schemeClr>
+          </a:solidFill>
+          <a:ln w="22225">
+            <a:solidFill>
+              <a:schemeClr val="tx1">
+                <a:lumMod val="75000"/>
+                <a:lumOff val="25000"/>
+              </a:schemeClr>
+            </a:solidFill>
+          </a:ln>
+        </p:spPr>
+        <p:style>
+          <a:lnRef idx="2">
+            <a:schemeClr val="accent1">
+              <a:shade val="50000"/>
+            </a:schemeClr>
+          </a:lnRef>
+          <a:fillRef idx="1">
+            <a:schemeClr val="accent1"/>
+          </a:fillRef>
+          <a:effectRef idx="0">
+            <a:schemeClr val="accent1"/>
+          </a:effectRef>
+          <a:fontRef idx="minor">
+            <a:schemeClr val="lt1"/>
+          </a:fontRef>
+        </p:style>
+        <p:txBody>
+          <a:bodyPr rtlCol="0" anchor="ctr"/>
+          <a:lstStyle/>
+          <a:p>
+            <a:pPr algn="ctr"/>
+            <a:r>
+              <a:rPr lang="en-US" altLang="zh-CN" smtClean="0">
+                <a:solidFill>
+                  <a:schemeClr val="tx1"/>
+                </a:solidFill>
+              </a:rPr>
+              <a:t>group</a:t>
+            </a:r>
+            <a:endParaRPr lang="zh-CN" altLang="en-US">
+              <a:solidFill>
+                <a:schemeClr val="tx1"/>
+              </a:solidFill>
+            </a:endParaRPr>
+          </a:p>
+        </p:txBody>
+      </p:sp>
+      <p:sp>
+        <p:nvSpPr>
+          <p:cNvPr id="42" name="圆角矩形 41"/>
+          <p:cNvSpPr/>
+          <p:nvPr/>
+        </p:nvSpPr>
+        <p:spPr>
+          <a:xfrm>
+            <a:off x="9198818" y="3340474"/>
+            <a:ext cx="906624" cy="391886"/>
+          </a:xfrm>
+          <a:prstGeom prst="roundRect">
+            <a:avLst/>
+          </a:prstGeom>
+          <a:solidFill>
+            <a:schemeClr val="bg1">
+              <a:lumMod val="65000"/>
+            </a:schemeClr>
+          </a:solidFill>
+          <a:ln w="22225">
+            <a:solidFill>
+              <a:schemeClr val="tx1">
+                <a:lumMod val="75000"/>
+                <a:lumOff val="25000"/>
+              </a:schemeClr>
+            </a:solidFill>
+          </a:ln>
+        </p:spPr>
+        <p:style>
+          <a:lnRef idx="2">
+            <a:schemeClr val="accent1">
+              <a:shade val="50000"/>
+            </a:schemeClr>
+          </a:lnRef>
+          <a:fillRef idx="1">
+            <a:schemeClr val="accent1"/>
+          </a:fillRef>
+          <a:effectRef idx="0">
+            <a:schemeClr val="accent1"/>
+          </a:effectRef>
+          <a:fontRef idx="minor">
+            <a:schemeClr val="lt1"/>
+          </a:fontRef>
+        </p:style>
+        <p:txBody>
+          <a:bodyPr rtlCol="0" anchor="ctr"/>
+          <a:lstStyle/>
+          <a:p>
+            <a:pPr algn="ctr"/>
+            <a:r>
+              <a:rPr lang="en-US" altLang="zh-CN" smtClean="0">
+                <a:solidFill>
+                  <a:schemeClr val="tx1"/>
+                </a:solidFill>
+              </a:rPr>
+              <a:t>group</a:t>
+            </a:r>
+            <a:endParaRPr lang="zh-CN" altLang="en-US">
+              <a:solidFill>
+                <a:schemeClr val="tx1"/>
+              </a:solidFill>
+            </a:endParaRPr>
+          </a:p>
+        </p:txBody>
+      </p:sp>
+      <p:sp>
+        <p:nvSpPr>
+          <p:cNvPr id="45" name="圆角矩形 44"/>
+          <p:cNvSpPr/>
+          <p:nvPr/>
+        </p:nvSpPr>
+        <p:spPr>
+          <a:xfrm>
+            <a:off x="8005277" y="2480500"/>
+            <a:ext cx="906624" cy="391886"/>
+          </a:xfrm>
+          <a:prstGeom prst="roundRect">
+            <a:avLst/>
+          </a:prstGeom>
+          <a:solidFill>
+            <a:schemeClr val="bg1">
+              <a:lumMod val="65000"/>
+            </a:schemeClr>
+          </a:solidFill>
+          <a:ln w="22225">
+            <a:solidFill>
+              <a:schemeClr val="tx1">
+                <a:lumMod val="75000"/>
+                <a:lumOff val="25000"/>
+              </a:schemeClr>
+            </a:solidFill>
+          </a:ln>
+        </p:spPr>
+        <p:style>
+          <a:lnRef idx="2">
+            <a:schemeClr val="accent1">
+              <a:shade val="50000"/>
+            </a:schemeClr>
+          </a:lnRef>
+          <a:fillRef idx="1">
+            <a:schemeClr val="accent1"/>
+          </a:fillRef>
+          <a:effectRef idx="0">
+            <a:schemeClr val="accent1"/>
+          </a:effectRef>
+          <a:fontRef idx="minor">
+            <a:schemeClr val="lt1"/>
+          </a:fontRef>
+        </p:style>
+        <p:txBody>
+          <a:bodyPr rtlCol="0" anchor="ctr"/>
+          <a:lstStyle/>
+          <a:p>
+            <a:pPr algn="ctr"/>
+            <a:r>
+              <a:rPr lang="en-US" altLang="zh-CN" sz="1200" smtClean="0">
+                <a:solidFill>
+                  <a:schemeClr val="tx1"/>
+                </a:solidFill>
+              </a:rPr>
+              <a:t>exchange</a:t>
+            </a:r>
+            <a:endParaRPr lang="zh-CN" altLang="en-US" sz="1200">
+              <a:solidFill>
+                <a:schemeClr val="tx1"/>
+              </a:solidFill>
+            </a:endParaRPr>
+          </a:p>
+        </p:txBody>
+      </p:sp>
+      <p:cxnSp>
+        <p:nvCxnSpPr>
+          <p:cNvPr id="46" name="直接箭头连接符 45"/>
+          <p:cNvCxnSpPr>
+            <a:stCxn id="37" idx="0"/>
+            <a:endCxn id="45" idx="2"/>
+          </p:cNvCxnSpPr>
+          <p:nvPr/>
+        </p:nvCxnSpPr>
+        <p:spPr>
+          <a:xfrm flipV="1">
+            <a:off x="7265048" y="2872386"/>
+            <a:ext cx="1193541" cy="468088"/>
+          </a:xfrm>
+          <a:prstGeom prst="straightConnector1">
+            <a:avLst/>
+          </a:prstGeom>
+          <a:ln w="31750">
+            <a:solidFill>
+              <a:schemeClr val="tx1">
+                <a:lumMod val="85000"/>
+                <a:lumOff val="15000"/>
+              </a:schemeClr>
+            </a:solidFill>
+            <a:tailEnd type="triangle"/>
+          </a:ln>
+        </p:spPr>
+        <p:style>
+          <a:lnRef idx="1">
+            <a:schemeClr val="accent1"/>
+          </a:lnRef>
+          <a:fillRef idx="0">
+            <a:schemeClr val="accent1"/>
+          </a:fillRef>
+          <a:effectRef idx="0">
+            <a:schemeClr val="accent1"/>
+          </a:effectRef>
+          <a:fontRef idx="minor">
+            <a:schemeClr val="tx1"/>
+          </a:fontRef>
+        </p:style>
+      </p:cxnSp>
+      <p:cxnSp>
+        <p:nvCxnSpPr>
+          <p:cNvPr id="47" name="直接箭头连接符 46"/>
+          <p:cNvCxnSpPr>
+            <a:stCxn id="41" idx="0"/>
+            <a:endCxn id="45" idx="2"/>
+          </p:cNvCxnSpPr>
+          <p:nvPr/>
+        </p:nvCxnSpPr>
+        <p:spPr>
+          <a:xfrm flipV="1">
+            <a:off x="8458589" y="2872386"/>
+            <a:ext cx="0" cy="468088"/>
+          </a:xfrm>
+          <a:prstGeom prst="straightConnector1">
+            <a:avLst/>
+          </a:prstGeom>
+          <a:ln w="31750">
+            <a:solidFill>
+              <a:schemeClr val="tx1">
+                <a:lumMod val="85000"/>
+                <a:lumOff val="15000"/>
+              </a:schemeClr>
+            </a:solidFill>
+            <a:tailEnd type="triangle"/>
+          </a:ln>
+        </p:spPr>
+        <p:style>
+          <a:lnRef idx="1">
+            <a:schemeClr val="accent1"/>
+          </a:lnRef>
+          <a:fillRef idx="0">
+            <a:schemeClr val="accent1"/>
+          </a:fillRef>
+          <a:effectRef idx="0">
+            <a:schemeClr val="accent1"/>
+          </a:effectRef>
+          <a:fontRef idx="minor">
+            <a:schemeClr val="tx1"/>
+          </a:fontRef>
+        </p:style>
+      </p:cxnSp>
+      <p:cxnSp>
+        <p:nvCxnSpPr>
+          <p:cNvPr id="48" name="直接箭头连接符 47"/>
+          <p:cNvCxnSpPr>
+            <a:stCxn id="42" idx="0"/>
+            <a:endCxn id="45" idx="2"/>
+          </p:cNvCxnSpPr>
+          <p:nvPr/>
+        </p:nvCxnSpPr>
+        <p:spPr>
+          <a:xfrm flipH="1" flipV="1">
+            <a:off x="8458589" y="2872386"/>
+            <a:ext cx="1193541" cy="468088"/>
+          </a:xfrm>
+          <a:prstGeom prst="straightConnector1">
+            <a:avLst/>
+          </a:prstGeom>
+          <a:ln w="31750">
+            <a:solidFill>
+              <a:schemeClr val="tx1">
+                <a:lumMod val="85000"/>
+                <a:lumOff val="15000"/>
+              </a:schemeClr>
+            </a:solidFill>
+            <a:tailEnd type="triangle"/>
+          </a:ln>
+        </p:spPr>
+        <p:style>
+          <a:lnRef idx="1">
+            <a:schemeClr val="accent1"/>
+          </a:lnRef>
+          <a:fillRef idx="0">
+            <a:schemeClr val="accent1"/>
+          </a:fillRef>
+          <a:effectRef idx="0">
+            <a:schemeClr val="accent1"/>
+          </a:effectRef>
+          <a:fontRef idx="minor">
+            <a:schemeClr val="tx1"/>
+          </a:fontRef>
+        </p:style>
+      </p:cxnSp>
+      <p:cxnSp>
+        <p:nvCxnSpPr>
+          <p:cNvPr id="49" name="直接箭头连接符 48"/>
+          <p:cNvCxnSpPr>
+            <a:stCxn id="45" idx="0"/>
+            <a:endCxn id="40" idx="2"/>
+          </p:cNvCxnSpPr>
+          <p:nvPr/>
+        </p:nvCxnSpPr>
+        <p:spPr>
+          <a:xfrm flipV="1">
+            <a:off x="8458589" y="2182004"/>
+            <a:ext cx="0" cy="298496"/>
+          </a:xfrm>
+          <a:prstGeom prst="straightConnector1">
+            <a:avLst/>
+          </a:prstGeom>
+          <a:ln w="31750">
+            <a:solidFill>
+              <a:schemeClr val="tx1">
+                <a:lumMod val="85000"/>
+                <a:lumOff val="15000"/>
+              </a:schemeClr>
+            </a:solidFill>
+            <a:tailEnd type="triangle"/>
+          </a:ln>
+        </p:spPr>
+        <p:style>
+          <a:lnRef idx="1">
+            <a:schemeClr val="accent1"/>
+          </a:lnRef>
+          <a:fillRef idx="0">
+            <a:schemeClr val="accent1"/>
+          </a:fillRef>
+          <a:effectRef idx="0">
+            <a:schemeClr val="accent1"/>
+          </a:effectRef>
+          <a:fontRef idx="minor">
+            <a:schemeClr val="tx1"/>
+          </a:fontRef>
+        </p:style>
+      </p:cxnSp>
+      <p:sp>
+        <p:nvSpPr>
+          <p:cNvPr id="56" name="圆角矩形 55"/>
+          <p:cNvSpPr/>
+          <p:nvPr/>
+        </p:nvSpPr>
+        <p:spPr>
+          <a:xfrm>
+            <a:off x="6803961" y="4183258"/>
+            <a:ext cx="906624" cy="391886"/>
+          </a:xfrm>
+          <a:prstGeom prst="roundRect">
+            <a:avLst/>
+          </a:prstGeom>
+          <a:solidFill>
+            <a:schemeClr val="bg1">
+              <a:lumMod val="65000"/>
+            </a:schemeClr>
+          </a:solidFill>
+          <a:ln w="22225">
+            <a:solidFill>
+              <a:schemeClr val="tx1">
+                <a:lumMod val="75000"/>
+                <a:lumOff val="25000"/>
+              </a:schemeClr>
+            </a:solidFill>
+          </a:ln>
+        </p:spPr>
+        <p:style>
+          <a:lnRef idx="2">
+            <a:schemeClr val="accent1">
+              <a:shade val="50000"/>
+            </a:schemeClr>
+          </a:lnRef>
+          <a:fillRef idx="1">
+            <a:schemeClr val="accent1"/>
+          </a:fillRef>
+          <a:effectRef idx="0">
+            <a:schemeClr val="accent1"/>
+          </a:effectRef>
+          <a:fontRef idx="minor">
+            <a:schemeClr val="lt1"/>
+          </a:fontRef>
+        </p:style>
+        <p:txBody>
+          <a:bodyPr rtlCol="0" anchor="ctr"/>
+          <a:lstStyle/>
+          <a:p>
+            <a:pPr algn="ctr"/>
+            <a:r>
+              <a:rPr lang="en-US" altLang="zh-CN" sz="1200" smtClean="0">
+                <a:solidFill>
+                  <a:schemeClr val="tx1"/>
+                </a:solidFill>
+              </a:rPr>
+              <a:t>Sub(Split)</a:t>
+            </a:r>
+            <a:endParaRPr lang="zh-CN" altLang="en-US" sz="1200">
+              <a:solidFill>
+                <a:schemeClr val="tx1"/>
+              </a:solidFill>
+            </a:endParaRPr>
+          </a:p>
+        </p:txBody>
+      </p:sp>
+      <p:sp>
+        <p:nvSpPr>
+          <p:cNvPr id="57" name="圆角矩形 56"/>
+          <p:cNvSpPr/>
+          <p:nvPr/>
+        </p:nvSpPr>
+        <p:spPr>
+          <a:xfrm>
+            <a:off x="8001389" y="4172372"/>
+            <a:ext cx="906624" cy="391886"/>
+          </a:xfrm>
+          <a:prstGeom prst="roundRect">
+            <a:avLst/>
+          </a:prstGeom>
+          <a:solidFill>
+            <a:schemeClr val="bg1">
+              <a:lumMod val="65000"/>
+            </a:schemeClr>
+          </a:solidFill>
+          <a:ln w="22225">
+            <a:solidFill>
+              <a:schemeClr val="tx1">
+                <a:lumMod val="75000"/>
+                <a:lumOff val="25000"/>
+              </a:schemeClr>
+            </a:solidFill>
+          </a:ln>
+        </p:spPr>
+        <p:style>
+          <a:lnRef idx="2">
+            <a:schemeClr val="accent1">
+              <a:shade val="50000"/>
+            </a:schemeClr>
+          </a:lnRef>
+          <a:fillRef idx="1">
+            <a:schemeClr val="accent1"/>
+          </a:fillRef>
+          <a:effectRef idx="0">
+            <a:schemeClr val="accent1"/>
+          </a:effectRef>
+          <a:fontRef idx="minor">
+            <a:schemeClr val="lt1"/>
+          </a:fontRef>
+        </p:style>
+        <p:txBody>
+          <a:bodyPr rtlCol="0" anchor="ctr"/>
+          <a:lstStyle/>
+          <a:p>
+            <a:pPr algn="ctr"/>
+            <a:r>
+              <a:rPr lang="en-US" altLang="zh-CN" sz="1200" smtClean="0">
+                <a:solidFill>
+                  <a:schemeClr val="tx1"/>
+                </a:solidFill>
+              </a:rPr>
+              <a:t>Sub(Split)</a:t>
+            </a:r>
+            <a:endParaRPr lang="zh-CN" altLang="en-US" sz="1200">
+              <a:solidFill>
+                <a:schemeClr val="tx1"/>
+              </a:solidFill>
+            </a:endParaRPr>
+          </a:p>
+        </p:txBody>
+      </p:sp>
+      <p:sp>
+        <p:nvSpPr>
+          <p:cNvPr id="58" name="圆角矩形 57"/>
+          <p:cNvSpPr/>
+          <p:nvPr/>
+        </p:nvSpPr>
+        <p:spPr>
+          <a:xfrm>
+            <a:off x="9198818" y="4183258"/>
+            <a:ext cx="906624" cy="391886"/>
+          </a:xfrm>
+          <a:prstGeom prst="roundRect">
+            <a:avLst/>
+          </a:prstGeom>
+          <a:solidFill>
+            <a:schemeClr val="bg1">
+              <a:lumMod val="65000"/>
+            </a:schemeClr>
+          </a:solidFill>
+          <a:ln w="22225">
+            <a:solidFill>
+              <a:schemeClr val="tx1">
+                <a:lumMod val="75000"/>
+                <a:lumOff val="25000"/>
+              </a:schemeClr>
+            </a:solidFill>
+          </a:ln>
+        </p:spPr>
+        <p:style>
+          <a:lnRef idx="2">
+            <a:schemeClr val="accent1">
+              <a:shade val="50000"/>
+            </a:schemeClr>
+          </a:lnRef>
+          <a:fillRef idx="1">
+            <a:schemeClr val="accent1"/>
+          </a:fillRef>
+          <a:effectRef idx="0">
+            <a:schemeClr val="accent1"/>
+          </a:effectRef>
+          <a:fontRef idx="minor">
+            <a:schemeClr val="lt1"/>
+          </a:fontRef>
+        </p:style>
+        <p:txBody>
+          <a:bodyPr rtlCol="0" anchor="ctr"/>
+          <a:lstStyle/>
+          <a:p>
+            <a:pPr algn="ctr"/>
+            <a:r>
+              <a:rPr lang="en-US" altLang="zh-CN" sz="1200" smtClean="0">
+                <a:solidFill>
+                  <a:schemeClr val="tx1"/>
+                </a:solidFill>
+              </a:rPr>
+              <a:t>Sub(Split)</a:t>
+            </a:r>
+            <a:endParaRPr lang="zh-CN" altLang="en-US" sz="1200">
+              <a:solidFill>
+                <a:schemeClr val="tx1"/>
+              </a:solidFill>
+            </a:endParaRPr>
+          </a:p>
+        </p:txBody>
+      </p:sp>
+      <p:cxnSp>
+        <p:nvCxnSpPr>
+          <p:cNvPr id="59" name="直接箭头连接符 58"/>
+          <p:cNvCxnSpPr>
+            <a:stCxn id="56" idx="0"/>
+            <a:endCxn id="37" idx="2"/>
+          </p:cNvCxnSpPr>
+          <p:nvPr/>
+        </p:nvCxnSpPr>
+        <p:spPr>
+          <a:xfrm flipV="1">
+            <a:off x="7257273" y="3732360"/>
+            <a:ext cx="7775" cy="450898"/>
+          </a:xfrm>
+          <a:prstGeom prst="straightConnector1">
+            <a:avLst/>
+          </a:prstGeom>
+          <a:ln w="31750">
+            <a:solidFill>
+              <a:schemeClr val="tx1">
+                <a:lumMod val="85000"/>
+                <a:lumOff val="15000"/>
+              </a:schemeClr>
+            </a:solidFill>
+            <a:tailEnd type="triangle"/>
+          </a:ln>
+        </p:spPr>
+        <p:style>
+          <a:lnRef idx="1">
+            <a:schemeClr val="accent1"/>
+          </a:lnRef>
+          <a:fillRef idx="0">
+            <a:schemeClr val="accent1"/>
+          </a:fillRef>
+          <a:effectRef idx="0">
+            <a:schemeClr val="accent1"/>
+          </a:effectRef>
+          <a:fontRef idx="minor">
+            <a:schemeClr val="tx1"/>
+          </a:fontRef>
+        </p:style>
+      </p:cxnSp>
+      <p:cxnSp>
+        <p:nvCxnSpPr>
+          <p:cNvPr id="63" name="直接箭头连接符 62"/>
+          <p:cNvCxnSpPr>
+            <a:stCxn id="57" idx="0"/>
+            <a:endCxn id="41" idx="2"/>
+          </p:cNvCxnSpPr>
+          <p:nvPr/>
+        </p:nvCxnSpPr>
+        <p:spPr>
+          <a:xfrm flipV="1">
+            <a:off x="8454701" y="3732360"/>
+            <a:ext cx="3888" cy="440012"/>
+          </a:xfrm>
+          <a:prstGeom prst="straightConnector1">
+            <a:avLst/>
+          </a:prstGeom>
+          <a:ln w="31750">
+            <a:solidFill>
+              <a:schemeClr val="tx1">
+                <a:lumMod val="85000"/>
+                <a:lumOff val="15000"/>
+              </a:schemeClr>
+            </a:solidFill>
+            <a:tailEnd type="triangle"/>
+          </a:ln>
+        </p:spPr>
+        <p:style>
+          <a:lnRef idx="1">
+            <a:schemeClr val="accent1"/>
+          </a:lnRef>
+          <a:fillRef idx="0">
+            <a:schemeClr val="accent1"/>
+          </a:fillRef>
+          <a:effectRef idx="0">
+            <a:schemeClr val="accent1"/>
+          </a:effectRef>
+          <a:fontRef idx="minor">
+            <a:schemeClr val="tx1"/>
+          </a:fontRef>
+        </p:style>
+      </p:cxnSp>
+      <p:cxnSp>
+        <p:nvCxnSpPr>
+          <p:cNvPr id="67" name="直接箭头连接符 66"/>
+          <p:cNvCxnSpPr>
+            <a:stCxn id="58" idx="0"/>
+            <a:endCxn id="42" idx="2"/>
+          </p:cNvCxnSpPr>
+          <p:nvPr/>
+        </p:nvCxnSpPr>
+        <p:spPr>
+          <a:xfrm flipV="1">
+            <a:off x="9652130" y="3732360"/>
+            <a:ext cx="0" cy="450898"/>
+          </a:xfrm>
+          <a:prstGeom prst="straightConnector1">
+            <a:avLst/>
+          </a:prstGeom>
+          <a:ln w="31750">
+            <a:solidFill>
+              <a:schemeClr val="tx1">
+                <a:lumMod val="85000"/>
+                <a:lumOff val="15000"/>
+              </a:schemeClr>
+            </a:solidFill>
+            <a:tailEnd type="triangle"/>
+          </a:ln>
+        </p:spPr>
+        <p:style>
+          <a:lnRef idx="1">
+            <a:schemeClr val="accent1"/>
+          </a:lnRef>
+          <a:fillRef idx="0">
+            <a:schemeClr val="accent1"/>
+          </a:fillRef>
+          <a:effectRef idx="0">
+            <a:schemeClr val="accent1"/>
+          </a:effectRef>
+          <a:fontRef idx="minor">
+            <a:schemeClr val="tx1"/>
+          </a:fontRef>
+        </p:style>
+      </p:cxnSp>
+    </p:spTree>
+    <p:extLst>
+      <p:ext uri="{BB962C8B-B14F-4D97-AF65-F5344CB8AC3E}">
+        <p14:creationId xmlns:p14="http://schemas.microsoft.com/office/powerpoint/2010/main" val="1271522009"/>
+      </p:ext>
+    </p:extLst>
+  </p:cSld>
+  <p:clrMapOvr>
+    <a:masterClrMapping/>
+  </p:clrMapOvr>
+</p:sld>
+</file>
+
+<file path=ppt/slides/slide22.xml><?xml version="1.0" encoding="utf-8"?>
+<p:sld xmlns:a="http://schemas.openxmlformats.org/drawingml/2006/main" xmlns:r="http://schemas.openxmlformats.org/officeDocument/2006/relationships" xmlns:p="http://schemas.openxmlformats.org/presentationml/2006/main">
+  <p:cSld>
+    <p:spTree>
+      <p:nvGrpSpPr>
+        <p:cNvPr id="1" name=""/>
+        <p:cNvGrpSpPr/>
+        <p:nvPr/>
+      </p:nvGrpSpPr>
+      <p:grpSpPr>
+        <a:xfrm>
+          <a:off x="0" y="0"/>
+          <a:ext cx="0" cy="0"/>
+          <a:chOff x="0" y="0"/>
+          <a:chExt cx="0" cy="0"/>
+        </a:xfrm>
+      </p:grpSpPr>
+      <p:sp>
+        <p:nvSpPr>
+          <p:cNvPr id="2" name="标题 1"/>
+          <p:cNvSpPr>
+            <a:spLocks noGrp="1"/>
+          </p:cNvSpPr>
+          <p:nvPr>
+            <p:ph type="title"/>
+          </p:nvPr>
+        </p:nvSpPr>
+        <p:spPr/>
+        <p:txBody>
+          <a:bodyPr>
+            <a:normAutofit/>
+          </a:bodyPr>
+          <a:lstStyle/>
+          <a:p>
+            <a:r>
+              <a:rPr lang="en-US" altLang="zh-CN"/>
+              <a:t>Group </a:t>
+            </a:r>
+            <a:r>
+              <a:rPr lang="en-US" altLang="zh-CN"/>
+              <a:t>by </a:t>
+            </a:r>
+            <a:r>
+              <a:rPr lang="en-US" altLang="zh-CN" smtClean="0"/>
+              <a:t>parallelization(hash table parallelize)</a:t>
+            </a:r>
+            <a:endParaRPr lang="zh-CN" altLang="en-US"/>
+          </a:p>
+        </p:txBody>
+      </p:sp>
+      <p:sp>
+        <p:nvSpPr>
+          <p:cNvPr id="3" name="圆角矩形 2"/>
+          <p:cNvSpPr/>
+          <p:nvPr/>
+        </p:nvSpPr>
+        <p:spPr>
+          <a:xfrm>
+            <a:off x="2533652" y="3384868"/>
+            <a:ext cx="1069519" cy="446904"/>
+          </a:xfrm>
+          <a:prstGeom prst="roundRect">
+            <a:avLst/>
+          </a:prstGeom>
+          <a:solidFill>
+            <a:schemeClr val="accent3">
+              <a:lumMod val="40000"/>
+              <a:lumOff val="60000"/>
+            </a:schemeClr>
+          </a:solidFill>
+          <a:ln w="22225">
+            <a:solidFill>
+              <a:schemeClr val="tx1">
+                <a:lumMod val="75000"/>
+                <a:lumOff val="25000"/>
+              </a:schemeClr>
+            </a:solidFill>
+          </a:ln>
+        </p:spPr>
+        <p:style>
+          <a:lnRef idx="2">
+            <a:schemeClr val="accent1">
+              <a:shade val="50000"/>
+            </a:schemeClr>
+          </a:lnRef>
+          <a:fillRef idx="1">
+            <a:schemeClr val="accent1"/>
+          </a:fillRef>
+          <a:effectRef idx="0">
+            <a:schemeClr val="accent1"/>
+          </a:effectRef>
+          <a:fontRef idx="minor">
+            <a:schemeClr val="lt1"/>
+          </a:fontRef>
+        </p:style>
+        <p:txBody>
+          <a:bodyPr rtlCol="0" anchor="ctr"/>
+          <a:lstStyle/>
+          <a:p>
+            <a:pPr algn="ctr"/>
+            <a:r>
+              <a:rPr lang="en-US" altLang="zh-CN" sz="1200" smtClean="0">
+                <a:solidFill>
+                  <a:schemeClr val="tx1"/>
+                </a:solidFill>
+              </a:rPr>
+              <a:t>Concurrent Hash Table</a:t>
+            </a:r>
+            <a:endParaRPr lang="zh-CN" altLang="en-US" sz="1200">
+              <a:solidFill>
+                <a:schemeClr val="tx1"/>
+              </a:solidFill>
+            </a:endParaRPr>
+          </a:p>
+        </p:txBody>
+      </p:sp>
+      <p:cxnSp>
+        <p:nvCxnSpPr>
+          <p:cNvPr id="17" name="直接箭头连接符 16"/>
+          <p:cNvCxnSpPr>
+            <a:stCxn id="36" idx="0"/>
+            <a:endCxn id="3" idx="0"/>
+          </p:cNvCxnSpPr>
+          <p:nvPr/>
+        </p:nvCxnSpPr>
+        <p:spPr>
+          <a:xfrm rot="16200000" flipH="1" flipV="1">
+            <a:off x="3582685" y="2258701"/>
+            <a:ext cx="611893" cy="1640439"/>
+          </a:xfrm>
+          <a:prstGeom prst="curvedConnector3">
+            <a:avLst>
+              <a:gd name="adj1" fmla="val -37359"/>
+            </a:avLst>
+          </a:prstGeom>
+          <a:ln w="19050">
+            <a:solidFill>
+              <a:schemeClr val="accent5">
+                <a:lumMod val="75000"/>
+              </a:schemeClr>
+            </a:solidFill>
+            <a:prstDash val="sysDash"/>
+            <a:tailEnd type="triangle"/>
+          </a:ln>
+        </p:spPr>
+        <p:style>
+          <a:lnRef idx="1">
+            <a:schemeClr val="accent1"/>
+          </a:lnRef>
+          <a:fillRef idx="0">
+            <a:schemeClr val="accent1"/>
+          </a:fillRef>
+          <a:effectRef idx="0">
+            <a:schemeClr val="accent1"/>
+          </a:effectRef>
+          <a:fontRef idx="minor">
+            <a:schemeClr val="tx1"/>
+          </a:fontRef>
+        </p:style>
+      </p:cxnSp>
+      <p:cxnSp>
+        <p:nvCxnSpPr>
+          <p:cNvPr id="20" name="直接箭头连接符 16"/>
+          <p:cNvCxnSpPr>
+            <a:stCxn id="37" idx="0"/>
+            <a:endCxn id="3" idx="0"/>
+          </p:cNvCxnSpPr>
+          <p:nvPr/>
+        </p:nvCxnSpPr>
+        <p:spPr>
+          <a:xfrm rot="16200000" flipH="1" flipV="1">
+            <a:off x="4179455" y="1661931"/>
+            <a:ext cx="611893" cy="2833980"/>
+          </a:xfrm>
+          <a:prstGeom prst="curvedConnector3">
+            <a:avLst>
+              <a:gd name="adj1" fmla="val -37359"/>
+            </a:avLst>
+          </a:prstGeom>
+          <a:ln w="19050">
+            <a:solidFill>
+              <a:schemeClr val="accent5">
+                <a:lumMod val="75000"/>
+              </a:schemeClr>
+            </a:solidFill>
+            <a:prstDash val="sysDash"/>
+            <a:tailEnd type="triangle"/>
+          </a:ln>
+        </p:spPr>
+        <p:style>
+          <a:lnRef idx="1">
+            <a:schemeClr val="accent1"/>
+          </a:lnRef>
+          <a:fillRef idx="0">
+            <a:schemeClr val="accent1"/>
+          </a:fillRef>
+          <a:effectRef idx="0">
+            <a:schemeClr val="accent1"/>
+          </a:effectRef>
+          <a:fontRef idx="minor">
+            <a:schemeClr val="tx1"/>
+          </a:fontRef>
+        </p:style>
+      </p:cxnSp>
+      <p:cxnSp>
+        <p:nvCxnSpPr>
+          <p:cNvPr id="24" name="直接箭头连接符 16"/>
+          <p:cNvCxnSpPr>
+            <a:stCxn id="38" idx="0"/>
+            <a:endCxn id="3" idx="0"/>
+          </p:cNvCxnSpPr>
+          <p:nvPr/>
+        </p:nvCxnSpPr>
+        <p:spPr>
+          <a:xfrm rot="16200000" flipH="1" flipV="1">
+            <a:off x="4776226" y="1065160"/>
+            <a:ext cx="611893" cy="4027521"/>
+          </a:xfrm>
+          <a:prstGeom prst="curvedConnector3">
+            <a:avLst>
+              <a:gd name="adj1" fmla="val -37359"/>
+            </a:avLst>
+          </a:prstGeom>
+          <a:ln w="19050">
+            <a:solidFill>
+              <a:schemeClr val="accent5">
+                <a:lumMod val="75000"/>
+              </a:schemeClr>
+            </a:solidFill>
+            <a:prstDash val="sysDash"/>
+            <a:tailEnd type="triangle"/>
+          </a:ln>
+        </p:spPr>
+        <p:style>
+          <a:lnRef idx="1">
+            <a:schemeClr val="accent1"/>
+          </a:lnRef>
+          <a:fillRef idx="0">
+            <a:schemeClr val="accent1"/>
+          </a:fillRef>
+          <a:effectRef idx="0">
+            <a:schemeClr val="accent1"/>
+          </a:effectRef>
+          <a:fontRef idx="minor">
+            <a:schemeClr val="tx1"/>
+          </a:fontRef>
+        </p:style>
+      </p:cxnSp>
+      <p:sp>
+        <p:nvSpPr>
+          <p:cNvPr id="36" name="圆角矩形 35"/>
+          <p:cNvSpPr/>
+          <p:nvPr/>
+        </p:nvSpPr>
+        <p:spPr>
+          <a:xfrm>
+            <a:off x="4255539" y="2772975"/>
+            <a:ext cx="906624" cy="391886"/>
+          </a:xfrm>
+          <a:prstGeom prst="roundRect">
+            <a:avLst/>
+          </a:prstGeom>
+          <a:solidFill>
+            <a:schemeClr val="bg1">
+              <a:lumMod val="65000"/>
+            </a:schemeClr>
+          </a:solidFill>
+          <a:ln w="22225">
+            <a:solidFill>
+              <a:schemeClr val="tx1">
+                <a:lumMod val="75000"/>
+                <a:lumOff val="25000"/>
+              </a:schemeClr>
+            </a:solidFill>
+          </a:ln>
+        </p:spPr>
+        <p:style>
+          <a:lnRef idx="2">
+            <a:schemeClr val="accent1">
+              <a:shade val="50000"/>
+            </a:schemeClr>
+          </a:lnRef>
+          <a:fillRef idx="1">
+            <a:schemeClr val="accent1"/>
+          </a:fillRef>
+          <a:effectRef idx="0">
+            <a:schemeClr val="accent1"/>
+          </a:effectRef>
+          <a:fontRef idx="minor">
+            <a:schemeClr val="lt1"/>
+          </a:fontRef>
+        </p:style>
+        <p:txBody>
+          <a:bodyPr rtlCol="0" anchor="ctr"/>
+          <a:lstStyle/>
+          <a:p>
+            <a:pPr algn="ctr"/>
+            <a:r>
+              <a:rPr lang="en-US" altLang="zh-CN" smtClean="0">
+                <a:solidFill>
+                  <a:schemeClr val="tx1"/>
+                </a:solidFill>
+              </a:rPr>
+              <a:t>group</a:t>
+            </a:r>
+            <a:endParaRPr lang="zh-CN" altLang="en-US">
+              <a:solidFill>
+                <a:schemeClr val="tx1"/>
+              </a:solidFill>
+            </a:endParaRPr>
+          </a:p>
+        </p:txBody>
+      </p:sp>
+      <p:sp>
+        <p:nvSpPr>
+          <p:cNvPr id="37" name="圆角矩形 36"/>
+          <p:cNvSpPr/>
+          <p:nvPr/>
+        </p:nvSpPr>
+        <p:spPr>
+          <a:xfrm>
+            <a:off x="5449080" y="2772975"/>
+            <a:ext cx="906624" cy="391886"/>
+          </a:xfrm>
+          <a:prstGeom prst="roundRect">
+            <a:avLst/>
+          </a:prstGeom>
+          <a:solidFill>
+            <a:schemeClr val="bg1">
+              <a:lumMod val="65000"/>
+            </a:schemeClr>
+          </a:solidFill>
+          <a:ln w="22225">
+            <a:solidFill>
+              <a:schemeClr val="tx1">
+                <a:lumMod val="75000"/>
+                <a:lumOff val="25000"/>
+              </a:schemeClr>
+            </a:solidFill>
+          </a:ln>
+        </p:spPr>
+        <p:style>
+          <a:lnRef idx="2">
+            <a:schemeClr val="accent1">
+              <a:shade val="50000"/>
+            </a:schemeClr>
+          </a:lnRef>
+          <a:fillRef idx="1">
+            <a:schemeClr val="accent1"/>
+          </a:fillRef>
+          <a:effectRef idx="0">
+            <a:schemeClr val="accent1"/>
+          </a:effectRef>
+          <a:fontRef idx="minor">
+            <a:schemeClr val="lt1"/>
+          </a:fontRef>
+        </p:style>
+        <p:txBody>
+          <a:bodyPr rtlCol="0" anchor="ctr"/>
+          <a:lstStyle/>
+          <a:p>
+            <a:pPr algn="ctr"/>
+            <a:r>
+              <a:rPr lang="en-US" altLang="zh-CN" smtClean="0">
+                <a:solidFill>
+                  <a:schemeClr val="tx1"/>
+                </a:solidFill>
+              </a:rPr>
+              <a:t>group</a:t>
+            </a:r>
+            <a:endParaRPr lang="zh-CN" altLang="en-US">
+              <a:solidFill>
+                <a:schemeClr val="tx1"/>
+              </a:solidFill>
+            </a:endParaRPr>
+          </a:p>
+        </p:txBody>
+      </p:sp>
+      <p:sp>
+        <p:nvSpPr>
+          <p:cNvPr id="38" name="圆角矩形 37"/>
+          <p:cNvSpPr/>
+          <p:nvPr/>
+        </p:nvSpPr>
+        <p:spPr>
+          <a:xfrm>
+            <a:off x="6642621" y="2772975"/>
+            <a:ext cx="906624" cy="391886"/>
+          </a:xfrm>
+          <a:prstGeom prst="roundRect">
+            <a:avLst/>
+          </a:prstGeom>
+          <a:solidFill>
+            <a:schemeClr val="bg1">
+              <a:lumMod val="65000"/>
+            </a:schemeClr>
+          </a:solidFill>
+          <a:ln w="22225">
+            <a:solidFill>
+              <a:schemeClr val="tx1">
+                <a:lumMod val="75000"/>
+                <a:lumOff val="25000"/>
+              </a:schemeClr>
+            </a:solidFill>
+          </a:ln>
+        </p:spPr>
+        <p:style>
+          <a:lnRef idx="2">
+            <a:schemeClr val="accent1">
+              <a:shade val="50000"/>
+            </a:schemeClr>
+          </a:lnRef>
+          <a:fillRef idx="1">
+            <a:schemeClr val="accent1"/>
+          </a:fillRef>
+          <a:effectRef idx="0">
+            <a:schemeClr val="accent1"/>
+          </a:effectRef>
+          <a:fontRef idx="minor">
+            <a:schemeClr val="lt1"/>
+          </a:fontRef>
+        </p:style>
+        <p:txBody>
+          <a:bodyPr rtlCol="0" anchor="ctr"/>
+          <a:lstStyle/>
+          <a:p>
+            <a:pPr algn="ctr"/>
+            <a:r>
+              <a:rPr lang="en-US" altLang="zh-CN" smtClean="0">
+                <a:solidFill>
+                  <a:schemeClr val="tx1"/>
+                </a:solidFill>
+              </a:rPr>
+              <a:t>group</a:t>
+            </a:r>
+            <a:endParaRPr lang="zh-CN" altLang="en-US">
+              <a:solidFill>
+                <a:schemeClr val="tx1"/>
+              </a:solidFill>
+            </a:endParaRPr>
+          </a:p>
+        </p:txBody>
+      </p:sp>
+      <p:sp>
+        <p:nvSpPr>
+          <p:cNvPr id="39" name="圆角矩形 38"/>
+          <p:cNvSpPr/>
+          <p:nvPr/>
+        </p:nvSpPr>
+        <p:spPr>
+          <a:xfrm>
+            <a:off x="5449080" y="1913001"/>
+            <a:ext cx="906624" cy="391886"/>
+          </a:xfrm>
+          <a:prstGeom prst="roundRect">
+            <a:avLst/>
+          </a:prstGeom>
+          <a:solidFill>
+            <a:schemeClr val="bg1">
+              <a:lumMod val="65000"/>
+            </a:schemeClr>
+          </a:solidFill>
+          <a:ln w="22225">
+            <a:solidFill>
+              <a:schemeClr val="tx1">
+                <a:lumMod val="75000"/>
+                <a:lumOff val="25000"/>
+              </a:schemeClr>
+            </a:solidFill>
+          </a:ln>
+        </p:spPr>
+        <p:style>
+          <a:lnRef idx="2">
+            <a:schemeClr val="accent1">
+              <a:shade val="50000"/>
+            </a:schemeClr>
+          </a:lnRef>
+          <a:fillRef idx="1">
+            <a:schemeClr val="accent1"/>
+          </a:fillRef>
+          <a:effectRef idx="0">
+            <a:schemeClr val="accent1"/>
+          </a:effectRef>
+          <a:fontRef idx="minor">
+            <a:schemeClr val="lt1"/>
+          </a:fontRef>
+        </p:style>
+        <p:txBody>
+          <a:bodyPr rtlCol="0" anchor="ctr"/>
+          <a:lstStyle/>
+          <a:p>
+            <a:pPr algn="ctr"/>
+            <a:r>
+              <a:rPr lang="en-US" altLang="zh-CN" sz="1200" smtClean="0">
+                <a:solidFill>
+                  <a:schemeClr val="tx1"/>
+                </a:solidFill>
+              </a:rPr>
+              <a:t>exchange</a:t>
+            </a:r>
+            <a:endParaRPr lang="zh-CN" altLang="en-US" sz="1200">
+              <a:solidFill>
+                <a:schemeClr val="tx1"/>
+              </a:solidFill>
+            </a:endParaRPr>
+          </a:p>
+        </p:txBody>
+      </p:sp>
+      <p:cxnSp>
+        <p:nvCxnSpPr>
+          <p:cNvPr id="40" name="直接箭头连接符 39"/>
+          <p:cNvCxnSpPr>
+            <a:stCxn id="36" idx="0"/>
+            <a:endCxn id="39" idx="2"/>
+          </p:cNvCxnSpPr>
+          <p:nvPr/>
+        </p:nvCxnSpPr>
+        <p:spPr>
+          <a:xfrm flipV="1">
+            <a:off x="4708851" y="2304887"/>
+            <a:ext cx="1193541" cy="468088"/>
+          </a:xfrm>
+          <a:prstGeom prst="straightConnector1">
+            <a:avLst/>
+          </a:prstGeom>
+          <a:ln w="31750">
+            <a:solidFill>
+              <a:schemeClr val="tx1">
+                <a:lumMod val="85000"/>
+                <a:lumOff val="15000"/>
+              </a:schemeClr>
+            </a:solidFill>
+            <a:tailEnd type="triangle"/>
+          </a:ln>
+        </p:spPr>
+        <p:style>
+          <a:lnRef idx="1">
+            <a:schemeClr val="accent1"/>
+          </a:lnRef>
+          <a:fillRef idx="0">
+            <a:schemeClr val="accent1"/>
+          </a:fillRef>
+          <a:effectRef idx="0">
+            <a:schemeClr val="accent1"/>
+          </a:effectRef>
+          <a:fontRef idx="minor">
+            <a:schemeClr val="tx1"/>
+          </a:fontRef>
+        </p:style>
+      </p:cxnSp>
+      <p:cxnSp>
+        <p:nvCxnSpPr>
+          <p:cNvPr id="41" name="直接箭头连接符 40"/>
+          <p:cNvCxnSpPr>
+            <a:stCxn id="37" idx="0"/>
+            <a:endCxn id="39" idx="2"/>
+          </p:cNvCxnSpPr>
+          <p:nvPr/>
+        </p:nvCxnSpPr>
+        <p:spPr>
+          <a:xfrm flipV="1">
+            <a:off x="5902392" y="2304887"/>
+            <a:ext cx="0" cy="468088"/>
+          </a:xfrm>
+          <a:prstGeom prst="straightConnector1">
+            <a:avLst/>
+          </a:prstGeom>
+          <a:ln w="31750">
+            <a:solidFill>
+              <a:schemeClr val="tx1">
+                <a:lumMod val="85000"/>
+                <a:lumOff val="15000"/>
+              </a:schemeClr>
+            </a:solidFill>
+            <a:tailEnd type="triangle"/>
+          </a:ln>
+        </p:spPr>
+        <p:style>
+          <a:lnRef idx="1">
+            <a:schemeClr val="accent1"/>
+          </a:lnRef>
+          <a:fillRef idx="0">
+            <a:schemeClr val="accent1"/>
+          </a:fillRef>
+          <a:effectRef idx="0">
+            <a:schemeClr val="accent1"/>
+          </a:effectRef>
+          <a:fontRef idx="minor">
+            <a:schemeClr val="tx1"/>
+          </a:fontRef>
+        </p:style>
+      </p:cxnSp>
+      <p:cxnSp>
+        <p:nvCxnSpPr>
+          <p:cNvPr id="42" name="直接箭头连接符 41"/>
+          <p:cNvCxnSpPr>
+            <a:stCxn id="38" idx="0"/>
+            <a:endCxn id="39" idx="2"/>
+          </p:cNvCxnSpPr>
+          <p:nvPr/>
+        </p:nvCxnSpPr>
+        <p:spPr>
+          <a:xfrm flipH="1" flipV="1">
+            <a:off x="5902392" y="2304887"/>
+            <a:ext cx="1193541" cy="468088"/>
+          </a:xfrm>
+          <a:prstGeom prst="straightConnector1">
+            <a:avLst/>
+          </a:prstGeom>
+          <a:ln w="31750">
+            <a:solidFill>
+              <a:schemeClr val="tx1">
+                <a:lumMod val="85000"/>
+                <a:lumOff val="15000"/>
+              </a:schemeClr>
+            </a:solidFill>
+            <a:tailEnd type="triangle"/>
+          </a:ln>
+        </p:spPr>
+        <p:style>
+          <a:lnRef idx="1">
+            <a:schemeClr val="accent1"/>
+          </a:lnRef>
+          <a:fillRef idx="0">
+            <a:schemeClr val="accent1"/>
+          </a:fillRef>
+          <a:effectRef idx="0">
+            <a:schemeClr val="accent1"/>
+          </a:effectRef>
+          <a:fontRef idx="minor">
+            <a:schemeClr val="tx1"/>
+          </a:fontRef>
+        </p:style>
+      </p:cxnSp>
+      <p:sp>
+        <p:nvSpPr>
+          <p:cNvPr id="43" name="圆角矩形 42"/>
+          <p:cNvSpPr/>
+          <p:nvPr/>
+        </p:nvSpPr>
+        <p:spPr>
+          <a:xfrm>
+            <a:off x="4247764" y="3615759"/>
+            <a:ext cx="906624" cy="391886"/>
+          </a:xfrm>
+          <a:prstGeom prst="roundRect">
+            <a:avLst/>
+          </a:prstGeom>
+          <a:solidFill>
+            <a:schemeClr val="bg1">
+              <a:lumMod val="65000"/>
+            </a:schemeClr>
+          </a:solidFill>
+          <a:ln w="22225">
+            <a:solidFill>
+              <a:schemeClr val="tx1">
+                <a:lumMod val="75000"/>
+                <a:lumOff val="25000"/>
+              </a:schemeClr>
+            </a:solidFill>
+          </a:ln>
+        </p:spPr>
+        <p:style>
+          <a:lnRef idx="2">
+            <a:schemeClr val="accent1">
+              <a:shade val="50000"/>
+            </a:schemeClr>
+          </a:lnRef>
+          <a:fillRef idx="1">
+            <a:schemeClr val="accent1"/>
+          </a:fillRef>
+          <a:effectRef idx="0">
+            <a:schemeClr val="accent1"/>
+          </a:effectRef>
+          <a:fontRef idx="minor">
+            <a:schemeClr val="lt1"/>
+          </a:fontRef>
+        </p:style>
+        <p:txBody>
+          <a:bodyPr rtlCol="0" anchor="ctr"/>
+          <a:lstStyle/>
+          <a:p>
+            <a:pPr algn="ctr"/>
+            <a:r>
+              <a:rPr lang="en-US" altLang="zh-CN" sz="1200" smtClean="0">
+                <a:solidFill>
+                  <a:schemeClr val="tx1"/>
+                </a:solidFill>
+              </a:rPr>
+              <a:t>Sub(Split)</a:t>
+            </a:r>
+            <a:endParaRPr lang="zh-CN" altLang="en-US" sz="1200">
+              <a:solidFill>
+                <a:schemeClr val="tx1"/>
+              </a:solidFill>
+            </a:endParaRPr>
+          </a:p>
+        </p:txBody>
+      </p:sp>
+      <p:sp>
+        <p:nvSpPr>
+          <p:cNvPr id="44" name="圆角矩形 43"/>
+          <p:cNvSpPr/>
+          <p:nvPr/>
+        </p:nvSpPr>
+        <p:spPr>
+          <a:xfrm>
+            <a:off x="5445192" y="3604873"/>
+            <a:ext cx="906624" cy="391886"/>
+          </a:xfrm>
+          <a:prstGeom prst="roundRect">
+            <a:avLst/>
+          </a:prstGeom>
+          <a:solidFill>
+            <a:schemeClr val="bg1">
+              <a:lumMod val="65000"/>
+            </a:schemeClr>
+          </a:solidFill>
+          <a:ln w="22225">
+            <a:solidFill>
+              <a:schemeClr val="tx1">
+                <a:lumMod val="75000"/>
+                <a:lumOff val="25000"/>
+              </a:schemeClr>
+            </a:solidFill>
+          </a:ln>
+        </p:spPr>
+        <p:style>
+          <a:lnRef idx="2">
+            <a:schemeClr val="accent1">
+              <a:shade val="50000"/>
+            </a:schemeClr>
+          </a:lnRef>
+          <a:fillRef idx="1">
+            <a:schemeClr val="accent1"/>
+          </a:fillRef>
+          <a:effectRef idx="0">
+            <a:schemeClr val="accent1"/>
+          </a:effectRef>
+          <a:fontRef idx="minor">
+            <a:schemeClr val="lt1"/>
+          </a:fontRef>
+        </p:style>
+        <p:txBody>
+          <a:bodyPr rtlCol="0" anchor="ctr"/>
+          <a:lstStyle/>
+          <a:p>
+            <a:pPr algn="ctr"/>
+            <a:r>
+              <a:rPr lang="en-US" altLang="zh-CN" sz="1200" smtClean="0">
+                <a:solidFill>
+                  <a:schemeClr val="tx1"/>
+                </a:solidFill>
+              </a:rPr>
+              <a:t>Sub(Split)</a:t>
+            </a:r>
+            <a:endParaRPr lang="zh-CN" altLang="en-US" sz="1200">
+              <a:solidFill>
+                <a:schemeClr val="tx1"/>
+              </a:solidFill>
+            </a:endParaRPr>
+          </a:p>
+        </p:txBody>
+      </p:sp>
+      <p:sp>
+        <p:nvSpPr>
+          <p:cNvPr id="45" name="圆角矩形 44"/>
+          <p:cNvSpPr/>
+          <p:nvPr/>
+        </p:nvSpPr>
+        <p:spPr>
+          <a:xfrm>
+            <a:off x="6642621" y="3615759"/>
+            <a:ext cx="906624" cy="391886"/>
+          </a:xfrm>
+          <a:prstGeom prst="roundRect">
+            <a:avLst/>
+          </a:prstGeom>
+          <a:solidFill>
+            <a:schemeClr val="bg1">
+              <a:lumMod val="65000"/>
+            </a:schemeClr>
+          </a:solidFill>
+          <a:ln w="22225">
+            <a:solidFill>
+              <a:schemeClr val="tx1">
+                <a:lumMod val="75000"/>
+                <a:lumOff val="25000"/>
+              </a:schemeClr>
+            </a:solidFill>
+          </a:ln>
+        </p:spPr>
+        <p:style>
+          <a:lnRef idx="2">
+            <a:schemeClr val="accent1">
+              <a:shade val="50000"/>
+            </a:schemeClr>
+          </a:lnRef>
+          <a:fillRef idx="1">
+            <a:schemeClr val="accent1"/>
+          </a:fillRef>
+          <a:effectRef idx="0">
+            <a:schemeClr val="accent1"/>
+          </a:effectRef>
+          <a:fontRef idx="minor">
+            <a:schemeClr val="lt1"/>
+          </a:fontRef>
+        </p:style>
+        <p:txBody>
+          <a:bodyPr rtlCol="0" anchor="ctr"/>
+          <a:lstStyle/>
+          <a:p>
+            <a:pPr algn="ctr"/>
+            <a:r>
+              <a:rPr lang="en-US" altLang="zh-CN" sz="1200" smtClean="0">
+                <a:solidFill>
+                  <a:schemeClr val="tx1"/>
+                </a:solidFill>
+              </a:rPr>
+              <a:t>Sub(Split)</a:t>
+            </a:r>
+            <a:endParaRPr lang="zh-CN" altLang="en-US" sz="1200">
+              <a:solidFill>
+                <a:schemeClr val="tx1"/>
+              </a:solidFill>
+            </a:endParaRPr>
+          </a:p>
+        </p:txBody>
+      </p:sp>
+      <p:cxnSp>
+        <p:nvCxnSpPr>
+          <p:cNvPr id="46" name="直接箭头连接符 45"/>
+          <p:cNvCxnSpPr>
+            <a:stCxn id="43" idx="0"/>
+            <a:endCxn id="36" idx="2"/>
+          </p:cNvCxnSpPr>
+          <p:nvPr/>
+        </p:nvCxnSpPr>
+        <p:spPr>
+          <a:xfrm flipV="1">
+            <a:off x="4701076" y="3164861"/>
+            <a:ext cx="7775" cy="450898"/>
+          </a:xfrm>
+          <a:prstGeom prst="straightConnector1">
+            <a:avLst/>
+          </a:prstGeom>
+          <a:ln w="31750">
+            <a:solidFill>
+              <a:schemeClr val="tx1">
+                <a:lumMod val="85000"/>
+                <a:lumOff val="15000"/>
+              </a:schemeClr>
+            </a:solidFill>
+            <a:tailEnd type="triangle"/>
+          </a:ln>
+        </p:spPr>
+        <p:style>
+          <a:lnRef idx="1">
+            <a:schemeClr val="accent1"/>
+          </a:lnRef>
+          <a:fillRef idx="0">
+            <a:schemeClr val="accent1"/>
+          </a:fillRef>
+          <a:effectRef idx="0">
+            <a:schemeClr val="accent1"/>
+          </a:effectRef>
+          <a:fontRef idx="minor">
+            <a:schemeClr val="tx1"/>
+          </a:fontRef>
+        </p:style>
+      </p:cxnSp>
+      <p:cxnSp>
+        <p:nvCxnSpPr>
+          <p:cNvPr id="47" name="直接箭头连接符 46"/>
+          <p:cNvCxnSpPr>
+            <a:stCxn id="44" idx="0"/>
+            <a:endCxn id="37" idx="2"/>
+          </p:cNvCxnSpPr>
+          <p:nvPr/>
+        </p:nvCxnSpPr>
+        <p:spPr>
+          <a:xfrm flipV="1">
+            <a:off x="5898504" y="3164861"/>
+            <a:ext cx="3888" cy="440012"/>
+          </a:xfrm>
+          <a:prstGeom prst="straightConnector1">
+            <a:avLst/>
+          </a:prstGeom>
+          <a:ln w="31750">
+            <a:solidFill>
+              <a:schemeClr val="tx1">
+                <a:lumMod val="85000"/>
+                <a:lumOff val="15000"/>
+              </a:schemeClr>
+            </a:solidFill>
+            <a:tailEnd type="triangle"/>
+          </a:ln>
+        </p:spPr>
+        <p:style>
+          <a:lnRef idx="1">
+            <a:schemeClr val="accent1"/>
+          </a:lnRef>
+          <a:fillRef idx="0">
+            <a:schemeClr val="accent1"/>
+          </a:fillRef>
+          <a:effectRef idx="0">
+            <a:schemeClr val="accent1"/>
+          </a:effectRef>
+          <a:fontRef idx="minor">
+            <a:schemeClr val="tx1"/>
+          </a:fontRef>
+        </p:style>
+      </p:cxnSp>
+      <p:cxnSp>
+        <p:nvCxnSpPr>
+          <p:cNvPr id="48" name="直接箭头连接符 47"/>
+          <p:cNvCxnSpPr>
+            <a:stCxn id="45" idx="0"/>
+            <a:endCxn id="38" idx="2"/>
+          </p:cNvCxnSpPr>
+          <p:nvPr/>
+        </p:nvCxnSpPr>
+        <p:spPr>
+          <a:xfrm flipV="1">
+            <a:off x="7095933" y="3164861"/>
+            <a:ext cx="0" cy="450898"/>
+          </a:xfrm>
+          <a:prstGeom prst="straightConnector1">
+            <a:avLst/>
+          </a:prstGeom>
+          <a:ln w="31750">
+            <a:solidFill>
+              <a:schemeClr val="tx1">
+                <a:lumMod val="85000"/>
+                <a:lumOff val="15000"/>
+              </a:schemeClr>
+            </a:solidFill>
+            <a:tailEnd type="triangle"/>
+          </a:ln>
+        </p:spPr>
+        <p:style>
+          <a:lnRef idx="1">
+            <a:schemeClr val="accent1"/>
+          </a:lnRef>
+          <a:fillRef idx="0">
+            <a:schemeClr val="accent1"/>
+          </a:fillRef>
+          <a:effectRef idx="0">
+            <a:schemeClr val="accent1"/>
+          </a:effectRef>
+          <a:fontRef idx="minor">
+            <a:schemeClr val="tx1"/>
+          </a:fontRef>
+        </p:style>
+      </p:cxnSp>
+      <p:sp>
+        <p:nvSpPr>
+          <p:cNvPr id="58" name="文本框 57"/>
+          <p:cNvSpPr txBox="1"/>
+          <p:nvPr/>
+        </p:nvSpPr>
+        <p:spPr>
+          <a:xfrm>
+            <a:off x="1491342" y="1564592"/>
+            <a:ext cx="2929585" cy="369332"/>
+          </a:xfrm>
+          <a:prstGeom prst="rect">
+            <a:avLst/>
+          </a:prstGeom>
+          <a:noFill/>
+        </p:spPr>
+        <p:txBody>
+          <a:bodyPr wrap="none" rtlCol="0">
+            <a:spAutoFit/>
+          </a:bodyPr>
+          <a:lstStyle/>
+          <a:p>
+            <a:r>
+              <a:rPr lang="en-US" altLang="zh-CN" smtClean="0"/>
+              <a:t>Based on lock free hash table</a:t>
+            </a:r>
+            <a:endParaRPr lang="zh-CN" altLang="en-US"/>
+          </a:p>
+        </p:txBody>
+      </p:sp>
+    </p:spTree>
+    <p:extLst>
+      <p:ext uri="{BB962C8B-B14F-4D97-AF65-F5344CB8AC3E}">
+        <p14:creationId xmlns:p14="http://schemas.microsoft.com/office/powerpoint/2010/main" val="3396104197"/>
+      </p:ext>
+    </p:extLst>
+  </p:cSld>
+  <p:clrMapOvr>
+    <a:masterClrMapping/>
+  </p:clrMapOvr>
+</p:sld>
+</file>
+
+<file path=ppt/slides/slide23.xml><?xml version="1.0" encoding="utf-8"?>
+<p:sld xmlns:a="http://schemas.openxmlformats.org/drawingml/2006/main" xmlns:r="http://schemas.openxmlformats.org/officeDocument/2006/relationships" xmlns:p="http://schemas.openxmlformats.org/presentationml/2006/main">
+  <p:cSld>
+    <p:spTree>
+      <p:nvGrpSpPr>
+        <p:cNvPr id="1" name=""/>
+        <p:cNvGrpSpPr/>
+        <p:nvPr/>
+      </p:nvGrpSpPr>
+      <p:grpSpPr>
+        <a:xfrm>
+          <a:off x="0" y="0"/>
+          <a:ext cx="0" cy="0"/>
+          <a:chOff x="0" y="0"/>
+          <a:chExt cx="0" cy="0"/>
+        </a:xfrm>
+      </p:grpSpPr>
+      <p:sp>
+        <p:nvSpPr>
+          <p:cNvPr id="2" name="标题 1"/>
+          <p:cNvSpPr>
+            <a:spLocks noGrp="1"/>
+          </p:cNvSpPr>
+          <p:nvPr>
+            <p:ph type="title"/>
+          </p:nvPr>
+        </p:nvSpPr>
+        <p:spPr/>
+        <p:txBody>
+          <a:bodyPr/>
+          <a:lstStyle/>
+          <a:p>
+            <a:r>
+              <a:rPr lang="en-US" altLang="zh-CN" smtClean="0"/>
+              <a:t>Join parallelization</a:t>
+            </a:r>
+            <a:endParaRPr lang="zh-CN" altLang="en-US"/>
+          </a:p>
+        </p:txBody>
+      </p:sp>
+      <p:sp>
+        <p:nvSpPr>
+          <p:cNvPr id="3" name="圆角矩形 2"/>
+          <p:cNvSpPr/>
+          <p:nvPr/>
+        </p:nvSpPr>
+        <p:spPr>
+          <a:xfrm>
+            <a:off x="926067" y="1629978"/>
+            <a:ext cx="906624" cy="391886"/>
+          </a:xfrm>
+          <a:prstGeom prst="roundRect">
+            <a:avLst/>
+          </a:prstGeom>
+          <a:solidFill>
+            <a:schemeClr val="bg1">
+              <a:lumMod val="65000"/>
+            </a:schemeClr>
+          </a:solidFill>
+          <a:ln w="22225">
+            <a:solidFill>
+              <a:schemeClr val="tx1">
+                <a:lumMod val="75000"/>
+                <a:lumOff val="25000"/>
+              </a:schemeClr>
+            </a:solidFill>
+          </a:ln>
+        </p:spPr>
+        <p:style>
+          <a:lnRef idx="2">
+            <a:schemeClr val="accent1">
+              <a:shade val="50000"/>
+            </a:schemeClr>
+          </a:lnRef>
+          <a:fillRef idx="1">
+            <a:schemeClr val="accent1"/>
+          </a:fillRef>
+          <a:effectRef idx="0">
+            <a:schemeClr val="accent1"/>
+          </a:effectRef>
+          <a:fontRef idx="minor">
+            <a:schemeClr val="lt1"/>
+          </a:fontRef>
+        </p:style>
+        <p:txBody>
+          <a:bodyPr rtlCol="0" anchor="ctr"/>
+          <a:lstStyle/>
+          <a:p>
+            <a:pPr algn="ctr"/>
+            <a:r>
+              <a:rPr lang="en-US" altLang="zh-CN" smtClean="0">
+                <a:solidFill>
+                  <a:schemeClr val="tx1"/>
+                </a:solidFill>
+              </a:rPr>
+              <a:t>join</a:t>
+            </a:r>
+            <a:endParaRPr lang="zh-CN" altLang="en-US">
+              <a:solidFill>
+                <a:schemeClr val="tx1"/>
+              </a:solidFill>
+            </a:endParaRPr>
+          </a:p>
+        </p:txBody>
+      </p:sp>
+      <p:sp>
+        <p:nvSpPr>
+          <p:cNvPr id="5" name="圆角矩形 4"/>
+          <p:cNvSpPr/>
+          <p:nvPr/>
+        </p:nvSpPr>
+        <p:spPr>
+          <a:xfrm>
+            <a:off x="313357" y="2370207"/>
+            <a:ext cx="906624" cy="391886"/>
+          </a:xfrm>
+          <a:prstGeom prst="roundRect">
+            <a:avLst/>
+          </a:prstGeom>
+          <a:solidFill>
+            <a:schemeClr val="bg1">
+              <a:lumMod val="65000"/>
+            </a:schemeClr>
+          </a:solidFill>
+          <a:ln w="22225">
+            <a:solidFill>
+              <a:schemeClr val="tx1">
+                <a:lumMod val="75000"/>
+                <a:lumOff val="25000"/>
+              </a:schemeClr>
+            </a:solidFill>
+          </a:ln>
+        </p:spPr>
+        <p:style>
+          <a:lnRef idx="2">
+            <a:schemeClr val="accent1">
+              <a:shade val="50000"/>
+            </a:schemeClr>
+          </a:lnRef>
+          <a:fillRef idx="1">
+            <a:schemeClr val="accent1"/>
+          </a:fillRef>
+          <a:effectRef idx="0">
+            <a:schemeClr val="accent1"/>
+          </a:effectRef>
+          <a:fontRef idx="minor">
+            <a:schemeClr val="lt1"/>
+          </a:fontRef>
+        </p:style>
+        <p:txBody>
+          <a:bodyPr rtlCol="0" anchor="ctr"/>
+          <a:lstStyle/>
+          <a:p>
+            <a:pPr algn="ctr"/>
+            <a:r>
+              <a:rPr lang="en-US" altLang="zh-CN" smtClean="0">
+                <a:solidFill>
+                  <a:schemeClr val="tx1"/>
+                </a:solidFill>
+              </a:rPr>
+              <a:t>sub1</a:t>
+            </a:r>
+            <a:endParaRPr lang="zh-CN" altLang="en-US">
+              <a:solidFill>
+                <a:schemeClr val="tx1"/>
+              </a:solidFill>
+            </a:endParaRPr>
+          </a:p>
+        </p:txBody>
+      </p:sp>
+      <p:sp>
+        <p:nvSpPr>
+          <p:cNvPr id="6" name="圆角矩形 5"/>
+          <p:cNvSpPr/>
+          <p:nvPr/>
+        </p:nvSpPr>
+        <p:spPr>
+          <a:xfrm>
+            <a:off x="1510785" y="2370207"/>
+            <a:ext cx="906624" cy="391886"/>
+          </a:xfrm>
+          <a:prstGeom prst="roundRect">
+            <a:avLst/>
+          </a:prstGeom>
+          <a:solidFill>
+            <a:schemeClr val="bg1">
+              <a:lumMod val="65000"/>
+            </a:schemeClr>
+          </a:solidFill>
+          <a:ln w="22225">
+            <a:solidFill>
+              <a:schemeClr val="tx1">
+                <a:lumMod val="75000"/>
+                <a:lumOff val="25000"/>
+              </a:schemeClr>
+            </a:solidFill>
+          </a:ln>
+        </p:spPr>
+        <p:style>
+          <a:lnRef idx="2">
+            <a:schemeClr val="accent1">
+              <a:shade val="50000"/>
+            </a:schemeClr>
+          </a:lnRef>
+          <a:fillRef idx="1">
+            <a:schemeClr val="accent1"/>
+          </a:fillRef>
+          <a:effectRef idx="0">
+            <a:schemeClr val="accent1"/>
+          </a:effectRef>
+          <a:fontRef idx="minor">
+            <a:schemeClr val="lt1"/>
+          </a:fontRef>
+        </p:style>
+        <p:txBody>
+          <a:bodyPr rtlCol="0" anchor="ctr"/>
+          <a:lstStyle/>
+          <a:p>
+            <a:pPr algn="ctr"/>
+            <a:r>
+              <a:rPr lang="en-US" altLang="zh-CN" smtClean="0">
+                <a:solidFill>
+                  <a:schemeClr val="tx1"/>
+                </a:solidFill>
+              </a:rPr>
+              <a:t>sub2</a:t>
+            </a:r>
+            <a:endParaRPr lang="zh-CN" altLang="en-US">
+              <a:solidFill>
+                <a:schemeClr val="tx1"/>
+              </a:solidFill>
+            </a:endParaRPr>
+          </a:p>
+        </p:txBody>
+      </p:sp>
+      <p:cxnSp>
+        <p:nvCxnSpPr>
+          <p:cNvPr id="7" name="直接箭头连接符 6"/>
+          <p:cNvCxnSpPr>
+            <a:stCxn id="5" idx="0"/>
+            <a:endCxn id="3" idx="2"/>
+          </p:cNvCxnSpPr>
+          <p:nvPr/>
+        </p:nvCxnSpPr>
+        <p:spPr>
+          <a:xfrm flipV="1">
+            <a:off x="766669" y="2021864"/>
+            <a:ext cx="612710" cy="348343"/>
+          </a:xfrm>
+          <a:prstGeom prst="straightConnector1">
+            <a:avLst/>
+          </a:prstGeom>
+          <a:ln w="31750">
+            <a:solidFill>
+              <a:schemeClr val="tx1">
+                <a:lumMod val="85000"/>
+                <a:lumOff val="15000"/>
+              </a:schemeClr>
+            </a:solidFill>
+            <a:tailEnd type="triangle"/>
+          </a:ln>
+        </p:spPr>
+        <p:style>
+          <a:lnRef idx="1">
+            <a:schemeClr val="accent1"/>
+          </a:lnRef>
+          <a:fillRef idx="0">
+            <a:schemeClr val="accent1"/>
+          </a:fillRef>
+          <a:effectRef idx="0">
+            <a:schemeClr val="accent1"/>
+          </a:effectRef>
+          <a:fontRef idx="minor">
+            <a:schemeClr val="tx1"/>
+          </a:fontRef>
+        </p:style>
+      </p:cxnSp>
+      <p:cxnSp>
+        <p:nvCxnSpPr>
+          <p:cNvPr id="10" name="直接箭头连接符 9"/>
+          <p:cNvCxnSpPr>
+            <a:stCxn id="6" idx="0"/>
+            <a:endCxn id="3" idx="2"/>
+          </p:cNvCxnSpPr>
+          <p:nvPr/>
+        </p:nvCxnSpPr>
+        <p:spPr>
+          <a:xfrm flipH="1" flipV="1">
+            <a:off x="1379379" y="2021864"/>
+            <a:ext cx="584718" cy="348343"/>
+          </a:xfrm>
+          <a:prstGeom prst="straightConnector1">
+            <a:avLst/>
+          </a:prstGeom>
+          <a:ln w="31750">
+            <a:solidFill>
+              <a:schemeClr val="tx1">
+                <a:lumMod val="85000"/>
+                <a:lumOff val="15000"/>
+              </a:schemeClr>
+            </a:solidFill>
+            <a:tailEnd type="triangle"/>
+          </a:ln>
+        </p:spPr>
+        <p:style>
+          <a:lnRef idx="1">
+            <a:schemeClr val="accent1"/>
+          </a:lnRef>
+          <a:fillRef idx="0">
+            <a:schemeClr val="accent1"/>
+          </a:fillRef>
+          <a:effectRef idx="0">
+            <a:schemeClr val="accent1"/>
+          </a:effectRef>
+          <a:fontRef idx="minor">
+            <a:schemeClr val="tx1"/>
+          </a:fontRef>
+        </p:style>
+      </p:cxnSp>
+      <p:sp>
+        <p:nvSpPr>
+          <p:cNvPr id="13" name="圆角矩形 12"/>
+          <p:cNvSpPr/>
+          <p:nvPr/>
+        </p:nvSpPr>
+        <p:spPr>
+          <a:xfrm>
+            <a:off x="4234152" y="1514826"/>
+            <a:ext cx="906624" cy="391886"/>
+          </a:xfrm>
+          <a:prstGeom prst="roundRect">
+            <a:avLst/>
+          </a:prstGeom>
+          <a:solidFill>
+            <a:schemeClr val="bg1">
+              <a:lumMod val="65000"/>
+            </a:schemeClr>
+          </a:solidFill>
+          <a:ln w="22225">
+            <a:solidFill>
+              <a:schemeClr val="tx1">
+                <a:lumMod val="75000"/>
+                <a:lumOff val="25000"/>
+              </a:schemeClr>
+            </a:solidFill>
+          </a:ln>
+        </p:spPr>
+        <p:style>
+          <a:lnRef idx="2">
+            <a:schemeClr val="accent1">
+              <a:shade val="50000"/>
+            </a:schemeClr>
+          </a:lnRef>
+          <a:fillRef idx="1">
+            <a:schemeClr val="accent1"/>
+          </a:fillRef>
+          <a:effectRef idx="0">
+            <a:schemeClr val="accent1"/>
+          </a:effectRef>
+          <a:fontRef idx="minor">
+            <a:schemeClr val="lt1"/>
+          </a:fontRef>
+        </p:style>
+        <p:txBody>
+          <a:bodyPr rtlCol="0" anchor="ctr"/>
+          <a:lstStyle/>
+          <a:p>
+            <a:pPr algn="ctr"/>
+            <a:r>
+              <a:rPr lang="en-US" altLang="zh-CN" smtClean="0">
+                <a:solidFill>
+                  <a:schemeClr val="tx1"/>
+                </a:solidFill>
+              </a:rPr>
+              <a:t>join</a:t>
+            </a:r>
+            <a:endParaRPr lang="zh-CN" altLang="en-US">
+              <a:solidFill>
+                <a:schemeClr val="tx1"/>
+              </a:solidFill>
+            </a:endParaRPr>
+          </a:p>
+        </p:txBody>
+      </p:sp>
+      <p:sp>
+        <p:nvSpPr>
+          <p:cNvPr id="14" name="圆角矩形 13"/>
+          <p:cNvSpPr/>
+          <p:nvPr/>
+        </p:nvSpPr>
+        <p:spPr>
+          <a:xfrm>
+            <a:off x="3588784" y="2255055"/>
+            <a:ext cx="906624" cy="391886"/>
+          </a:xfrm>
+          <a:prstGeom prst="roundRect">
+            <a:avLst/>
+          </a:prstGeom>
+          <a:solidFill>
+            <a:schemeClr val="bg1">
+              <a:lumMod val="65000"/>
+            </a:schemeClr>
+          </a:solidFill>
+          <a:ln w="22225">
+            <a:solidFill>
+              <a:schemeClr val="tx1">
+                <a:lumMod val="75000"/>
+                <a:lumOff val="25000"/>
+              </a:schemeClr>
+            </a:solidFill>
+          </a:ln>
+        </p:spPr>
+        <p:style>
+          <a:lnRef idx="2">
+            <a:schemeClr val="accent1">
+              <a:shade val="50000"/>
+            </a:schemeClr>
+          </a:lnRef>
+          <a:fillRef idx="1">
+            <a:schemeClr val="accent1"/>
+          </a:fillRef>
+          <a:effectRef idx="0">
+            <a:schemeClr val="accent1"/>
+          </a:effectRef>
+          <a:fontRef idx="minor">
+            <a:schemeClr val="lt1"/>
+          </a:fontRef>
+        </p:style>
+        <p:txBody>
+          <a:bodyPr rtlCol="0" anchor="ctr"/>
+          <a:lstStyle/>
+          <a:p>
+            <a:pPr algn="ctr"/>
+            <a:r>
+              <a:rPr lang="en-US" altLang="zh-CN" sz="1400" smtClean="0">
+                <a:solidFill>
+                  <a:schemeClr val="tx1"/>
+                </a:solidFill>
+              </a:rPr>
+              <a:t>exchange</a:t>
+            </a:r>
+            <a:endParaRPr lang="zh-CN" altLang="en-US" sz="1400">
+              <a:solidFill>
+                <a:schemeClr val="tx1"/>
+              </a:solidFill>
+            </a:endParaRPr>
+          </a:p>
+        </p:txBody>
+      </p:sp>
+      <p:sp>
+        <p:nvSpPr>
+          <p:cNvPr id="15" name="圆角矩形 14"/>
+          <p:cNvSpPr/>
+          <p:nvPr/>
+        </p:nvSpPr>
+        <p:spPr>
+          <a:xfrm>
+            <a:off x="4862414" y="2255055"/>
+            <a:ext cx="906624" cy="391886"/>
+          </a:xfrm>
+          <a:prstGeom prst="roundRect">
+            <a:avLst/>
+          </a:prstGeom>
+          <a:solidFill>
+            <a:schemeClr val="bg1">
+              <a:lumMod val="65000"/>
+            </a:schemeClr>
+          </a:solidFill>
+          <a:ln w="22225">
+            <a:solidFill>
+              <a:schemeClr val="tx1">
+                <a:lumMod val="75000"/>
+                <a:lumOff val="25000"/>
+              </a:schemeClr>
+            </a:solidFill>
+          </a:ln>
+        </p:spPr>
+        <p:style>
+          <a:lnRef idx="2">
+            <a:schemeClr val="accent1">
+              <a:shade val="50000"/>
+            </a:schemeClr>
+          </a:lnRef>
+          <a:fillRef idx="1">
+            <a:schemeClr val="accent1"/>
+          </a:fillRef>
+          <a:effectRef idx="0">
+            <a:schemeClr val="accent1"/>
+          </a:effectRef>
+          <a:fontRef idx="minor">
+            <a:schemeClr val="lt1"/>
+          </a:fontRef>
+        </p:style>
+        <p:txBody>
+          <a:bodyPr rtlCol="0" anchor="ctr"/>
+          <a:lstStyle/>
+          <a:p>
+            <a:pPr algn="ctr"/>
+            <a:r>
+              <a:rPr lang="en-US" altLang="zh-CN" sz="1400">
+                <a:solidFill>
+                  <a:schemeClr val="tx1"/>
+                </a:solidFill>
+              </a:rPr>
+              <a:t>exchange</a:t>
+            </a:r>
+            <a:endParaRPr lang="zh-CN" altLang="en-US" sz="1400">
+              <a:solidFill>
+                <a:schemeClr val="tx1"/>
+              </a:solidFill>
+            </a:endParaRPr>
+          </a:p>
+        </p:txBody>
+      </p:sp>
+      <p:cxnSp>
+        <p:nvCxnSpPr>
+          <p:cNvPr id="16" name="直接箭头连接符 15"/>
+          <p:cNvCxnSpPr>
+            <a:stCxn id="14" idx="0"/>
+            <a:endCxn id="13" idx="2"/>
+          </p:cNvCxnSpPr>
+          <p:nvPr/>
+        </p:nvCxnSpPr>
+        <p:spPr>
+          <a:xfrm flipV="1">
+            <a:off x="4042096" y="1906712"/>
+            <a:ext cx="645368" cy="348343"/>
+          </a:xfrm>
+          <a:prstGeom prst="straightConnector1">
+            <a:avLst/>
+          </a:prstGeom>
+          <a:ln w="31750">
+            <a:solidFill>
+              <a:schemeClr val="tx1">
+                <a:lumMod val="85000"/>
+                <a:lumOff val="15000"/>
+              </a:schemeClr>
+            </a:solidFill>
+            <a:tailEnd type="triangle"/>
+          </a:ln>
+        </p:spPr>
+        <p:style>
+          <a:lnRef idx="1">
+            <a:schemeClr val="accent1"/>
+          </a:lnRef>
+          <a:fillRef idx="0">
+            <a:schemeClr val="accent1"/>
+          </a:fillRef>
+          <a:effectRef idx="0">
+            <a:schemeClr val="accent1"/>
+          </a:effectRef>
+          <a:fontRef idx="minor">
+            <a:schemeClr val="tx1"/>
+          </a:fontRef>
+        </p:style>
+      </p:cxnSp>
+      <p:cxnSp>
+        <p:nvCxnSpPr>
+          <p:cNvPr id="17" name="直接箭头连接符 16"/>
+          <p:cNvCxnSpPr>
+            <a:stCxn id="15" idx="0"/>
+            <a:endCxn id="13" idx="2"/>
+          </p:cNvCxnSpPr>
+          <p:nvPr/>
+        </p:nvCxnSpPr>
+        <p:spPr>
+          <a:xfrm flipH="1" flipV="1">
+            <a:off x="4687464" y="1906712"/>
+            <a:ext cx="628262" cy="348343"/>
+          </a:xfrm>
+          <a:prstGeom prst="straightConnector1">
+            <a:avLst/>
+          </a:prstGeom>
+          <a:ln w="31750">
+            <a:solidFill>
+              <a:schemeClr val="tx1">
+                <a:lumMod val="85000"/>
+                <a:lumOff val="15000"/>
+              </a:schemeClr>
+            </a:solidFill>
+            <a:tailEnd type="triangle"/>
+          </a:ln>
+        </p:spPr>
+        <p:style>
+          <a:lnRef idx="1">
+            <a:schemeClr val="accent1"/>
+          </a:lnRef>
+          <a:fillRef idx="0">
+            <a:schemeClr val="accent1"/>
+          </a:fillRef>
+          <a:effectRef idx="0">
+            <a:schemeClr val="accent1"/>
+          </a:effectRef>
+          <a:fontRef idx="minor">
+            <a:schemeClr val="tx1"/>
+          </a:fontRef>
+        </p:style>
+      </p:cxnSp>
+      <p:sp>
+        <p:nvSpPr>
+          <p:cNvPr id="19" name="圆角矩形 18"/>
+          <p:cNvSpPr/>
+          <p:nvPr/>
+        </p:nvSpPr>
+        <p:spPr>
+          <a:xfrm>
+            <a:off x="3588784" y="2993845"/>
+            <a:ext cx="906624" cy="391886"/>
+          </a:xfrm>
+          <a:prstGeom prst="roundRect">
+            <a:avLst/>
+          </a:prstGeom>
+          <a:solidFill>
+            <a:schemeClr val="bg1">
+              <a:lumMod val="65000"/>
+            </a:schemeClr>
+          </a:solidFill>
+          <a:ln w="22225">
+            <a:solidFill>
+              <a:schemeClr val="tx1">
+                <a:lumMod val="75000"/>
+                <a:lumOff val="25000"/>
+              </a:schemeClr>
+            </a:solidFill>
+          </a:ln>
+        </p:spPr>
+        <p:style>
+          <a:lnRef idx="2">
+            <a:schemeClr val="accent1">
+              <a:shade val="50000"/>
+            </a:schemeClr>
+          </a:lnRef>
+          <a:fillRef idx="1">
+            <a:schemeClr val="accent1"/>
+          </a:fillRef>
+          <a:effectRef idx="0">
+            <a:schemeClr val="accent1"/>
+          </a:effectRef>
+          <a:fontRef idx="minor">
+            <a:schemeClr val="lt1"/>
+          </a:fontRef>
+        </p:style>
+        <p:txBody>
+          <a:bodyPr rtlCol="0" anchor="ctr"/>
+          <a:lstStyle/>
+          <a:p>
+            <a:pPr algn="ctr"/>
+            <a:r>
+              <a:rPr lang="en-US" altLang="zh-CN" smtClean="0">
+                <a:solidFill>
+                  <a:schemeClr val="tx1"/>
+                </a:solidFill>
+              </a:rPr>
+              <a:t>sub1</a:t>
+            </a:r>
+            <a:endParaRPr lang="zh-CN" altLang="en-US">
+              <a:solidFill>
+                <a:schemeClr val="tx1"/>
+              </a:solidFill>
+            </a:endParaRPr>
+          </a:p>
+        </p:txBody>
+      </p:sp>
+      <p:sp>
+        <p:nvSpPr>
+          <p:cNvPr id="20" name="圆角矩形 19"/>
+          <p:cNvSpPr/>
+          <p:nvPr/>
+        </p:nvSpPr>
+        <p:spPr>
+          <a:xfrm>
+            <a:off x="4862414" y="2993845"/>
+            <a:ext cx="906624" cy="391886"/>
+          </a:xfrm>
+          <a:prstGeom prst="roundRect">
+            <a:avLst/>
+          </a:prstGeom>
+          <a:solidFill>
+            <a:schemeClr val="bg1">
+              <a:lumMod val="65000"/>
+            </a:schemeClr>
+          </a:solidFill>
+          <a:ln w="22225">
+            <a:solidFill>
+              <a:schemeClr val="tx1">
+                <a:lumMod val="75000"/>
+                <a:lumOff val="25000"/>
+              </a:schemeClr>
+            </a:solidFill>
+          </a:ln>
+        </p:spPr>
+        <p:style>
+          <a:lnRef idx="2">
+            <a:schemeClr val="accent1">
+              <a:shade val="50000"/>
+            </a:schemeClr>
+          </a:lnRef>
+          <a:fillRef idx="1">
+            <a:schemeClr val="accent1"/>
+          </a:fillRef>
+          <a:effectRef idx="0">
+            <a:schemeClr val="accent1"/>
+          </a:effectRef>
+          <a:fontRef idx="minor">
+            <a:schemeClr val="lt1"/>
+          </a:fontRef>
+        </p:style>
+        <p:txBody>
+          <a:bodyPr rtlCol="0" anchor="ctr"/>
+          <a:lstStyle/>
+          <a:p>
+            <a:pPr algn="ctr"/>
+            <a:r>
+              <a:rPr lang="en-US" altLang="zh-CN" smtClean="0">
+                <a:solidFill>
+                  <a:schemeClr val="tx1"/>
+                </a:solidFill>
+              </a:rPr>
+              <a:t>sub2</a:t>
+            </a:r>
+            <a:endParaRPr lang="zh-CN" altLang="en-US">
+              <a:solidFill>
+                <a:schemeClr val="tx1"/>
+              </a:solidFill>
+            </a:endParaRPr>
+          </a:p>
+        </p:txBody>
+      </p:sp>
+      <p:cxnSp>
+        <p:nvCxnSpPr>
+          <p:cNvPr id="21" name="直接箭头连接符 20"/>
+          <p:cNvCxnSpPr>
+            <a:stCxn id="19" idx="0"/>
+            <a:endCxn id="14" idx="2"/>
+          </p:cNvCxnSpPr>
+          <p:nvPr/>
+        </p:nvCxnSpPr>
+        <p:spPr>
+          <a:xfrm flipV="1">
+            <a:off x="4042096" y="2646941"/>
+            <a:ext cx="0" cy="346904"/>
+          </a:xfrm>
+          <a:prstGeom prst="straightConnector1">
+            <a:avLst/>
+          </a:prstGeom>
+          <a:ln w="31750">
+            <a:solidFill>
+              <a:schemeClr val="tx1">
+                <a:lumMod val="85000"/>
+                <a:lumOff val="15000"/>
+              </a:schemeClr>
+            </a:solidFill>
+            <a:tailEnd type="triangle"/>
+          </a:ln>
+        </p:spPr>
+        <p:style>
+          <a:lnRef idx="1">
+            <a:schemeClr val="accent1"/>
+          </a:lnRef>
+          <a:fillRef idx="0">
+            <a:schemeClr val="accent1"/>
+          </a:fillRef>
+          <a:effectRef idx="0">
+            <a:schemeClr val="accent1"/>
+          </a:effectRef>
+          <a:fontRef idx="minor">
+            <a:schemeClr val="tx1"/>
+          </a:fontRef>
+        </p:style>
+      </p:cxnSp>
+      <p:cxnSp>
+        <p:nvCxnSpPr>
+          <p:cNvPr id="24" name="直接箭头连接符 23"/>
+          <p:cNvCxnSpPr>
+            <a:stCxn id="20" idx="0"/>
+            <a:endCxn id="15" idx="2"/>
+          </p:cNvCxnSpPr>
+          <p:nvPr/>
+        </p:nvCxnSpPr>
+        <p:spPr>
+          <a:xfrm flipV="1">
+            <a:off x="5315726" y="2646941"/>
+            <a:ext cx="0" cy="346904"/>
+          </a:xfrm>
+          <a:prstGeom prst="straightConnector1">
+            <a:avLst/>
+          </a:prstGeom>
+          <a:ln w="31750">
+            <a:solidFill>
+              <a:schemeClr val="tx1">
+                <a:lumMod val="85000"/>
+                <a:lumOff val="15000"/>
+              </a:schemeClr>
+            </a:solidFill>
+            <a:tailEnd type="triangle"/>
+          </a:ln>
+        </p:spPr>
+        <p:style>
+          <a:lnRef idx="1">
+            <a:schemeClr val="accent1"/>
+          </a:lnRef>
+          <a:fillRef idx="0">
+            <a:schemeClr val="accent1"/>
+          </a:fillRef>
+          <a:effectRef idx="0">
+            <a:schemeClr val="accent1"/>
+          </a:effectRef>
+          <a:fontRef idx="minor">
+            <a:schemeClr val="tx1"/>
+          </a:fontRef>
+        </p:style>
+      </p:cxnSp>
+      <p:sp>
+        <p:nvSpPr>
+          <p:cNvPr id="27" name="圆角矩形 26"/>
+          <p:cNvSpPr/>
+          <p:nvPr/>
+        </p:nvSpPr>
+        <p:spPr>
+          <a:xfrm>
+            <a:off x="7047324" y="1514826"/>
+            <a:ext cx="906624" cy="391886"/>
+          </a:xfrm>
+          <a:prstGeom prst="roundRect">
+            <a:avLst/>
+          </a:prstGeom>
+          <a:solidFill>
+            <a:schemeClr val="bg1">
+              <a:lumMod val="65000"/>
+            </a:schemeClr>
+          </a:solidFill>
+          <a:ln w="22225">
+            <a:solidFill>
+              <a:schemeClr val="tx1">
+                <a:lumMod val="75000"/>
+                <a:lumOff val="25000"/>
+              </a:schemeClr>
+            </a:solidFill>
+          </a:ln>
+        </p:spPr>
+        <p:style>
+          <a:lnRef idx="2">
+            <a:schemeClr val="accent1">
+              <a:shade val="50000"/>
+            </a:schemeClr>
+          </a:lnRef>
+          <a:fillRef idx="1">
+            <a:schemeClr val="accent1"/>
+          </a:fillRef>
+          <a:effectRef idx="0">
+            <a:schemeClr val="accent1"/>
+          </a:effectRef>
+          <a:fontRef idx="minor">
+            <a:schemeClr val="lt1"/>
+          </a:fontRef>
+        </p:style>
+        <p:txBody>
+          <a:bodyPr rtlCol="0" anchor="ctr"/>
+          <a:lstStyle/>
+          <a:p>
+            <a:pPr algn="ctr"/>
+            <a:r>
+              <a:rPr lang="en-US" altLang="zh-CN" smtClean="0">
+                <a:solidFill>
+                  <a:schemeClr val="tx1"/>
+                </a:solidFill>
+              </a:rPr>
+              <a:t>join</a:t>
+            </a:r>
+            <a:endParaRPr lang="zh-CN" altLang="en-US">
+              <a:solidFill>
+                <a:schemeClr val="tx1"/>
+              </a:solidFill>
+            </a:endParaRPr>
+          </a:p>
+        </p:txBody>
+      </p:sp>
+      <p:sp>
+        <p:nvSpPr>
+          <p:cNvPr id="28" name="圆角矩形 27"/>
+          <p:cNvSpPr/>
+          <p:nvPr/>
+        </p:nvSpPr>
+        <p:spPr>
+          <a:xfrm>
+            <a:off x="6401956" y="2255055"/>
+            <a:ext cx="906624" cy="391886"/>
+          </a:xfrm>
+          <a:prstGeom prst="roundRect">
+            <a:avLst/>
+          </a:prstGeom>
+          <a:solidFill>
+            <a:schemeClr val="bg1">
+              <a:lumMod val="65000"/>
+            </a:schemeClr>
+          </a:solidFill>
+          <a:ln w="22225">
+            <a:solidFill>
+              <a:schemeClr val="tx1">
+                <a:lumMod val="75000"/>
+                <a:lumOff val="25000"/>
+              </a:schemeClr>
+            </a:solidFill>
+          </a:ln>
+        </p:spPr>
+        <p:style>
+          <a:lnRef idx="2">
+            <a:schemeClr val="accent1">
+              <a:shade val="50000"/>
+            </a:schemeClr>
+          </a:lnRef>
+          <a:fillRef idx="1">
+            <a:schemeClr val="accent1"/>
+          </a:fillRef>
+          <a:effectRef idx="0">
+            <a:schemeClr val="accent1"/>
+          </a:effectRef>
+          <a:fontRef idx="minor">
+            <a:schemeClr val="lt1"/>
+          </a:fontRef>
+        </p:style>
+        <p:txBody>
+          <a:bodyPr rtlCol="0" anchor="ctr"/>
+          <a:lstStyle/>
+          <a:p>
+            <a:pPr algn="ctr"/>
+            <a:r>
+              <a:rPr lang="en-US" altLang="zh-CN" sz="1400" smtClean="0">
+                <a:solidFill>
+                  <a:schemeClr val="tx1"/>
+                </a:solidFill>
+              </a:rPr>
+              <a:t>exchange</a:t>
+            </a:r>
+            <a:endParaRPr lang="zh-CN" altLang="en-US" sz="1400">
+              <a:solidFill>
+                <a:schemeClr val="tx1"/>
+              </a:solidFill>
+            </a:endParaRPr>
+          </a:p>
+        </p:txBody>
+      </p:sp>
+      <p:sp>
+        <p:nvSpPr>
+          <p:cNvPr id="29" name="圆角矩形 28"/>
+          <p:cNvSpPr/>
+          <p:nvPr/>
+        </p:nvSpPr>
+        <p:spPr>
+          <a:xfrm>
+            <a:off x="7675586" y="2255055"/>
+            <a:ext cx="906624" cy="391886"/>
+          </a:xfrm>
+          <a:prstGeom prst="roundRect">
+            <a:avLst/>
+          </a:prstGeom>
+          <a:solidFill>
+            <a:schemeClr val="bg1">
+              <a:lumMod val="65000"/>
+            </a:schemeClr>
+          </a:solidFill>
+          <a:ln w="22225">
+            <a:solidFill>
+              <a:schemeClr val="tx1">
+                <a:lumMod val="75000"/>
+                <a:lumOff val="25000"/>
+              </a:schemeClr>
+            </a:solidFill>
+          </a:ln>
+        </p:spPr>
+        <p:style>
+          <a:lnRef idx="2">
+            <a:schemeClr val="accent1">
+              <a:shade val="50000"/>
+            </a:schemeClr>
+          </a:lnRef>
+          <a:fillRef idx="1">
+            <a:schemeClr val="accent1"/>
+          </a:fillRef>
+          <a:effectRef idx="0">
+            <a:schemeClr val="accent1"/>
+          </a:effectRef>
+          <a:fontRef idx="minor">
+            <a:schemeClr val="lt1"/>
+          </a:fontRef>
+        </p:style>
+        <p:txBody>
+          <a:bodyPr rtlCol="0" anchor="ctr"/>
+          <a:lstStyle/>
+          <a:p>
+            <a:pPr algn="ctr"/>
+            <a:r>
+              <a:rPr lang="en-US" altLang="zh-CN" sz="1400" smtClean="0">
+                <a:solidFill>
+                  <a:schemeClr val="tx1"/>
+                </a:solidFill>
+              </a:rPr>
+              <a:t>SCAN</a:t>
+            </a:r>
+            <a:endParaRPr lang="zh-CN" altLang="en-US" sz="1400">
+              <a:solidFill>
+                <a:schemeClr val="tx1"/>
+              </a:solidFill>
+            </a:endParaRPr>
+          </a:p>
+        </p:txBody>
+      </p:sp>
+      <p:cxnSp>
+        <p:nvCxnSpPr>
+          <p:cNvPr id="30" name="直接箭头连接符 29"/>
+          <p:cNvCxnSpPr>
+            <a:stCxn id="28" idx="0"/>
+            <a:endCxn id="27" idx="2"/>
+          </p:cNvCxnSpPr>
+          <p:nvPr/>
+        </p:nvCxnSpPr>
+        <p:spPr>
+          <a:xfrm flipV="1">
+            <a:off x="6855268" y="1906712"/>
+            <a:ext cx="645368" cy="348343"/>
+          </a:xfrm>
+          <a:prstGeom prst="straightConnector1">
+            <a:avLst/>
+          </a:prstGeom>
+          <a:ln w="31750">
+            <a:solidFill>
+              <a:schemeClr val="tx1">
+                <a:lumMod val="85000"/>
+                <a:lumOff val="15000"/>
+              </a:schemeClr>
+            </a:solidFill>
+            <a:tailEnd type="triangle"/>
+          </a:ln>
+        </p:spPr>
+        <p:style>
+          <a:lnRef idx="1">
+            <a:schemeClr val="accent1"/>
+          </a:lnRef>
+          <a:fillRef idx="0">
+            <a:schemeClr val="accent1"/>
+          </a:fillRef>
+          <a:effectRef idx="0">
+            <a:schemeClr val="accent1"/>
+          </a:effectRef>
+          <a:fontRef idx="minor">
+            <a:schemeClr val="tx1"/>
+          </a:fontRef>
+        </p:style>
+      </p:cxnSp>
+      <p:cxnSp>
+        <p:nvCxnSpPr>
+          <p:cNvPr id="31" name="直接箭头连接符 30"/>
+          <p:cNvCxnSpPr>
+            <a:stCxn id="29" idx="0"/>
+            <a:endCxn id="27" idx="2"/>
+          </p:cNvCxnSpPr>
+          <p:nvPr/>
+        </p:nvCxnSpPr>
+        <p:spPr>
+          <a:xfrm flipH="1" flipV="1">
+            <a:off x="7500636" y="1906712"/>
+            <a:ext cx="628262" cy="348343"/>
+          </a:xfrm>
+          <a:prstGeom prst="straightConnector1">
+            <a:avLst/>
+          </a:prstGeom>
+          <a:ln w="31750">
+            <a:solidFill>
+              <a:schemeClr val="tx1">
+                <a:lumMod val="85000"/>
+                <a:lumOff val="15000"/>
+              </a:schemeClr>
+            </a:solidFill>
+            <a:tailEnd type="triangle"/>
+          </a:ln>
+        </p:spPr>
+        <p:style>
+          <a:lnRef idx="1">
+            <a:schemeClr val="accent1"/>
+          </a:lnRef>
+          <a:fillRef idx="0">
+            <a:schemeClr val="accent1"/>
+          </a:fillRef>
+          <a:effectRef idx="0">
+            <a:schemeClr val="accent1"/>
+          </a:effectRef>
+          <a:fontRef idx="minor">
+            <a:schemeClr val="tx1"/>
+          </a:fontRef>
+        </p:style>
+      </p:cxnSp>
+      <p:sp>
+        <p:nvSpPr>
+          <p:cNvPr id="32" name="圆角矩形 31"/>
+          <p:cNvSpPr/>
+          <p:nvPr/>
+        </p:nvSpPr>
+        <p:spPr>
+          <a:xfrm>
+            <a:off x="6401956" y="2993845"/>
+            <a:ext cx="906624" cy="391886"/>
+          </a:xfrm>
+          <a:prstGeom prst="roundRect">
+            <a:avLst/>
+          </a:prstGeom>
+          <a:solidFill>
+            <a:schemeClr val="bg1">
+              <a:lumMod val="65000"/>
+            </a:schemeClr>
+          </a:solidFill>
+          <a:ln w="22225">
+            <a:solidFill>
+              <a:schemeClr val="tx1">
+                <a:lumMod val="75000"/>
+                <a:lumOff val="25000"/>
+              </a:schemeClr>
+            </a:solidFill>
+          </a:ln>
+        </p:spPr>
+        <p:style>
+          <a:lnRef idx="2">
+            <a:schemeClr val="accent1">
+              <a:shade val="50000"/>
+            </a:schemeClr>
+          </a:lnRef>
+          <a:fillRef idx="1">
+            <a:schemeClr val="accent1"/>
+          </a:fillRef>
+          <a:effectRef idx="0">
+            <a:schemeClr val="accent1"/>
+          </a:effectRef>
+          <a:fontRef idx="minor">
+            <a:schemeClr val="lt1"/>
+          </a:fontRef>
+        </p:style>
+        <p:txBody>
+          <a:bodyPr rtlCol="0" anchor="ctr"/>
+          <a:lstStyle/>
+          <a:p>
+            <a:pPr algn="ctr"/>
+            <a:r>
+              <a:rPr lang="en-US" altLang="zh-CN" smtClean="0">
+                <a:solidFill>
+                  <a:schemeClr val="tx1"/>
+                </a:solidFill>
+              </a:rPr>
+              <a:t>join</a:t>
+            </a:r>
+            <a:endParaRPr lang="zh-CN" altLang="en-US">
+              <a:solidFill>
+                <a:schemeClr val="tx1"/>
+              </a:solidFill>
+            </a:endParaRPr>
+          </a:p>
+        </p:txBody>
+      </p:sp>
+      <p:sp>
+        <p:nvSpPr>
+          <p:cNvPr id="36" name="右箭头 35"/>
+          <p:cNvSpPr/>
+          <p:nvPr/>
+        </p:nvSpPr>
+        <p:spPr>
+          <a:xfrm>
+            <a:off x="2870721" y="1710769"/>
+            <a:ext cx="522514" cy="762000"/>
+          </a:xfrm>
+          <a:prstGeom prst="rightArrow">
+            <a:avLst/>
+          </a:prstGeom>
+        </p:spPr>
+        <p:style>
+          <a:lnRef idx="3">
+            <a:schemeClr val="lt1"/>
+          </a:lnRef>
+          <a:fillRef idx="1">
+            <a:schemeClr val="accent6"/>
+          </a:fillRef>
+          <a:effectRef idx="1">
+            <a:schemeClr val="accent6"/>
+          </a:effectRef>
+          <a:fontRef idx="minor">
+            <a:schemeClr val="lt1"/>
+          </a:fontRef>
+        </p:style>
+        <p:txBody>
+          <a:bodyPr rtlCol="0" anchor="ctr"/>
+          <a:lstStyle/>
+          <a:p>
+            <a:pPr algn="ctr"/>
+            <a:endParaRPr lang="zh-CN" altLang="en-US"/>
+          </a:p>
+        </p:txBody>
+      </p:sp>
+      <p:sp>
+        <p:nvSpPr>
+          <p:cNvPr id="37" name="圆角矩形 36"/>
+          <p:cNvSpPr/>
+          <p:nvPr/>
+        </p:nvSpPr>
+        <p:spPr>
+          <a:xfrm>
+            <a:off x="2225361" y="4762762"/>
+            <a:ext cx="906624" cy="391886"/>
+          </a:xfrm>
+          <a:prstGeom prst="roundRect">
+            <a:avLst/>
+          </a:prstGeom>
+          <a:solidFill>
+            <a:schemeClr val="bg1">
+              <a:lumMod val="65000"/>
+            </a:schemeClr>
+          </a:solidFill>
+          <a:ln w="22225">
+            <a:solidFill>
+              <a:schemeClr val="tx1">
+                <a:lumMod val="75000"/>
+                <a:lumOff val="25000"/>
+              </a:schemeClr>
+            </a:solidFill>
+          </a:ln>
+        </p:spPr>
+        <p:style>
+          <a:lnRef idx="2">
+            <a:schemeClr val="accent1">
+              <a:shade val="50000"/>
+            </a:schemeClr>
+          </a:lnRef>
+          <a:fillRef idx="1">
+            <a:schemeClr val="accent1"/>
+          </a:fillRef>
+          <a:effectRef idx="0">
+            <a:schemeClr val="accent1"/>
+          </a:effectRef>
+          <a:fontRef idx="minor">
+            <a:schemeClr val="lt1"/>
+          </a:fontRef>
+        </p:style>
+        <p:txBody>
+          <a:bodyPr rtlCol="0" anchor="ctr"/>
+          <a:lstStyle/>
+          <a:p>
+            <a:pPr algn="ctr"/>
+            <a:r>
+              <a:rPr lang="en-US" altLang="zh-CN" smtClean="0">
+                <a:solidFill>
+                  <a:schemeClr val="tx1"/>
+                </a:solidFill>
+              </a:rPr>
+              <a:t>join</a:t>
+            </a:r>
+            <a:endParaRPr lang="zh-CN" altLang="en-US">
+              <a:solidFill>
+                <a:schemeClr val="tx1"/>
+              </a:solidFill>
+            </a:endParaRPr>
+          </a:p>
+        </p:txBody>
+      </p:sp>
+      <p:sp>
+        <p:nvSpPr>
+          <p:cNvPr id="39" name="圆角矩形 38"/>
+          <p:cNvSpPr/>
+          <p:nvPr/>
+        </p:nvSpPr>
+        <p:spPr>
+          <a:xfrm>
+            <a:off x="2852841" y="5482932"/>
+            <a:ext cx="906624" cy="391886"/>
+          </a:xfrm>
+          <a:prstGeom prst="roundRect">
+            <a:avLst/>
+          </a:prstGeom>
+          <a:solidFill>
+            <a:schemeClr val="bg1">
+              <a:lumMod val="65000"/>
+            </a:schemeClr>
+          </a:solidFill>
+          <a:ln w="22225">
+            <a:solidFill>
+              <a:schemeClr val="tx1">
+                <a:lumMod val="75000"/>
+                <a:lumOff val="25000"/>
+              </a:schemeClr>
+            </a:solidFill>
+          </a:ln>
+        </p:spPr>
+        <p:style>
+          <a:lnRef idx="2">
+            <a:schemeClr val="accent1">
+              <a:shade val="50000"/>
+            </a:schemeClr>
+          </a:lnRef>
+          <a:fillRef idx="1">
+            <a:schemeClr val="accent1"/>
+          </a:fillRef>
+          <a:effectRef idx="0">
+            <a:schemeClr val="accent1"/>
+          </a:effectRef>
+          <a:fontRef idx="minor">
+            <a:schemeClr val="lt1"/>
+          </a:fontRef>
+        </p:style>
+        <p:txBody>
+          <a:bodyPr rtlCol="0" anchor="ctr"/>
+          <a:lstStyle/>
+          <a:p>
+            <a:pPr algn="ctr"/>
+            <a:r>
+              <a:rPr lang="en-US" altLang="zh-CN" sz="1200">
+                <a:solidFill>
+                  <a:schemeClr val="tx1"/>
+                </a:solidFill>
+              </a:rPr>
+              <a:t>scan</a:t>
+            </a:r>
+            <a:r>
+              <a:rPr lang="en-US" altLang="zh-CN" sz="1200" smtClean="0">
+                <a:solidFill>
+                  <a:schemeClr val="tx1"/>
+                </a:solidFill>
+              </a:rPr>
+              <a:t>2(split)</a:t>
+            </a:r>
+            <a:endParaRPr lang="zh-CN" altLang="en-US" sz="1200">
+              <a:solidFill>
+                <a:schemeClr val="tx1"/>
+              </a:solidFill>
+            </a:endParaRPr>
+          </a:p>
+        </p:txBody>
+      </p:sp>
+      <p:cxnSp>
+        <p:nvCxnSpPr>
+          <p:cNvPr id="40" name="直接箭头连接符 39"/>
+          <p:cNvCxnSpPr>
+            <a:stCxn id="46" idx="0"/>
+            <a:endCxn id="37" idx="2"/>
+          </p:cNvCxnSpPr>
+          <p:nvPr/>
+        </p:nvCxnSpPr>
+        <p:spPr>
+          <a:xfrm flipV="1">
+            <a:off x="2033305" y="5154648"/>
+            <a:ext cx="645368" cy="328284"/>
+          </a:xfrm>
+          <a:prstGeom prst="straightConnector1">
+            <a:avLst/>
+          </a:prstGeom>
+          <a:ln w="31750">
+            <a:solidFill>
+              <a:schemeClr val="tx1">
+                <a:lumMod val="85000"/>
+                <a:lumOff val="15000"/>
+              </a:schemeClr>
+            </a:solidFill>
+            <a:tailEnd type="triangle"/>
+          </a:ln>
+        </p:spPr>
+        <p:style>
+          <a:lnRef idx="1">
+            <a:schemeClr val="accent1"/>
+          </a:lnRef>
+          <a:fillRef idx="0">
+            <a:schemeClr val="accent1"/>
+          </a:fillRef>
+          <a:effectRef idx="0">
+            <a:schemeClr val="accent1"/>
+          </a:effectRef>
+          <a:fontRef idx="minor">
+            <a:schemeClr val="tx1"/>
+          </a:fontRef>
+        </p:style>
+      </p:cxnSp>
+      <p:cxnSp>
+        <p:nvCxnSpPr>
+          <p:cNvPr id="41" name="直接箭头连接符 40"/>
+          <p:cNvCxnSpPr>
+            <a:stCxn id="39" idx="0"/>
+            <a:endCxn id="37" idx="2"/>
+          </p:cNvCxnSpPr>
+          <p:nvPr/>
+        </p:nvCxnSpPr>
+        <p:spPr>
+          <a:xfrm flipH="1" flipV="1">
+            <a:off x="2678673" y="5154648"/>
+            <a:ext cx="627480" cy="328284"/>
+          </a:xfrm>
+          <a:prstGeom prst="straightConnector1">
+            <a:avLst/>
+          </a:prstGeom>
+          <a:ln w="31750">
+            <a:solidFill>
+              <a:schemeClr val="tx1">
+                <a:lumMod val="85000"/>
+                <a:lumOff val="15000"/>
+              </a:schemeClr>
+            </a:solidFill>
+            <a:tailEnd type="triangle"/>
+          </a:ln>
+        </p:spPr>
+        <p:style>
+          <a:lnRef idx="1">
+            <a:schemeClr val="accent1"/>
+          </a:lnRef>
+          <a:fillRef idx="0">
+            <a:schemeClr val="accent1"/>
+          </a:fillRef>
+          <a:effectRef idx="0">
+            <a:schemeClr val="accent1"/>
+          </a:effectRef>
+          <a:fontRef idx="minor">
+            <a:schemeClr val="tx1"/>
+          </a:fontRef>
+        </p:style>
+      </p:cxnSp>
+      <p:sp>
+        <p:nvSpPr>
+          <p:cNvPr id="45" name="圆角矩形 44"/>
+          <p:cNvSpPr/>
+          <p:nvPr/>
+        </p:nvSpPr>
+        <p:spPr>
+          <a:xfrm>
+            <a:off x="3441054" y="4030540"/>
+            <a:ext cx="906624" cy="391886"/>
+          </a:xfrm>
+          <a:prstGeom prst="roundRect">
+            <a:avLst/>
+          </a:prstGeom>
+          <a:solidFill>
+            <a:schemeClr val="bg1">
+              <a:lumMod val="65000"/>
+            </a:schemeClr>
+          </a:solidFill>
+          <a:ln w="22225">
+            <a:solidFill>
+              <a:schemeClr val="tx1">
+                <a:lumMod val="75000"/>
+                <a:lumOff val="25000"/>
+              </a:schemeClr>
+            </a:solidFill>
+          </a:ln>
+        </p:spPr>
+        <p:style>
+          <a:lnRef idx="2">
+            <a:schemeClr val="accent1">
+              <a:shade val="50000"/>
+            </a:schemeClr>
+          </a:lnRef>
+          <a:fillRef idx="1">
+            <a:schemeClr val="accent1"/>
+          </a:fillRef>
+          <a:effectRef idx="0">
+            <a:schemeClr val="accent1"/>
+          </a:effectRef>
+          <a:fontRef idx="minor">
+            <a:schemeClr val="lt1"/>
+          </a:fontRef>
+        </p:style>
+        <p:txBody>
+          <a:bodyPr rtlCol="0" anchor="ctr"/>
+          <a:lstStyle/>
+          <a:p>
+            <a:pPr algn="ctr"/>
+            <a:r>
+              <a:rPr lang="en-US" altLang="zh-CN" sz="1400" smtClean="0">
+                <a:solidFill>
+                  <a:schemeClr val="tx1"/>
+                </a:solidFill>
+              </a:rPr>
+              <a:t>exchange</a:t>
+            </a:r>
+            <a:endParaRPr lang="zh-CN" altLang="en-US" sz="1400">
+              <a:solidFill>
+                <a:schemeClr val="tx1"/>
+              </a:solidFill>
+            </a:endParaRPr>
+          </a:p>
+        </p:txBody>
+      </p:sp>
+      <p:sp>
+        <p:nvSpPr>
+          <p:cNvPr id="46" name="圆角矩形 45"/>
+          <p:cNvSpPr/>
+          <p:nvPr/>
+        </p:nvSpPr>
+        <p:spPr>
+          <a:xfrm>
+            <a:off x="1579993" y="5482932"/>
+            <a:ext cx="906624" cy="391886"/>
+          </a:xfrm>
+          <a:prstGeom prst="roundRect">
+            <a:avLst/>
+          </a:prstGeom>
+          <a:solidFill>
+            <a:schemeClr val="bg1">
+              <a:lumMod val="65000"/>
+            </a:schemeClr>
+          </a:solidFill>
+          <a:ln w="22225">
+            <a:solidFill>
+              <a:schemeClr val="tx1">
+                <a:lumMod val="75000"/>
+                <a:lumOff val="25000"/>
+              </a:schemeClr>
+            </a:solidFill>
+          </a:ln>
+        </p:spPr>
+        <p:style>
+          <a:lnRef idx="2">
+            <a:schemeClr val="accent1">
+              <a:shade val="50000"/>
+            </a:schemeClr>
+          </a:lnRef>
+          <a:fillRef idx="1">
+            <a:schemeClr val="accent1"/>
+          </a:fillRef>
+          <a:effectRef idx="0">
+            <a:schemeClr val="accent1"/>
+          </a:effectRef>
+          <a:fontRef idx="minor">
+            <a:schemeClr val="lt1"/>
+          </a:fontRef>
+        </p:style>
+        <p:txBody>
+          <a:bodyPr rtlCol="0" anchor="ctr"/>
+          <a:lstStyle/>
+          <a:p>
+            <a:pPr algn="ctr"/>
+            <a:r>
+              <a:rPr lang="en-US" altLang="zh-CN" sz="1200" smtClean="0">
+                <a:solidFill>
+                  <a:schemeClr val="tx1"/>
+                </a:solidFill>
+              </a:rPr>
+              <a:t>Scan1(split)</a:t>
+            </a:r>
+            <a:endParaRPr lang="zh-CN" altLang="en-US" sz="1200">
+              <a:solidFill>
+                <a:schemeClr val="tx1"/>
+              </a:solidFill>
+            </a:endParaRPr>
+          </a:p>
+        </p:txBody>
+      </p:sp>
+      <p:sp>
+        <p:nvSpPr>
+          <p:cNvPr id="49" name="圆角矩形 48"/>
+          <p:cNvSpPr/>
+          <p:nvPr/>
+        </p:nvSpPr>
+        <p:spPr>
+          <a:xfrm>
+            <a:off x="4696022" y="4762762"/>
+            <a:ext cx="906624" cy="391886"/>
+          </a:xfrm>
+          <a:prstGeom prst="roundRect">
+            <a:avLst/>
+          </a:prstGeom>
+          <a:solidFill>
+            <a:schemeClr val="bg1">
+              <a:lumMod val="65000"/>
+            </a:schemeClr>
+          </a:solidFill>
+          <a:ln w="22225">
+            <a:solidFill>
+              <a:schemeClr val="tx1">
+                <a:lumMod val="75000"/>
+                <a:lumOff val="25000"/>
+              </a:schemeClr>
+            </a:solidFill>
+          </a:ln>
+        </p:spPr>
+        <p:style>
+          <a:lnRef idx="2">
+            <a:schemeClr val="accent1">
+              <a:shade val="50000"/>
+            </a:schemeClr>
+          </a:lnRef>
+          <a:fillRef idx="1">
+            <a:schemeClr val="accent1"/>
+          </a:fillRef>
+          <a:effectRef idx="0">
+            <a:schemeClr val="accent1"/>
+          </a:effectRef>
+          <a:fontRef idx="minor">
+            <a:schemeClr val="lt1"/>
+          </a:fontRef>
+        </p:style>
+        <p:txBody>
+          <a:bodyPr rtlCol="0" anchor="ctr"/>
+          <a:lstStyle/>
+          <a:p>
+            <a:pPr algn="ctr"/>
+            <a:r>
+              <a:rPr lang="en-US" altLang="zh-CN" smtClean="0">
+                <a:solidFill>
+                  <a:schemeClr val="tx1"/>
+                </a:solidFill>
+              </a:rPr>
+              <a:t>join</a:t>
+            </a:r>
+            <a:endParaRPr lang="zh-CN" altLang="en-US">
+              <a:solidFill>
+                <a:schemeClr val="tx1"/>
+              </a:solidFill>
+            </a:endParaRPr>
+          </a:p>
+        </p:txBody>
+      </p:sp>
+      <p:sp>
+        <p:nvSpPr>
+          <p:cNvPr id="50" name="圆角矩形 49"/>
+          <p:cNvSpPr/>
+          <p:nvPr/>
+        </p:nvSpPr>
+        <p:spPr>
+          <a:xfrm>
+            <a:off x="5323502" y="5482932"/>
+            <a:ext cx="906624" cy="391886"/>
+          </a:xfrm>
+          <a:prstGeom prst="roundRect">
+            <a:avLst/>
+          </a:prstGeom>
+          <a:solidFill>
+            <a:schemeClr val="bg1">
+              <a:lumMod val="65000"/>
+            </a:schemeClr>
+          </a:solidFill>
+          <a:ln w="22225">
+            <a:solidFill>
+              <a:schemeClr val="tx1">
+                <a:lumMod val="75000"/>
+                <a:lumOff val="25000"/>
+              </a:schemeClr>
+            </a:solidFill>
+          </a:ln>
+        </p:spPr>
+        <p:style>
+          <a:lnRef idx="2">
+            <a:schemeClr val="accent1">
+              <a:shade val="50000"/>
+            </a:schemeClr>
+          </a:lnRef>
+          <a:fillRef idx="1">
+            <a:schemeClr val="accent1"/>
+          </a:fillRef>
+          <a:effectRef idx="0">
+            <a:schemeClr val="accent1"/>
+          </a:effectRef>
+          <a:fontRef idx="minor">
+            <a:schemeClr val="lt1"/>
+          </a:fontRef>
+        </p:style>
+        <p:txBody>
+          <a:bodyPr rtlCol="0" anchor="ctr"/>
+          <a:lstStyle/>
+          <a:p>
+            <a:pPr algn="ctr"/>
+            <a:r>
+              <a:rPr lang="en-US" altLang="zh-CN" sz="1200">
+                <a:solidFill>
+                  <a:schemeClr val="tx1"/>
+                </a:solidFill>
+              </a:rPr>
+              <a:t>scan</a:t>
+            </a:r>
+            <a:r>
+              <a:rPr lang="en-US" altLang="zh-CN" sz="1200" smtClean="0">
+                <a:solidFill>
+                  <a:schemeClr val="tx1"/>
+                </a:solidFill>
+              </a:rPr>
+              <a:t>2(split)</a:t>
+            </a:r>
+            <a:endParaRPr lang="zh-CN" altLang="en-US" sz="1200">
+              <a:solidFill>
+                <a:schemeClr val="tx1"/>
+              </a:solidFill>
+            </a:endParaRPr>
+          </a:p>
+        </p:txBody>
+      </p:sp>
+      <p:cxnSp>
+        <p:nvCxnSpPr>
+          <p:cNvPr id="51" name="直接箭头连接符 50"/>
+          <p:cNvCxnSpPr>
+            <a:stCxn id="53" idx="0"/>
+            <a:endCxn id="49" idx="2"/>
+          </p:cNvCxnSpPr>
+          <p:nvPr/>
+        </p:nvCxnSpPr>
+        <p:spPr>
+          <a:xfrm flipV="1">
+            <a:off x="4503966" y="5154648"/>
+            <a:ext cx="645368" cy="328284"/>
+          </a:xfrm>
+          <a:prstGeom prst="straightConnector1">
+            <a:avLst/>
+          </a:prstGeom>
+          <a:ln w="31750">
+            <a:solidFill>
+              <a:schemeClr val="tx1">
+                <a:lumMod val="85000"/>
+                <a:lumOff val="15000"/>
+              </a:schemeClr>
+            </a:solidFill>
+            <a:tailEnd type="triangle"/>
+          </a:ln>
+        </p:spPr>
+        <p:style>
+          <a:lnRef idx="1">
+            <a:schemeClr val="accent1"/>
+          </a:lnRef>
+          <a:fillRef idx="0">
+            <a:schemeClr val="accent1"/>
+          </a:fillRef>
+          <a:effectRef idx="0">
+            <a:schemeClr val="accent1"/>
+          </a:effectRef>
+          <a:fontRef idx="minor">
+            <a:schemeClr val="tx1"/>
+          </a:fontRef>
+        </p:style>
+      </p:cxnSp>
+      <p:cxnSp>
+        <p:nvCxnSpPr>
+          <p:cNvPr id="52" name="直接箭头连接符 51"/>
+          <p:cNvCxnSpPr>
+            <a:stCxn id="50" idx="0"/>
+            <a:endCxn id="49" idx="2"/>
+          </p:cNvCxnSpPr>
+          <p:nvPr/>
+        </p:nvCxnSpPr>
+        <p:spPr>
+          <a:xfrm flipH="1" flipV="1">
+            <a:off x="5149334" y="5154648"/>
+            <a:ext cx="627480" cy="328284"/>
+          </a:xfrm>
+          <a:prstGeom prst="straightConnector1">
+            <a:avLst/>
+          </a:prstGeom>
+          <a:ln w="31750">
+            <a:solidFill>
+              <a:schemeClr val="tx1">
+                <a:lumMod val="85000"/>
+                <a:lumOff val="15000"/>
+              </a:schemeClr>
+            </a:solidFill>
+            <a:tailEnd type="triangle"/>
+          </a:ln>
+        </p:spPr>
+        <p:style>
+          <a:lnRef idx="1">
+            <a:schemeClr val="accent1"/>
+          </a:lnRef>
+          <a:fillRef idx="0">
+            <a:schemeClr val="accent1"/>
+          </a:fillRef>
+          <a:effectRef idx="0">
+            <a:schemeClr val="accent1"/>
+          </a:effectRef>
+          <a:fontRef idx="minor">
+            <a:schemeClr val="tx1"/>
+          </a:fontRef>
+        </p:style>
+      </p:cxnSp>
+      <p:sp>
+        <p:nvSpPr>
+          <p:cNvPr id="53" name="圆角矩形 52"/>
+          <p:cNvSpPr/>
+          <p:nvPr/>
+        </p:nvSpPr>
+        <p:spPr>
+          <a:xfrm>
+            <a:off x="4050654" y="5482932"/>
+            <a:ext cx="906624" cy="391886"/>
+          </a:xfrm>
+          <a:prstGeom prst="roundRect">
+            <a:avLst/>
+          </a:prstGeom>
+          <a:solidFill>
+            <a:schemeClr val="bg1">
+              <a:lumMod val="65000"/>
+            </a:schemeClr>
+          </a:solidFill>
+          <a:ln w="22225">
+            <a:solidFill>
+              <a:schemeClr val="tx1">
+                <a:lumMod val="75000"/>
+                <a:lumOff val="25000"/>
+              </a:schemeClr>
+            </a:solidFill>
+          </a:ln>
+        </p:spPr>
+        <p:style>
+          <a:lnRef idx="2">
+            <a:schemeClr val="accent1">
+              <a:shade val="50000"/>
+            </a:schemeClr>
+          </a:lnRef>
+          <a:fillRef idx="1">
+            <a:schemeClr val="accent1"/>
+          </a:fillRef>
+          <a:effectRef idx="0">
+            <a:schemeClr val="accent1"/>
+          </a:effectRef>
+          <a:fontRef idx="minor">
+            <a:schemeClr val="lt1"/>
+          </a:fontRef>
+        </p:style>
+        <p:txBody>
+          <a:bodyPr rtlCol="0" anchor="ctr"/>
+          <a:lstStyle/>
+          <a:p>
+            <a:pPr algn="ctr"/>
+            <a:r>
+              <a:rPr lang="en-US" altLang="zh-CN" sz="1200" smtClean="0">
+                <a:solidFill>
+                  <a:schemeClr val="tx1"/>
+                </a:solidFill>
+              </a:rPr>
+              <a:t>Scan1(split)</a:t>
+            </a:r>
+            <a:endParaRPr lang="zh-CN" altLang="en-US" sz="1200">
+              <a:solidFill>
+                <a:schemeClr val="tx1"/>
+              </a:solidFill>
+            </a:endParaRPr>
+          </a:p>
+        </p:txBody>
+      </p:sp>
+      <p:cxnSp>
+        <p:nvCxnSpPr>
+          <p:cNvPr id="54" name="直接箭头连接符 53"/>
+          <p:cNvCxnSpPr>
+            <a:stCxn id="37" idx="0"/>
+            <a:endCxn id="45" idx="2"/>
+          </p:cNvCxnSpPr>
+          <p:nvPr/>
+        </p:nvCxnSpPr>
+        <p:spPr>
+          <a:xfrm flipV="1">
+            <a:off x="2678673" y="4422426"/>
+            <a:ext cx="1215693" cy="340336"/>
+          </a:xfrm>
+          <a:prstGeom prst="straightConnector1">
+            <a:avLst/>
+          </a:prstGeom>
+          <a:ln w="31750">
+            <a:solidFill>
+              <a:schemeClr val="tx1">
+                <a:lumMod val="85000"/>
+                <a:lumOff val="15000"/>
+              </a:schemeClr>
+            </a:solidFill>
+            <a:tailEnd type="triangle"/>
+          </a:ln>
+        </p:spPr>
+        <p:style>
+          <a:lnRef idx="1">
+            <a:schemeClr val="accent1"/>
+          </a:lnRef>
+          <a:fillRef idx="0">
+            <a:schemeClr val="accent1"/>
+          </a:fillRef>
+          <a:effectRef idx="0">
+            <a:schemeClr val="accent1"/>
+          </a:effectRef>
+          <a:fontRef idx="minor">
+            <a:schemeClr val="tx1"/>
+          </a:fontRef>
+        </p:style>
+      </p:cxnSp>
+      <p:cxnSp>
+        <p:nvCxnSpPr>
+          <p:cNvPr id="57" name="直接箭头连接符 56"/>
+          <p:cNvCxnSpPr>
+            <a:stCxn id="49" idx="0"/>
+            <a:endCxn id="45" idx="2"/>
+          </p:cNvCxnSpPr>
+          <p:nvPr/>
+        </p:nvCxnSpPr>
+        <p:spPr>
+          <a:xfrm flipH="1" flipV="1">
+            <a:off x="3894366" y="4422426"/>
+            <a:ext cx="1254968" cy="340336"/>
+          </a:xfrm>
+          <a:prstGeom prst="straightConnector1">
+            <a:avLst/>
+          </a:prstGeom>
+          <a:ln w="31750">
+            <a:solidFill>
+              <a:schemeClr val="tx1">
+                <a:lumMod val="85000"/>
+                <a:lumOff val="15000"/>
+              </a:schemeClr>
+            </a:solidFill>
+            <a:tailEnd type="triangle"/>
+          </a:ln>
+        </p:spPr>
+        <p:style>
+          <a:lnRef idx="1">
+            <a:schemeClr val="accent1"/>
+          </a:lnRef>
+          <a:fillRef idx="0">
+            <a:schemeClr val="accent1"/>
+          </a:fillRef>
+          <a:effectRef idx="0">
+            <a:schemeClr val="accent1"/>
+          </a:effectRef>
+          <a:fontRef idx="minor">
+            <a:schemeClr val="tx1"/>
+          </a:fontRef>
+        </p:style>
+      </p:cxnSp>
+      <p:sp>
+        <p:nvSpPr>
+          <p:cNvPr id="60" name="圆角矩形 59"/>
+          <p:cNvSpPr/>
+          <p:nvPr/>
+        </p:nvSpPr>
+        <p:spPr>
+          <a:xfrm>
+            <a:off x="489309" y="4787945"/>
+            <a:ext cx="1041118" cy="530845"/>
+          </a:xfrm>
+          <a:prstGeom prst="roundRect">
+            <a:avLst/>
+          </a:prstGeom>
+          <a:solidFill>
+            <a:schemeClr val="accent3">
+              <a:lumMod val="40000"/>
+              <a:lumOff val="60000"/>
+            </a:schemeClr>
+          </a:solidFill>
+          <a:ln w="22225">
+            <a:solidFill>
+              <a:schemeClr val="tx1">
+                <a:lumMod val="75000"/>
+                <a:lumOff val="25000"/>
+              </a:schemeClr>
+            </a:solidFill>
+          </a:ln>
+        </p:spPr>
+        <p:style>
+          <a:lnRef idx="2">
+            <a:schemeClr val="accent1">
+              <a:shade val="50000"/>
+            </a:schemeClr>
+          </a:lnRef>
+          <a:fillRef idx="1">
+            <a:schemeClr val="accent1"/>
+          </a:fillRef>
+          <a:effectRef idx="0">
+            <a:schemeClr val="accent1"/>
+          </a:effectRef>
+          <a:fontRef idx="minor">
+            <a:schemeClr val="lt1"/>
+          </a:fontRef>
+        </p:style>
+        <p:txBody>
+          <a:bodyPr rtlCol="0" anchor="ctr"/>
+          <a:lstStyle/>
+          <a:p>
+            <a:pPr algn="ctr"/>
+            <a:r>
+              <a:rPr lang="en-US" altLang="zh-CN" sz="1200" smtClean="0">
+                <a:solidFill>
+                  <a:schemeClr val="tx1"/>
+                </a:solidFill>
+              </a:rPr>
+              <a:t>Concurrent Hash Table</a:t>
+            </a:r>
+            <a:endParaRPr lang="zh-CN" altLang="en-US" sz="1200">
+              <a:solidFill>
+                <a:schemeClr val="tx1"/>
+              </a:solidFill>
+            </a:endParaRPr>
+          </a:p>
+        </p:txBody>
+      </p:sp>
+      <p:cxnSp>
+        <p:nvCxnSpPr>
+          <p:cNvPr id="64" name="直接箭头连接符 16"/>
+          <p:cNvCxnSpPr>
+            <a:stCxn id="37" idx="0"/>
+            <a:endCxn id="60" idx="0"/>
+          </p:cNvCxnSpPr>
+          <p:nvPr/>
+        </p:nvCxnSpPr>
+        <p:spPr>
+          <a:xfrm rot="16200000" flipH="1" flipV="1">
+            <a:off x="1831679" y="3940950"/>
+            <a:ext cx="25183" cy="1668805"/>
+          </a:xfrm>
+          <a:prstGeom prst="curvedConnector3">
+            <a:avLst>
+              <a:gd name="adj1" fmla="val -907755"/>
+            </a:avLst>
+          </a:prstGeom>
+          <a:ln w="19050">
+            <a:solidFill>
+              <a:schemeClr val="accent5">
+                <a:lumMod val="75000"/>
+              </a:schemeClr>
+            </a:solidFill>
+            <a:prstDash val="sysDash"/>
+            <a:tailEnd type="triangle"/>
+          </a:ln>
+        </p:spPr>
+        <p:style>
+          <a:lnRef idx="1">
+            <a:schemeClr val="accent1"/>
+          </a:lnRef>
+          <a:fillRef idx="0">
+            <a:schemeClr val="accent1"/>
+          </a:fillRef>
+          <a:effectRef idx="0">
+            <a:schemeClr val="accent1"/>
+          </a:effectRef>
+          <a:fontRef idx="minor">
+            <a:schemeClr val="tx1"/>
+          </a:fontRef>
+        </p:style>
+      </p:cxnSp>
+      <p:cxnSp>
+        <p:nvCxnSpPr>
+          <p:cNvPr id="67" name="直接箭头连接符 16"/>
+          <p:cNvCxnSpPr>
+            <a:stCxn id="49" idx="0"/>
+            <a:endCxn id="60" idx="0"/>
+          </p:cNvCxnSpPr>
+          <p:nvPr/>
+        </p:nvCxnSpPr>
+        <p:spPr>
+          <a:xfrm rot="16200000" flipH="1" flipV="1">
+            <a:off x="3067009" y="2705620"/>
+            <a:ext cx="25183" cy="4139466"/>
+          </a:xfrm>
+          <a:prstGeom prst="curvedConnector3">
+            <a:avLst>
+              <a:gd name="adj1" fmla="val -907755"/>
+            </a:avLst>
+          </a:prstGeom>
+          <a:ln w="19050">
+            <a:solidFill>
+              <a:schemeClr val="accent5">
+                <a:lumMod val="75000"/>
+              </a:schemeClr>
+            </a:solidFill>
+            <a:prstDash val="sysDash"/>
+            <a:tailEnd type="triangle"/>
+          </a:ln>
+        </p:spPr>
+        <p:style>
+          <a:lnRef idx="1">
+            <a:schemeClr val="accent1"/>
+          </a:lnRef>
+          <a:fillRef idx="0">
+            <a:schemeClr val="accent1"/>
+          </a:fillRef>
+          <a:effectRef idx="0">
+            <a:schemeClr val="accent1"/>
+          </a:effectRef>
+          <a:fontRef idx="minor">
+            <a:schemeClr val="tx1"/>
+          </a:fontRef>
+        </p:style>
+      </p:cxnSp>
+      <p:cxnSp>
+        <p:nvCxnSpPr>
+          <p:cNvPr id="129" name="直接箭头连接符 128"/>
+          <p:cNvCxnSpPr>
+            <a:stCxn id="32" idx="0"/>
+            <a:endCxn id="28" idx="2"/>
+          </p:cNvCxnSpPr>
+          <p:nvPr/>
+        </p:nvCxnSpPr>
+        <p:spPr>
+          <a:xfrm flipV="1">
+            <a:off x="6855268" y="2646941"/>
+            <a:ext cx="0" cy="346904"/>
+          </a:xfrm>
+          <a:prstGeom prst="straightConnector1">
+            <a:avLst/>
+          </a:prstGeom>
+          <a:ln w="31750">
+            <a:solidFill>
+              <a:schemeClr val="tx1">
+                <a:lumMod val="85000"/>
+                <a:lumOff val="15000"/>
+              </a:schemeClr>
+            </a:solidFill>
+            <a:tailEnd type="triangle"/>
+          </a:ln>
+        </p:spPr>
+        <p:style>
+          <a:lnRef idx="1">
+            <a:schemeClr val="accent1"/>
+          </a:lnRef>
+          <a:fillRef idx="0">
+            <a:schemeClr val="accent1"/>
+          </a:fillRef>
+          <a:effectRef idx="0">
+            <a:schemeClr val="accent1"/>
+          </a:effectRef>
+          <a:fontRef idx="minor">
+            <a:schemeClr val="tx1"/>
+          </a:fontRef>
+        </p:style>
+      </p:cxnSp>
+    </p:spTree>
+    <p:extLst>
+      <p:ext uri="{BB962C8B-B14F-4D97-AF65-F5344CB8AC3E}">
+        <p14:creationId xmlns:p14="http://schemas.microsoft.com/office/powerpoint/2010/main" val="4106775679"/>
+      </p:ext>
+    </p:extLst>
+  </p:cSld>
+  <p:clrMapOvr>
+    <a:masterClrMapping/>
+  </p:clrMapOvr>
+</p:sld>
+</file>
+
+<file path=ppt/slides/slide24.xml><?xml version="1.0" encoding="utf-8"?>
+<p:sld xmlns:a="http://schemas.openxmlformats.org/drawingml/2006/main" xmlns:r="http://schemas.openxmlformats.org/officeDocument/2006/relationships" xmlns:p="http://schemas.openxmlformats.org/presentationml/2006/main">
+  <p:cSld>
+    <p:spTree>
+      <p:nvGrpSpPr>
+        <p:cNvPr id="1" name=""/>
+        <p:cNvGrpSpPr/>
+        <p:nvPr/>
+      </p:nvGrpSpPr>
+      <p:grpSpPr>
+        <a:xfrm>
+          <a:off x="0" y="0"/>
+          <a:ext cx="0" cy="0"/>
+          <a:chOff x="0" y="0"/>
+          <a:chExt cx="0" cy="0"/>
+        </a:xfrm>
+      </p:grpSpPr>
+      <p:sp>
+        <p:nvSpPr>
+          <p:cNvPr id="2" name="标题 1"/>
+          <p:cNvSpPr>
+            <a:spLocks noGrp="1"/>
+          </p:cNvSpPr>
+          <p:nvPr>
+            <p:ph type="title"/>
+          </p:nvPr>
+        </p:nvSpPr>
+        <p:spPr/>
+        <p:txBody>
+          <a:bodyPr/>
+          <a:lstStyle/>
+          <a:p>
+            <a:r>
+              <a:rPr lang="en-US" altLang="zh-CN" smtClean="0"/>
+              <a:t>Multi-join parallelization</a:t>
+            </a:r>
+            <a:endParaRPr lang="zh-CN" altLang="en-US"/>
+          </a:p>
+        </p:txBody>
+      </p:sp>
+      <p:sp>
+        <p:nvSpPr>
+          <p:cNvPr id="4" name="圆角矩形 3"/>
+          <p:cNvSpPr/>
+          <p:nvPr/>
+        </p:nvSpPr>
+        <p:spPr>
+          <a:xfrm>
+            <a:off x="1975360" y="4982189"/>
+            <a:ext cx="906624" cy="391886"/>
+          </a:xfrm>
+          <a:prstGeom prst="roundRect">
+            <a:avLst/>
+          </a:prstGeom>
+          <a:solidFill>
+            <a:schemeClr val="bg1">
+              <a:lumMod val="65000"/>
+            </a:schemeClr>
+          </a:solidFill>
+          <a:ln w="22225">
+            <a:solidFill>
+              <a:schemeClr val="tx1">
+                <a:lumMod val="75000"/>
+                <a:lumOff val="25000"/>
+              </a:schemeClr>
+            </a:solidFill>
+          </a:ln>
+        </p:spPr>
+        <p:style>
+          <a:lnRef idx="2">
+            <a:schemeClr val="accent1">
+              <a:shade val="50000"/>
+            </a:schemeClr>
+          </a:lnRef>
+          <a:fillRef idx="1">
+            <a:schemeClr val="accent1"/>
+          </a:fillRef>
+          <a:effectRef idx="0">
+            <a:schemeClr val="accent1"/>
+          </a:effectRef>
+          <a:fontRef idx="minor">
+            <a:schemeClr val="lt1"/>
+          </a:fontRef>
+        </p:style>
+        <p:txBody>
+          <a:bodyPr rtlCol="0" anchor="ctr"/>
+          <a:lstStyle/>
+          <a:p>
+            <a:pPr algn="ctr"/>
+            <a:r>
+              <a:rPr lang="en-US" altLang="zh-CN" smtClean="0">
+                <a:solidFill>
+                  <a:schemeClr val="tx1"/>
+                </a:solidFill>
+              </a:rPr>
+              <a:t>join</a:t>
+            </a:r>
+            <a:endParaRPr lang="zh-CN" altLang="en-US">
+              <a:solidFill>
+                <a:schemeClr val="tx1"/>
+              </a:solidFill>
+            </a:endParaRPr>
+          </a:p>
+        </p:txBody>
+      </p:sp>
+      <p:sp>
+        <p:nvSpPr>
+          <p:cNvPr id="5" name="圆角矩形 4"/>
+          <p:cNvSpPr/>
+          <p:nvPr/>
+        </p:nvSpPr>
+        <p:spPr>
+          <a:xfrm>
+            <a:off x="2602840" y="5702359"/>
+            <a:ext cx="906624" cy="391886"/>
+          </a:xfrm>
+          <a:prstGeom prst="roundRect">
+            <a:avLst/>
+          </a:prstGeom>
+          <a:solidFill>
+            <a:schemeClr val="bg1">
+              <a:lumMod val="65000"/>
+            </a:schemeClr>
+          </a:solidFill>
+          <a:ln w="22225">
+            <a:solidFill>
+              <a:schemeClr val="tx1">
+                <a:lumMod val="75000"/>
+                <a:lumOff val="25000"/>
+              </a:schemeClr>
+            </a:solidFill>
+          </a:ln>
+        </p:spPr>
+        <p:style>
+          <a:lnRef idx="2">
+            <a:schemeClr val="accent1">
+              <a:shade val="50000"/>
+            </a:schemeClr>
+          </a:lnRef>
+          <a:fillRef idx="1">
+            <a:schemeClr val="accent1"/>
+          </a:fillRef>
+          <a:effectRef idx="0">
+            <a:schemeClr val="accent1"/>
+          </a:effectRef>
+          <a:fontRef idx="minor">
+            <a:schemeClr val="lt1"/>
+          </a:fontRef>
+        </p:style>
+        <p:txBody>
+          <a:bodyPr rtlCol="0" anchor="ctr"/>
+          <a:lstStyle/>
+          <a:p>
+            <a:pPr algn="ctr"/>
+            <a:r>
+              <a:rPr lang="en-US" altLang="zh-CN" sz="1200">
+                <a:solidFill>
+                  <a:schemeClr val="tx1"/>
+                </a:solidFill>
+              </a:rPr>
+              <a:t>scan</a:t>
+            </a:r>
+            <a:r>
+              <a:rPr lang="en-US" altLang="zh-CN" sz="1200" smtClean="0">
+                <a:solidFill>
+                  <a:schemeClr val="tx1"/>
+                </a:solidFill>
+              </a:rPr>
+              <a:t>2(split)</a:t>
+            </a:r>
+            <a:endParaRPr lang="zh-CN" altLang="en-US" sz="1200">
+              <a:solidFill>
+                <a:schemeClr val="tx1"/>
+              </a:solidFill>
+            </a:endParaRPr>
+          </a:p>
+        </p:txBody>
+      </p:sp>
+      <p:cxnSp>
+        <p:nvCxnSpPr>
+          <p:cNvPr id="6" name="直接箭头连接符 5"/>
+          <p:cNvCxnSpPr>
+            <a:stCxn id="9" idx="0"/>
+            <a:endCxn id="4" idx="2"/>
+          </p:cNvCxnSpPr>
+          <p:nvPr/>
+        </p:nvCxnSpPr>
+        <p:spPr>
+          <a:xfrm flipV="1">
+            <a:off x="1783304" y="5374075"/>
+            <a:ext cx="645368" cy="328284"/>
+          </a:xfrm>
+          <a:prstGeom prst="straightConnector1">
+            <a:avLst/>
+          </a:prstGeom>
+          <a:ln w="31750">
+            <a:solidFill>
+              <a:schemeClr val="tx1">
+                <a:lumMod val="85000"/>
+                <a:lumOff val="15000"/>
+              </a:schemeClr>
+            </a:solidFill>
+            <a:tailEnd type="triangle"/>
+          </a:ln>
+        </p:spPr>
+        <p:style>
+          <a:lnRef idx="1">
+            <a:schemeClr val="accent1"/>
+          </a:lnRef>
+          <a:fillRef idx="0">
+            <a:schemeClr val="accent1"/>
+          </a:fillRef>
+          <a:effectRef idx="0">
+            <a:schemeClr val="accent1"/>
+          </a:effectRef>
+          <a:fontRef idx="minor">
+            <a:schemeClr val="tx1"/>
+          </a:fontRef>
+        </p:style>
+      </p:cxnSp>
+      <p:cxnSp>
+        <p:nvCxnSpPr>
+          <p:cNvPr id="7" name="直接箭头连接符 6"/>
+          <p:cNvCxnSpPr>
+            <a:stCxn id="5" idx="0"/>
+            <a:endCxn id="4" idx="2"/>
+          </p:cNvCxnSpPr>
+          <p:nvPr/>
+        </p:nvCxnSpPr>
+        <p:spPr>
+          <a:xfrm flipH="1" flipV="1">
+            <a:off x="2428672" y="5374075"/>
+            <a:ext cx="627480" cy="328284"/>
+          </a:xfrm>
+          <a:prstGeom prst="straightConnector1">
+            <a:avLst/>
+          </a:prstGeom>
+          <a:ln w="31750">
+            <a:solidFill>
+              <a:schemeClr val="tx1">
+                <a:lumMod val="85000"/>
+                <a:lumOff val="15000"/>
+              </a:schemeClr>
+            </a:solidFill>
+            <a:tailEnd type="triangle"/>
+          </a:ln>
+        </p:spPr>
+        <p:style>
+          <a:lnRef idx="1">
+            <a:schemeClr val="accent1"/>
+          </a:lnRef>
+          <a:fillRef idx="0">
+            <a:schemeClr val="accent1"/>
+          </a:fillRef>
+          <a:effectRef idx="0">
+            <a:schemeClr val="accent1"/>
+          </a:effectRef>
+          <a:fontRef idx="minor">
+            <a:schemeClr val="tx1"/>
+          </a:fontRef>
+        </p:style>
+      </p:cxnSp>
+      <p:sp>
+        <p:nvSpPr>
+          <p:cNvPr id="8" name="圆角矩形 7"/>
+          <p:cNvSpPr/>
+          <p:nvPr/>
+        </p:nvSpPr>
+        <p:spPr>
+          <a:xfrm>
+            <a:off x="3191053" y="4249967"/>
+            <a:ext cx="906624" cy="391886"/>
+          </a:xfrm>
+          <a:prstGeom prst="roundRect">
+            <a:avLst/>
+          </a:prstGeom>
+          <a:solidFill>
+            <a:schemeClr val="bg1">
+              <a:lumMod val="65000"/>
+            </a:schemeClr>
+          </a:solidFill>
+          <a:ln w="22225">
+            <a:solidFill>
+              <a:schemeClr val="tx1">
+                <a:lumMod val="75000"/>
+                <a:lumOff val="25000"/>
+              </a:schemeClr>
+            </a:solidFill>
+          </a:ln>
+        </p:spPr>
+        <p:style>
+          <a:lnRef idx="2">
+            <a:schemeClr val="accent1">
+              <a:shade val="50000"/>
+            </a:schemeClr>
+          </a:lnRef>
+          <a:fillRef idx="1">
+            <a:schemeClr val="accent1"/>
+          </a:fillRef>
+          <a:effectRef idx="0">
+            <a:schemeClr val="accent1"/>
+          </a:effectRef>
+          <a:fontRef idx="minor">
+            <a:schemeClr val="lt1"/>
+          </a:fontRef>
+        </p:style>
+        <p:txBody>
+          <a:bodyPr rtlCol="0" anchor="ctr"/>
+          <a:lstStyle/>
+          <a:p>
+            <a:pPr algn="ctr"/>
+            <a:r>
+              <a:rPr lang="en-US" altLang="zh-CN" sz="1200" smtClean="0">
+                <a:solidFill>
+                  <a:schemeClr val="tx1"/>
+                </a:solidFill>
+              </a:rPr>
+              <a:t>broadcast</a:t>
+            </a:r>
+            <a:endParaRPr lang="zh-CN" altLang="en-US" sz="1200">
+              <a:solidFill>
+                <a:schemeClr val="tx1"/>
+              </a:solidFill>
+            </a:endParaRPr>
+          </a:p>
+        </p:txBody>
+      </p:sp>
+      <p:sp>
+        <p:nvSpPr>
+          <p:cNvPr id="9" name="圆角矩形 8"/>
+          <p:cNvSpPr/>
+          <p:nvPr/>
+        </p:nvSpPr>
+        <p:spPr>
+          <a:xfrm>
+            <a:off x="1329992" y="5702359"/>
+            <a:ext cx="906624" cy="391886"/>
+          </a:xfrm>
+          <a:prstGeom prst="roundRect">
+            <a:avLst/>
+          </a:prstGeom>
+          <a:solidFill>
+            <a:schemeClr val="bg1">
+              <a:lumMod val="65000"/>
+            </a:schemeClr>
+          </a:solidFill>
+          <a:ln w="22225">
+            <a:solidFill>
+              <a:schemeClr val="tx1">
+                <a:lumMod val="75000"/>
+                <a:lumOff val="25000"/>
+              </a:schemeClr>
+            </a:solidFill>
+          </a:ln>
+        </p:spPr>
+        <p:style>
+          <a:lnRef idx="2">
+            <a:schemeClr val="accent1">
+              <a:shade val="50000"/>
+            </a:schemeClr>
+          </a:lnRef>
+          <a:fillRef idx="1">
+            <a:schemeClr val="accent1"/>
+          </a:fillRef>
+          <a:effectRef idx="0">
+            <a:schemeClr val="accent1"/>
+          </a:effectRef>
+          <a:fontRef idx="minor">
+            <a:schemeClr val="lt1"/>
+          </a:fontRef>
+        </p:style>
+        <p:txBody>
+          <a:bodyPr rtlCol="0" anchor="ctr"/>
+          <a:lstStyle/>
+          <a:p>
+            <a:pPr algn="ctr"/>
+            <a:r>
+              <a:rPr lang="en-US" altLang="zh-CN" sz="1200" smtClean="0">
+                <a:solidFill>
+                  <a:schemeClr val="tx1"/>
+                </a:solidFill>
+              </a:rPr>
+              <a:t>scan1</a:t>
+            </a:r>
+            <a:endParaRPr lang="zh-CN" altLang="en-US" sz="1200">
+              <a:solidFill>
+                <a:schemeClr val="tx1"/>
+              </a:solidFill>
+            </a:endParaRPr>
+          </a:p>
+        </p:txBody>
+      </p:sp>
+      <p:sp>
+        <p:nvSpPr>
+          <p:cNvPr id="10" name="圆角矩形 9"/>
+          <p:cNvSpPr/>
+          <p:nvPr/>
+        </p:nvSpPr>
+        <p:spPr>
+          <a:xfrm>
+            <a:off x="4446021" y="4982189"/>
+            <a:ext cx="906624" cy="391886"/>
+          </a:xfrm>
+          <a:prstGeom prst="roundRect">
+            <a:avLst/>
+          </a:prstGeom>
+          <a:solidFill>
+            <a:schemeClr val="bg1">
+              <a:lumMod val="65000"/>
+            </a:schemeClr>
+          </a:solidFill>
+          <a:ln w="22225">
+            <a:solidFill>
+              <a:schemeClr val="tx1">
+                <a:lumMod val="75000"/>
+                <a:lumOff val="25000"/>
+              </a:schemeClr>
+            </a:solidFill>
+          </a:ln>
+        </p:spPr>
+        <p:style>
+          <a:lnRef idx="2">
+            <a:schemeClr val="accent1">
+              <a:shade val="50000"/>
+            </a:schemeClr>
+          </a:lnRef>
+          <a:fillRef idx="1">
+            <a:schemeClr val="accent1"/>
+          </a:fillRef>
+          <a:effectRef idx="0">
+            <a:schemeClr val="accent1"/>
+          </a:effectRef>
+          <a:fontRef idx="minor">
+            <a:schemeClr val="lt1"/>
+          </a:fontRef>
+        </p:style>
+        <p:txBody>
+          <a:bodyPr rtlCol="0" anchor="ctr"/>
+          <a:lstStyle/>
+          <a:p>
+            <a:pPr algn="ctr"/>
+            <a:r>
+              <a:rPr lang="en-US" altLang="zh-CN" smtClean="0">
+                <a:solidFill>
+                  <a:schemeClr val="tx1"/>
+                </a:solidFill>
+              </a:rPr>
+              <a:t>join</a:t>
+            </a:r>
+            <a:endParaRPr lang="zh-CN" altLang="en-US">
+              <a:solidFill>
+                <a:schemeClr val="tx1"/>
+              </a:solidFill>
+            </a:endParaRPr>
+          </a:p>
+        </p:txBody>
+      </p:sp>
+      <p:sp>
+        <p:nvSpPr>
+          <p:cNvPr id="11" name="圆角矩形 10"/>
+          <p:cNvSpPr/>
+          <p:nvPr/>
+        </p:nvSpPr>
+        <p:spPr>
+          <a:xfrm>
+            <a:off x="5073501" y="5702359"/>
+            <a:ext cx="906624" cy="391886"/>
+          </a:xfrm>
+          <a:prstGeom prst="roundRect">
+            <a:avLst/>
+          </a:prstGeom>
+          <a:solidFill>
+            <a:schemeClr val="bg1">
+              <a:lumMod val="65000"/>
+            </a:schemeClr>
+          </a:solidFill>
+          <a:ln w="22225">
+            <a:solidFill>
+              <a:schemeClr val="tx1">
+                <a:lumMod val="75000"/>
+                <a:lumOff val="25000"/>
+              </a:schemeClr>
+            </a:solidFill>
+          </a:ln>
+        </p:spPr>
+        <p:style>
+          <a:lnRef idx="2">
+            <a:schemeClr val="accent1">
+              <a:shade val="50000"/>
+            </a:schemeClr>
+          </a:lnRef>
+          <a:fillRef idx="1">
+            <a:schemeClr val="accent1"/>
+          </a:fillRef>
+          <a:effectRef idx="0">
+            <a:schemeClr val="accent1"/>
+          </a:effectRef>
+          <a:fontRef idx="minor">
+            <a:schemeClr val="lt1"/>
+          </a:fontRef>
+        </p:style>
+        <p:txBody>
+          <a:bodyPr rtlCol="0" anchor="ctr"/>
+          <a:lstStyle/>
+          <a:p>
+            <a:pPr algn="ctr"/>
+            <a:r>
+              <a:rPr lang="en-US" altLang="zh-CN" sz="1200">
+                <a:solidFill>
+                  <a:schemeClr val="tx1"/>
+                </a:solidFill>
+              </a:rPr>
+              <a:t>scan</a:t>
+            </a:r>
+            <a:r>
+              <a:rPr lang="en-US" altLang="zh-CN" sz="1200" smtClean="0">
+                <a:solidFill>
+                  <a:schemeClr val="tx1"/>
+                </a:solidFill>
+              </a:rPr>
+              <a:t>2(split)</a:t>
+            </a:r>
+            <a:endParaRPr lang="zh-CN" altLang="en-US" sz="1200">
+              <a:solidFill>
+                <a:schemeClr val="tx1"/>
+              </a:solidFill>
+            </a:endParaRPr>
+          </a:p>
+        </p:txBody>
+      </p:sp>
+      <p:cxnSp>
+        <p:nvCxnSpPr>
+          <p:cNvPr id="12" name="直接箭头连接符 11"/>
+          <p:cNvCxnSpPr>
+            <a:stCxn id="14" idx="0"/>
+            <a:endCxn id="10" idx="2"/>
+          </p:cNvCxnSpPr>
+          <p:nvPr/>
+        </p:nvCxnSpPr>
+        <p:spPr>
+          <a:xfrm flipV="1">
+            <a:off x="4253965" y="5374075"/>
+            <a:ext cx="645368" cy="328284"/>
+          </a:xfrm>
+          <a:prstGeom prst="straightConnector1">
+            <a:avLst/>
+          </a:prstGeom>
+          <a:ln w="31750">
+            <a:solidFill>
+              <a:schemeClr val="tx1">
+                <a:lumMod val="85000"/>
+                <a:lumOff val="15000"/>
+              </a:schemeClr>
+            </a:solidFill>
+            <a:tailEnd type="triangle"/>
+          </a:ln>
+        </p:spPr>
+        <p:style>
+          <a:lnRef idx="1">
+            <a:schemeClr val="accent1"/>
+          </a:lnRef>
+          <a:fillRef idx="0">
+            <a:schemeClr val="accent1"/>
+          </a:fillRef>
+          <a:effectRef idx="0">
+            <a:schemeClr val="accent1"/>
+          </a:effectRef>
+          <a:fontRef idx="minor">
+            <a:schemeClr val="tx1"/>
+          </a:fontRef>
+        </p:style>
+      </p:cxnSp>
+      <p:cxnSp>
+        <p:nvCxnSpPr>
+          <p:cNvPr id="13" name="直接箭头连接符 12"/>
+          <p:cNvCxnSpPr>
+            <a:stCxn id="11" idx="0"/>
+            <a:endCxn id="10" idx="2"/>
+          </p:cNvCxnSpPr>
+          <p:nvPr/>
+        </p:nvCxnSpPr>
+        <p:spPr>
+          <a:xfrm flipH="1" flipV="1">
+            <a:off x="4899333" y="5374075"/>
+            <a:ext cx="627480" cy="328284"/>
+          </a:xfrm>
+          <a:prstGeom prst="straightConnector1">
+            <a:avLst/>
+          </a:prstGeom>
+          <a:ln w="31750">
+            <a:solidFill>
+              <a:schemeClr val="tx1">
+                <a:lumMod val="85000"/>
+                <a:lumOff val="15000"/>
+              </a:schemeClr>
+            </a:solidFill>
+            <a:tailEnd type="triangle"/>
+          </a:ln>
+        </p:spPr>
+        <p:style>
+          <a:lnRef idx="1">
+            <a:schemeClr val="accent1"/>
+          </a:lnRef>
+          <a:fillRef idx="0">
+            <a:schemeClr val="accent1"/>
+          </a:fillRef>
+          <a:effectRef idx="0">
+            <a:schemeClr val="accent1"/>
+          </a:effectRef>
+          <a:fontRef idx="minor">
+            <a:schemeClr val="tx1"/>
+          </a:fontRef>
+        </p:style>
+      </p:cxnSp>
+      <p:sp>
+        <p:nvSpPr>
+          <p:cNvPr id="14" name="圆角矩形 13"/>
+          <p:cNvSpPr/>
+          <p:nvPr/>
+        </p:nvSpPr>
+        <p:spPr>
+          <a:xfrm>
+            <a:off x="3800653" y="5702359"/>
+            <a:ext cx="906624" cy="391886"/>
+          </a:xfrm>
+          <a:prstGeom prst="roundRect">
+            <a:avLst/>
+          </a:prstGeom>
+          <a:solidFill>
+            <a:schemeClr val="bg1">
+              <a:lumMod val="65000"/>
+            </a:schemeClr>
+          </a:solidFill>
+          <a:ln w="22225">
+            <a:solidFill>
+              <a:schemeClr val="tx1">
+                <a:lumMod val="75000"/>
+                <a:lumOff val="25000"/>
+              </a:schemeClr>
+            </a:solidFill>
+          </a:ln>
+        </p:spPr>
+        <p:style>
+          <a:lnRef idx="2">
+            <a:schemeClr val="accent1">
+              <a:shade val="50000"/>
+            </a:schemeClr>
+          </a:lnRef>
+          <a:fillRef idx="1">
+            <a:schemeClr val="accent1"/>
+          </a:fillRef>
+          <a:effectRef idx="0">
+            <a:schemeClr val="accent1"/>
+          </a:effectRef>
+          <a:fontRef idx="minor">
+            <a:schemeClr val="lt1"/>
+          </a:fontRef>
+        </p:style>
+        <p:txBody>
+          <a:bodyPr rtlCol="0" anchor="ctr"/>
+          <a:lstStyle/>
+          <a:p>
+            <a:pPr algn="ctr"/>
+            <a:r>
+              <a:rPr lang="en-US" altLang="zh-CN" sz="1200">
+                <a:solidFill>
+                  <a:schemeClr val="tx1"/>
+                </a:solidFill>
+              </a:rPr>
+              <a:t>scan</a:t>
+            </a:r>
+            <a:r>
+              <a:rPr lang="en-US" altLang="zh-CN" sz="1200" smtClean="0">
+                <a:solidFill>
+                  <a:schemeClr val="tx1"/>
+                </a:solidFill>
+              </a:rPr>
+              <a:t>1</a:t>
+            </a:r>
+            <a:endParaRPr lang="zh-CN" altLang="en-US" sz="1200">
+              <a:solidFill>
+                <a:schemeClr val="tx1"/>
+              </a:solidFill>
+            </a:endParaRPr>
+          </a:p>
+        </p:txBody>
+      </p:sp>
+      <p:cxnSp>
+        <p:nvCxnSpPr>
+          <p:cNvPr id="15" name="直接箭头连接符 14"/>
+          <p:cNvCxnSpPr>
+            <a:stCxn id="4" idx="0"/>
+            <a:endCxn id="8" idx="2"/>
+          </p:cNvCxnSpPr>
+          <p:nvPr/>
+        </p:nvCxnSpPr>
+        <p:spPr>
+          <a:xfrm flipV="1">
+            <a:off x="2428672" y="4641853"/>
+            <a:ext cx="1215693" cy="340336"/>
+          </a:xfrm>
+          <a:prstGeom prst="straightConnector1">
+            <a:avLst/>
+          </a:prstGeom>
+          <a:ln w="31750">
+            <a:solidFill>
+              <a:schemeClr val="tx1">
+                <a:lumMod val="85000"/>
+                <a:lumOff val="15000"/>
+              </a:schemeClr>
+            </a:solidFill>
+            <a:tailEnd type="triangle"/>
+          </a:ln>
+        </p:spPr>
+        <p:style>
+          <a:lnRef idx="1">
+            <a:schemeClr val="accent1"/>
+          </a:lnRef>
+          <a:fillRef idx="0">
+            <a:schemeClr val="accent1"/>
+          </a:fillRef>
+          <a:effectRef idx="0">
+            <a:schemeClr val="accent1"/>
+          </a:effectRef>
+          <a:fontRef idx="minor">
+            <a:schemeClr val="tx1"/>
+          </a:fontRef>
+        </p:style>
+      </p:cxnSp>
+      <p:cxnSp>
+        <p:nvCxnSpPr>
+          <p:cNvPr id="16" name="直接箭头连接符 15"/>
+          <p:cNvCxnSpPr>
+            <a:stCxn id="10" idx="0"/>
+            <a:endCxn id="8" idx="2"/>
+          </p:cNvCxnSpPr>
+          <p:nvPr/>
+        </p:nvCxnSpPr>
+        <p:spPr>
+          <a:xfrm flipH="1" flipV="1">
+            <a:off x="3644365" y="4641853"/>
+            <a:ext cx="1254968" cy="340336"/>
+          </a:xfrm>
+          <a:prstGeom prst="straightConnector1">
+            <a:avLst/>
+          </a:prstGeom>
+          <a:ln w="31750">
+            <a:solidFill>
+              <a:schemeClr val="tx1">
+                <a:lumMod val="85000"/>
+                <a:lumOff val="15000"/>
+              </a:schemeClr>
+            </a:solidFill>
+            <a:tailEnd type="triangle"/>
+          </a:ln>
+        </p:spPr>
+        <p:style>
+          <a:lnRef idx="1">
+            <a:schemeClr val="accent1"/>
+          </a:lnRef>
+          <a:fillRef idx="0">
+            <a:schemeClr val="accent1"/>
+          </a:fillRef>
+          <a:effectRef idx="0">
+            <a:schemeClr val="accent1"/>
+          </a:effectRef>
+          <a:fontRef idx="minor">
+            <a:schemeClr val="tx1"/>
+          </a:fontRef>
+        </p:style>
+      </p:cxnSp>
+      <p:sp>
+        <p:nvSpPr>
+          <p:cNvPr id="17" name="圆角矩形 16"/>
+          <p:cNvSpPr/>
+          <p:nvPr/>
+        </p:nvSpPr>
+        <p:spPr>
+          <a:xfrm>
+            <a:off x="3140892" y="2756491"/>
+            <a:ext cx="906624" cy="391886"/>
+          </a:xfrm>
+          <a:prstGeom prst="roundRect">
+            <a:avLst/>
+          </a:prstGeom>
+          <a:solidFill>
+            <a:schemeClr val="bg1">
+              <a:lumMod val="65000"/>
+            </a:schemeClr>
+          </a:solidFill>
+          <a:ln w="22225">
+            <a:solidFill>
+              <a:schemeClr val="tx1">
+                <a:lumMod val="75000"/>
+                <a:lumOff val="25000"/>
+              </a:schemeClr>
+            </a:solidFill>
+          </a:ln>
+        </p:spPr>
+        <p:style>
+          <a:lnRef idx="2">
+            <a:schemeClr val="accent1">
+              <a:shade val="50000"/>
+            </a:schemeClr>
+          </a:lnRef>
+          <a:fillRef idx="1">
+            <a:schemeClr val="accent1"/>
+          </a:fillRef>
+          <a:effectRef idx="0">
+            <a:schemeClr val="accent1"/>
+          </a:effectRef>
+          <a:fontRef idx="minor">
+            <a:schemeClr val="lt1"/>
+          </a:fontRef>
+        </p:style>
+        <p:txBody>
+          <a:bodyPr rtlCol="0" anchor="ctr"/>
+          <a:lstStyle/>
+          <a:p>
+            <a:pPr algn="ctr"/>
+            <a:r>
+              <a:rPr lang="en-US" altLang="zh-CN" smtClean="0">
+                <a:solidFill>
+                  <a:schemeClr val="tx1"/>
+                </a:solidFill>
+              </a:rPr>
+              <a:t>join</a:t>
+            </a:r>
+            <a:endParaRPr lang="zh-CN" altLang="en-US">
+              <a:solidFill>
+                <a:schemeClr val="tx1"/>
+              </a:solidFill>
+            </a:endParaRPr>
+          </a:p>
+        </p:txBody>
+      </p:sp>
+      <p:sp>
+        <p:nvSpPr>
+          <p:cNvPr id="18" name="圆角矩形 17"/>
+          <p:cNvSpPr/>
+          <p:nvPr/>
+        </p:nvSpPr>
+        <p:spPr>
+          <a:xfrm>
+            <a:off x="2401438" y="3443731"/>
+            <a:ext cx="906624" cy="391886"/>
+          </a:xfrm>
+          <a:prstGeom prst="roundRect">
+            <a:avLst/>
+          </a:prstGeom>
+          <a:solidFill>
+            <a:schemeClr val="bg1">
+              <a:lumMod val="65000"/>
+            </a:schemeClr>
+          </a:solidFill>
+          <a:ln w="22225">
+            <a:solidFill>
+              <a:schemeClr val="tx1">
+                <a:lumMod val="75000"/>
+                <a:lumOff val="25000"/>
+              </a:schemeClr>
+            </a:solidFill>
+          </a:ln>
+        </p:spPr>
+        <p:style>
+          <a:lnRef idx="2">
+            <a:schemeClr val="accent1">
+              <a:shade val="50000"/>
+            </a:schemeClr>
+          </a:lnRef>
+          <a:fillRef idx="1">
+            <a:schemeClr val="accent1"/>
+          </a:fillRef>
+          <a:effectRef idx="0">
+            <a:schemeClr val="accent1"/>
+          </a:effectRef>
+          <a:fontRef idx="minor">
+            <a:schemeClr val="lt1"/>
+          </a:fontRef>
+        </p:style>
+        <p:txBody>
+          <a:bodyPr rtlCol="0" anchor="ctr"/>
+          <a:lstStyle/>
+          <a:p>
+            <a:pPr algn="ctr"/>
+            <a:r>
+              <a:rPr lang="en-US" altLang="zh-CN" sz="1200" smtClean="0">
+                <a:solidFill>
+                  <a:schemeClr val="tx1"/>
+                </a:solidFill>
+              </a:rPr>
+              <a:t>relay</a:t>
+            </a:r>
+            <a:endParaRPr lang="zh-CN" altLang="en-US" sz="1200">
+              <a:solidFill>
+                <a:schemeClr val="tx1"/>
+              </a:solidFill>
+            </a:endParaRPr>
+          </a:p>
+        </p:txBody>
+      </p:sp>
+      <p:cxnSp>
+        <p:nvCxnSpPr>
+          <p:cNvPr id="19" name="直接箭头连接符 18"/>
+          <p:cNvCxnSpPr>
+            <a:stCxn id="8" idx="0"/>
+            <a:endCxn id="18" idx="2"/>
+          </p:cNvCxnSpPr>
+          <p:nvPr/>
+        </p:nvCxnSpPr>
+        <p:spPr>
+          <a:xfrm flipH="1" flipV="1">
+            <a:off x="2854750" y="3835617"/>
+            <a:ext cx="789615" cy="414350"/>
+          </a:xfrm>
+          <a:prstGeom prst="straightConnector1">
+            <a:avLst/>
+          </a:prstGeom>
+          <a:ln w="31750">
+            <a:solidFill>
+              <a:schemeClr val="tx1">
+                <a:lumMod val="85000"/>
+                <a:lumOff val="15000"/>
+              </a:schemeClr>
+            </a:solidFill>
+            <a:tailEnd type="triangle"/>
+          </a:ln>
+        </p:spPr>
+        <p:style>
+          <a:lnRef idx="1">
+            <a:schemeClr val="accent1"/>
+          </a:lnRef>
+          <a:fillRef idx="0">
+            <a:schemeClr val="accent1"/>
+          </a:fillRef>
+          <a:effectRef idx="0">
+            <a:schemeClr val="accent1"/>
+          </a:effectRef>
+          <a:fontRef idx="minor">
+            <a:schemeClr val="tx1"/>
+          </a:fontRef>
+        </p:style>
+      </p:cxnSp>
+      <p:sp>
+        <p:nvSpPr>
+          <p:cNvPr id="20" name="圆角矩形 19"/>
+          <p:cNvSpPr/>
+          <p:nvPr/>
+        </p:nvSpPr>
+        <p:spPr>
+          <a:xfrm>
+            <a:off x="3700708" y="3443731"/>
+            <a:ext cx="906624" cy="391886"/>
+          </a:xfrm>
+          <a:prstGeom prst="roundRect">
+            <a:avLst/>
+          </a:prstGeom>
+          <a:solidFill>
+            <a:schemeClr val="bg1">
+              <a:lumMod val="65000"/>
+            </a:schemeClr>
+          </a:solidFill>
+          <a:ln w="22225">
+            <a:solidFill>
+              <a:schemeClr val="tx1">
+                <a:lumMod val="75000"/>
+                <a:lumOff val="25000"/>
+              </a:schemeClr>
+            </a:solidFill>
+          </a:ln>
+        </p:spPr>
+        <p:style>
+          <a:lnRef idx="2">
+            <a:schemeClr val="accent1">
+              <a:shade val="50000"/>
+            </a:schemeClr>
+          </a:lnRef>
+          <a:fillRef idx="1">
+            <a:schemeClr val="accent1"/>
+          </a:fillRef>
+          <a:effectRef idx="0">
+            <a:schemeClr val="accent1"/>
+          </a:effectRef>
+          <a:fontRef idx="minor">
+            <a:schemeClr val="lt1"/>
+          </a:fontRef>
+        </p:style>
+        <p:txBody>
+          <a:bodyPr rtlCol="0" anchor="ctr"/>
+          <a:lstStyle/>
+          <a:p>
+            <a:pPr algn="ctr"/>
+            <a:r>
+              <a:rPr lang="en-US" altLang="zh-CN" sz="1200" smtClean="0">
+                <a:solidFill>
+                  <a:schemeClr val="tx1"/>
+                </a:solidFill>
+              </a:rPr>
+              <a:t>scan3(split)</a:t>
+            </a:r>
+            <a:endParaRPr lang="zh-CN" altLang="en-US" sz="1200">
+              <a:solidFill>
+                <a:schemeClr val="tx1"/>
+              </a:solidFill>
+            </a:endParaRPr>
+          </a:p>
+        </p:txBody>
+      </p:sp>
+      <p:sp>
+        <p:nvSpPr>
+          <p:cNvPr id="21" name="圆角矩形 20"/>
+          <p:cNvSpPr/>
+          <p:nvPr/>
+        </p:nvSpPr>
+        <p:spPr>
+          <a:xfrm>
+            <a:off x="4324711" y="1989768"/>
+            <a:ext cx="906624" cy="391886"/>
+          </a:xfrm>
+          <a:prstGeom prst="roundRect">
+            <a:avLst/>
+          </a:prstGeom>
+          <a:solidFill>
+            <a:schemeClr val="bg1">
+              <a:lumMod val="65000"/>
+            </a:schemeClr>
+          </a:solidFill>
+          <a:ln w="22225">
+            <a:solidFill>
+              <a:schemeClr val="tx1">
+                <a:lumMod val="75000"/>
+                <a:lumOff val="25000"/>
+              </a:schemeClr>
+            </a:solidFill>
+          </a:ln>
+        </p:spPr>
+        <p:style>
+          <a:lnRef idx="2">
+            <a:schemeClr val="accent1">
+              <a:shade val="50000"/>
+            </a:schemeClr>
+          </a:lnRef>
+          <a:fillRef idx="1">
+            <a:schemeClr val="accent1"/>
+          </a:fillRef>
+          <a:effectRef idx="0">
+            <a:schemeClr val="accent1"/>
+          </a:effectRef>
+          <a:fontRef idx="minor">
+            <a:schemeClr val="lt1"/>
+          </a:fontRef>
+        </p:style>
+        <p:txBody>
+          <a:bodyPr rtlCol="0" anchor="ctr"/>
+          <a:lstStyle/>
+          <a:p>
+            <a:pPr algn="ctr"/>
+            <a:r>
+              <a:rPr lang="en-US" altLang="zh-CN" sz="1200" smtClean="0">
+                <a:solidFill>
+                  <a:schemeClr val="tx1"/>
+                </a:solidFill>
+              </a:rPr>
+              <a:t>exchange</a:t>
+            </a:r>
+            <a:endParaRPr lang="zh-CN" altLang="en-US" sz="1200">
+              <a:solidFill>
+                <a:schemeClr val="tx1"/>
+              </a:solidFill>
+            </a:endParaRPr>
+          </a:p>
+        </p:txBody>
+      </p:sp>
+      <p:cxnSp>
+        <p:nvCxnSpPr>
+          <p:cNvPr id="22" name="直接箭头连接符 21"/>
+          <p:cNvCxnSpPr>
+            <a:stCxn id="18" idx="0"/>
+            <a:endCxn id="17" idx="2"/>
+          </p:cNvCxnSpPr>
+          <p:nvPr/>
+        </p:nvCxnSpPr>
+        <p:spPr>
+          <a:xfrm flipV="1">
+            <a:off x="2854750" y="3148377"/>
+            <a:ext cx="739454" cy="295354"/>
+          </a:xfrm>
+          <a:prstGeom prst="straightConnector1">
+            <a:avLst/>
+          </a:prstGeom>
+          <a:ln w="31750">
+            <a:solidFill>
+              <a:schemeClr val="tx1">
+                <a:lumMod val="85000"/>
+                <a:lumOff val="15000"/>
+              </a:schemeClr>
+            </a:solidFill>
+            <a:tailEnd type="triangle"/>
+          </a:ln>
+        </p:spPr>
+        <p:style>
+          <a:lnRef idx="1">
+            <a:schemeClr val="accent1"/>
+          </a:lnRef>
+          <a:fillRef idx="0">
+            <a:schemeClr val="accent1"/>
+          </a:fillRef>
+          <a:effectRef idx="0">
+            <a:schemeClr val="accent1"/>
+          </a:effectRef>
+          <a:fontRef idx="minor">
+            <a:schemeClr val="tx1"/>
+          </a:fontRef>
+        </p:style>
+      </p:cxnSp>
+      <p:cxnSp>
+        <p:nvCxnSpPr>
+          <p:cNvPr id="23" name="直接箭头连接符 22"/>
+          <p:cNvCxnSpPr>
+            <a:stCxn id="20" idx="0"/>
+            <a:endCxn id="17" idx="2"/>
+          </p:cNvCxnSpPr>
+          <p:nvPr/>
+        </p:nvCxnSpPr>
+        <p:spPr>
+          <a:xfrm flipH="1" flipV="1">
+            <a:off x="3594204" y="3148377"/>
+            <a:ext cx="559816" cy="295354"/>
+          </a:xfrm>
+          <a:prstGeom prst="straightConnector1">
+            <a:avLst/>
+          </a:prstGeom>
+          <a:ln w="31750">
+            <a:solidFill>
+              <a:schemeClr val="tx1">
+                <a:lumMod val="85000"/>
+                <a:lumOff val="15000"/>
+              </a:schemeClr>
+            </a:solidFill>
+            <a:tailEnd type="triangle"/>
+          </a:ln>
+        </p:spPr>
+        <p:style>
+          <a:lnRef idx="1">
+            <a:schemeClr val="accent1"/>
+          </a:lnRef>
+          <a:fillRef idx="0">
+            <a:schemeClr val="accent1"/>
+          </a:fillRef>
+          <a:effectRef idx="0">
+            <a:schemeClr val="accent1"/>
+          </a:effectRef>
+          <a:fontRef idx="minor">
+            <a:schemeClr val="tx1"/>
+          </a:fontRef>
+        </p:style>
+      </p:cxnSp>
+      <p:sp>
+        <p:nvSpPr>
+          <p:cNvPr id="24" name="圆角矩形 23"/>
+          <p:cNvSpPr/>
+          <p:nvPr/>
+        </p:nvSpPr>
+        <p:spPr>
+          <a:xfrm>
+            <a:off x="5244906" y="2756491"/>
+            <a:ext cx="906624" cy="391886"/>
+          </a:xfrm>
+          <a:prstGeom prst="roundRect">
+            <a:avLst/>
+          </a:prstGeom>
+          <a:solidFill>
+            <a:schemeClr val="bg1">
+              <a:lumMod val="65000"/>
+            </a:schemeClr>
+          </a:solidFill>
+          <a:ln w="22225">
+            <a:solidFill>
+              <a:schemeClr val="tx1">
+                <a:lumMod val="75000"/>
+                <a:lumOff val="25000"/>
+              </a:schemeClr>
+            </a:solidFill>
+          </a:ln>
+        </p:spPr>
+        <p:style>
+          <a:lnRef idx="2">
+            <a:schemeClr val="accent1">
+              <a:shade val="50000"/>
+            </a:schemeClr>
+          </a:lnRef>
+          <a:fillRef idx="1">
+            <a:schemeClr val="accent1"/>
+          </a:fillRef>
+          <a:effectRef idx="0">
+            <a:schemeClr val="accent1"/>
+          </a:effectRef>
+          <a:fontRef idx="minor">
+            <a:schemeClr val="lt1"/>
+          </a:fontRef>
+        </p:style>
+        <p:txBody>
+          <a:bodyPr rtlCol="0" anchor="ctr"/>
+          <a:lstStyle/>
+          <a:p>
+            <a:pPr algn="ctr"/>
+            <a:r>
+              <a:rPr lang="en-US" altLang="zh-CN" smtClean="0">
+                <a:solidFill>
+                  <a:schemeClr val="tx1"/>
+                </a:solidFill>
+              </a:rPr>
+              <a:t>join</a:t>
+            </a:r>
+            <a:endParaRPr lang="zh-CN" altLang="en-US">
+              <a:solidFill>
+                <a:schemeClr val="tx1"/>
+              </a:solidFill>
+            </a:endParaRPr>
+          </a:p>
+        </p:txBody>
+      </p:sp>
+      <p:sp>
+        <p:nvSpPr>
+          <p:cNvPr id="25" name="圆角矩形 24"/>
+          <p:cNvSpPr/>
+          <p:nvPr/>
+        </p:nvSpPr>
+        <p:spPr>
+          <a:xfrm>
+            <a:off x="5913608" y="3443731"/>
+            <a:ext cx="906624" cy="391886"/>
+          </a:xfrm>
+          <a:prstGeom prst="roundRect">
+            <a:avLst/>
+          </a:prstGeom>
+          <a:solidFill>
+            <a:schemeClr val="bg1">
+              <a:lumMod val="65000"/>
+            </a:schemeClr>
+          </a:solidFill>
+          <a:ln w="22225">
+            <a:solidFill>
+              <a:schemeClr val="tx1">
+                <a:lumMod val="75000"/>
+                <a:lumOff val="25000"/>
+              </a:schemeClr>
+            </a:solidFill>
+          </a:ln>
+        </p:spPr>
+        <p:style>
+          <a:lnRef idx="2">
+            <a:schemeClr val="accent1">
+              <a:shade val="50000"/>
+            </a:schemeClr>
+          </a:lnRef>
+          <a:fillRef idx="1">
+            <a:schemeClr val="accent1"/>
+          </a:fillRef>
+          <a:effectRef idx="0">
+            <a:schemeClr val="accent1"/>
+          </a:effectRef>
+          <a:fontRef idx="minor">
+            <a:schemeClr val="lt1"/>
+          </a:fontRef>
+        </p:style>
+        <p:txBody>
+          <a:bodyPr rtlCol="0" anchor="ctr"/>
+          <a:lstStyle/>
+          <a:p>
+            <a:pPr algn="ctr"/>
+            <a:r>
+              <a:rPr lang="en-US" altLang="zh-CN" sz="1200" smtClean="0">
+                <a:solidFill>
+                  <a:schemeClr val="tx1"/>
+                </a:solidFill>
+              </a:rPr>
+              <a:t>scan3(split)</a:t>
+            </a:r>
+            <a:endParaRPr lang="zh-CN" altLang="en-US" sz="1200">
+              <a:solidFill>
+                <a:schemeClr val="tx1"/>
+              </a:solidFill>
+            </a:endParaRPr>
+          </a:p>
+        </p:txBody>
+      </p:sp>
+      <p:sp>
+        <p:nvSpPr>
+          <p:cNvPr id="26" name="圆角矩形 25"/>
+          <p:cNvSpPr/>
+          <p:nvPr/>
+        </p:nvSpPr>
+        <p:spPr>
+          <a:xfrm>
+            <a:off x="4818057" y="3443731"/>
+            <a:ext cx="906624" cy="391886"/>
+          </a:xfrm>
+          <a:prstGeom prst="roundRect">
+            <a:avLst/>
+          </a:prstGeom>
+          <a:solidFill>
+            <a:schemeClr val="bg1">
+              <a:lumMod val="65000"/>
+            </a:schemeClr>
+          </a:solidFill>
+          <a:ln w="22225">
+            <a:solidFill>
+              <a:schemeClr val="tx1">
+                <a:lumMod val="75000"/>
+                <a:lumOff val="25000"/>
+              </a:schemeClr>
+            </a:solidFill>
+          </a:ln>
+        </p:spPr>
+        <p:style>
+          <a:lnRef idx="2">
+            <a:schemeClr val="accent1">
+              <a:shade val="50000"/>
+            </a:schemeClr>
+          </a:lnRef>
+          <a:fillRef idx="1">
+            <a:schemeClr val="accent1"/>
+          </a:fillRef>
+          <a:effectRef idx="0">
+            <a:schemeClr val="accent1"/>
+          </a:effectRef>
+          <a:fontRef idx="minor">
+            <a:schemeClr val="lt1"/>
+          </a:fontRef>
+        </p:style>
+        <p:txBody>
+          <a:bodyPr rtlCol="0" anchor="ctr"/>
+          <a:lstStyle/>
+          <a:p>
+            <a:pPr algn="ctr"/>
+            <a:r>
+              <a:rPr lang="en-US" altLang="zh-CN" sz="1200" smtClean="0">
+                <a:solidFill>
+                  <a:schemeClr val="tx1"/>
+                </a:solidFill>
+              </a:rPr>
+              <a:t>relay</a:t>
+            </a:r>
+            <a:endParaRPr lang="zh-CN" altLang="en-US" sz="1200">
+              <a:solidFill>
+                <a:schemeClr val="tx1"/>
+              </a:solidFill>
+            </a:endParaRPr>
+          </a:p>
+        </p:txBody>
+      </p:sp>
+      <p:cxnSp>
+        <p:nvCxnSpPr>
+          <p:cNvPr id="27" name="直接箭头连接符 26"/>
+          <p:cNvCxnSpPr>
+            <a:stCxn id="8" idx="0"/>
+            <a:endCxn id="26" idx="2"/>
+          </p:cNvCxnSpPr>
+          <p:nvPr/>
+        </p:nvCxnSpPr>
+        <p:spPr>
+          <a:xfrm flipV="1">
+            <a:off x="3644365" y="3835617"/>
+            <a:ext cx="1627004" cy="414350"/>
+          </a:xfrm>
+          <a:prstGeom prst="straightConnector1">
+            <a:avLst/>
+          </a:prstGeom>
+          <a:ln w="31750">
+            <a:solidFill>
+              <a:schemeClr val="tx1">
+                <a:lumMod val="85000"/>
+                <a:lumOff val="15000"/>
+              </a:schemeClr>
+            </a:solidFill>
+            <a:tailEnd type="triangle"/>
+          </a:ln>
+        </p:spPr>
+        <p:style>
+          <a:lnRef idx="1">
+            <a:schemeClr val="accent1"/>
+          </a:lnRef>
+          <a:fillRef idx="0">
+            <a:schemeClr val="accent1"/>
+          </a:fillRef>
+          <a:effectRef idx="0">
+            <a:schemeClr val="accent1"/>
+          </a:effectRef>
+          <a:fontRef idx="minor">
+            <a:schemeClr val="tx1"/>
+          </a:fontRef>
+        </p:style>
+      </p:cxnSp>
+      <p:cxnSp>
+        <p:nvCxnSpPr>
+          <p:cNvPr id="28" name="直接箭头连接符 27"/>
+          <p:cNvCxnSpPr>
+            <a:stCxn id="25" idx="0"/>
+            <a:endCxn id="24" idx="2"/>
+          </p:cNvCxnSpPr>
+          <p:nvPr/>
+        </p:nvCxnSpPr>
+        <p:spPr>
+          <a:xfrm flipH="1" flipV="1">
+            <a:off x="5698218" y="3148377"/>
+            <a:ext cx="668702" cy="295354"/>
+          </a:xfrm>
+          <a:prstGeom prst="straightConnector1">
+            <a:avLst/>
+          </a:prstGeom>
+          <a:ln w="31750">
+            <a:solidFill>
+              <a:schemeClr val="tx1">
+                <a:lumMod val="85000"/>
+                <a:lumOff val="15000"/>
+              </a:schemeClr>
+            </a:solidFill>
+            <a:tailEnd type="triangle"/>
+          </a:ln>
+        </p:spPr>
+        <p:style>
+          <a:lnRef idx="1">
+            <a:schemeClr val="accent1"/>
+          </a:lnRef>
+          <a:fillRef idx="0">
+            <a:schemeClr val="accent1"/>
+          </a:fillRef>
+          <a:effectRef idx="0">
+            <a:schemeClr val="accent1"/>
+          </a:effectRef>
+          <a:fontRef idx="minor">
+            <a:schemeClr val="tx1"/>
+          </a:fontRef>
+        </p:style>
+      </p:cxnSp>
+      <p:cxnSp>
+        <p:nvCxnSpPr>
+          <p:cNvPr id="29" name="直接箭头连接符 28"/>
+          <p:cNvCxnSpPr>
+            <a:stCxn id="26" idx="0"/>
+            <a:endCxn id="24" idx="2"/>
+          </p:cNvCxnSpPr>
+          <p:nvPr/>
+        </p:nvCxnSpPr>
+        <p:spPr>
+          <a:xfrm flipV="1">
+            <a:off x="5271369" y="3148377"/>
+            <a:ext cx="426849" cy="295354"/>
+          </a:xfrm>
+          <a:prstGeom prst="straightConnector1">
+            <a:avLst/>
+          </a:prstGeom>
+          <a:ln w="31750">
+            <a:solidFill>
+              <a:schemeClr val="tx1">
+                <a:lumMod val="85000"/>
+                <a:lumOff val="15000"/>
+              </a:schemeClr>
+            </a:solidFill>
+            <a:tailEnd type="triangle"/>
+          </a:ln>
+        </p:spPr>
+        <p:style>
+          <a:lnRef idx="1">
+            <a:schemeClr val="accent1"/>
+          </a:lnRef>
+          <a:fillRef idx="0">
+            <a:schemeClr val="accent1"/>
+          </a:fillRef>
+          <a:effectRef idx="0">
+            <a:schemeClr val="accent1"/>
+          </a:effectRef>
+          <a:fontRef idx="minor">
+            <a:schemeClr val="tx1"/>
+          </a:fontRef>
+        </p:style>
+      </p:cxnSp>
+      <p:cxnSp>
+        <p:nvCxnSpPr>
+          <p:cNvPr id="30" name="直接箭头连接符 29"/>
+          <p:cNvCxnSpPr>
+            <a:stCxn id="24" idx="0"/>
+            <a:endCxn id="21" idx="2"/>
+          </p:cNvCxnSpPr>
+          <p:nvPr/>
+        </p:nvCxnSpPr>
+        <p:spPr>
+          <a:xfrm flipH="1" flipV="1">
+            <a:off x="4778023" y="2381654"/>
+            <a:ext cx="920195" cy="374837"/>
+          </a:xfrm>
+          <a:prstGeom prst="straightConnector1">
+            <a:avLst/>
+          </a:prstGeom>
+          <a:ln w="31750">
+            <a:solidFill>
+              <a:schemeClr val="tx1">
+                <a:lumMod val="85000"/>
+                <a:lumOff val="15000"/>
+              </a:schemeClr>
+            </a:solidFill>
+            <a:tailEnd type="triangle"/>
+          </a:ln>
+        </p:spPr>
+        <p:style>
+          <a:lnRef idx="1">
+            <a:schemeClr val="accent1"/>
+          </a:lnRef>
+          <a:fillRef idx="0">
+            <a:schemeClr val="accent1"/>
+          </a:fillRef>
+          <a:effectRef idx="0">
+            <a:schemeClr val="accent1"/>
+          </a:effectRef>
+          <a:fontRef idx="minor">
+            <a:schemeClr val="tx1"/>
+          </a:fontRef>
+        </p:style>
+      </p:cxnSp>
+      <p:cxnSp>
+        <p:nvCxnSpPr>
+          <p:cNvPr id="31" name="直接箭头连接符 30"/>
+          <p:cNvCxnSpPr>
+            <a:stCxn id="17" idx="0"/>
+            <a:endCxn id="21" idx="2"/>
+          </p:cNvCxnSpPr>
+          <p:nvPr/>
+        </p:nvCxnSpPr>
+        <p:spPr>
+          <a:xfrm flipV="1">
+            <a:off x="3594204" y="2381654"/>
+            <a:ext cx="1183819" cy="374837"/>
+          </a:xfrm>
+          <a:prstGeom prst="straightConnector1">
+            <a:avLst/>
+          </a:prstGeom>
+          <a:ln w="31750">
+            <a:solidFill>
+              <a:schemeClr val="tx1">
+                <a:lumMod val="85000"/>
+                <a:lumOff val="15000"/>
+              </a:schemeClr>
+            </a:solidFill>
+            <a:tailEnd type="triangle"/>
+          </a:ln>
+        </p:spPr>
+        <p:style>
+          <a:lnRef idx="1">
+            <a:schemeClr val="accent1"/>
+          </a:lnRef>
+          <a:fillRef idx="0">
+            <a:schemeClr val="accent1"/>
+          </a:fillRef>
+          <a:effectRef idx="0">
+            <a:schemeClr val="accent1"/>
+          </a:effectRef>
+          <a:fontRef idx="minor">
+            <a:schemeClr val="tx1"/>
+          </a:fontRef>
+        </p:style>
+      </p:cxnSp>
+    </p:spTree>
+    <p:extLst>
+      <p:ext uri="{BB962C8B-B14F-4D97-AF65-F5344CB8AC3E}">
+        <p14:creationId xmlns:p14="http://schemas.microsoft.com/office/powerpoint/2010/main" val="1862038834"/>
+      </p:ext>
+    </p:extLst>
+  </p:cSld>
+  <p:clrMapOvr>
+    <a:masterClrMapping/>
+  </p:clrMapOvr>
 </p:sld>
 </file>
 

--- a/doc/thor architecture.pptx
+++ b/doc/thor architecture.pptx
@@ -29,6 +29,7 @@
     <p:sldId id="277" r:id="rId23"/>
     <p:sldId id="278" r:id="rId24"/>
     <p:sldId id="279" r:id="rId25"/>
+    <p:sldId id="280" r:id="rId26"/>
   </p:sldIdLst>
   <p:sldSz cx="12192000" cy="6858000"/>
   <p:notesSz cx="6858000" cy="9144000"/>
@@ -16479,11 +16480,7 @@
           <a:p>
             <a:r>
               <a:rPr lang="en-US" altLang="zh-CN"/>
-              <a:t>Group </a:t>
-            </a:r>
-            <a:r>
-              <a:rPr lang="en-US" altLang="zh-CN"/>
-              <a:t>by </a:t>
+              <a:t>Group by </a:t>
             </a:r>
             <a:r>
               <a:rPr lang="en-US" altLang="zh-CN" smtClean="0"/>
@@ -18685,14 +18682,14 @@
           <a:p>
             <a:pPr algn="ctr"/>
             <a:r>
-              <a:rPr lang="en-US" altLang="zh-CN" smtClean="0">
+              <a:rPr lang="en-US" altLang="zh-CN" sz="1200" dirty="0" smtClean="0">
                 <a:solidFill>
                   <a:schemeClr val="tx1"/>
                 </a:solidFill>
               </a:rPr>
-              <a:t>join</a:t>
-            </a:r>
-            <a:endParaRPr lang="zh-CN" altLang="en-US">
+              <a:t>Hash join</a:t>
+            </a:r>
+            <a:endParaRPr lang="zh-CN" altLang="en-US" sz="1200" dirty="0">
               <a:solidFill>
                 <a:schemeClr val="tx1"/>
               </a:solidFill>
@@ -19037,14 +19034,14 @@
           <a:p>
             <a:pPr algn="ctr"/>
             <a:r>
-              <a:rPr lang="en-US" altLang="zh-CN" smtClean="0">
+              <a:rPr lang="en-US" altLang="zh-CN" sz="1200" dirty="0">
                 <a:solidFill>
                   <a:schemeClr val="tx1"/>
                 </a:solidFill>
               </a:rPr>
-              <a:t>join</a:t>
-            </a:r>
-            <a:endParaRPr lang="zh-CN" altLang="en-US">
+              <a:t>Hash join</a:t>
+            </a:r>
+            <a:endParaRPr lang="zh-CN" altLang="en-US" sz="1200" dirty="0">
               <a:solidFill>
                 <a:schemeClr val="tx1"/>
               </a:solidFill>
@@ -19536,6 +19533,883 @@
                 <a:lumOff val="15000"/>
               </a:schemeClr>
             </a:solidFill>
+            <a:tailEnd type="triangle"/>
+          </a:ln>
+        </p:spPr>
+        <p:style>
+          <a:lnRef idx="1">
+            <a:schemeClr val="accent1"/>
+          </a:lnRef>
+          <a:fillRef idx="0">
+            <a:schemeClr val="accent1"/>
+          </a:fillRef>
+          <a:effectRef idx="0">
+            <a:schemeClr val="accent1"/>
+          </a:effectRef>
+          <a:fontRef idx="minor">
+            <a:schemeClr val="tx1"/>
+          </a:fontRef>
+        </p:style>
+      </p:cxnSp>
+      <p:sp>
+        <p:nvSpPr>
+          <p:cNvPr id="42" name="圆角矩形 41"/>
+          <p:cNvSpPr/>
+          <p:nvPr/>
+        </p:nvSpPr>
+        <p:spPr>
+          <a:xfrm>
+            <a:off x="7966178" y="4528868"/>
+            <a:ext cx="906624" cy="391886"/>
+          </a:xfrm>
+          <a:prstGeom prst="roundRect">
+            <a:avLst/>
+          </a:prstGeom>
+          <a:solidFill>
+            <a:schemeClr val="bg1">
+              <a:lumMod val="65000"/>
+            </a:schemeClr>
+          </a:solidFill>
+          <a:ln w="22225">
+            <a:solidFill>
+              <a:schemeClr val="tx1">
+                <a:lumMod val="75000"/>
+                <a:lumOff val="25000"/>
+              </a:schemeClr>
+            </a:solidFill>
+          </a:ln>
+        </p:spPr>
+        <p:style>
+          <a:lnRef idx="2">
+            <a:schemeClr val="accent1">
+              <a:shade val="50000"/>
+            </a:schemeClr>
+          </a:lnRef>
+          <a:fillRef idx="1">
+            <a:schemeClr val="accent1"/>
+          </a:fillRef>
+          <a:effectRef idx="0">
+            <a:schemeClr val="accent1"/>
+          </a:effectRef>
+          <a:fontRef idx="minor">
+            <a:schemeClr val="lt1"/>
+          </a:fontRef>
+        </p:style>
+        <p:txBody>
+          <a:bodyPr rtlCol="0" anchor="ctr"/>
+          <a:lstStyle/>
+          <a:p>
+            <a:pPr algn="ctr"/>
+            <a:r>
+              <a:rPr lang="en-US" altLang="zh-CN" sz="1200" dirty="0" smtClean="0">
+                <a:solidFill>
+                  <a:schemeClr val="tx1"/>
+                </a:solidFill>
+              </a:rPr>
+              <a:t>MC join</a:t>
+            </a:r>
+            <a:endParaRPr lang="zh-CN" altLang="en-US" sz="1200" dirty="0">
+              <a:solidFill>
+                <a:schemeClr val="tx1"/>
+              </a:solidFill>
+            </a:endParaRPr>
+          </a:p>
+        </p:txBody>
+      </p:sp>
+      <p:sp>
+        <p:nvSpPr>
+          <p:cNvPr id="43" name="圆角矩形 42"/>
+          <p:cNvSpPr/>
+          <p:nvPr/>
+        </p:nvSpPr>
+        <p:spPr>
+          <a:xfrm>
+            <a:off x="8593658" y="5249038"/>
+            <a:ext cx="906624" cy="391886"/>
+          </a:xfrm>
+          <a:prstGeom prst="roundRect">
+            <a:avLst/>
+          </a:prstGeom>
+          <a:solidFill>
+            <a:schemeClr val="bg1">
+              <a:lumMod val="65000"/>
+            </a:schemeClr>
+          </a:solidFill>
+          <a:ln w="22225">
+            <a:solidFill>
+              <a:schemeClr val="tx1">
+                <a:lumMod val="75000"/>
+                <a:lumOff val="25000"/>
+              </a:schemeClr>
+            </a:solidFill>
+          </a:ln>
+        </p:spPr>
+        <p:style>
+          <a:lnRef idx="2">
+            <a:schemeClr val="accent1">
+              <a:shade val="50000"/>
+            </a:schemeClr>
+          </a:lnRef>
+          <a:fillRef idx="1">
+            <a:schemeClr val="accent1"/>
+          </a:fillRef>
+          <a:effectRef idx="0">
+            <a:schemeClr val="accent1"/>
+          </a:effectRef>
+          <a:fontRef idx="minor">
+            <a:schemeClr val="lt1"/>
+          </a:fontRef>
+        </p:style>
+        <p:txBody>
+          <a:bodyPr rtlCol="0" anchor="ctr"/>
+          <a:lstStyle/>
+          <a:p>
+            <a:pPr algn="ctr"/>
+            <a:r>
+              <a:rPr lang="en-US" altLang="zh-CN" sz="1200">
+                <a:solidFill>
+                  <a:schemeClr val="tx1"/>
+                </a:solidFill>
+              </a:rPr>
+              <a:t>scan</a:t>
+            </a:r>
+            <a:r>
+              <a:rPr lang="en-US" altLang="zh-CN" sz="1200" smtClean="0">
+                <a:solidFill>
+                  <a:schemeClr val="tx1"/>
+                </a:solidFill>
+              </a:rPr>
+              <a:t>2(split)</a:t>
+            </a:r>
+            <a:endParaRPr lang="zh-CN" altLang="en-US" sz="1200">
+              <a:solidFill>
+                <a:schemeClr val="tx1"/>
+              </a:solidFill>
+            </a:endParaRPr>
+          </a:p>
+        </p:txBody>
+      </p:sp>
+      <p:cxnSp>
+        <p:nvCxnSpPr>
+          <p:cNvPr id="44" name="直接箭头连接符 43"/>
+          <p:cNvCxnSpPr>
+            <a:stCxn id="55" idx="0"/>
+            <a:endCxn id="42" idx="2"/>
+          </p:cNvCxnSpPr>
+          <p:nvPr/>
+        </p:nvCxnSpPr>
+        <p:spPr>
+          <a:xfrm flipV="1">
+            <a:off x="7774122" y="4920754"/>
+            <a:ext cx="645368" cy="328284"/>
+          </a:xfrm>
+          <a:prstGeom prst="straightConnector1">
+            <a:avLst/>
+          </a:prstGeom>
+          <a:ln w="31750">
+            <a:solidFill>
+              <a:schemeClr val="tx1">
+                <a:lumMod val="85000"/>
+                <a:lumOff val="15000"/>
+              </a:schemeClr>
+            </a:solidFill>
+            <a:tailEnd type="triangle"/>
+          </a:ln>
+        </p:spPr>
+        <p:style>
+          <a:lnRef idx="1">
+            <a:schemeClr val="accent1"/>
+          </a:lnRef>
+          <a:fillRef idx="0">
+            <a:schemeClr val="accent1"/>
+          </a:fillRef>
+          <a:effectRef idx="0">
+            <a:schemeClr val="accent1"/>
+          </a:effectRef>
+          <a:fontRef idx="minor">
+            <a:schemeClr val="tx1"/>
+          </a:fontRef>
+        </p:style>
+      </p:cxnSp>
+      <p:cxnSp>
+        <p:nvCxnSpPr>
+          <p:cNvPr id="47" name="直接箭头连接符 46"/>
+          <p:cNvCxnSpPr>
+            <a:stCxn id="43" idx="0"/>
+            <a:endCxn id="42" idx="2"/>
+          </p:cNvCxnSpPr>
+          <p:nvPr/>
+        </p:nvCxnSpPr>
+        <p:spPr>
+          <a:xfrm flipH="1" flipV="1">
+            <a:off x="8419490" y="4920754"/>
+            <a:ext cx="627480" cy="328284"/>
+          </a:xfrm>
+          <a:prstGeom prst="straightConnector1">
+            <a:avLst/>
+          </a:prstGeom>
+          <a:ln w="31750">
+            <a:solidFill>
+              <a:schemeClr val="tx1">
+                <a:lumMod val="85000"/>
+                <a:lumOff val="15000"/>
+              </a:schemeClr>
+            </a:solidFill>
+            <a:tailEnd type="triangle"/>
+          </a:ln>
+        </p:spPr>
+        <p:style>
+          <a:lnRef idx="1">
+            <a:schemeClr val="accent1"/>
+          </a:lnRef>
+          <a:fillRef idx="0">
+            <a:schemeClr val="accent1"/>
+          </a:fillRef>
+          <a:effectRef idx="0">
+            <a:schemeClr val="accent1"/>
+          </a:effectRef>
+          <a:fontRef idx="minor">
+            <a:schemeClr val="tx1"/>
+          </a:fontRef>
+        </p:style>
+      </p:cxnSp>
+      <p:sp>
+        <p:nvSpPr>
+          <p:cNvPr id="48" name="圆角矩形 47"/>
+          <p:cNvSpPr/>
+          <p:nvPr/>
+        </p:nvSpPr>
+        <p:spPr>
+          <a:xfrm>
+            <a:off x="9181871" y="3796646"/>
+            <a:ext cx="906624" cy="391886"/>
+          </a:xfrm>
+          <a:prstGeom prst="roundRect">
+            <a:avLst/>
+          </a:prstGeom>
+          <a:solidFill>
+            <a:schemeClr val="bg1">
+              <a:lumMod val="65000"/>
+            </a:schemeClr>
+          </a:solidFill>
+          <a:ln w="22225">
+            <a:solidFill>
+              <a:schemeClr val="tx1">
+                <a:lumMod val="75000"/>
+                <a:lumOff val="25000"/>
+              </a:schemeClr>
+            </a:solidFill>
+          </a:ln>
+        </p:spPr>
+        <p:style>
+          <a:lnRef idx="2">
+            <a:schemeClr val="accent1">
+              <a:shade val="50000"/>
+            </a:schemeClr>
+          </a:lnRef>
+          <a:fillRef idx="1">
+            <a:schemeClr val="accent1"/>
+          </a:fillRef>
+          <a:effectRef idx="0">
+            <a:schemeClr val="accent1"/>
+          </a:effectRef>
+          <a:fontRef idx="minor">
+            <a:schemeClr val="lt1"/>
+          </a:fontRef>
+        </p:style>
+        <p:txBody>
+          <a:bodyPr rtlCol="0" anchor="ctr"/>
+          <a:lstStyle/>
+          <a:p>
+            <a:pPr algn="ctr"/>
+            <a:r>
+              <a:rPr lang="en-US" altLang="zh-CN" sz="1400" smtClean="0">
+                <a:solidFill>
+                  <a:schemeClr val="tx1"/>
+                </a:solidFill>
+              </a:rPr>
+              <a:t>exchange</a:t>
+            </a:r>
+            <a:endParaRPr lang="zh-CN" altLang="en-US" sz="1400">
+              <a:solidFill>
+                <a:schemeClr val="tx1"/>
+              </a:solidFill>
+            </a:endParaRPr>
+          </a:p>
+        </p:txBody>
+      </p:sp>
+      <p:sp>
+        <p:nvSpPr>
+          <p:cNvPr id="55" name="圆角矩形 54"/>
+          <p:cNvSpPr/>
+          <p:nvPr/>
+        </p:nvSpPr>
+        <p:spPr>
+          <a:xfrm>
+            <a:off x="7320810" y="5249038"/>
+            <a:ext cx="906624" cy="391886"/>
+          </a:xfrm>
+          <a:prstGeom prst="roundRect">
+            <a:avLst/>
+          </a:prstGeom>
+          <a:solidFill>
+            <a:schemeClr val="bg1">
+              <a:lumMod val="65000"/>
+            </a:schemeClr>
+          </a:solidFill>
+          <a:ln w="22225">
+            <a:solidFill>
+              <a:schemeClr val="tx1">
+                <a:lumMod val="75000"/>
+                <a:lumOff val="25000"/>
+              </a:schemeClr>
+            </a:solidFill>
+          </a:ln>
+        </p:spPr>
+        <p:style>
+          <a:lnRef idx="2">
+            <a:schemeClr val="accent1">
+              <a:shade val="50000"/>
+            </a:schemeClr>
+          </a:lnRef>
+          <a:fillRef idx="1">
+            <a:schemeClr val="accent1"/>
+          </a:fillRef>
+          <a:effectRef idx="0">
+            <a:schemeClr val="accent1"/>
+          </a:effectRef>
+          <a:fontRef idx="minor">
+            <a:schemeClr val="lt1"/>
+          </a:fontRef>
+        </p:style>
+        <p:txBody>
+          <a:bodyPr rtlCol="0" anchor="ctr"/>
+          <a:lstStyle/>
+          <a:p>
+            <a:pPr algn="ctr"/>
+            <a:r>
+              <a:rPr lang="en-US" altLang="zh-CN" sz="1200" smtClean="0">
+                <a:solidFill>
+                  <a:schemeClr val="tx1"/>
+                </a:solidFill>
+              </a:rPr>
+              <a:t>Scan1(split)</a:t>
+            </a:r>
+            <a:endParaRPr lang="zh-CN" altLang="en-US" sz="1200">
+              <a:solidFill>
+                <a:schemeClr val="tx1"/>
+              </a:solidFill>
+            </a:endParaRPr>
+          </a:p>
+        </p:txBody>
+      </p:sp>
+      <p:sp>
+        <p:nvSpPr>
+          <p:cNvPr id="56" name="圆角矩形 55"/>
+          <p:cNvSpPr/>
+          <p:nvPr/>
+        </p:nvSpPr>
+        <p:spPr>
+          <a:xfrm>
+            <a:off x="10436839" y="4528868"/>
+            <a:ext cx="906624" cy="391886"/>
+          </a:xfrm>
+          <a:prstGeom prst="roundRect">
+            <a:avLst/>
+          </a:prstGeom>
+          <a:solidFill>
+            <a:schemeClr val="bg1">
+              <a:lumMod val="65000"/>
+            </a:schemeClr>
+          </a:solidFill>
+          <a:ln w="22225">
+            <a:solidFill>
+              <a:schemeClr val="tx1">
+                <a:lumMod val="75000"/>
+                <a:lumOff val="25000"/>
+              </a:schemeClr>
+            </a:solidFill>
+          </a:ln>
+        </p:spPr>
+        <p:style>
+          <a:lnRef idx="2">
+            <a:schemeClr val="accent1">
+              <a:shade val="50000"/>
+            </a:schemeClr>
+          </a:lnRef>
+          <a:fillRef idx="1">
+            <a:schemeClr val="accent1"/>
+          </a:fillRef>
+          <a:effectRef idx="0">
+            <a:schemeClr val="accent1"/>
+          </a:effectRef>
+          <a:fontRef idx="minor">
+            <a:schemeClr val="lt1"/>
+          </a:fontRef>
+        </p:style>
+        <p:txBody>
+          <a:bodyPr rtlCol="0" anchor="ctr"/>
+          <a:lstStyle/>
+          <a:p>
+            <a:pPr algn="ctr"/>
+            <a:r>
+              <a:rPr lang="en-US" altLang="zh-CN" sz="1200" dirty="0">
+                <a:solidFill>
+                  <a:schemeClr val="tx1"/>
+                </a:solidFill>
+              </a:rPr>
+              <a:t>MC join</a:t>
+            </a:r>
+            <a:endParaRPr lang="zh-CN" altLang="en-US" sz="1200" dirty="0">
+              <a:solidFill>
+                <a:schemeClr val="tx1"/>
+              </a:solidFill>
+            </a:endParaRPr>
+          </a:p>
+        </p:txBody>
+      </p:sp>
+      <p:sp>
+        <p:nvSpPr>
+          <p:cNvPr id="58" name="圆角矩形 57"/>
+          <p:cNvSpPr/>
+          <p:nvPr/>
+        </p:nvSpPr>
+        <p:spPr>
+          <a:xfrm>
+            <a:off x="11064319" y="5249038"/>
+            <a:ext cx="906624" cy="391886"/>
+          </a:xfrm>
+          <a:prstGeom prst="roundRect">
+            <a:avLst/>
+          </a:prstGeom>
+          <a:solidFill>
+            <a:schemeClr val="bg1">
+              <a:lumMod val="65000"/>
+            </a:schemeClr>
+          </a:solidFill>
+          <a:ln w="22225">
+            <a:solidFill>
+              <a:schemeClr val="tx1">
+                <a:lumMod val="75000"/>
+                <a:lumOff val="25000"/>
+              </a:schemeClr>
+            </a:solidFill>
+          </a:ln>
+        </p:spPr>
+        <p:style>
+          <a:lnRef idx="2">
+            <a:schemeClr val="accent1">
+              <a:shade val="50000"/>
+            </a:schemeClr>
+          </a:lnRef>
+          <a:fillRef idx="1">
+            <a:schemeClr val="accent1"/>
+          </a:fillRef>
+          <a:effectRef idx="0">
+            <a:schemeClr val="accent1"/>
+          </a:effectRef>
+          <a:fontRef idx="minor">
+            <a:schemeClr val="lt1"/>
+          </a:fontRef>
+        </p:style>
+        <p:txBody>
+          <a:bodyPr rtlCol="0" anchor="ctr"/>
+          <a:lstStyle/>
+          <a:p>
+            <a:pPr algn="ctr"/>
+            <a:r>
+              <a:rPr lang="en-US" altLang="zh-CN" sz="1200">
+                <a:solidFill>
+                  <a:schemeClr val="tx1"/>
+                </a:solidFill>
+              </a:rPr>
+              <a:t>scan</a:t>
+            </a:r>
+            <a:r>
+              <a:rPr lang="en-US" altLang="zh-CN" sz="1200" smtClean="0">
+                <a:solidFill>
+                  <a:schemeClr val="tx1"/>
+                </a:solidFill>
+              </a:rPr>
+              <a:t>2(split)</a:t>
+            </a:r>
+            <a:endParaRPr lang="zh-CN" altLang="en-US" sz="1200">
+              <a:solidFill>
+                <a:schemeClr val="tx1"/>
+              </a:solidFill>
+            </a:endParaRPr>
+          </a:p>
+        </p:txBody>
+      </p:sp>
+      <p:cxnSp>
+        <p:nvCxnSpPr>
+          <p:cNvPr id="59" name="直接箭头连接符 58"/>
+          <p:cNvCxnSpPr>
+            <a:stCxn id="62" idx="0"/>
+            <a:endCxn id="56" idx="2"/>
+          </p:cNvCxnSpPr>
+          <p:nvPr/>
+        </p:nvCxnSpPr>
+        <p:spPr>
+          <a:xfrm flipV="1">
+            <a:off x="10244783" y="4920754"/>
+            <a:ext cx="645368" cy="328284"/>
+          </a:xfrm>
+          <a:prstGeom prst="straightConnector1">
+            <a:avLst/>
+          </a:prstGeom>
+          <a:ln w="31750">
+            <a:solidFill>
+              <a:schemeClr val="tx1">
+                <a:lumMod val="85000"/>
+                <a:lumOff val="15000"/>
+              </a:schemeClr>
+            </a:solidFill>
+            <a:tailEnd type="triangle"/>
+          </a:ln>
+        </p:spPr>
+        <p:style>
+          <a:lnRef idx="1">
+            <a:schemeClr val="accent1"/>
+          </a:lnRef>
+          <a:fillRef idx="0">
+            <a:schemeClr val="accent1"/>
+          </a:fillRef>
+          <a:effectRef idx="0">
+            <a:schemeClr val="accent1"/>
+          </a:effectRef>
+          <a:fontRef idx="minor">
+            <a:schemeClr val="tx1"/>
+          </a:fontRef>
+        </p:style>
+      </p:cxnSp>
+      <p:cxnSp>
+        <p:nvCxnSpPr>
+          <p:cNvPr id="61" name="直接箭头连接符 60"/>
+          <p:cNvCxnSpPr>
+            <a:stCxn id="58" idx="0"/>
+            <a:endCxn id="56" idx="2"/>
+          </p:cNvCxnSpPr>
+          <p:nvPr/>
+        </p:nvCxnSpPr>
+        <p:spPr>
+          <a:xfrm flipH="1" flipV="1">
+            <a:off x="10890151" y="4920754"/>
+            <a:ext cx="627480" cy="328284"/>
+          </a:xfrm>
+          <a:prstGeom prst="straightConnector1">
+            <a:avLst/>
+          </a:prstGeom>
+          <a:ln w="31750">
+            <a:solidFill>
+              <a:schemeClr val="tx1">
+                <a:lumMod val="85000"/>
+                <a:lumOff val="15000"/>
+              </a:schemeClr>
+            </a:solidFill>
+            <a:tailEnd type="triangle"/>
+          </a:ln>
+        </p:spPr>
+        <p:style>
+          <a:lnRef idx="1">
+            <a:schemeClr val="accent1"/>
+          </a:lnRef>
+          <a:fillRef idx="0">
+            <a:schemeClr val="accent1"/>
+          </a:fillRef>
+          <a:effectRef idx="0">
+            <a:schemeClr val="accent1"/>
+          </a:effectRef>
+          <a:fontRef idx="minor">
+            <a:schemeClr val="tx1"/>
+          </a:fontRef>
+        </p:style>
+      </p:cxnSp>
+      <p:sp>
+        <p:nvSpPr>
+          <p:cNvPr id="62" name="圆角矩形 61"/>
+          <p:cNvSpPr/>
+          <p:nvPr/>
+        </p:nvSpPr>
+        <p:spPr>
+          <a:xfrm>
+            <a:off x="9791471" y="5249038"/>
+            <a:ext cx="906624" cy="391886"/>
+          </a:xfrm>
+          <a:prstGeom prst="roundRect">
+            <a:avLst/>
+          </a:prstGeom>
+          <a:solidFill>
+            <a:schemeClr val="bg1">
+              <a:lumMod val="65000"/>
+            </a:schemeClr>
+          </a:solidFill>
+          <a:ln w="22225">
+            <a:solidFill>
+              <a:schemeClr val="tx1">
+                <a:lumMod val="75000"/>
+                <a:lumOff val="25000"/>
+              </a:schemeClr>
+            </a:solidFill>
+          </a:ln>
+        </p:spPr>
+        <p:style>
+          <a:lnRef idx="2">
+            <a:schemeClr val="accent1">
+              <a:shade val="50000"/>
+            </a:schemeClr>
+          </a:lnRef>
+          <a:fillRef idx="1">
+            <a:schemeClr val="accent1"/>
+          </a:fillRef>
+          <a:effectRef idx="0">
+            <a:schemeClr val="accent1"/>
+          </a:effectRef>
+          <a:fontRef idx="minor">
+            <a:schemeClr val="lt1"/>
+          </a:fontRef>
+        </p:style>
+        <p:txBody>
+          <a:bodyPr rtlCol="0" anchor="ctr"/>
+          <a:lstStyle/>
+          <a:p>
+            <a:pPr algn="ctr"/>
+            <a:r>
+              <a:rPr lang="en-US" altLang="zh-CN" sz="1200" smtClean="0">
+                <a:solidFill>
+                  <a:schemeClr val="tx1"/>
+                </a:solidFill>
+              </a:rPr>
+              <a:t>Scan1(split)</a:t>
+            </a:r>
+            <a:endParaRPr lang="zh-CN" altLang="en-US" sz="1200">
+              <a:solidFill>
+                <a:schemeClr val="tx1"/>
+              </a:solidFill>
+            </a:endParaRPr>
+          </a:p>
+        </p:txBody>
+      </p:sp>
+      <p:cxnSp>
+        <p:nvCxnSpPr>
+          <p:cNvPr id="63" name="直接箭头连接符 62"/>
+          <p:cNvCxnSpPr>
+            <a:stCxn id="42" idx="0"/>
+            <a:endCxn id="48" idx="2"/>
+          </p:cNvCxnSpPr>
+          <p:nvPr/>
+        </p:nvCxnSpPr>
+        <p:spPr>
+          <a:xfrm flipV="1">
+            <a:off x="8419490" y="4188532"/>
+            <a:ext cx="1215693" cy="340336"/>
+          </a:xfrm>
+          <a:prstGeom prst="straightConnector1">
+            <a:avLst/>
+          </a:prstGeom>
+          <a:ln w="31750">
+            <a:solidFill>
+              <a:schemeClr val="tx1">
+                <a:lumMod val="85000"/>
+                <a:lumOff val="15000"/>
+              </a:schemeClr>
+            </a:solidFill>
+            <a:tailEnd type="triangle"/>
+          </a:ln>
+        </p:spPr>
+        <p:style>
+          <a:lnRef idx="1">
+            <a:schemeClr val="accent1"/>
+          </a:lnRef>
+          <a:fillRef idx="0">
+            <a:schemeClr val="accent1"/>
+          </a:fillRef>
+          <a:effectRef idx="0">
+            <a:schemeClr val="accent1"/>
+          </a:effectRef>
+          <a:fontRef idx="minor">
+            <a:schemeClr val="tx1"/>
+          </a:fontRef>
+        </p:style>
+      </p:cxnSp>
+      <p:cxnSp>
+        <p:nvCxnSpPr>
+          <p:cNvPr id="65" name="直接箭头连接符 64"/>
+          <p:cNvCxnSpPr>
+            <a:stCxn id="56" idx="0"/>
+            <a:endCxn id="48" idx="2"/>
+          </p:cNvCxnSpPr>
+          <p:nvPr/>
+        </p:nvCxnSpPr>
+        <p:spPr>
+          <a:xfrm flipH="1" flipV="1">
+            <a:off x="9635183" y="4188532"/>
+            <a:ext cx="1254968" cy="340336"/>
+          </a:xfrm>
+          <a:prstGeom prst="straightConnector1">
+            <a:avLst/>
+          </a:prstGeom>
+          <a:ln w="31750">
+            <a:solidFill>
+              <a:schemeClr val="tx1">
+                <a:lumMod val="85000"/>
+                <a:lumOff val="15000"/>
+              </a:schemeClr>
+            </a:solidFill>
+            <a:tailEnd type="triangle"/>
+          </a:ln>
+        </p:spPr>
+        <p:style>
+          <a:lnRef idx="1">
+            <a:schemeClr val="accent1"/>
+          </a:lnRef>
+          <a:fillRef idx="0">
+            <a:schemeClr val="accent1"/>
+          </a:fillRef>
+          <a:effectRef idx="0">
+            <a:schemeClr val="accent1"/>
+          </a:effectRef>
+          <a:fontRef idx="minor">
+            <a:schemeClr val="tx1"/>
+          </a:fontRef>
+        </p:style>
+      </p:cxnSp>
+      <p:sp>
+        <p:nvSpPr>
+          <p:cNvPr id="66" name="圆角矩形 65"/>
+          <p:cNvSpPr/>
+          <p:nvPr/>
+        </p:nvSpPr>
+        <p:spPr>
+          <a:xfrm>
+            <a:off x="6230126" y="4554051"/>
+            <a:ext cx="1041118" cy="530845"/>
+          </a:xfrm>
+          <a:prstGeom prst="roundRect">
+            <a:avLst/>
+          </a:prstGeom>
+          <a:solidFill>
+            <a:schemeClr val="accent3">
+              <a:lumMod val="40000"/>
+              <a:lumOff val="60000"/>
+            </a:schemeClr>
+          </a:solidFill>
+          <a:ln w="22225">
+            <a:solidFill>
+              <a:schemeClr val="tx1">
+                <a:lumMod val="75000"/>
+                <a:lumOff val="25000"/>
+              </a:schemeClr>
+            </a:solidFill>
+          </a:ln>
+        </p:spPr>
+        <p:style>
+          <a:lnRef idx="2">
+            <a:schemeClr val="accent1">
+              <a:shade val="50000"/>
+            </a:schemeClr>
+          </a:lnRef>
+          <a:fillRef idx="1">
+            <a:schemeClr val="accent1"/>
+          </a:fillRef>
+          <a:effectRef idx="0">
+            <a:schemeClr val="accent1"/>
+          </a:effectRef>
+          <a:fontRef idx="minor">
+            <a:schemeClr val="lt1"/>
+          </a:fontRef>
+        </p:style>
+        <p:txBody>
+          <a:bodyPr rtlCol="0" anchor="ctr"/>
+          <a:lstStyle/>
+          <a:p>
+            <a:pPr algn="ctr"/>
+            <a:r>
+              <a:rPr lang="en-US" altLang="zh-CN" sz="1200" dirty="0" smtClean="0">
+                <a:solidFill>
+                  <a:schemeClr val="tx1"/>
+                </a:solidFill>
+              </a:rPr>
+              <a:t>Radix Buffer</a:t>
+            </a:r>
+            <a:endParaRPr lang="zh-CN" altLang="en-US" sz="1200" dirty="0">
+              <a:solidFill>
+                <a:schemeClr val="tx1"/>
+              </a:solidFill>
+            </a:endParaRPr>
+          </a:p>
+        </p:txBody>
+      </p:sp>
+      <p:cxnSp>
+        <p:nvCxnSpPr>
+          <p:cNvPr id="68" name="直接箭头连接符 16"/>
+          <p:cNvCxnSpPr>
+            <a:stCxn id="42" idx="0"/>
+            <a:endCxn id="66" idx="0"/>
+          </p:cNvCxnSpPr>
+          <p:nvPr/>
+        </p:nvCxnSpPr>
+        <p:spPr>
+          <a:xfrm rot="16200000" flipH="1" flipV="1">
+            <a:off x="7572496" y="3707056"/>
+            <a:ext cx="25183" cy="1668805"/>
+          </a:xfrm>
+          <a:prstGeom prst="curvedConnector3">
+            <a:avLst>
+              <a:gd name="adj1" fmla="val -907755"/>
+            </a:avLst>
+          </a:prstGeom>
+          <a:ln w="19050">
+            <a:solidFill>
+              <a:schemeClr val="accent5">
+                <a:lumMod val="75000"/>
+              </a:schemeClr>
+            </a:solidFill>
+            <a:prstDash val="sysDash"/>
+            <a:tailEnd type="triangle"/>
+          </a:ln>
+        </p:spPr>
+        <p:style>
+          <a:lnRef idx="1">
+            <a:schemeClr val="accent1"/>
+          </a:lnRef>
+          <a:fillRef idx="0">
+            <a:schemeClr val="accent1"/>
+          </a:fillRef>
+          <a:effectRef idx="0">
+            <a:schemeClr val="accent1"/>
+          </a:effectRef>
+          <a:fontRef idx="minor">
+            <a:schemeClr val="tx1"/>
+          </a:fontRef>
+        </p:style>
+      </p:cxnSp>
+      <p:cxnSp>
+        <p:nvCxnSpPr>
+          <p:cNvPr id="69" name="直接箭头连接符 16"/>
+          <p:cNvCxnSpPr>
+            <a:stCxn id="56" idx="0"/>
+            <a:endCxn id="66" idx="0"/>
+          </p:cNvCxnSpPr>
+          <p:nvPr/>
+        </p:nvCxnSpPr>
+        <p:spPr>
+          <a:xfrm rot="16200000" flipH="1" flipV="1">
+            <a:off x="8807826" y="2471726"/>
+            <a:ext cx="25183" cy="4139466"/>
+          </a:xfrm>
+          <a:prstGeom prst="curvedConnector3">
+            <a:avLst>
+              <a:gd name="adj1" fmla="val -907755"/>
+            </a:avLst>
+          </a:prstGeom>
+          <a:ln w="19050">
+            <a:solidFill>
+              <a:schemeClr val="accent5">
+                <a:lumMod val="75000"/>
+              </a:schemeClr>
+            </a:solidFill>
+            <a:prstDash val="sysDash"/>
             <a:tailEnd type="triangle"/>
           </a:ln>
         </p:spPr>
@@ -21133,6 +22007,55 @@
     <p:extLst>
       <p:ext uri="{BB962C8B-B14F-4D97-AF65-F5344CB8AC3E}">
         <p14:creationId xmlns:p14="http://schemas.microsoft.com/office/powerpoint/2010/main" val="1862038834"/>
+      </p:ext>
+    </p:extLst>
+  </p:cSld>
+  <p:clrMapOvr>
+    <a:masterClrMapping/>
+  </p:clrMapOvr>
+</p:sld>
+</file>
+
+<file path=ppt/slides/slide25.xml><?xml version="1.0" encoding="utf-8"?>
+<p:sld xmlns:a="http://schemas.openxmlformats.org/drawingml/2006/main" xmlns:r="http://schemas.openxmlformats.org/officeDocument/2006/relationships" xmlns:p="http://schemas.openxmlformats.org/presentationml/2006/main">
+  <p:cSld>
+    <p:spTree>
+      <p:nvGrpSpPr>
+        <p:cNvPr id="1" name=""/>
+        <p:cNvGrpSpPr/>
+        <p:nvPr/>
+      </p:nvGrpSpPr>
+      <p:grpSpPr>
+        <a:xfrm>
+          <a:off x="0" y="0"/>
+          <a:ext cx="0" cy="0"/>
+          <a:chOff x="0" y="0"/>
+          <a:chExt cx="0" cy="0"/>
+        </a:xfrm>
+      </p:grpSpPr>
+      <p:sp>
+        <p:nvSpPr>
+          <p:cNvPr id="2" name="标题 1"/>
+          <p:cNvSpPr>
+            <a:spLocks noGrp="1"/>
+          </p:cNvSpPr>
+          <p:nvPr>
+            <p:ph type="title"/>
+          </p:nvPr>
+        </p:nvSpPr>
+        <p:spPr/>
+        <p:txBody>
+          <a:bodyPr/>
+          <a:lstStyle/>
+          <a:p>
+            <a:endParaRPr lang="zh-CN" altLang="en-US"/>
+          </a:p>
+        </p:txBody>
+      </p:sp>
+    </p:spTree>
+    <p:extLst>
+      <p:ext uri="{BB962C8B-B14F-4D97-AF65-F5344CB8AC3E}">
+        <p14:creationId xmlns:p14="http://schemas.microsoft.com/office/powerpoint/2010/main" val="4115555921"/>
       </p:ext>
     </p:extLst>
   </p:cSld>

--- a/doc/thor architecture.pptx
+++ b/doc/thor architecture.pptx
@@ -27,9 +27,11 @@
     <p:sldId id="274" r:id="rId21"/>
     <p:sldId id="275" r:id="rId22"/>
     <p:sldId id="277" r:id="rId23"/>
-    <p:sldId id="278" r:id="rId24"/>
-    <p:sldId id="279" r:id="rId25"/>
-    <p:sldId id="280" r:id="rId26"/>
+    <p:sldId id="281" r:id="rId24"/>
+    <p:sldId id="278" r:id="rId25"/>
+    <p:sldId id="282" r:id="rId26"/>
+    <p:sldId id="279" r:id="rId27"/>
+    <p:sldId id="280" r:id="rId28"/>
   </p:sldIdLst>
   <p:sldSz cx="12192000" cy="6858000"/>
   <p:notesSz cx="6858000" cy="9144000"/>
@@ -267,7 +269,7 @@
           <a:p>
             <a:fld id="{26E5557C-EA97-4CBB-BFBF-8E388EEF4F51}" type="datetimeFigureOut">
               <a:rPr lang="zh-CN" altLang="en-US" smtClean="0"/>
-              <a:t>2014/10/23</a:t>
+              <a:t>2014/10/24</a:t>
             </a:fld>
             <a:endParaRPr lang="zh-CN" altLang="en-US"/>
           </a:p>
@@ -437,7 +439,7 @@
           <a:p>
             <a:fld id="{26E5557C-EA97-4CBB-BFBF-8E388EEF4F51}" type="datetimeFigureOut">
               <a:rPr lang="zh-CN" altLang="en-US" smtClean="0"/>
-              <a:t>2014/10/23</a:t>
+              <a:t>2014/10/24</a:t>
             </a:fld>
             <a:endParaRPr lang="zh-CN" altLang="en-US"/>
           </a:p>
@@ -617,7 +619,7 @@
           <a:p>
             <a:fld id="{26E5557C-EA97-4CBB-BFBF-8E388EEF4F51}" type="datetimeFigureOut">
               <a:rPr lang="zh-CN" altLang="en-US" smtClean="0"/>
-              <a:t>2014/10/23</a:t>
+              <a:t>2014/10/24</a:t>
             </a:fld>
             <a:endParaRPr lang="zh-CN" altLang="en-US"/>
           </a:p>
@@ -787,7 +789,7 @@
           <a:p>
             <a:fld id="{26E5557C-EA97-4CBB-BFBF-8E388EEF4F51}" type="datetimeFigureOut">
               <a:rPr lang="zh-CN" altLang="en-US" smtClean="0"/>
-              <a:t>2014/10/23</a:t>
+              <a:t>2014/10/24</a:t>
             </a:fld>
             <a:endParaRPr lang="zh-CN" altLang="en-US"/>
           </a:p>
@@ -1033,7 +1035,7 @@
           <a:p>
             <a:fld id="{26E5557C-EA97-4CBB-BFBF-8E388EEF4F51}" type="datetimeFigureOut">
               <a:rPr lang="zh-CN" altLang="en-US" smtClean="0"/>
-              <a:t>2014/10/23</a:t>
+              <a:t>2014/10/24</a:t>
             </a:fld>
             <a:endParaRPr lang="zh-CN" altLang="en-US"/>
           </a:p>
@@ -1265,7 +1267,7 @@
           <a:p>
             <a:fld id="{26E5557C-EA97-4CBB-BFBF-8E388EEF4F51}" type="datetimeFigureOut">
               <a:rPr lang="zh-CN" altLang="en-US" smtClean="0"/>
-              <a:t>2014/10/23</a:t>
+              <a:t>2014/10/24</a:t>
             </a:fld>
             <a:endParaRPr lang="zh-CN" altLang="en-US"/>
           </a:p>
@@ -1632,7 +1634,7 @@
           <a:p>
             <a:fld id="{26E5557C-EA97-4CBB-BFBF-8E388EEF4F51}" type="datetimeFigureOut">
               <a:rPr lang="zh-CN" altLang="en-US" smtClean="0"/>
-              <a:t>2014/10/23</a:t>
+              <a:t>2014/10/24</a:t>
             </a:fld>
             <a:endParaRPr lang="zh-CN" altLang="en-US"/>
           </a:p>
@@ -1755,7 +1757,7 @@
           <a:p>
             <a:fld id="{26E5557C-EA97-4CBB-BFBF-8E388EEF4F51}" type="datetimeFigureOut">
               <a:rPr lang="zh-CN" altLang="en-US" smtClean="0"/>
-              <a:t>2014/10/23</a:t>
+              <a:t>2014/10/24</a:t>
             </a:fld>
             <a:endParaRPr lang="zh-CN" altLang="en-US"/>
           </a:p>
@@ -1850,7 +1852,7 @@
           <a:p>
             <a:fld id="{26E5557C-EA97-4CBB-BFBF-8E388EEF4F51}" type="datetimeFigureOut">
               <a:rPr lang="zh-CN" altLang="en-US" smtClean="0"/>
-              <a:t>2014/10/23</a:t>
+              <a:t>2014/10/24</a:t>
             </a:fld>
             <a:endParaRPr lang="zh-CN" altLang="en-US"/>
           </a:p>
@@ -2127,7 +2129,7 @@
           <a:p>
             <a:fld id="{26E5557C-EA97-4CBB-BFBF-8E388EEF4F51}" type="datetimeFigureOut">
               <a:rPr lang="zh-CN" altLang="en-US" smtClean="0"/>
-              <a:t>2014/10/23</a:t>
+              <a:t>2014/10/24</a:t>
             </a:fld>
             <a:endParaRPr lang="zh-CN" altLang="en-US"/>
           </a:p>
@@ -2384,7 +2386,7 @@
           <a:p>
             <a:fld id="{26E5557C-EA97-4CBB-BFBF-8E388EEF4F51}" type="datetimeFigureOut">
               <a:rPr lang="zh-CN" altLang="en-US" smtClean="0"/>
-              <a:t>2014/10/23</a:t>
+              <a:t>2014/10/24</a:t>
             </a:fld>
             <a:endParaRPr lang="zh-CN" altLang="en-US"/>
           </a:p>
@@ -2597,7 +2599,7 @@
           <a:p>
             <a:fld id="{26E5557C-EA97-4CBB-BFBF-8E388EEF4F51}" type="datetimeFigureOut">
               <a:rPr lang="zh-CN" altLang="en-US" smtClean="0"/>
-              <a:t>2014/10/23</a:t>
+              <a:t>2014/10/24</a:t>
             </a:fld>
             <a:endParaRPr lang="zh-CN" altLang="en-US"/>
           </a:p>
@@ -17472,7 +17474,7 @@
           <a:p>
             <a:r>
               <a:rPr lang="en-US" altLang="zh-CN" smtClean="0"/>
-              <a:t>Join parallelization</a:t>
+              <a:t>JOIN DAGs</a:t>
             </a:r>
             <a:endParaRPr lang="zh-CN" altLang="en-US"/>
           </a:p>
@@ -17486,7 +17488,7 @@
         </p:nvSpPr>
         <p:spPr>
           <a:xfrm>
-            <a:off x="926067" y="1629978"/>
+            <a:off x="1936499" y="1290817"/>
             <a:ext cx="906624" cy="391886"/>
           </a:xfrm>
           <a:prstGeom prst="roundRect">
@@ -17528,14 +17530,14 @@
           <a:p>
             <a:pPr algn="ctr"/>
             <a:r>
-              <a:rPr lang="en-US" altLang="zh-CN" smtClean="0">
+              <a:rPr lang="en-US" altLang="zh-CN" sz="1400" smtClean="0">
                 <a:solidFill>
                   <a:schemeClr val="tx1"/>
                 </a:solidFill>
               </a:rPr>
               <a:t>join</a:t>
             </a:r>
-            <a:endParaRPr lang="zh-CN" altLang="en-US">
+            <a:endParaRPr lang="zh-CN" altLang="en-US" sz="1400">
               <a:solidFill>
                 <a:schemeClr val="tx1"/>
               </a:solidFill>
@@ -17545,13 +17547,13 @@
       </p:sp>
       <p:sp>
         <p:nvSpPr>
-          <p:cNvPr id="5" name="圆角矩形 4"/>
+          <p:cNvPr id="4" name="圆角矩形 3"/>
           <p:cNvSpPr/>
           <p:nvPr/>
         </p:nvSpPr>
         <p:spPr>
           <a:xfrm>
-            <a:off x="313357" y="2370207"/>
+            <a:off x="1323789" y="2031046"/>
             <a:ext cx="906624" cy="391886"/>
           </a:xfrm>
           <a:prstGeom prst="roundRect">
@@ -17593,14 +17595,14 @@
           <a:p>
             <a:pPr algn="ctr"/>
             <a:r>
-              <a:rPr lang="en-US" altLang="zh-CN" smtClean="0">
+              <a:rPr lang="en-US" altLang="zh-CN" sz="1400" smtClean="0">
                 <a:solidFill>
                   <a:schemeClr val="tx1"/>
                 </a:solidFill>
               </a:rPr>
-              <a:t>sub1</a:t>
-            </a:r>
-            <a:endParaRPr lang="zh-CN" altLang="en-US">
+              <a:t>scan1</a:t>
+            </a:r>
+            <a:endParaRPr lang="zh-CN" altLang="en-US" sz="1400">
               <a:solidFill>
                 <a:schemeClr val="tx1"/>
               </a:solidFill>
@@ -17610,13 +17612,13 @@
       </p:sp>
       <p:sp>
         <p:nvSpPr>
-          <p:cNvPr id="6" name="圆角矩形 5"/>
+          <p:cNvPr id="5" name="圆角矩形 4"/>
           <p:cNvSpPr/>
           <p:nvPr/>
         </p:nvSpPr>
         <p:spPr>
           <a:xfrm>
-            <a:off x="1510785" y="2370207"/>
+            <a:off x="2521217" y="2031046"/>
             <a:ext cx="906624" cy="391886"/>
           </a:xfrm>
           <a:prstGeom prst="roundRect">
@@ -17658,14 +17660,14 @@
           <a:p>
             <a:pPr algn="ctr"/>
             <a:r>
-              <a:rPr lang="en-US" altLang="zh-CN" smtClean="0">
+              <a:rPr lang="en-US" altLang="zh-CN" sz="1400" smtClean="0">
                 <a:solidFill>
                   <a:schemeClr val="tx1"/>
                 </a:solidFill>
               </a:rPr>
-              <a:t>sub2</a:t>
-            </a:r>
-            <a:endParaRPr lang="zh-CN" altLang="en-US">
+              <a:t>scan2</a:t>
+            </a:r>
+            <a:endParaRPr lang="zh-CN" altLang="en-US" sz="1400">
               <a:solidFill>
                 <a:schemeClr val="tx1"/>
               </a:solidFill>
@@ -17675,16 +17677,16 @@
       </p:sp>
       <p:cxnSp>
         <p:nvCxnSpPr>
-          <p:cNvPr id="7" name="直接箭头连接符 6"/>
+          <p:cNvPr id="6" name="直接箭头连接符 5"/>
           <p:cNvCxnSpPr>
-            <a:stCxn id="5" idx="0"/>
+            <a:stCxn id="4" idx="0"/>
             <a:endCxn id="3" idx="2"/>
           </p:cNvCxnSpPr>
           <p:nvPr/>
         </p:nvCxnSpPr>
         <p:spPr>
           <a:xfrm flipV="1">
-            <a:off x="766669" y="2021864"/>
+            <a:off x="1777101" y="1682703"/>
             <a:ext cx="612710" cy="348343"/>
           </a:xfrm>
           <a:prstGeom prst="straightConnector1">
@@ -17717,16 +17719,16 @@
       </p:cxnSp>
       <p:cxnSp>
         <p:nvCxnSpPr>
-          <p:cNvPr id="10" name="直接箭头连接符 9"/>
+          <p:cNvPr id="7" name="直接箭头连接符 6"/>
           <p:cNvCxnSpPr>
-            <a:stCxn id="6" idx="0"/>
+            <a:stCxn id="5" idx="0"/>
             <a:endCxn id="3" idx="2"/>
           </p:cNvCxnSpPr>
           <p:nvPr/>
         </p:nvCxnSpPr>
         <p:spPr>
           <a:xfrm flipH="1" flipV="1">
-            <a:off x="1379379" y="2021864"/>
+            <a:off x="2389811" y="1682703"/>
             <a:ext cx="584718" cy="348343"/>
           </a:xfrm>
           <a:prstGeom prst="straightConnector1">
@@ -17759,13 +17761,13 @@
       </p:cxnSp>
       <p:sp>
         <p:nvSpPr>
-          <p:cNvPr id="13" name="圆角矩形 12"/>
+          <p:cNvPr id="23" name="圆角矩形 22"/>
           <p:cNvSpPr/>
           <p:nvPr/>
         </p:nvSpPr>
         <p:spPr>
           <a:xfrm>
-            <a:off x="4234152" y="1514826"/>
+            <a:off x="1805093" y="5023061"/>
             <a:ext cx="906624" cy="391886"/>
           </a:xfrm>
           <a:prstGeom prst="roundRect">
@@ -17807,14 +17809,14 @@
           <a:p>
             <a:pPr algn="ctr"/>
             <a:r>
-              <a:rPr lang="en-US" altLang="zh-CN" smtClean="0">
+              <a:rPr lang="en-US" altLang="zh-CN" sz="1400" smtClean="0">
                 <a:solidFill>
                   <a:schemeClr val="tx1"/>
                 </a:solidFill>
               </a:rPr>
-              <a:t>join</a:t>
-            </a:r>
-            <a:endParaRPr lang="zh-CN" altLang="en-US">
+              <a:t>join1</a:t>
+            </a:r>
+            <a:endParaRPr lang="zh-CN" altLang="en-US" sz="1400">
               <a:solidFill>
                 <a:schemeClr val="tx1"/>
               </a:solidFill>
@@ -17824,13 +17826,13 @@
       </p:sp>
       <p:sp>
         <p:nvSpPr>
-          <p:cNvPr id="14" name="圆角矩形 13"/>
+          <p:cNvPr id="24" name="圆角矩形 23"/>
           <p:cNvSpPr/>
           <p:nvPr/>
         </p:nvSpPr>
         <p:spPr>
           <a:xfrm>
-            <a:off x="3588784" y="2255055"/>
+            <a:off x="1192383" y="5763290"/>
             <a:ext cx="906624" cy="391886"/>
           </a:xfrm>
           <a:prstGeom prst="roundRect">
@@ -17877,7 +17879,7 @@
                   <a:schemeClr val="tx1"/>
                 </a:solidFill>
               </a:rPr>
-              <a:t>exchange</a:t>
+              <a:t>scan1</a:t>
             </a:r>
             <a:endParaRPr lang="zh-CN" altLang="en-US" sz="1400">
               <a:solidFill>
@@ -17889,13 +17891,13 @@
       </p:sp>
       <p:sp>
         <p:nvSpPr>
-          <p:cNvPr id="15" name="圆角矩形 14"/>
+          <p:cNvPr id="25" name="圆角矩形 24"/>
           <p:cNvSpPr/>
           <p:nvPr/>
         </p:nvSpPr>
         <p:spPr>
           <a:xfrm>
-            <a:off x="4862414" y="2255055"/>
+            <a:off x="2389811" y="5763290"/>
             <a:ext cx="906624" cy="391886"/>
           </a:xfrm>
           <a:prstGeom prst="roundRect">
@@ -17937,12 +17939,12 @@
           <a:p>
             <a:pPr algn="ctr"/>
             <a:r>
-              <a:rPr lang="en-US" altLang="zh-CN" sz="1400">
+              <a:rPr lang="en-US" altLang="zh-CN" sz="1400" smtClean="0">
                 <a:solidFill>
                   <a:schemeClr val="tx1"/>
                 </a:solidFill>
               </a:rPr>
-              <a:t>exchange</a:t>
+              <a:t>scan2</a:t>
             </a:r>
             <a:endParaRPr lang="zh-CN" altLang="en-US" sz="1400">
               <a:solidFill>
@@ -17954,17 +17956,17 @@
       </p:sp>
       <p:cxnSp>
         <p:nvCxnSpPr>
-          <p:cNvPr id="16" name="直接箭头连接符 15"/>
+          <p:cNvPr id="26" name="直接箭头连接符 25"/>
           <p:cNvCxnSpPr>
-            <a:stCxn id="14" idx="0"/>
-            <a:endCxn id="13" idx="2"/>
+            <a:stCxn id="24" idx="0"/>
+            <a:endCxn id="23" idx="2"/>
           </p:cNvCxnSpPr>
           <p:nvPr/>
         </p:nvCxnSpPr>
         <p:spPr>
           <a:xfrm flipV="1">
-            <a:off x="4042096" y="1906712"/>
-            <a:ext cx="645368" cy="348343"/>
+            <a:off x="1645695" y="5414947"/>
+            <a:ext cx="612710" cy="348343"/>
           </a:xfrm>
           <a:prstGeom prst="straightConnector1">
             <a:avLst/>
@@ -17996,17 +17998,17 @@
       </p:cxnSp>
       <p:cxnSp>
         <p:nvCxnSpPr>
-          <p:cNvPr id="17" name="直接箭头连接符 16"/>
+          <p:cNvPr id="27" name="直接箭头连接符 26"/>
           <p:cNvCxnSpPr>
-            <a:stCxn id="15" idx="0"/>
-            <a:endCxn id="13" idx="2"/>
+            <a:stCxn id="25" idx="0"/>
+            <a:endCxn id="23" idx="2"/>
           </p:cNvCxnSpPr>
           <p:nvPr/>
         </p:nvCxnSpPr>
         <p:spPr>
           <a:xfrm flipH="1" flipV="1">
-            <a:off x="4687464" y="1906712"/>
-            <a:ext cx="628262" cy="348343"/>
+            <a:off x="2258405" y="5414947"/>
+            <a:ext cx="584718" cy="348343"/>
           </a:xfrm>
           <a:prstGeom prst="straightConnector1">
             <a:avLst/>
@@ -18038,13 +18040,13 @@
       </p:cxnSp>
       <p:sp>
         <p:nvSpPr>
-          <p:cNvPr id="19" name="圆角矩形 18"/>
+          <p:cNvPr id="28" name="圆角矩形 27"/>
           <p:cNvSpPr/>
           <p:nvPr/>
         </p:nvSpPr>
         <p:spPr>
           <a:xfrm>
-            <a:off x="3588784" y="2993845"/>
+            <a:off x="2470677" y="4334076"/>
             <a:ext cx="906624" cy="391886"/>
           </a:xfrm>
           <a:prstGeom prst="roundRect">
@@ -18086,14 +18088,14 @@
           <a:p>
             <a:pPr algn="ctr"/>
             <a:r>
-              <a:rPr lang="en-US" altLang="zh-CN" smtClean="0">
+              <a:rPr lang="en-US" altLang="zh-CN" sz="1400" smtClean="0">
                 <a:solidFill>
                   <a:schemeClr val="tx1"/>
                 </a:solidFill>
               </a:rPr>
-              <a:t>sub1</a:t>
-            </a:r>
-            <a:endParaRPr lang="zh-CN" altLang="en-US">
+              <a:t>join2</a:t>
+            </a:r>
+            <a:endParaRPr lang="zh-CN" altLang="en-US" sz="1400">
               <a:solidFill>
                 <a:schemeClr val="tx1"/>
               </a:solidFill>
@@ -18103,13 +18105,13 @@
       </p:sp>
       <p:sp>
         <p:nvSpPr>
-          <p:cNvPr id="20" name="圆角矩形 19"/>
+          <p:cNvPr id="29" name="圆角矩形 28"/>
           <p:cNvSpPr/>
           <p:nvPr/>
         </p:nvSpPr>
         <p:spPr>
           <a:xfrm>
-            <a:off x="4862414" y="2993845"/>
+            <a:off x="3165029" y="5023061"/>
             <a:ext cx="906624" cy="391886"/>
           </a:xfrm>
           <a:prstGeom prst="roundRect">
@@ -18151,14 +18153,14 @@
           <a:p>
             <a:pPr algn="ctr"/>
             <a:r>
-              <a:rPr lang="en-US" altLang="zh-CN" smtClean="0">
+              <a:rPr lang="en-US" altLang="zh-CN" sz="1400" smtClean="0">
                 <a:solidFill>
                   <a:schemeClr val="tx1"/>
                 </a:solidFill>
               </a:rPr>
-              <a:t>sub2</a:t>
-            </a:r>
-            <a:endParaRPr lang="zh-CN" altLang="en-US">
+              <a:t>scan3</a:t>
+            </a:r>
+            <a:endParaRPr lang="zh-CN" altLang="en-US" sz="1400">
               <a:solidFill>
                 <a:schemeClr val="tx1"/>
               </a:solidFill>
@@ -18168,17 +18170,17 @@
       </p:sp>
       <p:cxnSp>
         <p:nvCxnSpPr>
-          <p:cNvPr id="21" name="直接箭头连接符 20"/>
+          <p:cNvPr id="30" name="直接箭头连接符 29"/>
           <p:cNvCxnSpPr>
-            <a:stCxn id="19" idx="0"/>
-            <a:endCxn id="14" idx="2"/>
+            <a:stCxn id="23" idx="0"/>
+            <a:endCxn id="28" idx="2"/>
           </p:cNvCxnSpPr>
           <p:nvPr/>
         </p:nvCxnSpPr>
         <p:spPr>
           <a:xfrm flipV="1">
-            <a:off x="4042096" y="2646941"/>
-            <a:ext cx="0" cy="346904"/>
+            <a:off x="2258405" y="4725962"/>
+            <a:ext cx="665584" cy="297099"/>
           </a:xfrm>
           <a:prstGeom prst="straightConnector1">
             <a:avLst/>
@@ -18210,17 +18212,17 @@
       </p:cxnSp>
       <p:cxnSp>
         <p:nvCxnSpPr>
-          <p:cNvPr id="24" name="直接箭头连接符 23"/>
+          <p:cNvPr id="33" name="直接箭头连接符 32"/>
           <p:cNvCxnSpPr>
-            <a:stCxn id="20" idx="0"/>
-            <a:endCxn id="15" idx="2"/>
+            <a:stCxn id="29" idx="0"/>
+            <a:endCxn id="28" idx="2"/>
           </p:cNvCxnSpPr>
           <p:nvPr/>
         </p:nvCxnSpPr>
         <p:spPr>
-          <a:xfrm flipV="1">
-            <a:off x="5315726" y="2646941"/>
-            <a:ext cx="0" cy="346904"/>
+          <a:xfrm flipH="1" flipV="1">
+            <a:off x="2923989" y="4725962"/>
+            <a:ext cx="694352" cy="297099"/>
           </a:xfrm>
           <a:prstGeom prst="straightConnector1">
             <a:avLst/>
@@ -18252,13 +18254,13 @@
       </p:cxnSp>
       <p:sp>
         <p:nvSpPr>
-          <p:cNvPr id="27" name="圆角矩形 26"/>
+          <p:cNvPr id="36" name="圆角矩形 35"/>
           <p:cNvSpPr/>
           <p:nvPr/>
         </p:nvSpPr>
         <p:spPr>
           <a:xfrm>
-            <a:off x="7047324" y="1514826"/>
+            <a:off x="3863272" y="4329642"/>
             <a:ext cx="906624" cy="391886"/>
           </a:xfrm>
           <a:prstGeom prst="roundRect">
@@ -18300,14 +18302,14 @@
           <a:p>
             <a:pPr algn="ctr"/>
             <a:r>
-              <a:rPr lang="en-US" altLang="zh-CN" smtClean="0">
+              <a:rPr lang="en-US" altLang="zh-CN" sz="1400" smtClean="0">
                 <a:solidFill>
                   <a:schemeClr val="tx1"/>
                 </a:solidFill>
               </a:rPr>
-              <a:t>join</a:t>
-            </a:r>
-            <a:endParaRPr lang="zh-CN" altLang="en-US">
+              <a:t>scan4</a:t>
+            </a:r>
+            <a:endParaRPr lang="zh-CN" altLang="en-US" sz="1400">
               <a:solidFill>
                 <a:schemeClr val="tx1"/>
               </a:solidFill>
@@ -18315,15 +18317,57 @@
           </a:p>
         </p:txBody>
       </p:sp>
-      <p:sp>
-        <p:nvSpPr>
-          <p:cNvPr id="28" name="圆角矩形 27"/>
+      <p:cxnSp>
+        <p:nvCxnSpPr>
+          <p:cNvPr id="37" name="直接箭头连接符 36"/>
+          <p:cNvCxnSpPr>
+            <a:stCxn id="28" idx="0"/>
+            <a:endCxn id="38" idx="2"/>
+          </p:cNvCxnSpPr>
+          <p:nvPr/>
+        </p:nvCxnSpPr>
+        <p:spPr>
+          <a:xfrm flipV="1">
+            <a:off x="2923989" y="3991064"/>
+            <a:ext cx="694352" cy="343012"/>
+          </a:xfrm>
+          <a:prstGeom prst="straightConnector1">
+            <a:avLst/>
+          </a:prstGeom>
+          <a:ln w="31750">
+            <a:solidFill>
+              <a:schemeClr val="tx1">
+                <a:lumMod val="85000"/>
+                <a:lumOff val="15000"/>
+              </a:schemeClr>
+            </a:solidFill>
+            <a:tailEnd type="triangle"/>
+          </a:ln>
+        </p:spPr>
+        <p:style>
+          <a:lnRef idx="1">
+            <a:schemeClr val="accent1"/>
+          </a:lnRef>
+          <a:fillRef idx="0">
+            <a:schemeClr val="accent1"/>
+          </a:fillRef>
+          <a:effectRef idx="0">
+            <a:schemeClr val="accent1"/>
+          </a:effectRef>
+          <a:fontRef idx="minor">
+            <a:schemeClr val="tx1"/>
+          </a:fontRef>
+        </p:style>
+      </p:cxnSp>
+      <p:sp>
+        <p:nvSpPr>
+          <p:cNvPr id="38" name="圆角矩形 37"/>
           <p:cNvSpPr/>
           <p:nvPr/>
         </p:nvSpPr>
         <p:spPr>
           <a:xfrm>
-            <a:off x="6401956" y="2255055"/>
+            <a:off x="3165029" y="3599178"/>
             <a:ext cx="906624" cy="391886"/>
           </a:xfrm>
           <a:prstGeom prst="roundRect">
@@ -18370,7 +18414,7 @@
                   <a:schemeClr val="tx1"/>
                 </a:solidFill>
               </a:rPr>
-              <a:t>exchange</a:t>
+              <a:t>join3</a:t>
             </a:r>
             <a:endParaRPr lang="zh-CN" altLang="en-US" sz="1400">
               <a:solidFill>
@@ -18380,15 +18424,57 @@
           </a:p>
         </p:txBody>
       </p:sp>
-      <p:sp>
-        <p:nvSpPr>
-          <p:cNvPr id="29" name="圆角矩形 28"/>
+      <p:cxnSp>
+        <p:nvCxnSpPr>
+          <p:cNvPr id="41" name="直接箭头连接符 40"/>
+          <p:cNvCxnSpPr>
+            <a:stCxn id="36" idx="0"/>
+            <a:endCxn id="38" idx="2"/>
+          </p:cNvCxnSpPr>
+          <p:nvPr/>
+        </p:nvCxnSpPr>
+        <p:spPr>
+          <a:xfrm flipH="1" flipV="1">
+            <a:off x="3618341" y="3991064"/>
+            <a:ext cx="698243" cy="338578"/>
+          </a:xfrm>
+          <a:prstGeom prst="straightConnector1">
+            <a:avLst/>
+          </a:prstGeom>
+          <a:ln w="31750">
+            <a:solidFill>
+              <a:schemeClr val="tx1">
+                <a:lumMod val="85000"/>
+                <a:lumOff val="15000"/>
+              </a:schemeClr>
+            </a:solidFill>
+            <a:tailEnd type="triangle"/>
+          </a:ln>
+        </p:spPr>
+        <p:style>
+          <a:lnRef idx="1">
+            <a:schemeClr val="accent1"/>
+          </a:lnRef>
+          <a:fillRef idx="0">
+            <a:schemeClr val="accent1"/>
+          </a:fillRef>
+          <a:effectRef idx="0">
+            <a:schemeClr val="accent1"/>
+          </a:effectRef>
+          <a:fontRef idx="minor">
+            <a:schemeClr val="tx1"/>
+          </a:fontRef>
+        </p:style>
+      </p:cxnSp>
+      <p:sp>
+        <p:nvSpPr>
+          <p:cNvPr id="45" name="圆角矩形 44"/>
           <p:cNvSpPr/>
           <p:nvPr/>
         </p:nvSpPr>
         <p:spPr>
           <a:xfrm>
-            <a:off x="7675586" y="2255055"/>
+            <a:off x="5578822" y="1817666"/>
             <a:ext cx="906624" cy="391886"/>
           </a:xfrm>
           <a:prstGeom prst="roundRect">
@@ -18435,7 +18521,7 @@
                   <a:schemeClr val="tx1"/>
                 </a:solidFill>
               </a:rPr>
-              <a:t>SCAN</a:t>
+              <a:t>scan1</a:t>
             </a:r>
             <a:endParaRPr lang="zh-CN" altLang="en-US" sz="1400">
               <a:solidFill>
@@ -18445,19 +18531,84 @@
           </a:p>
         </p:txBody>
       </p:sp>
+      <p:sp>
+        <p:nvSpPr>
+          <p:cNvPr id="46" name="圆角矩形 45"/>
+          <p:cNvSpPr/>
+          <p:nvPr/>
+        </p:nvSpPr>
+        <p:spPr>
+          <a:xfrm>
+            <a:off x="6635515" y="1817666"/>
+            <a:ext cx="906624" cy="391886"/>
+          </a:xfrm>
+          <a:prstGeom prst="roundRect">
+            <a:avLst/>
+          </a:prstGeom>
+          <a:solidFill>
+            <a:schemeClr val="bg1">
+              <a:lumMod val="65000"/>
+            </a:schemeClr>
+          </a:solidFill>
+          <a:ln w="22225">
+            <a:solidFill>
+              <a:schemeClr val="tx1">
+                <a:lumMod val="75000"/>
+                <a:lumOff val="25000"/>
+              </a:schemeClr>
+            </a:solidFill>
+          </a:ln>
+        </p:spPr>
+        <p:style>
+          <a:lnRef idx="2">
+            <a:schemeClr val="accent1">
+              <a:shade val="50000"/>
+            </a:schemeClr>
+          </a:lnRef>
+          <a:fillRef idx="1">
+            <a:schemeClr val="accent1"/>
+          </a:fillRef>
+          <a:effectRef idx="0">
+            <a:schemeClr val="accent1"/>
+          </a:effectRef>
+          <a:fontRef idx="minor">
+            <a:schemeClr val="lt1"/>
+          </a:fontRef>
+        </p:style>
+        <p:txBody>
+          <a:bodyPr rtlCol="0" anchor="ctr"/>
+          <a:lstStyle/>
+          <a:p>
+            <a:pPr algn="ctr"/>
+            <a:r>
+              <a:rPr lang="en-US" altLang="zh-CN" sz="1400" smtClean="0">
+                <a:solidFill>
+                  <a:schemeClr val="tx1"/>
+                </a:solidFill>
+              </a:rPr>
+              <a:t>scan2</a:t>
+            </a:r>
+            <a:endParaRPr lang="zh-CN" altLang="en-US" sz="1400">
+              <a:solidFill>
+                <a:schemeClr val="tx1"/>
+              </a:solidFill>
+            </a:endParaRPr>
+          </a:p>
+        </p:txBody>
+      </p:sp>
       <p:cxnSp>
         <p:nvCxnSpPr>
-          <p:cNvPr id="30" name="直接箭头连接符 29"/>
+          <p:cNvPr id="47" name="直接箭头连接符 46"/>
           <p:cNvCxnSpPr>
-            <a:stCxn id="28" idx="0"/>
-            <a:endCxn id="27" idx="2"/>
+            <a:stCxn id="45" idx="0"/>
+            <a:endCxn id="55" idx="2"/>
           </p:cNvCxnSpPr>
           <p:nvPr/>
         </p:nvCxnSpPr>
         <p:spPr>
           <a:xfrm flipV="1">
-            <a:off x="6855268" y="1906712"/>
-            <a:ext cx="645368" cy="348343"/>
+            <a:off x="6032134" y="1227318"/>
+            <a:ext cx="1526336" cy="590348"/>
           </a:xfrm>
           <a:prstGeom prst="straightConnector1">
             <a:avLst/>
@@ -18489,17 +18640,17 @@
       </p:cxnSp>
       <p:cxnSp>
         <p:nvCxnSpPr>
-          <p:cNvPr id="31" name="直接箭头连接符 30"/>
+          <p:cNvPr id="48" name="直接箭头连接符 47"/>
           <p:cNvCxnSpPr>
-            <a:stCxn id="29" idx="0"/>
-            <a:endCxn id="27" idx="2"/>
+            <a:stCxn id="46" idx="0"/>
+            <a:endCxn id="55" idx="2"/>
           </p:cNvCxnSpPr>
           <p:nvPr/>
         </p:nvCxnSpPr>
         <p:spPr>
-          <a:xfrm flipH="1" flipV="1">
-            <a:off x="7500636" y="1906712"/>
-            <a:ext cx="628262" cy="348343"/>
+          <a:xfrm flipV="1">
+            <a:off x="7088827" y="1227318"/>
+            <a:ext cx="469643" cy="590348"/>
           </a:xfrm>
           <a:prstGeom prst="straightConnector1">
             <a:avLst/>
@@ -18531,13 +18682,13 @@
       </p:cxnSp>
       <p:sp>
         <p:nvSpPr>
-          <p:cNvPr id="32" name="圆角矩形 31"/>
+          <p:cNvPr id="50" name="圆角矩形 49"/>
           <p:cNvSpPr/>
           <p:nvPr/>
         </p:nvSpPr>
         <p:spPr>
           <a:xfrm>
-            <a:off x="6401956" y="2993845"/>
+            <a:off x="8715461" y="1817666"/>
             <a:ext cx="906624" cy="391886"/>
           </a:xfrm>
           <a:prstGeom prst="roundRect">
@@ -18579,14 +18730,14 @@
           <a:p>
             <a:pPr algn="ctr"/>
             <a:r>
-              <a:rPr lang="en-US" altLang="zh-CN" smtClean="0">
+              <a:rPr lang="en-US" altLang="zh-CN" sz="1400" smtClean="0">
                 <a:solidFill>
                   <a:schemeClr val="tx1"/>
                 </a:solidFill>
               </a:rPr>
-              <a:t>join</a:t>
-            </a:r>
-            <a:endParaRPr lang="zh-CN" altLang="en-US">
+              <a:t>scan4</a:t>
+            </a:r>
+            <a:endParaRPr lang="zh-CN" altLang="en-US" sz="1400">
               <a:solidFill>
                 <a:schemeClr val="tx1"/>
               </a:solidFill>
@@ -18594,53 +18745,57 @@
           </a:p>
         </p:txBody>
       </p:sp>
-      <p:sp>
-        <p:nvSpPr>
-          <p:cNvPr id="36" name="右箭头 35"/>
+      <p:cxnSp>
+        <p:nvCxnSpPr>
+          <p:cNvPr id="52" name="直接箭头连接符 51"/>
+          <p:cNvCxnSpPr>
+            <a:stCxn id="50" idx="0"/>
+            <a:endCxn id="55" idx="2"/>
+          </p:cNvCxnSpPr>
+          <p:nvPr/>
+        </p:nvCxnSpPr>
+        <p:spPr>
+          <a:xfrm flipH="1" flipV="1">
+            <a:off x="7558470" y="1227318"/>
+            <a:ext cx="1610303" cy="590348"/>
+          </a:xfrm>
+          <a:prstGeom prst="straightConnector1">
+            <a:avLst/>
+          </a:prstGeom>
+          <a:ln w="31750">
+            <a:solidFill>
+              <a:schemeClr val="tx1">
+                <a:lumMod val="85000"/>
+                <a:lumOff val="15000"/>
+              </a:schemeClr>
+            </a:solidFill>
+            <a:tailEnd type="triangle"/>
+          </a:ln>
+        </p:spPr>
+        <p:style>
+          <a:lnRef idx="1">
+            <a:schemeClr val="accent1"/>
+          </a:lnRef>
+          <a:fillRef idx="0">
+            <a:schemeClr val="accent1"/>
+          </a:fillRef>
+          <a:effectRef idx="0">
+            <a:schemeClr val="accent1"/>
+          </a:effectRef>
+          <a:fontRef idx="minor">
+            <a:schemeClr val="tx1"/>
+          </a:fontRef>
+        </p:style>
+      </p:cxnSp>
+      <p:sp>
+        <p:nvSpPr>
+          <p:cNvPr id="53" name="圆角矩形 52"/>
           <p:cNvSpPr/>
           <p:nvPr/>
         </p:nvSpPr>
         <p:spPr>
           <a:xfrm>
-            <a:off x="2870721" y="1710769"/>
-            <a:ext cx="522514" cy="762000"/>
-          </a:xfrm>
-          <a:prstGeom prst="rightArrow">
-            <a:avLst/>
-          </a:prstGeom>
-        </p:spPr>
-        <p:style>
-          <a:lnRef idx="3">
-            <a:schemeClr val="lt1"/>
-          </a:lnRef>
-          <a:fillRef idx="1">
-            <a:schemeClr val="accent6"/>
-          </a:fillRef>
-          <a:effectRef idx="1">
-            <a:schemeClr val="accent6"/>
-          </a:effectRef>
-          <a:fontRef idx="minor">
-            <a:schemeClr val="lt1"/>
-          </a:fontRef>
-        </p:style>
-        <p:txBody>
-          <a:bodyPr rtlCol="0" anchor="ctr"/>
-          <a:lstStyle/>
-          <a:p>
-            <a:pPr algn="ctr"/>
-            <a:endParaRPr lang="zh-CN" altLang="en-US"/>
-          </a:p>
-        </p:txBody>
-      </p:sp>
-      <p:sp>
-        <p:nvSpPr>
-          <p:cNvPr id="37" name="圆角矩形 36"/>
-          <p:cNvSpPr/>
-          <p:nvPr/>
-        </p:nvSpPr>
-        <p:spPr>
-          <a:xfrm>
-            <a:off x="2225361" y="4762762"/>
+            <a:off x="7664993" y="1817666"/>
             <a:ext cx="906624" cy="391886"/>
           </a:xfrm>
           <a:prstGeom prst="roundRect">
@@ -18682,14 +18837,14 @@
           <a:p>
             <a:pPr algn="ctr"/>
             <a:r>
-              <a:rPr lang="en-US" altLang="zh-CN" sz="1200" dirty="0" smtClean="0">
+              <a:rPr lang="en-US" altLang="zh-CN" sz="1400" smtClean="0">
                 <a:solidFill>
                   <a:schemeClr val="tx1"/>
                 </a:solidFill>
               </a:rPr>
-              <a:t>Hash join</a:t>
-            </a:r>
-            <a:endParaRPr lang="zh-CN" altLang="en-US" sz="1200" dirty="0">
+              <a:t>scan3</a:t>
+            </a:r>
+            <a:endParaRPr lang="zh-CN" altLang="en-US" sz="1400">
               <a:solidFill>
                 <a:schemeClr val="tx1"/>
               </a:solidFill>
@@ -18699,13 +18854,13 @@
       </p:sp>
       <p:sp>
         <p:nvSpPr>
-          <p:cNvPr id="39" name="圆角矩形 38"/>
+          <p:cNvPr id="55" name="圆角矩形 54"/>
           <p:cNvSpPr/>
           <p:nvPr/>
         </p:nvSpPr>
         <p:spPr>
           <a:xfrm>
-            <a:off x="2852841" y="5482932"/>
+            <a:off x="7105158" y="835432"/>
             <a:ext cx="906624" cy="391886"/>
           </a:xfrm>
           <a:prstGeom prst="roundRect">
@@ -18747,22 +18902,14 @@
           <a:p>
             <a:pPr algn="ctr"/>
             <a:r>
-              <a:rPr lang="en-US" altLang="zh-CN" sz="1200">
+              <a:rPr lang="en-US" altLang="zh-CN" sz="1400" smtClean="0">
                 <a:solidFill>
                   <a:schemeClr val="tx1"/>
                 </a:solidFill>
               </a:rPr>
-              <a:t>scan</a:t>
-            </a:r>
-            <a:r>
-              <a:rPr lang="en-US" altLang="zh-CN" sz="1200" smtClean="0">
-                <a:solidFill>
-                  <a:schemeClr val="tx1"/>
-                </a:solidFill>
-              </a:rPr>
-              <a:t>2(split)</a:t>
-            </a:r>
-            <a:endParaRPr lang="zh-CN" altLang="en-US" sz="1200">
+              <a:t>STAR join</a:t>
+            </a:r>
+            <a:endParaRPr lang="zh-CN" altLang="en-US" sz="1400">
               <a:solidFill>
                 <a:schemeClr val="tx1"/>
               </a:solidFill>
@@ -18772,17 +18919,17 @@
       </p:sp>
       <p:cxnSp>
         <p:nvCxnSpPr>
-          <p:cNvPr id="40" name="直接箭头连接符 39"/>
+          <p:cNvPr id="56" name="直接箭头连接符 55"/>
           <p:cNvCxnSpPr>
-            <a:stCxn id="46" idx="0"/>
-            <a:endCxn id="37" idx="2"/>
+            <a:stCxn id="53" idx="0"/>
+            <a:endCxn id="55" idx="2"/>
           </p:cNvCxnSpPr>
           <p:nvPr/>
         </p:nvCxnSpPr>
         <p:spPr>
-          <a:xfrm flipV="1">
-            <a:off x="2033305" y="5154648"/>
-            <a:ext cx="645368" cy="328284"/>
+          <a:xfrm flipH="1" flipV="1">
+            <a:off x="7558470" y="1227318"/>
+            <a:ext cx="559835" cy="590348"/>
           </a:xfrm>
           <a:prstGeom prst="straightConnector1">
             <a:avLst/>
@@ -18812,19 +18959,149 @@
           </a:fontRef>
         </p:style>
       </p:cxnSp>
+      <p:sp>
+        <p:nvSpPr>
+          <p:cNvPr id="66" name="圆角矩形 65"/>
+          <p:cNvSpPr/>
+          <p:nvPr/>
+        </p:nvSpPr>
+        <p:spPr>
+          <a:xfrm>
+            <a:off x="5243025" y="5798274"/>
+            <a:ext cx="906624" cy="391886"/>
+          </a:xfrm>
+          <a:prstGeom prst="roundRect">
+            <a:avLst/>
+          </a:prstGeom>
+          <a:solidFill>
+            <a:schemeClr val="bg1">
+              <a:lumMod val="65000"/>
+            </a:schemeClr>
+          </a:solidFill>
+          <a:ln w="22225">
+            <a:solidFill>
+              <a:schemeClr val="tx1">
+                <a:lumMod val="75000"/>
+                <a:lumOff val="25000"/>
+              </a:schemeClr>
+            </a:solidFill>
+          </a:ln>
+        </p:spPr>
+        <p:style>
+          <a:lnRef idx="2">
+            <a:schemeClr val="accent1">
+              <a:shade val="50000"/>
+            </a:schemeClr>
+          </a:lnRef>
+          <a:fillRef idx="1">
+            <a:schemeClr val="accent1"/>
+          </a:fillRef>
+          <a:effectRef idx="0">
+            <a:schemeClr val="accent1"/>
+          </a:effectRef>
+          <a:fontRef idx="minor">
+            <a:schemeClr val="lt1"/>
+          </a:fontRef>
+        </p:style>
+        <p:txBody>
+          <a:bodyPr rtlCol="0" anchor="ctr"/>
+          <a:lstStyle/>
+          <a:p>
+            <a:pPr algn="ctr"/>
+            <a:r>
+              <a:rPr lang="en-US" altLang="zh-CN" sz="1400" smtClean="0">
+                <a:solidFill>
+                  <a:schemeClr val="tx1"/>
+                </a:solidFill>
+              </a:rPr>
+              <a:t>scan1</a:t>
+            </a:r>
+            <a:endParaRPr lang="zh-CN" altLang="en-US" sz="1400">
+              <a:solidFill>
+                <a:schemeClr val="tx1"/>
+              </a:solidFill>
+            </a:endParaRPr>
+          </a:p>
+        </p:txBody>
+      </p:sp>
+      <p:sp>
+        <p:nvSpPr>
+          <p:cNvPr id="67" name="圆角矩形 66"/>
+          <p:cNvSpPr/>
+          <p:nvPr/>
+        </p:nvSpPr>
+        <p:spPr>
+          <a:xfrm>
+            <a:off x="6299718" y="5798274"/>
+            <a:ext cx="906624" cy="391886"/>
+          </a:xfrm>
+          <a:prstGeom prst="roundRect">
+            <a:avLst/>
+          </a:prstGeom>
+          <a:solidFill>
+            <a:schemeClr val="bg1">
+              <a:lumMod val="65000"/>
+            </a:schemeClr>
+          </a:solidFill>
+          <a:ln w="22225">
+            <a:solidFill>
+              <a:schemeClr val="tx1">
+                <a:lumMod val="75000"/>
+                <a:lumOff val="25000"/>
+              </a:schemeClr>
+            </a:solidFill>
+          </a:ln>
+        </p:spPr>
+        <p:style>
+          <a:lnRef idx="2">
+            <a:schemeClr val="accent1">
+              <a:shade val="50000"/>
+            </a:schemeClr>
+          </a:lnRef>
+          <a:fillRef idx="1">
+            <a:schemeClr val="accent1"/>
+          </a:fillRef>
+          <a:effectRef idx="0">
+            <a:schemeClr val="accent1"/>
+          </a:effectRef>
+          <a:fontRef idx="minor">
+            <a:schemeClr val="lt1"/>
+          </a:fontRef>
+        </p:style>
+        <p:txBody>
+          <a:bodyPr rtlCol="0" anchor="ctr"/>
+          <a:lstStyle/>
+          <a:p>
+            <a:pPr algn="ctr"/>
+            <a:r>
+              <a:rPr lang="en-US" altLang="zh-CN" sz="1400" smtClean="0">
+                <a:solidFill>
+                  <a:schemeClr val="tx1"/>
+                </a:solidFill>
+              </a:rPr>
+              <a:t>scan2</a:t>
+            </a:r>
+            <a:endParaRPr lang="zh-CN" altLang="en-US" sz="1400">
+              <a:solidFill>
+                <a:schemeClr val="tx1"/>
+              </a:solidFill>
+            </a:endParaRPr>
+          </a:p>
+        </p:txBody>
+      </p:sp>
       <p:cxnSp>
         <p:nvCxnSpPr>
-          <p:cNvPr id="41" name="直接箭头连接符 40"/>
+          <p:cNvPr id="68" name="直接箭头连接符 67"/>
           <p:cNvCxnSpPr>
-            <a:stCxn id="39" idx="0"/>
-            <a:endCxn id="37" idx="2"/>
+            <a:stCxn id="66" idx="0"/>
+            <a:endCxn id="73" idx="2"/>
           </p:cNvCxnSpPr>
           <p:nvPr/>
         </p:nvCxnSpPr>
         <p:spPr>
-          <a:xfrm flipH="1" flipV="1">
-            <a:off x="2678673" y="5154648"/>
-            <a:ext cx="627480" cy="328284"/>
+          <a:xfrm flipV="1">
+            <a:off x="5696337" y="5189056"/>
+            <a:ext cx="1052810" cy="609218"/>
           </a:xfrm>
           <a:prstGeom prst="straightConnector1">
             <a:avLst/>
@@ -18854,15 +19131,57 @@
           </a:fontRef>
         </p:style>
       </p:cxnSp>
-      <p:sp>
-        <p:nvSpPr>
-          <p:cNvPr id="45" name="圆角矩形 44"/>
+      <p:cxnSp>
+        <p:nvCxnSpPr>
+          <p:cNvPr id="69" name="直接箭头连接符 68"/>
+          <p:cNvCxnSpPr>
+            <a:stCxn id="67" idx="0"/>
+            <a:endCxn id="73" idx="2"/>
+          </p:cNvCxnSpPr>
+          <p:nvPr/>
+        </p:nvCxnSpPr>
+        <p:spPr>
+          <a:xfrm flipH="1" flipV="1">
+            <a:off x="6749147" y="5189056"/>
+            <a:ext cx="3883" cy="609218"/>
+          </a:xfrm>
+          <a:prstGeom prst="straightConnector1">
+            <a:avLst/>
+          </a:prstGeom>
+          <a:ln w="31750">
+            <a:solidFill>
+              <a:schemeClr val="tx1">
+                <a:lumMod val="85000"/>
+                <a:lumOff val="15000"/>
+              </a:schemeClr>
+            </a:solidFill>
+            <a:tailEnd type="triangle"/>
+          </a:ln>
+        </p:spPr>
+        <p:style>
+          <a:lnRef idx="1">
+            <a:schemeClr val="accent1"/>
+          </a:lnRef>
+          <a:fillRef idx="0">
+            <a:schemeClr val="accent1"/>
+          </a:fillRef>
+          <a:effectRef idx="0">
+            <a:schemeClr val="accent1"/>
+          </a:effectRef>
+          <a:fontRef idx="minor">
+            <a:schemeClr val="tx1"/>
+          </a:fontRef>
+        </p:style>
+      </p:cxnSp>
+      <p:sp>
+        <p:nvSpPr>
+          <p:cNvPr id="72" name="圆角矩形 71"/>
           <p:cNvSpPr/>
           <p:nvPr/>
         </p:nvSpPr>
         <p:spPr>
           <a:xfrm>
-            <a:off x="3441054" y="4030540"/>
+            <a:off x="7329196" y="5798274"/>
             <a:ext cx="906624" cy="391886"/>
           </a:xfrm>
           <a:prstGeom prst="roundRect">
@@ -18909,7 +19228,7 @@
                   <a:schemeClr val="tx1"/>
                 </a:solidFill>
               </a:rPr>
-              <a:t>exchange</a:t>
+              <a:t>scan3</a:t>
             </a:r>
             <a:endParaRPr lang="zh-CN" altLang="en-US" sz="1400">
               <a:solidFill>
@@ -18921,13 +19240,13 @@
       </p:sp>
       <p:sp>
         <p:nvSpPr>
-          <p:cNvPr id="46" name="圆角矩形 45"/>
+          <p:cNvPr id="73" name="圆角矩形 72"/>
           <p:cNvSpPr/>
           <p:nvPr/>
         </p:nvSpPr>
         <p:spPr>
           <a:xfrm>
-            <a:off x="1579993" y="5482932"/>
+            <a:off x="6295835" y="4797170"/>
             <a:ext cx="906624" cy="391886"/>
           </a:xfrm>
           <a:prstGeom prst="roundRect">
@@ -18969,14 +19288,14 @@
           <a:p>
             <a:pPr algn="ctr"/>
             <a:r>
-              <a:rPr lang="en-US" altLang="zh-CN" sz="1200" smtClean="0">
+              <a:rPr lang="en-US" altLang="zh-CN" sz="1400" smtClean="0">
                 <a:solidFill>
                   <a:schemeClr val="tx1"/>
                 </a:solidFill>
               </a:rPr>
-              <a:t>Scan1(split)</a:t>
-            </a:r>
-            <a:endParaRPr lang="zh-CN" altLang="en-US" sz="1200">
+              <a:t>STAR join</a:t>
+            </a:r>
+            <a:endParaRPr lang="zh-CN" altLang="en-US" sz="1400">
               <a:solidFill>
                 <a:schemeClr val="tx1"/>
               </a:solidFill>
@@ -18984,15 +19303,57 @@
           </a:p>
         </p:txBody>
       </p:sp>
-      <p:sp>
-        <p:nvSpPr>
-          <p:cNvPr id="49" name="圆角矩形 48"/>
+      <p:cxnSp>
+        <p:nvCxnSpPr>
+          <p:cNvPr id="74" name="直接箭头连接符 73"/>
+          <p:cNvCxnSpPr>
+            <a:stCxn id="72" idx="0"/>
+            <a:endCxn id="73" idx="2"/>
+          </p:cNvCxnSpPr>
+          <p:nvPr/>
+        </p:nvCxnSpPr>
+        <p:spPr>
+          <a:xfrm flipH="1" flipV="1">
+            <a:off x="6749147" y="5189056"/>
+            <a:ext cx="1033361" cy="609218"/>
+          </a:xfrm>
+          <a:prstGeom prst="straightConnector1">
+            <a:avLst/>
+          </a:prstGeom>
+          <a:ln w="31750">
+            <a:solidFill>
+              <a:schemeClr val="tx1">
+                <a:lumMod val="85000"/>
+                <a:lumOff val="15000"/>
+              </a:schemeClr>
+            </a:solidFill>
+            <a:tailEnd type="triangle"/>
+          </a:ln>
+        </p:spPr>
+        <p:style>
+          <a:lnRef idx="1">
+            <a:schemeClr val="accent1"/>
+          </a:lnRef>
+          <a:fillRef idx="0">
+            <a:schemeClr val="accent1"/>
+          </a:fillRef>
+          <a:effectRef idx="0">
+            <a:schemeClr val="accent1"/>
+          </a:effectRef>
+          <a:fontRef idx="minor">
+            <a:schemeClr val="tx1"/>
+          </a:fontRef>
+        </p:style>
+      </p:cxnSp>
+      <p:sp>
+        <p:nvSpPr>
+          <p:cNvPr id="75" name="圆角矩形 74"/>
           <p:cNvSpPr/>
           <p:nvPr/>
         </p:nvSpPr>
         <p:spPr>
           <a:xfrm>
-            <a:off x="4696022" y="4762762"/>
+            <a:off x="7325313" y="3923927"/>
             <a:ext cx="906624" cy="391886"/>
           </a:xfrm>
           <a:prstGeom prst="roundRect">
@@ -19034,14 +19395,14 @@
           <a:p>
             <a:pPr algn="ctr"/>
             <a:r>
-              <a:rPr lang="en-US" altLang="zh-CN" sz="1200" dirty="0">
+              <a:rPr lang="en-US" altLang="zh-CN" sz="1400" smtClean="0">
                 <a:solidFill>
                   <a:schemeClr val="tx1"/>
                 </a:solidFill>
               </a:rPr>
-              <a:t>Hash join</a:t>
-            </a:r>
-            <a:endParaRPr lang="zh-CN" altLang="en-US" sz="1200" dirty="0">
+              <a:t>STAR join</a:t>
+            </a:r>
+            <a:endParaRPr lang="zh-CN" altLang="en-US" sz="1400">
               <a:solidFill>
                 <a:schemeClr val="tx1"/>
               </a:solidFill>
@@ -19051,13 +19412,13 @@
       </p:sp>
       <p:sp>
         <p:nvSpPr>
-          <p:cNvPr id="50" name="圆角矩形 49"/>
+          <p:cNvPr id="76" name="圆角矩形 75"/>
           <p:cNvSpPr/>
           <p:nvPr/>
         </p:nvSpPr>
         <p:spPr>
           <a:xfrm>
-            <a:off x="5323502" y="5482932"/>
+            <a:off x="7324538" y="4797170"/>
             <a:ext cx="906624" cy="391886"/>
           </a:xfrm>
           <a:prstGeom prst="roundRect">
@@ -19099,22 +19460,79 @@
           <a:p>
             <a:pPr algn="ctr"/>
             <a:r>
-              <a:rPr lang="en-US" altLang="zh-CN" sz="1200">
+              <a:rPr lang="en-US" altLang="zh-CN" sz="1400" smtClean="0">
                 <a:solidFill>
                   <a:schemeClr val="tx1"/>
                 </a:solidFill>
               </a:rPr>
-              <a:t>scan</a:t>
-            </a:r>
-            <a:r>
-              <a:rPr lang="en-US" altLang="zh-CN" sz="1200" smtClean="0">
+              <a:t>scan4</a:t>
+            </a:r>
+            <a:endParaRPr lang="zh-CN" altLang="en-US" sz="1400">
+              <a:solidFill>
+                <a:schemeClr val="tx1"/>
+              </a:solidFill>
+            </a:endParaRPr>
+          </a:p>
+        </p:txBody>
+      </p:sp>
+      <p:sp>
+        <p:nvSpPr>
+          <p:cNvPr id="77" name="圆角矩形 76"/>
+          <p:cNvSpPr/>
+          <p:nvPr/>
+        </p:nvSpPr>
+        <p:spPr>
+          <a:xfrm>
+            <a:off x="8315915" y="4797170"/>
+            <a:ext cx="906624" cy="391886"/>
+          </a:xfrm>
+          <a:prstGeom prst="roundRect">
+            <a:avLst/>
+          </a:prstGeom>
+          <a:solidFill>
+            <a:schemeClr val="bg1">
+              <a:lumMod val="65000"/>
+            </a:schemeClr>
+          </a:solidFill>
+          <a:ln w="22225">
+            <a:solidFill>
+              <a:schemeClr val="tx1">
+                <a:lumMod val="75000"/>
+                <a:lumOff val="25000"/>
+              </a:schemeClr>
+            </a:solidFill>
+          </a:ln>
+        </p:spPr>
+        <p:style>
+          <a:lnRef idx="2">
+            <a:schemeClr val="accent1">
+              <a:shade val="50000"/>
+            </a:schemeClr>
+          </a:lnRef>
+          <a:fillRef idx="1">
+            <a:schemeClr val="accent1"/>
+          </a:fillRef>
+          <a:effectRef idx="0">
+            <a:schemeClr val="accent1"/>
+          </a:effectRef>
+          <a:fontRef idx="minor">
+            <a:schemeClr val="lt1"/>
+          </a:fontRef>
+        </p:style>
+        <p:txBody>
+          <a:bodyPr rtlCol="0" anchor="ctr"/>
+          <a:lstStyle/>
+          <a:p>
+            <a:pPr algn="ctr"/>
+            <a:r>
+              <a:rPr lang="en-US" altLang="zh-CN" sz="1400" smtClean="0">
                 <a:solidFill>
                   <a:schemeClr val="tx1"/>
                 </a:solidFill>
               </a:rPr>
-              <a:t>2(split)</a:t>
-            </a:r>
-            <a:endParaRPr lang="zh-CN" altLang="en-US" sz="1200">
+              <a:t>scan5</a:t>
+            </a:r>
+            <a:endParaRPr lang="zh-CN" altLang="en-US" sz="1400">
               <a:solidFill>
                 <a:schemeClr val="tx1"/>
               </a:solidFill>
@@ -19124,17 +19542,17 @@
       </p:sp>
       <p:cxnSp>
         <p:nvCxnSpPr>
-          <p:cNvPr id="51" name="直接箭头连接符 50"/>
+          <p:cNvPr id="80" name="直接箭头连接符 79"/>
           <p:cNvCxnSpPr>
-            <a:stCxn id="53" idx="0"/>
-            <a:endCxn id="49" idx="2"/>
+            <a:stCxn id="73" idx="0"/>
+            <a:endCxn id="75" idx="2"/>
           </p:cNvCxnSpPr>
           <p:nvPr/>
         </p:nvCxnSpPr>
         <p:spPr>
           <a:xfrm flipV="1">
-            <a:off x="4503966" y="5154648"/>
-            <a:ext cx="645368" cy="328284"/>
+            <a:off x="6749147" y="4315813"/>
+            <a:ext cx="1029478" cy="481357"/>
           </a:xfrm>
           <a:prstGeom prst="straightConnector1">
             <a:avLst/>
@@ -19166,17 +19584,17 @@
       </p:cxnSp>
       <p:cxnSp>
         <p:nvCxnSpPr>
-          <p:cNvPr id="52" name="直接箭头连接符 51"/>
+          <p:cNvPr id="83" name="直接箭头连接符 82"/>
           <p:cNvCxnSpPr>
-            <a:stCxn id="50" idx="0"/>
-            <a:endCxn id="49" idx="2"/>
+            <a:stCxn id="76" idx="0"/>
+            <a:endCxn id="75" idx="2"/>
           </p:cNvCxnSpPr>
           <p:nvPr/>
         </p:nvCxnSpPr>
         <p:spPr>
-          <a:xfrm flipH="1" flipV="1">
-            <a:off x="5149334" y="5154648"/>
-            <a:ext cx="627480" cy="328284"/>
+          <a:xfrm flipV="1">
+            <a:off x="7777850" y="4315813"/>
+            <a:ext cx="775" cy="481357"/>
           </a:xfrm>
           <a:prstGeom prst="straightConnector1">
             <a:avLst/>
@@ -19206,15 +19624,57 @@
           </a:fontRef>
         </p:style>
       </p:cxnSp>
-      <p:sp>
-        <p:nvSpPr>
-          <p:cNvPr id="53" name="圆角矩形 52"/>
+      <p:cxnSp>
+        <p:nvCxnSpPr>
+          <p:cNvPr id="86" name="直接箭头连接符 85"/>
+          <p:cNvCxnSpPr>
+            <a:stCxn id="77" idx="0"/>
+            <a:endCxn id="75" idx="2"/>
+          </p:cNvCxnSpPr>
+          <p:nvPr/>
+        </p:nvCxnSpPr>
+        <p:spPr>
+          <a:xfrm flipH="1" flipV="1">
+            <a:off x="7778625" y="4315813"/>
+            <a:ext cx="990602" cy="481357"/>
+          </a:xfrm>
+          <a:prstGeom prst="straightConnector1">
+            <a:avLst/>
+          </a:prstGeom>
+          <a:ln w="31750">
+            <a:solidFill>
+              <a:schemeClr val="tx1">
+                <a:lumMod val="85000"/>
+                <a:lumOff val="15000"/>
+              </a:schemeClr>
+            </a:solidFill>
+            <a:tailEnd type="triangle"/>
+          </a:ln>
+        </p:spPr>
+        <p:style>
+          <a:lnRef idx="1">
+            <a:schemeClr val="accent1"/>
+          </a:lnRef>
+          <a:fillRef idx="0">
+            <a:schemeClr val="accent1"/>
+          </a:fillRef>
+          <a:effectRef idx="0">
+            <a:schemeClr val="accent1"/>
+          </a:effectRef>
+          <a:fontRef idx="minor">
+            <a:schemeClr val="tx1"/>
+          </a:fontRef>
+        </p:style>
+      </p:cxnSp>
+      <p:sp>
+        <p:nvSpPr>
+          <p:cNvPr id="90" name="圆角矩形 89"/>
           <p:cNvSpPr/>
           <p:nvPr/>
         </p:nvSpPr>
         <p:spPr>
           <a:xfrm>
-            <a:off x="4050654" y="5482932"/>
+            <a:off x="8338460" y="3050684"/>
             <a:ext cx="906624" cy="391886"/>
           </a:xfrm>
           <a:prstGeom prst="roundRect">
@@ -19256,14 +19716,14 @@
           <a:p>
             <a:pPr algn="ctr"/>
             <a:r>
-              <a:rPr lang="en-US" altLang="zh-CN" sz="1200" smtClean="0">
+              <a:rPr lang="en-US" altLang="zh-CN" sz="1400" smtClean="0">
                 <a:solidFill>
                   <a:schemeClr val="tx1"/>
                 </a:solidFill>
               </a:rPr>
-              <a:t>Scan1(split)</a:t>
-            </a:r>
-            <a:endParaRPr lang="zh-CN" altLang="en-US" sz="1200">
+              <a:t>STAR join</a:t>
+            </a:r>
+            <a:endParaRPr lang="zh-CN" altLang="en-US" sz="1400">
               <a:solidFill>
                 <a:schemeClr val="tx1"/>
               </a:solidFill>
@@ -19271,19 +19731,149 @@
           </a:p>
         </p:txBody>
       </p:sp>
+      <p:sp>
+        <p:nvSpPr>
+          <p:cNvPr id="91" name="圆角矩形 90"/>
+          <p:cNvSpPr/>
+          <p:nvPr/>
+        </p:nvSpPr>
+        <p:spPr>
+          <a:xfrm>
+            <a:off x="8337680" y="3923927"/>
+            <a:ext cx="906624" cy="391886"/>
+          </a:xfrm>
+          <a:prstGeom prst="roundRect">
+            <a:avLst/>
+          </a:prstGeom>
+          <a:solidFill>
+            <a:schemeClr val="bg1">
+              <a:lumMod val="65000"/>
+            </a:schemeClr>
+          </a:solidFill>
+          <a:ln w="22225">
+            <a:solidFill>
+              <a:schemeClr val="tx1">
+                <a:lumMod val="75000"/>
+                <a:lumOff val="25000"/>
+              </a:schemeClr>
+            </a:solidFill>
+          </a:ln>
+        </p:spPr>
+        <p:style>
+          <a:lnRef idx="2">
+            <a:schemeClr val="accent1">
+              <a:shade val="50000"/>
+            </a:schemeClr>
+          </a:lnRef>
+          <a:fillRef idx="1">
+            <a:schemeClr val="accent1"/>
+          </a:fillRef>
+          <a:effectRef idx="0">
+            <a:schemeClr val="accent1"/>
+          </a:effectRef>
+          <a:fontRef idx="minor">
+            <a:schemeClr val="lt1"/>
+          </a:fontRef>
+        </p:style>
+        <p:txBody>
+          <a:bodyPr rtlCol="0" anchor="ctr"/>
+          <a:lstStyle/>
+          <a:p>
+            <a:pPr algn="ctr"/>
+            <a:r>
+              <a:rPr lang="en-US" altLang="zh-CN" sz="1400" smtClean="0">
+                <a:solidFill>
+                  <a:schemeClr val="tx1"/>
+                </a:solidFill>
+              </a:rPr>
+              <a:t>scan6</a:t>
+            </a:r>
+            <a:endParaRPr lang="zh-CN" altLang="en-US" sz="1400">
+              <a:solidFill>
+                <a:schemeClr val="tx1"/>
+              </a:solidFill>
+            </a:endParaRPr>
+          </a:p>
+        </p:txBody>
+      </p:sp>
+      <p:sp>
+        <p:nvSpPr>
+          <p:cNvPr id="92" name="圆角矩形 91"/>
+          <p:cNvSpPr/>
+          <p:nvPr/>
+        </p:nvSpPr>
+        <p:spPr>
+          <a:xfrm>
+            <a:off x="9347718" y="3923927"/>
+            <a:ext cx="906624" cy="391886"/>
+          </a:xfrm>
+          <a:prstGeom prst="roundRect">
+            <a:avLst/>
+          </a:prstGeom>
+          <a:solidFill>
+            <a:schemeClr val="bg1">
+              <a:lumMod val="65000"/>
+            </a:schemeClr>
+          </a:solidFill>
+          <a:ln w="22225">
+            <a:solidFill>
+              <a:schemeClr val="tx1">
+                <a:lumMod val="75000"/>
+                <a:lumOff val="25000"/>
+              </a:schemeClr>
+            </a:solidFill>
+          </a:ln>
+        </p:spPr>
+        <p:style>
+          <a:lnRef idx="2">
+            <a:schemeClr val="accent1">
+              <a:shade val="50000"/>
+            </a:schemeClr>
+          </a:lnRef>
+          <a:fillRef idx="1">
+            <a:schemeClr val="accent1"/>
+          </a:fillRef>
+          <a:effectRef idx="0">
+            <a:schemeClr val="accent1"/>
+          </a:effectRef>
+          <a:fontRef idx="minor">
+            <a:schemeClr val="lt1"/>
+          </a:fontRef>
+        </p:style>
+        <p:txBody>
+          <a:bodyPr rtlCol="0" anchor="ctr"/>
+          <a:lstStyle/>
+          <a:p>
+            <a:pPr algn="ctr"/>
+            <a:r>
+              <a:rPr lang="en-US" altLang="zh-CN" sz="1400" smtClean="0">
+                <a:solidFill>
+                  <a:schemeClr val="tx1"/>
+                </a:solidFill>
+              </a:rPr>
+              <a:t>scan7</a:t>
+            </a:r>
+            <a:endParaRPr lang="zh-CN" altLang="en-US" sz="1400">
+              <a:solidFill>
+                <a:schemeClr val="tx1"/>
+              </a:solidFill>
+            </a:endParaRPr>
+          </a:p>
+        </p:txBody>
+      </p:sp>
       <p:cxnSp>
         <p:nvCxnSpPr>
-          <p:cNvPr id="54" name="直接箭头连接符 53"/>
+          <p:cNvPr id="93" name="直接箭头连接符 92"/>
           <p:cNvCxnSpPr>
-            <a:stCxn id="37" idx="0"/>
-            <a:endCxn id="45" idx="2"/>
+            <a:stCxn id="91" idx="0"/>
+            <a:endCxn id="90" idx="2"/>
           </p:cNvCxnSpPr>
           <p:nvPr/>
         </p:nvCxnSpPr>
         <p:spPr>
           <a:xfrm flipV="1">
-            <a:off x="2678673" y="4422426"/>
-            <a:ext cx="1215693" cy="340336"/>
+            <a:off x="8790992" y="3442570"/>
+            <a:ext cx="780" cy="481357"/>
           </a:xfrm>
           <a:prstGeom prst="straightConnector1">
             <a:avLst/>
@@ -19315,17 +19905,17 @@
       </p:cxnSp>
       <p:cxnSp>
         <p:nvCxnSpPr>
-          <p:cNvPr id="57" name="直接箭头连接符 56"/>
+          <p:cNvPr id="94" name="直接箭头连接符 93"/>
           <p:cNvCxnSpPr>
-            <a:stCxn id="49" idx="0"/>
-            <a:endCxn id="45" idx="2"/>
+            <a:stCxn id="92" idx="0"/>
+            <a:endCxn id="90" idx="2"/>
           </p:cNvCxnSpPr>
           <p:nvPr/>
         </p:nvCxnSpPr>
         <p:spPr>
           <a:xfrm flipH="1" flipV="1">
-            <a:off x="3894366" y="4422426"/>
-            <a:ext cx="1254968" cy="340336"/>
+            <a:off x="8791772" y="3442570"/>
+            <a:ext cx="1009258" cy="481357"/>
           </a:xfrm>
           <a:prstGeom prst="straightConnector1">
             <a:avLst/>
@@ -19355,24 +19945,186 @@
           </a:fontRef>
         </p:style>
       </p:cxnSp>
-      <p:sp>
-        <p:nvSpPr>
-          <p:cNvPr id="60" name="圆角矩形 59"/>
+      <p:cxnSp>
+        <p:nvCxnSpPr>
+          <p:cNvPr id="95" name="直接箭头连接符 94"/>
+          <p:cNvCxnSpPr>
+            <a:stCxn id="75" idx="0"/>
+            <a:endCxn id="90" idx="2"/>
+          </p:cNvCxnSpPr>
+          <p:nvPr/>
+        </p:nvCxnSpPr>
+        <p:spPr>
+          <a:xfrm flipV="1">
+            <a:off x="7778625" y="3442570"/>
+            <a:ext cx="1013147" cy="481357"/>
+          </a:xfrm>
+          <a:prstGeom prst="straightConnector1">
+            <a:avLst/>
+          </a:prstGeom>
+          <a:ln w="31750">
+            <a:solidFill>
+              <a:schemeClr val="tx1">
+                <a:lumMod val="85000"/>
+                <a:lumOff val="15000"/>
+              </a:schemeClr>
+            </a:solidFill>
+            <a:tailEnd type="triangle"/>
+          </a:ln>
+        </p:spPr>
+        <p:style>
+          <a:lnRef idx="1">
+            <a:schemeClr val="accent1"/>
+          </a:lnRef>
+          <a:fillRef idx="0">
+            <a:schemeClr val="accent1"/>
+          </a:fillRef>
+          <a:effectRef idx="0">
+            <a:schemeClr val="accent1"/>
+          </a:effectRef>
+          <a:fontRef idx="minor">
+            <a:schemeClr val="tx1"/>
+          </a:fontRef>
+        </p:style>
+      </p:cxnSp>
+      <p:sp>
+        <p:nvSpPr>
+          <p:cNvPr id="102" name="文本框 101"/>
+          <p:cNvSpPr txBox="1"/>
+          <p:nvPr/>
+        </p:nvSpPr>
+        <p:spPr>
+          <a:xfrm>
+            <a:off x="1702180" y="2581278"/>
+            <a:ext cx="1221809" cy="369332"/>
+          </a:xfrm>
+          <a:prstGeom prst="rect">
+            <a:avLst/>
+          </a:prstGeom>
+          <a:noFill/>
+        </p:spPr>
+        <p:txBody>
+          <a:bodyPr wrap="none" rtlCol="0">
+            <a:spAutoFit/>
+          </a:bodyPr>
+          <a:lstStyle/>
+          <a:p>
+            <a:r>
+              <a:rPr lang="en-US" altLang="zh-CN" smtClean="0"/>
+              <a:t>Simple join</a:t>
+            </a:r>
+            <a:endParaRPr lang="zh-CN" altLang="en-US"/>
+          </a:p>
+        </p:txBody>
+      </p:sp>
+      <p:sp>
+        <p:nvSpPr>
+          <p:cNvPr id="103" name="文本框 102"/>
+          <p:cNvSpPr txBox="1"/>
+          <p:nvPr/>
+        </p:nvSpPr>
+        <p:spPr>
+          <a:xfrm>
+            <a:off x="1362944" y="6268073"/>
+            <a:ext cx="2456506" cy="369332"/>
+          </a:xfrm>
+          <a:prstGeom prst="rect">
+            <a:avLst/>
+          </a:prstGeom>
+          <a:noFill/>
+        </p:spPr>
+        <p:txBody>
+          <a:bodyPr wrap="none" rtlCol="0">
+            <a:spAutoFit/>
+          </a:bodyPr>
+          <a:lstStyle/>
+          <a:p>
+            <a:r>
+              <a:rPr lang="en-US" altLang="zh-CN" smtClean="0"/>
+              <a:t>Chained Multi-table join</a:t>
+            </a:r>
+            <a:endParaRPr lang="zh-CN" altLang="en-US"/>
+          </a:p>
+        </p:txBody>
+      </p:sp>
+      <p:sp>
+        <p:nvSpPr>
+          <p:cNvPr id="104" name="文本框 103"/>
+          <p:cNvSpPr txBox="1"/>
+          <p:nvPr/>
+        </p:nvSpPr>
+        <p:spPr>
+          <a:xfrm>
+            <a:off x="6775304" y="2339090"/>
+            <a:ext cx="959302" cy="369332"/>
+          </a:xfrm>
+          <a:prstGeom prst="rect">
+            <a:avLst/>
+          </a:prstGeom>
+          <a:noFill/>
+        </p:spPr>
+        <p:txBody>
+          <a:bodyPr wrap="none" rtlCol="0">
+            <a:spAutoFit/>
+          </a:bodyPr>
+          <a:lstStyle/>
+          <a:p>
+            <a:r>
+              <a:rPr lang="en-US" altLang="zh-CN" smtClean="0"/>
+              <a:t>Star join</a:t>
+            </a:r>
+            <a:endParaRPr lang="zh-CN" altLang="en-US"/>
+          </a:p>
+        </p:txBody>
+      </p:sp>
+      <p:sp>
+        <p:nvSpPr>
+          <p:cNvPr id="105" name="文本框 104"/>
+          <p:cNvSpPr txBox="1"/>
+          <p:nvPr/>
+        </p:nvSpPr>
+        <p:spPr>
+          <a:xfrm>
+            <a:off x="7483148" y="6271048"/>
+            <a:ext cx="1102289" cy="369332"/>
+          </a:xfrm>
+          <a:prstGeom prst="rect">
+            <a:avLst/>
+          </a:prstGeom>
+          <a:noFill/>
+        </p:spPr>
+        <p:txBody>
+          <a:bodyPr wrap="none" rtlCol="0">
+            <a:spAutoFit/>
+          </a:bodyPr>
+          <a:lstStyle/>
+          <a:p>
+            <a:r>
+              <a:rPr lang="en-US" altLang="zh-CN" smtClean="0"/>
+              <a:t>Snow join</a:t>
+            </a:r>
+            <a:endParaRPr lang="zh-CN" altLang="en-US"/>
+          </a:p>
+        </p:txBody>
+      </p:sp>
+      <p:sp>
+        <p:nvSpPr>
+          <p:cNvPr id="106" name="圆角矩形 105"/>
           <p:cNvSpPr/>
           <p:nvPr/>
         </p:nvSpPr>
         <p:spPr>
           <a:xfrm>
-            <a:off x="489309" y="4787945"/>
-            <a:ext cx="1041118" cy="530845"/>
+            <a:off x="3366614" y="1437886"/>
+            <a:ext cx="441262" cy="240682"/>
           </a:xfrm>
           <a:prstGeom prst="roundRect">
             <a:avLst/>
           </a:prstGeom>
           <a:solidFill>
             <a:schemeClr val="accent3">
-              <a:lumMod val="40000"/>
-              <a:lumOff val="60000"/>
+              <a:lumMod val="20000"/>
+              <a:lumOff val="80000"/>
             </a:schemeClr>
           </a:solidFill>
           <a:ln w="22225">
@@ -19406,14 +20158,14 @@
           <a:p>
             <a:pPr algn="ctr"/>
             <a:r>
-              <a:rPr lang="en-US" altLang="zh-CN" sz="1200" smtClean="0">
+              <a:rPr lang="en-US" altLang="zh-CN" sz="1400" smtClean="0">
                 <a:solidFill>
                   <a:schemeClr val="tx1"/>
                 </a:solidFill>
               </a:rPr>
-              <a:t>Concurrent Hash Table</a:t>
-            </a:r>
-            <a:endParaRPr lang="zh-CN" altLang="en-US" sz="1200">
+              <a:t>t1</a:t>
+            </a:r>
+            <a:endParaRPr lang="zh-CN" altLang="en-US" sz="1400">
               <a:solidFill>
                 <a:schemeClr val="tx1"/>
               </a:solidFill>
@@ -19421,153 +20173,24 @@
           </a:p>
         </p:txBody>
       </p:sp>
-      <p:cxnSp>
-        <p:nvCxnSpPr>
-          <p:cNvPr id="64" name="直接箭头连接符 16"/>
-          <p:cNvCxnSpPr>
-            <a:stCxn id="37" idx="0"/>
-            <a:endCxn id="60" idx="0"/>
-          </p:cNvCxnSpPr>
-          <p:nvPr/>
-        </p:nvCxnSpPr>
-        <p:spPr>
-          <a:xfrm rot="16200000" flipH="1" flipV="1">
-            <a:off x="1831679" y="3940950"/>
-            <a:ext cx="25183" cy="1668805"/>
-          </a:xfrm>
-          <a:prstGeom prst="curvedConnector3">
-            <a:avLst>
-              <a:gd name="adj1" fmla="val -907755"/>
-            </a:avLst>
-          </a:prstGeom>
-          <a:ln w="19050">
-            <a:solidFill>
-              <a:schemeClr val="accent5">
-                <a:lumMod val="75000"/>
-              </a:schemeClr>
-            </a:solidFill>
-            <a:prstDash val="sysDash"/>
-            <a:tailEnd type="triangle"/>
-          </a:ln>
-        </p:spPr>
-        <p:style>
-          <a:lnRef idx="1">
-            <a:schemeClr val="accent1"/>
-          </a:lnRef>
-          <a:fillRef idx="0">
-            <a:schemeClr val="accent1"/>
-          </a:fillRef>
-          <a:effectRef idx="0">
-            <a:schemeClr val="accent1"/>
-          </a:effectRef>
-          <a:fontRef idx="minor">
-            <a:schemeClr val="tx1"/>
-          </a:fontRef>
-        </p:style>
-      </p:cxnSp>
-      <p:cxnSp>
-        <p:nvCxnSpPr>
-          <p:cNvPr id="67" name="直接箭头连接符 16"/>
-          <p:cNvCxnSpPr>
-            <a:stCxn id="49" idx="0"/>
-            <a:endCxn id="60" idx="0"/>
-          </p:cNvCxnSpPr>
-          <p:nvPr/>
-        </p:nvCxnSpPr>
-        <p:spPr>
-          <a:xfrm rot="16200000" flipH="1" flipV="1">
-            <a:off x="3067009" y="2705620"/>
-            <a:ext cx="25183" cy="4139466"/>
-          </a:xfrm>
-          <a:prstGeom prst="curvedConnector3">
-            <a:avLst>
-              <a:gd name="adj1" fmla="val -907755"/>
-            </a:avLst>
-          </a:prstGeom>
-          <a:ln w="19050">
-            <a:solidFill>
-              <a:schemeClr val="accent5">
-                <a:lumMod val="75000"/>
-              </a:schemeClr>
-            </a:solidFill>
-            <a:prstDash val="sysDash"/>
-            <a:tailEnd type="triangle"/>
-          </a:ln>
-        </p:spPr>
-        <p:style>
-          <a:lnRef idx="1">
-            <a:schemeClr val="accent1"/>
-          </a:lnRef>
-          <a:fillRef idx="0">
-            <a:schemeClr val="accent1"/>
-          </a:fillRef>
-          <a:effectRef idx="0">
-            <a:schemeClr val="accent1"/>
-          </a:effectRef>
-          <a:fontRef idx="minor">
-            <a:schemeClr val="tx1"/>
-          </a:fontRef>
-        </p:style>
-      </p:cxnSp>
-      <p:cxnSp>
-        <p:nvCxnSpPr>
-          <p:cNvPr id="129" name="直接箭头连接符 128"/>
-          <p:cNvCxnSpPr>
-            <a:stCxn id="32" idx="0"/>
-            <a:endCxn id="28" idx="2"/>
-          </p:cNvCxnSpPr>
-          <p:nvPr/>
-        </p:nvCxnSpPr>
-        <p:spPr>
-          <a:xfrm flipV="1">
-            <a:off x="6855268" y="2646941"/>
-            <a:ext cx="0" cy="346904"/>
-          </a:xfrm>
-          <a:prstGeom prst="straightConnector1">
-            <a:avLst/>
-          </a:prstGeom>
-          <a:ln w="31750">
-            <a:solidFill>
-              <a:schemeClr val="tx1">
-                <a:lumMod val="85000"/>
-                <a:lumOff val="15000"/>
-              </a:schemeClr>
-            </a:solidFill>
-            <a:tailEnd type="triangle"/>
-          </a:ln>
-        </p:spPr>
-        <p:style>
-          <a:lnRef idx="1">
-            <a:schemeClr val="accent1"/>
-          </a:lnRef>
-          <a:fillRef idx="0">
-            <a:schemeClr val="accent1"/>
-          </a:fillRef>
-          <a:effectRef idx="0">
-            <a:schemeClr val="accent1"/>
-          </a:effectRef>
-          <a:fontRef idx="minor">
-            <a:schemeClr val="tx1"/>
-          </a:fontRef>
-        </p:style>
-      </p:cxnSp>
-      <p:sp>
-        <p:nvSpPr>
-          <p:cNvPr id="42" name="圆角矩形 41"/>
+      <p:sp>
+        <p:nvSpPr>
+          <p:cNvPr id="108" name="圆角矩形 107"/>
           <p:cNvSpPr/>
           <p:nvPr/>
         </p:nvSpPr>
         <p:spPr>
           <a:xfrm>
-            <a:off x="7966178" y="4528868"/>
-            <a:ext cx="906624" cy="391886"/>
+            <a:off x="4040557" y="1442619"/>
+            <a:ext cx="441262" cy="240682"/>
           </a:xfrm>
           <a:prstGeom prst="roundRect">
             <a:avLst/>
           </a:prstGeom>
           <a:solidFill>
-            <a:schemeClr val="bg1">
-              <a:lumMod val="65000"/>
+            <a:schemeClr val="accent3">
+              <a:lumMod val="20000"/>
+              <a:lumOff val="80000"/>
             </a:schemeClr>
           </a:solidFill>
           <a:ln w="22225">
@@ -19601,14 +20224,14 @@
           <a:p>
             <a:pPr algn="ctr"/>
             <a:r>
-              <a:rPr lang="en-US" altLang="zh-CN" sz="1200" dirty="0" smtClean="0">
+              <a:rPr lang="en-US" altLang="zh-CN" sz="1400" smtClean="0">
                 <a:solidFill>
                   <a:schemeClr val="tx1"/>
                 </a:solidFill>
               </a:rPr>
-              <a:t>MC join</a:t>
-            </a:r>
-            <a:endParaRPr lang="zh-CN" altLang="en-US" sz="1200" dirty="0">
+              <a:t>t2</a:t>
+            </a:r>
+            <a:endParaRPr lang="zh-CN" altLang="en-US" sz="1400">
               <a:solidFill>
                 <a:schemeClr val="tx1"/>
               </a:solidFill>
@@ -19616,23 +20239,67 @@
           </a:p>
         </p:txBody>
       </p:sp>
-      <p:sp>
-        <p:nvSpPr>
-          <p:cNvPr id="43" name="圆角矩形 42"/>
+      <p:cxnSp>
+        <p:nvCxnSpPr>
+          <p:cNvPr id="109" name="直接箭头连接符 108"/>
+          <p:cNvCxnSpPr>
+            <a:stCxn id="106" idx="3"/>
+            <a:endCxn id="108" idx="1"/>
+          </p:cNvCxnSpPr>
+          <p:nvPr/>
+        </p:nvCxnSpPr>
+        <p:spPr>
+          <a:xfrm>
+            <a:off x="3807876" y="1558227"/>
+            <a:ext cx="232681" cy="4733"/>
+          </a:xfrm>
+          <a:prstGeom prst="straightConnector1">
+            <a:avLst/>
+          </a:prstGeom>
+          <a:ln w="31750">
+            <a:solidFill>
+              <a:schemeClr val="tx1">
+                <a:lumMod val="85000"/>
+                <a:lumOff val="15000"/>
+              </a:schemeClr>
+            </a:solidFill>
+            <a:headEnd type="triangle"/>
+            <a:tailEnd type="triangle"/>
+          </a:ln>
+        </p:spPr>
+        <p:style>
+          <a:lnRef idx="1">
+            <a:schemeClr val="accent1"/>
+          </a:lnRef>
+          <a:fillRef idx="0">
+            <a:schemeClr val="accent1"/>
+          </a:fillRef>
+          <a:effectRef idx="0">
+            <a:schemeClr val="accent1"/>
+          </a:effectRef>
+          <a:fontRef idx="minor">
+            <a:schemeClr val="tx1"/>
+          </a:fontRef>
+        </p:style>
+      </p:cxnSp>
+      <p:sp>
+        <p:nvSpPr>
+          <p:cNvPr id="112" name="圆角矩形 111"/>
           <p:cNvSpPr/>
           <p:nvPr/>
         </p:nvSpPr>
         <p:spPr>
           <a:xfrm>
-            <a:off x="8593658" y="5249038"/>
-            <a:ext cx="906624" cy="391886"/>
+            <a:off x="330034" y="3468773"/>
+            <a:ext cx="441262" cy="240682"/>
           </a:xfrm>
           <a:prstGeom prst="roundRect">
             <a:avLst/>
           </a:prstGeom>
           <a:solidFill>
-            <a:schemeClr val="bg1">
-              <a:lumMod val="65000"/>
+            <a:schemeClr val="accent3">
+              <a:lumMod val="20000"/>
+              <a:lumOff val="80000"/>
             </a:schemeClr>
           </a:solidFill>
           <a:ln w="22225">
@@ -19666,22 +20333,14 @@
           <a:p>
             <a:pPr algn="ctr"/>
             <a:r>
-              <a:rPr lang="en-US" altLang="zh-CN" sz="1200">
+              <a:rPr lang="en-US" altLang="zh-CN" sz="1400" smtClean="0">
                 <a:solidFill>
                   <a:schemeClr val="tx1"/>
                 </a:solidFill>
               </a:rPr>
-              <a:t>scan</a:t>
-            </a:r>
-            <a:r>
-              <a:rPr lang="en-US" altLang="zh-CN" sz="1200" smtClean="0">
-                <a:solidFill>
-                  <a:schemeClr val="tx1"/>
-                </a:solidFill>
-              </a:rPr>
-              <a:t>2(split)</a:t>
-            </a:r>
-            <a:endParaRPr lang="zh-CN" altLang="en-US" sz="1200">
+              <a:t>t1</a:t>
+            </a:r>
+            <a:endParaRPr lang="zh-CN" altLang="en-US" sz="1400">
               <a:solidFill>
                 <a:schemeClr val="tx1"/>
               </a:solidFill>
@@ -19689,107 +20348,24 @@
           </a:p>
         </p:txBody>
       </p:sp>
-      <p:cxnSp>
-        <p:nvCxnSpPr>
-          <p:cNvPr id="44" name="直接箭头连接符 43"/>
-          <p:cNvCxnSpPr>
-            <a:stCxn id="55" idx="0"/>
-            <a:endCxn id="42" idx="2"/>
-          </p:cNvCxnSpPr>
-          <p:nvPr/>
-        </p:nvCxnSpPr>
-        <p:spPr>
-          <a:xfrm flipV="1">
-            <a:off x="7774122" y="4920754"/>
-            <a:ext cx="645368" cy="328284"/>
-          </a:xfrm>
-          <a:prstGeom prst="straightConnector1">
-            <a:avLst/>
-          </a:prstGeom>
-          <a:ln w="31750">
-            <a:solidFill>
-              <a:schemeClr val="tx1">
-                <a:lumMod val="85000"/>
-                <a:lumOff val="15000"/>
-              </a:schemeClr>
-            </a:solidFill>
-            <a:tailEnd type="triangle"/>
-          </a:ln>
-        </p:spPr>
-        <p:style>
-          <a:lnRef idx="1">
-            <a:schemeClr val="accent1"/>
-          </a:lnRef>
-          <a:fillRef idx="0">
-            <a:schemeClr val="accent1"/>
-          </a:fillRef>
-          <a:effectRef idx="0">
-            <a:schemeClr val="accent1"/>
-          </a:effectRef>
-          <a:fontRef idx="minor">
-            <a:schemeClr val="tx1"/>
-          </a:fontRef>
-        </p:style>
-      </p:cxnSp>
-      <p:cxnSp>
-        <p:nvCxnSpPr>
-          <p:cNvPr id="47" name="直接箭头连接符 46"/>
-          <p:cNvCxnSpPr>
-            <a:stCxn id="43" idx="0"/>
-            <a:endCxn id="42" idx="2"/>
-          </p:cNvCxnSpPr>
-          <p:nvPr/>
-        </p:nvCxnSpPr>
-        <p:spPr>
-          <a:xfrm flipH="1" flipV="1">
-            <a:off x="8419490" y="4920754"/>
-            <a:ext cx="627480" cy="328284"/>
-          </a:xfrm>
-          <a:prstGeom prst="straightConnector1">
-            <a:avLst/>
-          </a:prstGeom>
-          <a:ln w="31750">
-            <a:solidFill>
-              <a:schemeClr val="tx1">
-                <a:lumMod val="85000"/>
-                <a:lumOff val="15000"/>
-              </a:schemeClr>
-            </a:solidFill>
-            <a:tailEnd type="triangle"/>
-          </a:ln>
-        </p:spPr>
-        <p:style>
-          <a:lnRef idx="1">
-            <a:schemeClr val="accent1"/>
-          </a:lnRef>
-          <a:fillRef idx="0">
-            <a:schemeClr val="accent1"/>
-          </a:fillRef>
-          <a:effectRef idx="0">
-            <a:schemeClr val="accent1"/>
-          </a:effectRef>
-          <a:fontRef idx="minor">
-            <a:schemeClr val="tx1"/>
-          </a:fontRef>
-        </p:style>
-      </p:cxnSp>
-      <p:sp>
-        <p:nvSpPr>
-          <p:cNvPr id="48" name="圆角矩形 47"/>
+      <p:sp>
+        <p:nvSpPr>
+          <p:cNvPr id="113" name="圆角矩形 112"/>
           <p:cNvSpPr/>
           <p:nvPr/>
         </p:nvSpPr>
         <p:spPr>
           <a:xfrm>
-            <a:off x="9181871" y="3796646"/>
-            <a:ext cx="906624" cy="391886"/>
+            <a:off x="1003977" y="3473506"/>
+            <a:ext cx="441262" cy="240682"/>
           </a:xfrm>
           <a:prstGeom prst="roundRect">
             <a:avLst/>
           </a:prstGeom>
           <a:solidFill>
-            <a:schemeClr val="bg1">
-              <a:lumMod val="65000"/>
+            <a:schemeClr val="accent3">
+              <a:lumMod val="20000"/>
+              <a:lumOff val="80000"/>
             </a:schemeClr>
           </a:solidFill>
           <a:ln w="22225">
@@ -19828,7 +20404,7 @@
                   <a:schemeClr val="tx1"/>
                 </a:solidFill>
               </a:rPr>
-              <a:t>exchange</a:t>
+              <a:t>t2</a:t>
             </a:r>
             <a:endParaRPr lang="zh-CN" altLang="en-US" sz="1400">
               <a:solidFill>
@@ -19838,23 +20414,67 @@
           </a:p>
         </p:txBody>
       </p:sp>
-      <p:sp>
-        <p:nvSpPr>
-          <p:cNvPr id="55" name="圆角矩形 54"/>
+      <p:cxnSp>
+        <p:nvCxnSpPr>
+          <p:cNvPr id="114" name="直接箭头连接符 113"/>
+          <p:cNvCxnSpPr>
+            <a:stCxn id="112" idx="3"/>
+            <a:endCxn id="113" idx="1"/>
+          </p:cNvCxnSpPr>
+          <p:nvPr/>
+        </p:nvCxnSpPr>
+        <p:spPr>
+          <a:xfrm>
+            <a:off x="771296" y="3589114"/>
+            <a:ext cx="232681" cy="4733"/>
+          </a:xfrm>
+          <a:prstGeom prst="straightConnector1">
+            <a:avLst/>
+          </a:prstGeom>
+          <a:ln w="31750">
+            <a:solidFill>
+              <a:schemeClr val="tx1">
+                <a:lumMod val="85000"/>
+                <a:lumOff val="15000"/>
+              </a:schemeClr>
+            </a:solidFill>
+            <a:headEnd type="triangle"/>
+            <a:tailEnd type="triangle"/>
+          </a:ln>
+        </p:spPr>
+        <p:style>
+          <a:lnRef idx="1">
+            <a:schemeClr val="accent1"/>
+          </a:lnRef>
+          <a:fillRef idx="0">
+            <a:schemeClr val="accent1"/>
+          </a:fillRef>
+          <a:effectRef idx="0">
+            <a:schemeClr val="accent1"/>
+          </a:effectRef>
+          <a:fontRef idx="minor">
+            <a:schemeClr val="tx1"/>
+          </a:fontRef>
+        </p:style>
+      </p:cxnSp>
+      <p:sp>
+        <p:nvSpPr>
+          <p:cNvPr id="115" name="圆角矩形 114"/>
           <p:cNvSpPr/>
           <p:nvPr/>
         </p:nvSpPr>
         <p:spPr>
           <a:xfrm>
-            <a:off x="7320810" y="5249038"/>
-            <a:ext cx="906624" cy="391886"/>
+            <a:off x="1679666" y="3468773"/>
+            <a:ext cx="441262" cy="240682"/>
           </a:xfrm>
           <a:prstGeom prst="roundRect">
             <a:avLst/>
           </a:prstGeom>
           <a:solidFill>
-            <a:schemeClr val="bg1">
-              <a:lumMod val="65000"/>
+            <a:schemeClr val="accent3">
+              <a:lumMod val="20000"/>
+              <a:lumOff val="80000"/>
             </a:schemeClr>
           </a:solidFill>
           <a:ln w="22225">
@@ -19888,14 +20508,14 @@
           <a:p>
             <a:pPr algn="ctr"/>
             <a:r>
-              <a:rPr lang="en-US" altLang="zh-CN" sz="1200" smtClean="0">
+              <a:rPr lang="en-US" altLang="zh-CN" sz="1400" smtClean="0">
                 <a:solidFill>
                   <a:schemeClr val="tx1"/>
                 </a:solidFill>
               </a:rPr>
-              <a:t>Scan1(split)</a:t>
-            </a:r>
-            <a:endParaRPr lang="zh-CN" altLang="en-US" sz="1200">
+              <a:t>t3</a:t>
+            </a:r>
+            <a:endParaRPr lang="zh-CN" altLang="en-US" sz="1400">
               <a:solidFill>
                 <a:schemeClr val="tx1"/>
               </a:solidFill>
@@ -19905,21 +20525,22 @@
       </p:sp>
       <p:sp>
         <p:nvSpPr>
-          <p:cNvPr id="56" name="圆角矩形 55"/>
+          <p:cNvPr id="116" name="圆角矩形 115"/>
           <p:cNvSpPr/>
           <p:nvPr/>
         </p:nvSpPr>
         <p:spPr>
           <a:xfrm>
-            <a:off x="10436839" y="4528868"/>
-            <a:ext cx="906624" cy="391886"/>
+            <a:off x="2353273" y="3467199"/>
+            <a:ext cx="441262" cy="240682"/>
           </a:xfrm>
           <a:prstGeom prst="roundRect">
             <a:avLst/>
           </a:prstGeom>
           <a:solidFill>
-            <a:schemeClr val="bg1">
-              <a:lumMod val="65000"/>
+            <a:schemeClr val="accent3">
+              <a:lumMod val="20000"/>
+              <a:lumOff val="80000"/>
             </a:schemeClr>
           </a:solidFill>
           <a:ln w="22225">
@@ -19953,14 +20574,14 @@
           <a:p>
             <a:pPr algn="ctr"/>
             <a:r>
-              <a:rPr lang="en-US" altLang="zh-CN" sz="1200" dirty="0">
+              <a:rPr lang="en-US" altLang="zh-CN" sz="1400" smtClean="0">
                 <a:solidFill>
                   <a:schemeClr val="tx1"/>
                 </a:solidFill>
               </a:rPr>
-              <a:t>MC join</a:t>
-            </a:r>
-            <a:endParaRPr lang="zh-CN" altLang="en-US" sz="1200" dirty="0">
+              <a:t>t4</a:t>
+            </a:r>
+            <a:endParaRPr lang="zh-CN" altLang="en-US" sz="1400">
               <a:solidFill>
                 <a:schemeClr val="tx1"/>
               </a:solidFill>
@@ -19968,23 +20589,110 @@
           </a:p>
         </p:txBody>
       </p:sp>
-      <p:sp>
-        <p:nvSpPr>
-          <p:cNvPr id="58" name="圆角矩形 57"/>
+      <p:cxnSp>
+        <p:nvCxnSpPr>
+          <p:cNvPr id="117" name="直接箭头连接符 116"/>
+          <p:cNvCxnSpPr>
+            <a:stCxn id="113" idx="3"/>
+            <a:endCxn id="115" idx="1"/>
+          </p:cNvCxnSpPr>
+          <p:nvPr/>
+        </p:nvCxnSpPr>
+        <p:spPr>
+          <a:xfrm flipV="1">
+            <a:off x="1445239" y="3589114"/>
+            <a:ext cx="234427" cy="4733"/>
+          </a:xfrm>
+          <a:prstGeom prst="straightConnector1">
+            <a:avLst/>
+          </a:prstGeom>
+          <a:ln w="31750">
+            <a:solidFill>
+              <a:schemeClr val="tx1">
+                <a:lumMod val="85000"/>
+                <a:lumOff val="15000"/>
+              </a:schemeClr>
+            </a:solidFill>
+            <a:headEnd type="triangle"/>
+            <a:tailEnd type="triangle"/>
+          </a:ln>
+        </p:spPr>
+        <p:style>
+          <a:lnRef idx="1">
+            <a:schemeClr val="accent1"/>
+          </a:lnRef>
+          <a:fillRef idx="0">
+            <a:schemeClr val="accent1"/>
+          </a:fillRef>
+          <a:effectRef idx="0">
+            <a:schemeClr val="accent1"/>
+          </a:effectRef>
+          <a:fontRef idx="minor">
+            <a:schemeClr val="tx1"/>
+          </a:fontRef>
+        </p:style>
+      </p:cxnSp>
+      <p:cxnSp>
+        <p:nvCxnSpPr>
+          <p:cNvPr id="121" name="直接箭头连接符 120"/>
+          <p:cNvCxnSpPr>
+            <a:stCxn id="115" idx="3"/>
+            <a:endCxn id="116" idx="1"/>
+          </p:cNvCxnSpPr>
+          <p:nvPr/>
+        </p:nvCxnSpPr>
+        <p:spPr>
+          <a:xfrm flipV="1">
+            <a:off x="2120928" y="3587540"/>
+            <a:ext cx="232345" cy="1574"/>
+          </a:xfrm>
+          <a:prstGeom prst="straightConnector1">
+            <a:avLst/>
+          </a:prstGeom>
+          <a:ln w="31750">
+            <a:solidFill>
+              <a:schemeClr val="tx1">
+                <a:lumMod val="85000"/>
+                <a:lumOff val="15000"/>
+              </a:schemeClr>
+            </a:solidFill>
+            <a:headEnd type="triangle"/>
+            <a:tailEnd type="triangle"/>
+          </a:ln>
+        </p:spPr>
+        <p:style>
+          <a:lnRef idx="1">
+            <a:schemeClr val="accent1"/>
+          </a:lnRef>
+          <a:fillRef idx="0">
+            <a:schemeClr val="accent1"/>
+          </a:fillRef>
+          <a:effectRef idx="0">
+            <a:schemeClr val="accent1"/>
+          </a:effectRef>
+          <a:fontRef idx="minor">
+            <a:schemeClr val="tx1"/>
+          </a:fontRef>
+        </p:style>
+      </p:cxnSp>
+      <p:sp>
+        <p:nvSpPr>
+          <p:cNvPr id="124" name="圆角矩形 123"/>
           <p:cNvSpPr/>
           <p:nvPr/>
         </p:nvSpPr>
         <p:spPr>
           <a:xfrm>
-            <a:off x="11064319" y="5249038"/>
-            <a:ext cx="906624" cy="391886"/>
+            <a:off x="10720441" y="1196540"/>
+            <a:ext cx="441262" cy="240682"/>
           </a:xfrm>
           <a:prstGeom prst="roundRect">
             <a:avLst/>
           </a:prstGeom>
           <a:solidFill>
-            <a:schemeClr val="bg1">
-              <a:lumMod val="65000"/>
+            <a:schemeClr val="accent3">
+              <a:lumMod val="20000"/>
+              <a:lumOff val="80000"/>
             </a:schemeClr>
           </a:solidFill>
           <a:ln w="22225">
@@ -20018,22 +20726,14 @@
           <a:p>
             <a:pPr algn="ctr"/>
             <a:r>
-              <a:rPr lang="en-US" altLang="zh-CN" sz="1200">
+              <a:rPr lang="en-US" altLang="zh-CN" sz="1400" smtClean="0">
                 <a:solidFill>
                   <a:schemeClr val="tx1"/>
                 </a:solidFill>
               </a:rPr>
-              <a:t>scan</a:t>
-            </a:r>
-            <a:r>
-              <a:rPr lang="en-US" altLang="zh-CN" sz="1200" smtClean="0">
-                <a:solidFill>
-                  <a:schemeClr val="tx1"/>
-                </a:solidFill>
-              </a:rPr>
-              <a:t>2(split)</a:t>
-            </a:r>
-            <a:endParaRPr lang="zh-CN" altLang="en-US" sz="1200">
+              <a:t>t1</a:t>
+            </a:r>
+            <a:endParaRPr lang="zh-CN" altLang="en-US" sz="1400">
               <a:solidFill>
                 <a:schemeClr val="tx1"/>
               </a:solidFill>
@@ -20041,107 +20741,24 @@
           </a:p>
         </p:txBody>
       </p:sp>
-      <p:cxnSp>
-        <p:nvCxnSpPr>
-          <p:cNvPr id="59" name="直接箭头连接符 58"/>
-          <p:cNvCxnSpPr>
-            <a:stCxn id="62" idx="0"/>
-            <a:endCxn id="56" idx="2"/>
-          </p:cNvCxnSpPr>
-          <p:nvPr/>
-        </p:nvCxnSpPr>
-        <p:spPr>
-          <a:xfrm flipV="1">
-            <a:off x="10244783" y="4920754"/>
-            <a:ext cx="645368" cy="328284"/>
-          </a:xfrm>
-          <a:prstGeom prst="straightConnector1">
-            <a:avLst/>
-          </a:prstGeom>
-          <a:ln w="31750">
-            <a:solidFill>
-              <a:schemeClr val="tx1">
-                <a:lumMod val="85000"/>
-                <a:lumOff val="15000"/>
-              </a:schemeClr>
-            </a:solidFill>
-            <a:tailEnd type="triangle"/>
-          </a:ln>
-        </p:spPr>
-        <p:style>
-          <a:lnRef idx="1">
-            <a:schemeClr val="accent1"/>
-          </a:lnRef>
-          <a:fillRef idx="0">
-            <a:schemeClr val="accent1"/>
-          </a:fillRef>
-          <a:effectRef idx="0">
-            <a:schemeClr val="accent1"/>
-          </a:effectRef>
-          <a:fontRef idx="minor">
-            <a:schemeClr val="tx1"/>
-          </a:fontRef>
-        </p:style>
-      </p:cxnSp>
-      <p:cxnSp>
-        <p:nvCxnSpPr>
-          <p:cNvPr id="61" name="直接箭头连接符 60"/>
-          <p:cNvCxnSpPr>
-            <a:stCxn id="58" idx="0"/>
-            <a:endCxn id="56" idx="2"/>
-          </p:cNvCxnSpPr>
-          <p:nvPr/>
-        </p:nvCxnSpPr>
-        <p:spPr>
-          <a:xfrm flipH="1" flipV="1">
-            <a:off x="10890151" y="4920754"/>
-            <a:ext cx="627480" cy="328284"/>
-          </a:xfrm>
-          <a:prstGeom prst="straightConnector1">
-            <a:avLst/>
-          </a:prstGeom>
-          <a:ln w="31750">
-            <a:solidFill>
-              <a:schemeClr val="tx1">
-                <a:lumMod val="85000"/>
-                <a:lumOff val="15000"/>
-              </a:schemeClr>
-            </a:solidFill>
-            <a:tailEnd type="triangle"/>
-          </a:ln>
-        </p:spPr>
-        <p:style>
-          <a:lnRef idx="1">
-            <a:schemeClr val="accent1"/>
-          </a:lnRef>
-          <a:fillRef idx="0">
-            <a:schemeClr val="accent1"/>
-          </a:fillRef>
-          <a:effectRef idx="0">
-            <a:schemeClr val="accent1"/>
-          </a:effectRef>
-          <a:fontRef idx="minor">
-            <a:schemeClr val="tx1"/>
-          </a:fontRef>
-        </p:style>
-      </p:cxnSp>
-      <p:sp>
-        <p:nvSpPr>
-          <p:cNvPr id="62" name="圆角矩形 61"/>
+      <p:sp>
+        <p:nvSpPr>
+          <p:cNvPr id="125" name="圆角矩形 124"/>
           <p:cNvSpPr/>
           <p:nvPr/>
         </p:nvSpPr>
         <p:spPr>
           <a:xfrm>
-            <a:off x="9791471" y="5249038"/>
-            <a:ext cx="906624" cy="391886"/>
+            <a:off x="10715338" y="642202"/>
+            <a:ext cx="441262" cy="240682"/>
           </a:xfrm>
           <a:prstGeom prst="roundRect">
             <a:avLst/>
           </a:prstGeom>
           <a:solidFill>
-            <a:schemeClr val="bg1">
-              <a:lumMod val="65000"/>
+            <a:schemeClr val="accent3">
+              <a:lumMod val="20000"/>
+              <a:lumOff val="80000"/>
             </a:schemeClr>
           </a:solidFill>
           <a:ln w="22225">
@@ -20175,14 +20792,14 @@
           <a:p>
             <a:pPr algn="ctr"/>
             <a:r>
-              <a:rPr lang="en-US" altLang="zh-CN" sz="1200" smtClean="0">
+              <a:rPr lang="en-US" altLang="zh-CN" sz="1400" smtClean="0">
                 <a:solidFill>
                   <a:schemeClr val="tx1"/>
                 </a:solidFill>
               </a:rPr>
-              <a:t>Scan1(split)</a:t>
-            </a:r>
-            <a:endParaRPr lang="zh-CN" altLang="en-US" sz="1200">
+              <a:t>t2</a:t>
+            </a:r>
+            <a:endParaRPr lang="zh-CN" altLang="en-US" sz="1400">
               <a:solidFill>
                 <a:schemeClr val="tx1"/>
               </a:solidFill>
@@ -20192,17 +20809,17 @@
       </p:sp>
       <p:cxnSp>
         <p:nvCxnSpPr>
-          <p:cNvPr id="63" name="直接箭头连接符 62"/>
+          <p:cNvPr id="126" name="直接箭头连接符 125"/>
           <p:cNvCxnSpPr>
-            <a:stCxn id="42" idx="0"/>
-            <a:endCxn id="48" idx="2"/>
+            <a:stCxn id="124" idx="0"/>
+            <a:endCxn id="125" idx="2"/>
           </p:cNvCxnSpPr>
           <p:nvPr/>
         </p:nvCxnSpPr>
         <p:spPr>
-          <a:xfrm flipV="1">
-            <a:off x="8419490" y="4188532"/>
-            <a:ext cx="1215693" cy="340336"/>
+          <a:xfrm flipH="1" flipV="1">
+            <a:off x="10935969" y="882884"/>
+            <a:ext cx="5103" cy="313656"/>
           </a:xfrm>
           <a:prstGeom prst="straightConnector1">
             <a:avLst/>
@@ -20214,6 +20831,7 @@
                 <a:lumOff val="15000"/>
               </a:schemeClr>
             </a:solidFill>
+            <a:headEnd type="triangle"/>
             <a:tailEnd type="triangle"/>
           </a:ln>
         </p:spPr>
@@ -20232,66 +20850,24 @@
           </a:fontRef>
         </p:style>
       </p:cxnSp>
-      <p:cxnSp>
-        <p:nvCxnSpPr>
-          <p:cNvPr id="65" name="直接箭头连接符 64"/>
-          <p:cNvCxnSpPr>
-            <a:stCxn id="56" idx="0"/>
-            <a:endCxn id="48" idx="2"/>
-          </p:cNvCxnSpPr>
-          <p:nvPr/>
-        </p:nvCxnSpPr>
-        <p:spPr>
-          <a:xfrm flipH="1" flipV="1">
-            <a:off x="9635183" y="4188532"/>
-            <a:ext cx="1254968" cy="340336"/>
-          </a:xfrm>
-          <a:prstGeom prst="straightConnector1">
-            <a:avLst/>
-          </a:prstGeom>
-          <a:ln w="31750">
-            <a:solidFill>
-              <a:schemeClr val="tx1">
-                <a:lumMod val="85000"/>
-                <a:lumOff val="15000"/>
-              </a:schemeClr>
-            </a:solidFill>
-            <a:tailEnd type="triangle"/>
-          </a:ln>
-        </p:spPr>
-        <p:style>
-          <a:lnRef idx="1">
-            <a:schemeClr val="accent1"/>
-          </a:lnRef>
-          <a:fillRef idx="0">
-            <a:schemeClr val="accent1"/>
-          </a:fillRef>
-          <a:effectRef idx="0">
-            <a:schemeClr val="accent1"/>
-          </a:effectRef>
-          <a:fontRef idx="minor">
-            <a:schemeClr val="tx1"/>
-          </a:fontRef>
-        </p:style>
-      </p:cxnSp>
-      <p:sp>
-        <p:nvSpPr>
-          <p:cNvPr id="66" name="圆角矩形 65"/>
+      <p:sp>
+        <p:nvSpPr>
+          <p:cNvPr id="127" name="圆角矩形 126"/>
           <p:cNvSpPr/>
           <p:nvPr/>
         </p:nvSpPr>
         <p:spPr>
           <a:xfrm>
-            <a:off x="6230126" y="4554051"/>
-            <a:ext cx="1041118" cy="530845"/>
+            <a:off x="10289654" y="1713500"/>
+            <a:ext cx="441262" cy="240682"/>
           </a:xfrm>
           <a:prstGeom prst="roundRect">
             <a:avLst/>
           </a:prstGeom>
           <a:solidFill>
             <a:schemeClr val="accent3">
-              <a:lumMod val="40000"/>
-              <a:lumOff val="60000"/>
+              <a:lumMod val="20000"/>
+              <a:lumOff val="80000"/>
             </a:schemeClr>
           </a:solidFill>
           <a:ln w="22225">
@@ -20325,14 +20901,14 @@
           <a:p>
             <a:pPr algn="ctr"/>
             <a:r>
-              <a:rPr lang="en-US" altLang="zh-CN" sz="1200" dirty="0" smtClean="0">
+              <a:rPr lang="en-US" altLang="zh-CN" sz="1400" smtClean="0">
                 <a:solidFill>
                   <a:schemeClr val="tx1"/>
                 </a:solidFill>
               </a:rPr>
-              <a:t>Radix Buffer</a:t>
-            </a:r>
-            <a:endParaRPr lang="zh-CN" altLang="en-US" sz="1200" dirty="0">
+              <a:t>t3</a:t>
+            </a:r>
+            <a:endParaRPr lang="zh-CN" altLang="en-US" sz="1400">
               <a:solidFill>
                 <a:schemeClr val="tx1"/>
               </a:solidFill>
@@ -20340,32 +20916,97 @@
           </a:p>
         </p:txBody>
       </p:sp>
+      <p:sp>
+        <p:nvSpPr>
+          <p:cNvPr id="128" name="圆角矩形 127"/>
+          <p:cNvSpPr/>
+          <p:nvPr/>
+        </p:nvSpPr>
+        <p:spPr>
+          <a:xfrm>
+            <a:off x="11177854" y="1736533"/>
+            <a:ext cx="441262" cy="240682"/>
+          </a:xfrm>
+          <a:prstGeom prst="roundRect">
+            <a:avLst/>
+          </a:prstGeom>
+          <a:solidFill>
+            <a:schemeClr val="accent3">
+              <a:lumMod val="20000"/>
+              <a:lumOff val="80000"/>
+            </a:schemeClr>
+          </a:solidFill>
+          <a:ln w="22225">
+            <a:solidFill>
+              <a:schemeClr val="tx1">
+                <a:lumMod val="75000"/>
+                <a:lumOff val="25000"/>
+              </a:schemeClr>
+            </a:solidFill>
+          </a:ln>
+        </p:spPr>
+        <p:style>
+          <a:lnRef idx="2">
+            <a:schemeClr val="accent1">
+              <a:shade val="50000"/>
+            </a:schemeClr>
+          </a:lnRef>
+          <a:fillRef idx="1">
+            <a:schemeClr val="accent1"/>
+          </a:fillRef>
+          <a:effectRef idx="0">
+            <a:schemeClr val="accent1"/>
+          </a:effectRef>
+          <a:fontRef idx="minor">
+            <a:schemeClr val="lt1"/>
+          </a:fontRef>
+        </p:style>
+        <p:txBody>
+          <a:bodyPr rtlCol="0" anchor="ctr"/>
+          <a:lstStyle/>
+          <a:p>
+            <a:pPr algn="ctr"/>
+            <a:r>
+              <a:rPr lang="en-US" altLang="zh-CN" sz="1400" smtClean="0">
+                <a:solidFill>
+                  <a:schemeClr val="tx1"/>
+                </a:solidFill>
+              </a:rPr>
+              <a:t>t4</a:t>
+            </a:r>
+            <a:endParaRPr lang="zh-CN" altLang="en-US" sz="1400">
+              <a:solidFill>
+                <a:schemeClr val="tx1"/>
+              </a:solidFill>
+            </a:endParaRPr>
+          </a:p>
+        </p:txBody>
+      </p:sp>
       <p:cxnSp>
         <p:nvCxnSpPr>
-          <p:cNvPr id="68" name="直接箭头连接符 16"/>
+          <p:cNvPr id="129" name="直接箭头连接符 128"/>
           <p:cNvCxnSpPr>
-            <a:stCxn id="42" idx="0"/>
-            <a:endCxn id="66" idx="0"/>
+            <a:stCxn id="127" idx="0"/>
+            <a:endCxn id="124" idx="2"/>
           </p:cNvCxnSpPr>
           <p:nvPr/>
         </p:nvCxnSpPr>
         <p:spPr>
-          <a:xfrm rot="16200000" flipH="1" flipV="1">
-            <a:off x="7572496" y="3707056"/>
-            <a:ext cx="25183" cy="1668805"/>
-          </a:xfrm>
-          <a:prstGeom prst="curvedConnector3">
-            <a:avLst>
-              <a:gd name="adj1" fmla="val -907755"/>
-            </a:avLst>
-          </a:prstGeom>
-          <a:ln w="19050">
+          <a:xfrm flipV="1">
+            <a:off x="10510285" y="1437222"/>
+            <a:ext cx="430787" cy="276278"/>
+          </a:xfrm>
+          <a:prstGeom prst="straightConnector1">
+            <a:avLst/>
+          </a:prstGeom>
+          <a:ln w="31750">
             <a:solidFill>
-              <a:schemeClr val="accent5">
-                <a:lumMod val="75000"/>
+              <a:schemeClr val="tx1">
+                <a:lumMod val="85000"/>
+                <a:lumOff val="15000"/>
               </a:schemeClr>
             </a:solidFill>
-            <a:prstDash val="sysDash"/>
+            <a:headEnd type="triangle"/>
             <a:tailEnd type="triangle"/>
           </a:ln>
         </p:spPr>
@@ -20386,30 +21027,792 @@
       </p:cxnSp>
       <p:cxnSp>
         <p:nvCxnSpPr>
-          <p:cNvPr id="69" name="直接箭头连接符 16"/>
+          <p:cNvPr id="130" name="直接箭头连接符 129"/>
           <p:cNvCxnSpPr>
-            <a:stCxn id="56" idx="0"/>
-            <a:endCxn id="66" idx="0"/>
+            <a:stCxn id="124" idx="2"/>
+            <a:endCxn id="128" idx="0"/>
           </p:cNvCxnSpPr>
           <p:nvPr/>
         </p:nvCxnSpPr>
         <p:spPr>
-          <a:xfrm rot="16200000" flipH="1" flipV="1">
-            <a:off x="8807826" y="2471726"/>
-            <a:ext cx="25183" cy="4139466"/>
-          </a:xfrm>
-          <a:prstGeom prst="curvedConnector3">
-            <a:avLst>
-              <a:gd name="adj1" fmla="val -907755"/>
-            </a:avLst>
-          </a:prstGeom>
-          <a:ln w="19050">
+          <a:xfrm>
+            <a:off x="10941072" y="1437222"/>
+            <a:ext cx="457413" cy="299311"/>
+          </a:xfrm>
+          <a:prstGeom prst="straightConnector1">
+            <a:avLst/>
+          </a:prstGeom>
+          <a:ln w="31750">
             <a:solidFill>
-              <a:schemeClr val="accent5">
-                <a:lumMod val="75000"/>
+              <a:schemeClr val="tx1">
+                <a:lumMod val="85000"/>
+                <a:lumOff val="15000"/>
               </a:schemeClr>
             </a:solidFill>
-            <a:prstDash val="sysDash"/>
+            <a:headEnd type="triangle"/>
+            <a:tailEnd type="triangle"/>
+          </a:ln>
+        </p:spPr>
+        <p:style>
+          <a:lnRef idx="1">
+            <a:schemeClr val="accent1"/>
+          </a:lnRef>
+          <a:fillRef idx="0">
+            <a:schemeClr val="accent1"/>
+          </a:fillRef>
+          <a:effectRef idx="0">
+            <a:schemeClr val="accent1"/>
+          </a:effectRef>
+          <a:fontRef idx="minor">
+            <a:schemeClr val="tx1"/>
+          </a:fontRef>
+        </p:style>
+      </p:cxnSp>
+      <p:sp>
+        <p:nvSpPr>
+          <p:cNvPr id="140" name="圆角矩形 139"/>
+          <p:cNvSpPr/>
+          <p:nvPr/>
+        </p:nvSpPr>
+        <p:spPr>
+          <a:xfrm>
+            <a:off x="10539513" y="5273278"/>
+            <a:ext cx="441262" cy="240682"/>
+          </a:xfrm>
+          <a:prstGeom prst="roundRect">
+            <a:avLst/>
+          </a:prstGeom>
+          <a:solidFill>
+            <a:schemeClr val="accent3">
+              <a:lumMod val="20000"/>
+              <a:lumOff val="80000"/>
+            </a:schemeClr>
+          </a:solidFill>
+          <a:ln w="22225">
+            <a:solidFill>
+              <a:schemeClr val="tx1">
+                <a:lumMod val="75000"/>
+                <a:lumOff val="25000"/>
+              </a:schemeClr>
+            </a:solidFill>
+          </a:ln>
+        </p:spPr>
+        <p:style>
+          <a:lnRef idx="2">
+            <a:schemeClr val="accent1">
+              <a:shade val="50000"/>
+            </a:schemeClr>
+          </a:lnRef>
+          <a:fillRef idx="1">
+            <a:schemeClr val="accent1"/>
+          </a:fillRef>
+          <a:effectRef idx="0">
+            <a:schemeClr val="accent1"/>
+          </a:effectRef>
+          <a:fontRef idx="minor">
+            <a:schemeClr val="lt1"/>
+          </a:fontRef>
+        </p:style>
+        <p:txBody>
+          <a:bodyPr rtlCol="0" anchor="ctr"/>
+          <a:lstStyle/>
+          <a:p>
+            <a:pPr algn="ctr"/>
+            <a:r>
+              <a:rPr lang="en-US" altLang="zh-CN" sz="1400" smtClean="0">
+                <a:solidFill>
+                  <a:schemeClr val="tx1"/>
+                </a:solidFill>
+              </a:rPr>
+              <a:t>t1</a:t>
+            </a:r>
+            <a:endParaRPr lang="zh-CN" altLang="en-US" sz="1400">
+              <a:solidFill>
+                <a:schemeClr val="tx1"/>
+              </a:solidFill>
+            </a:endParaRPr>
+          </a:p>
+        </p:txBody>
+      </p:sp>
+      <p:sp>
+        <p:nvSpPr>
+          <p:cNvPr id="141" name="圆角矩形 140"/>
+          <p:cNvSpPr/>
+          <p:nvPr/>
+        </p:nvSpPr>
+        <p:spPr>
+          <a:xfrm>
+            <a:off x="10205696" y="5790238"/>
+            <a:ext cx="441262" cy="240682"/>
+          </a:xfrm>
+          <a:prstGeom prst="roundRect">
+            <a:avLst/>
+          </a:prstGeom>
+          <a:solidFill>
+            <a:schemeClr val="accent3">
+              <a:lumMod val="20000"/>
+              <a:lumOff val="80000"/>
+            </a:schemeClr>
+          </a:solidFill>
+          <a:ln w="22225">
+            <a:solidFill>
+              <a:schemeClr val="tx1">
+                <a:lumMod val="75000"/>
+                <a:lumOff val="25000"/>
+              </a:schemeClr>
+            </a:solidFill>
+          </a:ln>
+        </p:spPr>
+        <p:style>
+          <a:lnRef idx="2">
+            <a:schemeClr val="accent1">
+              <a:shade val="50000"/>
+            </a:schemeClr>
+          </a:lnRef>
+          <a:fillRef idx="1">
+            <a:schemeClr val="accent1"/>
+          </a:fillRef>
+          <a:effectRef idx="0">
+            <a:schemeClr val="accent1"/>
+          </a:effectRef>
+          <a:fontRef idx="minor">
+            <a:schemeClr val="lt1"/>
+          </a:fontRef>
+        </p:style>
+        <p:txBody>
+          <a:bodyPr rtlCol="0" anchor="ctr"/>
+          <a:lstStyle/>
+          <a:p>
+            <a:pPr algn="ctr"/>
+            <a:r>
+              <a:rPr lang="en-US" altLang="zh-CN" sz="1400" smtClean="0">
+                <a:solidFill>
+                  <a:schemeClr val="tx1"/>
+                </a:solidFill>
+              </a:rPr>
+              <a:t>t2</a:t>
+            </a:r>
+            <a:endParaRPr lang="zh-CN" altLang="en-US" sz="1400">
+              <a:solidFill>
+                <a:schemeClr val="tx1"/>
+              </a:solidFill>
+            </a:endParaRPr>
+          </a:p>
+        </p:txBody>
+      </p:sp>
+      <p:cxnSp>
+        <p:nvCxnSpPr>
+          <p:cNvPr id="142" name="直接箭头连接符 141"/>
+          <p:cNvCxnSpPr>
+            <a:stCxn id="140" idx="2"/>
+            <a:endCxn id="141" idx="0"/>
+          </p:cNvCxnSpPr>
+          <p:nvPr/>
+        </p:nvCxnSpPr>
+        <p:spPr>
+          <a:xfrm flipH="1">
+            <a:off x="10426327" y="5513960"/>
+            <a:ext cx="333817" cy="276278"/>
+          </a:xfrm>
+          <a:prstGeom prst="straightConnector1">
+            <a:avLst/>
+          </a:prstGeom>
+          <a:ln w="31750">
+            <a:solidFill>
+              <a:schemeClr val="tx1">
+                <a:lumMod val="85000"/>
+                <a:lumOff val="15000"/>
+              </a:schemeClr>
+            </a:solidFill>
+            <a:headEnd type="triangle"/>
+            <a:tailEnd type="triangle"/>
+          </a:ln>
+        </p:spPr>
+        <p:style>
+          <a:lnRef idx="1">
+            <a:schemeClr val="accent1"/>
+          </a:lnRef>
+          <a:fillRef idx="0">
+            <a:schemeClr val="accent1"/>
+          </a:fillRef>
+          <a:effectRef idx="0">
+            <a:schemeClr val="accent1"/>
+          </a:effectRef>
+          <a:fontRef idx="minor">
+            <a:schemeClr val="tx1"/>
+          </a:fontRef>
+        </p:style>
+      </p:cxnSp>
+      <p:sp>
+        <p:nvSpPr>
+          <p:cNvPr id="143" name="圆角矩形 142"/>
+          <p:cNvSpPr/>
+          <p:nvPr/>
+        </p:nvSpPr>
+        <p:spPr>
+          <a:xfrm>
+            <a:off x="10892271" y="5785505"/>
+            <a:ext cx="441262" cy="240682"/>
+          </a:xfrm>
+          <a:prstGeom prst="roundRect">
+            <a:avLst/>
+          </a:prstGeom>
+          <a:solidFill>
+            <a:schemeClr val="accent3">
+              <a:lumMod val="20000"/>
+              <a:lumOff val="80000"/>
+            </a:schemeClr>
+          </a:solidFill>
+          <a:ln w="22225">
+            <a:solidFill>
+              <a:schemeClr val="tx1">
+                <a:lumMod val="75000"/>
+                <a:lumOff val="25000"/>
+              </a:schemeClr>
+            </a:solidFill>
+          </a:ln>
+        </p:spPr>
+        <p:style>
+          <a:lnRef idx="2">
+            <a:schemeClr val="accent1">
+              <a:shade val="50000"/>
+            </a:schemeClr>
+          </a:lnRef>
+          <a:fillRef idx="1">
+            <a:schemeClr val="accent1"/>
+          </a:fillRef>
+          <a:effectRef idx="0">
+            <a:schemeClr val="accent1"/>
+          </a:effectRef>
+          <a:fontRef idx="minor">
+            <a:schemeClr val="lt1"/>
+          </a:fontRef>
+        </p:style>
+        <p:txBody>
+          <a:bodyPr rtlCol="0" anchor="ctr"/>
+          <a:lstStyle/>
+          <a:p>
+            <a:pPr algn="ctr"/>
+            <a:r>
+              <a:rPr lang="en-US" altLang="zh-CN" sz="1400" smtClean="0">
+                <a:solidFill>
+                  <a:schemeClr val="tx1"/>
+                </a:solidFill>
+              </a:rPr>
+              <a:t>t3</a:t>
+            </a:r>
+            <a:endParaRPr lang="zh-CN" altLang="en-US" sz="1400">
+              <a:solidFill>
+                <a:schemeClr val="tx1"/>
+              </a:solidFill>
+            </a:endParaRPr>
+          </a:p>
+        </p:txBody>
+      </p:sp>
+      <p:sp>
+        <p:nvSpPr>
+          <p:cNvPr id="144" name="圆角矩形 143"/>
+          <p:cNvSpPr/>
+          <p:nvPr/>
+        </p:nvSpPr>
+        <p:spPr>
+          <a:xfrm>
+            <a:off x="10157398" y="4716344"/>
+            <a:ext cx="441262" cy="240682"/>
+          </a:xfrm>
+          <a:prstGeom prst="roundRect">
+            <a:avLst/>
+          </a:prstGeom>
+          <a:solidFill>
+            <a:schemeClr val="accent3">
+              <a:lumMod val="20000"/>
+              <a:lumOff val="80000"/>
+            </a:schemeClr>
+          </a:solidFill>
+          <a:ln w="22225">
+            <a:solidFill>
+              <a:schemeClr val="tx1">
+                <a:lumMod val="75000"/>
+                <a:lumOff val="25000"/>
+              </a:schemeClr>
+            </a:solidFill>
+          </a:ln>
+        </p:spPr>
+        <p:style>
+          <a:lnRef idx="2">
+            <a:schemeClr val="accent1">
+              <a:shade val="50000"/>
+            </a:schemeClr>
+          </a:lnRef>
+          <a:fillRef idx="1">
+            <a:schemeClr val="accent1"/>
+          </a:fillRef>
+          <a:effectRef idx="0">
+            <a:schemeClr val="accent1"/>
+          </a:effectRef>
+          <a:fontRef idx="minor">
+            <a:schemeClr val="lt1"/>
+          </a:fontRef>
+        </p:style>
+        <p:txBody>
+          <a:bodyPr rtlCol="0" anchor="ctr"/>
+          <a:lstStyle/>
+          <a:p>
+            <a:pPr algn="ctr"/>
+            <a:r>
+              <a:rPr lang="en-US" altLang="zh-CN" sz="1400" smtClean="0">
+                <a:solidFill>
+                  <a:schemeClr val="tx1"/>
+                </a:solidFill>
+              </a:rPr>
+              <a:t>t4</a:t>
+            </a:r>
+            <a:endParaRPr lang="zh-CN" altLang="en-US" sz="1400">
+              <a:solidFill>
+                <a:schemeClr val="tx1"/>
+              </a:solidFill>
+            </a:endParaRPr>
+          </a:p>
+        </p:txBody>
+      </p:sp>
+      <p:cxnSp>
+        <p:nvCxnSpPr>
+          <p:cNvPr id="145" name="直接箭头连接符 144"/>
+          <p:cNvCxnSpPr>
+            <a:stCxn id="143" idx="1"/>
+            <a:endCxn id="141" idx="3"/>
+          </p:cNvCxnSpPr>
+          <p:nvPr/>
+        </p:nvCxnSpPr>
+        <p:spPr>
+          <a:xfrm flipH="1">
+            <a:off x="10646958" y="5905846"/>
+            <a:ext cx="245313" cy="4733"/>
+          </a:xfrm>
+          <a:prstGeom prst="straightConnector1">
+            <a:avLst/>
+          </a:prstGeom>
+          <a:ln w="31750">
+            <a:solidFill>
+              <a:schemeClr val="tx1">
+                <a:lumMod val="85000"/>
+                <a:lumOff val="15000"/>
+              </a:schemeClr>
+            </a:solidFill>
+            <a:headEnd type="triangle"/>
+            <a:tailEnd type="triangle"/>
+          </a:ln>
+        </p:spPr>
+        <p:style>
+          <a:lnRef idx="1">
+            <a:schemeClr val="accent1"/>
+          </a:lnRef>
+          <a:fillRef idx="0">
+            <a:schemeClr val="accent1"/>
+          </a:fillRef>
+          <a:effectRef idx="0">
+            <a:schemeClr val="accent1"/>
+          </a:effectRef>
+          <a:fontRef idx="minor">
+            <a:schemeClr val="tx1"/>
+          </a:fontRef>
+        </p:style>
+      </p:cxnSp>
+      <p:cxnSp>
+        <p:nvCxnSpPr>
+          <p:cNvPr id="146" name="直接箭头连接符 145"/>
+          <p:cNvCxnSpPr>
+            <a:stCxn id="144" idx="2"/>
+            <a:endCxn id="140" idx="0"/>
+          </p:cNvCxnSpPr>
+          <p:nvPr/>
+        </p:nvCxnSpPr>
+        <p:spPr>
+          <a:xfrm>
+            <a:off x="10378029" y="4957026"/>
+            <a:ext cx="382115" cy="316252"/>
+          </a:xfrm>
+          <a:prstGeom prst="straightConnector1">
+            <a:avLst/>
+          </a:prstGeom>
+          <a:ln w="31750">
+            <a:solidFill>
+              <a:schemeClr val="tx1">
+                <a:lumMod val="85000"/>
+                <a:lumOff val="15000"/>
+              </a:schemeClr>
+            </a:solidFill>
+            <a:headEnd type="triangle"/>
+            <a:tailEnd type="triangle"/>
+          </a:ln>
+        </p:spPr>
+        <p:style>
+          <a:lnRef idx="1">
+            <a:schemeClr val="accent1"/>
+          </a:lnRef>
+          <a:fillRef idx="0">
+            <a:schemeClr val="accent1"/>
+          </a:fillRef>
+          <a:effectRef idx="0">
+            <a:schemeClr val="accent1"/>
+          </a:effectRef>
+          <a:fontRef idx="minor">
+            <a:schemeClr val="tx1"/>
+          </a:fontRef>
+        </p:style>
+      </p:cxnSp>
+      <p:sp>
+        <p:nvSpPr>
+          <p:cNvPr id="154" name="圆角矩形 153"/>
+          <p:cNvSpPr/>
+          <p:nvPr/>
+        </p:nvSpPr>
+        <p:spPr>
+          <a:xfrm>
+            <a:off x="10889323" y="4716344"/>
+            <a:ext cx="441262" cy="240682"/>
+          </a:xfrm>
+          <a:prstGeom prst="roundRect">
+            <a:avLst/>
+          </a:prstGeom>
+          <a:solidFill>
+            <a:schemeClr val="accent3">
+              <a:lumMod val="20000"/>
+              <a:lumOff val="80000"/>
+            </a:schemeClr>
+          </a:solidFill>
+          <a:ln w="22225">
+            <a:solidFill>
+              <a:schemeClr val="tx1">
+                <a:lumMod val="75000"/>
+                <a:lumOff val="25000"/>
+              </a:schemeClr>
+            </a:solidFill>
+          </a:ln>
+        </p:spPr>
+        <p:style>
+          <a:lnRef idx="2">
+            <a:schemeClr val="accent1">
+              <a:shade val="50000"/>
+            </a:schemeClr>
+          </a:lnRef>
+          <a:fillRef idx="1">
+            <a:schemeClr val="accent1"/>
+          </a:fillRef>
+          <a:effectRef idx="0">
+            <a:schemeClr val="accent1"/>
+          </a:effectRef>
+          <a:fontRef idx="minor">
+            <a:schemeClr val="lt1"/>
+          </a:fontRef>
+        </p:style>
+        <p:txBody>
+          <a:bodyPr rtlCol="0" anchor="ctr"/>
+          <a:lstStyle/>
+          <a:p>
+            <a:pPr algn="ctr"/>
+            <a:r>
+              <a:rPr lang="en-US" altLang="zh-CN" sz="1400" smtClean="0">
+                <a:solidFill>
+                  <a:schemeClr val="tx1"/>
+                </a:solidFill>
+              </a:rPr>
+              <a:t>t5</a:t>
+            </a:r>
+            <a:endParaRPr lang="zh-CN" altLang="en-US" sz="1400">
+              <a:solidFill>
+                <a:schemeClr val="tx1"/>
+              </a:solidFill>
+            </a:endParaRPr>
+          </a:p>
+        </p:txBody>
+      </p:sp>
+      <p:cxnSp>
+        <p:nvCxnSpPr>
+          <p:cNvPr id="155" name="直接箭头连接符 154"/>
+          <p:cNvCxnSpPr>
+            <a:stCxn id="154" idx="2"/>
+            <a:endCxn id="140" idx="0"/>
+          </p:cNvCxnSpPr>
+          <p:nvPr/>
+        </p:nvCxnSpPr>
+        <p:spPr>
+          <a:xfrm flipH="1">
+            <a:off x="10760144" y="4957026"/>
+            <a:ext cx="349810" cy="316252"/>
+          </a:xfrm>
+          <a:prstGeom prst="straightConnector1">
+            <a:avLst/>
+          </a:prstGeom>
+          <a:ln w="31750">
+            <a:solidFill>
+              <a:schemeClr val="tx1">
+                <a:lumMod val="85000"/>
+                <a:lumOff val="15000"/>
+              </a:schemeClr>
+            </a:solidFill>
+            <a:headEnd type="triangle"/>
+            <a:tailEnd type="triangle"/>
+          </a:ln>
+        </p:spPr>
+        <p:style>
+          <a:lnRef idx="1">
+            <a:schemeClr val="accent1"/>
+          </a:lnRef>
+          <a:fillRef idx="0">
+            <a:schemeClr val="accent1"/>
+          </a:fillRef>
+          <a:effectRef idx="0">
+            <a:schemeClr val="accent1"/>
+          </a:effectRef>
+          <a:fontRef idx="minor">
+            <a:schemeClr val="tx1"/>
+          </a:fontRef>
+        </p:style>
+      </p:cxnSp>
+      <p:sp>
+        <p:nvSpPr>
+          <p:cNvPr id="158" name="圆角矩形 157"/>
+          <p:cNvSpPr/>
+          <p:nvPr/>
+        </p:nvSpPr>
+        <p:spPr>
+          <a:xfrm>
+            <a:off x="9456421" y="5785505"/>
+            <a:ext cx="441262" cy="240682"/>
+          </a:xfrm>
+          <a:prstGeom prst="roundRect">
+            <a:avLst/>
+          </a:prstGeom>
+          <a:solidFill>
+            <a:schemeClr val="accent3">
+              <a:lumMod val="20000"/>
+              <a:lumOff val="80000"/>
+            </a:schemeClr>
+          </a:solidFill>
+          <a:ln w="22225">
+            <a:solidFill>
+              <a:schemeClr val="tx1">
+                <a:lumMod val="75000"/>
+                <a:lumOff val="25000"/>
+              </a:schemeClr>
+            </a:solidFill>
+          </a:ln>
+        </p:spPr>
+        <p:style>
+          <a:lnRef idx="2">
+            <a:schemeClr val="accent1">
+              <a:shade val="50000"/>
+            </a:schemeClr>
+          </a:lnRef>
+          <a:fillRef idx="1">
+            <a:schemeClr val="accent1"/>
+          </a:fillRef>
+          <a:effectRef idx="0">
+            <a:schemeClr val="accent1"/>
+          </a:effectRef>
+          <a:fontRef idx="minor">
+            <a:schemeClr val="lt1"/>
+          </a:fontRef>
+        </p:style>
+        <p:txBody>
+          <a:bodyPr rtlCol="0" anchor="ctr"/>
+          <a:lstStyle/>
+          <a:p>
+            <a:pPr algn="ctr"/>
+            <a:r>
+              <a:rPr lang="en-US" altLang="zh-CN" sz="1400" smtClean="0">
+                <a:solidFill>
+                  <a:schemeClr val="tx1"/>
+                </a:solidFill>
+              </a:rPr>
+              <a:t>t6</a:t>
+            </a:r>
+            <a:endParaRPr lang="zh-CN" altLang="en-US" sz="1400">
+              <a:solidFill>
+                <a:schemeClr val="tx1"/>
+              </a:solidFill>
+            </a:endParaRPr>
+          </a:p>
+        </p:txBody>
+      </p:sp>
+      <p:sp>
+        <p:nvSpPr>
+          <p:cNvPr id="159" name="圆角矩形 158"/>
+          <p:cNvSpPr/>
+          <p:nvPr/>
+        </p:nvSpPr>
+        <p:spPr>
+          <a:xfrm>
+            <a:off x="10057773" y="6290996"/>
+            <a:ext cx="441262" cy="240682"/>
+          </a:xfrm>
+          <a:prstGeom prst="roundRect">
+            <a:avLst/>
+          </a:prstGeom>
+          <a:solidFill>
+            <a:schemeClr val="accent3">
+              <a:lumMod val="20000"/>
+              <a:lumOff val="80000"/>
+            </a:schemeClr>
+          </a:solidFill>
+          <a:ln w="22225">
+            <a:solidFill>
+              <a:schemeClr val="tx1">
+                <a:lumMod val="75000"/>
+                <a:lumOff val="25000"/>
+              </a:schemeClr>
+            </a:solidFill>
+          </a:ln>
+        </p:spPr>
+        <p:style>
+          <a:lnRef idx="2">
+            <a:schemeClr val="accent1">
+              <a:shade val="50000"/>
+            </a:schemeClr>
+          </a:lnRef>
+          <a:fillRef idx="1">
+            <a:schemeClr val="accent1"/>
+          </a:fillRef>
+          <a:effectRef idx="0">
+            <a:schemeClr val="accent1"/>
+          </a:effectRef>
+          <a:fontRef idx="minor">
+            <a:schemeClr val="lt1"/>
+          </a:fontRef>
+        </p:style>
+        <p:txBody>
+          <a:bodyPr rtlCol="0" anchor="ctr"/>
+          <a:lstStyle/>
+          <a:p>
+            <a:pPr algn="ctr"/>
+            <a:r>
+              <a:rPr lang="en-US" altLang="zh-CN" sz="1400" smtClean="0">
+                <a:solidFill>
+                  <a:schemeClr val="tx1"/>
+                </a:solidFill>
+              </a:rPr>
+              <a:t>t7</a:t>
+            </a:r>
+            <a:endParaRPr lang="zh-CN" altLang="en-US" sz="1400">
+              <a:solidFill>
+                <a:schemeClr val="tx1"/>
+              </a:solidFill>
+            </a:endParaRPr>
+          </a:p>
+        </p:txBody>
+      </p:sp>
+      <p:cxnSp>
+        <p:nvCxnSpPr>
+          <p:cNvPr id="160" name="直接箭头连接符 159"/>
+          <p:cNvCxnSpPr>
+            <a:stCxn id="158" idx="3"/>
+            <a:endCxn id="141" idx="1"/>
+          </p:cNvCxnSpPr>
+          <p:nvPr/>
+        </p:nvCxnSpPr>
+        <p:spPr>
+          <a:xfrm>
+            <a:off x="9897683" y="5905846"/>
+            <a:ext cx="308013" cy="4733"/>
+          </a:xfrm>
+          <a:prstGeom prst="straightConnector1">
+            <a:avLst/>
+          </a:prstGeom>
+          <a:ln w="31750">
+            <a:solidFill>
+              <a:schemeClr val="tx1">
+                <a:lumMod val="85000"/>
+                <a:lumOff val="15000"/>
+              </a:schemeClr>
+            </a:solidFill>
+            <a:headEnd type="triangle"/>
+            <a:tailEnd type="triangle"/>
+          </a:ln>
+        </p:spPr>
+        <p:style>
+          <a:lnRef idx="1">
+            <a:schemeClr val="accent1"/>
+          </a:lnRef>
+          <a:fillRef idx="0">
+            <a:schemeClr val="accent1"/>
+          </a:fillRef>
+          <a:effectRef idx="0">
+            <a:schemeClr val="accent1"/>
+          </a:effectRef>
+          <a:fontRef idx="minor">
+            <a:schemeClr val="tx1"/>
+          </a:fontRef>
+        </p:style>
+      </p:cxnSp>
+      <p:cxnSp>
+        <p:nvCxnSpPr>
+          <p:cNvPr id="163" name="直接箭头连接符 162"/>
+          <p:cNvCxnSpPr>
+            <a:stCxn id="159" idx="0"/>
+            <a:endCxn id="141" idx="2"/>
+          </p:cNvCxnSpPr>
+          <p:nvPr/>
+        </p:nvCxnSpPr>
+        <p:spPr>
+          <a:xfrm flipV="1">
+            <a:off x="10278404" y="6030920"/>
+            <a:ext cx="147923" cy="260076"/>
+          </a:xfrm>
+          <a:prstGeom prst="straightConnector1">
+            <a:avLst/>
+          </a:prstGeom>
+          <a:ln w="31750">
+            <a:solidFill>
+              <a:schemeClr val="tx1">
+                <a:lumMod val="85000"/>
+                <a:lumOff val="15000"/>
+              </a:schemeClr>
+            </a:solidFill>
+            <a:headEnd type="triangle"/>
+            <a:tailEnd type="triangle"/>
+          </a:ln>
+        </p:spPr>
+        <p:style>
+          <a:lnRef idx="1">
+            <a:schemeClr val="accent1"/>
+          </a:lnRef>
+          <a:fillRef idx="0">
+            <a:schemeClr val="accent1"/>
+          </a:fillRef>
+          <a:effectRef idx="0">
+            <a:schemeClr val="accent1"/>
+          </a:effectRef>
+          <a:fontRef idx="minor">
+            <a:schemeClr val="tx1"/>
+          </a:fontRef>
+        </p:style>
+      </p:cxnSp>
+      <p:cxnSp>
+        <p:nvCxnSpPr>
+          <p:cNvPr id="167" name="直接箭头连接符 166"/>
+          <p:cNvCxnSpPr>
+            <a:stCxn id="140" idx="2"/>
+            <a:endCxn id="143" idx="0"/>
+          </p:cNvCxnSpPr>
+          <p:nvPr/>
+        </p:nvCxnSpPr>
+        <p:spPr>
+          <a:xfrm>
+            <a:off x="10760144" y="5513960"/>
+            <a:ext cx="352758" cy="271545"/>
+          </a:xfrm>
+          <a:prstGeom prst="straightConnector1">
+            <a:avLst/>
+          </a:prstGeom>
+          <a:ln w="31750">
+            <a:solidFill>
+              <a:schemeClr val="tx1">
+                <a:lumMod val="85000"/>
+                <a:lumOff val="15000"/>
+              </a:schemeClr>
+            </a:solidFill>
+            <a:headEnd type="triangle"/>
             <a:tailEnd type="triangle"/>
           </a:ln>
         </p:spPr>
@@ -20431,7 +21834,7 @@
     </p:spTree>
     <p:extLst>
       <p:ext uri="{BB962C8B-B14F-4D97-AF65-F5344CB8AC3E}">
-        <p14:creationId xmlns:p14="http://schemas.microsoft.com/office/powerpoint/2010/main" val="4106775679"/>
+        <p14:creationId xmlns:p14="http://schemas.microsoft.com/office/powerpoint/2010/main" val="648346058"/>
       </p:ext>
     </p:extLst>
   </p:cSld>
@@ -20475,7 +21878,11 @@
           <a:p>
             <a:r>
               <a:rPr lang="en-US" altLang="zh-CN" smtClean="0"/>
-              <a:t>Multi-join parallelization</a:t>
+              <a:t>Join </a:t>
+            </a:r>
+            <a:r>
+              <a:rPr lang="en-US" altLang="zh-CN" smtClean="0"/>
+              <a:t>parallelization (simple join)</a:t>
             </a:r>
             <a:endParaRPr lang="zh-CN" altLang="en-US"/>
           </a:p>
@@ -20483,13 +21890,13 @@
       </p:sp>
       <p:sp>
         <p:nvSpPr>
-          <p:cNvPr id="4" name="圆角矩形 3"/>
+          <p:cNvPr id="3" name="圆角矩形 2"/>
           <p:cNvSpPr/>
           <p:nvPr/>
         </p:nvSpPr>
         <p:spPr>
           <a:xfrm>
-            <a:off x="1975360" y="4982189"/>
+            <a:off x="926067" y="1629978"/>
             <a:ext cx="906624" cy="391886"/>
           </a:xfrm>
           <a:prstGeom prst="roundRect">
@@ -20554,7 +21961,7 @@
         </p:nvSpPr>
         <p:spPr>
           <a:xfrm>
-            <a:off x="2602840" y="5702359"/>
+            <a:off x="313357" y="2370207"/>
             <a:ext cx="906624" cy="391886"/>
           </a:xfrm>
           <a:prstGeom prst="roundRect">
@@ -20596,22 +22003,79 @@
           <a:p>
             <a:pPr algn="ctr"/>
             <a:r>
-              <a:rPr lang="en-US" altLang="zh-CN" sz="1200">
+              <a:rPr lang="en-US" altLang="zh-CN" smtClean="0">
                 <a:solidFill>
                   <a:schemeClr val="tx1"/>
                 </a:solidFill>
               </a:rPr>
-              <a:t>scan</a:t>
-            </a:r>
-            <a:r>
-              <a:rPr lang="en-US" altLang="zh-CN" sz="1200" smtClean="0">
+              <a:t>sub1</a:t>
+            </a:r>
+            <a:endParaRPr lang="zh-CN" altLang="en-US">
+              <a:solidFill>
+                <a:schemeClr val="tx1"/>
+              </a:solidFill>
+            </a:endParaRPr>
+          </a:p>
+        </p:txBody>
+      </p:sp>
+      <p:sp>
+        <p:nvSpPr>
+          <p:cNvPr id="6" name="圆角矩形 5"/>
+          <p:cNvSpPr/>
+          <p:nvPr/>
+        </p:nvSpPr>
+        <p:spPr>
+          <a:xfrm>
+            <a:off x="1510785" y="2370207"/>
+            <a:ext cx="906624" cy="391886"/>
+          </a:xfrm>
+          <a:prstGeom prst="roundRect">
+            <a:avLst/>
+          </a:prstGeom>
+          <a:solidFill>
+            <a:schemeClr val="bg1">
+              <a:lumMod val="65000"/>
+            </a:schemeClr>
+          </a:solidFill>
+          <a:ln w="22225">
+            <a:solidFill>
+              <a:schemeClr val="tx1">
+                <a:lumMod val="75000"/>
+                <a:lumOff val="25000"/>
+              </a:schemeClr>
+            </a:solidFill>
+          </a:ln>
+        </p:spPr>
+        <p:style>
+          <a:lnRef idx="2">
+            <a:schemeClr val="accent1">
+              <a:shade val="50000"/>
+            </a:schemeClr>
+          </a:lnRef>
+          <a:fillRef idx="1">
+            <a:schemeClr val="accent1"/>
+          </a:fillRef>
+          <a:effectRef idx="0">
+            <a:schemeClr val="accent1"/>
+          </a:effectRef>
+          <a:fontRef idx="minor">
+            <a:schemeClr val="lt1"/>
+          </a:fontRef>
+        </p:style>
+        <p:txBody>
+          <a:bodyPr rtlCol="0" anchor="ctr"/>
+          <a:lstStyle/>
+          <a:p>
+            <a:pPr algn="ctr"/>
+            <a:r>
+              <a:rPr lang="en-US" altLang="zh-CN" smtClean="0">
                 <a:solidFill>
                   <a:schemeClr val="tx1"/>
                 </a:solidFill>
               </a:rPr>
-              <a:t>2(split)</a:t>
-            </a:r>
-            <a:endParaRPr lang="zh-CN" altLang="en-US" sz="1200">
+              <a:t>sub2</a:t>
+            </a:r>
+            <a:endParaRPr lang="zh-CN" altLang="en-US">
               <a:solidFill>
                 <a:schemeClr val="tx1"/>
               </a:solidFill>
@@ -20621,17 +22085,17 @@
       </p:sp>
       <p:cxnSp>
         <p:nvCxnSpPr>
-          <p:cNvPr id="6" name="直接箭头连接符 5"/>
+          <p:cNvPr id="7" name="直接箭头连接符 6"/>
           <p:cNvCxnSpPr>
-            <a:stCxn id="9" idx="0"/>
-            <a:endCxn id="4" idx="2"/>
+            <a:stCxn id="5" idx="0"/>
+            <a:endCxn id="3" idx="2"/>
           </p:cNvCxnSpPr>
           <p:nvPr/>
         </p:nvCxnSpPr>
         <p:spPr>
           <a:xfrm flipV="1">
-            <a:off x="1783304" y="5374075"/>
-            <a:ext cx="645368" cy="328284"/>
+            <a:off x="766669" y="2021864"/>
+            <a:ext cx="612710" cy="348343"/>
           </a:xfrm>
           <a:prstGeom prst="straightConnector1">
             <a:avLst/>
@@ -20663,17 +22127,17 @@
       </p:cxnSp>
       <p:cxnSp>
         <p:nvCxnSpPr>
-          <p:cNvPr id="7" name="直接箭头连接符 6"/>
+          <p:cNvPr id="10" name="直接箭头连接符 9"/>
           <p:cNvCxnSpPr>
-            <a:stCxn id="5" idx="0"/>
-            <a:endCxn id="4" idx="2"/>
+            <a:stCxn id="6" idx="0"/>
+            <a:endCxn id="3" idx="2"/>
           </p:cNvCxnSpPr>
           <p:nvPr/>
         </p:nvCxnSpPr>
         <p:spPr>
           <a:xfrm flipH="1" flipV="1">
-            <a:off x="2428672" y="5374075"/>
-            <a:ext cx="627480" cy="328284"/>
+            <a:off x="1379379" y="2021864"/>
+            <a:ext cx="584718" cy="348343"/>
           </a:xfrm>
           <a:prstGeom prst="straightConnector1">
             <a:avLst/>
@@ -20705,13 +22169,13 @@
       </p:cxnSp>
       <p:sp>
         <p:nvSpPr>
-          <p:cNvPr id="8" name="圆角矩形 7"/>
+          <p:cNvPr id="13" name="圆角矩形 12"/>
           <p:cNvSpPr/>
           <p:nvPr/>
         </p:nvSpPr>
         <p:spPr>
           <a:xfrm>
-            <a:off x="3191053" y="4249967"/>
+            <a:off x="4234152" y="1514826"/>
             <a:ext cx="906624" cy="391886"/>
           </a:xfrm>
           <a:prstGeom prst="roundRect">
@@ -20753,14 +22217,14 @@
           <a:p>
             <a:pPr algn="ctr"/>
             <a:r>
-              <a:rPr lang="en-US" altLang="zh-CN" sz="1200" smtClean="0">
+              <a:rPr lang="en-US" altLang="zh-CN" smtClean="0">
                 <a:solidFill>
                   <a:schemeClr val="tx1"/>
                 </a:solidFill>
               </a:rPr>
-              <a:t>broadcast</a:t>
-            </a:r>
-            <a:endParaRPr lang="zh-CN" altLang="en-US" sz="1200">
+              <a:t>join</a:t>
+            </a:r>
+            <a:endParaRPr lang="zh-CN" altLang="en-US">
               <a:solidFill>
                 <a:schemeClr val="tx1"/>
               </a:solidFill>
@@ -20770,13 +22234,13 @@
       </p:sp>
       <p:sp>
         <p:nvSpPr>
-          <p:cNvPr id="9" name="圆角矩形 8"/>
+          <p:cNvPr id="14" name="圆角矩形 13"/>
           <p:cNvSpPr/>
           <p:nvPr/>
         </p:nvSpPr>
         <p:spPr>
           <a:xfrm>
-            <a:off x="1329992" y="5702359"/>
+            <a:off x="3588784" y="2255055"/>
             <a:ext cx="906624" cy="391886"/>
           </a:xfrm>
           <a:prstGeom prst="roundRect">
@@ -20818,14 +22282,14 @@
           <a:p>
             <a:pPr algn="ctr"/>
             <a:r>
-              <a:rPr lang="en-US" altLang="zh-CN" sz="1200" smtClean="0">
+              <a:rPr lang="en-US" altLang="zh-CN" sz="1400" smtClean="0">
                 <a:solidFill>
                   <a:schemeClr val="tx1"/>
                 </a:solidFill>
               </a:rPr>
-              <a:t>scan1</a:t>
-            </a:r>
-            <a:endParaRPr lang="zh-CN" altLang="en-US" sz="1200">
+              <a:t>exchange</a:t>
+            </a:r>
+            <a:endParaRPr lang="zh-CN" altLang="en-US" sz="1400">
               <a:solidFill>
                 <a:schemeClr val="tx1"/>
               </a:solidFill>
@@ -20835,13 +22299,13 @@
       </p:sp>
       <p:sp>
         <p:nvSpPr>
-          <p:cNvPr id="10" name="圆角矩形 9"/>
+          <p:cNvPr id="15" name="圆角矩形 14"/>
           <p:cNvSpPr/>
           <p:nvPr/>
         </p:nvSpPr>
         <p:spPr>
           <a:xfrm>
-            <a:off x="4446021" y="4982189"/>
+            <a:off x="4862414" y="2255055"/>
             <a:ext cx="906624" cy="391886"/>
           </a:xfrm>
           <a:prstGeom prst="roundRect">
@@ -20883,14 +22347,14 @@
           <a:p>
             <a:pPr algn="ctr"/>
             <a:r>
-              <a:rPr lang="en-US" altLang="zh-CN" smtClean="0">
+              <a:rPr lang="en-US" altLang="zh-CN" sz="1400">
                 <a:solidFill>
                   <a:schemeClr val="tx1"/>
                 </a:solidFill>
               </a:rPr>
-              <a:t>join</a:t>
-            </a:r>
-            <a:endParaRPr lang="zh-CN" altLang="en-US">
+              <a:t>exchange</a:t>
+            </a:r>
+            <a:endParaRPr lang="zh-CN" altLang="en-US" sz="1400">
               <a:solidFill>
                 <a:schemeClr val="tx1"/>
               </a:solidFill>
@@ -20898,15 +22362,99 @@
           </a:p>
         </p:txBody>
       </p:sp>
-      <p:sp>
-        <p:nvSpPr>
-          <p:cNvPr id="11" name="圆角矩形 10"/>
+      <p:cxnSp>
+        <p:nvCxnSpPr>
+          <p:cNvPr id="16" name="直接箭头连接符 15"/>
+          <p:cNvCxnSpPr>
+            <a:stCxn id="14" idx="0"/>
+            <a:endCxn id="13" idx="2"/>
+          </p:cNvCxnSpPr>
+          <p:nvPr/>
+        </p:nvCxnSpPr>
+        <p:spPr>
+          <a:xfrm flipV="1">
+            <a:off x="4042096" y="1906712"/>
+            <a:ext cx="645368" cy="348343"/>
+          </a:xfrm>
+          <a:prstGeom prst="straightConnector1">
+            <a:avLst/>
+          </a:prstGeom>
+          <a:ln w="31750">
+            <a:solidFill>
+              <a:schemeClr val="tx1">
+                <a:lumMod val="85000"/>
+                <a:lumOff val="15000"/>
+              </a:schemeClr>
+            </a:solidFill>
+            <a:tailEnd type="triangle"/>
+          </a:ln>
+        </p:spPr>
+        <p:style>
+          <a:lnRef idx="1">
+            <a:schemeClr val="accent1"/>
+          </a:lnRef>
+          <a:fillRef idx="0">
+            <a:schemeClr val="accent1"/>
+          </a:fillRef>
+          <a:effectRef idx="0">
+            <a:schemeClr val="accent1"/>
+          </a:effectRef>
+          <a:fontRef idx="minor">
+            <a:schemeClr val="tx1"/>
+          </a:fontRef>
+        </p:style>
+      </p:cxnSp>
+      <p:cxnSp>
+        <p:nvCxnSpPr>
+          <p:cNvPr id="17" name="直接箭头连接符 16"/>
+          <p:cNvCxnSpPr>
+            <a:stCxn id="15" idx="0"/>
+            <a:endCxn id="13" idx="2"/>
+          </p:cNvCxnSpPr>
+          <p:nvPr/>
+        </p:nvCxnSpPr>
+        <p:spPr>
+          <a:xfrm flipH="1" flipV="1">
+            <a:off x="4687464" y="1906712"/>
+            <a:ext cx="628262" cy="348343"/>
+          </a:xfrm>
+          <a:prstGeom prst="straightConnector1">
+            <a:avLst/>
+          </a:prstGeom>
+          <a:ln w="31750">
+            <a:solidFill>
+              <a:schemeClr val="tx1">
+                <a:lumMod val="85000"/>
+                <a:lumOff val="15000"/>
+              </a:schemeClr>
+            </a:solidFill>
+            <a:tailEnd type="triangle"/>
+          </a:ln>
+        </p:spPr>
+        <p:style>
+          <a:lnRef idx="1">
+            <a:schemeClr val="accent1"/>
+          </a:lnRef>
+          <a:fillRef idx="0">
+            <a:schemeClr val="accent1"/>
+          </a:fillRef>
+          <a:effectRef idx="0">
+            <a:schemeClr val="accent1"/>
+          </a:effectRef>
+          <a:fontRef idx="minor">
+            <a:schemeClr val="tx1"/>
+          </a:fontRef>
+        </p:style>
+      </p:cxnSp>
+      <p:sp>
+        <p:nvSpPr>
+          <p:cNvPr id="19" name="圆角矩形 18"/>
           <p:cNvSpPr/>
           <p:nvPr/>
         </p:nvSpPr>
         <p:spPr>
           <a:xfrm>
-            <a:off x="5073501" y="5702359"/>
+            <a:off x="3588784" y="2993845"/>
             <a:ext cx="906624" cy="391886"/>
           </a:xfrm>
           <a:prstGeom prst="roundRect">
@@ -20948,22 +22496,79 @@
           <a:p>
             <a:pPr algn="ctr"/>
             <a:r>
-              <a:rPr lang="en-US" altLang="zh-CN" sz="1200">
+              <a:rPr lang="en-US" altLang="zh-CN" smtClean="0">
                 <a:solidFill>
                   <a:schemeClr val="tx1"/>
                 </a:solidFill>
               </a:rPr>
-              <a:t>scan</a:t>
-            </a:r>
-            <a:r>
-              <a:rPr lang="en-US" altLang="zh-CN" sz="1200" smtClean="0">
+              <a:t>sub1</a:t>
+            </a:r>
+            <a:endParaRPr lang="zh-CN" altLang="en-US">
+              <a:solidFill>
+                <a:schemeClr val="tx1"/>
+              </a:solidFill>
+            </a:endParaRPr>
+          </a:p>
+        </p:txBody>
+      </p:sp>
+      <p:sp>
+        <p:nvSpPr>
+          <p:cNvPr id="20" name="圆角矩形 19"/>
+          <p:cNvSpPr/>
+          <p:nvPr/>
+        </p:nvSpPr>
+        <p:spPr>
+          <a:xfrm>
+            <a:off x="4862414" y="2993845"/>
+            <a:ext cx="906624" cy="391886"/>
+          </a:xfrm>
+          <a:prstGeom prst="roundRect">
+            <a:avLst/>
+          </a:prstGeom>
+          <a:solidFill>
+            <a:schemeClr val="bg1">
+              <a:lumMod val="65000"/>
+            </a:schemeClr>
+          </a:solidFill>
+          <a:ln w="22225">
+            <a:solidFill>
+              <a:schemeClr val="tx1">
+                <a:lumMod val="75000"/>
+                <a:lumOff val="25000"/>
+              </a:schemeClr>
+            </a:solidFill>
+          </a:ln>
+        </p:spPr>
+        <p:style>
+          <a:lnRef idx="2">
+            <a:schemeClr val="accent1">
+              <a:shade val="50000"/>
+            </a:schemeClr>
+          </a:lnRef>
+          <a:fillRef idx="1">
+            <a:schemeClr val="accent1"/>
+          </a:fillRef>
+          <a:effectRef idx="0">
+            <a:schemeClr val="accent1"/>
+          </a:effectRef>
+          <a:fontRef idx="minor">
+            <a:schemeClr val="lt1"/>
+          </a:fontRef>
+        </p:style>
+        <p:txBody>
+          <a:bodyPr rtlCol="0" anchor="ctr"/>
+          <a:lstStyle/>
+          <a:p>
+            <a:pPr algn="ctr"/>
+            <a:r>
+              <a:rPr lang="en-US" altLang="zh-CN" smtClean="0">
                 <a:solidFill>
                   <a:schemeClr val="tx1"/>
                 </a:solidFill>
               </a:rPr>
-              <a:t>2(split)</a:t>
-            </a:r>
-            <a:endParaRPr lang="zh-CN" altLang="en-US" sz="1200">
+              <a:t>sub2</a:t>
+            </a:r>
+            <a:endParaRPr lang="zh-CN" altLang="en-US">
               <a:solidFill>
                 <a:schemeClr val="tx1"/>
               </a:solidFill>
@@ -20973,17 +22578,17 @@
       </p:sp>
       <p:cxnSp>
         <p:nvCxnSpPr>
-          <p:cNvPr id="12" name="直接箭头连接符 11"/>
+          <p:cNvPr id="21" name="直接箭头连接符 20"/>
           <p:cNvCxnSpPr>
-            <a:stCxn id="14" idx="0"/>
-            <a:endCxn id="10" idx="2"/>
+            <a:stCxn id="19" idx="0"/>
+            <a:endCxn id="14" idx="2"/>
           </p:cNvCxnSpPr>
           <p:nvPr/>
         </p:nvCxnSpPr>
         <p:spPr>
           <a:xfrm flipV="1">
-            <a:off x="4253965" y="5374075"/>
-            <a:ext cx="645368" cy="328284"/>
+            <a:off x="4042096" y="2646941"/>
+            <a:ext cx="0" cy="346904"/>
           </a:xfrm>
           <a:prstGeom prst="straightConnector1">
             <a:avLst/>
@@ -21015,17 +22620,17 @@
       </p:cxnSp>
       <p:cxnSp>
         <p:nvCxnSpPr>
-          <p:cNvPr id="13" name="直接箭头连接符 12"/>
+          <p:cNvPr id="24" name="直接箭头连接符 23"/>
           <p:cNvCxnSpPr>
-            <a:stCxn id="11" idx="0"/>
-            <a:endCxn id="10" idx="2"/>
+            <a:stCxn id="20" idx="0"/>
+            <a:endCxn id="15" idx="2"/>
           </p:cNvCxnSpPr>
           <p:nvPr/>
         </p:nvCxnSpPr>
         <p:spPr>
-          <a:xfrm flipH="1" flipV="1">
-            <a:off x="4899333" y="5374075"/>
-            <a:ext cx="627480" cy="328284"/>
+          <a:xfrm flipV="1">
+            <a:off x="5315726" y="2646941"/>
+            <a:ext cx="0" cy="346904"/>
           </a:xfrm>
           <a:prstGeom prst="straightConnector1">
             <a:avLst/>
@@ -21057,13 +22662,13 @@
       </p:cxnSp>
       <p:sp>
         <p:nvSpPr>
-          <p:cNvPr id="14" name="圆角矩形 13"/>
+          <p:cNvPr id="27" name="圆角矩形 26"/>
           <p:cNvSpPr/>
           <p:nvPr/>
         </p:nvSpPr>
         <p:spPr>
           <a:xfrm>
-            <a:off x="3800653" y="5702359"/>
+            <a:off x="7047324" y="1514826"/>
             <a:ext cx="906624" cy="391886"/>
           </a:xfrm>
           <a:prstGeom prst="roundRect">
@@ -21105,22 +22710,79 @@
           <a:p>
             <a:pPr algn="ctr"/>
             <a:r>
-              <a:rPr lang="en-US" altLang="zh-CN" sz="1200">
+              <a:rPr lang="en-US" altLang="zh-CN" smtClean="0">
                 <a:solidFill>
                   <a:schemeClr val="tx1"/>
                 </a:solidFill>
               </a:rPr>
-              <a:t>scan</a:t>
-            </a:r>
-            <a:r>
-              <a:rPr lang="en-US" altLang="zh-CN" sz="1200" smtClean="0">
+              <a:t>join</a:t>
+            </a:r>
+            <a:endParaRPr lang="zh-CN" altLang="en-US">
+              <a:solidFill>
+                <a:schemeClr val="tx1"/>
+              </a:solidFill>
+            </a:endParaRPr>
+          </a:p>
+        </p:txBody>
+      </p:sp>
+      <p:sp>
+        <p:nvSpPr>
+          <p:cNvPr id="28" name="圆角矩形 27"/>
+          <p:cNvSpPr/>
+          <p:nvPr/>
+        </p:nvSpPr>
+        <p:spPr>
+          <a:xfrm>
+            <a:off x="6401956" y="2255055"/>
+            <a:ext cx="906624" cy="391886"/>
+          </a:xfrm>
+          <a:prstGeom prst="roundRect">
+            <a:avLst/>
+          </a:prstGeom>
+          <a:solidFill>
+            <a:schemeClr val="bg1">
+              <a:lumMod val="65000"/>
+            </a:schemeClr>
+          </a:solidFill>
+          <a:ln w="22225">
+            <a:solidFill>
+              <a:schemeClr val="tx1">
+                <a:lumMod val="75000"/>
+                <a:lumOff val="25000"/>
+              </a:schemeClr>
+            </a:solidFill>
+          </a:ln>
+        </p:spPr>
+        <p:style>
+          <a:lnRef idx="2">
+            <a:schemeClr val="accent1">
+              <a:shade val="50000"/>
+            </a:schemeClr>
+          </a:lnRef>
+          <a:fillRef idx="1">
+            <a:schemeClr val="accent1"/>
+          </a:fillRef>
+          <a:effectRef idx="0">
+            <a:schemeClr val="accent1"/>
+          </a:effectRef>
+          <a:fontRef idx="minor">
+            <a:schemeClr val="lt1"/>
+          </a:fontRef>
+        </p:style>
+        <p:txBody>
+          <a:bodyPr rtlCol="0" anchor="ctr"/>
+          <a:lstStyle/>
+          <a:p>
+            <a:pPr algn="ctr"/>
+            <a:r>
+              <a:rPr lang="en-US" altLang="zh-CN" sz="1400" smtClean="0">
                 <a:solidFill>
                   <a:schemeClr val="tx1"/>
                 </a:solidFill>
               </a:rPr>
-              <a:t>1</a:t>
-            </a:r>
-            <a:endParaRPr lang="zh-CN" altLang="en-US" sz="1200">
+              <a:t>exchange</a:t>
+            </a:r>
+            <a:endParaRPr lang="zh-CN" altLang="en-US" sz="1400">
               <a:solidFill>
                 <a:schemeClr val="tx1"/>
               </a:solidFill>
@@ -21128,19 +22790,84 @@
           </a:p>
         </p:txBody>
       </p:sp>
+      <p:sp>
+        <p:nvSpPr>
+          <p:cNvPr id="29" name="圆角矩形 28"/>
+          <p:cNvSpPr/>
+          <p:nvPr/>
+        </p:nvSpPr>
+        <p:spPr>
+          <a:xfrm>
+            <a:off x="7675586" y="2255055"/>
+            <a:ext cx="906624" cy="391886"/>
+          </a:xfrm>
+          <a:prstGeom prst="roundRect">
+            <a:avLst/>
+          </a:prstGeom>
+          <a:solidFill>
+            <a:schemeClr val="bg1">
+              <a:lumMod val="65000"/>
+            </a:schemeClr>
+          </a:solidFill>
+          <a:ln w="22225">
+            <a:solidFill>
+              <a:schemeClr val="tx1">
+                <a:lumMod val="75000"/>
+                <a:lumOff val="25000"/>
+              </a:schemeClr>
+            </a:solidFill>
+          </a:ln>
+        </p:spPr>
+        <p:style>
+          <a:lnRef idx="2">
+            <a:schemeClr val="accent1">
+              <a:shade val="50000"/>
+            </a:schemeClr>
+          </a:lnRef>
+          <a:fillRef idx="1">
+            <a:schemeClr val="accent1"/>
+          </a:fillRef>
+          <a:effectRef idx="0">
+            <a:schemeClr val="accent1"/>
+          </a:effectRef>
+          <a:fontRef idx="minor">
+            <a:schemeClr val="lt1"/>
+          </a:fontRef>
+        </p:style>
+        <p:txBody>
+          <a:bodyPr rtlCol="0" anchor="ctr"/>
+          <a:lstStyle/>
+          <a:p>
+            <a:pPr algn="ctr"/>
+            <a:r>
+              <a:rPr lang="en-US" altLang="zh-CN" sz="1400" smtClean="0">
+                <a:solidFill>
+                  <a:schemeClr val="tx1"/>
+                </a:solidFill>
+              </a:rPr>
+              <a:t>SCAN</a:t>
+            </a:r>
+            <a:endParaRPr lang="zh-CN" altLang="en-US" sz="1400">
+              <a:solidFill>
+                <a:schemeClr val="tx1"/>
+              </a:solidFill>
+            </a:endParaRPr>
+          </a:p>
+        </p:txBody>
+      </p:sp>
       <p:cxnSp>
         <p:nvCxnSpPr>
-          <p:cNvPr id="15" name="直接箭头连接符 14"/>
+          <p:cNvPr id="30" name="直接箭头连接符 29"/>
           <p:cNvCxnSpPr>
-            <a:stCxn id="4" idx="0"/>
-            <a:endCxn id="8" idx="2"/>
+            <a:stCxn id="28" idx="0"/>
+            <a:endCxn id="27" idx="2"/>
           </p:cNvCxnSpPr>
           <p:nvPr/>
         </p:nvCxnSpPr>
         <p:spPr>
           <a:xfrm flipV="1">
-            <a:off x="2428672" y="4641853"/>
-            <a:ext cx="1215693" cy="340336"/>
+            <a:off x="6855268" y="1906712"/>
+            <a:ext cx="645368" cy="348343"/>
           </a:xfrm>
           <a:prstGeom prst="straightConnector1">
             <a:avLst/>
@@ -21172,17 +22899,17 @@
       </p:cxnSp>
       <p:cxnSp>
         <p:nvCxnSpPr>
-          <p:cNvPr id="16" name="直接箭头连接符 15"/>
+          <p:cNvPr id="31" name="直接箭头连接符 30"/>
           <p:cNvCxnSpPr>
-            <a:stCxn id="10" idx="0"/>
-            <a:endCxn id="8" idx="2"/>
+            <a:stCxn id="29" idx="0"/>
+            <a:endCxn id="27" idx="2"/>
           </p:cNvCxnSpPr>
           <p:nvPr/>
         </p:nvCxnSpPr>
         <p:spPr>
           <a:xfrm flipH="1" flipV="1">
-            <a:off x="3644365" y="4641853"/>
-            <a:ext cx="1254968" cy="340336"/>
+            <a:off x="7500636" y="1906712"/>
+            <a:ext cx="628262" cy="348343"/>
           </a:xfrm>
           <a:prstGeom prst="straightConnector1">
             <a:avLst/>
@@ -21214,13 +22941,13 @@
       </p:cxnSp>
       <p:sp>
         <p:nvSpPr>
-          <p:cNvPr id="17" name="圆角矩形 16"/>
+          <p:cNvPr id="32" name="圆角矩形 31"/>
           <p:cNvSpPr/>
           <p:nvPr/>
         </p:nvSpPr>
         <p:spPr>
           <a:xfrm>
-            <a:off x="3140892" y="2756491"/>
+            <a:off x="6401956" y="2993845"/>
             <a:ext cx="906624" cy="391886"/>
           </a:xfrm>
           <a:prstGeom prst="roundRect">
@@ -21279,13 +23006,51 @@
       </p:sp>
       <p:sp>
         <p:nvSpPr>
-          <p:cNvPr id="18" name="圆角矩形 17"/>
+          <p:cNvPr id="36" name="右箭头 35"/>
           <p:cNvSpPr/>
           <p:nvPr/>
         </p:nvSpPr>
         <p:spPr>
           <a:xfrm>
-            <a:off x="2401438" y="3443731"/>
+            <a:off x="2870721" y="1710769"/>
+            <a:ext cx="522514" cy="762000"/>
+          </a:xfrm>
+          <a:prstGeom prst="rightArrow">
+            <a:avLst/>
+          </a:prstGeom>
+        </p:spPr>
+        <p:style>
+          <a:lnRef idx="3">
+            <a:schemeClr val="lt1"/>
+          </a:lnRef>
+          <a:fillRef idx="1">
+            <a:schemeClr val="accent6"/>
+          </a:fillRef>
+          <a:effectRef idx="1">
+            <a:schemeClr val="accent6"/>
+          </a:effectRef>
+          <a:fontRef idx="minor">
+            <a:schemeClr val="lt1"/>
+          </a:fontRef>
+        </p:style>
+        <p:txBody>
+          <a:bodyPr rtlCol="0" anchor="ctr"/>
+          <a:lstStyle/>
+          <a:p>
+            <a:pPr algn="ctr"/>
+            <a:endParaRPr lang="zh-CN" altLang="en-US"/>
+          </a:p>
+        </p:txBody>
+      </p:sp>
+      <p:sp>
+        <p:nvSpPr>
+          <p:cNvPr id="37" name="圆角矩形 36"/>
+          <p:cNvSpPr/>
+          <p:nvPr/>
+        </p:nvSpPr>
+        <p:spPr>
+          <a:xfrm>
+            <a:off x="2225361" y="4762762"/>
             <a:ext cx="906624" cy="391886"/>
           </a:xfrm>
           <a:prstGeom prst="roundRect">
@@ -21327,12 +23092,85 @@
           <a:p>
             <a:pPr algn="ctr"/>
             <a:r>
+              <a:rPr lang="en-US" altLang="zh-CN" sz="1200" dirty="0" smtClean="0">
+                <a:solidFill>
+                  <a:schemeClr val="tx1"/>
+                </a:solidFill>
+              </a:rPr>
+              <a:t>Hash join</a:t>
+            </a:r>
+            <a:endParaRPr lang="zh-CN" altLang="en-US" sz="1200" dirty="0">
+              <a:solidFill>
+                <a:schemeClr val="tx1"/>
+              </a:solidFill>
+            </a:endParaRPr>
+          </a:p>
+        </p:txBody>
+      </p:sp>
+      <p:sp>
+        <p:nvSpPr>
+          <p:cNvPr id="39" name="圆角矩形 38"/>
+          <p:cNvSpPr/>
+          <p:nvPr/>
+        </p:nvSpPr>
+        <p:spPr>
+          <a:xfrm>
+            <a:off x="2852841" y="5482932"/>
+            <a:ext cx="906624" cy="391886"/>
+          </a:xfrm>
+          <a:prstGeom prst="roundRect">
+            <a:avLst/>
+          </a:prstGeom>
+          <a:solidFill>
+            <a:schemeClr val="bg1">
+              <a:lumMod val="65000"/>
+            </a:schemeClr>
+          </a:solidFill>
+          <a:ln w="22225">
+            <a:solidFill>
+              <a:schemeClr val="tx1">
+                <a:lumMod val="75000"/>
+                <a:lumOff val="25000"/>
+              </a:schemeClr>
+            </a:solidFill>
+          </a:ln>
+        </p:spPr>
+        <p:style>
+          <a:lnRef idx="2">
+            <a:schemeClr val="accent1">
+              <a:shade val="50000"/>
+            </a:schemeClr>
+          </a:lnRef>
+          <a:fillRef idx="1">
+            <a:schemeClr val="accent1"/>
+          </a:fillRef>
+          <a:effectRef idx="0">
+            <a:schemeClr val="accent1"/>
+          </a:effectRef>
+          <a:fontRef idx="minor">
+            <a:schemeClr val="lt1"/>
+          </a:fontRef>
+        </p:style>
+        <p:txBody>
+          <a:bodyPr rtlCol="0" anchor="ctr"/>
+          <a:lstStyle/>
+          <a:p>
+            <a:pPr algn="ctr"/>
+            <a:r>
+              <a:rPr lang="en-US" altLang="zh-CN" sz="1200">
+                <a:solidFill>
+                  <a:schemeClr val="tx1"/>
+                </a:solidFill>
+              </a:rPr>
+              <a:t>scan</a:t>
+            </a:r>
+            <a:r>
               <a:rPr lang="en-US" altLang="zh-CN" sz="1200" smtClean="0">
                 <a:solidFill>
                   <a:schemeClr val="tx1"/>
                 </a:solidFill>
               </a:rPr>
-              <a:t>relay</a:t>
+              <a:t>2(split)</a:t>
             </a:r>
             <a:endParaRPr lang="zh-CN" altLang="en-US" sz="1200">
               <a:solidFill>
@@ -21344,17 +23182,17 @@
       </p:sp>
       <p:cxnSp>
         <p:nvCxnSpPr>
-          <p:cNvPr id="19" name="直接箭头连接符 18"/>
+          <p:cNvPr id="40" name="直接箭头连接符 39"/>
           <p:cNvCxnSpPr>
-            <a:stCxn id="8" idx="0"/>
-            <a:endCxn id="18" idx="2"/>
+            <a:stCxn id="46" idx="0"/>
+            <a:endCxn id="37" idx="2"/>
           </p:cNvCxnSpPr>
           <p:nvPr/>
         </p:nvCxnSpPr>
         <p:spPr>
-          <a:xfrm flipH="1" flipV="1">
-            <a:off x="2854750" y="3835617"/>
-            <a:ext cx="789615" cy="414350"/>
+          <a:xfrm flipV="1">
+            <a:off x="2033305" y="5154648"/>
+            <a:ext cx="645368" cy="328284"/>
           </a:xfrm>
           <a:prstGeom prst="straightConnector1">
             <a:avLst/>
@@ -21384,15 +23222,57 @@
           </a:fontRef>
         </p:style>
       </p:cxnSp>
-      <p:sp>
-        <p:nvSpPr>
-          <p:cNvPr id="20" name="圆角矩形 19"/>
+      <p:cxnSp>
+        <p:nvCxnSpPr>
+          <p:cNvPr id="41" name="直接箭头连接符 40"/>
+          <p:cNvCxnSpPr>
+            <a:stCxn id="39" idx="0"/>
+            <a:endCxn id="37" idx="2"/>
+          </p:cNvCxnSpPr>
+          <p:nvPr/>
+        </p:nvCxnSpPr>
+        <p:spPr>
+          <a:xfrm flipH="1" flipV="1">
+            <a:off x="2678673" y="5154648"/>
+            <a:ext cx="627480" cy="328284"/>
+          </a:xfrm>
+          <a:prstGeom prst="straightConnector1">
+            <a:avLst/>
+          </a:prstGeom>
+          <a:ln w="31750">
+            <a:solidFill>
+              <a:schemeClr val="tx1">
+                <a:lumMod val="85000"/>
+                <a:lumOff val="15000"/>
+              </a:schemeClr>
+            </a:solidFill>
+            <a:tailEnd type="triangle"/>
+          </a:ln>
+        </p:spPr>
+        <p:style>
+          <a:lnRef idx="1">
+            <a:schemeClr val="accent1"/>
+          </a:lnRef>
+          <a:fillRef idx="0">
+            <a:schemeClr val="accent1"/>
+          </a:fillRef>
+          <a:effectRef idx="0">
+            <a:schemeClr val="accent1"/>
+          </a:effectRef>
+          <a:fontRef idx="minor">
+            <a:schemeClr val="tx1"/>
+          </a:fontRef>
+        </p:style>
+      </p:cxnSp>
+      <p:sp>
+        <p:nvSpPr>
+          <p:cNvPr id="45" name="圆角矩形 44"/>
           <p:cNvSpPr/>
           <p:nvPr/>
         </p:nvSpPr>
         <p:spPr>
           <a:xfrm>
-            <a:off x="3700708" y="3443731"/>
+            <a:off x="3441054" y="4030540"/>
             <a:ext cx="906624" cy="391886"/>
           </a:xfrm>
           <a:prstGeom prst="roundRect">
@@ -21434,14 +23314,14 @@
           <a:p>
             <a:pPr algn="ctr"/>
             <a:r>
-              <a:rPr lang="en-US" altLang="zh-CN" sz="1200" smtClean="0">
+              <a:rPr lang="en-US" altLang="zh-CN" sz="1400" smtClean="0">
                 <a:solidFill>
                   <a:schemeClr val="tx1"/>
                 </a:solidFill>
               </a:rPr>
-              <a:t>scan3(split)</a:t>
-            </a:r>
-            <a:endParaRPr lang="zh-CN" altLang="en-US" sz="1200">
+              <a:t>exchange</a:t>
+            </a:r>
+            <a:endParaRPr lang="zh-CN" altLang="en-US" sz="1400">
               <a:solidFill>
                 <a:schemeClr val="tx1"/>
               </a:solidFill>
@@ -21451,13 +23331,13 @@
       </p:sp>
       <p:sp>
         <p:nvSpPr>
-          <p:cNvPr id="21" name="圆角矩形 20"/>
+          <p:cNvPr id="46" name="圆角矩形 45"/>
           <p:cNvSpPr/>
           <p:nvPr/>
         </p:nvSpPr>
         <p:spPr>
           <a:xfrm>
-            <a:off x="4324711" y="1989768"/>
+            <a:off x="1579993" y="5482932"/>
             <a:ext cx="906624" cy="391886"/>
           </a:xfrm>
           <a:prstGeom prst="roundRect">
@@ -21504,7 +23384,7 @@
                   <a:schemeClr val="tx1"/>
                 </a:solidFill>
               </a:rPr>
-              <a:t>exchange</a:t>
+              <a:t>Scan1(split)</a:t>
             </a:r>
             <a:endParaRPr lang="zh-CN" altLang="en-US" sz="1200">
               <a:solidFill>
@@ -21514,19 +23394,157 @@
           </a:p>
         </p:txBody>
       </p:sp>
+      <p:sp>
+        <p:nvSpPr>
+          <p:cNvPr id="49" name="圆角矩形 48"/>
+          <p:cNvSpPr/>
+          <p:nvPr/>
+        </p:nvSpPr>
+        <p:spPr>
+          <a:xfrm>
+            <a:off x="4696022" y="4762762"/>
+            <a:ext cx="906624" cy="391886"/>
+          </a:xfrm>
+          <a:prstGeom prst="roundRect">
+            <a:avLst/>
+          </a:prstGeom>
+          <a:solidFill>
+            <a:schemeClr val="bg1">
+              <a:lumMod val="65000"/>
+            </a:schemeClr>
+          </a:solidFill>
+          <a:ln w="22225">
+            <a:solidFill>
+              <a:schemeClr val="tx1">
+                <a:lumMod val="75000"/>
+                <a:lumOff val="25000"/>
+              </a:schemeClr>
+            </a:solidFill>
+          </a:ln>
+        </p:spPr>
+        <p:style>
+          <a:lnRef idx="2">
+            <a:schemeClr val="accent1">
+              <a:shade val="50000"/>
+            </a:schemeClr>
+          </a:lnRef>
+          <a:fillRef idx="1">
+            <a:schemeClr val="accent1"/>
+          </a:fillRef>
+          <a:effectRef idx="0">
+            <a:schemeClr val="accent1"/>
+          </a:effectRef>
+          <a:fontRef idx="minor">
+            <a:schemeClr val="lt1"/>
+          </a:fontRef>
+        </p:style>
+        <p:txBody>
+          <a:bodyPr rtlCol="0" anchor="ctr"/>
+          <a:lstStyle/>
+          <a:p>
+            <a:pPr algn="ctr"/>
+            <a:r>
+              <a:rPr lang="en-US" altLang="zh-CN" sz="1200" dirty="0">
+                <a:solidFill>
+                  <a:schemeClr val="tx1"/>
+                </a:solidFill>
+              </a:rPr>
+              <a:t>Hash join</a:t>
+            </a:r>
+            <a:endParaRPr lang="zh-CN" altLang="en-US" sz="1200" dirty="0">
+              <a:solidFill>
+                <a:schemeClr val="tx1"/>
+              </a:solidFill>
+            </a:endParaRPr>
+          </a:p>
+        </p:txBody>
+      </p:sp>
+      <p:sp>
+        <p:nvSpPr>
+          <p:cNvPr id="50" name="圆角矩形 49"/>
+          <p:cNvSpPr/>
+          <p:nvPr/>
+        </p:nvSpPr>
+        <p:spPr>
+          <a:xfrm>
+            <a:off x="5323502" y="5482932"/>
+            <a:ext cx="906624" cy="391886"/>
+          </a:xfrm>
+          <a:prstGeom prst="roundRect">
+            <a:avLst/>
+          </a:prstGeom>
+          <a:solidFill>
+            <a:schemeClr val="bg1">
+              <a:lumMod val="65000"/>
+            </a:schemeClr>
+          </a:solidFill>
+          <a:ln w="22225">
+            <a:solidFill>
+              <a:schemeClr val="tx1">
+                <a:lumMod val="75000"/>
+                <a:lumOff val="25000"/>
+              </a:schemeClr>
+            </a:solidFill>
+          </a:ln>
+        </p:spPr>
+        <p:style>
+          <a:lnRef idx="2">
+            <a:schemeClr val="accent1">
+              <a:shade val="50000"/>
+            </a:schemeClr>
+          </a:lnRef>
+          <a:fillRef idx="1">
+            <a:schemeClr val="accent1"/>
+          </a:fillRef>
+          <a:effectRef idx="0">
+            <a:schemeClr val="accent1"/>
+          </a:effectRef>
+          <a:fontRef idx="minor">
+            <a:schemeClr val="lt1"/>
+          </a:fontRef>
+        </p:style>
+        <p:txBody>
+          <a:bodyPr rtlCol="0" anchor="ctr"/>
+          <a:lstStyle/>
+          <a:p>
+            <a:pPr algn="ctr"/>
+            <a:r>
+              <a:rPr lang="en-US" altLang="zh-CN" sz="1200">
+                <a:solidFill>
+                  <a:schemeClr val="tx1"/>
+                </a:solidFill>
+              </a:rPr>
+              <a:t>scan</a:t>
+            </a:r>
+            <a:r>
+              <a:rPr lang="en-US" altLang="zh-CN" sz="1200" smtClean="0">
+                <a:solidFill>
+                  <a:schemeClr val="tx1"/>
+                </a:solidFill>
+              </a:rPr>
+              <a:t>2(split)</a:t>
+            </a:r>
+            <a:endParaRPr lang="zh-CN" altLang="en-US" sz="1200">
+              <a:solidFill>
+                <a:schemeClr val="tx1"/>
+              </a:solidFill>
+            </a:endParaRPr>
+          </a:p>
+        </p:txBody>
+      </p:sp>
       <p:cxnSp>
         <p:nvCxnSpPr>
-          <p:cNvPr id="22" name="直接箭头连接符 21"/>
+          <p:cNvPr id="51" name="直接箭头连接符 50"/>
           <p:cNvCxnSpPr>
-            <a:stCxn id="18" idx="0"/>
-            <a:endCxn id="17" idx="2"/>
+            <a:stCxn id="53" idx="0"/>
+            <a:endCxn id="49" idx="2"/>
           </p:cNvCxnSpPr>
           <p:nvPr/>
         </p:nvCxnSpPr>
         <p:spPr>
           <a:xfrm flipV="1">
-            <a:off x="2854750" y="3148377"/>
-            <a:ext cx="739454" cy="295354"/>
+            <a:off x="4503966" y="5154648"/>
+            <a:ext cx="645368" cy="328284"/>
           </a:xfrm>
           <a:prstGeom prst="straightConnector1">
             <a:avLst/>
@@ -21558,17 +23576,17 @@
       </p:cxnSp>
       <p:cxnSp>
         <p:nvCxnSpPr>
-          <p:cNvPr id="23" name="直接箭头连接符 22"/>
+          <p:cNvPr id="52" name="直接箭头连接符 51"/>
           <p:cNvCxnSpPr>
-            <a:stCxn id="20" idx="0"/>
-            <a:endCxn id="17" idx="2"/>
+            <a:stCxn id="50" idx="0"/>
+            <a:endCxn id="49" idx="2"/>
           </p:cNvCxnSpPr>
           <p:nvPr/>
         </p:nvCxnSpPr>
         <p:spPr>
           <a:xfrm flipH="1" flipV="1">
-            <a:off x="3594204" y="3148377"/>
-            <a:ext cx="559816" cy="295354"/>
+            <a:off x="5149334" y="5154648"/>
+            <a:ext cx="627480" cy="328284"/>
           </a:xfrm>
           <a:prstGeom prst="straightConnector1">
             <a:avLst/>
@@ -21600,13 +23618,13 @@
       </p:cxnSp>
       <p:sp>
         <p:nvSpPr>
-          <p:cNvPr id="24" name="圆角矩形 23"/>
+          <p:cNvPr id="53" name="圆角矩形 52"/>
           <p:cNvSpPr/>
           <p:nvPr/>
         </p:nvSpPr>
         <p:spPr>
           <a:xfrm>
-            <a:off x="5244906" y="2756491"/>
+            <a:off x="4050654" y="5482932"/>
             <a:ext cx="906624" cy="391886"/>
           </a:xfrm>
           <a:prstGeom prst="roundRect">
@@ -21648,14 +23666,14 @@
           <a:p>
             <a:pPr algn="ctr"/>
             <a:r>
-              <a:rPr lang="en-US" altLang="zh-CN" smtClean="0">
+              <a:rPr lang="en-US" altLang="zh-CN" sz="1200" smtClean="0">
                 <a:solidFill>
                   <a:schemeClr val="tx1"/>
                 </a:solidFill>
               </a:rPr>
-              <a:t>join</a:t>
-            </a:r>
-            <a:endParaRPr lang="zh-CN" altLang="en-US">
+              <a:t>Scan1(split)</a:t>
+            </a:r>
+            <a:endParaRPr lang="zh-CN" altLang="en-US" sz="1200">
               <a:solidFill>
                 <a:schemeClr val="tx1"/>
               </a:solidFill>
@@ -21663,23 +23681,108 @@
           </a:p>
         </p:txBody>
       </p:sp>
-      <p:sp>
-        <p:nvSpPr>
-          <p:cNvPr id="25" name="圆角矩形 24"/>
+      <p:cxnSp>
+        <p:nvCxnSpPr>
+          <p:cNvPr id="54" name="直接箭头连接符 53"/>
+          <p:cNvCxnSpPr>
+            <a:stCxn id="37" idx="0"/>
+            <a:endCxn id="45" idx="2"/>
+          </p:cNvCxnSpPr>
+          <p:nvPr/>
+        </p:nvCxnSpPr>
+        <p:spPr>
+          <a:xfrm flipV="1">
+            <a:off x="2678673" y="4422426"/>
+            <a:ext cx="1215693" cy="340336"/>
+          </a:xfrm>
+          <a:prstGeom prst="straightConnector1">
+            <a:avLst/>
+          </a:prstGeom>
+          <a:ln w="31750">
+            <a:solidFill>
+              <a:schemeClr val="tx1">
+                <a:lumMod val="85000"/>
+                <a:lumOff val="15000"/>
+              </a:schemeClr>
+            </a:solidFill>
+            <a:tailEnd type="triangle"/>
+          </a:ln>
+        </p:spPr>
+        <p:style>
+          <a:lnRef idx="1">
+            <a:schemeClr val="accent1"/>
+          </a:lnRef>
+          <a:fillRef idx="0">
+            <a:schemeClr val="accent1"/>
+          </a:fillRef>
+          <a:effectRef idx="0">
+            <a:schemeClr val="accent1"/>
+          </a:effectRef>
+          <a:fontRef idx="minor">
+            <a:schemeClr val="tx1"/>
+          </a:fontRef>
+        </p:style>
+      </p:cxnSp>
+      <p:cxnSp>
+        <p:nvCxnSpPr>
+          <p:cNvPr id="57" name="直接箭头连接符 56"/>
+          <p:cNvCxnSpPr>
+            <a:stCxn id="49" idx="0"/>
+            <a:endCxn id="45" idx="2"/>
+          </p:cNvCxnSpPr>
+          <p:nvPr/>
+        </p:nvCxnSpPr>
+        <p:spPr>
+          <a:xfrm flipH="1" flipV="1">
+            <a:off x="3894366" y="4422426"/>
+            <a:ext cx="1254968" cy="340336"/>
+          </a:xfrm>
+          <a:prstGeom prst="straightConnector1">
+            <a:avLst/>
+          </a:prstGeom>
+          <a:ln w="31750">
+            <a:solidFill>
+              <a:schemeClr val="tx1">
+                <a:lumMod val="85000"/>
+                <a:lumOff val="15000"/>
+              </a:schemeClr>
+            </a:solidFill>
+            <a:tailEnd type="triangle"/>
+          </a:ln>
+        </p:spPr>
+        <p:style>
+          <a:lnRef idx="1">
+            <a:schemeClr val="accent1"/>
+          </a:lnRef>
+          <a:fillRef idx="0">
+            <a:schemeClr val="accent1"/>
+          </a:fillRef>
+          <a:effectRef idx="0">
+            <a:schemeClr val="accent1"/>
+          </a:effectRef>
+          <a:fontRef idx="minor">
+            <a:schemeClr val="tx1"/>
+          </a:fontRef>
+        </p:style>
+      </p:cxnSp>
+      <p:sp>
+        <p:nvSpPr>
+          <p:cNvPr id="60" name="圆角矩形 59"/>
           <p:cNvSpPr/>
           <p:nvPr/>
         </p:nvSpPr>
         <p:spPr>
           <a:xfrm>
-            <a:off x="5913608" y="3443731"/>
-            <a:ext cx="906624" cy="391886"/>
+            <a:off x="489309" y="4787945"/>
+            <a:ext cx="1041118" cy="530845"/>
           </a:xfrm>
           <a:prstGeom prst="roundRect">
             <a:avLst/>
           </a:prstGeom>
           <a:solidFill>
-            <a:schemeClr val="bg1">
-              <a:lumMod val="65000"/>
+            <a:schemeClr val="accent3">
+              <a:lumMod val="40000"/>
+              <a:lumOff val="60000"/>
             </a:schemeClr>
           </a:solidFill>
           <a:ln w="22225">
@@ -21718,7 +23821,7 @@
                   <a:schemeClr val="tx1"/>
                 </a:solidFill>
               </a:rPr>
-              <a:t>scan3(split)</a:t>
+              <a:t>Concurrent Hash Table</a:t>
             </a:r>
             <a:endParaRPr lang="zh-CN" altLang="en-US" sz="1200">
               <a:solidFill>
@@ -21728,15 +23831,145 @@
           </a:p>
         </p:txBody>
       </p:sp>
-      <p:sp>
-        <p:nvSpPr>
-          <p:cNvPr id="26" name="圆角矩形 25"/>
+      <p:cxnSp>
+        <p:nvCxnSpPr>
+          <p:cNvPr id="64" name="直接箭头连接符 16"/>
+          <p:cNvCxnSpPr>
+            <a:stCxn id="37" idx="0"/>
+            <a:endCxn id="60" idx="0"/>
+          </p:cNvCxnSpPr>
+          <p:nvPr/>
+        </p:nvCxnSpPr>
+        <p:spPr>
+          <a:xfrm rot="16200000" flipH="1" flipV="1">
+            <a:off x="1831679" y="3940950"/>
+            <a:ext cx="25183" cy="1668805"/>
+          </a:xfrm>
+          <a:prstGeom prst="curvedConnector3">
+            <a:avLst>
+              <a:gd name="adj1" fmla="val -907755"/>
+            </a:avLst>
+          </a:prstGeom>
+          <a:ln w="19050">
+            <a:solidFill>
+              <a:schemeClr val="accent5">
+                <a:lumMod val="75000"/>
+              </a:schemeClr>
+            </a:solidFill>
+            <a:prstDash val="sysDash"/>
+            <a:tailEnd type="triangle"/>
+          </a:ln>
+        </p:spPr>
+        <p:style>
+          <a:lnRef idx="1">
+            <a:schemeClr val="accent1"/>
+          </a:lnRef>
+          <a:fillRef idx="0">
+            <a:schemeClr val="accent1"/>
+          </a:fillRef>
+          <a:effectRef idx="0">
+            <a:schemeClr val="accent1"/>
+          </a:effectRef>
+          <a:fontRef idx="minor">
+            <a:schemeClr val="tx1"/>
+          </a:fontRef>
+        </p:style>
+      </p:cxnSp>
+      <p:cxnSp>
+        <p:nvCxnSpPr>
+          <p:cNvPr id="67" name="直接箭头连接符 16"/>
+          <p:cNvCxnSpPr>
+            <a:stCxn id="49" idx="0"/>
+            <a:endCxn id="60" idx="0"/>
+          </p:cNvCxnSpPr>
+          <p:nvPr/>
+        </p:nvCxnSpPr>
+        <p:spPr>
+          <a:xfrm rot="16200000" flipH="1" flipV="1">
+            <a:off x="3067009" y="2705620"/>
+            <a:ext cx="25183" cy="4139466"/>
+          </a:xfrm>
+          <a:prstGeom prst="curvedConnector3">
+            <a:avLst>
+              <a:gd name="adj1" fmla="val -907755"/>
+            </a:avLst>
+          </a:prstGeom>
+          <a:ln w="19050">
+            <a:solidFill>
+              <a:schemeClr val="accent5">
+                <a:lumMod val="75000"/>
+              </a:schemeClr>
+            </a:solidFill>
+            <a:prstDash val="sysDash"/>
+            <a:tailEnd type="triangle"/>
+          </a:ln>
+        </p:spPr>
+        <p:style>
+          <a:lnRef idx="1">
+            <a:schemeClr val="accent1"/>
+          </a:lnRef>
+          <a:fillRef idx="0">
+            <a:schemeClr val="accent1"/>
+          </a:fillRef>
+          <a:effectRef idx="0">
+            <a:schemeClr val="accent1"/>
+          </a:effectRef>
+          <a:fontRef idx="minor">
+            <a:schemeClr val="tx1"/>
+          </a:fontRef>
+        </p:style>
+      </p:cxnSp>
+      <p:cxnSp>
+        <p:nvCxnSpPr>
+          <p:cNvPr id="129" name="直接箭头连接符 128"/>
+          <p:cNvCxnSpPr>
+            <a:stCxn id="32" idx="0"/>
+            <a:endCxn id="28" idx="2"/>
+          </p:cNvCxnSpPr>
+          <p:nvPr/>
+        </p:nvCxnSpPr>
+        <p:spPr>
+          <a:xfrm flipV="1">
+            <a:off x="6855268" y="2646941"/>
+            <a:ext cx="0" cy="346904"/>
+          </a:xfrm>
+          <a:prstGeom prst="straightConnector1">
+            <a:avLst/>
+          </a:prstGeom>
+          <a:ln w="31750">
+            <a:solidFill>
+              <a:schemeClr val="tx1">
+                <a:lumMod val="85000"/>
+                <a:lumOff val="15000"/>
+              </a:schemeClr>
+            </a:solidFill>
+            <a:tailEnd type="triangle"/>
+          </a:ln>
+        </p:spPr>
+        <p:style>
+          <a:lnRef idx="1">
+            <a:schemeClr val="accent1"/>
+          </a:lnRef>
+          <a:fillRef idx="0">
+            <a:schemeClr val="accent1"/>
+          </a:fillRef>
+          <a:effectRef idx="0">
+            <a:schemeClr val="accent1"/>
+          </a:effectRef>
+          <a:fontRef idx="minor">
+            <a:schemeClr val="tx1"/>
+          </a:fontRef>
+        </p:style>
+      </p:cxnSp>
+      <p:sp>
+        <p:nvSpPr>
+          <p:cNvPr id="42" name="圆角矩形 41"/>
           <p:cNvSpPr/>
           <p:nvPr/>
         </p:nvSpPr>
         <p:spPr>
           <a:xfrm>
-            <a:off x="4818057" y="3443731"/>
+            <a:off x="7966178" y="4528868"/>
             <a:ext cx="906624" cy="391886"/>
           </a:xfrm>
           <a:prstGeom prst="roundRect">
@@ -21783,7 +24016,80 @@
                   <a:schemeClr val="tx1"/>
                 </a:solidFill>
               </a:rPr>
-              <a:t>relay</a:t>
+              <a:t> RCS join</a:t>
+            </a:r>
+            <a:endParaRPr lang="zh-CN" altLang="en-US" sz="1200" dirty="0">
+              <a:solidFill>
+                <a:schemeClr val="tx1"/>
+              </a:solidFill>
+            </a:endParaRPr>
+          </a:p>
+        </p:txBody>
+      </p:sp>
+      <p:sp>
+        <p:nvSpPr>
+          <p:cNvPr id="43" name="圆角矩形 42"/>
+          <p:cNvSpPr/>
+          <p:nvPr/>
+        </p:nvSpPr>
+        <p:spPr>
+          <a:xfrm>
+            <a:off x="8593658" y="5249038"/>
+            <a:ext cx="906624" cy="391886"/>
+          </a:xfrm>
+          <a:prstGeom prst="roundRect">
+            <a:avLst/>
+          </a:prstGeom>
+          <a:solidFill>
+            <a:schemeClr val="bg1">
+              <a:lumMod val="65000"/>
+            </a:schemeClr>
+          </a:solidFill>
+          <a:ln w="22225">
+            <a:solidFill>
+              <a:schemeClr val="tx1">
+                <a:lumMod val="75000"/>
+                <a:lumOff val="25000"/>
+              </a:schemeClr>
+            </a:solidFill>
+          </a:ln>
+        </p:spPr>
+        <p:style>
+          <a:lnRef idx="2">
+            <a:schemeClr val="accent1">
+              <a:shade val="50000"/>
+            </a:schemeClr>
+          </a:lnRef>
+          <a:fillRef idx="1">
+            <a:schemeClr val="accent1"/>
+          </a:fillRef>
+          <a:effectRef idx="0">
+            <a:schemeClr val="accent1"/>
+          </a:effectRef>
+          <a:fontRef idx="minor">
+            <a:schemeClr val="lt1"/>
+          </a:fontRef>
+        </p:style>
+        <p:txBody>
+          <a:bodyPr rtlCol="0" anchor="ctr"/>
+          <a:lstStyle/>
+          <a:p>
+            <a:pPr algn="ctr"/>
+            <a:r>
+              <a:rPr lang="en-US" altLang="zh-CN" sz="1200">
+                <a:solidFill>
+                  <a:schemeClr val="tx1"/>
+                </a:solidFill>
+              </a:rPr>
+              <a:t>scan</a:t>
+            </a:r>
+            <a:r>
+              <a:rPr lang="en-US" altLang="zh-CN" sz="1200" smtClean="0">
+                <a:solidFill>
+                  <a:schemeClr val="tx1"/>
+                </a:solidFill>
+              </a:rPr>
+              <a:t>2(split)</a:t>
             </a:r>
             <a:endParaRPr lang="zh-CN" altLang="en-US" sz="1200">
               <a:solidFill>
@@ -21795,17 +24101,17 @@
       </p:sp>
       <p:cxnSp>
         <p:nvCxnSpPr>
-          <p:cNvPr id="27" name="直接箭头连接符 26"/>
+          <p:cNvPr id="44" name="直接箭头连接符 43"/>
           <p:cNvCxnSpPr>
-            <a:stCxn id="8" idx="0"/>
-            <a:endCxn id="26" idx="2"/>
+            <a:stCxn id="55" idx="0"/>
+            <a:endCxn id="42" idx="2"/>
           </p:cNvCxnSpPr>
           <p:nvPr/>
         </p:nvCxnSpPr>
         <p:spPr>
           <a:xfrm flipV="1">
-            <a:off x="3644365" y="3835617"/>
-            <a:ext cx="1627004" cy="414350"/>
+            <a:off x="7774122" y="4920754"/>
+            <a:ext cx="645368" cy="328284"/>
           </a:xfrm>
           <a:prstGeom prst="straightConnector1">
             <a:avLst/>
@@ -21837,17 +24143,17 @@
       </p:cxnSp>
       <p:cxnSp>
         <p:nvCxnSpPr>
-          <p:cNvPr id="28" name="直接箭头连接符 27"/>
+          <p:cNvPr id="47" name="直接箭头连接符 46"/>
           <p:cNvCxnSpPr>
-            <a:stCxn id="25" idx="0"/>
-            <a:endCxn id="24" idx="2"/>
+            <a:stCxn id="43" idx="0"/>
+            <a:endCxn id="42" idx="2"/>
           </p:cNvCxnSpPr>
           <p:nvPr/>
         </p:nvCxnSpPr>
         <p:spPr>
           <a:xfrm flipH="1" flipV="1">
-            <a:off x="5698218" y="3148377"/>
-            <a:ext cx="668702" cy="295354"/>
+            <a:off x="8419490" y="4920754"/>
+            <a:ext cx="627480" cy="328284"/>
           </a:xfrm>
           <a:prstGeom prst="straightConnector1">
             <a:avLst/>
@@ -21877,19 +24183,287 @@
           </a:fontRef>
         </p:style>
       </p:cxnSp>
+      <p:sp>
+        <p:nvSpPr>
+          <p:cNvPr id="48" name="圆角矩形 47"/>
+          <p:cNvSpPr/>
+          <p:nvPr/>
+        </p:nvSpPr>
+        <p:spPr>
+          <a:xfrm>
+            <a:off x="9181871" y="3796646"/>
+            <a:ext cx="906624" cy="391886"/>
+          </a:xfrm>
+          <a:prstGeom prst="roundRect">
+            <a:avLst/>
+          </a:prstGeom>
+          <a:solidFill>
+            <a:schemeClr val="bg1">
+              <a:lumMod val="65000"/>
+            </a:schemeClr>
+          </a:solidFill>
+          <a:ln w="22225">
+            <a:solidFill>
+              <a:schemeClr val="tx1">
+                <a:lumMod val="75000"/>
+                <a:lumOff val="25000"/>
+              </a:schemeClr>
+            </a:solidFill>
+          </a:ln>
+        </p:spPr>
+        <p:style>
+          <a:lnRef idx="2">
+            <a:schemeClr val="accent1">
+              <a:shade val="50000"/>
+            </a:schemeClr>
+          </a:lnRef>
+          <a:fillRef idx="1">
+            <a:schemeClr val="accent1"/>
+          </a:fillRef>
+          <a:effectRef idx="0">
+            <a:schemeClr val="accent1"/>
+          </a:effectRef>
+          <a:fontRef idx="minor">
+            <a:schemeClr val="lt1"/>
+          </a:fontRef>
+        </p:style>
+        <p:txBody>
+          <a:bodyPr rtlCol="0" anchor="ctr"/>
+          <a:lstStyle/>
+          <a:p>
+            <a:pPr algn="ctr"/>
+            <a:r>
+              <a:rPr lang="en-US" altLang="zh-CN" sz="1400" smtClean="0">
+                <a:solidFill>
+                  <a:schemeClr val="tx1"/>
+                </a:solidFill>
+              </a:rPr>
+              <a:t>exchange</a:t>
+            </a:r>
+            <a:endParaRPr lang="zh-CN" altLang="en-US" sz="1400">
+              <a:solidFill>
+                <a:schemeClr val="tx1"/>
+              </a:solidFill>
+            </a:endParaRPr>
+          </a:p>
+        </p:txBody>
+      </p:sp>
+      <p:sp>
+        <p:nvSpPr>
+          <p:cNvPr id="55" name="圆角矩形 54"/>
+          <p:cNvSpPr/>
+          <p:nvPr/>
+        </p:nvSpPr>
+        <p:spPr>
+          <a:xfrm>
+            <a:off x="7320810" y="5249038"/>
+            <a:ext cx="906624" cy="391886"/>
+          </a:xfrm>
+          <a:prstGeom prst="roundRect">
+            <a:avLst/>
+          </a:prstGeom>
+          <a:solidFill>
+            <a:schemeClr val="bg1">
+              <a:lumMod val="65000"/>
+            </a:schemeClr>
+          </a:solidFill>
+          <a:ln w="22225">
+            <a:solidFill>
+              <a:schemeClr val="tx1">
+                <a:lumMod val="75000"/>
+                <a:lumOff val="25000"/>
+              </a:schemeClr>
+            </a:solidFill>
+          </a:ln>
+        </p:spPr>
+        <p:style>
+          <a:lnRef idx="2">
+            <a:schemeClr val="accent1">
+              <a:shade val="50000"/>
+            </a:schemeClr>
+          </a:lnRef>
+          <a:fillRef idx="1">
+            <a:schemeClr val="accent1"/>
+          </a:fillRef>
+          <a:effectRef idx="0">
+            <a:schemeClr val="accent1"/>
+          </a:effectRef>
+          <a:fontRef idx="minor">
+            <a:schemeClr val="lt1"/>
+          </a:fontRef>
+        </p:style>
+        <p:txBody>
+          <a:bodyPr rtlCol="0" anchor="ctr"/>
+          <a:lstStyle/>
+          <a:p>
+            <a:pPr algn="ctr"/>
+            <a:r>
+              <a:rPr lang="en-US" altLang="zh-CN" sz="1200" smtClean="0">
+                <a:solidFill>
+                  <a:schemeClr val="tx1"/>
+                </a:solidFill>
+              </a:rPr>
+              <a:t>Scan1</a:t>
+            </a:r>
+            <a:endParaRPr lang="zh-CN" altLang="en-US" sz="1200">
+              <a:solidFill>
+                <a:schemeClr val="tx1"/>
+              </a:solidFill>
+            </a:endParaRPr>
+          </a:p>
+        </p:txBody>
+      </p:sp>
+      <p:sp>
+        <p:nvSpPr>
+          <p:cNvPr id="56" name="圆角矩形 55"/>
+          <p:cNvSpPr/>
+          <p:nvPr/>
+        </p:nvSpPr>
+        <p:spPr>
+          <a:xfrm>
+            <a:off x="10436839" y="4528868"/>
+            <a:ext cx="906624" cy="391886"/>
+          </a:xfrm>
+          <a:prstGeom prst="roundRect">
+            <a:avLst/>
+          </a:prstGeom>
+          <a:solidFill>
+            <a:schemeClr val="bg1">
+              <a:lumMod val="65000"/>
+            </a:schemeClr>
+          </a:solidFill>
+          <a:ln w="22225">
+            <a:solidFill>
+              <a:schemeClr val="tx1">
+                <a:lumMod val="75000"/>
+                <a:lumOff val="25000"/>
+              </a:schemeClr>
+            </a:solidFill>
+          </a:ln>
+        </p:spPr>
+        <p:style>
+          <a:lnRef idx="2">
+            <a:schemeClr val="accent1">
+              <a:shade val="50000"/>
+            </a:schemeClr>
+          </a:lnRef>
+          <a:fillRef idx="1">
+            <a:schemeClr val="accent1"/>
+          </a:fillRef>
+          <a:effectRef idx="0">
+            <a:schemeClr val="accent1"/>
+          </a:effectRef>
+          <a:fontRef idx="minor">
+            <a:schemeClr val="lt1"/>
+          </a:fontRef>
+        </p:style>
+        <p:txBody>
+          <a:bodyPr rtlCol="0" anchor="ctr"/>
+          <a:lstStyle/>
+          <a:p>
+            <a:pPr algn="ctr"/>
+            <a:r>
+              <a:rPr lang="en-US" altLang="zh-CN" sz="1200">
+                <a:solidFill>
+                  <a:schemeClr val="tx1"/>
+                </a:solidFill>
+              </a:rPr>
+              <a:t> RCS join</a:t>
+            </a:r>
+            <a:endParaRPr lang="zh-CN" altLang="en-US" sz="1200" dirty="0">
+              <a:solidFill>
+                <a:schemeClr val="tx1"/>
+              </a:solidFill>
+            </a:endParaRPr>
+          </a:p>
+        </p:txBody>
+      </p:sp>
+      <p:sp>
+        <p:nvSpPr>
+          <p:cNvPr id="58" name="圆角矩形 57"/>
+          <p:cNvSpPr/>
+          <p:nvPr/>
+        </p:nvSpPr>
+        <p:spPr>
+          <a:xfrm>
+            <a:off x="11064319" y="5249038"/>
+            <a:ext cx="906624" cy="391886"/>
+          </a:xfrm>
+          <a:prstGeom prst="roundRect">
+            <a:avLst/>
+          </a:prstGeom>
+          <a:solidFill>
+            <a:schemeClr val="bg1">
+              <a:lumMod val="65000"/>
+            </a:schemeClr>
+          </a:solidFill>
+          <a:ln w="22225">
+            <a:solidFill>
+              <a:schemeClr val="tx1">
+                <a:lumMod val="75000"/>
+                <a:lumOff val="25000"/>
+              </a:schemeClr>
+            </a:solidFill>
+          </a:ln>
+        </p:spPr>
+        <p:style>
+          <a:lnRef idx="2">
+            <a:schemeClr val="accent1">
+              <a:shade val="50000"/>
+            </a:schemeClr>
+          </a:lnRef>
+          <a:fillRef idx="1">
+            <a:schemeClr val="accent1"/>
+          </a:fillRef>
+          <a:effectRef idx="0">
+            <a:schemeClr val="accent1"/>
+          </a:effectRef>
+          <a:fontRef idx="minor">
+            <a:schemeClr val="lt1"/>
+          </a:fontRef>
+        </p:style>
+        <p:txBody>
+          <a:bodyPr rtlCol="0" anchor="ctr"/>
+          <a:lstStyle/>
+          <a:p>
+            <a:pPr algn="ctr"/>
+            <a:r>
+              <a:rPr lang="en-US" altLang="zh-CN" sz="1200">
+                <a:solidFill>
+                  <a:schemeClr val="tx1"/>
+                </a:solidFill>
+              </a:rPr>
+              <a:t>scan</a:t>
+            </a:r>
+            <a:r>
+              <a:rPr lang="en-US" altLang="zh-CN" sz="1200" smtClean="0">
+                <a:solidFill>
+                  <a:schemeClr val="tx1"/>
+                </a:solidFill>
+              </a:rPr>
+              <a:t>2(split)</a:t>
+            </a:r>
+            <a:endParaRPr lang="zh-CN" altLang="en-US" sz="1200">
+              <a:solidFill>
+                <a:schemeClr val="tx1"/>
+              </a:solidFill>
+            </a:endParaRPr>
+          </a:p>
+        </p:txBody>
+      </p:sp>
       <p:cxnSp>
         <p:nvCxnSpPr>
-          <p:cNvPr id="29" name="直接箭头连接符 28"/>
+          <p:cNvPr id="59" name="直接箭头连接符 58"/>
           <p:cNvCxnSpPr>
-            <a:stCxn id="26" idx="0"/>
-            <a:endCxn id="24" idx="2"/>
+            <a:stCxn id="62" idx="0"/>
+            <a:endCxn id="56" idx="2"/>
           </p:cNvCxnSpPr>
           <p:nvPr/>
         </p:nvCxnSpPr>
         <p:spPr>
           <a:xfrm flipV="1">
-            <a:off x="5271369" y="3148377"/>
-            <a:ext cx="426849" cy="295354"/>
+            <a:off x="10244783" y="4920754"/>
+            <a:ext cx="645368" cy="328284"/>
           </a:xfrm>
           <a:prstGeom prst="straightConnector1">
             <a:avLst/>
@@ -21921,17 +24495,17 @@
       </p:cxnSp>
       <p:cxnSp>
         <p:nvCxnSpPr>
-          <p:cNvPr id="30" name="直接箭头连接符 29"/>
+          <p:cNvPr id="61" name="直接箭头连接符 60"/>
           <p:cNvCxnSpPr>
-            <a:stCxn id="24" idx="0"/>
-            <a:endCxn id="21" idx="2"/>
+            <a:stCxn id="58" idx="0"/>
+            <a:endCxn id="56" idx="2"/>
           </p:cNvCxnSpPr>
           <p:nvPr/>
         </p:nvCxnSpPr>
         <p:spPr>
           <a:xfrm flipH="1" flipV="1">
-            <a:off x="4778023" y="2381654"/>
-            <a:ext cx="920195" cy="374837"/>
+            <a:off x="10890151" y="4920754"/>
+            <a:ext cx="627480" cy="328284"/>
           </a:xfrm>
           <a:prstGeom prst="straightConnector1">
             <a:avLst/>
@@ -21961,6 +24535,3436 @@
           </a:fontRef>
         </p:style>
       </p:cxnSp>
+      <p:sp>
+        <p:nvSpPr>
+          <p:cNvPr id="62" name="圆角矩形 61"/>
+          <p:cNvSpPr/>
+          <p:nvPr/>
+        </p:nvSpPr>
+        <p:spPr>
+          <a:xfrm>
+            <a:off x="9791471" y="5249038"/>
+            <a:ext cx="906624" cy="391886"/>
+          </a:xfrm>
+          <a:prstGeom prst="roundRect">
+            <a:avLst/>
+          </a:prstGeom>
+          <a:solidFill>
+            <a:schemeClr val="bg1">
+              <a:lumMod val="65000"/>
+            </a:schemeClr>
+          </a:solidFill>
+          <a:ln w="22225">
+            <a:solidFill>
+              <a:schemeClr val="tx1">
+                <a:lumMod val="75000"/>
+                <a:lumOff val="25000"/>
+              </a:schemeClr>
+            </a:solidFill>
+          </a:ln>
+        </p:spPr>
+        <p:style>
+          <a:lnRef idx="2">
+            <a:schemeClr val="accent1">
+              <a:shade val="50000"/>
+            </a:schemeClr>
+          </a:lnRef>
+          <a:fillRef idx="1">
+            <a:schemeClr val="accent1"/>
+          </a:fillRef>
+          <a:effectRef idx="0">
+            <a:schemeClr val="accent1"/>
+          </a:effectRef>
+          <a:fontRef idx="minor">
+            <a:schemeClr val="lt1"/>
+          </a:fontRef>
+        </p:style>
+        <p:txBody>
+          <a:bodyPr rtlCol="0" anchor="ctr"/>
+          <a:lstStyle/>
+          <a:p>
+            <a:pPr algn="ctr"/>
+            <a:r>
+              <a:rPr lang="en-US" altLang="zh-CN" sz="1200" smtClean="0">
+                <a:solidFill>
+                  <a:schemeClr val="tx1"/>
+                </a:solidFill>
+              </a:rPr>
+              <a:t>Scan1</a:t>
+            </a:r>
+            <a:endParaRPr lang="zh-CN" altLang="en-US" sz="1200">
+              <a:solidFill>
+                <a:schemeClr val="tx1"/>
+              </a:solidFill>
+            </a:endParaRPr>
+          </a:p>
+        </p:txBody>
+      </p:sp>
+      <p:cxnSp>
+        <p:nvCxnSpPr>
+          <p:cNvPr id="63" name="直接箭头连接符 62"/>
+          <p:cNvCxnSpPr>
+            <a:stCxn id="42" idx="0"/>
+            <a:endCxn id="48" idx="2"/>
+          </p:cNvCxnSpPr>
+          <p:nvPr/>
+        </p:nvCxnSpPr>
+        <p:spPr>
+          <a:xfrm flipV="1">
+            <a:off x="8419490" y="4188532"/>
+            <a:ext cx="1215693" cy="340336"/>
+          </a:xfrm>
+          <a:prstGeom prst="straightConnector1">
+            <a:avLst/>
+          </a:prstGeom>
+          <a:ln w="31750">
+            <a:solidFill>
+              <a:schemeClr val="tx1">
+                <a:lumMod val="85000"/>
+                <a:lumOff val="15000"/>
+              </a:schemeClr>
+            </a:solidFill>
+            <a:tailEnd type="triangle"/>
+          </a:ln>
+        </p:spPr>
+        <p:style>
+          <a:lnRef idx="1">
+            <a:schemeClr val="accent1"/>
+          </a:lnRef>
+          <a:fillRef idx="0">
+            <a:schemeClr val="accent1"/>
+          </a:fillRef>
+          <a:effectRef idx="0">
+            <a:schemeClr val="accent1"/>
+          </a:effectRef>
+          <a:fontRef idx="minor">
+            <a:schemeClr val="tx1"/>
+          </a:fontRef>
+        </p:style>
+      </p:cxnSp>
+      <p:cxnSp>
+        <p:nvCxnSpPr>
+          <p:cNvPr id="65" name="直接箭头连接符 64"/>
+          <p:cNvCxnSpPr>
+            <a:stCxn id="56" idx="0"/>
+            <a:endCxn id="48" idx="2"/>
+          </p:cNvCxnSpPr>
+          <p:nvPr/>
+        </p:nvCxnSpPr>
+        <p:spPr>
+          <a:xfrm flipH="1" flipV="1">
+            <a:off x="9635183" y="4188532"/>
+            <a:ext cx="1254968" cy="340336"/>
+          </a:xfrm>
+          <a:prstGeom prst="straightConnector1">
+            <a:avLst/>
+          </a:prstGeom>
+          <a:ln w="31750">
+            <a:solidFill>
+              <a:schemeClr val="tx1">
+                <a:lumMod val="85000"/>
+                <a:lumOff val="15000"/>
+              </a:schemeClr>
+            </a:solidFill>
+            <a:tailEnd type="triangle"/>
+          </a:ln>
+        </p:spPr>
+        <p:style>
+          <a:lnRef idx="1">
+            <a:schemeClr val="accent1"/>
+          </a:lnRef>
+          <a:fillRef idx="0">
+            <a:schemeClr val="accent1"/>
+          </a:fillRef>
+          <a:effectRef idx="0">
+            <a:schemeClr val="accent1"/>
+          </a:effectRef>
+          <a:fontRef idx="minor">
+            <a:schemeClr val="tx1"/>
+          </a:fontRef>
+        </p:style>
+      </p:cxnSp>
+      <p:sp>
+        <p:nvSpPr>
+          <p:cNvPr id="4" name="文本框 3"/>
+          <p:cNvSpPr txBox="1"/>
+          <p:nvPr/>
+        </p:nvSpPr>
+        <p:spPr>
+          <a:xfrm>
+            <a:off x="794007" y="6352023"/>
+            <a:ext cx="5234510" cy="369332"/>
+          </a:xfrm>
+          <a:prstGeom prst="rect">
+            <a:avLst/>
+          </a:prstGeom>
+          <a:noFill/>
+        </p:spPr>
+        <p:txBody>
+          <a:bodyPr wrap="none" rtlCol="0">
+            <a:spAutoFit/>
+          </a:bodyPr>
+          <a:lstStyle/>
+          <a:p>
+            <a:r>
+              <a:rPr lang="en-US" altLang="zh-CN" smtClean="0"/>
+              <a:t>Merge join need’t parallelize (I think it is fast enough)</a:t>
+            </a:r>
+            <a:endParaRPr lang="zh-CN" altLang="en-US"/>
+          </a:p>
+        </p:txBody>
+      </p:sp>
+    </p:spTree>
+    <p:extLst>
+      <p:ext uri="{BB962C8B-B14F-4D97-AF65-F5344CB8AC3E}">
+        <p14:creationId xmlns:p14="http://schemas.microsoft.com/office/powerpoint/2010/main" val="4106775679"/>
+      </p:ext>
+    </p:extLst>
+  </p:cSld>
+  <p:clrMapOvr>
+    <a:masterClrMapping/>
+  </p:clrMapOvr>
+</p:sld>
+</file>
+
+<file path=ppt/slides/slide25.xml><?xml version="1.0" encoding="utf-8"?>
+<p:sld xmlns:a="http://schemas.openxmlformats.org/drawingml/2006/main" xmlns:r="http://schemas.openxmlformats.org/officeDocument/2006/relationships" xmlns:p="http://schemas.openxmlformats.org/presentationml/2006/main">
+  <p:cSld>
+    <p:spTree>
+      <p:nvGrpSpPr>
+        <p:cNvPr id="1" name=""/>
+        <p:cNvGrpSpPr/>
+        <p:nvPr/>
+      </p:nvGrpSpPr>
+      <p:grpSpPr>
+        <a:xfrm>
+          <a:off x="0" y="0"/>
+          <a:ext cx="0" cy="0"/>
+          <a:chOff x="0" y="0"/>
+          <a:chExt cx="0" cy="0"/>
+        </a:xfrm>
+      </p:grpSpPr>
+      <p:sp>
+        <p:nvSpPr>
+          <p:cNvPr id="2" name="标题 1"/>
+          <p:cNvSpPr>
+            <a:spLocks noGrp="1"/>
+          </p:cNvSpPr>
+          <p:nvPr>
+            <p:ph type="title"/>
+          </p:nvPr>
+        </p:nvSpPr>
+        <p:spPr/>
+        <p:txBody>
+          <a:bodyPr/>
+          <a:lstStyle/>
+          <a:p>
+            <a:endParaRPr lang="zh-CN" altLang="en-US"/>
+          </a:p>
+        </p:txBody>
+      </p:sp>
+      <p:sp>
+        <p:nvSpPr>
+          <p:cNvPr id="3" name="圆角矩形 2"/>
+          <p:cNvSpPr/>
+          <p:nvPr/>
+        </p:nvSpPr>
+        <p:spPr>
+          <a:xfrm>
+            <a:off x="1607576" y="3103440"/>
+            <a:ext cx="906624" cy="391886"/>
+          </a:xfrm>
+          <a:prstGeom prst="roundRect">
+            <a:avLst/>
+          </a:prstGeom>
+          <a:solidFill>
+            <a:schemeClr val="bg1">
+              <a:lumMod val="65000"/>
+            </a:schemeClr>
+          </a:solidFill>
+          <a:ln w="22225">
+            <a:solidFill>
+              <a:schemeClr val="tx1">
+                <a:lumMod val="75000"/>
+                <a:lumOff val="25000"/>
+              </a:schemeClr>
+            </a:solidFill>
+          </a:ln>
+        </p:spPr>
+        <p:style>
+          <a:lnRef idx="2">
+            <a:schemeClr val="accent1">
+              <a:shade val="50000"/>
+            </a:schemeClr>
+          </a:lnRef>
+          <a:fillRef idx="1">
+            <a:schemeClr val="accent1"/>
+          </a:fillRef>
+          <a:effectRef idx="0">
+            <a:schemeClr val="accent1"/>
+          </a:effectRef>
+          <a:fontRef idx="minor">
+            <a:schemeClr val="lt1"/>
+          </a:fontRef>
+        </p:style>
+        <p:txBody>
+          <a:bodyPr rtlCol="0" anchor="ctr"/>
+          <a:lstStyle/>
+          <a:p>
+            <a:pPr algn="ctr"/>
+            <a:r>
+              <a:rPr lang="en-US" altLang="zh-CN" sz="1400" smtClean="0">
+                <a:solidFill>
+                  <a:schemeClr val="tx1"/>
+                </a:solidFill>
+              </a:rPr>
+              <a:t>sub</a:t>
+            </a:r>
+            <a:endParaRPr lang="zh-CN" altLang="en-US" sz="1400">
+              <a:solidFill>
+                <a:schemeClr val="tx1"/>
+              </a:solidFill>
+            </a:endParaRPr>
+          </a:p>
+        </p:txBody>
+      </p:sp>
+      <p:sp>
+        <p:nvSpPr>
+          <p:cNvPr id="4" name="圆角矩形 3"/>
+          <p:cNvSpPr/>
+          <p:nvPr/>
+        </p:nvSpPr>
+        <p:spPr>
+          <a:xfrm>
+            <a:off x="2664269" y="3103440"/>
+            <a:ext cx="906624" cy="391886"/>
+          </a:xfrm>
+          <a:prstGeom prst="roundRect">
+            <a:avLst/>
+          </a:prstGeom>
+          <a:solidFill>
+            <a:schemeClr val="bg1">
+              <a:lumMod val="65000"/>
+            </a:schemeClr>
+          </a:solidFill>
+          <a:ln w="22225">
+            <a:solidFill>
+              <a:schemeClr val="tx1">
+                <a:lumMod val="75000"/>
+                <a:lumOff val="25000"/>
+              </a:schemeClr>
+            </a:solidFill>
+          </a:ln>
+        </p:spPr>
+        <p:style>
+          <a:lnRef idx="2">
+            <a:schemeClr val="accent1">
+              <a:shade val="50000"/>
+            </a:schemeClr>
+          </a:lnRef>
+          <a:fillRef idx="1">
+            <a:schemeClr val="accent1"/>
+          </a:fillRef>
+          <a:effectRef idx="0">
+            <a:schemeClr val="accent1"/>
+          </a:effectRef>
+          <a:fontRef idx="minor">
+            <a:schemeClr val="lt1"/>
+          </a:fontRef>
+        </p:style>
+        <p:txBody>
+          <a:bodyPr rtlCol="0" anchor="ctr"/>
+          <a:lstStyle/>
+          <a:p>
+            <a:pPr algn="ctr"/>
+            <a:r>
+              <a:rPr lang="en-US" altLang="zh-CN" sz="1400" smtClean="0">
+                <a:solidFill>
+                  <a:schemeClr val="tx1"/>
+                </a:solidFill>
+              </a:rPr>
+              <a:t>scan2</a:t>
+            </a:r>
+            <a:endParaRPr lang="zh-CN" altLang="en-US" sz="1400">
+              <a:solidFill>
+                <a:schemeClr val="tx1"/>
+              </a:solidFill>
+            </a:endParaRPr>
+          </a:p>
+        </p:txBody>
+      </p:sp>
+      <p:cxnSp>
+        <p:nvCxnSpPr>
+          <p:cNvPr id="5" name="直接箭头连接符 4"/>
+          <p:cNvCxnSpPr>
+            <a:stCxn id="3" idx="0"/>
+            <a:endCxn id="10" idx="2"/>
+          </p:cNvCxnSpPr>
+          <p:nvPr/>
+        </p:nvCxnSpPr>
+        <p:spPr>
+          <a:xfrm flipV="1">
+            <a:off x="2060888" y="2533355"/>
+            <a:ext cx="1056693" cy="570085"/>
+          </a:xfrm>
+          <a:prstGeom prst="straightConnector1">
+            <a:avLst/>
+          </a:prstGeom>
+          <a:ln w="31750">
+            <a:solidFill>
+              <a:schemeClr val="tx1">
+                <a:lumMod val="85000"/>
+                <a:lumOff val="15000"/>
+              </a:schemeClr>
+            </a:solidFill>
+            <a:tailEnd type="triangle"/>
+          </a:ln>
+        </p:spPr>
+        <p:style>
+          <a:lnRef idx="1">
+            <a:schemeClr val="accent1"/>
+          </a:lnRef>
+          <a:fillRef idx="0">
+            <a:schemeClr val="accent1"/>
+          </a:fillRef>
+          <a:effectRef idx="0">
+            <a:schemeClr val="accent1"/>
+          </a:effectRef>
+          <a:fontRef idx="minor">
+            <a:schemeClr val="tx1"/>
+          </a:fontRef>
+        </p:style>
+      </p:cxnSp>
+      <p:cxnSp>
+        <p:nvCxnSpPr>
+          <p:cNvPr id="6" name="直接箭头连接符 5"/>
+          <p:cNvCxnSpPr>
+            <a:stCxn id="4" idx="0"/>
+            <a:endCxn id="10" idx="2"/>
+          </p:cNvCxnSpPr>
+          <p:nvPr/>
+        </p:nvCxnSpPr>
+        <p:spPr>
+          <a:xfrm flipV="1">
+            <a:off x="3117581" y="2533355"/>
+            <a:ext cx="0" cy="570085"/>
+          </a:xfrm>
+          <a:prstGeom prst="straightConnector1">
+            <a:avLst/>
+          </a:prstGeom>
+          <a:ln w="31750">
+            <a:solidFill>
+              <a:schemeClr val="tx1">
+                <a:lumMod val="85000"/>
+                <a:lumOff val="15000"/>
+              </a:schemeClr>
+            </a:solidFill>
+            <a:tailEnd type="triangle"/>
+          </a:ln>
+        </p:spPr>
+        <p:style>
+          <a:lnRef idx="1">
+            <a:schemeClr val="accent1"/>
+          </a:lnRef>
+          <a:fillRef idx="0">
+            <a:schemeClr val="accent1"/>
+          </a:fillRef>
+          <a:effectRef idx="0">
+            <a:schemeClr val="accent1"/>
+          </a:effectRef>
+          <a:fontRef idx="minor">
+            <a:schemeClr val="tx1"/>
+          </a:fontRef>
+        </p:style>
+      </p:cxnSp>
+      <p:sp>
+        <p:nvSpPr>
+          <p:cNvPr id="9" name="圆角矩形 8"/>
+          <p:cNvSpPr/>
+          <p:nvPr/>
+        </p:nvSpPr>
+        <p:spPr>
+          <a:xfrm>
+            <a:off x="3693747" y="3103440"/>
+            <a:ext cx="906624" cy="391886"/>
+          </a:xfrm>
+          <a:prstGeom prst="roundRect">
+            <a:avLst/>
+          </a:prstGeom>
+          <a:solidFill>
+            <a:schemeClr val="bg1">
+              <a:lumMod val="65000"/>
+            </a:schemeClr>
+          </a:solidFill>
+          <a:ln w="22225">
+            <a:solidFill>
+              <a:schemeClr val="tx1">
+                <a:lumMod val="75000"/>
+                <a:lumOff val="25000"/>
+              </a:schemeClr>
+            </a:solidFill>
+          </a:ln>
+        </p:spPr>
+        <p:style>
+          <a:lnRef idx="2">
+            <a:schemeClr val="accent1">
+              <a:shade val="50000"/>
+            </a:schemeClr>
+          </a:lnRef>
+          <a:fillRef idx="1">
+            <a:schemeClr val="accent1"/>
+          </a:fillRef>
+          <a:effectRef idx="0">
+            <a:schemeClr val="accent1"/>
+          </a:effectRef>
+          <a:fontRef idx="minor">
+            <a:schemeClr val="lt1"/>
+          </a:fontRef>
+        </p:style>
+        <p:txBody>
+          <a:bodyPr rtlCol="0" anchor="ctr"/>
+          <a:lstStyle/>
+          <a:p>
+            <a:pPr algn="ctr"/>
+            <a:r>
+              <a:rPr lang="en-US" altLang="zh-CN" sz="1400" smtClean="0">
+                <a:solidFill>
+                  <a:schemeClr val="tx1"/>
+                </a:solidFill>
+              </a:rPr>
+              <a:t>scan3</a:t>
+            </a:r>
+            <a:endParaRPr lang="zh-CN" altLang="en-US" sz="1400">
+              <a:solidFill>
+                <a:schemeClr val="tx1"/>
+              </a:solidFill>
+            </a:endParaRPr>
+          </a:p>
+        </p:txBody>
+      </p:sp>
+      <p:sp>
+        <p:nvSpPr>
+          <p:cNvPr id="10" name="圆角矩形 9"/>
+          <p:cNvSpPr/>
+          <p:nvPr/>
+        </p:nvSpPr>
+        <p:spPr>
+          <a:xfrm>
+            <a:off x="2664269" y="2141469"/>
+            <a:ext cx="906624" cy="391886"/>
+          </a:xfrm>
+          <a:prstGeom prst="roundRect">
+            <a:avLst/>
+          </a:prstGeom>
+          <a:solidFill>
+            <a:schemeClr val="bg1">
+              <a:lumMod val="65000"/>
+            </a:schemeClr>
+          </a:solidFill>
+          <a:ln w="22225">
+            <a:solidFill>
+              <a:schemeClr val="tx1">
+                <a:lumMod val="75000"/>
+                <a:lumOff val="25000"/>
+              </a:schemeClr>
+            </a:solidFill>
+          </a:ln>
+        </p:spPr>
+        <p:style>
+          <a:lnRef idx="2">
+            <a:schemeClr val="accent1">
+              <a:shade val="50000"/>
+            </a:schemeClr>
+          </a:lnRef>
+          <a:fillRef idx="1">
+            <a:schemeClr val="accent1"/>
+          </a:fillRef>
+          <a:effectRef idx="0">
+            <a:schemeClr val="accent1"/>
+          </a:effectRef>
+          <a:fontRef idx="minor">
+            <a:schemeClr val="lt1"/>
+          </a:fontRef>
+        </p:style>
+        <p:txBody>
+          <a:bodyPr rtlCol="0" anchor="ctr"/>
+          <a:lstStyle/>
+          <a:p>
+            <a:pPr algn="ctr"/>
+            <a:r>
+              <a:rPr lang="en-US" altLang="zh-CN" sz="1400" smtClean="0">
+                <a:solidFill>
+                  <a:schemeClr val="tx1"/>
+                </a:solidFill>
+              </a:rPr>
+              <a:t>STAR hash join</a:t>
+            </a:r>
+            <a:endParaRPr lang="zh-CN" altLang="en-US" sz="1400">
+              <a:solidFill>
+                <a:schemeClr val="tx1"/>
+              </a:solidFill>
+            </a:endParaRPr>
+          </a:p>
+        </p:txBody>
+      </p:sp>
+      <p:cxnSp>
+        <p:nvCxnSpPr>
+          <p:cNvPr id="11" name="直接箭头连接符 10"/>
+          <p:cNvCxnSpPr>
+            <a:stCxn id="9" idx="0"/>
+            <a:endCxn id="10" idx="2"/>
+          </p:cNvCxnSpPr>
+          <p:nvPr/>
+        </p:nvCxnSpPr>
+        <p:spPr>
+          <a:xfrm flipH="1" flipV="1">
+            <a:off x="3117581" y="2533355"/>
+            <a:ext cx="1029478" cy="570085"/>
+          </a:xfrm>
+          <a:prstGeom prst="straightConnector1">
+            <a:avLst/>
+          </a:prstGeom>
+          <a:ln w="31750">
+            <a:solidFill>
+              <a:schemeClr val="tx1">
+                <a:lumMod val="85000"/>
+                <a:lumOff val="15000"/>
+              </a:schemeClr>
+            </a:solidFill>
+            <a:tailEnd type="triangle"/>
+          </a:ln>
+        </p:spPr>
+        <p:style>
+          <a:lnRef idx="1">
+            <a:schemeClr val="accent1"/>
+          </a:lnRef>
+          <a:fillRef idx="0">
+            <a:schemeClr val="accent1"/>
+          </a:fillRef>
+          <a:effectRef idx="0">
+            <a:schemeClr val="accent1"/>
+          </a:effectRef>
+          <a:fontRef idx="minor">
+            <a:schemeClr val="tx1"/>
+          </a:fontRef>
+        </p:style>
+      </p:cxnSp>
+      <p:sp>
+        <p:nvSpPr>
+          <p:cNvPr id="12" name="文本框 11"/>
+          <p:cNvSpPr txBox="1"/>
+          <p:nvPr/>
+        </p:nvSpPr>
+        <p:spPr>
+          <a:xfrm>
+            <a:off x="2584304" y="4521658"/>
+            <a:ext cx="1456232" cy="369332"/>
+          </a:xfrm>
+          <a:prstGeom prst="rect">
+            <a:avLst/>
+          </a:prstGeom>
+          <a:noFill/>
+        </p:spPr>
+        <p:txBody>
+          <a:bodyPr wrap="none" rtlCol="0">
+            <a:spAutoFit/>
+          </a:bodyPr>
+          <a:lstStyle/>
+          <a:p>
+            <a:r>
+              <a:rPr lang="en-US" altLang="zh-CN" smtClean="0"/>
+              <a:t>Star hash join</a:t>
+            </a:r>
+            <a:endParaRPr lang="zh-CN" altLang="en-US"/>
+          </a:p>
+        </p:txBody>
+      </p:sp>
+      <p:sp>
+        <p:nvSpPr>
+          <p:cNvPr id="13" name="圆角矩形 12"/>
+          <p:cNvSpPr/>
+          <p:nvPr/>
+        </p:nvSpPr>
+        <p:spPr>
+          <a:xfrm>
+            <a:off x="5588234" y="4499104"/>
+            <a:ext cx="906624" cy="391886"/>
+          </a:xfrm>
+          <a:prstGeom prst="roundRect">
+            <a:avLst/>
+          </a:prstGeom>
+          <a:solidFill>
+            <a:schemeClr val="bg1">
+              <a:lumMod val="65000"/>
+            </a:schemeClr>
+          </a:solidFill>
+          <a:ln w="22225">
+            <a:solidFill>
+              <a:schemeClr val="tx1">
+                <a:lumMod val="75000"/>
+                <a:lumOff val="25000"/>
+              </a:schemeClr>
+            </a:solidFill>
+          </a:ln>
+        </p:spPr>
+        <p:style>
+          <a:lnRef idx="2">
+            <a:schemeClr val="accent1">
+              <a:shade val="50000"/>
+            </a:schemeClr>
+          </a:lnRef>
+          <a:fillRef idx="1">
+            <a:schemeClr val="accent1"/>
+          </a:fillRef>
+          <a:effectRef idx="0">
+            <a:schemeClr val="accent1"/>
+          </a:effectRef>
+          <a:fontRef idx="minor">
+            <a:schemeClr val="lt1"/>
+          </a:fontRef>
+        </p:style>
+        <p:txBody>
+          <a:bodyPr rtlCol="0" anchor="ctr"/>
+          <a:lstStyle/>
+          <a:p>
+            <a:pPr algn="ctr"/>
+            <a:r>
+              <a:rPr lang="en-US" altLang="zh-CN" sz="1200" smtClean="0">
+                <a:solidFill>
+                  <a:schemeClr val="tx1"/>
+                </a:solidFill>
+              </a:rPr>
+              <a:t>Sub(split)</a:t>
+            </a:r>
+            <a:endParaRPr lang="zh-CN" altLang="en-US" sz="1200">
+              <a:solidFill>
+                <a:schemeClr val="tx1"/>
+              </a:solidFill>
+            </a:endParaRPr>
+          </a:p>
+        </p:txBody>
+      </p:sp>
+      <p:sp>
+        <p:nvSpPr>
+          <p:cNvPr id="14" name="圆角矩形 13"/>
+          <p:cNvSpPr/>
+          <p:nvPr/>
+        </p:nvSpPr>
+        <p:spPr>
+          <a:xfrm>
+            <a:off x="6644927" y="4499104"/>
+            <a:ext cx="906624" cy="391886"/>
+          </a:xfrm>
+          <a:prstGeom prst="roundRect">
+            <a:avLst/>
+          </a:prstGeom>
+          <a:solidFill>
+            <a:schemeClr val="bg1">
+              <a:lumMod val="65000"/>
+            </a:schemeClr>
+          </a:solidFill>
+          <a:ln w="22225">
+            <a:solidFill>
+              <a:schemeClr val="tx1">
+                <a:lumMod val="75000"/>
+                <a:lumOff val="25000"/>
+              </a:schemeClr>
+            </a:solidFill>
+          </a:ln>
+        </p:spPr>
+        <p:style>
+          <a:lnRef idx="2">
+            <a:schemeClr val="accent1">
+              <a:shade val="50000"/>
+            </a:schemeClr>
+          </a:lnRef>
+          <a:fillRef idx="1">
+            <a:schemeClr val="accent1"/>
+          </a:fillRef>
+          <a:effectRef idx="0">
+            <a:schemeClr val="accent1"/>
+          </a:effectRef>
+          <a:fontRef idx="minor">
+            <a:schemeClr val="lt1"/>
+          </a:fontRef>
+        </p:style>
+        <p:txBody>
+          <a:bodyPr rtlCol="0" anchor="ctr"/>
+          <a:lstStyle/>
+          <a:p>
+            <a:pPr algn="ctr"/>
+            <a:r>
+              <a:rPr lang="en-US" altLang="zh-CN" sz="1200" smtClean="0">
+                <a:solidFill>
+                  <a:schemeClr val="tx1"/>
+                </a:solidFill>
+              </a:rPr>
+              <a:t>Scan2(split)</a:t>
+            </a:r>
+            <a:endParaRPr lang="zh-CN" altLang="en-US" sz="1200">
+              <a:solidFill>
+                <a:schemeClr val="tx1"/>
+              </a:solidFill>
+            </a:endParaRPr>
+          </a:p>
+        </p:txBody>
+      </p:sp>
+      <p:cxnSp>
+        <p:nvCxnSpPr>
+          <p:cNvPr id="15" name="直接箭头连接符 14"/>
+          <p:cNvCxnSpPr>
+            <a:stCxn id="13" idx="0"/>
+            <a:endCxn id="20" idx="2"/>
+          </p:cNvCxnSpPr>
+          <p:nvPr/>
+        </p:nvCxnSpPr>
+        <p:spPr>
+          <a:xfrm flipV="1">
+            <a:off x="6041546" y="3908756"/>
+            <a:ext cx="1056693" cy="590348"/>
+          </a:xfrm>
+          <a:prstGeom prst="straightConnector1">
+            <a:avLst/>
+          </a:prstGeom>
+          <a:ln w="31750">
+            <a:solidFill>
+              <a:schemeClr val="tx1">
+                <a:lumMod val="85000"/>
+                <a:lumOff val="15000"/>
+              </a:schemeClr>
+            </a:solidFill>
+            <a:tailEnd type="triangle"/>
+          </a:ln>
+        </p:spPr>
+        <p:style>
+          <a:lnRef idx="1">
+            <a:schemeClr val="accent1"/>
+          </a:lnRef>
+          <a:fillRef idx="0">
+            <a:schemeClr val="accent1"/>
+          </a:fillRef>
+          <a:effectRef idx="0">
+            <a:schemeClr val="accent1"/>
+          </a:effectRef>
+          <a:fontRef idx="minor">
+            <a:schemeClr val="tx1"/>
+          </a:fontRef>
+        </p:style>
+      </p:cxnSp>
+      <p:cxnSp>
+        <p:nvCxnSpPr>
+          <p:cNvPr id="16" name="直接箭头连接符 15"/>
+          <p:cNvCxnSpPr>
+            <a:stCxn id="14" idx="0"/>
+            <a:endCxn id="20" idx="2"/>
+          </p:cNvCxnSpPr>
+          <p:nvPr/>
+        </p:nvCxnSpPr>
+        <p:spPr>
+          <a:xfrm flipV="1">
+            <a:off x="7098239" y="3908756"/>
+            <a:ext cx="0" cy="590348"/>
+          </a:xfrm>
+          <a:prstGeom prst="straightConnector1">
+            <a:avLst/>
+          </a:prstGeom>
+          <a:ln w="31750">
+            <a:solidFill>
+              <a:schemeClr val="tx1">
+                <a:lumMod val="85000"/>
+                <a:lumOff val="15000"/>
+              </a:schemeClr>
+            </a:solidFill>
+            <a:tailEnd type="triangle"/>
+          </a:ln>
+        </p:spPr>
+        <p:style>
+          <a:lnRef idx="1">
+            <a:schemeClr val="accent1"/>
+          </a:lnRef>
+          <a:fillRef idx="0">
+            <a:schemeClr val="accent1"/>
+          </a:fillRef>
+          <a:effectRef idx="0">
+            <a:schemeClr val="accent1"/>
+          </a:effectRef>
+          <a:fontRef idx="minor">
+            <a:schemeClr val="tx1"/>
+          </a:fontRef>
+        </p:style>
+      </p:cxnSp>
+      <p:sp>
+        <p:nvSpPr>
+          <p:cNvPr id="19" name="圆角矩形 18"/>
+          <p:cNvSpPr/>
+          <p:nvPr/>
+        </p:nvSpPr>
+        <p:spPr>
+          <a:xfrm>
+            <a:off x="7674405" y="4499104"/>
+            <a:ext cx="906624" cy="391886"/>
+          </a:xfrm>
+          <a:prstGeom prst="roundRect">
+            <a:avLst/>
+          </a:prstGeom>
+          <a:solidFill>
+            <a:schemeClr val="bg1">
+              <a:lumMod val="65000"/>
+            </a:schemeClr>
+          </a:solidFill>
+          <a:ln w="22225">
+            <a:solidFill>
+              <a:schemeClr val="tx1">
+                <a:lumMod val="75000"/>
+                <a:lumOff val="25000"/>
+              </a:schemeClr>
+            </a:solidFill>
+          </a:ln>
+        </p:spPr>
+        <p:style>
+          <a:lnRef idx="2">
+            <a:schemeClr val="accent1">
+              <a:shade val="50000"/>
+            </a:schemeClr>
+          </a:lnRef>
+          <a:fillRef idx="1">
+            <a:schemeClr val="accent1"/>
+          </a:fillRef>
+          <a:effectRef idx="0">
+            <a:schemeClr val="accent1"/>
+          </a:effectRef>
+          <a:fontRef idx="minor">
+            <a:schemeClr val="lt1"/>
+          </a:fontRef>
+        </p:style>
+        <p:txBody>
+          <a:bodyPr rtlCol="0" anchor="ctr"/>
+          <a:lstStyle/>
+          <a:p>
+            <a:pPr algn="ctr"/>
+            <a:r>
+              <a:rPr lang="en-US" altLang="zh-CN" sz="1200" smtClean="0">
+                <a:solidFill>
+                  <a:schemeClr val="tx1"/>
+                </a:solidFill>
+              </a:rPr>
+              <a:t>scan3</a:t>
+            </a:r>
+            <a:r>
+              <a:rPr lang="en-US" altLang="zh-CN" sz="1200">
+                <a:solidFill>
+                  <a:schemeClr val="tx1"/>
+                </a:solidFill>
+              </a:rPr>
+              <a:t>(split)</a:t>
+            </a:r>
+            <a:endParaRPr lang="zh-CN" altLang="en-US" sz="1200">
+              <a:solidFill>
+                <a:schemeClr val="tx1"/>
+              </a:solidFill>
+            </a:endParaRPr>
+          </a:p>
+        </p:txBody>
+      </p:sp>
+      <p:sp>
+        <p:nvSpPr>
+          <p:cNvPr id="20" name="圆角矩形 19"/>
+          <p:cNvSpPr/>
+          <p:nvPr/>
+        </p:nvSpPr>
+        <p:spPr>
+          <a:xfrm>
+            <a:off x="6644927" y="3516870"/>
+            <a:ext cx="906624" cy="391886"/>
+          </a:xfrm>
+          <a:prstGeom prst="roundRect">
+            <a:avLst/>
+          </a:prstGeom>
+          <a:solidFill>
+            <a:schemeClr val="bg1">
+              <a:lumMod val="65000"/>
+            </a:schemeClr>
+          </a:solidFill>
+          <a:ln w="22225">
+            <a:solidFill>
+              <a:schemeClr val="tx1">
+                <a:lumMod val="75000"/>
+                <a:lumOff val="25000"/>
+              </a:schemeClr>
+            </a:solidFill>
+          </a:ln>
+        </p:spPr>
+        <p:style>
+          <a:lnRef idx="2">
+            <a:schemeClr val="accent1">
+              <a:shade val="50000"/>
+            </a:schemeClr>
+          </a:lnRef>
+          <a:fillRef idx="1">
+            <a:schemeClr val="accent1"/>
+          </a:fillRef>
+          <a:effectRef idx="0">
+            <a:schemeClr val="accent1"/>
+          </a:effectRef>
+          <a:fontRef idx="minor">
+            <a:schemeClr val="lt1"/>
+          </a:fontRef>
+        </p:style>
+        <p:txBody>
+          <a:bodyPr rtlCol="0" anchor="ctr"/>
+          <a:lstStyle/>
+          <a:p>
+            <a:pPr algn="ctr"/>
+            <a:r>
+              <a:rPr lang="en-US" altLang="zh-CN" sz="1400" smtClean="0">
+                <a:solidFill>
+                  <a:schemeClr val="tx1"/>
+                </a:solidFill>
+              </a:rPr>
+              <a:t>STAR join</a:t>
+            </a:r>
+            <a:endParaRPr lang="zh-CN" altLang="en-US" sz="1400">
+              <a:solidFill>
+                <a:schemeClr val="tx1"/>
+              </a:solidFill>
+            </a:endParaRPr>
+          </a:p>
+        </p:txBody>
+      </p:sp>
+      <p:cxnSp>
+        <p:nvCxnSpPr>
+          <p:cNvPr id="21" name="直接箭头连接符 20"/>
+          <p:cNvCxnSpPr>
+            <a:stCxn id="19" idx="0"/>
+            <a:endCxn id="20" idx="2"/>
+          </p:cNvCxnSpPr>
+          <p:nvPr/>
+        </p:nvCxnSpPr>
+        <p:spPr>
+          <a:xfrm flipH="1" flipV="1">
+            <a:off x="7098239" y="3908756"/>
+            <a:ext cx="1029478" cy="590348"/>
+          </a:xfrm>
+          <a:prstGeom prst="straightConnector1">
+            <a:avLst/>
+          </a:prstGeom>
+          <a:ln w="31750">
+            <a:solidFill>
+              <a:schemeClr val="tx1">
+                <a:lumMod val="85000"/>
+                <a:lumOff val="15000"/>
+              </a:schemeClr>
+            </a:solidFill>
+            <a:tailEnd type="triangle"/>
+          </a:ln>
+        </p:spPr>
+        <p:style>
+          <a:lnRef idx="1">
+            <a:schemeClr val="accent1"/>
+          </a:lnRef>
+          <a:fillRef idx="0">
+            <a:schemeClr val="accent1"/>
+          </a:fillRef>
+          <a:effectRef idx="0">
+            <a:schemeClr val="accent1"/>
+          </a:effectRef>
+          <a:fontRef idx="minor">
+            <a:schemeClr val="tx1"/>
+          </a:fontRef>
+        </p:style>
+      </p:cxnSp>
+      <p:sp>
+        <p:nvSpPr>
+          <p:cNvPr id="28" name="圆角矩形 27"/>
+          <p:cNvSpPr/>
+          <p:nvPr/>
+        </p:nvSpPr>
+        <p:spPr>
+          <a:xfrm>
+            <a:off x="8789785" y="4499104"/>
+            <a:ext cx="906624" cy="391886"/>
+          </a:xfrm>
+          <a:prstGeom prst="roundRect">
+            <a:avLst/>
+          </a:prstGeom>
+          <a:solidFill>
+            <a:schemeClr val="bg1">
+              <a:lumMod val="65000"/>
+            </a:schemeClr>
+          </a:solidFill>
+          <a:ln w="22225">
+            <a:solidFill>
+              <a:schemeClr val="tx1">
+                <a:lumMod val="75000"/>
+                <a:lumOff val="25000"/>
+              </a:schemeClr>
+            </a:solidFill>
+          </a:ln>
+        </p:spPr>
+        <p:style>
+          <a:lnRef idx="2">
+            <a:schemeClr val="accent1">
+              <a:shade val="50000"/>
+            </a:schemeClr>
+          </a:lnRef>
+          <a:fillRef idx="1">
+            <a:schemeClr val="accent1"/>
+          </a:fillRef>
+          <a:effectRef idx="0">
+            <a:schemeClr val="accent1"/>
+          </a:effectRef>
+          <a:fontRef idx="minor">
+            <a:schemeClr val="lt1"/>
+          </a:fontRef>
+        </p:style>
+        <p:txBody>
+          <a:bodyPr rtlCol="0" anchor="ctr"/>
+          <a:lstStyle/>
+          <a:p>
+            <a:pPr algn="ctr"/>
+            <a:r>
+              <a:rPr lang="en-US" altLang="zh-CN" sz="1200" smtClean="0">
+                <a:solidFill>
+                  <a:schemeClr val="tx1"/>
+                </a:solidFill>
+              </a:rPr>
+              <a:t>Sub(split)</a:t>
+            </a:r>
+            <a:endParaRPr lang="zh-CN" altLang="en-US" sz="1200">
+              <a:solidFill>
+                <a:schemeClr val="tx1"/>
+              </a:solidFill>
+            </a:endParaRPr>
+          </a:p>
+        </p:txBody>
+      </p:sp>
+      <p:sp>
+        <p:nvSpPr>
+          <p:cNvPr id="29" name="圆角矩形 28"/>
+          <p:cNvSpPr/>
+          <p:nvPr/>
+        </p:nvSpPr>
+        <p:spPr>
+          <a:xfrm>
+            <a:off x="9846478" y="4499104"/>
+            <a:ext cx="906624" cy="391886"/>
+          </a:xfrm>
+          <a:prstGeom prst="roundRect">
+            <a:avLst/>
+          </a:prstGeom>
+          <a:solidFill>
+            <a:schemeClr val="bg1">
+              <a:lumMod val="65000"/>
+            </a:schemeClr>
+          </a:solidFill>
+          <a:ln w="22225">
+            <a:solidFill>
+              <a:schemeClr val="tx1">
+                <a:lumMod val="75000"/>
+                <a:lumOff val="25000"/>
+              </a:schemeClr>
+            </a:solidFill>
+          </a:ln>
+        </p:spPr>
+        <p:style>
+          <a:lnRef idx="2">
+            <a:schemeClr val="accent1">
+              <a:shade val="50000"/>
+            </a:schemeClr>
+          </a:lnRef>
+          <a:fillRef idx="1">
+            <a:schemeClr val="accent1"/>
+          </a:fillRef>
+          <a:effectRef idx="0">
+            <a:schemeClr val="accent1"/>
+          </a:effectRef>
+          <a:fontRef idx="minor">
+            <a:schemeClr val="lt1"/>
+          </a:fontRef>
+        </p:style>
+        <p:txBody>
+          <a:bodyPr rtlCol="0" anchor="ctr"/>
+          <a:lstStyle/>
+          <a:p>
+            <a:pPr algn="ctr"/>
+            <a:r>
+              <a:rPr lang="en-US" altLang="zh-CN" sz="1200" smtClean="0">
+                <a:solidFill>
+                  <a:schemeClr val="tx1"/>
+                </a:solidFill>
+              </a:rPr>
+              <a:t>scan2</a:t>
+            </a:r>
+            <a:r>
+              <a:rPr lang="en-US" altLang="zh-CN" sz="1200">
+                <a:solidFill>
+                  <a:schemeClr val="tx1"/>
+                </a:solidFill>
+              </a:rPr>
+              <a:t>(split)</a:t>
+            </a:r>
+            <a:endParaRPr lang="zh-CN" altLang="en-US" sz="1200">
+              <a:solidFill>
+                <a:schemeClr val="tx1"/>
+              </a:solidFill>
+            </a:endParaRPr>
+          </a:p>
+        </p:txBody>
+      </p:sp>
+      <p:cxnSp>
+        <p:nvCxnSpPr>
+          <p:cNvPr id="30" name="直接箭头连接符 29"/>
+          <p:cNvCxnSpPr>
+            <a:stCxn id="28" idx="0"/>
+            <a:endCxn id="33" idx="2"/>
+          </p:cNvCxnSpPr>
+          <p:nvPr/>
+        </p:nvCxnSpPr>
+        <p:spPr>
+          <a:xfrm flipV="1">
+            <a:off x="9243097" y="3908756"/>
+            <a:ext cx="1056693" cy="590348"/>
+          </a:xfrm>
+          <a:prstGeom prst="straightConnector1">
+            <a:avLst/>
+          </a:prstGeom>
+          <a:ln w="31750">
+            <a:solidFill>
+              <a:schemeClr val="tx1">
+                <a:lumMod val="85000"/>
+                <a:lumOff val="15000"/>
+              </a:schemeClr>
+            </a:solidFill>
+            <a:tailEnd type="triangle"/>
+          </a:ln>
+        </p:spPr>
+        <p:style>
+          <a:lnRef idx="1">
+            <a:schemeClr val="accent1"/>
+          </a:lnRef>
+          <a:fillRef idx="0">
+            <a:schemeClr val="accent1"/>
+          </a:fillRef>
+          <a:effectRef idx="0">
+            <a:schemeClr val="accent1"/>
+          </a:effectRef>
+          <a:fontRef idx="minor">
+            <a:schemeClr val="tx1"/>
+          </a:fontRef>
+        </p:style>
+      </p:cxnSp>
+      <p:cxnSp>
+        <p:nvCxnSpPr>
+          <p:cNvPr id="31" name="直接箭头连接符 30"/>
+          <p:cNvCxnSpPr>
+            <a:stCxn id="29" idx="0"/>
+            <a:endCxn id="33" idx="2"/>
+          </p:cNvCxnSpPr>
+          <p:nvPr/>
+        </p:nvCxnSpPr>
+        <p:spPr>
+          <a:xfrm flipV="1">
+            <a:off x="10299790" y="3908756"/>
+            <a:ext cx="0" cy="590348"/>
+          </a:xfrm>
+          <a:prstGeom prst="straightConnector1">
+            <a:avLst/>
+          </a:prstGeom>
+          <a:ln w="31750">
+            <a:solidFill>
+              <a:schemeClr val="tx1">
+                <a:lumMod val="85000"/>
+                <a:lumOff val="15000"/>
+              </a:schemeClr>
+            </a:solidFill>
+            <a:tailEnd type="triangle"/>
+          </a:ln>
+        </p:spPr>
+        <p:style>
+          <a:lnRef idx="1">
+            <a:schemeClr val="accent1"/>
+          </a:lnRef>
+          <a:fillRef idx="0">
+            <a:schemeClr val="accent1"/>
+          </a:fillRef>
+          <a:effectRef idx="0">
+            <a:schemeClr val="accent1"/>
+          </a:effectRef>
+          <a:fontRef idx="minor">
+            <a:schemeClr val="tx1"/>
+          </a:fontRef>
+        </p:style>
+      </p:cxnSp>
+      <p:sp>
+        <p:nvSpPr>
+          <p:cNvPr id="32" name="圆角矩形 31"/>
+          <p:cNvSpPr/>
+          <p:nvPr/>
+        </p:nvSpPr>
+        <p:spPr>
+          <a:xfrm>
+            <a:off x="10875956" y="4499104"/>
+            <a:ext cx="906624" cy="391886"/>
+          </a:xfrm>
+          <a:prstGeom prst="roundRect">
+            <a:avLst/>
+          </a:prstGeom>
+          <a:solidFill>
+            <a:schemeClr val="bg1">
+              <a:lumMod val="65000"/>
+            </a:schemeClr>
+          </a:solidFill>
+          <a:ln w="22225">
+            <a:solidFill>
+              <a:schemeClr val="tx1">
+                <a:lumMod val="75000"/>
+                <a:lumOff val="25000"/>
+              </a:schemeClr>
+            </a:solidFill>
+          </a:ln>
+        </p:spPr>
+        <p:style>
+          <a:lnRef idx="2">
+            <a:schemeClr val="accent1">
+              <a:shade val="50000"/>
+            </a:schemeClr>
+          </a:lnRef>
+          <a:fillRef idx="1">
+            <a:schemeClr val="accent1"/>
+          </a:fillRef>
+          <a:effectRef idx="0">
+            <a:schemeClr val="accent1"/>
+          </a:effectRef>
+          <a:fontRef idx="minor">
+            <a:schemeClr val="lt1"/>
+          </a:fontRef>
+        </p:style>
+        <p:txBody>
+          <a:bodyPr rtlCol="0" anchor="ctr"/>
+          <a:lstStyle/>
+          <a:p>
+            <a:pPr algn="ctr"/>
+            <a:r>
+              <a:rPr lang="en-US" altLang="zh-CN" sz="1200" smtClean="0">
+                <a:solidFill>
+                  <a:schemeClr val="tx1"/>
+                </a:solidFill>
+              </a:rPr>
+              <a:t>scan3</a:t>
+            </a:r>
+            <a:r>
+              <a:rPr lang="en-US" altLang="zh-CN" sz="1200">
+                <a:solidFill>
+                  <a:schemeClr val="tx1"/>
+                </a:solidFill>
+              </a:rPr>
+              <a:t>(split)</a:t>
+            </a:r>
+            <a:endParaRPr lang="zh-CN" altLang="en-US" sz="1200">
+              <a:solidFill>
+                <a:schemeClr val="tx1"/>
+              </a:solidFill>
+            </a:endParaRPr>
+          </a:p>
+        </p:txBody>
+      </p:sp>
+      <p:sp>
+        <p:nvSpPr>
+          <p:cNvPr id="33" name="圆角矩形 32"/>
+          <p:cNvSpPr/>
+          <p:nvPr/>
+        </p:nvSpPr>
+        <p:spPr>
+          <a:xfrm>
+            <a:off x="9846478" y="3516870"/>
+            <a:ext cx="906624" cy="391886"/>
+          </a:xfrm>
+          <a:prstGeom prst="roundRect">
+            <a:avLst/>
+          </a:prstGeom>
+          <a:solidFill>
+            <a:schemeClr val="bg1">
+              <a:lumMod val="65000"/>
+            </a:schemeClr>
+          </a:solidFill>
+          <a:ln w="22225">
+            <a:solidFill>
+              <a:schemeClr val="tx1">
+                <a:lumMod val="75000"/>
+                <a:lumOff val="25000"/>
+              </a:schemeClr>
+            </a:solidFill>
+          </a:ln>
+        </p:spPr>
+        <p:style>
+          <a:lnRef idx="2">
+            <a:schemeClr val="accent1">
+              <a:shade val="50000"/>
+            </a:schemeClr>
+          </a:lnRef>
+          <a:fillRef idx="1">
+            <a:schemeClr val="accent1"/>
+          </a:fillRef>
+          <a:effectRef idx="0">
+            <a:schemeClr val="accent1"/>
+          </a:effectRef>
+          <a:fontRef idx="minor">
+            <a:schemeClr val="lt1"/>
+          </a:fontRef>
+        </p:style>
+        <p:txBody>
+          <a:bodyPr rtlCol="0" anchor="ctr"/>
+          <a:lstStyle/>
+          <a:p>
+            <a:pPr algn="ctr"/>
+            <a:r>
+              <a:rPr lang="en-US" altLang="zh-CN" sz="1400" smtClean="0">
+                <a:solidFill>
+                  <a:schemeClr val="tx1"/>
+                </a:solidFill>
+              </a:rPr>
+              <a:t>STAR join</a:t>
+            </a:r>
+            <a:endParaRPr lang="zh-CN" altLang="en-US" sz="1400">
+              <a:solidFill>
+                <a:schemeClr val="tx1"/>
+              </a:solidFill>
+            </a:endParaRPr>
+          </a:p>
+        </p:txBody>
+      </p:sp>
+      <p:cxnSp>
+        <p:nvCxnSpPr>
+          <p:cNvPr id="34" name="直接箭头连接符 33"/>
+          <p:cNvCxnSpPr>
+            <a:stCxn id="32" idx="0"/>
+            <a:endCxn id="33" idx="2"/>
+          </p:cNvCxnSpPr>
+          <p:nvPr/>
+        </p:nvCxnSpPr>
+        <p:spPr>
+          <a:xfrm flipH="1" flipV="1">
+            <a:off x="10299790" y="3908756"/>
+            <a:ext cx="1029478" cy="590348"/>
+          </a:xfrm>
+          <a:prstGeom prst="straightConnector1">
+            <a:avLst/>
+          </a:prstGeom>
+          <a:ln w="31750">
+            <a:solidFill>
+              <a:schemeClr val="tx1">
+                <a:lumMod val="85000"/>
+                <a:lumOff val="15000"/>
+              </a:schemeClr>
+            </a:solidFill>
+            <a:tailEnd type="triangle"/>
+          </a:ln>
+        </p:spPr>
+        <p:style>
+          <a:lnRef idx="1">
+            <a:schemeClr val="accent1"/>
+          </a:lnRef>
+          <a:fillRef idx="0">
+            <a:schemeClr val="accent1"/>
+          </a:fillRef>
+          <a:effectRef idx="0">
+            <a:schemeClr val="accent1"/>
+          </a:effectRef>
+          <a:fontRef idx="minor">
+            <a:schemeClr val="tx1"/>
+          </a:fontRef>
+        </p:style>
+      </p:cxnSp>
+      <p:sp>
+        <p:nvSpPr>
+          <p:cNvPr id="35" name="圆角矩形 34"/>
+          <p:cNvSpPr/>
+          <p:nvPr/>
+        </p:nvSpPr>
+        <p:spPr>
+          <a:xfrm>
+            <a:off x="7483243" y="5257886"/>
+            <a:ext cx="1069519" cy="446904"/>
+          </a:xfrm>
+          <a:prstGeom prst="roundRect">
+            <a:avLst/>
+          </a:prstGeom>
+          <a:solidFill>
+            <a:schemeClr val="accent3">
+              <a:lumMod val="40000"/>
+              <a:lumOff val="60000"/>
+            </a:schemeClr>
+          </a:solidFill>
+          <a:ln w="22225">
+            <a:solidFill>
+              <a:schemeClr val="tx1">
+                <a:lumMod val="75000"/>
+                <a:lumOff val="25000"/>
+              </a:schemeClr>
+            </a:solidFill>
+          </a:ln>
+        </p:spPr>
+        <p:style>
+          <a:lnRef idx="2">
+            <a:schemeClr val="accent1">
+              <a:shade val="50000"/>
+            </a:schemeClr>
+          </a:lnRef>
+          <a:fillRef idx="1">
+            <a:schemeClr val="accent1"/>
+          </a:fillRef>
+          <a:effectRef idx="0">
+            <a:schemeClr val="accent1"/>
+          </a:effectRef>
+          <a:fontRef idx="minor">
+            <a:schemeClr val="lt1"/>
+          </a:fontRef>
+        </p:style>
+        <p:txBody>
+          <a:bodyPr rtlCol="0" anchor="ctr"/>
+          <a:lstStyle/>
+          <a:p>
+            <a:pPr algn="ctr"/>
+            <a:r>
+              <a:rPr lang="en-US" altLang="zh-CN" sz="1200" smtClean="0">
+                <a:solidFill>
+                  <a:schemeClr val="tx1"/>
+                </a:solidFill>
+              </a:rPr>
+              <a:t>Concurrent Hash </a:t>
+            </a:r>
+            <a:r>
+              <a:rPr lang="en-US" altLang="zh-CN" sz="1200" smtClean="0">
+                <a:solidFill>
+                  <a:schemeClr val="tx1"/>
+                </a:solidFill>
+              </a:rPr>
+              <a:t>Table1</a:t>
+            </a:r>
+            <a:endParaRPr lang="zh-CN" altLang="en-US" sz="1200">
+              <a:solidFill>
+                <a:schemeClr val="tx1"/>
+              </a:solidFill>
+            </a:endParaRPr>
+          </a:p>
+        </p:txBody>
+      </p:sp>
+      <p:cxnSp>
+        <p:nvCxnSpPr>
+          <p:cNvPr id="36" name="直接箭头连接符 16"/>
+          <p:cNvCxnSpPr>
+            <a:stCxn id="14" idx="2"/>
+            <a:endCxn id="35" idx="1"/>
+          </p:cNvCxnSpPr>
+          <p:nvPr/>
+        </p:nvCxnSpPr>
+        <p:spPr>
+          <a:xfrm rot="16200000" flipH="1">
+            <a:off x="6995567" y="4993662"/>
+            <a:ext cx="590348" cy="385004"/>
+          </a:xfrm>
+          <a:prstGeom prst="curvedConnector2">
+            <a:avLst/>
+          </a:prstGeom>
+          <a:ln w="19050">
+            <a:solidFill>
+              <a:schemeClr val="accent5">
+                <a:lumMod val="75000"/>
+              </a:schemeClr>
+            </a:solidFill>
+            <a:prstDash val="sysDash"/>
+            <a:tailEnd type="triangle"/>
+          </a:ln>
+        </p:spPr>
+        <p:style>
+          <a:lnRef idx="1">
+            <a:schemeClr val="accent1"/>
+          </a:lnRef>
+          <a:fillRef idx="0">
+            <a:schemeClr val="accent1"/>
+          </a:fillRef>
+          <a:effectRef idx="0">
+            <a:schemeClr val="accent1"/>
+          </a:effectRef>
+          <a:fontRef idx="minor">
+            <a:schemeClr val="tx1"/>
+          </a:fontRef>
+        </p:style>
+      </p:cxnSp>
+      <p:cxnSp>
+        <p:nvCxnSpPr>
+          <p:cNvPr id="39" name="直接箭头连接符 16"/>
+          <p:cNvCxnSpPr>
+            <a:stCxn id="29" idx="2"/>
+            <a:endCxn id="35" idx="3"/>
+          </p:cNvCxnSpPr>
+          <p:nvPr/>
+        </p:nvCxnSpPr>
+        <p:spPr>
+          <a:xfrm rot="5400000">
+            <a:off x="9131102" y="4312650"/>
+            <a:ext cx="590348" cy="1747028"/>
+          </a:xfrm>
+          <a:prstGeom prst="curvedConnector2">
+            <a:avLst/>
+          </a:prstGeom>
+          <a:ln w="19050">
+            <a:solidFill>
+              <a:schemeClr val="accent5">
+                <a:lumMod val="75000"/>
+              </a:schemeClr>
+            </a:solidFill>
+            <a:prstDash val="sysDash"/>
+            <a:tailEnd type="triangle"/>
+          </a:ln>
+        </p:spPr>
+        <p:style>
+          <a:lnRef idx="1">
+            <a:schemeClr val="accent1"/>
+          </a:lnRef>
+          <a:fillRef idx="0">
+            <a:schemeClr val="accent1"/>
+          </a:fillRef>
+          <a:effectRef idx="0">
+            <a:schemeClr val="accent1"/>
+          </a:effectRef>
+          <a:fontRef idx="minor">
+            <a:schemeClr val="tx1"/>
+          </a:fontRef>
+        </p:style>
+      </p:cxnSp>
+      <p:sp>
+        <p:nvSpPr>
+          <p:cNvPr id="42" name="圆角矩形 41"/>
+          <p:cNvSpPr/>
+          <p:nvPr/>
+        </p:nvSpPr>
+        <p:spPr>
+          <a:xfrm>
+            <a:off x="9518354" y="5481338"/>
+            <a:ext cx="1069519" cy="446904"/>
+          </a:xfrm>
+          <a:prstGeom prst="roundRect">
+            <a:avLst/>
+          </a:prstGeom>
+          <a:solidFill>
+            <a:schemeClr val="accent3">
+              <a:lumMod val="40000"/>
+              <a:lumOff val="60000"/>
+            </a:schemeClr>
+          </a:solidFill>
+          <a:ln w="22225">
+            <a:solidFill>
+              <a:schemeClr val="tx1">
+                <a:lumMod val="75000"/>
+                <a:lumOff val="25000"/>
+              </a:schemeClr>
+            </a:solidFill>
+          </a:ln>
+        </p:spPr>
+        <p:style>
+          <a:lnRef idx="2">
+            <a:schemeClr val="accent1">
+              <a:shade val="50000"/>
+            </a:schemeClr>
+          </a:lnRef>
+          <a:fillRef idx="1">
+            <a:schemeClr val="accent1"/>
+          </a:fillRef>
+          <a:effectRef idx="0">
+            <a:schemeClr val="accent1"/>
+          </a:effectRef>
+          <a:fontRef idx="minor">
+            <a:schemeClr val="lt1"/>
+          </a:fontRef>
+        </p:style>
+        <p:txBody>
+          <a:bodyPr rtlCol="0" anchor="ctr"/>
+          <a:lstStyle/>
+          <a:p>
+            <a:pPr algn="ctr"/>
+            <a:r>
+              <a:rPr lang="en-US" altLang="zh-CN" sz="1200" smtClean="0">
+                <a:solidFill>
+                  <a:schemeClr val="tx1"/>
+                </a:solidFill>
+              </a:rPr>
+              <a:t>Concurrent Hash </a:t>
+            </a:r>
+            <a:r>
+              <a:rPr lang="en-US" altLang="zh-CN" sz="1200" smtClean="0">
+                <a:solidFill>
+                  <a:schemeClr val="tx1"/>
+                </a:solidFill>
+              </a:rPr>
+              <a:t>Table2</a:t>
+            </a:r>
+            <a:endParaRPr lang="zh-CN" altLang="en-US" sz="1200">
+              <a:solidFill>
+                <a:schemeClr val="tx1"/>
+              </a:solidFill>
+            </a:endParaRPr>
+          </a:p>
+        </p:txBody>
+      </p:sp>
+      <p:cxnSp>
+        <p:nvCxnSpPr>
+          <p:cNvPr id="43" name="直接箭头连接符 16"/>
+          <p:cNvCxnSpPr>
+            <a:stCxn id="32" idx="2"/>
+            <a:endCxn id="42" idx="3"/>
+          </p:cNvCxnSpPr>
+          <p:nvPr/>
+        </p:nvCxnSpPr>
+        <p:spPr>
+          <a:xfrm rot="5400000">
+            <a:off x="10551671" y="4927193"/>
+            <a:ext cx="813800" cy="741395"/>
+          </a:xfrm>
+          <a:prstGeom prst="curvedConnector2">
+            <a:avLst/>
+          </a:prstGeom>
+          <a:ln w="19050">
+            <a:solidFill>
+              <a:schemeClr val="accent5">
+                <a:lumMod val="75000"/>
+              </a:schemeClr>
+            </a:solidFill>
+            <a:prstDash val="sysDash"/>
+            <a:tailEnd type="triangle"/>
+          </a:ln>
+        </p:spPr>
+        <p:style>
+          <a:lnRef idx="1">
+            <a:schemeClr val="accent1"/>
+          </a:lnRef>
+          <a:fillRef idx="0">
+            <a:schemeClr val="accent1"/>
+          </a:fillRef>
+          <a:effectRef idx="0">
+            <a:schemeClr val="accent1"/>
+          </a:effectRef>
+          <a:fontRef idx="minor">
+            <a:schemeClr val="tx1"/>
+          </a:fontRef>
+        </p:style>
+      </p:cxnSp>
+      <p:cxnSp>
+        <p:nvCxnSpPr>
+          <p:cNvPr id="46" name="直接箭头连接符 16"/>
+          <p:cNvCxnSpPr>
+            <a:stCxn id="19" idx="2"/>
+            <a:endCxn id="42" idx="1"/>
+          </p:cNvCxnSpPr>
+          <p:nvPr/>
+        </p:nvCxnSpPr>
+        <p:spPr>
+          <a:xfrm rot="16200000" flipH="1">
+            <a:off x="8416135" y="4602571"/>
+            <a:ext cx="813800" cy="1390637"/>
+          </a:xfrm>
+          <a:prstGeom prst="curvedConnector2">
+            <a:avLst/>
+          </a:prstGeom>
+          <a:ln w="19050">
+            <a:solidFill>
+              <a:schemeClr val="accent5">
+                <a:lumMod val="75000"/>
+              </a:schemeClr>
+            </a:solidFill>
+            <a:prstDash val="sysDash"/>
+            <a:tailEnd type="triangle"/>
+          </a:ln>
+        </p:spPr>
+        <p:style>
+          <a:lnRef idx="1">
+            <a:schemeClr val="accent1"/>
+          </a:lnRef>
+          <a:fillRef idx="0">
+            <a:schemeClr val="accent1"/>
+          </a:fillRef>
+          <a:effectRef idx="0">
+            <a:schemeClr val="accent1"/>
+          </a:effectRef>
+          <a:fontRef idx="minor">
+            <a:schemeClr val="tx1"/>
+          </a:fontRef>
+        </p:style>
+      </p:cxnSp>
+      <p:sp>
+        <p:nvSpPr>
+          <p:cNvPr id="49" name="圆角矩形 48"/>
+          <p:cNvSpPr/>
+          <p:nvPr/>
+        </p:nvSpPr>
+        <p:spPr>
+          <a:xfrm>
+            <a:off x="8167350" y="2601046"/>
+            <a:ext cx="906624" cy="391886"/>
+          </a:xfrm>
+          <a:prstGeom prst="roundRect">
+            <a:avLst/>
+          </a:prstGeom>
+          <a:solidFill>
+            <a:schemeClr val="bg1">
+              <a:lumMod val="65000"/>
+            </a:schemeClr>
+          </a:solidFill>
+          <a:ln w="22225">
+            <a:solidFill>
+              <a:schemeClr val="tx1">
+                <a:lumMod val="75000"/>
+                <a:lumOff val="25000"/>
+              </a:schemeClr>
+            </a:solidFill>
+          </a:ln>
+        </p:spPr>
+        <p:style>
+          <a:lnRef idx="2">
+            <a:schemeClr val="accent1">
+              <a:shade val="50000"/>
+            </a:schemeClr>
+          </a:lnRef>
+          <a:fillRef idx="1">
+            <a:schemeClr val="accent1"/>
+          </a:fillRef>
+          <a:effectRef idx="0">
+            <a:schemeClr val="accent1"/>
+          </a:effectRef>
+          <a:fontRef idx="minor">
+            <a:schemeClr val="lt1"/>
+          </a:fontRef>
+        </p:style>
+        <p:txBody>
+          <a:bodyPr rtlCol="0" anchor="ctr"/>
+          <a:lstStyle/>
+          <a:p>
+            <a:pPr algn="ctr"/>
+            <a:r>
+              <a:rPr lang="en-US" altLang="zh-CN" sz="1200" smtClean="0">
+                <a:solidFill>
+                  <a:schemeClr val="tx1"/>
+                </a:solidFill>
+              </a:rPr>
+              <a:t>exchange</a:t>
+            </a:r>
+            <a:endParaRPr lang="zh-CN" altLang="en-US" sz="1200">
+              <a:solidFill>
+                <a:schemeClr val="tx1"/>
+              </a:solidFill>
+            </a:endParaRPr>
+          </a:p>
+        </p:txBody>
+      </p:sp>
+      <p:cxnSp>
+        <p:nvCxnSpPr>
+          <p:cNvPr id="50" name="直接箭头连接符 49"/>
+          <p:cNvCxnSpPr>
+            <a:stCxn id="20" idx="0"/>
+            <a:endCxn id="49" idx="2"/>
+          </p:cNvCxnSpPr>
+          <p:nvPr/>
+        </p:nvCxnSpPr>
+        <p:spPr>
+          <a:xfrm flipV="1">
+            <a:off x="7098239" y="2992932"/>
+            <a:ext cx="1522423" cy="523938"/>
+          </a:xfrm>
+          <a:prstGeom prst="straightConnector1">
+            <a:avLst/>
+          </a:prstGeom>
+          <a:ln w="31750">
+            <a:solidFill>
+              <a:schemeClr val="tx1">
+                <a:lumMod val="85000"/>
+                <a:lumOff val="15000"/>
+              </a:schemeClr>
+            </a:solidFill>
+            <a:tailEnd type="triangle"/>
+          </a:ln>
+        </p:spPr>
+        <p:style>
+          <a:lnRef idx="1">
+            <a:schemeClr val="accent1"/>
+          </a:lnRef>
+          <a:fillRef idx="0">
+            <a:schemeClr val="accent1"/>
+          </a:fillRef>
+          <a:effectRef idx="0">
+            <a:schemeClr val="accent1"/>
+          </a:effectRef>
+          <a:fontRef idx="minor">
+            <a:schemeClr val="tx1"/>
+          </a:fontRef>
+        </p:style>
+      </p:cxnSp>
+      <p:cxnSp>
+        <p:nvCxnSpPr>
+          <p:cNvPr id="54" name="直接箭头连接符 53"/>
+          <p:cNvCxnSpPr>
+            <a:stCxn id="33" idx="0"/>
+            <a:endCxn id="49" idx="2"/>
+          </p:cNvCxnSpPr>
+          <p:nvPr/>
+        </p:nvCxnSpPr>
+        <p:spPr>
+          <a:xfrm flipH="1" flipV="1">
+            <a:off x="8620662" y="2992932"/>
+            <a:ext cx="1679128" cy="523938"/>
+          </a:xfrm>
+          <a:prstGeom prst="straightConnector1">
+            <a:avLst/>
+          </a:prstGeom>
+          <a:ln w="31750">
+            <a:solidFill>
+              <a:schemeClr val="tx1">
+                <a:lumMod val="85000"/>
+                <a:lumOff val="15000"/>
+              </a:schemeClr>
+            </a:solidFill>
+            <a:tailEnd type="triangle"/>
+          </a:ln>
+        </p:spPr>
+        <p:style>
+          <a:lnRef idx="1">
+            <a:schemeClr val="accent1"/>
+          </a:lnRef>
+          <a:fillRef idx="0">
+            <a:schemeClr val="accent1"/>
+          </a:fillRef>
+          <a:effectRef idx="0">
+            <a:schemeClr val="accent1"/>
+          </a:effectRef>
+          <a:fontRef idx="minor">
+            <a:schemeClr val="tx1"/>
+          </a:fontRef>
+        </p:style>
+      </p:cxnSp>
+    </p:spTree>
+    <p:extLst>
+      <p:ext uri="{BB962C8B-B14F-4D97-AF65-F5344CB8AC3E}">
+        <p14:creationId xmlns:p14="http://schemas.microsoft.com/office/powerpoint/2010/main" val="1620272594"/>
+      </p:ext>
+    </p:extLst>
+  </p:cSld>
+  <p:clrMapOvr>
+    <a:masterClrMapping/>
+  </p:clrMapOvr>
+</p:sld>
+</file>
+
+<file path=ppt/slides/slide26.xml><?xml version="1.0" encoding="utf-8"?>
+<p:sld xmlns:a="http://schemas.openxmlformats.org/drawingml/2006/main" xmlns:r="http://schemas.openxmlformats.org/officeDocument/2006/relationships" xmlns:p="http://schemas.openxmlformats.org/presentationml/2006/main">
+  <p:cSld>
+    <p:spTree>
+      <p:nvGrpSpPr>
+        <p:cNvPr id="1" name=""/>
+        <p:cNvGrpSpPr/>
+        <p:nvPr/>
+      </p:nvGrpSpPr>
+      <p:grpSpPr>
+        <a:xfrm>
+          <a:off x="0" y="0"/>
+          <a:ext cx="0" cy="0"/>
+          <a:chOff x="0" y="0"/>
+          <a:chExt cx="0" cy="0"/>
+        </a:xfrm>
+      </p:grpSpPr>
+      <p:sp>
+        <p:nvSpPr>
+          <p:cNvPr id="2" name="标题 1"/>
+          <p:cNvSpPr>
+            <a:spLocks noGrp="1"/>
+          </p:cNvSpPr>
+          <p:nvPr>
+            <p:ph type="title"/>
+          </p:nvPr>
+        </p:nvSpPr>
+        <p:spPr/>
+        <p:txBody>
+          <a:bodyPr/>
+          <a:lstStyle/>
+          <a:p>
+            <a:r>
+              <a:rPr lang="en-US" altLang="zh-CN" smtClean="0"/>
+              <a:t>Multi-join parallelization</a:t>
+            </a:r>
+            <a:endParaRPr lang="zh-CN" altLang="en-US"/>
+          </a:p>
+        </p:txBody>
+      </p:sp>
+      <p:sp>
+        <p:nvSpPr>
+          <p:cNvPr id="4" name="圆角矩形 3"/>
+          <p:cNvSpPr/>
+          <p:nvPr/>
+        </p:nvSpPr>
+        <p:spPr>
+          <a:xfrm>
+            <a:off x="2114884" y="3940877"/>
+            <a:ext cx="906624" cy="391886"/>
+          </a:xfrm>
+          <a:prstGeom prst="roundRect">
+            <a:avLst/>
+          </a:prstGeom>
+          <a:solidFill>
+            <a:schemeClr val="bg1">
+              <a:lumMod val="65000"/>
+            </a:schemeClr>
+          </a:solidFill>
+          <a:ln w="22225">
+            <a:solidFill>
+              <a:schemeClr val="tx1">
+                <a:lumMod val="75000"/>
+                <a:lumOff val="25000"/>
+              </a:schemeClr>
+            </a:solidFill>
+          </a:ln>
+        </p:spPr>
+        <p:style>
+          <a:lnRef idx="2">
+            <a:schemeClr val="accent1">
+              <a:shade val="50000"/>
+            </a:schemeClr>
+          </a:lnRef>
+          <a:fillRef idx="1">
+            <a:schemeClr val="accent1"/>
+          </a:fillRef>
+          <a:effectRef idx="0">
+            <a:schemeClr val="accent1"/>
+          </a:effectRef>
+          <a:fontRef idx="minor">
+            <a:schemeClr val="lt1"/>
+          </a:fontRef>
+        </p:style>
+        <p:txBody>
+          <a:bodyPr rtlCol="0" anchor="ctr"/>
+          <a:lstStyle/>
+          <a:p>
+            <a:pPr algn="ctr"/>
+            <a:r>
+              <a:rPr lang="en-US" altLang="zh-CN" smtClean="0">
+                <a:solidFill>
+                  <a:schemeClr val="tx1"/>
+                </a:solidFill>
+              </a:rPr>
+              <a:t>join1</a:t>
+            </a:r>
+            <a:endParaRPr lang="zh-CN" altLang="en-US">
+              <a:solidFill>
+                <a:schemeClr val="tx1"/>
+              </a:solidFill>
+            </a:endParaRPr>
+          </a:p>
+        </p:txBody>
+      </p:sp>
+      <p:sp>
+        <p:nvSpPr>
+          <p:cNvPr id="5" name="圆角矩形 4"/>
+          <p:cNvSpPr/>
+          <p:nvPr/>
+        </p:nvSpPr>
+        <p:spPr>
+          <a:xfrm>
+            <a:off x="2742364" y="4661047"/>
+            <a:ext cx="906624" cy="391886"/>
+          </a:xfrm>
+          <a:prstGeom prst="roundRect">
+            <a:avLst/>
+          </a:prstGeom>
+          <a:solidFill>
+            <a:schemeClr val="bg1">
+              <a:lumMod val="65000"/>
+            </a:schemeClr>
+          </a:solidFill>
+          <a:ln w="22225">
+            <a:solidFill>
+              <a:schemeClr val="tx1">
+                <a:lumMod val="75000"/>
+                <a:lumOff val="25000"/>
+              </a:schemeClr>
+            </a:solidFill>
+          </a:ln>
+        </p:spPr>
+        <p:style>
+          <a:lnRef idx="2">
+            <a:schemeClr val="accent1">
+              <a:shade val="50000"/>
+            </a:schemeClr>
+          </a:lnRef>
+          <a:fillRef idx="1">
+            <a:schemeClr val="accent1"/>
+          </a:fillRef>
+          <a:effectRef idx="0">
+            <a:schemeClr val="accent1"/>
+          </a:effectRef>
+          <a:fontRef idx="minor">
+            <a:schemeClr val="lt1"/>
+          </a:fontRef>
+        </p:style>
+        <p:txBody>
+          <a:bodyPr rtlCol="0" anchor="ctr"/>
+          <a:lstStyle/>
+          <a:p>
+            <a:pPr algn="ctr"/>
+            <a:r>
+              <a:rPr lang="en-US" altLang="zh-CN" sz="1200">
+                <a:solidFill>
+                  <a:schemeClr val="tx1"/>
+                </a:solidFill>
+              </a:rPr>
+              <a:t>scan</a:t>
+            </a:r>
+            <a:r>
+              <a:rPr lang="en-US" altLang="zh-CN" sz="1200" smtClean="0">
+                <a:solidFill>
+                  <a:schemeClr val="tx1"/>
+                </a:solidFill>
+              </a:rPr>
+              <a:t>2(split)</a:t>
+            </a:r>
+            <a:endParaRPr lang="zh-CN" altLang="en-US" sz="1200">
+              <a:solidFill>
+                <a:schemeClr val="tx1"/>
+              </a:solidFill>
+            </a:endParaRPr>
+          </a:p>
+        </p:txBody>
+      </p:sp>
+      <p:cxnSp>
+        <p:nvCxnSpPr>
+          <p:cNvPr id="6" name="直接箭头连接符 5"/>
+          <p:cNvCxnSpPr>
+            <a:stCxn id="32" idx="0"/>
+            <a:endCxn id="4" idx="2"/>
+          </p:cNvCxnSpPr>
+          <p:nvPr/>
+        </p:nvCxnSpPr>
+        <p:spPr>
+          <a:xfrm flipV="1">
+            <a:off x="1931772" y="4332763"/>
+            <a:ext cx="636424" cy="328284"/>
+          </a:xfrm>
+          <a:prstGeom prst="straightConnector1">
+            <a:avLst/>
+          </a:prstGeom>
+          <a:ln w="31750">
+            <a:solidFill>
+              <a:schemeClr val="tx1">
+                <a:lumMod val="85000"/>
+                <a:lumOff val="15000"/>
+              </a:schemeClr>
+            </a:solidFill>
+            <a:tailEnd type="triangle"/>
+          </a:ln>
+        </p:spPr>
+        <p:style>
+          <a:lnRef idx="1">
+            <a:schemeClr val="accent1"/>
+          </a:lnRef>
+          <a:fillRef idx="0">
+            <a:schemeClr val="accent1"/>
+          </a:fillRef>
+          <a:effectRef idx="0">
+            <a:schemeClr val="accent1"/>
+          </a:effectRef>
+          <a:fontRef idx="minor">
+            <a:schemeClr val="tx1"/>
+          </a:fontRef>
+        </p:style>
+      </p:cxnSp>
+      <p:cxnSp>
+        <p:nvCxnSpPr>
+          <p:cNvPr id="7" name="直接箭头连接符 6"/>
+          <p:cNvCxnSpPr>
+            <a:stCxn id="5" idx="0"/>
+            <a:endCxn id="4" idx="2"/>
+          </p:cNvCxnSpPr>
+          <p:nvPr/>
+        </p:nvCxnSpPr>
+        <p:spPr>
+          <a:xfrm flipH="1" flipV="1">
+            <a:off x="2568196" y="4332763"/>
+            <a:ext cx="627480" cy="328284"/>
+          </a:xfrm>
+          <a:prstGeom prst="straightConnector1">
+            <a:avLst/>
+          </a:prstGeom>
+          <a:ln w="31750">
+            <a:solidFill>
+              <a:schemeClr val="tx1">
+                <a:lumMod val="85000"/>
+                <a:lumOff val="15000"/>
+              </a:schemeClr>
+            </a:solidFill>
+            <a:tailEnd type="triangle"/>
+          </a:ln>
+        </p:spPr>
+        <p:style>
+          <a:lnRef idx="1">
+            <a:schemeClr val="accent1"/>
+          </a:lnRef>
+          <a:fillRef idx="0">
+            <a:schemeClr val="accent1"/>
+          </a:fillRef>
+          <a:effectRef idx="0">
+            <a:schemeClr val="accent1"/>
+          </a:effectRef>
+          <a:fontRef idx="minor">
+            <a:schemeClr val="tx1"/>
+          </a:fontRef>
+        </p:style>
+      </p:cxnSp>
+      <p:sp>
+        <p:nvSpPr>
+          <p:cNvPr id="8" name="圆角矩形 7"/>
+          <p:cNvSpPr/>
+          <p:nvPr/>
+        </p:nvSpPr>
+        <p:spPr>
+          <a:xfrm>
+            <a:off x="3287033" y="3208655"/>
+            <a:ext cx="906624" cy="391886"/>
+          </a:xfrm>
+          <a:prstGeom prst="roundRect">
+            <a:avLst/>
+          </a:prstGeom>
+          <a:solidFill>
+            <a:schemeClr val="bg1">
+              <a:lumMod val="65000"/>
+            </a:schemeClr>
+          </a:solidFill>
+          <a:ln w="22225">
+            <a:solidFill>
+              <a:schemeClr val="tx1">
+                <a:lumMod val="75000"/>
+                <a:lumOff val="25000"/>
+              </a:schemeClr>
+            </a:solidFill>
+          </a:ln>
+        </p:spPr>
+        <p:style>
+          <a:lnRef idx="2">
+            <a:schemeClr val="accent1">
+              <a:shade val="50000"/>
+            </a:schemeClr>
+          </a:lnRef>
+          <a:fillRef idx="1">
+            <a:schemeClr val="accent1"/>
+          </a:fillRef>
+          <a:effectRef idx="0">
+            <a:schemeClr val="accent1"/>
+          </a:effectRef>
+          <a:fontRef idx="minor">
+            <a:schemeClr val="lt1"/>
+          </a:fontRef>
+        </p:style>
+        <p:txBody>
+          <a:bodyPr rtlCol="0" anchor="ctr"/>
+          <a:lstStyle/>
+          <a:p>
+            <a:pPr algn="ctr"/>
+            <a:r>
+              <a:rPr lang="en-US" altLang="zh-CN" sz="1200" smtClean="0">
+                <a:solidFill>
+                  <a:schemeClr val="tx1"/>
+                </a:solidFill>
+              </a:rPr>
+              <a:t>broadcast</a:t>
+            </a:r>
+            <a:endParaRPr lang="zh-CN" altLang="en-US" sz="1200">
+              <a:solidFill>
+                <a:schemeClr val="tx1"/>
+              </a:solidFill>
+            </a:endParaRPr>
+          </a:p>
+        </p:txBody>
+      </p:sp>
+      <p:sp>
+        <p:nvSpPr>
+          <p:cNvPr id="9" name="圆角矩形 8"/>
+          <p:cNvSpPr/>
+          <p:nvPr/>
+        </p:nvSpPr>
+        <p:spPr>
+          <a:xfrm>
+            <a:off x="3237641" y="6163822"/>
+            <a:ext cx="906624" cy="391886"/>
+          </a:xfrm>
+          <a:prstGeom prst="roundRect">
+            <a:avLst/>
+          </a:prstGeom>
+          <a:solidFill>
+            <a:schemeClr val="bg1">
+              <a:lumMod val="65000"/>
+            </a:schemeClr>
+          </a:solidFill>
+          <a:ln w="22225">
+            <a:solidFill>
+              <a:schemeClr val="tx1">
+                <a:lumMod val="75000"/>
+                <a:lumOff val="25000"/>
+              </a:schemeClr>
+            </a:solidFill>
+          </a:ln>
+        </p:spPr>
+        <p:style>
+          <a:lnRef idx="2">
+            <a:schemeClr val="accent1">
+              <a:shade val="50000"/>
+            </a:schemeClr>
+          </a:lnRef>
+          <a:fillRef idx="1">
+            <a:schemeClr val="accent1"/>
+          </a:fillRef>
+          <a:effectRef idx="0">
+            <a:schemeClr val="accent1"/>
+          </a:effectRef>
+          <a:fontRef idx="minor">
+            <a:schemeClr val="lt1"/>
+          </a:fontRef>
+        </p:style>
+        <p:txBody>
+          <a:bodyPr rtlCol="0" anchor="ctr"/>
+          <a:lstStyle/>
+          <a:p>
+            <a:pPr algn="ctr"/>
+            <a:r>
+              <a:rPr lang="en-US" altLang="zh-CN" sz="1200" smtClean="0">
+                <a:solidFill>
+                  <a:schemeClr val="tx1"/>
+                </a:solidFill>
+              </a:rPr>
+              <a:t>scan1</a:t>
+            </a:r>
+            <a:endParaRPr lang="zh-CN" altLang="en-US" sz="1200">
+              <a:solidFill>
+                <a:schemeClr val="tx1"/>
+              </a:solidFill>
+            </a:endParaRPr>
+          </a:p>
+        </p:txBody>
+      </p:sp>
+      <p:sp>
+        <p:nvSpPr>
+          <p:cNvPr id="10" name="圆角矩形 9"/>
+          <p:cNvSpPr/>
+          <p:nvPr/>
+        </p:nvSpPr>
+        <p:spPr>
+          <a:xfrm>
+            <a:off x="4585545" y="3940877"/>
+            <a:ext cx="906624" cy="391886"/>
+          </a:xfrm>
+          <a:prstGeom prst="roundRect">
+            <a:avLst/>
+          </a:prstGeom>
+          <a:solidFill>
+            <a:schemeClr val="bg1">
+              <a:lumMod val="65000"/>
+            </a:schemeClr>
+          </a:solidFill>
+          <a:ln w="22225">
+            <a:solidFill>
+              <a:schemeClr val="tx1">
+                <a:lumMod val="75000"/>
+                <a:lumOff val="25000"/>
+              </a:schemeClr>
+            </a:solidFill>
+          </a:ln>
+        </p:spPr>
+        <p:style>
+          <a:lnRef idx="2">
+            <a:schemeClr val="accent1">
+              <a:shade val="50000"/>
+            </a:schemeClr>
+          </a:lnRef>
+          <a:fillRef idx="1">
+            <a:schemeClr val="accent1"/>
+          </a:fillRef>
+          <a:effectRef idx="0">
+            <a:schemeClr val="accent1"/>
+          </a:effectRef>
+          <a:fontRef idx="minor">
+            <a:schemeClr val="lt1"/>
+          </a:fontRef>
+        </p:style>
+        <p:txBody>
+          <a:bodyPr rtlCol="0" anchor="ctr"/>
+          <a:lstStyle/>
+          <a:p>
+            <a:pPr algn="ctr"/>
+            <a:r>
+              <a:rPr lang="en-US" altLang="zh-CN" smtClean="0">
+                <a:solidFill>
+                  <a:schemeClr val="tx1"/>
+                </a:solidFill>
+              </a:rPr>
+              <a:t>join1</a:t>
+            </a:r>
+            <a:endParaRPr lang="zh-CN" altLang="en-US">
+              <a:solidFill>
+                <a:schemeClr val="tx1"/>
+              </a:solidFill>
+            </a:endParaRPr>
+          </a:p>
+        </p:txBody>
+      </p:sp>
+      <p:sp>
+        <p:nvSpPr>
+          <p:cNvPr id="11" name="圆角矩形 10"/>
+          <p:cNvSpPr/>
+          <p:nvPr/>
+        </p:nvSpPr>
+        <p:spPr>
+          <a:xfrm>
+            <a:off x="5213025" y="4661047"/>
+            <a:ext cx="906624" cy="391886"/>
+          </a:xfrm>
+          <a:prstGeom prst="roundRect">
+            <a:avLst/>
+          </a:prstGeom>
+          <a:solidFill>
+            <a:schemeClr val="bg1">
+              <a:lumMod val="65000"/>
+            </a:schemeClr>
+          </a:solidFill>
+          <a:ln w="22225">
+            <a:solidFill>
+              <a:schemeClr val="tx1">
+                <a:lumMod val="75000"/>
+                <a:lumOff val="25000"/>
+              </a:schemeClr>
+            </a:solidFill>
+          </a:ln>
+        </p:spPr>
+        <p:style>
+          <a:lnRef idx="2">
+            <a:schemeClr val="accent1">
+              <a:shade val="50000"/>
+            </a:schemeClr>
+          </a:lnRef>
+          <a:fillRef idx="1">
+            <a:schemeClr val="accent1"/>
+          </a:fillRef>
+          <a:effectRef idx="0">
+            <a:schemeClr val="accent1"/>
+          </a:effectRef>
+          <a:fontRef idx="minor">
+            <a:schemeClr val="lt1"/>
+          </a:fontRef>
+        </p:style>
+        <p:txBody>
+          <a:bodyPr rtlCol="0" anchor="ctr"/>
+          <a:lstStyle/>
+          <a:p>
+            <a:pPr algn="ctr"/>
+            <a:r>
+              <a:rPr lang="en-US" altLang="zh-CN" sz="1200">
+                <a:solidFill>
+                  <a:schemeClr val="tx1"/>
+                </a:solidFill>
+              </a:rPr>
+              <a:t>scan</a:t>
+            </a:r>
+            <a:r>
+              <a:rPr lang="en-US" altLang="zh-CN" sz="1200" smtClean="0">
+                <a:solidFill>
+                  <a:schemeClr val="tx1"/>
+                </a:solidFill>
+              </a:rPr>
+              <a:t>2(split)</a:t>
+            </a:r>
+            <a:endParaRPr lang="zh-CN" altLang="en-US" sz="1200">
+              <a:solidFill>
+                <a:schemeClr val="tx1"/>
+              </a:solidFill>
+            </a:endParaRPr>
+          </a:p>
+        </p:txBody>
+      </p:sp>
+      <p:cxnSp>
+        <p:nvCxnSpPr>
+          <p:cNvPr id="12" name="直接箭头连接符 11"/>
+          <p:cNvCxnSpPr>
+            <a:stCxn id="14" idx="0"/>
+            <a:endCxn id="10" idx="2"/>
+          </p:cNvCxnSpPr>
+          <p:nvPr/>
+        </p:nvCxnSpPr>
+        <p:spPr>
+          <a:xfrm flipV="1">
+            <a:off x="4393489" y="4332763"/>
+            <a:ext cx="645368" cy="328284"/>
+          </a:xfrm>
+          <a:prstGeom prst="straightConnector1">
+            <a:avLst/>
+          </a:prstGeom>
+          <a:ln w="31750">
+            <a:solidFill>
+              <a:schemeClr val="tx1">
+                <a:lumMod val="85000"/>
+                <a:lumOff val="15000"/>
+              </a:schemeClr>
+            </a:solidFill>
+            <a:tailEnd type="triangle"/>
+          </a:ln>
+        </p:spPr>
+        <p:style>
+          <a:lnRef idx="1">
+            <a:schemeClr val="accent1"/>
+          </a:lnRef>
+          <a:fillRef idx="0">
+            <a:schemeClr val="accent1"/>
+          </a:fillRef>
+          <a:effectRef idx="0">
+            <a:schemeClr val="accent1"/>
+          </a:effectRef>
+          <a:fontRef idx="minor">
+            <a:schemeClr val="tx1"/>
+          </a:fontRef>
+        </p:style>
+      </p:cxnSp>
+      <p:cxnSp>
+        <p:nvCxnSpPr>
+          <p:cNvPr id="13" name="直接箭头连接符 12"/>
+          <p:cNvCxnSpPr>
+            <a:stCxn id="11" idx="0"/>
+            <a:endCxn id="10" idx="2"/>
+          </p:cNvCxnSpPr>
+          <p:nvPr/>
+        </p:nvCxnSpPr>
+        <p:spPr>
+          <a:xfrm flipH="1" flipV="1">
+            <a:off x="5038857" y="4332763"/>
+            <a:ext cx="627480" cy="328284"/>
+          </a:xfrm>
+          <a:prstGeom prst="straightConnector1">
+            <a:avLst/>
+          </a:prstGeom>
+          <a:ln w="31750">
+            <a:solidFill>
+              <a:schemeClr val="tx1">
+                <a:lumMod val="85000"/>
+                <a:lumOff val="15000"/>
+              </a:schemeClr>
+            </a:solidFill>
+            <a:tailEnd type="triangle"/>
+          </a:ln>
+        </p:spPr>
+        <p:style>
+          <a:lnRef idx="1">
+            <a:schemeClr val="accent1"/>
+          </a:lnRef>
+          <a:fillRef idx="0">
+            <a:schemeClr val="accent1"/>
+          </a:fillRef>
+          <a:effectRef idx="0">
+            <a:schemeClr val="accent1"/>
+          </a:effectRef>
+          <a:fontRef idx="minor">
+            <a:schemeClr val="tx1"/>
+          </a:fontRef>
+        </p:style>
+      </p:cxnSp>
+      <p:sp>
+        <p:nvSpPr>
+          <p:cNvPr id="14" name="圆角矩形 13"/>
+          <p:cNvSpPr/>
+          <p:nvPr/>
+        </p:nvSpPr>
+        <p:spPr>
+          <a:xfrm>
+            <a:off x="3940177" y="4661047"/>
+            <a:ext cx="906624" cy="391886"/>
+          </a:xfrm>
+          <a:prstGeom prst="roundRect">
+            <a:avLst/>
+          </a:prstGeom>
+          <a:solidFill>
+            <a:schemeClr val="bg1">
+              <a:lumMod val="65000"/>
+            </a:schemeClr>
+          </a:solidFill>
+          <a:ln w="22225">
+            <a:solidFill>
+              <a:schemeClr val="tx1">
+                <a:lumMod val="75000"/>
+                <a:lumOff val="25000"/>
+              </a:schemeClr>
+            </a:solidFill>
+          </a:ln>
+        </p:spPr>
+        <p:style>
+          <a:lnRef idx="2">
+            <a:schemeClr val="accent1">
+              <a:shade val="50000"/>
+            </a:schemeClr>
+          </a:lnRef>
+          <a:fillRef idx="1">
+            <a:schemeClr val="accent1"/>
+          </a:fillRef>
+          <a:effectRef idx="0">
+            <a:schemeClr val="accent1"/>
+          </a:effectRef>
+          <a:fontRef idx="minor">
+            <a:schemeClr val="lt1"/>
+          </a:fontRef>
+        </p:style>
+        <p:txBody>
+          <a:bodyPr rtlCol="0" anchor="ctr"/>
+          <a:lstStyle/>
+          <a:p>
+            <a:pPr algn="ctr"/>
+            <a:r>
+              <a:rPr lang="en-US" altLang="zh-CN" sz="1200">
+                <a:solidFill>
+                  <a:schemeClr val="tx1"/>
+                </a:solidFill>
+              </a:rPr>
+              <a:t>relay</a:t>
+            </a:r>
+            <a:endParaRPr lang="zh-CN" altLang="en-US" sz="1200">
+              <a:solidFill>
+                <a:schemeClr val="tx1"/>
+              </a:solidFill>
+            </a:endParaRPr>
+          </a:p>
+        </p:txBody>
+      </p:sp>
+      <p:cxnSp>
+        <p:nvCxnSpPr>
+          <p:cNvPr id="15" name="直接箭头连接符 14"/>
+          <p:cNvCxnSpPr>
+            <a:stCxn id="4" idx="0"/>
+            <a:endCxn id="8" idx="2"/>
+          </p:cNvCxnSpPr>
+          <p:nvPr/>
+        </p:nvCxnSpPr>
+        <p:spPr>
+          <a:xfrm flipV="1">
+            <a:off x="2568196" y="3600541"/>
+            <a:ext cx="1172149" cy="340336"/>
+          </a:xfrm>
+          <a:prstGeom prst="straightConnector1">
+            <a:avLst/>
+          </a:prstGeom>
+          <a:ln w="31750">
+            <a:solidFill>
+              <a:schemeClr val="tx1">
+                <a:lumMod val="85000"/>
+                <a:lumOff val="15000"/>
+              </a:schemeClr>
+            </a:solidFill>
+            <a:tailEnd type="triangle"/>
+          </a:ln>
+        </p:spPr>
+        <p:style>
+          <a:lnRef idx="1">
+            <a:schemeClr val="accent1"/>
+          </a:lnRef>
+          <a:fillRef idx="0">
+            <a:schemeClr val="accent1"/>
+          </a:fillRef>
+          <a:effectRef idx="0">
+            <a:schemeClr val="accent1"/>
+          </a:effectRef>
+          <a:fontRef idx="minor">
+            <a:schemeClr val="tx1"/>
+          </a:fontRef>
+        </p:style>
+      </p:cxnSp>
+      <p:cxnSp>
+        <p:nvCxnSpPr>
+          <p:cNvPr id="16" name="直接箭头连接符 15"/>
+          <p:cNvCxnSpPr>
+            <a:stCxn id="10" idx="0"/>
+            <a:endCxn id="8" idx="2"/>
+          </p:cNvCxnSpPr>
+          <p:nvPr/>
+        </p:nvCxnSpPr>
+        <p:spPr>
+          <a:xfrm flipH="1" flipV="1">
+            <a:off x="3740345" y="3600541"/>
+            <a:ext cx="1298512" cy="340336"/>
+          </a:xfrm>
+          <a:prstGeom prst="straightConnector1">
+            <a:avLst/>
+          </a:prstGeom>
+          <a:ln w="31750">
+            <a:solidFill>
+              <a:schemeClr val="tx1">
+                <a:lumMod val="85000"/>
+                <a:lumOff val="15000"/>
+              </a:schemeClr>
+            </a:solidFill>
+            <a:tailEnd type="triangle"/>
+          </a:ln>
+        </p:spPr>
+        <p:style>
+          <a:lnRef idx="1">
+            <a:schemeClr val="accent1"/>
+          </a:lnRef>
+          <a:fillRef idx="0">
+            <a:schemeClr val="accent1"/>
+          </a:fillRef>
+          <a:effectRef idx="0">
+            <a:schemeClr val="accent1"/>
+          </a:effectRef>
+          <a:fontRef idx="minor">
+            <a:schemeClr val="tx1"/>
+          </a:fontRef>
+        </p:style>
+      </p:cxnSp>
+      <p:sp>
+        <p:nvSpPr>
+          <p:cNvPr id="17" name="圆角矩形 16"/>
+          <p:cNvSpPr/>
+          <p:nvPr/>
+        </p:nvSpPr>
+        <p:spPr>
+          <a:xfrm>
+            <a:off x="2226493" y="1851841"/>
+            <a:ext cx="906624" cy="391886"/>
+          </a:xfrm>
+          <a:prstGeom prst="roundRect">
+            <a:avLst/>
+          </a:prstGeom>
+          <a:solidFill>
+            <a:schemeClr val="bg1">
+              <a:lumMod val="65000"/>
+            </a:schemeClr>
+          </a:solidFill>
+          <a:ln w="22225">
+            <a:solidFill>
+              <a:schemeClr val="tx1">
+                <a:lumMod val="75000"/>
+                <a:lumOff val="25000"/>
+              </a:schemeClr>
+            </a:solidFill>
+          </a:ln>
+        </p:spPr>
+        <p:style>
+          <a:lnRef idx="2">
+            <a:schemeClr val="accent1">
+              <a:shade val="50000"/>
+            </a:schemeClr>
+          </a:lnRef>
+          <a:fillRef idx="1">
+            <a:schemeClr val="accent1"/>
+          </a:fillRef>
+          <a:effectRef idx="0">
+            <a:schemeClr val="accent1"/>
+          </a:effectRef>
+          <a:fontRef idx="minor">
+            <a:schemeClr val="lt1"/>
+          </a:fontRef>
+        </p:style>
+        <p:txBody>
+          <a:bodyPr rtlCol="0" anchor="ctr"/>
+          <a:lstStyle/>
+          <a:p>
+            <a:pPr algn="ctr"/>
+            <a:r>
+              <a:rPr lang="en-US" altLang="zh-CN" smtClean="0">
+                <a:solidFill>
+                  <a:schemeClr val="tx1"/>
+                </a:solidFill>
+              </a:rPr>
+              <a:t>join2</a:t>
+            </a:r>
+            <a:endParaRPr lang="zh-CN" altLang="en-US">
+              <a:solidFill>
+                <a:schemeClr val="tx1"/>
+              </a:solidFill>
+            </a:endParaRPr>
+          </a:p>
+        </p:txBody>
+      </p:sp>
+      <p:sp>
+        <p:nvSpPr>
+          <p:cNvPr id="18" name="圆角矩形 17"/>
+          <p:cNvSpPr/>
+          <p:nvPr/>
+        </p:nvSpPr>
+        <p:spPr>
+          <a:xfrm>
+            <a:off x="1682983" y="2539081"/>
+            <a:ext cx="906624" cy="391886"/>
+          </a:xfrm>
+          <a:prstGeom prst="roundRect">
+            <a:avLst/>
+          </a:prstGeom>
+          <a:solidFill>
+            <a:schemeClr val="bg1">
+              <a:lumMod val="65000"/>
+            </a:schemeClr>
+          </a:solidFill>
+          <a:ln w="22225">
+            <a:solidFill>
+              <a:schemeClr val="tx1">
+                <a:lumMod val="75000"/>
+                <a:lumOff val="25000"/>
+              </a:schemeClr>
+            </a:solidFill>
+          </a:ln>
+        </p:spPr>
+        <p:style>
+          <a:lnRef idx="2">
+            <a:schemeClr val="accent1">
+              <a:shade val="50000"/>
+            </a:schemeClr>
+          </a:lnRef>
+          <a:fillRef idx="1">
+            <a:schemeClr val="accent1"/>
+          </a:fillRef>
+          <a:effectRef idx="0">
+            <a:schemeClr val="accent1"/>
+          </a:effectRef>
+          <a:fontRef idx="minor">
+            <a:schemeClr val="lt1"/>
+          </a:fontRef>
+        </p:style>
+        <p:txBody>
+          <a:bodyPr rtlCol="0" anchor="ctr"/>
+          <a:lstStyle/>
+          <a:p>
+            <a:pPr algn="ctr"/>
+            <a:r>
+              <a:rPr lang="en-US" altLang="zh-CN" sz="1200" smtClean="0">
+                <a:solidFill>
+                  <a:schemeClr val="tx1"/>
+                </a:solidFill>
+              </a:rPr>
+              <a:t>relay</a:t>
+            </a:r>
+            <a:endParaRPr lang="zh-CN" altLang="en-US" sz="1200">
+              <a:solidFill>
+                <a:schemeClr val="tx1"/>
+              </a:solidFill>
+            </a:endParaRPr>
+          </a:p>
+        </p:txBody>
+      </p:sp>
+      <p:cxnSp>
+        <p:nvCxnSpPr>
+          <p:cNvPr id="19" name="直接箭头连接符 18"/>
+          <p:cNvCxnSpPr>
+            <a:stCxn id="8" idx="0"/>
+            <a:endCxn id="18" idx="2"/>
+          </p:cNvCxnSpPr>
+          <p:nvPr/>
+        </p:nvCxnSpPr>
+        <p:spPr>
+          <a:xfrm flipH="1" flipV="1">
+            <a:off x="2136295" y="2930967"/>
+            <a:ext cx="1604050" cy="277688"/>
+          </a:xfrm>
+          <a:prstGeom prst="straightConnector1">
+            <a:avLst/>
+          </a:prstGeom>
+          <a:ln w="31750">
+            <a:solidFill>
+              <a:schemeClr val="tx1">
+                <a:lumMod val="85000"/>
+                <a:lumOff val="15000"/>
+              </a:schemeClr>
+            </a:solidFill>
+            <a:tailEnd type="triangle"/>
+          </a:ln>
+        </p:spPr>
+        <p:style>
+          <a:lnRef idx="1">
+            <a:schemeClr val="accent1"/>
+          </a:lnRef>
+          <a:fillRef idx="0">
+            <a:schemeClr val="accent1"/>
+          </a:fillRef>
+          <a:effectRef idx="0">
+            <a:schemeClr val="accent1"/>
+          </a:effectRef>
+          <a:fontRef idx="minor">
+            <a:schemeClr val="tx1"/>
+          </a:fontRef>
+        </p:style>
+      </p:cxnSp>
+      <p:sp>
+        <p:nvSpPr>
+          <p:cNvPr id="20" name="圆角矩形 19"/>
+          <p:cNvSpPr/>
+          <p:nvPr/>
+        </p:nvSpPr>
+        <p:spPr>
+          <a:xfrm>
+            <a:off x="2753651" y="2539081"/>
+            <a:ext cx="906624" cy="391886"/>
+          </a:xfrm>
+          <a:prstGeom prst="roundRect">
+            <a:avLst/>
+          </a:prstGeom>
+          <a:solidFill>
+            <a:schemeClr val="bg1">
+              <a:lumMod val="65000"/>
+            </a:schemeClr>
+          </a:solidFill>
+          <a:ln w="22225">
+            <a:solidFill>
+              <a:schemeClr val="tx1">
+                <a:lumMod val="75000"/>
+                <a:lumOff val="25000"/>
+              </a:schemeClr>
+            </a:solidFill>
+          </a:ln>
+        </p:spPr>
+        <p:style>
+          <a:lnRef idx="2">
+            <a:schemeClr val="accent1">
+              <a:shade val="50000"/>
+            </a:schemeClr>
+          </a:lnRef>
+          <a:fillRef idx="1">
+            <a:schemeClr val="accent1"/>
+          </a:fillRef>
+          <a:effectRef idx="0">
+            <a:schemeClr val="accent1"/>
+          </a:effectRef>
+          <a:fontRef idx="minor">
+            <a:schemeClr val="lt1"/>
+          </a:fontRef>
+        </p:style>
+        <p:txBody>
+          <a:bodyPr rtlCol="0" anchor="ctr"/>
+          <a:lstStyle/>
+          <a:p>
+            <a:pPr algn="ctr"/>
+            <a:r>
+              <a:rPr lang="en-US" altLang="zh-CN" sz="1200" smtClean="0">
+                <a:solidFill>
+                  <a:schemeClr val="tx1"/>
+                </a:solidFill>
+              </a:rPr>
+              <a:t>scan3(split)</a:t>
+            </a:r>
+            <a:endParaRPr lang="zh-CN" altLang="en-US" sz="1200">
+              <a:solidFill>
+                <a:schemeClr val="tx1"/>
+              </a:solidFill>
+            </a:endParaRPr>
+          </a:p>
+        </p:txBody>
+      </p:sp>
+      <p:sp>
+        <p:nvSpPr>
+          <p:cNvPr id="21" name="圆角矩形 20"/>
+          <p:cNvSpPr/>
+          <p:nvPr/>
+        </p:nvSpPr>
+        <p:spPr>
+          <a:xfrm>
+            <a:off x="3290118" y="1094874"/>
+            <a:ext cx="906624" cy="391886"/>
+          </a:xfrm>
+          <a:prstGeom prst="roundRect">
+            <a:avLst/>
+          </a:prstGeom>
+          <a:solidFill>
+            <a:schemeClr val="bg1">
+              <a:lumMod val="65000"/>
+            </a:schemeClr>
+          </a:solidFill>
+          <a:ln w="22225">
+            <a:solidFill>
+              <a:schemeClr val="tx1">
+                <a:lumMod val="75000"/>
+                <a:lumOff val="25000"/>
+              </a:schemeClr>
+            </a:solidFill>
+          </a:ln>
+        </p:spPr>
+        <p:style>
+          <a:lnRef idx="2">
+            <a:schemeClr val="accent1">
+              <a:shade val="50000"/>
+            </a:schemeClr>
+          </a:lnRef>
+          <a:fillRef idx="1">
+            <a:schemeClr val="accent1"/>
+          </a:fillRef>
+          <a:effectRef idx="0">
+            <a:schemeClr val="accent1"/>
+          </a:effectRef>
+          <a:fontRef idx="minor">
+            <a:schemeClr val="lt1"/>
+          </a:fontRef>
+        </p:style>
+        <p:txBody>
+          <a:bodyPr rtlCol="0" anchor="ctr"/>
+          <a:lstStyle/>
+          <a:p>
+            <a:pPr algn="ctr"/>
+            <a:r>
+              <a:rPr lang="en-US" altLang="zh-CN" sz="1200" smtClean="0">
+                <a:solidFill>
+                  <a:schemeClr val="tx1"/>
+                </a:solidFill>
+              </a:rPr>
+              <a:t>exchange</a:t>
+            </a:r>
+            <a:endParaRPr lang="zh-CN" altLang="en-US" sz="1200">
+              <a:solidFill>
+                <a:schemeClr val="tx1"/>
+              </a:solidFill>
+            </a:endParaRPr>
+          </a:p>
+        </p:txBody>
+      </p:sp>
+      <p:cxnSp>
+        <p:nvCxnSpPr>
+          <p:cNvPr id="22" name="直接箭头连接符 21"/>
+          <p:cNvCxnSpPr>
+            <a:stCxn id="18" idx="0"/>
+            <a:endCxn id="17" idx="2"/>
+          </p:cNvCxnSpPr>
+          <p:nvPr/>
+        </p:nvCxnSpPr>
+        <p:spPr>
+          <a:xfrm flipV="1">
+            <a:off x="2136295" y="2243727"/>
+            <a:ext cx="543510" cy="295354"/>
+          </a:xfrm>
+          <a:prstGeom prst="straightConnector1">
+            <a:avLst/>
+          </a:prstGeom>
+          <a:ln w="31750">
+            <a:solidFill>
+              <a:schemeClr val="tx1">
+                <a:lumMod val="85000"/>
+                <a:lumOff val="15000"/>
+              </a:schemeClr>
+            </a:solidFill>
+            <a:tailEnd type="triangle"/>
+          </a:ln>
+        </p:spPr>
+        <p:style>
+          <a:lnRef idx="1">
+            <a:schemeClr val="accent1"/>
+          </a:lnRef>
+          <a:fillRef idx="0">
+            <a:schemeClr val="accent1"/>
+          </a:fillRef>
+          <a:effectRef idx="0">
+            <a:schemeClr val="accent1"/>
+          </a:effectRef>
+          <a:fontRef idx="minor">
+            <a:schemeClr val="tx1"/>
+          </a:fontRef>
+        </p:style>
+      </p:cxnSp>
+      <p:cxnSp>
+        <p:nvCxnSpPr>
+          <p:cNvPr id="23" name="直接箭头连接符 22"/>
+          <p:cNvCxnSpPr>
+            <a:stCxn id="20" idx="0"/>
+            <a:endCxn id="17" idx="2"/>
+          </p:cNvCxnSpPr>
+          <p:nvPr/>
+        </p:nvCxnSpPr>
+        <p:spPr>
+          <a:xfrm flipH="1" flipV="1">
+            <a:off x="2679805" y="2243727"/>
+            <a:ext cx="527158" cy="295354"/>
+          </a:xfrm>
+          <a:prstGeom prst="straightConnector1">
+            <a:avLst/>
+          </a:prstGeom>
+          <a:ln w="31750">
+            <a:solidFill>
+              <a:schemeClr val="tx1">
+                <a:lumMod val="85000"/>
+                <a:lumOff val="15000"/>
+              </a:schemeClr>
+            </a:solidFill>
+            <a:tailEnd type="triangle"/>
+          </a:ln>
+        </p:spPr>
+        <p:style>
+          <a:lnRef idx="1">
+            <a:schemeClr val="accent1"/>
+          </a:lnRef>
+          <a:fillRef idx="0">
+            <a:schemeClr val="accent1"/>
+          </a:fillRef>
+          <a:effectRef idx="0">
+            <a:schemeClr val="accent1"/>
+          </a:effectRef>
+          <a:fontRef idx="minor">
+            <a:schemeClr val="tx1"/>
+          </a:fontRef>
+        </p:style>
+      </p:cxnSp>
+      <p:sp>
+        <p:nvSpPr>
+          <p:cNvPr id="24" name="圆角矩形 23"/>
+          <p:cNvSpPr/>
+          <p:nvPr/>
+        </p:nvSpPr>
+        <p:spPr>
+          <a:xfrm>
+            <a:off x="4330507" y="1851841"/>
+            <a:ext cx="906624" cy="391886"/>
+          </a:xfrm>
+          <a:prstGeom prst="roundRect">
+            <a:avLst/>
+          </a:prstGeom>
+          <a:solidFill>
+            <a:schemeClr val="bg1">
+              <a:lumMod val="65000"/>
+            </a:schemeClr>
+          </a:solidFill>
+          <a:ln w="22225">
+            <a:solidFill>
+              <a:schemeClr val="tx1">
+                <a:lumMod val="75000"/>
+                <a:lumOff val="25000"/>
+              </a:schemeClr>
+            </a:solidFill>
+          </a:ln>
+        </p:spPr>
+        <p:style>
+          <a:lnRef idx="2">
+            <a:schemeClr val="accent1">
+              <a:shade val="50000"/>
+            </a:schemeClr>
+          </a:lnRef>
+          <a:fillRef idx="1">
+            <a:schemeClr val="accent1"/>
+          </a:fillRef>
+          <a:effectRef idx="0">
+            <a:schemeClr val="accent1"/>
+          </a:effectRef>
+          <a:fontRef idx="minor">
+            <a:schemeClr val="lt1"/>
+          </a:fontRef>
+        </p:style>
+        <p:txBody>
+          <a:bodyPr rtlCol="0" anchor="ctr"/>
+          <a:lstStyle/>
+          <a:p>
+            <a:pPr algn="ctr"/>
+            <a:r>
+              <a:rPr lang="en-US" altLang="zh-CN" smtClean="0">
+                <a:solidFill>
+                  <a:schemeClr val="tx1"/>
+                </a:solidFill>
+              </a:rPr>
+              <a:t>join2</a:t>
+            </a:r>
+            <a:endParaRPr lang="zh-CN" altLang="en-US">
+              <a:solidFill>
+                <a:schemeClr val="tx1"/>
+              </a:solidFill>
+            </a:endParaRPr>
+          </a:p>
+        </p:txBody>
+      </p:sp>
+      <p:sp>
+        <p:nvSpPr>
+          <p:cNvPr id="25" name="圆角矩形 24"/>
+          <p:cNvSpPr/>
+          <p:nvPr/>
+        </p:nvSpPr>
+        <p:spPr>
+          <a:xfrm>
+            <a:off x="4868579" y="2539081"/>
+            <a:ext cx="906624" cy="391886"/>
+          </a:xfrm>
+          <a:prstGeom prst="roundRect">
+            <a:avLst/>
+          </a:prstGeom>
+          <a:solidFill>
+            <a:schemeClr val="bg1">
+              <a:lumMod val="65000"/>
+            </a:schemeClr>
+          </a:solidFill>
+          <a:ln w="22225">
+            <a:solidFill>
+              <a:schemeClr val="tx1">
+                <a:lumMod val="75000"/>
+                <a:lumOff val="25000"/>
+              </a:schemeClr>
+            </a:solidFill>
+          </a:ln>
+        </p:spPr>
+        <p:style>
+          <a:lnRef idx="2">
+            <a:schemeClr val="accent1">
+              <a:shade val="50000"/>
+            </a:schemeClr>
+          </a:lnRef>
+          <a:fillRef idx="1">
+            <a:schemeClr val="accent1"/>
+          </a:fillRef>
+          <a:effectRef idx="0">
+            <a:schemeClr val="accent1"/>
+          </a:effectRef>
+          <a:fontRef idx="minor">
+            <a:schemeClr val="lt1"/>
+          </a:fontRef>
+        </p:style>
+        <p:txBody>
+          <a:bodyPr rtlCol="0" anchor="ctr"/>
+          <a:lstStyle/>
+          <a:p>
+            <a:pPr algn="ctr"/>
+            <a:r>
+              <a:rPr lang="en-US" altLang="zh-CN" sz="1200" smtClean="0">
+                <a:solidFill>
+                  <a:schemeClr val="tx1"/>
+                </a:solidFill>
+              </a:rPr>
+              <a:t>scan3(split)</a:t>
+            </a:r>
+            <a:endParaRPr lang="zh-CN" altLang="en-US" sz="1200">
+              <a:solidFill>
+                <a:schemeClr val="tx1"/>
+              </a:solidFill>
+            </a:endParaRPr>
+          </a:p>
+        </p:txBody>
+      </p:sp>
+      <p:sp>
+        <p:nvSpPr>
+          <p:cNvPr id="26" name="圆角矩形 25"/>
+          <p:cNvSpPr/>
+          <p:nvPr/>
+        </p:nvSpPr>
+        <p:spPr>
+          <a:xfrm>
+            <a:off x="3838342" y="2539081"/>
+            <a:ext cx="906624" cy="391886"/>
+          </a:xfrm>
+          <a:prstGeom prst="roundRect">
+            <a:avLst/>
+          </a:prstGeom>
+          <a:solidFill>
+            <a:schemeClr val="bg1">
+              <a:lumMod val="65000"/>
+            </a:schemeClr>
+          </a:solidFill>
+          <a:ln w="22225">
+            <a:solidFill>
+              <a:schemeClr val="tx1">
+                <a:lumMod val="75000"/>
+                <a:lumOff val="25000"/>
+              </a:schemeClr>
+            </a:solidFill>
+          </a:ln>
+        </p:spPr>
+        <p:style>
+          <a:lnRef idx="2">
+            <a:schemeClr val="accent1">
+              <a:shade val="50000"/>
+            </a:schemeClr>
+          </a:lnRef>
+          <a:fillRef idx="1">
+            <a:schemeClr val="accent1"/>
+          </a:fillRef>
+          <a:effectRef idx="0">
+            <a:schemeClr val="accent1"/>
+          </a:effectRef>
+          <a:fontRef idx="minor">
+            <a:schemeClr val="lt1"/>
+          </a:fontRef>
+        </p:style>
+        <p:txBody>
+          <a:bodyPr rtlCol="0" anchor="ctr"/>
+          <a:lstStyle/>
+          <a:p>
+            <a:pPr algn="ctr"/>
+            <a:r>
+              <a:rPr lang="en-US" altLang="zh-CN" sz="1200" smtClean="0">
+                <a:solidFill>
+                  <a:schemeClr val="tx1"/>
+                </a:solidFill>
+              </a:rPr>
+              <a:t>relay</a:t>
+            </a:r>
+            <a:endParaRPr lang="zh-CN" altLang="en-US" sz="1200">
+              <a:solidFill>
+                <a:schemeClr val="tx1"/>
+              </a:solidFill>
+            </a:endParaRPr>
+          </a:p>
+        </p:txBody>
+      </p:sp>
+      <p:cxnSp>
+        <p:nvCxnSpPr>
+          <p:cNvPr id="27" name="直接箭头连接符 26"/>
+          <p:cNvCxnSpPr>
+            <a:stCxn id="8" idx="0"/>
+            <a:endCxn id="26" idx="2"/>
+          </p:cNvCxnSpPr>
+          <p:nvPr/>
+        </p:nvCxnSpPr>
+        <p:spPr>
+          <a:xfrm flipV="1">
+            <a:off x="3740345" y="2930967"/>
+            <a:ext cx="551309" cy="277688"/>
+          </a:xfrm>
+          <a:prstGeom prst="straightConnector1">
+            <a:avLst/>
+          </a:prstGeom>
+          <a:ln w="31750">
+            <a:solidFill>
+              <a:schemeClr val="tx1">
+                <a:lumMod val="85000"/>
+                <a:lumOff val="15000"/>
+              </a:schemeClr>
+            </a:solidFill>
+            <a:tailEnd type="triangle"/>
+          </a:ln>
+        </p:spPr>
+        <p:style>
+          <a:lnRef idx="1">
+            <a:schemeClr val="accent1"/>
+          </a:lnRef>
+          <a:fillRef idx="0">
+            <a:schemeClr val="accent1"/>
+          </a:fillRef>
+          <a:effectRef idx="0">
+            <a:schemeClr val="accent1"/>
+          </a:effectRef>
+          <a:fontRef idx="minor">
+            <a:schemeClr val="tx1"/>
+          </a:fontRef>
+        </p:style>
+      </p:cxnSp>
+      <p:cxnSp>
+        <p:nvCxnSpPr>
+          <p:cNvPr id="28" name="直接箭头连接符 27"/>
+          <p:cNvCxnSpPr>
+            <a:stCxn id="25" idx="0"/>
+            <a:endCxn id="24" idx="2"/>
+          </p:cNvCxnSpPr>
+          <p:nvPr/>
+        </p:nvCxnSpPr>
+        <p:spPr>
+          <a:xfrm flipH="1" flipV="1">
+            <a:off x="4783819" y="2243727"/>
+            <a:ext cx="538072" cy="295354"/>
+          </a:xfrm>
+          <a:prstGeom prst="straightConnector1">
+            <a:avLst/>
+          </a:prstGeom>
+          <a:ln w="31750">
+            <a:solidFill>
+              <a:schemeClr val="tx1">
+                <a:lumMod val="85000"/>
+                <a:lumOff val="15000"/>
+              </a:schemeClr>
+            </a:solidFill>
+            <a:tailEnd type="triangle"/>
+          </a:ln>
+        </p:spPr>
+        <p:style>
+          <a:lnRef idx="1">
+            <a:schemeClr val="accent1"/>
+          </a:lnRef>
+          <a:fillRef idx="0">
+            <a:schemeClr val="accent1"/>
+          </a:fillRef>
+          <a:effectRef idx="0">
+            <a:schemeClr val="accent1"/>
+          </a:effectRef>
+          <a:fontRef idx="minor">
+            <a:schemeClr val="tx1"/>
+          </a:fontRef>
+        </p:style>
+      </p:cxnSp>
+      <p:cxnSp>
+        <p:nvCxnSpPr>
+          <p:cNvPr id="29" name="直接箭头连接符 28"/>
+          <p:cNvCxnSpPr>
+            <a:stCxn id="26" idx="0"/>
+            <a:endCxn id="24" idx="2"/>
+          </p:cNvCxnSpPr>
+          <p:nvPr/>
+        </p:nvCxnSpPr>
+        <p:spPr>
+          <a:xfrm flipV="1">
+            <a:off x="4291654" y="2243727"/>
+            <a:ext cx="492165" cy="295354"/>
+          </a:xfrm>
+          <a:prstGeom prst="straightConnector1">
+            <a:avLst/>
+          </a:prstGeom>
+          <a:ln w="31750">
+            <a:solidFill>
+              <a:schemeClr val="tx1">
+                <a:lumMod val="85000"/>
+                <a:lumOff val="15000"/>
+              </a:schemeClr>
+            </a:solidFill>
+            <a:tailEnd type="triangle"/>
+          </a:ln>
+        </p:spPr>
+        <p:style>
+          <a:lnRef idx="1">
+            <a:schemeClr val="accent1"/>
+          </a:lnRef>
+          <a:fillRef idx="0">
+            <a:schemeClr val="accent1"/>
+          </a:fillRef>
+          <a:effectRef idx="0">
+            <a:schemeClr val="accent1"/>
+          </a:effectRef>
+          <a:fontRef idx="minor">
+            <a:schemeClr val="tx1"/>
+          </a:fontRef>
+        </p:style>
+      </p:cxnSp>
+      <p:cxnSp>
+        <p:nvCxnSpPr>
+          <p:cNvPr id="30" name="直接箭头连接符 29"/>
+          <p:cNvCxnSpPr>
+            <a:stCxn id="24" idx="0"/>
+            <a:endCxn id="21" idx="2"/>
+          </p:cNvCxnSpPr>
+          <p:nvPr/>
+        </p:nvCxnSpPr>
+        <p:spPr>
+          <a:xfrm flipH="1" flipV="1">
+            <a:off x="3743430" y="1486760"/>
+            <a:ext cx="1040389" cy="365081"/>
+          </a:xfrm>
+          <a:prstGeom prst="straightConnector1">
+            <a:avLst/>
+          </a:prstGeom>
+          <a:ln w="31750">
+            <a:solidFill>
+              <a:schemeClr val="tx1">
+                <a:lumMod val="85000"/>
+                <a:lumOff val="15000"/>
+              </a:schemeClr>
+            </a:solidFill>
+            <a:tailEnd type="triangle"/>
+          </a:ln>
+        </p:spPr>
+        <p:style>
+          <a:lnRef idx="1">
+            <a:schemeClr val="accent1"/>
+          </a:lnRef>
+          <a:fillRef idx="0">
+            <a:schemeClr val="accent1"/>
+          </a:fillRef>
+          <a:effectRef idx="0">
+            <a:schemeClr val="accent1"/>
+          </a:effectRef>
+          <a:fontRef idx="minor">
+            <a:schemeClr val="tx1"/>
+          </a:fontRef>
+        </p:style>
+      </p:cxnSp>
       <p:cxnSp>
         <p:nvCxnSpPr>
           <p:cNvPr id="31" name="直接箭头连接符 30"/>
@@ -21972,8 +27976,264 @@
         </p:nvCxnSpPr>
         <p:spPr>
           <a:xfrm flipV="1">
-            <a:off x="3594204" y="2381654"/>
-            <a:ext cx="1183819" cy="374837"/>
+            <a:off x="2679805" y="1486760"/>
+            <a:ext cx="1063625" cy="365081"/>
+          </a:xfrm>
+          <a:prstGeom prst="straightConnector1">
+            <a:avLst/>
+          </a:prstGeom>
+          <a:ln w="31750">
+            <a:solidFill>
+              <a:schemeClr val="tx1">
+                <a:lumMod val="85000"/>
+                <a:lumOff val="15000"/>
+              </a:schemeClr>
+            </a:solidFill>
+            <a:tailEnd type="triangle"/>
+          </a:ln>
+        </p:spPr>
+        <p:style>
+          <a:lnRef idx="1">
+            <a:schemeClr val="accent1"/>
+          </a:lnRef>
+          <a:fillRef idx="0">
+            <a:schemeClr val="accent1"/>
+          </a:fillRef>
+          <a:effectRef idx="0">
+            <a:schemeClr val="accent1"/>
+          </a:effectRef>
+          <a:fontRef idx="minor">
+            <a:schemeClr val="tx1"/>
+          </a:fontRef>
+        </p:style>
+      </p:cxnSp>
+      <p:sp>
+        <p:nvSpPr>
+          <p:cNvPr id="32" name="圆角矩形 31"/>
+          <p:cNvSpPr/>
+          <p:nvPr/>
+        </p:nvSpPr>
+        <p:spPr>
+          <a:xfrm>
+            <a:off x="1478460" y="4661047"/>
+            <a:ext cx="906624" cy="391886"/>
+          </a:xfrm>
+          <a:prstGeom prst="roundRect">
+            <a:avLst/>
+          </a:prstGeom>
+          <a:solidFill>
+            <a:schemeClr val="bg1">
+              <a:lumMod val="65000"/>
+            </a:schemeClr>
+          </a:solidFill>
+          <a:ln w="22225">
+            <a:solidFill>
+              <a:schemeClr val="tx1">
+                <a:lumMod val="75000"/>
+                <a:lumOff val="25000"/>
+              </a:schemeClr>
+            </a:solidFill>
+          </a:ln>
+        </p:spPr>
+        <p:style>
+          <a:lnRef idx="2">
+            <a:schemeClr val="accent1">
+              <a:shade val="50000"/>
+            </a:schemeClr>
+          </a:lnRef>
+          <a:fillRef idx="1">
+            <a:schemeClr val="accent1"/>
+          </a:fillRef>
+          <a:effectRef idx="0">
+            <a:schemeClr val="accent1"/>
+          </a:effectRef>
+          <a:fontRef idx="minor">
+            <a:schemeClr val="lt1"/>
+          </a:fontRef>
+        </p:style>
+        <p:txBody>
+          <a:bodyPr rtlCol="0" anchor="ctr"/>
+          <a:lstStyle/>
+          <a:p>
+            <a:pPr algn="ctr"/>
+            <a:r>
+              <a:rPr lang="en-US" altLang="zh-CN" sz="1200" smtClean="0">
+                <a:solidFill>
+                  <a:schemeClr val="tx1"/>
+                </a:solidFill>
+              </a:rPr>
+              <a:t>relay</a:t>
+            </a:r>
+            <a:endParaRPr lang="zh-CN" altLang="en-US" sz="1200">
+              <a:solidFill>
+                <a:schemeClr val="tx1"/>
+              </a:solidFill>
+            </a:endParaRPr>
+          </a:p>
+        </p:txBody>
+      </p:sp>
+      <p:sp>
+        <p:nvSpPr>
+          <p:cNvPr id="34" name="圆角矩形 33"/>
+          <p:cNvSpPr/>
+          <p:nvPr/>
+        </p:nvSpPr>
+        <p:spPr>
+          <a:xfrm>
+            <a:off x="3237641" y="5507798"/>
+            <a:ext cx="906624" cy="391886"/>
+          </a:xfrm>
+          <a:prstGeom prst="roundRect">
+            <a:avLst/>
+          </a:prstGeom>
+          <a:solidFill>
+            <a:schemeClr val="bg1">
+              <a:lumMod val="65000"/>
+            </a:schemeClr>
+          </a:solidFill>
+          <a:ln w="22225">
+            <a:solidFill>
+              <a:schemeClr val="tx1">
+                <a:lumMod val="75000"/>
+                <a:lumOff val="25000"/>
+              </a:schemeClr>
+            </a:solidFill>
+          </a:ln>
+        </p:spPr>
+        <p:style>
+          <a:lnRef idx="2">
+            <a:schemeClr val="accent1">
+              <a:shade val="50000"/>
+            </a:schemeClr>
+          </a:lnRef>
+          <a:fillRef idx="1">
+            <a:schemeClr val="accent1"/>
+          </a:fillRef>
+          <a:effectRef idx="0">
+            <a:schemeClr val="accent1"/>
+          </a:effectRef>
+          <a:fontRef idx="minor">
+            <a:schemeClr val="lt1"/>
+          </a:fontRef>
+        </p:style>
+        <p:txBody>
+          <a:bodyPr rtlCol="0" anchor="ctr"/>
+          <a:lstStyle/>
+          <a:p>
+            <a:pPr algn="ctr"/>
+            <a:r>
+              <a:rPr lang="en-US" altLang="zh-CN" sz="1200" smtClean="0">
+                <a:solidFill>
+                  <a:schemeClr val="tx1"/>
+                </a:solidFill>
+              </a:rPr>
+              <a:t>broadcast</a:t>
+            </a:r>
+            <a:endParaRPr lang="zh-CN" altLang="en-US" sz="1200">
+              <a:solidFill>
+                <a:schemeClr val="tx1"/>
+              </a:solidFill>
+            </a:endParaRPr>
+          </a:p>
+        </p:txBody>
+      </p:sp>
+      <p:cxnSp>
+        <p:nvCxnSpPr>
+          <p:cNvPr id="35" name="直接箭头连接符 34"/>
+          <p:cNvCxnSpPr>
+            <a:stCxn id="9" idx="0"/>
+            <a:endCxn id="34" idx="2"/>
+          </p:cNvCxnSpPr>
+          <p:nvPr/>
+        </p:nvCxnSpPr>
+        <p:spPr>
+          <a:xfrm flipV="1">
+            <a:off x="3690953" y="5899684"/>
+            <a:ext cx="0" cy="264138"/>
+          </a:xfrm>
+          <a:prstGeom prst="straightConnector1">
+            <a:avLst/>
+          </a:prstGeom>
+          <a:ln w="31750">
+            <a:solidFill>
+              <a:schemeClr val="tx1">
+                <a:lumMod val="85000"/>
+                <a:lumOff val="15000"/>
+              </a:schemeClr>
+            </a:solidFill>
+            <a:tailEnd type="triangle"/>
+          </a:ln>
+        </p:spPr>
+        <p:style>
+          <a:lnRef idx="1">
+            <a:schemeClr val="accent1"/>
+          </a:lnRef>
+          <a:fillRef idx="0">
+            <a:schemeClr val="accent1"/>
+          </a:fillRef>
+          <a:effectRef idx="0">
+            <a:schemeClr val="accent1"/>
+          </a:effectRef>
+          <a:fontRef idx="minor">
+            <a:schemeClr val="tx1"/>
+          </a:fontRef>
+        </p:style>
+      </p:cxnSp>
+      <p:cxnSp>
+        <p:nvCxnSpPr>
+          <p:cNvPr id="42" name="直接箭头连接符 41"/>
+          <p:cNvCxnSpPr>
+            <a:stCxn id="34" idx="0"/>
+            <a:endCxn id="32" idx="2"/>
+          </p:cNvCxnSpPr>
+          <p:nvPr/>
+        </p:nvCxnSpPr>
+        <p:spPr>
+          <a:xfrm flipH="1" flipV="1">
+            <a:off x="1931772" y="5052933"/>
+            <a:ext cx="1759181" cy="454865"/>
+          </a:xfrm>
+          <a:prstGeom prst="straightConnector1">
+            <a:avLst/>
+          </a:prstGeom>
+          <a:ln w="31750">
+            <a:solidFill>
+              <a:schemeClr val="tx1">
+                <a:lumMod val="85000"/>
+                <a:lumOff val="15000"/>
+              </a:schemeClr>
+            </a:solidFill>
+            <a:tailEnd type="triangle"/>
+          </a:ln>
+        </p:spPr>
+        <p:style>
+          <a:lnRef idx="1">
+            <a:schemeClr val="accent1"/>
+          </a:lnRef>
+          <a:fillRef idx="0">
+            <a:schemeClr val="accent1"/>
+          </a:fillRef>
+          <a:effectRef idx="0">
+            <a:schemeClr val="accent1"/>
+          </a:effectRef>
+          <a:fontRef idx="minor">
+            <a:schemeClr val="tx1"/>
+          </a:fontRef>
+        </p:style>
+      </p:cxnSp>
+      <p:cxnSp>
+        <p:nvCxnSpPr>
+          <p:cNvPr id="45" name="直接箭头连接符 44"/>
+          <p:cNvCxnSpPr>
+            <a:stCxn id="34" idx="0"/>
+            <a:endCxn id="14" idx="2"/>
+          </p:cNvCxnSpPr>
+          <p:nvPr/>
+        </p:nvCxnSpPr>
+        <p:spPr>
+          <a:xfrm flipV="1">
+            <a:off x="3690953" y="5052933"/>
+            <a:ext cx="702536" cy="454865"/>
           </a:xfrm>
           <a:prstGeom prst="straightConnector1">
             <a:avLst/>
@@ -22016,7 +28276,7 @@
 </p:sld>
 </file>
 
-<file path=ppt/slides/slide25.xml><?xml version="1.0" encoding="utf-8"?>
+<file path=ppt/slides/slide27.xml><?xml version="1.0" encoding="utf-8"?>
 <p:sld xmlns:a="http://schemas.openxmlformats.org/drawingml/2006/main" xmlns:r="http://schemas.openxmlformats.org/officeDocument/2006/relationships" xmlns:p="http://schemas.openxmlformats.org/presentationml/2006/main">
   <p:cSld>
     <p:spTree>

--- a/doc/thor architecture.pptx
+++ b/doc/thor architecture.pptx
@@ -3020,10 +3020,10 @@
           <a:lstStyle/>
           <a:p>
             <a:r>
-              <a:rPr lang="en-US" altLang="zh-CN" smtClean="0"/>
+              <a:rPr lang="en-US" altLang="zh-CN" dirty="0" smtClean="0"/>
               <a:t>Thor Architecture</a:t>
             </a:r>
-            <a:endParaRPr lang="zh-CN" altLang="en-US"/>
+            <a:endParaRPr lang="zh-CN" altLang="en-US" dirty="0"/>
           </a:p>
         </p:txBody>
       </p:sp>
@@ -3043,10 +3043,10 @@
           <a:lstStyle/>
           <a:p>
             <a:r>
-              <a:rPr lang="en-US" altLang="zh-CN" smtClean="0"/>
-              <a:t>scott_zgeng@gmail.com</a:t>
-            </a:r>
-            <a:endParaRPr lang="zh-CN" altLang="en-US"/>
+              <a:rPr lang="en-US" altLang="zh-CN" dirty="0" smtClean="0"/>
+              <a:t>scott.zgeng@gmail.com</a:t>
+            </a:r>
+            <a:endParaRPr lang="zh-CN" altLang="en-US" dirty="0"/>
           </a:p>
         </p:txBody>
       </p:sp>
@@ -18409,7 +18409,7 @@
           <a:p>
             <a:pPr algn="ctr"/>
             <a:r>
-              <a:rPr lang="en-US" altLang="zh-CN" sz="1400" smtClean="0">
+              <a:rPr lang="en-US" altLang="zh-CN" sz="1400">
                 <a:solidFill>
                   <a:schemeClr val="tx1"/>
                 </a:solidFill>
@@ -21878,11 +21878,7 @@
           <a:p>
             <a:r>
               <a:rPr lang="en-US" altLang="zh-CN" smtClean="0"/>
-              <a:t>Join </a:t>
-            </a:r>
-            <a:r>
-              <a:rPr lang="en-US" altLang="zh-CN" smtClean="0"/>
-              <a:t>parallelization (simple join)</a:t>
+              <a:t>Join parallelization (simple join)</a:t>
             </a:r>
             <a:endParaRPr lang="zh-CN" altLang="en-US"/>
           </a:p>
@@ -26031,15 +26027,7 @@
                   <a:schemeClr val="tx1"/>
                 </a:solidFill>
               </a:rPr>
-              <a:t>Concurrent Hash </a:t>
-            </a:r>
-            <a:r>
-              <a:rPr lang="en-US" altLang="zh-CN" sz="1200" smtClean="0">
-                <a:solidFill>
-                  <a:schemeClr val="tx1"/>
-                </a:solidFill>
-              </a:rPr>
-              <a:t>Table1</a:t>
+              <a:t>Concurrent Hash Table1</a:t>
             </a:r>
             <a:endParaRPr lang="zh-CN" altLang="en-US" sz="1200">
               <a:solidFill>
@@ -26189,15 +26177,7 @@
                   <a:schemeClr val="tx1"/>
                 </a:solidFill>
               </a:rPr>
-              <a:t>Concurrent Hash </a:t>
-            </a:r>
-            <a:r>
-              <a:rPr lang="en-US" altLang="zh-CN" sz="1200" smtClean="0">
-                <a:solidFill>
-                  <a:schemeClr val="tx1"/>
-                </a:solidFill>
-              </a:rPr>
-              <a:t>Table2</a:t>
+              <a:t>Concurrent Hash Table2</a:t>
             </a:r>
             <a:endParaRPr lang="zh-CN" altLang="en-US" sz="1200">
               <a:solidFill>

--- a/doc/thor architecture.pptx
+++ b/doc/thor architecture.pptx
@@ -269,7 +269,7 @@
           <a:p>
             <a:fld id="{26E5557C-EA97-4CBB-BFBF-8E388EEF4F51}" type="datetimeFigureOut">
               <a:rPr lang="zh-CN" altLang="en-US" smtClean="0"/>
-              <a:t>2014/10/24</a:t>
+              <a:t>2014/10/27</a:t>
             </a:fld>
             <a:endParaRPr lang="zh-CN" altLang="en-US"/>
           </a:p>
@@ -439,7 +439,7 @@
           <a:p>
             <a:fld id="{26E5557C-EA97-4CBB-BFBF-8E388EEF4F51}" type="datetimeFigureOut">
               <a:rPr lang="zh-CN" altLang="en-US" smtClean="0"/>
-              <a:t>2014/10/24</a:t>
+              <a:t>2014/10/27</a:t>
             </a:fld>
             <a:endParaRPr lang="zh-CN" altLang="en-US"/>
           </a:p>
@@ -619,7 +619,7 @@
           <a:p>
             <a:fld id="{26E5557C-EA97-4CBB-BFBF-8E388EEF4F51}" type="datetimeFigureOut">
               <a:rPr lang="zh-CN" altLang="en-US" smtClean="0"/>
-              <a:t>2014/10/24</a:t>
+              <a:t>2014/10/27</a:t>
             </a:fld>
             <a:endParaRPr lang="zh-CN" altLang="en-US"/>
           </a:p>
@@ -789,7 +789,7 @@
           <a:p>
             <a:fld id="{26E5557C-EA97-4CBB-BFBF-8E388EEF4F51}" type="datetimeFigureOut">
               <a:rPr lang="zh-CN" altLang="en-US" smtClean="0"/>
-              <a:t>2014/10/24</a:t>
+              <a:t>2014/10/27</a:t>
             </a:fld>
             <a:endParaRPr lang="zh-CN" altLang="en-US"/>
           </a:p>
@@ -1035,7 +1035,7 @@
           <a:p>
             <a:fld id="{26E5557C-EA97-4CBB-BFBF-8E388EEF4F51}" type="datetimeFigureOut">
               <a:rPr lang="zh-CN" altLang="en-US" smtClean="0"/>
-              <a:t>2014/10/24</a:t>
+              <a:t>2014/10/27</a:t>
             </a:fld>
             <a:endParaRPr lang="zh-CN" altLang="en-US"/>
           </a:p>
@@ -1267,7 +1267,7 @@
           <a:p>
             <a:fld id="{26E5557C-EA97-4CBB-BFBF-8E388EEF4F51}" type="datetimeFigureOut">
               <a:rPr lang="zh-CN" altLang="en-US" smtClean="0"/>
-              <a:t>2014/10/24</a:t>
+              <a:t>2014/10/27</a:t>
             </a:fld>
             <a:endParaRPr lang="zh-CN" altLang="en-US"/>
           </a:p>
@@ -1634,7 +1634,7 @@
           <a:p>
             <a:fld id="{26E5557C-EA97-4CBB-BFBF-8E388EEF4F51}" type="datetimeFigureOut">
               <a:rPr lang="zh-CN" altLang="en-US" smtClean="0"/>
-              <a:t>2014/10/24</a:t>
+              <a:t>2014/10/27</a:t>
             </a:fld>
             <a:endParaRPr lang="zh-CN" altLang="en-US"/>
           </a:p>
@@ -1757,7 +1757,7 @@
           <a:p>
             <a:fld id="{26E5557C-EA97-4CBB-BFBF-8E388EEF4F51}" type="datetimeFigureOut">
               <a:rPr lang="zh-CN" altLang="en-US" smtClean="0"/>
-              <a:t>2014/10/24</a:t>
+              <a:t>2014/10/27</a:t>
             </a:fld>
             <a:endParaRPr lang="zh-CN" altLang="en-US"/>
           </a:p>
@@ -1852,7 +1852,7 @@
           <a:p>
             <a:fld id="{26E5557C-EA97-4CBB-BFBF-8E388EEF4F51}" type="datetimeFigureOut">
               <a:rPr lang="zh-CN" altLang="en-US" smtClean="0"/>
-              <a:t>2014/10/24</a:t>
+              <a:t>2014/10/27</a:t>
             </a:fld>
             <a:endParaRPr lang="zh-CN" altLang="en-US"/>
           </a:p>
@@ -2129,7 +2129,7 @@
           <a:p>
             <a:fld id="{26E5557C-EA97-4CBB-BFBF-8E388EEF4F51}" type="datetimeFigureOut">
               <a:rPr lang="zh-CN" altLang="en-US" smtClean="0"/>
-              <a:t>2014/10/24</a:t>
+              <a:t>2014/10/27</a:t>
             </a:fld>
             <a:endParaRPr lang="zh-CN" altLang="en-US"/>
           </a:p>
@@ -2386,7 +2386,7 @@
           <a:p>
             <a:fld id="{26E5557C-EA97-4CBB-BFBF-8E388EEF4F51}" type="datetimeFigureOut">
               <a:rPr lang="zh-CN" altLang="en-US" smtClean="0"/>
-              <a:t>2014/10/24</a:t>
+              <a:t>2014/10/27</a:t>
             </a:fld>
             <a:endParaRPr lang="zh-CN" altLang="en-US"/>
           </a:p>
@@ -2599,7 +2599,7 @@
           <a:p>
             <a:fld id="{26E5557C-EA97-4CBB-BFBF-8E388EEF4F51}" type="datetimeFigureOut">
               <a:rPr lang="zh-CN" altLang="en-US" smtClean="0"/>
-              <a:t>2014/10/24</a:t>
+              <a:t>2014/10/27</a:t>
             </a:fld>
             <a:endParaRPr lang="zh-CN" altLang="en-US"/>
           </a:p>

--- a/doc/thor architecture.pptx
+++ b/doc/thor architecture.pptx
@@ -270,7 +270,7 @@
           <a:p>
             <a:fld id="{26E5557C-EA97-4CBB-BFBF-8E388EEF4F51}" type="datetimeFigureOut">
               <a:rPr lang="zh-CN" altLang="en-US" smtClean="0"/>
-              <a:t>2014/10/28</a:t>
+              <a:t>2014/10/30</a:t>
             </a:fld>
             <a:endParaRPr lang="zh-CN" altLang="en-US"/>
           </a:p>
@@ -440,7 +440,7 @@
           <a:p>
             <a:fld id="{26E5557C-EA97-4CBB-BFBF-8E388EEF4F51}" type="datetimeFigureOut">
               <a:rPr lang="zh-CN" altLang="en-US" smtClean="0"/>
-              <a:t>2014/10/28</a:t>
+              <a:t>2014/10/30</a:t>
             </a:fld>
             <a:endParaRPr lang="zh-CN" altLang="en-US"/>
           </a:p>
@@ -620,7 +620,7 @@
           <a:p>
             <a:fld id="{26E5557C-EA97-4CBB-BFBF-8E388EEF4F51}" type="datetimeFigureOut">
               <a:rPr lang="zh-CN" altLang="en-US" smtClean="0"/>
-              <a:t>2014/10/28</a:t>
+              <a:t>2014/10/30</a:t>
             </a:fld>
             <a:endParaRPr lang="zh-CN" altLang="en-US"/>
           </a:p>
@@ -790,7 +790,7 @@
           <a:p>
             <a:fld id="{26E5557C-EA97-4CBB-BFBF-8E388EEF4F51}" type="datetimeFigureOut">
               <a:rPr lang="zh-CN" altLang="en-US" smtClean="0"/>
-              <a:t>2014/10/28</a:t>
+              <a:t>2014/10/30</a:t>
             </a:fld>
             <a:endParaRPr lang="zh-CN" altLang="en-US"/>
           </a:p>
@@ -1036,7 +1036,7 @@
           <a:p>
             <a:fld id="{26E5557C-EA97-4CBB-BFBF-8E388EEF4F51}" type="datetimeFigureOut">
               <a:rPr lang="zh-CN" altLang="en-US" smtClean="0"/>
-              <a:t>2014/10/28</a:t>
+              <a:t>2014/10/30</a:t>
             </a:fld>
             <a:endParaRPr lang="zh-CN" altLang="en-US"/>
           </a:p>
@@ -1268,7 +1268,7 @@
           <a:p>
             <a:fld id="{26E5557C-EA97-4CBB-BFBF-8E388EEF4F51}" type="datetimeFigureOut">
               <a:rPr lang="zh-CN" altLang="en-US" smtClean="0"/>
-              <a:t>2014/10/28</a:t>
+              <a:t>2014/10/30</a:t>
             </a:fld>
             <a:endParaRPr lang="zh-CN" altLang="en-US"/>
           </a:p>
@@ -1635,7 +1635,7 @@
           <a:p>
             <a:fld id="{26E5557C-EA97-4CBB-BFBF-8E388EEF4F51}" type="datetimeFigureOut">
               <a:rPr lang="zh-CN" altLang="en-US" smtClean="0"/>
-              <a:t>2014/10/28</a:t>
+              <a:t>2014/10/30</a:t>
             </a:fld>
             <a:endParaRPr lang="zh-CN" altLang="en-US"/>
           </a:p>
@@ -1758,7 +1758,7 @@
           <a:p>
             <a:fld id="{26E5557C-EA97-4CBB-BFBF-8E388EEF4F51}" type="datetimeFigureOut">
               <a:rPr lang="zh-CN" altLang="en-US" smtClean="0"/>
-              <a:t>2014/10/28</a:t>
+              <a:t>2014/10/30</a:t>
             </a:fld>
             <a:endParaRPr lang="zh-CN" altLang="en-US"/>
           </a:p>
@@ -1853,7 +1853,7 @@
           <a:p>
             <a:fld id="{26E5557C-EA97-4CBB-BFBF-8E388EEF4F51}" type="datetimeFigureOut">
               <a:rPr lang="zh-CN" altLang="en-US" smtClean="0"/>
-              <a:t>2014/10/28</a:t>
+              <a:t>2014/10/30</a:t>
             </a:fld>
             <a:endParaRPr lang="zh-CN" altLang="en-US"/>
           </a:p>
@@ -2130,7 +2130,7 @@
           <a:p>
             <a:fld id="{26E5557C-EA97-4CBB-BFBF-8E388EEF4F51}" type="datetimeFigureOut">
               <a:rPr lang="zh-CN" altLang="en-US" smtClean="0"/>
-              <a:t>2014/10/28</a:t>
+              <a:t>2014/10/30</a:t>
             </a:fld>
             <a:endParaRPr lang="zh-CN" altLang="en-US"/>
           </a:p>
@@ -2387,7 +2387,7 @@
           <a:p>
             <a:fld id="{26E5557C-EA97-4CBB-BFBF-8E388EEF4F51}" type="datetimeFigureOut">
               <a:rPr lang="zh-CN" altLang="en-US" smtClean="0"/>
-              <a:t>2014/10/28</a:t>
+              <a:t>2014/10/30</a:t>
             </a:fld>
             <a:endParaRPr lang="zh-CN" altLang="en-US"/>
           </a:p>
@@ -2600,7 +2600,7 @@
           <a:p>
             <a:fld id="{26E5557C-EA97-4CBB-BFBF-8E388EEF4F51}" type="datetimeFigureOut">
               <a:rPr lang="zh-CN" altLang="en-US" smtClean="0"/>
-              <a:t>2014/10/28</a:t>
+              <a:t>2014/10/30</a:t>
             </a:fld>
             <a:endParaRPr lang="zh-CN" altLang="en-US"/>
           </a:p>
@@ -18478,15 +18478,7 @@
                   <a:schemeClr val="tx1"/>
                 </a:solidFill>
               </a:rPr>
-              <a:t>Local Hash </a:t>
-            </a:r>
-            <a:r>
-              <a:rPr lang="en-US" altLang="zh-CN" sz="1200" dirty="0" smtClean="0">
-                <a:solidFill>
-                  <a:schemeClr val="tx1"/>
-                </a:solidFill>
-              </a:rPr>
-              <a:t>Table</a:t>
+              <a:t>Local Hash Table</a:t>
             </a:r>
             <a:endParaRPr lang="zh-CN" altLang="en-US" sz="1200" dirty="0">
               <a:solidFill>
@@ -29388,6 +29380,72 @@
       </p:grpSpPr>
       <p:sp>
         <p:nvSpPr>
+          <p:cNvPr id="12" name="圆角矩形 11"/>
+          <p:cNvSpPr/>
+          <p:nvPr/>
+        </p:nvSpPr>
+        <p:spPr>
+          <a:xfrm>
+            <a:off x="2240874" y="3107914"/>
+            <a:ext cx="1314086" cy="1445510"/>
+          </a:xfrm>
+          <a:prstGeom prst="roundRect">
+            <a:avLst>
+              <a:gd name="adj" fmla="val 4944"/>
+            </a:avLst>
+          </a:prstGeom>
+          <a:solidFill>
+            <a:schemeClr val="bg1">
+              <a:lumMod val="85000"/>
+            </a:schemeClr>
+          </a:solidFill>
+          <a:ln w="22225">
+            <a:solidFill>
+              <a:schemeClr val="bg1">
+                <a:lumMod val="65000"/>
+              </a:schemeClr>
+            </a:solidFill>
+          </a:ln>
+        </p:spPr>
+        <p:style>
+          <a:lnRef idx="2">
+            <a:schemeClr val="accent1">
+              <a:shade val="50000"/>
+            </a:schemeClr>
+          </a:lnRef>
+          <a:fillRef idx="1">
+            <a:schemeClr val="accent1"/>
+          </a:fillRef>
+          <a:effectRef idx="0">
+            <a:schemeClr val="accent1"/>
+          </a:effectRef>
+          <a:fontRef idx="minor">
+            <a:schemeClr val="lt1"/>
+          </a:fontRef>
+        </p:style>
+        <p:txBody>
+          <a:bodyPr rtlCol="0" anchor="t"/>
+          <a:lstStyle/>
+          <a:p>
+            <a:pPr algn="ctr"/>
+            <a:r>
+              <a:rPr lang="en-US" altLang="zh-CN" sz="1200" smtClean="0">
+                <a:solidFill>
+                  <a:schemeClr val="tx1"/>
+                </a:solidFill>
+              </a:rPr>
+              <a:t>Node1</a:t>
+            </a:r>
+            <a:endParaRPr lang="zh-CN" altLang="en-US" sz="1200">
+              <a:solidFill>
+                <a:schemeClr val="tx1"/>
+              </a:solidFill>
+            </a:endParaRPr>
+          </a:p>
+        </p:txBody>
+      </p:sp>
+      <p:sp>
+        <p:nvSpPr>
           <p:cNvPr id="2" name="标题 1"/>
           <p:cNvSpPr>
             <a:spLocks noGrp="1"/>
@@ -29402,6 +29460,1120 @@
           <a:lstStyle/>
           <a:p>
             <a:endParaRPr lang="zh-CN" altLang="en-US"/>
+          </a:p>
+        </p:txBody>
+      </p:sp>
+      <p:sp>
+        <p:nvSpPr>
+          <p:cNvPr id="4" name="圆角矩形 3"/>
+          <p:cNvSpPr/>
+          <p:nvPr/>
+        </p:nvSpPr>
+        <p:spPr>
+          <a:xfrm>
+            <a:off x="2240874" y="4781980"/>
+            <a:ext cx="6856474" cy="1096307"/>
+          </a:xfrm>
+          <a:prstGeom prst="roundRect">
+            <a:avLst>
+              <a:gd name="adj" fmla="val 5603"/>
+            </a:avLst>
+          </a:prstGeom>
+          <a:solidFill>
+            <a:schemeClr val="bg1">
+              <a:lumMod val="85000"/>
+            </a:schemeClr>
+          </a:solidFill>
+          <a:ln w="22225">
+            <a:solidFill>
+              <a:schemeClr val="bg1">
+                <a:lumMod val="65000"/>
+              </a:schemeClr>
+            </a:solidFill>
+          </a:ln>
+        </p:spPr>
+        <p:style>
+          <a:lnRef idx="2">
+            <a:schemeClr val="accent1">
+              <a:shade val="50000"/>
+            </a:schemeClr>
+          </a:lnRef>
+          <a:fillRef idx="1">
+            <a:schemeClr val="accent1"/>
+          </a:fillRef>
+          <a:effectRef idx="0">
+            <a:schemeClr val="accent1"/>
+          </a:effectRef>
+          <a:fontRef idx="minor">
+            <a:schemeClr val="lt1"/>
+          </a:fontRef>
+        </p:style>
+        <p:txBody>
+          <a:bodyPr rtlCol="0" anchor="t"/>
+          <a:lstStyle/>
+          <a:p>
+            <a:r>
+              <a:rPr lang="en-US" altLang="zh-CN" sz="1400" b="1">
+                <a:solidFill>
+                  <a:schemeClr val="tx1"/>
+                </a:solidFill>
+              </a:rPr>
+              <a:t>DFS</a:t>
+            </a:r>
+            <a:endParaRPr lang="zh-CN" altLang="en-US" sz="1400" b="1">
+              <a:solidFill>
+                <a:schemeClr val="tx1"/>
+              </a:solidFill>
+            </a:endParaRPr>
+          </a:p>
+        </p:txBody>
+      </p:sp>
+      <p:sp>
+        <p:nvSpPr>
+          <p:cNvPr id="6" name="圆角矩形 5"/>
+          <p:cNvSpPr/>
+          <p:nvPr/>
+        </p:nvSpPr>
+        <p:spPr>
+          <a:xfrm>
+            <a:off x="2360642" y="3388674"/>
+            <a:ext cx="1072064" cy="248776"/>
+          </a:xfrm>
+          <a:prstGeom prst="roundRect">
+            <a:avLst/>
+          </a:prstGeom>
+          <a:ln/>
+        </p:spPr>
+        <p:style>
+          <a:lnRef idx="1">
+            <a:schemeClr val="accent2"/>
+          </a:lnRef>
+          <a:fillRef idx="3">
+            <a:schemeClr val="accent2"/>
+          </a:fillRef>
+          <a:effectRef idx="2">
+            <a:schemeClr val="accent2"/>
+          </a:effectRef>
+          <a:fontRef idx="minor">
+            <a:schemeClr val="lt1"/>
+          </a:fontRef>
+        </p:style>
+        <p:txBody>
+          <a:bodyPr rtlCol="0" anchor="ctr"/>
+          <a:lstStyle/>
+          <a:p>
+            <a:pPr algn="ctr"/>
+            <a:r>
+              <a:rPr lang="en-US" altLang="zh-CN" sz="1200" smtClean="0">
+                <a:solidFill>
+                  <a:schemeClr val="tx1"/>
+                </a:solidFill>
+              </a:rPr>
+              <a:t>Global table</a:t>
+            </a:r>
+            <a:endParaRPr lang="zh-CN" altLang="en-US" sz="1200">
+              <a:solidFill>
+                <a:schemeClr val="tx1"/>
+              </a:solidFill>
+            </a:endParaRPr>
+          </a:p>
+        </p:txBody>
+      </p:sp>
+      <p:sp>
+        <p:nvSpPr>
+          <p:cNvPr id="16" name="圆角矩形 15"/>
+          <p:cNvSpPr/>
+          <p:nvPr/>
+        </p:nvSpPr>
+        <p:spPr>
+          <a:xfrm>
+            <a:off x="2360641" y="3715245"/>
+            <a:ext cx="1072064" cy="248776"/>
+          </a:xfrm>
+          <a:prstGeom prst="roundRect">
+            <a:avLst/>
+          </a:prstGeom>
+          <a:ln/>
+        </p:spPr>
+        <p:style>
+          <a:lnRef idx="1">
+            <a:schemeClr val="accent3"/>
+          </a:lnRef>
+          <a:fillRef idx="3">
+            <a:schemeClr val="accent3"/>
+          </a:fillRef>
+          <a:effectRef idx="2">
+            <a:schemeClr val="accent3"/>
+          </a:effectRef>
+          <a:fontRef idx="minor">
+            <a:schemeClr val="lt1"/>
+          </a:fontRef>
+        </p:style>
+        <p:txBody>
+          <a:bodyPr rtlCol="0" anchor="ctr"/>
+          <a:lstStyle/>
+          <a:p>
+            <a:pPr algn="ctr"/>
+            <a:r>
+              <a:rPr lang="en-US" altLang="zh-CN" sz="1200" smtClean="0">
+                <a:solidFill>
+                  <a:schemeClr val="tx1"/>
+                </a:solidFill>
+              </a:rPr>
+              <a:t>Table1 part1</a:t>
+            </a:r>
+            <a:endParaRPr lang="zh-CN" altLang="en-US" sz="1200">
+              <a:solidFill>
+                <a:schemeClr val="tx1"/>
+              </a:solidFill>
+            </a:endParaRPr>
+          </a:p>
+        </p:txBody>
+      </p:sp>
+      <p:sp>
+        <p:nvSpPr>
+          <p:cNvPr id="21" name="圆角矩形 20"/>
+          <p:cNvSpPr/>
+          <p:nvPr/>
+        </p:nvSpPr>
+        <p:spPr>
+          <a:xfrm>
+            <a:off x="2360641" y="4077563"/>
+            <a:ext cx="1072064" cy="248776"/>
+          </a:xfrm>
+          <a:prstGeom prst="roundRect">
+            <a:avLst/>
+          </a:prstGeom>
+          <a:ln/>
+        </p:spPr>
+        <p:style>
+          <a:lnRef idx="1">
+            <a:schemeClr val="accent5"/>
+          </a:lnRef>
+          <a:fillRef idx="3">
+            <a:schemeClr val="accent5"/>
+          </a:fillRef>
+          <a:effectRef idx="2">
+            <a:schemeClr val="accent5"/>
+          </a:effectRef>
+          <a:fontRef idx="minor">
+            <a:schemeClr val="lt1"/>
+          </a:fontRef>
+        </p:style>
+        <p:txBody>
+          <a:bodyPr rtlCol="0" anchor="ctr"/>
+          <a:lstStyle/>
+          <a:p>
+            <a:pPr algn="ctr"/>
+            <a:r>
+              <a:rPr lang="en-US" altLang="zh-CN" sz="1200" smtClean="0">
+                <a:solidFill>
+                  <a:schemeClr val="tx1"/>
+                </a:solidFill>
+              </a:rPr>
+              <a:t>Table2 part1</a:t>
+            </a:r>
+            <a:endParaRPr lang="zh-CN" altLang="en-US" sz="1200">
+              <a:solidFill>
+                <a:schemeClr val="tx1"/>
+              </a:solidFill>
+            </a:endParaRPr>
+          </a:p>
+        </p:txBody>
+      </p:sp>
+      <p:sp>
+        <p:nvSpPr>
+          <p:cNvPr id="24" name="折角形 23"/>
+          <p:cNvSpPr/>
+          <p:nvPr/>
+        </p:nvSpPr>
+        <p:spPr>
+          <a:xfrm>
+            <a:off x="2425124" y="5208816"/>
+            <a:ext cx="770674" cy="517848"/>
+          </a:xfrm>
+          <a:prstGeom prst="foldedCorner">
+            <a:avLst/>
+          </a:prstGeom>
+          <a:ln/>
+        </p:spPr>
+        <p:style>
+          <a:lnRef idx="1">
+            <a:schemeClr val="accent2"/>
+          </a:lnRef>
+          <a:fillRef idx="3">
+            <a:schemeClr val="accent2"/>
+          </a:fillRef>
+          <a:effectRef idx="2">
+            <a:schemeClr val="accent2"/>
+          </a:effectRef>
+          <a:fontRef idx="minor">
+            <a:schemeClr val="lt1"/>
+          </a:fontRef>
+        </p:style>
+        <p:txBody>
+          <a:bodyPr rtlCol="0" anchor="ctr"/>
+          <a:lstStyle/>
+          <a:p>
+            <a:pPr algn="ctr"/>
+            <a:r>
+              <a:rPr lang="en-US" altLang="zh-CN" sz="1200" smtClean="0">
+                <a:solidFill>
+                  <a:schemeClr val="tx1"/>
+                </a:solidFill>
+              </a:rPr>
+              <a:t>Global table</a:t>
+            </a:r>
+            <a:endParaRPr lang="zh-CN" altLang="en-US" sz="1200">
+              <a:solidFill>
+                <a:schemeClr val="tx1"/>
+              </a:solidFill>
+            </a:endParaRPr>
+          </a:p>
+        </p:txBody>
+      </p:sp>
+      <p:sp>
+        <p:nvSpPr>
+          <p:cNvPr id="25" name="折角形 24"/>
+          <p:cNvSpPr/>
+          <p:nvPr/>
+        </p:nvSpPr>
+        <p:spPr>
+          <a:xfrm>
+            <a:off x="3358064" y="5208816"/>
+            <a:ext cx="770674" cy="517848"/>
+          </a:xfrm>
+          <a:prstGeom prst="foldedCorner">
+            <a:avLst/>
+          </a:prstGeom>
+          <a:ln/>
+        </p:spPr>
+        <p:style>
+          <a:lnRef idx="1">
+            <a:schemeClr val="accent3"/>
+          </a:lnRef>
+          <a:fillRef idx="3">
+            <a:schemeClr val="accent3"/>
+          </a:fillRef>
+          <a:effectRef idx="2">
+            <a:schemeClr val="accent3"/>
+          </a:effectRef>
+          <a:fontRef idx="minor">
+            <a:schemeClr val="lt1"/>
+          </a:fontRef>
+        </p:style>
+        <p:txBody>
+          <a:bodyPr rtlCol="0" anchor="ctr"/>
+          <a:lstStyle/>
+          <a:p>
+            <a:pPr algn="ctr"/>
+            <a:r>
+              <a:rPr lang="en-US" altLang="zh-CN" sz="1200" smtClean="0">
+                <a:solidFill>
+                  <a:schemeClr val="tx1"/>
+                </a:solidFill>
+              </a:rPr>
+              <a:t>Table1 part1</a:t>
+            </a:r>
+            <a:endParaRPr lang="zh-CN" altLang="en-US" sz="1200">
+              <a:solidFill>
+                <a:schemeClr val="tx1"/>
+              </a:solidFill>
+            </a:endParaRPr>
+          </a:p>
+        </p:txBody>
+      </p:sp>
+      <p:sp>
+        <p:nvSpPr>
+          <p:cNvPr id="26" name="折角形 25"/>
+          <p:cNvSpPr/>
+          <p:nvPr/>
+        </p:nvSpPr>
+        <p:spPr>
+          <a:xfrm>
+            <a:off x="5220916" y="5208816"/>
+            <a:ext cx="770674" cy="517848"/>
+          </a:xfrm>
+          <a:prstGeom prst="foldedCorner">
+            <a:avLst/>
+          </a:prstGeom>
+          <a:ln/>
+        </p:spPr>
+        <p:style>
+          <a:lnRef idx="1">
+            <a:schemeClr val="accent3"/>
+          </a:lnRef>
+          <a:fillRef idx="3">
+            <a:schemeClr val="accent3"/>
+          </a:fillRef>
+          <a:effectRef idx="2">
+            <a:schemeClr val="accent3"/>
+          </a:effectRef>
+          <a:fontRef idx="minor">
+            <a:schemeClr val="lt1"/>
+          </a:fontRef>
+        </p:style>
+        <p:txBody>
+          <a:bodyPr rtlCol="0" anchor="ctr"/>
+          <a:lstStyle/>
+          <a:p>
+            <a:pPr algn="ctr"/>
+            <a:r>
+              <a:rPr lang="en-US" altLang="zh-CN" sz="1200">
+                <a:solidFill>
+                  <a:schemeClr val="tx1"/>
+                </a:solidFill>
+              </a:rPr>
+              <a:t>Table1 </a:t>
+            </a:r>
+            <a:r>
+              <a:rPr lang="en-US" altLang="zh-CN" sz="1200" smtClean="0">
+                <a:solidFill>
+                  <a:schemeClr val="tx1"/>
+                </a:solidFill>
+              </a:rPr>
+              <a:t>part3</a:t>
+            </a:r>
+            <a:endParaRPr lang="zh-CN" altLang="en-US" sz="1200">
+              <a:solidFill>
+                <a:schemeClr val="tx1"/>
+              </a:solidFill>
+            </a:endParaRPr>
+          </a:p>
+        </p:txBody>
+      </p:sp>
+      <p:sp>
+        <p:nvSpPr>
+          <p:cNvPr id="27" name="折角形 26"/>
+          <p:cNvSpPr/>
+          <p:nvPr/>
+        </p:nvSpPr>
+        <p:spPr>
+          <a:xfrm>
+            <a:off x="4276581" y="5208816"/>
+            <a:ext cx="770674" cy="517848"/>
+          </a:xfrm>
+          <a:prstGeom prst="foldedCorner">
+            <a:avLst/>
+          </a:prstGeom>
+          <a:ln/>
+        </p:spPr>
+        <p:style>
+          <a:lnRef idx="1">
+            <a:schemeClr val="accent3"/>
+          </a:lnRef>
+          <a:fillRef idx="3">
+            <a:schemeClr val="accent3"/>
+          </a:fillRef>
+          <a:effectRef idx="2">
+            <a:schemeClr val="accent3"/>
+          </a:effectRef>
+          <a:fontRef idx="minor">
+            <a:schemeClr val="lt1"/>
+          </a:fontRef>
+        </p:style>
+        <p:txBody>
+          <a:bodyPr rtlCol="0" anchor="ctr"/>
+          <a:lstStyle/>
+          <a:p>
+            <a:pPr algn="ctr"/>
+            <a:r>
+              <a:rPr lang="en-US" altLang="zh-CN" sz="1200">
+                <a:solidFill>
+                  <a:schemeClr val="tx1"/>
+                </a:solidFill>
+              </a:rPr>
+              <a:t>Table1 </a:t>
+            </a:r>
+            <a:r>
+              <a:rPr lang="en-US" altLang="zh-CN" sz="1200" smtClean="0">
+                <a:solidFill>
+                  <a:schemeClr val="tx1"/>
+                </a:solidFill>
+              </a:rPr>
+              <a:t>part2</a:t>
+            </a:r>
+            <a:endParaRPr lang="zh-CN" altLang="en-US" sz="1200">
+              <a:solidFill>
+                <a:schemeClr val="tx1"/>
+              </a:solidFill>
+            </a:endParaRPr>
+          </a:p>
+        </p:txBody>
+      </p:sp>
+      <p:sp>
+        <p:nvSpPr>
+          <p:cNvPr id="28" name="折角形 27"/>
+          <p:cNvSpPr/>
+          <p:nvPr/>
+        </p:nvSpPr>
+        <p:spPr>
+          <a:xfrm>
+            <a:off x="6165241" y="5197153"/>
+            <a:ext cx="770674" cy="517848"/>
+          </a:xfrm>
+          <a:prstGeom prst="foldedCorner">
+            <a:avLst/>
+          </a:prstGeom>
+          <a:ln/>
+        </p:spPr>
+        <p:style>
+          <a:lnRef idx="1">
+            <a:schemeClr val="accent5"/>
+          </a:lnRef>
+          <a:fillRef idx="3">
+            <a:schemeClr val="accent5"/>
+          </a:fillRef>
+          <a:effectRef idx="2">
+            <a:schemeClr val="accent5"/>
+          </a:effectRef>
+          <a:fontRef idx="minor">
+            <a:schemeClr val="lt1"/>
+          </a:fontRef>
+        </p:style>
+        <p:txBody>
+          <a:bodyPr rtlCol="0" anchor="ctr"/>
+          <a:lstStyle/>
+          <a:p>
+            <a:pPr algn="ctr"/>
+            <a:r>
+              <a:rPr lang="en-US" altLang="zh-CN" sz="1200" smtClean="0">
+                <a:solidFill>
+                  <a:schemeClr val="tx1"/>
+                </a:solidFill>
+              </a:rPr>
+              <a:t>Table2 </a:t>
+            </a:r>
+            <a:r>
+              <a:rPr lang="en-US" altLang="zh-CN" sz="1200">
+                <a:solidFill>
+                  <a:schemeClr val="tx1"/>
+                </a:solidFill>
+              </a:rPr>
+              <a:t>part1</a:t>
+            </a:r>
+            <a:endParaRPr lang="zh-CN" altLang="en-US" sz="1200">
+              <a:solidFill>
+                <a:schemeClr val="tx1"/>
+              </a:solidFill>
+            </a:endParaRPr>
+          </a:p>
+        </p:txBody>
+      </p:sp>
+      <p:sp>
+        <p:nvSpPr>
+          <p:cNvPr id="29" name="折角形 28"/>
+          <p:cNvSpPr/>
+          <p:nvPr/>
+        </p:nvSpPr>
+        <p:spPr>
+          <a:xfrm>
+            <a:off x="8140059" y="5197153"/>
+            <a:ext cx="770674" cy="517848"/>
+          </a:xfrm>
+          <a:prstGeom prst="foldedCorner">
+            <a:avLst/>
+          </a:prstGeom>
+          <a:ln/>
+        </p:spPr>
+        <p:style>
+          <a:lnRef idx="1">
+            <a:schemeClr val="accent5"/>
+          </a:lnRef>
+          <a:fillRef idx="3">
+            <a:schemeClr val="accent5"/>
+          </a:fillRef>
+          <a:effectRef idx="2">
+            <a:schemeClr val="accent5"/>
+          </a:effectRef>
+          <a:fontRef idx="minor">
+            <a:schemeClr val="lt1"/>
+          </a:fontRef>
+        </p:style>
+        <p:txBody>
+          <a:bodyPr rtlCol="0" anchor="ctr"/>
+          <a:lstStyle/>
+          <a:p>
+            <a:pPr algn="ctr"/>
+            <a:r>
+              <a:rPr lang="en-US" altLang="zh-CN" sz="1200" smtClean="0">
+                <a:solidFill>
+                  <a:schemeClr val="tx1"/>
+                </a:solidFill>
+              </a:rPr>
+              <a:t>Table2 part3</a:t>
+            </a:r>
+            <a:endParaRPr lang="zh-CN" altLang="en-US" sz="1200">
+              <a:solidFill>
+                <a:schemeClr val="tx1"/>
+              </a:solidFill>
+            </a:endParaRPr>
+          </a:p>
+        </p:txBody>
+      </p:sp>
+      <p:sp>
+        <p:nvSpPr>
+          <p:cNvPr id="30" name="折角形 29"/>
+          <p:cNvSpPr/>
+          <p:nvPr/>
+        </p:nvSpPr>
+        <p:spPr>
+          <a:xfrm>
+            <a:off x="7158405" y="5197153"/>
+            <a:ext cx="770674" cy="517848"/>
+          </a:xfrm>
+          <a:prstGeom prst="foldedCorner">
+            <a:avLst/>
+          </a:prstGeom>
+          <a:ln/>
+        </p:spPr>
+        <p:style>
+          <a:lnRef idx="1">
+            <a:schemeClr val="accent5"/>
+          </a:lnRef>
+          <a:fillRef idx="3">
+            <a:schemeClr val="accent5"/>
+          </a:fillRef>
+          <a:effectRef idx="2">
+            <a:schemeClr val="accent5"/>
+          </a:effectRef>
+          <a:fontRef idx="minor">
+            <a:schemeClr val="lt1"/>
+          </a:fontRef>
+        </p:style>
+        <p:txBody>
+          <a:bodyPr rtlCol="0" anchor="ctr"/>
+          <a:lstStyle/>
+          <a:p>
+            <a:pPr algn="ctr"/>
+            <a:r>
+              <a:rPr lang="en-US" altLang="zh-CN" sz="1200" smtClean="0">
+                <a:solidFill>
+                  <a:schemeClr val="tx1"/>
+                </a:solidFill>
+              </a:rPr>
+              <a:t>Table2</a:t>
+            </a:r>
+          </a:p>
+          <a:p>
+            <a:pPr algn="ctr"/>
+            <a:r>
+              <a:rPr lang="en-US" altLang="zh-CN" sz="1200" smtClean="0">
+                <a:solidFill>
+                  <a:schemeClr val="tx1"/>
+                </a:solidFill>
+              </a:rPr>
+              <a:t>part2</a:t>
+            </a:r>
+            <a:endParaRPr lang="zh-CN" altLang="en-US" sz="1200">
+              <a:solidFill>
+                <a:schemeClr val="tx1"/>
+              </a:solidFill>
+            </a:endParaRPr>
+          </a:p>
+        </p:txBody>
+      </p:sp>
+      <p:sp>
+        <p:nvSpPr>
+          <p:cNvPr id="32" name="圆角矩形 31"/>
+          <p:cNvSpPr/>
+          <p:nvPr/>
+        </p:nvSpPr>
+        <p:spPr>
+          <a:xfrm>
+            <a:off x="4080344" y="3107914"/>
+            <a:ext cx="1314086" cy="1445510"/>
+          </a:xfrm>
+          <a:prstGeom prst="roundRect">
+            <a:avLst>
+              <a:gd name="adj" fmla="val 4944"/>
+            </a:avLst>
+          </a:prstGeom>
+          <a:solidFill>
+            <a:schemeClr val="bg1">
+              <a:lumMod val="85000"/>
+            </a:schemeClr>
+          </a:solidFill>
+          <a:ln w="22225">
+            <a:solidFill>
+              <a:schemeClr val="bg1">
+                <a:lumMod val="65000"/>
+              </a:schemeClr>
+            </a:solidFill>
+          </a:ln>
+        </p:spPr>
+        <p:style>
+          <a:lnRef idx="2">
+            <a:schemeClr val="accent1">
+              <a:shade val="50000"/>
+            </a:schemeClr>
+          </a:lnRef>
+          <a:fillRef idx="1">
+            <a:schemeClr val="accent1"/>
+          </a:fillRef>
+          <a:effectRef idx="0">
+            <a:schemeClr val="accent1"/>
+          </a:effectRef>
+          <a:fontRef idx="minor">
+            <a:schemeClr val="lt1"/>
+          </a:fontRef>
+        </p:style>
+        <p:txBody>
+          <a:bodyPr rtlCol="0" anchor="t"/>
+          <a:lstStyle/>
+          <a:p>
+            <a:pPr algn="ctr"/>
+            <a:r>
+              <a:rPr lang="en-US" altLang="zh-CN" sz="1200" smtClean="0">
+                <a:solidFill>
+                  <a:schemeClr val="tx1"/>
+                </a:solidFill>
+              </a:rPr>
+              <a:t>Node2</a:t>
+            </a:r>
+            <a:endParaRPr lang="zh-CN" altLang="en-US" sz="1200">
+              <a:solidFill>
+                <a:schemeClr val="tx1"/>
+              </a:solidFill>
+            </a:endParaRPr>
+          </a:p>
+        </p:txBody>
+      </p:sp>
+      <p:sp>
+        <p:nvSpPr>
+          <p:cNvPr id="33" name="圆角矩形 32"/>
+          <p:cNvSpPr/>
+          <p:nvPr/>
+        </p:nvSpPr>
+        <p:spPr>
+          <a:xfrm>
+            <a:off x="4200112" y="3388674"/>
+            <a:ext cx="1072064" cy="248776"/>
+          </a:xfrm>
+          <a:prstGeom prst="roundRect">
+            <a:avLst/>
+          </a:prstGeom>
+          <a:ln/>
+        </p:spPr>
+        <p:style>
+          <a:lnRef idx="1">
+            <a:schemeClr val="accent2"/>
+          </a:lnRef>
+          <a:fillRef idx="3">
+            <a:schemeClr val="accent2"/>
+          </a:fillRef>
+          <a:effectRef idx="2">
+            <a:schemeClr val="accent2"/>
+          </a:effectRef>
+          <a:fontRef idx="minor">
+            <a:schemeClr val="lt1"/>
+          </a:fontRef>
+        </p:style>
+        <p:txBody>
+          <a:bodyPr rtlCol="0" anchor="ctr"/>
+          <a:lstStyle/>
+          <a:p>
+            <a:pPr algn="ctr"/>
+            <a:r>
+              <a:rPr lang="en-US" altLang="zh-CN" sz="1200" smtClean="0">
+                <a:solidFill>
+                  <a:schemeClr val="tx1"/>
+                </a:solidFill>
+              </a:rPr>
+              <a:t>Global table</a:t>
+            </a:r>
+            <a:endParaRPr lang="zh-CN" altLang="en-US" sz="1200">
+              <a:solidFill>
+                <a:schemeClr val="tx1"/>
+              </a:solidFill>
+            </a:endParaRPr>
+          </a:p>
+        </p:txBody>
+      </p:sp>
+      <p:sp>
+        <p:nvSpPr>
+          <p:cNvPr id="34" name="圆角矩形 33"/>
+          <p:cNvSpPr/>
+          <p:nvPr/>
+        </p:nvSpPr>
+        <p:spPr>
+          <a:xfrm>
+            <a:off x="4200111" y="3715245"/>
+            <a:ext cx="1072064" cy="248776"/>
+          </a:xfrm>
+          <a:prstGeom prst="roundRect">
+            <a:avLst/>
+          </a:prstGeom>
+          <a:ln/>
+        </p:spPr>
+        <p:style>
+          <a:lnRef idx="1">
+            <a:schemeClr val="accent3"/>
+          </a:lnRef>
+          <a:fillRef idx="3">
+            <a:schemeClr val="accent3"/>
+          </a:fillRef>
+          <a:effectRef idx="2">
+            <a:schemeClr val="accent3"/>
+          </a:effectRef>
+          <a:fontRef idx="minor">
+            <a:schemeClr val="lt1"/>
+          </a:fontRef>
+        </p:style>
+        <p:txBody>
+          <a:bodyPr rtlCol="0" anchor="ctr"/>
+          <a:lstStyle/>
+          <a:p>
+            <a:pPr algn="ctr"/>
+            <a:r>
+              <a:rPr lang="en-US" altLang="zh-CN" sz="1200" smtClean="0">
+                <a:solidFill>
+                  <a:schemeClr val="tx1"/>
+                </a:solidFill>
+              </a:rPr>
+              <a:t>Table1 part2</a:t>
+            </a:r>
+            <a:endParaRPr lang="zh-CN" altLang="en-US" sz="1200">
+              <a:solidFill>
+                <a:schemeClr val="tx1"/>
+              </a:solidFill>
+            </a:endParaRPr>
+          </a:p>
+        </p:txBody>
+      </p:sp>
+      <p:sp>
+        <p:nvSpPr>
+          <p:cNvPr id="35" name="圆角矩形 34"/>
+          <p:cNvSpPr/>
+          <p:nvPr/>
+        </p:nvSpPr>
+        <p:spPr>
+          <a:xfrm>
+            <a:off x="4200111" y="4077563"/>
+            <a:ext cx="1072064" cy="248776"/>
+          </a:xfrm>
+          <a:prstGeom prst="roundRect">
+            <a:avLst/>
+          </a:prstGeom>
+          <a:ln/>
+        </p:spPr>
+        <p:style>
+          <a:lnRef idx="1">
+            <a:schemeClr val="accent5"/>
+          </a:lnRef>
+          <a:fillRef idx="3">
+            <a:schemeClr val="accent5"/>
+          </a:fillRef>
+          <a:effectRef idx="2">
+            <a:schemeClr val="accent5"/>
+          </a:effectRef>
+          <a:fontRef idx="minor">
+            <a:schemeClr val="lt1"/>
+          </a:fontRef>
+        </p:style>
+        <p:txBody>
+          <a:bodyPr rtlCol="0" anchor="ctr"/>
+          <a:lstStyle/>
+          <a:p>
+            <a:pPr algn="ctr"/>
+            <a:r>
+              <a:rPr lang="en-US" altLang="zh-CN" sz="1200" smtClean="0">
+                <a:solidFill>
+                  <a:schemeClr val="tx1"/>
+                </a:solidFill>
+              </a:rPr>
+              <a:t>Table2 part2</a:t>
+            </a:r>
+            <a:endParaRPr lang="zh-CN" altLang="en-US" sz="1200">
+              <a:solidFill>
+                <a:schemeClr val="tx1"/>
+              </a:solidFill>
+            </a:endParaRPr>
+          </a:p>
+        </p:txBody>
+      </p:sp>
+      <p:sp>
+        <p:nvSpPr>
+          <p:cNvPr id="36" name="圆角矩形 35"/>
+          <p:cNvSpPr/>
+          <p:nvPr/>
+        </p:nvSpPr>
+        <p:spPr>
+          <a:xfrm>
+            <a:off x="5991590" y="3107914"/>
+            <a:ext cx="1314086" cy="1445510"/>
+          </a:xfrm>
+          <a:prstGeom prst="roundRect">
+            <a:avLst>
+              <a:gd name="adj" fmla="val 4944"/>
+            </a:avLst>
+          </a:prstGeom>
+          <a:solidFill>
+            <a:schemeClr val="bg1">
+              <a:lumMod val="85000"/>
+            </a:schemeClr>
+          </a:solidFill>
+          <a:ln w="22225">
+            <a:solidFill>
+              <a:schemeClr val="bg1">
+                <a:lumMod val="65000"/>
+              </a:schemeClr>
+            </a:solidFill>
+          </a:ln>
+        </p:spPr>
+        <p:style>
+          <a:lnRef idx="2">
+            <a:schemeClr val="accent1">
+              <a:shade val="50000"/>
+            </a:schemeClr>
+          </a:lnRef>
+          <a:fillRef idx="1">
+            <a:schemeClr val="accent1"/>
+          </a:fillRef>
+          <a:effectRef idx="0">
+            <a:schemeClr val="accent1"/>
+          </a:effectRef>
+          <a:fontRef idx="minor">
+            <a:schemeClr val="lt1"/>
+          </a:fontRef>
+        </p:style>
+        <p:txBody>
+          <a:bodyPr rtlCol="0" anchor="t"/>
+          <a:lstStyle/>
+          <a:p>
+            <a:pPr algn="ctr"/>
+            <a:r>
+              <a:rPr lang="en-US" altLang="zh-CN" sz="1200" smtClean="0">
+                <a:solidFill>
+                  <a:schemeClr val="tx1"/>
+                </a:solidFill>
+              </a:rPr>
+              <a:t>Node3</a:t>
+            </a:r>
+            <a:endParaRPr lang="zh-CN" altLang="en-US" sz="1200">
+              <a:solidFill>
+                <a:schemeClr val="tx1"/>
+              </a:solidFill>
+            </a:endParaRPr>
+          </a:p>
+        </p:txBody>
+      </p:sp>
+      <p:sp>
+        <p:nvSpPr>
+          <p:cNvPr id="37" name="圆角矩形 36"/>
+          <p:cNvSpPr/>
+          <p:nvPr/>
+        </p:nvSpPr>
+        <p:spPr>
+          <a:xfrm>
+            <a:off x="6111358" y="3388674"/>
+            <a:ext cx="1072064" cy="248776"/>
+          </a:xfrm>
+          <a:prstGeom prst="roundRect">
+            <a:avLst/>
+          </a:prstGeom>
+          <a:ln/>
+        </p:spPr>
+        <p:style>
+          <a:lnRef idx="1">
+            <a:schemeClr val="accent2"/>
+          </a:lnRef>
+          <a:fillRef idx="3">
+            <a:schemeClr val="accent2"/>
+          </a:fillRef>
+          <a:effectRef idx="2">
+            <a:schemeClr val="accent2"/>
+          </a:effectRef>
+          <a:fontRef idx="minor">
+            <a:schemeClr val="lt1"/>
+          </a:fontRef>
+        </p:style>
+        <p:txBody>
+          <a:bodyPr rtlCol="0" anchor="ctr"/>
+          <a:lstStyle/>
+          <a:p>
+            <a:pPr algn="ctr"/>
+            <a:r>
+              <a:rPr lang="en-US" altLang="zh-CN" sz="1200" smtClean="0">
+                <a:solidFill>
+                  <a:schemeClr val="tx1"/>
+                </a:solidFill>
+              </a:rPr>
+              <a:t>Global table</a:t>
+            </a:r>
+            <a:endParaRPr lang="zh-CN" altLang="en-US" sz="1200">
+              <a:solidFill>
+                <a:schemeClr val="tx1"/>
+              </a:solidFill>
+            </a:endParaRPr>
+          </a:p>
+        </p:txBody>
+      </p:sp>
+      <p:sp>
+        <p:nvSpPr>
+          <p:cNvPr id="38" name="圆角矩形 37"/>
+          <p:cNvSpPr/>
+          <p:nvPr/>
+        </p:nvSpPr>
+        <p:spPr>
+          <a:xfrm>
+            <a:off x="6111357" y="3715245"/>
+            <a:ext cx="1072064" cy="248776"/>
+          </a:xfrm>
+          <a:prstGeom prst="roundRect">
+            <a:avLst/>
+          </a:prstGeom>
+          <a:ln/>
+        </p:spPr>
+        <p:style>
+          <a:lnRef idx="1">
+            <a:schemeClr val="accent3"/>
+          </a:lnRef>
+          <a:fillRef idx="3">
+            <a:schemeClr val="accent3"/>
+          </a:fillRef>
+          <a:effectRef idx="2">
+            <a:schemeClr val="accent3"/>
+          </a:effectRef>
+          <a:fontRef idx="minor">
+            <a:schemeClr val="lt1"/>
+          </a:fontRef>
+        </p:style>
+        <p:txBody>
+          <a:bodyPr rtlCol="0" anchor="ctr"/>
+          <a:lstStyle/>
+          <a:p>
+            <a:pPr algn="ctr"/>
+            <a:r>
+              <a:rPr lang="en-US" altLang="zh-CN" sz="1200" smtClean="0">
+                <a:solidFill>
+                  <a:schemeClr val="tx1"/>
+                </a:solidFill>
+              </a:rPr>
+              <a:t>Table1 part3</a:t>
+            </a:r>
+            <a:endParaRPr lang="zh-CN" altLang="en-US" sz="1200">
+              <a:solidFill>
+                <a:schemeClr val="tx1"/>
+              </a:solidFill>
+            </a:endParaRPr>
+          </a:p>
+        </p:txBody>
+      </p:sp>
+      <p:sp>
+        <p:nvSpPr>
+          <p:cNvPr id="39" name="圆角矩形 38"/>
+          <p:cNvSpPr/>
+          <p:nvPr/>
+        </p:nvSpPr>
+        <p:spPr>
+          <a:xfrm>
+            <a:off x="6111357" y="4077563"/>
+            <a:ext cx="1072064" cy="248776"/>
+          </a:xfrm>
+          <a:prstGeom prst="roundRect">
+            <a:avLst/>
+          </a:prstGeom>
+          <a:ln/>
+        </p:spPr>
+        <p:style>
+          <a:lnRef idx="1">
+            <a:schemeClr val="accent5"/>
+          </a:lnRef>
+          <a:fillRef idx="3">
+            <a:schemeClr val="accent5"/>
+          </a:fillRef>
+          <a:effectRef idx="2">
+            <a:schemeClr val="accent5"/>
+          </a:effectRef>
+          <a:fontRef idx="minor">
+            <a:schemeClr val="lt1"/>
+          </a:fontRef>
+        </p:style>
+        <p:txBody>
+          <a:bodyPr rtlCol="0" anchor="ctr"/>
+          <a:lstStyle/>
+          <a:p>
+            <a:pPr algn="ctr"/>
+            <a:r>
+              <a:rPr lang="en-US" altLang="zh-CN" sz="1200" smtClean="0">
+                <a:solidFill>
+                  <a:schemeClr val="tx1"/>
+                </a:solidFill>
+              </a:rPr>
+              <a:t>Table2 part3</a:t>
+            </a:r>
+            <a:endParaRPr lang="zh-CN" altLang="en-US" sz="1200">
+              <a:solidFill>
+                <a:schemeClr val="tx1"/>
+              </a:solidFill>
+            </a:endParaRPr>
+          </a:p>
+        </p:txBody>
+      </p:sp>
+      <p:sp>
+        <p:nvSpPr>
+          <p:cNvPr id="40" name="圆角矩形 39"/>
+          <p:cNvSpPr/>
+          <p:nvPr/>
+        </p:nvSpPr>
+        <p:spPr>
+          <a:xfrm>
+            <a:off x="7783262" y="3107914"/>
+            <a:ext cx="1314086" cy="1445510"/>
+          </a:xfrm>
+          <a:prstGeom prst="roundRect">
+            <a:avLst>
+              <a:gd name="adj" fmla="val 4944"/>
+            </a:avLst>
+          </a:prstGeom>
+          <a:solidFill>
+            <a:schemeClr val="bg1">
+              <a:lumMod val="85000"/>
+            </a:schemeClr>
+          </a:solidFill>
+          <a:ln w="22225">
+            <a:solidFill>
+              <a:schemeClr val="bg1">
+                <a:lumMod val="65000"/>
+              </a:schemeClr>
+            </a:solidFill>
+          </a:ln>
+        </p:spPr>
+        <p:style>
+          <a:lnRef idx="2">
+            <a:schemeClr val="accent1">
+              <a:shade val="50000"/>
+            </a:schemeClr>
+          </a:lnRef>
+          <a:fillRef idx="1">
+            <a:schemeClr val="accent1"/>
+          </a:fillRef>
+          <a:effectRef idx="0">
+            <a:schemeClr val="accent1"/>
+          </a:effectRef>
+          <a:fontRef idx="minor">
+            <a:schemeClr val="lt1"/>
+          </a:fontRef>
+        </p:style>
+        <p:txBody>
+          <a:bodyPr rtlCol="0" anchor="t"/>
+          <a:lstStyle/>
+          <a:p>
+            <a:pPr algn="ctr"/>
+            <a:r>
+              <a:rPr lang="en-US" altLang="zh-CN" sz="1200">
+                <a:solidFill>
+                  <a:schemeClr val="tx1"/>
+                </a:solidFill>
+              </a:rPr>
+              <a:t>Node4</a:t>
+            </a:r>
+            <a:endParaRPr lang="zh-CN" altLang="en-US" sz="1200">
+              <a:solidFill>
+                <a:schemeClr val="tx1"/>
+              </a:solidFill>
+            </a:endParaRPr>
           </a:p>
         </p:txBody>
       </p:sp>

--- a/doc/thor architecture.pptx
+++ b/doc/thor architecture.pptx
@@ -33,6 +33,7 @@
     <p:sldId id="282" r:id="rId27"/>
     <p:sldId id="279" r:id="rId28"/>
     <p:sldId id="280" r:id="rId29"/>
+    <p:sldId id="284" r:id="rId30"/>
   </p:sldIdLst>
   <p:sldSz cx="12192000" cy="6858000"/>
   <p:notesSz cx="6858000" cy="9144000"/>
@@ -270,7 +271,7 @@
           <a:p>
             <a:fld id="{26E5557C-EA97-4CBB-BFBF-8E388EEF4F51}" type="datetimeFigureOut">
               <a:rPr lang="zh-CN" altLang="en-US" smtClean="0"/>
-              <a:t>2014/10/30</a:t>
+              <a:t>2014/10/31</a:t>
             </a:fld>
             <a:endParaRPr lang="zh-CN" altLang="en-US"/>
           </a:p>
@@ -440,7 +441,7 @@
           <a:p>
             <a:fld id="{26E5557C-EA97-4CBB-BFBF-8E388EEF4F51}" type="datetimeFigureOut">
               <a:rPr lang="zh-CN" altLang="en-US" smtClean="0"/>
-              <a:t>2014/10/30</a:t>
+              <a:t>2014/10/31</a:t>
             </a:fld>
             <a:endParaRPr lang="zh-CN" altLang="en-US"/>
           </a:p>
@@ -620,7 +621,7 @@
           <a:p>
             <a:fld id="{26E5557C-EA97-4CBB-BFBF-8E388EEF4F51}" type="datetimeFigureOut">
               <a:rPr lang="zh-CN" altLang="en-US" smtClean="0"/>
-              <a:t>2014/10/30</a:t>
+              <a:t>2014/10/31</a:t>
             </a:fld>
             <a:endParaRPr lang="zh-CN" altLang="en-US"/>
           </a:p>
@@ -790,7 +791,7 @@
           <a:p>
             <a:fld id="{26E5557C-EA97-4CBB-BFBF-8E388EEF4F51}" type="datetimeFigureOut">
               <a:rPr lang="zh-CN" altLang="en-US" smtClean="0"/>
-              <a:t>2014/10/30</a:t>
+              <a:t>2014/10/31</a:t>
             </a:fld>
             <a:endParaRPr lang="zh-CN" altLang="en-US"/>
           </a:p>
@@ -1036,7 +1037,7 @@
           <a:p>
             <a:fld id="{26E5557C-EA97-4CBB-BFBF-8E388EEF4F51}" type="datetimeFigureOut">
               <a:rPr lang="zh-CN" altLang="en-US" smtClean="0"/>
-              <a:t>2014/10/30</a:t>
+              <a:t>2014/10/31</a:t>
             </a:fld>
             <a:endParaRPr lang="zh-CN" altLang="en-US"/>
           </a:p>
@@ -1268,7 +1269,7 @@
           <a:p>
             <a:fld id="{26E5557C-EA97-4CBB-BFBF-8E388EEF4F51}" type="datetimeFigureOut">
               <a:rPr lang="zh-CN" altLang="en-US" smtClean="0"/>
-              <a:t>2014/10/30</a:t>
+              <a:t>2014/10/31</a:t>
             </a:fld>
             <a:endParaRPr lang="zh-CN" altLang="en-US"/>
           </a:p>
@@ -1635,7 +1636,7 @@
           <a:p>
             <a:fld id="{26E5557C-EA97-4CBB-BFBF-8E388EEF4F51}" type="datetimeFigureOut">
               <a:rPr lang="zh-CN" altLang="en-US" smtClean="0"/>
-              <a:t>2014/10/30</a:t>
+              <a:t>2014/10/31</a:t>
             </a:fld>
             <a:endParaRPr lang="zh-CN" altLang="en-US"/>
           </a:p>
@@ -1758,7 +1759,7 @@
           <a:p>
             <a:fld id="{26E5557C-EA97-4CBB-BFBF-8E388EEF4F51}" type="datetimeFigureOut">
               <a:rPr lang="zh-CN" altLang="en-US" smtClean="0"/>
-              <a:t>2014/10/30</a:t>
+              <a:t>2014/10/31</a:t>
             </a:fld>
             <a:endParaRPr lang="zh-CN" altLang="en-US"/>
           </a:p>
@@ -1853,7 +1854,7 @@
           <a:p>
             <a:fld id="{26E5557C-EA97-4CBB-BFBF-8E388EEF4F51}" type="datetimeFigureOut">
               <a:rPr lang="zh-CN" altLang="en-US" smtClean="0"/>
-              <a:t>2014/10/30</a:t>
+              <a:t>2014/10/31</a:t>
             </a:fld>
             <a:endParaRPr lang="zh-CN" altLang="en-US"/>
           </a:p>
@@ -2130,7 +2131,7 @@
           <a:p>
             <a:fld id="{26E5557C-EA97-4CBB-BFBF-8E388EEF4F51}" type="datetimeFigureOut">
               <a:rPr lang="zh-CN" altLang="en-US" smtClean="0"/>
-              <a:t>2014/10/30</a:t>
+              <a:t>2014/10/31</a:t>
             </a:fld>
             <a:endParaRPr lang="zh-CN" altLang="en-US"/>
           </a:p>
@@ -2387,7 +2388,7 @@
           <a:p>
             <a:fld id="{26E5557C-EA97-4CBB-BFBF-8E388EEF4F51}" type="datetimeFigureOut">
               <a:rPr lang="zh-CN" altLang="en-US" smtClean="0"/>
-              <a:t>2014/10/30</a:t>
+              <a:t>2014/10/31</a:t>
             </a:fld>
             <a:endParaRPr lang="zh-CN" altLang="en-US"/>
           </a:p>
@@ -2600,7 +2601,7 @@
           <a:p>
             <a:fld id="{26E5557C-EA97-4CBB-BFBF-8E388EEF4F51}" type="datetimeFigureOut">
               <a:rPr lang="zh-CN" altLang="en-US" smtClean="0"/>
-              <a:t>2014/10/30</a:t>
+              <a:t>2014/10/31</a:t>
             </a:fld>
             <a:endParaRPr lang="zh-CN" altLang="en-US"/>
           </a:p>
@@ -30581,6 +30582,1450 @@
     <p:extLst>
       <p:ext uri="{BB962C8B-B14F-4D97-AF65-F5344CB8AC3E}">
         <p14:creationId xmlns:p14="http://schemas.microsoft.com/office/powerpoint/2010/main" val="4115555921"/>
+      </p:ext>
+    </p:extLst>
+  </p:cSld>
+  <p:clrMapOvr>
+    <a:masterClrMapping/>
+  </p:clrMapOvr>
+</p:sld>
+</file>
+
+<file path=ppt/slides/slide29.xml><?xml version="1.0" encoding="utf-8"?>
+<p:sld xmlns:a="http://schemas.openxmlformats.org/drawingml/2006/main" xmlns:r="http://schemas.openxmlformats.org/officeDocument/2006/relationships" xmlns:p="http://schemas.openxmlformats.org/presentationml/2006/main">
+  <p:cSld>
+    <p:spTree>
+      <p:nvGrpSpPr>
+        <p:cNvPr id="1" name=""/>
+        <p:cNvGrpSpPr/>
+        <p:nvPr/>
+      </p:nvGrpSpPr>
+      <p:grpSpPr>
+        <a:xfrm>
+          <a:off x="0" y="0"/>
+          <a:ext cx="0" cy="0"/>
+          <a:chOff x="0" y="0"/>
+          <a:chExt cx="0" cy="0"/>
+        </a:xfrm>
+      </p:grpSpPr>
+      <p:sp>
+        <p:nvSpPr>
+          <p:cNvPr id="2" name="标题 1"/>
+          <p:cNvSpPr>
+            <a:spLocks noGrp="1"/>
+          </p:cNvSpPr>
+          <p:nvPr>
+            <p:ph type="title"/>
+          </p:nvPr>
+        </p:nvSpPr>
+        <p:spPr/>
+        <p:txBody>
+          <a:bodyPr/>
+          <a:lstStyle/>
+          <a:p>
+            <a:endParaRPr lang="zh-CN" altLang="en-US"/>
+          </a:p>
+        </p:txBody>
+      </p:sp>
+      <p:sp>
+        <p:nvSpPr>
+          <p:cNvPr id="3" name="圆角矩形 2"/>
+          <p:cNvSpPr/>
+          <p:nvPr/>
+        </p:nvSpPr>
+        <p:spPr>
+          <a:xfrm>
+            <a:off x="1551178" y="1740011"/>
+            <a:ext cx="906624" cy="391886"/>
+          </a:xfrm>
+          <a:prstGeom prst="roundRect">
+            <a:avLst/>
+          </a:prstGeom>
+          <a:solidFill>
+            <a:schemeClr val="bg1">
+              <a:lumMod val="65000"/>
+            </a:schemeClr>
+          </a:solidFill>
+          <a:ln w="22225">
+            <a:solidFill>
+              <a:schemeClr val="tx1">
+                <a:lumMod val="75000"/>
+                <a:lumOff val="25000"/>
+              </a:schemeClr>
+            </a:solidFill>
+          </a:ln>
+        </p:spPr>
+        <p:style>
+          <a:lnRef idx="2">
+            <a:schemeClr val="accent1">
+              <a:shade val="50000"/>
+            </a:schemeClr>
+          </a:lnRef>
+          <a:fillRef idx="1">
+            <a:schemeClr val="accent1"/>
+          </a:fillRef>
+          <a:effectRef idx="0">
+            <a:schemeClr val="accent1"/>
+          </a:effectRef>
+          <a:fontRef idx="minor">
+            <a:schemeClr val="lt1"/>
+          </a:fontRef>
+        </p:style>
+        <p:txBody>
+          <a:bodyPr rtlCol="0" anchor="ctr"/>
+          <a:lstStyle/>
+          <a:p>
+            <a:pPr algn="ctr"/>
+            <a:r>
+              <a:rPr lang="en-US" altLang="zh-CN" sz="1000" dirty="0" smtClean="0">
+                <a:solidFill>
+                  <a:schemeClr val="tx1"/>
+                </a:solidFill>
+              </a:rPr>
+              <a:t>project</a:t>
+            </a:r>
+            <a:endParaRPr lang="zh-CN" altLang="en-US" sz="1000" dirty="0">
+              <a:solidFill>
+                <a:schemeClr val="tx1"/>
+              </a:solidFill>
+            </a:endParaRPr>
+          </a:p>
+        </p:txBody>
+      </p:sp>
+      <p:sp>
+        <p:nvSpPr>
+          <p:cNvPr id="4" name="圆角矩形 3"/>
+          <p:cNvSpPr/>
+          <p:nvPr/>
+        </p:nvSpPr>
+        <p:spPr>
+          <a:xfrm>
+            <a:off x="1551178" y="2502011"/>
+            <a:ext cx="906624" cy="391886"/>
+          </a:xfrm>
+          <a:prstGeom prst="roundRect">
+            <a:avLst/>
+          </a:prstGeom>
+          <a:solidFill>
+            <a:schemeClr val="bg1">
+              <a:lumMod val="65000"/>
+            </a:schemeClr>
+          </a:solidFill>
+          <a:ln w="22225">
+            <a:solidFill>
+              <a:schemeClr val="tx1">
+                <a:lumMod val="75000"/>
+                <a:lumOff val="25000"/>
+              </a:schemeClr>
+            </a:solidFill>
+          </a:ln>
+        </p:spPr>
+        <p:style>
+          <a:lnRef idx="2">
+            <a:schemeClr val="accent1">
+              <a:shade val="50000"/>
+            </a:schemeClr>
+          </a:lnRef>
+          <a:fillRef idx="1">
+            <a:schemeClr val="accent1"/>
+          </a:fillRef>
+          <a:effectRef idx="0">
+            <a:schemeClr val="accent1"/>
+          </a:effectRef>
+          <a:fontRef idx="minor">
+            <a:schemeClr val="lt1"/>
+          </a:fontRef>
+        </p:style>
+        <p:txBody>
+          <a:bodyPr rtlCol="0" anchor="ctr"/>
+          <a:lstStyle/>
+          <a:p>
+            <a:pPr algn="ctr"/>
+            <a:r>
+              <a:rPr lang="en-US" altLang="zh-CN" sz="1000" dirty="0" smtClean="0">
+                <a:solidFill>
+                  <a:schemeClr val="tx1"/>
+                </a:solidFill>
+              </a:rPr>
+              <a:t>scan</a:t>
+            </a:r>
+            <a:endParaRPr lang="zh-CN" altLang="en-US" sz="1000" dirty="0">
+              <a:solidFill>
+                <a:schemeClr val="tx1"/>
+              </a:solidFill>
+            </a:endParaRPr>
+          </a:p>
+        </p:txBody>
+      </p:sp>
+      <p:sp>
+        <p:nvSpPr>
+          <p:cNvPr id="5" name="圆角矩形 4"/>
+          <p:cNvSpPr/>
+          <p:nvPr/>
+        </p:nvSpPr>
+        <p:spPr>
+          <a:xfrm>
+            <a:off x="3038108" y="1740011"/>
+            <a:ext cx="906624" cy="391886"/>
+          </a:xfrm>
+          <a:prstGeom prst="roundRect">
+            <a:avLst/>
+          </a:prstGeom>
+          <a:solidFill>
+            <a:schemeClr val="bg1">
+              <a:lumMod val="65000"/>
+            </a:schemeClr>
+          </a:solidFill>
+          <a:ln w="22225">
+            <a:solidFill>
+              <a:schemeClr val="tx1">
+                <a:lumMod val="75000"/>
+                <a:lumOff val="25000"/>
+              </a:schemeClr>
+            </a:solidFill>
+          </a:ln>
+        </p:spPr>
+        <p:style>
+          <a:lnRef idx="2">
+            <a:schemeClr val="accent1">
+              <a:shade val="50000"/>
+            </a:schemeClr>
+          </a:lnRef>
+          <a:fillRef idx="1">
+            <a:schemeClr val="accent1"/>
+          </a:fillRef>
+          <a:effectRef idx="0">
+            <a:schemeClr val="accent1"/>
+          </a:effectRef>
+          <a:fontRef idx="minor">
+            <a:schemeClr val="lt1"/>
+          </a:fontRef>
+        </p:style>
+        <p:txBody>
+          <a:bodyPr rtlCol="0" anchor="ctr"/>
+          <a:lstStyle/>
+          <a:p>
+            <a:pPr algn="ctr"/>
+            <a:r>
+              <a:rPr lang="en-US" altLang="zh-CN" sz="1000" dirty="0" smtClean="0">
+                <a:solidFill>
+                  <a:schemeClr val="tx1"/>
+                </a:solidFill>
+              </a:rPr>
+              <a:t>scan</a:t>
+            </a:r>
+            <a:endParaRPr lang="zh-CN" altLang="en-US" sz="1000" dirty="0">
+              <a:solidFill>
+                <a:schemeClr val="tx1"/>
+              </a:solidFill>
+            </a:endParaRPr>
+          </a:p>
+        </p:txBody>
+      </p:sp>
+      <p:sp>
+        <p:nvSpPr>
+          <p:cNvPr id="6" name="圆角矩形 5"/>
+          <p:cNvSpPr/>
+          <p:nvPr/>
+        </p:nvSpPr>
+        <p:spPr>
+          <a:xfrm>
+            <a:off x="3038108" y="2385148"/>
+            <a:ext cx="906624" cy="391886"/>
+          </a:xfrm>
+          <a:prstGeom prst="roundRect">
+            <a:avLst/>
+          </a:prstGeom>
+          <a:solidFill>
+            <a:schemeClr val="bg1">
+              <a:lumMod val="65000"/>
+            </a:schemeClr>
+          </a:solidFill>
+          <a:ln w="22225">
+            <a:solidFill>
+              <a:schemeClr val="tx1">
+                <a:lumMod val="75000"/>
+                <a:lumOff val="25000"/>
+              </a:schemeClr>
+            </a:solidFill>
+          </a:ln>
+        </p:spPr>
+        <p:style>
+          <a:lnRef idx="2">
+            <a:schemeClr val="accent1">
+              <a:shade val="50000"/>
+            </a:schemeClr>
+          </a:lnRef>
+          <a:fillRef idx="1">
+            <a:schemeClr val="accent1"/>
+          </a:fillRef>
+          <a:effectRef idx="0">
+            <a:schemeClr val="accent1"/>
+          </a:effectRef>
+          <a:fontRef idx="minor">
+            <a:schemeClr val="lt1"/>
+          </a:fontRef>
+        </p:style>
+        <p:txBody>
+          <a:bodyPr rtlCol="0" anchor="ctr"/>
+          <a:lstStyle/>
+          <a:p>
+            <a:pPr algn="ctr"/>
+            <a:r>
+              <a:rPr lang="en-US" altLang="zh-CN" sz="1000" dirty="0" smtClean="0">
+                <a:solidFill>
+                  <a:schemeClr val="tx1"/>
+                </a:solidFill>
+              </a:rPr>
+              <a:t>sort</a:t>
+            </a:r>
+            <a:endParaRPr lang="zh-CN" altLang="en-US" sz="1000" dirty="0">
+              <a:solidFill>
+                <a:schemeClr val="tx1"/>
+              </a:solidFill>
+            </a:endParaRPr>
+          </a:p>
+        </p:txBody>
+      </p:sp>
+      <p:sp>
+        <p:nvSpPr>
+          <p:cNvPr id="7" name="圆角矩形 6"/>
+          <p:cNvSpPr/>
+          <p:nvPr/>
+        </p:nvSpPr>
+        <p:spPr>
+          <a:xfrm>
+            <a:off x="3038108" y="3030285"/>
+            <a:ext cx="906624" cy="391886"/>
+          </a:xfrm>
+          <a:prstGeom prst="roundRect">
+            <a:avLst/>
+          </a:prstGeom>
+          <a:solidFill>
+            <a:schemeClr val="bg1">
+              <a:lumMod val="65000"/>
+            </a:schemeClr>
+          </a:solidFill>
+          <a:ln w="22225">
+            <a:solidFill>
+              <a:schemeClr val="tx1">
+                <a:lumMod val="75000"/>
+                <a:lumOff val="25000"/>
+              </a:schemeClr>
+            </a:solidFill>
+          </a:ln>
+        </p:spPr>
+        <p:style>
+          <a:lnRef idx="2">
+            <a:schemeClr val="accent1">
+              <a:shade val="50000"/>
+            </a:schemeClr>
+          </a:lnRef>
+          <a:fillRef idx="1">
+            <a:schemeClr val="accent1"/>
+          </a:fillRef>
+          <a:effectRef idx="0">
+            <a:schemeClr val="accent1"/>
+          </a:effectRef>
+          <a:fontRef idx="minor">
+            <a:schemeClr val="lt1"/>
+          </a:fontRef>
+        </p:style>
+        <p:txBody>
+          <a:bodyPr rtlCol="0" anchor="ctr"/>
+          <a:lstStyle/>
+          <a:p>
+            <a:pPr algn="ctr"/>
+            <a:r>
+              <a:rPr lang="en-US" altLang="zh-CN" sz="1000" dirty="0" smtClean="0">
+                <a:solidFill>
+                  <a:schemeClr val="tx1"/>
+                </a:solidFill>
+              </a:rPr>
+              <a:t>scan</a:t>
+            </a:r>
+            <a:endParaRPr lang="zh-CN" altLang="en-US" sz="1000" dirty="0">
+              <a:solidFill>
+                <a:schemeClr val="tx1"/>
+              </a:solidFill>
+            </a:endParaRPr>
+          </a:p>
+        </p:txBody>
+      </p:sp>
+      <p:sp>
+        <p:nvSpPr>
+          <p:cNvPr id="8" name="圆角矩形 7"/>
+          <p:cNvSpPr/>
+          <p:nvPr/>
+        </p:nvSpPr>
+        <p:spPr>
+          <a:xfrm>
+            <a:off x="4525038" y="1738308"/>
+            <a:ext cx="906624" cy="391886"/>
+          </a:xfrm>
+          <a:prstGeom prst="roundRect">
+            <a:avLst/>
+          </a:prstGeom>
+          <a:solidFill>
+            <a:schemeClr val="bg1">
+              <a:lumMod val="65000"/>
+            </a:schemeClr>
+          </a:solidFill>
+          <a:ln w="22225">
+            <a:solidFill>
+              <a:schemeClr val="tx1">
+                <a:lumMod val="75000"/>
+                <a:lumOff val="25000"/>
+              </a:schemeClr>
+            </a:solidFill>
+          </a:ln>
+        </p:spPr>
+        <p:style>
+          <a:lnRef idx="2">
+            <a:schemeClr val="accent1">
+              <a:shade val="50000"/>
+            </a:schemeClr>
+          </a:lnRef>
+          <a:fillRef idx="1">
+            <a:schemeClr val="accent1"/>
+          </a:fillRef>
+          <a:effectRef idx="0">
+            <a:schemeClr val="accent1"/>
+          </a:effectRef>
+          <a:fontRef idx="minor">
+            <a:schemeClr val="lt1"/>
+          </a:fontRef>
+        </p:style>
+        <p:txBody>
+          <a:bodyPr rtlCol="0" anchor="ctr"/>
+          <a:lstStyle/>
+          <a:p>
+            <a:pPr algn="ctr"/>
+            <a:r>
+              <a:rPr lang="en-US" altLang="zh-CN" sz="1000" dirty="0" smtClean="0">
+                <a:solidFill>
+                  <a:schemeClr val="tx1"/>
+                </a:solidFill>
+              </a:rPr>
+              <a:t>scan</a:t>
+            </a:r>
+            <a:endParaRPr lang="zh-CN" altLang="en-US" sz="1000" dirty="0">
+              <a:solidFill>
+                <a:schemeClr val="tx1"/>
+              </a:solidFill>
+            </a:endParaRPr>
+          </a:p>
+        </p:txBody>
+      </p:sp>
+      <p:sp>
+        <p:nvSpPr>
+          <p:cNvPr id="9" name="圆角矩形 8"/>
+          <p:cNvSpPr/>
+          <p:nvPr/>
+        </p:nvSpPr>
+        <p:spPr>
+          <a:xfrm>
+            <a:off x="4525038" y="2383445"/>
+            <a:ext cx="906624" cy="391886"/>
+          </a:xfrm>
+          <a:prstGeom prst="roundRect">
+            <a:avLst/>
+          </a:prstGeom>
+          <a:solidFill>
+            <a:schemeClr val="bg1">
+              <a:lumMod val="65000"/>
+            </a:schemeClr>
+          </a:solidFill>
+          <a:ln w="22225">
+            <a:solidFill>
+              <a:schemeClr val="tx1">
+                <a:lumMod val="75000"/>
+                <a:lumOff val="25000"/>
+              </a:schemeClr>
+            </a:solidFill>
+          </a:ln>
+        </p:spPr>
+        <p:style>
+          <a:lnRef idx="2">
+            <a:schemeClr val="accent1">
+              <a:shade val="50000"/>
+            </a:schemeClr>
+          </a:lnRef>
+          <a:fillRef idx="1">
+            <a:schemeClr val="accent1"/>
+          </a:fillRef>
+          <a:effectRef idx="0">
+            <a:schemeClr val="accent1"/>
+          </a:effectRef>
+          <a:fontRef idx="minor">
+            <a:schemeClr val="lt1"/>
+          </a:fontRef>
+        </p:style>
+        <p:txBody>
+          <a:bodyPr rtlCol="0" anchor="ctr"/>
+          <a:lstStyle/>
+          <a:p>
+            <a:pPr algn="ctr"/>
+            <a:r>
+              <a:rPr lang="en-US" altLang="zh-CN" sz="1000" dirty="0" smtClean="0">
+                <a:solidFill>
+                  <a:schemeClr val="tx1"/>
+                </a:solidFill>
+              </a:rPr>
+              <a:t>aggregation</a:t>
+            </a:r>
+            <a:endParaRPr lang="zh-CN" altLang="en-US" sz="1000" dirty="0">
+              <a:solidFill>
+                <a:schemeClr val="tx1"/>
+              </a:solidFill>
+            </a:endParaRPr>
+          </a:p>
+        </p:txBody>
+      </p:sp>
+      <p:sp>
+        <p:nvSpPr>
+          <p:cNvPr id="10" name="圆角矩形 9"/>
+          <p:cNvSpPr/>
+          <p:nvPr/>
+        </p:nvSpPr>
+        <p:spPr>
+          <a:xfrm>
+            <a:off x="4525038" y="3028582"/>
+            <a:ext cx="906624" cy="391886"/>
+          </a:xfrm>
+          <a:prstGeom prst="roundRect">
+            <a:avLst/>
+          </a:prstGeom>
+          <a:solidFill>
+            <a:schemeClr val="bg1">
+              <a:lumMod val="65000"/>
+            </a:schemeClr>
+          </a:solidFill>
+          <a:ln w="22225">
+            <a:solidFill>
+              <a:schemeClr val="tx1">
+                <a:lumMod val="75000"/>
+                <a:lumOff val="25000"/>
+              </a:schemeClr>
+            </a:solidFill>
+          </a:ln>
+        </p:spPr>
+        <p:style>
+          <a:lnRef idx="2">
+            <a:schemeClr val="accent1">
+              <a:shade val="50000"/>
+            </a:schemeClr>
+          </a:lnRef>
+          <a:fillRef idx="1">
+            <a:schemeClr val="accent1"/>
+          </a:fillRef>
+          <a:effectRef idx="0">
+            <a:schemeClr val="accent1"/>
+          </a:effectRef>
+          <a:fontRef idx="minor">
+            <a:schemeClr val="lt1"/>
+          </a:fontRef>
+        </p:style>
+        <p:txBody>
+          <a:bodyPr rtlCol="0" anchor="ctr"/>
+          <a:lstStyle/>
+          <a:p>
+            <a:pPr algn="ctr"/>
+            <a:r>
+              <a:rPr lang="en-US" altLang="zh-CN" sz="1000" dirty="0" smtClean="0">
+                <a:solidFill>
+                  <a:schemeClr val="tx1"/>
+                </a:solidFill>
+              </a:rPr>
+              <a:t>scan</a:t>
+            </a:r>
+            <a:endParaRPr lang="zh-CN" altLang="en-US" sz="1000" dirty="0">
+              <a:solidFill>
+                <a:schemeClr val="tx1"/>
+              </a:solidFill>
+            </a:endParaRPr>
+          </a:p>
+        </p:txBody>
+      </p:sp>
+      <p:cxnSp>
+        <p:nvCxnSpPr>
+          <p:cNvPr id="11" name="直接箭头连接符 10"/>
+          <p:cNvCxnSpPr>
+            <a:stCxn id="4" idx="0"/>
+            <a:endCxn id="3" idx="2"/>
+          </p:cNvCxnSpPr>
+          <p:nvPr/>
+        </p:nvCxnSpPr>
+        <p:spPr>
+          <a:xfrm flipV="1">
+            <a:off x="2004490" y="2131897"/>
+            <a:ext cx="0" cy="370114"/>
+          </a:xfrm>
+          <a:prstGeom prst="straightConnector1">
+            <a:avLst/>
+          </a:prstGeom>
+          <a:ln w="31750">
+            <a:solidFill>
+              <a:schemeClr val="tx1">
+                <a:lumMod val="85000"/>
+                <a:lumOff val="15000"/>
+              </a:schemeClr>
+            </a:solidFill>
+            <a:tailEnd type="triangle"/>
+          </a:ln>
+        </p:spPr>
+        <p:style>
+          <a:lnRef idx="1">
+            <a:schemeClr val="accent1"/>
+          </a:lnRef>
+          <a:fillRef idx="0">
+            <a:schemeClr val="accent1"/>
+          </a:fillRef>
+          <a:effectRef idx="0">
+            <a:schemeClr val="accent1"/>
+          </a:effectRef>
+          <a:fontRef idx="minor">
+            <a:schemeClr val="tx1"/>
+          </a:fontRef>
+        </p:style>
+      </p:cxnSp>
+      <p:cxnSp>
+        <p:nvCxnSpPr>
+          <p:cNvPr id="14" name="直接箭头连接符 13"/>
+          <p:cNvCxnSpPr>
+            <a:stCxn id="6" idx="0"/>
+            <a:endCxn id="5" idx="2"/>
+          </p:cNvCxnSpPr>
+          <p:nvPr/>
+        </p:nvCxnSpPr>
+        <p:spPr>
+          <a:xfrm flipV="1">
+            <a:off x="3491420" y="2131897"/>
+            <a:ext cx="0" cy="253251"/>
+          </a:xfrm>
+          <a:prstGeom prst="straightConnector1">
+            <a:avLst/>
+          </a:prstGeom>
+          <a:ln w="31750">
+            <a:solidFill>
+              <a:schemeClr val="tx1">
+                <a:lumMod val="85000"/>
+                <a:lumOff val="15000"/>
+              </a:schemeClr>
+            </a:solidFill>
+            <a:tailEnd type="triangle"/>
+          </a:ln>
+        </p:spPr>
+        <p:style>
+          <a:lnRef idx="1">
+            <a:schemeClr val="accent1"/>
+          </a:lnRef>
+          <a:fillRef idx="0">
+            <a:schemeClr val="accent1"/>
+          </a:fillRef>
+          <a:effectRef idx="0">
+            <a:schemeClr val="accent1"/>
+          </a:effectRef>
+          <a:fontRef idx="minor">
+            <a:schemeClr val="tx1"/>
+          </a:fontRef>
+        </p:style>
+      </p:cxnSp>
+      <p:cxnSp>
+        <p:nvCxnSpPr>
+          <p:cNvPr id="17" name="直接箭头连接符 16"/>
+          <p:cNvCxnSpPr>
+            <a:stCxn id="7" idx="0"/>
+            <a:endCxn id="6" idx="2"/>
+          </p:cNvCxnSpPr>
+          <p:nvPr/>
+        </p:nvCxnSpPr>
+        <p:spPr>
+          <a:xfrm flipV="1">
+            <a:off x="3491420" y="2777034"/>
+            <a:ext cx="0" cy="253251"/>
+          </a:xfrm>
+          <a:prstGeom prst="straightConnector1">
+            <a:avLst/>
+          </a:prstGeom>
+          <a:ln w="31750">
+            <a:solidFill>
+              <a:schemeClr val="tx1">
+                <a:lumMod val="85000"/>
+                <a:lumOff val="15000"/>
+              </a:schemeClr>
+            </a:solidFill>
+            <a:tailEnd type="triangle"/>
+          </a:ln>
+        </p:spPr>
+        <p:style>
+          <a:lnRef idx="1">
+            <a:schemeClr val="accent1"/>
+          </a:lnRef>
+          <a:fillRef idx="0">
+            <a:schemeClr val="accent1"/>
+          </a:fillRef>
+          <a:effectRef idx="0">
+            <a:schemeClr val="accent1"/>
+          </a:effectRef>
+          <a:fontRef idx="minor">
+            <a:schemeClr val="tx1"/>
+          </a:fontRef>
+        </p:style>
+      </p:cxnSp>
+      <p:cxnSp>
+        <p:nvCxnSpPr>
+          <p:cNvPr id="20" name="直接箭头连接符 19"/>
+          <p:cNvCxnSpPr>
+            <a:stCxn id="9" idx="0"/>
+            <a:endCxn id="8" idx="2"/>
+          </p:cNvCxnSpPr>
+          <p:nvPr/>
+        </p:nvCxnSpPr>
+        <p:spPr>
+          <a:xfrm flipV="1">
+            <a:off x="4978350" y="2130194"/>
+            <a:ext cx="0" cy="253251"/>
+          </a:xfrm>
+          <a:prstGeom prst="straightConnector1">
+            <a:avLst/>
+          </a:prstGeom>
+          <a:ln w="31750">
+            <a:solidFill>
+              <a:schemeClr val="tx1">
+                <a:lumMod val="85000"/>
+                <a:lumOff val="15000"/>
+              </a:schemeClr>
+            </a:solidFill>
+            <a:tailEnd type="triangle"/>
+          </a:ln>
+        </p:spPr>
+        <p:style>
+          <a:lnRef idx="1">
+            <a:schemeClr val="accent1"/>
+          </a:lnRef>
+          <a:fillRef idx="0">
+            <a:schemeClr val="accent1"/>
+          </a:fillRef>
+          <a:effectRef idx="0">
+            <a:schemeClr val="accent1"/>
+          </a:effectRef>
+          <a:fontRef idx="minor">
+            <a:schemeClr val="tx1"/>
+          </a:fontRef>
+        </p:style>
+      </p:cxnSp>
+      <p:cxnSp>
+        <p:nvCxnSpPr>
+          <p:cNvPr id="23" name="直接箭头连接符 22"/>
+          <p:cNvCxnSpPr>
+            <a:stCxn id="10" idx="0"/>
+            <a:endCxn id="9" idx="2"/>
+          </p:cNvCxnSpPr>
+          <p:nvPr/>
+        </p:nvCxnSpPr>
+        <p:spPr>
+          <a:xfrm flipV="1">
+            <a:off x="4978350" y="2775331"/>
+            <a:ext cx="0" cy="253251"/>
+          </a:xfrm>
+          <a:prstGeom prst="straightConnector1">
+            <a:avLst/>
+          </a:prstGeom>
+          <a:ln w="31750">
+            <a:solidFill>
+              <a:schemeClr val="tx1">
+                <a:lumMod val="85000"/>
+                <a:lumOff val="15000"/>
+              </a:schemeClr>
+            </a:solidFill>
+            <a:tailEnd type="triangle"/>
+          </a:ln>
+        </p:spPr>
+        <p:style>
+          <a:lnRef idx="1">
+            <a:schemeClr val="accent1"/>
+          </a:lnRef>
+          <a:fillRef idx="0">
+            <a:schemeClr val="accent1"/>
+          </a:fillRef>
+          <a:effectRef idx="0">
+            <a:schemeClr val="accent1"/>
+          </a:effectRef>
+          <a:fontRef idx="minor">
+            <a:schemeClr val="tx1"/>
+          </a:fontRef>
+        </p:style>
+      </p:cxnSp>
+      <p:sp>
+        <p:nvSpPr>
+          <p:cNvPr id="26" name="圆角矩形 25"/>
+          <p:cNvSpPr/>
+          <p:nvPr/>
+        </p:nvSpPr>
+        <p:spPr>
+          <a:xfrm>
+            <a:off x="5884974" y="1738308"/>
+            <a:ext cx="906624" cy="391886"/>
+          </a:xfrm>
+          <a:prstGeom prst="roundRect">
+            <a:avLst/>
+          </a:prstGeom>
+          <a:solidFill>
+            <a:schemeClr val="bg1">
+              <a:lumMod val="65000"/>
+            </a:schemeClr>
+          </a:solidFill>
+          <a:ln w="22225">
+            <a:solidFill>
+              <a:schemeClr val="tx1">
+                <a:lumMod val="75000"/>
+                <a:lumOff val="25000"/>
+              </a:schemeClr>
+            </a:solidFill>
+          </a:ln>
+        </p:spPr>
+        <p:style>
+          <a:lnRef idx="2">
+            <a:schemeClr val="accent1">
+              <a:shade val="50000"/>
+            </a:schemeClr>
+          </a:lnRef>
+          <a:fillRef idx="1">
+            <a:schemeClr val="accent1"/>
+          </a:fillRef>
+          <a:effectRef idx="0">
+            <a:schemeClr val="accent1"/>
+          </a:effectRef>
+          <a:fontRef idx="minor">
+            <a:schemeClr val="lt1"/>
+          </a:fontRef>
+        </p:style>
+        <p:txBody>
+          <a:bodyPr rtlCol="0" anchor="ctr"/>
+          <a:lstStyle/>
+          <a:p>
+            <a:pPr algn="ctr"/>
+            <a:r>
+              <a:rPr lang="en-US" altLang="zh-CN" sz="1000" dirty="0" smtClean="0">
+                <a:solidFill>
+                  <a:schemeClr val="tx1"/>
+                </a:solidFill>
+              </a:rPr>
+              <a:t>scan</a:t>
+            </a:r>
+            <a:endParaRPr lang="zh-CN" altLang="en-US" sz="1000" dirty="0">
+              <a:solidFill>
+                <a:schemeClr val="tx1"/>
+              </a:solidFill>
+            </a:endParaRPr>
+          </a:p>
+        </p:txBody>
+      </p:sp>
+      <p:sp>
+        <p:nvSpPr>
+          <p:cNvPr id="27" name="圆角矩形 26"/>
+          <p:cNvSpPr/>
+          <p:nvPr/>
+        </p:nvSpPr>
+        <p:spPr>
+          <a:xfrm>
+            <a:off x="5884974" y="2383445"/>
+            <a:ext cx="906624" cy="391886"/>
+          </a:xfrm>
+          <a:prstGeom prst="roundRect">
+            <a:avLst/>
+          </a:prstGeom>
+          <a:solidFill>
+            <a:schemeClr val="bg1">
+              <a:lumMod val="65000"/>
+            </a:schemeClr>
+          </a:solidFill>
+          <a:ln w="22225">
+            <a:solidFill>
+              <a:schemeClr val="tx1">
+                <a:lumMod val="75000"/>
+                <a:lumOff val="25000"/>
+              </a:schemeClr>
+            </a:solidFill>
+          </a:ln>
+        </p:spPr>
+        <p:style>
+          <a:lnRef idx="2">
+            <a:schemeClr val="accent1">
+              <a:shade val="50000"/>
+            </a:schemeClr>
+          </a:lnRef>
+          <a:fillRef idx="1">
+            <a:schemeClr val="accent1"/>
+          </a:fillRef>
+          <a:effectRef idx="0">
+            <a:schemeClr val="accent1"/>
+          </a:effectRef>
+          <a:fontRef idx="minor">
+            <a:schemeClr val="lt1"/>
+          </a:fontRef>
+        </p:style>
+        <p:txBody>
+          <a:bodyPr rtlCol="0" anchor="ctr"/>
+          <a:lstStyle/>
+          <a:p>
+            <a:pPr algn="ctr"/>
+            <a:r>
+              <a:rPr lang="en-US" altLang="zh-CN" sz="1000" dirty="0" smtClean="0">
+                <a:solidFill>
+                  <a:schemeClr val="tx1"/>
+                </a:solidFill>
+              </a:rPr>
+              <a:t>group</a:t>
+            </a:r>
+            <a:endParaRPr lang="zh-CN" altLang="en-US" sz="1000" dirty="0">
+              <a:solidFill>
+                <a:schemeClr val="tx1"/>
+              </a:solidFill>
+            </a:endParaRPr>
+          </a:p>
+        </p:txBody>
+      </p:sp>
+      <p:sp>
+        <p:nvSpPr>
+          <p:cNvPr id="28" name="圆角矩形 27"/>
+          <p:cNvSpPr/>
+          <p:nvPr/>
+        </p:nvSpPr>
+        <p:spPr>
+          <a:xfrm>
+            <a:off x="5884974" y="3028582"/>
+            <a:ext cx="906624" cy="391886"/>
+          </a:xfrm>
+          <a:prstGeom prst="roundRect">
+            <a:avLst/>
+          </a:prstGeom>
+          <a:solidFill>
+            <a:schemeClr val="bg1">
+              <a:lumMod val="65000"/>
+            </a:schemeClr>
+          </a:solidFill>
+          <a:ln w="22225">
+            <a:solidFill>
+              <a:schemeClr val="tx1">
+                <a:lumMod val="75000"/>
+                <a:lumOff val="25000"/>
+              </a:schemeClr>
+            </a:solidFill>
+          </a:ln>
+        </p:spPr>
+        <p:style>
+          <a:lnRef idx="2">
+            <a:schemeClr val="accent1">
+              <a:shade val="50000"/>
+            </a:schemeClr>
+          </a:lnRef>
+          <a:fillRef idx="1">
+            <a:schemeClr val="accent1"/>
+          </a:fillRef>
+          <a:effectRef idx="0">
+            <a:schemeClr val="accent1"/>
+          </a:effectRef>
+          <a:fontRef idx="minor">
+            <a:schemeClr val="lt1"/>
+          </a:fontRef>
+        </p:style>
+        <p:txBody>
+          <a:bodyPr rtlCol="0" anchor="ctr"/>
+          <a:lstStyle/>
+          <a:p>
+            <a:pPr algn="ctr"/>
+            <a:r>
+              <a:rPr lang="en-US" altLang="zh-CN" sz="1000" dirty="0" smtClean="0">
+                <a:solidFill>
+                  <a:schemeClr val="tx1"/>
+                </a:solidFill>
+              </a:rPr>
+              <a:t>scan</a:t>
+            </a:r>
+            <a:endParaRPr lang="zh-CN" altLang="en-US" sz="1000" dirty="0">
+              <a:solidFill>
+                <a:schemeClr val="tx1"/>
+              </a:solidFill>
+            </a:endParaRPr>
+          </a:p>
+        </p:txBody>
+      </p:sp>
+      <p:cxnSp>
+        <p:nvCxnSpPr>
+          <p:cNvPr id="29" name="直接箭头连接符 28"/>
+          <p:cNvCxnSpPr>
+            <a:stCxn id="27" idx="0"/>
+            <a:endCxn id="26" idx="2"/>
+          </p:cNvCxnSpPr>
+          <p:nvPr/>
+        </p:nvCxnSpPr>
+        <p:spPr>
+          <a:xfrm flipV="1">
+            <a:off x="6338286" y="2130194"/>
+            <a:ext cx="0" cy="253251"/>
+          </a:xfrm>
+          <a:prstGeom prst="straightConnector1">
+            <a:avLst/>
+          </a:prstGeom>
+          <a:ln w="31750">
+            <a:solidFill>
+              <a:schemeClr val="tx1">
+                <a:lumMod val="85000"/>
+                <a:lumOff val="15000"/>
+              </a:schemeClr>
+            </a:solidFill>
+            <a:tailEnd type="triangle"/>
+          </a:ln>
+        </p:spPr>
+        <p:style>
+          <a:lnRef idx="1">
+            <a:schemeClr val="accent1"/>
+          </a:lnRef>
+          <a:fillRef idx="0">
+            <a:schemeClr val="accent1"/>
+          </a:fillRef>
+          <a:effectRef idx="0">
+            <a:schemeClr val="accent1"/>
+          </a:effectRef>
+          <a:fontRef idx="minor">
+            <a:schemeClr val="tx1"/>
+          </a:fontRef>
+        </p:style>
+      </p:cxnSp>
+      <p:cxnSp>
+        <p:nvCxnSpPr>
+          <p:cNvPr id="30" name="直接箭头连接符 29"/>
+          <p:cNvCxnSpPr>
+            <a:stCxn id="28" idx="0"/>
+            <a:endCxn id="27" idx="2"/>
+          </p:cNvCxnSpPr>
+          <p:nvPr/>
+        </p:nvCxnSpPr>
+        <p:spPr>
+          <a:xfrm flipV="1">
+            <a:off x="6338286" y="2775331"/>
+            <a:ext cx="0" cy="253251"/>
+          </a:xfrm>
+          <a:prstGeom prst="straightConnector1">
+            <a:avLst/>
+          </a:prstGeom>
+          <a:ln w="31750">
+            <a:solidFill>
+              <a:schemeClr val="tx1">
+                <a:lumMod val="85000"/>
+                <a:lumOff val="15000"/>
+              </a:schemeClr>
+            </a:solidFill>
+            <a:tailEnd type="triangle"/>
+          </a:ln>
+        </p:spPr>
+        <p:style>
+          <a:lnRef idx="1">
+            <a:schemeClr val="accent1"/>
+          </a:lnRef>
+          <a:fillRef idx="0">
+            <a:schemeClr val="accent1"/>
+          </a:fillRef>
+          <a:effectRef idx="0">
+            <a:schemeClr val="accent1"/>
+          </a:effectRef>
+          <a:fontRef idx="minor">
+            <a:schemeClr val="tx1"/>
+          </a:fontRef>
+        </p:style>
+      </p:cxnSp>
+      <p:sp>
+        <p:nvSpPr>
+          <p:cNvPr id="31" name="圆角矩形 30"/>
+          <p:cNvSpPr/>
+          <p:nvPr/>
+        </p:nvSpPr>
+        <p:spPr>
+          <a:xfrm>
+            <a:off x="7244909" y="1738308"/>
+            <a:ext cx="906624" cy="391886"/>
+          </a:xfrm>
+          <a:prstGeom prst="roundRect">
+            <a:avLst/>
+          </a:prstGeom>
+          <a:solidFill>
+            <a:schemeClr val="bg1">
+              <a:lumMod val="65000"/>
+            </a:schemeClr>
+          </a:solidFill>
+          <a:ln w="22225">
+            <a:solidFill>
+              <a:schemeClr val="tx1">
+                <a:lumMod val="75000"/>
+                <a:lumOff val="25000"/>
+              </a:schemeClr>
+            </a:solidFill>
+          </a:ln>
+        </p:spPr>
+        <p:style>
+          <a:lnRef idx="2">
+            <a:schemeClr val="accent1">
+              <a:shade val="50000"/>
+            </a:schemeClr>
+          </a:lnRef>
+          <a:fillRef idx="1">
+            <a:schemeClr val="accent1"/>
+          </a:fillRef>
+          <a:effectRef idx="0">
+            <a:schemeClr val="accent1"/>
+          </a:effectRef>
+          <a:fontRef idx="minor">
+            <a:schemeClr val="lt1"/>
+          </a:fontRef>
+        </p:style>
+        <p:txBody>
+          <a:bodyPr rtlCol="0" anchor="ctr"/>
+          <a:lstStyle/>
+          <a:p>
+            <a:pPr algn="ctr"/>
+            <a:r>
+              <a:rPr lang="en-US" altLang="zh-CN" sz="1000" dirty="0" smtClean="0">
+                <a:solidFill>
+                  <a:schemeClr val="tx1"/>
+                </a:solidFill>
+              </a:rPr>
+              <a:t>scan</a:t>
+            </a:r>
+            <a:endParaRPr lang="zh-CN" altLang="en-US" sz="1000" dirty="0">
+              <a:solidFill>
+                <a:schemeClr val="tx1"/>
+              </a:solidFill>
+            </a:endParaRPr>
+          </a:p>
+        </p:txBody>
+      </p:sp>
+      <p:sp>
+        <p:nvSpPr>
+          <p:cNvPr id="32" name="圆角矩形 31"/>
+          <p:cNvSpPr/>
+          <p:nvPr/>
+        </p:nvSpPr>
+        <p:spPr>
+          <a:xfrm>
+            <a:off x="7244910" y="2981392"/>
+            <a:ext cx="906624" cy="391886"/>
+          </a:xfrm>
+          <a:prstGeom prst="roundRect">
+            <a:avLst/>
+          </a:prstGeom>
+          <a:solidFill>
+            <a:schemeClr val="bg1">
+              <a:lumMod val="65000"/>
+            </a:schemeClr>
+          </a:solidFill>
+          <a:ln w="22225">
+            <a:solidFill>
+              <a:schemeClr val="tx1">
+                <a:lumMod val="75000"/>
+                <a:lumOff val="25000"/>
+              </a:schemeClr>
+            </a:solidFill>
+          </a:ln>
+        </p:spPr>
+        <p:style>
+          <a:lnRef idx="2">
+            <a:schemeClr val="accent1">
+              <a:shade val="50000"/>
+            </a:schemeClr>
+          </a:lnRef>
+          <a:fillRef idx="1">
+            <a:schemeClr val="accent1"/>
+          </a:fillRef>
+          <a:effectRef idx="0">
+            <a:schemeClr val="accent1"/>
+          </a:effectRef>
+          <a:fontRef idx="minor">
+            <a:schemeClr val="lt1"/>
+          </a:fontRef>
+        </p:style>
+        <p:txBody>
+          <a:bodyPr rtlCol="0" anchor="ctr"/>
+          <a:lstStyle/>
+          <a:p>
+            <a:pPr algn="ctr"/>
+            <a:r>
+              <a:rPr lang="en-US" altLang="zh-CN" sz="1000" dirty="0" smtClean="0">
+                <a:solidFill>
+                  <a:schemeClr val="tx1"/>
+                </a:solidFill>
+              </a:rPr>
+              <a:t>group</a:t>
+            </a:r>
+            <a:endParaRPr lang="zh-CN" altLang="en-US" sz="1000" dirty="0">
+              <a:solidFill>
+                <a:schemeClr val="tx1"/>
+              </a:solidFill>
+            </a:endParaRPr>
+          </a:p>
+        </p:txBody>
+      </p:sp>
+      <p:sp>
+        <p:nvSpPr>
+          <p:cNvPr id="33" name="圆角矩形 32"/>
+          <p:cNvSpPr/>
+          <p:nvPr/>
+        </p:nvSpPr>
+        <p:spPr>
+          <a:xfrm>
+            <a:off x="7244910" y="3626529"/>
+            <a:ext cx="906624" cy="391886"/>
+          </a:xfrm>
+          <a:prstGeom prst="roundRect">
+            <a:avLst/>
+          </a:prstGeom>
+          <a:solidFill>
+            <a:schemeClr val="bg1">
+              <a:lumMod val="65000"/>
+            </a:schemeClr>
+          </a:solidFill>
+          <a:ln w="22225">
+            <a:solidFill>
+              <a:schemeClr val="tx1">
+                <a:lumMod val="75000"/>
+                <a:lumOff val="25000"/>
+              </a:schemeClr>
+            </a:solidFill>
+          </a:ln>
+        </p:spPr>
+        <p:style>
+          <a:lnRef idx="2">
+            <a:schemeClr val="accent1">
+              <a:shade val="50000"/>
+            </a:schemeClr>
+          </a:lnRef>
+          <a:fillRef idx="1">
+            <a:schemeClr val="accent1"/>
+          </a:fillRef>
+          <a:effectRef idx="0">
+            <a:schemeClr val="accent1"/>
+          </a:effectRef>
+          <a:fontRef idx="minor">
+            <a:schemeClr val="lt1"/>
+          </a:fontRef>
+        </p:style>
+        <p:txBody>
+          <a:bodyPr rtlCol="0" anchor="ctr"/>
+          <a:lstStyle/>
+          <a:p>
+            <a:pPr algn="ctr"/>
+            <a:r>
+              <a:rPr lang="en-US" altLang="zh-CN" sz="1000" dirty="0" smtClean="0">
+                <a:solidFill>
+                  <a:schemeClr val="tx1"/>
+                </a:solidFill>
+              </a:rPr>
+              <a:t>scan</a:t>
+            </a:r>
+            <a:endParaRPr lang="zh-CN" altLang="en-US" sz="1000" dirty="0">
+              <a:solidFill>
+                <a:schemeClr val="tx1"/>
+              </a:solidFill>
+            </a:endParaRPr>
+          </a:p>
+        </p:txBody>
+      </p:sp>
+      <p:cxnSp>
+        <p:nvCxnSpPr>
+          <p:cNvPr id="34" name="直接箭头连接符 33"/>
+          <p:cNvCxnSpPr>
+            <a:stCxn id="37" idx="0"/>
+            <a:endCxn id="31" idx="2"/>
+          </p:cNvCxnSpPr>
+          <p:nvPr/>
+        </p:nvCxnSpPr>
+        <p:spPr>
+          <a:xfrm flipV="1">
+            <a:off x="7698221" y="2130194"/>
+            <a:ext cx="0" cy="195943"/>
+          </a:xfrm>
+          <a:prstGeom prst="straightConnector1">
+            <a:avLst/>
+          </a:prstGeom>
+          <a:ln w="31750">
+            <a:solidFill>
+              <a:schemeClr val="tx1">
+                <a:lumMod val="85000"/>
+                <a:lumOff val="15000"/>
+              </a:schemeClr>
+            </a:solidFill>
+            <a:tailEnd type="triangle"/>
+          </a:ln>
+        </p:spPr>
+        <p:style>
+          <a:lnRef idx="1">
+            <a:schemeClr val="accent1"/>
+          </a:lnRef>
+          <a:fillRef idx="0">
+            <a:schemeClr val="accent1"/>
+          </a:fillRef>
+          <a:effectRef idx="0">
+            <a:schemeClr val="accent1"/>
+          </a:effectRef>
+          <a:fontRef idx="minor">
+            <a:schemeClr val="tx1"/>
+          </a:fontRef>
+        </p:style>
+      </p:cxnSp>
+      <p:cxnSp>
+        <p:nvCxnSpPr>
+          <p:cNvPr id="35" name="直接箭头连接符 34"/>
+          <p:cNvCxnSpPr>
+            <a:stCxn id="33" idx="0"/>
+            <a:endCxn id="32" idx="2"/>
+          </p:cNvCxnSpPr>
+          <p:nvPr/>
+        </p:nvCxnSpPr>
+        <p:spPr>
+          <a:xfrm flipV="1">
+            <a:off x="7698222" y="3373278"/>
+            <a:ext cx="0" cy="253251"/>
+          </a:xfrm>
+          <a:prstGeom prst="straightConnector1">
+            <a:avLst/>
+          </a:prstGeom>
+          <a:ln w="31750">
+            <a:solidFill>
+              <a:schemeClr val="tx1">
+                <a:lumMod val="85000"/>
+                <a:lumOff val="15000"/>
+              </a:schemeClr>
+            </a:solidFill>
+            <a:tailEnd type="triangle"/>
+          </a:ln>
+        </p:spPr>
+        <p:style>
+          <a:lnRef idx="1">
+            <a:schemeClr val="accent1"/>
+          </a:lnRef>
+          <a:fillRef idx="0">
+            <a:schemeClr val="accent1"/>
+          </a:fillRef>
+          <a:effectRef idx="0">
+            <a:schemeClr val="accent1"/>
+          </a:effectRef>
+          <a:fontRef idx="minor">
+            <a:schemeClr val="tx1"/>
+          </a:fontRef>
+        </p:style>
+      </p:cxnSp>
+      <p:sp>
+        <p:nvSpPr>
+          <p:cNvPr id="37" name="圆角矩形 36"/>
+          <p:cNvSpPr/>
+          <p:nvPr/>
+        </p:nvSpPr>
+        <p:spPr>
+          <a:xfrm>
+            <a:off x="7244909" y="2326137"/>
+            <a:ext cx="906624" cy="391886"/>
+          </a:xfrm>
+          <a:prstGeom prst="roundRect">
+            <a:avLst/>
+          </a:prstGeom>
+          <a:solidFill>
+            <a:schemeClr val="bg1">
+              <a:lumMod val="65000"/>
+            </a:schemeClr>
+          </a:solidFill>
+          <a:ln w="22225">
+            <a:solidFill>
+              <a:schemeClr val="tx1">
+                <a:lumMod val="75000"/>
+                <a:lumOff val="25000"/>
+              </a:schemeClr>
+            </a:solidFill>
+          </a:ln>
+        </p:spPr>
+        <p:style>
+          <a:lnRef idx="2">
+            <a:schemeClr val="accent1">
+              <a:shade val="50000"/>
+            </a:schemeClr>
+          </a:lnRef>
+          <a:fillRef idx="1">
+            <a:schemeClr val="accent1"/>
+          </a:fillRef>
+          <a:effectRef idx="0">
+            <a:schemeClr val="accent1"/>
+          </a:effectRef>
+          <a:fontRef idx="minor">
+            <a:schemeClr val="lt1"/>
+          </a:fontRef>
+        </p:style>
+        <p:txBody>
+          <a:bodyPr rtlCol="0" anchor="ctr"/>
+          <a:lstStyle/>
+          <a:p>
+            <a:pPr algn="ctr"/>
+            <a:r>
+              <a:rPr lang="en-US" altLang="zh-CN" sz="1000" dirty="0" smtClean="0">
+                <a:solidFill>
+                  <a:schemeClr val="tx1"/>
+                </a:solidFill>
+              </a:rPr>
+              <a:t>sort</a:t>
+            </a:r>
+            <a:endParaRPr lang="zh-CN" altLang="en-US" sz="1000" dirty="0">
+              <a:solidFill>
+                <a:schemeClr val="tx1"/>
+              </a:solidFill>
+            </a:endParaRPr>
+          </a:p>
+        </p:txBody>
+      </p:sp>
+      <p:cxnSp>
+        <p:nvCxnSpPr>
+          <p:cNvPr id="40" name="直接箭头连接符 39"/>
+          <p:cNvCxnSpPr>
+            <a:stCxn id="32" idx="0"/>
+            <a:endCxn id="37" idx="2"/>
+          </p:cNvCxnSpPr>
+          <p:nvPr/>
+        </p:nvCxnSpPr>
+        <p:spPr>
+          <a:xfrm flipH="1" flipV="1">
+            <a:off x="7698221" y="2718023"/>
+            <a:ext cx="1" cy="263369"/>
+          </a:xfrm>
+          <a:prstGeom prst="straightConnector1">
+            <a:avLst/>
+          </a:prstGeom>
+          <a:ln w="31750">
+            <a:solidFill>
+              <a:schemeClr val="tx1">
+                <a:lumMod val="85000"/>
+                <a:lumOff val="15000"/>
+              </a:schemeClr>
+            </a:solidFill>
+            <a:tailEnd type="triangle"/>
+          </a:ln>
+        </p:spPr>
+        <p:style>
+          <a:lnRef idx="1">
+            <a:schemeClr val="accent1"/>
+          </a:lnRef>
+          <a:fillRef idx="0">
+            <a:schemeClr val="accent1"/>
+          </a:fillRef>
+          <a:effectRef idx="0">
+            <a:schemeClr val="accent1"/>
+          </a:effectRef>
+          <a:fontRef idx="minor">
+            <a:schemeClr val="tx1"/>
+          </a:fontRef>
+        </p:style>
+      </p:cxnSp>
+    </p:spTree>
+    <p:extLst>
+      <p:ext uri="{BB962C8B-B14F-4D97-AF65-F5344CB8AC3E}">
+        <p14:creationId xmlns:p14="http://schemas.microsoft.com/office/powerpoint/2010/main" val="1174834376"/>
       </p:ext>
     </p:extLst>
   </p:cSld>

--- a/doc/thor architecture.pptx
+++ b/doc/thor architecture.pptx
@@ -34,6 +34,7 @@
     <p:sldId id="279" r:id="rId28"/>
     <p:sldId id="280" r:id="rId29"/>
     <p:sldId id="284" r:id="rId30"/>
+    <p:sldId id="285" r:id="rId31"/>
   </p:sldIdLst>
   <p:sldSz cx="12192000" cy="6858000"/>
   <p:notesSz cx="6858000" cy="9144000"/>
@@ -271,7 +272,7 @@
           <a:p>
             <a:fld id="{26E5557C-EA97-4CBB-BFBF-8E388EEF4F51}" type="datetimeFigureOut">
               <a:rPr lang="zh-CN" altLang="en-US" smtClean="0"/>
-              <a:t>2014/10/31</a:t>
+              <a:t>2014/11/4</a:t>
             </a:fld>
             <a:endParaRPr lang="zh-CN" altLang="en-US"/>
           </a:p>
@@ -441,7 +442,7 @@
           <a:p>
             <a:fld id="{26E5557C-EA97-4CBB-BFBF-8E388EEF4F51}" type="datetimeFigureOut">
               <a:rPr lang="zh-CN" altLang="en-US" smtClean="0"/>
-              <a:t>2014/10/31</a:t>
+              <a:t>2014/11/4</a:t>
             </a:fld>
             <a:endParaRPr lang="zh-CN" altLang="en-US"/>
           </a:p>
@@ -621,7 +622,7 @@
           <a:p>
             <a:fld id="{26E5557C-EA97-4CBB-BFBF-8E388EEF4F51}" type="datetimeFigureOut">
               <a:rPr lang="zh-CN" altLang="en-US" smtClean="0"/>
-              <a:t>2014/10/31</a:t>
+              <a:t>2014/11/4</a:t>
             </a:fld>
             <a:endParaRPr lang="zh-CN" altLang="en-US"/>
           </a:p>
@@ -791,7 +792,7 @@
           <a:p>
             <a:fld id="{26E5557C-EA97-4CBB-BFBF-8E388EEF4F51}" type="datetimeFigureOut">
               <a:rPr lang="zh-CN" altLang="en-US" smtClean="0"/>
-              <a:t>2014/10/31</a:t>
+              <a:t>2014/11/4</a:t>
             </a:fld>
             <a:endParaRPr lang="zh-CN" altLang="en-US"/>
           </a:p>
@@ -1037,7 +1038,7 @@
           <a:p>
             <a:fld id="{26E5557C-EA97-4CBB-BFBF-8E388EEF4F51}" type="datetimeFigureOut">
               <a:rPr lang="zh-CN" altLang="en-US" smtClean="0"/>
-              <a:t>2014/10/31</a:t>
+              <a:t>2014/11/4</a:t>
             </a:fld>
             <a:endParaRPr lang="zh-CN" altLang="en-US"/>
           </a:p>
@@ -1269,7 +1270,7 @@
           <a:p>
             <a:fld id="{26E5557C-EA97-4CBB-BFBF-8E388EEF4F51}" type="datetimeFigureOut">
               <a:rPr lang="zh-CN" altLang="en-US" smtClean="0"/>
-              <a:t>2014/10/31</a:t>
+              <a:t>2014/11/4</a:t>
             </a:fld>
             <a:endParaRPr lang="zh-CN" altLang="en-US"/>
           </a:p>
@@ -1636,7 +1637,7 @@
           <a:p>
             <a:fld id="{26E5557C-EA97-4CBB-BFBF-8E388EEF4F51}" type="datetimeFigureOut">
               <a:rPr lang="zh-CN" altLang="en-US" smtClean="0"/>
-              <a:t>2014/10/31</a:t>
+              <a:t>2014/11/4</a:t>
             </a:fld>
             <a:endParaRPr lang="zh-CN" altLang="en-US"/>
           </a:p>
@@ -1759,7 +1760,7 @@
           <a:p>
             <a:fld id="{26E5557C-EA97-4CBB-BFBF-8E388EEF4F51}" type="datetimeFigureOut">
               <a:rPr lang="zh-CN" altLang="en-US" smtClean="0"/>
-              <a:t>2014/10/31</a:t>
+              <a:t>2014/11/4</a:t>
             </a:fld>
             <a:endParaRPr lang="zh-CN" altLang="en-US"/>
           </a:p>
@@ -1854,7 +1855,7 @@
           <a:p>
             <a:fld id="{26E5557C-EA97-4CBB-BFBF-8E388EEF4F51}" type="datetimeFigureOut">
               <a:rPr lang="zh-CN" altLang="en-US" smtClean="0"/>
-              <a:t>2014/10/31</a:t>
+              <a:t>2014/11/4</a:t>
             </a:fld>
             <a:endParaRPr lang="zh-CN" altLang="en-US"/>
           </a:p>
@@ -2131,7 +2132,7 @@
           <a:p>
             <a:fld id="{26E5557C-EA97-4CBB-BFBF-8E388EEF4F51}" type="datetimeFigureOut">
               <a:rPr lang="zh-CN" altLang="en-US" smtClean="0"/>
-              <a:t>2014/10/31</a:t>
+              <a:t>2014/11/4</a:t>
             </a:fld>
             <a:endParaRPr lang="zh-CN" altLang="en-US"/>
           </a:p>
@@ -2388,7 +2389,7 @@
           <a:p>
             <a:fld id="{26E5557C-EA97-4CBB-BFBF-8E388EEF4F51}" type="datetimeFigureOut">
               <a:rPr lang="zh-CN" altLang="en-US" smtClean="0"/>
-              <a:t>2014/10/31</a:t>
+              <a:t>2014/11/4</a:t>
             </a:fld>
             <a:endParaRPr lang="zh-CN" altLang="en-US"/>
           </a:p>
@@ -2601,7 +2602,7 @@
           <a:p>
             <a:fld id="{26E5557C-EA97-4CBB-BFBF-8E388EEF4F51}" type="datetimeFigureOut">
               <a:rPr lang="zh-CN" altLang="en-US" smtClean="0"/>
-              <a:t>2014/10/31</a:t>
+              <a:t>2014/11/4</a:t>
             </a:fld>
             <a:endParaRPr lang="zh-CN" altLang="en-US"/>
           </a:p>
@@ -32277,6 +32278,1295 @@
       </p:par>
     </p:tnLst>
   </p:timing>
+</p:sld>
+</file>
+
+<file path=ppt/slides/slide30.xml><?xml version="1.0" encoding="utf-8"?>
+<p:sld xmlns:a="http://schemas.openxmlformats.org/drawingml/2006/main" xmlns:r="http://schemas.openxmlformats.org/officeDocument/2006/relationships" xmlns:p="http://schemas.openxmlformats.org/presentationml/2006/main">
+  <p:cSld>
+    <p:spTree>
+      <p:nvGrpSpPr>
+        <p:cNvPr id="1" name=""/>
+        <p:cNvGrpSpPr/>
+        <p:nvPr/>
+      </p:nvGrpSpPr>
+      <p:grpSpPr>
+        <a:xfrm>
+          <a:off x="0" y="0"/>
+          <a:ext cx="0" cy="0"/>
+          <a:chOff x="0" y="0"/>
+          <a:chExt cx="0" cy="0"/>
+        </a:xfrm>
+      </p:grpSpPr>
+      <p:sp>
+        <p:nvSpPr>
+          <p:cNvPr id="2" name="标题 1"/>
+          <p:cNvSpPr>
+            <a:spLocks noGrp="1"/>
+          </p:cNvSpPr>
+          <p:nvPr>
+            <p:ph type="title"/>
+          </p:nvPr>
+        </p:nvSpPr>
+        <p:spPr/>
+        <p:txBody>
+          <a:bodyPr/>
+          <a:lstStyle/>
+          <a:p>
+            <a:endParaRPr lang="zh-CN" altLang="en-US"/>
+          </a:p>
+        </p:txBody>
+      </p:sp>
+      <p:sp>
+        <p:nvSpPr>
+          <p:cNvPr id="5" name="矩形 4"/>
+          <p:cNvSpPr/>
+          <p:nvPr/>
+        </p:nvSpPr>
+        <p:spPr>
+          <a:xfrm>
+            <a:off x="3376268" y="4356813"/>
+            <a:ext cx="2439966" cy="1030704"/>
+          </a:xfrm>
+          <a:prstGeom prst="rect">
+            <a:avLst/>
+          </a:prstGeom>
+          <a:solidFill>
+            <a:schemeClr val="bg1">
+              <a:lumMod val="95000"/>
+            </a:schemeClr>
+          </a:solidFill>
+          <a:ln>
+            <a:solidFill>
+              <a:schemeClr val="tx1"/>
+            </a:solidFill>
+          </a:ln>
+        </p:spPr>
+        <p:style>
+          <a:lnRef idx="2">
+            <a:schemeClr val="accent1">
+              <a:shade val="50000"/>
+            </a:schemeClr>
+          </a:lnRef>
+          <a:fillRef idx="1">
+            <a:schemeClr val="accent1"/>
+          </a:fillRef>
+          <a:effectRef idx="0">
+            <a:schemeClr val="accent1"/>
+          </a:effectRef>
+          <a:fontRef idx="minor">
+            <a:schemeClr val="lt1"/>
+          </a:fontRef>
+        </p:style>
+        <p:txBody>
+          <a:bodyPr rtlCol="0" anchor="b"/>
+          <a:lstStyle/>
+          <a:p>
+            <a:pPr algn="ctr"/>
+            <a:r>
+              <a:rPr lang="en-US" altLang="zh-CN" sz="900" smtClean="0">
+                <a:solidFill>
+                  <a:schemeClr val="tx1"/>
+                </a:solidFill>
+              </a:rPr>
+              <a:t>Memory Block management</a:t>
+            </a:r>
+            <a:endParaRPr lang="zh-CN" altLang="en-US" sz="900">
+              <a:solidFill>
+                <a:schemeClr val="tx1"/>
+              </a:solidFill>
+            </a:endParaRPr>
+          </a:p>
+        </p:txBody>
+      </p:sp>
+      <p:sp>
+        <p:nvSpPr>
+          <p:cNvPr id="6" name="矩形 5"/>
+          <p:cNvSpPr/>
+          <p:nvPr/>
+        </p:nvSpPr>
+        <p:spPr>
+          <a:xfrm>
+            <a:off x="3622356" y="4604304"/>
+            <a:ext cx="264781" cy="498435"/>
+          </a:xfrm>
+          <a:prstGeom prst="rect">
+            <a:avLst/>
+          </a:prstGeom>
+          <a:solidFill>
+            <a:schemeClr val="bg1">
+              <a:lumMod val="65000"/>
+            </a:schemeClr>
+          </a:solidFill>
+          <a:ln>
+            <a:solidFill>
+              <a:schemeClr val="tx1"/>
+            </a:solidFill>
+          </a:ln>
+        </p:spPr>
+        <p:style>
+          <a:lnRef idx="2">
+            <a:schemeClr val="accent1">
+              <a:shade val="50000"/>
+            </a:schemeClr>
+          </a:lnRef>
+          <a:fillRef idx="1">
+            <a:schemeClr val="accent1"/>
+          </a:fillRef>
+          <a:effectRef idx="0">
+            <a:schemeClr val="accent1"/>
+          </a:effectRef>
+          <a:fontRef idx="minor">
+            <a:schemeClr val="lt1"/>
+          </a:fontRef>
+        </p:style>
+        <p:txBody>
+          <a:bodyPr rtlCol="0" anchor="ctr"/>
+          <a:lstStyle/>
+          <a:p>
+            <a:pPr algn="ctr"/>
+            <a:endParaRPr lang="zh-CN" altLang="en-US" sz="900">
+              <a:solidFill>
+                <a:schemeClr val="tx1"/>
+              </a:solidFill>
+            </a:endParaRPr>
+          </a:p>
+        </p:txBody>
+      </p:sp>
+      <p:sp>
+        <p:nvSpPr>
+          <p:cNvPr id="9" name="矩形 8"/>
+          <p:cNvSpPr/>
+          <p:nvPr/>
+        </p:nvSpPr>
+        <p:spPr>
+          <a:xfrm>
+            <a:off x="4048420" y="4756265"/>
+            <a:ext cx="264781" cy="346474"/>
+          </a:xfrm>
+          <a:prstGeom prst="rect">
+            <a:avLst/>
+          </a:prstGeom>
+          <a:solidFill>
+            <a:schemeClr val="bg1">
+              <a:lumMod val="65000"/>
+            </a:schemeClr>
+          </a:solidFill>
+          <a:ln>
+            <a:solidFill>
+              <a:schemeClr val="tx1"/>
+            </a:solidFill>
+          </a:ln>
+        </p:spPr>
+        <p:style>
+          <a:lnRef idx="2">
+            <a:schemeClr val="accent1">
+              <a:shade val="50000"/>
+            </a:schemeClr>
+          </a:lnRef>
+          <a:fillRef idx="1">
+            <a:schemeClr val="accent1"/>
+          </a:fillRef>
+          <a:effectRef idx="0">
+            <a:schemeClr val="accent1"/>
+          </a:effectRef>
+          <a:fontRef idx="minor">
+            <a:schemeClr val="lt1"/>
+          </a:fontRef>
+        </p:style>
+        <p:txBody>
+          <a:bodyPr rtlCol="0" anchor="ctr"/>
+          <a:lstStyle/>
+          <a:p>
+            <a:pPr algn="ctr"/>
+            <a:endParaRPr lang="zh-CN" altLang="en-US" sz="900">
+              <a:solidFill>
+                <a:schemeClr val="tx1"/>
+              </a:solidFill>
+            </a:endParaRPr>
+          </a:p>
+        </p:txBody>
+      </p:sp>
+      <p:sp>
+        <p:nvSpPr>
+          <p:cNvPr id="10" name="矩形 9"/>
+          <p:cNvSpPr/>
+          <p:nvPr/>
+        </p:nvSpPr>
+        <p:spPr>
+          <a:xfrm>
+            <a:off x="4462622" y="4672745"/>
+            <a:ext cx="264781" cy="430229"/>
+          </a:xfrm>
+          <a:prstGeom prst="rect">
+            <a:avLst/>
+          </a:prstGeom>
+          <a:solidFill>
+            <a:schemeClr val="bg1">
+              <a:lumMod val="65000"/>
+            </a:schemeClr>
+          </a:solidFill>
+          <a:ln>
+            <a:solidFill>
+              <a:schemeClr val="tx1"/>
+            </a:solidFill>
+          </a:ln>
+        </p:spPr>
+        <p:style>
+          <a:lnRef idx="2">
+            <a:schemeClr val="accent1">
+              <a:shade val="50000"/>
+            </a:schemeClr>
+          </a:lnRef>
+          <a:fillRef idx="1">
+            <a:schemeClr val="accent1"/>
+          </a:fillRef>
+          <a:effectRef idx="0">
+            <a:schemeClr val="accent1"/>
+          </a:effectRef>
+          <a:fontRef idx="minor">
+            <a:schemeClr val="lt1"/>
+          </a:fontRef>
+        </p:style>
+        <p:txBody>
+          <a:bodyPr rtlCol="0" anchor="ctr"/>
+          <a:lstStyle/>
+          <a:p>
+            <a:pPr algn="ctr"/>
+            <a:endParaRPr lang="zh-CN" altLang="en-US" sz="900">
+              <a:solidFill>
+                <a:schemeClr val="tx1"/>
+              </a:solidFill>
+            </a:endParaRPr>
+          </a:p>
+        </p:txBody>
+      </p:sp>
+      <p:sp>
+        <p:nvSpPr>
+          <p:cNvPr id="11" name="矩形 10"/>
+          <p:cNvSpPr/>
+          <p:nvPr/>
+        </p:nvSpPr>
+        <p:spPr>
+          <a:xfrm>
+            <a:off x="4876824" y="4749873"/>
+            <a:ext cx="593539" cy="346474"/>
+          </a:xfrm>
+          <a:prstGeom prst="rect">
+            <a:avLst/>
+          </a:prstGeom>
+          <a:solidFill>
+            <a:schemeClr val="bg1">
+              <a:lumMod val="65000"/>
+            </a:schemeClr>
+          </a:solidFill>
+          <a:ln>
+            <a:solidFill>
+              <a:schemeClr val="tx1"/>
+            </a:solidFill>
+          </a:ln>
+        </p:spPr>
+        <p:style>
+          <a:lnRef idx="2">
+            <a:schemeClr val="accent1">
+              <a:shade val="50000"/>
+            </a:schemeClr>
+          </a:lnRef>
+          <a:fillRef idx="1">
+            <a:schemeClr val="accent1"/>
+          </a:fillRef>
+          <a:effectRef idx="0">
+            <a:schemeClr val="accent1"/>
+          </a:effectRef>
+          <a:fontRef idx="minor">
+            <a:schemeClr val="lt1"/>
+          </a:fontRef>
+        </p:style>
+        <p:txBody>
+          <a:bodyPr rtlCol="0" anchor="ctr"/>
+          <a:lstStyle/>
+          <a:p>
+            <a:pPr algn="ctr"/>
+            <a:endParaRPr lang="zh-CN" altLang="en-US" sz="900">
+              <a:solidFill>
+                <a:schemeClr val="tx1"/>
+              </a:solidFill>
+            </a:endParaRPr>
+          </a:p>
+        </p:txBody>
+      </p:sp>
+      <p:sp>
+        <p:nvSpPr>
+          <p:cNvPr id="12" name="矩形 11"/>
+          <p:cNvSpPr/>
+          <p:nvPr/>
+        </p:nvSpPr>
+        <p:spPr>
+          <a:xfrm>
+            <a:off x="3654693" y="4756265"/>
+            <a:ext cx="193391" cy="210211"/>
+          </a:xfrm>
+          <a:prstGeom prst="rect">
+            <a:avLst/>
+          </a:prstGeom>
+          <a:solidFill>
+            <a:schemeClr val="bg1">
+              <a:lumMod val="50000"/>
+            </a:schemeClr>
+          </a:solidFill>
+          <a:ln>
+            <a:solidFill>
+              <a:schemeClr val="tx1"/>
+            </a:solidFill>
+          </a:ln>
+        </p:spPr>
+        <p:style>
+          <a:lnRef idx="2">
+            <a:schemeClr val="accent1">
+              <a:shade val="50000"/>
+            </a:schemeClr>
+          </a:lnRef>
+          <a:fillRef idx="1">
+            <a:schemeClr val="accent1"/>
+          </a:fillRef>
+          <a:effectRef idx="0">
+            <a:schemeClr val="accent1"/>
+          </a:effectRef>
+          <a:fontRef idx="minor">
+            <a:schemeClr val="lt1"/>
+          </a:fontRef>
+        </p:style>
+        <p:txBody>
+          <a:bodyPr rtlCol="0" anchor="ctr"/>
+          <a:lstStyle/>
+          <a:p>
+            <a:pPr algn="ctr"/>
+            <a:endParaRPr lang="zh-CN" altLang="en-US" sz="900">
+              <a:solidFill>
+                <a:schemeClr val="tx1"/>
+              </a:solidFill>
+            </a:endParaRPr>
+          </a:p>
+        </p:txBody>
+      </p:sp>
+      <p:sp>
+        <p:nvSpPr>
+          <p:cNvPr id="15" name="矩形 14"/>
+          <p:cNvSpPr/>
+          <p:nvPr/>
+        </p:nvSpPr>
+        <p:spPr>
+          <a:xfrm>
+            <a:off x="4123337" y="3948304"/>
+            <a:ext cx="428039" cy="265513"/>
+          </a:xfrm>
+          <a:prstGeom prst="rect">
+            <a:avLst/>
+          </a:prstGeom>
+          <a:solidFill>
+            <a:schemeClr val="bg1">
+              <a:lumMod val="65000"/>
+            </a:schemeClr>
+          </a:solidFill>
+          <a:ln>
+            <a:solidFill>
+              <a:schemeClr val="tx1"/>
+            </a:solidFill>
+          </a:ln>
+        </p:spPr>
+        <p:style>
+          <a:lnRef idx="2">
+            <a:schemeClr val="accent1">
+              <a:shade val="50000"/>
+            </a:schemeClr>
+          </a:lnRef>
+          <a:fillRef idx="1">
+            <a:schemeClr val="accent1"/>
+          </a:fillRef>
+          <a:effectRef idx="0">
+            <a:schemeClr val="accent1"/>
+          </a:effectRef>
+          <a:fontRef idx="minor">
+            <a:schemeClr val="lt1"/>
+          </a:fontRef>
+        </p:style>
+        <p:txBody>
+          <a:bodyPr rtlCol="0" anchor="ctr"/>
+          <a:lstStyle/>
+          <a:p>
+            <a:pPr algn="ctr"/>
+            <a:endParaRPr lang="zh-CN" altLang="en-US" sz="900">
+              <a:solidFill>
+                <a:schemeClr val="tx1"/>
+              </a:solidFill>
+            </a:endParaRPr>
+          </a:p>
+        </p:txBody>
+      </p:sp>
+      <p:sp>
+        <p:nvSpPr>
+          <p:cNvPr id="17" name="流程图: 多文档 16"/>
+          <p:cNvSpPr/>
+          <p:nvPr/>
+        </p:nvSpPr>
+        <p:spPr>
+          <a:xfrm>
+            <a:off x="4438339" y="5786762"/>
+            <a:ext cx="869715" cy="788203"/>
+          </a:xfrm>
+          <a:prstGeom prst="flowChartMultidocument">
+            <a:avLst/>
+          </a:prstGeom>
+          <a:solidFill>
+            <a:schemeClr val="bg1">
+              <a:lumMod val="65000"/>
+            </a:schemeClr>
+          </a:solidFill>
+          <a:ln>
+            <a:solidFill>
+              <a:schemeClr val="tx1"/>
+            </a:solidFill>
+          </a:ln>
+        </p:spPr>
+        <p:style>
+          <a:lnRef idx="2">
+            <a:schemeClr val="accent1">
+              <a:shade val="50000"/>
+            </a:schemeClr>
+          </a:lnRef>
+          <a:fillRef idx="1">
+            <a:schemeClr val="accent1"/>
+          </a:fillRef>
+          <a:effectRef idx="0">
+            <a:schemeClr val="accent1"/>
+          </a:effectRef>
+          <a:fontRef idx="minor">
+            <a:schemeClr val="lt1"/>
+          </a:fontRef>
+        </p:style>
+        <p:txBody>
+          <a:bodyPr rtlCol="0" anchor="ctr"/>
+          <a:lstStyle/>
+          <a:p>
+            <a:pPr algn="ctr"/>
+            <a:r>
+              <a:rPr lang="en-US" altLang="zh-CN" sz="900" smtClean="0">
+                <a:solidFill>
+                  <a:schemeClr val="tx1"/>
+                </a:solidFill>
+              </a:rPr>
+              <a:t>Data Files</a:t>
+            </a:r>
+            <a:endParaRPr lang="zh-CN" altLang="en-US" sz="900">
+              <a:solidFill>
+                <a:schemeClr val="tx1"/>
+              </a:solidFill>
+            </a:endParaRPr>
+          </a:p>
+        </p:txBody>
+      </p:sp>
+      <p:sp>
+        <p:nvSpPr>
+          <p:cNvPr id="28" name="右箭头 27"/>
+          <p:cNvSpPr/>
+          <p:nvPr/>
+        </p:nvSpPr>
+        <p:spPr>
+          <a:xfrm>
+            <a:off x="3903061" y="3985684"/>
+            <a:ext cx="180892" cy="250026"/>
+          </a:xfrm>
+          <a:prstGeom prst="rightArrow">
+            <a:avLst/>
+          </a:prstGeom>
+          <a:solidFill>
+            <a:schemeClr val="tx1"/>
+          </a:solidFill>
+          <a:ln>
+            <a:noFill/>
+          </a:ln>
+        </p:spPr>
+        <p:style>
+          <a:lnRef idx="2">
+            <a:schemeClr val="accent1">
+              <a:shade val="50000"/>
+            </a:schemeClr>
+          </a:lnRef>
+          <a:fillRef idx="1">
+            <a:schemeClr val="accent1"/>
+          </a:fillRef>
+          <a:effectRef idx="0">
+            <a:schemeClr val="accent1"/>
+          </a:effectRef>
+          <a:fontRef idx="minor">
+            <a:schemeClr val="lt1"/>
+          </a:fontRef>
+        </p:style>
+        <p:txBody>
+          <a:bodyPr rtlCol="0" anchor="ctr"/>
+          <a:lstStyle/>
+          <a:p>
+            <a:pPr algn="ctr"/>
+            <a:endParaRPr lang="zh-CN" altLang="en-US" sz="900"/>
+          </a:p>
+        </p:txBody>
+      </p:sp>
+      <p:cxnSp>
+        <p:nvCxnSpPr>
+          <p:cNvPr id="36" name="直接箭头连接符 35"/>
+          <p:cNvCxnSpPr>
+            <a:stCxn id="12" idx="0"/>
+            <a:endCxn id="68" idx="2"/>
+          </p:cNvCxnSpPr>
+          <p:nvPr/>
+        </p:nvCxnSpPr>
+        <p:spPr>
+          <a:xfrm flipV="1">
+            <a:off x="3751389" y="4182581"/>
+            <a:ext cx="3681" cy="573684"/>
+          </a:xfrm>
+          <a:prstGeom prst="straightConnector1">
+            <a:avLst/>
+          </a:prstGeom>
+          <a:ln w="31750">
+            <a:solidFill>
+              <a:schemeClr val="tx1">
+                <a:lumMod val="85000"/>
+                <a:lumOff val="15000"/>
+              </a:schemeClr>
+            </a:solidFill>
+            <a:tailEnd type="triangle"/>
+          </a:ln>
+        </p:spPr>
+        <p:style>
+          <a:lnRef idx="1">
+            <a:schemeClr val="accent1"/>
+          </a:lnRef>
+          <a:fillRef idx="0">
+            <a:schemeClr val="accent1"/>
+          </a:fillRef>
+          <a:effectRef idx="0">
+            <a:schemeClr val="accent1"/>
+          </a:effectRef>
+          <a:fontRef idx="minor">
+            <a:schemeClr val="tx1"/>
+          </a:fontRef>
+        </p:style>
+      </p:cxnSp>
+      <p:sp>
+        <p:nvSpPr>
+          <p:cNvPr id="39" name="右箭头 38"/>
+          <p:cNvSpPr/>
+          <p:nvPr/>
+        </p:nvSpPr>
+        <p:spPr>
+          <a:xfrm rot="16200000">
+            <a:off x="4797660" y="5404440"/>
+            <a:ext cx="169541" cy="413888"/>
+          </a:xfrm>
+          <a:prstGeom prst="rightArrow">
+            <a:avLst/>
+          </a:prstGeom>
+          <a:solidFill>
+            <a:schemeClr val="tx1"/>
+          </a:solidFill>
+          <a:ln>
+            <a:noFill/>
+          </a:ln>
+        </p:spPr>
+        <p:style>
+          <a:lnRef idx="2">
+            <a:schemeClr val="accent1">
+              <a:shade val="50000"/>
+            </a:schemeClr>
+          </a:lnRef>
+          <a:fillRef idx="1">
+            <a:schemeClr val="accent1"/>
+          </a:fillRef>
+          <a:effectRef idx="0">
+            <a:schemeClr val="accent1"/>
+          </a:effectRef>
+          <a:fontRef idx="minor">
+            <a:schemeClr val="lt1"/>
+          </a:fontRef>
+        </p:style>
+        <p:txBody>
+          <a:bodyPr rtlCol="0" anchor="ctr"/>
+          <a:lstStyle/>
+          <a:p>
+            <a:pPr algn="ctr"/>
+            <a:endParaRPr lang="zh-CN" altLang="en-US" sz="900"/>
+          </a:p>
+        </p:txBody>
+      </p:sp>
+      <p:sp>
+        <p:nvSpPr>
+          <p:cNvPr id="44" name="圆角矩形 43"/>
+          <p:cNvSpPr/>
+          <p:nvPr/>
+        </p:nvSpPr>
+        <p:spPr>
+          <a:xfrm>
+            <a:off x="4890301" y="2747866"/>
+            <a:ext cx="958591" cy="1437869"/>
+          </a:xfrm>
+          <a:prstGeom prst="roundRect">
+            <a:avLst>
+              <a:gd name="adj" fmla="val 8218"/>
+            </a:avLst>
+          </a:prstGeom>
+          <a:solidFill>
+            <a:schemeClr val="bg1">
+              <a:lumMod val="95000"/>
+            </a:schemeClr>
+          </a:solidFill>
+          <a:ln>
+            <a:solidFill>
+              <a:schemeClr val="tx1"/>
+            </a:solidFill>
+          </a:ln>
+        </p:spPr>
+        <p:style>
+          <a:lnRef idx="2">
+            <a:schemeClr val="accent1">
+              <a:shade val="50000"/>
+            </a:schemeClr>
+          </a:lnRef>
+          <a:fillRef idx="1">
+            <a:schemeClr val="accent1"/>
+          </a:fillRef>
+          <a:effectRef idx="0">
+            <a:schemeClr val="accent1"/>
+          </a:effectRef>
+          <a:fontRef idx="minor">
+            <a:schemeClr val="lt1"/>
+          </a:fontRef>
+        </p:style>
+        <p:txBody>
+          <a:bodyPr rot="0" spcFirstLastPara="0" vertOverflow="overflow" horzOverflow="overflow" vert="horz" wrap="square" lIns="91440" tIns="45720" rIns="91440" bIns="45720" numCol="1" spcCol="0" rtlCol="0" fromWordArt="0" anchor="t" anchorCtr="0" forceAA="0" compatLnSpc="1">
+            <a:prstTxWarp prst="textNoShape">
+              <a:avLst/>
+            </a:prstTxWarp>
+            <a:noAutofit/>
+          </a:bodyPr>
+          <a:lstStyle/>
+          <a:p>
+            <a:pPr algn="ctr"/>
+            <a:r>
+              <a:rPr lang="en-US" altLang="zh-CN" sz="900" smtClean="0">
+                <a:solidFill>
+                  <a:schemeClr val="tx1"/>
+                </a:solidFill>
+              </a:rPr>
+              <a:t>Execute Tree</a:t>
+            </a:r>
+            <a:endParaRPr lang="zh-CN" altLang="en-US" sz="900">
+              <a:solidFill>
+                <a:schemeClr val="tx1"/>
+              </a:solidFill>
+            </a:endParaRPr>
+          </a:p>
+        </p:txBody>
+      </p:sp>
+      <p:sp>
+        <p:nvSpPr>
+          <p:cNvPr id="61" name="右箭头 60"/>
+          <p:cNvSpPr/>
+          <p:nvPr/>
+        </p:nvSpPr>
+        <p:spPr>
+          <a:xfrm>
+            <a:off x="4629780" y="3979210"/>
+            <a:ext cx="180892" cy="250026"/>
+          </a:xfrm>
+          <a:prstGeom prst="rightArrow">
+            <a:avLst/>
+          </a:prstGeom>
+          <a:solidFill>
+            <a:schemeClr val="tx1"/>
+          </a:solidFill>
+          <a:ln>
+            <a:noFill/>
+          </a:ln>
+        </p:spPr>
+        <p:style>
+          <a:lnRef idx="2">
+            <a:schemeClr val="accent1">
+              <a:shade val="50000"/>
+            </a:schemeClr>
+          </a:lnRef>
+          <a:fillRef idx="1">
+            <a:schemeClr val="accent1"/>
+          </a:fillRef>
+          <a:effectRef idx="0">
+            <a:schemeClr val="accent1"/>
+          </a:effectRef>
+          <a:fontRef idx="minor">
+            <a:schemeClr val="lt1"/>
+          </a:fontRef>
+        </p:style>
+        <p:txBody>
+          <a:bodyPr rtlCol="0" anchor="ctr"/>
+          <a:lstStyle/>
+          <a:p>
+            <a:pPr algn="ctr"/>
+            <a:endParaRPr lang="zh-CN" altLang="en-US" sz="900"/>
+          </a:p>
+        </p:txBody>
+      </p:sp>
+      <p:sp>
+        <p:nvSpPr>
+          <p:cNvPr id="68" name="矩形 67"/>
+          <p:cNvSpPr/>
+          <p:nvPr/>
+        </p:nvSpPr>
+        <p:spPr>
+          <a:xfrm>
+            <a:off x="3658374" y="3972370"/>
+            <a:ext cx="193391" cy="210211"/>
+          </a:xfrm>
+          <a:prstGeom prst="rect">
+            <a:avLst/>
+          </a:prstGeom>
+          <a:solidFill>
+            <a:schemeClr val="bg1">
+              <a:lumMod val="50000"/>
+            </a:schemeClr>
+          </a:solidFill>
+          <a:ln>
+            <a:solidFill>
+              <a:schemeClr val="tx1"/>
+            </a:solidFill>
+          </a:ln>
+        </p:spPr>
+        <p:style>
+          <a:lnRef idx="2">
+            <a:schemeClr val="accent1">
+              <a:shade val="50000"/>
+            </a:schemeClr>
+          </a:lnRef>
+          <a:fillRef idx="1">
+            <a:schemeClr val="accent1"/>
+          </a:fillRef>
+          <a:effectRef idx="0">
+            <a:schemeClr val="accent1"/>
+          </a:effectRef>
+          <a:fontRef idx="minor">
+            <a:schemeClr val="lt1"/>
+          </a:fontRef>
+        </p:style>
+        <p:txBody>
+          <a:bodyPr rtlCol="0" anchor="ctr"/>
+          <a:lstStyle/>
+          <a:p>
+            <a:pPr algn="ctr"/>
+            <a:endParaRPr lang="zh-CN" altLang="en-US" sz="900">
+              <a:solidFill>
+                <a:schemeClr val="tx1"/>
+              </a:solidFill>
+            </a:endParaRPr>
+          </a:p>
+        </p:txBody>
+      </p:sp>
+      <p:sp>
+        <p:nvSpPr>
+          <p:cNvPr id="70" name="圆角矩形 69"/>
+          <p:cNvSpPr/>
+          <p:nvPr/>
+        </p:nvSpPr>
+        <p:spPr>
+          <a:xfrm>
+            <a:off x="5084915" y="3091541"/>
+            <a:ext cx="586542" cy="217713"/>
+          </a:xfrm>
+          <a:prstGeom prst="roundRect">
+            <a:avLst/>
+          </a:prstGeom>
+          <a:solidFill>
+            <a:schemeClr val="bg1">
+              <a:lumMod val="65000"/>
+            </a:schemeClr>
+          </a:solidFill>
+          <a:ln>
+            <a:solidFill>
+              <a:schemeClr val="tx1"/>
+            </a:solidFill>
+          </a:ln>
+        </p:spPr>
+        <p:style>
+          <a:lnRef idx="2">
+            <a:schemeClr val="accent1">
+              <a:shade val="50000"/>
+            </a:schemeClr>
+          </a:lnRef>
+          <a:fillRef idx="1">
+            <a:schemeClr val="accent1"/>
+          </a:fillRef>
+          <a:effectRef idx="0">
+            <a:schemeClr val="accent1"/>
+          </a:effectRef>
+          <a:fontRef idx="minor">
+            <a:schemeClr val="lt1"/>
+          </a:fontRef>
+        </p:style>
+        <p:txBody>
+          <a:bodyPr rot="0" spcFirstLastPara="0" vertOverflow="overflow" horzOverflow="overflow" vert="horz" wrap="square" lIns="91440" tIns="45720" rIns="91440" bIns="45720" numCol="1" spcCol="0" rtlCol="0" fromWordArt="0" anchor="t" anchorCtr="0" forceAA="0" compatLnSpc="1">
+            <a:prstTxWarp prst="textNoShape">
+              <a:avLst/>
+            </a:prstTxWarp>
+            <a:noAutofit/>
+          </a:bodyPr>
+          <a:lstStyle/>
+          <a:p>
+            <a:pPr algn="ctr"/>
+            <a:r>
+              <a:rPr lang="en-US" altLang="zh-CN" sz="900" smtClean="0">
+                <a:solidFill>
+                  <a:schemeClr val="tx1"/>
+                </a:solidFill>
+              </a:rPr>
+              <a:t>project</a:t>
+            </a:r>
+            <a:endParaRPr lang="zh-CN" altLang="en-US" sz="900">
+              <a:solidFill>
+                <a:schemeClr val="tx1"/>
+              </a:solidFill>
+            </a:endParaRPr>
+          </a:p>
+        </p:txBody>
+      </p:sp>
+      <p:sp>
+        <p:nvSpPr>
+          <p:cNvPr id="71" name="圆角矩形 70"/>
+          <p:cNvSpPr/>
+          <p:nvPr/>
+        </p:nvSpPr>
+        <p:spPr>
+          <a:xfrm>
+            <a:off x="5084914" y="3479406"/>
+            <a:ext cx="586542" cy="217713"/>
+          </a:xfrm>
+          <a:prstGeom prst="roundRect">
+            <a:avLst/>
+          </a:prstGeom>
+          <a:solidFill>
+            <a:schemeClr val="bg1">
+              <a:lumMod val="65000"/>
+            </a:schemeClr>
+          </a:solidFill>
+          <a:ln>
+            <a:solidFill>
+              <a:schemeClr val="tx1"/>
+            </a:solidFill>
+          </a:ln>
+        </p:spPr>
+        <p:style>
+          <a:lnRef idx="2">
+            <a:schemeClr val="accent1">
+              <a:shade val="50000"/>
+            </a:schemeClr>
+          </a:lnRef>
+          <a:fillRef idx="1">
+            <a:schemeClr val="accent1"/>
+          </a:fillRef>
+          <a:effectRef idx="0">
+            <a:schemeClr val="accent1"/>
+          </a:effectRef>
+          <a:fontRef idx="minor">
+            <a:schemeClr val="lt1"/>
+          </a:fontRef>
+        </p:style>
+        <p:txBody>
+          <a:bodyPr rot="0" spcFirstLastPara="0" vertOverflow="overflow" horzOverflow="overflow" vert="horz" wrap="square" lIns="91440" tIns="45720" rIns="91440" bIns="45720" numCol="1" spcCol="0" rtlCol="0" fromWordArt="0" anchor="t" anchorCtr="0" forceAA="0" compatLnSpc="1">
+            <a:prstTxWarp prst="textNoShape">
+              <a:avLst/>
+            </a:prstTxWarp>
+            <a:noAutofit/>
+          </a:bodyPr>
+          <a:lstStyle/>
+          <a:p>
+            <a:pPr algn="ctr"/>
+            <a:r>
+              <a:rPr lang="en-US" altLang="zh-CN" sz="900" smtClean="0">
+                <a:solidFill>
+                  <a:schemeClr val="tx1"/>
+                </a:solidFill>
+              </a:rPr>
+              <a:t>group</a:t>
+            </a:r>
+            <a:endParaRPr lang="zh-CN" altLang="en-US" sz="900">
+              <a:solidFill>
+                <a:schemeClr val="tx1"/>
+              </a:solidFill>
+            </a:endParaRPr>
+          </a:p>
+        </p:txBody>
+      </p:sp>
+      <p:sp>
+        <p:nvSpPr>
+          <p:cNvPr id="74" name="圆角矩形 73"/>
+          <p:cNvSpPr/>
+          <p:nvPr/>
+        </p:nvSpPr>
+        <p:spPr>
+          <a:xfrm>
+            <a:off x="5084913" y="3874421"/>
+            <a:ext cx="586542" cy="217713"/>
+          </a:xfrm>
+          <a:prstGeom prst="roundRect">
+            <a:avLst/>
+          </a:prstGeom>
+          <a:solidFill>
+            <a:schemeClr val="bg1">
+              <a:lumMod val="65000"/>
+            </a:schemeClr>
+          </a:solidFill>
+          <a:ln>
+            <a:solidFill>
+              <a:schemeClr val="tx1"/>
+            </a:solidFill>
+          </a:ln>
+        </p:spPr>
+        <p:style>
+          <a:lnRef idx="2">
+            <a:schemeClr val="accent1">
+              <a:shade val="50000"/>
+            </a:schemeClr>
+          </a:lnRef>
+          <a:fillRef idx="1">
+            <a:schemeClr val="accent1"/>
+          </a:fillRef>
+          <a:effectRef idx="0">
+            <a:schemeClr val="accent1"/>
+          </a:effectRef>
+          <a:fontRef idx="minor">
+            <a:schemeClr val="lt1"/>
+          </a:fontRef>
+        </p:style>
+        <p:txBody>
+          <a:bodyPr rot="0" spcFirstLastPara="0" vertOverflow="overflow" horzOverflow="overflow" vert="horz" wrap="square" lIns="91440" tIns="45720" rIns="91440" bIns="45720" numCol="1" spcCol="0" rtlCol="0" fromWordArt="0" anchor="t" anchorCtr="0" forceAA="0" compatLnSpc="1">
+            <a:prstTxWarp prst="textNoShape">
+              <a:avLst/>
+            </a:prstTxWarp>
+            <a:noAutofit/>
+          </a:bodyPr>
+          <a:lstStyle/>
+          <a:p>
+            <a:pPr algn="ctr"/>
+            <a:r>
+              <a:rPr lang="en-US" altLang="zh-CN" sz="900">
+                <a:solidFill>
+                  <a:schemeClr val="tx1"/>
+                </a:solidFill>
+              </a:rPr>
+              <a:t>scan</a:t>
+            </a:r>
+            <a:endParaRPr lang="zh-CN" altLang="en-US" sz="900">
+              <a:solidFill>
+                <a:schemeClr val="tx1"/>
+              </a:solidFill>
+            </a:endParaRPr>
+          </a:p>
+        </p:txBody>
+      </p:sp>
+      <p:cxnSp>
+        <p:nvCxnSpPr>
+          <p:cNvPr id="78" name="直接箭头连接符 77"/>
+          <p:cNvCxnSpPr>
+            <a:stCxn id="74" idx="0"/>
+            <a:endCxn id="71" idx="2"/>
+          </p:cNvCxnSpPr>
+          <p:nvPr/>
+        </p:nvCxnSpPr>
+        <p:spPr>
+          <a:xfrm flipV="1">
+            <a:off x="5378184" y="3697119"/>
+            <a:ext cx="1" cy="177302"/>
+          </a:xfrm>
+          <a:prstGeom prst="straightConnector1">
+            <a:avLst/>
+          </a:prstGeom>
+          <a:ln w="31750">
+            <a:solidFill>
+              <a:schemeClr val="tx1">
+                <a:lumMod val="85000"/>
+                <a:lumOff val="15000"/>
+              </a:schemeClr>
+            </a:solidFill>
+            <a:tailEnd type="triangle"/>
+          </a:ln>
+        </p:spPr>
+        <p:style>
+          <a:lnRef idx="1">
+            <a:schemeClr val="accent1"/>
+          </a:lnRef>
+          <a:fillRef idx="0">
+            <a:schemeClr val="accent1"/>
+          </a:fillRef>
+          <a:effectRef idx="0">
+            <a:schemeClr val="accent1"/>
+          </a:effectRef>
+          <a:fontRef idx="minor">
+            <a:schemeClr val="tx1"/>
+          </a:fontRef>
+        </p:style>
+      </p:cxnSp>
+      <p:cxnSp>
+        <p:nvCxnSpPr>
+          <p:cNvPr id="84" name="直接箭头连接符 83"/>
+          <p:cNvCxnSpPr>
+            <a:stCxn id="71" idx="0"/>
+            <a:endCxn id="70" idx="2"/>
+          </p:cNvCxnSpPr>
+          <p:nvPr/>
+        </p:nvCxnSpPr>
+        <p:spPr>
+          <a:xfrm flipV="1">
+            <a:off x="5378185" y="3309254"/>
+            <a:ext cx="1" cy="170152"/>
+          </a:xfrm>
+          <a:prstGeom prst="straightConnector1">
+            <a:avLst/>
+          </a:prstGeom>
+          <a:ln w="31750">
+            <a:solidFill>
+              <a:schemeClr val="tx1">
+                <a:lumMod val="85000"/>
+                <a:lumOff val="15000"/>
+              </a:schemeClr>
+            </a:solidFill>
+            <a:tailEnd type="triangle"/>
+          </a:ln>
+        </p:spPr>
+        <p:style>
+          <a:lnRef idx="1">
+            <a:schemeClr val="accent1"/>
+          </a:lnRef>
+          <a:fillRef idx="0">
+            <a:schemeClr val="accent1"/>
+          </a:fillRef>
+          <a:effectRef idx="0">
+            <a:schemeClr val="accent1"/>
+          </a:effectRef>
+          <a:fontRef idx="minor">
+            <a:schemeClr val="tx1"/>
+          </a:fontRef>
+        </p:style>
+      </p:cxnSp>
+      <p:cxnSp>
+        <p:nvCxnSpPr>
+          <p:cNvPr id="90" name="直接箭头连接符 89"/>
+          <p:cNvCxnSpPr>
+            <a:endCxn id="15" idx="0"/>
+          </p:cNvCxnSpPr>
+          <p:nvPr/>
+        </p:nvCxnSpPr>
+        <p:spPr>
+          <a:xfrm>
+            <a:off x="3993507" y="3310834"/>
+            <a:ext cx="343850" cy="637470"/>
+          </a:xfrm>
+          <a:prstGeom prst="straightConnector1">
+            <a:avLst/>
+          </a:prstGeom>
+          <a:ln w="12700">
+            <a:solidFill>
+              <a:schemeClr val="tx1">
+                <a:lumMod val="85000"/>
+                <a:lumOff val="15000"/>
+              </a:schemeClr>
+            </a:solidFill>
+            <a:prstDash val="solid"/>
+            <a:tailEnd type="none"/>
+          </a:ln>
+        </p:spPr>
+        <p:style>
+          <a:lnRef idx="1">
+            <a:schemeClr val="accent1"/>
+          </a:lnRef>
+          <a:fillRef idx="0">
+            <a:schemeClr val="accent1"/>
+          </a:fillRef>
+          <a:effectRef idx="0">
+            <a:schemeClr val="accent1"/>
+          </a:effectRef>
+          <a:fontRef idx="minor">
+            <a:schemeClr val="tx1"/>
+          </a:fontRef>
+        </p:style>
+      </p:cxnSp>
+      <p:sp>
+        <p:nvSpPr>
+          <p:cNvPr id="93" name="文本框 92"/>
+          <p:cNvSpPr txBox="1"/>
+          <p:nvPr/>
+        </p:nvSpPr>
+        <p:spPr>
+          <a:xfrm>
+            <a:off x="3499498" y="2803865"/>
+            <a:ext cx="1130282" cy="461665"/>
+          </a:xfrm>
+          <a:prstGeom prst="rect">
+            <a:avLst/>
+          </a:prstGeom>
+          <a:noFill/>
+        </p:spPr>
+        <p:txBody>
+          <a:bodyPr wrap="square" rtlCol="0">
+            <a:spAutoFit/>
+          </a:bodyPr>
+          <a:lstStyle/>
+          <a:p>
+            <a:r>
+              <a:rPr lang="en-US" altLang="zh-CN" sz="1200" smtClean="0"/>
+              <a:t>Uncompressed Segment</a:t>
+            </a:r>
+            <a:endParaRPr lang="zh-CN" altLang="en-US" sz="1200"/>
+          </a:p>
+        </p:txBody>
+      </p:sp>
+      <p:sp>
+        <p:nvSpPr>
+          <p:cNvPr id="94" name="文本框 93"/>
+          <p:cNvSpPr txBox="1"/>
+          <p:nvPr/>
+        </p:nvSpPr>
+        <p:spPr>
+          <a:xfrm>
+            <a:off x="2418369" y="4267205"/>
+            <a:ext cx="1130282" cy="461665"/>
+          </a:xfrm>
+          <a:prstGeom prst="rect">
+            <a:avLst/>
+          </a:prstGeom>
+          <a:noFill/>
+        </p:spPr>
+        <p:txBody>
+          <a:bodyPr wrap="square" rtlCol="0">
+            <a:spAutoFit/>
+          </a:bodyPr>
+          <a:lstStyle/>
+          <a:p>
+            <a:r>
+              <a:rPr lang="en-US" altLang="zh-CN" sz="1200" smtClean="0"/>
+              <a:t>compressed Segment</a:t>
+            </a:r>
+            <a:endParaRPr lang="zh-CN" altLang="en-US" sz="1200"/>
+          </a:p>
+        </p:txBody>
+      </p:sp>
+      <p:cxnSp>
+        <p:nvCxnSpPr>
+          <p:cNvPr id="95" name="直接箭头连接符 94"/>
+          <p:cNvCxnSpPr>
+            <a:endCxn id="12" idx="1"/>
+          </p:cNvCxnSpPr>
+          <p:nvPr/>
+        </p:nvCxnSpPr>
+        <p:spPr>
+          <a:xfrm>
+            <a:off x="3171070" y="4572745"/>
+            <a:ext cx="483623" cy="288626"/>
+          </a:xfrm>
+          <a:prstGeom prst="straightConnector1">
+            <a:avLst/>
+          </a:prstGeom>
+          <a:ln w="12700">
+            <a:solidFill>
+              <a:schemeClr val="tx1">
+                <a:lumMod val="85000"/>
+                <a:lumOff val="15000"/>
+              </a:schemeClr>
+            </a:solidFill>
+            <a:prstDash val="solid"/>
+            <a:tailEnd type="none"/>
+          </a:ln>
+        </p:spPr>
+        <p:style>
+          <a:lnRef idx="1">
+            <a:schemeClr val="accent1"/>
+          </a:lnRef>
+          <a:fillRef idx="0">
+            <a:schemeClr val="accent1"/>
+          </a:fillRef>
+          <a:effectRef idx="0">
+            <a:schemeClr val="accent1"/>
+          </a:effectRef>
+          <a:fontRef idx="minor">
+            <a:schemeClr val="tx1"/>
+          </a:fontRef>
+        </p:style>
+      </p:cxnSp>
+      <p:sp>
+        <p:nvSpPr>
+          <p:cNvPr id="103" name="文本框 102"/>
+          <p:cNvSpPr txBox="1"/>
+          <p:nvPr/>
+        </p:nvSpPr>
+        <p:spPr>
+          <a:xfrm>
+            <a:off x="5388426" y="3285470"/>
+            <a:ext cx="391454" cy="230832"/>
+          </a:xfrm>
+          <a:prstGeom prst="rect">
+            <a:avLst/>
+          </a:prstGeom>
+          <a:noFill/>
+        </p:spPr>
+        <p:txBody>
+          <a:bodyPr wrap="none" rtlCol="0">
+            <a:spAutoFit/>
+          </a:bodyPr>
+          <a:lstStyle/>
+          <a:p>
+            <a:r>
+              <a:rPr lang="en-US" altLang="zh-CN" sz="900" smtClean="0"/>
+              <a:t>next</a:t>
+            </a:r>
+            <a:endParaRPr lang="zh-CN" altLang="en-US" sz="900"/>
+          </a:p>
+        </p:txBody>
+      </p:sp>
+      <p:sp>
+        <p:nvSpPr>
+          <p:cNvPr id="104" name="文本框 103"/>
+          <p:cNvSpPr txBox="1"/>
+          <p:nvPr/>
+        </p:nvSpPr>
+        <p:spPr>
+          <a:xfrm>
+            <a:off x="5377541" y="3666473"/>
+            <a:ext cx="391454" cy="230832"/>
+          </a:xfrm>
+          <a:prstGeom prst="rect">
+            <a:avLst/>
+          </a:prstGeom>
+          <a:noFill/>
+        </p:spPr>
+        <p:txBody>
+          <a:bodyPr wrap="none" rtlCol="0">
+            <a:spAutoFit/>
+          </a:bodyPr>
+          <a:lstStyle/>
+          <a:p>
+            <a:r>
+              <a:rPr lang="en-US" altLang="zh-CN" sz="900" smtClean="0"/>
+              <a:t>next</a:t>
+            </a:r>
+            <a:endParaRPr lang="zh-CN" altLang="en-US" sz="900"/>
+          </a:p>
+        </p:txBody>
+      </p:sp>
+    </p:spTree>
+    <p:extLst>
+      <p:ext uri="{BB962C8B-B14F-4D97-AF65-F5344CB8AC3E}">
+        <p14:creationId xmlns:p14="http://schemas.microsoft.com/office/powerpoint/2010/main" val="2834409735"/>
+      </p:ext>
+    </p:extLst>
+  </p:cSld>
+  <p:clrMapOvr>
+    <a:masterClrMapping/>
+  </p:clrMapOvr>
 </p:sld>
 </file>
 

--- a/doc/thor architecture.pptx
+++ b/doc/thor architecture.pptx
@@ -35,6 +35,7 @@
     <p:sldId id="280" r:id="rId29"/>
     <p:sldId id="284" r:id="rId30"/>
     <p:sldId id="285" r:id="rId31"/>
+    <p:sldId id="286" r:id="rId32"/>
   </p:sldIdLst>
   <p:sldSz cx="12192000" cy="6858000"/>
   <p:notesSz cx="6858000" cy="9144000"/>
@@ -272,7 +273,7 @@
           <a:p>
             <a:fld id="{26E5557C-EA97-4CBB-BFBF-8E388EEF4F51}" type="datetimeFigureOut">
               <a:rPr lang="zh-CN" altLang="en-US" smtClean="0"/>
-              <a:t>2014/11/4</a:t>
+              <a:t>2014/11/5</a:t>
             </a:fld>
             <a:endParaRPr lang="zh-CN" altLang="en-US"/>
           </a:p>
@@ -442,7 +443,7 @@
           <a:p>
             <a:fld id="{26E5557C-EA97-4CBB-BFBF-8E388EEF4F51}" type="datetimeFigureOut">
               <a:rPr lang="zh-CN" altLang="en-US" smtClean="0"/>
-              <a:t>2014/11/4</a:t>
+              <a:t>2014/11/5</a:t>
             </a:fld>
             <a:endParaRPr lang="zh-CN" altLang="en-US"/>
           </a:p>
@@ -622,7 +623,7 @@
           <a:p>
             <a:fld id="{26E5557C-EA97-4CBB-BFBF-8E388EEF4F51}" type="datetimeFigureOut">
               <a:rPr lang="zh-CN" altLang="en-US" smtClean="0"/>
-              <a:t>2014/11/4</a:t>
+              <a:t>2014/11/5</a:t>
             </a:fld>
             <a:endParaRPr lang="zh-CN" altLang="en-US"/>
           </a:p>
@@ -792,7 +793,7 @@
           <a:p>
             <a:fld id="{26E5557C-EA97-4CBB-BFBF-8E388EEF4F51}" type="datetimeFigureOut">
               <a:rPr lang="zh-CN" altLang="en-US" smtClean="0"/>
-              <a:t>2014/11/4</a:t>
+              <a:t>2014/11/5</a:t>
             </a:fld>
             <a:endParaRPr lang="zh-CN" altLang="en-US"/>
           </a:p>
@@ -1038,7 +1039,7 @@
           <a:p>
             <a:fld id="{26E5557C-EA97-4CBB-BFBF-8E388EEF4F51}" type="datetimeFigureOut">
               <a:rPr lang="zh-CN" altLang="en-US" smtClean="0"/>
-              <a:t>2014/11/4</a:t>
+              <a:t>2014/11/5</a:t>
             </a:fld>
             <a:endParaRPr lang="zh-CN" altLang="en-US"/>
           </a:p>
@@ -1270,7 +1271,7 @@
           <a:p>
             <a:fld id="{26E5557C-EA97-4CBB-BFBF-8E388EEF4F51}" type="datetimeFigureOut">
               <a:rPr lang="zh-CN" altLang="en-US" smtClean="0"/>
-              <a:t>2014/11/4</a:t>
+              <a:t>2014/11/5</a:t>
             </a:fld>
             <a:endParaRPr lang="zh-CN" altLang="en-US"/>
           </a:p>
@@ -1637,7 +1638,7 @@
           <a:p>
             <a:fld id="{26E5557C-EA97-4CBB-BFBF-8E388EEF4F51}" type="datetimeFigureOut">
               <a:rPr lang="zh-CN" altLang="en-US" smtClean="0"/>
-              <a:t>2014/11/4</a:t>
+              <a:t>2014/11/5</a:t>
             </a:fld>
             <a:endParaRPr lang="zh-CN" altLang="en-US"/>
           </a:p>
@@ -1760,7 +1761,7 @@
           <a:p>
             <a:fld id="{26E5557C-EA97-4CBB-BFBF-8E388EEF4F51}" type="datetimeFigureOut">
               <a:rPr lang="zh-CN" altLang="en-US" smtClean="0"/>
-              <a:t>2014/11/4</a:t>
+              <a:t>2014/11/5</a:t>
             </a:fld>
             <a:endParaRPr lang="zh-CN" altLang="en-US"/>
           </a:p>
@@ -1855,7 +1856,7 @@
           <a:p>
             <a:fld id="{26E5557C-EA97-4CBB-BFBF-8E388EEF4F51}" type="datetimeFigureOut">
               <a:rPr lang="zh-CN" altLang="en-US" smtClean="0"/>
-              <a:t>2014/11/4</a:t>
+              <a:t>2014/11/5</a:t>
             </a:fld>
             <a:endParaRPr lang="zh-CN" altLang="en-US"/>
           </a:p>
@@ -2132,7 +2133,7 @@
           <a:p>
             <a:fld id="{26E5557C-EA97-4CBB-BFBF-8E388EEF4F51}" type="datetimeFigureOut">
               <a:rPr lang="zh-CN" altLang="en-US" smtClean="0"/>
-              <a:t>2014/11/4</a:t>
+              <a:t>2014/11/5</a:t>
             </a:fld>
             <a:endParaRPr lang="zh-CN" altLang="en-US"/>
           </a:p>
@@ -2389,7 +2390,7 @@
           <a:p>
             <a:fld id="{26E5557C-EA97-4CBB-BFBF-8E388EEF4F51}" type="datetimeFigureOut">
               <a:rPr lang="zh-CN" altLang="en-US" smtClean="0"/>
-              <a:t>2014/11/4</a:t>
+              <a:t>2014/11/5</a:t>
             </a:fld>
             <a:endParaRPr lang="zh-CN" altLang="en-US"/>
           </a:p>
@@ -2602,7 +2603,7 @@
           <a:p>
             <a:fld id="{26E5557C-EA97-4CBB-BFBF-8E388EEF4F51}" type="datetimeFigureOut">
               <a:rPr lang="zh-CN" altLang="en-US" smtClean="0"/>
-              <a:t>2014/11/4</a:t>
+              <a:t>2014/11/5</a:t>
             </a:fld>
             <a:endParaRPr lang="zh-CN" altLang="en-US"/>
           </a:p>
@@ -32325,7 +32326,7 @@
         </p:nvSpPr>
         <p:spPr>
           <a:xfrm>
-            <a:off x="3376268" y="4356813"/>
+            <a:off x="2247254" y="3796976"/>
             <a:ext cx="2439966" cy="1030704"/>
           </a:xfrm>
           <a:prstGeom prst="rect">
@@ -32387,7 +32388,7 @@
         </p:nvSpPr>
         <p:spPr>
           <a:xfrm>
-            <a:off x="3622356" y="4604304"/>
+            <a:off x="2493342" y="4044467"/>
             <a:ext cx="264781" cy="498435"/>
           </a:xfrm>
           <a:prstGeom prst="rect">
@@ -32441,7 +32442,7 @@
         </p:nvSpPr>
         <p:spPr>
           <a:xfrm>
-            <a:off x="4048420" y="4756265"/>
+            <a:off x="2919406" y="4196428"/>
             <a:ext cx="264781" cy="346474"/>
           </a:xfrm>
           <a:prstGeom prst="rect">
@@ -32495,7 +32496,7 @@
         </p:nvSpPr>
         <p:spPr>
           <a:xfrm>
-            <a:off x="4462622" y="4672745"/>
+            <a:off x="3333608" y="4112908"/>
             <a:ext cx="264781" cy="430229"/>
           </a:xfrm>
           <a:prstGeom prst="rect">
@@ -32549,7 +32550,7 @@
         </p:nvSpPr>
         <p:spPr>
           <a:xfrm>
-            <a:off x="4876824" y="4749873"/>
+            <a:off x="3747810" y="4190036"/>
             <a:ext cx="593539" cy="346474"/>
           </a:xfrm>
           <a:prstGeom prst="rect">
@@ -32603,7 +32604,7 @@
         </p:nvSpPr>
         <p:spPr>
           <a:xfrm>
-            <a:off x="3654693" y="4756265"/>
+            <a:off x="2525679" y="4196428"/>
             <a:ext cx="193391" cy="210211"/>
           </a:xfrm>
           <a:prstGeom prst="rect">
@@ -32657,7 +32658,7 @@
         </p:nvSpPr>
         <p:spPr>
           <a:xfrm>
-            <a:off x="4123337" y="3948304"/>
+            <a:off x="2994323" y="3388467"/>
             <a:ext cx="428039" cy="265513"/>
           </a:xfrm>
           <a:prstGeom prst="rect">
@@ -32711,7 +32712,7 @@
         </p:nvSpPr>
         <p:spPr>
           <a:xfrm>
-            <a:off x="4438339" y="5786762"/>
+            <a:off x="3309325" y="5226925"/>
             <a:ext cx="869715" cy="788203"/>
           </a:xfrm>
           <a:prstGeom prst="flowChartMultidocument">
@@ -32773,7 +32774,7 @@
         </p:nvSpPr>
         <p:spPr>
           <a:xfrm>
-            <a:off x="3903061" y="3985684"/>
+            <a:off x="2774047" y="3425847"/>
             <a:ext cx="180892" cy="250026"/>
           </a:xfrm>
           <a:prstGeom prst="rightArrow">
@@ -32822,7 +32823,7 @@
         </p:nvCxnSpPr>
         <p:spPr>
           <a:xfrm flipV="1">
-            <a:off x="3751389" y="4182581"/>
+            <a:off x="2622375" y="3622744"/>
             <a:ext cx="3681" cy="573684"/>
           </a:xfrm>
           <a:prstGeom prst="straightConnector1">
@@ -32861,7 +32862,7 @@
         </p:nvSpPr>
         <p:spPr>
           <a:xfrm rot="16200000">
-            <a:off x="4797660" y="5404440"/>
+            <a:off x="3668646" y="4844603"/>
             <a:ext cx="169541" cy="413888"/>
           </a:xfrm>
           <a:prstGeom prst="rightArrow">
@@ -32907,7 +32908,7 @@
         </p:nvSpPr>
         <p:spPr>
           <a:xfrm>
-            <a:off x="4890301" y="2747866"/>
+            <a:off x="3761287" y="2188029"/>
             <a:ext cx="958591" cy="1437869"/>
           </a:xfrm>
           <a:prstGeom prst="roundRect">
@@ -32976,7 +32977,7 @@
         </p:nvSpPr>
         <p:spPr>
           <a:xfrm>
-            <a:off x="4629780" y="3979210"/>
+            <a:off x="3500766" y="3419373"/>
             <a:ext cx="180892" cy="250026"/>
           </a:xfrm>
           <a:prstGeom prst="rightArrow">
@@ -33022,7 +33023,7 @@
         </p:nvSpPr>
         <p:spPr>
           <a:xfrm>
-            <a:off x="3658374" y="3972370"/>
+            <a:off x="2529360" y="3412533"/>
             <a:ext cx="193391" cy="210211"/>
           </a:xfrm>
           <a:prstGeom prst="rect">
@@ -33076,7 +33077,7 @@
         </p:nvSpPr>
         <p:spPr>
           <a:xfrm>
-            <a:off x="5084915" y="3091541"/>
+            <a:off x="3955901" y="2531704"/>
             <a:ext cx="586542" cy="217713"/>
           </a:xfrm>
           <a:prstGeom prst="roundRect">
@@ -33143,7 +33144,7 @@
         </p:nvSpPr>
         <p:spPr>
           <a:xfrm>
-            <a:off x="5084914" y="3479406"/>
+            <a:off x="3955900" y="2919569"/>
             <a:ext cx="586542" cy="217713"/>
           </a:xfrm>
           <a:prstGeom prst="roundRect">
@@ -33192,7 +33193,7 @@
                   <a:schemeClr val="tx1"/>
                 </a:solidFill>
               </a:rPr>
-              <a:t>group</a:t>
+              <a:t>aggr</a:t>
             </a:r>
             <a:endParaRPr lang="zh-CN" altLang="en-US" sz="900">
               <a:solidFill>
@@ -33210,7 +33211,7 @@
         </p:nvSpPr>
         <p:spPr>
           <a:xfrm>
-            <a:off x="5084913" y="3874421"/>
+            <a:off x="3955899" y="3314584"/>
             <a:ext cx="586542" cy="217713"/>
           </a:xfrm>
           <a:prstGeom prst="roundRect">
@@ -33280,7 +33281,7 @@
         </p:nvCxnSpPr>
         <p:spPr>
           <a:xfrm flipV="1">
-            <a:off x="5378184" y="3697119"/>
+            <a:off x="4249170" y="3137282"/>
             <a:ext cx="1" cy="177302"/>
           </a:xfrm>
           <a:prstGeom prst="straightConnector1">
@@ -33322,7 +33323,7 @@
         </p:nvCxnSpPr>
         <p:spPr>
           <a:xfrm flipV="1">
-            <a:off x="5378185" y="3309254"/>
+            <a:off x="4249171" y="2749417"/>
             <a:ext cx="1" cy="170152"/>
           </a:xfrm>
           <a:prstGeom prst="straightConnector1">
@@ -33363,7 +33364,7 @@
         </p:nvCxnSpPr>
         <p:spPr>
           <a:xfrm>
-            <a:off x="3993507" y="3310834"/>
+            <a:off x="2864493" y="2750997"/>
             <a:ext cx="343850" cy="637470"/>
           </a:xfrm>
           <a:prstGeom prst="straightConnector1">
@@ -33403,7 +33404,7 @@
         </p:nvSpPr>
         <p:spPr>
           <a:xfrm>
-            <a:off x="3499498" y="2803865"/>
+            <a:off x="2370484" y="2244028"/>
             <a:ext cx="1130282" cy="461665"/>
           </a:xfrm>
           <a:prstGeom prst="rect">
@@ -33433,7 +33434,7 @@
         </p:nvSpPr>
         <p:spPr>
           <a:xfrm>
-            <a:off x="2418369" y="4267205"/>
+            <a:off x="1289355" y="3707368"/>
             <a:ext cx="1130282" cy="461665"/>
           </a:xfrm>
           <a:prstGeom prst="rect">
@@ -33465,7 +33466,7 @@
         </p:nvCxnSpPr>
         <p:spPr>
           <a:xfrm>
-            <a:off x="3171070" y="4572745"/>
+            <a:off x="2042056" y="4012908"/>
             <a:ext cx="483623" cy="288626"/>
           </a:xfrm>
           <a:prstGeom prst="straightConnector1">
@@ -33505,7 +33506,7 @@
         </p:nvSpPr>
         <p:spPr>
           <a:xfrm>
-            <a:off x="5388426" y="3285470"/>
+            <a:off x="4259412" y="2725633"/>
             <a:ext cx="391454" cy="230832"/>
           </a:xfrm>
           <a:prstGeom prst="rect">
@@ -33535,7 +33536,7 @@
         </p:nvSpPr>
         <p:spPr>
           <a:xfrm>
-            <a:off x="5377541" y="3666473"/>
+            <a:off x="4248527" y="3106636"/>
             <a:ext cx="391454" cy="230832"/>
           </a:xfrm>
           <a:prstGeom prst="rect">
@@ -33554,6 +33555,104 @@
               <a:t>next</a:t>
             </a:r>
             <a:endParaRPr lang="zh-CN" altLang="en-US" sz="900"/>
+          </a:p>
+        </p:txBody>
+      </p:sp>
+      <p:sp>
+        <p:nvSpPr>
+          <p:cNvPr id="3" name="矩形 2"/>
+          <p:cNvSpPr/>
+          <p:nvPr/>
+        </p:nvSpPr>
+        <p:spPr>
+          <a:xfrm>
+            <a:off x="838200" y="1503383"/>
+            <a:ext cx="8750383" cy="348813"/>
+          </a:xfrm>
+          <a:prstGeom prst="rect">
+            <a:avLst/>
+          </a:prstGeom>
+        </p:spPr>
+        <p:txBody>
+          <a:bodyPr wrap="square">
+            <a:spAutoFit/>
+          </a:bodyPr>
+          <a:lstStyle/>
+          <a:p>
+            <a:pPr indent="306070">
+              <a:lnSpc>
+                <a:spcPts val="2000"/>
+              </a:lnSpc>
+              <a:spcBef>
+                <a:spcPts val="300"/>
+              </a:spcBef>
+              <a:spcAft>
+                <a:spcPts val="300"/>
+              </a:spcAft>
+            </a:pPr>
+            <a:r>
+              <a:rPr lang="en-US" altLang="zh-CN" b="1">
+                <a:latin typeface="Times New Roman" panose="02020603050405020304" pitchFamily="18" charset="0"/>
+              </a:rPr>
+              <a:t>SELECT</a:t>
+            </a:r>
+            <a:r>
+              <a:rPr lang="en-US" altLang="zh-CN">
+                <a:latin typeface="Times New Roman" panose="02020603050405020304" pitchFamily="18" charset="0"/>
+              </a:rPr>
+              <a:t> count(*) </a:t>
+            </a:r>
+            <a:r>
+              <a:rPr lang="en-US" altLang="zh-CN" b="1">
+                <a:latin typeface="Times New Roman" panose="02020603050405020304" pitchFamily="18" charset="0"/>
+              </a:rPr>
+              <a:t>FROM</a:t>
+            </a:r>
+            <a:r>
+              <a:rPr lang="en-US" altLang="zh-CN">
+                <a:latin typeface="Times New Roman" panose="02020603050405020304" pitchFamily="18" charset="0"/>
+              </a:rPr>
+              <a:t> </a:t>
+            </a:r>
+            <a:r>
+              <a:rPr lang="en-US" altLang="zh-CN" i="1">
+                <a:latin typeface="Times New Roman" panose="02020603050405020304" pitchFamily="18" charset="0"/>
+              </a:rPr>
+              <a:t>table_name</a:t>
+            </a:r>
+            <a:r>
+              <a:rPr lang="en-US" altLang="zh-CN">
+                <a:latin typeface="Times New Roman" panose="02020603050405020304" pitchFamily="18" charset="0"/>
+              </a:rPr>
+              <a:t> </a:t>
+            </a:r>
+            <a:r>
+              <a:rPr lang="en-US" altLang="zh-CN" b="1">
+                <a:latin typeface="Times New Roman" panose="02020603050405020304" pitchFamily="18" charset="0"/>
+              </a:rPr>
+              <a:t>WHERE</a:t>
+            </a:r>
+            <a:r>
+              <a:rPr lang="en-US" altLang="zh-CN">
+                <a:latin typeface="Times New Roman" panose="02020603050405020304" pitchFamily="18" charset="0"/>
+              </a:rPr>
+              <a:t> </a:t>
+            </a:r>
+            <a:r>
+              <a:rPr lang="en-US" altLang="zh-CN" i="1">
+                <a:latin typeface="Times New Roman" panose="02020603050405020304" pitchFamily="18" charset="0"/>
+              </a:rPr>
+              <a:t>field_name </a:t>
+            </a:r>
+            <a:r>
+              <a:rPr lang="en-US" altLang="zh-CN">
+                <a:latin typeface="Times New Roman" panose="02020603050405020304" pitchFamily="18" charset="0"/>
+              </a:rPr>
+              <a:t>&gt; 100;</a:t>
+            </a:r>
+            <a:endParaRPr lang="zh-CN" altLang="zh-CN">
+              <a:latin typeface="Times New Roman" panose="02020603050405020304" pitchFamily="18" charset="0"/>
+            </a:endParaRPr>
           </a:p>
         </p:txBody>
       </p:sp>
@@ -33561,6 +33660,1490 @@
     <p:extLst>
       <p:ext uri="{BB962C8B-B14F-4D97-AF65-F5344CB8AC3E}">
         <p14:creationId xmlns:p14="http://schemas.microsoft.com/office/powerpoint/2010/main" val="2834409735"/>
+      </p:ext>
+    </p:extLst>
+  </p:cSld>
+  <p:clrMapOvr>
+    <a:masterClrMapping/>
+  </p:clrMapOvr>
+</p:sld>
+</file>
+
+<file path=ppt/slides/slide31.xml><?xml version="1.0" encoding="utf-8"?>
+<p:sld xmlns:a="http://schemas.openxmlformats.org/drawingml/2006/main" xmlns:r="http://schemas.openxmlformats.org/officeDocument/2006/relationships" xmlns:p="http://schemas.openxmlformats.org/presentationml/2006/main">
+  <p:cSld>
+    <p:spTree>
+      <p:nvGrpSpPr>
+        <p:cNvPr id="1" name=""/>
+        <p:cNvGrpSpPr/>
+        <p:nvPr/>
+      </p:nvGrpSpPr>
+      <p:grpSpPr>
+        <a:xfrm>
+          <a:off x="0" y="0"/>
+          <a:ext cx="0" cy="0"/>
+          <a:chOff x="0" y="0"/>
+          <a:chExt cx="0" cy="0"/>
+        </a:xfrm>
+      </p:grpSpPr>
+      <p:sp>
+        <p:nvSpPr>
+          <p:cNvPr id="46" name="矩形 45"/>
+          <p:cNvSpPr/>
+          <p:nvPr/>
+        </p:nvSpPr>
+        <p:spPr>
+          <a:xfrm>
+            <a:off x="1867647" y="1771650"/>
+            <a:ext cx="3152028" cy="3829050"/>
+          </a:xfrm>
+          <a:prstGeom prst="rect">
+            <a:avLst/>
+          </a:prstGeom>
+          <a:solidFill>
+            <a:schemeClr val="bg1">
+              <a:lumMod val="95000"/>
+            </a:schemeClr>
+          </a:solidFill>
+          <a:ln>
+            <a:solidFill>
+              <a:schemeClr val="tx1"/>
+            </a:solidFill>
+            <a:prstDash val="solid"/>
+          </a:ln>
+        </p:spPr>
+        <p:style>
+          <a:lnRef idx="2">
+            <a:schemeClr val="accent1">
+              <a:shade val="50000"/>
+            </a:schemeClr>
+          </a:lnRef>
+          <a:fillRef idx="1">
+            <a:schemeClr val="accent1"/>
+          </a:fillRef>
+          <a:effectRef idx="0">
+            <a:schemeClr val="accent1"/>
+          </a:effectRef>
+          <a:fontRef idx="minor">
+            <a:schemeClr val="lt1"/>
+          </a:fontRef>
+        </p:style>
+        <p:txBody>
+          <a:bodyPr rtlCol="0" anchor="t"/>
+          <a:lstStyle/>
+          <a:p>
+            <a:r>
+              <a:rPr lang="en-US" altLang="zh-CN" b="1" smtClean="0">
+                <a:solidFill>
+                  <a:schemeClr val="tx1"/>
+                </a:solidFill>
+              </a:rPr>
+              <a:t>table</a:t>
+            </a:r>
+            <a:endParaRPr lang="zh-CN" altLang="en-US" b="1">
+              <a:solidFill>
+                <a:schemeClr val="tx1"/>
+              </a:solidFill>
+            </a:endParaRPr>
+          </a:p>
+        </p:txBody>
+      </p:sp>
+      <p:sp>
+        <p:nvSpPr>
+          <p:cNvPr id="2" name="标题 1"/>
+          <p:cNvSpPr>
+            <a:spLocks noGrp="1"/>
+          </p:cNvSpPr>
+          <p:nvPr>
+            <p:ph type="title"/>
+          </p:nvPr>
+        </p:nvSpPr>
+        <p:spPr/>
+        <p:txBody>
+          <a:bodyPr/>
+          <a:lstStyle/>
+          <a:p>
+            <a:endParaRPr lang="zh-CN" altLang="en-US"/>
+          </a:p>
+        </p:txBody>
+      </p:sp>
+      <p:grpSp>
+        <p:nvGrpSpPr>
+          <p:cNvPr id="15" name="组合 14"/>
+          <p:cNvGrpSpPr/>
+          <p:nvPr/>
+        </p:nvGrpSpPr>
+        <p:grpSpPr>
+          <a:xfrm>
+            <a:off x="2681279" y="2436612"/>
+            <a:ext cx="261946" cy="2978948"/>
+            <a:chOff x="6700829" y="2379462"/>
+            <a:chExt cx="176221" cy="2978948"/>
+          </a:xfrm>
+        </p:grpSpPr>
+        <p:sp>
+          <p:nvSpPr>
+            <p:cNvPr id="11" name="矩形 10"/>
+            <p:cNvSpPr/>
+            <p:nvPr/>
+          </p:nvSpPr>
+          <p:spPr>
+            <a:xfrm>
+              <a:off x="6700831" y="2379462"/>
+              <a:ext cx="176219" cy="744737"/>
+            </a:xfrm>
+            <a:prstGeom prst="rect">
+              <a:avLst/>
+            </a:prstGeom>
+            <a:solidFill>
+              <a:schemeClr val="bg1">
+                <a:lumMod val="65000"/>
+              </a:schemeClr>
+            </a:solidFill>
+            <a:ln>
+              <a:solidFill>
+                <a:schemeClr val="tx1"/>
+              </a:solidFill>
+            </a:ln>
+          </p:spPr>
+          <p:style>
+            <a:lnRef idx="2">
+              <a:schemeClr val="accent1">
+                <a:shade val="50000"/>
+              </a:schemeClr>
+            </a:lnRef>
+            <a:fillRef idx="1">
+              <a:schemeClr val="accent1"/>
+            </a:fillRef>
+            <a:effectRef idx="0">
+              <a:schemeClr val="accent1"/>
+            </a:effectRef>
+            <a:fontRef idx="minor">
+              <a:schemeClr val="lt1"/>
+            </a:fontRef>
+          </p:style>
+          <p:txBody>
+            <a:bodyPr rtlCol="0" anchor="ctr"/>
+            <a:lstStyle/>
+            <a:p>
+              <a:pPr algn="ctr"/>
+              <a:endParaRPr lang="zh-CN" altLang="en-US" sz="900">
+                <a:solidFill>
+                  <a:schemeClr val="tx1"/>
+                </a:solidFill>
+              </a:endParaRPr>
+            </a:p>
+          </p:txBody>
+        </p:sp>
+        <p:sp>
+          <p:nvSpPr>
+            <p:cNvPr id="12" name="矩形 11"/>
+            <p:cNvSpPr/>
+            <p:nvPr/>
+          </p:nvSpPr>
+          <p:spPr>
+            <a:xfrm>
+              <a:off x="6700830" y="3124199"/>
+              <a:ext cx="176219" cy="744737"/>
+            </a:xfrm>
+            <a:prstGeom prst="rect">
+              <a:avLst/>
+            </a:prstGeom>
+            <a:solidFill>
+              <a:schemeClr val="bg1">
+                <a:lumMod val="65000"/>
+              </a:schemeClr>
+            </a:solidFill>
+            <a:ln>
+              <a:solidFill>
+                <a:schemeClr val="tx1"/>
+              </a:solidFill>
+            </a:ln>
+          </p:spPr>
+          <p:style>
+            <a:lnRef idx="2">
+              <a:schemeClr val="accent1">
+                <a:shade val="50000"/>
+              </a:schemeClr>
+            </a:lnRef>
+            <a:fillRef idx="1">
+              <a:schemeClr val="accent1"/>
+            </a:fillRef>
+            <a:effectRef idx="0">
+              <a:schemeClr val="accent1"/>
+            </a:effectRef>
+            <a:fontRef idx="minor">
+              <a:schemeClr val="lt1"/>
+            </a:fontRef>
+          </p:style>
+          <p:txBody>
+            <a:bodyPr rtlCol="0" anchor="ctr"/>
+            <a:lstStyle/>
+            <a:p>
+              <a:pPr algn="ctr"/>
+              <a:endParaRPr lang="zh-CN" altLang="en-US" sz="900">
+                <a:solidFill>
+                  <a:schemeClr val="tx1"/>
+                </a:solidFill>
+              </a:endParaRPr>
+            </a:p>
+          </p:txBody>
+        </p:sp>
+        <p:sp>
+          <p:nvSpPr>
+            <p:cNvPr id="13" name="矩形 12"/>
+            <p:cNvSpPr/>
+            <p:nvPr/>
+          </p:nvSpPr>
+          <p:spPr>
+            <a:xfrm>
+              <a:off x="6700830" y="3868936"/>
+              <a:ext cx="176219" cy="744737"/>
+            </a:xfrm>
+            <a:prstGeom prst="rect">
+              <a:avLst/>
+            </a:prstGeom>
+            <a:solidFill>
+              <a:schemeClr val="bg1">
+                <a:lumMod val="65000"/>
+              </a:schemeClr>
+            </a:solidFill>
+            <a:ln>
+              <a:solidFill>
+                <a:schemeClr val="tx1"/>
+              </a:solidFill>
+            </a:ln>
+          </p:spPr>
+          <p:style>
+            <a:lnRef idx="2">
+              <a:schemeClr val="accent1">
+                <a:shade val="50000"/>
+              </a:schemeClr>
+            </a:lnRef>
+            <a:fillRef idx="1">
+              <a:schemeClr val="accent1"/>
+            </a:fillRef>
+            <a:effectRef idx="0">
+              <a:schemeClr val="accent1"/>
+            </a:effectRef>
+            <a:fontRef idx="minor">
+              <a:schemeClr val="lt1"/>
+            </a:fontRef>
+          </p:style>
+          <p:txBody>
+            <a:bodyPr rtlCol="0" anchor="ctr"/>
+            <a:lstStyle/>
+            <a:p>
+              <a:pPr algn="ctr"/>
+              <a:endParaRPr lang="zh-CN" altLang="en-US" sz="900">
+                <a:solidFill>
+                  <a:schemeClr val="tx1"/>
+                </a:solidFill>
+              </a:endParaRPr>
+            </a:p>
+          </p:txBody>
+        </p:sp>
+        <p:sp>
+          <p:nvSpPr>
+            <p:cNvPr id="14" name="矩形 13"/>
+            <p:cNvSpPr/>
+            <p:nvPr/>
+          </p:nvSpPr>
+          <p:spPr>
+            <a:xfrm>
+              <a:off x="6700829" y="4613673"/>
+              <a:ext cx="176219" cy="744737"/>
+            </a:xfrm>
+            <a:prstGeom prst="rect">
+              <a:avLst/>
+            </a:prstGeom>
+            <a:solidFill>
+              <a:schemeClr val="bg1">
+                <a:lumMod val="65000"/>
+              </a:schemeClr>
+            </a:solidFill>
+            <a:ln>
+              <a:solidFill>
+                <a:schemeClr val="tx1"/>
+              </a:solidFill>
+            </a:ln>
+          </p:spPr>
+          <p:style>
+            <a:lnRef idx="2">
+              <a:schemeClr val="accent1">
+                <a:shade val="50000"/>
+              </a:schemeClr>
+            </a:lnRef>
+            <a:fillRef idx="1">
+              <a:schemeClr val="accent1"/>
+            </a:fillRef>
+            <a:effectRef idx="0">
+              <a:schemeClr val="accent1"/>
+            </a:effectRef>
+            <a:fontRef idx="minor">
+              <a:schemeClr val="lt1"/>
+            </a:fontRef>
+          </p:style>
+          <p:txBody>
+            <a:bodyPr rtlCol="0" anchor="ctr"/>
+            <a:lstStyle/>
+            <a:p>
+              <a:pPr algn="ctr"/>
+              <a:endParaRPr lang="zh-CN" altLang="en-US" sz="900">
+                <a:solidFill>
+                  <a:schemeClr val="tx1"/>
+                </a:solidFill>
+              </a:endParaRPr>
+            </a:p>
+          </p:txBody>
+        </p:sp>
+      </p:grpSp>
+      <p:grpSp>
+        <p:nvGrpSpPr>
+          <p:cNvPr id="16" name="组合 15"/>
+          <p:cNvGrpSpPr/>
+          <p:nvPr/>
+        </p:nvGrpSpPr>
+        <p:grpSpPr>
+          <a:xfrm>
+            <a:off x="3109898" y="2436612"/>
+            <a:ext cx="442927" cy="2978948"/>
+            <a:chOff x="6700829" y="2379462"/>
+            <a:chExt cx="176221" cy="2978948"/>
+          </a:xfrm>
+          <a:solidFill>
+            <a:schemeClr val="bg1">
+              <a:lumMod val="85000"/>
+            </a:schemeClr>
+          </a:solidFill>
+        </p:grpSpPr>
+        <p:sp>
+          <p:nvSpPr>
+            <p:cNvPr id="17" name="矩形 16"/>
+            <p:cNvSpPr/>
+            <p:nvPr/>
+          </p:nvSpPr>
+          <p:spPr>
+            <a:xfrm>
+              <a:off x="6700831" y="2379462"/>
+              <a:ext cx="176219" cy="744737"/>
+            </a:xfrm>
+            <a:prstGeom prst="rect">
+              <a:avLst/>
+            </a:prstGeom>
+            <a:grpFill/>
+            <a:ln>
+              <a:solidFill>
+                <a:schemeClr val="tx1"/>
+              </a:solidFill>
+            </a:ln>
+          </p:spPr>
+          <p:style>
+            <a:lnRef idx="2">
+              <a:schemeClr val="accent1">
+                <a:shade val="50000"/>
+              </a:schemeClr>
+            </a:lnRef>
+            <a:fillRef idx="1">
+              <a:schemeClr val="accent1"/>
+            </a:fillRef>
+            <a:effectRef idx="0">
+              <a:schemeClr val="accent1"/>
+            </a:effectRef>
+            <a:fontRef idx="minor">
+              <a:schemeClr val="lt1"/>
+            </a:fontRef>
+          </p:style>
+          <p:txBody>
+            <a:bodyPr rtlCol="0" anchor="ctr"/>
+            <a:lstStyle/>
+            <a:p>
+              <a:pPr algn="ctr"/>
+              <a:endParaRPr lang="zh-CN" altLang="en-US" sz="900">
+                <a:solidFill>
+                  <a:schemeClr val="tx1"/>
+                </a:solidFill>
+              </a:endParaRPr>
+            </a:p>
+          </p:txBody>
+        </p:sp>
+        <p:sp>
+          <p:nvSpPr>
+            <p:cNvPr id="18" name="矩形 17"/>
+            <p:cNvSpPr/>
+            <p:nvPr/>
+          </p:nvSpPr>
+          <p:spPr>
+            <a:xfrm>
+              <a:off x="6700830" y="3124199"/>
+              <a:ext cx="176219" cy="744737"/>
+            </a:xfrm>
+            <a:prstGeom prst="rect">
+              <a:avLst/>
+            </a:prstGeom>
+            <a:grpFill/>
+            <a:ln>
+              <a:solidFill>
+                <a:schemeClr val="tx1"/>
+              </a:solidFill>
+            </a:ln>
+          </p:spPr>
+          <p:style>
+            <a:lnRef idx="2">
+              <a:schemeClr val="accent1">
+                <a:shade val="50000"/>
+              </a:schemeClr>
+            </a:lnRef>
+            <a:fillRef idx="1">
+              <a:schemeClr val="accent1"/>
+            </a:fillRef>
+            <a:effectRef idx="0">
+              <a:schemeClr val="accent1"/>
+            </a:effectRef>
+            <a:fontRef idx="minor">
+              <a:schemeClr val="lt1"/>
+            </a:fontRef>
+          </p:style>
+          <p:txBody>
+            <a:bodyPr rtlCol="0" anchor="ctr"/>
+            <a:lstStyle/>
+            <a:p>
+              <a:pPr algn="ctr"/>
+              <a:endParaRPr lang="zh-CN" altLang="en-US" sz="900">
+                <a:solidFill>
+                  <a:schemeClr val="tx1"/>
+                </a:solidFill>
+              </a:endParaRPr>
+            </a:p>
+          </p:txBody>
+        </p:sp>
+        <p:sp>
+          <p:nvSpPr>
+            <p:cNvPr id="19" name="矩形 18"/>
+            <p:cNvSpPr/>
+            <p:nvPr/>
+          </p:nvSpPr>
+          <p:spPr>
+            <a:xfrm>
+              <a:off x="6700830" y="3868936"/>
+              <a:ext cx="176219" cy="744737"/>
+            </a:xfrm>
+            <a:prstGeom prst="rect">
+              <a:avLst/>
+            </a:prstGeom>
+            <a:grpFill/>
+            <a:ln>
+              <a:solidFill>
+                <a:schemeClr val="tx1"/>
+              </a:solidFill>
+            </a:ln>
+          </p:spPr>
+          <p:style>
+            <a:lnRef idx="2">
+              <a:schemeClr val="accent1">
+                <a:shade val="50000"/>
+              </a:schemeClr>
+            </a:lnRef>
+            <a:fillRef idx="1">
+              <a:schemeClr val="accent1"/>
+            </a:fillRef>
+            <a:effectRef idx="0">
+              <a:schemeClr val="accent1"/>
+            </a:effectRef>
+            <a:fontRef idx="minor">
+              <a:schemeClr val="lt1"/>
+            </a:fontRef>
+          </p:style>
+          <p:txBody>
+            <a:bodyPr rtlCol="0" anchor="ctr"/>
+            <a:lstStyle/>
+            <a:p>
+              <a:pPr algn="ctr"/>
+              <a:endParaRPr lang="zh-CN" altLang="en-US" sz="900">
+                <a:solidFill>
+                  <a:schemeClr val="tx1"/>
+                </a:solidFill>
+              </a:endParaRPr>
+            </a:p>
+          </p:txBody>
+        </p:sp>
+        <p:sp>
+          <p:nvSpPr>
+            <p:cNvPr id="20" name="矩形 19"/>
+            <p:cNvSpPr/>
+            <p:nvPr/>
+          </p:nvSpPr>
+          <p:spPr>
+            <a:xfrm>
+              <a:off x="6700829" y="4613673"/>
+              <a:ext cx="176219" cy="744737"/>
+            </a:xfrm>
+            <a:prstGeom prst="rect">
+              <a:avLst/>
+            </a:prstGeom>
+            <a:grpFill/>
+            <a:ln>
+              <a:solidFill>
+                <a:schemeClr val="tx1"/>
+              </a:solidFill>
+            </a:ln>
+          </p:spPr>
+          <p:style>
+            <a:lnRef idx="2">
+              <a:schemeClr val="accent1">
+                <a:shade val="50000"/>
+              </a:schemeClr>
+            </a:lnRef>
+            <a:fillRef idx="1">
+              <a:schemeClr val="accent1"/>
+            </a:fillRef>
+            <a:effectRef idx="0">
+              <a:schemeClr val="accent1"/>
+            </a:effectRef>
+            <a:fontRef idx="minor">
+              <a:schemeClr val="lt1"/>
+            </a:fontRef>
+          </p:style>
+          <p:txBody>
+            <a:bodyPr rtlCol="0" anchor="ctr"/>
+            <a:lstStyle/>
+            <a:p>
+              <a:pPr algn="ctr"/>
+              <a:endParaRPr lang="zh-CN" altLang="en-US" sz="900">
+                <a:solidFill>
+                  <a:schemeClr val="tx1"/>
+                </a:solidFill>
+              </a:endParaRPr>
+            </a:p>
+          </p:txBody>
+        </p:sp>
+      </p:grpSp>
+      <p:grpSp>
+        <p:nvGrpSpPr>
+          <p:cNvPr id="21" name="组合 20"/>
+          <p:cNvGrpSpPr/>
+          <p:nvPr/>
+        </p:nvGrpSpPr>
+        <p:grpSpPr>
+          <a:xfrm>
+            <a:off x="3662352" y="2436612"/>
+            <a:ext cx="204798" cy="2978948"/>
+            <a:chOff x="6700829" y="2379462"/>
+            <a:chExt cx="176221" cy="2978948"/>
+          </a:xfrm>
+          <a:solidFill>
+            <a:schemeClr val="bg1">
+              <a:lumMod val="50000"/>
+            </a:schemeClr>
+          </a:solidFill>
+        </p:grpSpPr>
+        <p:sp>
+          <p:nvSpPr>
+            <p:cNvPr id="22" name="矩形 21"/>
+            <p:cNvSpPr/>
+            <p:nvPr/>
+          </p:nvSpPr>
+          <p:spPr>
+            <a:xfrm>
+              <a:off x="6700831" y="2379462"/>
+              <a:ext cx="176219" cy="744737"/>
+            </a:xfrm>
+            <a:prstGeom prst="rect">
+              <a:avLst/>
+            </a:prstGeom>
+            <a:grpFill/>
+            <a:ln>
+              <a:solidFill>
+                <a:schemeClr val="tx1"/>
+              </a:solidFill>
+            </a:ln>
+          </p:spPr>
+          <p:style>
+            <a:lnRef idx="2">
+              <a:schemeClr val="accent1">
+                <a:shade val="50000"/>
+              </a:schemeClr>
+            </a:lnRef>
+            <a:fillRef idx="1">
+              <a:schemeClr val="accent1"/>
+            </a:fillRef>
+            <a:effectRef idx="0">
+              <a:schemeClr val="accent1"/>
+            </a:effectRef>
+            <a:fontRef idx="minor">
+              <a:schemeClr val="lt1"/>
+            </a:fontRef>
+          </p:style>
+          <p:txBody>
+            <a:bodyPr rtlCol="0" anchor="ctr"/>
+            <a:lstStyle/>
+            <a:p>
+              <a:pPr algn="ctr"/>
+              <a:endParaRPr lang="zh-CN" altLang="en-US" sz="900">
+                <a:solidFill>
+                  <a:schemeClr val="tx1"/>
+                </a:solidFill>
+              </a:endParaRPr>
+            </a:p>
+          </p:txBody>
+        </p:sp>
+        <p:sp>
+          <p:nvSpPr>
+            <p:cNvPr id="23" name="矩形 22"/>
+            <p:cNvSpPr/>
+            <p:nvPr/>
+          </p:nvSpPr>
+          <p:spPr>
+            <a:xfrm>
+              <a:off x="6700830" y="3124199"/>
+              <a:ext cx="176219" cy="744737"/>
+            </a:xfrm>
+            <a:prstGeom prst="rect">
+              <a:avLst/>
+            </a:prstGeom>
+            <a:grpFill/>
+            <a:ln>
+              <a:solidFill>
+                <a:schemeClr val="tx1"/>
+              </a:solidFill>
+            </a:ln>
+          </p:spPr>
+          <p:style>
+            <a:lnRef idx="2">
+              <a:schemeClr val="accent1">
+                <a:shade val="50000"/>
+              </a:schemeClr>
+            </a:lnRef>
+            <a:fillRef idx="1">
+              <a:schemeClr val="accent1"/>
+            </a:fillRef>
+            <a:effectRef idx="0">
+              <a:schemeClr val="accent1"/>
+            </a:effectRef>
+            <a:fontRef idx="minor">
+              <a:schemeClr val="lt1"/>
+            </a:fontRef>
+          </p:style>
+          <p:txBody>
+            <a:bodyPr rtlCol="0" anchor="ctr"/>
+            <a:lstStyle/>
+            <a:p>
+              <a:pPr algn="ctr"/>
+              <a:endParaRPr lang="zh-CN" altLang="en-US" sz="900">
+                <a:solidFill>
+                  <a:schemeClr val="tx1"/>
+                </a:solidFill>
+              </a:endParaRPr>
+            </a:p>
+          </p:txBody>
+        </p:sp>
+        <p:sp>
+          <p:nvSpPr>
+            <p:cNvPr id="24" name="矩形 23"/>
+            <p:cNvSpPr/>
+            <p:nvPr/>
+          </p:nvSpPr>
+          <p:spPr>
+            <a:xfrm>
+              <a:off x="6700830" y="3868936"/>
+              <a:ext cx="176219" cy="744737"/>
+            </a:xfrm>
+            <a:prstGeom prst="rect">
+              <a:avLst/>
+            </a:prstGeom>
+            <a:grpFill/>
+            <a:ln>
+              <a:solidFill>
+                <a:schemeClr val="tx1"/>
+              </a:solidFill>
+            </a:ln>
+          </p:spPr>
+          <p:style>
+            <a:lnRef idx="2">
+              <a:schemeClr val="accent1">
+                <a:shade val="50000"/>
+              </a:schemeClr>
+            </a:lnRef>
+            <a:fillRef idx="1">
+              <a:schemeClr val="accent1"/>
+            </a:fillRef>
+            <a:effectRef idx="0">
+              <a:schemeClr val="accent1"/>
+            </a:effectRef>
+            <a:fontRef idx="minor">
+              <a:schemeClr val="lt1"/>
+            </a:fontRef>
+          </p:style>
+          <p:txBody>
+            <a:bodyPr rtlCol="0" anchor="ctr"/>
+            <a:lstStyle/>
+            <a:p>
+              <a:pPr algn="ctr"/>
+              <a:endParaRPr lang="zh-CN" altLang="en-US" sz="900">
+                <a:solidFill>
+                  <a:schemeClr val="tx1"/>
+                </a:solidFill>
+              </a:endParaRPr>
+            </a:p>
+          </p:txBody>
+        </p:sp>
+        <p:sp>
+          <p:nvSpPr>
+            <p:cNvPr id="25" name="矩形 24"/>
+            <p:cNvSpPr/>
+            <p:nvPr/>
+          </p:nvSpPr>
+          <p:spPr>
+            <a:xfrm>
+              <a:off x="6700829" y="4613673"/>
+              <a:ext cx="176219" cy="744737"/>
+            </a:xfrm>
+            <a:prstGeom prst="rect">
+              <a:avLst/>
+            </a:prstGeom>
+            <a:grpFill/>
+            <a:ln>
+              <a:solidFill>
+                <a:schemeClr val="tx1"/>
+              </a:solidFill>
+            </a:ln>
+          </p:spPr>
+          <p:style>
+            <a:lnRef idx="2">
+              <a:schemeClr val="accent1">
+                <a:shade val="50000"/>
+              </a:schemeClr>
+            </a:lnRef>
+            <a:fillRef idx="1">
+              <a:schemeClr val="accent1"/>
+            </a:fillRef>
+            <a:effectRef idx="0">
+              <a:schemeClr val="accent1"/>
+            </a:effectRef>
+            <a:fontRef idx="minor">
+              <a:schemeClr val="lt1"/>
+            </a:fontRef>
+          </p:style>
+          <p:txBody>
+            <a:bodyPr rtlCol="0" anchor="ctr"/>
+            <a:lstStyle/>
+            <a:p>
+              <a:pPr algn="ctr"/>
+              <a:endParaRPr lang="zh-CN" altLang="en-US" sz="900">
+                <a:solidFill>
+                  <a:schemeClr val="tx1"/>
+                </a:solidFill>
+              </a:endParaRPr>
+            </a:p>
+          </p:txBody>
+        </p:sp>
+      </p:grpSp>
+      <p:grpSp>
+        <p:nvGrpSpPr>
+          <p:cNvPr id="26" name="组合 25"/>
+          <p:cNvGrpSpPr/>
+          <p:nvPr/>
+        </p:nvGrpSpPr>
+        <p:grpSpPr>
+          <a:xfrm>
+            <a:off x="4338623" y="2436612"/>
+            <a:ext cx="261946" cy="2978948"/>
+            <a:chOff x="6700829" y="2379462"/>
+            <a:chExt cx="176221" cy="2978948"/>
+          </a:xfrm>
+        </p:grpSpPr>
+        <p:sp>
+          <p:nvSpPr>
+            <p:cNvPr id="27" name="矩形 26"/>
+            <p:cNvSpPr/>
+            <p:nvPr/>
+          </p:nvSpPr>
+          <p:spPr>
+            <a:xfrm>
+              <a:off x="6700831" y="2379462"/>
+              <a:ext cx="176219" cy="744737"/>
+            </a:xfrm>
+            <a:prstGeom prst="rect">
+              <a:avLst/>
+            </a:prstGeom>
+            <a:solidFill>
+              <a:schemeClr val="bg1">
+                <a:lumMod val="65000"/>
+              </a:schemeClr>
+            </a:solidFill>
+            <a:ln>
+              <a:solidFill>
+                <a:schemeClr val="tx1"/>
+              </a:solidFill>
+            </a:ln>
+          </p:spPr>
+          <p:style>
+            <a:lnRef idx="2">
+              <a:schemeClr val="accent1">
+                <a:shade val="50000"/>
+              </a:schemeClr>
+            </a:lnRef>
+            <a:fillRef idx="1">
+              <a:schemeClr val="accent1"/>
+            </a:fillRef>
+            <a:effectRef idx="0">
+              <a:schemeClr val="accent1"/>
+            </a:effectRef>
+            <a:fontRef idx="minor">
+              <a:schemeClr val="lt1"/>
+            </a:fontRef>
+          </p:style>
+          <p:txBody>
+            <a:bodyPr rtlCol="0" anchor="ctr"/>
+            <a:lstStyle/>
+            <a:p>
+              <a:pPr algn="ctr"/>
+              <a:endParaRPr lang="zh-CN" altLang="en-US" sz="900">
+                <a:solidFill>
+                  <a:schemeClr val="tx1"/>
+                </a:solidFill>
+              </a:endParaRPr>
+            </a:p>
+          </p:txBody>
+        </p:sp>
+        <p:sp>
+          <p:nvSpPr>
+            <p:cNvPr id="28" name="矩形 27"/>
+            <p:cNvSpPr/>
+            <p:nvPr/>
+          </p:nvSpPr>
+          <p:spPr>
+            <a:xfrm>
+              <a:off x="6700830" y="3124199"/>
+              <a:ext cx="176219" cy="744737"/>
+            </a:xfrm>
+            <a:prstGeom prst="rect">
+              <a:avLst/>
+            </a:prstGeom>
+            <a:solidFill>
+              <a:schemeClr val="bg1">
+                <a:lumMod val="65000"/>
+              </a:schemeClr>
+            </a:solidFill>
+            <a:ln>
+              <a:solidFill>
+                <a:schemeClr val="tx1"/>
+              </a:solidFill>
+            </a:ln>
+          </p:spPr>
+          <p:style>
+            <a:lnRef idx="2">
+              <a:schemeClr val="accent1">
+                <a:shade val="50000"/>
+              </a:schemeClr>
+            </a:lnRef>
+            <a:fillRef idx="1">
+              <a:schemeClr val="accent1"/>
+            </a:fillRef>
+            <a:effectRef idx="0">
+              <a:schemeClr val="accent1"/>
+            </a:effectRef>
+            <a:fontRef idx="minor">
+              <a:schemeClr val="lt1"/>
+            </a:fontRef>
+          </p:style>
+          <p:txBody>
+            <a:bodyPr rtlCol="0" anchor="ctr"/>
+            <a:lstStyle/>
+            <a:p>
+              <a:pPr algn="ctr"/>
+              <a:endParaRPr lang="zh-CN" altLang="en-US" sz="900">
+                <a:solidFill>
+                  <a:schemeClr val="tx1"/>
+                </a:solidFill>
+              </a:endParaRPr>
+            </a:p>
+          </p:txBody>
+        </p:sp>
+        <p:sp>
+          <p:nvSpPr>
+            <p:cNvPr id="29" name="矩形 28"/>
+            <p:cNvSpPr/>
+            <p:nvPr/>
+          </p:nvSpPr>
+          <p:spPr>
+            <a:xfrm>
+              <a:off x="6700830" y="3868936"/>
+              <a:ext cx="176219" cy="744737"/>
+            </a:xfrm>
+            <a:prstGeom prst="rect">
+              <a:avLst/>
+            </a:prstGeom>
+            <a:solidFill>
+              <a:schemeClr val="bg1">
+                <a:lumMod val="65000"/>
+              </a:schemeClr>
+            </a:solidFill>
+            <a:ln>
+              <a:solidFill>
+                <a:schemeClr val="tx1"/>
+              </a:solidFill>
+            </a:ln>
+          </p:spPr>
+          <p:style>
+            <a:lnRef idx="2">
+              <a:schemeClr val="accent1">
+                <a:shade val="50000"/>
+              </a:schemeClr>
+            </a:lnRef>
+            <a:fillRef idx="1">
+              <a:schemeClr val="accent1"/>
+            </a:fillRef>
+            <a:effectRef idx="0">
+              <a:schemeClr val="accent1"/>
+            </a:effectRef>
+            <a:fontRef idx="minor">
+              <a:schemeClr val="lt1"/>
+            </a:fontRef>
+          </p:style>
+          <p:txBody>
+            <a:bodyPr rtlCol="0" anchor="ctr"/>
+            <a:lstStyle/>
+            <a:p>
+              <a:pPr algn="ctr"/>
+              <a:endParaRPr lang="zh-CN" altLang="en-US" sz="900">
+                <a:solidFill>
+                  <a:schemeClr val="tx1"/>
+                </a:solidFill>
+              </a:endParaRPr>
+            </a:p>
+          </p:txBody>
+        </p:sp>
+        <p:sp>
+          <p:nvSpPr>
+            <p:cNvPr id="30" name="矩形 29"/>
+            <p:cNvSpPr/>
+            <p:nvPr/>
+          </p:nvSpPr>
+          <p:spPr>
+            <a:xfrm>
+              <a:off x="6700829" y="4613673"/>
+              <a:ext cx="176219" cy="744737"/>
+            </a:xfrm>
+            <a:prstGeom prst="rect">
+              <a:avLst/>
+            </a:prstGeom>
+            <a:solidFill>
+              <a:schemeClr val="bg1">
+                <a:lumMod val="65000"/>
+              </a:schemeClr>
+            </a:solidFill>
+            <a:ln>
+              <a:solidFill>
+                <a:schemeClr val="tx1"/>
+              </a:solidFill>
+            </a:ln>
+          </p:spPr>
+          <p:style>
+            <a:lnRef idx="2">
+              <a:schemeClr val="accent1">
+                <a:shade val="50000"/>
+              </a:schemeClr>
+            </a:lnRef>
+            <a:fillRef idx="1">
+              <a:schemeClr val="accent1"/>
+            </a:fillRef>
+            <a:effectRef idx="0">
+              <a:schemeClr val="accent1"/>
+            </a:effectRef>
+            <a:fontRef idx="minor">
+              <a:schemeClr val="lt1"/>
+            </a:fontRef>
+          </p:style>
+          <p:txBody>
+            <a:bodyPr rtlCol="0" anchor="ctr"/>
+            <a:lstStyle/>
+            <a:p>
+              <a:pPr algn="ctr"/>
+              <a:endParaRPr lang="zh-CN" altLang="en-US" sz="900">
+                <a:solidFill>
+                  <a:schemeClr val="tx1"/>
+                </a:solidFill>
+              </a:endParaRPr>
+            </a:p>
+          </p:txBody>
+        </p:sp>
+      </p:grpSp>
+      <p:sp>
+        <p:nvSpPr>
+          <p:cNvPr id="32" name="矩形 31"/>
+          <p:cNvSpPr/>
+          <p:nvPr/>
+        </p:nvSpPr>
+        <p:spPr>
+          <a:xfrm>
+            <a:off x="2609845" y="2543175"/>
+            <a:ext cx="2033660" cy="174523"/>
+          </a:xfrm>
+          <a:prstGeom prst="rect">
+            <a:avLst/>
+          </a:prstGeom>
+          <a:solidFill>
+            <a:schemeClr val="bg1"/>
+          </a:solidFill>
+          <a:ln>
+            <a:solidFill>
+              <a:schemeClr val="tx1"/>
+            </a:solidFill>
+            <a:prstDash val="dash"/>
+          </a:ln>
+        </p:spPr>
+        <p:style>
+          <a:lnRef idx="2">
+            <a:schemeClr val="accent1">
+              <a:shade val="50000"/>
+            </a:schemeClr>
+          </a:lnRef>
+          <a:fillRef idx="1">
+            <a:schemeClr val="accent1"/>
+          </a:fillRef>
+          <a:effectRef idx="0">
+            <a:schemeClr val="accent1"/>
+          </a:effectRef>
+          <a:fontRef idx="minor">
+            <a:schemeClr val="lt1"/>
+          </a:fontRef>
+        </p:style>
+        <p:txBody>
+          <a:bodyPr rtlCol="0" anchor="ctr"/>
+          <a:lstStyle/>
+          <a:p>
+            <a:pPr algn="ctr"/>
+            <a:r>
+              <a:rPr lang="en-US" altLang="zh-CN" sz="1000" smtClean="0">
+                <a:solidFill>
+                  <a:schemeClr val="tx1"/>
+                </a:solidFill>
+              </a:rPr>
+              <a:t>Row 1</a:t>
+            </a:r>
+            <a:endParaRPr lang="zh-CN" altLang="en-US" sz="1000">
+              <a:solidFill>
+                <a:schemeClr val="tx1"/>
+              </a:solidFill>
+            </a:endParaRPr>
+          </a:p>
+        </p:txBody>
+      </p:sp>
+      <p:sp>
+        <p:nvSpPr>
+          <p:cNvPr id="33" name="矩形 32"/>
+          <p:cNvSpPr/>
+          <p:nvPr/>
+        </p:nvSpPr>
+        <p:spPr>
+          <a:xfrm>
+            <a:off x="2609845" y="2748061"/>
+            <a:ext cx="2033660" cy="174523"/>
+          </a:xfrm>
+          <a:prstGeom prst="rect">
+            <a:avLst/>
+          </a:prstGeom>
+          <a:solidFill>
+            <a:schemeClr val="bg1"/>
+          </a:solidFill>
+          <a:ln>
+            <a:solidFill>
+              <a:schemeClr val="tx1"/>
+            </a:solidFill>
+            <a:prstDash val="dash"/>
+          </a:ln>
+        </p:spPr>
+        <p:style>
+          <a:lnRef idx="2">
+            <a:schemeClr val="accent1">
+              <a:shade val="50000"/>
+            </a:schemeClr>
+          </a:lnRef>
+          <a:fillRef idx="1">
+            <a:schemeClr val="accent1"/>
+          </a:fillRef>
+          <a:effectRef idx="0">
+            <a:schemeClr val="accent1"/>
+          </a:effectRef>
+          <a:fontRef idx="minor">
+            <a:schemeClr val="lt1"/>
+          </a:fontRef>
+        </p:style>
+        <p:txBody>
+          <a:bodyPr rtlCol="0" anchor="ctr"/>
+          <a:lstStyle/>
+          <a:p>
+            <a:pPr algn="ctr"/>
+            <a:r>
+              <a:rPr lang="en-US" altLang="zh-CN" sz="1000" smtClean="0">
+                <a:solidFill>
+                  <a:schemeClr val="tx1"/>
+                </a:solidFill>
+              </a:rPr>
+              <a:t>Row 2</a:t>
+            </a:r>
+            <a:endParaRPr lang="zh-CN" altLang="en-US" sz="1000">
+              <a:solidFill>
+                <a:schemeClr val="tx1"/>
+              </a:solidFill>
+            </a:endParaRPr>
+          </a:p>
+        </p:txBody>
+      </p:sp>
+      <p:sp>
+        <p:nvSpPr>
+          <p:cNvPr id="34" name="矩形 33"/>
+          <p:cNvSpPr/>
+          <p:nvPr/>
+        </p:nvSpPr>
+        <p:spPr>
+          <a:xfrm>
+            <a:off x="2624118" y="5091211"/>
+            <a:ext cx="2033660" cy="174523"/>
+          </a:xfrm>
+          <a:prstGeom prst="rect">
+            <a:avLst/>
+          </a:prstGeom>
+          <a:solidFill>
+            <a:schemeClr val="bg1"/>
+          </a:solidFill>
+          <a:ln>
+            <a:solidFill>
+              <a:schemeClr val="tx1"/>
+            </a:solidFill>
+            <a:prstDash val="dash"/>
+          </a:ln>
+        </p:spPr>
+        <p:style>
+          <a:lnRef idx="2">
+            <a:schemeClr val="accent1">
+              <a:shade val="50000"/>
+            </a:schemeClr>
+          </a:lnRef>
+          <a:fillRef idx="1">
+            <a:schemeClr val="accent1"/>
+          </a:fillRef>
+          <a:effectRef idx="0">
+            <a:schemeClr val="accent1"/>
+          </a:effectRef>
+          <a:fontRef idx="minor">
+            <a:schemeClr val="lt1"/>
+          </a:fontRef>
+        </p:style>
+        <p:txBody>
+          <a:bodyPr rtlCol="0" anchor="ctr"/>
+          <a:lstStyle/>
+          <a:p>
+            <a:pPr algn="ctr"/>
+            <a:r>
+              <a:rPr lang="en-US" altLang="zh-CN" sz="1000" smtClean="0">
+                <a:solidFill>
+                  <a:schemeClr val="tx1"/>
+                </a:solidFill>
+              </a:rPr>
+              <a:t>Row M</a:t>
+            </a:r>
+            <a:endParaRPr lang="zh-CN" altLang="en-US" sz="1000">
+              <a:solidFill>
+                <a:schemeClr val="tx1"/>
+              </a:solidFill>
+            </a:endParaRPr>
+          </a:p>
+        </p:txBody>
+      </p:sp>
+      <p:sp>
+        <p:nvSpPr>
+          <p:cNvPr id="37" name="左大括号 36"/>
+          <p:cNvSpPr/>
+          <p:nvPr/>
+        </p:nvSpPr>
+        <p:spPr>
+          <a:xfrm>
+            <a:off x="2503736" y="3181349"/>
+            <a:ext cx="115640" cy="744737"/>
+          </a:xfrm>
+          <a:prstGeom prst="leftBrace">
+            <a:avLst>
+              <a:gd name="adj1" fmla="val 34285"/>
+              <a:gd name="adj2" fmla="val 50000"/>
+            </a:avLst>
+          </a:prstGeom>
+          <a:ln>
+            <a:solidFill>
+              <a:schemeClr val="tx1"/>
+            </a:solidFill>
+          </a:ln>
+        </p:spPr>
+        <p:style>
+          <a:lnRef idx="1">
+            <a:schemeClr val="accent1"/>
+          </a:lnRef>
+          <a:fillRef idx="0">
+            <a:schemeClr val="accent1"/>
+          </a:fillRef>
+          <a:effectRef idx="0">
+            <a:schemeClr val="accent1"/>
+          </a:effectRef>
+          <a:fontRef idx="minor">
+            <a:schemeClr val="tx1"/>
+          </a:fontRef>
+        </p:style>
+        <p:txBody>
+          <a:bodyPr rtlCol="0" anchor="ctr"/>
+          <a:lstStyle/>
+          <a:p>
+            <a:pPr algn="ctr"/>
+            <a:endParaRPr lang="zh-CN" altLang="en-US"/>
+          </a:p>
+        </p:txBody>
+      </p:sp>
+      <p:sp>
+        <p:nvSpPr>
+          <p:cNvPr id="40" name="文本框 39"/>
+          <p:cNvSpPr txBox="1"/>
+          <p:nvPr/>
+        </p:nvSpPr>
+        <p:spPr>
+          <a:xfrm>
+            <a:off x="2462046" y="2172520"/>
+            <a:ext cx="631904" cy="230832"/>
+          </a:xfrm>
+          <a:prstGeom prst="rect">
+            <a:avLst/>
+          </a:prstGeom>
+          <a:noFill/>
+        </p:spPr>
+        <p:txBody>
+          <a:bodyPr wrap="none" rtlCol="0">
+            <a:spAutoFit/>
+          </a:bodyPr>
+          <a:lstStyle/>
+          <a:p>
+            <a:r>
+              <a:rPr lang="en-US" altLang="zh-CN" sz="900" smtClean="0"/>
+              <a:t>Column 1</a:t>
+            </a:r>
+            <a:endParaRPr lang="zh-CN" altLang="en-US" sz="900"/>
+          </a:p>
+        </p:txBody>
+      </p:sp>
+      <p:sp>
+        <p:nvSpPr>
+          <p:cNvPr id="41" name="文本框 40"/>
+          <p:cNvSpPr txBox="1"/>
+          <p:nvPr/>
+        </p:nvSpPr>
+        <p:spPr>
+          <a:xfrm>
+            <a:off x="3014496" y="2172520"/>
+            <a:ext cx="631904" cy="230832"/>
+          </a:xfrm>
+          <a:prstGeom prst="rect">
+            <a:avLst/>
+          </a:prstGeom>
+          <a:noFill/>
+        </p:spPr>
+        <p:txBody>
+          <a:bodyPr wrap="none" rtlCol="0">
+            <a:spAutoFit/>
+          </a:bodyPr>
+          <a:lstStyle/>
+          <a:p>
+            <a:r>
+              <a:rPr lang="en-US" altLang="zh-CN" sz="900" smtClean="0"/>
+              <a:t>Column 2</a:t>
+            </a:r>
+            <a:endParaRPr lang="zh-CN" altLang="en-US" sz="900"/>
+          </a:p>
+        </p:txBody>
+      </p:sp>
+      <p:sp>
+        <p:nvSpPr>
+          <p:cNvPr id="42" name="文本框 41"/>
+          <p:cNvSpPr txBox="1"/>
+          <p:nvPr/>
+        </p:nvSpPr>
+        <p:spPr>
+          <a:xfrm>
+            <a:off x="3490746" y="2172520"/>
+            <a:ext cx="631904" cy="230832"/>
+          </a:xfrm>
+          <a:prstGeom prst="rect">
+            <a:avLst/>
+          </a:prstGeom>
+          <a:noFill/>
+        </p:spPr>
+        <p:txBody>
+          <a:bodyPr wrap="none" rtlCol="0">
+            <a:spAutoFit/>
+          </a:bodyPr>
+          <a:lstStyle/>
+          <a:p>
+            <a:r>
+              <a:rPr lang="en-US" altLang="zh-CN" sz="900" smtClean="0"/>
+              <a:t>Column 3</a:t>
+            </a:r>
+            <a:endParaRPr lang="zh-CN" altLang="en-US" sz="900"/>
+          </a:p>
+        </p:txBody>
+      </p:sp>
+      <p:sp>
+        <p:nvSpPr>
+          <p:cNvPr id="43" name="文本框 42"/>
+          <p:cNvSpPr txBox="1"/>
+          <p:nvPr/>
+        </p:nvSpPr>
+        <p:spPr>
+          <a:xfrm>
+            <a:off x="4147971" y="2172520"/>
+            <a:ext cx="647934" cy="230832"/>
+          </a:xfrm>
+          <a:prstGeom prst="rect">
+            <a:avLst/>
+          </a:prstGeom>
+          <a:noFill/>
+        </p:spPr>
+        <p:txBody>
+          <a:bodyPr wrap="none" rtlCol="0">
+            <a:spAutoFit/>
+          </a:bodyPr>
+          <a:lstStyle/>
+          <a:p>
+            <a:r>
+              <a:rPr lang="en-US" altLang="zh-CN" sz="900" smtClean="0"/>
+              <a:t>Column</a:t>
+            </a:r>
+            <a:r>
+              <a:rPr lang="zh-CN" altLang="en-US" sz="900"/>
+              <a:t> </a:t>
+            </a:r>
+            <a:r>
+              <a:rPr lang="en-US" altLang="zh-CN" sz="900" smtClean="0"/>
+              <a:t>N</a:t>
+            </a:r>
+            <a:endParaRPr lang="zh-CN" altLang="en-US" sz="900"/>
+          </a:p>
+        </p:txBody>
+      </p:sp>
+      <p:sp>
+        <p:nvSpPr>
+          <p:cNvPr id="44" name="文本框 43"/>
+          <p:cNvSpPr txBox="1"/>
+          <p:nvPr/>
+        </p:nvSpPr>
+        <p:spPr>
+          <a:xfrm>
+            <a:off x="3947946" y="3829050"/>
+            <a:ext cx="343364" cy="369332"/>
+          </a:xfrm>
+          <a:prstGeom prst="rect">
+            <a:avLst/>
+          </a:prstGeom>
+          <a:noFill/>
+        </p:spPr>
+        <p:txBody>
+          <a:bodyPr wrap="none" rtlCol="0">
+            <a:spAutoFit/>
+          </a:bodyPr>
+          <a:lstStyle/>
+          <a:p>
+            <a:r>
+              <a:rPr lang="en-US" altLang="zh-CN" smtClean="0"/>
+              <a:t>…</a:t>
+            </a:r>
+            <a:endParaRPr lang="zh-CN" altLang="en-US"/>
+          </a:p>
+        </p:txBody>
+      </p:sp>
+      <p:sp>
+        <p:nvSpPr>
+          <p:cNvPr id="45" name="文本框 44"/>
+          <p:cNvSpPr txBox="1"/>
+          <p:nvPr/>
+        </p:nvSpPr>
+        <p:spPr>
+          <a:xfrm>
+            <a:off x="1934322" y="3438301"/>
+            <a:ext cx="599844" cy="230832"/>
+          </a:xfrm>
+          <a:prstGeom prst="rect">
+            <a:avLst/>
+          </a:prstGeom>
+          <a:noFill/>
+        </p:spPr>
+        <p:txBody>
+          <a:bodyPr wrap="none" rtlCol="0">
+            <a:spAutoFit/>
+          </a:bodyPr>
+          <a:lstStyle/>
+          <a:p>
+            <a:r>
+              <a:rPr lang="en-US" altLang="zh-CN" sz="900" smtClean="0"/>
+              <a:t>Segment</a:t>
+            </a:r>
+            <a:endParaRPr lang="zh-CN" altLang="en-US" sz="900"/>
+          </a:p>
+        </p:txBody>
+      </p:sp>
+      <p:sp>
+        <p:nvSpPr>
+          <p:cNvPr id="48" name="矩形 47"/>
+          <p:cNvSpPr/>
+          <p:nvPr/>
+        </p:nvSpPr>
+        <p:spPr>
+          <a:xfrm>
+            <a:off x="6965153" y="2630436"/>
+            <a:ext cx="426247" cy="217539"/>
+          </a:xfrm>
+          <a:prstGeom prst="rect">
+            <a:avLst/>
+          </a:prstGeom>
+          <a:solidFill>
+            <a:schemeClr val="bg1">
+              <a:lumMod val="65000"/>
+            </a:schemeClr>
+          </a:solidFill>
+          <a:ln>
+            <a:solidFill>
+              <a:schemeClr val="tx1"/>
+            </a:solidFill>
+          </a:ln>
+        </p:spPr>
+        <p:style>
+          <a:lnRef idx="2">
+            <a:schemeClr val="accent1">
+              <a:shade val="50000"/>
+            </a:schemeClr>
+          </a:lnRef>
+          <a:fillRef idx="1">
+            <a:schemeClr val="accent1"/>
+          </a:fillRef>
+          <a:effectRef idx="0">
+            <a:schemeClr val="accent1"/>
+          </a:effectRef>
+          <a:fontRef idx="minor">
+            <a:schemeClr val="lt1"/>
+          </a:fontRef>
+        </p:style>
+        <p:txBody>
+          <a:bodyPr rtlCol="0" anchor="ctr"/>
+          <a:lstStyle/>
+          <a:p>
+            <a:pPr algn="ctr"/>
+            <a:endParaRPr lang="zh-CN" altLang="en-US" sz="900">
+              <a:solidFill>
+                <a:schemeClr val="tx1"/>
+              </a:solidFill>
+            </a:endParaRPr>
+          </a:p>
+        </p:txBody>
+      </p:sp>
+    </p:spTree>
+    <p:extLst>
+      <p:ext uri="{BB962C8B-B14F-4D97-AF65-F5344CB8AC3E}">
+        <p14:creationId xmlns:p14="http://schemas.microsoft.com/office/powerpoint/2010/main" val="2025942028"/>
       </p:ext>
     </p:extLst>
   </p:cSld>

--- a/doc/thor architecture.pptx
+++ b/doc/thor architecture.pptx
@@ -273,7 +273,7 @@
           <a:p>
             <a:fld id="{26E5557C-EA97-4CBB-BFBF-8E388EEF4F51}" type="datetimeFigureOut">
               <a:rPr lang="zh-CN" altLang="en-US" smtClean="0"/>
-              <a:t>2014/11/5</a:t>
+              <a:t>2014/11/6</a:t>
             </a:fld>
             <a:endParaRPr lang="zh-CN" altLang="en-US"/>
           </a:p>
@@ -443,7 +443,7 @@
           <a:p>
             <a:fld id="{26E5557C-EA97-4CBB-BFBF-8E388EEF4F51}" type="datetimeFigureOut">
               <a:rPr lang="zh-CN" altLang="en-US" smtClean="0"/>
-              <a:t>2014/11/5</a:t>
+              <a:t>2014/11/6</a:t>
             </a:fld>
             <a:endParaRPr lang="zh-CN" altLang="en-US"/>
           </a:p>
@@ -623,7 +623,7 @@
           <a:p>
             <a:fld id="{26E5557C-EA97-4CBB-BFBF-8E388EEF4F51}" type="datetimeFigureOut">
               <a:rPr lang="zh-CN" altLang="en-US" smtClean="0"/>
-              <a:t>2014/11/5</a:t>
+              <a:t>2014/11/6</a:t>
             </a:fld>
             <a:endParaRPr lang="zh-CN" altLang="en-US"/>
           </a:p>
@@ -793,7 +793,7 @@
           <a:p>
             <a:fld id="{26E5557C-EA97-4CBB-BFBF-8E388EEF4F51}" type="datetimeFigureOut">
               <a:rPr lang="zh-CN" altLang="en-US" smtClean="0"/>
-              <a:t>2014/11/5</a:t>
+              <a:t>2014/11/6</a:t>
             </a:fld>
             <a:endParaRPr lang="zh-CN" altLang="en-US"/>
           </a:p>
@@ -1039,7 +1039,7 @@
           <a:p>
             <a:fld id="{26E5557C-EA97-4CBB-BFBF-8E388EEF4F51}" type="datetimeFigureOut">
               <a:rPr lang="zh-CN" altLang="en-US" smtClean="0"/>
-              <a:t>2014/11/5</a:t>
+              <a:t>2014/11/6</a:t>
             </a:fld>
             <a:endParaRPr lang="zh-CN" altLang="en-US"/>
           </a:p>
@@ -1271,7 +1271,7 @@
           <a:p>
             <a:fld id="{26E5557C-EA97-4CBB-BFBF-8E388EEF4F51}" type="datetimeFigureOut">
               <a:rPr lang="zh-CN" altLang="en-US" smtClean="0"/>
-              <a:t>2014/11/5</a:t>
+              <a:t>2014/11/6</a:t>
             </a:fld>
             <a:endParaRPr lang="zh-CN" altLang="en-US"/>
           </a:p>
@@ -1638,7 +1638,7 @@
           <a:p>
             <a:fld id="{26E5557C-EA97-4CBB-BFBF-8E388EEF4F51}" type="datetimeFigureOut">
               <a:rPr lang="zh-CN" altLang="en-US" smtClean="0"/>
-              <a:t>2014/11/5</a:t>
+              <a:t>2014/11/6</a:t>
             </a:fld>
             <a:endParaRPr lang="zh-CN" altLang="en-US"/>
           </a:p>
@@ -1761,7 +1761,7 @@
           <a:p>
             <a:fld id="{26E5557C-EA97-4CBB-BFBF-8E388EEF4F51}" type="datetimeFigureOut">
               <a:rPr lang="zh-CN" altLang="en-US" smtClean="0"/>
-              <a:t>2014/11/5</a:t>
+              <a:t>2014/11/6</a:t>
             </a:fld>
             <a:endParaRPr lang="zh-CN" altLang="en-US"/>
           </a:p>
@@ -1856,7 +1856,7 @@
           <a:p>
             <a:fld id="{26E5557C-EA97-4CBB-BFBF-8E388EEF4F51}" type="datetimeFigureOut">
               <a:rPr lang="zh-CN" altLang="en-US" smtClean="0"/>
-              <a:t>2014/11/5</a:t>
+              <a:t>2014/11/6</a:t>
             </a:fld>
             <a:endParaRPr lang="zh-CN" altLang="en-US"/>
           </a:p>
@@ -2133,7 +2133,7 @@
           <a:p>
             <a:fld id="{26E5557C-EA97-4CBB-BFBF-8E388EEF4F51}" type="datetimeFigureOut">
               <a:rPr lang="zh-CN" altLang="en-US" smtClean="0"/>
-              <a:t>2014/11/5</a:t>
+              <a:t>2014/11/6</a:t>
             </a:fld>
             <a:endParaRPr lang="zh-CN" altLang="en-US"/>
           </a:p>
@@ -2390,7 +2390,7 @@
           <a:p>
             <a:fld id="{26E5557C-EA97-4CBB-BFBF-8E388EEF4F51}" type="datetimeFigureOut">
               <a:rPr lang="zh-CN" altLang="en-US" smtClean="0"/>
-              <a:t>2014/11/5</a:t>
+              <a:t>2014/11/6</a:t>
             </a:fld>
             <a:endParaRPr lang="zh-CN" altLang="en-US"/>
           </a:p>
@@ -2603,7 +2603,7 @@
           <a:p>
             <a:fld id="{26E5557C-EA97-4CBB-BFBF-8E388EEF4F51}" type="datetimeFigureOut">
               <a:rPr lang="zh-CN" altLang="en-US" smtClean="0"/>
-              <a:t>2014/11/5</a:t>
+              <a:t>2014/11/6</a:t>
             </a:fld>
             <a:endParaRPr lang="zh-CN" altLang="en-US"/>
           </a:p>
@@ -33666,6 +33666,13 @@
   <p:clrMapOvr>
     <a:masterClrMapping/>
   </p:clrMapOvr>
+  <p:timing>
+    <p:tnLst>
+      <p:par>
+        <p:cTn id="1" dur="indefinite" restart="never" nodeType="tmRoot"/>
+      </p:par>
+    </p:tnLst>
+  </p:timing>
 </p:sld>
 </file>
 
@@ -35086,25 +35093,2062 @@
           </a:p>
         </p:txBody>
       </p:sp>
-      <p:sp>
-        <p:nvSpPr>
-          <p:cNvPr id="48" name="矩形 47"/>
-          <p:cNvSpPr/>
-          <p:nvPr/>
-        </p:nvSpPr>
-        <p:spPr>
-          <a:xfrm>
-            <a:off x="6965153" y="2630436"/>
-            <a:ext cx="426247" cy="217539"/>
-          </a:xfrm>
-          <a:prstGeom prst="rect">
-            <a:avLst/>
-          </a:prstGeom>
+      <p:grpSp>
+        <p:nvGrpSpPr>
+          <p:cNvPr id="3" name="组合 2"/>
+          <p:cNvGrpSpPr/>
+          <p:nvPr/>
+        </p:nvGrpSpPr>
+        <p:grpSpPr>
+          <a:xfrm>
+            <a:off x="6469903" y="1877905"/>
+            <a:ext cx="290580" cy="1740312"/>
+            <a:chOff x="6965153" y="2630436"/>
+            <a:chExt cx="426247" cy="1740312"/>
+          </a:xfrm>
+        </p:grpSpPr>
+        <p:sp>
+          <p:nvSpPr>
+            <p:cNvPr id="48" name="矩形 47"/>
+            <p:cNvSpPr/>
+            <p:nvPr/>
+          </p:nvSpPr>
+          <p:spPr>
+            <a:xfrm>
+              <a:off x="6965153" y="2630436"/>
+              <a:ext cx="426247" cy="217539"/>
+            </a:xfrm>
+            <a:prstGeom prst="rect">
+              <a:avLst/>
+            </a:prstGeom>
+            <a:solidFill>
+              <a:schemeClr val="bg1">
+                <a:lumMod val="65000"/>
+              </a:schemeClr>
+            </a:solidFill>
+            <a:ln>
+              <a:solidFill>
+                <a:schemeClr val="tx1"/>
+              </a:solidFill>
+            </a:ln>
+          </p:spPr>
+          <p:style>
+            <a:lnRef idx="2">
+              <a:schemeClr val="accent1">
+                <a:shade val="50000"/>
+              </a:schemeClr>
+            </a:lnRef>
+            <a:fillRef idx="1">
+              <a:schemeClr val="accent1"/>
+            </a:fillRef>
+            <a:effectRef idx="0">
+              <a:schemeClr val="accent1"/>
+            </a:effectRef>
+            <a:fontRef idx="minor">
+              <a:schemeClr val="lt1"/>
+            </a:fontRef>
+          </p:style>
+          <p:txBody>
+            <a:bodyPr rtlCol="0" anchor="ctr"/>
+            <a:lstStyle/>
+            <a:p>
+              <a:pPr algn="ctr"/>
+              <a:r>
+                <a:rPr lang="en-US" altLang="zh-CN" sz="900" dirty="0" smtClean="0">
+                  <a:solidFill>
+                    <a:schemeClr val="tx1"/>
+                  </a:solidFill>
+                </a:rPr>
+                <a:t>2</a:t>
+              </a:r>
+              <a:endParaRPr lang="zh-CN" altLang="en-US" sz="900" dirty="0">
+                <a:solidFill>
+                  <a:schemeClr val="tx1"/>
+                </a:solidFill>
+              </a:endParaRPr>
+            </a:p>
+          </p:txBody>
+        </p:sp>
+        <p:sp>
+          <p:nvSpPr>
+            <p:cNvPr id="35" name="矩形 34"/>
+            <p:cNvSpPr/>
+            <p:nvPr/>
+          </p:nvSpPr>
+          <p:spPr>
+            <a:xfrm>
+              <a:off x="6965153" y="2847975"/>
+              <a:ext cx="426247" cy="217539"/>
+            </a:xfrm>
+            <a:prstGeom prst="rect">
+              <a:avLst/>
+            </a:prstGeom>
+            <a:solidFill>
+              <a:schemeClr val="bg1">
+                <a:lumMod val="65000"/>
+              </a:schemeClr>
+            </a:solidFill>
+            <a:ln>
+              <a:solidFill>
+                <a:schemeClr val="tx1"/>
+              </a:solidFill>
+            </a:ln>
+          </p:spPr>
+          <p:style>
+            <a:lnRef idx="2">
+              <a:schemeClr val="accent1">
+                <a:shade val="50000"/>
+              </a:schemeClr>
+            </a:lnRef>
+            <a:fillRef idx="1">
+              <a:schemeClr val="accent1"/>
+            </a:fillRef>
+            <a:effectRef idx="0">
+              <a:schemeClr val="accent1"/>
+            </a:effectRef>
+            <a:fontRef idx="minor">
+              <a:schemeClr val="lt1"/>
+            </a:fontRef>
+          </p:style>
+          <p:txBody>
+            <a:bodyPr rtlCol="0" anchor="ctr"/>
+            <a:lstStyle/>
+            <a:p>
+              <a:pPr algn="ctr"/>
+              <a:r>
+                <a:rPr lang="en-US" altLang="zh-CN" sz="900" dirty="0" smtClean="0">
+                  <a:solidFill>
+                    <a:schemeClr val="tx1"/>
+                  </a:solidFill>
+                </a:rPr>
+                <a:t>7</a:t>
+              </a:r>
+              <a:endParaRPr lang="zh-CN" altLang="en-US" sz="900" dirty="0">
+                <a:solidFill>
+                  <a:schemeClr val="tx1"/>
+                </a:solidFill>
+              </a:endParaRPr>
+            </a:p>
+          </p:txBody>
+        </p:sp>
+        <p:sp>
+          <p:nvSpPr>
+            <p:cNvPr id="36" name="矩形 35"/>
+            <p:cNvSpPr/>
+            <p:nvPr/>
+          </p:nvSpPr>
+          <p:spPr>
+            <a:xfrm>
+              <a:off x="6965153" y="3065514"/>
+              <a:ext cx="426247" cy="217539"/>
+            </a:xfrm>
+            <a:prstGeom prst="rect">
+              <a:avLst/>
+            </a:prstGeom>
+            <a:solidFill>
+              <a:schemeClr val="bg1">
+                <a:lumMod val="65000"/>
+              </a:schemeClr>
+            </a:solidFill>
+            <a:ln>
+              <a:solidFill>
+                <a:schemeClr val="tx1"/>
+              </a:solidFill>
+            </a:ln>
+          </p:spPr>
+          <p:style>
+            <a:lnRef idx="2">
+              <a:schemeClr val="accent1">
+                <a:shade val="50000"/>
+              </a:schemeClr>
+            </a:lnRef>
+            <a:fillRef idx="1">
+              <a:schemeClr val="accent1"/>
+            </a:fillRef>
+            <a:effectRef idx="0">
+              <a:schemeClr val="accent1"/>
+            </a:effectRef>
+            <a:fontRef idx="minor">
+              <a:schemeClr val="lt1"/>
+            </a:fontRef>
+          </p:style>
+          <p:txBody>
+            <a:bodyPr rtlCol="0" anchor="ctr"/>
+            <a:lstStyle/>
+            <a:p>
+              <a:pPr algn="ctr"/>
+              <a:r>
+                <a:rPr lang="en-US" altLang="zh-CN" sz="900" dirty="0" smtClean="0">
+                  <a:solidFill>
+                    <a:schemeClr val="tx1"/>
+                  </a:solidFill>
+                </a:rPr>
+                <a:t>…</a:t>
+              </a:r>
+              <a:endParaRPr lang="zh-CN" altLang="en-US" sz="900" dirty="0">
+                <a:solidFill>
+                  <a:schemeClr val="tx1"/>
+                </a:solidFill>
+              </a:endParaRPr>
+            </a:p>
+          </p:txBody>
+        </p:sp>
+        <p:sp>
+          <p:nvSpPr>
+            <p:cNvPr id="38" name="矩形 37"/>
+            <p:cNvSpPr/>
+            <p:nvPr/>
+          </p:nvSpPr>
+          <p:spPr>
+            <a:xfrm>
+              <a:off x="6965153" y="3283053"/>
+              <a:ext cx="426247" cy="217539"/>
+            </a:xfrm>
+            <a:prstGeom prst="rect">
+              <a:avLst/>
+            </a:prstGeom>
+            <a:solidFill>
+              <a:schemeClr val="bg1">
+                <a:lumMod val="65000"/>
+              </a:schemeClr>
+            </a:solidFill>
+            <a:ln>
+              <a:solidFill>
+                <a:schemeClr val="tx1"/>
+              </a:solidFill>
+            </a:ln>
+          </p:spPr>
+          <p:style>
+            <a:lnRef idx="2">
+              <a:schemeClr val="accent1">
+                <a:shade val="50000"/>
+              </a:schemeClr>
+            </a:lnRef>
+            <a:fillRef idx="1">
+              <a:schemeClr val="accent1"/>
+            </a:fillRef>
+            <a:effectRef idx="0">
+              <a:schemeClr val="accent1"/>
+            </a:effectRef>
+            <a:fontRef idx="minor">
+              <a:schemeClr val="lt1"/>
+            </a:fontRef>
+          </p:style>
+          <p:txBody>
+            <a:bodyPr rtlCol="0" anchor="ctr"/>
+            <a:lstStyle/>
+            <a:p>
+              <a:pPr algn="ctr"/>
+              <a:r>
+                <a:rPr lang="en-US" altLang="zh-CN" sz="900" dirty="0" smtClean="0">
+                  <a:solidFill>
+                    <a:schemeClr val="tx1"/>
+                  </a:solidFill>
+                </a:rPr>
+                <a:t>…</a:t>
+              </a:r>
+              <a:endParaRPr lang="zh-CN" altLang="en-US" sz="900" dirty="0">
+                <a:solidFill>
+                  <a:schemeClr val="tx1"/>
+                </a:solidFill>
+              </a:endParaRPr>
+            </a:p>
+          </p:txBody>
+        </p:sp>
+        <p:sp>
+          <p:nvSpPr>
+            <p:cNvPr id="39" name="矩形 38"/>
+            <p:cNvSpPr/>
+            <p:nvPr/>
+          </p:nvSpPr>
+          <p:spPr>
+            <a:xfrm>
+              <a:off x="6965153" y="3500592"/>
+              <a:ext cx="426247" cy="217539"/>
+            </a:xfrm>
+            <a:prstGeom prst="rect">
+              <a:avLst/>
+            </a:prstGeom>
+            <a:solidFill>
+              <a:schemeClr val="bg1">
+                <a:lumMod val="65000"/>
+              </a:schemeClr>
+            </a:solidFill>
+            <a:ln>
+              <a:solidFill>
+                <a:schemeClr val="tx1"/>
+              </a:solidFill>
+            </a:ln>
+          </p:spPr>
+          <p:style>
+            <a:lnRef idx="2">
+              <a:schemeClr val="accent1">
+                <a:shade val="50000"/>
+              </a:schemeClr>
+            </a:lnRef>
+            <a:fillRef idx="1">
+              <a:schemeClr val="accent1"/>
+            </a:fillRef>
+            <a:effectRef idx="0">
+              <a:schemeClr val="accent1"/>
+            </a:effectRef>
+            <a:fontRef idx="minor">
+              <a:schemeClr val="lt1"/>
+            </a:fontRef>
+          </p:style>
+          <p:txBody>
+            <a:bodyPr rtlCol="0" anchor="ctr"/>
+            <a:lstStyle/>
+            <a:p>
+              <a:pPr algn="ctr"/>
+              <a:r>
+                <a:rPr lang="en-US" altLang="zh-CN" sz="900" dirty="0" smtClean="0">
+                  <a:solidFill>
+                    <a:schemeClr val="tx1"/>
+                  </a:solidFill>
+                </a:rPr>
+                <a:t>…</a:t>
+              </a:r>
+              <a:endParaRPr lang="zh-CN" altLang="en-US" sz="900" dirty="0">
+                <a:solidFill>
+                  <a:schemeClr val="tx1"/>
+                </a:solidFill>
+              </a:endParaRPr>
+            </a:p>
+          </p:txBody>
+        </p:sp>
+        <p:sp>
+          <p:nvSpPr>
+            <p:cNvPr id="47" name="矩形 46"/>
+            <p:cNvSpPr/>
+            <p:nvPr/>
+          </p:nvSpPr>
+          <p:spPr>
+            <a:xfrm>
+              <a:off x="6965153" y="3718131"/>
+              <a:ext cx="426247" cy="217539"/>
+            </a:xfrm>
+            <a:prstGeom prst="rect">
+              <a:avLst/>
+            </a:prstGeom>
+            <a:solidFill>
+              <a:schemeClr val="bg1">
+                <a:lumMod val="65000"/>
+              </a:schemeClr>
+            </a:solidFill>
+            <a:ln>
+              <a:solidFill>
+                <a:schemeClr val="tx1"/>
+              </a:solidFill>
+            </a:ln>
+          </p:spPr>
+          <p:style>
+            <a:lnRef idx="2">
+              <a:schemeClr val="accent1">
+                <a:shade val="50000"/>
+              </a:schemeClr>
+            </a:lnRef>
+            <a:fillRef idx="1">
+              <a:schemeClr val="accent1"/>
+            </a:fillRef>
+            <a:effectRef idx="0">
+              <a:schemeClr val="accent1"/>
+            </a:effectRef>
+            <a:fontRef idx="minor">
+              <a:schemeClr val="lt1"/>
+            </a:fontRef>
+          </p:style>
+          <p:txBody>
+            <a:bodyPr rtlCol="0" anchor="ctr"/>
+            <a:lstStyle/>
+            <a:p>
+              <a:pPr algn="ctr"/>
+              <a:r>
+                <a:rPr lang="en-US" altLang="zh-CN" sz="900" dirty="0" smtClean="0">
+                  <a:solidFill>
+                    <a:schemeClr val="tx1"/>
+                  </a:solidFill>
+                </a:rPr>
+                <a:t>…</a:t>
+              </a:r>
+              <a:endParaRPr lang="zh-CN" altLang="en-US" sz="900" dirty="0">
+                <a:solidFill>
+                  <a:schemeClr val="tx1"/>
+                </a:solidFill>
+              </a:endParaRPr>
+            </a:p>
+          </p:txBody>
+        </p:sp>
+        <p:sp>
+          <p:nvSpPr>
+            <p:cNvPr id="49" name="矩形 48"/>
+            <p:cNvSpPr/>
+            <p:nvPr/>
+          </p:nvSpPr>
+          <p:spPr>
+            <a:xfrm>
+              <a:off x="6965153" y="3935670"/>
+              <a:ext cx="426247" cy="217539"/>
+            </a:xfrm>
+            <a:prstGeom prst="rect">
+              <a:avLst/>
+            </a:prstGeom>
+            <a:solidFill>
+              <a:schemeClr val="bg1">
+                <a:lumMod val="65000"/>
+              </a:schemeClr>
+            </a:solidFill>
+            <a:ln>
+              <a:solidFill>
+                <a:schemeClr val="tx1"/>
+              </a:solidFill>
+            </a:ln>
+          </p:spPr>
+          <p:style>
+            <a:lnRef idx="2">
+              <a:schemeClr val="accent1">
+                <a:shade val="50000"/>
+              </a:schemeClr>
+            </a:lnRef>
+            <a:fillRef idx="1">
+              <a:schemeClr val="accent1"/>
+            </a:fillRef>
+            <a:effectRef idx="0">
+              <a:schemeClr val="accent1"/>
+            </a:effectRef>
+            <a:fontRef idx="minor">
+              <a:schemeClr val="lt1"/>
+            </a:fontRef>
+          </p:style>
+          <p:txBody>
+            <a:bodyPr rtlCol="0" anchor="ctr"/>
+            <a:lstStyle/>
+            <a:p>
+              <a:pPr algn="ctr"/>
+              <a:r>
+                <a:rPr lang="en-US" altLang="zh-CN" sz="900" dirty="0" smtClean="0">
+                  <a:solidFill>
+                    <a:schemeClr val="tx1"/>
+                  </a:solidFill>
+                </a:rPr>
+                <a:t>…</a:t>
+              </a:r>
+              <a:endParaRPr lang="zh-CN" altLang="en-US" sz="900" dirty="0">
+                <a:solidFill>
+                  <a:schemeClr val="tx1"/>
+                </a:solidFill>
+              </a:endParaRPr>
+            </a:p>
+          </p:txBody>
+        </p:sp>
+        <p:sp>
+          <p:nvSpPr>
+            <p:cNvPr id="50" name="矩形 49"/>
+            <p:cNvSpPr/>
+            <p:nvPr/>
+          </p:nvSpPr>
+          <p:spPr>
+            <a:xfrm>
+              <a:off x="6965153" y="4153209"/>
+              <a:ext cx="426247" cy="217539"/>
+            </a:xfrm>
+            <a:prstGeom prst="rect">
+              <a:avLst/>
+            </a:prstGeom>
+            <a:solidFill>
+              <a:schemeClr val="bg1">
+                <a:lumMod val="65000"/>
+              </a:schemeClr>
+            </a:solidFill>
+            <a:ln>
+              <a:solidFill>
+                <a:schemeClr val="tx1"/>
+              </a:solidFill>
+            </a:ln>
+          </p:spPr>
+          <p:style>
+            <a:lnRef idx="2">
+              <a:schemeClr val="accent1">
+                <a:shade val="50000"/>
+              </a:schemeClr>
+            </a:lnRef>
+            <a:fillRef idx="1">
+              <a:schemeClr val="accent1"/>
+            </a:fillRef>
+            <a:effectRef idx="0">
+              <a:schemeClr val="accent1"/>
+            </a:effectRef>
+            <a:fontRef idx="minor">
+              <a:schemeClr val="lt1"/>
+            </a:fontRef>
+          </p:style>
+          <p:txBody>
+            <a:bodyPr rtlCol="0" anchor="ctr"/>
+            <a:lstStyle/>
+            <a:p>
+              <a:pPr algn="ctr"/>
+              <a:r>
+                <a:rPr lang="en-US" altLang="zh-CN" sz="900" dirty="0" smtClean="0">
+                  <a:solidFill>
+                    <a:schemeClr val="tx1"/>
+                  </a:solidFill>
+                </a:rPr>
+                <a:t>3</a:t>
+              </a:r>
+              <a:endParaRPr lang="zh-CN" altLang="en-US" sz="900" dirty="0">
+                <a:solidFill>
+                  <a:schemeClr val="tx1"/>
+                </a:solidFill>
+              </a:endParaRPr>
+            </a:p>
+          </p:txBody>
+        </p:sp>
+      </p:grpSp>
+      <p:grpSp>
+        <p:nvGrpSpPr>
+          <p:cNvPr id="51" name="组合 50"/>
+          <p:cNvGrpSpPr/>
+          <p:nvPr/>
+        </p:nvGrpSpPr>
+        <p:grpSpPr>
+          <a:xfrm>
+            <a:off x="7019974" y="1877905"/>
+            <a:ext cx="714375" cy="1740312"/>
+            <a:chOff x="6965153" y="2630436"/>
+            <a:chExt cx="426247" cy="1740312"/>
+          </a:xfrm>
           <a:solidFill>
             <a:schemeClr val="bg1">
-              <a:lumMod val="65000"/>
+              <a:lumMod val="85000"/>
             </a:schemeClr>
           </a:solidFill>
+        </p:grpSpPr>
+        <p:sp>
+          <p:nvSpPr>
+            <p:cNvPr id="52" name="矩形 51"/>
+            <p:cNvSpPr/>
+            <p:nvPr/>
+          </p:nvSpPr>
+          <p:spPr>
+            <a:xfrm>
+              <a:off x="6965153" y="2630436"/>
+              <a:ext cx="426247" cy="217539"/>
+            </a:xfrm>
+            <a:prstGeom prst="rect">
+              <a:avLst/>
+            </a:prstGeom>
+            <a:grpFill/>
+            <a:ln>
+              <a:solidFill>
+                <a:schemeClr val="tx1"/>
+              </a:solidFill>
+            </a:ln>
+          </p:spPr>
+          <p:style>
+            <a:lnRef idx="2">
+              <a:schemeClr val="accent1">
+                <a:shade val="50000"/>
+              </a:schemeClr>
+            </a:lnRef>
+            <a:fillRef idx="1">
+              <a:schemeClr val="accent1"/>
+            </a:fillRef>
+            <a:effectRef idx="0">
+              <a:schemeClr val="accent1"/>
+            </a:effectRef>
+            <a:fontRef idx="minor">
+              <a:schemeClr val="lt1"/>
+            </a:fontRef>
+          </p:style>
+          <p:txBody>
+            <a:bodyPr rtlCol="0" anchor="ctr"/>
+            <a:lstStyle/>
+            <a:p>
+              <a:pPr algn="ctr"/>
+              <a:r>
+                <a:rPr lang="en-US" altLang="zh-CN" sz="900" dirty="0" smtClean="0">
+                  <a:solidFill>
+                    <a:schemeClr val="tx1"/>
+                  </a:solidFill>
+                </a:rPr>
+                <a:t>19101021</a:t>
+              </a:r>
+              <a:endParaRPr lang="zh-CN" altLang="en-US" sz="900" dirty="0">
+                <a:solidFill>
+                  <a:schemeClr val="tx1"/>
+                </a:solidFill>
+              </a:endParaRPr>
+            </a:p>
+          </p:txBody>
+        </p:sp>
+        <p:sp>
+          <p:nvSpPr>
+            <p:cNvPr id="53" name="矩形 52"/>
+            <p:cNvSpPr/>
+            <p:nvPr/>
+          </p:nvSpPr>
+          <p:spPr>
+            <a:xfrm>
+              <a:off x="6965153" y="2847975"/>
+              <a:ext cx="426247" cy="217539"/>
+            </a:xfrm>
+            <a:prstGeom prst="rect">
+              <a:avLst/>
+            </a:prstGeom>
+            <a:grpFill/>
+            <a:ln>
+              <a:solidFill>
+                <a:schemeClr val="tx1"/>
+              </a:solidFill>
+            </a:ln>
+          </p:spPr>
+          <p:style>
+            <a:lnRef idx="2">
+              <a:schemeClr val="accent1">
+                <a:shade val="50000"/>
+              </a:schemeClr>
+            </a:lnRef>
+            <a:fillRef idx="1">
+              <a:schemeClr val="accent1"/>
+            </a:fillRef>
+            <a:effectRef idx="0">
+              <a:schemeClr val="accent1"/>
+            </a:effectRef>
+            <a:fontRef idx="minor">
+              <a:schemeClr val="lt1"/>
+            </a:fontRef>
+          </p:style>
+          <p:txBody>
+            <a:bodyPr rtlCol="0" anchor="ctr"/>
+            <a:lstStyle/>
+            <a:p>
+              <a:pPr algn="ctr"/>
+              <a:r>
+                <a:rPr lang="en-US" altLang="zh-CN" sz="900" dirty="0" smtClean="0">
+                  <a:solidFill>
+                    <a:schemeClr val="tx1"/>
+                  </a:solidFill>
+                </a:rPr>
+                <a:t>20011001</a:t>
+              </a:r>
+              <a:endParaRPr lang="zh-CN" altLang="en-US" sz="900" dirty="0">
+                <a:solidFill>
+                  <a:schemeClr val="tx1"/>
+                </a:solidFill>
+              </a:endParaRPr>
+            </a:p>
+          </p:txBody>
+        </p:sp>
+        <p:sp>
+          <p:nvSpPr>
+            <p:cNvPr id="54" name="矩形 53"/>
+            <p:cNvSpPr/>
+            <p:nvPr/>
+          </p:nvSpPr>
+          <p:spPr>
+            <a:xfrm>
+              <a:off x="6965153" y="3065514"/>
+              <a:ext cx="426247" cy="217539"/>
+            </a:xfrm>
+            <a:prstGeom prst="rect">
+              <a:avLst/>
+            </a:prstGeom>
+            <a:grpFill/>
+            <a:ln>
+              <a:solidFill>
+                <a:schemeClr val="tx1"/>
+              </a:solidFill>
+            </a:ln>
+          </p:spPr>
+          <p:style>
+            <a:lnRef idx="2">
+              <a:schemeClr val="accent1">
+                <a:shade val="50000"/>
+              </a:schemeClr>
+            </a:lnRef>
+            <a:fillRef idx="1">
+              <a:schemeClr val="accent1"/>
+            </a:fillRef>
+            <a:effectRef idx="0">
+              <a:schemeClr val="accent1"/>
+            </a:effectRef>
+            <a:fontRef idx="minor">
+              <a:schemeClr val="lt1"/>
+            </a:fontRef>
+          </p:style>
+          <p:txBody>
+            <a:bodyPr rtlCol="0" anchor="ctr"/>
+            <a:lstStyle/>
+            <a:p>
+              <a:pPr algn="ctr"/>
+              <a:r>
+                <a:rPr lang="en-US" altLang="zh-CN" sz="900" dirty="0" smtClean="0">
+                  <a:solidFill>
+                    <a:schemeClr val="tx1"/>
+                  </a:solidFill>
+                </a:rPr>
+                <a:t>…</a:t>
+              </a:r>
+              <a:endParaRPr lang="zh-CN" altLang="en-US" sz="900" dirty="0">
+                <a:solidFill>
+                  <a:schemeClr val="tx1"/>
+                </a:solidFill>
+              </a:endParaRPr>
+            </a:p>
+          </p:txBody>
+        </p:sp>
+        <p:sp>
+          <p:nvSpPr>
+            <p:cNvPr id="55" name="矩形 54"/>
+            <p:cNvSpPr/>
+            <p:nvPr/>
+          </p:nvSpPr>
+          <p:spPr>
+            <a:xfrm>
+              <a:off x="6965153" y="3283053"/>
+              <a:ext cx="426247" cy="217539"/>
+            </a:xfrm>
+            <a:prstGeom prst="rect">
+              <a:avLst/>
+            </a:prstGeom>
+            <a:grpFill/>
+            <a:ln>
+              <a:solidFill>
+                <a:schemeClr val="tx1"/>
+              </a:solidFill>
+            </a:ln>
+          </p:spPr>
+          <p:style>
+            <a:lnRef idx="2">
+              <a:schemeClr val="accent1">
+                <a:shade val="50000"/>
+              </a:schemeClr>
+            </a:lnRef>
+            <a:fillRef idx="1">
+              <a:schemeClr val="accent1"/>
+            </a:fillRef>
+            <a:effectRef idx="0">
+              <a:schemeClr val="accent1"/>
+            </a:effectRef>
+            <a:fontRef idx="minor">
+              <a:schemeClr val="lt1"/>
+            </a:fontRef>
+          </p:style>
+          <p:txBody>
+            <a:bodyPr rtlCol="0" anchor="ctr"/>
+            <a:lstStyle/>
+            <a:p>
+              <a:pPr algn="ctr"/>
+              <a:r>
+                <a:rPr lang="en-US" altLang="zh-CN" sz="900" dirty="0" smtClean="0">
+                  <a:solidFill>
+                    <a:schemeClr val="tx1"/>
+                  </a:solidFill>
+                </a:rPr>
+                <a:t>…</a:t>
+              </a:r>
+              <a:endParaRPr lang="zh-CN" altLang="en-US" sz="900" dirty="0">
+                <a:solidFill>
+                  <a:schemeClr val="tx1"/>
+                </a:solidFill>
+              </a:endParaRPr>
+            </a:p>
+          </p:txBody>
+        </p:sp>
+        <p:sp>
+          <p:nvSpPr>
+            <p:cNvPr id="56" name="矩形 55"/>
+            <p:cNvSpPr/>
+            <p:nvPr/>
+          </p:nvSpPr>
+          <p:spPr>
+            <a:xfrm>
+              <a:off x="6965153" y="3500592"/>
+              <a:ext cx="426247" cy="217539"/>
+            </a:xfrm>
+            <a:prstGeom prst="rect">
+              <a:avLst/>
+            </a:prstGeom>
+            <a:grpFill/>
+            <a:ln>
+              <a:solidFill>
+                <a:schemeClr val="tx1"/>
+              </a:solidFill>
+            </a:ln>
+          </p:spPr>
+          <p:style>
+            <a:lnRef idx="2">
+              <a:schemeClr val="accent1">
+                <a:shade val="50000"/>
+              </a:schemeClr>
+            </a:lnRef>
+            <a:fillRef idx="1">
+              <a:schemeClr val="accent1"/>
+            </a:fillRef>
+            <a:effectRef idx="0">
+              <a:schemeClr val="accent1"/>
+            </a:effectRef>
+            <a:fontRef idx="minor">
+              <a:schemeClr val="lt1"/>
+            </a:fontRef>
+          </p:style>
+          <p:txBody>
+            <a:bodyPr rtlCol="0" anchor="ctr"/>
+            <a:lstStyle/>
+            <a:p>
+              <a:pPr algn="ctr"/>
+              <a:r>
+                <a:rPr lang="en-US" altLang="zh-CN" sz="900" dirty="0" smtClean="0">
+                  <a:solidFill>
+                    <a:schemeClr val="tx1"/>
+                  </a:solidFill>
+                </a:rPr>
+                <a:t>…</a:t>
+              </a:r>
+              <a:endParaRPr lang="zh-CN" altLang="en-US" sz="900" dirty="0">
+                <a:solidFill>
+                  <a:schemeClr val="tx1"/>
+                </a:solidFill>
+              </a:endParaRPr>
+            </a:p>
+          </p:txBody>
+        </p:sp>
+        <p:sp>
+          <p:nvSpPr>
+            <p:cNvPr id="57" name="矩形 56"/>
+            <p:cNvSpPr/>
+            <p:nvPr/>
+          </p:nvSpPr>
+          <p:spPr>
+            <a:xfrm>
+              <a:off x="6965153" y="3718131"/>
+              <a:ext cx="426247" cy="217539"/>
+            </a:xfrm>
+            <a:prstGeom prst="rect">
+              <a:avLst/>
+            </a:prstGeom>
+            <a:grpFill/>
+            <a:ln>
+              <a:solidFill>
+                <a:schemeClr val="tx1"/>
+              </a:solidFill>
+            </a:ln>
+          </p:spPr>
+          <p:style>
+            <a:lnRef idx="2">
+              <a:schemeClr val="accent1">
+                <a:shade val="50000"/>
+              </a:schemeClr>
+            </a:lnRef>
+            <a:fillRef idx="1">
+              <a:schemeClr val="accent1"/>
+            </a:fillRef>
+            <a:effectRef idx="0">
+              <a:schemeClr val="accent1"/>
+            </a:effectRef>
+            <a:fontRef idx="minor">
+              <a:schemeClr val="lt1"/>
+            </a:fontRef>
+          </p:style>
+          <p:txBody>
+            <a:bodyPr rtlCol="0" anchor="ctr"/>
+            <a:lstStyle/>
+            <a:p>
+              <a:pPr algn="ctr"/>
+              <a:r>
+                <a:rPr lang="en-US" altLang="zh-CN" sz="900" dirty="0" smtClean="0">
+                  <a:solidFill>
+                    <a:schemeClr val="tx1"/>
+                  </a:solidFill>
+                </a:rPr>
+                <a:t>…</a:t>
+              </a:r>
+              <a:endParaRPr lang="zh-CN" altLang="en-US" sz="900" dirty="0">
+                <a:solidFill>
+                  <a:schemeClr val="tx1"/>
+                </a:solidFill>
+              </a:endParaRPr>
+            </a:p>
+          </p:txBody>
+        </p:sp>
+        <p:sp>
+          <p:nvSpPr>
+            <p:cNvPr id="58" name="矩形 57"/>
+            <p:cNvSpPr/>
+            <p:nvPr/>
+          </p:nvSpPr>
+          <p:spPr>
+            <a:xfrm>
+              <a:off x="6965153" y="3935670"/>
+              <a:ext cx="426247" cy="217539"/>
+            </a:xfrm>
+            <a:prstGeom prst="rect">
+              <a:avLst/>
+            </a:prstGeom>
+            <a:grpFill/>
+            <a:ln>
+              <a:solidFill>
+                <a:schemeClr val="tx1"/>
+              </a:solidFill>
+            </a:ln>
+          </p:spPr>
+          <p:style>
+            <a:lnRef idx="2">
+              <a:schemeClr val="accent1">
+                <a:shade val="50000"/>
+              </a:schemeClr>
+            </a:lnRef>
+            <a:fillRef idx="1">
+              <a:schemeClr val="accent1"/>
+            </a:fillRef>
+            <a:effectRef idx="0">
+              <a:schemeClr val="accent1"/>
+            </a:effectRef>
+            <a:fontRef idx="minor">
+              <a:schemeClr val="lt1"/>
+            </a:fontRef>
+          </p:style>
+          <p:txBody>
+            <a:bodyPr rtlCol="0" anchor="ctr"/>
+            <a:lstStyle/>
+            <a:p>
+              <a:pPr algn="ctr"/>
+              <a:r>
+                <a:rPr lang="en-US" altLang="zh-CN" sz="900" dirty="0" smtClean="0">
+                  <a:solidFill>
+                    <a:schemeClr val="tx1"/>
+                  </a:solidFill>
+                </a:rPr>
+                <a:t>..</a:t>
+              </a:r>
+              <a:endParaRPr lang="zh-CN" altLang="en-US" sz="900" dirty="0">
+                <a:solidFill>
+                  <a:schemeClr val="tx1"/>
+                </a:solidFill>
+              </a:endParaRPr>
+            </a:p>
+          </p:txBody>
+        </p:sp>
+        <p:sp>
+          <p:nvSpPr>
+            <p:cNvPr id="59" name="矩形 58"/>
+            <p:cNvSpPr/>
+            <p:nvPr/>
+          </p:nvSpPr>
+          <p:spPr>
+            <a:xfrm>
+              <a:off x="6965153" y="4153209"/>
+              <a:ext cx="426247" cy="217539"/>
+            </a:xfrm>
+            <a:prstGeom prst="rect">
+              <a:avLst/>
+            </a:prstGeom>
+            <a:grpFill/>
+            <a:ln>
+              <a:solidFill>
+                <a:schemeClr val="tx1"/>
+              </a:solidFill>
+            </a:ln>
+          </p:spPr>
+          <p:style>
+            <a:lnRef idx="2">
+              <a:schemeClr val="accent1">
+                <a:shade val="50000"/>
+              </a:schemeClr>
+            </a:lnRef>
+            <a:fillRef idx="1">
+              <a:schemeClr val="accent1"/>
+            </a:fillRef>
+            <a:effectRef idx="0">
+              <a:schemeClr val="accent1"/>
+            </a:effectRef>
+            <a:fontRef idx="minor">
+              <a:schemeClr val="lt1"/>
+            </a:fontRef>
+          </p:style>
+          <p:txBody>
+            <a:bodyPr rtlCol="0" anchor="ctr"/>
+            <a:lstStyle/>
+            <a:p>
+              <a:pPr algn="ctr"/>
+              <a:r>
+                <a:rPr lang="en-US" altLang="zh-CN" sz="900" dirty="0" smtClean="0">
+                  <a:solidFill>
+                    <a:schemeClr val="tx1"/>
+                  </a:solidFill>
+                </a:rPr>
+                <a:t>20141010</a:t>
+              </a:r>
+              <a:endParaRPr lang="zh-CN" altLang="en-US" sz="900" dirty="0">
+                <a:solidFill>
+                  <a:schemeClr val="tx1"/>
+                </a:solidFill>
+              </a:endParaRPr>
+            </a:p>
+          </p:txBody>
+        </p:sp>
+      </p:grpSp>
+      <p:grpSp>
+        <p:nvGrpSpPr>
+          <p:cNvPr id="60" name="组合 59"/>
+          <p:cNvGrpSpPr/>
+          <p:nvPr/>
+        </p:nvGrpSpPr>
+        <p:grpSpPr>
+          <a:xfrm>
+            <a:off x="7974852" y="1877905"/>
+            <a:ext cx="664372" cy="1740312"/>
+            <a:chOff x="6965153" y="2630436"/>
+            <a:chExt cx="426247" cy="1740312"/>
+          </a:xfrm>
+          <a:solidFill>
+            <a:schemeClr val="bg1"/>
+          </a:solidFill>
+        </p:grpSpPr>
+        <p:sp>
+          <p:nvSpPr>
+            <p:cNvPr id="61" name="矩形 60"/>
+            <p:cNvSpPr/>
+            <p:nvPr/>
+          </p:nvSpPr>
+          <p:spPr>
+            <a:xfrm>
+              <a:off x="6965153" y="2630436"/>
+              <a:ext cx="426247" cy="217539"/>
+            </a:xfrm>
+            <a:prstGeom prst="rect">
+              <a:avLst/>
+            </a:prstGeom>
+            <a:grpFill/>
+            <a:ln>
+              <a:solidFill>
+                <a:schemeClr val="tx1"/>
+              </a:solidFill>
+            </a:ln>
+          </p:spPr>
+          <p:style>
+            <a:lnRef idx="2">
+              <a:schemeClr val="accent1">
+                <a:shade val="50000"/>
+              </a:schemeClr>
+            </a:lnRef>
+            <a:fillRef idx="1">
+              <a:schemeClr val="accent1"/>
+            </a:fillRef>
+            <a:effectRef idx="0">
+              <a:schemeClr val="accent1"/>
+            </a:effectRef>
+            <a:fontRef idx="minor">
+              <a:schemeClr val="lt1"/>
+            </a:fontRef>
+          </p:style>
+          <p:txBody>
+            <a:bodyPr rtlCol="0" anchor="ctr"/>
+            <a:lstStyle/>
+            <a:p>
+              <a:r>
+                <a:rPr lang="en-US" altLang="zh-CN" sz="900" dirty="0" smtClean="0">
+                  <a:solidFill>
+                    <a:schemeClr val="tx1"/>
+                  </a:solidFill>
+                </a:rPr>
+                <a:t>test</a:t>
+              </a:r>
+              <a:endParaRPr lang="zh-CN" altLang="en-US" sz="900" dirty="0">
+                <a:solidFill>
+                  <a:schemeClr val="tx1"/>
+                </a:solidFill>
+              </a:endParaRPr>
+            </a:p>
+          </p:txBody>
+        </p:sp>
+        <p:sp>
+          <p:nvSpPr>
+            <p:cNvPr id="62" name="矩形 61"/>
+            <p:cNvSpPr/>
+            <p:nvPr/>
+          </p:nvSpPr>
+          <p:spPr>
+            <a:xfrm>
+              <a:off x="6965153" y="2847975"/>
+              <a:ext cx="426247" cy="217539"/>
+            </a:xfrm>
+            <a:prstGeom prst="rect">
+              <a:avLst/>
+            </a:prstGeom>
+            <a:grpFill/>
+            <a:ln>
+              <a:solidFill>
+                <a:schemeClr val="tx1"/>
+              </a:solidFill>
+            </a:ln>
+          </p:spPr>
+          <p:style>
+            <a:lnRef idx="2">
+              <a:schemeClr val="accent1">
+                <a:shade val="50000"/>
+              </a:schemeClr>
+            </a:lnRef>
+            <a:fillRef idx="1">
+              <a:schemeClr val="accent1"/>
+            </a:fillRef>
+            <a:effectRef idx="0">
+              <a:schemeClr val="accent1"/>
+            </a:effectRef>
+            <a:fontRef idx="minor">
+              <a:schemeClr val="lt1"/>
+            </a:fontRef>
+          </p:style>
+          <p:txBody>
+            <a:bodyPr rtlCol="0" anchor="ctr"/>
+            <a:lstStyle/>
+            <a:p>
+              <a:r>
+                <a:rPr lang="en-US" altLang="zh-CN" sz="900" dirty="0" smtClean="0">
+                  <a:solidFill>
+                    <a:schemeClr val="tx1"/>
+                  </a:solidFill>
+                </a:rPr>
+                <a:t>hello</a:t>
+              </a:r>
+              <a:endParaRPr lang="zh-CN" altLang="en-US" sz="900" dirty="0">
+                <a:solidFill>
+                  <a:schemeClr val="tx1"/>
+                </a:solidFill>
+              </a:endParaRPr>
+            </a:p>
+          </p:txBody>
+        </p:sp>
+        <p:sp>
+          <p:nvSpPr>
+            <p:cNvPr id="63" name="矩形 62"/>
+            <p:cNvSpPr/>
+            <p:nvPr/>
+          </p:nvSpPr>
+          <p:spPr>
+            <a:xfrm>
+              <a:off x="6965153" y="3065514"/>
+              <a:ext cx="426247" cy="217539"/>
+            </a:xfrm>
+            <a:prstGeom prst="rect">
+              <a:avLst/>
+            </a:prstGeom>
+            <a:grpFill/>
+            <a:ln>
+              <a:solidFill>
+                <a:schemeClr val="tx1"/>
+              </a:solidFill>
+            </a:ln>
+          </p:spPr>
+          <p:style>
+            <a:lnRef idx="2">
+              <a:schemeClr val="accent1">
+                <a:shade val="50000"/>
+              </a:schemeClr>
+            </a:lnRef>
+            <a:fillRef idx="1">
+              <a:schemeClr val="accent1"/>
+            </a:fillRef>
+            <a:effectRef idx="0">
+              <a:schemeClr val="accent1"/>
+            </a:effectRef>
+            <a:fontRef idx="minor">
+              <a:schemeClr val="lt1"/>
+            </a:fontRef>
+          </p:style>
+          <p:txBody>
+            <a:bodyPr rtlCol="0" anchor="ctr"/>
+            <a:lstStyle/>
+            <a:p>
+              <a:r>
+                <a:rPr lang="en-US" altLang="zh-CN" sz="900" dirty="0" smtClean="0">
+                  <a:solidFill>
+                    <a:schemeClr val="tx1"/>
+                  </a:solidFill>
+                </a:rPr>
+                <a:t>…</a:t>
+              </a:r>
+              <a:endParaRPr lang="zh-CN" altLang="en-US" sz="900" dirty="0">
+                <a:solidFill>
+                  <a:schemeClr val="tx1"/>
+                </a:solidFill>
+              </a:endParaRPr>
+            </a:p>
+          </p:txBody>
+        </p:sp>
+        <p:sp>
+          <p:nvSpPr>
+            <p:cNvPr id="64" name="矩形 63"/>
+            <p:cNvSpPr/>
+            <p:nvPr/>
+          </p:nvSpPr>
+          <p:spPr>
+            <a:xfrm>
+              <a:off x="6965153" y="3283053"/>
+              <a:ext cx="426247" cy="217539"/>
+            </a:xfrm>
+            <a:prstGeom prst="rect">
+              <a:avLst/>
+            </a:prstGeom>
+            <a:grpFill/>
+            <a:ln>
+              <a:solidFill>
+                <a:schemeClr val="tx1"/>
+              </a:solidFill>
+            </a:ln>
+          </p:spPr>
+          <p:style>
+            <a:lnRef idx="2">
+              <a:schemeClr val="accent1">
+                <a:shade val="50000"/>
+              </a:schemeClr>
+            </a:lnRef>
+            <a:fillRef idx="1">
+              <a:schemeClr val="accent1"/>
+            </a:fillRef>
+            <a:effectRef idx="0">
+              <a:schemeClr val="accent1"/>
+            </a:effectRef>
+            <a:fontRef idx="minor">
+              <a:schemeClr val="lt1"/>
+            </a:fontRef>
+          </p:style>
+          <p:txBody>
+            <a:bodyPr rtlCol="0" anchor="ctr"/>
+            <a:lstStyle/>
+            <a:p>
+              <a:r>
+                <a:rPr lang="en-US" altLang="zh-CN" sz="900" dirty="0" smtClean="0">
+                  <a:solidFill>
+                    <a:schemeClr val="tx1"/>
+                  </a:solidFill>
+                </a:rPr>
+                <a:t>…</a:t>
+              </a:r>
+              <a:endParaRPr lang="zh-CN" altLang="en-US" sz="900" dirty="0">
+                <a:solidFill>
+                  <a:schemeClr val="tx1"/>
+                </a:solidFill>
+              </a:endParaRPr>
+            </a:p>
+          </p:txBody>
+        </p:sp>
+        <p:sp>
+          <p:nvSpPr>
+            <p:cNvPr id="65" name="矩形 64"/>
+            <p:cNvSpPr/>
+            <p:nvPr/>
+          </p:nvSpPr>
+          <p:spPr>
+            <a:xfrm>
+              <a:off x="6965153" y="3500592"/>
+              <a:ext cx="426247" cy="217539"/>
+            </a:xfrm>
+            <a:prstGeom prst="rect">
+              <a:avLst/>
+            </a:prstGeom>
+            <a:grpFill/>
+            <a:ln>
+              <a:solidFill>
+                <a:schemeClr val="tx1"/>
+              </a:solidFill>
+            </a:ln>
+          </p:spPr>
+          <p:style>
+            <a:lnRef idx="2">
+              <a:schemeClr val="accent1">
+                <a:shade val="50000"/>
+              </a:schemeClr>
+            </a:lnRef>
+            <a:fillRef idx="1">
+              <a:schemeClr val="accent1"/>
+            </a:fillRef>
+            <a:effectRef idx="0">
+              <a:schemeClr val="accent1"/>
+            </a:effectRef>
+            <a:fontRef idx="minor">
+              <a:schemeClr val="lt1"/>
+            </a:fontRef>
+          </p:style>
+          <p:txBody>
+            <a:bodyPr rtlCol="0" anchor="ctr"/>
+            <a:lstStyle/>
+            <a:p>
+              <a:r>
+                <a:rPr lang="en-US" altLang="zh-CN" sz="900" dirty="0" smtClean="0">
+                  <a:solidFill>
+                    <a:schemeClr val="tx1"/>
+                  </a:solidFill>
+                </a:rPr>
+                <a:t>…</a:t>
+              </a:r>
+              <a:endParaRPr lang="zh-CN" altLang="en-US" sz="900" dirty="0">
+                <a:solidFill>
+                  <a:schemeClr val="tx1"/>
+                </a:solidFill>
+              </a:endParaRPr>
+            </a:p>
+          </p:txBody>
+        </p:sp>
+        <p:sp>
+          <p:nvSpPr>
+            <p:cNvPr id="66" name="矩形 65"/>
+            <p:cNvSpPr/>
+            <p:nvPr/>
+          </p:nvSpPr>
+          <p:spPr>
+            <a:xfrm>
+              <a:off x="6965153" y="3718131"/>
+              <a:ext cx="426247" cy="217539"/>
+            </a:xfrm>
+            <a:prstGeom prst="rect">
+              <a:avLst/>
+            </a:prstGeom>
+            <a:grpFill/>
+            <a:ln>
+              <a:solidFill>
+                <a:schemeClr val="tx1"/>
+              </a:solidFill>
+            </a:ln>
+          </p:spPr>
+          <p:style>
+            <a:lnRef idx="2">
+              <a:schemeClr val="accent1">
+                <a:shade val="50000"/>
+              </a:schemeClr>
+            </a:lnRef>
+            <a:fillRef idx="1">
+              <a:schemeClr val="accent1"/>
+            </a:fillRef>
+            <a:effectRef idx="0">
+              <a:schemeClr val="accent1"/>
+            </a:effectRef>
+            <a:fontRef idx="minor">
+              <a:schemeClr val="lt1"/>
+            </a:fontRef>
+          </p:style>
+          <p:txBody>
+            <a:bodyPr rtlCol="0" anchor="ctr"/>
+            <a:lstStyle/>
+            <a:p>
+              <a:r>
+                <a:rPr lang="en-US" altLang="zh-CN" sz="900" dirty="0" smtClean="0">
+                  <a:solidFill>
+                    <a:schemeClr val="tx1"/>
+                  </a:solidFill>
+                </a:rPr>
+                <a:t>…</a:t>
+              </a:r>
+              <a:endParaRPr lang="zh-CN" altLang="en-US" sz="900" dirty="0">
+                <a:solidFill>
+                  <a:schemeClr val="tx1"/>
+                </a:solidFill>
+              </a:endParaRPr>
+            </a:p>
+          </p:txBody>
+        </p:sp>
+        <p:sp>
+          <p:nvSpPr>
+            <p:cNvPr id="67" name="矩形 66"/>
+            <p:cNvSpPr/>
+            <p:nvPr/>
+          </p:nvSpPr>
+          <p:spPr>
+            <a:xfrm>
+              <a:off x="6965153" y="3935670"/>
+              <a:ext cx="426247" cy="217539"/>
+            </a:xfrm>
+            <a:prstGeom prst="rect">
+              <a:avLst/>
+            </a:prstGeom>
+            <a:grpFill/>
+            <a:ln>
+              <a:solidFill>
+                <a:schemeClr val="tx1"/>
+              </a:solidFill>
+            </a:ln>
+          </p:spPr>
+          <p:style>
+            <a:lnRef idx="2">
+              <a:schemeClr val="accent1">
+                <a:shade val="50000"/>
+              </a:schemeClr>
+            </a:lnRef>
+            <a:fillRef idx="1">
+              <a:schemeClr val="accent1"/>
+            </a:fillRef>
+            <a:effectRef idx="0">
+              <a:schemeClr val="accent1"/>
+            </a:effectRef>
+            <a:fontRef idx="minor">
+              <a:schemeClr val="lt1"/>
+            </a:fontRef>
+          </p:style>
+          <p:txBody>
+            <a:bodyPr rtlCol="0" anchor="ctr"/>
+            <a:lstStyle/>
+            <a:p>
+              <a:r>
+                <a:rPr lang="en-US" altLang="zh-CN" sz="900" dirty="0" smtClean="0">
+                  <a:solidFill>
+                    <a:schemeClr val="tx1"/>
+                  </a:solidFill>
+                </a:rPr>
+                <a:t>..</a:t>
+              </a:r>
+              <a:endParaRPr lang="zh-CN" altLang="en-US" sz="900" dirty="0">
+                <a:solidFill>
+                  <a:schemeClr val="tx1"/>
+                </a:solidFill>
+              </a:endParaRPr>
+            </a:p>
+          </p:txBody>
+        </p:sp>
+        <p:sp>
+          <p:nvSpPr>
+            <p:cNvPr id="68" name="矩形 67"/>
+            <p:cNvSpPr/>
+            <p:nvPr/>
+          </p:nvSpPr>
+          <p:spPr>
+            <a:xfrm>
+              <a:off x="6965153" y="4153209"/>
+              <a:ext cx="426247" cy="217539"/>
+            </a:xfrm>
+            <a:prstGeom prst="rect">
+              <a:avLst/>
+            </a:prstGeom>
+            <a:grpFill/>
+            <a:ln>
+              <a:solidFill>
+                <a:schemeClr val="tx1"/>
+              </a:solidFill>
+            </a:ln>
+          </p:spPr>
+          <p:style>
+            <a:lnRef idx="2">
+              <a:schemeClr val="accent1">
+                <a:shade val="50000"/>
+              </a:schemeClr>
+            </a:lnRef>
+            <a:fillRef idx="1">
+              <a:schemeClr val="accent1"/>
+            </a:fillRef>
+            <a:effectRef idx="0">
+              <a:schemeClr val="accent1"/>
+            </a:effectRef>
+            <a:fontRef idx="minor">
+              <a:schemeClr val="lt1"/>
+            </a:fontRef>
+          </p:style>
+          <p:txBody>
+            <a:bodyPr rtlCol="0" anchor="ctr"/>
+            <a:lstStyle/>
+            <a:p>
+              <a:r>
+                <a:rPr lang="en-US" altLang="zh-CN" sz="900" dirty="0" smtClean="0">
+                  <a:solidFill>
+                    <a:schemeClr val="tx1"/>
+                  </a:solidFill>
+                </a:rPr>
+                <a:t>computer</a:t>
+              </a:r>
+              <a:endParaRPr lang="zh-CN" altLang="en-US" sz="900" dirty="0">
+                <a:solidFill>
+                  <a:schemeClr val="tx1"/>
+                </a:solidFill>
+              </a:endParaRPr>
+            </a:p>
+          </p:txBody>
+        </p:sp>
+      </p:grpSp>
+      <p:grpSp>
+        <p:nvGrpSpPr>
+          <p:cNvPr id="69" name="组合 68"/>
+          <p:cNvGrpSpPr/>
+          <p:nvPr/>
+        </p:nvGrpSpPr>
+        <p:grpSpPr>
+          <a:xfrm>
+            <a:off x="8808389" y="1877905"/>
+            <a:ext cx="411479" cy="1740312"/>
+            <a:chOff x="6965153" y="2630436"/>
+            <a:chExt cx="426251" cy="1740312"/>
+          </a:xfrm>
+          <a:solidFill>
+            <a:schemeClr val="bg2"/>
+          </a:solidFill>
+        </p:grpSpPr>
+        <p:sp>
+          <p:nvSpPr>
+            <p:cNvPr id="70" name="矩形 69"/>
+            <p:cNvSpPr/>
+            <p:nvPr/>
+          </p:nvSpPr>
+          <p:spPr>
+            <a:xfrm>
+              <a:off x="6965157" y="2630436"/>
+              <a:ext cx="426247" cy="217539"/>
+            </a:xfrm>
+            <a:prstGeom prst="rect">
+              <a:avLst/>
+            </a:prstGeom>
+            <a:grpFill/>
+            <a:ln>
+              <a:solidFill>
+                <a:schemeClr val="tx1"/>
+              </a:solidFill>
+            </a:ln>
+          </p:spPr>
+          <p:style>
+            <a:lnRef idx="2">
+              <a:schemeClr val="accent1">
+                <a:shade val="50000"/>
+              </a:schemeClr>
+            </a:lnRef>
+            <a:fillRef idx="1">
+              <a:schemeClr val="accent1"/>
+            </a:fillRef>
+            <a:effectRef idx="0">
+              <a:schemeClr val="accent1"/>
+            </a:effectRef>
+            <a:fontRef idx="minor">
+              <a:schemeClr val="lt1"/>
+            </a:fontRef>
+          </p:style>
+          <p:txBody>
+            <a:bodyPr rtlCol="0" anchor="ctr"/>
+            <a:lstStyle/>
+            <a:p>
+              <a:endParaRPr lang="zh-CN" altLang="en-US" sz="900" dirty="0">
+                <a:solidFill>
+                  <a:schemeClr val="tx1"/>
+                </a:solidFill>
+              </a:endParaRPr>
+            </a:p>
+          </p:txBody>
+        </p:sp>
+        <p:sp>
+          <p:nvSpPr>
+            <p:cNvPr id="71" name="矩形 70"/>
+            <p:cNvSpPr/>
+            <p:nvPr/>
+          </p:nvSpPr>
+          <p:spPr>
+            <a:xfrm>
+              <a:off x="6965153" y="2847975"/>
+              <a:ext cx="426247" cy="217539"/>
+            </a:xfrm>
+            <a:prstGeom prst="rect">
+              <a:avLst/>
+            </a:prstGeom>
+            <a:grpFill/>
+            <a:ln>
+              <a:solidFill>
+                <a:schemeClr val="tx1"/>
+              </a:solidFill>
+            </a:ln>
+          </p:spPr>
+          <p:style>
+            <a:lnRef idx="2">
+              <a:schemeClr val="accent1">
+                <a:shade val="50000"/>
+              </a:schemeClr>
+            </a:lnRef>
+            <a:fillRef idx="1">
+              <a:schemeClr val="accent1"/>
+            </a:fillRef>
+            <a:effectRef idx="0">
+              <a:schemeClr val="accent1"/>
+            </a:effectRef>
+            <a:fontRef idx="minor">
+              <a:schemeClr val="lt1"/>
+            </a:fontRef>
+          </p:style>
+          <p:txBody>
+            <a:bodyPr rtlCol="0" anchor="ctr"/>
+            <a:lstStyle/>
+            <a:p>
+              <a:endParaRPr lang="zh-CN" altLang="en-US" sz="900" dirty="0">
+                <a:solidFill>
+                  <a:schemeClr val="tx1"/>
+                </a:solidFill>
+              </a:endParaRPr>
+            </a:p>
+          </p:txBody>
+        </p:sp>
+        <p:sp>
+          <p:nvSpPr>
+            <p:cNvPr id="72" name="矩形 71"/>
+            <p:cNvSpPr/>
+            <p:nvPr/>
+          </p:nvSpPr>
+          <p:spPr>
+            <a:xfrm>
+              <a:off x="6965153" y="3065514"/>
+              <a:ext cx="426247" cy="217539"/>
+            </a:xfrm>
+            <a:prstGeom prst="rect">
+              <a:avLst/>
+            </a:prstGeom>
+            <a:grpFill/>
+            <a:ln>
+              <a:solidFill>
+                <a:schemeClr val="tx1"/>
+              </a:solidFill>
+            </a:ln>
+          </p:spPr>
+          <p:style>
+            <a:lnRef idx="2">
+              <a:schemeClr val="accent1">
+                <a:shade val="50000"/>
+              </a:schemeClr>
+            </a:lnRef>
+            <a:fillRef idx="1">
+              <a:schemeClr val="accent1"/>
+            </a:fillRef>
+            <a:effectRef idx="0">
+              <a:schemeClr val="accent1"/>
+            </a:effectRef>
+            <a:fontRef idx="minor">
+              <a:schemeClr val="lt1"/>
+            </a:fontRef>
+          </p:style>
+          <p:txBody>
+            <a:bodyPr rtlCol="0" anchor="ctr"/>
+            <a:lstStyle/>
+            <a:p>
+              <a:r>
+                <a:rPr lang="en-US" altLang="zh-CN" sz="900" dirty="0" smtClean="0">
+                  <a:solidFill>
+                    <a:schemeClr val="tx1"/>
+                  </a:solidFill>
+                </a:rPr>
+                <a:t>…</a:t>
+              </a:r>
+              <a:endParaRPr lang="zh-CN" altLang="en-US" sz="900" dirty="0">
+                <a:solidFill>
+                  <a:schemeClr val="tx1"/>
+                </a:solidFill>
+              </a:endParaRPr>
+            </a:p>
+          </p:txBody>
+        </p:sp>
+        <p:sp>
+          <p:nvSpPr>
+            <p:cNvPr id="73" name="矩形 72"/>
+            <p:cNvSpPr/>
+            <p:nvPr/>
+          </p:nvSpPr>
+          <p:spPr>
+            <a:xfrm>
+              <a:off x="6965153" y="3283053"/>
+              <a:ext cx="426247" cy="217539"/>
+            </a:xfrm>
+            <a:prstGeom prst="rect">
+              <a:avLst/>
+            </a:prstGeom>
+            <a:grpFill/>
+            <a:ln>
+              <a:solidFill>
+                <a:schemeClr val="tx1"/>
+              </a:solidFill>
+            </a:ln>
+          </p:spPr>
+          <p:style>
+            <a:lnRef idx="2">
+              <a:schemeClr val="accent1">
+                <a:shade val="50000"/>
+              </a:schemeClr>
+            </a:lnRef>
+            <a:fillRef idx="1">
+              <a:schemeClr val="accent1"/>
+            </a:fillRef>
+            <a:effectRef idx="0">
+              <a:schemeClr val="accent1"/>
+            </a:effectRef>
+            <a:fontRef idx="minor">
+              <a:schemeClr val="lt1"/>
+            </a:fontRef>
+          </p:style>
+          <p:txBody>
+            <a:bodyPr rtlCol="0" anchor="ctr"/>
+            <a:lstStyle/>
+            <a:p>
+              <a:r>
+                <a:rPr lang="en-US" altLang="zh-CN" sz="900" dirty="0" smtClean="0">
+                  <a:solidFill>
+                    <a:schemeClr val="tx1"/>
+                  </a:solidFill>
+                </a:rPr>
+                <a:t>…</a:t>
+              </a:r>
+              <a:endParaRPr lang="zh-CN" altLang="en-US" sz="900" dirty="0">
+                <a:solidFill>
+                  <a:schemeClr val="tx1"/>
+                </a:solidFill>
+              </a:endParaRPr>
+            </a:p>
+          </p:txBody>
+        </p:sp>
+        <p:sp>
+          <p:nvSpPr>
+            <p:cNvPr id="74" name="矩形 73"/>
+            <p:cNvSpPr/>
+            <p:nvPr/>
+          </p:nvSpPr>
+          <p:spPr>
+            <a:xfrm>
+              <a:off x="6965153" y="3500592"/>
+              <a:ext cx="426247" cy="217539"/>
+            </a:xfrm>
+            <a:prstGeom prst="rect">
+              <a:avLst/>
+            </a:prstGeom>
+            <a:grpFill/>
+            <a:ln>
+              <a:solidFill>
+                <a:schemeClr val="tx1"/>
+              </a:solidFill>
+            </a:ln>
+          </p:spPr>
+          <p:style>
+            <a:lnRef idx="2">
+              <a:schemeClr val="accent1">
+                <a:shade val="50000"/>
+              </a:schemeClr>
+            </a:lnRef>
+            <a:fillRef idx="1">
+              <a:schemeClr val="accent1"/>
+            </a:fillRef>
+            <a:effectRef idx="0">
+              <a:schemeClr val="accent1"/>
+            </a:effectRef>
+            <a:fontRef idx="minor">
+              <a:schemeClr val="lt1"/>
+            </a:fontRef>
+          </p:style>
+          <p:txBody>
+            <a:bodyPr rtlCol="0" anchor="ctr"/>
+            <a:lstStyle/>
+            <a:p>
+              <a:r>
+                <a:rPr lang="en-US" altLang="zh-CN" sz="900" dirty="0" smtClean="0">
+                  <a:solidFill>
+                    <a:schemeClr val="tx1"/>
+                  </a:solidFill>
+                </a:rPr>
+                <a:t>…</a:t>
+              </a:r>
+              <a:endParaRPr lang="zh-CN" altLang="en-US" sz="900" dirty="0">
+                <a:solidFill>
+                  <a:schemeClr val="tx1"/>
+                </a:solidFill>
+              </a:endParaRPr>
+            </a:p>
+          </p:txBody>
+        </p:sp>
+        <p:sp>
+          <p:nvSpPr>
+            <p:cNvPr id="75" name="矩形 74"/>
+            <p:cNvSpPr/>
+            <p:nvPr/>
+          </p:nvSpPr>
+          <p:spPr>
+            <a:xfrm>
+              <a:off x="6965153" y="3718131"/>
+              <a:ext cx="426247" cy="217539"/>
+            </a:xfrm>
+            <a:prstGeom prst="rect">
+              <a:avLst/>
+            </a:prstGeom>
+            <a:grpFill/>
+            <a:ln>
+              <a:solidFill>
+                <a:schemeClr val="tx1"/>
+              </a:solidFill>
+            </a:ln>
+          </p:spPr>
+          <p:style>
+            <a:lnRef idx="2">
+              <a:schemeClr val="accent1">
+                <a:shade val="50000"/>
+              </a:schemeClr>
+            </a:lnRef>
+            <a:fillRef idx="1">
+              <a:schemeClr val="accent1"/>
+            </a:fillRef>
+            <a:effectRef idx="0">
+              <a:schemeClr val="accent1"/>
+            </a:effectRef>
+            <a:fontRef idx="minor">
+              <a:schemeClr val="lt1"/>
+            </a:fontRef>
+          </p:style>
+          <p:txBody>
+            <a:bodyPr rtlCol="0" anchor="ctr"/>
+            <a:lstStyle/>
+            <a:p>
+              <a:r>
+                <a:rPr lang="en-US" altLang="zh-CN" sz="900" dirty="0" smtClean="0">
+                  <a:solidFill>
+                    <a:schemeClr val="tx1"/>
+                  </a:solidFill>
+                </a:rPr>
+                <a:t>…</a:t>
+              </a:r>
+              <a:endParaRPr lang="zh-CN" altLang="en-US" sz="900" dirty="0">
+                <a:solidFill>
+                  <a:schemeClr val="tx1"/>
+                </a:solidFill>
+              </a:endParaRPr>
+            </a:p>
+          </p:txBody>
+        </p:sp>
+        <p:sp>
+          <p:nvSpPr>
+            <p:cNvPr id="76" name="矩形 75"/>
+            <p:cNvSpPr/>
+            <p:nvPr/>
+          </p:nvSpPr>
+          <p:spPr>
+            <a:xfrm>
+              <a:off x="6965153" y="3935670"/>
+              <a:ext cx="426247" cy="217539"/>
+            </a:xfrm>
+            <a:prstGeom prst="rect">
+              <a:avLst/>
+            </a:prstGeom>
+            <a:grpFill/>
+            <a:ln>
+              <a:solidFill>
+                <a:schemeClr val="tx1"/>
+              </a:solidFill>
+            </a:ln>
+          </p:spPr>
+          <p:style>
+            <a:lnRef idx="2">
+              <a:schemeClr val="accent1">
+                <a:shade val="50000"/>
+              </a:schemeClr>
+            </a:lnRef>
+            <a:fillRef idx="1">
+              <a:schemeClr val="accent1"/>
+            </a:fillRef>
+            <a:effectRef idx="0">
+              <a:schemeClr val="accent1"/>
+            </a:effectRef>
+            <a:fontRef idx="minor">
+              <a:schemeClr val="lt1"/>
+            </a:fontRef>
+          </p:style>
+          <p:txBody>
+            <a:bodyPr rtlCol="0" anchor="ctr"/>
+            <a:lstStyle/>
+            <a:p>
+              <a:r>
+                <a:rPr lang="en-US" altLang="zh-CN" sz="900" dirty="0" smtClean="0">
+                  <a:solidFill>
+                    <a:schemeClr val="tx1"/>
+                  </a:solidFill>
+                </a:rPr>
+                <a:t>..</a:t>
+              </a:r>
+              <a:endParaRPr lang="zh-CN" altLang="en-US" sz="900" dirty="0">
+                <a:solidFill>
+                  <a:schemeClr val="tx1"/>
+                </a:solidFill>
+              </a:endParaRPr>
+            </a:p>
+          </p:txBody>
+        </p:sp>
+        <p:sp>
+          <p:nvSpPr>
+            <p:cNvPr id="77" name="矩形 76"/>
+            <p:cNvSpPr/>
+            <p:nvPr/>
+          </p:nvSpPr>
+          <p:spPr>
+            <a:xfrm>
+              <a:off x="6965153" y="4153209"/>
+              <a:ext cx="426247" cy="217539"/>
+            </a:xfrm>
+            <a:prstGeom prst="rect">
+              <a:avLst/>
+            </a:prstGeom>
+            <a:grpFill/>
+            <a:ln>
+              <a:solidFill>
+                <a:schemeClr val="tx1"/>
+              </a:solidFill>
+            </a:ln>
+          </p:spPr>
+          <p:style>
+            <a:lnRef idx="2">
+              <a:schemeClr val="accent1">
+                <a:shade val="50000"/>
+              </a:schemeClr>
+            </a:lnRef>
+            <a:fillRef idx="1">
+              <a:schemeClr val="accent1"/>
+            </a:fillRef>
+            <a:effectRef idx="0">
+              <a:schemeClr val="accent1"/>
+            </a:effectRef>
+            <a:fontRef idx="minor">
+              <a:schemeClr val="lt1"/>
+            </a:fontRef>
+          </p:style>
+          <p:txBody>
+            <a:bodyPr rtlCol="0" anchor="ctr"/>
+            <a:lstStyle/>
+            <a:p>
+              <a:endParaRPr lang="zh-CN" altLang="en-US" sz="900" dirty="0">
+                <a:solidFill>
+                  <a:schemeClr val="tx1"/>
+                </a:solidFill>
+              </a:endParaRPr>
+            </a:p>
+          </p:txBody>
+        </p:sp>
+      </p:grpSp>
+      <p:sp>
+        <p:nvSpPr>
+          <p:cNvPr id="6" name="文本框 5"/>
+          <p:cNvSpPr txBox="1"/>
+          <p:nvPr/>
+        </p:nvSpPr>
+        <p:spPr>
+          <a:xfrm>
+            <a:off x="6367404" y="1590992"/>
+            <a:ext cx="561372" cy="246221"/>
+          </a:xfrm>
+          <a:prstGeom prst="rect">
+            <a:avLst/>
+          </a:prstGeom>
+          <a:noFill/>
+        </p:spPr>
+        <p:txBody>
+          <a:bodyPr wrap="none" rtlCol="0">
+            <a:spAutoFit/>
+          </a:bodyPr>
+          <a:lstStyle/>
+          <a:p>
+            <a:r>
+              <a:rPr lang="en-US" altLang="zh-CN" sz="1000" dirty="0" smtClean="0"/>
+              <a:t>Integer</a:t>
+            </a:r>
+            <a:endParaRPr lang="zh-CN" altLang="en-US" sz="1000" dirty="0"/>
+          </a:p>
+        </p:txBody>
+      </p:sp>
+      <p:sp>
+        <p:nvSpPr>
+          <p:cNvPr id="79" name="文本框 78"/>
+          <p:cNvSpPr txBox="1"/>
+          <p:nvPr/>
+        </p:nvSpPr>
+        <p:spPr>
+          <a:xfrm>
+            <a:off x="7049827" y="1590992"/>
+            <a:ext cx="431528" cy="246221"/>
+          </a:xfrm>
+          <a:prstGeom prst="rect">
+            <a:avLst/>
+          </a:prstGeom>
+          <a:noFill/>
+        </p:spPr>
+        <p:txBody>
+          <a:bodyPr wrap="none" rtlCol="0">
+            <a:spAutoFit/>
+          </a:bodyPr>
+          <a:lstStyle/>
+          <a:p>
+            <a:r>
+              <a:rPr lang="en-US" altLang="zh-CN" sz="1000" dirty="0" smtClean="0"/>
+              <a:t>Date</a:t>
+            </a:r>
+            <a:endParaRPr lang="zh-CN" altLang="en-US" sz="1000" dirty="0"/>
+          </a:p>
+        </p:txBody>
+      </p:sp>
+      <p:sp>
+        <p:nvSpPr>
+          <p:cNvPr id="80" name="文本框 79"/>
+          <p:cNvSpPr txBox="1"/>
+          <p:nvPr/>
+        </p:nvSpPr>
+        <p:spPr>
+          <a:xfrm>
+            <a:off x="7831977" y="1590992"/>
+            <a:ext cx="838691" cy="246221"/>
+          </a:xfrm>
+          <a:prstGeom prst="rect">
+            <a:avLst/>
+          </a:prstGeom>
+          <a:noFill/>
+        </p:spPr>
+        <p:txBody>
+          <a:bodyPr wrap="none" rtlCol="0">
+            <a:spAutoFit/>
+          </a:bodyPr>
+          <a:lstStyle/>
+          <a:p>
+            <a:r>
+              <a:rPr lang="en-US" altLang="zh-CN" sz="1000" dirty="0" smtClean="0"/>
+              <a:t>String(short)</a:t>
+            </a:r>
+            <a:endParaRPr lang="zh-CN" altLang="en-US" sz="1000" dirty="0"/>
+          </a:p>
+        </p:txBody>
+      </p:sp>
+      <p:sp>
+        <p:nvSpPr>
+          <p:cNvPr id="81" name="文本框 80"/>
+          <p:cNvSpPr txBox="1"/>
+          <p:nvPr/>
+        </p:nvSpPr>
+        <p:spPr>
+          <a:xfrm>
+            <a:off x="8687786" y="1590992"/>
+            <a:ext cx="790601" cy="246221"/>
+          </a:xfrm>
+          <a:prstGeom prst="rect">
+            <a:avLst/>
+          </a:prstGeom>
+          <a:noFill/>
+        </p:spPr>
+        <p:txBody>
+          <a:bodyPr wrap="none" rtlCol="0">
+            <a:spAutoFit/>
+          </a:bodyPr>
+          <a:lstStyle/>
+          <a:p>
+            <a:r>
+              <a:rPr lang="en-US" altLang="zh-CN" sz="1000" dirty="0" smtClean="0"/>
+              <a:t>String(long)</a:t>
+            </a:r>
+            <a:endParaRPr lang="zh-CN" altLang="en-US" sz="1000" dirty="0"/>
+          </a:p>
+        </p:txBody>
+      </p:sp>
+      <p:sp>
+        <p:nvSpPr>
+          <p:cNvPr id="127" name="左大括号 126"/>
+          <p:cNvSpPr/>
+          <p:nvPr/>
+        </p:nvSpPr>
+        <p:spPr>
+          <a:xfrm>
+            <a:off x="6187318" y="1877905"/>
+            <a:ext cx="118278" cy="1740312"/>
+          </a:xfrm>
+          <a:prstGeom prst="leftBrace">
+            <a:avLst>
+              <a:gd name="adj1" fmla="val 34285"/>
+              <a:gd name="adj2" fmla="val 50000"/>
+            </a:avLst>
+          </a:prstGeom>
           <a:ln>
             <a:solidFill>
               <a:schemeClr val="tx1"/>
@@ -35112,19 +37156,17 @@
           </a:ln>
         </p:spPr>
         <p:style>
-          <a:lnRef idx="2">
-            <a:schemeClr val="accent1">
-              <a:shade val="50000"/>
-            </a:schemeClr>
-          </a:lnRef>
-          <a:fillRef idx="1">
-            <a:schemeClr val="accent1"/>
-          </a:fillRef>
-          <a:effectRef idx="0">
-            <a:schemeClr val="accent1"/>
-          </a:effectRef>
-          <a:fontRef idx="minor">
-            <a:schemeClr val="lt1"/>
+          <a:lnRef idx="1">
+            <a:schemeClr val="accent1"/>
+          </a:lnRef>
+          <a:fillRef idx="0">
+            <a:schemeClr val="accent1"/>
+          </a:fillRef>
+          <a:effectRef idx="0">
+            <a:schemeClr val="accent1"/>
+          </a:effectRef>
+          <a:fontRef idx="minor">
+            <a:schemeClr val="tx1"/>
           </a:fontRef>
         </p:style>
         <p:txBody>
@@ -35132,14 +37174,673 @@
           <a:lstStyle/>
           <a:p>
             <a:pPr algn="ctr"/>
-            <a:endParaRPr lang="zh-CN" altLang="en-US" sz="900">
+            <a:endParaRPr lang="zh-CN" altLang="en-US"/>
+          </a:p>
+        </p:txBody>
+      </p:sp>
+      <p:sp>
+        <p:nvSpPr>
+          <p:cNvPr id="128" name="文本框 127"/>
+          <p:cNvSpPr txBox="1"/>
+          <p:nvPr/>
+        </p:nvSpPr>
+        <p:spPr>
+          <a:xfrm>
+            <a:off x="5422957" y="2543175"/>
+            <a:ext cx="718466" cy="369332"/>
+          </a:xfrm>
+          <a:prstGeom prst="rect">
+            <a:avLst/>
+          </a:prstGeom>
+          <a:noFill/>
+        </p:spPr>
+        <p:txBody>
+          <a:bodyPr wrap="none" rtlCol="0">
+            <a:spAutoFit/>
+          </a:bodyPr>
+          <a:lstStyle/>
+          <a:p>
+            <a:r>
+              <a:rPr lang="en-US" altLang="zh-CN" sz="900" dirty="0" smtClean="0"/>
+              <a:t>Segment</a:t>
+            </a:r>
+          </a:p>
+          <a:p>
+            <a:r>
+              <a:rPr lang="en-US" altLang="zh-CN" sz="900" dirty="0" smtClean="0"/>
+              <a:t>(size=8192)</a:t>
+            </a:r>
+            <a:endParaRPr lang="zh-CN" altLang="en-US" sz="900" dirty="0"/>
+          </a:p>
+        </p:txBody>
+      </p:sp>
+      <p:grpSp>
+        <p:nvGrpSpPr>
+          <p:cNvPr id="131" name="组合 130"/>
+          <p:cNvGrpSpPr/>
+          <p:nvPr/>
+        </p:nvGrpSpPr>
+        <p:grpSpPr>
+          <a:xfrm>
+            <a:off x="7565255" y="4044469"/>
+            <a:ext cx="1778815" cy="1740312"/>
+            <a:chOff x="9574985" y="2717697"/>
+            <a:chExt cx="1778815" cy="1740312"/>
+          </a:xfrm>
+        </p:grpSpPr>
+        <p:sp>
+          <p:nvSpPr>
+            <p:cNvPr id="78" name="矩形 77"/>
+            <p:cNvSpPr/>
+            <p:nvPr/>
+          </p:nvSpPr>
+          <p:spPr>
+            <a:xfrm>
+              <a:off x="9574992" y="2717697"/>
+              <a:ext cx="1778808" cy="1740312"/>
+            </a:xfrm>
+            <a:prstGeom prst="rect">
+              <a:avLst/>
+            </a:prstGeom>
+            <a:solidFill>
+              <a:schemeClr val="bg1">
+                <a:lumMod val="85000"/>
+              </a:schemeClr>
+            </a:solidFill>
+            <a:ln>
               <a:solidFill>
                 <a:schemeClr val="tx1"/>
               </a:solidFill>
-            </a:endParaRPr>
-          </a:p>
-        </p:txBody>
-      </p:sp>
+            </a:ln>
+          </p:spPr>
+          <p:style>
+            <a:lnRef idx="2">
+              <a:schemeClr val="accent1">
+                <a:shade val="50000"/>
+              </a:schemeClr>
+            </a:lnRef>
+            <a:fillRef idx="1">
+              <a:schemeClr val="accent1"/>
+            </a:fillRef>
+            <a:effectRef idx="0">
+              <a:schemeClr val="accent1"/>
+            </a:effectRef>
+            <a:fontRef idx="minor">
+              <a:schemeClr val="lt1"/>
+            </a:fontRef>
+          </p:style>
+          <p:txBody>
+            <a:bodyPr rtlCol="0" anchor="b"/>
+            <a:lstStyle/>
+            <a:p>
+              <a:r>
+                <a:rPr lang="en-US" altLang="zh-CN" sz="1200" dirty="0" smtClean="0">
+                  <a:solidFill>
+                    <a:schemeClr val="tx1"/>
+                  </a:solidFill>
+                </a:rPr>
+                <a:t>heap</a:t>
+              </a:r>
+              <a:endParaRPr lang="zh-CN" altLang="en-US" sz="1200" dirty="0">
+                <a:solidFill>
+                  <a:schemeClr val="tx1"/>
+                </a:solidFill>
+              </a:endParaRPr>
+            </a:p>
+          </p:txBody>
+        </p:sp>
+        <p:sp>
+          <p:nvSpPr>
+            <p:cNvPr id="82" name="矩形 81"/>
+            <p:cNvSpPr/>
+            <p:nvPr/>
+          </p:nvSpPr>
+          <p:spPr>
+            <a:xfrm>
+              <a:off x="9574992" y="2717697"/>
+              <a:ext cx="1359708" cy="217539"/>
+            </a:xfrm>
+            <a:prstGeom prst="rect">
+              <a:avLst/>
+            </a:prstGeom>
+            <a:solidFill>
+              <a:schemeClr val="bg1"/>
+            </a:solidFill>
+            <a:ln>
+              <a:solidFill>
+                <a:schemeClr val="tx1"/>
+              </a:solidFill>
+            </a:ln>
+          </p:spPr>
+          <p:style>
+            <a:lnRef idx="2">
+              <a:schemeClr val="accent1">
+                <a:shade val="50000"/>
+              </a:schemeClr>
+            </a:lnRef>
+            <a:fillRef idx="1">
+              <a:schemeClr val="accent1"/>
+            </a:fillRef>
+            <a:effectRef idx="0">
+              <a:schemeClr val="accent1"/>
+            </a:effectRef>
+            <a:fontRef idx="minor">
+              <a:schemeClr val="lt1"/>
+            </a:fontRef>
+          </p:style>
+          <p:txBody>
+            <a:bodyPr rtlCol="0" anchor="ctr"/>
+            <a:lstStyle/>
+            <a:p>
+              <a:r>
+                <a:rPr lang="en-US" altLang="zh-CN" sz="900" dirty="0" smtClean="0">
+                  <a:solidFill>
+                    <a:schemeClr val="tx1"/>
+                  </a:solidFill>
+                </a:rPr>
+                <a:t>This is a test</a:t>
+              </a:r>
+              <a:endParaRPr lang="zh-CN" altLang="en-US" sz="900" dirty="0">
+                <a:solidFill>
+                  <a:schemeClr val="tx1"/>
+                </a:solidFill>
+              </a:endParaRPr>
+            </a:p>
+          </p:txBody>
+        </p:sp>
+        <p:sp>
+          <p:nvSpPr>
+            <p:cNvPr id="83" name="矩形 82"/>
+            <p:cNvSpPr/>
+            <p:nvPr/>
+          </p:nvSpPr>
+          <p:spPr>
+            <a:xfrm>
+              <a:off x="10934700" y="2717697"/>
+              <a:ext cx="419100" cy="217539"/>
+            </a:xfrm>
+            <a:prstGeom prst="rect">
+              <a:avLst/>
+            </a:prstGeom>
+            <a:solidFill>
+              <a:schemeClr val="bg1">
+                <a:lumMod val="65000"/>
+              </a:schemeClr>
+            </a:solidFill>
+            <a:ln>
+              <a:solidFill>
+                <a:schemeClr val="tx1"/>
+              </a:solidFill>
+            </a:ln>
+          </p:spPr>
+          <p:style>
+            <a:lnRef idx="2">
+              <a:schemeClr val="accent1">
+                <a:shade val="50000"/>
+              </a:schemeClr>
+            </a:lnRef>
+            <a:fillRef idx="1">
+              <a:schemeClr val="accent1"/>
+            </a:fillRef>
+            <a:effectRef idx="0">
+              <a:schemeClr val="accent1"/>
+            </a:effectRef>
+            <a:fontRef idx="minor">
+              <a:schemeClr val="lt1"/>
+            </a:fontRef>
+          </p:style>
+          <p:txBody>
+            <a:bodyPr rtlCol="0" anchor="ctr"/>
+            <a:lstStyle/>
+            <a:p>
+              <a:r>
+                <a:rPr lang="en-US" altLang="zh-CN" sz="900" dirty="0" smtClean="0">
+                  <a:solidFill>
+                    <a:schemeClr val="tx1"/>
+                  </a:solidFill>
+                </a:rPr>
+                <a:t>hello</a:t>
+              </a:r>
+              <a:endParaRPr lang="zh-CN" altLang="en-US" sz="900" dirty="0">
+                <a:solidFill>
+                  <a:schemeClr val="tx1"/>
+                </a:solidFill>
+              </a:endParaRPr>
+            </a:p>
+          </p:txBody>
+        </p:sp>
+        <p:sp>
+          <p:nvSpPr>
+            <p:cNvPr id="84" name="矩形 83"/>
+            <p:cNvSpPr/>
+            <p:nvPr/>
+          </p:nvSpPr>
+          <p:spPr>
+            <a:xfrm>
+              <a:off x="9574985" y="2934934"/>
+              <a:ext cx="645337" cy="230191"/>
+            </a:xfrm>
+            <a:prstGeom prst="rect">
+              <a:avLst/>
+            </a:prstGeom>
+            <a:solidFill>
+              <a:schemeClr val="bg1">
+                <a:lumMod val="65000"/>
+              </a:schemeClr>
+            </a:solidFill>
+            <a:ln>
+              <a:solidFill>
+                <a:schemeClr val="tx1"/>
+              </a:solidFill>
+            </a:ln>
+          </p:spPr>
+          <p:style>
+            <a:lnRef idx="2">
+              <a:schemeClr val="accent1">
+                <a:shade val="50000"/>
+              </a:schemeClr>
+            </a:lnRef>
+            <a:fillRef idx="1">
+              <a:schemeClr val="accent1"/>
+            </a:fillRef>
+            <a:effectRef idx="0">
+              <a:schemeClr val="accent1"/>
+            </a:effectRef>
+            <a:fontRef idx="minor">
+              <a:schemeClr val="lt1"/>
+            </a:fontRef>
+          </p:style>
+          <p:txBody>
+            <a:bodyPr rtlCol="0" anchor="ctr"/>
+            <a:lstStyle/>
+            <a:p>
+              <a:r>
+                <a:rPr lang="en-US" altLang="zh-CN" sz="900" dirty="0" smtClean="0">
+                  <a:solidFill>
+                    <a:schemeClr val="tx1"/>
+                  </a:solidFill>
+                </a:rPr>
+                <a:t>world</a:t>
+              </a:r>
+              <a:endParaRPr lang="zh-CN" altLang="en-US" sz="900" dirty="0">
+                <a:solidFill>
+                  <a:schemeClr val="tx1"/>
+                </a:solidFill>
+              </a:endParaRPr>
+            </a:p>
+          </p:txBody>
+        </p:sp>
+        <p:sp>
+          <p:nvSpPr>
+            <p:cNvPr id="119" name="矩形 118"/>
+            <p:cNvSpPr/>
+            <p:nvPr/>
+          </p:nvSpPr>
+          <p:spPr>
+            <a:xfrm>
+              <a:off x="9994092" y="3392948"/>
+              <a:ext cx="1359708" cy="219653"/>
+            </a:xfrm>
+            <a:prstGeom prst="rect">
+              <a:avLst/>
+            </a:prstGeom>
+            <a:solidFill>
+              <a:schemeClr val="bg1"/>
+            </a:solidFill>
+            <a:ln>
+              <a:solidFill>
+                <a:schemeClr val="tx1"/>
+              </a:solidFill>
+            </a:ln>
+          </p:spPr>
+          <p:style>
+            <a:lnRef idx="2">
+              <a:schemeClr val="accent1">
+                <a:shade val="50000"/>
+              </a:schemeClr>
+            </a:lnRef>
+            <a:fillRef idx="1">
+              <a:schemeClr val="accent1"/>
+            </a:fillRef>
+            <a:effectRef idx="0">
+              <a:schemeClr val="accent1"/>
+            </a:effectRef>
+            <a:fontRef idx="minor">
+              <a:schemeClr val="lt1"/>
+            </a:fontRef>
+          </p:style>
+          <p:txBody>
+            <a:bodyPr rtlCol="0" anchor="ctr"/>
+            <a:lstStyle/>
+            <a:p>
+              <a:r>
+                <a:rPr lang="en-US" altLang="zh-CN" sz="900" dirty="0" smtClean="0">
+                  <a:solidFill>
+                    <a:schemeClr val="tx1"/>
+                  </a:solidFill>
+                </a:rPr>
+                <a:t>This is a </a:t>
+              </a:r>
+              <a:r>
+                <a:rPr lang="en-US" altLang="zh-CN" sz="900" dirty="0" smtClean="0">
+                  <a:solidFill>
+                    <a:schemeClr val="tx1"/>
+                  </a:solidFill>
+                </a:rPr>
+                <a:t>long string</a:t>
+              </a:r>
+              <a:endParaRPr lang="zh-CN" altLang="en-US" sz="900" dirty="0">
+                <a:solidFill>
+                  <a:schemeClr val="tx1"/>
+                </a:solidFill>
+              </a:endParaRPr>
+            </a:p>
+          </p:txBody>
+        </p:sp>
+        <p:sp>
+          <p:nvSpPr>
+            <p:cNvPr id="123" name="矩形 122"/>
+            <p:cNvSpPr/>
+            <p:nvPr/>
+          </p:nvSpPr>
+          <p:spPr>
+            <a:xfrm>
+              <a:off x="10220322" y="2934934"/>
+              <a:ext cx="1133478" cy="230191"/>
+            </a:xfrm>
+            <a:prstGeom prst="rect">
+              <a:avLst/>
+            </a:prstGeom>
+            <a:pattFill prst="ltUpDiag">
+              <a:fgClr>
+                <a:schemeClr val="bg1">
+                  <a:lumMod val="65000"/>
+                </a:schemeClr>
+              </a:fgClr>
+              <a:bgClr>
+                <a:schemeClr val="bg1"/>
+              </a:bgClr>
+            </a:pattFill>
+            <a:ln>
+              <a:solidFill>
+                <a:schemeClr val="tx1"/>
+              </a:solidFill>
+            </a:ln>
+          </p:spPr>
+          <p:style>
+            <a:lnRef idx="2">
+              <a:schemeClr val="accent1">
+                <a:shade val="50000"/>
+              </a:schemeClr>
+            </a:lnRef>
+            <a:fillRef idx="1">
+              <a:schemeClr val="accent1"/>
+            </a:fillRef>
+            <a:effectRef idx="0">
+              <a:schemeClr val="accent1"/>
+            </a:effectRef>
+            <a:fontRef idx="minor">
+              <a:schemeClr val="lt1"/>
+            </a:fontRef>
+          </p:style>
+          <p:txBody>
+            <a:bodyPr rtlCol="0" anchor="ctr"/>
+            <a:lstStyle/>
+            <a:p>
+              <a:endParaRPr lang="zh-CN" altLang="en-US" sz="900" dirty="0">
+                <a:solidFill>
+                  <a:schemeClr val="tx1"/>
+                </a:solidFill>
+              </a:endParaRPr>
+            </a:p>
+          </p:txBody>
+        </p:sp>
+        <p:sp>
+          <p:nvSpPr>
+            <p:cNvPr id="125" name="矩形 124"/>
+            <p:cNvSpPr/>
+            <p:nvPr/>
+          </p:nvSpPr>
+          <p:spPr>
+            <a:xfrm>
+              <a:off x="9574985" y="3382036"/>
+              <a:ext cx="419108" cy="230191"/>
+            </a:xfrm>
+            <a:prstGeom prst="rect">
+              <a:avLst/>
+            </a:prstGeom>
+            <a:pattFill prst="ltUpDiag">
+              <a:fgClr>
+                <a:schemeClr val="bg1">
+                  <a:lumMod val="65000"/>
+                </a:schemeClr>
+              </a:fgClr>
+              <a:bgClr>
+                <a:schemeClr val="bg1"/>
+              </a:bgClr>
+            </a:pattFill>
+            <a:ln>
+              <a:solidFill>
+                <a:schemeClr val="tx1"/>
+              </a:solidFill>
+            </a:ln>
+          </p:spPr>
+          <p:style>
+            <a:lnRef idx="2">
+              <a:schemeClr val="accent1">
+                <a:shade val="50000"/>
+              </a:schemeClr>
+            </a:lnRef>
+            <a:fillRef idx="1">
+              <a:schemeClr val="accent1"/>
+            </a:fillRef>
+            <a:effectRef idx="0">
+              <a:schemeClr val="accent1"/>
+            </a:effectRef>
+            <a:fontRef idx="minor">
+              <a:schemeClr val="lt1"/>
+            </a:fontRef>
+          </p:style>
+          <p:txBody>
+            <a:bodyPr rtlCol="0" anchor="ctr"/>
+            <a:lstStyle/>
+            <a:p>
+              <a:endParaRPr lang="zh-CN" altLang="en-US" sz="900" dirty="0">
+                <a:solidFill>
+                  <a:schemeClr val="tx1"/>
+                </a:solidFill>
+              </a:endParaRPr>
+            </a:p>
+          </p:txBody>
+        </p:sp>
+        <p:sp>
+          <p:nvSpPr>
+            <p:cNvPr id="124" name="矩形 123"/>
+            <p:cNvSpPr/>
+            <p:nvPr/>
+          </p:nvSpPr>
+          <p:spPr>
+            <a:xfrm>
+              <a:off x="9574985" y="3163059"/>
+              <a:ext cx="1778815" cy="230191"/>
+            </a:xfrm>
+            <a:prstGeom prst="rect">
+              <a:avLst/>
+            </a:prstGeom>
+            <a:pattFill prst="ltUpDiag">
+              <a:fgClr>
+                <a:schemeClr val="bg1">
+                  <a:lumMod val="65000"/>
+                </a:schemeClr>
+              </a:fgClr>
+              <a:bgClr>
+                <a:schemeClr val="bg1"/>
+              </a:bgClr>
+            </a:pattFill>
+            <a:ln>
+              <a:solidFill>
+                <a:schemeClr val="tx1"/>
+              </a:solidFill>
+            </a:ln>
+          </p:spPr>
+          <p:style>
+            <a:lnRef idx="2">
+              <a:schemeClr val="accent1">
+                <a:shade val="50000"/>
+              </a:schemeClr>
+            </a:lnRef>
+            <a:fillRef idx="1">
+              <a:schemeClr val="accent1"/>
+            </a:fillRef>
+            <a:effectRef idx="0">
+              <a:schemeClr val="accent1"/>
+            </a:effectRef>
+            <a:fontRef idx="minor">
+              <a:schemeClr val="lt1"/>
+            </a:fontRef>
+          </p:style>
+          <p:txBody>
+            <a:bodyPr rtlCol="0" anchor="ctr"/>
+            <a:lstStyle/>
+            <a:p>
+              <a:endParaRPr lang="zh-CN" altLang="en-US" sz="900" dirty="0">
+                <a:solidFill>
+                  <a:schemeClr val="tx1"/>
+                </a:solidFill>
+              </a:endParaRPr>
+            </a:p>
+          </p:txBody>
+        </p:sp>
+      </p:grpSp>
+      <p:cxnSp>
+        <p:nvCxnSpPr>
+          <p:cNvPr id="121" name="肘形连接符 120"/>
+          <p:cNvCxnSpPr>
+            <a:stCxn id="77" idx="3"/>
+            <a:endCxn id="119" idx="1"/>
+          </p:cNvCxnSpPr>
+          <p:nvPr/>
+        </p:nvCxnSpPr>
+        <p:spPr>
+          <a:xfrm flipH="1">
+            <a:off x="7984362" y="3509448"/>
+            <a:ext cx="1235502" cy="1320099"/>
+          </a:xfrm>
+          <a:prstGeom prst="bentConnector5">
+            <a:avLst>
+              <a:gd name="adj1" fmla="val -18503"/>
+              <a:gd name="adj2" fmla="val 34028"/>
+              <a:gd name="adj3" fmla="val 118503"/>
+            </a:avLst>
+          </a:prstGeom>
+          <a:ln>
+            <a:solidFill>
+              <a:schemeClr val="tx1"/>
+            </a:solidFill>
+            <a:tailEnd type="triangle"/>
+          </a:ln>
+        </p:spPr>
+        <p:style>
+          <a:lnRef idx="1">
+            <a:schemeClr val="accent1"/>
+          </a:lnRef>
+          <a:fillRef idx="0">
+            <a:schemeClr val="accent1"/>
+          </a:fillRef>
+          <a:effectRef idx="0">
+            <a:schemeClr val="accent1"/>
+          </a:effectRef>
+          <a:fontRef idx="minor">
+            <a:schemeClr val="tx1"/>
+          </a:fontRef>
+        </p:style>
+      </p:cxnSp>
+      <p:cxnSp>
+        <p:nvCxnSpPr>
+          <p:cNvPr id="134" name="肘形连接符 133"/>
+          <p:cNvCxnSpPr>
+            <a:stCxn id="71" idx="3"/>
+            <a:endCxn id="83" idx="1"/>
+          </p:cNvCxnSpPr>
+          <p:nvPr/>
+        </p:nvCxnSpPr>
+        <p:spPr>
+          <a:xfrm flipH="1">
+            <a:off x="8924970" y="2204214"/>
+            <a:ext cx="294894" cy="1949025"/>
+          </a:xfrm>
+          <a:prstGeom prst="bentConnector5">
+            <a:avLst>
+              <a:gd name="adj1" fmla="val -114728"/>
+              <a:gd name="adj2" fmla="val 84718"/>
+              <a:gd name="adj3" fmla="val 177519"/>
+            </a:avLst>
+          </a:prstGeom>
+          <a:ln>
+            <a:solidFill>
+              <a:schemeClr val="tx1"/>
+            </a:solidFill>
+            <a:tailEnd type="triangle"/>
+          </a:ln>
+        </p:spPr>
+        <p:style>
+          <a:lnRef idx="1">
+            <a:schemeClr val="accent1"/>
+          </a:lnRef>
+          <a:fillRef idx="0">
+            <a:schemeClr val="accent1"/>
+          </a:fillRef>
+          <a:effectRef idx="0">
+            <a:schemeClr val="accent1"/>
+          </a:effectRef>
+          <a:fontRef idx="minor">
+            <a:schemeClr val="tx1"/>
+          </a:fontRef>
+        </p:style>
+      </p:cxnSp>
+      <p:cxnSp>
+        <p:nvCxnSpPr>
+          <p:cNvPr id="141" name="肘形连接符 140"/>
+          <p:cNvCxnSpPr>
+            <a:stCxn id="70" idx="3"/>
+            <a:endCxn id="82" idx="1"/>
+          </p:cNvCxnSpPr>
+          <p:nvPr/>
+        </p:nvCxnSpPr>
+        <p:spPr>
+          <a:xfrm flipH="1">
+            <a:off x="7565262" y="1986675"/>
+            <a:ext cx="1654606" cy="2166564"/>
+          </a:xfrm>
+          <a:prstGeom prst="bentConnector5">
+            <a:avLst>
+              <a:gd name="adj1" fmla="val -31500"/>
+              <a:gd name="adj2" fmla="val 79966"/>
+              <a:gd name="adj3" fmla="val 113816"/>
+            </a:avLst>
+          </a:prstGeom>
+          <a:ln>
+            <a:solidFill>
+              <a:schemeClr val="tx1"/>
+            </a:solidFill>
+            <a:tailEnd type="triangle"/>
+          </a:ln>
+        </p:spPr>
+        <p:style>
+          <a:lnRef idx="1">
+            <a:schemeClr val="accent1"/>
+          </a:lnRef>
+          <a:fillRef idx="0">
+            <a:schemeClr val="accent1"/>
+          </a:fillRef>
+          <a:effectRef idx="0">
+            <a:schemeClr val="accent1"/>
+          </a:effectRef>
+          <a:fontRef idx="minor">
+            <a:schemeClr val="tx1"/>
+          </a:fontRef>
+        </p:style>
+      </p:cxnSp>
     </p:spTree>
     <p:extLst>
       <p:ext uri="{BB962C8B-B14F-4D97-AF65-F5344CB8AC3E}">
@@ -35150,6 +37851,13 @@
   <p:clrMapOvr>
     <a:masterClrMapping/>
   </p:clrMapOvr>
+  <p:timing>
+    <p:tnLst>
+      <p:par>
+        <p:cTn id="1" dur="indefinite" restart="never" nodeType="tmRoot"/>
+      </p:par>
+    </p:tnLst>
+  </p:timing>
 </p:sld>
 </file>
 

--- a/doc/thor architecture.pptx
+++ b/doc/thor architecture.pptx
@@ -36,6 +36,7 @@
     <p:sldId id="284" r:id="rId30"/>
     <p:sldId id="285" r:id="rId31"/>
     <p:sldId id="286" r:id="rId32"/>
+    <p:sldId id="287" r:id="rId33"/>
   </p:sldIdLst>
   <p:sldSz cx="12192000" cy="6858000"/>
   <p:notesSz cx="6858000" cy="9144000"/>
@@ -37519,15 +37520,7 @@
                     <a:schemeClr val="tx1"/>
                   </a:solidFill>
                 </a:rPr>
-                <a:t>This is a </a:t>
-              </a:r>
-              <a:r>
-                <a:rPr lang="en-US" altLang="zh-CN" sz="900" dirty="0" smtClean="0">
-                  <a:solidFill>
-                    <a:schemeClr val="tx1"/>
-                  </a:solidFill>
-                </a:rPr>
-                <a:t>long string</a:t>
+                <a:t>This is a long string</a:t>
               </a:r>
               <a:endParaRPr lang="zh-CN" altLang="en-US" sz="900" dirty="0">
                 <a:solidFill>
@@ -37858,6 +37851,3570 @@
       </p:par>
     </p:tnLst>
   </p:timing>
+</p:sld>
+</file>
+
+<file path=ppt/slides/slide32.xml><?xml version="1.0" encoding="utf-8"?>
+<p:sld xmlns:a="http://schemas.openxmlformats.org/drawingml/2006/main" xmlns:r="http://schemas.openxmlformats.org/officeDocument/2006/relationships" xmlns:p="http://schemas.openxmlformats.org/presentationml/2006/main">
+  <p:cSld>
+    <p:spTree>
+      <p:nvGrpSpPr>
+        <p:cNvPr id="1" name=""/>
+        <p:cNvGrpSpPr/>
+        <p:nvPr/>
+      </p:nvGrpSpPr>
+      <p:grpSpPr>
+        <a:xfrm>
+          <a:off x="0" y="0"/>
+          <a:ext cx="0" cy="0"/>
+          <a:chOff x="0" y="0"/>
+          <a:chExt cx="0" cy="0"/>
+        </a:xfrm>
+      </p:grpSpPr>
+      <p:sp>
+        <p:nvSpPr>
+          <p:cNvPr id="2" name="标题 1"/>
+          <p:cNvSpPr>
+            <a:spLocks noGrp="1"/>
+          </p:cNvSpPr>
+          <p:nvPr>
+            <p:ph type="title"/>
+          </p:nvPr>
+        </p:nvSpPr>
+        <p:spPr/>
+        <p:txBody>
+          <a:bodyPr/>
+          <a:lstStyle/>
+          <a:p>
+            <a:endParaRPr lang="zh-CN" altLang="en-US"/>
+          </a:p>
+        </p:txBody>
+      </p:sp>
+      <p:sp>
+        <p:nvSpPr>
+          <p:cNvPr id="3" name="矩形 2"/>
+          <p:cNvSpPr/>
+          <p:nvPr/>
+        </p:nvSpPr>
+        <p:spPr>
+          <a:xfrm>
+            <a:off x="2000538" y="2148493"/>
+            <a:ext cx="462743" cy="193491"/>
+          </a:xfrm>
+          <a:prstGeom prst="rect">
+            <a:avLst/>
+          </a:prstGeom>
+          <a:solidFill>
+            <a:schemeClr val="bg1">
+              <a:lumMod val="65000"/>
+            </a:schemeClr>
+          </a:solidFill>
+          <a:ln>
+            <a:solidFill>
+              <a:schemeClr val="tx1"/>
+            </a:solidFill>
+          </a:ln>
+        </p:spPr>
+        <p:style>
+          <a:lnRef idx="2">
+            <a:schemeClr val="accent1">
+              <a:shade val="50000"/>
+            </a:schemeClr>
+          </a:lnRef>
+          <a:fillRef idx="1">
+            <a:schemeClr val="accent1"/>
+          </a:fillRef>
+          <a:effectRef idx="0">
+            <a:schemeClr val="accent1"/>
+          </a:effectRef>
+          <a:fontRef idx="minor">
+            <a:schemeClr val="lt1"/>
+          </a:fontRef>
+        </p:style>
+        <p:txBody>
+          <a:bodyPr rtlCol="0" anchor="ctr"/>
+          <a:lstStyle/>
+          <a:p>
+            <a:pPr algn="ctr"/>
+            <a:r>
+              <a:rPr lang="en-US" altLang="zh-CN" sz="900" smtClean="0">
+                <a:solidFill>
+                  <a:schemeClr val="tx1"/>
+                </a:solidFill>
+              </a:rPr>
+              <a:t>1</a:t>
+            </a:r>
+            <a:endParaRPr lang="zh-CN" altLang="en-US" sz="900" dirty="0">
+              <a:solidFill>
+                <a:schemeClr val="tx1"/>
+              </a:solidFill>
+            </a:endParaRPr>
+          </a:p>
+        </p:txBody>
+      </p:sp>
+      <p:sp>
+        <p:nvSpPr>
+          <p:cNvPr id="4" name="矩形 3"/>
+          <p:cNvSpPr/>
+          <p:nvPr/>
+        </p:nvSpPr>
+        <p:spPr>
+          <a:xfrm>
+            <a:off x="2463281" y="2148493"/>
+            <a:ext cx="462743" cy="193491"/>
+          </a:xfrm>
+          <a:prstGeom prst="rect">
+            <a:avLst/>
+          </a:prstGeom>
+          <a:solidFill>
+            <a:schemeClr val="bg1">
+              <a:lumMod val="65000"/>
+            </a:schemeClr>
+          </a:solidFill>
+          <a:ln>
+            <a:solidFill>
+              <a:schemeClr val="tx1"/>
+            </a:solidFill>
+          </a:ln>
+        </p:spPr>
+        <p:style>
+          <a:lnRef idx="2">
+            <a:schemeClr val="accent1">
+              <a:shade val="50000"/>
+            </a:schemeClr>
+          </a:lnRef>
+          <a:fillRef idx="1">
+            <a:schemeClr val="accent1"/>
+          </a:fillRef>
+          <a:effectRef idx="0">
+            <a:schemeClr val="accent1"/>
+          </a:effectRef>
+          <a:fontRef idx="minor">
+            <a:schemeClr val="lt1"/>
+          </a:fontRef>
+        </p:style>
+        <p:txBody>
+          <a:bodyPr rtlCol="0" anchor="ctr"/>
+          <a:lstStyle/>
+          <a:p>
+            <a:pPr algn="ctr"/>
+            <a:r>
+              <a:rPr lang="en-US" altLang="zh-CN" sz="900" dirty="0" smtClean="0">
+                <a:solidFill>
+                  <a:schemeClr val="tx1"/>
+                </a:solidFill>
+              </a:rPr>
+              <a:t>2</a:t>
+            </a:r>
+            <a:endParaRPr lang="zh-CN" altLang="en-US" sz="900" dirty="0">
+              <a:solidFill>
+                <a:schemeClr val="tx1"/>
+              </a:solidFill>
+            </a:endParaRPr>
+          </a:p>
+        </p:txBody>
+      </p:sp>
+      <p:sp>
+        <p:nvSpPr>
+          <p:cNvPr id="5" name="矩形 4"/>
+          <p:cNvSpPr/>
+          <p:nvPr/>
+        </p:nvSpPr>
+        <p:spPr>
+          <a:xfrm>
+            <a:off x="2926024" y="2148493"/>
+            <a:ext cx="462743" cy="193491"/>
+          </a:xfrm>
+          <a:prstGeom prst="rect">
+            <a:avLst/>
+          </a:prstGeom>
+          <a:solidFill>
+            <a:schemeClr val="bg1">
+              <a:lumMod val="65000"/>
+            </a:schemeClr>
+          </a:solidFill>
+          <a:ln>
+            <a:solidFill>
+              <a:schemeClr val="tx1"/>
+            </a:solidFill>
+          </a:ln>
+        </p:spPr>
+        <p:style>
+          <a:lnRef idx="2">
+            <a:schemeClr val="accent1">
+              <a:shade val="50000"/>
+            </a:schemeClr>
+          </a:lnRef>
+          <a:fillRef idx="1">
+            <a:schemeClr val="accent1"/>
+          </a:fillRef>
+          <a:effectRef idx="0">
+            <a:schemeClr val="accent1"/>
+          </a:effectRef>
+          <a:fontRef idx="minor">
+            <a:schemeClr val="lt1"/>
+          </a:fontRef>
+        </p:style>
+        <p:txBody>
+          <a:bodyPr rtlCol="0" anchor="ctr"/>
+          <a:lstStyle/>
+          <a:p>
+            <a:pPr algn="ctr"/>
+            <a:r>
+              <a:rPr lang="en-US" altLang="zh-CN" sz="900" dirty="0" smtClean="0">
+                <a:solidFill>
+                  <a:schemeClr val="tx1"/>
+                </a:solidFill>
+              </a:rPr>
+              <a:t>2</a:t>
+            </a:r>
+            <a:endParaRPr lang="zh-CN" altLang="en-US" sz="900" dirty="0">
+              <a:solidFill>
+                <a:schemeClr val="tx1"/>
+              </a:solidFill>
+            </a:endParaRPr>
+          </a:p>
+        </p:txBody>
+      </p:sp>
+      <p:sp>
+        <p:nvSpPr>
+          <p:cNvPr id="6" name="矩形 5"/>
+          <p:cNvSpPr/>
+          <p:nvPr/>
+        </p:nvSpPr>
+        <p:spPr>
+          <a:xfrm>
+            <a:off x="3388767" y="2148493"/>
+            <a:ext cx="462743" cy="193491"/>
+          </a:xfrm>
+          <a:prstGeom prst="rect">
+            <a:avLst/>
+          </a:prstGeom>
+          <a:solidFill>
+            <a:schemeClr val="bg1">
+              <a:lumMod val="65000"/>
+            </a:schemeClr>
+          </a:solidFill>
+          <a:ln>
+            <a:solidFill>
+              <a:schemeClr val="tx1"/>
+            </a:solidFill>
+          </a:ln>
+        </p:spPr>
+        <p:style>
+          <a:lnRef idx="2">
+            <a:schemeClr val="accent1">
+              <a:shade val="50000"/>
+            </a:schemeClr>
+          </a:lnRef>
+          <a:fillRef idx="1">
+            <a:schemeClr val="accent1"/>
+          </a:fillRef>
+          <a:effectRef idx="0">
+            <a:schemeClr val="accent1"/>
+          </a:effectRef>
+          <a:fontRef idx="minor">
+            <a:schemeClr val="lt1"/>
+          </a:fontRef>
+        </p:style>
+        <p:txBody>
+          <a:bodyPr rtlCol="0" anchor="ctr"/>
+          <a:lstStyle/>
+          <a:p>
+            <a:pPr algn="ctr"/>
+            <a:r>
+              <a:rPr lang="en-US" altLang="zh-CN" sz="900" smtClean="0">
+                <a:solidFill>
+                  <a:schemeClr val="tx1"/>
+                </a:solidFill>
+              </a:rPr>
+              <a:t>3</a:t>
+            </a:r>
+            <a:endParaRPr lang="zh-CN" altLang="en-US" sz="900" dirty="0">
+              <a:solidFill>
+                <a:schemeClr val="tx1"/>
+              </a:solidFill>
+            </a:endParaRPr>
+          </a:p>
+        </p:txBody>
+      </p:sp>
+      <p:sp>
+        <p:nvSpPr>
+          <p:cNvPr id="7" name="矩形 6"/>
+          <p:cNvSpPr/>
+          <p:nvPr/>
+        </p:nvSpPr>
+        <p:spPr>
+          <a:xfrm>
+            <a:off x="3851510" y="2148493"/>
+            <a:ext cx="462743" cy="193491"/>
+          </a:xfrm>
+          <a:prstGeom prst="rect">
+            <a:avLst/>
+          </a:prstGeom>
+          <a:solidFill>
+            <a:schemeClr val="bg1">
+              <a:lumMod val="65000"/>
+            </a:schemeClr>
+          </a:solidFill>
+          <a:ln>
+            <a:solidFill>
+              <a:schemeClr val="tx1"/>
+            </a:solidFill>
+          </a:ln>
+        </p:spPr>
+        <p:style>
+          <a:lnRef idx="2">
+            <a:schemeClr val="accent1">
+              <a:shade val="50000"/>
+            </a:schemeClr>
+          </a:lnRef>
+          <a:fillRef idx="1">
+            <a:schemeClr val="accent1"/>
+          </a:fillRef>
+          <a:effectRef idx="0">
+            <a:schemeClr val="accent1"/>
+          </a:effectRef>
+          <a:fontRef idx="minor">
+            <a:schemeClr val="lt1"/>
+          </a:fontRef>
+        </p:style>
+        <p:txBody>
+          <a:bodyPr rtlCol="0" anchor="ctr"/>
+          <a:lstStyle/>
+          <a:p>
+            <a:pPr algn="ctr"/>
+            <a:r>
+              <a:rPr lang="en-US" altLang="zh-CN" sz="900" smtClean="0">
+                <a:solidFill>
+                  <a:schemeClr val="tx1"/>
+                </a:solidFill>
+              </a:rPr>
+              <a:t>3</a:t>
+            </a:r>
+            <a:endParaRPr lang="zh-CN" altLang="en-US" sz="900" dirty="0">
+              <a:solidFill>
+                <a:schemeClr val="tx1"/>
+              </a:solidFill>
+            </a:endParaRPr>
+          </a:p>
+        </p:txBody>
+      </p:sp>
+      <p:sp>
+        <p:nvSpPr>
+          <p:cNvPr id="8" name="矩形 7"/>
+          <p:cNvSpPr/>
+          <p:nvPr/>
+        </p:nvSpPr>
+        <p:spPr>
+          <a:xfrm>
+            <a:off x="4314253" y="2148493"/>
+            <a:ext cx="462743" cy="193491"/>
+          </a:xfrm>
+          <a:prstGeom prst="rect">
+            <a:avLst/>
+          </a:prstGeom>
+          <a:solidFill>
+            <a:schemeClr val="bg1">
+              <a:lumMod val="65000"/>
+            </a:schemeClr>
+          </a:solidFill>
+          <a:ln>
+            <a:solidFill>
+              <a:schemeClr val="tx1"/>
+            </a:solidFill>
+          </a:ln>
+        </p:spPr>
+        <p:style>
+          <a:lnRef idx="2">
+            <a:schemeClr val="accent1">
+              <a:shade val="50000"/>
+            </a:schemeClr>
+          </a:lnRef>
+          <a:fillRef idx="1">
+            <a:schemeClr val="accent1"/>
+          </a:fillRef>
+          <a:effectRef idx="0">
+            <a:schemeClr val="accent1"/>
+          </a:effectRef>
+          <a:fontRef idx="minor">
+            <a:schemeClr val="lt1"/>
+          </a:fontRef>
+        </p:style>
+        <p:txBody>
+          <a:bodyPr rtlCol="0" anchor="ctr"/>
+          <a:lstStyle/>
+          <a:p>
+            <a:pPr algn="ctr"/>
+            <a:r>
+              <a:rPr lang="en-US" altLang="zh-CN" sz="900" smtClean="0">
+                <a:solidFill>
+                  <a:schemeClr val="tx1"/>
+                </a:solidFill>
+              </a:rPr>
+              <a:t>3</a:t>
+            </a:r>
+            <a:endParaRPr lang="zh-CN" altLang="en-US" sz="900" dirty="0">
+              <a:solidFill>
+                <a:schemeClr val="tx1"/>
+              </a:solidFill>
+            </a:endParaRPr>
+          </a:p>
+        </p:txBody>
+      </p:sp>
+      <p:sp>
+        <p:nvSpPr>
+          <p:cNvPr id="9" name="矩形 8"/>
+          <p:cNvSpPr/>
+          <p:nvPr/>
+        </p:nvSpPr>
+        <p:spPr>
+          <a:xfrm>
+            <a:off x="4776996" y="2148493"/>
+            <a:ext cx="462743" cy="193491"/>
+          </a:xfrm>
+          <a:prstGeom prst="rect">
+            <a:avLst/>
+          </a:prstGeom>
+          <a:solidFill>
+            <a:schemeClr val="bg1">
+              <a:lumMod val="65000"/>
+            </a:schemeClr>
+          </a:solidFill>
+          <a:ln>
+            <a:solidFill>
+              <a:schemeClr val="tx1"/>
+            </a:solidFill>
+          </a:ln>
+        </p:spPr>
+        <p:style>
+          <a:lnRef idx="2">
+            <a:schemeClr val="accent1">
+              <a:shade val="50000"/>
+            </a:schemeClr>
+          </a:lnRef>
+          <a:fillRef idx="1">
+            <a:schemeClr val="accent1"/>
+          </a:fillRef>
+          <a:effectRef idx="0">
+            <a:schemeClr val="accent1"/>
+          </a:effectRef>
+          <a:fontRef idx="minor">
+            <a:schemeClr val="lt1"/>
+          </a:fontRef>
+        </p:style>
+        <p:txBody>
+          <a:bodyPr rtlCol="0" anchor="ctr"/>
+          <a:lstStyle/>
+          <a:p>
+            <a:pPr algn="ctr"/>
+            <a:r>
+              <a:rPr lang="en-US" altLang="zh-CN" sz="900" smtClean="0">
+                <a:solidFill>
+                  <a:schemeClr val="tx1"/>
+                </a:solidFill>
+              </a:rPr>
+              <a:t>5</a:t>
+            </a:r>
+            <a:endParaRPr lang="zh-CN" altLang="en-US" sz="900" dirty="0">
+              <a:solidFill>
+                <a:schemeClr val="tx1"/>
+              </a:solidFill>
+            </a:endParaRPr>
+          </a:p>
+        </p:txBody>
+      </p:sp>
+      <p:sp>
+        <p:nvSpPr>
+          <p:cNvPr id="10" name="矩形 9"/>
+          <p:cNvSpPr/>
+          <p:nvPr/>
+        </p:nvSpPr>
+        <p:spPr>
+          <a:xfrm>
+            <a:off x="5239739" y="2148493"/>
+            <a:ext cx="462743" cy="193491"/>
+          </a:xfrm>
+          <a:prstGeom prst="rect">
+            <a:avLst/>
+          </a:prstGeom>
+          <a:solidFill>
+            <a:schemeClr val="bg1">
+              <a:lumMod val="65000"/>
+            </a:schemeClr>
+          </a:solidFill>
+          <a:ln>
+            <a:solidFill>
+              <a:schemeClr val="tx1"/>
+            </a:solidFill>
+          </a:ln>
+        </p:spPr>
+        <p:style>
+          <a:lnRef idx="2">
+            <a:schemeClr val="accent1">
+              <a:shade val="50000"/>
+            </a:schemeClr>
+          </a:lnRef>
+          <a:fillRef idx="1">
+            <a:schemeClr val="accent1"/>
+          </a:fillRef>
+          <a:effectRef idx="0">
+            <a:schemeClr val="accent1"/>
+          </a:effectRef>
+          <a:fontRef idx="minor">
+            <a:schemeClr val="lt1"/>
+          </a:fontRef>
+        </p:style>
+        <p:txBody>
+          <a:bodyPr rtlCol="0" anchor="ctr"/>
+          <a:lstStyle/>
+          <a:p>
+            <a:pPr algn="ctr"/>
+            <a:r>
+              <a:rPr lang="en-US" altLang="zh-CN" sz="900" smtClean="0">
+                <a:solidFill>
+                  <a:schemeClr val="tx1"/>
+                </a:solidFill>
+              </a:rPr>
+              <a:t>5</a:t>
+            </a:r>
+            <a:endParaRPr lang="zh-CN" altLang="en-US" sz="900" dirty="0">
+              <a:solidFill>
+                <a:schemeClr val="tx1"/>
+              </a:solidFill>
+            </a:endParaRPr>
+          </a:p>
+        </p:txBody>
+      </p:sp>
+      <p:sp>
+        <p:nvSpPr>
+          <p:cNvPr id="11" name="矩形 10"/>
+          <p:cNvSpPr/>
+          <p:nvPr/>
+        </p:nvSpPr>
+        <p:spPr>
+          <a:xfrm>
+            <a:off x="2000538" y="2580812"/>
+            <a:ext cx="462743" cy="193491"/>
+          </a:xfrm>
+          <a:prstGeom prst="rect">
+            <a:avLst/>
+          </a:prstGeom>
+          <a:solidFill>
+            <a:schemeClr val="bg1">
+              <a:lumMod val="65000"/>
+            </a:schemeClr>
+          </a:solidFill>
+          <a:ln>
+            <a:solidFill>
+              <a:schemeClr val="tx1"/>
+            </a:solidFill>
+          </a:ln>
+        </p:spPr>
+        <p:style>
+          <a:lnRef idx="2">
+            <a:schemeClr val="accent1">
+              <a:shade val="50000"/>
+            </a:schemeClr>
+          </a:lnRef>
+          <a:fillRef idx="1">
+            <a:schemeClr val="accent1"/>
+          </a:fillRef>
+          <a:effectRef idx="0">
+            <a:schemeClr val="accent1"/>
+          </a:effectRef>
+          <a:fontRef idx="minor">
+            <a:schemeClr val="lt1"/>
+          </a:fontRef>
+        </p:style>
+        <p:txBody>
+          <a:bodyPr rtlCol="0" anchor="ctr"/>
+          <a:lstStyle/>
+          <a:p>
+            <a:pPr algn="ctr"/>
+            <a:r>
+              <a:rPr lang="en-US" altLang="zh-CN" sz="900" smtClean="0">
+                <a:solidFill>
+                  <a:schemeClr val="tx1"/>
+                </a:solidFill>
+              </a:rPr>
+              <a:t>1</a:t>
+            </a:r>
+            <a:endParaRPr lang="zh-CN" altLang="en-US" sz="900" dirty="0">
+              <a:solidFill>
+                <a:schemeClr val="tx1"/>
+              </a:solidFill>
+            </a:endParaRPr>
+          </a:p>
+        </p:txBody>
+      </p:sp>
+      <p:sp>
+        <p:nvSpPr>
+          <p:cNvPr id="12" name="矩形 11"/>
+          <p:cNvSpPr/>
+          <p:nvPr/>
+        </p:nvSpPr>
+        <p:spPr>
+          <a:xfrm>
+            <a:off x="2463281" y="2580812"/>
+            <a:ext cx="625152" cy="193491"/>
+          </a:xfrm>
+          <a:prstGeom prst="rect">
+            <a:avLst/>
+          </a:prstGeom>
+          <a:solidFill>
+            <a:schemeClr val="bg1">
+              <a:lumMod val="65000"/>
+            </a:schemeClr>
+          </a:solidFill>
+          <a:ln>
+            <a:solidFill>
+              <a:schemeClr val="tx1"/>
+            </a:solidFill>
+          </a:ln>
+        </p:spPr>
+        <p:style>
+          <a:lnRef idx="2">
+            <a:schemeClr val="accent1">
+              <a:shade val="50000"/>
+            </a:schemeClr>
+          </a:lnRef>
+          <a:fillRef idx="1">
+            <a:schemeClr val="accent1"/>
+          </a:fillRef>
+          <a:effectRef idx="0">
+            <a:schemeClr val="accent1"/>
+          </a:effectRef>
+          <a:fontRef idx="minor">
+            <a:schemeClr val="lt1"/>
+          </a:fontRef>
+        </p:style>
+        <p:txBody>
+          <a:bodyPr rtlCol="0" anchor="ctr"/>
+          <a:lstStyle/>
+          <a:p>
+            <a:pPr algn="ctr"/>
+            <a:r>
+              <a:rPr lang="en-US" altLang="zh-CN" sz="900" smtClean="0">
+                <a:solidFill>
+                  <a:schemeClr val="tx1"/>
+                </a:solidFill>
+              </a:rPr>
+              <a:t>{2,2}</a:t>
+            </a:r>
+            <a:endParaRPr lang="zh-CN" altLang="en-US" sz="900" dirty="0">
+              <a:solidFill>
+                <a:schemeClr val="tx1"/>
+              </a:solidFill>
+            </a:endParaRPr>
+          </a:p>
+        </p:txBody>
+      </p:sp>
+      <p:sp>
+        <p:nvSpPr>
+          <p:cNvPr id="14" name="矩形 13"/>
+          <p:cNvSpPr/>
+          <p:nvPr/>
+        </p:nvSpPr>
+        <p:spPr>
+          <a:xfrm>
+            <a:off x="3082747" y="2580811"/>
+            <a:ext cx="557804" cy="193491"/>
+          </a:xfrm>
+          <a:prstGeom prst="rect">
+            <a:avLst/>
+          </a:prstGeom>
+          <a:solidFill>
+            <a:schemeClr val="bg1">
+              <a:lumMod val="65000"/>
+            </a:schemeClr>
+          </a:solidFill>
+          <a:ln>
+            <a:solidFill>
+              <a:schemeClr val="tx1"/>
+            </a:solidFill>
+          </a:ln>
+        </p:spPr>
+        <p:style>
+          <a:lnRef idx="2">
+            <a:schemeClr val="accent1">
+              <a:shade val="50000"/>
+            </a:schemeClr>
+          </a:lnRef>
+          <a:fillRef idx="1">
+            <a:schemeClr val="accent1"/>
+          </a:fillRef>
+          <a:effectRef idx="0">
+            <a:schemeClr val="accent1"/>
+          </a:effectRef>
+          <a:fontRef idx="minor">
+            <a:schemeClr val="lt1"/>
+          </a:fontRef>
+        </p:style>
+        <p:txBody>
+          <a:bodyPr rtlCol="0" anchor="ctr"/>
+          <a:lstStyle/>
+          <a:p>
+            <a:pPr algn="ctr"/>
+            <a:r>
+              <a:rPr lang="en-US" altLang="zh-CN" sz="900" smtClean="0">
+                <a:solidFill>
+                  <a:schemeClr val="tx1"/>
+                </a:solidFill>
+              </a:rPr>
+              <a:t>{3,3}</a:t>
+            </a:r>
+            <a:endParaRPr lang="zh-CN" altLang="en-US" sz="900" dirty="0">
+              <a:solidFill>
+                <a:schemeClr val="tx1"/>
+              </a:solidFill>
+            </a:endParaRPr>
+          </a:p>
+        </p:txBody>
+      </p:sp>
+      <p:sp>
+        <p:nvSpPr>
+          <p:cNvPr id="17" name="矩形 16"/>
+          <p:cNvSpPr/>
+          <p:nvPr/>
+        </p:nvSpPr>
+        <p:spPr>
+          <a:xfrm>
+            <a:off x="3640551" y="2580811"/>
+            <a:ext cx="602425" cy="193491"/>
+          </a:xfrm>
+          <a:prstGeom prst="rect">
+            <a:avLst/>
+          </a:prstGeom>
+          <a:solidFill>
+            <a:schemeClr val="bg1">
+              <a:lumMod val="65000"/>
+            </a:schemeClr>
+          </a:solidFill>
+          <a:ln>
+            <a:solidFill>
+              <a:schemeClr val="tx1"/>
+            </a:solidFill>
+          </a:ln>
+        </p:spPr>
+        <p:style>
+          <a:lnRef idx="2">
+            <a:schemeClr val="accent1">
+              <a:shade val="50000"/>
+            </a:schemeClr>
+          </a:lnRef>
+          <a:fillRef idx="1">
+            <a:schemeClr val="accent1"/>
+          </a:fillRef>
+          <a:effectRef idx="0">
+            <a:schemeClr val="accent1"/>
+          </a:effectRef>
+          <a:fontRef idx="minor">
+            <a:schemeClr val="lt1"/>
+          </a:fontRef>
+        </p:style>
+        <p:txBody>
+          <a:bodyPr rtlCol="0" anchor="ctr"/>
+          <a:lstStyle/>
+          <a:p>
+            <a:pPr algn="ctr"/>
+            <a:r>
+              <a:rPr lang="en-US" altLang="zh-CN" sz="900" smtClean="0">
+                <a:solidFill>
+                  <a:schemeClr val="tx1"/>
+                </a:solidFill>
+              </a:rPr>
+              <a:t>{5,2}</a:t>
+            </a:r>
+            <a:endParaRPr lang="zh-CN" altLang="en-US" sz="900" dirty="0">
+              <a:solidFill>
+                <a:schemeClr val="tx1"/>
+              </a:solidFill>
+            </a:endParaRPr>
+          </a:p>
+        </p:txBody>
+      </p:sp>
+      <p:sp>
+        <p:nvSpPr>
+          <p:cNvPr id="19" name="文本框 18"/>
+          <p:cNvSpPr txBox="1"/>
+          <p:nvPr/>
+        </p:nvSpPr>
+        <p:spPr>
+          <a:xfrm>
+            <a:off x="1980378" y="1782390"/>
+            <a:ext cx="2005101" cy="369332"/>
+          </a:xfrm>
+          <a:prstGeom prst="rect">
+            <a:avLst/>
+          </a:prstGeom>
+          <a:noFill/>
+        </p:spPr>
+        <p:txBody>
+          <a:bodyPr wrap="none" rtlCol="0">
+            <a:spAutoFit/>
+          </a:bodyPr>
+          <a:lstStyle/>
+          <a:p>
+            <a:r>
+              <a:rPr lang="en-US" altLang="zh-CN" smtClean="0"/>
+              <a:t>Run-Length Encode</a:t>
+            </a:r>
+            <a:endParaRPr lang="zh-CN" altLang="en-US"/>
+          </a:p>
+        </p:txBody>
+      </p:sp>
+      <p:sp>
+        <p:nvSpPr>
+          <p:cNvPr id="20" name="下箭头 19"/>
+          <p:cNvSpPr/>
+          <p:nvPr/>
+        </p:nvSpPr>
+        <p:spPr>
+          <a:xfrm>
+            <a:off x="2694652" y="2409825"/>
+            <a:ext cx="388096" cy="100110"/>
+          </a:xfrm>
+          <a:prstGeom prst="downArrow">
+            <a:avLst>
+              <a:gd name="adj1" fmla="val 39708"/>
+              <a:gd name="adj2" fmla="val 66628"/>
+            </a:avLst>
+          </a:prstGeom>
+          <a:solidFill>
+            <a:schemeClr val="tx1"/>
+          </a:solidFill>
+          <a:ln>
+            <a:noFill/>
+          </a:ln>
+        </p:spPr>
+        <p:style>
+          <a:lnRef idx="2">
+            <a:schemeClr val="accent1">
+              <a:shade val="50000"/>
+            </a:schemeClr>
+          </a:lnRef>
+          <a:fillRef idx="1">
+            <a:schemeClr val="accent1"/>
+          </a:fillRef>
+          <a:effectRef idx="0">
+            <a:schemeClr val="accent1"/>
+          </a:effectRef>
+          <a:fontRef idx="minor">
+            <a:schemeClr val="lt1"/>
+          </a:fontRef>
+        </p:style>
+        <p:txBody>
+          <a:bodyPr rtlCol="0" anchor="ctr"/>
+          <a:lstStyle/>
+          <a:p>
+            <a:pPr algn="ctr"/>
+            <a:endParaRPr lang="zh-CN" altLang="en-US"/>
+          </a:p>
+        </p:txBody>
+      </p:sp>
+      <p:grpSp>
+        <p:nvGrpSpPr>
+          <p:cNvPr id="39" name="组合 38"/>
+          <p:cNvGrpSpPr/>
+          <p:nvPr/>
+        </p:nvGrpSpPr>
+        <p:grpSpPr>
+          <a:xfrm>
+            <a:off x="2008608" y="3436833"/>
+            <a:ext cx="4475761" cy="193491"/>
+            <a:chOff x="1965939" y="4339243"/>
+            <a:chExt cx="3701944" cy="193491"/>
+          </a:xfrm>
+        </p:grpSpPr>
+        <p:sp>
+          <p:nvSpPr>
+            <p:cNvPr id="21" name="矩形 20"/>
+            <p:cNvSpPr/>
+            <p:nvPr/>
+          </p:nvSpPr>
+          <p:spPr>
+            <a:xfrm>
+              <a:off x="1965939" y="4339243"/>
+              <a:ext cx="462743" cy="193491"/>
+            </a:xfrm>
+            <a:prstGeom prst="rect">
+              <a:avLst/>
+            </a:prstGeom>
+            <a:solidFill>
+              <a:schemeClr val="bg1">
+                <a:lumMod val="65000"/>
+              </a:schemeClr>
+            </a:solidFill>
+            <a:ln>
+              <a:solidFill>
+                <a:schemeClr val="tx1"/>
+              </a:solidFill>
+            </a:ln>
+          </p:spPr>
+          <p:style>
+            <a:lnRef idx="2">
+              <a:schemeClr val="accent1">
+                <a:shade val="50000"/>
+              </a:schemeClr>
+            </a:lnRef>
+            <a:fillRef idx="1">
+              <a:schemeClr val="accent1"/>
+            </a:fillRef>
+            <a:effectRef idx="0">
+              <a:schemeClr val="accent1"/>
+            </a:effectRef>
+            <a:fontRef idx="minor">
+              <a:schemeClr val="lt1"/>
+            </a:fontRef>
+          </p:style>
+          <p:txBody>
+            <a:bodyPr rtlCol="0" anchor="ctr"/>
+            <a:lstStyle/>
+            <a:p>
+              <a:pPr algn="ctr"/>
+              <a:r>
+                <a:rPr lang="en-US" altLang="zh-CN" sz="900">
+                  <a:solidFill>
+                    <a:schemeClr val="tx1"/>
+                  </a:solidFill>
+                </a:rPr>
+                <a:t>2</a:t>
+              </a:r>
+              <a:r>
+                <a:rPr lang="en-US" altLang="zh-CN" sz="900" smtClean="0">
+                  <a:solidFill>
+                    <a:schemeClr val="tx1"/>
+                  </a:solidFill>
+                </a:rPr>
+                <a:t>192</a:t>
+              </a:r>
+              <a:endParaRPr lang="zh-CN" altLang="en-US" sz="900" dirty="0">
+                <a:solidFill>
+                  <a:schemeClr val="tx1"/>
+                </a:solidFill>
+              </a:endParaRPr>
+            </a:p>
+          </p:txBody>
+        </p:sp>
+        <p:sp>
+          <p:nvSpPr>
+            <p:cNvPr id="22" name="矩形 21"/>
+            <p:cNvSpPr/>
+            <p:nvPr/>
+          </p:nvSpPr>
+          <p:spPr>
+            <a:xfrm>
+              <a:off x="2428682" y="4339243"/>
+              <a:ext cx="462743" cy="193491"/>
+            </a:xfrm>
+            <a:prstGeom prst="rect">
+              <a:avLst/>
+            </a:prstGeom>
+            <a:solidFill>
+              <a:schemeClr val="bg1">
+                <a:lumMod val="65000"/>
+              </a:schemeClr>
+            </a:solidFill>
+            <a:ln>
+              <a:solidFill>
+                <a:schemeClr val="tx1"/>
+              </a:solidFill>
+            </a:ln>
+          </p:spPr>
+          <p:style>
+            <a:lnRef idx="2">
+              <a:schemeClr val="accent1">
+                <a:shade val="50000"/>
+              </a:schemeClr>
+            </a:lnRef>
+            <a:fillRef idx="1">
+              <a:schemeClr val="accent1"/>
+            </a:fillRef>
+            <a:effectRef idx="0">
+              <a:schemeClr val="accent1"/>
+            </a:effectRef>
+            <a:fontRef idx="minor">
+              <a:schemeClr val="lt1"/>
+            </a:fontRef>
+          </p:style>
+          <p:txBody>
+            <a:bodyPr rtlCol="0" anchor="ctr"/>
+            <a:lstStyle/>
+            <a:p>
+              <a:pPr algn="ctr"/>
+              <a:r>
+                <a:rPr lang="en-US" altLang="zh-CN" sz="900" smtClean="0">
+                  <a:solidFill>
+                    <a:schemeClr val="tx1"/>
+                  </a:solidFill>
+                </a:rPr>
+                <a:t>2000</a:t>
+              </a:r>
+              <a:endParaRPr lang="zh-CN" altLang="en-US" sz="900" dirty="0">
+                <a:solidFill>
+                  <a:schemeClr val="tx1"/>
+                </a:solidFill>
+              </a:endParaRPr>
+            </a:p>
+          </p:txBody>
+        </p:sp>
+        <p:sp>
+          <p:nvSpPr>
+            <p:cNvPr id="23" name="矩形 22"/>
+            <p:cNvSpPr/>
+            <p:nvPr/>
+          </p:nvSpPr>
+          <p:spPr>
+            <a:xfrm>
+              <a:off x="2891425" y="4339243"/>
+              <a:ext cx="462743" cy="193491"/>
+            </a:xfrm>
+            <a:prstGeom prst="rect">
+              <a:avLst/>
+            </a:prstGeom>
+            <a:solidFill>
+              <a:schemeClr val="bg1">
+                <a:lumMod val="65000"/>
+              </a:schemeClr>
+            </a:solidFill>
+            <a:ln>
+              <a:solidFill>
+                <a:schemeClr val="tx1"/>
+              </a:solidFill>
+            </a:ln>
+          </p:spPr>
+          <p:style>
+            <a:lnRef idx="2">
+              <a:schemeClr val="accent1">
+                <a:shade val="50000"/>
+              </a:schemeClr>
+            </a:lnRef>
+            <a:fillRef idx="1">
+              <a:schemeClr val="accent1"/>
+            </a:fillRef>
+            <a:effectRef idx="0">
+              <a:schemeClr val="accent1"/>
+            </a:effectRef>
+            <a:fontRef idx="minor">
+              <a:schemeClr val="lt1"/>
+            </a:fontRef>
+          </p:style>
+          <p:txBody>
+            <a:bodyPr rtlCol="0" anchor="ctr"/>
+            <a:lstStyle/>
+            <a:p>
+              <a:pPr algn="ctr"/>
+              <a:r>
+                <a:rPr lang="en-US" altLang="zh-CN" sz="900" smtClean="0">
+                  <a:solidFill>
+                    <a:schemeClr val="tx1"/>
+                  </a:solidFill>
+                </a:rPr>
+                <a:t>2278</a:t>
+              </a:r>
+              <a:endParaRPr lang="zh-CN" altLang="en-US" sz="900" dirty="0">
+                <a:solidFill>
+                  <a:schemeClr val="tx1"/>
+                </a:solidFill>
+              </a:endParaRPr>
+            </a:p>
+          </p:txBody>
+        </p:sp>
+        <p:sp>
+          <p:nvSpPr>
+            <p:cNvPr id="24" name="矩形 23"/>
+            <p:cNvSpPr/>
+            <p:nvPr/>
+          </p:nvSpPr>
+          <p:spPr>
+            <a:xfrm>
+              <a:off x="3354168" y="4339243"/>
+              <a:ext cx="462743" cy="193491"/>
+            </a:xfrm>
+            <a:prstGeom prst="rect">
+              <a:avLst/>
+            </a:prstGeom>
+            <a:solidFill>
+              <a:schemeClr val="bg1">
+                <a:lumMod val="65000"/>
+              </a:schemeClr>
+            </a:solidFill>
+            <a:ln>
+              <a:solidFill>
+                <a:schemeClr val="tx1"/>
+              </a:solidFill>
+            </a:ln>
+          </p:spPr>
+          <p:style>
+            <a:lnRef idx="2">
+              <a:schemeClr val="accent1">
+                <a:shade val="50000"/>
+              </a:schemeClr>
+            </a:lnRef>
+            <a:fillRef idx="1">
+              <a:schemeClr val="accent1"/>
+            </a:fillRef>
+            <a:effectRef idx="0">
+              <a:schemeClr val="accent1"/>
+            </a:effectRef>
+            <a:fontRef idx="minor">
+              <a:schemeClr val="lt1"/>
+            </a:fontRef>
+          </p:style>
+          <p:txBody>
+            <a:bodyPr rtlCol="0" anchor="ctr"/>
+            <a:lstStyle/>
+            <a:p>
+              <a:pPr algn="ctr"/>
+              <a:r>
+                <a:rPr lang="en-US" altLang="zh-CN" sz="900" smtClean="0">
+                  <a:solidFill>
+                    <a:schemeClr val="tx1"/>
+                  </a:solidFill>
+                </a:rPr>
+                <a:t>2195</a:t>
+              </a:r>
+              <a:endParaRPr lang="zh-CN" altLang="en-US" sz="900" dirty="0">
+                <a:solidFill>
+                  <a:schemeClr val="tx1"/>
+                </a:solidFill>
+              </a:endParaRPr>
+            </a:p>
+          </p:txBody>
+        </p:sp>
+        <p:sp>
+          <p:nvSpPr>
+            <p:cNvPr id="25" name="矩形 24"/>
+            <p:cNvSpPr/>
+            <p:nvPr/>
+          </p:nvSpPr>
+          <p:spPr>
+            <a:xfrm>
+              <a:off x="3816911" y="4339243"/>
+              <a:ext cx="462743" cy="193491"/>
+            </a:xfrm>
+            <a:prstGeom prst="rect">
+              <a:avLst/>
+            </a:prstGeom>
+            <a:solidFill>
+              <a:schemeClr val="bg1">
+                <a:lumMod val="65000"/>
+              </a:schemeClr>
+            </a:solidFill>
+            <a:ln>
+              <a:solidFill>
+                <a:schemeClr val="tx1"/>
+              </a:solidFill>
+            </a:ln>
+          </p:spPr>
+          <p:style>
+            <a:lnRef idx="2">
+              <a:schemeClr val="accent1">
+                <a:shade val="50000"/>
+              </a:schemeClr>
+            </a:lnRef>
+            <a:fillRef idx="1">
+              <a:schemeClr val="accent1"/>
+            </a:fillRef>
+            <a:effectRef idx="0">
+              <a:schemeClr val="accent1"/>
+            </a:effectRef>
+            <a:fontRef idx="minor">
+              <a:schemeClr val="lt1"/>
+            </a:fontRef>
+          </p:style>
+          <p:txBody>
+            <a:bodyPr rtlCol="0" anchor="ctr"/>
+            <a:lstStyle/>
+            <a:p>
+              <a:pPr algn="ctr"/>
+              <a:r>
+                <a:rPr lang="en-US" altLang="zh-CN" sz="900" smtClean="0">
+                  <a:solidFill>
+                    <a:schemeClr val="tx1"/>
+                  </a:solidFill>
+                </a:rPr>
+                <a:t>271</a:t>
+              </a:r>
+              <a:r>
+                <a:rPr lang="en-US" altLang="zh-CN" sz="900" smtClean="0">
+                  <a:solidFill>
+                    <a:schemeClr val="tx1"/>
+                  </a:solidFill>
+                </a:rPr>
+                <a:t>3</a:t>
+              </a:r>
+              <a:endParaRPr lang="zh-CN" altLang="en-US" sz="900" dirty="0">
+                <a:solidFill>
+                  <a:schemeClr val="tx1"/>
+                </a:solidFill>
+              </a:endParaRPr>
+            </a:p>
+          </p:txBody>
+        </p:sp>
+        <p:sp>
+          <p:nvSpPr>
+            <p:cNvPr id="26" name="矩形 25"/>
+            <p:cNvSpPr/>
+            <p:nvPr/>
+          </p:nvSpPr>
+          <p:spPr>
+            <a:xfrm>
+              <a:off x="4279654" y="4339243"/>
+              <a:ext cx="462743" cy="193491"/>
+            </a:xfrm>
+            <a:prstGeom prst="rect">
+              <a:avLst/>
+            </a:prstGeom>
+            <a:solidFill>
+              <a:schemeClr val="bg1">
+                <a:lumMod val="65000"/>
+              </a:schemeClr>
+            </a:solidFill>
+            <a:ln>
+              <a:solidFill>
+                <a:schemeClr val="tx1"/>
+              </a:solidFill>
+            </a:ln>
+          </p:spPr>
+          <p:style>
+            <a:lnRef idx="2">
+              <a:schemeClr val="accent1">
+                <a:shade val="50000"/>
+              </a:schemeClr>
+            </a:lnRef>
+            <a:fillRef idx="1">
+              <a:schemeClr val="accent1"/>
+            </a:fillRef>
+            <a:effectRef idx="0">
+              <a:schemeClr val="accent1"/>
+            </a:effectRef>
+            <a:fontRef idx="minor">
+              <a:schemeClr val="lt1"/>
+            </a:fontRef>
+          </p:style>
+          <p:txBody>
+            <a:bodyPr rtlCol="0" anchor="ctr"/>
+            <a:lstStyle/>
+            <a:p>
+              <a:pPr algn="ctr"/>
+              <a:r>
+                <a:rPr lang="en-US" altLang="zh-CN" sz="900" smtClean="0">
+                  <a:solidFill>
+                    <a:schemeClr val="tx1"/>
+                  </a:solidFill>
+                </a:rPr>
+                <a:t>2112</a:t>
+              </a:r>
+              <a:endParaRPr lang="zh-CN" altLang="en-US" sz="900" dirty="0">
+                <a:solidFill>
+                  <a:schemeClr val="tx1"/>
+                </a:solidFill>
+              </a:endParaRPr>
+            </a:p>
+          </p:txBody>
+        </p:sp>
+        <p:sp>
+          <p:nvSpPr>
+            <p:cNvPr id="27" name="矩形 26"/>
+            <p:cNvSpPr/>
+            <p:nvPr/>
+          </p:nvSpPr>
+          <p:spPr>
+            <a:xfrm>
+              <a:off x="4742397" y="4339243"/>
+              <a:ext cx="462743" cy="193491"/>
+            </a:xfrm>
+            <a:prstGeom prst="rect">
+              <a:avLst/>
+            </a:prstGeom>
+            <a:solidFill>
+              <a:schemeClr val="bg1">
+                <a:lumMod val="65000"/>
+              </a:schemeClr>
+            </a:solidFill>
+            <a:ln>
+              <a:solidFill>
+                <a:schemeClr val="tx1"/>
+              </a:solidFill>
+            </a:ln>
+          </p:spPr>
+          <p:style>
+            <a:lnRef idx="2">
+              <a:schemeClr val="accent1">
+                <a:shade val="50000"/>
+              </a:schemeClr>
+            </a:lnRef>
+            <a:fillRef idx="1">
+              <a:schemeClr val="accent1"/>
+            </a:fillRef>
+            <a:effectRef idx="0">
+              <a:schemeClr val="accent1"/>
+            </a:effectRef>
+            <a:fontRef idx="minor">
+              <a:schemeClr val="lt1"/>
+            </a:fontRef>
+          </p:style>
+          <p:txBody>
+            <a:bodyPr rtlCol="0" anchor="ctr"/>
+            <a:lstStyle/>
+            <a:p>
+              <a:pPr algn="ctr"/>
+              <a:r>
+                <a:rPr lang="en-US" altLang="zh-CN" sz="900" smtClean="0">
+                  <a:solidFill>
+                    <a:schemeClr val="tx1"/>
+                  </a:solidFill>
+                </a:rPr>
+                <a:t>2715</a:t>
+              </a:r>
+              <a:endParaRPr lang="zh-CN" altLang="en-US" sz="900" dirty="0">
+                <a:solidFill>
+                  <a:schemeClr val="tx1"/>
+                </a:solidFill>
+              </a:endParaRPr>
+            </a:p>
+          </p:txBody>
+        </p:sp>
+        <p:sp>
+          <p:nvSpPr>
+            <p:cNvPr id="28" name="矩形 27"/>
+            <p:cNvSpPr/>
+            <p:nvPr/>
+          </p:nvSpPr>
+          <p:spPr>
+            <a:xfrm>
+              <a:off x="5205140" y="4339243"/>
+              <a:ext cx="462743" cy="193491"/>
+            </a:xfrm>
+            <a:prstGeom prst="rect">
+              <a:avLst/>
+            </a:prstGeom>
+            <a:solidFill>
+              <a:schemeClr val="bg1">
+                <a:lumMod val="65000"/>
+              </a:schemeClr>
+            </a:solidFill>
+            <a:ln>
+              <a:solidFill>
+                <a:schemeClr val="tx1"/>
+              </a:solidFill>
+            </a:ln>
+          </p:spPr>
+          <p:style>
+            <a:lnRef idx="2">
+              <a:schemeClr val="accent1">
+                <a:shade val="50000"/>
+              </a:schemeClr>
+            </a:lnRef>
+            <a:fillRef idx="1">
+              <a:schemeClr val="accent1"/>
+            </a:fillRef>
+            <a:effectRef idx="0">
+              <a:schemeClr val="accent1"/>
+            </a:effectRef>
+            <a:fontRef idx="minor">
+              <a:schemeClr val="lt1"/>
+            </a:fontRef>
+          </p:style>
+          <p:txBody>
+            <a:bodyPr rtlCol="0" anchor="ctr"/>
+            <a:lstStyle/>
+            <a:p>
+              <a:pPr algn="ctr"/>
+              <a:r>
+                <a:rPr lang="en-US" altLang="zh-CN" sz="900" smtClean="0">
+                  <a:solidFill>
+                    <a:schemeClr val="tx1"/>
+                  </a:solidFill>
+                </a:rPr>
+                <a:t>298</a:t>
+              </a:r>
+              <a:r>
+                <a:rPr lang="en-US" altLang="zh-CN" sz="900" smtClean="0">
+                  <a:solidFill>
+                    <a:schemeClr val="tx1"/>
+                  </a:solidFill>
+                </a:rPr>
+                <a:t>5</a:t>
+              </a:r>
+              <a:endParaRPr lang="zh-CN" altLang="en-US" sz="900" dirty="0">
+                <a:solidFill>
+                  <a:schemeClr val="tx1"/>
+                </a:solidFill>
+              </a:endParaRPr>
+            </a:p>
+          </p:txBody>
+        </p:sp>
+      </p:grpSp>
+      <p:sp>
+        <p:nvSpPr>
+          <p:cNvPr id="29" name="矩形 28"/>
+          <p:cNvSpPr/>
+          <p:nvPr/>
+        </p:nvSpPr>
+        <p:spPr>
+          <a:xfrm>
+            <a:off x="2008608" y="3869152"/>
+            <a:ext cx="462743" cy="193491"/>
+          </a:xfrm>
+          <a:prstGeom prst="rect">
+            <a:avLst/>
+          </a:prstGeom>
+          <a:solidFill>
+            <a:schemeClr val="bg1">
+              <a:lumMod val="65000"/>
+            </a:schemeClr>
+          </a:solidFill>
+          <a:ln>
+            <a:solidFill>
+              <a:schemeClr val="tx1"/>
+            </a:solidFill>
+          </a:ln>
+        </p:spPr>
+        <p:style>
+          <a:lnRef idx="2">
+            <a:schemeClr val="accent1">
+              <a:shade val="50000"/>
+            </a:schemeClr>
+          </a:lnRef>
+          <a:fillRef idx="1">
+            <a:schemeClr val="accent1"/>
+          </a:fillRef>
+          <a:effectRef idx="0">
+            <a:schemeClr val="accent1"/>
+          </a:effectRef>
+          <a:fontRef idx="minor">
+            <a:schemeClr val="lt1"/>
+          </a:fontRef>
+        </p:style>
+        <p:txBody>
+          <a:bodyPr rtlCol="0" anchor="ctr"/>
+          <a:lstStyle/>
+          <a:p>
+            <a:pPr algn="ctr"/>
+            <a:r>
+              <a:rPr lang="en-US" altLang="zh-CN" sz="900" smtClean="0">
+                <a:solidFill>
+                  <a:schemeClr val="tx1"/>
+                </a:solidFill>
+              </a:rPr>
+              <a:t>2000</a:t>
+            </a:r>
+            <a:endParaRPr lang="zh-CN" altLang="en-US" sz="900" dirty="0">
+              <a:solidFill>
+                <a:schemeClr val="tx1"/>
+              </a:solidFill>
+            </a:endParaRPr>
+          </a:p>
+        </p:txBody>
+      </p:sp>
+      <p:grpSp>
+        <p:nvGrpSpPr>
+          <p:cNvPr id="38" name="组合 37"/>
+          <p:cNvGrpSpPr/>
+          <p:nvPr/>
+        </p:nvGrpSpPr>
+        <p:grpSpPr>
+          <a:xfrm>
+            <a:off x="2528501" y="3869152"/>
+            <a:ext cx="2695768" cy="193491"/>
+            <a:chOff x="2428682" y="5034568"/>
+            <a:chExt cx="3701944" cy="193491"/>
+          </a:xfrm>
+        </p:grpSpPr>
+        <p:sp>
+          <p:nvSpPr>
+            <p:cNvPr id="30" name="矩形 29"/>
+            <p:cNvSpPr/>
+            <p:nvPr/>
+          </p:nvSpPr>
+          <p:spPr>
+            <a:xfrm>
+              <a:off x="2428682" y="5034568"/>
+              <a:ext cx="462743" cy="193491"/>
+            </a:xfrm>
+            <a:prstGeom prst="rect">
+              <a:avLst/>
+            </a:prstGeom>
+            <a:solidFill>
+              <a:schemeClr val="bg1">
+                <a:lumMod val="65000"/>
+              </a:schemeClr>
+            </a:solidFill>
+            <a:ln>
+              <a:solidFill>
+                <a:schemeClr val="tx1"/>
+              </a:solidFill>
+            </a:ln>
+          </p:spPr>
+          <p:style>
+            <a:lnRef idx="2">
+              <a:schemeClr val="accent1">
+                <a:shade val="50000"/>
+              </a:schemeClr>
+            </a:lnRef>
+            <a:fillRef idx="1">
+              <a:schemeClr val="accent1"/>
+            </a:fillRef>
+            <a:effectRef idx="0">
+              <a:schemeClr val="accent1"/>
+            </a:effectRef>
+            <a:fontRef idx="minor">
+              <a:schemeClr val="lt1"/>
+            </a:fontRef>
+          </p:style>
+          <p:txBody>
+            <a:bodyPr rtlCol="0" anchor="ctr"/>
+            <a:lstStyle/>
+            <a:p>
+              <a:pPr algn="ctr"/>
+              <a:r>
+                <a:rPr lang="en-US" altLang="zh-CN" sz="800" smtClean="0">
+                  <a:solidFill>
+                    <a:schemeClr val="tx1"/>
+                  </a:solidFill>
+                </a:rPr>
+                <a:t>192</a:t>
+              </a:r>
+              <a:endParaRPr lang="zh-CN" altLang="en-US" sz="800" dirty="0">
+                <a:solidFill>
+                  <a:schemeClr val="tx1"/>
+                </a:solidFill>
+              </a:endParaRPr>
+            </a:p>
+          </p:txBody>
+        </p:sp>
+        <p:sp>
+          <p:nvSpPr>
+            <p:cNvPr id="31" name="矩形 30"/>
+            <p:cNvSpPr/>
+            <p:nvPr/>
+          </p:nvSpPr>
+          <p:spPr>
+            <a:xfrm>
+              <a:off x="2891425" y="5034568"/>
+              <a:ext cx="462743" cy="193491"/>
+            </a:xfrm>
+            <a:prstGeom prst="rect">
+              <a:avLst/>
+            </a:prstGeom>
+            <a:solidFill>
+              <a:schemeClr val="bg1">
+                <a:lumMod val="65000"/>
+              </a:schemeClr>
+            </a:solidFill>
+            <a:ln>
+              <a:solidFill>
+                <a:schemeClr val="tx1"/>
+              </a:solidFill>
+            </a:ln>
+          </p:spPr>
+          <p:style>
+            <a:lnRef idx="2">
+              <a:schemeClr val="accent1">
+                <a:shade val="50000"/>
+              </a:schemeClr>
+            </a:lnRef>
+            <a:fillRef idx="1">
+              <a:schemeClr val="accent1"/>
+            </a:fillRef>
+            <a:effectRef idx="0">
+              <a:schemeClr val="accent1"/>
+            </a:effectRef>
+            <a:fontRef idx="minor">
+              <a:schemeClr val="lt1"/>
+            </a:fontRef>
+          </p:style>
+          <p:txBody>
+            <a:bodyPr rtlCol="0" anchor="ctr"/>
+            <a:lstStyle/>
+            <a:p>
+              <a:pPr algn="ctr"/>
+              <a:r>
+                <a:rPr lang="en-US" altLang="zh-CN" sz="800" smtClean="0">
+                  <a:solidFill>
+                    <a:schemeClr val="tx1"/>
+                  </a:solidFill>
+                </a:rPr>
+                <a:t>0</a:t>
+              </a:r>
+              <a:endParaRPr lang="zh-CN" altLang="en-US" sz="800" dirty="0">
+                <a:solidFill>
+                  <a:schemeClr val="tx1"/>
+                </a:solidFill>
+              </a:endParaRPr>
+            </a:p>
+          </p:txBody>
+        </p:sp>
+        <p:sp>
+          <p:nvSpPr>
+            <p:cNvPr id="32" name="矩形 31"/>
+            <p:cNvSpPr/>
+            <p:nvPr/>
+          </p:nvSpPr>
+          <p:spPr>
+            <a:xfrm>
+              <a:off x="3354168" y="5034568"/>
+              <a:ext cx="462743" cy="193491"/>
+            </a:xfrm>
+            <a:prstGeom prst="rect">
+              <a:avLst/>
+            </a:prstGeom>
+            <a:solidFill>
+              <a:schemeClr val="bg1">
+                <a:lumMod val="65000"/>
+              </a:schemeClr>
+            </a:solidFill>
+            <a:ln>
+              <a:solidFill>
+                <a:schemeClr val="tx1"/>
+              </a:solidFill>
+            </a:ln>
+          </p:spPr>
+          <p:style>
+            <a:lnRef idx="2">
+              <a:schemeClr val="accent1">
+                <a:shade val="50000"/>
+              </a:schemeClr>
+            </a:lnRef>
+            <a:fillRef idx="1">
+              <a:schemeClr val="accent1"/>
+            </a:fillRef>
+            <a:effectRef idx="0">
+              <a:schemeClr val="accent1"/>
+            </a:effectRef>
+            <a:fontRef idx="minor">
+              <a:schemeClr val="lt1"/>
+            </a:fontRef>
+          </p:style>
+          <p:txBody>
+            <a:bodyPr rtlCol="0" anchor="ctr"/>
+            <a:lstStyle/>
+            <a:p>
+              <a:pPr algn="ctr"/>
+              <a:r>
+                <a:rPr lang="en-US" altLang="zh-CN" sz="800" smtClean="0">
+                  <a:solidFill>
+                    <a:schemeClr val="tx1"/>
+                  </a:solidFill>
+                </a:rPr>
+                <a:t>278</a:t>
+              </a:r>
+              <a:endParaRPr lang="zh-CN" altLang="en-US" sz="800" dirty="0">
+                <a:solidFill>
+                  <a:schemeClr val="tx1"/>
+                </a:solidFill>
+              </a:endParaRPr>
+            </a:p>
+          </p:txBody>
+        </p:sp>
+        <p:sp>
+          <p:nvSpPr>
+            <p:cNvPr id="33" name="矩形 32"/>
+            <p:cNvSpPr/>
+            <p:nvPr/>
+          </p:nvSpPr>
+          <p:spPr>
+            <a:xfrm>
+              <a:off x="3816911" y="5034568"/>
+              <a:ext cx="462743" cy="193491"/>
+            </a:xfrm>
+            <a:prstGeom prst="rect">
+              <a:avLst/>
+            </a:prstGeom>
+            <a:solidFill>
+              <a:schemeClr val="bg1">
+                <a:lumMod val="65000"/>
+              </a:schemeClr>
+            </a:solidFill>
+            <a:ln>
+              <a:solidFill>
+                <a:schemeClr val="tx1"/>
+              </a:solidFill>
+            </a:ln>
+          </p:spPr>
+          <p:style>
+            <a:lnRef idx="2">
+              <a:schemeClr val="accent1">
+                <a:shade val="50000"/>
+              </a:schemeClr>
+            </a:lnRef>
+            <a:fillRef idx="1">
+              <a:schemeClr val="accent1"/>
+            </a:fillRef>
+            <a:effectRef idx="0">
+              <a:schemeClr val="accent1"/>
+            </a:effectRef>
+            <a:fontRef idx="minor">
+              <a:schemeClr val="lt1"/>
+            </a:fontRef>
+          </p:style>
+          <p:txBody>
+            <a:bodyPr rtlCol="0" anchor="ctr"/>
+            <a:lstStyle/>
+            <a:p>
+              <a:pPr algn="ctr"/>
+              <a:r>
+                <a:rPr lang="en-US" altLang="zh-CN" sz="800" smtClean="0">
+                  <a:solidFill>
+                    <a:schemeClr val="tx1"/>
+                  </a:solidFill>
+                </a:rPr>
+                <a:t>195</a:t>
+              </a:r>
+              <a:endParaRPr lang="zh-CN" altLang="en-US" sz="800" dirty="0">
+                <a:solidFill>
+                  <a:schemeClr val="tx1"/>
+                </a:solidFill>
+              </a:endParaRPr>
+            </a:p>
+          </p:txBody>
+        </p:sp>
+        <p:sp>
+          <p:nvSpPr>
+            <p:cNvPr id="34" name="矩形 33"/>
+            <p:cNvSpPr/>
+            <p:nvPr/>
+          </p:nvSpPr>
+          <p:spPr>
+            <a:xfrm>
+              <a:off x="4279654" y="5034568"/>
+              <a:ext cx="462743" cy="193491"/>
+            </a:xfrm>
+            <a:prstGeom prst="rect">
+              <a:avLst/>
+            </a:prstGeom>
+            <a:solidFill>
+              <a:schemeClr val="bg1">
+                <a:lumMod val="65000"/>
+              </a:schemeClr>
+            </a:solidFill>
+            <a:ln>
+              <a:solidFill>
+                <a:schemeClr val="tx1"/>
+              </a:solidFill>
+            </a:ln>
+          </p:spPr>
+          <p:style>
+            <a:lnRef idx="2">
+              <a:schemeClr val="accent1">
+                <a:shade val="50000"/>
+              </a:schemeClr>
+            </a:lnRef>
+            <a:fillRef idx="1">
+              <a:schemeClr val="accent1"/>
+            </a:fillRef>
+            <a:effectRef idx="0">
+              <a:schemeClr val="accent1"/>
+            </a:effectRef>
+            <a:fontRef idx="minor">
+              <a:schemeClr val="lt1"/>
+            </a:fontRef>
+          </p:style>
+          <p:txBody>
+            <a:bodyPr rtlCol="0" anchor="ctr"/>
+            <a:lstStyle/>
+            <a:p>
+              <a:pPr algn="ctr"/>
+              <a:r>
+                <a:rPr lang="en-US" altLang="zh-CN" sz="800" smtClean="0">
+                  <a:solidFill>
+                    <a:schemeClr val="tx1"/>
+                  </a:solidFill>
+                </a:rPr>
+                <a:t>71</a:t>
+              </a:r>
+              <a:r>
+                <a:rPr lang="en-US" altLang="zh-CN" sz="800" smtClean="0">
+                  <a:solidFill>
+                    <a:schemeClr val="tx1"/>
+                  </a:solidFill>
+                </a:rPr>
+                <a:t>3</a:t>
+              </a:r>
+              <a:endParaRPr lang="zh-CN" altLang="en-US" sz="800" dirty="0">
+                <a:solidFill>
+                  <a:schemeClr val="tx1"/>
+                </a:solidFill>
+              </a:endParaRPr>
+            </a:p>
+          </p:txBody>
+        </p:sp>
+        <p:sp>
+          <p:nvSpPr>
+            <p:cNvPr id="35" name="矩形 34"/>
+            <p:cNvSpPr/>
+            <p:nvPr/>
+          </p:nvSpPr>
+          <p:spPr>
+            <a:xfrm>
+              <a:off x="4742397" y="5034568"/>
+              <a:ext cx="462743" cy="193491"/>
+            </a:xfrm>
+            <a:prstGeom prst="rect">
+              <a:avLst/>
+            </a:prstGeom>
+            <a:solidFill>
+              <a:schemeClr val="bg1">
+                <a:lumMod val="65000"/>
+              </a:schemeClr>
+            </a:solidFill>
+            <a:ln>
+              <a:solidFill>
+                <a:schemeClr val="tx1"/>
+              </a:solidFill>
+            </a:ln>
+          </p:spPr>
+          <p:style>
+            <a:lnRef idx="2">
+              <a:schemeClr val="accent1">
+                <a:shade val="50000"/>
+              </a:schemeClr>
+            </a:lnRef>
+            <a:fillRef idx="1">
+              <a:schemeClr val="accent1"/>
+            </a:fillRef>
+            <a:effectRef idx="0">
+              <a:schemeClr val="accent1"/>
+            </a:effectRef>
+            <a:fontRef idx="minor">
+              <a:schemeClr val="lt1"/>
+            </a:fontRef>
+          </p:style>
+          <p:txBody>
+            <a:bodyPr rtlCol="0" anchor="ctr"/>
+            <a:lstStyle/>
+            <a:p>
+              <a:pPr algn="ctr"/>
+              <a:r>
+                <a:rPr lang="en-US" altLang="zh-CN" sz="800" smtClean="0">
+                  <a:solidFill>
+                    <a:schemeClr val="tx1"/>
+                  </a:solidFill>
+                </a:rPr>
+                <a:t>112</a:t>
+              </a:r>
+              <a:endParaRPr lang="zh-CN" altLang="en-US" sz="800" dirty="0">
+                <a:solidFill>
+                  <a:schemeClr val="tx1"/>
+                </a:solidFill>
+              </a:endParaRPr>
+            </a:p>
+          </p:txBody>
+        </p:sp>
+        <p:sp>
+          <p:nvSpPr>
+            <p:cNvPr id="36" name="矩形 35"/>
+            <p:cNvSpPr/>
+            <p:nvPr/>
+          </p:nvSpPr>
+          <p:spPr>
+            <a:xfrm>
+              <a:off x="5205140" y="5034568"/>
+              <a:ext cx="462743" cy="193491"/>
+            </a:xfrm>
+            <a:prstGeom prst="rect">
+              <a:avLst/>
+            </a:prstGeom>
+            <a:solidFill>
+              <a:schemeClr val="bg1">
+                <a:lumMod val="65000"/>
+              </a:schemeClr>
+            </a:solidFill>
+            <a:ln>
+              <a:solidFill>
+                <a:schemeClr val="tx1"/>
+              </a:solidFill>
+            </a:ln>
+          </p:spPr>
+          <p:style>
+            <a:lnRef idx="2">
+              <a:schemeClr val="accent1">
+                <a:shade val="50000"/>
+              </a:schemeClr>
+            </a:lnRef>
+            <a:fillRef idx="1">
+              <a:schemeClr val="accent1"/>
+            </a:fillRef>
+            <a:effectRef idx="0">
+              <a:schemeClr val="accent1"/>
+            </a:effectRef>
+            <a:fontRef idx="minor">
+              <a:schemeClr val="lt1"/>
+            </a:fontRef>
+          </p:style>
+          <p:txBody>
+            <a:bodyPr rtlCol="0" anchor="ctr"/>
+            <a:lstStyle/>
+            <a:p>
+              <a:pPr algn="ctr"/>
+              <a:r>
+                <a:rPr lang="en-US" altLang="zh-CN" sz="800" smtClean="0">
+                  <a:solidFill>
+                    <a:schemeClr val="tx1"/>
+                  </a:solidFill>
+                </a:rPr>
+                <a:t>715</a:t>
+              </a:r>
+              <a:endParaRPr lang="zh-CN" altLang="en-US" sz="800" dirty="0">
+                <a:solidFill>
+                  <a:schemeClr val="tx1"/>
+                </a:solidFill>
+              </a:endParaRPr>
+            </a:p>
+          </p:txBody>
+        </p:sp>
+        <p:sp>
+          <p:nvSpPr>
+            <p:cNvPr id="37" name="矩形 36"/>
+            <p:cNvSpPr/>
+            <p:nvPr/>
+          </p:nvSpPr>
+          <p:spPr>
+            <a:xfrm>
+              <a:off x="5667883" y="5034568"/>
+              <a:ext cx="462743" cy="193491"/>
+            </a:xfrm>
+            <a:prstGeom prst="rect">
+              <a:avLst/>
+            </a:prstGeom>
+            <a:solidFill>
+              <a:schemeClr val="bg1">
+                <a:lumMod val="65000"/>
+              </a:schemeClr>
+            </a:solidFill>
+            <a:ln>
+              <a:solidFill>
+                <a:schemeClr val="tx1"/>
+              </a:solidFill>
+            </a:ln>
+          </p:spPr>
+          <p:style>
+            <a:lnRef idx="2">
+              <a:schemeClr val="accent1">
+                <a:shade val="50000"/>
+              </a:schemeClr>
+            </a:lnRef>
+            <a:fillRef idx="1">
+              <a:schemeClr val="accent1"/>
+            </a:fillRef>
+            <a:effectRef idx="0">
+              <a:schemeClr val="accent1"/>
+            </a:effectRef>
+            <a:fontRef idx="minor">
+              <a:schemeClr val="lt1"/>
+            </a:fontRef>
+          </p:style>
+          <p:txBody>
+            <a:bodyPr rtlCol="0" anchor="ctr"/>
+            <a:lstStyle/>
+            <a:p>
+              <a:pPr algn="ctr"/>
+              <a:r>
+                <a:rPr lang="en-US" altLang="zh-CN" sz="800" smtClean="0">
+                  <a:solidFill>
+                    <a:schemeClr val="tx1"/>
+                  </a:solidFill>
+                </a:rPr>
+                <a:t>98</a:t>
+              </a:r>
+              <a:r>
+                <a:rPr lang="en-US" altLang="zh-CN" sz="800" smtClean="0">
+                  <a:solidFill>
+                    <a:schemeClr val="tx1"/>
+                  </a:solidFill>
+                </a:rPr>
+                <a:t>5</a:t>
+              </a:r>
+              <a:endParaRPr lang="zh-CN" altLang="en-US" sz="800" dirty="0">
+                <a:solidFill>
+                  <a:schemeClr val="tx1"/>
+                </a:solidFill>
+              </a:endParaRPr>
+            </a:p>
+          </p:txBody>
+        </p:sp>
+      </p:grpSp>
+      <p:sp>
+        <p:nvSpPr>
+          <p:cNvPr id="40" name="下箭头 39"/>
+          <p:cNvSpPr/>
+          <p:nvPr/>
+        </p:nvSpPr>
+        <p:spPr>
+          <a:xfrm>
+            <a:off x="2643246" y="3699683"/>
+            <a:ext cx="388096" cy="100110"/>
+          </a:xfrm>
+          <a:prstGeom prst="downArrow">
+            <a:avLst>
+              <a:gd name="adj1" fmla="val 39708"/>
+              <a:gd name="adj2" fmla="val 66628"/>
+            </a:avLst>
+          </a:prstGeom>
+          <a:solidFill>
+            <a:schemeClr val="tx1"/>
+          </a:solidFill>
+          <a:ln>
+            <a:noFill/>
+          </a:ln>
+        </p:spPr>
+        <p:style>
+          <a:lnRef idx="2">
+            <a:schemeClr val="accent1">
+              <a:shade val="50000"/>
+            </a:schemeClr>
+          </a:lnRef>
+          <a:fillRef idx="1">
+            <a:schemeClr val="accent1"/>
+          </a:fillRef>
+          <a:effectRef idx="0">
+            <a:schemeClr val="accent1"/>
+          </a:effectRef>
+          <a:fontRef idx="minor">
+            <a:schemeClr val="lt1"/>
+          </a:fontRef>
+        </p:style>
+        <p:txBody>
+          <a:bodyPr rtlCol="0" anchor="ctr"/>
+          <a:lstStyle/>
+          <a:p>
+            <a:pPr algn="ctr"/>
+            <a:endParaRPr lang="zh-CN" altLang="en-US"/>
+          </a:p>
+        </p:txBody>
+      </p:sp>
+      <p:sp>
+        <p:nvSpPr>
+          <p:cNvPr id="41" name="矩形 40"/>
+          <p:cNvSpPr/>
+          <p:nvPr/>
+        </p:nvSpPr>
+        <p:spPr>
+          <a:xfrm>
+            <a:off x="1948462" y="3026271"/>
+            <a:ext cx="2268570" cy="369332"/>
+          </a:xfrm>
+          <a:prstGeom prst="rect">
+            <a:avLst/>
+          </a:prstGeom>
+          <a:noFill/>
+        </p:spPr>
+        <p:txBody>
+          <a:bodyPr wrap="none" rtlCol="0">
+            <a:spAutoFit/>
+          </a:bodyPr>
+          <a:lstStyle/>
+          <a:p>
+            <a:r>
+              <a:rPr lang="en-US" altLang="zh-CN"/>
+              <a:t>Numeric Compression</a:t>
+            </a:r>
+            <a:endParaRPr lang="zh-CN" altLang="en-US"/>
+          </a:p>
+        </p:txBody>
+      </p:sp>
+      <p:sp>
+        <p:nvSpPr>
+          <p:cNvPr id="42" name="矩形 41"/>
+          <p:cNvSpPr/>
+          <p:nvPr/>
+        </p:nvSpPr>
+        <p:spPr>
+          <a:xfrm>
+            <a:off x="2008608" y="4705700"/>
+            <a:ext cx="462743" cy="193491"/>
+          </a:xfrm>
+          <a:prstGeom prst="rect">
+            <a:avLst/>
+          </a:prstGeom>
+          <a:solidFill>
+            <a:schemeClr val="bg1">
+              <a:lumMod val="65000"/>
+            </a:schemeClr>
+          </a:solidFill>
+          <a:ln>
+            <a:solidFill>
+              <a:schemeClr val="tx1"/>
+            </a:solidFill>
+          </a:ln>
+        </p:spPr>
+        <p:style>
+          <a:lnRef idx="2">
+            <a:schemeClr val="accent1">
+              <a:shade val="50000"/>
+            </a:schemeClr>
+          </a:lnRef>
+          <a:fillRef idx="1">
+            <a:schemeClr val="accent1"/>
+          </a:fillRef>
+          <a:effectRef idx="0">
+            <a:schemeClr val="accent1"/>
+          </a:effectRef>
+          <a:fontRef idx="minor">
+            <a:schemeClr val="lt1"/>
+          </a:fontRef>
+        </p:style>
+        <p:txBody>
+          <a:bodyPr rtlCol="0" anchor="ctr"/>
+          <a:lstStyle/>
+          <a:p>
+            <a:pPr algn="ctr"/>
+            <a:r>
+              <a:rPr lang="en-US" altLang="zh-CN" sz="900" smtClean="0">
+                <a:solidFill>
+                  <a:schemeClr val="tx1"/>
+                </a:solidFill>
+              </a:rPr>
+              <a:t>the</a:t>
+            </a:r>
+            <a:endParaRPr lang="zh-CN" altLang="en-US" sz="900" dirty="0">
+              <a:solidFill>
+                <a:schemeClr val="tx1"/>
+              </a:solidFill>
+            </a:endParaRPr>
+          </a:p>
+        </p:txBody>
+      </p:sp>
+      <p:sp>
+        <p:nvSpPr>
+          <p:cNvPr id="43" name="矩形 42"/>
+          <p:cNvSpPr/>
+          <p:nvPr/>
+        </p:nvSpPr>
+        <p:spPr>
+          <a:xfrm>
+            <a:off x="2463280" y="4705700"/>
+            <a:ext cx="739163" cy="193491"/>
+          </a:xfrm>
+          <a:prstGeom prst="rect">
+            <a:avLst/>
+          </a:prstGeom>
+          <a:solidFill>
+            <a:schemeClr val="bg1">
+              <a:lumMod val="65000"/>
+            </a:schemeClr>
+          </a:solidFill>
+          <a:ln>
+            <a:solidFill>
+              <a:schemeClr val="tx1"/>
+            </a:solidFill>
+          </a:ln>
+        </p:spPr>
+        <p:style>
+          <a:lnRef idx="2">
+            <a:schemeClr val="accent1">
+              <a:shade val="50000"/>
+            </a:schemeClr>
+          </a:lnRef>
+          <a:fillRef idx="1">
+            <a:schemeClr val="accent1"/>
+          </a:fillRef>
+          <a:effectRef idx="0">
+            <a:schemeClr val="accent1"/>
+          </a:effectRef>
+          <a:fontRef idx="minor">
+            <a:schemeClr val="lt1"/>
+          </a:fontRef>
+        </p:style>
+        <p:txBody>
+          <a:bodyPr rtlCol="0" anchor="ctr"/>
+          <a:lstStyle/>
+          <a:p>
+            <a:pPr algn="ctr"/>
+            <a:r>
+              <a:rPr lang="en-US" altLang="zh-CN" sz="900" smtClean="0">
+                <a:solidFill>
+                  <a:schemeClr val="tx1"/>
+                </a:solidFill>
+              </a:rPr>
+              <a:t>computr</a:t>
+            </a:r>
+            <a:endParaRPr lang="zh-CN" altLang="en-US" sz="900" dirty="0">
+              <a:solidFill>
+                <a:schemeClr val="tx1"/>
+              </a:solidFill>
+            </a:endParaRPr>
+          </a:p>
+        </p:txBody>
+      </p:sp>
+      <p:sp>
+        <p:nvSpPr>
+          <p:cNvPr id="44" name="矩形 43"/>
+          <p:cNvSpPr/>
+          <p:nvPr/>
+        </p:nvSpPr>
+        <p:spPr>
+          <a:xfrm>
+            <a:off x="3202443" y="4705699"/>
+            <a:ext cx="739163" cy="193491"/>
+          </a:xfrm>
+          <a:prstGeom prst="rect">
+            <a:avLst/>
+          </a:prstGeom>
+          <a:solidFill>
+            <a:schemeClr val="bg1">
+              <a:lumMod val="65000"/>
+            </a:schemeClr>
+          </a:solidFill>
+          <a:ln>
+            <a:solidFill>
+              <a:schemeClr val="tx1"/>
+            </a:solidFill>
+          </a:ln>
+        </p:spPr>
+        <p:style>
+          <a:lnRef idx="2">
+            <a:schemeClr val="accent1">
+              <a:shade val="50000"/>
+            </a:schemeClr>
+          </a:lnRef>
+          <a:fillRef idx="1">
+            <a:schemeClr val="accent1"/>
+          </a:fillRef>
+          <a:effectRef idx="0">
+            <a:schemeClr val="accent1"/>
+          </a:effectRef>
+          <a:fontRef idx="minor">
+            <a:schemeClr val="lt1"/>
+          </a:fontRef>
+        </p:style>
+        <p:txBody>
+          <a:bodyPr rtlCol="0" anchor="ctr"/>
+          <a:lstStyle/>
+          <a:p>
+            <a:pPr algn="ctr"/>
+            <a:r>
+              <a:rPr lang="en-US" altLang="zh-CN" sz="900" smtClean="0">
+                <a:solidFill>
+                  <a:schemeClr val="tx1"/>
+                </a:solidFill>
+              </a:rPr>
+              <a:t>test</a:t>
+            </a:r>
+            <a:endParaRPr lang="zh-CN" altLang="en-US" sz="900" dirty="0">
+              <a:solidFill>
+                <a:schemeClr val="tx1"/>
+              </a:solidFill>
+            </a:endParaRPr>
+          </a:p>
+        </p:txBody>
+      </p:sp>
+      <p:sp>
+        <p:nvSpPr>
+          <p:cNvPr id="45" name="矩形 44"/>
+          <p:cNvSpPr/>
+          <p:nvPr/>
+        </p:nvSpPr>
+        <p:spPr>
+          <a:xfrm>
+            <a:off x="3944671" y="4705699"/>
+            <a:ext cx="739163" cy="193491"/>
+          </a:xfrm>
+          <a:prstGeom prst="rect">
+            <a:avLst/>
+          </a:prstGeom>
+          <a:solidFill>
+            <a:schemeClr val="bg1">
+              <a:lumMod val="65000"/>
+            </a:schemeClr>
+          </a:solidFill>
+          <a:ln>
+            <a:solidFill>
+              <a:schemeClr val="tx1"/>
+            </a:solidFill>
+          </a:ln>
+        </p:spPr>
+        <p:style>
+          <a:lnRef idx="2">
+            <a:schemeClr val="accent1">
+              <a:shade val="50000"/>
+            </a:schemeClr>
+          </a:lnRef>
+          <a:fillRef idx="1">
+            <a:schemeClr val="accent1"/>
+          </a:fillRef>
+          <a:effectRef idx="0">
+            <a:schemeClr val="accent1"/>
+          </a:effectRef>
+          <a:fontRef idx="minor">
+            <a:schemeClr val="lt1"/>
+          </a:fontRef>
+        </p:style>
+        <p:txBody>
+          <a:bodyPr rtlCol="0" anchor="ctr"/>
+          <a:lstStyle/>
+          <a:p>
+            <a:pPr algn="ctr"/>
+            <a:r>
+              <a:rPr lang="en-US" altLang="zh-CN" sz="900" smtClean="0">
+                <a:solidFill>
+                  <a:schemeClr val="tx1"/>
+                </a:solidFill>
+              </a:rPr>
+              <a:t>this</a:t>
+            </a:r>
+            <a:endParaRPr lang="zh-CN" altLang="en-US" sz="900" dirty="0">
+              <a:solidFill>
+                <a:schemeClr val="tx1"/>
+              </a:solidFill>
+            </a:endParaRPr>
+          </a:p>
+        </p:txBody>
+      </p:sp>
+      <p:sp>
+        <p:nvSpPr>
+          <p:cNvPr id="46" name="矩形 45"/>
+          <p:cNvSpPr/>
+          <p:nvPr/>
+        </p:nvSpPr>
+        <p:spPr>
+          <a:xfrm>
+            <a:off x="4686201" y="4705699"/>
+            <a:ext cx="419199" cy="193491"/>
+          </a:xfrm>
+          <a:prstGeom prst="rect">
+            <a:avLst/>
+          </a:prstGeom>
+          <a:solidFill>
+            <a:schemeClr val="bg1">
+              <a:lumMod val="65000"/>
+            </a:schemeClr>
+          </a:solidFill>
+          <a:ln>
+            <a:solidFill>
+              <a:schemeClr val="tx1"/>
+            </a:solidFill>
+          </a:ln>
+        </p:spPr>
+        <p:style>
+          <a:lnRef idx="2">
+            <a:schemeClr val="accent1">
+              <a:shade val="50000"/>
+            </a:schemeClr>
+          </a:lnRef>
+          <a:fillRef idx="1">
+            <a:schemeClr val="accent1"/>
+          </a:fillRef>
+          <a:effectRef idx="0">
+            <a:schemeClr val="accent1"/>
+          </a:effectRef>
+          <a:fontRef idx="minor">
+            <a:schemeClr val="lt1"/>
+          </a:fontRef>
+        </p:style>
+        <p:txBody>
+          <a:bodyPr rtlCol="0" anchor="ctr"/>
+          <a:lstStyle/>
+          <a:p>
+            <a:pPr algn="ctr"/>
+            <a:r>
+              <a:rPr lang="en-US" altLang="zh-CN" sz="900" smtClean="0">
+                <a:solidFill>
+                  <a:schemeClr val="tx1"/>
+                </a:solidFill>
+              </a:rPr>
+              <a:t>is</a:t>
+            </a:r>
+            <a:endParaRPr lang="zh-CN" altLang="en-US" sz="900" dirty="0">
+              <a:solidFill>
+                <a:schemeClr val="tx1"/>
+              </a:solidFill>
+            </a:endParaRPr>
+          </a:p>
+        </p:txBody>
+      </p:sp>
+      <p:sp>
+        <p:nvSpPr>
+          <p:cNvPr id="47" name="矩形 46"/>
+          <p:cNvSpPr/>
+          <p:nvPr/>
+        </p:nvSpPr>
+        <p:spPr>
+          <a:xfrm>
+            <a:off x="5105717" y="4705699"/>
+            <a:ext cx="419199" cy="193491"/>
+          </a:xfrm>
+          <a:prstGeom prst="rect">
+            <a:avLst/>
+          </a:prstGeom>
+          <a:solidFill>
+            <a:schemeClr val="bg1">
+              <a:lumMod val="65000"/>
+            </a:schemeClr>
+          </a:solidFill>
+          <a:ln>
+            <a:solidFill>
+              <a:schemeClr val="tx1"/>
+            </a:solidFill>
+          </a:ln>
+        </p:spPr>
+        <p:style>
+          <a:lnRef idx="2">
+            <a:schemeClr val="accent1">
+              <a:shade val="50000"/>
+            </a:schemeClr>
+          </a:lnRef>
+          <a:fillRef idx="1">
+            <a:schemeClr val="accent1"/>
+          </a:fillRef>
+          <a:effectRef idx="0">
+            <a:schemeClr val="accent1"/>
+          </a:effectRef>
+          <a:fontRef idx="minor">
+            <a:schemeClr val="lt1"/>
+          </a:fontRef>
+        </p:style>
+        <p:txBody>
+          <a:bodyPr rtlCol="0" anchor="ctr"/>
+          <a:lstStyle/>
+          <a:p>
+            <a:pPr algn="ctr"/>
+            <a:r>
+              <a:rPr lang="en-US" altLang="zh-CN" sz="900" smtClean="0">
+                <a:solidFill>
+                  <a:schemeClr val="tx1"/>
+                </a:solidFill>
+              </a:rPr>
+              <a:t>test</a:t>
+            </a:r>
+            <a:endParaRPr lang="zh-CN" altLang="en-US" sz="900" dirty="0">
+              <a:solidFill>
+                <a:schemeClr val="tx1"/>
+              </a:solidFill>
+            </a:endParaRPr>
+          </a:p>
+        </p:txBody>
+      </p:sp>
+      <p:sp>
+        <p:nvSpPr>
+          <p:cNvPr id="48" name="矩形 47"/>
+          <p:cNvSpPr/>
+          <p:nvPr/>
+        </p:nvSpPr>
+        <p:spPr>
+          <a:xfrm>
+            <a:off x="5524916" y="4705699"/>
+            <a:ext cx="739163" cy="193491"/>
+          </a:xfrm>
+          <a:prstGeom prst="rect">
+            <a:avLst/>
+          </a:prstGeom>
+          <a:solidFill>
+            <a:schemeClr val="bg1">
+              <a:lumMod val="65000"/>
+            </a:schemeClr>
+          </a:solidFill>
+          <a:ln>
+            <a:solidFill>
+              <a:schemeClr val="tx1"/>
+            </a:solidFill>
+          </a:ln>
+        </p:spPr>
+        <p:style>
+          <a:lnRef idx="2">
+            <a:schemeClr val="accent1">
+              <a:shade val="50000"/>
+            </a:schemeClr>
+          </a:lnRef>
+          <a:fillRef idx="1">
+            <a:schemeClr val="accent1"/>
+          </a:fillRef>
+          <a:effectRef idx="0">
+            <a:schemeClr val="accent1"/>
+          </a:effectRef>
+          <a:fontRef idx="minor">
+            <a:schemeClr val="lt1"/>
+          </a:fontRef>
+        </p:style>
+        <p:txBody>
+          <a:bodyPr rtlCol="0" anchor="ctr"/>
+          <a:lstStyle/>
+          <a:p>
+            <a:pPr algn="ctr"/>
+            <a:r>
+              <a:rPr lang="en-US" altLang="zh-CN" sz="900" smtClean="0">
+                <a:solidFill>
+                  <a:schemeClr val="tx1"/>
+                </a:solidFill>
+              </a:rPr>
+              <a:t>computr</a:t>
+            </a:r>
+            <a:endParaRPr lang="zh-CN" altLang="en-US" sz="900" dirty="0">
+              <a:solidFill>
+                <a:schemeClr val="tx1"/>
+              </a:solidFill>
+            </a:endParaRPr>
+          </a:p>
+        </p:txBody>
+      </p:sp>
+      <p:sp>
+        <p:nvSpPr>
+          <p:cNvPr id="58" name="矩形 57"/>
+          <p:cNvSpPr/>
+          <p:nvPr/>
+        </p:nvSpPr>
+        <p:spPr>
+          <a:xfrm>
+            <a:off x="1950066" y="5678955"/>
+            <a:ext cx="462743" cy="193491"/>
+          </a:xfrm>
+          <a:prstGeom prst="rect">
+            <a:avLst/>
+          </a:prstGeom>
+          <a:solidFill>
+            <a:schemeClr val="bg1">
+              <a:lumMod val="65000"/>
+            </a:schemeClr>
+          </a:solidFill>
+          <a:ln>
+            <a:solidFill>
+              <a:schemeClr val="tx1"/>
+            </a:solidFill>
+          </a:ln>
+        </p:spPr>
+        <p:style>
+          <a:lnRef idx="2">
+            <a:schemeClr val="accent1">
+              <a:shade val="50000"/>
+            </a:schemeClr>
+          </a:lnRef>
+          <a:fillRef idx="1">
+            <a:schemeClr val="accent1"/>
+          </a:fillRef>
+          <a:effectRef idx="0">
+            <a:schemeClr val="accent1"/>
+          </a:effectRef>
+          <a:fontRef idx="minor">
+            <a:schemeClr val="lt1"/>
+          </a:fontRef>
+        </p:style>
+        <p:txBody>
+          <a:bodyPr rtlCol="0" anchor="ctr"/>
+          <a:lstStyle/>
+          <a:p>
+            <a:pPr algn="ctr"/>
+            <a:r>
+              <a:rPr lang="en-US" altLang="zh-CN" sz="900" smtClean="0">
+                <a:solidFill>
+                  <a:schemeClr val="tx1"/>
+                </a:solidFill>
+              </a:rPr>
+              <a:t>the</a:t>
+            </a:r>
+            <a:endParaRPr lang="zh-CN" altLang="en-US" sz="900" dirty="0">
+              <a:solidFill>
+                <a:schemeClr val="tx1"/>
+              </a:solidFill>
+            </a:endParaRPr>
+          </a:p>
+        </p:txBody>
+      </p:sp>
+      <p:sp>
+        <p:nvSpPr>
+          <p:cNvPr id="59" name="矩形 58"/>
+          <p:cNvSpPr/>
+          <p:nvPr/>
+        </p:nvSpPr>
+        <p:spPr>
+          <a:xfrm>
+            <a:off x="2411783" y="5678956"/>
+            <a:ext cx="739163" cy="193491"/>
+          </a:xfrm>
+          <a:prstGeom prst="rect">
+            <a:avLst/>
+          </a:prstGeom>
+          <a:solidFill>
+            <a:schemeClr val="bg1">
+              <a:lumMod val="65000"/>
+            </a:schemeClr>
+          </a:solidFill>
+          <a:ln>
+            <a:solidFill>
+              <a:schemeClr val="tx1"/>
+            </a:solidFill>
+          </a:ln>
+        </p:spPr>
+        <p:style>
+          <a:lnRef idx="2">
+            <a:schemeClr val="accent1">
+              <a:shade val="50000"/>
+            </a:schemeClr>
+          </a:lnRef>
+          <a:fillRef idx="1">
+            <a:schemeClr val="accent1"/>
+          </a:fillRef>
+          <a:effectRef idx="0">
+            <a:schemeClr val="accent1"/>
+          </a:effectRef>
+          <a:fontRef idx="minor">
+            <a:schemeClr val="lt1"/>
+          </a:fontRef>
+        </p:style>
+        <p:txBody>
+          <a:bodyPr rtlCol="0" anchor="ctr"/>
+          <a:lstStyle/>
+          <a:p>
+            <a:pPr algn="ctr"/>
+            <a:r>
+              <a:rPr lang="en-US" altLang="zh-CN" sz="900" smtClean="0">
+                <a:solidFill>
+                  <a:schemeClr val="tx1"/>
+                </a:solidFill>
+              </a:rPr>
+              <a:t>computr</a:t>
+            </a:r>
+            <a:endParaRPr lang="zh-CN" altLang="en-US" sz="900" dirty="0">
+              <a:solidFill>
+                <a:schemeClr val="tx1"/>
+              </a:solidFill>
+            </a:endParaRPr>
+          </a:p>
+        </p:txBody>
+      </p:sp>
+      <p:sp>
+        <p:nvSpPr>
+          <p:cNvPr id="60" name="矩形 59"/>
+          <p:cNvSpPr/>
+          <p:nvPr/>
+        </p:nvSpPr>
+        <p:spPr>
+          <a:xfrm>
+            <a:off x="3150946" y="5678955"/>
+            <a:ext cx="739163" cy="193491"/>
+          </a:xfrm>
+          <a:prstGeom prst="rect">
+            <a:avLst/>
+          </a:prstGeom>
+          <a:solidFill>
+            <a:schemeClr val="bg1">
+              <a:lumMod val="65000"/>
+            </a:schemeClr>
+          </a:solidFill>
+          <a:ln>
+            <a:solidFill>
+              <a:schemeClr val="tx1"/>
+            </a:solidFill>
+          </a:ln>
+        </p:spPr>
+        <p:style>
+          <a:lnRef idx="2">
+            <a:schemeClr val="accent1">
+              <a:shade val="50000"/>
+            </a:schemeClr>
+          </a:lnRef>
+          <a:fillRef idx="1">
+            <a:schemeClr val="accent1"/>
+          </a:fillRef>
+          <a:effectRef idx="0">
+            <a:schemeClr val="accent1"/>
+          </a:effectRef>
+          <a:fontRef idx="minor">
+            <a:schemeClr val="lt1"/>
+          </a:fontRef>
+        </p:style>
+        <p:txBody>
+          <a:bodyPr rtlCol="0" anchor="ctr"/>
+          <a:lstStyle/>
+          <a:p>
+            <a:pPr algn="ctr"/>
+            <a:r>
+              <a:rPr lang="en-US" altLang="zh-CN" sz="900" smtClean="0">
+                <a:solidFill>
+                  <a:schemeClr val="tx1"/>
+                </a:solidFill>
+              </a:rPr>
+              <a:t>test</a:t>
+            </a:r>
+            <a:endParaRPr lang="zh-CN" altLang="en-US" sz="900" dirty="0">
+              <a:solidFill>
+                <a:schemeClr val="tx1"/>
+              </a:solidFill>
+            </a:endParaRPr>
+          </a:p>
+        </p:txBody>
+      </p:sp>
+      <p:sp>
+        <p:nvSpPr>
+          <p:cNvPr id="61" name="矩形 60"/>
+          <p:cNvSpPr/>
+          <p:nvPr/>
+        </p:nvSpPr>
+        <p:spPr>
+          <a:xfrm>
+            <a:off x="3895542" y="5678955"/>
+            <a:ext cx="739163" cy="193491"/>
+          </a:xfrm>
+          <a:prstGeom prst="rect">
+            <a:avLst/>
+          </a:prstGeom>
+          <a:solidFill>
+            <a:schemeClr val="bg1">
+              <a:lumMod val="65000"/>
+            </a:schemeClr>
+          </a:solidFill>
+          <a:ln>
+            <a:solidFill>
+              <a:schemeClr val="tx1"/>
+            </a:solidFill>
+          </a:ln>
+        </p:spPr>
+        <p:style>
+          <a:lnRef idx="2">
+            <a:schemeClr val="accent1">
+              <a:shade val="50000"/>
+            </a:schemeClr>
+          </a:lnRef>
+          <a:fillRef idx="1">
+            <a:schemeClr val="accent1"/>
+          </a:fillRef>
+          <a:effectRef idx="0">
+            <a:schemeClr val="accent1"/>
+          </a:effectRef>
+          <a:fontRef idx="minor">
+            <a:schemeClr val="lt1"/>
+          </a:fontRef>
+        </p:style>
+        <p:txBody>
+          <a:bodyPr rtlCol="0" anchor="ctr"/>
+          <a:lstStyle/>
+          <a:p>
+            <a:pPr algn="ctr"/>
+            <a:r>
+              <a:rPr lang="en-US" altLang="zh-CN" sz="900" smtClean="0">
+                <a:solidFill>
+                  <a:schemeClr val="tx1"/>
+                </a:solidFill>
+              </a:rPr>
+              <a:t>this</a:t>
+            </a:r>
+            <a:endParaRPr lang="zh-CN" altLang="en-US" sz="900" dirty="0">
+              <a:solidFill>
+                <a:schemeClr val="tx1"/>
+              </a:solidFill>
+            </a:endParaRPr>
+          </a:p>
+        </p:txBody>
+      </p:sp>
+      <p:sp>
+        <p:nvSpPr>
+          <p:cNvPr id="65" name="矩形 64"/>
+          <p:cNvSpPr/>
+          <p:nvPr/>
+        </p:nvSpPr>
+        <p:spPr>
+          <a:xfrm>
+            <a:off x="4632922" y="5678955"/>
+            <a:ext cx="419199" cy="193491"/>
+          </a:xfrm>
+          <a:prstGeom prst="rect">
+            <a:avLst/>
+          </a:prstGeom>
+          <a:solidFill>
+            <a:schemeClr val="bg1">
+              <a:lumMod val="65000"/>
+            </a:schemeClr>
+          </a:solidFill>
+          <a:ln>
+            <a:solidFill>
+              <a:schemeClr val="tx1"/>
+            </a:solidFill>
+          </a:ln>
+        </p:spPr>
+        <p:style>
+          <a:lnRef idx="2">
+            <a:schemeClr val="accent1">
+              <a:shade val="50000"/>
+            </a:schemeClr>
+          </a:lnRef>
+          <a:fillRef idx="1">
+            <a:schemeClr val="accent1"/>
+          </a:fillRef>
+          <a:effectRef idx="0">
+            <a:schemeClr val="accent1"/>
+          </a:effectRef>
+          <a:fontRef idx="minor">
+            <a:schemeClr val="lt1"/>
+          </a:fontRef>
+        </p:style>
+        <p:txBody>
+          <a:bodyPr rtlCol="0" anchor="ctr"/>
+          <a:lstStyle/>
+          <a:p>
+            <a:pPr algn="ctr"/>
+            <a:r>
+              <a:rPr lang="en-US" altLang="zh-CN" sz="900" smtClean="0">
+                <a:solidFill>
+                  <a:schemeClr val="tx1"/>
+                </a:solidFill>
+              </a:rPr>
+              <a:t>is</a:t>
+            </a:r>
+            <a:endParaRPr lang="zh-CN" altLang="en-US" sz="900" dirty="0">
+              <a:solidFill>
+                <a:schemeClr val="tx1"/>
+              </a:solidFill>
+            </a:endParaRPr>
+          </a:p>
+        </p:txBody>
+      </p:sp>
+      <p:cxnSp>
+        <p:nvCxnSpPr>
+          <p:cNvPr id="67" name="肘形连接符 66"/>
+          <p:cNvCxnSpPr>
+            <a:stCxn id="50" idx="2"/>
+            <a:endCxn id="58" idx="0"/>
+          </p:cNvCxnSpPr>
+          <p:nvPr/>
+        </p:nvCxnSpPr>
+        <p:spPr>
+          <a:xfrm flipH="1">
+            <a:off x="2181438" y="5289078"/>
+            <a:ext cx="7348" cy="389877"/>
+          </a:xfrm>
+          <a:prstGeom prst="straightConnector1">
+            <a:avLst/>
+          </a:prstGeom>
+          <a:ln>
+            <a:solidFill>
+              <a:schemeClr val="tx1"/>
+            </a:solidFill>
+            <a:tailEnd type="triangle"/>
+          </a:ln>
+        </p:spPr>
+        <p:style>
+          <a:lnRef idx="1">
+            <a:schemeClr val="accent1"/>
+          </a:lnRef>
+          <a:fillRef idx="0">
+            <a:schemeClr val="accent1"/>
+          </a:fillRef>
+          <a:effectRef idx="0">
+            <a:schemeClr val="accent1"/>
+          </a:effectRef>
+          <a:fontRef idx="minor">
+            <a:schemeClr val="tx1"/>
+          </a:fontRef>
+        </p:style>
+      </p:cxnSp>
+      <p:grpSp>
+        <p:nvGrpSpPr>
+          <p:cNvPr id="144" name="组合 143"/>
+          <p:cNvGrpSpPr/>
+          <p:nvPr/>
+        </p:nvGrpSpPr>
+        <p:grpSpPr>
+          <a:xfrm>
+            <a:off x="2069268" y="5169545"/>
+            <a:ext cx="1673253" cy="119533"/>
+            <a:chOff x="2013765" y="5230212"/>
+            <a:chExt cx="2358796" cy="193494"/>
+          </a:xfrm>
+        </p:grpSpPr>
+        <p:sp>
+          <p:nvSpPr>
+            <p:cNvPr id="50" name="矩形 49"/>
+            <p:cNvSpPr/>
+            <p:nvPr/>
+          </p:nvSpPr>
+          <p:spPr>
+            <a:xfrm>
+              <a:off x="2013765" y="5230215"/>
+              <a:ext cx="336971" cy="193491"/>
+            </a:xfrm>
+            <a:prstGeom prst="rect">
+              <a:avLst/>
+            </a:prstGeom>
+            <a:solidFill>
+              <a:schemeClr val="bg1">
+                <a:lumMod val="65000"/>
+              </a:schemeClr>
+            </a:solidFill>
+            <a:ln>
+              <a:solidFill>
+                <a:schemeClr val="tx1"/>
+              </a:solidFill>
+            </a:ln>
+          </p:spPr>
+          <p:style>
+            <a:lnRef idx="2">
+              <a:schemeClr val="accent1">
+                <a:shade val="50000"/>
+              </a:schemeClr>
+            </a:lnRef>
+            <a:fillRef idx="1">
+              <a:schemeClr val="accent1"/>
+            </a:fillRef>
+            <a:effectRef idx="0">
+              <a:schemeClr val="accent1"/>
+            </a:effectRef>
+            <a:fontRef idx="minor">
+              <a:schemeClr val="lt1"/>
+            </a:fontRef>
+          </p:style>
+          <p:txBody>
+            <a:bodyPr rtlCol="0" anchor="ctr"/>
+            <a:lstStyle/>
+            <a:p>
+              <a:pPr algn="ctr"/>
+              <a:endParaRPr lang="zh-CN" altLang="en-US" sz="800" dirty="0">
+                <a:solidFill>
+                  <a:schemeClr val="tx1"/>
+                </a:solidFill>
+              </a:endParaRPr>
+            </a:p>
+          </p:txBody>
+        </p:sp>
+        <p:sp>
+          <p:nvSpPr>
+            <p:cNvPr id="51" name="矩形 50"/>
+            <p:cNvSpPr/>
+            <p:nvPr/>
+          </p:nvSpPr>
+          <p:spPr>
+            <a:xfrm>
+              <a:off x="2350736" y="5230215"/>
+              <a:ext cx="336971" cy="193491"/>
+            </a:xfrm>
+            <a:prstGeom prst="rect">
+              <a:avLst/>
+            </a:prstGeom>
+            <a:solidFill>
+              <a:schemeClr val="bg1">
+                <a:lumMod val="65000"/>
+              </a:schemeClr>
+            </a:solidFill>
+            <a:ln>
+              <a:solidFill>
+                <a:schemeClr val="tx1"/>
+              </a:solidFill>
+            </a:ln>
+          </p:spPr>
+          <p:style>
+            <a:lnRef idx="2">
+              <a:schemeClr val="accent1">
+                <a:shade val="50000"/>
+              </a:schemeClr>
+            </a:lnRef>
+            <a:fillRef idx="1">
+              <a:schemeClr val="accent1"/>
+            </a:fillRef>
+            <a:effectRef idx="0">
+              <a:schemeClr val="accent1"/>
+            </a:effectRef>
+            <a:fontRef idx="minor">
+              <a:schemeClr val="lt1"/>
+            </a:fontRef>
+          </p:style>
+          <p:txBody>
+            <a:bodyPr rtlCol="0" anchor="ctr"/>
+            <a:lstStyle/>
+            <a:p>
+              <a:pPr algn="ctr"/>
+              <a:endParaRPr lang="zh-CN" altLang="en-US" sz="800" dirty="0">
+                <a:solidFill>
+                  <a:schemeClr val="tx1"/>
+                </a:solidFill>
+              </a:endParaRPr>
+            </a:p>
+          </p:txBody>
+        </p:sp>
+        <p:sp>
+          <p:nvSpPr>
+            <p:cNvPr id="52" name="矩形 51"/>
+            <p:cNvSpPr/>
+            <p:nvPr/>
+          </p:nvSpPr>
+          <p:spPr>
+            <a:xfrm>
+              <a:off x="2687707" y="5230215"/>
+              <a:ext cx="336971" cy="193491"/>
+            </a:xfrm>
+            <a:prstGeom prst="rect">
+              <a:avLst/>
+            </a:prstGeom>
+            <a:solidFill>
+              <a:schemeClr val="bg1">
+                <a:lumMod val="65000"/>
+              </a:schemeClr>
+            </a:solidFill>
+            <a:ln>
+              <a:solidFill>
+                <a:schemeClr val="tx1"/>
+              </a:solidFill>
+            </a:ln>
+          </p:spPr>
+          <p:style>
+            <a:lnRef idx="2">
+              <a:schemeClr val="accent1">
+                <a:shade val="50000"/>
+              </a:schemeClr>
+            </a:lnRef>
+            <a:fillRef idx="1">
+              <a:schemeClr val="accent1"/>
+            </a:fillRef>
+            <a:effectRef idx="0">
+              <a:schemeClr val="accent1"/>
+            </a:effectRef>
+            <a:fontRef idx="minor">
+              <a:schemeClr val="lt1"/>
+            </a:fontRef>
+          </p:style>
+          <p:txBody>
+            <a:bodyPr rtlCol="0" anchor="ctr"/>
+            <a:lstStyle/>
+            <a:p>
+              <a:pPr algn="ctr"/>
+              <a:endParaRPr lang="zh-CN" altLang="en-US" sz="800" dirty="0">
+                <a:solidFill>
+                  <a:schemeClr val="tx1"/>
+                </a:solidFill>
+              </a:endParaRPr>
+            </a:p>
+          </p:txBody>
+        </p:sp>
+        <p:sp>
+          <p:nvSpPr>
+            <p:cNvPr id="53" name="矩形 52"/>
+            <p:cNvSpPr/>
+            <p:nvPr/>
+          </p:nvSpPr>
+          <p:spPr>
+            <a:xfrm>
+              <a:off x="3024678" y="5230215"/>
+              <a:ext cx="336971" cy="193491"/>
+            </a:xfrm>
+            <a:prstGeom prst="rect">
+              <a:avLst/>
+            </a:prstGeom>
+            <a:solidFill>
+              <a:schemeClr val="bg1">
+                <a:lumMod val="65000"/>
+              </a:schemeClr>
+            </a:solidFill>
+            <a:ln>
+              <a:solidFill>
+                <a:schemeClr val="tx1"/>
+              </a:solidFill>
+            </a:ln>
+          </p:spPr>
+          <p:style>
+            <a:lnRef idx="2">
+              <a:schemeClr val="accent1">
+                <a:shade val="50000"/>
+              </a:schemeClr>
+            </a:lnRef>
+            <a:fillRef idx="1">
+              <a:schemeClr val="accent1"/>
+            </a:fillRef>
+            <a:effectRef idx="0">
+              <a:schemeClr val="accent1"/>
+            </a:effectRef>
+            <a:fontRef idx="minor">
+              <a:schemeClr val="lt1"/>
+            </a:fontRef>
+          </p:style>
+          <p:txBody>
+            <a:bodyPr rtlCol="0" anchor="ctr"/>
+            <a:lstStyle/>
+            <a:p>
+              <a:pPr algn="ctr"/>
+              <a:endParaRPr lang="zh-CN" altLang="en-US" sz="800" dirty="0">
+                <a:solidFill>
+                  <a:schemeClr val="tx1"/>
+                </a:solidFill>
+              </a:endParaRPr>
+            </a:p>
+          </p:txBody>
+        </p:sp>
+        <p:sp>
+          <p:nvSpPr>
+            <p:cNvPr id="54" name="矩形 53"/>
+            <p:cNvSpPr/>
+            <p:nvPr/>
+          </p:nvSpPr>
+          <p:spPr>
+            <a:xfrm>
+              <a:off x="3361649" y="5230215"/>
+              <a:ext cx="336971" cy="193491"/>
+            </a:xfrm>
+            <a:prstGeom prst="rect">
+              <a:avLst/>
+            </a:prstGeom>
+            <a:solidFill>
+              <a:schemeClr val="bg1">
+                <a:lumMod val="65000"/>
+              </a:schemeClr>
+            </a:solidFill>
+            <a:ln>
+              <a:solidFill>
+                <a:schemeClr val="tx1"/>
+              </a:solidFill>
+            </a:ln>
+          </p:spPr>
+          <p:style>
+            <a:lnRef idx="2">
+              <a:schemeClr val="accent1">
+                <a:shade val="50000"/>
+              </a:schemeClr>
+            </a:lnRef>
+            <a:fillRef idx="1">
+              <a:schemeClr val="accent1"/>
+            </a:fillRef>
+            <a:effectRef idx="0">
+              <a:schemeClr val="accent1"/>
+            </a:effectRef>
+            <a:fontRef idx="minor">
+              <a:schemeClr val="lt1"/>
+            </a:fontRef>
+          </p:style>
+          <p:txBody>
+            <a:bodyPr rtlCol="0" anchor="ctr"/>
+            <a:lstStyle/>
+            <a:p>
+              <a:pPr algn="ctr"/>
+              <a:endParaRPr lang="zh-CN" altLang="en-US" sz="800" dirty="0">
+                <a:solidFill>
+                  <a:schemeClr val="tx1"/>
+                </a:solidFill>
+              </a:endParaRPr>
+            </a:p>
+          </p:txBody>
+        </p:sp>
+        <p:sp>
+          <p:nvSpPr>
+            <p:cNvPr id="99" name="矩形 98"/>
+            <p:cNvSpPr/>
+            <p:nvPr/>
+          </p:nvSpPr>
+          <p:spPr>
+            <a:xfrm>
+              <a:off x="3698619" y="5230212"/>
+              <a:ext cx="336971" cy="193491"/>
+            </a:xfrm>
+            <a:prstGeom prst="rect">
+              <a:avLst/>
+            </a:prstGeom>
+            <a:solidFill>
+              <a:schemeClr val="bg1">
+                <a:lumMod val="65000"/>
+              </a:schemeClr>
+            </a:solidFill>
+            <a:ln>
+              <a:solidFill>
+                <a:schemeClr val="tx1"/>
+              </a:solidFill>
+            </a:ln>
+          </p:spPr>
+          <p:style>
+            <a:lnRef idx="2">
+              <a:schemeClr val="accent1">
+                <a:shade val="50000"/>
+              </a:schemeClr>
+            </a:lnRef>
+            <a:fillRef idx="1">
+              <a:schemeClr val="accent1"/>
+            </a:fillRef>
+            <a:effectRef idx="0">
+              <a:schemeClr val="accent1"/>
+            </a:effectRef>
+            <a:fontRef idx="minor">
+              <a:schemeClr val="lt1"/>
+            </a:fontRef>
+          </p:style>
+          <p:txBody>
+            <a:bodyPr rtlCol="0" anchor="ctr"/>
+            <a:lstStyle/>
+            <a:p>
+              <a:pPr algn="ctr"/>
+              <a:endParaRPr lang="zh-CN" altLang="en-US" sz="800" dirty="0">
+                <a:solidFill>
+                  <a:schemeClr val="tx1"/>
+                </a:solidFill>
+              </a:endParaRPr>
+            </a:p>
+          </p:txBody>
+        </p:sp>
+        <p:sp>
+          <p:nvSpPr>
+            <p:cNvPr id="100" name="矩形 99"/>
+            <p:cNvSpPr/>
+            <p:nvPr/>
+          </p:nvSpPr>
+          <p:spPr>
+            <a:xfrm>
+              <a:off x="4035590" y="5230212"/>
+              <a:ext cx="336971" cy="193491"/>
+            </a:xfrm>
+            <a:prstGeom prst="rect">
+              <a:avLst/>
+            </a:prstGeom>
+            <a:solidFill>
+              <a:schemeClr val="bg1">
+                <a:lumMod val="65000"/>
+              </a:schemeClr>
+            </a:solidFill>
+            <a:ln>
+              <a:solidFill>
+                <a:schemeClr val="tx1"/>
+              </a:solidFill>
+            </a:ln>
+          </p:spPr>
+          <p:style>
+            <a:lnRef idx="2">
+              <a:schemeClr val="accent1">
+                <a:shade val="50000"/>
+              </a:schemeClr>
+            </a:lnRef>
+            <a:fillRef idx="1">
+              <a:schemeClr val="accent1"/>
+            </a:fillRef>
+            <a:effectRef idx="0">
+              <a:schemeClr val="accent1"/>
+            </a:effectRef>
+            <a:fontRef idx="minor">
+              <a:schemeClr val="lt1"/>
+            </a:fontRef>
+          </p:style>
+          <p:txBody>
+            <a:bodyPr rtlCol="0" anchor="ctr"/>
+            <a:lstStyle/>
+            <a:p>
+              <a:pPr algn="ctr"/>
+              <a:endParaRPr lang="zh-CN" altLang="en-US" sz="800" dirty="0">
+                <a:solidFill>
+                  <a:schemeClr val="tx1"/>
+                </a:solidFill>
+              </a:endParaRPr>
+            </a:p>
+          </p:txBody>
+        </p:sp>
+      </p:grpSp>
+      <p:cxnSp>
+        <p:nvCxnSpPr>
+          <p:cNvPr id="123" name="肘形连接符 66"/>
+          <p:cNvCxnSpPr>
+            <a:stCxn id="51" idx="2"/>
+            <a:endCxn id="59" idx="0"/>
+          </p:cNvCxnSpPr>
+          <p:nvPr/>
+        </p:nvCxnSpPr>
+        <p:spPr>
+          <a:xfrm>
+            <a:off x="2427822" y="5289078"/>
+            <a:ext cx="353543" cy="389878"/>
+          </a:xfrm>
+          <a:prstGeom prst="straightConnector1">
+            <a:avLst/>
+          </a:prstGeom>
+          <a:ln>
+            <a:solidFill>
+              <a:schemeClr val="tx1"/>
+            </a:solidFill>
+            <a:tailEnd type="triangle"/>
+          </a:ln>
+        </p:spPr>
+        <p:style>
+          <a:lnRef idx="1">
+            <a:schemeClr val="accent1"/>
+          </a:lnRef>
+          <a:fillRef idx="0">
+            <a:schemeClr val="accent1"/>
+          </a:fillRef>
+          <a:effectRef idx="0">
+            <a:schemeClr val="accent1"/>
+          </a:effectRef>
+          <a:fontRef idx="minor">
+            <a:schemeClr val="tx1"/>
+          </a:fontRef>
+        </p:style>
+      </p:cxnSp>
+      <p:cxnSp>
+        <p:nvCxnSpPr>
+          <p:cNvPr id="126" name="肘形连接符 66"/>
+          <p:cNvCxnSpPr>
+            <a:stCxn id="52" idx="2"/>
+            <a:endCxn id="60" idx="0"/>
+          </p:cNvCxnSpPr>
+          <p:nvPr/>
+        </p:nvCxnSpPr>
+        <p:spPr>
+          <a:xfrm>
+            <a:off x="2666858" y="5289078"/>
+            <a:ext cx="853670" cy="389877"/>
+          </a:xfrm>
+          <a:prstGeom prst="straightConnector1">
+            <a:avLst/>
+          </a:prstGeom>
+          <a:ln>
+            <a:solidFill>
+              <a:schemeClr val="tx1"/>
+            </a:solidFill>
+            <a:tailEnd type="triangle"/>
+          </a:ln>
+        </p:spPr>
+        <p:style>
+          <a:lnRef idx="1">
+            <a:schemeClr val="accent1"/>
+          </a:lnRef>
+          <a:fillRef idx="0">
+            <a:schemeClr val="accent1"/>
+          </a:fillRef>
+          <a:effectRef idx="0">
+            <a:schemeClr val="accent1"/>
+          </a:effectRef>
+          <a:fontRef idx="minor">
+            <a:schemeClr val="tx1"/>
+          </a:fontRef>
+        </p:style>
+      </p:cxnSp>
+      <p:cxnSp>
+        <p:nvCxnSpPr>
+          <p:cNvPr id="129" name="肘形连接符 66"/>
+          <p:cNvCxnSpPr>
+            <a:stCxn id="53" idx="2"/>
+            <a:endCxn id="61" idx="0"/>
+          </p:cNvCxnSpPr>
+          <p:nvPr/>
+        </p:nvCxnSpPr>
+        <p:spPr>
+          <a:xfrm>
+            <a:off x="2905895" y="5289078"/>
+            <a:ext cx="1359229" cy="389877"/>
+          </a:xfrm>
+          <a:prstGeom prst="straightConnector1">
+            <a:avLst/>
+          </a:prstGeom>
+          <a:ln>
+            <a:solidFill>
+              <a:schemeClr val="tx1"/>
+            </a:solidFill>
+            <a:tailEnd type="triangle"/>
+          </a:ln>
+        </p:spPr>
+        <p:style>
+          <a:lnRef idx="1">
+            <a:schemeClr val="accent1"/>
+          </a:lnRef>
+          <a:fillRef idx="0">
+            <a:schemeClr val="accent1"/>
+          </a:fillRef>
+          <a:effectRef idx="0">
+            <a:schemeClr val="accent1"/>
+          </a:effectRef>
+          <a:fontRef idx="minor">
+            <a:schemeClr val="tx1"/>
+          </a:fontRef>
+        </p:style>
+      </p:cxnSp>
+      <p:cxnSp>
+        <p:nvCxnSpPr>
+          <p:cNvPr id="135" name="肘形连接符 66"/>
+          <p:cNvCxnSpPr>
+            <a:stCxn id="54" idx="2"/>
+            <a:endCxn id="65" idx="0"/>
+          </p:cNvCxnSpPr>
+          <p:nvPr/>
+        </p:nvCxnSpPr>
+        <p:spPr>
+          <a:xfrm>
+            <a:off x="3144931" y="5289078"/>
+            <a:ext cx="1697591" cy="389877"/>
+          </a:xfrm>
+          <a:prstGeom prst="straightConnector1">
+            <a:avLst/>
+          </a:prstGeom>
+          <a:ln>
+            <a:solidFill>
+              <a:schemeClr val="tx1"/>
+            </a:solidFill>
+            <a:tailEnd type="triangle"/>
+          </a:ln>
+        </p:spPr>
+        <p:style>
+          <a:lnRef idx="1">
+            <a:schemeClr val="accent1"/>
+          </a:lnRef>
+          <a:fillRef idx="0">
+            <a:schemeClr val="accent1"/>
+          </a:fillRef>
+          <a:effectRef idx="0">
+            <a:schemeClr val="accent1"/>
+          </a:effectRef>
+          <a:fontRef idx="minor">
+            <a:schemeClr val="tx1"/>
+          </a:fontRef>
+        </p:style>
+      </p:cxnSp>
+      <p:cxnSp>
+        <p:nvCxnSpPr>
+          <p:cNvPr id="138" name="肘形连接符 66"/>
+          <p:cNvCxnSpPr>
+            <a:stCxn id="99" idx="2"/>
+            <a:endCxn id="60" idx="0"/>
+          </p:cNvCxnSpPr>
+          <p:nvPr/>
+        </p:nvCxnSpPr>
+        <p:spPr>
+          <a:xfrm>
+            <a:off x="3383967" y="5289076"/>
+            <a:ext cx="136561" cy="389879"/>
+          </a:xfrm>
+          <a:prstGeom prst="straightConnector1">
+            <a:avLst/>
+          </a:prstGeom>
+          <a:ln>
+            <a:solidFill>
+              <a:schemeClr val="tx1"/>
+            </a:solidFill>
+            <a:tailEnd type="triangle"/>
+          </a:ln>
+        </p:spPr>
+        <p:style>
+          <a:lnRef idx="1">
+            <a:schemeClr val="accent1"/>
+          </a:lnRef>
+          <a:fillRef idx="0">
+            <a:schemeClr val="accent1"/>
+          </a:fillRef>
+          <a:effectRef idx="0">
+            <a:schemeClr val="accent1"/>
+          </a:effectRef>
+          <a:fontRef idx="minor">
+            <a:schemeClr val="tx1"/>
+          </a:fontRef>
+        </p:style>
+      </p:cxnSp>
+      <p:cxnSp>
+        <p:nvCxnSpPr>
+          <p:cNvPr id="141" name="肘形连接符 66"/>
+          <p:cNvCxnSpPr>
+            <a:stCxn id="100" idx="2"/>
+            <a:endCxn id="59" idx="0"/>
+          </p:cNvCxnSpPr>
+          <p:nvPr/>
+        </p:nvCxnSpPr>
+        <p:spPr>
+          <a:xfrm flipH="1">
+            <a:off x="2781365" y="5289076"/>
+            <a:ext cx="841638" cy="389880"/>
+          </a:xfrm>
+          <a:prstGeom prst="straightConnector1">
+            <a:avLst/>
+          </a:prstGeom>
+          <a:ln>
+            <a:solidFill>
+              <a:schemeClr val="tx1"/>
+            </a:solidFill>
+            <a:tailEnd type="triangle"/>
+          </a:ln>
+        </p:spPr>
+        <p:style>
+          <a:lnRef idx="1">
+            <a:schemeClr val="accent1"/>
+          </a:lnRef>
+          <a:fillRef idx="0">
+            <a:schemeClr val="accent1"/>
+          </a:fillRef>
+          <a:effectRef idx="0">
+            <a:schemeClr val="accent1"/>
+          </a:effectRef>
+          <a:fontRef idx="minor">
+            <a:schemeClr val="tx1"/>
+          </a:fontRef>
+        </p:style>
+      </p:cxnSp>
+      <p:sp>
+        <p:nvSpPr>
+          <p:cNvPr id="146" name="矩形 145"/>
+          <p:cNvSpPr/>
+          <p:nvPr/>
+        </p:nvSpPr>
+        <p:spPr>
+          <a:xfrm>
+            <a:off x="1925353" y="4349619"/>
+            <a:ext cx="3050579" cy="369332"/>
+          </a:xfrm>
+          <a:prstGeom prst="rect">
+            <a:avLst/>
+          </a:prstGeom>
+          <a:noFill/>
+        </p:spPr>
+        <p:txBody>
+          <a:bodyPr wrap="none" rtlCol="0">
+            <a:spAutoFit/>
+          </a:bodyPr>
+          <a:lstStyle/>
+          <a:p>
+            <a:r>
+              <a:rPr lang="en-US" altLang="zh-CN"/>
+              <a:t>Dictionary-based Compression</a:t>
+            </a:r>
+            <a:endParaRPr lang="zh-CN" altLang="en-US"/>
+          </a:p>
+        </p:txBody>
+      </p:sp>
+      <p:sp>
+        <p:nvSpPr>
+          <p:cNvPr id="147" name="下箭头 146"/>
+          <p:cNvSpPr/>
+          <p:nvPr/>
+        </p:nvSpPr>
+        <p:spPr>
+          <a:xfrm>
+            <a:off x="2594832" y="4994019"/>
+            <a:ext cx="388096" cy="100110"/>
+          </a:xfrm>
+          <a:prstGeom prst="downArrow">
+            <a:avLst>
+              <a:gd name="adj1" fmla="val 39708"/>
+              <a:gd name="adj2" fmla="val 66628"/>
+            </a:avLst>
+          </a:prstGeom>
+          <a:solidFill>
+            <a:schemeClr val="tx1"/>
+          </a:solidFill>
+          <a:ln>
+            <a:noFill/>
+          </a:ln>
+        </p:spPr>
+        <p:style>
+          <a:lnRef idx="2">
+            <a:schemeClr val="accent1">
+              <a:shade val="50000"/>
+            </a:schemeClr>
+          </a:lnRef>
+          <a:fillRef idx="1">
+            <a:schemeClr val="accent1"/>
+          </a:fillRef>
+          <a:effectRef idx="0">
+            <a:schemeClr val="accent1"/>
+          </a:effectRef>
+          <a:fontRef idx="minor">
+            <a:schemeClr val="lt1"/>
+          </a:fontRef>
+        </p:style>
+        <p:txBody>
+          <a:bodyPr rtlCol="0" anchor="ctr"/>
+          <a:lstStyle/>
+          <a:p>
+            <a:pPr algn="ctr"/>
+            <a:endParaRPr lang="zh-CN" altLang="en-US"/>
+          </a:p>
+        </p:txBody>
+      </p:sp>
+    </p:spTree>
+    <p:extLst>
+      <p:ext uri="{BB962C8B-B14F-4D97-AF65-F5344CB8AC3E}">
+        <p14:creationId xmlns:p14="http://schemas.microsoft.com/office/powerpoint/2010/main" val="2034424237"/>
+      </p:ext>
+    </p:extLst>
+  </p:cSld>
+  <p:clrMapOvr>
+    <a:masterClrMapping/>
+  </p:clrMapOvr>
 </p:sld>
 </file>
 

--- a/doc/thor architecture.pptx
+++ b/doc/thor architecture.pptx
@@ -37,6 +37,7 @@
     <p:sldId id="285" r:id="rId31"/>
     <p:sldId id="286" r:id="rId32"/>
     <p:sldId id="287" r:id="rId33"/>
+    <p:sldId id="288" r:id="rId34"/>
   </p:sldIdLst>
   <p:sldSz cx="12192000" cy="6858000"/>
   <p:notesSz cx="6858000" cy="9144000"/>
@@ -274,7 +275,7 @@
           <a:p>
             <a:fld id="{26E5557C-EA97-4CBB-BFBF-8E388EEF4F51}" type="datetimeFigureOut">
               <a:rPr lang="zh-CN" altLang="en-US" smtClean="0"/>
-              <a:t>2014/11/6</a:t>
+              <a:t>2014/11/7</a:t>
             </a:fld>
             <a:endParaRPr lang="zh-CN" altLang="en-US"/>
           </a:p>
@@ -444,7 +445,7 @@
           <a:p>
             <a:fld id="{26E5557C-EA97-4CBB-BFBF-8E388EEF4F51}" type="datetimeFigureOut">
               <a:rPr lang="zh-CN" altLang="en-US" smtClean="0"/>
-              <a:t>2014/11/6</a:t>
+              <a:t>2014/11/7</a:t>
             </a:fld>
             <a:endParaRPr lang="zh-CN" altLang="en-US"/>
           </a:p>
@@ -624,7 +625,7 @@
           <a:p>
             <a:fld id="{26E5557C-EA97-4CBB-BFBF-8E388EEF4F51}" type="datetimeFigureOut">
               <a:rPr lang="zh-CN" altLang="en-US" smtClean="0"/>
-              <a:t>2014/11/6</a:t>
+              <a:t>2014/11/7</a:t>
             </a:fld>
             <a:endParaRPr lang="zh-CN" altLang="en-US"/>
           </a:p>
@@ -794,7 +795,7 @@
           <a:p>
             <a:fld id="{26E5557C-EA97-4CBB-BFBF-8E388EEF4F51}" type="datetimeFigureOut">
               <a:rPr lang="zh-CN" altLang="en-US" smtClean="0"/>
-              <a:t>2014/11/6</a:t>
+              <a:t>2014/11/7</a:t>
             </a:fld>
             <a:endParaRPr lang="zh-CN" altLang="en-US"/>
           </a:p>
@@ -1040,7 +1041,7 @@
           <a:p>
             <a:fld id="{26E5557C-EA97-4CBB-BFBF-8E388EEF4F51}" type="datetimeFigureOut">
               <a:rPr lang="zh-CN" altLang="en-US" smtClean="0"/>
-              <a:t>2014/11/6</a:t>
+              <a:t>2014/11/7</a:t>
             </a:fld>
             <a:endParaRPr lang="zh-CN" altLang="en-US"/>
           </a:p>
@@ -1272,7 +1273,7 @@
           <a:p>
             <a:fld id="{26E5557C-EA97-4CBB-BFBF-8E388EEF4F51}" type="datetimeFigureOut">
               <a:rPr lang="zh-CN" altLang="en-US" smtClean="0"/>
-              <a:t>2014/11/6</a:t>
+              <a:t>2014/11/7</a:t>
             </a:fld>
             <a:endParaRPr lang="zh-CN" altLang="en-US"/>
           </a:p>
@@ -1639,7 +1640,7 @@
           <a:p>
             <a:fld id="{26E5557C-EA97-4CBB-BFBF-8E388EEF4F51}" type="datetimeFigureOut">
               <a:rPr lang="zh-CN" altLang="en-US" smtClean="0"/>
-              <a:t>2014/11/6</a:t>
+              <a:t>2014/11/7</a:t>
             </a:fld>
             <a:endParaRPr lang="zh-CN" altLang="en-US"/>
           </a:p>
@@ -1762,7 +1763,7 @@
           <a:p>
             <a:fld id="{26E5557C-EA97-4CBB-BFBF-8E388EEF4F51}" type="datetimeFigureOut">
               <a:rPr lang="zh-CN" altLang="en-US" smtClean="0"/>
-              <a:t>2014/11/6</a:t>
+              <a:t>2014/11/7</a:t>
             </a:fld>
             <a:endParaRPr lang="zh-CN" altLang="en-US"/>
           </a:p>
@@ -1857,7 +1858,7 @@
           <a:p>
             <a:fld id="{26E5557C-EA97-4CBB-BFBF-8E388EEF4F51}" type="datetimeFigureOut">
               <a:rPr lang="zh-CN" altLang="en-US" smtClean="0"/>
-              <a:t>2014/11/6</a:t>
+              <a:t>2014/11/7</a:t>
             </a:fld>
             <a:endParaRPr lang="zh-CN" altLang="en-US"/>
           </a:p>
@@ -2134,7 +2135,7 @@
           <a:p>
             <a:fld id="{26E5557C-EA97-4CBB-BFBF-8E388EEF4F51}" type="datetimeFigureOut">
               <a:rPr lang="zh-CN" altLang="en-US" smtClean="0"/>
-              <a:t>2014/11/6</a:t>
+              <a:t>2014/11/7</a:t>
             </a:fld>
             <a:endParaRPr lang="zh-CN" altLang="en-US"/>
           </a:p>
@@ -2391,7 +2392,7 @@
           <a:p>
             <a:fld id="{26E5557C-EA97-4CBB-BFBF-8E388EEF4F51}" type="datetimeFigureOut">
               <a:rPr lang="zh-CN" altLang="en-US" smtClean="0"/>
-              <a:t>2014/11/6</a:t>
+              <a:t>2014/11/7</a:t>
             </a:fld>
             <a:endParaRPr lang="zh-CN" altLang="en-US"/>
           </a:p>
@@ -2604,7 +2605,7 @@
           <a:p>
             <a:fld id="{26E5557C-EA97-4CBB-BFBF-8E388EEF4F51}" type="datetimeFigureOut">
               <a:rPr lang="zh-CN" altLang="en-US" smtClean="0"/>
-              <a:t>2014/11/6</a:t>
+              <a:t>2014/11/7</a:t>
             </a:fld>
             <a:endParaRPr lang="zh-CN" altLang="en-US"/>
           </a:p>
@@ -39035,15 +39036,7 @@
                     <a:schemeClr val="tx1"/>
                   </a:solidFill>
                 </a:rPr>
-                <a:t>271</a:t>
-              </a:r>
-              <a:r>
-                <a:rPr lang="en-US" altLang="zh-CN" sz="900" smtClean="0">
-                  <a:solidFill>
-                    <a:schemeClr val="tx1"/>
-                  </a:solidFill>
-                </a:rPr>
-                <a:t>3</a:t>
+                <a:t>2713</a:t>
               </a:r>
               <a:endParaRPr lang="zh-CN" altLang="en-US" sz="900" dirty="0">
                 <a:solidFill>
@@ -39229,15 +39222,7 @@
                     <a:schemeClr val="tx1"/>
                   </a:solidFill>
                 </a:rPr>
-                <a:t>298</a:t>
-              </a:r>
-              <a:r>
-                <a:rPr lang="en-US" altLang="zh-CN" sz="900" smtClean="0">
-                  <a:solidFill>
-                    <a:schemeClr val="tx1"/>
-                  </a:solidFill>
-                </a:rPr>
-                <a:t>5</a:t>
+                <a:t>2985</a:t>
               </a:r>
               <a:endParaRPr lang="zh-CN" altLang="en-US" sz="900" dirty="0">
                 <a:solidFill>
@@ -39624,15 +39609,7 @@
                     <a:schemeClr val="tx1"/>
                   </a:solidFill>
                 </a:rPr>
-                <a:t>71</a:t>
-              </a:r>
-              <a:r>
-                <a:rPr lang="en-US" altLang="zh-CN" sz="800" smtClean="0">
-                  <a:solidFill>
-                    <a:schemeClr val="tx1"/>
-                  </a:solidFill>
-                </a:rPr>
-                <a:t>3</a:t>
+                <a:t>713</a:t>
               </a:r>
               <a:endParaRPr lang="zh-CN" altLang="en-US" sz="800" dirty="0">
                 <a:solidFill>
@@ -39818,15 +39795,7 @@
                     <a:schemeClr val="tx1"/>
                   </a:solidFill>
                 </a:rPr>
-                <a:t>98</a:t>
-              </a:r>
-              <a:r>
-                <a:rPr lang="en-US" altLang="zh-CN" sz="800" smtClean="0">
-                  <a:solidFill>
-                    <a:schemeClr val="tx1"/>
-                  </a:solidFill>
-                </a:rPr>
-                <a:t>5</a:t>
+                <a:t>985</a:t>
               </a:r>
               <a:endParaRPr lang="zh-CN" altLang="en-US" sz="800" dirty="0">
                 <a:solidFill>
@@ -41409,6 +41378,1415 @@
     <p:extLst>
       <p:ext uri="{BB962C8B-B14F-4D97-AF65-F5344CB8AC3E}">
         <p14:creationId xmlns:p14="http://schemas.microsoft.com/office/powerpoint/2010/main" val="2034424237"/>
+      </p:ext>
+    </p:extLst>
+  </p:cSld>
+  <p:clrMapOvr>
+    <a:masterClrMapping/>
+  </p:clrMapOvr>
+</p:sld>
+</file>
+
+<file path=ppt/slides/slide33.xml><?xml version="1.0" encoding="utf-8"?>
+<p:sld xmlns:a="http://schemas.openxmlformats.org/drawingml/2006/main" xmlns:r="http://schemas.openxmlformats.org/officeDocument/2006/relationships" xmlns:p="http://schemas.openxmlformats.org/presentationml/2006/main">
+  <p:cSld>
+    <p:spTree>
+      <p:nvGrpSpPr>
+        <p:cNvPr id="1" name=""/>
+        <p:cNvGrpSpPr/>
+        <p:nvPr/>
+      </p:nvGrpSpPr>
+      <p:grpSpPr>
+        <a:xfrm>
+          <a:off x="0" y="0"/>
+          <a:ext cx="0" cy="0"/>
+          <a:chOff x="0" y="0"/>
+          <a:chExt cx="0" cy="0"/>
+        </a:xfrm>
+      </p:grpSpPr>
+      <p:sp>
+        <p:nvSpPr>
+          <p:cNvPr id="2" name="标题 1"/>
+          <p:cNvSpPr>
+            <a:spLocks noGrp="1"/>
+          </p:cNvSpPr>
+          <p:nvPr>
+            <p:ph type="title"/>
+          </p:nvPr>
+        </p:nvSpPr>
+        <p:spPr/>
+        <p:txBody>
+          <a:bodyPr/>
+          <a:lstStyle/>
+          <a:p>
+            <a:endParaRPr lang="zh-CN" altLang="en-US" dirty="0"/>
+          </a:p>
+        </p:txBody>
+      </p:sp>
+      <p:sp>
+        <p:nvSpPr>
+          <p:cNvPr id="3" name="矩形 2"/>
+          <p:cNvSpPr/>
+          <p:nvPr/>
+        </p:nvSpPr>
+        <p:spPr>
+          <a:xfrm>
+            <a:off x="4391312" y="2941506"/>
+            <a:ext cx="462743" cy="193491"/>
+          </a:xfrm>
+          <a:prstGeom prst="rect">
+            <a:avLst/>
+          </a:prstGeom>
+          <a:solidFill>
+            <a:schemeClr val="bg1">
+              <a:lumMod val="65000"/>
+            </a:schemeClr>
+          </a:solidFill>
+          <a:ln>
+            <a:solidFill>
+              <a:schemeClr val="tx1"/>
+            </a:solidFill>
+          </a:ln>
+        </p:spPr>
+        <p:style>
+          <a:lnRef idx="2">
+            <a:schemeClr val="accent1">
+              <a:shade val="50000"/>
+            </a:schemeClr>
+          </a:lnRef>
+          <a:fillRef idx="1">
+            <a:schemeClr val="accent1"/>
+          </a:fillRef>
+          <a:effectRef idx="0">
+            <a:schemeClr val="accent1"/>
+          </a:effectRef>
+          <a:fontRef idx="minor">
+            <a:schemeClr val="lt1"/>
+          </a:fontRef>
+        </p:style>
+        <p:txBody>
+          <a:bodyPr rtlCol="0" anchor="ctr"/>
+          <a:lstStyle/>
+          <a:p>
+            <a:pPr algn="ctr"/>
+            <a:r>
+              <a:rPr lang="en-US" altLang="zh-CN" sz="900" dirty="0" smtClean="0">
+                <a:solidFill>
+                  <a:schemeClr val="tx1"/>
+                </a:solidFill>
+              </a:rPr>
+              <a:t>7</a:t>
+            </a:r>
+            <a:endParaRPr lang="zh-CN" altLang="en-US" sz="900" dirty="0">
+              <a:solidFill>
+                <a:schemeClr val="tx1"/>
+              </a:solidFill>
+            </a:endParaRPr>
+          </a:p>
+        </p:txBody>
+      </p:sp>
+      <p:sp>
+        <p:nvSpPr>
+          <p:cNvPr id="9" name="矩形 8"/>
+          <p:cNvSpPr/>
+          <p:nvPr/>
+        </p:nvSpPr>
+        <p:spPr>
+          <a:xfrm>
+            <a:off x="4391312" y="3134997"/>
+            <a:ext cx="462743" cy="193491"/>
+          </a:xfrm>
+          <a:prstGeom prst="rect">
+            <a:avLst/>
+          </a:prstGeom>
+          <a:solidFill>
+            <a:schemeClr val="bg1">
+              <a:lumMod val="65000"/>
+            </a:schemeClr>
+          </a:solidFill>
+          <a:ln>
+            <a:solidFill>
+              <a:schemeClr val="tx1"/>
+            </a:solidFill>
+          </a:ln>
+        </p:spPr>
+        <p:style>
+          <a:lnRef idx="2">
+            <a:schemeClr val="accent1">
+              <a:shade val="50000"/>
+            </a:schemeClr>
+          </a:lnRef>
+          <a:fillRef idx="1">
+            <a:schemeClr val="accent1"/>
+          </a:fillRef>
+          <a:effectRef idx="0">
+            <a:schemeClr val="accent1"/>
+          </a:effectRef>
+          <a:fontRef idx="minor">
+            <a:schemeClr val="lt1"/>
+          </a:fontRef>
+        </p:style>
+        <p:txBody>
+          <a:bodyPr rtlCol="0" anchor="ctr"/>
+          <a:lstStyle/>
+          <a:p>
+            <a:pPr algn="ctr"/>
+            <a:r>
+              <a:rPr lang="en-US" altLang="zh-CN" sz="900" dirty="0" smtClean="0">
+                <a:solidFill>
+                  <a:schemeClr val="tx1"/>
+                </a:solidFill>
+              </a:rPr>
+              <a:t>1</a:t>
+            </a:r>
+            <a:endParaRPr lang="zh-CN" altLang="en-US" sz="900" dirty="0">
+              <a:solidFill>
+                <a:schemeClr val="tx1"/>
+              </a:solidFill>
+            </a:endParaRPr>
+          </a:p>
+        </p:txBody>
+      </p:sp>
+      <p:sp>
+        <p:nvSpPr>
+          <p:cNvPr id="10" name="矩形 9"/>
+          <p:cNvSpPr/>
+          <p:nvPr/>
+        </p:nvSpPr>
+        <p:spPr>
+          <a:xfrm>
+            <a:off x="4391312" y="3328488"/>
+            <a:ext cx="462743" cy="193491"/>
+          </a:xfrm>
+          <a:prstGeom prst="rect">
+            <a:avLst/>
+          </a:prstGeom>
+          <a:solidFill>
+            <a:schemeClr val="bg1">
+              <a:lumMod val="65000"/>
+            </a:schemeClr>
+          </a:solidFill>
+          <a:ln>
+            <a:solidFill>
+              <a:schemeClr val="tx1"/>
+            </a:solidFill>
+          </a:ln>
+        </p:spPr>
+        <p:style>
+          <a:lnRef idx="2">
+            <a:schemeClr val="accent1">
+              <a:shade val="50000"/>
+            </a:schemeClr>
+          </a:lnRef>
+          <a:fillRef idx="1">
+            <a:schemeClr val="accent1"/>
+          </a:fillRef>
+          <a:effectRef idx="0">
+            <a:schemeClr val="accent1"/>
+          </a:effectRef>
+          <a:fontRef idx="minor">
+            <a:schemeClr val="lt1"/>
+          </a:fontRef>
+        </p:style>
+        <p:txBody>
+          <a:bodyPr rtlCol="0" anchor="ctr"/>
+          <a:lstStyle/>
+          <a:p>
+            <a:pPr algn="ctr"/>
+            <a:r>
+              <a:rPr lang="en-US" altLang="zh-CN" sz="900" dirty="0" smtClean="0">
+                <a:solidFill>
+                  <a:schemeClr val="tx1"/>
+                </a:solidFill>
+              </a:rPr>
+              <a:t>3</a:t>
+            </a:r>
+            <a:endParaRPr lang="zh-CN" altLang="en-US" sz="900" dirty="0">
+              <a:solidFill>
+                <a:schemeClr val="tx1"/>
+              </a:solidFill>
+            </a:endParaRPr>
+          </a:p>
+        </p:txBody>
+      </p:sp>
+      <p:sp>
+        <p:nvSpPr>
+          <p:cNvPr id="11" name="矩形 10"/>
+          <p:cNvSpPr/>
+          <p:nvPr/>
+        </p:nvSpPr>
+        <p:spPr>
+          <a:xfrm>
+            <a:off x="4391312" y="3521979"/>
+            <a:ext cx="462743" cy="193491"/>
+          </a:xfrm>
+          <a:prstGeom prst="rect">
+            <a:avLst/>
+          </a:prstGeom>
+          <a:solidFill>
+            <a:schemeClr val="bg1">
+              <a:lumMod val="65000"/>
+            </a:schemeClr>
+          </a:solidFill>
+          <a:ln>
+            <a:solidFill>
+              <a:schemeClr val="tx1"/>
+            </a:solidFill>
+          </a:ln>
+        </p:spPr>
+        <p:style>
+          <a:lnRef idx="2">
+            <a:schemeClr val="accent1">
+              <a:shade val="50000"/>
+            </a:schemeClr>
+          </a:lnRef>
+          <a:fillRef idx="1">
+            <a:schemeClr val="accent1"/>
+          </a:fillRef>
+          <a:effectRef idx="0">
+            <a:schemeClr val="accent1"/>
+          </a:effectRef>
+          <a:fontRef idx="minor">
+            <a:schemeClr val="lt1"/>
+          </a:fontRef>
+        </p:style>
+        <p:txBody>
+          <a:bodyPr rtlCol="0" anchor="ctr"/>
+          <a:lstStyle/>
+          <a:p>
+            <a:pPr algn="ctr"/>
+            <a:r>
+              <a:rPr lang="en-US" altLang="zh-CN" sz="900" dirty="0" smtClean="0">
+                <a:solidFill>
+                  <a:schemeClr val="tx1"/>
+                </a:solidFill>
+              </a:rPr>
+              <a:t>2</a:t>
+            </a:r>
+            <a:endParaRPr lang="zh-CN" altLang="en-US" sz="900" dirty="0">
+              <a:solidFill>
+                <a:schemeClr val="tx1"/>
+              </a:solidFill>
+            </a:endParaRPr>
+          </a:p>
+        </p:txBody>
+      </p:sp>
+      <p:sp>
+        <p:nvSpPr>
+          <p:cNvPr id="12" name="矩形 11"/>
+          <p:cNvSpPr/>
+          <p:nvPr/>
+        </p:nvSpPr>
+        <p:spPr>
+          <a:xfrm>
+            <a:off x="4391312" y="3715470"/>
+            <a:ext cx="462743" cy="193491"/>
+          </a:xfrm>
+          <a:prstGeom prst="rect">
+            <a:avLst/>
+          </a:prstGeom>
+          <a:solidFill>
+            <a:schemeClr val="bg1">
+              <a:lumMod val="65000"/>
+            </a:schemeClr>
+          </a:solidFill>
+          <a:ln>
+            <a:solidFill>
+              <a:schemeClr val="tx1"/>
+            </a:solidFill>
+          </a:ln>
+        </p:spPr>
+        <p:style>
+          <a:lnRef idx="2">
+            <a:schemeClr val="accent1">
+              <a:shade val="50000"/>
+            </a:schemeClr>
+          </a:lnRef>
+          <a:fillRef idx="1">
+            <a:schemeClr val="accent1"/>
+          </a:fillRef>
+          <a:effectRef idx="0">
+            <a:schemeClr val="accent1"/>
+          </a:effectRef>
+          <a:fontRef idx="minor">
+            <a:schemeClr val="lt1"/>
+          </a:fontRef>
+        </p:style>
+        <p:txBody>
+          <a:bodyPr rtlCol="0" anchor="ctr"/>
+          <a:lstStyle/>
+          <a:p>
+            <a:pPr algn="ctr"/>
+            <a:r>
+              <a:rPr lang="en-US" altLang="zh-CN" sz="900" dirty="0" smtClean="0">
+                <a:solidFill>
+                  <a:schemeClr val="tx1"/>
+                </a:solidFill>
+              </a:rPr>
+              <a:t>6</a:t>
+            </a:r>
+            <a:endParaRPr lang="zh-CN" altLang="en-US" sz="900" dirty="0">
+              <a:solidFill>
+                <a:schemeClr val="tx1"/>
+              </a:solidFill>
+            </a:endParaRPr>
+          </a:p>
+        </p:txBody>
+      </p:sp>
+      <p:sp>
+        <p:nvSpPr>
+          <p:cNvPr id="13" name="矩形 12"/>
+          <p:cNvSpPr/>
+          <p:nvPr/>
+        </p:nvSpPr>
+        <p:spPr>
+          <a:xfrm>
+            <a:off x="4391312" y="3908961"/>
+            <a:ext cx="462743" cy="193491"/>
+          </a:xfrm>
+          <a:prstGeom prst="rect">
+            <a:avLst/>
+          </a:prstGeom>
+          <a:solidFill>
+            <a:schemeClr val="bg1">
+              <a:lumMod val="65000"/>
+            </a:schemeClr>
+          </a:solidFill>
+          <a:ln>
+            <a:solidFill>
+              <a:schemeClr val="tx1"/>
+            </a:solidFill>
+          </a:ln>
+        </p:spPr>
+        <p:style>
+          <a:lnRef idx="2">
+            <a:schemeClr val="accent1">
+              <a:shade val="50000"/>
+            </a:schemeClr>
+          </a:lnRef>
+          <a:fillRef idx="1">
+            <a:schemeClr val="accent1"/>
+          </a:fillRef>
+          <a:effectRef idx="0">
+            <a:schemeClr val="accent1"/>
+          </a:effectRef>
+          <a:fontRef idx="minor">
+            <a:schemeClr val="lt1"/>
+          </a:fontRef>
+        </p:style>
+        <p:txBody>
+          <a:bodyPr rtlCol="0" anchor="ctr"/>
+          <a:lstStyle/>
+          <a:p>
+            <a:pPr algn="ctr"/>
+            <a:r>
+              <a:rPr lang="en-US" altLang="zh-CN" sz="900" dirty="0" smtClean="0">
+                <a:solidFill>
+                  <a:schemeClr val="tx1"/>
+                </a:solidFill>
+              </a:rPr>
+              <a:t>8</a:t>
+            </a:r>
+            <a:endParaRPr lang="zh-CN" altLang="en-US" sz="900" dirty="0">
+              <a:solidFill>
+                <a:schemeClr val="tx1"/>
+              </a:solidFill>
+            </a:endParaRPr>
+          </a:p>
+        </p:txBody>
+      </p:sp>
+      <p:sp>
+        <p:nvSpPr>
+          <p:cNvPr id="14" name="矩形 13"/>
+          <p:cNvSpPr/>
+          <p:nvPr/>
+        </p:nvSpPr>
+        <p:spPr>
+          <a:xfrm>
+            <a:off x="4391312" y="4102452"/>
+            <a:ext cx="462743" cy="193491"/>
+          </a:xfrm>
+          <a:prstGeom prst="rect">
+            <a:avLst/>
+          </a:prstGeom>
+          <a:solidFill>
+            <a:schemeClr val="bg1">
+              <a:lumMod val="65000"/>
+            </a:schemeClr>
+          </a:solidFill>
+          <a:ln>
+            <a:solidFill>
+              <a:schemeClr val="tx1"/>
+            </a:solidFill>
+          </a:ln>
+        </p:spPr>
+        <p:style>
+          <a:lnRef idx="2">
+            <a:schemeClr val="accent1">
+              <a:shade val="50000"/>
+            </a:schemeClr>
+          </a:lnRef>
+          <a:fillRef idx="1">
+            <a:schemeClr val="accent1"/>
+          </a:fillRef>
+          <a:effectRef idx="0">
+            <a:schemeClr val="accent1"/>
+          </a:effectRef>
+          <a:fontRef idx="minor">
+            <a:schemeClr val="lt1"/>
+          </a:fontRef>
+        </p:style>
+        <p:txBody>
+          <a:bodyPr rtlCol="0" anchor="ctr"/>
+          <a:lstStyle/>
+          <a:p>
+            <a:pPr algn="ctr"/>
+            <a:r>
+              <a:rPr lang="en-US" altLang="zh-CN" sz="900" dirty="0" smtClean="0">
+                <a:solidFill>
+                  <a:schemeClr val="tx1"/>
+                </a:solidFill>
+              </a:rPr>
+              <a:t>5</a:t>
+            </a:r>
+            <a:endParaRPr lang="zh-CN" altLang="en-US" sz="900" dirty="0">
+              <a:solidFill>
+                <a:schemeClr val="tx1"/>
+              </a:solidFill>
+            </a:endParaRPr>
+          </a:p>
+        </p:txBody>
+      </p:sp>
+      <p:sp>
+        <p:nvSpPr>
+          <p:cNvPr id="15" name="矩形 14"/>
+          <p:cNvSpPr/>
+          <p:nvPr/>
+        </p:nvSpPr>
+        <p:spPr>
+          <a:xfrm>
+            <a:off x="4391312" y="4295943"/>
+            <a:ext cx="462743" cy="193491"/>
+          </a:xfrm>
+          <a:prstGeom prst="rect">
+            <a:avLst/>
+          </a:prstGeom>
+          <a:solidFill>
+            <a:schemeClr val="bg1">
+              <a:lumMod val="65000"/>
+            </a:schemeClr>
+          </a:solidFill>
+          <a:ln>
+            <a:solidFill>
+              <a:schemeClr val="tx1"/>
+            </a:solidFill>
+          </a:ln>
+        </p:spPr>
+        <p:style>
+          <a:lnRef idx="2">
+            <a:schemeClr val="accent1">
+              <a:shade val="50000"/>
+            </a:schemeClr>
+          </a:lnRef>
+          <a:fillRef idx="1">
+            <a:schemeClr val="accent1"/>
+          </a:fillRef>
+          <a:effectRef idx="0">
+            <a:schemeClr val="accent1"/>
+          </a:effectRef>
+          <a:fontRef idx="minor">
+            <a:schemeClr val="lt1"/>
+          </a:fontRef>
+        </p:style>
+        <p:txBody>
+          <a:bodyPr rtlCol="0" anchor="ctr"/>
+          <a:lstStyle/>
+          <a:p>
+            <a:pPr algn="ctr"/>
+            <a:r>
+              <a:rPr lang="en-US" altLang="zh-CN" sz="900" dirty="0" smtClean="0">
+                <a:solidFill>
+                  <a:schemeClr val="tx1"/>
+                </a:solidFill>
+              </a:rPr>
+              <a:t>2</a:t>
+            </a:r>
+            <a:endParaRPr lang="zh-CN" altLang="en-US" sz="900" dirty="0">
+              <a:solidFill>
+                <a:schemeClr val="tx1"/>
+              </a:solidFill>
+            </a:endParaRPr>
+          </a:p>
+        </p:txBody>
+      </p:sp>
+      <p:sp>
+        <p:nvSpPr>
+          <p:cNvPr id="16" name="矩形 15"/>
+          <p:cNvSpPr/>
+          <p:nvPr/>
+        </p:nvSpPr>
+        <p:spPr>
+          <a:xfrm>
+            <a:off x="4391312" y="4513786"/>
+            <a:ext cx="462743" cy="193491"/>
+          </a:xfrm>
+          <a:prstGeom prst="rect">
+            <a:avLst/>
+          </a:prstGeom>
+          <a:solidFill>
+            <a:schemeClr val="bg1">
+              <a:lumMod val="65000"/>
+            </a:schemeClr>
+          </a:solidFill>
+          <a:ln>
+            <a:solidFill>
+              <a:schemeClr val="tx1"/>
+            </a:solidFill>
+          </a:ln>
+        </p:spPr>
+        <p:style>
+          <a:lnRef idx="2">
+            <a:schemeClr val="accent1">
+              <a:shade val="50000"/>
+            </a:schemeClr>
+          </a:lnRef>
+          <a:fillRef idx="1">
+            <a:schemeClr val="accent1"/>
+          </a:fillRef>
+          <a:effectRef idx="0">
+            <a:schemeClr val="accent1"/>
+          </a:effectRef>
+          <a:fontRef idx="minor">
+            <a:schemeClr val="lt1"/>
+          </a:fontRef>
+        </p:style>
+        <p:txBody>
+          <a:bodyPr rtlCol="0" anchor="ctr"/>
+          <a:lstStyle/>
+          <a:p>
+            <a:pPr algn="ctr"/>
+            <a:r>
+              <a:rPr lang="en-US" altLang="zh-CN" sz="900" dirty="0" smtClean="0">
+                <a:solidFill>
+                  <a:schemeClr val="tx1"/>
+                </a:solidFill>
+              </a:rPr>
+              <a:t>13</a:t>
+            </a:r>
+            <a:endParaRPr lang="zh-CN" altLang="en-US" sz="900" dirty="0">
+              <a:solidFill>
+                <a:schemeClr val="tx1"/>
+              </a:solidFill>
+            </a:endParaRPr>
+          </a:p>
+        </p:txBody>
+      </p:sp>
+      <p:sp>
+        <p:nvSpPr>
+          <p:cNvPr id="17" name="矩形 16"/>
+          <p:cNvSpPr/>
+          <p:nvPr/>
+        </p:nvSpPr>
+        <p:spPr>
+          <a:xfrm>
+            <a:off x="4391312" y="4707277"/>
+            <a:ext cx="462743" cy="193491"/>
+          </a:xfrm>
+          <a:prstGeom prst="rect">
+            <a:avLst/>
+          </a:prstGeom>
+          <a:solidFill>
+            <a:schemeClr val="bg1">
+              <a:lumMod val="65000"/>
+            </a:schemeClr>
+          </a:solidFill>
+          <a:ln>
+            <a:solidFill>
+              <a:schemeClr val="tx1"/>
+            </a:solidFill>
+          </a:ln>
+        </p:spPr>
+        <p:style>
+          <a:lnRef idx="2">
+            <a:schemeClr val="accent1">
+              <a:shade val="50000"/>
+            </a:schemeClr>
+          </a:lnRef>
+          <a:fillRef idx="1">
+            <a:schemeClr val="accent1"/>
+          </a:fillRef>
+          <a:effectRef idx="0">
+            <a:schemeClr val="accent1"/>
+          </a:effectRef>
+          <a:fontRef idx="minor">
+            <a:schemeClr val="lt1"/>
+          </a:fontRef>
+        </p:style>
+        <p:txBody>
+          <a:bodyPr rtlCol="0" anchor="ctr"/>
+          <a:lstStyle/>
+          <a:p>
+            <a:pPr algn="ctr"/>
+            <a:r>
+              <a:rPr lang="en-US" altLang="zh-CN" sz="900" dirty="0" smtClean="0">
+                <a:solidFill>
+                  <a:schemeClr val="tx1"/>
+                </a:solidFill>
+              </a:rPr>
+              <a:t>20</a:t>
+            </a:r>
+            <a:endParaRPr lang="zh-CN" altLang="en-US" sz="900" dirty="0">
+              <a:solidFill>
+                <a:schemeClr val="tx1"/>
+              </a:solidFill>
+            </a:endParaRPr>
+          </a:p>
+        </p:txBody>
+      </p:sp>
+      <p:sp>
+        <p:nvSpPr>
+          <p:cNvPr id="18" name="矩形 17"/>
+          <p:cNvSpPr/>
+          <p:nvPr/>
+        </p:nvSpPr>
+        <p:spPr>
+          <a:xfrm>
+            <a:off x="4391312" y="4900768"/>
+            <a:ext cx="462743" cy="193491"/>
+          </a:xfrm>
+          <a:prstGeom prst="rect">
+            <a:avLst/>
+          </a:prstGeom>
+          <a:solidFill>
+            <a:schemeClr val="bg1">
+              <a:lumMod val="65000"/>
+            </a:schemeClr>
+          </a:solidFill>
+          <a:ln>
+            <a:solidFill>
+              <a:schemeClr val="tx1"/>
+            </a:solidFill>
+          </a:ln>
+        </p:spPr>
+        <p:style>
+          <a:lnRef idx="2">
+            <a:schemeClr val="accent1">
+              <a:shade val="50000"/>
+            </a:schemeClr>
+          </a:lnRef>
+          <a:fillRef idx="1">
+            <a:schemeClr val="accent1"/>
+          </a:fillRef>
+          <a:effectRef idx="0">
+            <a:schemeClr val="accent1"/>
+          </a:effectRef>
+          <a:fontRef idx="minor">
+            <a:schemeClr val="lt1"/>
+          </a:fontRef>
+        </p:style>
+        <p:txBody>
+          <a:bodyPr rtlCol="0" anchor="ctr"/>
+          <a:lstStyle/>
+          <a:p>
+            <a:pPr algn="ctr"/>
+            <a:r>
+              <a:rPr lang="en-US" altLang="zh-CN" sz="900" dirty="0" smtClean="0">
+                <a:solidFill>
+                  <a:schemeClr val="tx1"/>
+                </a:solidFill>
+              </a:rPr>
+              <a:t>15</a:t>
+            </a:r>
+            <a:endParaRPr lang="zh-CN" altLang="en-US" sz="900" dirty="0">
+              <a:solidFill>
+                <a:schemeClr val="tx1"/>
+              </a:solidFill>
+            </a:endParaRPr>
+          </a:p>
+        </p:txBody>
+      </p:sp>
+      <p:sp>
+        <p:nvSpPr>
+          <p:cNvPr id="19" name="矩形 18"/>
+          <p:cNvSpPr/>
+          <p:nvPr/>
+        </p:nvSpPr>
+        <p:spPr>
+          <a:xfrm>
+            <a:off x="4391312" y="5094259"/>
+            <a:ext cx="462743" cy="193491"/>
+          </a:xfrm>
+          <a:prstGeom prst="rect">
+            <a:avLst/>
+          </a:prstGeom>
+          <a:solidFill>
+            <a:schemeClr val="bg1">
+              <a:lumMod val="65000"/>
+            </a:schemeClr>
+          </a:solidFill>
+          <a:ln>
+            <a:solidFill>
+              <a:schemeClr val="tx1"/>
+            </a:solidFill>
+          </a:ln>
+        </p:spPr>
+        <p:style>
+          <a:lnRef idx="2">
+            <a:schemeClr val="accent1">
+              <a:shade val="50000"/>
+            </a:schemeClr>
+          </a:lnRef>
+          <a:fillRef idx="1">
+            <a:schemeClr val="accent1"/>
+          </a:fillRef>
+          <a:effectRef idx="0">
+            <a:schemeClr val="accent1"/>
+          </a:effectRef>
+          <a:fontRef idx="minor">
+            <a:schemeClr val="lt1"/>
+          </a:fontRef>
+        </p:style>
+        <p:txBody>
+          <a:bodyPr rtlCol="0" anchor="ctr"/>
+          <a:lstStyle/>
+          <a:p>
+            <a:pPr algn="ctr"/>
+            <a:r>
+              <a:rPr lang="en-US" altLang="zh-CN" sz="900" dirty="0" smtClean="0">
+                <a:solidFill>
+                  <a:schemeClr val="tx1"/>
+                </a:solidFill>
+              </a:rPr>
+              <a:t>11</a:t>
+            </a:r>
+            <a:endParaRPr lang="zh-CN" altLang="en-US" sz="900" dirty="0">
+              <a:solidFill>
+                <a:schemeClr val="tx1"/>
+              </a:solidFill>
+            </a:endParaRPr>
+          </a:p>
+        </p:txBody>
+      </p:sp>
+      <p:sp>
+        <p:nvSpPr>
+          <p:cNvPr id="20" name="矩形 19"/>
+          <p:cNvSpPr/>
+          <p:nvPr/>
+        </p:nvSpPr>
+        <p:spPr>
+          <a:xfrm>
+            <a:off x="4391312" y="5287750"/>
+            <a:ext cx="462743" cy="193491"/>
+          </a:xfrm>
+          <a:prstGeom prst="rect">
+            <a:avLst/>
+          </a:prstGeom>
+          <a:solidFill>
+            <a:schemeClr val="bg1">
+              <a:lumMod val="65000"/>
+            </a:schemeClr>
+          </a:solidFill>
+          <a:ln>
+            <a:solidFill>
+              <a:schemeClr val="tx1"/>
+            </a:solidFill>
+          </a:ln>
+        </p:spPr>
+        <p:style>
+          <a:lnRef idx="2">
+            <a:schemeClr val="accent1">
+              <a:shade val="50000"/>
+            </a:schemeClr>
+          </a:lnRef>
+          <a:fillRef idx="1">
+            <a:schemeClr val="accent1"/>
+          </a:fillRef>
+          <a:effectRef idx="0">
+            <a:schemeClr val="accent1"/>
+          </a:effectRef>
+          <a:fontRef idx="minor">
+            <a:schemeClr val="lt1"/>
+          </a:fontRef>
+        </p:style>
+        <p:txBody>
+          <a:bodyPr rtlCol="0" anchor="ctr"/>
+          <a:lstStyle/>
+          <a:p>
+            <a:pPr algn="ctr"/>
+            <a:r>
+              <a:rPr lang="en-US" altLang="zh-CN" sz="900" dirty="0" smtClean="0">
+                <a:solidFill>
+                  <a:schemeClr val="tx1"/>
+                </a:solidFill>
+              </a:rPr>
+              <a:t>12</a:t>
+            </a:r>
+            <a:endParaRPr lang="zh-CN" altLang="en-US" sz="900" dirty="0">
+              <a:solidFill>
+                <a:schemeClr val="tx1"/>
+              </a:solidFill>
+            </a:endParaRPr>
+          </a:p>
+        </p:txBody>
+      </p:sp>
+      <p:sp>
+        <p:nvSpPr>
+          <p:cNvPr id="21" name="矩形 20"/>
+          <p:cNvSpPr/>
+          <p:nvPr/>
+        </p:nvSpPr>
+        <p:spPr>
+          <a:xfrm>
+            <a:off x="4391312" y="5481241"/>
+            <a:ext cx="462743" cy="193491"/>
+          </a:xfrm>
+          <a:prstGeom prst="rect">
+            <a:avLst/>
+          </a:prstGeom>
+          <a:solidFill>
+            <a:schemeClr val="bg1">
+              <a:lumMod val="65000"/>
+            </a:schemeClr>
+          </a:solidFill>
+          <a:ln>
+            <a:solidFill>
+              <a:schemeClr val="tx1"/>
+            </a:solidFill>
+          </a:ln>
+        </p:spPr>
+        <p:style>
+          <a:lnRef idx="2">
+            <a:schemeClr val="accent1">
+              <a:shade val="50000"/>
+            </a:schemeClr>
+          </a:lnRef>
+          <a:fillRef idx="1">
+            <a:schemeClr val="accent1"/>
+          </a:fillRef>
+          <a:effectRef idx="0">
+            <a:schemeClr val="accent1"/>
+          </a:effectRef>
+          <a:fontRef idx="minor">
+            <a:schemeClr val="lt1"/>
+          </a:fontRef>
+        </p:style>
+        <p:txBody>
+          <a:bodyPr rtlCol="0" anchor="ctr"/>
+          <a:lstStyle/>
+          <a:p>
+            <a:pPr algn="ctr"/>
+            <a:r>
+              <a:rPr lang="en-US" altLang="zh-CN" sz="900" dirty="0" smtClean="0">
+                <a:solidFill>
+                  <a:schemeClr val="tx1"/>
+                </a:solidFill>
+              </a:rPr>
+              <a:t>17</a:t>
+            </a:r>
+            <a:endParaRPr lang="zh-CN" altLang="en-US" sz="900" dirty="0">
+              <a:solidFill>
+                <a:schemeClr val="tx1"/>
+              </a:solidFill>
+            </a:endParaRPr>
+          </a:p>
+        </p:txBody>
+      </p:sp>
+      <p:sp>
+        <p:nvSpPr>
+          <p:cNvPr id="22" name="矩形 21"/>
+          <p:cNvSpPr/>
+          <p:nvPr/>
+        </p:nvSpPr>
+        <p:spPr>
+          <a:xfrm>
+            <a:off x="4391312" y="5674732"/>
+            <a:ext cx="462743" cy="193491"/>
+          </a:xfrm>
+          <a:prstGeom prst="rect">
+            <a:avLst/>
+          </a:prstGeom>
+          <a:solidFill>
+            <a:schemeClr val="bg1">
+              <a:lumMod val="65000"/>
+            </a:schemeClr>
+          </a:solidFill>
+          <a:ln>
+            <a:solidFill>
+              <a:schemeClr val="tx1"/>
+            </a:solidFill>
+          </a:ln>
+        </p:spPr>
+        <p:style>
+          <a:lnRef idx="2">
+            <a:schemeClr val="accent1">
+              <a:shade val="50000"/>
+            </a:schemeClr>
+          </a:lnRef>
+          <a:fillRef idx="1">
+            <a:schemeClr val="accent1"/>
+          </a:fillRef>
+          <a:effectRef idx="0">
+            <a:schemeClr val="accent1"/>
+          </a:effectRef>
+          <a:fontRef idx="minor">
+            <a:schemeClr val="lt1"/>
+          </a:fontRef>
+        </p:style>
+        <p:txBody>
+          <a:bodyPr rtlCol="0" anchor="ctr"/>
+          <a:lstStyle/>
+          <a:p>
+            <a:pPr algn="ctr"/>
+            <a:r>
+              <a:rPr lang="en-US" altLang="zh-CN" sz="900" dirty="0">
+                <a:solidFill>
+                  <a:schemeClr val="tx1"/>
+                </a:solidFill>
+              </a:rPr>
+              <a:t>10</a:t>
+            </a:r>
+            <a:endParaRPr lang="zh-CN" altLang="en-US" sz="900" dirty="0">
+              <a:solidFill>
+                <a:schemeClr val="tx1"/>
+              </a:solidFill>
+            </a:endParaRPr>
+          </a:p>
+        </p:txBody>
+      </p:sp>
+      <p:sp>
+        <p:nvSpPr>
+          <p:cNvPr id="23" name="矩形 22"/>
+          <p:cNvSpPr/>
+          <p:nvPr/>
+        </p:nvSpPr>
+        <p:spPr>
+          <a:xfrm>
+            <a:off x="4391312" y="5868223"/>
+            <a:ext cx="462743" cy="193491"/>
+          </a:xfrm>
+          <a:prstGeom prst="rect">
+            <a:avLst/>
+          </a:prstGeom>
+          <a:solidFill>
+            <a:schemeClr val="bg1">
+              <a:lumMod val="65000"/>
+            </a:schemeClr>
+          </a:solidFill>
+          <a:ln>
+            <a:solidFill>
+              <a:schemeClr val="tx1"/>
+            </a:solidFill>
+          </a:ln>
+        </p:spPr>
+        <p:style>
+          <a:lnRef idx="2">
+            <a:schemeClr val="accent1">
+              <a:shade val="50000"/>
+            </a:schemeClr>
+          </a:lnRef>
+          <a:fillRef idx="1">
+            <a:schemeClr val="accent1"/>
+          </a:fillRef>
+          <a:effectRef idx="0">
+            <a:schemeClr val="accent1"/>
+          </a:effectRef>
+          <a:fontRef idx="minor">
+            <a:schemeClr val="lt1"/>
+          </a:fontRef>
+        </p:style>
+        <p:txBody>
+          <a:bodyPr rtlCol="0" anchor="ctr"/>
+          <a:lstStyle/>
+          <a:p>
+            <a:pPr algn="ctr"/>
+            <a:r>
+              <a:rPr lang="en-US" altLang="zh-CN" sz="900" dirty="0" smtClean="0">
+                <a:solidFill>
+                  <a:schemeClr val="tx1"/>
+                </a:solidFill>
+              </a:rPr>
+              <a:t>19</a:t>
+            </a:r>
+            <a:endParaRPr lang="zh-CN" altLang="en-US" sz="900" dirty="0">
+              <a:solidFill>
+                <a:schemeClr val="tx1"/>
+              </a:solidFill>
+            </a:endParaRPr>
+          </a:p>
+        </p:txBody>
+      </p:sp>
+      <p:sp>
+        <p:nvSpPr>
+          <p:cNvPr id="26" name="文本框 25"/>
+          <p:cNvSpPr txBox="1"/>
+          <p:nvPr/>
+        </p:nvSpPr>
+        <p:spPr>
+          <a:xfrm>
+            <a:off x="5166646" y="5164639"/>
+            <a:ext cx="1079142" cy="246221"/>
+          </a:xfrm>
+          <a:prstGeom prst="rect">
+            <a:avLst/>
+          </a:prstGeom>
+          <a:noFill/>
+        </p:spPr>
+        <p:txBody>
+          <a:bodyPr wrap="none" rtlCol="0">
+            <a:spAutoFit/>
+          </a:bodyPr>
+          <a:lstStyle/>
+          <a:p>
+            <a:r>
+              <a:rPr lang="en-US" altLang="zh-CN" sz="1000" dirty="0" smtClean="0"/>
+              <a:t>Segment [10, 20]</a:t>
+            </a:r>
+            <a:endParaRPr lang="zh-CN" altLang="en-US" sz="1000" dirty="0"/>
+          </a:p>
+        </p:txBody>
+      </p:sp>
+      <p:sp>
+        <p:nvSpPr>
+          <p:cNvPr id="27" name="左大括号 26"/>
+          <p:cNvSpPr/>
+          <p:nvPr/>
+        </p:nvSpPr>
+        <p:spPr>
+          <a:xfrm flipH="1">
+            <a:off x="4957963" y="4513786"/>
+            <a:ext cx="114300" cy="1517149"/>
+          </a:xfrm>
+          <a:prstGeom prst="leftBrace">
+            <a:avLst>
+              <a:gd name="adj1" fmla="val 27084"/>
+              <a:gd name="adj2" fmla="val 50000"/>
+            </a:avLst>
+          </a:prstGeom>
+          <a:ln>
+            <a:solidFill>
+              <a:schemeClr val="tx1"/>
+            </a:solidFill>
+          </a:ln>
+        </p:spPr>
+        <p:style>
+          <a:lnRef idx="1">
+            <a:schemeClr val="accent1"/>
+          </a:lnRef>
+          <a:fillRef idx="0">
+            <a:schemeClr val="accent1"/>
+          </a:fillRef>
+          <a:effectRef idx="0">
+            <a:schemeClr val="accent1"/>
+          </a:effectRef>
+          <a:fontRef idx="minor">
+            <a:schemeClr val="tx1"/>
+          </a:fontRef>
+        </p:style>
+        <p:txBody>
+          <a:bodyPr rtlCol="0" anchor="ctr"/>
+          <a:lstStyle/>
+          <a:p>
+            <a:pPr algn="ctr"/>
+            <a:endParaRPr lang="zh-CN" altLang="en-US" sz="1000"/>
+          </a:p>
+        </p:txBody>
+      </p:sp>
+      <p:sp>
+        <p:nvSpPr>
+          <p:cNvPr id="28" name="文本框 27"/>
+          <p:cNvSpPr txBox="1"/>
+          <p:nvPr/>
+        </p:nvSpPr>
+        <p:spPr>
+          <a:xfrm>
+            <a:off x="5166646" y="3603594"/>
+            <a:ext cx="947695" cy="246221"/>
+          </a:xfrm>
+          <a:prstGeom prst="rect">
+            <a:avLst/>
+          </a:prstGeom>
+          <a:noFill/>
+        </p:spPr>
+        <p:txBody>
+          <a:bodyPr wrap="none" rtlCol="0">
+            <a:spAutoFit/>
+          </a:bodyPr>
+          <a:lstStyle/>
+          <a:p>
+            <a:r>
+              <a:rPr lang="en-US" altLang="zh-CN" sz="1000" dirty="0" smtClean="0"/>
+              <a:t>Segment [1, 8]</a:t>
+            </a:r>
+            <a:endParaRPr lang="zh-CN" altLang="en-US" sz="1000" dirty="0"/>
+          </a:p>
+        </p:txBody>
+      </p:sp>
+      <p:sp>
+        <p:nvSpPr>
+          <p:cNvPr id="29" name="左大括号 28"/>
+          <p:cNvSpPr/>
+          <p:nvPr/>
+        </p:nvSpPr>
+        <p:spPr>
+          <a:xfrm flipH="1">
+            <a:off x="4957963" y="2952741"/>
+            <a:ext cx="114300" cy="1517149"/>
+          </a:xfrm>
+          <a:prstGeom prst="leftBrace">
+            <a:avLst>
+              <a:gd name="adj1" fmla="val 27084"/>
+              <a:gd name="adj2" fmla="val 50000"/>
+            </a:avLst>
+          </a:prstGeom>
+          <a:ln>
+            <a:solidFill>
+              <a:schemeClr val="tx1"/>
+            </a:solidFill>
+          </a:ln>
+        </p:spPr>
+        <p:style>
+          <a:lnRef idx="1">
+            <a:schemeClr val="accent1"/>
+          </a:lnRef>
+          <a:fillRef idx="0">
+            <a:schemeClr val="accent1"/>
+          </a:fillRef>
+          <a:effectRef idx="0">
+            <a:schemeClr val="accent1"/>
+          </a:effectRef>
+          <a:fontRef idx="minor">
+            <a:schemeClr val="tx1"/>
+          </a:fontRef>
+        </p:style>
+        <p:txBody>
+          <a:bodyPr rtlCol="0" anchor="ctr"/>
+          <a:lstStyle/>
+          <a:p>
+            <a:pPr algn="ctr"/>
+            <a:endParaRPr lang="zh-CN" altLang="en-US" sz="1000"/>
+          </a:p>
+        </p:txBody>
+      </p:sp>
+      <p:sp>
+        <p:nvSpPr>
+          <p:cNvPr id="30" name="矩形 29"/>
+          <p:cNvSpPr/>
+          <p:nvPr/>
+        </p:nvSpPr>
+        <p:spPr>
+          <a:xfrm>
+            <a:off x="1801771" y="1385271"/>
+            <a:ext cx="7036285" cy="369332"/>
+          </a:xfrm>
+          <a:prstGeom prst="rect">
+            <a:avLst/>
+          </a:prstGeom>
+        </p:spPr>
+        <p:txBody>
+          <a:bodyPr wrap="none">
+            <a:spAutoFit/>
+          </a:bodyPr>
+          <a:lstStyle/>
+          <a:p>
+            <a:r>
+              <a:rPr lang="en-US" altLang="zh-CN" b="1" dirty="0"/>
+              <a:t>SELECT</a:t>
+            </a:r>
+            <a:r>
+              <a:rPr lang="en-US" altLang="zh-CN" dirty="0"/>
+              <a:t> * </a:t>
+            </a:r>
+            <a:r>
+              <a:rPr lang="en-US" altLang="zh-CN" b="1" dirty="0"/>
+              <a:t>FROM</a:t>
+            </a:r>
+            <a:r>
+              <a:rPr lang="en-US" altLang="zh-CN" dirty="0"/>
+              <a:t> </a:t>
+            </a:r>
+            <a:r>
+              <a:rPr lang="en-US" altLang="zh-CN" i="1" dirty="0" err="1"/>
+              <a:t>table_name</a:t>
+            </a:r>
+            <a:r>
+              <a:rPr lang="en-US" altLang="zh-CN" dirty="0"/>
+              <a:t> </a:t>
+            </a:r>
+            <a:r>
+              <a:rPr lang="en-US" altLang="zh-CN" b="1" dirty="0"/>
+              <a:t>WHERE</a:t>
+            </a:r>
+            <a:r>
+              <a:rPr lang="en-US" altLang="zh-CN" dirty="0"/>
+              <a:t> </a:t>
+            </a:r>
+            <a:r>
+              <a:rPr lang="en-US" altLang="zh-CN" i="1" dirty="0" err="1"/>
+              <a:t>field_name</a:t>
+            </a:r>
+            <a:r>
+              <a:rPr lang="en-US" altLang="zh-CN" i="1" dirty="0"/>
+              <a:t> </a:t>
+            </a:r>
+            <a:r>
+              <a:rPr lang="en-US" altLang="zh-CN" dirty="0"/>
+              <a:t>&gt; 2 </a:t>
+            </a:r>
+            <a:r>
+              <a:rPr lang="en-US" altLang="zh-CN" b="1" dirty="0"/>
+              <a:t>AND</a:t>
+            </a:r>
+            <a:r>
+              <a:rPr lang="en-US" altLang="zh-CN" dirty="0"/>
+              <a:t> </a:t>
+            </a:r>
+            <a:r>
+              <a:rPr lang="en-US" altLang="zh-CN" i="1" dirty="0" err="1"/>
+              <a:t>field_name</a:t>
+            </a:r>
+            <a:r>
+              <a:rPr lang="en-US" altLang="zh-CN" i="1" dirty="0"/>
+              <a:t> </a:t>
+            </a:r>
+            <a:r>
+              <a:rPr lang="en-US" altLang="zh-CN" dirty="0"/>
+              <a:t>&lt; 9;</a:t>
+            </a:r>
+            <a:endParaRPr lang="zh-CN" altLang="en-US" dirty="0"/>
+          </a:p>
+        </p:txBody>
+      </p:sp>
+      <p:sp>
+        <p:nvSpPr>
+          <p:cNvPr id="32" name="下箭头 31"/>
+          <p:cNvSpPr/>
+          <p:nvPr/>
+        </p:nvSpPr>
+        <p:spPr>
+          <a:xfrm>
+            <a:off x="3617975" y="4573436"/>
+            <a:ext cx="390525" cy="520823"/>
+          </a:xfrm>
+          <a:prstGeom prst="downArrow">
+            <a:avLst/>
+          </a:prstGeom>
+          <a:solidFill>
+            <a:schemeClr val="tx1"/>
+          </a:solidFill>
+          <a:ln>
+            <a:noFill/>
+          </a:ln>
+        </p:spPr>
+        <p:style>
+          <a:lnRef idx="2">
+            <a:schemeClr val="accent1">
+              <a:shade val="50000"/>
+            </a:schemeClr>
+          </a:lnRef>
+          <a:fillRef idx="1">
+            <a:schemeClr val="accent1"/>
+          </a:fillRef>
+          <a:effectRef idx="0">
+            <a:schemeClr val="accent1"/>
+          </a:effectRef>
+          <a:fontRef idx="minor">
+            <a:schemeClr val="lt1"/>
+          </a:fontRef>
+        </p:style>
+        <p:txBody>
+          <a:bodyPr rtlCol="0" anchor="ctr"/>
+          <a:lstStyle/>
+          <a:p>
+            <a:pPr algn="ctr"/>
+            <a:endParaRPr lang="zh-CN" altLang="en-US"/>
+          </a:p>
+        </p:txBody>
+      </p:sp>
+      <p:sp>
+        <p:nvSpPr>
+          <p:cNvPr id="33" name="矩形 32"/>
+          <p:cNvSpPr/>
+          <p:nvPr/>
+        </p:nvSpPr>
+        <p:spPr>
+          <a:xfrm>
+            <a:off x="3256024" y="4278478"/>
+            <a:ext cx="1114425" cy="246221"/>
+          </a:xfrm>
+          <a:prstGeom prst="rect">
+            <a:avLst/>
+          </a:prstGeom>
+        </p:spPr>
+        <p:txBody>
+          <a:bodyPr wrap="square">
+            <a:spAutoFit/>
+          </a:bodyPr>
+          <a:lstStyle/>
+          <a:p>
+            <a:r>
+              <a:rPr lang="en-US" altLang="zh-CN" sz="1000" dirty="0" smtClean="0"/>
+              <a:t>Query range (2, 9)</a:t>
+            </a:r>
+            <a:endParaRPr lang="zh-CN" altLang="en-US" sz="1000" dirty="0"/>
+          </a:p>
+        </p:txBody>
+      </p:sp>
+      <p:sp>
+        <p:nvSpPr>
+          <p:cNvPr id="78" name="禁止符 77"/>
+          <p:cNvSpPr/>
+          <p:nvPr/>
+        </p:nvSpPr>
+        <p:spPr>
+          <a:xfrm>
+            <a:off x="4348007" y="4917259"/>
+            <a:ext cx="549352" cy="549352"/>
+          </a:xfrm>
+          <a:prstGeom prst="noSmoking">
+            <a:avLst/>
+          </a:prstGeom>
+          <a:solidFill>
+            <a:srgbClr val="FF0000"/>
+          </a:solidFill>
+          <a:ln>
+            <a:solidFill>
+              <a:schemeClr val="tx1"/>
+            </a:solidFill>
+          </a:ln>
+        </p:spPr>
+        <p:style>
+          <a:lnRef idx="2">
+            <a:schemeClr val="dk1">
+              <a:shade val="50000"/>
+            </a:schemeClr>
+          </a:lnRef>
+          <a:fillRef idx="1">
+            <a:schemeClr val="dk1"/>
+          </a:fillRef>
+          <a:effectRef idx="0">
+            <a:schemeClr val="dk1"/>
+          </a:effectRef>
+          <a:fontRef idx="minor">
+            <a:schemeClr val="lt1"/>
+          </a:fontRef>
+        </p:style>
+        <p:txBody>
+          <a:bodyPr rtlCol="0" anchor="ctr"/>
+          <a:lstStyle/>
+          <a:p>
+            <a:pPr algn="ctr"/>
+            <a:endParaRPr lang="zh-CN" altLang="en-US">
+              <a:solidFill>
+                <a:schemeClr val="tx1"/>
+              </a:solidFill>
+            </a:endParaRPr>
+          </a:p>
+        </p:txBody>
+      </p:sp>
+    </p:spTree>
+    <p:extLst>
+      <p:ext uri="{BB962C8B-B14F-4D97-AF65-F5344CB8AC3E}">
+        <p14:creationId xmlns:p14="http://schemas.microsoft.com/office/powerpoint/2010/main" val="2979433892"/>
       </p:ext>
     </p:extLst>
   </p:cSld>

--- a/doc/thor architecture.pptx
+++ b/doc/thor architecture.pptx
@@ -36,8 +36,11 @@
     <p:sldId id="284" r:id="rId30"/>
     <p:sldId id="285" r:id="rId31"/>
     <p:sldId id="286" r:id="rId32"/>
-    <p:sldId id="287" r:id="rId33"/>
-    <p:sldId id="288" r:id="rId34"/>
+    <p:sldId id="290" r:id="rId33"/>
+    <p:sldId id="287" r:id="rId34"/>
+    <p:sldId id="288" r:id="rId35"/>
+    <p:sldId id="291" r:id="rId36"/>
+    <p:sldId id="289" r:id="rId37"/>
   </p:sldIdLst>
   <p:sldSz cx="12192000" cy="6858000"/>
   <p:notesSz cx="6858000" cy="9144000"/>
@@ -35095,6 +35098,62 @@
           </a:p>
         </p:txBody>
       </p:sp>
+    </p:spTree>
+    <p:extLst>
+      <p:ext uri="{BB962C8B-B14F-4D97-AF65-F5344CB8AC3E}">
+        <p14:creationId xmlns:p14="http://schemas.microsoft.com/office/powerpoint/2010/main" val="2025942028"/>
+      </p:ext>
+    </p:extLst>
+  </p:cSld>
+  <p:clrMapOvr>
+    <a:masterClrMapping/>
+  </p:clrMapOvr>
+  <p:timing>
+    <p:tnLst>
+      <p:par>
+        <p:cTn id="1" dur="indefinite" restart="never" nodeType="tmRoot"/>
+      </p:par>
+    </p:tnLst>
+  </p:timing>
+</p:sld>
+</file>
+
+<file path=ppt/slides/slide32.xml><?xml version="1.0" encoding="utf-8"?>
+<p:sld xmlns:a="http://schemas.openxmlformats.org/drawingml/2006/main" xmlns:r="http://schemas.openxmlformats.org/officeDocument/2006/relationships" xmlns:p="http://schemas.openxmlformats.org/presentationml/2006/main">
+  <p:cSld>
+    <p:spTree>
+      <p:nvGrpSpPr>
+        <p:cNvPr id="1" name=""/>
+        <p:cNvGrpSpPr/>
+        <p:nvPr/>
+      </p:nvGrpSpPr>
+      <p:grpSpPr>
+        <a:xfrm>
+          <a:off x="0" y="0"/>
+          <a:ext cx="0" cy="0"/>
+          <a:chOff x="0" y="0"/>
+          <a:chExt cx="0" cy="0"/>
+        </a:xfrm>
+      </p:grpSpPr>
+      <p:sp>
+        <p:nvSpPr>
+          <p:cNvPr id="2" name="标题 1"/>
+          <p:cNvSpPr>
+            <a:spLocks noGrp="1"/>
+          </p:cNvSpPr>
+          <p:nvPr>
+            <p:ph type="title"/>
+          </p:nvPr>
+        </p:nvSpPr>
+        <p:spPr/>
+        <p:txBody>
+          <a:bodyPr/>
+          <a:lstStyle/>
+          <a:p>
+            <a:endParaRPr lang="zh-CN" altLang="en-US"/>
+          </a:p>
+        </p:txBody>
+      </p:sp>
       <p:grpSp>
         <p:nvGrpSpPr>
           <p:cNvPr id="3" name="组合 2"/>
@@ -35103,7 +35162,7 @@
         </p:nvGrpSpPr>
         <p:grpSpPr>
           <a:xfrm>
-            <a:off x="6469903" y="1877905"/>
+            <a:off x="2840295" y="1840583"/>
             <a:ext cx="290580" cy="1740312"/>
             <a:chOff x="6965153" y="2630436"/>
             <a:chExt cx="426247" cy="1740312"/>
@@ -35111,7 +35170,7 @@
         </p:grpSpPr>
         <p:sp>
           <p:nvSpPr>
-            <p:cNvPr id="48" name="矩形 47"/>
+            <p:cNvPr id="4" name="矩形 3"/>
             <p:cNvSpPr/>
             <p:nvPr/>
           </p:nvSpPr>
@@ -35173,7 +35232,7 @@
         </p:sp>
         <p:sp>
           <p:nvSpPr>
-            <p:cNvPr id="35" name="矩形 34"/>
+            <p:cNvPr id="5" name="矩形 4"/>
             <p:cNvSpPr/>
             <p:nvPr/>
           </p:nvSpPr>
@@ -35235,7 +35294,7 @@
         </p:sp>
         <p:sp>
           <p:nvSpPr>
-            <p:cNvPr id="36" name="矩形 35"/>
+            <p:cNvPr id="6" name="矩形 5"/>
             <p:cNvSpPr/>
             <p:nvPr/>
           </p:nvSpPr>
@@ -35297,7 +35356,7 @@
         </p:sp>
         <p:sp>
           <p:nvSpPr>
-            <p:cNvPr id="38" name="矩形 37"/>
+            <p:cNvPr id="7" name="矩形 6"/>
             <p:cNvSpPr/>
             <p:nvPr/>
           </p:nvSpPr>
@@ -35359,7 +35418,7 @@
         </p:sp>
         <p:sp>
           <p:nvSpPr>
-            <p:cNvPr id="39" name="矩形 38"/>
+            <p:cNvPr id="8" name="矩形 7"/>
             <p:cNvSpPr/>
             <p:nvPr/>
           </p:nvSpPr>
@@ -35421,7 +35480,7 @@
         </p:sp>
         <p:sp>
           <p:nvSpPr>
-            <p:cNvPr id="47" name="矩形 46"/>
+            <p:cNvPr id="9" name="矩形 8"/>
             <p:cNvSpPr/>
             <p:nvPr/>
           </p:nvSpPr>
@@ -35483,7 +35542,7 @@
         </p:sp>
         <p:sp>
           <p:nvSpPr>
-            <p:cNvPr id="49" name="矩形 48"/>
+            <p:cNvPr id="10" name="矩形 9"/>
             <p:cNvSpPr/>
             <p:nvPr/>
           </p:nvSpPr>
@@ -35545,7 +35604,7 @@
         </p:sp>
         <p:sp>
           <p:nvSpPr>
-            <p:cNvPr id="50" name="矩形 49"/>
+            <p:cNvPr id="11" name="矩形 10"/>
             <p:cNvSpPr/>
             <p:nvPr/>
           </p:nvSpPr>
@@ -35608,13 +35667,13 @@
       </p:grpSp>
       <p:grpSp>
         <p:nvGrpSpPr>
-          <p:cNvPr id="51" name="组合 50"/>
+          <p:cNvPr id="12" name="组合 11"/>
           <p:cNvGrpSpPr/>
           <p:nvPr/>
         </p:nvGrpSpPr>
         <p:grpSpPr>
           <a:xfrm>
-            <a:off x="7019974" y="1877905"/>
+            <a:off x="3390366" y="1840583"/>
             <a:ext cx="714375" cy="1740312"/>
             <a:chOff x="6965153" y="2630436"/>
             <a:chExt cx="426247" cy="1740312"/>
@@ -35627,7 +35686,7 @@
         </p:grpSpPr>
         <p:sp>
           <p:nvSpPr>
-            <p:cNvPr id="52" name="矩形 51"/>
+            <p:cNvPr id="13" name="矩形 12"/>
             <p:cNvSpPr/>
             <p:nvPr/>
           </p:nvSpPr>
@@ -35685,7 +35744,7 @@
         </p:sp>
         <p:sp>
           <p:nvSpPr>
-            <p:cNvPr id="53" name="矩形 52"/>
+            <p:cNvPr id="14" name="矩形 13"/>
             <p:cNvSpPr/>
             <p:nvPr/>
           </p:nvSpPr>
@@ -35743,7 +35802,7 @@
         </p:sp>
         <p:sp>
           <p:nvSpPr>
-            <p:cNvPr id="54" name="矩形 53"/>
+            <p:cNvPr id="15" name="矩形 14"/>
             <p:cNvSpPr/>
             <p:nvPr/>
           </p:nvSpPr>
@@ -35801,7 +35860,7 @@
         </p:sp>
         <p:sp>
           <p:nvSpPr>
-            <p:cNvPr id="55" name="矩形 54"/>
+            <p:cNvPr id="16" name="矩形 15"/>
             <p:cNvSpPr/>
             <p:nvPr/>
           </p:nvSpPr>
@@ -35859,7 +35918,7 @@
         </p:sp>
         <p:sp>
           <p:nvSpPr>
-            <p:cNvPr id="56" name="矩形 55"/>
+            <p:cNvPr id="17" name="矩形 16"/>
             <p:cNvSpPr/>
             <p:nvPr/>
           </p:nvSpPr>
@@ -35917,7 +35976,7 @@
         </p:sp>
         <p:sp>
           <p:nvSpPr>
-            <p:cNvPr id="57" name="矩形 56"/>
+            <p:cNvPr id="18" name="矩形 17"/>
             <p:cNvSpPr/>
             <p:nvPr/>
           </p:nvSpPr>
@@ -35975,7 +36034,7 @@
         </p:sp>
         <p:sp>
           <p:nvSpPr>
-            <p:cNvPr id="58" name="矩形 57"/>
+            <p:cNvPr id="19" name="矩形 18"/>
             <p:cNvSpPr/>
             <p:nvPr/>
           </p:nvSpPr>
@@ -36033,7 +36092,7 @@
         </p:sp>
         <p:sp>
           <p:nvSpPr>
-            <p:cNvPr id="59" name="矩形 58"/>
+            <p:cNvPr id="20" name="矩形 19"/>
             <p:cNvSpPr/>
             <p:nvPr/>
           </p:nvSpPr>
@@ -36092,13 +36151,13 @@
       </p:grpSp>
       <p:grpSp>
         <p:nvGrpSpPr>
-          <p:cNvPr id="60" name="组合 59"/>
+          <p:cNvPr id="21" name="组合 20"/>
           <p:cNvGrpSpPr/>
           <p:nvPr/>
         </p:nvGrpSpPr>
         <p:grpSpPr>
           <a:xfrm>
-            <a:off x="7974852" y="1877905"/>
+            <a:off x="4345244" y="1840583"/>
             <a:ext cx="664372" cy="1740312"/>
             <a:chOff x="6965153" y="2630436"/>
             <a:chExt cx="426247" cy="1740312"/>
@@ -36109,7 +36168,7 @@
         </p:grpSpPr>
         <p:sp>
           <p:nvSpPr>
-            <p:cNvPr id="61" name="矩形 60"/>
+            <p:cNvPr id="22" name="矩形 21"/>
             <p:cNvSpPr/>
             <p:nvPr/>
           </p:nvSpPr>
@@ -36166,7 +36225,7 @@
         </p:sp>
         <p:sp>
           <p:nvSpPr>
-            <p:cNvPr id="62" name="矩形 61"/>
+            <p:cNvPr id="23" name="矩形 22"/>
             <p:cNvSpPr/>
             <p:nvPr/>
           </p:nvSpPr>
@@ -36223,7 +36282,7 @@
         </p:sp>
         <p:sp>
           <p:nvSpPr>
-            <p:cNvPr id="63" name="矩形 62"/>
+            <p:cNvPr id="24" name="矩形 23"/>
             <p:cNvSpPr/>
             <p:nvPr/>
           </p:nvSpPr>
@@ -36280,7 +36339,7 @@
         </p:sp>
         <p:sp>
           <p:nvSpPr>
-            <p:cNvPr id="64" name="矩形 63"/>
+            <p:cNvPr id="25" name="矩形 24"/>
             <p:cNvSpPr/>
             <p:nvPr/>
           </p:nvSpPr>
@@ -36337,7 +36396,7 @@
         </p:sp>
         <p:sp>
           <p:nvSpPr>
-            <p:cNvPr id="65" name="矩形 64"/>
+            <p:cNvPr id="26" name="矩形 25"/>
             <p:cNvSpPr/>
             <p:nvPr/>
           </p:nvSpPr>
@@ -36394,7 +36453,7 @@
         </p:sp>
         <p:sp>
           <p:nvSpPr>
-            <p:cNvPr id="66" name="矩形 65"/>
+            <p:cNvPr id="27" name="矩形 26"/>
             <p:cNvSpPr/>
             <p:nvPr/>
           </p:nvSpPr>
@@ -36451,7 +36510,7 @@
         </p:sp>
         <p:sp>
           <p:nvSpPr>
-            <p:cNvPr id="67" name="矩形 66"/>
+            <p:cNvPr id="28" name="矩形 27"/>
             <p:cNvSpPr/>
             <p:nvPr/>
           </p:nvSpPr>
@@ -36508,7 +36567,7 @@
         </p:sp>
         <p:sp>
           <p:nvSpPr>
-            <p:cNvPr id="68" name="矩形 67"/>
+            <p:cNvPr id="29" name="矩形 28"/>
             <p:cNvSpPr/>
             <p:nvPr/>
           </p:nvSpPr>
@@ -36566,13 +36625,13 @@
       </p:grpSp>
       <p:grpSp>
         <p:nvGrpSpPr>
-          <p:cNvPr id="69" name="组合 68"/>
+          <p:cNvPr id="30" name="组合 29"/>
           <p:cNvGrpSpPr/>
           <p:nvPr/>
         </p:nvGrpSpPr>
         <p:grpSpPr>
           <a:xfrm>
-            <a:off x="8808389" y="1877905"/>
+            <a:off x="5178781" y="1840583"/>
             <a:ext cx="411479" cy="1740312"/>
             <a:chOff x="6965153" y="2630436"/>
             <a:chExt cx="426251" cy="1740312"/>
@@ -36583,7 +36642,7 @@
         </p:grpSpPr>
         <p:sp>
           <p:nvSpPr>
-            <p:cNvPr id="70" name="矩形 69"/>
+            <p:cNvPr id="31" name="矩形 30"/>
             <p:cNvSpPr/>
             <p:nvPr/>
           </p:nvSpPr>
@@ -36632,7 +36691,7 @@
         </p:sp>
         <p:sp>
           <p:nvSpPr>
-            <p:cNvPr id="71" name="矩形 70"/>
+            <p:cNvPr id="32" name="矩形 31"/>
             <p:cNvSpPr/>
             <p:nvPr/>
           </p:nvSpPr>
@@ -36681,7 +36740,7 @@
         </p:sp>
         <p:sp>
           <p:nvSpPr>
-            <p:cNvPr id="72" name="矩形 71"/>
+            <p:cNvPr id="33" name="矩形 32"/>
             <p:cNvSpPr/>
             <p:nvPr/>
           </p:nvSpPr>
@@ -36738,7 +36797,7 @@
         </p:sp>
         <p:sp>
           <p:nvSpPr>
-            <p:cNvPr id="73" name="矩形 72"/>
+            <p:cNvPr id="34" name="矩形 33"/>
             <p:cNvSpPr/>
             <p:nvPr/>
           </p:nvSpPr>
@@ -36795,7 +36854,7 @@
         </p:sp>
         <p:sp>
           <p:nvSpPr>
-            <p:cNvPr id="74" name="矩形 73"/>
+            <p:cNvPr id="35" name="矩形 34"/>
             <p:cNvSpPr/>
             <p:nvPr/>
           </p:nvSpPr>
@@ -36852,7 +36911,7 @@
         </p:sp>
         <p:sp>
           <p:nvSpPr>
-            <p:cNvPr id="75" name="矩形 74"/>
+            <p:cNvPr id="36" name="矩形 35"/>
             <p:cNvSpPr/>
             <p:nvPr/>
           </p:nvSpPr>
@@ -36909,7 +36968,7 @@
         </p:sp>
         <p:sp>
           <p:nvSpPr>
-            <p:cNvPr id="76" name="矩形 75"/>
+            <p:cNvPr id="37" name="矩形 36"/>
             <p:cNvSpPr/>
             <p:nvPr/>
           </p:nvSpPr>
@@ -36966,7 +37025,7 @@
         </p:sp>
         <p:sp>
           <p:nvSpPr>
-            <p:cNvPr id="77" name="矩形 76"/>
+            <p:cNvPr id="38" name="矩形 37"/>
             <p:cNvSpPr/>
             <p:nvPr/>
           </p:nvSpPr>
@@ -37016,13 +37075,13 @@
       </p:grpSp>
       <p:sp>
         <p:nvSpPr>
-          <p:cNvPr id="6" name="文本框 5"/>
+          <p:cNvPr id="39" name="文本框 38"/>
           <p:cNvSpPr txBox="1"/>
           <p:nvPr/>
         </p:nvSpPr>
         <p:spPr>
           <a:xfrm>
-            <a:off x="6367404" y="1590992"/>
+            <a:off x="2737796" y="1553670"/>
             <a:ext cx="561372" cy="246221"/>
           </a:xfrm>
           <a:prstGeom prst="rect">
@@ -37046,13 +37105,13 @@
       </p:sp>
       <p:sp>
         <p:nvSpPr>
-          <p:cNvPr id="79" name="文本框 78"/>
+          <p:cNvPr id="40" name="文本框 39"/>
           <p:cNvSpPr txBox="1"/>
           <p:nvPr/>
         </p:nvSpPr>
         <p:spPr>
           <a:xfrm>
-            <a:off x="7049827" y="1590992"/>
+            <a:off x="3420219" y="1553670"/>
             <a:ext cx="431528" cy="246221"/>
           </a:xfrm>
           <a:prstGeom prst="rect">
@@ -37076,13 +37135,13 @@
       </p:sp>
       <p:sp>
         <p:nvSpPr>
-          <p:cNvPr id="80" name="文本框 79"/>
+          <p:cNvPr id="41" name="文本框 40"/>
           <p:cNvSpPr txBox="1"/>
           <p:nvPr/>
         </p:nvSpPr>
         <p:spPr>
           <a:xfrm>
-            <a:off x="7831977" y="1590992"/>
+            <a:off x="4202369" y="1553670"/>
             <a:ext cx="838691" cy="246221"/>
           </a:xfrm>
           <a:prstGeom prst="rect">
@@ -37106,13 +37165,13 @@
       </p:sp>
       <p:sp>
         <p:nvSpPr>
-          <p:cNvPr id="81" name="文本框 80"/>
+          <p:cNvPr id="42" name="文本框 41"/>
           <p:cNvSpPr txBox="1"/>
           <p:nvPr/>
         </p:nvSpPr>
         <p:spPr>
           <a:xfrm>
-            <a:off x="8687786" y="1590992"/>
+            <a:off x="5058178" y="1553670"/>
             <a:ext cx="790601" cy="246221"/>
           </a:xfrm>
           <a:prstGeom prst="rect">
@@ -37136,13 +37195,13 @@
       </p:sp>
       <p:sp>
         <p:nvSpPr>
-          <p:cNvPr id="127" name="左大括号 126"/>
+          <p:cNvPr id="43" name="左大括号 42"/>
           <p:cNvSpPr/>
           <p:nvPr/>
         </p:nvSpPr>
         <p:spPr>
           <a:xfrm>
-            <a:off x="6187318" y="1877905"/>
+            <a:off x="2557710" y="1840583"/>
             <a:ext cx="118278" cy="1740312"/>
           </a:xfrm>
           <a:prstGeom prst="leftBrace">
@@ -37182,13 +37241,13 @@
       </p:sp>
       <p:sp>
         <p:nvSpPr>
-          <p:cNvPr id="128" name="文本框 127"/>
+          <p:cNvPr id="44" name="文本框 43"/>
           <p:cNvSpPr txBox="1"/>
           <p:nvPr/>
         </p:nvSpPr>
         <p:spPr>
           <a:xfrm>
-            <a:off x="5422957" y="2543175"/>
+            <a:off x="1793349" y="2505853"/>
             <a:ext cx="718466" cy="369332"/>
           </a:xfrm>
           <a:prstGeom prst="rect">
@@ -37218,13 +37277,13 @@
       </p:sp>
       <p:grpSp>
         <p:nvGrpSpPr>
-          <p:cNvPr id="131" name="组合 130"/>
+          <p:cNvPr id="45" name="组合 44"/>
           <p:cNvGrpSpPr/>
           <p:nvPr/>
         </p:nvGrpSpPr>
         <p:grpSpPr>
           <a:xfrm>
-            <a:off x="7565255" y="4044469"/>
+            <a:off x="3935647" y="4007147"/>
             <a:ext cx="1778815" cy="1740312"/>
             <a:chOff x="9574985" y="2717697"/>
             <a:chExt cx="1778815" cy="1740312"/>
@@ -37232,7 +37291,7 @@
         </p:grpSpPr>
         <p:sp>
           <p:nvSpPr>
-            <p:cNvPr id="78" name="矩形 77"/>
+            <p:cNvPr id="46" name="矩形 45"/>
             <p:cNvSpPr/>
             <p:nvPr/>
           </p:nvSpPr>
@@ -37293,7 +37352,7 @@
         </p:sp>
         <p:sp>
           <p:nvSpPr>
-            <p:cNvPr id="82" name="矩形 81"/>
+            <p:cNvPr id="47" name="矩形 46"/>
             <p:cNvSpPr/>
             <p:nvPr/>
           </p:nvSpPr>
@@ -37352,7 +37411,7 @@
         </p:sp>
         <p:sp>
           <p:nvSpPr>
-            <p:cNvPr id="83" name="矩形 82"/>
+            <p:cNvPr id="48" name="矩形 47"/>
             <p:cNvSpPr/>
             <p:nvPr/>
           </p:nvSpPr>
@@ -37413,7 +37472,7 @@
         </p:sp>
         <p:sp>
           <p:nvSpPr>
-            <p:cNvPr id="84" name="矩形 83"/>
+            <p:cNvPr id="49" name="矩形 48"/>
             <p:cNvSpPr/>
             <p:nvPr/>
           </p:nvSpPr>
@@ -37474,7 +37533,7 @@
         </p:sp>
         <p:sp>
           <p:nvSpPr>
-            <p:cNvPr id="119" name="矩形 118"/>
+            <p:cNvPr id="50" name="矩形 49"/>
             <p:cNvSpPr/>
             <p:nvPr/>
           </p:nvSpPr>
@@ -37533,7 +37592,7 @@
         </p:sp>
         <p:sp>
           <p:nvSpPr>
-            <p:cNvPr id="123" name="矩形 122"/>
+            <p:cNvPr id="51" name="矩形 50"/>
             <p:cNvSpPr/>
             <p:nvPr/>
           </p:nvSpPr>
@@ -37591,7 +37650,7 @@
         </p:sp>
         <p:sp>
           <p:nvSpPr>
-            <p:cNvPr id="125" name="矩形 124"/>
+            <p:cNvPr id="52" name="矩形 51"/>
             <p:cNvSpPr/>
             <p:nvPr/>
           </p:nvSpPr>
@@ -37649,7 +37708,7 @@
         </p:sp>
         <p:sp>
           <p:nvSpPr>
-            <p:cNvPr id="124" name="矩形 123"/>
+            <p:cNvPr id="53" name="矩形 52"/>
             <p:cNvSpPr/>
             <p:nvPr/>
           </p:nvSpPr>
@@ -37708,16 +37767,16 @@
       </p:grpSp>
       <p:cxnSp>
         <p:nvCxnSpPr>
-          <p:cNvPr id="121" name="肘形连接符 120"/>
+          <p:cNvPr id="54" name="肘形连接符 53"/>
           <p:cNvCxnSpPr>
-            <a:stCxn id="77" idx="3"/>
-            <a:endCxn id="119" idx="1"/>
+            <a:stCxn id="38" idx="3"/>
+            <a:endCxn id="50" idx="1"/>
           </p:cNvCxnSpPr>
           <p:nvPr/>
         </p:nvCxnSpPr>
         <p:spPr>
           <a:xfrm flipH="1">
-            <a:off x="7984362" y="3509448"/>
+            <a:off x="4354754" y="3472126"/>
             <a:ext cx="1235502" cy="1320099"/>
           </a:xfrm>
           <a:prstGeom prst="bentConnector5">
@@ -37751,16 +37810,16 @@
       </p:cxnSp>
       <p:cxnSp>
         <p:nvCxnSpPr>
-          <p:cNvPr id="134" name="肘形连接符 133"/>
+          <p:cNvPr id="55" name="肘形连接符 54"/>
           <p:cNvCxnSpPr>
-            <a:stCxn id="71" idx="3"/>
-            <a:endCxn id="83" idx="1"/>
+            <a:stCxn id="32" idx="3"/>
+            <a:endCxn id="48" idx="1"/>
           </p:cNvCxnSpPr>
           <p:nvPr/>
         </p:nvCxnSpPr>
         <p:spPr>
           <a:xfrm flipH="1">
-            <a:off x="8924970" y="2204214"/>
+            <a:off x="5295362" y="2166892"/>
             <a:ext cx="294894" cy="1949025"/>
           </a:xfrm>
           <a:prstGeom prst="bentConnector5">
@@ -37794,16 +37853,16 @@
       </p:cxnSp>
       <p:cxnSp>
         <p:nvCxnSpPr>
-          <p:cNvPr id="141" name="肘形连接符 140"/>
+          <p:cNvPr id="56" name="肘形连接符 55"/>
           <p:cNvCxnSpPr>
-            <a:stCxn id="70" idx="3"/>
-            <a:endCxn id="82" idx="1"/>
+            <a:stCxn id="31" idx="3"/>
+            <a:endCxn id="47" idx="1"/>
           </p:cNvCxnSpPr>
           <p:nvPr/>
         </p:nvCxnSpPr>
         <p:spPr>
           <a:xfrm flipH="1">
-            <a:off x="7565262" y="1986675"/>
+            <a:off x="3935654" y="1949353"/>
             <a:ext cx="1654606" cy="2166564"/>
           </a:xfrm>
           <a:prstGeom prst="bentConnector5">
@@ -37838,24 +37897,17 @@
     </p:spTree>
     <p:extLst>
       <p:ext uri="{BB962C8B-B14F-4D97-AF65-F5344CB8AC3E}">
-        <p14:creationId xmlns:p14="http://schemas.microsoft.com/office/powerpoint/2010/main" val="2025942028"/>
+        <p14:creationId xmlns:p14="http://schemas.microsoft.com/office/powerpoint/2010/main" val="949118746"/>
       </p:ext>
     </p:extLst>
   </p:cSld>
   <p:clrMapOvr>
     <a:masterClrMapping/>
   </p:clrMapOvr>
-  <p:timing>
-    <p:tnLst>
-      <p:par>
-        <p:cTn id="1" dur="indefinite" restart="never" nodeType="tmRoot"/>
-      </p:par>
-    </p:tnLst>
-  </p:timing>
 </p:sld>
 </file>
 
-<file path=ppt/slides/slide32.xml><?xml version="1.0" encoding="utf-8"?>
+<file path=ppt/slides/slide33.xml><?xml version="1.0" encoding="utf-8"?>
 <p:sld xmlns:a="http://schemas.openxmlformats.org/drawingml/2006/main" xmlns:r="http://schemas.openxmlformats.org/officeDocument/2006/relationships" xmlns:p="http://schemas.openxmlformats.org/presentationml/2006/main">
   <p:cSld>
     <p:spTree>
@@ -39999,7 +40051,7 @@
                   <a:schemeClr val="tx1"/>
                 </a:solidFill>
               </a:rPr>
-              <a:t>computr</a:t>
+              <a:t>computer</a:t>
             </a:r>
             <a:endParaRPr lang="zh-CN" altLang="en-US" sz="900" dirty="0">
               <a:solidFill>
@@ -40309,7 +40361,7 @@
                   <a:schemeClr val="tx1"/>
                 </a:solidFill>
               </a:rPr>
-              <a:t>computr</a:t>
+              <a:t>computer</a:t>
             </a:r>
             <a:endParaRPr lang="zh-CN" altLang="en-US" sz="900" dirty="0">
               <a:solidFill>
@@ -40433,7 +40485,7 @@
                   <a:schemeClr val="tx1"/>
                 </a:solidFill>
               </a:rPr>
-              <a:t>computr</a:t>
+              <a:t>computer</a:t>
             </a:r>
             <a:endParaRPr lang="zh-CN" altLang="en-US" sz="900" dirty="0">
               <a:solidFill>
@@ -41387,7 +41439,7 @@
 </p:sld>
 </file>
 
-<file path=ppt/slides/slide33.xml><?xml version="1.0" encoding="utf-8"?>
+<file path=ppt/slides/slide34.xml><?xml version="1.0" encoding="utf-8"?>
 <p:sld xmlns:a="http://schemas.openxmlformats.org/drawingml/2006/main" xmlns:r="http://schemas.openxmlformats.org/officeDocument/2006/relationships" xmlns:p="http://schemas.openxmlformats.org/presentationml/2006/main">
   <p:cSld>
     <p:spTree>
@@ -41431,7 +41483,7 @@
         </p:nvSpPr>
         <p:spPr>
           <a:xfrm>
-            <a:off x="4391312" y="2941506"/>
+            <a:off x="3131680" y="2260372"/>
             <a:ext cx="462743" cy="193491"/>
           </a:xfrm>
           <a:prstGeom prst="rect">
@@ -41493,7 +41545,7 @@
         </p:nvSpPr>
         <p:spPr>
           <a:xfrm>
-            <a:off x="4391312" y="3134997"/>
+            <a:off x="3131680" y="2453863"/>
             <a:ext cx="462743" cy="193491"/>
           </a:xfrm>
           <a:prstGeom prst="rect">
@@ -41555,7 +41607,7 @@
         </p:nvSpPr>
         <p:spPr>
           <a:xfrm>
-            <a:off x="4391312" y="3328488"/>
+            <a:off x="3131680" y="2647354"/>
             <a:ext cx="462743" cy="193491"/>
           </a:xfrm>
           <a:prstGeom prst="rect">
@@ -41617,7 +41669,7 @@
         </p:nvSpPr>
         <p:spPr>
           <a:xfrm>
-            <a:off x="4391312" y="3521979"/>
+            <a:off x="3131680" y="2840845"/>
             <a:ext cx="462743" cy="193491"/>
           </a:xfrm>
           <a:prstGeom prst="rect">
@@ -41679,7 +41731,7 @@
         </p:nvSpPr>
         <p:spPr>
           <a:xfrm>
-            <a:off x="4391312" y="3715470"/>
+            <a:off x="3131680" y="3034336"/>
             <a:ext cx="462743" cy="193491"/>
           </a:xfrm>
           <a:prstGeom prst="rect">
@@ -41741,7 +41793,7 @@
         </p:nvSpPr>
         <p:spPr>
           <a:xfrm>
-            <a:off x="4391312" y="3908961"/>
+            <a:off x="3131680" y="3227827"/>
             <a:ext cx="462743" cy="193491"/>
           </a:xfrm>
           <a:prstGeom prst="rect">
@@ -41803,7 +41855,7 @@
         </p:nvSpPr>
         <p:spPr>
           <a:xfrm>
-            <a:off x="4391312" y="4102452"/>
+            <a:off x="3131680" y="3421318"/>
             <a:ext cx="462743" cy="193491"/>
           </a:xfrm>
           <a:prstGeom prst="rect">
@@ -41865,7 +41917,7 @@
         </p:nvSpPr>
         <p:spPr>
           <a:xfrm>
-            <a:off x="4391312" y="4295943"/>
+            <a:off x="3131680" y="3614809"/>
             <a:ext cx="462743" cy="193491"/>
           </a:xfrm>
           <a:prstGeom prst="rect">
@@ -41927,7 +41979,7 @@
         </p:nvSpPr>
         <p:spPr>
           <a:xfrm>
-            <a:off x="4391312" y="4513786"/>
+            <a:off x="3131680" y="3832652"/>
             <a:ext cx="462743" cy="193491"/>
           </a:xfrm>
           <a:prstGeom prst="rect">
@@ -41989,7 +42041,7 @@
         </p:nvSpPr>
         <p:spPr>
           <a:xfrm>
-            <a:off x="4391312" y="4707277"/>
+            <a:off x="3131680" y="4026143"/>
             <a:ext cx="462743" cy="193491"/>
           </a:xfrm>
           <a:prstGeom prst="rect">
@@ -42051,7 +42103,7 @@
         </p:nvSpPr>
         <p:spPr>
           <a:xfrm>
-            <a:off x="4391312" y="4900768"/>
+            <a:off x="3131680" y="4219634"/>
             <a:ext cx="462743" cy="193491"/>
           </a:xfrm>
           <a:prstGeom prst="rect">
@@ -42113,7 +42165,7 @@
         </p:nvSpPr>
         <p:spPr>
           <a:xfrm>
-            <a:off x="4391312" y="5094259"/>
+            <a:off x="3131680" y="4413125"/>
             <a:ext cx="462743" cy="193491"/>
           </a:xfrm>
           <a:prstGeom prst="rect">
@@ -42175,7 +42227,7 @@
         </p:nvSpPr>
         <p:spPr>
           <a:xfrm>
-            <a:off x="4391312" y="5287750"/>
+            <a:off x="3131680" y="4606616"/>
             <a:ext cx="462743" cy="193491"/>
           </a:xfrm>
           <a:prstGeom prst="rect">
@@ -42237,7 +42289,7 @@
         </p:nvSpPr>
         <p:spPr>
           <a:xfrm>
-            <a:off x="4391312" y="5481241"/>
+            <a:off x="3131680" y="4800107"/>
             <a:ext cx="462743" cy="193491"/>
           </a:xfrm>
           <a:prstGeom prst="rect">
@@ -42299,7 +42351,7 @@
         </p:nvSpPr>
         <p:spPr>
           <a:xfrm>
-            <a:off x="4391312" y="5674732"/>
+            <a:off x="3131680" y="4993598"/>
             <a:ext cx="462743" cy="193491"/>
           </a:xfrm>
           <a:prstGeom prst="rect">
@@ -42361,7 +42413,7 @@
         </p:nvSpPr>
         <p:spPr>
           <a:xfrm>
-            <a:off x="4391312" y="5868223"/>
+            <a:off x="3131680" y="5187089"/>
             <a:ext cx="462743" cy="193491"/>
           </a:xfrm>
           <a:prstGeom prst="rect">
@@ -42423,7 +42475,7 @@
         </p:nvSpPr>
         <p:spPr>
           <a:xfrm>
-            <a:off x="5166646" y="5164639"/>
+            <a:off x="3907014" y="4483505"/>
             <a:ext cx="1079142" cy="246221"/>
           </a:xfrm>
           <a:prstGeom prst="rect">
@@ -42453,7 +42505,7 @@
         </p:nvSpPr>
         <p:spPr>
           <a:xfrm flipH="1">
-            <a:off x="4957963" y="4513786"/>
+            <a:off x="3698331" y="3832652"/>
             <a:ext cx="114300" cy="1517149"/>
           </a:xfrm>
           <a:prstGeom prst="leftBrace">
@@ -42499,7 +42551,7 @@
         </p:nvSpPr>
         <p:spPr>
           <a:xfrm>
-            <a:off x="5166646" y="3603594"/>
+            <a:off x="3907014" y="2922460"/>
             <a:ext cx="947695" cy="246221"/>
           </a:xfrm>
           <a:prstGeom prst="rect">
@@ -42529,7 +42581,7 @@
         </p:nvSpPr>
         <p:spPr>
           <a:xfrm flipH="1">
-            <a:off x="4957963" y="2952741"/>
+            <a:off x="3698331" y="2271607"/>
             <a:ext cx="114300" cy="1517149"/>
           </a:xfrm>
           <a:prstGeom prst="leftBrace">
@@ -42664,7 +42716,7 @@
         </p:nvSpPr>
         <p:spPr>
           <a:xfrm>
-            <a:off x="3617975" y="4573436"/>
+            <a:off x="2358343" y="3892302"/>
             <a:ext cx="390525" cy="520823"/>
           </a:xfrm>
           <a:prstGeom prst="downArrow">
@@ -42710,7 +42762,7 @@
         </p:nvSpPr>
         <p:spPr>
           <a:xfrm>
-            <a:off x="3256024" y="4278478"/>
+            <a:off x="1996392" y="3597344"/>
             <a:ext cx="1114425" cy="246221"/>
           </a:xfrm>
           <a:prstGeom prst="rect">
@@ -42739,7 +42791,7 @@
         </p:nvSpPr>
         <p:spPr>
           <a:xfrm>
-            <a:off x="4348007" y="4917259"/>
+            <a:off x="3088375" y="4236125"/>
             <a:ext cx="549352" cy="549352"/>
           </a:xfrm>
           <a:prstGeom prst="noSmoking">
@@ -42783,10 +42835,6987 @@
           </a:p>
         </p:txBody>
       </p:sp>
+      <p:grpSp>
+        <p:nvGrpSpPr>
+          <p:cNvPr id="24" name="组合 23"/>
+          <p:cNvGrpSpPr/>
+          <p:nvPr/>
+        </p:nvGrpSpPr>
+        <p:grpSpPr>
+          <a:xfrm>
+            <a:off x="8052903" y="2241362"/>
+            <a:ext cx="861799" cy="2945727"/>
+            <a:chOff x="8052903" y="2241362"/>
+            <a:chExt cx="886376" cy="3397438"/>
+          </a:xfrm>
+        </p:grpSpPr>
+        <p:sp>
+          <p:nvSpPr>
+            <p:cNvPr id="94" name="矩形 93"/>
+            <p:cNvSpPr/>
+            <p:nvPr/>
+          </p:nvSpPr>
+          <p:spPr>
+            <a:xfrm>
+              <a:off x="8052903" y="2241362"/>
+              <a:ext cx="886376" cy="3397438"/>
+            </a:xfrm>
+            <a:prstGeom prst="rect">
+              <a:avLst/>
+            </a:prstGeom>
+            <a:solidFill>
+              <a:schemeClr val="bg1">
+                <a:lumMod val="85000"/>
+              </a:schemeClr>
+            </a:solidFill>
+            <a:ln>
+              <a:solidFill>
+                <a:schemeClr val="tx1"/>
+              </a:solidFill>
+            </a:ln>
+          </p:spPr>
+          <p:style>
+            <a:lnRef idx="2">
+              <a:schemeClr val="accent1">
+                <a:shade val="50000"/>
+              </a:schemeClr>
+            </a:lnRef>
+            <a:fillRef idx="1">
+              <a:schemeClr val="accent1"/>
+            </a:fillRef>
+            <a:effectRef idx="0">
+              <a:schemeClr val="accent1"/>
+            </a:effectRef>
+            <a:fontRef idx="minor">
+              <a:schemeClr val="lt1"/>
+            </a:fontRef>
+          </p:style>
+          <p:txBody>
+            <a:bodyPr rtlCol="0" anchor="ctr"/>
+            <a:lstStyle/>
+            <a:p>
+              <a:pPr algn="ctr"/>
+              <a:endParaRPr lang="zh-CN" altLang="en-US"/>
+            </a:p>
+          </p:txBody>
+        </p:sp>
+        <p:sp>
+          <p:nvSpPr>
+            <p:cNvPr id="61" name="矩形 60"/>
+            <p:cNvSpPr/>
+            <p:nvPr/>
+          </p:nvSpPr>
+          <p:spPr>
+            <a:xfrm>
+              <a:off x="8256130" y="2357117"/>
+              <a:ext cx="462743" cy="193491"/>
+            </a:xfrm>
+            <a:prstGeom prst="rect">
+              <a:avLst/>
+            </a:prstGeom>
+            <a:solidFill>
+              <a:schemeClr val="bg1">
+                <a:lumMod val="65000"/>
+              </a:schemeClr>
+            </a:solidFill>
+            <a:ln>
+              <a:solidFill>
+                <a:schemeClr val="tx1"/>
+              </a:solidFill>
+            </a:ln>
+          </p:spPr>
+          <p:style>
+            <a:lnRef idx="2">
+              <a:schemeClr val="accent1">
+                <a:shade val="50000"/>
+              </a:schemeClr>
+            </a:lnRef>
+            <a:fillRef idx="1">
+              <a:schemeClr val="accent1"/>
+            </a:fillRef>
+            <a:effectRef idx="0">
+              <a:schemeClr val="accent1"/>
+            </a:effectRef>
+            <a:fontRef idx="minor">
+              <a:schemeClr val="lt1"/>
+            </a:fontRef>
+          </p:style>
+          <p:txBody>
+            <a:bodyPr rtlCol="0" anchor="ctr"/>
+            <a:lstStyle/>
+            <a:p>
+              <a:pPr algn="ctr"/>
+              <a:r>
+                <a:rPr lang="en-US" altLang="zh-CN" sz="900" dirty="0" smtClean="0">
+                  <a:solidFill>
+                    <a:schemeClr val="tx1"/>
+                  </a:solidFill>
+                </a:rPr>
+                <a:t>7</a:t>
+              </a:r>
+              <a:endParaRPr lang="zh-CN" altLang="en-US" sz="900" dirty="0">
+                <a:solidFill>
+                  <a:schemeClr val="tx1"/>
+                </a:solidFill>
+              </a:endParaRPr>
+            </a:p>
+          </p:txBody>
+        </p:sp>
+        <p:sp>
+          <p:nvSpPr>
+            <p:cNvPr id="62" name="矩形 61"/>
+            <p:cNvSpPr/>
+            <p:nvPr/>
+          </p:nvSpPr>
+          <p:spPr>
+            <a:xfrm>
+              <a:off x="8256130" y="2550608"/>
+              <a:ext cx="462743" cy="193491"/>
+            </a:xfrm>
+            <a:prstGeom prst="rect">
+              <a:avLst/>
+            </a:prstGeom>
+            <a:solidFill>
+              <a:schemeClr val="bg1">
+                <a:lumMod val="65000"/>
+              </a:schemeClr>
+            </a:solidFill>
+            <a:ln>
+              <a:solidFill>
+                <a:schemeClr val="tx1"/>
+              </a:solidFill>
+            </a:ln>
+          </p:spPr>
+          <p:style>
+            <a:lnRef idx="2">
+              <a:schemeClr val="accent1">
+                <a:shade val="50000"/>
+              </a:schemeClr>
+            </a:lnRef>
+            <a:fillRef idx="1">
+              <a:schemeClr val="accent1"/>
+            </a:fillRef>
+            <a:effectRef idx="0">
+              <a:schemeClr val="accent1"/>
+            </a:effectRef>
+            <a:fontRef idx="minor">
+              <a:schemeClr val="lt1"/>
+            </a:fontRef>
+          </p:style>
+          <p:txBody>
+            <a:bodyPr rtlCol="0" anchor="ctr"/>
+            <a:lstStyle/>
+            <a:p>
+              <a:pPr algn="ctr"/>
+              <a:r>
+                <a:rPr lang="en-US" altLang="zh-CN" sz="900" dirty="0" smtClean="0">
+                  <a:solidFill>
+                    <a:schemeClr val="tx1"/>
+                  </a:solidFill>
+                </a:rPr>
+                <a:t>1</a:t>
+              </a:r>
+              <a:endParaRPr lang="zh-CN" altLang="en-US" sz="900" dirty="0">
+                <a:solidFill>
+                  <a:schemeClr val="tx1"/>
+                </a:solidFill>
+              </a:endParaRPr>
+            </a:p>
+          </p:txBody>
+        </p:sp>
+        <p:sp>
+          <p:nvSpPr>
+            <p:cNvPr id="63" name="矩形 62"/>
+            <p:cNvSpPr/>
+            <p:nvPr/>
+          </p:nvSpPr>
+          <p:spPr>
+            <a:xfrm>
+              <a:off x="8256130" y="2744099"/>
+              <a:ext cx="462743" cy="193491"/>
+            </a:xfrm>
+            <a:prstGeom prst="rect">
+              <a:avLst/>
+            </a:prstGeom>
+            <a:solidFill>
+              <a:schemeClr val="bg1">
+                <a:lumMod val="65000"/>
+              </a:schemeClr>
+            </a:solidFill>
+            <a:ln>
+              <a:solidFill>
+                <a:schemeClr val="tx1"/>
+              </a:solidFill>
+            </a:ln>
+          </p:spPr>
+          <p:style>
+            <a:lnRef idx="2">
+              <a:schemeClr val="accent1">
+                <a:shade val="50000"/>
+              </a:schemeClr>
+            </a:lnRef>
+            <a:fillRef idx="1">
+              <a:schemeClr val="accent1"/>
+            </a:fillRef>
+            <a:effectRef idx="0">
+              <a:schemeClr val="accent1"/>
+            </a:effectRef>
+            <a:fontRef idx="minor">
+              <a:schemeClr val="lt1"/>
+            </a:fontRef>
+          </p:style>
+          <p:txBody>
+            <a:bodyPr rtlCol="0" anchor="ctr"/>
+            <a:lstStyle/>
+            <a:p>
+              <a:pPr algn="ctr"/>
+              <a:r>
+                <a:rPr lang="en-US" altLang="zh-CN" sz="900" dirty="0" smtClean="0">
+                  <a:solidFill>
+                    <a:schemeClr val="tx1"/>
+                  </a:solidFill>
+                </a:rPr>
+                <a:t>3</a:t>
+              </a:r>
+              <a:endParaRPr lang="zh-CN" altLang="en-US" sz="900" dirty="0">
+                <a:solidFill>
+                  <a:schemeClr val="tx1"/>
+                </a:solidFill>
+              </a:endParaRPr>
+            </a:p>
+          </p:txBody>
+        </p:sp>
+        <p:sp>
+          <p:nvSpPr>
+            <p:cNvPr id="64" name="矩形 63"/>
+            <p:cNvSpPr/>
+            <p:nvPr/>
+          </p:nvSpPr>
+          <p:spPr>
+            <a:xfrm>
+              <a:off x="8256130" y="2937590"/>
+              <a:ext cx="462743" cy="193491"/>
+            </a:xfrm>
+            <a:prstGeom prst="rect">
+              <a:avLst/>
+            </a:prstGeom>
+            <a:solidFill>
+              <a:schemeClr val="bg1">
+                <a:lumMod val="65000"/>
+              </a:schemeClr>
+            </a:solidFill>
+            <a:ln>
+              <a:solidFill>
+                <a:schemeClr val="tx1"/>
+              </a:solidFill>
+            </a:ln>
+          </p:spPr>
+          <p:style>
+            <a:lnRef idx="2">
+              <a:schemeClr val="accent1">
+                <a:shade val="50000"/>
+              </a:schemeClr>
+            </a:lnRef>
+            <a:fillRef idx="1">
+              <a:schemeClr val="accent1"/>
+            </a:fillRef>
+            <a:effectRef idx="0">
+              <a:schemeClr val="accent1"/>
+            </a:effectRef>
+            <a:fontRef idx="minor">
+              <a:schemeClr val="lt1"/>
+            </a:fontRef>
+          </p:style>
+          <p:txBody>
+            <a:bodyPr rtlCol="0" anchor="ctr"/>
+            <a:lstStyle/>
+            <a:p>
+              <a:pPr algn="ctr"/>
+              <a:r>
+                <a:rPr lang="en-US" altLang="zh-CN" sz="900" dirty="0" smtClean="0">
+                  <a:solidFill>
+                    <a:schemeClr val="tx1"/>
+                  </a:solidFill>
+                </a:rPr>
+                <a:t>2</a:t>
+              </a:r>
+              <a:endParaRPr lang="zh-CN" altLang="en-US" sz="900" dirty="0">
+                <a:solidFill>
+                  <a:schemeClr val="tx1"/>
+                </a:solidFill>
+              </a:endParaRPr>
+            </a:p>
+          </p:txBody>
+        </p:sp>
+        <p:sp>
+          <p:nvSpPr>
+            <p:cNvPr id="65" name="矩形 64"/>
+            <p:cNvSpPr/>
+            <p:nvPr/>
+          </p:nvSpPr>
+          <p:spPr>
+            <a:xfrm>
+              <a:off x="8256130" y="3131081"/>
+              <a:ext cx="462743" cy="193491"/>
+            </a:xfrm>
+            <a:prstGeom prst="rect">
+              <a:avLst/>
+            </a:prstGeom>
+            <a:solidFill>
+              <a:schemeClr val="bg1">
+                <a:lumMod val="65000"/>
+              </a:schemeClr>
+            </a:solidFill>
+            <a:ln>
+              <a:solidFill>
+                <a:schemeClr val="tx1"/>
+              </a:solidFill>
+            </a:ln>
+          </p:spPr>
+          <p:style>
+            <a:lnRef idx="2">
+              <a:schemeClr val="accent1">
+                <a:shade val="50000"/>
+              </a:schemeClr>
+            </a:lnRef>
+            <a:fillRef idx="1">
+              <a:schemeClr val="accent1"/>
+            </a:fillRef>
+            <a:effectRef idx="0">
+              <a:schemeClr val="accent1"/>
+            </a:effectRef>
+            <a:fontRef idx="minor">
+              <a:schemeClr val="lt1"/>
+            </a:fontRef>
+          </p:style>
+          <p:txBody>
+            <a:bodyPr rtlCol="0" anchor="ctr"/>
+            <a:lstStyle/>
+            <a:p>
+              <a:pPr algn="ctr"/>
+              <a:r>
+                <a:rPr lang="en-US" altLang="zh-CN" sz="900" dirty="0" smtClean="0">
+                  <a:solidFill>
+                    <a:schemeClr val="tx1"/>
+                  </a:solidFill>
+                </a:rPr>
+                <a:t>6</a:t>
+              </a:r>
+              <a:endParaRPr lang="zh-CN" altLang="en-US" sz="900" dirty="0">
+                <a:solidFill>
+                  <a:schemeClr val="tx1"/>
+                </a:solidFill>
+              </a:endParaRPr>
+            </a:p>
+          </p:txBody>
+        </p:sp>
+        <p:sp>
+          <p:nvSpPr>
+            <p:cNvPr id="66" name="矩形 65"/>
+            <p:cNvSpPr/>
+            <p:nvPr/>
+          </p:nvSpPr>
+          <p:spPr>
+            <a:xfrm>
+              <a:off x="8256130" y="3324572"/>
+              <a:ext cx="462743" cy="193491"/>
+            </a:xfrm>
+            <a:prstGeom prst="rect">
+              <a:avLst/>
+            </a:prstGeom>
+            <a:solidFill>
+              <a:schemeClr val="bg1">
+                <a:lumMod val="65000"/>
+              </a:schemeClr>
+            </a:solidFill>
+            <a:ln>
+              <a:solidFill>
+                <a:schemeClr val="tx1"/>
+              </a:solidFill>
+            </a:ln>
+          </p:spPr>
+          <p:style>
+            <a:lnRef idx="2">
+              <a:schemeClr val="accent1">
+                <a:shade val="50000"/>
+              </a:schemeClr>
+            </a:lnRef>
+            <a:fillRef idx="1">
+              <a:schemeClr val="accent1"/>
+            </a:fillRef>
+            <a:effectRef idx="0">
+              <a:schemeClr val="accent1"/>
+            </a:effectRef>
+            <a:fontRef idx="minor">
+              <a:schemeClr val="lt1"/>
+            </a:fontRef>
+          </p:style>
+          <p:txBody>
+            <a:bodyPr rtlCol="0" anchor="ctr"/>
+            <a:lstStyle/>
+            <a:p>
+              <a:pPr algn="ctr"/>
+              <a:r>
+                <a:rPr lang="en-US" altLang="zh-CN" sz="900" dirty="0" smtClean="0">
+                  <a:solidFill>
+                    <a:schemeClr val="tx1"/>
+                  </a:solidFill>
+                </a:rPr>
+                <a:t>8</a:t>
+              </a:r>
+              <a:endParaRPr lang="zh-CN" altLang="en-US" sz="900" dirty="0">
+                <a:solidFill>
+                  <a:schemeClr val="tx1"/>
+                </a:solidFill>
+              </a:endParaRPr>
+            </a:p>
+          </p:txBody>
+        </p:sp>
+        <p:sp>
+          <p:nvSpPr>
+            <p:cNvPr id="67" name="矩形 66"/>
+            <p:cNvSpPr/>
+            <p:nvPr/>
+          </p:nvSpPr>
+          <p:spPr>
+            <a:xfrm>
+              <a:off x="8256130" y="3518063"/>
+              <a:ext cx="462743" cy="193491"/>
+            </a:xfrm>
+            <a:prstGeom prst="rect">
+              <a:avLst/>
+            </a:prstGeom>
+            <a:solidFill>
+              <a:schemeClr val="bg1">
+                <a:lumMod val="65000"/>
+              </a:schemeClr>
+            </a:solidFill>
+            <a:ln>
+              <a:solidFill>
+                <a:schemeClr val="tx1"/>
+              </a:solidFill>
+            </a:ln>
+          </p:spPr>
+          <p:style>
+            <a:lnRef idx="2">
+              <a:schemeClr val="accent1">
+                <a:shade val="50000"/>
+              </a:schemeClr>
+            </a:lnRef>
+            <a:fillRef idx="1">
+              <a:schemeClr val="accent1"/>
+            </a:fillRef>
+            <a:effectRef idx="0">
+              <a:schemeClr val="accent1"/>
+            </a:effectRef>
+            <a:fontRef idx="minor">
+              <a:schemeClr val="lt1"/>
+            </a:fontRef>
+          </p:style>
+          <p:txBody>
+            <a:bodyPr rtlCol="0" anchor="ctr"/>
+            <a:lstStyle/>
+            <a:p>
+              <a:pPr algn="ctr"/>
+              <a:r>
+                <a:rPr lang="en-US" altLang="zh-CN" sz="900" dirty="0" smtClean="0">
+                  <a:solidFill>
+                    <a:schemeClr val="tx1"/>
+                  </a:solidFill>
+                </a:rPr>
+                <a:t>5</a:t>
+              </a:r>
+              <a:endParaRPr lang="zh-CN" altLang="en-US" sz="900" dirty="0">
+                <a:solidFill>
+                  <a:schemeClr val="tx1"/>
+                </a:solidFill>
+              </a:endParaRPr>
+            </a:p>
+          </p:txBody>
+        </p:sp>
+        <p:sp>
+          <p:nvSpPr>
+            <p:cNvPr id="68" name="矩形 67"/>
+            <p:cNvSpPr/>
+            <p:nvPr/>
+          </p:nvSpPr>
+          <p:spPr>
+            <a:xfrm>
+              <a:off x="8256130" y="3711554"/>
+              <a:ext cx="462743" cy="193491"/>
+            </a:xfrm>
+            <a:prstGeom prst="rect">
+              <a:avLst/>
+            </a:prstGeom>
+            <a:solidFill>
+              <a:schemeClr val="bg1">
+                <a:lumMod val="65000"/>
+              </a:schemeClr>
+            </a:solidFill>
+            <a:ln>
+              <a:solidFill>
+                <a:schemeClr val="tx1"/>
+              </a:solidFill>
+            </a:ln>
+          </p:spPr>
+          <p:style>
+            <a:lnRef idx="2">
+              <a:schemeClr val="accent1">
+                <a:shade val="50000"/>
+              </a:schemeClr>
+            </a:lnRef>
+            <a:fillRef idx="1">
+              <a:schemeClr val="accent1"/>
+            </a:fillRef>
+            <a:effectRef idx="0">
+              <a:schemeClr val="accent1"/>
+            </a:effectRef>
+            <a:fontRef idx="minor">
+              <a:schemeClr val="lt1"/>
+            </a:fontRef>
+          </p:style>
+          <p:txBody>
+            <a:bodyPr rtlCol="0" anchor="ctr"/>
+            <a:lstStyle/>
+            <a:p>
+              <a:pPr algn="ctr"/>
+              <a:r>
+                <a:rPr lang="en-US" altLang="zh-CN" sz="900" dirty="0" smtClean="0">
+                  <a:solidFill>
+                    <a:schemeClr val="tx1"/>
+                  </a:solidFill>
+                </a:rPr>
+                <a:t>2</a:t>
+              </a:r>
+              <a:endParaRPr lang="zh-CN" altLang="en-US" sz="900" dirty="0">
+                <a:solidFill>
+                  <a:schemeClr val="tx1"/>
+                </a:solidFill>
+              </a:endParaRPr>
+            </a:p>
+          </p:txBody>
+        </p:sp>
+        <p:sp>
+          <p:nvSpPr>
+            <p:cNvPr id="69" name="矩形 68"/>
+            <p:cNvSpPr/>
+            <p:nvPr/>
+          </p:nvSpPr>
+          <p:spPr>
+            <a:xfrm>
+              <a:off x="8256130" y="3957972"/>
+              <a:ext cx="462743" cy="193491"/>
+            </a:xfrm>
+            <a:prstGeom prst="rect">
+              <a:avLst/>
+            </a:prstGeom>
+            <a:solidFill>
+              <a:schemeClr val="bg1">
+                <a:lumMod val="65000"/>
+              </a:schemeClr>
+            </a:solidFill>
+            <a:ln>
+              <a:solidFill>
+                <a:schemeClr val="tx1"/>
+              </a:solidFill>
+            </a:ln>
+          </p:spPr>
+          <p:style>
+            <a:lnRef idx="2">
+              <a:schemeClr val="accent1">
+                <a:shade val="50000"/>
+              </a:schemeClr>
+            </a:lnRef>
+            <a:fillRef idx="1">
+              <a:schemeClr val="accent1"/>
+            </a:fillRef>
+            <a:effectRef idx="0">
+              <a:schemeClr val="accent1"/>
+            </a:effectRef>
+            <a:fontRef idx="minor">
+              <a:schemeClr val="lt1"/>
+            </a:fontRef>
+          </p:style>
+          <p:txBody>
+            <a:bodyPr rtlCol="0" anchor="ctr"/>
+            <a:lstStyle/>
+            <a:p>
+              <a:pPr algn="ctr"/>
+              <a:r>
+                <a:rPr lang="en-US" altLang="zh-CN" sz="900" dirty="0" smtClean="0">
+                  <a:solidFill>
+                    <a:schemeClr val="tx1"/>
+                  </a:solidFill>
+                </a:rPr>
+                <a:t>13</a:t>
+              </a:r>
+              <a:endParaRPr lang="zh-CN" altLang="en-US" sz="900" dirty="0">
+                <a:solidFill>
+                  <a:schemeClr val="tx1"/>
+                </a:solidFill>
+              </a:endParaRPr>
+            </a:p>
+          </p:txBody>
+        </p:sp>
+        <p:sp>
+          <p:nvSpPr>
+            <p:cNvPr id="70" name="矩形 69"/>
+            <p:cNvSpPr/>
+            <p:nvPr/>
+          </p:nvSpPr>
+          <p:spPr>
+            <a:xfrm>
+              <a:off x="8256130" y="4151463"/>
+              <a:ext cx="462743" cy="193491"/>
+            </a:xfrm>
+            <a:prstGeom prst="rect">
+              <a:avLst/>
+            </a:prstGeom>
+            <a:solidFill>
+              <a:schemeClr val="bg1">
+                <a:lumMod val="65000"/>
+              </a:schemeClr>
+            </a:solidFill>
+            <a:ln>
+              <a:solidFill>
+                <a:schemeClr val="tx1"/>
+              </a:solidFill>
+            </a:ln>
+          </p:spPr>
+          <p:style>
+            <a:lnRef idx="2">
+              <a:schemeClr val="accent1">
+                <a:shade val="50000"/>
+              </a:schemeClr>
+            </a:lnRef>
+            <a:fillRef idx="1">
+              <a:schemeClr val="accent1"/>
+            </a:fillRef>
+            <a:effectRef idx="0">
+              <a:schemeClr val="accent1"/>
+            </a:effectRef>
+            <a:fontRef idx="minor">
+              <a:schemeClr val="lt1"/>
+            </a:fontRef>
+          </p:style>
+          <p:txBody>
+            <a:bodyPr rtlCol="0" anchor="ctr"/>
+            <a:lstStyle/>
+            <a:p>
+              <a:pPr algn="ctr"/>
+              <a:r>
+                <a:rPr lang="en-US" altLang="zh-CN" sz="900" dirty="0" smtClean="0">
+                  <a:solidFill>
+                    <a:schemeClr val="tx1"/>
+                  </a:solidFill>
+                </a:rPr>
+                <a:t>20</a:t>
+              </a:r>
+              <a:endParaRPr lang="zh-CN" altLang="en-US" sz="900" dirty="0">
+                <a:solidFill>
+                  <a:schemeClr val="tx1"/>
+                </a:solidFill>
+              </a:endParaRPr>
+            </a:p>
+          </p:txBody>
+        </p:sp>
+        <p:sp>
+          <p:nvSpPr>
+            <p:cNvPr id="71" name="矩形 70"/>
+            <p:cNvSpPr/>
+            <p:nvPr/>
+          </p:nvSpPr>
+          <p:spPr>
+            <a:xfrm>
+              <a:off x="8256130" y="4344954"/>
+              <a:ext cx="462743" cy="193491"/>
+            </a:xfrm>
+            <a:prstGeom prst="rect">
+              <a:avLst/>
+            </a:prstGeom>
+            <a:solidFill>
+              <a:schemeClr val="bg1">
+                <a:lumMod val="65000"/>
+              </a:schemeClr>
+            </a:solidFill>
+            <a:ln>
+              <a:solidFill>
+                <a:schemeClr val="tx1"/>
+              </a:solidFill>
+            </a:ln>
+          </p:spPr>
+          <p:style>
+            <a:lnRef idx="2">
+              <a:schemeClr val="accent1">
+                <a:shade val="50000"/>
+              </a:schemeClr>
+            </a:lnRef>
+            <a:fillRef idx="1">
+              <a:schemeClr val="accent1"/>
+            </a:fillRef>
+            <a:effectRef idx="0">
+              <a:schemeClr val="accent1"/>
+            </a:effectRef>
+            <a:fontRef idx="minor">
+              <a:schemeClr val="lt1"/>
+            </a:fontRef>
+          </p:style>
+          <p:txBody>
+            <a:bodyPr rtlCol="0" anchor="ctr"/>
+            <a:lstStyle/>
+            <a:p>
+              <a:pPr algn="ctr"/>
+              <a:r>
+                <a:rPr lang="en-US" altLang="zh-CN" sz="900" dirty="0" smtClean="0">
+                  <a:solidFill>
+                    <a:schemeClr val="tx1"/>
+                  </a:solidFill>
+                </a:rPr>
+                <a:t>15</a:t>
+              </a:r>
+              <a:endParaRPr lang="zh-CN" altLang="en-US" sz="900" dirty="0">
+                <a:solidFill>
+                  <a:schemeClr val="tx1"/>
+                </a:solidFill>
+              </a:endParaRPr>
+            </a:p>
+          </p:txBody>
+        </p:sp>
+        <p:sp>
+          <p:nvSpPr>
+            <p:cNvPr id="72" name="矩形 71"/>
+            <p:cNvSpPr/>
+            <p:nvPr/>
+          </p:nvSpPr>
+          <p:spPr>
+            <a:xfrm>
+              <a:off x="8256130" y="4538445"/>
+              <a:ext cx="462743" cy="193491"/>
+            </a:xfrm>
+            <a:prstGeom prst="rect">
+              <a:avLst/>
+            </a:prstGeom>
+            <a:solidFill>
+              <a:schemeClr val="bg1">
+                <a:lumMod val="65000"/>
+              </a:schemeClr>
+            </a:solidFill>
+            <a:ln>
+              <a:solidFill>
+                <a:schemeClr val="tx1"/>
+              </a:solidFill>
+            </a:ln>
+          </p:spPr>
+          <p:style>
+            <a:lnRef idx="2">
+              <a:schemeClr val="accent1">
+                <a:shade val="50000"/>
+              </a:schemeClr>
+            </a:lnRef>
+            <a:fillRef idx="1">
+              <a:schemeClr val="accent1"/>
+            </a:fillRef>
+            <a:effectRef idx="0">
+              <a:schemeClr val="accent1"/>
+            </a:effectRef>
+            <a:fontRef idx="minor">
+              <a:schemeClr val="lt1"/>
+            </a:fontRef>
+          </p:style>
+          <p:txBody>
+            <a:bodyPr rtlCol="0" anchor="ctr"/>
+            <a:lstStyle/>
+            <a:p>
+              <a:pPr algn="ctr"/>
+              <a:r>
+                <a:rPr lang="en-US" altLang="zh-CN" sz="900" dirty="0" smtClean="0">
+                  <a:solidFill>
+                    <a:schemeClr val="tx1"/>
+                  </a:solidFill>
+                </a:rPr>
+                <a:t>11</a:t>
+              </a:r>
+              <a:endParaRPr lang="zh-CN" altLang="en-US" sz="900" dirty="0">
+                <a:solidFill>
+                  <a:schemeClr val="tx1"/>
+                </a:solidFill>
+              </a:endParaRPr>
+            </a:p>
+          </p:txBody>
+        </p:sp>
+        <p:sp>
+          <p:nvSpPr>
+            <p:cNvPr id="73" name="矩形 72"/>
+            <p:cNvSpPr/>
+            <p:nvPr/>
+          </p:nvSpPr>
+          <p:spPr>
+            <a:xfrm>
+              <a:off x="8256130" y="4731936"/>
+              <a:ext cx="462743" cy="193491"/>
+            </a:xfrm>
+            <a:prstGeom prst="rect">
+              <a:avLst/>
+            </a:prstGeom>
+            <a:solidFill>
+              <a:schemeClr val="bg1">
+                <a:lumMod val="65000"/>
+              </a:schemeClr>
+            </a:solidFill>
+            <a:ln>
+              <a:solidFill>
+                <a:schemeClr val="tx1"/>
+              </a:solidFill>
+            </a:ln>
+          </p:spPr>
+          <p:style>
+            <a:lnRef idx="2">
+              <a:schemeClr val="accent1">
+                <a:shade val="50000"/>
+              </a:schemeClr>
+            </a:lnRef>
+            <a:fillRef idx="1">
+              <a:schemeClr val="accent1"/>
+            </a:fillRef>
+            <a:effectRef idx="0">
+              <a:schemeClr val="accent1"/>
+            </a:effectRef>
+            <a:fontRef idx="minor">
+              <a:schemeClr val="lt1"/>
+            </a:fontRef>
+          </p:style>
+          <p:txBody>
+            <a:bodyPr rtlCol="0" anchor="ctr"/>
+            <a:lstStyle/>
+            <a:p>
+              <a:pPr algn="ctr"/>
+              <a:r>
+                <a:rPr lang="en-US" altLang="zh-CN" sz="900" dirty="0" smtClean="0">
+                  <a:solidFill>
+                    <a:schemeClr val="tx1"/>
+                  </a:solidFill>
+                </a:rPr>
+                <a:t>12</a:t>
+              </a:r>
+              <a:endParaRPr lang="zh-CN" altLang="en-US" sz="900" dirty="0">
+                <a:solidFill>
+                  <a:schemeClr val="tx1"/>
+                </a:solidFill>
+              </a:endParaRPr>
+            </a:p>
+          </p:txBody>
+        </p:sp>
+        <p:sp>
+          <p:nvSpPr>
+            <p:cNvPr id="74" name="矩形 73"/>
+            <p:cNvSpPr/>
+            <p:nvPr/>
+          </p:nvSpPr>
+          <p:spPr>
+            <a:xfrm>
+              <a:off x="8256130" y="4925427"/>
+              <a:ext cx="462743" cy="193491"/>
+            </a:xfrm>
+            <a:prstGeom prst="rect">
+              <a:avLst/>
+            </a:prstGeom>
+            <a:solidFill>
+              <a:schemeClr val="bg1">
+                <a:lumMod val="65000"/>
+              </a:schemeClr>
+            </a:solidFill>
+            <a:ln>
+              <a:solidFill>
+                <a:schemeClr val="tx1"/>
+              </a:solidFill>
+            </a:ln>
+          </p:spPr>
+          <p:style>
+            <a:lnRef idx="2">
+              <a:schemeClr val="accent1">
+                <a:shade val="50000"/>
+              </a:schemeClr>
+            </a:lnRef>
+            <a:fillRef idx="1">
+              <a:schemeClr val="accent1"/>
+            </a:fillRef>
+            <a:effectRef idx="0">
+              <a:schemeClr val="accent1"/>
+            </a:effectRef>
+            <a:fontRef idx="minor">
+              <a:schemeClr val="lt1"/>
+            </a:fontRef>
+          </p:style>
+          <p:txBody>
+            <a:bodyPr rtlCol="0" anchor="ctr"/>
+            <a:lstStyle/>
+            <a:p>
+              <a:pPr algn="ctr"/>
+              <a:r>
+                <a:rPr lang="en-US" altLang="zh-CN" sz="900" dirty="0" smtClean="0">
+                  <a:solidFill>
+                    <a:schemeClr val="tx1"/>
+                  </a:solidFill>
+                </a:rPr>
+                <a:t>17</a:t>
+              </a:r>
+              <a:endParaRPr lang="zh-CN" altLang="en-US" sz="900" dirty="0">
+                <a:solidFill>
+                  <a:schemeClr val="tx1"/>
+                </a:solidFill>
+              </a:endParaRPr>
+            </a:p>
+          </p:txBody>
+        </p:sp>
+        <p:sp>
+          <p:nvSpPr>
+            <p:cNvPr id="75" name="矩形 74"/>
+            <p:cNvSpPr/>
+            <p:nvPr/>
+          </p:nvSpPr>
+          <p:spPr>
+            <a:xfrm>
+              <a:off x="8256130" y="5118918"/>
+              <a:ext cx="462743" cy="193491"/>
+            </a:xfrm>
+            <a:prstGeom prst="rect">
+              <a:avLst/>
+            </a:prstGeom>
+            <a:solidFill>
+              <a:schemeClr val="bg1">
+                <a:lumMod val="65000"/>
+              </a:schemeClr>
+            </a:solidFill>
+            <a:ln>
+              <a:solidFill>
+                <a:schemeClr val="tx1"/>
+              </a:solidFill>
+            </a:ln>
+          </p:spPr>
+          <p:style>
+            <a:lnRef idx="2">
+              <a:schemeClr val="accent1">
+                <a:shade val="50000"/>
+              </a:schemeClr>
+            </a:lnRef>
+            <a:fillRef idx="1">
+              <a:schemeClr val="accent1"/>
+            </a:fillRef>
+            <a:effectRef idx="0">
+              <a:schemeClr val="accent1"/>
+            </a:effectRef>
+            <a:fontRef idx="minor">
+              <a:schemeClr val="lt1"/>
+            </a:fontRef>
+          </p:style>
+          <p:txBody>
+            <a:bodyPr rtlCol="0" anchor="ctr"/>
+            <a:lstStyle/>
+            <a:p>
+              <a:pPr algn="ctr"/>
+              <a:r>
+                <a:rPr lang="en-US" altLang="zh-CN" sz="900" dirty="0">
+                  <a:solidFill>
+                    <a:schemeClr val="tx1"/>
+                  </a:solidFill>
+                </a:rPr>
+                <a:t>10</a:t>
+              </a:r>
+              <a:endParaRPr lang="zh-CN" altLang="en-US" sz="900" dirty="0">
+                <a:solidFill>
+                  <a:schemeClr val="tx1"/>
+                </a:solidFill>
+              </a:endParaRPr>
+            </a:p>
+          </p:txBody>
+        </p:sp>
+        <p:sp>
+          <p:nvSpPr>
+            <p:cNvPr id="76" name="矩形 75"/>
+            <p:cNvSpPr/>
+            <p:nvPr/>
+          </p:nvSpPr>
+          <p:spPr>
+            <a:xfrm>
+              <a:off x="8256130" y="5312409"/>
+              <a:ext cx="462743" cy="193491"/>
+            </a:xfrm>
+            <a:prstGeom prst="rect">
+              <a:avLst/>
+            </a:prstGeom>
+            <a:solidFill>
+              <a:schemeClr val="bg1">
+                <a:lumMod val="65000"/>
+              </a:schemeClr>
+            </a:solidFill>
+            <a:ln>
+              <a:solidFill>
+                <a:schemeClr val="tx1"/>
+              </a:solidFill>
+            </a:ln>
+          </p:spPr>
+          <p:style>
+            <a:lnRef idx="2">
+              <a:schemeClr val="accent1">
+                <a:shade val="50000"/>
+              </a:schemeClr>
+            </a:lnRef>
+            <a:fillRef idx="1">
+              <a:schemeClr val="accent1"/>
+            </a:fillRef>
+            <a:effectRef idx="0">
+              <a:schemeClr val="accent1"/>
+            </a:effectRef>
+            <a:fontRef idx="minor">
+              <a:schemeClr val="lt1"/>
+            </a:fontRef>
+          </p:style>
+          <p:txBody>
+            <a:bodyPr rtlCol="0" anchor="ctr"/>
+            <a:lstStyle/>
+            <a:p>
+              <a:pPr algn="ctr"/>
+              <a:r>
+                <a:rPr lang="en-US" altLang="zh-CN" sz="900" dirty="0" smtClean="0">
+                  <a:solidFill>
+                    <a:schemeClr val="tx1"/>
+                  </a:solidFill>
+                </a:rPr>
+                <a:t>19</a:t>
+              </a:r>
+              <a:endParaRPr lang="zh-CN" altLang="en-US" sz="900" dirty="0">
+                <a:solidFill>
+                  <a:schemeClr val="tx1"/>
+                </a:solidFill>
+              </a:endParaRPr>
+            </a:p>
+          </p:txBody>
+        </p:sp>
+      </p:grpSp>
+      <p:grpSp>
+        <p:nvGrpSpPr>
+          <p:cNvPr id="25" name="组合 24"/>
+          <p:cNvGrpSpPr/>
+          <p:nvPr/>
+        </p:nvGrpSpPr>
+        <p:grpSpPr>
+          <a:xfrm>
+            <a:off x="6862582" y="2230559"/>
+            <a:ext cx="908385" cy="949993"/>
+            <a:chOff x="6862582" y="2230559"/>
+            <a:chExt cx="908385" cy="1096077"/>
+          </a:xfrm>
+        </p:grpSpPr>
+        <p:sp>
+          <p:nvSpPr>
+            <p:cNvPr id="8" name="矩形 7"/>
+            <p:cNvSpPr/>
+            <p:nvPr/>
+          </p:nvSpPr>
+          <p:spPr>
+            <a:xfrm>
+              <a:off x="6862582" y="2240376"/>
+              <a:ext cx="908385" cy="1086260"/>
+            </a:xfrm>
+            <a:prstGeom prst="rect">
+              <a:avLst/>
+            </a:prstGeom>
+            <a:solidFill>
+              <a:schemeClr val="bg1">
+                <a:lumMod val="85000"/>
+              </a:schemeClr>
+            </a:solidFill>
+            <a:ln>
+              <a:solidFill>
+                <a:schemeClr val="tx1"/>
+              </a:solidFill>
+            </a:ln>
+          </p:spPr>
+          <p:style>
+            <a:lnRef idx="2">
+              <a:schemeClr val="accent1">
+                <a:shade val="50000"/>
+              </a:schemeClr>
+            </a:lnRef>
+            <a:fillRef idx="1">
+              <a:schemeClr val="accent1"/>
+            </a:fillRef>
+            <a:effectRef idx="0">
+              <a:schemeClr val="accent1"/>
+            </a:effectRef>
+            <a:fontRef idx="minor">
+              <a:schemeClr val="lt1"/>
+            </a:fontRef>
+          </p:style>
+          <p:txBody>
+            <a:bodyPr rtlCol="0" anchor="ctr"/>
+            <a:lstStyle/>
+            <a:p>
+              <a:pPr algn="ctr"/>
+              <a:endParaRPr lang="zh-CN" altLang="en-US"/>
+            </a:p>
+          </p:txBody>
+        </p:sp>
+        <p:grpSp>
+          <p:nvGrpSpPr>
+            <p:cNvPr id="6" name="组合 5"/>
+            <p:cNvGrpSpPr/>
+            <p:nvPr/>
+          </p:nvGrpSpPr>
+          <p:grpSpPr>
+            <a:xfrm>
+              <a:off x="6974893" y="2455926"/>
+              <a:ext cx="653199" cy="773971"/>
+              <a:chOff x="6852501" y="2647354"/>
+              <a:chExt cx="933186" cy="773971"/>
+            </a:xfrm>
+          </p:grpSpPr>
+          <p:sp>
+            <p:nvSpPr>
+              <p:cNvPr id="79" name="矩形 78"/>
+              <p:cNvSpPr/>
+              <p:nvPr/>
+            </p:nvSpPr>
+            <p:spPr>
+              <a:xfrm>
+                <a:off x="7322944" y="2647361"/>
+                <a:ext cx="462743" cy="193491"/>
+              </a:xfrm>
+              <a:prstGeom prst="rect">
+                <a:avLst/>
+              </a:prstGeom>
+              <a:solidFill>
+                <a:schemeClr val="bg1">
+                  <a:lumMod val="65000"/>
+                </a:schemeClr>
+              </a:solidFill>
+              <a:ln>
+                <a:solidFill>
+                  <a:schemeClr val="tx1"/>
+                </a:solidFill>
+              </a:ln>
+            </p:spPr>
+            <p:style>
+              <a:lnRef idx="2">
+                <a:schemeClr val="accent1">
+                  <a:shade val="50000"/>
+                </a:schemeClr>
+              </a:lnRef>
+              <a:fillRef idx="1">
+                <a:schemeClr val="accent1"/>
+              </a:fillRef>
+              <a:effectRef idx="0">
+                <a:schemeClr val="accent1"/>
+              </a:effectRef>
+              <a:fontRef idx="minor">
+                <a:schemeClr val="lt1"/>
+              </a:fontRef>
+            </p:style>
+            <p:txBody>
+              <a:bodyPr rtlCol="0" anchor="ctr"/>
+              <a:lstStyle/>
+              <a:p>
+                <a:pPr algn="ctr"/>
+                <a:r>
+                  <a:rPr lang="en-US" altLang="zh-CN" sz="900" smtClean="0">
+                    <a:solidFill>
+                      <a:schemeClr val="tx1"/>
+                    </a:solidFill>
+                  </a:rPr>
+                  <a:t>8</a:t>
+                </a:r>
+                <a:endParaRPr lang="zh-CN" altLang="en-US" sz="900" dirty="0">
+                  <a:solidFill>
+                    <a:schemeClr val="tx1"/>
+                  </a:solidFill>
+                </a:endParaRPr>
+              </a:p>
+            </p:txBody>
+          </p:sp>
+          <p:sp>
+            <p:nvSpPr>
+              <p:cNvPr id="80" name="矩形 79"/>
+              <p:cNvSpPr/>
+              <p:nvPr/>
+            </p:nvSpPr>
+            <p:spPr>
+              <a:xfrm>
+                <a:off x="7322944" y="2840852"/>
+                <a:ext cx="462743" cy="193491"/>
+              </a:xfrm>
+              <a:prstGeom prst="rect">
+                <a:avLst/>
+              </a:prstGeom>
+              <a:solidFill>
+                <a:schemeClr val="bg1">
+                  <a:lumMod val="65000"/>
+                </a:schemeClr>
+              </a:solidFill>
+              <a:ln>
+                <a:solidFill>
+                  <a:schemeClr val="tx1"/>
+                </a:solidFill>
+              </a:ln>
+            </p:spPr>
+            <p:style>
+              <a:lnRef idx="2">
+                <a:schemeClr val="accent1">
+                  <a:shade val="50000"/>
+                </a:schemeClr>
+              </a:lnRef>
+              <a:fillRef idx="1">
+                <a:schemeClr val="accent1"/>
+              </a:fillRef>
+              <a:effectRef idx="0">
+                <a:schemeClr val="accent1"/>
+              </a:effectRef>
+              <a:fontRef idx="minor">
+                <a:schemeClr val="lt1"/>
+              </a:fontRef>
+            </p:style>
+            <p:txBody>
+              <a:bodyPr rtlCol="0" anchor="ctr"/>
+              <a:lstStyle/>
+              <a:p>
+                <a:pPr algn="ctr"/>
+                <a:r>
+                  <a:rPr lang="en-US" altLang="zh-CN" sz="900" smtClean="0">
+                    <a:solidFill>
+                      <a:schemeClr val="tx1"/>
+                    </a:solidFill>
+                  </a:rPr>
+                  <a:t>20</a:t>
+                </a:r>
+                <a:endParaRPr lang="zh-CN" altLang="en-US" sz="900" dirty="0">
+                  <a:solidFill>
+                    <a:schemeClr val="tx1"/>
+                  </a:solidFill>
+                </a:endParaRPr>
+              </a:p>
+            </p:txBody>
+          </p:sp>
+          <p:sp>
+            <p:nvSpPr>
+              <p:cNvPr id="81" name="矩形 80"/>
+              <p:cNvSpPr/>
+              <p:nvPr/>
+            </p:nvSpPr>
+            <p:spPr>
+              <a:xfrm>
+                <a:off x="7322944" y="3034343"/>
+                <a:ext cx="462743" cy="193491"/>
+              </a:xfrm>
+              <a:prstGeom prst="rect">
+                <a:avLst/>
+              </a:prstGeom>
+              <a:solidFill>
+                <a:schemeClr val="bg1">
+                  <a:lumMod val="65000"/>
+                </a:schemeClr>
+              </a:solidFill>
+              <a:ln>
+                <a:solidFill>
+                  <a:schemeClr val="tx1"/>
+                </a:solidFill>
+              </a:ln>
+            </p:spPr>
+            <p:style>
+              <a:lnRef idx="2">
+                <a:schemeClr val="accent1">
+                  <a:shade val="50000"/>
+                </a:schemeClr>
+              </a:lnRef>
+              <a:fillRef idx="1">
+                <a:schemeClr val="accent1"/>
+              </a:fillRef>
+              <a:effectRef idx="0">
+                <a:schemeClr val="accent1"/>
+              </a:effectRef>
+              <a:fontRef idx="minor">
+                <a:schemeClr val="lt1"/>
+              </a:fontRef>
+            </p:style>
+            <p:txBody>
+              <a:bodyPr rtlCol="0" anchor="ctr"/>
+              <a:lstStyle/>
+              <a:p>
+                <a:pPr algn="ctr"/>
+                <a:r>
+                  <a:rPr lang="en-US" altLang="zh-CN" sz="900" smtClean="0">
+                    <a:solidFill>
+                      <a:schemeClr val="tx1"/>
+                    </a:solidFill>
+                  </a:rPr>
+                  <a:t>…</a:t>
+                </a:r>
+                <a:endParaRPr lang="zh-CN" altLang="en-US" sz="900" dirty="0">
+                  <a:solidFill>
+                    <a:schemeClr val="tx1"/>
+                  </a:solidFill>
+                </a:endParaRPr>
+              </a:p>
+            </p:txBody>
+          </p:sp>
+          <p:sp>
+            <p:nvSpPr>
+              <p:cNvPr id="82" name="矩形 81"/>
+              <p:cNvSpPr/>
+              <p:nvPr/>
+            </p:nvSpPr>
+            <p:spPr>
+              <a:xfrm>
+                <a:off x="7322944" y="3227834"/>
+                <a:ext cx="462743" cy="193491"/>
+              </a:xfrm>
+              <a:prstGeom prst="rect">
+                <a:avLst/>
+              </a:prstGeom>
+              <a:solidFill>
+                <a:schemeClr val="bg1">
+                  <a:lumMod val="65000"/>
+                </a:schemeClr>
+              </a:solidFill>
+              <a:ln>
+                <a:solidFill>
+                  <a:schemeClr val="tx1"/>
+                </a:solidFill>
+              </a:ln>
+            </p:spPr>
+            <p:style>
+              <a:lnRef idx="2">
+                <a:schemeClr val="accent1">
+                  <a:shade val="50000"/>
+                </a:schemeClr>
+              </a:lnRef>
+              <a:fillRef idx="1">
+                <a:schemeClr val="accent1"/>
+              </a:fillRef>
+              <a:effectRef idx="0">
+                <a:schemeClr val="accent1"/>
+              </a:effectRef>
+              <a:fontRef idx="minor">
+                <a:schemeClr val="lt1"/>
+              </a:fontRef>
+            </p:style>
+            <p:txBody>
+              <a:bodyPr rtlCol="0" anchor="ctr"/>
+              <a:lstStyle/>
+              <a:p>
+                <a:pPr algn="ctr"/>
+                <a:r>
+                  <a:rPr lang="en-US" altLang="zh-CN" sz="900" smtClean="0">
+                    <a:solidFill>
+                      <a:schemeClr val="tx1"/>
+                    </a:solidFill>
+                  </a:rPr>
+                  <a:t>...</a:t>
+                </a:r>
+                <a:endParaRPr lang="zh-CN" altLang="en-US" sz="900" dirty="0">
+                  <a:solidFill>
+                    <a:schemeClr val="tx1"/>
+                  </a:solidFill>
+                </a:endParaRPr>
+              </a:p>
+            </p:txBody>
+          </p:sp>
+          <p:sp>
+            <p:nvSpPr>
+              <p:cNvPr id="88" name="矩形 87"/>
+              <p:cNvSpPr/>
+              <p:nvPr/>
+            </p:nvSpPr>
+            <p:spPr>
+              <a:xfrm>
+                <a:off x="6852501" y="2647354"/>
+                <a:ext cx="462743" cy="193491"/>
+              </a:xfrm>
+              <a:prstGeom prst="rect">
+                <a:avLst/>
+              </a:prstGeom>
+              <a:solidFill>
+                <a:schemeClr val="bg1">
+                  <a:lumMod val="65000"/>
+                </a:schemeClr>
+              </a:solidFill>
+              <a:ln>
+                <a:solidFill>
+                  <a:schemeClr val="tx1"/>
+                </a:solidFill>
+              </a:ln>
+            </p:spPr>
+            <p:style>
+              <a:lnRef idx="2">
+                <a:schemeClr val="accent1">
+                  <a:shade val="50000"/>
+                </a:schemeClr>
+              </a:lnRef>
+              <a:fillRef idx="1">
+                <a:schemeClr val="accent1"/>
+              </a:fillRef>
+              <a:effectRef idx="0">
+                <a:schemeClr val="accent1"/>
+              </a:effectRef>
+              <a:fontRef idx="minor">
+                <a:schemeClr val="lt1"/>
+              </a:fontRef>
+            </p:style>
+            <p:txBody>
+              <a:bodyPr rtlCol="0" anchor="ctr"/>
+              <a:lstStyle/>
+              <a:p>
+                <a:pPr algn="ctr"/>
+                <a:r>
+                  <a:rPr lang="en-US" altLang="zh-CN" sz="900">
+                    <a:solidFill>
+                      <a:schemeClr val="tx1"/>
+                    </a:solidFill>
+                  </a:rPr>
+                  <a:t>1</a:t>
+                </a:r>
+                <a:endParaRPr lang="zh-CN" altLang="en-US" sz="900" dirty="0">
+                  <a:solidFill>
+                    <a:schemeClr val="tx1"/>
+                  </a:solidFill>
+                </a:endParaRPr>
+              </a:p>
+            </p:txBody>
+          </p:sp>
+          <p:sp>
+            <p:nvSpPr>
+              <p:cNvPr id="89" name="矩形 88"/>
+              <p:cNvSpPr/>
+              <p:nvPr/>
+            </p:nvSpPr>
+            <p:spPr>
+              <a:xfrm>
+                <a:off x="6852501" y="2840845"/>
+                <a:ext cx="462743" cy="193491"/>
+              </a:xfrm>
+              <a:prstGeom prst="rect">
+                <a:avLst/>
+              </a:prstGeom>
+              <a:solidFill>
+                <a:schemeClr val="bg1">
+                  <a:lumMod val="65000"/>
+                </a:schemeClr>
+              </a:solidFill>
+              <a:ln>
+                <a:solidFill>
+                  <a:schemeClr val="tx1"/>
+                </a:solidFill>
+              </a:ln>
+            </p:spPr>
+            <p:style>
+              <a:lnRef idx="2">
+                <a:schemeClr val="accent1">
+                  <a:shade val="50000"/>
+                </a:schemeClr>
+              </a:lnRef>
+              <a:fillRef idx="1">
+                <a:schemeClr val="accent1"/>
+              </a:fillRef>
+              <a:effectRef idx="0">
+                <a:schemeClr val="accent1"/>
+              </a:effectRef>
+              <a:fontRef idx="minor">
+                <a:schemeClr val="lt1"/>
+              </a:fontRef>
+            </p:style>
+            <p:txBody>
+              <a:bodyPr rtlCol="0" anchor="ctr"/>
+              <a:lstStyle/>
+              <a:p>
+                <a:pPr algn="ctr"/>
+                <a:r>
+                  <a:rPr lang="en-US" altLang="zh-CN" sz="900" smtClean="0">
+                    <a:solidFill>
+                      <a:schemeClr val="tx1"/>
+                    </a:solidFill>
+                  </a:rPr>
+                  <a:t>10</a:t>
+                </a:r>
+                <a:endParaRPr lang="zh-CN" altLang="en-US" sz="900" dirty="0">
+                  <a:solidFill>
+                    <a:schemeClr val="tx1"/>
+                  </a:solidFill>
+                </a:endParaRPr>
+              </a:p>
+            </p:txBody>
+          </p:sp>
+          <p:sp>
+            <p:nvSpPr>
+              <p:cNvPr id="90" name="矩形 89"/>
+              <p:cNvSpPr/>
+              <p:nvPr/>
+            </p:nvSpPr>
+            <p:spPr>
+              <a:xfrm>
+                <a:off x="6852501" y="3034336"/>
+                <a:ext cx="462743" cy="193491"/>
+              </a:xfrm>
+              <a:prstGeom prst="rect">
+                <a:avLst/>
+              </a:prstGeom>
+              <a:solidFill>
+                <a:schemeClr val="bg1">
+                  <a:lumMod val="65000"/>
+                </a:schemeClr>
+              </a:solidFill>
+              <a:ln>
+                <a:solidFill>
+                  <a:schemeClr val="tx1"/>
+                </a:solidFill>
+              </a:ln>
+            </p:spPr>
+            <p:style>
+              <a:lnRef idx="2">
+                <a:schemeClr val="accent1">
+                  <a:shade val="50000"/>
+                </a:schemeClr>
+              </a:lnRef>
+              <a:fillRef idx="1">
+                <a:schemeClr val="accent1"/>
+              </a:fillRef>
+              <a:effectRef idx="0">
+                <a:schemeClr val="accent1"/>
+              </a:effectRef>
+              <a:fontRef idx="minor">
+                <a:schemeClr val="lt1"/>
+              </a:fontRef>
+            </p:style>
+            <p:txBody>
+              <a:bodyPr rtlCol="0" anchor="ctr"/>
+              <a:lstStyle/>
+              <a:p>
+                <a:pPr algn="ctr"/>
+                <a:r>
+                  <a:rPr lang="en-US" altLang="zh-CN" sz="900" smtClean="0">
+                    <a:solidFill>
+                      <a:schemeClr val="tx1"/>
+                    </a:solidFill>
+                  </a:rPr>
+                  <a:t>…</a:t>
+                </a:r>
+                <a:endParaRPr lang="zh-CN" altLang="en-US" sz="900" dirty="0">
+                  <a:solidFill>
+                    <a:schemeClr val="tx1"/>
+                  </a:solidFill>
+                </a:endParaRPr>
+              </a:p>
+            </p:txBody>
+          </p:sp>
+          <p:sp>
+            <p:nvSpPr>
+              <p:cNvPr id="91" name="矩形 90"/>
+              <p:cNvSpPr/>
+              <p:nvPr/>
+            </p:nvSpPr>
+            <p:spPr>
+              <a:xfrm>
+                <a:off x="6852501" y="3227827"/>
+                <a:ext cx="462743" cy="193491"/>
+              </a:xfrm>
+              <a:prstGeom prst="rect">
+                <a:avLst/>
+              </a:prstGeom>
+              <a:solidFill>
+                <a:schemeClr val="bg1">
+                  <a:lumMod val="65000"/>
+                </a:schemeClr>
+              </a:solidFill>
+              <a:ln>
+                <a:solidFill>
+                  <a:schemeClr val="tx1"/>
+                </a:solidFill>
+              </a:ln>
+            </p:spPr>
+            <p:style>
+              <a:lnRef idx="2">
+                <a:schemeClr val="accent1">
+                  <a:shade val="50000"/>
+                </a:schemeClr>
+              </a:lnRef>
+              <a:fillRef idx="1">
+                <a:schemeClr val="accent1"/>
+              </a:fillRef>
+              <a:effectRef idx="0">
+                <a:schemeClr val="accent1"/>
+              </a:effectRef>
+              <a:fontRef idx="minor">
+                <a:schemeClr val="lt1"/>
+              </a:fontRef>
+            </p:style>
+            <p:txBody>
+              <a:bodyPr rtlCol="0" anchor="ctr"/>
+              <a:lstStyle/>
+              <a:p>
+                <a:pPr algn="ctr"/>
+                <a:r>
+                  <a:rPr lang="en-US" altLang="zh-CN" sz="900" smtClean="0">
+                    <a:solidFill>
+                      <a:schemeClr val="tx1"/>
+                    </a:solidFill>
+                  </a:rPr>
+                  <a:t>…</a:t>
+                </a:r>
+                <a:endParaRPr lang="zh-CN" altLang="en-US" sz="900" dirty="0">
+                  <a:solidFill>
+                    <a:schemeClr val="tx1"/>
+                  </a:solidFill>
+                </a:endParaRPr>
+              </a:p>
+            </p:txBody>
+          </p:sp>
+        </p:grpSp>
+        <p:sp>
+          <p:nvSpPr>
+            <p:cNvPr id="4" name="文本框 3"/>
+            <p:cNvSpPr txBox="1"/>
+            <p:nvPr/>
+          </p:nvSpPr>
+          <p:spPr>
+            <a:xfrm>
+              <a:off x="6946318" y="2230559"/>
+              <a:ext cx="383438" cy="246221"/>
+            </a:xfrm>
+            <a:prstGeom prst="rect">
+              <a:avLst/>
+            </a:prstGeom>
+            <a:noFill/>
+          </p:spPr>
+          <p:txBody>
+            <a:bodyPr wrap="none" rtlCol="0">
+              <a:spAutoFit/>
+            </a:bodyPr>
+            <a:lstStyle/>
+            <a:p>
+              <a:r>
+                <a:rPr lang="en-US" altLang="zh-CN" sz="1000" smtClean="0"/>
+                <a:t>min</a:t>
+              </a:r>
+              <a:endParaRPr lang="zh-CN" altLang="en-US" sz="1000"/>
+            </a:p>
+          </p:txBody>
+        </p:sp>
+        <p:sp>
+          <p:nvSpPr>
+            <p:cNvPr id="92" name="文本框 91"/>
+            <p:cNvSpPr txBox="1"/>
+            <p:nvPr/>
+          </p:nvSpPr>
+          <p:spPr>
+            <a:xfrm>
+              <a:off x="7237338" y="2230559"/>
+              <a:ext cx="404278" cy="246221"/>
+            </a:xfrm>
+            <a:prstGeom prst="rect">
+              <a:avLst/>
+            </a:prstGeom>
+            <a:noFill/>
+          </p:spPr>
+          <p:txBody>
+            <a:bodyPr wrap="none" rtlCol="0">
+              <a:spAutoFit/>
+            </a:bodyPr>
+            <a:lstStyle/>
+            <a:p>
+              <a:r>
+                <a:rPr lang="en-US" altLang="zh-CN" sz="1000" smtClean="0"/>
+                <a:t>max</a:t>
+              </a:r>
+              <a:endParaRPr lang="zh-CN" altLang="en-US" sz="1000"/>
+            </a:p>
+          </p:txBody>
+        </p:sp>
+      </p:grpSp>
+      <p:sp>
+        <p:nvSpPr>
+          <p:cNvPr id="7" name="文本框 6"/>
+          <p:cNvSpPr txBox="1"/>
+          <p:nvPr/>
+        </p:nvSpPr>
+        <p:spPr>
+          <a:xfrm>
+            <a:off x="6644374" y="1963376"/>
+            <a:ext cx="1300228" cy="276999"/>
+          </a:xfrm>
+          <a:prstGeom prst="rect">
+            <a:avLst/>
+          </a:prstGeom>
+          <a:noFill/>
+        </p:spPr>
+        <p:txBody>
+          <a:bodyPr wrap="none" rtlCol="0">
+            <a:spAutoFit/>
+          </a:bodyPr>
+          <a:lstStyle/>
+          <a:p>
+            <a:r>
+              <a:rPr lang="en-US" altLang="zh-CN" sz="1200" smtClean="0"/>
+              <a:t>segment </a:t>
+            </a:r>
+            <a:r>
+              <a:rPr lang="en-US" altLang="zh-CN" sz="1200"/>
+              <a:t>statistics</a:t>
+            </a:r>
+            <a:endParaRPr lang="zh-CN" altLang="en-US" sz="1200"/>
+          </a:p>
+        </p:txBody>
+      </p:sp>
+      <p:sp>
+        <p:nvSpPr>
+          <p:cNvPr id="93" name="文本框 92"/>
+          <p:cNvSpPr txBox="1"/>
+          <p:nvPr/>
+        </p:nvSpPr>
+        <p:spPr>
+          <a:xfrm>
+            <a:off x="7917460" y="1972902"/>
+            <a:ext cx="1303755" cy="276999"/>
+          </a:xfrm>
+          <a:prstGeom prst="rect">
+            <a:avLst/>
+          </a:prstGeom>
+          <a:noFill/>
+        </p:spPr>
+        <p:txBody>
+          <a:bodyPr wrap="none" rtlCol="0">
+            <a:spAutoFit/>
+          </a:bodyPr>
+          <a:lstStyle/>
+          <a:p>
+            <a:r>
+              <a:rPr lang="en-US" altLang="zh-CN" sz="1200" smtClean="0"/>
+              <a:t>Column segments</a:t>
+            </a:r>
+            <a:endParaRPr lang="zh-CN" altLang="en-US" sz="1200"/>
+          </a:p>
+        </p:txBody>
+      </p:sp>
     </p:spTree>
     <p:extLst>
       <p:ext uri="{BB962C8B-B14F-4D97-AF65-F5344CB8AC3E}">
         <p14:creationId xmlns:p14="http://schemas.microsoft.com/office/powerpoint/2010/main" val="2979433892"/>
+      </p:ext>
+    </p:extLst>
+  </p:cSld>
+  <p:clrMapOvr>
+    <a:masterClrMapping/>
+  </p:clrMapOvr>
+</p:sld>
+</file>
+
+<file path=ppt/slides/slide35.xml><?xml version="1.0" encoding="utf-8"?>
+<p:sld xmlns:a="http://schemas.openxmlformats.org/drawingml/2006/main" xmlns:r="http://schemas.openxmlformats.org/officeDocument/2006/relationships" xmlns:p="http://schemas.openxmlformats.org/presentationml/2006/main">
+  <p:cSld>
+    <p:spTree>
+      <p:nvGrpSpPr>
+        <p:cNvPr id="1" name=""/>
+        <p:cNvGrpSpPr/>
+        <p:nvPr/>
+      </p:nvGrpSpPr>
+      <p:grpSpPr>
+        <a:xfrm>
+          <a:off x="0" y="0"/>
+          <a:ext cx="0" cy="0"/>
+          <a:chOff x="0" y="0"/>
+          <a:chExt cx="0" cy="0"/>
+        </a:xfrm>
+      </p:grpSpPr>
+      <p:sp>
+        <p:nvSpPr>
+          <p:cNvPr id="2" name="标题 1"/>
+          <p:cNvSpPr>
+            <a:spLocks noGrp="1"/>
+          </p:cNvSpPr>
+          <p:nvPr>
+            <p:ph type="title"/>
+          </p:nvPr>
+        </p:nvSpPr>
+        <p:spPr/>
+        <p:txBody>
+          <a:bodyPr/>
+          <a:lstStyle/>
+          <a:p>
+            <a:endParaRPr lang="zh-CN" altLang="en-US"/>
+          </a:p>
+        </p:txBody>
+      </p:sp>
+      <p:sp>
+        <p:nvSpPr>
+          <p:cNvPr id="3" name="文本框 2"/>
+          <p:cNvSpPr txBox="1"/>
+          <p:nvPr/>
+        </p:nvSpPr>
+        <p:spPr>
+          <a:xfrm>
+            <a:off x="2153038" y="2023189"/>
+            <a:ext cx="4292650" cy="276999"/>
+          </a:xfrm>
+          <a:prstGeom prst="rect">
+            <a:avLst/>
+          </a:prstGeom>
+          <a:noFill/>
+        </p:spPr>
+        <p:txBody>
+          <a:bodyPr wrap="none" rtlCol="0">
+            <a:spAutoFit/>
+          </a:bodyPr>
+          <a:lstStyle/>
+          <a:p>
+            <a:r>
+              <a:rPr lang="en-US" altLang="zh-CN" sz="1200"/>
+              <a:t>RowID = </a:t>
+            </a:r>
+            <a:r>
+              <a:rPr lang="en-US" altLang="zh-CN" sz="1200"/>
+              <a:t>0x00CA0103 </a:t>
+            </a:r>
+            <a:r>
+              <a:rPr lang="en-US" altLang="zh-CN" sz="1200" smtClean="0"/>
+              <a:t>= 0</a:t>
+            </a:r>
+            <a:r>
+              <a:rPr lang="en-US" altLang="zh-CN" sz="1200" smtClean="0">
+                <a:solidFill>
+                  <a:srgbClr val="0070C0"/>
+                </a:solidFill>
+              </a:rPr>
+              <a:t>0000000 11</a:t>
+            </a:r>
+            <a:r>
+              <a:rPr lang="en-US" altLang="zh-CN" sz="1200" smtClean="0">
+                <a:solidFill>
+                  <a:srgbClr val="FF0000"/>
+                </a:solidFill>
+              </a:rPr>
+              <a:t>001010 000</a:t>
+            </a:r>
+            <a:r>
+              <a:rPr lang="en-US" altLang="zh-CN" sz="1200" smtClean="0">
+                <a:solidFill>
+                  <a:srgbClr val="00B050"/>
+                </a:solidFill>
+              </a:rPr>
+              <a:t>00001 00000011 </a:t>
+            </a:r>
+            <a:endParaRPr lang="zh-CN" altLang="en-US" sz="1200">
+              <a:solidFill>
+                <a:srgbClr val="00B050"/>
+              </a:solidFill>
+            </a:endParaRPr>
+          </a:p>
+        </p:txBody>
+      </p:sp>
+      <p:sp>
+        <p:nvSpPr>
+          <p:cNvPr id="10" name="右大括号 9"/>
+          <p:cNvSpPr/>
+          <p:nvPr/>
+        </p:nvSpPr>
+        <p:spPr>
+          <a:xfrm rot="5400000" flipH="1">
+            <a:off x="5751038" y="1495177"/>
+            <a:ext cx="79928" cy="1001485"/>
+          </a:xfrm>
+          <a:prstGeom prst="rightBrace">
+            <a:avLst>
+              <a:gd name="adj1" fmla="val 35360"/>
+              <a:gd name="adj2" fmla="val 50000"/>
+            </a:avLst>
+          </a:prstGeom>
+          <a:ln>
+            <a:solidFill>
+              <a:schemeClr val="tx1"/>
+            </a:solidFill>
+          </a:ln>
+        </p:spPr>
+        <p:style>
+          <a:lnRef idx="1">
+            <a:schemeClr val="accent1"/>
+          </a:lnRef>
+          <a:fillRef idx="0">
+            <a:schemeClr val="accent1"/>
+          </a:fillRef>
+          <a:effectRef idx="0">
+            <a:schemeClr val="accent1"/>
+          </a:effectRef>
+          <a:fontRef idx="minor">
+            <a:schemeClr val="tx1"/>
+          </a:fontRef>
+        </p:style>
+        <p:txBody>
+          <a:bodyPr rtlCol="0" anchor="ctr"/>
+          <a:lstStyle/>
+          <a:p>
+            <a:pPr algn="ctr"/>
+            <a:endParaRPr lang="zh-CN" altLang="en-US" sz="1200"/>
+          </a:p>
+        </p:txBody>
+      </p:sp>
+      <p:sp>
+        <p:nvSpPr>
+          <p:cNvPr id="15" name="右大括号 14"/>
+          <p:cNvSpPr/>
+          <p:nvPr/>
+        </p:nvSpPr>
+        <p:spPr>
+          <a:xfrm rot="5400000" flipH="1">
+            <a:off x="4108868" y="1636677"/>
+            <a:ext cx="82620" cy="721179"/>
+          </a:xfrm>
+          <a:prstGeom prst="rightBrace">
+            <a:avLst>
+              <a:gd name="adj1" fmla="val 35360"/>
+              <a:gd name="adj2" fmla="val 50000"/>
+            </a:avLst>
+          </a:prstGeom>
+          <a:ln>
+            <a:solidFill>
+              <a:schemeClr val="tx1"/>
+            </a:solidFill>
+          </a:ln>
+        </p:spPr>
+        <p:style>
+          <a:lnRef idx="1">
+            <a:schemeClr val="accent1"/>
+          </a:lnRef>
+          <a:fillRef idx="0">
+            <a:schemeClr val="accent1"/>
+          </a:fillRef>
+          <a:effectRef idx="0">
+            <a:schemeClr val="accent1"/>
+          </a:effectRef>
+          <a:fontRef idx="minor">
+            <a:schemeClr val="tx1"/>
+          </a:fontRef>
+        </p:style>
+        <p:txBody>
+          <a:bodyPr rtlCol="0" anchor="ctr"/>
+          <a:lstStyle/>
+          <a:p>
+            <a:pPr algn="ctr"/>
+            <a:endParaRPr lang="zh-CN" altLang="en-US" sz="1200"/>
+          </a:p>
+        </p:txBody>
+      </p:sp>
+      <p:sp>
+        <p:nvSpPr>
+          <p:cNvPr id="16" name="文本框 15"/>
+          <p:cNvSpPr txBox="1"/>
+          <p:nvPr/>
+        </p:nvSpPr>
+        <p:spPr>
+          <a:xfrm>
+            <a:off x="5531299" y="1524295"/>
+            <a:ext cx="567784" cy="369332"/>
+          </a:xfrm>
+          <a:prstGeom prst="rect">
+            <a:avLst/>
+          </a:prstGeom>
+          <a:noFill/>
+        </p:spPr>
+        <p:txBody>
+          <a:bodyPr wrap="none" rtlCol="0">
+            <a:spAutoFit/>
+          </a:bodyPr>
+          <a:lstStyle/>
+          <a:p>
+            <a:pPr algn="ctr"/>
+            <a:r>
+              <a:rPr lang="en-US" altLang="zh-CN" sz="900" smtClean="0"/>
+              <a:t>Offset </a:t>
+            </a:r>
+          </a:p>
+          <a:p>
+            <a:pPr algn="ctr"/>
+            <a:r>
+              <a:rPr lang="en-US" altLang="zh-CN" sz="900" smtClean="0"/>
+              <a:t>(13 bits</a:t>
+            </a:r>
+            <a:r>
+              <a:rPr lang="en-US" altLang="zh-CN" sz="900"/>
+              <a:t>)</a:t>
+            </a:r>
+            <a:endParaRPr lang="zh-CN" altLang="en-US" sz="900"/>
+          </a:p>
+        </p:txBody>
+      </p:sp>
+      <p:sp>
+        <p:nvSpPr>
+          <p:cNvPr id="18" name="文本框 17"/>
+          <p:cNvSpPr txBox="1"/>
+          <p:nvPr/>
+        </p:nvSpPr>
+        <p:spPr>
+          <a:xfrm>
+            <a:off x="3636890" y="1508906"/>
+            <a:ext cx="1023036" cy="400110"/>
+          </a:xfrm>
+          <a:prstGeom prst="rect">
+            <a:avLst/>
+          </a:prstGeom>
+          <a:noFill/>
+        </p:spPr>
+        <p:txBody>
+          <a:bodyPr wrap="none" rtlCol="0">
+            <a:spAutoFit/>
+          </a:bodyPr>
+          <a:lstStyle/>
+          <a:p>
+            <a:pPr algn="ctr"/>
+            <a:r>
+              <a:rPr lang="en-US" altLang="zh-CN" sz="1000" smtClean="0"/>
+              <a:t>HighSegmentID </a:t>
+            </a:r>
+          </a:p>
+          <a:p>
+            <a:pPr algn="ctr"/>
+            <a:r>
+              <a:rPr lang="en-US" altLang="zh-CN" sz="1000" smtClean="0"/>
+              <a:t>(9 bits</a:t>
+            </a:r>
+            <a:r>
+              <a:rPr lang="en-US" altLang="zh-CN" sz="1000"/>
+              <a:t>)</a:t>
+            </a:r>
+            <a:endParaRPr lang="zh-CN" altLang="en-US" sz="1000"/>
+          </a:p>
+        </p:txBody>
+      </p:sp>
+      <p:cxnSp>
+        <p:nvCxnSpPr>
+          <p:cNvPr id="28" name="直接连接符 27"/>
+          <p:cNvCxnSpPr/>
+          <p:nvPr/>
+        </p:nvCxnSpPr>
+        <p:spPr>
+          <a:xfrm>
+            <a:off x="3801974" y="2305050"/>
+            <a:ext cx="718318" cy="0"/>
+          </a:xfrm>
+          <a:prstGeom prst="line">
+            <a:avLst/>
+          </a:prstGeom>
+          <a:ln w="22225">
+            <a:solidFill>
+              <a:schemeClr val="tx1"/>
+            </a:solidFill>
+          </a:ln>
+        </p:spPr>
+        <p:style>
+          <a:lnRef idx="1">
+            <a:schemeClr val="accent1"/>
+          </a:lnRef>
+          <a:fillRef idx="0">
+            <a:schemeClr val="accent1"/>
+          </a:fillRef>
+          <a:effectRef idx="0">
+            <a:schemeClr val="accent1"/>
+          </a:effectRef>
+          <a:fontRef idx="minor">
+            <a:schemeClr val="tx1"/>
+          </a:fontRef>
+        </p:style>
+      </p:cxnSp>
+      <p:cxnSp>
+        <p:nvCxnSpPr>
+          <p:cNvPr id="30" name="直接连接符 29"/>
+          <p:cNvCxnSpPr/>
+          <p:nvPr/>
+        </p:nvCxnSpPr>
+        <p:spPr>
+          <a:xfrm>
+            <a:off x="4542203" y="2305050"/>
+            <a:ext cx="727843" cy="0"/>
+          </a:xfrm>
+          <a:prstGeom prst="line">
+            <a:avLst/>
+          </a:prstGeom>
+          <a:ln w="22225">
+            <a:solidFill>
+              <a:schemeClr val="tx1"/>
+            </a:solidFill>
+          </a:ln>
+        </p:spPr>
+        <p:style>
+          <a:lnRef idx="1">
+            <a:schemeClr val="accent1"/>
+          </a:lnRef>
+          <a:fillRef idx="0">
+            <a:schemeClr val="accent1"/>
+          </a:fillRef>
+          <a:effectRef idx="0">
+            <a:schemeClr val="accent1"/>
+          </a:effectRef>
+          <a:fontRef idx="minor">
+            <a:schemeClr val="tx1"/>
+          </a:fontRef>
+        </p:style>
+      </p:cxnSp>
+      <p:cxnSp>
+        <p:nvCxnSpPr>
+          <p:cNvPr id="31" name="直接连接符 30"/>
+          <p:cNvCxnSpPr/>
+          <p:nvPr/>
+        </p:nvCxnSpPr>
+        <p:spPr>
+          <a:xfrm>
+            <a:off x="5309309" y="2305050"/>
+            <a:ext cx="1001486" cy="0"/>
+          </a:xfrm>
+          <a:prstGeom prst="line">
+            <a:avLst/>
+          </a:prstGeom>
+          <a:ln w="22225">
+            <a:solidFill>
+              <a:schemeClr val="tx1"/>
+            </a:solidFill>
+          </a:ln>
+        </p:spPr>
+        <p:style>
+          <a:lnRef idx="1">
+            <a:schemeClr val="accent1"/>
+          </a:lnRef>
+          <a:fillRef idx="0">
+            <a:schemeClr val="accent1"/>
+          </a:fillRef>
+          <a:effectRef idx="0">
+            <a:schemeClr val="accent1"/>
+          </a:effectRef>
+          <a:fontRef idx="minor">
+            <a:schemeClr val="tx1"/>
+          </a:fontRef>
+        </p:style>
+      </p:cxnSp>
+      <p:grpSp>
+        <p:nvGrpSpPr>
+          <p:cNvPr id="43" name="组合 42"/>
+          <p:cNvGrpSpPr/>
+          <p:nvPr/>
+        </p:nvGrpSpPr>
+        <p:grpSpPr>
+          <a:xfrm>
+            <a:off x="2937834" y="3014174"/>
+            <a:ext cx="1901578" cy="134876"/>
+            <a:chOff x="2618695" y="3033536"/>
+            <a:chExt cx="2651351" cy="194967"/>
+          </a:xfrm>
+          <a:solidFill>
+            <a:schemeClr val="bg1">
+              <a:lumMod val="50000"/>
+            </a:schemeClr>
+          </a:solidFill>
+        </p:grpSpPr>
+        <p:sp>
+          <p:nvSpPr>
+            <p:cNvPr id="35" name="矩形 34"/>
+            <p:cNvSpPr/>
+            <p:nvPr/>
+          </p:nvSpPr>
+          <p:spPr>
+            <a:xfrm>
+              <a:off x="2618695" y="3033536"/>
+              <a:ext cx="331530" cy="194967"/>
+            </a:xfrm>
+            <a:prstGeom prst="rect">
+              <a:avLst/>
+            </a:prstGeom>
+            <a:grpFill/>
+            <a:ln>
+              <a:solidFill>
+                <a:schemeClr val="tx1"/>
+              </a:solidFill>
+            </a:ln>
+          </p:spPr>
+          <p:style>
+            <a:lnRef idx="2">
+              <a:schemeClr val="accent1">
+                <a:shade val="50000"/>
+              </a:schemeClr>
+            </a:lnRef>
+            <a:fillRef idx="1">
+              <a:schemeClr val="accent1"/>
+            </a:fillRef>
+            <a:effectRef idx="0">
+              <a:schemeClr val="accent1"/>
+            </a:effectRef>
+            <a:fontRef idx="minor">
+              <a:schemeClr val="lt1"/>
+            </a:fontRef>
+          </p:style>
+          <p:txBody>
+            <a:bodyPr rtlCol="0" anchor="ctr"/>
+            <a:lstStyle/>
+            <a:p>
+              <a:pPr algn="ctr"/>
+              <a:r>
+                <a:rPr lang="en-US" altLang="zh-CN" sz="900" smtClean="0">
+                  <a:solidFill>
+                    <a:schemeClr val="tx1"/>
+                  </a:solidFill>
+                </a:rPr>
+                <a:t>0</a:t>
+              </a:r>
+              <a:endParaRPr lang="zh-CN" altLang="en-US" sz="900" dirty="0">
+                <a:solidFill>
+                  <a:schemeClr val="tx1"/>
+                </a:solidFill>
+              </a:endParaRPr>
+            </a:p>
+          </p:txBody>
+        </p:sp>
+        <p:sp>
+          <p:nvSpPr>
+            <p:cNvPr id="36" name="矩形 35"/>
+            <p:cNvSpPr/>
+            <p:nvPr/>
+          </p:nvSpPr>
+          <p:spPr>
+            <a:xfrm>
+              <a:off x="2950225" y="3033536"/>
+              <a:ext cx="331530" cy="194967"/>
+            </a:xfrm>
+            <a:prstGeom prst="rect">
+              <a:avLst/>
+            </a:prstGeom>
+            <a:grpFill/>
+            <a:ln>
+              <a:solidFill>
+                <a:schemeClr val="tx1"/>
+              </a:solidFill>
+            </a:ln>
+          </p:spPr>
+          <p:style>
+            <a:lnRef idx="2">
+              <a:schemeClr val="accent1">
+                <a:shade val="50000"/>
+              </a:schemeClr>
+            </a:lnRef>
+            <a:fillRef idx="1">
+              <a:schemeClr val="accent1"/>
+            </a:fillRef>
+            <a:effectRef idx="0">
+              <a:schemeClr val="accent1"/>
+            </a:effectRef>
+            <a:fontRef idx="minor">
+              <a:schemeClr val="lt1"/>
+            </a:fontRef>
+          </p:style>
+          <p:txBody>
+            <a:bodyPr rtlCol="0" anchor="ctr"/>
+            <a:lstStyle/>
+            <a:p>
+              <a:pPr algn="ctr"/>
+              <a:r>
+                <a:rPr lang="en-US" altLang="zh-CN" sz="900" smtClean="0">
+                  <a:solidFill>
+                    <a:schemeClr val="tx1"/>
+                  </a:solidFill>
+                </a:rPr>
+                <a:t>1</a:t>
+              </a:r>
+              <a:endParaRPr lang="zh-CN" altLang="en-US" sz="900" dirty="0">
+                <a:solidFill>
+                  <a:schemeClr val="tx1"/>
+                </a:solidFill>
+              </a:endParaRPr>
+            </a:p>
+          </p:txBody>
+        </p:sp>
+        <p:sp>
+          <p:nvSpPr>
+            <p:cNvPr id="37" name="矩形 36"/>
+            <p:cNvSpPr/>
+            <p:nvPr/>
+          </p:nvSpPr>
+          <p:spPr>
+            <a:xfrm>
+              <a:off x="3284949" y="3033536"/>
+              <a:ext cx="331530" cy="194967"/>
+            </a:xfrm>
+            <a:prstGeom prst="rect">
+              <a:avLst/>
+            </a:prstGeom>
+            <a:grpFill/>
+            <a:ln>
+              <a:solidFill>
+                <a:schemeClr val="tx1"/>
+              </a:solidFill>
+            </a:ln>
+          </p:spPr>
+          <p:style>
+            <a:lnRef idx="2">
+              <a:schemeClr val="accent1">
+                <a:shade val="50000"/>
+              </a:schemeClr>
+            </a:lnRef>
+            <a:fillRef idx="1">
+              <a:schemeClr val="accent1"/>
+            </a:fillRef>
+            <a:effectRef idx="0">
+              <a:schemeClr val="accent1"/>
+            </a:effectRef>
+            <a:fontRef idx="minor">
+              <a:schemeClr val="lt1"/>
+            </a:fontRef>
+          </p:style>
+          <p:txBody>
+            <a:bodyPr rtlCol="0" anchor="ctr"/>
+            <a:lstStyle/>
+            <a:p>
+              <a:pPr algn="ctr"/>
+              <a:r>
+                <a:rPr lang="en-US" altLang="zh-CN" sz="900" smtClean="0">
+                  <a:solidFill>
+                    <a:schemeClr val="tx1"/>
+                  </a:solidFill>
+                </a:rPr>
+                <a:t>2</a:t>
+              </a:r>
+              <a:endParaRPr lang="zh-CN" altLang="en-US" sz="900" dirty="0">
+                <a:solidFill>
+                  <a:schemeClr val="tx1"/>
+                </a:solidFill>
+              </a:endParaRPr>
+            </a:p>
+          </p:txBody>
+        </p:sp>
+        <p:sp>
+          <p:nvSpPr>
+            <p:cNvPr id="38" name="矩形 37"/>
+            <p:cNvSpPr/>
+            <p:nvPr/>
+          </p:nvSpPr>
+          <p:spPr>
+            <a:xfrm>
+              <a:off x="3616479" y="3033536"/>
+              <a:ext cx="331530" cy="194967"/>
+            </a:xfrm>
+            <a:prstGeom prst="rect">
+              <a:avLst/>
+            </a:prstGeom>
+            <a:grpFill/>
+            <a:ln>
+              <a:solidFill>
+                <a:schemeClr val="tx1"/>
+              </a:solidFill>
+            </a:ln>
+          </p:spPr>
+          <p:style>
+            <a:lnRef idx="2">
+              <a:schemeClr val="accent1">
+                <a:shade val="50000"/>
+              </a:schemeClr>
+            </a:lnRef>
+            <a:fillRef idx="1">
+              <a:schemeClr val="accent1"/>
+            </a:fillRef>
+            <a:effectRef idx="0">
+              <a:schemeClr val="accent1"/>
+            </a:effectRef>
+            <a:fontRef idx="minor">
+              <a:schemeClr val="lt1"/>
+            </a:fontRef>
+          </p:style>
+          <p:txBody>
+            <a:bodyPr rtlCol="0" anchor="ctr"/>
+            <a:lstStyle/>
+            <a:p>
+              <a:pPr algn="ctr"/>
+              <a:r>
+                <a:rPr lang="en-US" altLang="zh-CN" sz="900" smtClean="0">
+                  <a:solidFill>
+                    <a:schemeClr val="tx1"/>
+                  </a:solidFill>
+                </a:rPr>
+                <a:t>3</a:t>
+              </a:r>
+              <a:endParaRPr lang="zh-CN" altLang="en-US" sz="900" dirty="0">
+                <a:solidFill>
+                  <a:schemeClr val="tx1"/>
+                </a:solidFill>
+              </a:endParaRPr>
+            </a:p>
+          </p:txBody>
+        </p:sp>
+        <p:sp>
+          <p:nvSpPr>
+            <p:cNvPr id="39" name="矩形 38"/>
+            <p:cNvSpPr/>
+            <p:nvPr/>
+          </p:nvSpPr>
+          <p:spPr>
+            <a:xfrm>
+              <a:off x="3948009" y="3033536"/>
+              <a:ext cx="331530" cy="194967"/>
+            </a:xfrm>
+            <a:prstGeom prst="rect">
+              <a:avLst/>
+            </a:prstGeom>
+            <a:grpFill/>
+            <a:ln>
+              <a:solidFill>
+                <a:schemeClr val="tx1"/>
+              </a:solidFill>
+            </a:ln>
+          </p:spPr>
+          <p:style>
+            <a:lnRef idx="2">
+              <a:schemeClr val="accent1">
+                <a:shade val="50000"/>
+              </a:schemeClr>
+            </a:lnRef>
+            <a:fillRef idx="1">
+              <a:schemeClr val="accent1"/>
+            </a:fillRef>
+            <a:effectRef idx="0">
+              <a:schemeClr val="accent1"/>
+            </a:effectRef>
+            <a:fontRef idx="minor">
+              <a:schemeClr val="lt1"/>
+            </a:fontRef>
+          </p:style>
+          <p:txBody>
+            <a:bodyPr rtlCol="0" anchor="ctr"/>
+            <a:lstStyle/>
+            <a:p>
+              <a:pPr algn="ctr"/>
+              <a:endParaRPr lang="zh-CN" altLang="en-US" sz="900" dirty="0">
+                <a:solidFill>
+                  <a:schemeClr val="tx1"/>
+                </a:solidFill>
+              </a:endParaRPr>
+            </a:p>
+          </p:txBody>
+        </p:sp>
+        <p:sp>
+          <p:nvSpPr>
+            <p:cNvPr id="40" name="矩形 39"/>
+            <p:cNvSpPr/>
+            <p:nvPr/>
+          </p:nvSpPr>
+          <p:spPr>
+            <a:xfrm>
+              <a:off x="4279539" y="3033536"/>
+              <a:ext cx="331530" cy="194967"/>
+            </a:xfrm>
+            <a:prstGeom prst="rect">
+              <a:avLst/>
+            </a:prstGeom>
+            <a:grpFill/>
+            <a:ln>
+              <a:solidFill>
+                <a:schemeClr val="tx1"/>
+              </a:solidFill>
+            </a:ln>
+          </p:spPr>
+          <p:style>
+            <a:lnRef idx="2">
+              <a:schemeClr val="accent1">
+                <a:shade val="50000"/>
+              </a:schemeClr>
+            </a:lnRef>
+            <a:fillRef idx="1">
+              <a:schemeClr val="accent1"/>
+            </a:fillRef>
+            <a:effectRef idx="0">
+              <a:schemeClr val="accent1"/>
+            </a:effectRef>
+            <a:fontRef idx="minor">
+              <a:schemeClr val="lt1"/>
+            </a:fontRef>
+          </p:style>
+          <p:txBody>
+            <a:bodyPr rtlCol="0" anchor="ctr"/>
+            <a:lstStyle/>
+            <a:p>
+              <a:pPr algn="ctr"/>
+              <a:endParaRPr lang="zh-CN" altLang="en-US" sz="900" dirty="0">
+                <a:solidFill>
+                  <a:schemeClr val="tx1"/>
+                </a:solidFill>
+              </a:endParaRPr>
+            </a:p>
+          </p:txBody>
+        </p:sp>
+        <p:sp>
+          <p:nvSpPr>
+            <p:cNvPr id="41" name="矩形 40"/>
+            <p:cNvSpPr/>
+            <p:nvPr/>
+          </p:nvSpPr>
+          <p:spPr>
+            <a:xfrm>
+              <a:off x="4606986" y="3033536"/>
+              <a:ext cx="331530" cy="194967"/>
+            </a:xfrm>
+            <a:prstGeom prst="rect">
+              <a:avLst/>
+            </a:prstGeom>
+            <a:grpFill/>
+            <a:ln>
+              <a:solidFill>
+                <a:schemeClr val="tx1"/>
+              </a:solidFill>
+            </a:ln>
+          </p:spPr>
+          <p:style>
+            <a:lnRef idx="2">
+              <a:schemeClr val="accent1">
+                <a:shade val="50000"/>
+              </a:schemeClr>
+            </a:lnRef>
+            <a:fillRef idx="1">
+              <a:schemeClr val="accent1"/>
+            </a:fillRef>
+            <a:effectRef idx="0">
+              <a:schemeClr val="accent1"/>
+            </a:effectRef>
+            <a:fontRef idx="minor">
+              <a:schemeClr val="lt1"/>
+            </a:fontRef>
+          </p:style>
+          <p:txBody>
+            <a:bodyPr rtlCol="0" anchor="ctr"/>
+            <a:lstStyle/>
+            <a:p>
+              <a:pPr algn="ctr"/>
+              <a:endParaRPr lang="zh-CN" altLang="en-US" sz="900" dirty="0">
+                <a:solidFill>
+                  <a:schemeClr val="tx1"/>
+                </a:solidFill>
+              </a:endParaRPr>
+            </a:p>
+          </p:txBody>
+        </p:sp>
+        <p:sp>
+          <p:nvSpPr>
+            <p:cNvPr id="42" name="矩形 41"/>
+            <p:cNvSpPr/>
+            <p:nvPr/>
+          </p:nvSpPr>
+          <p:spPr>
+            <a:xfrm>
+              <a:off x="4938516" y="3033536"/>
+              <a:ext cx="331530" cy="194967"/>
+            </a:xfrm>
+            <a:prstGeom prst="rect">
+              <a:avLst/>
+            </a:prstGeom>
+            <a:grpFill/>
+            <a:ln>
+              <a:solidFill>
+                <a:schemeClr val="tx1"/>
+              </a:solidFill>
+            </a:ln>
+          </p:spPr>
+          <p:style>
+            <a:lnRef idx="2">
+              <a:schemeClr val="accent1">
+                <a:shade val="50000"/>
+              </a:schemeClr>
+            </a:lnRef>
+            <a:fillRef idx="1">
+              <a:schemeClr val="accent1"/>
+            </a:fillRef>
+            <a:effectRef idx="0">
+              <a:schemeClr val="accent1"/>
+            </a:effectRef>
+            <a:fontRef idx="minor">
+              <a:schemeClr val="lt1"/>
+            </a:fontRef>
+          </p:style>
+          <p:txBody>
+            <a:bodyPr rtlCol="0" anchor="ctr"/>
+            <a:lstStyle/>
+            <a:p>
+              <a:pPr algn="ctr"/>
+              <a:endParaRPr lang="zh-CN" altLang="en-US" sz="900" dirty="0">
+                <a:solidFill>
+                  <a:schemeClr val="tx1"/>
+                </a:solidFill>
+              </a:endParaRPr>
+            </a:p>
+          </p:txBody>
+        </p:sp>
+      </p:grpSp>
+      <p:cxnSp>
+        <p:nvCxnSpPr>
+          <p:cNvPr id="54" name="直接箭头连接符 53"/>
+          <p:cNvCxnSpPr>
+            <a:stCxn id="37" idx="2"/>
+            <a:endCxn id="65" idx="1"/>
+          </p:cNvCxnSpPr>
+          <p:nvPr/>
+        </p:nvCxnSpPr>
+        <p:spPr>
+          <a:xfrm rot="5400000">
+            <a:off x="3167529" y="3246437"/>
+            <a:ext cx="464426" cy="269653"/>
+          </a:xfrm>
+          <a:prstGeom prst="bentConnector3">
+            <a:avLst>
+              <a:gd name="adj1" fmla="val 50000"/>
+            </a:avLst>
+          </a:prstGeom>
+          <a:ln>
+            <a:solidFill>
+              <a:schemeClr val="tx1"/>
+            </a:solidFill>
+            <a:tailEnd type="triangle"/>
+          </a:ln>
+        </p:spPr>
+        <p:style>
+          <a:lnRef idx="1">
+            <a:schemeClr val="accent1"/>
+          </a:lnRef>
+          <a:fillRef idx="0">
+            <a:schemeClr val="accent1"/>
+          </a:fillRef>
+          <a:effectRef idx="0">
+            <a:schemeClr val="accent1"/>
+          </a:effectRef>
+          <a:fontRef idx="minor">
+            <a:schemeClr val="tx1"/>
+          </a:fontRef>
+        </p:style>
+      </p:cxnSp>
+      <p:grpSp>
+        <p:nvGrpSpPr>
+          <p:cNvPr id="55" name="组合 54"/>
+          <p:cNvGrpSpPr/>
+          <p:nvPr/>
+        </p:nvGrpSpPr>
+        <p:grpSpPr>
+          <a:xfrm rot="5400000">
+            <a:off x="3738515" y="3544660"/>
+            <a:ext cx="687389" cy="414441"/>
+            <a:chOff x="2618695" y="3033536"/>
+            <a:chExt cx="2651351" cy="194967"/>
+          </a:xfrm>
+          <a:solidFill>
+            <a:schemeClr val="bg1">
+              <a:lumMod val="85000"/>
+            </a:schemeClr>
+          </a:solidFill>
+        </p:grpSpPr>
+        <p:sp>
+          <p:nvSpPr>
+            <p:cNvPr id="56" name="矩形 55"/>
+            <p:cNvSpPr/>
+            <p:nvPr/>
+          </p:nvSpPr>
+          <p:spPr>
+            <a:xfrm>
+              <a:off x="2618695" y="3033536"/>
+              <a:ext cx="331530" cy="194967"/>
+            </a:xfrm>
+            <a:prstGeom prst="rect">
+              <a:avLst/>
+            </a:prstGeom>
+            <a:grpFill/>
+            <a:ln>
+              <a:solidFill>
+                <a:schemeClr val="tx1"/>
+              </a:solidFill>
+            </a:ln>
+          </p:spPr>
+          <p:style>
+            <a:lnRef idx="2">
+              <a:schemeClr val="accent1">
+                <a:shade val="50000"/>
+              </a:schemeClr>
+            </a:lnRef>
+            <a:fillRef idx="1">
+              <a:schemeClr val="accent1"/>
+            </a:fillRef>
+            <a:effectRef idx="0">
+              <a:schemeClr val="accent1"/>
+            </a:effectRef>
+            <a:fontRef idx="minor">
+              <a:schemeClr val="lt1"/>
+            </a:fontRef>
+          </p:style>
+          <p:txBody>
+            <a:bodyPr rtlCol="0" anchor="ctr"/>
+            <a:lstStyle/>
+            <a:p>
+              <a:pPr algn="ctr"/>
+              <a:endParaRPr lang="zh-CN" altLang="en-US" sz="900" dirty="0">
+                <a:solidFill>
+                  <a:schemeClr val="tx1"/>
+                </a:solidFill>
+              </a:endParaRPr>
+            </a:p>
+          </p:txBody>
+        </p:sp>
+        <p:sp>
+          <p:nvSpPr>
+            <p:cNvPr id="57" name="矩形 56"/>
+            <p:cNvSpPr/>
+            <p:nvPr/>
+          </p:nvSpPr>
+          <p:spPr>
+            <a:xfrm>
+              <a:off x="2950225" y="3033536"/>
+              <a:ext cx="331530" cy="194967"/>
+            </a:xfrm>
+            <a:prstGeom prst="rect">
+              <a:avLst/>
+            </a:prstGeom>
+            <a:grpFill/>
+            <a:ln>
+              <a:solidFill>
+                <a:schemeClr val="tx1"/>
+              </a:solidFill>
+            </a:ln>
+          </p:spPr>
+          <p:style>
+            <a:lnRef idx="2">
+              <a:schemeClr val="accent1">
+                <a:shade val="50000"/>
+              </a:schemeClr>
+            </a:lnRef>
+            <a:fillRef idx="1">
+              <a:schemeClr val="accent1"/>
+            </a:fillRef>
+            <a:effectRef idx="0">
+              <a:schemeClr val="accent1"/>
+            </a:effectRef>
+            <a:fontRef idx="minor">
+              <a:schemeClr val="lt1"/>
+            </a:fontRef>
+          </p:style>
+          <p:txBody>
+            <a:bodyPr rtlCol="0" anchor="ctr"/>
+            <a:lstStyle/>
+            <a:p>
+              <a:pPr algn="ctr"/>
+              <a:endParaRPr lang="zh-CN" altLang="en-US" sz="900" dirty="0">
+                <a:solidFill>
+                  <a:schemeClr val="tx1"/>
+                </a:solidFill>
+              </a:endParaRPr>
+            </a:p>
+          </p:txBody>
+        </p:sp>
+        <p:sp>
+          <p:nvSpPr>
+            <p:cNvPr id="58" name="矩形 57"/>
+            <p:cNvSpPr/>
+            <p:nvPr/>
+          </p:nvSpPr>
+          <p:spPr>
+            <a:xfrm>
+              <a:off x="3284949" y="3033536"/>
+              <a:ext cx="331530" cy="194967"/>
+            </a:xfrm>
+            <a:prstGeom prst="rect">
+              <a:avLst/>
+            </a:prstGeom>
+            <a:grpFill/>
+            <a:ln>
+              <a:solidFill>
+                <a:schemeClr val="tx1"/>
+              </a:solidFill>
+            </a:ln>
+          </p:spPr>
+          <p:style>
+            <a:lnRef idx="2">
+              <a:schemeClr val="accent1">
+                <a:shade val="50000"/>
+              </a:schemeClr>
+            </a:lnRef>
+            <a:fillRef idx="1">
+              <a:schemeClr val="accent1"/>
+            </a:fillRef>
+            <a:effectRef idx="0">
+              <a:schemeClr val="accent1"/>
+            </a:effectRef>
+            <a:fontRef idx="minor">
+              <a:schemeClr val="lt1"/>
+            </a:fontRef>
+          </p:style>
+          <p:txBody>
+            <a:bodyPr rtlCol="0" anchor="ctr"/>
+            <a:lstStyle/>
+            <a:p>
+              <a:pPr algn="ctr"/>
+              <a:endParaRPr lang="zh-CN" altLang="en-US" sz="900" dirty="0">
+                <a:solidFill>
+                  <a:schemeClr val="tx1"/>
+                </a:solidFill>
+              </a:endParaRPr>
+            </a:p>
+          </p:txBody>
+        </p:sp>
+        <p:sp>
+          <p:nvSpPr>
+            <p:cNvPr id="59" name="矩形 58"/>
+            <p:cNvSpPr/>
+            <p:nvPr/>
+          </p:nvSpPr>
+          <p:spPr>
+            <a:xfrm>
+              <a:off x="3616479" y="3033536"/>
+              <a:ext cx="331530" cy="194967"/>
+            </a:xfrm>
+            <a:prstGeom prst="rect">
+              <a:avLst/>
+            </a:prstGeom>
+            <a:grpFill/>
+            <a:ln>
+              <a:solidFill>
+                <a:schemeClr val="tx1"/>
+              </a:solidFill>
+            </a:ln>
+          </p:spPr>
+          <p:style>
+            <a:lnRef idx="2">
+              <a:schemeClr val="accent1">
+                <a:shade val="50000"/>
+              </a:schemeClr>
+            </a:lnRef>
+            <a:fillRef idx="1">
+              <a:schemeClr val="accent1"/>
+            </a:fillRef>
+            <a:effectRef idx="0">
+              <a:schemeClr val="accent1"/>
+            </a:effectRef>
+            <a:fontRef idx="minor">
+              <a:schemeClr val="lt1"/>
+            </a:fontRef>
+          </p:style>
+          <p:txBody>
+            <a:bodyPr rtlCol="0" anchor="ctr"/>
+            <a:lstStyle/>
+            <a:p>
+              <a:pPr algn="ctr"/>
+              <a:endParaRPr lang="zh-CN" altLang="en-US" sz="900" dirty="0">
+                <a:solidFill>
+                  <a:schemeClr val="tx1"/>
+                </a:solidFill>
+              </a:endParaRPr>
+            </a:p>
+          </p:txBody>
+        </p:sp>
+        <p:sp>
+          <p:nvSpPr>
+            <p:cNvPr id="60" name="矩形 59"/>
+            <p:cNvSpPr/>
+            <p:nvPr/>
+          </p:nvSpPr>
+          <p:spPr>
+            <a:xfrm>
+              <a:off x="3948009" y="3033536"/>
+              <a:ext cx="331530" cy="194967"/>
+            </a:xfrm>
+            <a:prstGeom prst="rect">
+              <a:avLst/>
+            </a:prstGeom>
+            <a:grpFill/>
+            <a:ln>
+              <a:solidFill>
+                <a:schemeClr val="tx1"/>
+              </a:solidFill>
+            </a:ln>
+          </p:spPr>
+          <p:style>
+            <a:lnRef idx="2">
+              <a:schemeClr val="accent1">
+                <a:shade val="50000"/>
+              </a:schemeClr>
+            </a:lnRef>
+            <a:fillRef idx="1">
+              <a:schemeClr val="accent1"/>
+            </a:fillRef>
+            <a:effectRef idx="0">
+              <a:schemeClr val="accent1"/>
+            </a:effectRef>
+            <a:fontRef idx="minor">
+              <a:schemeClr val="lt1"/>
+            </a:fontRef>
+          </p:style>
+          <p:txBody>
+            <a:bodyPr rtlCol="0" anchor="ctr"/>
+            <a:lstStyle/>
+            <a:p>
+              <a:pPr algn="ctr"/>
+              <a:endParaRPr lang="zh-CN" altLang="en-US" sz="900" dirty="0">
+                <a:solidFill>
+                  <a:schemeClr val="tx1"/>
+                </a:solidFill>
+              </a:endParaRPr>
+            </a:p>
+          </p:txBody>
+        </p:sp>
+        <p:sp>
+          <p:nvSpPr>
+            <p:cNvPr id="61" name="矩形 60"/>
+            <p:cNvSpPr/>
+            <p:nvPr/>
+          </p:nvSpPr>
+          <p:spPr>
+            <a:xfrm>
+              <a:off x="4279539" y="3033536"/>
+              <a:ext cx="331530" cy="194967"/>
+            </a:xfrm>
+            <a:prstGeom prst="rect">
+              <a:avLst/>
+            </a:prstGeom>
+            <a:grpFill/>
+            <a:ln>
+              <a:solidFill>
+                <a:schemeClr val="tx1"/>
+              </a:solidFill>
+            </a:ln>
+          </p:spPr>
+          <p:style>
+            <a:lnRef idx="2">
+              <a:schemeClr val="accent1">
+                <a:shade val="50000"/>
+              </a:schemeClr>
+            </a:lnRef>
+            <a:fillRef idx="1">
+              <a:schemeClr val="accent1"/>
+            </a:fillRef>
+            <a:effectRef idx="0">
+              <a:schemeClr val="accent1"/>
+            </a:effectRef>
+            <a:fontRef idx="minor">
+              <a:schemeClr val="lt1"/>
+            </a:fontRef>
+          </p:style>
+          <p:txBody>
+            <a:bodyPr rtlCol="0" anchor="ctr"/>
+            <a:lstStyle/>
+            <a:p>
+              <a:pPr algn="ctr"/>
+              <a:endParaRPr lang="zh-CN" altLang="en-US" sz="900" dirty="0">
+                <a:solidFill>
+                  <a:schemeClr val="tx1"/>
+                </a:solidFill>
+              </a:endParaRPr>
+            </a:p>
+          </p:txBody>
+        </p:sp>
+        <p:sp>
+          <p:nvSpPr>
+            <p:cNvPr id="62" name="矩形 61"/>
+            <p:cNvSpPr/>
+            <p:nvPr/>
+          </p:nvSpPr>
+          <p:spPr>
+            <a:xfrm>
+              <a:off x="4606986" y="3033536"/>
+              <a:ext cx="331530" cy="194967"/>
+            </a:xfrm>
+            <a:prstGeom prst="rect">
+              <a:avLst/>
+            </a:prstGeom>
+            <a:grpFill/>
+            <a:ln>
+              <a:solidFill>
+                <a:schemeClr val="tx1"/>
+              </a:solidFill>
+            </a:ln>
+          </p:spPr>
+          <p:style>
+            <a:lnRef idx="2">
+              <a:schemeClr val="accent1">
+                <a:shade val="50000"/>
+              </a:schemeClr>
+            </a:lnRef>
+            <a:fillRef idx="1">
+              <a:schemeClr val="accent1"/>
+            </a:fillRef>
+            <a:effectRef idx="0">
+              <a:schemeClr val="accent1"/>
+            </a:effectRef>
+            <a:fontRef idx="minor">
+              <a:schemeClr val="lt1"/>
+            </a:fontRef>
+          </p:style>
+          <p:txBody>
+            <a:bodyPr rtlCol="0" anchor="ctr"/>
+            <a:lstStyle/>
+            <a:p>
+              <a:pPr algn="ctr"/>
+              <a:endParaRPr lang="zh-CN" altLang="en-US" sz="900" dirty="0">
+                <a:solidFill>
+                  <a:schemeClr val="tx1"/>
+                </a:solidFill>
+              </a:endParaRPr>
+            </a:p>
+          </p:txBody>
+        </p:sp>
+        <p:sp>
+          <p:nvSpPr>
+            <p:cNvPr id="63" name="矩形 62"/>
+            <p:cNvSpPr/>
+            <p:nvPr/>
+          </p:nvSpPr>
+          <p:spPr>
+            <a:xfrm>
+              <a:off x="4938516" y="3033536"/>
+              <a:ext cx="331530" cy="194967"/>
+            </a:xfrm>
+            <a:prstGeom prst="rect">
+              <a:avLst/>
+            </a:prstGeom>
+            <a:grpFill/>
+            <a:ln>
+              <a:solidFill>
+                <a:schemeClr val="tx1"/>
+              </a:solidFill>
+            </a:ln>
+          </p:spPr>
+          <p:style>
+            <a:lnRef idx="2">
+              <a:schemeClr val="accent1">
+                <a:shade val="50000"/>
+              </a:schemeClr>
+            </a:lnRef>
+            <a:fillRef idx="1">
+              <a:schemeClr val="accent1"/>
+            </a:fillRef>
+            <a:effectRef idx="0">
+              <a:schemeClr val="accent1"/>
+            </a:effectRef>
+            <a:fontRef idx="minor">
+              <a:schemeClr val="lt1"/>
+            </a:fontRef>
+          </p:style>
+          <p:txBody>
+            <a:bodyPr rtlCol="0" anchor="ctr"/>
+            <a:lstStyle/>
+            <a:p>
+              <a:pPr algn="ctr"/>
+              <a:endParaRPr lang="zh-CN" altLang="en-US" sz="900" dirty="0">
+                <a:solidFill>
+                  <a:schemeClr val="tx1"/>
+                </a:solidFill>
+              </a:endParaRPr>
+            </a:p>
+          </p:txBody>
+        </p:sp>
+      </p:grpSp>
+      <p:grpSp>
+        <p:nvGrpSpPr>
+          <p:cNvPr id="64" name="组合 63"/>
+          <p:cNvGrpSpPr/>
+          <p:nvPr/>
+        </p:nvGrpSpPr>
+        <p:grpSpPr>
+          <a:xfrm rot="5400000">
+            <a:off x="2784134" y="3882545"/>
+            <a:ext cx="961561" cy="423422"/>
+            <a:chOff x="2618695" y="3033536"/>
+            <a:chExt cx="2651351" cy="194967"/>
+          </a:xfrm>
+        </p:grpSpPr>
+        <p:sp>
+          <p:nvSpPr>
+            <p:cNvPr id="65" name="矩形 64"/>
+            <p:cNvSpPr/>
+            <p:nvPr/>
+          </p:nvSpPr>
+          <p:spPr>
+            <a:xfrm>
+              <a:off x="2618695" y="3033536"/>
+              <a:ext cx="331530" cy="194967"/>
+            </a:xfrm>
+            <a:prstGeom prst="rect">
+              <a:avLst/>
+            </a:prstGeom>
+            <a:solidFill>
+              <a:schemeClr val="bg1">
+                <a:lumMod val="65000"/>
+              </a:schemeClr>
+            </a:solidFill>
+            <a:ln>
+              <a:solidFill>
+                <a:schemeClr val="tx1"/>
+              </a:solidFill>
+            </a:ln>
+          </p:spPr>
+          <p:style>
+            <a:lnRef idx="2">
+              <a:schemeClr val="accent1">
+                <a:shade val="50000"/>
+              </a:schemeClr>
+            </a:lnRef>
+            <a:fillRef idx="1">
+              <a:schemeClr val="accent1"/>
+            </a:fillRef>
+            <a:effectRef idx="0">
+              <a:schemeClr val="accent1"/>
+            </a:effectRef>
+            <a:fontRef idx="minor">
+              <a:schemeClr val="lt1"/>
+            </a:fontRef>
+          </p:style>
+          <p:txBody>
+            <a:bodyPr vert="eaVert" rtlCol="0" anchor="ctr"/>
+            <a:lstStyle/>
+            <a:p>
+              <a:pPr algn="ctr"/>
+              <a:r>
+                <a:rPr lang="en-US" altLang="zh-CN" sz="900" smtClean="0">
+                  <a:solidFill>
+                    <a:schemeClr val="tx1"/>
+                  </a:solidFill>
+                </a:rPr>
+                <a:t>0</a:t>
+              </a:r>
+              <a:endParaRPr lang="zh-CN" altLang="en-US" sz="900" dirty="0">
+                <a:solidFill>
+                  <a:schemeClr val="tx1"/>
+                </a:solidFill>
+              </a:endParaRPr>
+            </a:p>
+          </p:txBody>
+        </p:sp>
+        <p:sp>
+          <p:nvSpPr>
+            <p:cNvPr id="66" name="矩形 65"/>
+            <p:cNvSpPr/>
+            <p:nvPr/>
+          </p:nvSpPr>
+          <p:spPr>
+            <a:xfrm>
+              <a:off x="2950225" y="3033536"/>
+              <a:ext cx="331530" cy="194967"/>
+            </a:xfrm>
+            <a:prstGeom prst="rect">
+              <a:avLst/>
+            </a:prstGeom>
+            <a:solidFill>
+              <a:schemeClr val="bg1">
+                <a:lumMod val="65000"/>
+              </a:schemeClr>
+            </a:solidFill>
+            <a:ln>
+              <a:solidFill>
+                <a:schemeClr val="tx1"/>
+              </a:solidFill>
+            </a:ln>
+          </p:spPr>
+          <p:style>
+            <a:lnRef idx="2">
+              <a:schemeClr val="accent1">
+                <a:shade val="50000"/>
+              </a:schemeClr>
+            </a:lnRef>
+            <a:fillRef idx="1">
+              <a:schemeClr val="accent1"/>
+            </a:fillRef>
+            <a:effectRef idx="0">
+              <a:schemeClr val="accent1"/>
+            </a:effectRef>
+            <a:fontRef idx="minor">
+              <a:schemeClr val="lt1"/>
+            </a:fontRef>
+          </p:style>
+          <p:txBody>
+            <a:bodyPr rtlCol="0" anchor="ctr"/>
+            <a:lstStyle/>
+            <a:p>
+              <a:pPr algn="ctr"/>
+              <a:endParaRPr lang="zh-CN" altLang="en-US" sz="900" dirty="0">
+                <a:solidFill>
+                  <a:schemeClr val="tx1"/>
+                </a:solidFill>
+              </a:endParaRPr>
+            </a:p>
+          </p:txBody>
+        </p:sp>
+        <p:sp>
+          <p:nvSpPr>
+            <p:cNvPr id="67" name="矩形 66"/>
+            <p:cNvSpPr/>
+            <p:nvPr/>
+          </p:nvSpPr>
+          <p:spPr>
+            <a:xfrm>
+              <a:off x="3284949" y="3033536"/>
+              <a:ext cx="331530" cy="194967"/>
+            </a:xfrm>
+            <a:prstGeom prst="rect">
+              <a:avLst/>
+            </a:prstGeom>
+            <a:solidFill>
+              <a:schemeClr val="bg1">
+                <a:lumMod val="65000"/>
+              </a:schemeClr>
+            </a:solidFill>
+            <a:ln>
+              <a:solidFill>
+                <a:schemeClr val="tx1"/>
+              </a:solidFill>
+            </a:ln>
+          </p:spPr>
+          <p:style>
+            <a:lnRef idx="2">
+              <a:schemeClr val="accent1">
+                <a:shade val="50000"/>
+              </a:schemeClr>
+            </a:lnRef>
+            <a:fillRef idx="1">
+              <a:schemeClr val="accent1"/>
+            </a:fillRef>
+            <a:effectRef idx="0">
+              <a:schemeClr val="accent1"/>
+            </a:effectRef>
+            <a:fontRef idx="minor">
+              <a:schemeClr val="lt1"/>
+            </a:fontRef>
+          </p:style>
+          <p:txBody>
+            <a:bodyPr rtlCol="0" anchor="ctr"/>
+            <a:lstStyle/>
+            <a:p>
+              <a:pPr algn="ctr"/>
+              <a:endParaRPr lang="zh-CN" altLang="en-US" sz="900" dirty="0">
+                <a:solidFill>
+                  <a:schemeClr val="tx1"/>
+                </a:solidFill>
+              </a:endParaRPr>
+            </a:p>
+          </p:txBody>
+        </p:sp>
+        <p:sp>
+          <p:nvSpPr>
+            <p:cNvPr id="68" name="矩形 67"/>
+            <p:cNvSpPr/>
+            <p:nvPr/>
+          </p:nvSpPr>
+          <p:spPr>
+            <a:xfrm>
+              <a:off x="3616479" y="3033536"/>
+              <a:ext cx="331530" cy="194967"/>
+            </a:xfrm>
+            <a:prstGeom prst="rect">
+              <a:avLst/>
+            </a:prstGeom>
+            <a:solidFill>
+              <a:schemeClr val="accent4">
+                <a:lumMod val="20000"/>
+                <a:lumOff val="80000"/>
+              </a:schemeClr>
+            </a:solidFill>
+            <a:ln>
+              <a:solidFill>
+                <a:schemeClr val="tx1"/>
+              </a:solidFill>
+            </a:ln>
+          </p:spPr>
+          <p:style>
+            <a:lnRef idx="2">
+              <a:schemeClr val="accent1">
+                <a:shade val="50000"/>
+              </a:schemeClr>
+            </a:lnRef>
+            <a:fillRef idx="1">
+              <a:schemeClr val="accent1"/>
+            </a:fillRef>
+            <a:effectRef idx="0">
+              <a:schemeClr val="accent1"/>
+            </a:effectRef>
+            <a:fontRef idx="minor">
+              <a:schemeClr val="lt1"/>
+            </a:fontRef>
+          </p:style>
+          <p:txBody>
+            <a:bodyPr rtlCol="0" anchor="ctr"/>
+            <a:lstStyle/>
+            <a:p>
+              <a:pPr algn="ctr"/>
+              <a:endParaRPr lang="zh-CN" altLang="en-US" sz="900" dirty="0">
+                <a:solidFill>
+                  <a:schemeClr val="tx1"/>
+                </a:solidFill>
+              </a:endParaRPr>
+            </a:p>
+          </p:txBody>
+        </p:sp>
+        <p:sp>
+          <p:nvSpPr>
+            <p:cNvPr id="69" name="矩形 68"/>
+            <p:cNvSpPr/>
+            <p:nvPr/>
+          </p:nvSpPr>
+          <p:spPr>
+            <a:xfrm>
+              <a:off x="3948009" y="3033536"/>
+              <a:ext cx="331530" cy="194967"/>
+            </a:xfrm>
+            <a:prstGeom prst="rect">
+              <a:avLst/>
+            </a:prstGeom>
+            <a:solidFill>
+              <a:schemeClr val="bg1">
+                <a:lumMod val="65000"/>
+              </a:schemeClr>
+            </a:solidFill>
+            <a:ln>
+              <a:solidFill>
+                <a:schemeClr val="tx1"/>
+              </a:solidFill>
+            </a:ln>
+          </p:spPr>
+          <p:style>
+            <a:lnRef idx="2">
+              <a:schemeClr val="accent1">
+                <a:shade val="50000"/>
+              </a:schemeClr>
+            </a:lnRef>
+            <a:fillRef idx="1">
+              <a:schemeClr val="accent1"/>
+            </a:fillRef>
+            <a:effectRef idx="0">
+              <a:schemeClr val="accent1"/>
+            </a:effectRef>
+            <a:fontRef idx="minor">
+              <a:schemeClr val="lt1"/>
+            </a:fontRef>
+          </p:style>
+          <p:txBody>
+            <a:bodyPr rtlCol="0" anchor="ctr"/>
+            <a:lstStyle/>
+            <a:p>
+              <a:pPr algn="ctr"/>
+              <a:endParaRPr lang="zh-CN" altLang="en-US" sz="900" dirty="0">
+                <a:solidFill>
+                  <a:schemeClr val="tx1"/>
+                </a:solidFill>
+              </a:endParaRPr>
+            </a:p>
+          </p:txBody>
+        </p:sp>
+        <p:sp>
+          <p:nvSpPr>
+            <p:cNvPr id="70" name="矩形 69"/>
+            <p:cNvSpPr/>
+            <p:nvPr/>
+          </p:nvSpPr>
+          <p:spPr>
+            <a:xfrm>
+              <a:off x="4279539" y="3033536"/>
+              <a:ext cx="331530" cy="194967"/>
+            </a:xfrm>
+            <a:prstGeom prst="rect">
+              <a:avLst/>
+            </a:prstGeom>
+            <a:solidFill>
+              <a:schemeClr val="bg1">
+                <a:lumMod val="65000"/>
+              </a:schemeClr>
+            </a:solidFill>
+            <a:ln>
+              <a:solidFill>
+                <a:schemeClr val="tx1"/>
+              </a:solidFill>
+            </a:ln>
+          </p:spPr>
+          <p:style>
+            <a:lnRef idx="2">
+              <a:schemeClr val="accent1">
+                <a:shade val="50000"/>
+              </a:schemeClr>
+            </a:lnRef>
+            <a:fillRef idx="1">
+              <a:schemeClr val="accent1"/>
+            </a:fillRef>
+            <a:effectRef idx="0">
+              <a:schemeClr val="accent1"/>
+            </a:effectRef>
+            <a:fontRef idx="minor">
+              <a:schemeClr val="lt1"/>
+            </a:fontRef>
+          </p:style>
+          <p:txBody>
+            <a:bodyPr rtlCol="0" anchor="ctr"/>
+            <a:lstStyle/>
+            <a:p>
+              <a:pPr algn="ctr"/>
+              <a:endParaRPr lang="zh-CN" altLang="en-US" sz="900" dirty="0">
+                <a:solidFill>
+                  <a:schemeClr val="tx1"/>
+                </a:solidFill>
+              </a:endParaRPr>
+            </a:p>
+          </p:txBody>
+        </p:sp>
+        <p:sp>
+          <p:nvSpPr>
+            <p:cNvPr id="71" name="矩形 70"/>
+            <p:cNvSpPr/>
+            <p:nvPr/>
+          </p:nvSpPr>
+          <p:spPr>
+            <a:xfrm>
+              <a:off x="4606986" y="3033536"/>
+              <a:ext cx="331530" cy="194967"/>
+            </a:xfrm>
+            <a:prstGeom prst="rect">
+              <a:avLst/>
+            </a:prstGeom>
+            <a:solidFill>
+              <a:schemeClr val="bg1">
+                <a:lumMod val="65000"/>
+              </a:schemeClr>
+            </a:solidFill>
+            <a:ln>
+              <a:solidFill>
+                <a:schemeClr val="tx1"/>
+              </a:solidFill>
+            </a:ln>
+          </p:spPr>
+          <p:style>
+            <a:lnRef idx="2">
+              <a:schemeClr val="accent1">
+                <a:shade val="50000"/>
+              </a:schemeClr>
+            </a:lnRef>
+            <a:fillRef idx="1">
+              <a:schemeClr val="accent1"/>
+            </a:fillRef>
+            <a:effectRef idx="0">
+              <a:schemeClr val="accent1"/>
+            </a:effectRef>
+            <a:fontRef idx="minor">
+              <a:schemeClr val="lt1"/>
+            </a:fontRef>
+          </p:style>
+          <p:txBody>
+            <a:bodyPr rtlCol="0" anchor="ctr"/>
+            <a:lstStyle/>
+            <a:p>
+              <a:pPr algn="ctr"/>
+              <a:endParaRPr lang="zh-CN" altLang="en-US" sz="900" dirty="0">
+                <a:solidFill>
+                  <a:schemeClr val="tx1"/>
+                </a:solidFill>
+              </a:endParaRPr>
+            </a:p>
+          </p:txBody>
+        </p:sp>
+        <p:sp>
+          <p:nvSpPr>
+            <p:cNvPr id="72" name="矩形 71"/>
+            <p:cNvSpPr/>
+            <p:nvPr/>
+          </p:nvSpPr>
+          <p:spPr>
+            <a:xfrm>
+              <a:off x="4938516" y="3033536"/>
+              <a:ext cx="331530" cy="194967"/>
+            </a:xfrm>
+            <a:prstGeom prst="rect">
+              <a:avLst/>
+            </a:prstGeom>
+            <a:solidFill>
+              <a:schemeClr val="bg1">
+                <a:lumMod val="65000"/>
+              </a:schemeClr>
+            </a:solidFill>
+            <a:ln>
+              <a:solidFill>
+                <a:schemeClr val="tx1"/>
+              </a:solidFill>
+            </a:ln>
+          </p:spPr>
+          <p:style>
+            <a:lnRef idx="2">
+              <a:schemeClr val="accent1">
+                <a:shade val="50000"/>
+              </a:schemeClr>
+            </a:lnRef>
+            <a:fillRef idx="1">
+              <a:schemeClr val="accent1"/>
+            </a:fillRef>
+            <a:effectRef idx="0">
+              <a:schemeClr val="accent1"/>
+            </a:effectRef>
+            <a:fontRef idx="minor">
+              <a:schemeClr val="lt1"/>
+            </a:fontRef>
+          </p:style>
+          <p:txBody>
+            <a:bodyPr rtlCol="0" anchor="ctr"/>
+            <a:lstStyle/>
+            <a:p>
+              <a:pPr algn="ctr"/>
+              <a:endParaRPr lang="zh-CN" altLang="en-US" sz="900" dirty="0">
+                <a:solidFill>
+                  <a:schemeClr val="tx1"/>
+                </a:solidFill>
+              </a:endParaRPr>
+            </a:p>
+          </p:txBody>
+        </p:sp>
+      </p:grpSp>
+      <p:grpSp>
+        <p:nvGrpSpPr>
+          <p:cNvPr id="74" name="组合 73"/>
+          <p:cNvGrpSpPr/>
+          <p:nvPr/>
+        </p:nvGrpSpPr>
+        <p:grpSpPr>
+          <a:xfrm rot="5400000">
+            <a:off x="3738514" y="4400681"/>
+            <a:ext cx="687388" cy="414441"/>
+            <a:chOff x="2618695" y="3033536"/>
+            <a:chExt cx="2651351" cy="194967"/>
+          </a:xfrm>
+          <a:solidFill>
+            <a:schemeClr val="bg1">
+              <a:lumMod val="85000"/>
+            </a:schemeClr>
+          </a:solidFill>
+        </p:grpSpPr>
+        <p:sp>
+          <p:nvSpPr>
+            <p:cNvPr id="75" name="矩形 74"/>
+            <p:cNvSpPr/>
+            <p:nvPr/>
+          </p:nvSpPr>
+          <p:spPr>
+            <a:xfrm>
+              <a:off x="2618695" y="3033536"/>
+              <a:ext cx="331530" cy="194967"/>
+            </a:xfrm>
+            <a:prstGeom prst="rect">
+              <a:avLst/>
+            </a:prstGeom>
+            <a:grpFill/>
+            <a:ln>
+              <a:solidFill>
+                <a:schemeClr val="tx1"/>
+              </a:solidFill>
+            </a:ln>
+          </p:spPr>
+          <p:style>
+            <a:lnRef idx="2">
+              <a:schemeClr val="accent1">
+                <a:shade val="50000"/>
+              </a:schemeClr>
+            </a:lnRef>
+            <a:fillRef idx="1">
+              <a:schemeClr val="accent1"/>
+            </a:fillRef>
+            <a:effectRef idx="0">
+              <a:schemeClr val="accent1"/>
+            </a:effectRef>
+            <a:fontRef idx="minor">
+              <a:schemeClr val="lt1"/>
+            </a:fontRef>
+          </p:style>
+          <p:txBody>
+            <a:bodyPr rtlCol="0" anchor="ctr"/>
+            <a:lstStyle/>
+            <a:p>
+              <a:pPr algn="ctr"/>
+              <a:endParaRPr lang="zh-CN" altLang="en-US" sz="900" dirty="0">
+                <a:solidFill>
+                  <a:schemeClr val="tx1"/>
+                </a:solidFill>
+              </a:endParaRPr>
+            </a:p>
+          </p:txBody>
+        </p:sp>
+        <p:sp>
+          <p:nvSpPr>
+            <p:cNvPr id="76" name="矩形 75"/>
+            <p:cNvSpPr/>
+            <p:nvPr/>
+          </p:nvSpPr>
+          <p:spPr>
+            <a:xfrm>
+              <a:off x="2950225" y="3033536"/>
+              <a:ext cx="331530" cy="194967"/>
+            </a:xfrm>
+            <a:prstGeom prst="rect">
+              <a:avLst/>
+            </a:prstGeom>
+            <a:grpFill/>
+            <a:ln>
+              <a:solidFill>
+                <a:schemeClr val="tx1"/>
+              </a:solidFill>
+            </a:ln>
+          </p:spPr>
+          <p:style>
+            <a:lnRef idx="2">
+              <a:schemeClr val="accent1">
+                <a:shade val="50000"/>
+              </a:schemeClr>
+            </a:lnRef>
+            <a:fillRef idx="1">
+              <a:schemeClr val="accent1"/>
+            </a:fillRef>
+            <a:effectRef idx="0">
+              <a:schemeClr val="accent1"/>
+            </a:effectRef>
+            <a:fontRef idx="minor">
+              <a:schemeClr val="lt1"/>
+            </a:fontRef>
+          </p:style>
+          <p:txBody>
+            <a:bodyPr rtlCol="0" anchor="ctr"/>
+            <a:lstStyle/>
+            <a:p>
+              <a:pPr algn="ctr"/>
+              <a:endParaRPr lang="zh-CN" altLang="en-US" sz="900" dirty="0">
+                <a:solidFill>
+                  <a:schemeClr val="tx1"/>
+                </a:solidFill>
+              </a:endParaRPr>
+            </a:p>
+          </p:txBody>
+        </p:sp>
+        <p:sp>
+          <p:nvSpPr>
+            <p:cNvPr id="77" name="矩形 76"/>
+            <p:cNvSpPr/>
+            <p:nvPr/>
+          </p:nvSpPr>
+          <p:spPr>
+            <a:xfrm>
+              <a:off x="3284949" y="3033536"/>
+              <a:ext cx="331530" cy="194967"/>
+            </a:xfrm>
+            <a:prstGeom prst="rect">
+              <a:avLst/>
+            </a:prstGeom>
+            <a:grpFill/>
+            <a:ln>
+              <a:solidFill>
+                <a:schemeClr val="tx1"/>
+              </a:solidFill>
+            </a:ln>
+          </p:spPr>
+          <p:style>
+            <a:lnRef idx="2">
+              <a:schemeClr val="accent1">
+                <a:shade val="50000"/>
+              </a:schemeClr>
+            </a:lnRef>
+            <a:fillRef idx="1">
+              <a:schemeClr val="accent1"/>
+            </a:fillRef>
+            <a:effectRef idx="0">
+              <a:schemeClr val="accent1"/>
+            </a:effectRef>
+            <a:fontRef idx="minor">
+              <a:schemeClr val="lt1"/>
+            </a:fontRef>
+          </p:style>
+          <p:txBody>
+            <a:bodyPr rtlCol="0" anchor="ctr"/>
+            <a:lstStyle/>
+            <a:p>
+              <a:pPr algn="ctr"/>
+              <a:endParaRPr lang="zh-CN" altLang="en-US" sz="900" dirty="0">
+                <a:solidFill>
+                  <a:schemeClr val="tx1"/>
+                </a:solidFill>
+              </a:endParaRPr>
+            </a:p>
+          </p:txBody>
+        </p:sp>
+        <p:sp>
+          <p:nvSpPr>
+            <p:cNvPr id="78" name="矩形 77"/>
+            <p:cNvSpPr/>
+            <p:nvPr/>
+          </p:nvSpPr>
+          <p:spPr>
+            <a:xfrm>
+              <a:off x="3616479" y="3033536"/>
+              <a:ext cx="331530" cy="194967"/>
+            </a:xfrm>
+            <a:prstGeom prst="rect">
+              <a:avLst/>
+            </a:prstGeom>
+            <a:grpFill/>
+            <a:ln>
+              <a:solidFill>
+                <a:schemeClr val="tx1"/>
+              </a:solidFill>
+            </a:ln>
+          </p:spPr>
+          <p:style>
+            <a:lnRef idx="2">
+              <a:schemeClr val="accent1">
+                <a:shade val="50000"/>
+              </a:schemeClr>
+            </a:lnRef>
+            <a:fillRef idx="1">
+              <a:schemeClr val="accent1"/>
+            </a:fillRef>
+            <a:effectRef idx="0">
+              <a:schemeClr val="accent1"/>
+            </a:effectRef>
+            <a:fontRef idx="minor">
+              <a:schemeClr val="lt1"/>
+            </a:fontRef>
+          </p:style>
+          <p:txBody>
+            <a:bodyPr rtlCol="0" anchor="ctr"/>
+            <a:lstStyle/>
+            <a:p>
+              <a:pPr algn="ctr"/>
+              <a:endParaRPr lang="zh-CN" altLang="en-US" sz="900" dirty="0">
+                <a:solidFill>
+                  <a:schemeClr val="tx1"/>
+                </a:solidFill>
+              </a:endParaRPr>
+            </a:p>
+          </p:txBody>
+        </p:sp>
+        <p:sp>
+          <p:nvSpPr>
+            <p:cNvPr id="79" name="矩形 78"/>
+            <p:cNvSpPr/>
+            <p:nvPr/>
+          </p:nvSpPr>
+          <p:spPr>
+            <a:xfrm>
+              <a:off x="3948009" y="3033536"/>
+              <a:ext cx="331530" cy="194967"/>
+            </a:xfrm>
+            <a:prstGeom prst="rect">
+              <a:avLst/>
+            </a:prstGeom>
+            <a:solidFill>
+              <a:schemeClr val="accent4">
+                <a:lumMod val="20000"/>
+                <a:lumOff val="80000"/>
+              </a:schemeClr>
+            </a:solidFill>
+            <a:ln>
+              <a:solidFill>
+                <a:schemeClr val="tx1"/>
+              </a:solidFill>
+            </a:ln>
+          </p:spPr>
+          <p:style>
+            <a:lnRef idx="2">
+              <a:schemeClr val="accent1">
+                <a:shade val="50000"/>
+              </a:schemeClr>
+            </a:lnRef>
+            <a:fillRef idx="1">
+              <a:schemeClr val="accent1"/>
+            </a:fillRef>
+            <a:effectRef idx="0">
+              <a:schemeClr val="accent1"/>
+            </a:effectRef>
+            <a:fontRef idx="minor">
+              <a:schemeClr val="lt1"/>
+            </a:fontRef>
+          </p:style>
+          <p:txBody>
+            <a:bodyPr rtlCol="0" anchor="ctr"/>
+            <a:lstStyle/>
+            <a:p>
+              <a:pPr algn="ctr"/>
+              <a:endParaRPr lang="zh-CN" altLang="en-US" sz="900" dirty="0">
+                <a:solidFill>
+                  <a:schemeClr val="tx1"/>
+                </a:solidFill>
+              </a:endParaRPr>
+            </a:p>
+          </p:txBody>
+        </p:sp>
+        <p:sp>
+          <p:nvSpPr>
+            <p:cNvPr id="80" name="矩形 79"/>
+            <p:cNvSpPr/>
+            <p:nvPr/>
+          </p:nvSpPr>
+          <p:spPr>
+            <a:xfrm>
+              <a:off x="4279539" y="3033536"/>
+              <a:ext cx="331530" cy="194967"/>
+            </a:xfrm>
+            <a:prstGeom prst="rect">
+              <a:avLst/>
+            </a:prstGeom>
+            <a:grpFill/>
+            <a:ln>
+              <a:solidFill>
+                <a:schemeClr val="tx1"/>
+              </a:solidFill>
+            </a:ln>
+          </p:spPr>
+          <p:style>
+            <a:lnRef idx="2">
+              <a:schemeClr val="accent1">
+                <a:shade val="50000"/>
+              </a:schemeClr>
+            </a:lnRef>
+            <a:fillRef idx="1">
+              <a:schemeClr val="accent1"/>
+            </a:fillRef>
+            <a:effectRef idx="0">
+              <a:schemeClr val="accent1"/>
+            </a:effectRef>
+            <a:fontRef idx="minor">
+              <a:schemeClr val="lt1"/>
+            </a:fontRef>
+          </p:style>
+          <p:txBody>
+            <a:bodyPr rtlCol="0" anchor="ctr"/>
+            <a:lstStyle/>
+            <a:p>
+              <a:pPr algn="ctr"/>
+              <a:endParaRPr lang="zh-CN" altLang="en-US" sz="900" dirty="0">
+                <a:solidFill>
+                  <a:schemeClr val="tx1"/>
+                </a:solidFill>
+              </a:endParaRPr>
+            </a:p>
+          </p:txBody>
+        </p:sp>
+        <p:sp>
+          <p:nvSpPr>
+            <p:cNvPr id="81" name="矩形 80"/>
+            <p:cNvSpPr/>
+            <p:nvPr/>
+          </p:nvSpPr>
+          <p:spPr>
+            <a:xfrm>
+              <a:off x="4606986" y="3033536"/>
+              <a:ext cx="331530" cy="194967"/>
+            </a:xfrm>
+            <a:prstGeom prst="rect">
+              <a:avLst/>
+            </a:prstGeom>
+            <a:grpFill/>
+            <a:ln>
+              <a:solidFill>
+                <a:schemeClr val="tx1"/>
+              </a:solidFill>
+            </a:ln>
+          </p:spPr>
+          <p:style>
+            <a:lnRef idx="2">
+              <a:schemeClr val="accent1">
+                <a:shade val="50000"/>
+              </a:schemeClr>
+            </a:lnRef>
+            <a:fillRef idx="1">
+              <a:schemeClr val="accent1"/>
+            </a:fillRef>
+            <a:effectRef idx="0">
+              <a:schemeClr val="accent1"/>
+            </a:effectRef>
+            <a:fontRef idx="minor">
+              <a:schemeClr val="lt1"/>
+            </a:fontRef>
+          </p:style>
+          <p:txBody>
+            <a:bodyPr rtlCol="0" anchor="ctr"/>
+            <a:lstStyle/>
+            <a:p>
+              <a:pPr algn="ctr"/>
+              <a:endParaRPr lang="zh-CN" altLang="en-US" sz="900" dirty="0">
+                <a:solidFill>
+                  <a:schemeClr val="tx1"/>
+                </a:solidFill>
+              </a:endParaRPr>
+            </a:p>
+          </p:txBody>
+        </p:sp>
+        <p:sp>
+          <p:nvSpPr>
+            <p:cNvPr id="82" name="矩形 81"/>
+            <p:cNvSpPr/>
+            <p:nvPr/>
+          </p:nvSpPr>
+          <p:spPr>
+            <a:xfrm>
+              <a:off x="4938516" y="3033536"/>
+              <a:ext cx="331530" cy="194967"/>
+            </a:xfrm>
+            <a:prstGeom prst="rect">
+              <a:avLst/>
+            </a:prstGeom>
+            <a:grpFill/>
+            <a:ln>
+              <a:solidFill>
+                <a:schemeClr val="tx1"/>
+              </a:solidFill>
+            </a:ln>
+          </p:spPr>
+          <p:style>
+            <a:lnRef idx="2">
+              <a:schemeClr val="accent1">
+                <a:shade val="50000"/>
+              </a:schemeClr>
+            </a:lnRef>
+            <a:fillRef idx="1">
+              <a:schemeClr val="accent1"/>
+            </a:fillRef>
+            <a:effectRef idx="0">
+              <a:schemeClr val="accent1"/>
+            </a:effectRef>
+            <a:fontRef idx="minor">
+              <a:schemeClr val="lt1"/>
+            </a:fontRef>
+          </p:style>
+          <p:txBody>
+            <a:bodyPr rtlCol="0" anchor="ctr"/>
+            <a:lstStyle/>
+            <a:p>
+              <a:pPr algn="ctr"/>
+              <a:endParaRPr lang="zh-CN" altLang="en-US" sz="900" dirty="0">
+                <a:solidFill>
+                  <a:schemeClr val="tx1"/>
+                </a:solidFill>
+              </a:endParaRPr>
+            </a:p>
+          </p:txBody>
+        </p:sp>
+      </p:grpSp>
+      <p:cxnSp>
+        <p:nvCxnSpPr>
+          <p:cNvPr id="101" name="直接箭头连接符 53"/>
+          <p:cNvCxnSpPr>
+            <a:stCxn id="65" idx="0"/>
+            <a:endCxn id="56" idx="2"/>
+          </p:cNvCxnSpPr>
+          <p:nvPr/>
+        </p:nvCxnSpPr>
+        <p:spPr>
+          <a:xfrm flipV="1">
+            <a:off x="3476626" y="3451163"/>
+            <a:ext cx="398363" cy="222431"/>
+          </a:xfrm>
+          <a:prstGeom prst="bentConnector3">
+            <a:avLst>
+              <a:gd name="adj1" fmla="val 50000"/>
+            </a:avLst>
+          </a:prstGeom>
+          <a:ln>
+            <a:solidFill>
+              <a:schemeClr val="tx1"/>
+            </a:solidFill>
+            <a:tailEnd type="triangle"/>
+          </a:ln>
+        </p:spPr>
+        <p:style>
+          <a:lnRef idx="1">
+            <a:schemeClr val="accent1"/>
+          </a:lnRef>
+          <a:fillRef idx="0">
+            <a:schemeClr val="accent1"/>
+          </a:fillRef>
+          <a:effectRef idx="0">
+            <a:schemeClr val="accent1"/>
+          </a:effectRef>
+          <a:fontRef idx="minor">
+            <a:schemeClr val="tx1"/>
+          </a:fontRef>
+        </p:style>
+      </p:cxnSp>
+      <p:cxnSp>
+        <p:nvCxnSpPr>
+          <p:cNvPr id="104" name="直接箭头连接符 53"/>
+          <p:cNvCxnSpPr>
+            <a:stCxn id="68" idx="0"/>
+            <a:endCxn id="75" idx="2"/>
+          </p:cNvCxnSpPr>
+          <p:nvPr/>
+        </p:nvCxnSpPr>
+        <p:spPr>
+          <a:xfrm>
+            <a:off x="3476626" y="4035459"/>
+            <a:ext cx="398362" cy="271725"/>
+          </a:xfrm>
+          <a:prstGeom prst="bentConnector3">
+            <a:avLst>
+              <a:gd name="adj1" fmla="val 50000"/>
+            </a:avLst>
+          </a:prstGeom>
+          <a:ln>
+            <a:solidFill>
+              <a:schemeClr val="tx1"/>
+            </a:solidFill>
+            <a:tailEnd type="triangle"/>
+          </a:ln>
+        </p:spPr>
+        <p:style>
+          <a:lnRef idx="1">
+            <a:schemeClr val="accent1"/>
+          </a:lnRef>
+          <a:fillRef idx="0">
+            <a:schemeClr val="accent1"/>
+          </a:fillRef>
+          <a:effectRef idx="0">
+            <a:schemeClr val="accent1"/>
+          </a:effectRef>
+          <a:fontRef idx="minor">
+            <a:schemeClr val="tx1"/>
+          </a:fontRef>
+        </p:style>
+      </p:cxnSp>
+      <p:sp>
+        <p:nvSpPr>
+          <p:cNvPr id="110" name="文本框 109"/>
+          <p:cNvSpPr txBox="1"/>
+          <p:nvPr/>
+        </p:nvSpPr>
+        <p:spPr>
+          <a:xfrm>
+            <a:off x="3864682" y="3950312"/>
+            <a:ext cx="343364" cy="369332"/>
+          </a:xfrm>
+          <a:prstGeom prst="rect">
+            <a:avLst/>
+          </a:prstGeom>
+          <a:noFill/>
+        </p:spPr>
+        <p:txBody>
+          <a:bodyPr wrap="none" rtlCol="0">
+            <a:spAutoFit/>
+          </a:bodyPr>
+          <a:lstStyle/>
+          <a:p>
+            <a:r>
+              <a:rPr lang="en-US" altLang="zh-CN" smtClean="0"/>
+              <a:t>…</a:t>
+            </a:r>
+            <a:endParaRPr lang="zh-CN" altLang="en-US"/>
+          </a:p>
+        </p:txBody>
+      </p:sp>
+      <p:grpSp>
+        <p:nvGrpSpPr>
+          <p:cNvPr id="111" name="组合 110"/>
+          <p:cNvGrpSpPr/>
+          <p:nvPr/>
+        </p:nvGrpSpPr>
+        <p:grpSpPr>
+          <a:xfrm rot="5400000">
+            <a:off x="4965614" y="3574178"/>
+            <a:ext cx="687389" cy="414441"/>
+            <a:chOff x="2618695" y="3033536"/>
+            <a:chExt cx="2651351" cy="194967"/>
+          </a:xfrm>
+          <a:solidFill>
+            <a:schemeClr val="bg2">
+              <a:lumMod val="75000"/>
+            </a:schemeClr>
+          </a:solidFill>
+        </p:grpSpPr>
+        <p:sp>
+          <p:nvSpPr>
+            <p:cNvPr id="112" name="矩形 111"/>
+            <p:cNvSpPr/>
+            <p:nvPr/>
+          </p:nvSpPr>
+          <p:spPr>
+            <a:xfrm>
+              <a:off x="2618695" y="3033536"/>
+              <a:ext cx="331530" cy="194967"/>
+            </a:xfrm>
+            <a:prstGeom prst="rect">
+              <a:avLst/>
+            </a:prstGeom>
+            <a:grpFill/>
+            <a:ln>
+              <a:solidFill>
+                <a:schemeClr val="tx1"/>
+              </a:solidFill>
+            </a:ln>
+          </p:spPr>
+          <p:style>
+            <a:lnRef idx="2">
+              <a:schemeClr val="accent1">
+                <a:shade val="50000"/>
+              </a:schemeClr>
+            </a:lnRef>
+            <a:fillRef idx="1">
+              <a:schemeClr val="accent1"/>
+            </a:fillRef>
+            <a:effectRef idx="0">
+              <a:schemeClr val="accent1"/>
+            </a:effectRef>
+            <a:fontRef idx="minor">
+              <a:schemeClr val="lt1"/>
+            </a:fontRef>
+          </p:style>
+          <p:txBody>
+            <a:bodyPr rtlCol="0" anchor="ctr"/>
+            <a:lstStyle/>
+            <a:p>
+              <a:pPr algn="ctr"/>
+              <a:endParaRPr lang="zh-CN" altLang="en-US" sz="900" dirty="0">
+                <a:solidFill>
+                  <a:schemeClr val="tx1"/>
+                </a:solidFill>
+              </a:endParaRPr>
+            </a:p>
+          </p:txBody>
+        </p:sp>
+        <p:sp>
+          <p:nvSpPr>
+            <p:cNvPr id="113" name="矩形 112"/>
+            <p:cNvSpPr/>
+            <p:nvPr/>
+          </p:nvSpPr>
+          <p:spPr>
+            <a:xfrm>
+              <a:off x="2950225" y="3033536"/>
+              <a:ext cx="331530" cy="194967"/>
+            </a:xfrm>
+            <a:prstGeom prst="rect">
+              <a:avLst/>
+            </a:prstGeom>
+            <a:grpFill/>
+            <a:ln>
+              <a:solidFill>
+                <a:schemeClr val="tx1"/>
+              </a:solidFill>
+            </a:ln>
+          </p:spPr>
+          <p:style>
+            <a:lnRef idx="2">
+              <a:schemeClr val="accent1">
+                <a:shade val="50000"/>
+              </a:schemeClr>
+            </a:lnRef>
+            <a:fillRef idx="1">
+              <a:schemeClr val="accent1"/>
+            </a:fillRef>
+            <a:effectRef idx="0">
+              <a:schemeClr val="accent1"/>
+            </a:effectRef>
+            <a:fontRef idx="minor">
+              <a:schemeClr val="lt1"/>
+            </a:fontRef>
+          </p:style>
+          <p:txBody>
+            <a:bodyPr rtlCol="0" anchor="ctr"/>
+            <a:lstStyle/>
+            <a:p>
+              <a:pPr algn="ctr"/>
+              <a:endParaRPr lang="zh-CN" altLang="en-US" sz="900" dirty="0">
+                <a:solidFill>
+                  <a:schemeClr val="tx1"/>
+                </a:solidFill>
+              </a:endParaRPr>
+            </a:p>
+          </p:txBody>
+        </p:sp>
+        <p:sp>
+          <p:nvSpPr>
+            <p:cNvPr id="114" name="矩形 113"/>
+            <p:cNvSpPr/>
+            <p:nvPr/>
+          </p:nvSpPr>
+          <p:spPr>
+            <a:xfrm>
+              <a:off x="3284949" y="3033536"/>
+              <a:ext cx="331530" cy="194967"/>
+            </a:xfrm>
+            <a:prstGeom prst="rect">
+              <a:avLst/>
+            </a:prstGeom>
+            <a:grpFill/>
+            <a:ln>
+              <a:solidFill>
+                <a:schemeClr val="tx1"/>
+              </a:solidFill>
+            </a:ln>
+          </p:spPr>
+          <p:style>
+            <a:lnRef idx="2">
+              <a:schemeClr val="accent1">
+                <a:shade val="50000"/>
+              </a:schemeClr>
+            </a:lnRef>
+            <a:fillRef idx="1">
+              <a:schemeClr val="accent1"/>
+            </a:fillRef>
+            <a:effectRef idx="0">
+              <a:schemeClr val="accent1"/>
+            </a:effectRef>
+            <a:fontRef idx="minor">
+              <a:schemeClr val="lt1"/>
+            </a:fontRef>
+          </p:style>
+          <p:txBody>
+            <a:bodyPr rtlCol="0" anchor="ctr"/>
+            <a:lstStyle/>
+            <a:p>
+              <a:pPr algn="ctr"/>
+              <a:endParaRPr lang="zh-CN" altLang="en-US" sz="900" dirty="0">
+                <a:solidFill>
+                  <a:schemeClr val="tx1"/>
+                </a:solidFill>
+              </a:endParaRPr>
+            </a:p>
+          </p:txBody>
+        </p:sp>
+        <p:sp>
+          <p:nvSpPr>
+            <p:cNvPr id="115" name="矩形 114"/>
+            <p:cNvSpPr/>
+            <p:nvPr/>
+          </p:nvSpPr>
+          <p:spPr>
+            <a:xfrm>
+              <a:off x="3616479" y="3033536"/>
+              <a:ext cx="331530" cy="194967"/>
+            </a:xfrm>
+            <a:prstGeom prst="rect">
+              <a:avLst/>
+            </a:prstGeom>
+            <a:grpFill/>
+            <a:ln>
+              <a:solidFill>
+                <a:schemeClr val="tx1"/>
+              </a:solidFill>
+            </a:ln>
+          </p:spPr>
+          <p:style>
+            <a:lnRef idx="2">
+              <a:schemeClr val="accent1">
+                <a:shade val="50000"/>
+              </a:schemeClr>
+            </a:lnRef>
+            <a:fillRef idx="1">
+              <a:schemeClr val="accent1"/>
+            </a:fillRef>
+            <a:effectRef idx="0">
+              <a:schemeClr val="accent1"/>
+            </a:effectRef>
+            <a:fontRef idx="minor">
+              <a:schemeClr val="lt1"/>
+            </a:fontRef>
+          </p:style>
+          <p:txBody>
+            <a:bodyPr rtlCol="0" anchor="ctr"/>
+            <a:lstStyle/>
+            <a:p>
+              <a:pPr algn="ctr"/>
+              <a:endParaRPr lang="zh-CN" altLang="en-US" sz="900" dirty="0">
+                <a:solidFill>
+                  <a:schemeClr val="tx1"/>
+                </a:solidFill>
+              </a:endParaRPr>
+            </a:p>
+          </p:txBody>
+        </p:sp>
+        <p:sp>
+          <p:nvSpPr>
+            <p:cNvPr id="116" name="矩形 115"/>
+            <p:cNvSpPr/>
+            <p:nvPr/>
+          </p:nvSpPr>
+          <p:spPr>
+            <a:xfrm>
+              <a:off x="3948009" y="3033536"/>
+              <a:ext cx="331530" cy="194967"/>
+            </a:xfrm>
+            <a:prstGeom prst="rect">
+              <a:avLst/>
+            </a:prstGeom>
+            <a:grpFill/>
+            <a:ln>
+              <a:solidFill>
+                <a:schemeClr val="tx1"/>
+              </a:solidFill>
+            </a:ln>
+          </p:spPr>
+          <p:style>
+            <a:lnRef idx="2">
+              <a:schemeClr val="accent1">
+                <a:shade val="50000"/>
+              </a:schemeClr>
+            </a:lnRef>
+            <a:fillRef idx="1">
+              <a:schemeClr val="accent1"/>
+            </a:fillRef>
+            <a:effectRef idx="0">
+              <a:schemeClr val="accent1"/>
+            </a:effectRef>
+            <a:fontRef idx="minor">
+              <a:schemeClr val="lt1"/>
+            </a:fontRef>
+          </p:style>
+          <p:txBody>
+            <a:bodyPr rtlCol="0" anchor="ctr"/>
+            <a:lstStyle/>
+            <a:p>
+              <a:pPr algn="ctr"/>
+              <a:endParaRPr lang="zh-CN" altLang="en-US" sz="900" dirty="0">
+                <a:solidFill>
+                  <a:schemeClr val="tx1"/>
+                </a:solidFill>
+              </a:endParaRPr>
+            </a:p>
+          </p:txBody>
+        </p:sp>
+        <p:sp>
+          <p:nvSpPr>
+            <p:cNvPr id="117" name="矩形 116"/>
+            <p:cNvSpPr/>
+            <p:nvPr/>
+          </p:nvSpPr>
+          <p:spPr>
+            <a:xfrm>
+              <a:off x="4279539" y="3033536"/>
+              <a:ext cx="331530" cy="194967"/>
+            </a:xfrm>
+            <a:prstGeom prst="rect">
+              <a:avLst/>
+            </a:prstGeom>
+            <a:grpFill/>
+            <a:ln>
+              <a:solidFill>
+                <a:schemeClr val="tx1"/>
+              </a:solidFill>
+            </a:ln>
+          </p:spPr>
+          <p:style>
+            <a:lnRef idx="2">
+              <a:schemeClr val="accent1">
+                <a:shade val="50000"/>
+              </a:schemeClr>
+            </a:lnRef>
+            <a:fillRef idx="1">
+              <a:schemeClr val="accent1"/>
+            </a:fillRef>
+            <a:effectRef idx="0">
+              <a:schemeClr val="accent1"/>
+            </a:effectRef>
+            <a:fontRef idx="minor">
+              <a:schemeClr val="lt1"/>
+            </a:fontRef>
+          </p:style>
+          <p:txBody>
+            <a:bodyPr rtlCol="0" anchor="ctr"/>
+            <a:lstStyle/>
+            <a:p>
+              <a:pPr algn="ctr"/>
+              <a:endParaRPr lang="zh-CN" altLang="en-US" sz="900" dirty="0">
+                <a:solidFill>
+                  <a:schemeClr val="tx1"/>
+                </a:solidFill>
+              </a:endParaRPr>
+            </a:p>
+          </p:txBody>
+        </p:sp>
+        <p:sp>
+          <p:nvSpPr>
+            <p:cNvPr id="118" name="矩形 117"/>
+            <p:cNvSpPr/>
+            <p:nvPr/>
+          </p:nvSpPr>
+          <p:spPr>
+            <a:xfrm>
+              <a:off x="4606986" y="3033536"/>
+              <a:ext cx="331530" cy="194967"/>
+            </a:xfrm>
+            <a:prstGeom prst="rect">
+              <a:avLst/>
+            </a:prstGeom>
+            <a:grpFill/>
+            <a:ln>
+              <a:solidFill>
+                <a:schemeClr val="tx1"/>
+              </a:solidFill>
+            </a:ln>
+          </p:spPr>
+          <p:style>
+            <a:lnRef idx="2">
+              <a:schemeClr val="accent1">
+                <a:shade val="50000"/>
+              </a:schemeClr>
+            </a:lnRef>
+            <a:fillRef idx="1">
+              <a:schemeClr val="accent1"/>
+            </a:fillRef>
+            <a:effectRef idx="0">
+              <a:schemeClr val="accent1"/>
+            </a:effectRef>
+            <a:fontRef idx="minor">
+              <a:schemeClr val="lt1"/>
+            </a:fontRef>
+          </p:style>
+          <p:txBody>
+            <a:bodyPr rtlCol="0" anchor="ctr"/>
+            <a:lstStyle/>
+            <a:p>
+              <a:pPr algn="ctr"/>
+              <a:endParaRPr lang="zh-CN" altLang="en-US" sz="900" dirty="0">
+                <a:solidFill>
+                  <a:schemeClr val="tx1"/>
+                </a:solidFill>
+              </a:endParaRPr>
+            </a:p>
+          </p:txBody>
+        </p:sp>
+        <p:sp>
+          <p:nvSpPr>
+            <p:cNvPr id="119" name="矩形 118"/>
+            <p:cNvSpPr/>
+            <p:nvPr/>
+          </p:nvSpPr>
+          <p:spPr>
+            <a:xfrm>
+              <a:off x="4938516" y="3033536"/>
+              <a:ext cx="331530" cy="194967"/>
+            </a:xfrm>
+            <a:prstGeom prst="rect">
+              <a:avLst/>
+            </a:prstGeom>
+            <a:grpFill/>
+            <a:ln>
+              <a:solidFill>
+                <a:schemeClr val="tx1"/>
+              </a:solidFill>
+            </a:ln>
+          </p:spPr>
+          <p:style>
+            <a:lnRef idx="2">
+              <a:schemeClr val="accent1">
+                <a:shade val="50000"/>
+              </a:schemeClr>
+            </a:lnRef>
+            <a:fillRef idx="1">
+              <a:schemeClr val="accent1"/>
+            </a:fillRef>
+            <a:effectRef idx="0">
+              <a:schemeClr val="accent1"/>
+            </a:effectRef>
+            <a:fontRef idx="minor">
+              <a:schemeClr val="lt1"/>
+            </a:fontRef>
+          </p:style>
+          <p:txBody>
+            <a:bodyPr rtlCol="0" anchor="ctr"/>
+            <a:lstStyle/>
+            <a:p>
+              <a:pPr algn="ctr"/>
+              <a:endParaRPr lang="zh-CN" altLang="en-US" sz="900" dirty="0">
+                <a:solidFill>
+                  <a:schemeClr val="tx1"/>
+                </a:solidFill>
+              </a:endParaRPr>
+            </a:p>
+          </p:txBody>
+        </p:sp>
+      </p:grpSp>
+      <p:grpSp>
+        <p:nvGrpSpPr>
+          <p:cNvPr id="120" name="组合 119"/>
+          <p:cNvGrpSpPr/>
+          <p:nvPr/>
+        </p:nvGrpSpPr>
+        <p:grpSpPr>
+          <a:xfrm rot="5400000">
+            <a:off x="4955723" y="4451446"/>
+            <a:ext cx="687388" cy="414441"/>
+            <a:chOff x="2618695" y="3033536"/>
+            <a:chExt cx="2651351" cy="194967"/>
+          </a:xfrm>
+          <a:solidFill>
+            <a:schemeClr val="bg2">
+              <a:lumMod val="75000"/>
+            </a:schemeClr>
+          </a:solidFill>
+        </p:grpSpPr>
+        <p:sp>
+          <p:nvSpPr>
+            <p:cNvPr id="121" name="矩形 120"/>
+            <p:cNvSpPr/>
+            <p:nvPr/>
+          </p:nvSpPr>
+          <p:spPr>
+            <a:xfrm>
+              <a:off x="2618695" y="3033536"/>
+              <a:ext cx="331530" cy="194967"/>
+            </a:xfrm>
+            <a:prstGeom prst="rect">
+              <a:avLst/>
+            </a:prstGeom>
+            <a:grpFill/>
+            <a:ln>
+              <a:solidFill>
+                <a:schemeClr val="tx1"/>
+              </a:solidFill>
+            </a:ln>
+          </p:spPr>
+          <p:style>
+            <a:lnRef idx="2">
+              <a:schemeClr val="accent1">
+                <a:shade val="50000"/>
+              </a:schemeClr>
+            </a:lnRef>
+            <a:fillRef idx="1">
+              <a:schemeClr val="accent1"/>
+            </a:fillRef>
+            <a:effectRef idx="0">
+              <a:schemeClr val="accent1"/>
+            </a:effectRef>
+            <a:fontRef idx="minor">
+              <a:schemeClr val="lt1"/>
+            </a:fontRef>
+          </p:style>
+          <p:txBody>
+            <a:bodyPr rtlCol="0" anchor="ctr"/>
+            <a:lstStyle/>
+            <a:p>
+              <a:pPr algn="ctr"/>
+              <a:endParaRPr lang="zh-CN" altLang="en-US" sz="900" dirty="0">
+                <a:solidFill>
+                  <a:schemeClr val="tx1"/>
+                </a:solidFill>
+              </a:endParaRPr>
+            </a:p>
+          </p:txBody>
+        </p:sp>
+        <p:sp>
+          <p:nvSpPr>
+            <p:cNvPr id="122" name="矩形 121"/>
+            <p:cNvSpPr/>
+            <p:nvPr/>
+          </p:nvSpPr>
+          <p:spPr>
+            <a:xfrm>
+              <a:off x="2950225" y="3033536"/>
+              <a:ext cx="331530" cy="194967"/>
+            </a:xfrm>
+            <a:prstGeom prst="rect">
+              <a:avLst/>
+            </a:prstGeom>
+            <a:grpFill/>
+            <a:ln>
+              <a:solidFill>
+                <a:schemeClr val="tx1"/>
+              </a:solidFill>
+            </a:ln>
+          </p:spPr>
+          <p:style>
+            <a:lnRef idx="2">
+              <a:schemeClr val="accent1">
+                <a:shade val="50000"/>
+              </a:schemeClr>
+            </a:lnRef>
+            <a:fillRef idx="1">
+              <a:schemeClr val="accent1"/>
+            </a:fillRef>
+            <a:effectRef idx="0">
+              <a:schemeClr val="accent1"/>
+            </a:effectRef>
+            <a:fontRef idx="minor">
+              <a:schemeClr val="lt1"/>
+            </a:fontRef>
+          </p:style>
+          <p:txBody>
+            <a:bodyPr rtlCol="0" anchor="ctr"/>
+            <a:lstStyle/>
+            <a:p>
+              <a:pPr algn="ctr"/>
+              <a:endParaRPr lang="zh-CN" altLang="en-US" sz="900" dirty="0">
+                <a:solidFill>
+                  <a:schemeClr val="tx1"/>
+                </a:solidFill>
+              </a:endParaRPr>
+            </a:p>
+          </p:txBody>
+        </p:sp>
+        <p:sp>
+          <p:nvSpPr>
+            <p:cNvPr id="123" name="矩形 122"/>
+            <p:cNvSpPr/>
+            <p:nvPr/>
+          </p:nvSpPr>
+          <p:spPr>
+            <a:xfrm>
+              <a:off x="3284949" y="3033536"/>
+              <a:ext cx="331530" cy="194967"/>
+            </a:xfrm>
+            <a:prstGeom prst="rect">
+              <a:avLst/>
+            </a:prstGeom>
+            <a:grpFill/>
+            <a:ln>
+              <a:solidFill>
+                <a:schemeClr val="tx1"/>
+              </a:solidFill>
+            </a:ln>
+          </p:spPr>
+          <p:style>
+            <a:lnRef idx="2">
+              <a:schemeClr val="accent1">
+                <a:shade val="50000"/>
+              </a:schemeClr>
+            </a:lnRef>
+            <a:fillRef idx="1">
+              <a:schemeClr val="accent1"/>
+            </a:fillRef>
+            <a:effectRef idx="0">
+              <a:schemeClr val="accent1"/>
+            </a:effectRef>
+            <a:fontRef idx="minor">
+              <a:schemeClr val="lt1"/>
+            </a:fontRef>
+          </p:style>
+          <p:txBody>
+            <a:bodyPr rtlCol="0" anchor="ctr"/>
+            <a:lstStyle/>
+            <a:p>
+              <a:pPr algn="ctr"/>
+              <a:endParaRPr lang="zh-CN" altLang="en-US" sz="900" dirty="0">
+                <a:solidFill>
+                  <a:schemeClr val="tx1"/>
+                </a:solidFill>
+              </a:endParaRPr>
+            </a:p>
+          </p:txBody>
+        </p:sp>
+        <p:sp>
+          <p:nvSpPr>
+            <p:cNvPr id="124" name="矩形 123"/>
+            <p:cNvSpPr/>
+            <p:nvPr/>
+          </p:nvSpPr>
+          <p:spPr>
+            <a:xfrm>
+              <a:off x="3616479" y="3033536"/>
+              <a:ext cx="331530" cy="194967"/>
+            </a:xfrm>
+            <a:prstGeom prst="rect">
+              <a:avLst/>
+            </a:prstGeom>
+            <a:grpFill/>
+            <a:ln>
+              <a:solidFill>
+                <a:schemeClr val="tx1"/>
+              </a:solidFill>
+            </a:ln>
+          </p:spPr>
+          <p:style>
+            <a:lnRef idx="2">
+              <a:schemeClr val="accent1">
+                <a:shade val="50000"/>
+              </a:schemeClr>
+            </a:lnRef>
+            <a:fillRef idx="1">
+              <a:schemeClr val="accent1"/>
+            </a:fillRef>
+            <a:effectRef idx="0">
+              <a:schemeClr val="accent1"/>
+            </a:effectRef>
+            <a:fontRef idx="minor">
+              <a:schemeClr val="lt1"/>
+            </a:fontRef>
+          </p:style>
+          <p:txBody>
+            <a:bodyPr rtlCol="0" anchor="ctr"/>
+            <a:lstStyle/>
+            <a:p>
+              <a:pPr algn="ctr"/>
+              <a:endParaRPr lang="zh-CN" altLang="en-US" sz="900" dirty="0">
+                <a:solidFill>
+                  <a:schemeClr val="tx1"/>
+                </a:solidFill>
+              </a:endParaRPr>
+            </a:p>
+          </p:txBody>
+        </p:sp>
+        <p:sp>
+          <p:nvSpPr>
+            <p:cNvPr id="125" name="矩形 124"/>
+            <p:cNvSpPr/>
+            <p:nvPr/>
+          </p:nvSpPr>
+          <p:spPr>
+            <a:xfrm>
+              <a:off x="3948009" y="3033536"/>
+              <a:ext cx="331530" cy="194967"/>
+            </a:xfrm>
+            <a:prstGeom prst="rect">
+              <a:avLst/>
+            </a:prstGeom>
+            <a:grpFill/>
+            <a:ln>
+              <a:solidFill>
+                <a:schemeClr val="tx1"/>
+              </a:solidFill>
+            </a:ln>
+          </p:spPr>
+          <p:style>
+            <a:lnRef idx="2">
+              <a:schemeClr val="accent1">
+                <a:shade val="50000"/>
+              </a:schemeClr>
+            </a:lnRef>
+            <a:fillRef idx="1">
+              <a:schemeClr val="accent1"/>
+            </a:fillRef>
+            <a:effectRef idx="0">
+              <a:schemeClr val="accent1"/>
+            </a:effectRef>
+            <a:fontRef idx="minor">
+              <a:schemeClr val="lt1"/>
+            </a:fontRef>
+          </p:style>
+          <p:txBody>
+            <a:bodyPr rtlCol="0" anchor="ctr"/>
+            <a:lstStyle/>
+            <a:p>
+              <a:pPr algn="ctr"/>
+              <a:endParaRPr lang="zh-CN" altLang="en-US" sz="900" dirty="0">
+                <a:solidFill>
+                  <a:schemeClr val="tx1"/>
+                </a:solidFill>
+              </a:endParaRPr>
+            </a:p>
+          </p:txBody>
+        </p:sp>
+        <p:sp>
+          <p:nvSpPr>
+            <p:cNvPr id="126" name="矩形 125"/>
+            <p:cNvSpPr/>
+            <p:nvPr/>
+          </p:nvSpPr>
+          <p:spPr>
+            <a:xfrm>
+              <a:off x="4279539" y="3033536"/>
+              <a:ext cx="331530" cy="194967"/>
+            </a:xfrm>
+            <a:prstGeom prst="rect">
+              <a:avLst/>
+            </a:prstGeom>
+            <a:grpFill/>
+            <a:ln>
+              <a:solidFill>
+                <a:schemeClr val="tx1"/>
+              </a:solidFill>
+            </a:ln>
+          </p:spPr>
+          <p:style>
+            <a:lnRef idx="2">
+              <a:schemeClr val="accent1">
+                <a:shade val="50000"/>
+              </a:schemeClr>
+            </a:lnRef>
+            <a:fillRef idx="1">
+              <a:schemeClr val="accent1"/>
+            </a:fillRef>
+            <a:effectRef idx="0">
+              <a:schemeClr val="accent1"/>
+            </a:effectRef>
+            <a:fontRef idx="minor">
+              <a:schemeClr val="lt1"/>
+            </a:fontRef>
+          </p:style>
+          <p:txBody>
+            <a:bodyPr rtlCol="0" anchor="ctr"/>
+            <a:lstStyle/>
+            <a:p>
+              <a:pPr algn="ctr"/>
+              <a:endParaRPr lang="zh-CN" altLang="en-US" sz="900" dirty="0">
+                <a:solidFill>
+                  <a:schemeClr val="tx1"/>
+                </a:solidFill>
+              </a:endParaRPr>
+            </a:p>
+          </p:txBody>
+        </p:sp>
+        <p:sp>
+          <p:nvSpPr>
+            <p:cNvPr id="127" name="矩形 126"/>
+            <p:cNvSpPr/>
+            <p:nvPr/>
+          </p:nvSpPr>
+          <p:spPr>
+            <a:xfrm>
+              <a:off x="4606986" y="3033536"/>
+              <a:ext cx="331530" cy="194967"/>
+            </a:xfrm>
+            <a:prstGeom prst="rect">
+              <a:avLst/>
+            </a:prstGeom>
+            <a:grpFill/>
+            <a:ln>
+              <a:solidFill>
+                <a:schemeClr val="tx1"/>
+              </a:solidFill>
+            </a:ln>
+          </p:spPr>
+          <p:style>
+            <a:lnRef idx="2">
+              <a:schemeClr val="accent1">
+                <a:shade val="50000"/>
+              </a:schemeClr>
+            </a:lnRef>
+            <a:fillRef idx="1">
+              <a:schemeClr val="accent1"/>
+            </a:fillRef>
+            <a:effectRef idx="0">
+              <a:schemeClr val="accent1"/>
+            </a:effectRef>
+            <a:fontRef idx="minor">
+              <a:schemeClr val="lt1"/>
+            </a:fontRef>
+          </p:style>
+          <p:txBody>
+            <a:bodyPr rtlCol="0" anchor="ctr"/>
+            <a:lstStyle/>
+            <a:p>
+              <a:pPr algn="ctr"/>
+              <a:endParaRPr lang="zh-CN" altLang="en-US" sz="900" dirty="0">
+                <a:solidFill>
+                  <a:schemeClr val="tx1"/>
+                </a:solidFill>
+              </a:endParaRPr>
+            </a:p>
+          </p:txBody>
+        </p:sp>
+        <p:sp>
+          <p:nvSpPr>
+            <p:cNvPr id="128" name="矩形 127"/>
+            <p:cNvSpPr/>
+            <p:nvPr/>
+          </p:nvSpPr>
+          <p:spPr>
+            <a:xfrm>
+              <a:off x="4938516" y="3033536"/>
+              <a:ext cx="331530" cy="194967"/>
+            </a:xfrm>
+            <a:prstGeom prst="rect">
+              <a:avLst/>
+            </a:prstGeom>
+            <a:grpFill/>
+            <a:ln>
+              <a:solidFill>
+                <a:schemeClr val="tx1"/>
+              </a:solidFill>
+            </a:ln>
+          </p:spPr>
+          <p:style>
+            <a:lnRef idx="2">
+              <a:schemeClr val="accent1">
+                <a:shade val="50000"/>
+              </a:schemeClr>
+            </a:lnRef>
+            <a:fillRef idx="1">
+              <a:schemeClr val="accent1"/>
+            </a:fillRef>
+            <a:effectRef idx="0">
+              <a:schemeClr val="accent1"/>
+            </a:effectRef>
+            <a:fontRef idx="minor">
+              <a:schemeClr val="lt1"/>
+            </a:fontRef>
+          </p:style>
+          <p:txBody>
+            <a:bodyPr rtlCol="0" anchor="ctr"/>
+            <a:lstStyle/>
+            <a:p>
+              <a:pPr algn="ctr"/>
+              <a:endParaRPr lang="zh-CN" altLang="en-US" sz="900" dirty="0">
+                <a:solidFill>
+                  <a:schemeClr val="tx1"/>
+                </a:solidFill>
+              </a:endParaRPr>
+            </a:p>
+          </p:txBody>
+        </p:sp>
+      </p:grpSp>
+      <p:grpSp>
+        <p:nvGrpSpPr>
+          <p:cNvPr id="129" name="组合 128"/>
+          <p:cNvGrpSpPr/>
+          <p:nvPr/>
+        </p:nvGrpSpPr>
+        <p:grpSpPr>
+          <a:xfrm rot="5400000">
+            <a:off x="4952253" y="5355900"/>
+            <a:ext cx="687388" cy="414441"/>
+            <a:chOff x="2618695" y="3033536"/>
+            <a:chExt cx="2651351" cy="194967"/>
+          </a:xfrm>
+          <a:solidFill>
+            <a:schemeClr val="bg2">
+              <a:lumMod val="75000"/>
+            </a:schemeClr>
+          </a:solidFill>
+        </p:grpSpPr>
+        <p:sp>
+          <p:nvSpPr>
+            <p:cNvPr id="130" name="矩形 129"/>
+            <p:cNvSpPr/>
+            <p:nvPr/>
+          </p:nvSpPr>
+          <p:spPr>
+            <a:xfrm>
+              <a:off x="2618695" y="3033536"/>
+              <a:ext cx="331530" cy="194967"/>
+            </a:xfrm>
+            <a:prstGeom prst="rect">
+              <a:avLst/>
+            </a:prstGeom>
+            <a:grpFill/>
+            <a:ln>
+              <a:solidFill>
+                <a:schemeClr val="tx1"/>
+              </a:solidFill>
+            </a:ln>
+          </p:spPr>
+          <p:style>
+            <a:lnRef idx="2">
+              <a:schemeClr val="accent1">
+                <a:shade val="50000"/>
+              </a:schemeClr>
+            </a:lnRef>
+            <a:fillRef idx="1">
+              <a:schemeClr val="accent1"/>
+            </a:fillRef>
+            <a:effectRef idx="0">
+              <a:schemeClr val="accent1"/>
+            </a:effectRef>
+            <a:fontRef idx="minor">
+              <a:schemeClr val="lt1"/>
+            </a:fontRef>
+          </p:style>
+          <p:txBody>
+            <a:bodyPr rtlCol="0" anchor="ctr"/>
+            <a:lstStyle/>
+            <a:p>
+              <a:pPr algn="ctr"/>
+              <a:endParaRPr lang="zh-CN" altLang="en-US" sz="900" dirty="0">
+                <a:solidFill>
+                  <a:schemeClr val="tx1"/>
+                </a:solidFill>
+              </a:endParaRPr>
+            </a:p>
+          </p:txBody>
+        </p:sp>
+        <p:sp>
+          <p:nvSpPr>
+            <p:cNvPr id="131" name="矩形 130"/>
+            <p:cNvSpPr/>
+            <p:nvPr/>
+          </p:nvSpPr>
+          <p:spPr>
+            <a:xfrm>
+              <a:off x="2950225" y="3033536"/>
+              <a:ext cx="331530" cy="194967"/>
+            </a:xfrm>
+            <a:prstGeom prst="rect">
+              <a:avLst/>
+            </a:prstGeom>
+            <a:grpFill/>
+            <a:ln>
+              <a:solidFill>
+                <a:schemeClr val="tx1"/>
+              </a:solidFill>
+            </a:ln>
+          </p:spPr>
+          <p:style>
+            <a:lnRef idx="2">
+              <a:schemeClr val="accent1">
+                <a:shade val="50000"/>
+              </a:schemeClr>
+            </a:lnRef>
+            <a:fillRef idx="1">
+              <a:schemeClr val="accent1"/>
+            </a:fillRef>
+            <a:effectRef idx="0">
+              <a:schemeClr val="accent1"/>
+            </a:effectRef>
+            <a:fontRef idx="minor">
+              <a:schemeClr val="lt1"/>
+            </a:fontRef>
+          </p:style>
+          <p:txBody>
+            <a:bodyPr rtlCol="0" anchor="ctr"/>
+            <a:lstStyle/>
+            <a:p>
+              <a:pPr algn="ctr"/>
+              <a:endParaRPr lang="zh-CN" altLang="en-US" sz="900" dirty="0">
+                <a:solidFill>
+                  <a:schemeClr val="tx1"/>
+                </a:solidFill>
+              </a:endParaRPr>
+            </a:p>
+          </p:txBody>
+        </p:sp>
+        <p:sp>
+          <p:nvSpPr>
+            <p:cNvPr id="132" name="矩形 131"/>
+            <p:cNvSpPr/>
+            <p:nvPr/>
+          </p:nvSpPr>
+          <p:spPr>
+            <a:xfrm>
+              <a:off x="3284949" y="3033536"/>
+              <a:ext cx="331530" cy="194967"/>
+            </a:xfrm>
+            <a:prstGeom prst="rect">
+              <a:avLst/>
+            </a:prstGeom>
+            <a:solidFill>
+              <a:schemeClr val="accent4">
+                <a:lumMod val="20000"/>
+                <a:lumOff val="80000"/>
+              </a:schemeClr>
+            </a:solidFill>
+            <a:ln>
+              <a:solidFill>
+                <a:schemeClr val="tx1"/>
+              </a:solidFill>
+            </a:ln>
+          </p:spPr>
+          <p:style>
+            <a:lnRef idx="2">
+              <a:schemeClr val="accent1">
+                <a:shade val="50000"/>
+              </a:schemeClr>
+            </a:lnRef>
+            <a:fillRef idx="1">
+              <a:schemeClr val="accent1"/>
+            </a:fillRef>
+            <a:effectRef idx="0">
+              <a:schemeClr val="accent1"/>
+            </a:effectRef>
+            <a:fontRef idx="minor">
+              <a:schemeClr val="lt1"/>
+            </a:fontRef>
+          </p:style>
+          <p:txBody>
+            <a:bodyPr rtlCol="0" anchor="ctr"/>
+            <a:lstStyle/>
+            <a:p>
+              <a:pPr algn="ctr"/>
+              <a:endParaRPr lang="zh-CN" altLang="en-US" sz="900" dirty="0">
+                <a:solidFill>
+                  <a:schemeClr val="tx1"/>
+                </a:solidFill>
+              </a:endParaRPr>
+            </a:p>
+          </p:txBody>
+        </p:sp>
+        <p:sp>
+          <p:nvSpPr>
+            <p:cNvPr id="133" name="矩形 132"/>
+            <p:cNvSpPr/>
+            <p:nvPr/>
+          </p:nvSpPr>
+          <p:spPr>
+            <a:xfrm>
+              <a:off x="3616479" y="3033536"/>
+              <a:ext cx="331530" cy="194967"/>
+            </a:xfrm>
+            <a:prstGeom prst="rect">
+              <a:avLst/>
+            </a:prstGeom>
+            <a:grpFill/>
+            <a:ln>
+              <a:solidFill>
+                <a:schemeClr val="tx1"/>
+              </a:solidFill>
+            </a:ln>
+          </p:spPr>
+          <p:style>
+            <a:lnRef idx="2">
+              <a:schemeClr val="accent1">
+                <a:shade val="50000"/>
+              </a:schemeClr>
+            </a:lnRef>
+            <a:fillRef idx="1">
+              <a:schemeClr val="accent1"/>
+            </a:fillRef>
+            <a:effectRef idx="0">
+              <a:schemeClr val="accent1"/>
+            </a:effectRef>
+            <a:fontRef idx="minor">
+              <a:schemeClr val="lt1"/>
+            </a:fontRef>
+          </p:style>
+          <p:txBody>
+            <a:bodyPr rtlCol="0" anchor="ctr"/>
+            <a:lstStyle/>
+            <a:p>
+              <a:pPr algn="ctr"/>
+              <a:endParaRPr lang="zh-CN" altLang="en-US" sz="900" dirty="0">
+                <a:solidFill>
+                  <a:schemeClr val="tx1"/>
+                </a:solidFill>
+              </a:endParaRPr>
+            </a:p>
+          </p:txBody>
+        </p:sp>
+        <p:sp>
+          <p:nvSpPr>
+            <p:cNvPr id="134" name="矩形 133"/>
+            <p:cNvSpPr/>
+            <p:nvPr/>
+          </p:nvSpPr>
+          <p:spPr>
+            <a:xfrm>
+              <a:off x="3948009" y="3033536"/>
+              <a:ext cx="331530" cy="194967"/>
+            </a:xfrm>
+            <a:prstGeom prst="rect">
+              <a:avLst/>
+            </a:prstGeom>
+            <a:grpFill/>
+            <a:ln>
+              <a:solidFill>
+                <a:schemeClr val="tx1"/>
+              </a:solidFill>
+            </a:ln>
+          </p:spPr>
+          <p:style>
+            <a:lnRef idx="2">
+              <a:schemeClr val="accent1">
+                <a:shade val="50000"/>
+              </a:schemeClr>
+            </a:lnRef>
+            <a:fillRef idx="1">
+              <a:schemeClr val="accent1"/>
+            </a:fillRef>
+            <a:effectRef idx="0">
+              <a:schemeClr val="accent1"/>
+            </a:effectRef>
+            <a:fontRef idx="minor">
+              <a:schemeClr val="lt1"/>
+            </a:fontRef>
+          </p:style>
+          <p:txBody>
+            <a:bodyPr rtlCol="0" anchor="ctr"/>
+            <a:lstStyle/>
+            <a:p>
+              <a:pPr algn="ctr"/>
+              <a:endParaRPr lang="zh-CN" altLang="en-US" sz="900" dirty="0">
+                <a:solidFill>
+                  <a:schemeClr val="tx1"/>
+                </a:solidFill>
+              </a:endParaRPr>
+            </a:p>
+          </p:txBody>
+        </p:sp>
+        <p:sp>
+          <p:nvSpPr>
+            <p:cNvPr id="135" name="矩形 134"/>
+            <p:cNvSpPr/>
+            <p:nvPr/>
+          </p:nvSpPr>
+          <p:spPr>
+            <a:xfrm>
+              <a:off x="4279539" y="3033536"/>
+              <a:ext cx="331530" cy="194967"/>
+            </a:xfrm>
+            <a:prstGeom prst="rect">
+              <a:avLst/>
+            </a:prstGeom>
+            <a:grpFill/>
+            <a:ln>
+              <a:solidFill>
+                <a:schemeClr val="tx1"/>
+              </a:solidFill>
+            </a:ln>
+          </p:spPr>
+          <p:style>
+            <a:lnRef idx="2">
+              <a:schemeClr val="accent1">
+                <a:shade val="50000"/>
+              </a:schemeClr>
+            </a:lnRef>
+            <a:fillRef idx="1">
+              <a:schemeClr val="accent1"/>
+            </a:fillRef>
+            <a:effectRef idx="0">
+              <a:schemeClr val="accent1"/>
+            </a:effectRef>
+            <a:fontRef idx="minor">
+              <a:schemeClr val="lt1"/>
+            </a:fontRef>
+          </p:style>
+          <p:txBody>
+            <a:bodyPr rtlCol="0" anchor="ctr"/>
+            <a:lstStyle/>
+            <a:p>
+              <a:pPr algn="ctr"/>
+              <a:endParaRPr lang="zh-CN" altLang="en-US" sz="900" dirty="0">
+                <a:solidFill>
+                  <a:schemeClr val="tx1"/>
+                </a:solidFill>
+              </a:endParaRPr>
+            </a:p>
+          </p:txBody>
+        </p:sp>
+        <p:sp>
+          <p:nvSpPr>
+            <p:cNvPr id="136" name="矩形 135"/>
+            <p:cNvSpPr/>
+            <p:nvPr/>
+          </p:nvSpPr>
+          <p:spPr>
+            <a:xfrm>
+              <a:off x="4606986" y="3033536"/>
+              <a:ext cx="331530" cy="194967"/>
+            </a:xfrm>
+            <a:prstGeom prst="rect">
+              <a:avLst/>
+            </a:prstGeom>
+            <a:grpFill/>
+            <a:ln>
+              <a:solidFill>
+                <a:schemeClr val="tx1"/>
+              </a:solidFill>
+            </a:ln>
+          </p:spPr>
+          <p:style>
+            <a:lnRef idx="2">
+              <a:schemeClr val="accent1">
+                <a:shade val="50000"/>
+              </a:schemeClr>
+            </a:lnRef>
+            <a:fillRef idx="1">
+              <a:schemeClr val="accent1"/>
+            </a:fillRef>
+            <a:effectRef idx="0">
+              <a:schemeClr val="accent1"/>
+            </a:effectRef>
+            <a:fontRef idx="minor">
+              <a:schemeClr val="lt1"/>
+            </a:fontRef>
+          </p:style>
+          <p:txBody>
+            <a:bodyPr rtlCol="0" anchor="ctr"/>
+            <a:lstStyle/>
+            <a:p>
+              <a:pPr algn="ctr"/>
+              <a:endParaRPr lang="zh-CN" altLang="en-US" sz="900" dirty="0">
+                <a:solidFill>
+                  <a:schemeClr val="tx1"/>
+                </a:solidFill>
+              </a:endParaRPr>
+            </a:p>
+          </p:txBody>
+        </p:sp>
+        <p:sp>
+          <p:nvSpPr>
+            <p:cNvPr id="137" name="矩形 136"/>
+            <p:cNvSpPr/>
+            <p:nvPr/>
+          </p:nvSpPr>
+          <p:spPr>
+            <a:xfrm>
+              <a:off x="4938516" y="3033536"/>
+              <a:ext cx="331530" cy="194967"/>
+            </a:xfrm>
+            <a:prstGeom prst="rect">
+              <a:avLst/>
+            </a:prstGeom>
+            <a:grpFill/>
+            <a:ln>
+              <a:solidFill>
+                <a:schemeClr val="tx1"/>
+              </a:solidFill>
+            </a:ln>
+          </p:spPr>
+          <p:style>
+            <a:lnRef idx="2">
+              <a:schemeClr val="accent1">
+                <a:shade val="50000"/>
+              </a:schemeClr>
+            </a:lnRef>
+            <a:fillRef idx="1">
+              <a:schemeClr val="accent1"/>
+            </a:fillRef>
+            <a:effectRef idx="0">
+              <a:schemeClr val="accent1"/>
+            </a:effectRef>
+            <a:fontRef idx="minor">
+              <a:schemeClr val="lt1"/>
+            </a:fontRef>
+          </p:style>
+          <p:txBody>
+            <a:bodyPr rtlCol="0" anchor="ctr"/>
+            <a:lstStyle/>
+            <a:p>
+              <a:pPr algn="ctr"/>
+              <a:endParaRPr lang="zh-CN" altLang="en-US" sz="900" dirty="0">
+                <a:solidFill>
+                  <a:schemeClr val="tx1"/>
+                </a:solidFill>
+              </a:endParaRPr>
+            </a:p>
+          </p:txBody>
+        </p:sp>
+      </p:grpSp>
+      <p:sp>
+        <p:nvSpPr>
+          <p:cNvPr id="138" name="文本框 137"/>
+          <p:cNvSpPr txBox="1"/>
+          <p:nvPr/>
+        </p:nvSpPr>
+        <p:spPr>
+          <a:xfrm>
+            <a:off x="5089383" y="4869011"/>
+            <a:ext cx="343364" cy="369332"/>
+          </a:xfrm>
+          <a:prstGeom prst="rect">
+            <a:avLst/>
+          </a:prstGeom>
+          <a:noFill/>
+        </p:spPr>
+        <p:txBody>
+          <a:bodyPr wrap="none" rtlCol="0">
+            <a:spAutoFit/>
+          </a:bodyPr>
+          <a:lstStyle/>
+          <a:p>
+            <a:r>
+              <a:rPr lang="en-US" altLang="zh-CN" smtClean="0"/>
+              <a:t>…</a:t>
+            </a:r>
+            <a:endParaRPr lang="zh-CN" altLang="en-US"/>
+          </a:p>
+        </p:txBody>
+      </p:sp>
+      <p:cxnSp>
+        <p:nvCxnSpPr>
+          <p:cNvPr id="140" name="直接箭头连接符 53"/>
+          <p:cNvCxnSpPr>
+            <a:stCxn id="75" idx="0"/>
+            <a:endCxn id="112" idx="2"/>
+          </p:cNvCxnSpPr>
+          <p:nvPr/>
+        </p:nvCxnSpPr>
+        <p:spPr>
+          <a:xfrm flipV="1">
+            <a:off x="4289429" y="3480681"/>
+            <a:ext cx="812659" cy="826503"/>
+          </a:xfrm>
+          <a:prstGeom prst="bentConnector3">
+            <a:avLst>
+              <a:gd name="adj1" fmla="val 50000"/>
+            </a:avLst>
+          </a:prstGeom>
+          <a:ln>
+            <a:solidFill>
+              <a:schemeClr val="tx1"/>
+            </a:solidFill>
+            <a:tailEnd type="triangle"/>
+          </a:ln>
+        </p:spPr>
+        <p:style>
+          <a:lnRef idx="1">
+            <a:schemeClr val="accent1"/>
+          </a:lnRef>
+          <a:fillRef idx="0">
+            <a:schemeClr val="accent1"/>
+          </a:fillRef>
+          <a:effectRef idx="0">
+            <a:schemeClr val="accent1"/>
+          </a:effectRef>
+          <a:fontRef idx="minor">
+            <a:schemeClr val="tx1"/>
+          </a:fontRef>
+        </p:style>
+      </p:cxnSp>
+      <p:cxnSp>
+        <p:nvCxnSpPr>
+          <p:cNvPr id="143" name="直接箭头连接符 53"/>
+          <p:cNvCxnSpPr>
+            <a:stCxn id="76" idx="0"/>
+            <a:endCxn id="121" idx="2"/>
+          </p:cNvCxnSpPr>
+          <p:nvPr/>
+        </p:nvCxnSpPr>
+        <p:spPr>
+          <a:xfrm flipV="1">
+            <a:off x="4289429" y="4357949"/>
+            <a:ext cx="802768" cy="35187"/>
+          </a:xfrm>
+          <a:prstGeom prst="bentConnector3">
+            <a:avLst>
+              <a:gd name="adj1" fmla="val 50000"/>
+            </a:avLst>
+          </a:prstGeom>
+          <a:ln>
+            <a:solidFill>
+              <a:schemeClr val="tx1"/>
+            </a:solidFill>
+            <a:tailEnd type="triangle"/>
+          </a:ln>
+        </p:spPr>
+        <p:style>
+          <a:lnRef idx="1">
+            <a:schemeClr val="accent1"/>
+          </a:lnRef>
+          <a:fillRef idx="0">
+            <a:schemeClr val="accent1"/>
+          </a:fillRef>
+          <a:effectRef idx="0">
+            <a:schemeClr val="accent1"/>
+          </a:effectRef>
+          <a:fontRef idx="minor">
+            <a:schemeClr val="tx1"/>
+          </a:fontRef>
+        </p:style>
+      </p:cxnSp>
+      <p:cxnSp>
+        <p:nvCxnSpPr>
+          <p:cNvPr id="146" name="直接箭头连接符 53"/>
+          <p:cNvCxnSpPr>
+            <a:stCxn id="79" idx="0"/>
+            <a:endCxn id="130" idx="2"/>
+          </p:cNvCxnSpPr>
+          <p:nvPr/>
+        </p:nvCxnSpPr>
+        <p:spPr>
+          <a:xfrm>
+            <a:off x="4289429" y="4651821"/>
+            <a:ext cx="799298" cy="610582"/>
+          </a:xfrm>
+          <a:prstGeom prst="bentConnector3">
+            <a:avLst>
+              <a:gd name="adj1" fmla="val 50000"/>
+            </a:avLst>
+          </a:prstGeom>
+          <a:ln>
+            <a:solidFill>
+              <a:schemeClr val="tx1"/>
+            </a:solidFill>
+            <a:tailEnd type="triangle"/>
+          </a:ln>
+        </p:spPr>
+        <p:style>
+          <a:lnRef idx="1">
+            <a:schemeClr val="accent1"/>
+          </a:lnRef>
+          <a:fillRef idx="0">
+            <a:schemeClr val="accent1"/>
+          </a:fillRef>
+          <a:effectRef idx="0">
+            <a:schemeClr val="accent1"/>
+          </a:effectRef>
+          <a:fontRef idx="minor">
+            <a:schemeClr val="tx1"/>
+          </a:fontRef>
+        </p:style>
+      </p:cxnSp>
+      <p:sp>
+        <p:nvSpPr>
+          <p:cNvPr id="152" name="文本框 151"/>
+          <p:cNvSpPr txBox="1"/>
+          <p:nvPr/>
+        </p:nvSpPr>
+        <p:spPr>
+          <a:xfrm>
+            <a:off x="2898219" y="2786805"/>
+            <a:ext cx="792205" cy="246221"/>
+          </a:xfrm>
+          <a:prstGeom prst="rect">
+            <a:avLst/>
+          </a:prstGeom>
+          <a:noFill/>
+        </p:spPr>
+        <p:txBody>
+          <a:bodyPr wrap="none" rtlCol="0">
+            <a:spAutoFit/>
+          </a:bodyPr>
+          <a:lstStyle/>
+          <a:p>
+            <a:r>
+              <a:rPr lang="en-US" altLang="zh-CN" sz="1000" smtClean="0"/>
+              <a:t>Column List</a:t>
+            </a:r>
+            <a:endParaRPr lang="zh-CN" altLang="en-US" sz="1000"/>
+          </a:p>
+        </p:txBody>
+      </p:sp>
+      <p:sp>
+        <p:nvSpPr>
+          <p:cNvPr id="154" name="文本框 153"/>
+          <p:cNvSpPr txBox="1"/>
+          <p:nvPr/>
+        </p:nvSpPr>
+        <p:spPr>
+          <a:xfrm>
+            <a:off x="2891734" y="4611633"/>
+            <a:ext cx="654346" cy="246221"/>
+          </a:xfrm>
+          <a:prstGeom prst="rect">
+            <a:avLst/>
+          </a:prstGeom>
+          <a:noFill/>
+        </p:spPr>
+        <p:txBody>
+          <a:bodyPr wrap="none" rtlCol="0">
+            <a:spAutoFit/>
+          </a:bodyPr>
+          <a:lstStyle/>
+          <a:p>
+            <a:r>
+              <a:rPr lang="en-US" altLang="zh-CN" sz="1000" smtClean="0"/>
+              <a:t>Lv.1 </a:t>
+            </a:r>
+            <a:r>
+              <a:rPr lang="en-US" altLang="zh-CN" sz="1000"/>
+              <a:t>map</a:t>
+            </a:r>
+            <a:endParaRPr lang="zh-CN" altLang="en-US" sz="1000"/>
+          </a:p>
+        </p:txBody>
+      </p:sp>
+      <p:sp>
+        <p:nvSpPr>
+          <p:cNvPr id="155" name="文本框 154"/>
+          <p:cNvSpPr txBox="1"/>
+          <p:nvPr/>
+        </p:nvSpPr>
+        <p:spPr>
+          <a:xfrm>
+            <a:off x="3740098" y="4957112"/>
+            <a:ext cx="654346" cy="246221"/>
+          </a:xfrm>
+          <a:prstGeom prst="rect">
+            <a:avLst/>
+          </a:prstGeom>
+          <a:noFill/>
+        </p:spPr>
+        <p:txBody>
+          <a:bodyPr wrap="none" rtlCol="0">
+            <a:spAutoFit/>
+          </a:bodyPr>
+          <a:lstStyle/>
+          <a:p>
+            <a:r>
+              <a:rPr lang="en-US" altLang="zh-CN" sz="1000" smtClean="0"/>
+              <a:t>Lv.2 map</a:t>
+            </a:r>
+            <a:endParaRPr lang="zh-CN" altLang="en-US" sz="1000"/>
+          </a:p>
+        </p:txBody>
+      </p:sp>
+      <p:sp>
+        <p:nvSpPr>
+          <p:cNvPr id="156" name="文本框 155"/>
+          <p:cNvSpPr txBox="1"/>
+          <p:nvPr/>
+        </p:nvSpPr>
+        <p:spPr>
+          <a:xfrm>
+            <a:off x="4795081" y="5912947"/>
+            <a:ext cx="1067921" cy="246221"/>
+          </a:xfrm>
+          <a:prstGeom prst="rect">
+            <a:avLst/>
+          </a:prstGeom>
+          <a:noFill/>
+        </p:spPr>
+        <p:txBody>
+          <a:bodyPr wrap="none" rtlCol="0">
+            <a:spAutoFit/>
+          </a:bodyPr>
+          <a:lstStyle/>
+          <a:p>
+            <a:r>
+              <a:rPr lang="en-US" altLang="zh-CN" sz="1000" smtClean="0"/>
+              <a:t>Column segment</a:t>
+            </a:r>
+            <a:endParaRPr lang="zh-CN" altLang="en-US" sz="1000"/>
+          </a:p>
+        </p:txBody>
+      </p:sp>
+      <p:sp>
+        <p:nvSpPr>
+          <p:cNvPr id="157" name="右大括号 156"/>
+          <p:cNvSpPr/>
+          <p:nvPr/>
+        </p:nvSpPr>
+        <p:spPr>
+          <a:xfrm rot="5400000" flipH="1">
+            <a:off x="4861343" y="1636677"/>
+            <a:ext cx="82620" cy="721179"/>
+          </a:xfrm>
+          <a:prstGeom prst="rightBrace">
+            <a:avLst>
+              <a:gd name="adj1" fmla="val 35360"/>
+              <a:gd name="adj2" fmla="val 50000"/>
+            </a:avLst>
+          </a:prstGeom>
+          <a:ln>
+            <a:solidFill>
+              <a:schemeClr val="tx1"/>
+            </a:solidFill>
+          </a:ln>
+        </p:spPr>
+        <p:style>
+          <a:lnRef idx="1">
+            <a:schemeClr val="accent1"/>
+          </a:lnRef>
+          <a:fillRef idx="0">
+            <a:schemeClr val="accent1"/>
+          </a:fillRef>
+          <a:effectRef idx="0">
+            <a:schemeClr val="accent1"/>
+          </a:effectRef>
+          <a:fontRef idx="minor">
+            <a:schemeClr val="tx1"/>
+          </a:fontRef>
+        </p:style>
+        <p:txBody>
+          <a:bodyPr rtlCol="0" anchor="ctr"/>
+          <a:lstStyle/>
+          <a:p>
+            <a:pPr algn="ctr"/>
+            <a:endParaRPr lang="zh-CN" altLang="en-US" sz="1200"/>
+          </a:p>
+        </p:txBody>
+      </p:sp>
+      <p:sp>
+        <p:nvSpPr>
+          <p:cNvPr id="158" name="文本框 157"/>
+          <p:cNvSpPr txBox="1"/>
+          <p:nvPr/>
+        </p:nvSpPr>
+        <p:spPr>
+          <a:xfrm>
+            <a:off x="4517191" y="1508906"/>
+            <a:ext cx="970137" cy="400110"/>
+          </a:xfrm>
+          <a:prstGeom prst="rect">
+            <a:avLst/>
+          </a:prstGeom>
+          <a:noFill/>
+        </p:spPr>
+        <p:txBody>
+          <a:bodyPr wrap="none" rtlCol="0">
+            <a:spAutoFit/>
+          </a:bodyPr>
+          <a:lstStyle/>
+          <a:p>
+            <a:pPr algn="ctr"/>
+            <a:r>
+              <a:rPr lang="en-US" altLang="zh-CN" sz="1000" smtClean="0"/>
+              <a:t>LowSegmentID</a:t>
+            </a:r>
+          </a:p>
+          <a:p>
+            <a:pPr algn="ctr"/>
+            <a:r>
+              <a:rPr lang="en-US" altLang="zh-CN" sz="1000" smtClean="0"/>
+              <a:t>(9 bits</a:t>
+            </a:r>
+            <a:r>
+              <a:rPr lang="en-US" altLang="zh-CN" sz="1000"/>
+              <a:t>)</a:t>
+            </a:r>
+            <a:endParaRPr lang="zh-CN" altLang="en-US" sz="1000"/>
+          </a:p>
+        </p:txBody>
+      </p:sp>
+      <p:cxnSp>
+        <p:nvCxnSpPr>
+          <p:cNvPr id="163" name="肘形连接符 162"/>
+          <p:cNvCxnSpPr>
+            <a:endCxn id="68" idx="2"/>
+          </p:cNvCxnSpPr>
+          <p:nvPr/>
+        </p:nvCxnSpPr>
+        <p:spPr>
+          <a:xfrm rot="5400000">
+            <a:off x="2722695" y="2641718"/>
+            <a:ext cx="1724250" cy="1063232"/>
+          </a:xfrm>
+          <a:prstGeom prst="bentConnector4">
+            <a:avLst>
+              <a:gd name="adj1" fmla="val 23974"/>
+              <a:gd name="adj2" fmla="val 121500"/>
+            </a:avLst>
+          </a:prstGeom>
+          <a:ln>
+            <a:solidFill>
+              <a:schemeClr val="tx1"/>
+            </a:solidFill>
+            <a:prstDash val="sysDash"/>
+            <a:tailEnd type="triangle"/>
+          </a:ln>
+        </p:spPr>
+        <p:style>
+          <a:lnRef idx="1">
+            <a:schemeClr val="accent1"/>
+          </a:lnRef>
+          <a:fillRef idx="0">
+            <a:schemeClr val="accent1"/>
+          </a:fillRef>
+          <a:effectRef idx="0">
+            <a:schemeClr val="accent1"/>
+          </a:effectRef>
+          <a:fontRef idx="minor">
+            <a:schemeClr val="tx1"/>
+          </a:fontRef>
+        </p:style>
+      </p:cxnSp>
+      <p:cxnSp>
+        <p:nvCxnSpPr>
+          <p:cNvPr id="167" name="肘形连接符 166"/>
+          <p:cNvCxnSpPr>
+            <a:endCxn id="79" idx="2"/>
+          </p:cNvCxnSpPr>
+          <p:nvPr/>
+        </p:nvCxnSpPr>
+        <p:spPr>
+          <a:xfrm rot="5400000">
+            <a:off x="3229304" y="2952030"/>
+            <a:ext cx="2345476" cy="1054107"/>
+          </a:xfrm>
+          <a:prstGeom prst="bentConnector4">
+            <a:avLst>
+              <a:gd name="adj1" fmla="val 41116"/>
+              <a:gd name="adj2" fmla="val 127109"/>
+            </a:avLst>
+          </a:prstGeom>
+          <a:ln>
+            <a:solidFill>
+              <a:schemeClr val="tx1"/>
+            </a:solidFill>
+            <a:prstDash val="sysDash"/>
+            <a:tailEnd type="triangle"/>
+          </a:ln>
+        </p:spPr>
+        <p:style>
+          <a:lnRef idx="1">
+            <a:schemeClr val="accent1"/>
+          </a:lnRef>
+          <a:fillRef idx="0">
+            <a:schemeClr val="accent1"/>
+          </a:fillRef>
+          <a:effectRef idx="0">
+            <a:schemeClr val="accent1"/>
+          </a:effectRef>
+          <a:fontRef idx="minor">
+            <a:schemeClr val="tx1"/>
+          </a:fontRef>
+        </p:style>
+      </p:cxnSp>
+      <p:cxnSp>
+        <p:nvCxnSpPr>
+          <p:cNvPr id="172" name="肘形连接符 171"/>
+          <p:cNvCxnSpPr>
+            <a:endCxn id="132" idx="2"/>
+          </p:cNvCxnSpPr>
+          <p:nvPr/>
+        </p:nvCxnSpPr>
+        <p:spPr>
+          <a:xfrm rot="5400000">
+            <a:off x="3870930" y="3515062"/>
+            <a:ext cx="3137872" cy="702277"/>
+          </a:xfrm>
+          <a:prstGeom prst="bentConnector4">
+            <a:avLst>
+              <a:gd name="adj1" fmla="val 33949"/>
+              <a:gd name="adj2" fmla="val 132551"/>
+            </a:avLst>
+          </a:prstGeom>
+          <a:ln>
+            <a:solidFill>
+              <a:schemeClr val="tx1"/>
+            </a:solidFill>
+            <a:prstDash val="sysDash"/>
+            <a:tailEnd type="triangle"/>
+          </a:ln>
+        </p:spPr>
+        <p:style>
+          <a:lnRef idx="1">
+            <a:schemeClr val="accent1"/>
+          </a:lnRef>
+          <a:fillRef idx="0">
+            <a:schemeClr val="accent1"/>
+          </a:fillRef>
+          <a:effectRef idx="0">
+            <a:schemeClr val="accent1"/>
+          </a:effectRef>
+          <a:fontRef idx="minor">
+            <a:schemeClr val="tx1"/>
+          </a:fontRef>
+        </p:style>
+      </p:cxnSp>
+    </p:spTree>
+    <p:extLst>
+      <p:ext uri="{BB962C8B-B14F-4D97-AF65-F5344CB8AC3E}">
+        <p14:creationId xmlns:p14="http://schemas.microsoft.com/office/powerpoint/2010/main" val="3351719761"/>
+      </p:ext>
+    </p:extLst>
+  </p:cSld>
+  <p:clrMapOvr>
+    <a:masterClrMapping/>
+  </p:clrMapOvr>
+</p:sld>
+</file>
+
+<file path=ppt/slides/slide36.xml><?xml version="1.0" encoding="utf-8"?>
+<p:sld xmlns:a="http://schemas.openxmlformats.org/drawingml/2006/main" xmlns:r="http://schemas.openxmlformats.org/officeDocument/2006/relationships" xmlns:p="http://schemas.openxmlformats.org/presentationml/2006/main">
+  <p:cSld>
+    <p:spTree>
+      <p:nvGrpSpPr>
+        <p:cNvPr id="1" name=""/>
+        <p:cNvGrpSpPr/>
+        <p:nvPr/>
+      </p:nvGrpSpPr>
+      <p:grpSpPr>
+        <a:xfrm>
+          <a:off x="0" y="0"/>
+          <a:ext cx="0" cy="0"/>
+          <a:chOff x="0" y="0"/>
+          <a:chExt cx="0" cy="0"/>
+        </a:xfrm>
+      </p:grpSpPr>
+      <p:sp>
+        <p:nvSpPr>
+          <p:cNvPr id="2" name="标题 1"/>
+          <p:cNvSpPr>
+            <a:spLocks noGrp="1"/>
+          </p:cNvSpPr>
+          <p:nvPr>
+            <p:ph type="title"/>
+          </p:nvPr>
+        </p:nvSpPr>
+        <p:spPr/>
+        <p:txBody>
+          <a:bodyPr/>
+          <a:lstStyle/>
+          <a:p>
+            <a:endParaRPr lang="zh-CN" altLang="en-US"/>
+          </a:p>
+        </p:txBody>
+      </p:sp>
+      <p:grpSp>
+        <p:nvGrpSpPr>
+          <p:cNvPr id="21" name="组合 20"/>
+          <p:cNvGrpSpPr/>
+          <p:nvPr/>
+        </p:nvGrpSpPr>
+        <p:grpSpPr>
+          <a:xfrm>
+            <a:off x="2657475" y="4339479"/>
+            <a:ext cx="540748" cy="974428"/>
+            <a:chOff x="6965153" y="2630436"/>
+            <a:chExt cx="426251" cy="1740312"/>
+          </a:xfrm>
+          <a:solidFill>
+            <a:schemeClr val="bg2"/>
+          </a:solidFill>
+        </p:grpSpPr>
+        <p:sp>
+          <p:nvSpPr>
+            <p:cNvPr id="22" name="矩形 21"/>
+            <p:cNvSpPr/>
+            <p:nvPr/>
+          </p:nvSpPr>
+          <p:spPr>
+            <a:xfrm>
+              <a:off x="6965157" y="2630436"/>
+              <a:ext cx="426247" cy="217539"/>
+            </a:xfrm>
+            <a:prstGeom prst="rect">
+              <a:avLst/>
+            </a:prstGeom>
+            <a:grpFill/>
+            <a:ln>
+              <a:solidFill>
+                <a:schemeClr val="tx1"/>
+              </a:solidFill>
+            </a:ln>
+          </p:spPr>
+          <p:style>
+            <a:lnRef idx="2">
+              <a:schemeClr val="accent1">
+                <a:shade val="50000"/>
+              </a:schemeClr>
+            </a:lnRef>
+            <a:fillRef idx="1">
+              <a:schemeClr val="accent1"/>
+            </a:fillRef>
+            <a:effectRef idx="0">
+              <a:schemeClr val="accent1"/>
+            </a:effectRef>
+            <a:fontRef idx="minor">
+              <a:schemeClr val="lt1"/>
+            </a:fontRef>
+          </p:style>
+          <p:txBody>
+            <a:bodyPr rtlCol="0" anchor="ctr"/>
+            <a:lstStyle/>
+            <a:p>
+              <a:endParaRPr lang="zh-CN" altLang="en-US" sz="900" dirty="0">
+                <a:solidFill>
+                  <a:schemeClr val="tx1"/>
+                </a:solidFill>
+              </a:endParaRPr>
+            </a:p>
+          </p:txBody>
+        </p:sp>
+        <p:sp>
+          <p:nvSpPr>
+            <p:cNvPr id="23" name="矩形 22"/>
+            <p:cNvSpPr/>
+            <p:nvPr/>
+          </p:nvSpPr>
+          <p:spPr>
+            <a:xfrm>
+              <a:off x="6965153" y="2847975"/>
+              <a:ext cx="426247" cy="217539"/>
+            </a:xfrm>
+            <a:prstGeom prst="rect">
+              <a:avLst/>
+            </a:prstGeom>
+            <a:grpFill/>
+            <a:ln>
+              <a:solidFill>
+                <a:schemeClr val="tx1"/>
+              </a:solidFill>
+            </a:ln>
+          </p:spPr>
+          <p:style>
+            <a:lnRef idx="2">
+              <a:schemeClr val="accent1">
+                <a:shade val="50000"/>
+              </a:schemeClr>
+            </a:lnRef>
+            <a:fillRef idx="1">
+              <a:schemeClr val="accent1"/>
+            </a:fillRef>
+            <a:effectRef idx="0">
+              <a:schemeClr val="accent1"/>
+            </a:effectRef>
+            <a:fontRef idx="minor">
+              <a:schemeClr val="lt1"/>
+            </a:fontRef>
+          </p:style>
+          <p:txBody>
+            <a:bodyPr rtlCol="0" anchor="ctr"/>
+            <a:lstStyle/>
+            <a:p>
+              <a:endParaRPr lang="zh-CN" altLang="en-US" sz="900" dirty="0">
+                <a:solidFill>
+                  <a:schemeClr val="tx1"/>
+                </a:solidFill>
+              </a:endParaRPr>
+            </a:p>
+          </p:txBody>
+        </p:sp>
+        <p:sp>
+          <p:nvSpPr>
+            <p:cNvPr id="24" name="矩形 23"/>
+            <p:cNvSpPr/>
+            <p:nvPr/>
+          </p:nvSpPr>
+          <p:spPr>
+            <a:xfrm>
+              <a:off x="6965153" y="3065514"/>
+              <a:ext cx="426247" cy="217539"/>
+            </a:xfrm>
+            <a:prstGeom prst="rect">
+              <a:avLst/>
+            </a:prstGeom>
+            <a:grpFill/>
+            <a:ln>
+              <a:solidFill>
+                <a:schemeClr val="tx1"/>
+              </a:solidFill>
+            </a:ln>
+          </p:spPr>
+          <p:style>
+            <a:lnRef idx="2">
+              <a:schemeClr val="accent1">
+                <a:shade val="50000"/>
+              </a:schemeClr>
+            </a:lnRef>
+            <a:fillRef idx="1">
+              <a:schemeClr val="accent1"/>
+            </a:fillRef>
+            <a:effectRef idx="0">
+              <a:schemeClr val="accent1"/>
+            </a:effectRef>
+            <a:fontRef idx="minor">
+              <a:schemeClr val="lt1"/>
+            </a:fontRef>
+          </p:style>
+          <p:txBody>
+            <a:bodyPr rtlCol="0" anchor="ctr"/>
+            <a:lstStyle/>
+            <a:p>
+              <a:endParaRPr lang="zh-CN" altLang="en-US" sz="900" dirty="0">
+                <a:solidFill>
+                  <a:schemeClr val="tx1"/>
+                </a:solidFill>
+              </a:endParaRPr>
+            </a:p>
+          </p:txBody>
+        </p:sp>
+        <p:sp>
+          <p:nvSpPr>
+            <p:cNvPr id="25" name="矩形 24"/>
+            <p:cNvSpPr/>
+            <p:nvPr/>
+          </p:nvSpPr>
+          <p:spPr>
+            <a:xfrm>
+              <a:off x="6965153" y="3283053"/>
+              <a:ext cx="426247" cy="217539"/>
+            </a:xfrm>
+            <a:prstGeom prst="rect">
+              <a:avLst/>
+            </a:prstGeom>
+            <a:grpFill/>
+            <a:ln>
+              <a:solidFill>
+                <a:schemeClr val="tx1"/>
+              </a:solidFill>
+            </a:ln>
+          </p:spPr>
+          <p:style>
+            <a:lnRef idx="2">
+              <a:schemeClr val="accent1">
+                <a:shade val="50000"/>
+              </a:schemeClr>
+            </a:lnRef>
+            <a:fillRef idx="1">
+              <a:schemeClr val="accent1"/>
+            </a:fillRef>
+            <a:effectRef idx="0">
+              <a:schemeClr val="accent1"/>
+            </a:effectRef>
+            <a:fontRef idx="minor">
+              <a:schemeClr val="lt1"/>
+            </a:fontRef>
+          </p:style>
+          <p:txBody>
+            <a:bodyPr rtlCol="0" anchor="ctr"/>
+            <a:lstStyle/>
+            <a:p>
+              <a:endParaRPr lang="zh-CN" altLang="en-US" sz="900" dirty="0">
+                <a:solidFill>
+                  <a:schemeClr val="tx1"/>
+                </a:solidFill>
+              </a:endParaRPr>
+            </a:p>
+          </p:txBody>
+        </p:sp>
+        <p:sp>
+          <p:nvSpPr>
+            <p:cNvPr id="26" name="矩形 25"/>
+            <p:cNvSpPr/>
+            <p:nvPr/>
+          </p:nvSpPr>
+          <p:spPr>
+            <a:xfrm>
+              <a:off x="6965153" y="3500592"/>
+              <a:ext cx="426247" cy="217539"/>
+            </a:xfrm>
+            <a:prstGeom prst="rect">
+              <a:avLst/>
+            </a:prstGeom>
+            <a:grpFill/>
+            <a:ln>
+              <a:solidFill>
+                <a:schemeClr val="tx1"/>
+              </a:solidFill>
+            </a:ln>
+          </p:spPr>
+          <p:style>
+            <a:lnRef idx="2">
+              <a:schemeClr val="accent1">
+                <a:shade val="50000"/>
+              </a:schemeClr>
+            </a:lnRef>
+            <a:fillRef idx="1">
+              <a:schemeClr val="accent1"/>
+            </a:fillRef>
+            <a:effectRef idx="0">
+              <a:schemeClr val="accent1"/>
+            </a:effectRef>
+            <a:fontRef idx="minor">
+              <a:schemeClr val="lt1"/>
+            </a:fontRef>
+          </p:style>
+          <p:txBody>
+            <a:bodyPr rtlCol="0" anchor="ctr"/>
+            <a:lstStyle/>
+            <a:p>
+              <a:endParaRPr lang="zh-CN" altLang="en-US" sz="900" dirty="0">
+                <a:solidFill>
+                  <a:schemeClr val="tx1"/>
+                </a:solidFill>
+              </a:endParaRPr>
+            </a:p>
+          </p:txBody>
+        </p:sp>
+        <p:sp>
+          <p:nvSpPr>
+            <p:cNvPr id="27" name="矩形 26"/>
+            <p:cNvSpPr/>
+            <p:nvPr/>
+          </p:nvSpPr>
+          <p:spPr>
+            <a:xfrm>
+              <a:off x="6965153" y="3718131"/>
+              <a:ext cx="426247" cy="217539"/>
+            </a:xfrm>
+            <a:prstGeom prst="rect">
+              <a:avLst/>
+            </a:prstGeom>
+            <a:grpFill/>
+            <a:ln>
+              <a:solidFill>
+                <a:schemeClr val="tx1"/>
+              </a:solidFill>
+            </a:ln>
+          </p:spPr>
+          <p:style>
+            <a:lnRef idx="2">
+              <a:schemeClr val="accent1">
+                <a:shade val="50000"/>
+              </a:schemeClr>
+            </a:lnRef>
+            <a:fillRef idx="1">
+              <a:schemeClr val="accent1"/>
+            </a:fillRef>
+            <a:effectRef idx="0">
+              <a:schemeClr val="accent1"/>
+            </a:effectRef>
+            <a:fontRef idx="minor">
+              <a:schemeClr val="lt1"/>
+            </a:fontRef>
+          </p:style>
+          <p:txBody>
+            <a:bodyPr rtlCol="0" anchor="ctr"/>
+            <a:lstStyle/>
+            <a:p>
+              <a:endParaRPr lang="zh-CN" altLang="en-US" sz="900" dirty="0">
+                <a:solidFill>
+                  <a:schemeClr val="tx1"/>
+                </a:solidFill>
+              </a:endParaRPr>
+            </a:p>
+          </p:txBody>
+        </p:sp>
+        <p:sp>
+          <p:nvSpPr>
+            <p:cNvPr id="28" name="矩形 27"/>
+            <p:cNvSpPr/>
+            <p:nvPr/>
+          </p:nvSpPr>
+          <p:spPr>
+            <a:xfrm>
+              <a:off x="6965153" y="3935670"/>
+              <a:ext cx="426247" cy="217539"/>
+            </a:xfrm>
+            <a:prstGeom prst="rect">
+              <a:avLst/>
+            </a:prstGeom>
+            <a:grpFill/>
+            <a:ln>
+              <a:solidFill>
+                <a:schemeClr val="tx1"/>
+              </a:solidFill>
+            </a:ln>
+          </p:spPr>
+          <p:style>
+            <a:lnRef idx="2">
+              <a:schemeClr val="accent1">
+                <a:shade val="50000"/>
+              </a:schemeClr>
+            </a:lnRef>
+            <a:fillRef idx="1">
+              <a:schemeClr val="accent1"/>
+            </a:fillRef>
+            <a:effectRef idx="0">
+              <a:schemeClr val="accent1"/>
+            </a:effectRef>
+            <a:fontRef idx="minor">
+              <a:schemeClr val="lt1"/>
+            </a:fontRef>
+          </p:style>
+          <p:txBody>
+            <a:bodyPr rtlCol="0" anchor="ctr"/>
+            <a:lstStyle/>
+            <a:p>
+              <a:endParaRPr lang="zh-CN" altLang="en-US" sz="900" dirty="0">
+                <a:solidFill>
+                  <a:schemeClr val="tx1"/>
+                </a:solidFill>
+              </a:endParaRPr>
+            </a:p>
+          </p:txBody>
+        </p:sp>
+        <p:sp>
+          <p:nvSpPr>
+            <p:cNvPr id="29" name="矩形 28"/>
+            <p:cNvSpPr/>
+            <p:nvPr/>
+          </p:nvSpPr>
+          <p:spPr>
+            <a:xfrm>
+              <a:off x="6965153" y="4153209"/>
+              <a:ext cx="426247" cy="217539"/>
+            </a:xfrm>
+            <a:prstGeom prst="rect">
+              <a:avLst/>
+            </a:prstGeom>
+            <a:grpFill/>
+            <a:ln>
+              <a:solidFill>
+                <a:schemeClr val="tx1"/>
+              </a:solidFill>
+            </a:ln>
+          </p:spPr>
+          <p:style>
+            <a:lnRef idx="2">
+              <a:schemeClr val="accent1">
+                <a:shade val="50000"/>
+              </a:schemeClr>
+            </a:lnRef>
+            <a:fillRef idx="1">
+              <a:schemeClr val="accent1"/>
+            </a:fillRef>
+            <a:effectRef idx="0">
+              <a:schemeClr val="accent1"/>
+            </a:effectRef>
+            <a:fontRef idx="minor">
+              <a:schemeClr val="lt1"/>
+            </a:fontRef>
+          </p:style>
+          <p:txBody>
+            <a:bodyPr rtlCol="0" anchor="ctr"/>
+            <a:lstStyle/>
+            <a:p>
+              <a:endParaRPr lang="zh-CN" altLang="en-US" sz="900" dirty="0">
+                <a:solidFill>
+                  <a:schemeClr val="tx1"/>
+                </a:solidFill>
+              </a:endParaRPr>
+            </a:p>
+          </p:txBody>
+        </p:sp>
+      </p:grpSp>
+      <p:sp>
+        <p:nvSpPr>
+          <p:cNvPr id="32" name="文本框 31"/>
+          <p:cNvSpPr txBox="1"/>
+          <p:nvPr/>
+        </p:nvSpPr>
+        <p:spPr>
+          <a:xfrm>
+            <a:off x="2466018" y="5392895"/>
+            <a:ext cx="979755" cy="246221"/>
+          </a:xfrm>
+          <a:prstGeom prst="rect">
+            <a:avLst/>
+          </a:prstGeom>
+          <a:noFill/>
+        </p:spPr>
+        <p:txBody>
+          <a:bodyPr wrap="none" rtlCol="0">
+            <a:spAutoFit/>
+          </a:bodyPr>
+          <a:lstStyle/>
+          <a:p>
+            <a:r>
+              <a:rPr lang="en-US" altLang="zh-CN" sz="1000" smtClean="0"/>
+              <a:t>String Segment</a:t>
+            </a:r>
+            <a:endParaRPr lang="zh-CN" altLang="en-US" sz="1000" dirty="0"/>
+          </a:p>
+        </p:txBody>
+      </p:sp>
+      <p:grpSp>
+        <p:nvGrpSpPr>
+          <p:cNvPr id="33" name="组合 32"/>
+          <p:cNvGrpSpPr/>
+          <p:nvPr/>
+        </p:nvGrpSpPr>
+        <p:grpSpPr>
+          <a:xfrm>
+            <a:off x="3935647" y="4006773"/>
+            <a:ext cx="1778815" cy="1740686"/>
+            <a:chOff x="9574985" y="2717323"/>
+            <a:chExt cx="1778815" cy="1740686"/>
+          </a:xfrm>
+        </p:grpSpPr>
+        <p:sp>
+          <p:nvSpPr>
+            <p:cNvPr id="34" name="矩形 33"/>
+            <p:cNvSpPr/>
+            <p:nvPr/>
+          </p:nvSpPr>
+          <p:spPr>
+            <a:xfrm>
+              <a:off x="9574992" y="2717697"/>
+              <a:ext cx="1778808" cy="1740312"/>
+            </a:xfrm>
+            <a:prstGeom prst="rect">
+              <a:avLst/>
+            </a:prstGeom>
+            <a:solidFill>
+              <a:schemeClr val="bg1">
+                <a:lumMod val="85000"/>
+              </a:schemeClr>
+            </a:solidFill>
+            <a:ln>
+              <a:solidFill>
+                <a:schemeClr val="tx1"/>
+              </a:solidFill>
+            </a:ln>
+          </p:spPr>
+          <p:style>
+            <a:lnRef idx="2">
+              <a:schemeClr val="accent1">
+                <a:shade val="50000"/>
+              </a:schemeClr>
+            </a:lnRef>
+            <a:fillRef idx="1">
+              <a:schemeClr val="accent1"/>
+            </a:fillRef>
+            <a:effectRef idx="0">
+              <a:schemeClr val="accent1"/>
+            </a:effectRef>
+            <a:fontRef idx="minor">
+              <a:schemeClr val="lt1"/>
+            </a:fontRef>
+          </p:style>
+          <p:txBody>
+            <a:bodyPr rtlCol="0" anchor="b"/>
+            <a:lstStyle/>
+            <a:p>
+              <a:r>
+                <a:rPr lang="en-US" altLang="zh-CN" sz="1200" dirty="0" smtClean="0">
+                  <a:solidFill>
+                    <a:schemeClr val="tx1"/>
+                  </a:solidFill>
+                </a:rPr>
+                <a:t>heap</a:t>
+              </a:r>
+              <a:endParaRPr lang="zh-CN" altLang="en-US" sz="1200" dirty="0">
+                <a:solidFill>
+                  <a:schemeClr val="tx1"/>
+                </a:solidFill>
+              </a:endParaRPr>
+            </a:p>
+          </p:txBody>
+        </p:sp>
+        <p:sp>
+          <p:nvSpPr>
+            <p:cNvPr id="35" name="矩形 34"/>
+            <p:cNvSpPr/>
+            <p:nvPr/>
+          </p:nvSpPr>
+          <p:spPr>
+            <a:xfrm>
+              <a:off x="9994092" y="2717323"/>
+              <a:ext cx="940608" cy="217913"/>
+            </a:xfrm>
+            <a:prstGeom prst="rect">
+              <a:avLst/>
+            </a:prstGeom>
+            <a:solidFill>
+              <a:schemeClr val="bg1"/>
+            </a:solidFill>
+            <a:ln>
+              <a:solidFill>
+                <a:schemeClr val="tx1"/>
+              </a:solidFill>
+            </a:ln>
+          </p:spPr>
+          <p:style>
+            <a:lnRef idx="2">
+              <a:schemeClr val="accent1">
+                <a:shade val="50000"/>
+              </a:schemeClr>
+            </a:lnRef>
+            <a:fillRef idx="1">
+              <a:schemeClr val="accent1"/>
+            </a:fillRef>
+            <a:effectRef idx="0">
+              <a:schemeClr val="accent1"/>
+            </a:effectRef>
+            <a:fontRef idx="minor">
+              <a:schemeClr val="lt1"/>
+            </a:fontRef>
+          </p:style>
+          <p:txBody>
+            <a:bodyPr rtlCol="0" anchor="ctr"/>
+            <a:lstStyle/>
+            <a:p>
+              <a:r>
+                <a:rPr lang="en-US" altLang="zh-CN" sz="900" dirty="0" smtClean="0">
+                  <a:solidFill>
+                    <a:schemeClr val="tx1"/>
+                  </a:solidFill>
+                </a:rPr>
+                <a:t>This is a test</a:t>
+              </a:r>
+              <a:endParaRPr lang="zh-CN" altLang="en-US" sz="900" dirty="0">
+                <a:solidFill>
+                  <a:schemeClr val="tx1"/>
+                </a:solidFill>
+              </a:endParaRPr>
+            </a:p>
+          </p:txBody>
+        </p:sp>
+        <p:sp>
+          <p:nvSpPr>
+            <p:cNvPr id="36" name="矩形 35"/>
+            <p:cNvSpPr/>
+            <p:nvPr/>
+          </p:nvSpPr>
+          <p:spPr>
+            <a:xfrm>
+              <a:off x="10934700" y="2717697"/>
+              <a:ext cx="419100" cy="217539"/>
+            </a:xfrm>
+            <a:prstGeom prst="rect">
+              <a:avLst/>
+            </a:prstGeom>
+            <a:solidFill>
+              <a:schemeClr val="bg1">
+                <a:lumMod val="65000"/>
+              </a:schemeClr>
+            </a:solidFill>
+            <a:ln>
+              <a:solidFill>
+                <a:schemeClr val="tx1"/>
+              </a:solidFill>
+            </a:ln>
+          </p:spPr>
+          <p:style>
+            <a:lnRef idx="2">
+              <a:schemeClr val="accent1">
+                <a:shade val="50000"/>
+              </a:schemeClr>
+            </a:lnRef>
+            <a:fillRef idx="1">
+              <a:schemeClr val="accent1"/>
+            </a:fillRef>
+            <a:effectRef idx="0">
+              <a:schemeClr val="accent1"/>
+            </a:effectRef>
+            <a:fontRef idx="minor">
+              <a:schemeClr val="lt1"/>
+            </a:fontRef>
+          </p:style>
+          <p:txBody>
+            <a:bodyPr rtlCol="0" anchor="ctr"/>
+            <a:lstStyle/>
+            <a:p>
+              <a:r>
+                <a:rPr lang="en-US" altLang="zh-CN" sz="900" dirty="0" smtClean="0">
+                  <a:solidFill>
+                    <a:schemeClr val="tx1"/>
+                  </a:solidFill>
+                </a:rPr>
+                <a:t>hello</a:t>
+              </a:r>
+              <a:endParaRPr lang="zh-CN" altLang="en-US" sz="900" dirty="0">
+                <a:solidFill>
+                  <a:schemeClr val="tx1"/>
+                </a:solidFill>
+              </a:endParaRPr>
+            </a:p>
+          </p:txBody>
+        </p:sp>
+        <p:sp>
+          <p:nvSpPr>
+            <p:cNvPr id="37" name="矩形 36"/>
+            <p:cNvSpPr/>
+            <p:nvPr/>
+          </p:nvSpPr>
+          <p:spPr>
+            <a:xfrm>
+              <a:off x="9574985" y="2934934"/>
+              <a:ext cx="645337" cy="230191"/>
+            </a:xfrm>
+            <a:prstGeom prst="rect">
+              <a:avLst/>
+            </a:prstGeom>
+            <a:solidFill>
+              <a:schemeClr val="bg1">
+                <a:lumMod val="65000"/>
+              </a:schemeClr>
+            </a:solidFill>
+            <a:ln>
+              <a:solidFill>
+                <a:schemeClr val="tx1"/>
+              </a:solidFill>
+            </a:ln>
+          </p:spPr>
+          <p:style>
+            <a:lnRef idx="2">
+              <a:schemeClr val="accent1">
+                <a:shade val="50000"/>
+              </a:schemeClr>
+            </a:lnRef>
+            <a:fillRef idx="1">
+              <a:schemeClr val="accent1"/>
+            </a:fillRef>
+            <a:effectRef idx="0">
+              <a:schemeClr val="accent1"/>
+            </a:effectRef>
+            <a:fontRef idx="minor">
+              <a:schemeClr val="lt1"/>
+            </a:fontRef>
+          </p:style>
+          <p:txBody>
+            <a:bodyPr rtlCol="0" anchor="ctr"/>
+            <a:lstStyle/>
+            <a:p>
+              <a:r>
+                <a:rPr lang="en-US" altLang="zh-CN" sz="900" dirty="0" smtClean="0">
+                  <a:solidFill>
+                    <a:schemeClr val="tx1"/>
+                  </a:solidFill>
+                </a:rPr>
+                <a:t>world</a:t>
+              </a:r>
+              <a:endParaRPr lang="zh-CN" altLang="en-US" sz="900" dirty="0">
+                <a:solidFill>
+                  <a:schemeClr val="tx1"/>
+                </a:solidFill>
+              </a:endParaRPr>
+            </a:p>
+          </p:txBody>
+        </p:sp>
+        <p:sp>
+          <p:nvSpPr>
+            <p:cNvPr id="38" name="矩形 37"/>
+            <p:cNvSpPr/>
+            <p:nvPr/>
+          </p:nvSpPr>
+          <p:spPr>
+            <a:xfrm>
+              <a:off x="9994092" y="3392948"/>
+              <a:ext cx="1359708" cy="219653"/>
+            </a:xfrm>
+            <a:prstGeom prst="rect">
+              <a:avLst/>
+            </a:prstGeom>
+            <a:solidFill>
+              <a:schemeClr val="bg1"/>
+            </a:solidFill>
+            <a:ln>
+              <a:solidFill>
+                <a:schemeClr val="tx1"/>
+              </a:solidFill>
+            </a:ln>
+          </p:spPr>
+          <p:style>
+            <a:lnRef idx="2">
+              <a:schemeClr val="accent1">
+                <a:shade val="50000"/>
+              </a:schemeClr>
+            </a:lnRef>
+            <a:fillRef idx="1">
+              <a:schemeClr val="accent1"/>
+            </a:fillRef>
+            <a:effectRef idx="0">
+              <a:schemeClr val="accent1"/>
+            </a:effectRef>
+            <a:fontRef idx="minor">
+              <a:schemeClr val="lt1"/>
+            </a:fontRef>
+          </p:style>
+          <p:txBody>
+            <a:bodyPr rtlCol="0" anchor="ctr"/>
+            <a:lstStyle/>
+            <a:p>
+              <a:r>
+                <a:rPr lang="en-US" altLang="zh-CN" sz="900" dirty="0" smtClean="0">
+                  <a:solidFill>
+                    <a:schemeClr val="tx1"/>
+                  </a:solidFill>
+                </a:rPr>
+                <a:t>This is a long string</a:t>
+              </a:r>
+              <a:endParaRPr lang="zh-CN" altLang="en-US" sz="900" dirty="0">
+                <a:solidFill>
+                  <a:schemeClr val="tx1"/>
+                </a:solidFill>
+              </a:endParaRPr>
+            </a:p>
+          </p:txBody>
+        </p:sp>
+        <p:sp>
+          <p:nvSpPr>
+            <p:cNvPr id="39" name="矩形 38"/>
+            <p:cNvSpPr/>
+            <p:nvPr/>
+          </p:nvSpPr>
+          <p:spPr>
+            <a:xfrm>
+              <a:off x="10220322" y="2934934"/>
+              <a:ext cx="1133478" cy="230191"/>
+            </a:xfrm>
+            <a:prstGeom prst="rect">
+              <a:avLst/>
+            </a:prstGeom>
+            <a:pattFill prst="ltUpDiag">
+              <a:fgClr>
+                <a:schemeClr val="bg1">
+                  <a:lumMod val="65000"/>
+                </a:schemeClr>
+              </a:fgClr>
+              <a:bgClr>
+                <a:schemeClr val="bg1"/>
+              </a:bgClr>
+            </a:pattFill>
+            <a:ln>
+              <a:solidFill>
+                <a:schemeClr val="tx1"/>
+              </a:solidFill>
+            </a:ln>
+          </p:spPr>
+          <p:style>
+            <a:lnRef idx="2">
+              <a:schemeClr val="accent1">
+                <a:shade val="50000"/>
+              </a:schemeClr>
+            </a:lnRef>
+            <a:fillRef idx="1">
+              <a:schemeClr val="accent1"/>
+            </a:fillRef>
+            <a:effectRef idx="0">
+              <a:schemeClr val="accent1"/>
+            </a:effectRef>
+            <a:fontRef idx="minor">
+              <a:schemeClr val="lt1"/>
+            </a:fontRef>
+          </p:style>
+          <p:txBody>
+            <a:bodyPr rtlCol="0" anchor="ctr"/>
+            <a:lstStyle/>
+            <a:p>
+              <a:endParaRPr lang="zh-CN" altLang="en-US" sz="900" dirty="0">
+                <a:solidFill>
+                  <a:schemeClr val="tx1"/>
+                </a:solidFill>
+              </a:endParaRPr>
+            </a:p>
+          </p:txBody>
+        </p:sp>
+        <p:sp>
+          <p:nvSpPr>
+            <p:cNvPr id="40" name="矩形 39"/>
+            <p:cNvSpPr/>
+            <p:nvPr/>
+          </p:nvSpPr>
+          <p:spPr>
+            <a:xfrm>
+              <a:off x="9574985" y="3382036"/>
+              <a:ext cx="419108" cy="230191"/>
+            </a:xfrm>
+            <a:prstGeom prst="rect">
+              <a:avLst/>
+            </a:prstGeom>
+            <a:pattFill prst="ltUpDiag">
+              <a:fgClr>
+                <a:schemeClr val="bg1">
+                  <a:lumMod val="65000"/>
+                </a:schemeClr>
+              </a:fgClr>
+              <a:bgClr>
+                <a:schemeClr val="bg1"/>
+              </a:bgClr>
+            </a:pattFill>
+            <a:ln>
+              <a:solidFill>
+                <a:schemeClr val="tx1"/>
+              </a:solidFill>
+            </a:ln>
+          </p:spPr>
+          <p:style>
+            <a:lnRef idx="2">
+              <a:schemeClr val="accent1">
+                <a:shade val="50000"/>
+              </a:schemeClr>
+            </a:lnRef>
+            <a:fillRef idx="1">
+              <a:schemeClr val="accent1"/>
+            </a:fillRef>
+            <a:effectRef idx="0">
+              <a:schemeClr val="accent1"/>
+            </a:effectRef>
+            <a:fontRef idx="minor">
+              <a:schemeClr val="lt1"/>
+            </a:fontRef>
+          </p:style>
+          <p:txBody>
+            <a:bodyPr rtlCol="0" anchor="ctr"/>
+            <a:lstStyle/>
+            <a:p>
+              <a:endParaRPr lang="zh-CN" altLang="en-US" sz="900" dirty="0">
+                <a:solidFill>
+                  <a:schemeClr val="tx1"/>
+                </a:solidFill>
+              </a:endParaRPr>
+            </a:p>
+          </p:txBody>
+        </p:sp>
+        <p:sp>
+          <p:nvSpPr>
+            <p:cNvPr id="41" name="矩形 40"/>
+            <p:cNvSpPr/>
+            <p:nvPr/>
+          </p:nvSpPr>
+          <p:spPr>
+            <a:xfrm>
+              <a:off x="9574985" y="3163059"/>
+              <a:ext cx="1778815" cy="230191"/>
+            </a:xfrm>
+            <a:prstGeom prst="rect">
+              <a:avLst/>
+            </a:prstGeom>
+            <a:pattFill prst="ltUpDiag">
+              <a:fgClr>
+                <a:schemeClr val="bg1">
+                  <a:lumMod val="65000"/>
+                </a:schemeClr>
+              </a:fgClr>
+              <a:bgClr>
+                <a:schemeClr val="bg1"/>
+              </a:bgClr>
+            </a:pattFill>
+            <a:ln>
+              <a:solidFill>
+                <a:schemeClr val="tx1"/>
+              </a:solidFill>
+            </a:ln>
+          </p:spPr>
+          <p:style>
+            <a:lnRef idx="2">
+              <a:schemeClr val="accent1">
+                <a:shade val="50000"/>
+              </a:schemeClr>
+            </a:lnRef>
+            <a:fillRef idx="1">
+              <a:schemeClr val="accent1"/>
+            </a:fillRef>
+            <a:effectRef idx="0">
+              <a:schemeClr val="accent1"/>
+            </a:effectRef>
+            <a:fontRef idx="minor">
+              <a:schemeClr val="lt1"/>
+            </a:fontRef>
+          </p:style>
+          <p:txBody>
+            <a:bodyPr rtlCol="0" anchor="ctr"/>
+            <a:lstStyle/>
+            <a:p>
+              <a:endParaRPr lang="zh-CN" altLang="en-US" sz="900" dirty="0">
+                <a:solidFill>
+                  <a:schemeClr val="tx1"/>
+                </a:solidFill>
+              </a:endParaRPr>
+            </a:p>
+          </p:txBody>
+        </p:sp>
+      </p:grpSp>
+      <p:cxnSp>
+        <p:nvCxnSpPr>
+          <p:cNvPr id="42" name="肘形连接符 41"/>
+          <p:cNvCxnSpPr>
+            <a:stCxn id="29" idx="3"/>
+            <a:endCxn id="38" idx="1"/>
+          </p:cNvCxnSpPr>
+          <p:nvPr/>
+        </p:nvCxnSpPr>
+        <p:spPr>
+          <a:xfrm flipV="1">
+            <a:off x="3198218" y="4792225"/>
+            <a:ext cx="1156536" cy="460781"/>
+          </a:xfrm>
+          <a:prstGeom prst="bentConnector3">
+            <a:avLst>
+              <a:gd name="adj1" fmla="val 50000"/>
+            </a:avLst>
+          </a:prstGeom>
+          <a:ln>
+            <a:solidFill>
+              <a:schemeClr val="tx1"/>
+            </a:solidFill>
+            <a:tailEnd type="triangle"/>
+          </a:ln>
+        </p:spPr>
+        <p:style>
+          <a:lnRef idx="1">
+            <a:schemeClr val="accent1"/>
+          </a:lnRef>
+          <a:fillRef idx="0">
+            <a:schemeClr val="accent1"/>
+          </a:fillRef>
+          <a:effectRef idx="0">
+            <a:schemeClr val="accent1"/>
+          </a:effectRef>
+          <a:fontRef idx="minor">
+            <a:schemeClr val="tx1"/>
+          </a:fontRef>
+        </p:style>
+      </p:cxnSp>
+      <p:cxnSp>
+        <p:nvCxnSpPr>
+          <p:cNvPr id="43" name="肘形连接符 42"/>
+          <p:cNvCxnSpPr>
+            <a:stCxn id="23" idx="3"/>
+            <a:endCxn id="36" idx="0"/>
+          </p:cNvCxnSpPr>
+          <p:nvPr/>
+        </p:nvCxnSpPr>
+        <p:spPr>
+          <a:xfrm flipV="1">
+            <a:off x="3198218" y="4007147"/>
+            <a:ext cx="2306694" cy="515038"/>
+          </a:xfrm>
+          <a:prstGeom prst="bentConnector4">
+            <a:avLst>
+              <a:gd name="adj1" fmla="val 24399"/>
+              <a:gd name="adj2" fmla="val 144385"/>
+            </a:avLst>
+          </a:prstGeom>
+          <a:ln>
+            <a:solidFill>
+              <a:schemeClr val="tx1"/>
+            </a:solidFill>
+            <a:tailEnd type="triangle"/>
+          </a:ln>
+        </p:spPr>
+        <p:style>
+          <a:lnRef idx="1">
+            <a:schemeClr val="accent1"/>
+          </a:lnRef>
+          <a:fillRef idx="0">
+            <a:schemeClr val="accent1"/>
+          </a:fillRef>
+          <a:effectRef idx="0">
+            <a:schemeClr val="accent1"/>
+          </a:effectRef>
+          <a:fontRef idx="minor">
+            <a:schemeClr val="tx1"/>
+          </a:fontRef>
+        </p:style>
+      </p:cxnSp>
+      <p:sp>
+        <p:nvSpPr>
+          <p:cNvPr id="68" name="矩形 67"/>
+          <p:cNvSpPr/>
+          <p:nvPr/>
+        </p:nvSpPr>
+        <p:spPr>
+          <a:xfrm>
+            <a:off x="3935647" y="4006399"/>
+            <a:ext cx="419107" cy="226759"/>
+          </a:xfrm>
+          <a:prstGeom prst="rect">
+            <a:avLst/>
+          </a:prstGeom>
+          <a:solidFill>
+            <a:schemeClr val="bg2"/>
+          </a:solidFill>
+          <a:ln>
+            <a:solidFill>
+              <a:schemeClr val="tx1"/>
+            </a:solidFill>
+          </a:ln>
+        </p:spPr>
+        <p:style>
+          <a:lnRef idx="2">
+            <a:schemeClr val="accent1">
+              <a:shade val="50000"/>
+            </a:schemeClr>
+          </a:lnRef>
+          <a:fillRef idx="1">
+            <a:schemeClr val="accent1"/>
+          </a:fillRef>
+          <a:effectRef idx="0">
+            <a:schemeClr val="accent1"/>
+          </a:effectRef>
+          <a:fontRef idx="minor">
+            <a:schemeClr val="lt1"/>
+          </a:fontRef>
+        </p:style>
+        <p:txBody>
+          <a:bodyPr rtlCol="0" anchor="ctr"/>
+          <a:lstStyle/>
+          <a:p>
+            <a:r>
+              <a:rPr lang="en-US" altLang="zh-CN" sz="900" smtClean="0">
+                <a:solidFill>
+                  <a:schemeClr val="tx1"/>
+                </a:solidFill>
+              </a:rPr>
+              <a:t>head</a:t>
+            </a:r>
+            <a:endParaRPr lang="zh-CN" altLang="en-US" sz="900" dirty="0">
+              <a:solidFill>
+                <a:schemeClr val="tx1"/>
+              </a:solidFill>
+            </a:endParaRPr>
+          </a:p>
+        </p:txBody>
+      </p:sp>
+      <p:cxnSp>
+        <p:nvCxnSpPr>
+          <p:cNvPr id="44" name="肘形连接符 43"/>
+          <p:cNvCxnSpPr>
+            <a:stCxn id="22" idx="3"/>
+            <a:endCxn id="35" idx="1"/>
+          </p:cNvCxnSpPr>
+          <p:nvPr/>
+        </p:nvCxnSpPr>
+        <p:spPr>
+          <a:xfrm flipV="1">
+            <a:off x="3198223" y="4115730"/>
+            <a:ext cx="1156531" cy="284651"/>
+          </a:xfrm>
+          <a:prstGeom prst="bentConnector3">
+            <a:avLst>
+              <a:gd name="adj1" fmla="val 32705"/>
+            </a:avLst>
+          </a:prstGeom>
+          <a:ln>
+            <a:solidFill>
+              <a:schemeClr val="tx1"/>
+            </a:solidFill>
+            <a:tailEnd type="triangle"/>
+          </a:ln>
+        </p:spPr>
+        <p:style>
+          <a:lnRef idx="1">
+            <a:schemeClr val="accent1"/>
+          </a:lnRef>
+          <a:fillRef idx="0">
+            <a:schemeClr val="accent1"/>
+          </a:fillRef>
+          <a:effectRef idx="0">
+            <a:schemeClr val="accent1"/>
+          </a:effectRef>
+          <a:fontRef idx="minor">
+            <a:schemeClr val="tx1"/>
+          </a:fontRef>
+        </p:style>
+      </p:cxnSp>
+    </p:spTree>
+    <p:extLst>
+      <p:ext uri="{BB962C8B-B14F-4D97-AF65-F5344CB8AC3E}">
+        <p14:creationId xmlns:p14="http://schemas.microsoft.com/office/powerpoint/2010/main" val="2938597903"/>
       </p:ext>
     </p:extLst>
   </p:cSld>

--- a/doc/thor architecture.pptx
+++ b/doc/thor architecture.pptx
@@ -41,6 +41,7 @@
     <p:sldId id="288" r:id="rId35"/>
     <p:sldId id="291" r:id="rId36"/>
     <p:sldId id="289" r:id="rId37"/>
+    <p:sldId id="292" r:id="rId38"/>
   </p:sldIdLst>
   <p:sldSz cx="12192000" cy="6858000"/>
   <p:notesSz cx="6858000" cy="9144000"/>
@@ -278,7 +279,7 @@
           <a:p>
             <a:fld id="{26E5557C-EA97-4CBB-BFBF-8E388EEF4F51}" type="datetimeFigureOut">
               <a:rPr lang="zh-CN" altLang="en-US" smtClean="0"/>
-              <a:t>2014/11/7</a:t>
+              <a:t>2014/11/8</a:t>
             </a:fld>
             <a:endParaRPr lang="zh-CN" altLang="en-US"/>
           </a:p>
@@ -448,7 +449,7 @@
           <a:p>
             <a:fld id="{26E5557C-EA97-4CBB-BFBF-8E388EEF4F51}" type="datetimeFigureOut">
               <a:rPr lang="zh-CN" altLang="en-US" smtClean="0"/>
-              <a:t>2014/11/7</a:t>
+              <a:t>2014/11/8</a:t>
             </a:fld>
             <a:endParaRPr lang="zh-CN" altLang="en-US"/>
           </a:p>
@@ -628,7 +629,7 @@
           <a:p>
             <a:fld id="{26E5557C-EA97-4CBB-BFBF-8E388EEF4F51}" type="datetimeFigureOut">
               <a:rPr lang="zh-CN" altLang="en-US" smtClean="0"/>
-              <a:t>2014/11/7</a:t>
+              <a:t>2014/11/8</a:t>
             </a:fld>
             <a:endParaRPr lang="zh-CN" altLang="en-US"/>
           </a:p>
@@ -798,7 +799,7 @@
           <a:p>
             <a:fld id="{26E5557C-EA97-4CBB-BFBF-8E388EEF4F51}" type="datetimeFigureOut">
               <a:rPr lang="zh-CN" altLang="en-US" smtClean="0"/>
-              <a:t>2014/11/7</a:t>
+              <a:t>2014/11/8</a:t>
             </a:fld>
             <a:endParaRPr lang="zh-CN" altLang="en-US"/>
           </a:p>
@@ -1044,7 +1045,7 @@
           <a:p>
             <a:fld id="{26E5557C-EA97-4CBB-BFBF-8E388EEF4F51}" type="datetimeFigureOut">
               <a:rPr lang="zh-CN" altLang="en-US" smtClean="0"/>
-              <a:t>2014/11/7</a:t>
+              <a:t>2014/11/8</a:t>
             </a:fld>
             <a:endParaRPr lang="zh-CN" altLang="en-US"/>
           </a:p>
@@ -1276,7 +1277,7 @@
           <a:p>
             <a:fld id="{26E5557C-EA97-4CBB-BFBF-8E388EEF4F51}" type="datetimeFigureOut">
               <a:rPr lang="zh-CN" altLang="en-US" smtClean="0"/>
-              <a:t>2014/11/7</a:t>
+              <a:t>2014/11/8</a:t>
             </a:fld>
             <a:endParaRPr lang="zh-CN" altLang="en-US"/>
           </a:p>
@@ -1643,7 +1644,7 @@
           <a:p>
             <a:fld id="{26E5557C-EA97-4CBB-BFBF-8E388EEF4F51}" type="datetimeFigureOut">
               <a:rPr lang="zh-CN" altLang="en-US" smtClean="0"/>
-              <a:t>2014/11/7</a:t>
+              <a:t>2014/11/8</a:t>
             </a:fld>
             <a:endParaRPr lang="zh-CN" altLang="en-US"/>
           </a:p>
@@ -1766,7 +1767,7 @@
           <a:p>
             <a:fld id="{26E5557C-EA97-4CBB-BFBF-8E388EEF4F51}" type="datetimeFigureOut">
               <a:rPr lang="zh-CN" altLang="en-US" smtClean="0"/>
-              <a:t>2014/11/7</a:t>
+              <a:t>2014/11/8</a:t>
             </a:fld>
             <a:endParaRPr lang="zh-CN" altLang="en-US"/>
           </a:p>
@@ -1861,7 +1862,7 @@
           <a:p>
             <a:fld id="{26E5557C-EA97-4CBB-BFBF-8E388EEF4F51}" type="datetimeFigureOut">
               <a:rPr lang="zh-CN" altLang="en-US" smtClean="0"/>
-              <a:t>2014/11/7</a:t>
+              <a:t>2014/11/8</a:t>
             </a:fld>
             <a:endParaRPr lang="zh-CN" altLang="en-US"/>
           </a:p>
@@ -2138,7 +2139,7 @@
           <a:p>
             <a:fld id="{26E5557C-EA97-4CBB-BFBF-8E388EEF4F51}" type="datetimeFigureOut">
               <a:rPr lang="zh-CN" altLang="en-US" smtClean="0"/>
-              <a:t>2014/11/7</a:t>
+              <a:t>2014/11/8</a:t>
             </a:fld>
             <a:endParaRPr lang="zh-CN" altLang="en-US"/>
           </a:p>
@@ -2395,7 +2396,7 @@
           <a:p>
             <a:fld id="{26E5557C-EA97-4CBB-BFBF-8E388EEF4F51}" type="datetimeFigureOut">
               <a:rPr lang="zh-CN" altLang="en-US" smtClean="0"/>
-              <a:t>2014/11/7</a:t>
+              <a:t>2014/11/8</a:t>
             </a:fld>
             <a:endParaRPr lang="zh-CN" altLang="en-US"/>
           </a:p>
@@ -2608,7 +2609,7 @@
           <a:p>
             <a:fld id="{26E5557C-EA97-4CBB-BFBF-8E388EEF4F51}" type="datetimeFigureOut">
               <a:rPr lang="zh-CN" altLang="en-US" smtClean="0"/>
-              <a:t>2014/11/7</a:t>
+              <a:t>2014/11/8</a:t>
             </a:fld>
             <a:endParaRPr lang="zh-CN" altLang="en-US"/>
           </a:p>
@@ -32319,7 +32320,7 @@
           <a:bodyPr/>
           <a:lstStyle/>
           <a:p>
-            <a:endParaRPr lang="zh-CN" altLang="en-US"/>
+            <a:endParaRPr lang="zh-CN" altLang="en-US" dirty="0"/>
           </a:p>
         </p:txBody>
       </p:sp>
@@ -44665,11 +44666,7 @@
           <a:p>
             <a:r>
               <a:rPr lang="en-US" altLang="zh-CN" sz="1200"/>
-              <a:t>RowID = </a:t>
-            </a:r>
-            <a:r>
-              <a:rPr lang="en-US" altLang="zh-CN" sz="1200"/>
-              <a:t>0x00CA0103 </a:t>
+              <a:t>RowID = 0x00CA0103 </a:t>
             </a:r>
             <a:r>
               <a:rPr lang="en-US" altLang="zh-CN" sz="1200" smtClean="0"/>
@@ -48707,7 +48704,7 @@
         </p:nvGrpSpPr>
         <p:grpSpPr>
           <a:xfrm>
-            <a:off x="2657475" y="4339479"/>
+            <a:off x="2038350" y="2653554"/>
             <a:ext cx="540748" cy="974428"/>
             <a:chOff x="6965153" y="2630436"/>
             <a:chExt cx="426251" cy="1740312"/>
@@ -49117,7 +49114,7 @@
         </p:nvSpPr>
         <p:spPr>
           <a:xfrm>
-            <a:off x="2466018" y="5392895"/>
+            <a:off x="1846893" y="3706970"/>
             <a:ext cx="979755" cy="246221"/>
           </a:xfrm>
           <a:prstGeom prst="rect">
@@ -49147,7 +49144,7 @@
         </p:nvGrpSpPr>
         <p:grpSpPr>
           <a:xfrm>
-            <a:off x="3935647" y="4006773"/>
+            <a:off x="3316522" y="2320848"/>
             <a:ext cx="1778815" cy="1740686"/>
             <a:chOff x="9574985" y="2717323"/>
             <a:chExt cx="1778815" cy="1740686"/>
@@ -49640,7 +49637,7 @@
         </p:nvCxnSpPr>
         <p:spPr>
           <a:xfrm flipV="1">
-            <a:off x="3198218" y="4792225"/>
+            <a:off x="2579093" y="3106300"/>
             <a:ext cx="1156536" cy="460781"/>
           </a:xfrm>
           <a:prstGeom prst="bentConnector3">
@@ -49681,7 +49678,7 @@
         </p:nvCxnSpPr>
         <p:spPr>
           <a:xfrm flipV="1">
-            <a:off x="3198218" y="4007147"/>
+            <a:off x="2579093" y="2321222"/>
             <a:ext cx="2306694" cy="515038"/>
           </a:xfrm>
           <a:prstGeom prst="bentConnector4">
@@ -49720,7 +49717,7 @@
         </p:nvSpPr>
         <p:spPr>
           <a:xfrm>
-            <a:off x="3935647" y="4006399"/>
+            <a:off x="3316522" y="2320474"/>
             <a:ext cx="419107" cy="226759"/>
           </a:xfrm>
           <a:prstGeom prst="rect">
@@ -49782,7 +49779,7 @@
         </p:nvCxnSpPr>
         <p:spPr>
           <a:xfrm flipV="1">
-            <a:off x="3198223" y="4115730"/>
+            <a:off x="2579098" y="2429805"/>
             <a:ext cx="1156531" cy="284651"/>
           </a:xfrm>
           <a:prstGeom prst="bentConnector3">
@@ -49816,6 +49813,1059 @@
     <p:extLst>
       <p:ext uri="{BB962C8B-B14F-4D97-AF65-F5344CB8AC3E}">
         <p14:creationId xmlns:p14="http://schemas.microsoft.com/office/powerpoint/2010/main" val="2938597903"/>
+      </p:ext>
+    </p:extLst>
+  </p:cSld>
+  <p:clrMapOvr>
+    <a:masterClrMapping/>
+  </p:clrMapOvr>
+</p:sld>
+</file>
+
+<file path=ppt/slides/slide37.xml><?xml version="1.0" encoding="utf-8"?>
+<p:sld xmlns:a="http://schemas.openxmlformats.org/drawingml/2006/main" xmlns:r="http://schemas.openxmlformats.org/officeDocument/2006/relationships" xmlns:p="http://schemas.openxmlformats.org/presentationml/2006/main">
+  <p:cSld>
+    <p:spTree>
+      <p:nvGrpSpPr>
+        <p:cNvPr id="1" name=""/>
+        <p:cNvGrpSpPr/>
+        <p:nvPr/>
+      </p:nvGrpSpPr>
+      <p:grpSpPr>
+        <a:xfrm>
+          <a:off x="0" y="0"/>
+          <a:ext cx="0" cy="0"/>
+          <a:chOff x="0" y="0"/>
+          <a:chExt cx="0" cy="0"/>
+        </a:xfrm>
+      </p:grpSpPr>
+      <p:sp>
+        <p:nvSpPr>
+          <p:cNvPr id="2" name="标题 1"/>
+          <p:cNvSpPr>
+            <a:spLocks noGrp="1"/>
+          </p:cNvSpPr>
+          <p:nvPr>
+            <p:ph type="title"/>
+          </p:nvPr>
+        </p:nvSpPr>
+        <p:spPr/>
+        <p:txBody>
+          <a:bodyPr/>
+          <a:lstStyle/>
+          <a:p>
+            <a:endParaRPr lang="zh-CN" altLang="en-US"/>
+          </a:p>
+        </p:txBody>
+      </p:sp>
+      <p:sp>
+        <p:nvSpPr>
+          <p:cNvPr id="3" name="矩形 2"/>
+          <p:cNvSpPr/>
+          <p:nvPr/>
+        </p:nvSpPr>
+        <p:spPr>
+          <a:xfrm>
+            <a:off x="1771655" y="2282079"/>
+            <a:ext cx="1676395" cy="289672"/>
+          </a:xfrm>
+          <a:prstGeom prst="rect">
+            <a:avLst/>
+          </a:prstGeom>
+          <a:solidFill>
+            <a:schemeClr val="bg2"/>
+          </a:solidFill>
+          <a:ln>
+            <a:solidFill>
+              <a:schemeClr val="tx1"/>
+            </a:solidFill>
+          </a:ln>
+        </p:spPr>
+        <p:style>
+          <a:lnRef idx="2">
+            <a:schemeClr val="accent1">
+              <a:shade val="50000"/>
+            </a:schemeClr>
+          </a:lnRef>
+          <a:fillRef idx="1">
+            <a:schemeClr val="accent1"/>
+          </a:fillRef>
+          <a:effectRef idx="0">
+            <a:schemeClr val="accent1"/>
+          </a:effectRef>
+          <a:fontRef idx="minor">
+            <a:schemeClr val="lt1"/>
+          </a:fontRef>
+        </p:style>
+        <p:txBody>
+          <a:bodyPr rtlCol="0" anchor="ctr"/>
+          <a:lstStyle/>
+          <a:p>
+            <a:pPr algn="ctr"/>
+            <a:r>
+              <a:rPr lang="en-US" altLang="zh-CN" sz="1200" dirty="0" smtClean="0">
+                <a:solidFill>
+                  <a:schemeClr val="tx1"/>
+                </a:solidFill>
+              </a:rPr>
+              <a:t>SQL parser</a:t>
+            </a:r>
+            <a:endParaRPr lang="zh-CN" altLang="en-US" sz="1200" dirty="0">
+              <a:solidFill>
+                <a:schemeClr val="tx1"/>
+              </a:solidFill>
+            </a:endParaRPr>
+          </a:p>
+        </p:txBody>
+      </p:sp>
+      <p:sp>
+        <p:nvSpPr>
+          <p:cNvPr id="4" name="矩形 3"/>
+          <p:cNvSpPr/>
+          <p:nvPr/>
+        </p:nvSpPr>
+        <p:spPr>
+          <a:xfrm>
+            <a:off x="1771655" y="2729754"/>
+            <a:ext cx="1676395" cy="289672"/>
+          </a:xfrm>
+          <a:prstGeom prst="rect">
+            <a:avLst/>
+          </a:prstGeom>
+          <a:solidFill>
+            <a:schemeClr val="bg2"/>
+          </a:solidFill>
+          <a:ln>
+            <a:solidFill>
+              <a:schemeClr val="tx1"/>
+            </a:solidFill>
+          </a:ln>
+        </p:spPr>
+        <p:style>
+          <a:lnRef idx="2">
+            <a:schemeClr val="accent1">
+              <a:shade val="50000"/>
+            </a:schemeClr>
+          </a:lnRef>
+          <a:fillRef idx="1">
+            <a:schemeClr val="accent1"/>
+          </a:fillRef>
+          <a:effectRef idx="0">
+            <a:schemeClr val="accent1"/>
+          </a:effectRef>
+          <a:fontRef idx="minor">
+            <a:schemeClr val="lt1"/>
+          </a:fontRef>
+        </p:style>
+        <p:txBody>
+          <a:bodyPr rtlCol="0" anchor="ctr"/>
+          <a:lstStyle/>
+          <a:p>
+            <a:pPr algn="ctr"/>
+            <a:r>
+              <a:rPr lang="en-US" altLang="zh-CN" sz="1200" dirty="0" smtClean="0">
+                <a:solidFill>
+                  <a:schemeClr val="tx1"/>
+                </a:solidFill>
+              </a:rPr>
+              <a:t>SQL verify</a:t>
+            </a:r>
+            <a:endParaRPr lang="zh-CN" altLang="en-US" sz="1200" dirty="0">
+              <a:solidFill>
+                <a:schemeClr val="tx1"/>
+              </a:solidFill>
+            </a:endParaRPr>
+          </a:p>
+        </p:txBody>
+      </p:sp>
+      <p:sp>
+        <p:nvSpPr>
+          <p:cNvPr id="5" name="矩形 4"/>
+          <p:cNvSpPr/>
+          <p:nvPr/>
+        </p:nvSpPr>
+        <p:spPr>
+          <a:xfrm>
+            <a:off x="1771655" y="3177429"/>
+            <a:ext cx="1676395" cy="289672"/>
+          </a:xfrm>
+          <a:prstGeom prst="rect">
+            <a:avLst/>
+          </a:prstGeom>
+          <a:solidFill>
+            <a:schemeClr val="bg2"/>
+          </a:solidFill>
+          <a:ln>
+            <a:solidFill>
+              <a:schemeClr val="tx1"/>
+            </a:solidFill>
+          </a:ln>
+        </p:spPr>
+        <p:style>
+          <a:lnRef idx="2">
+            <a:schemeClr val="accent1">
+              <a:shade val="50000"/>
+            </a:schemeClr>
+          </a:lnRef>
+          <a:fillRef idx="1">
+            <a:schemeClr val="accent1"/>
+          </a:fillRef>
+          <a:effectRef idx="0">
+            <a:schemeClr val="accent1"/>
+          </a:effectRef>
+          <a:fontRef idx="minor">
+            <a:schemeClr val="lt1"/>
+          </a:fontRef>
+        </p:style>
+        <p:txBody>
+          <a:bodyPr rtlCol="0" anchor="ctr"/>
+          <a:lstStyle/>
+          <a:p>
+            <a:pPr algn="ctr"/>
+            <a:r>
+              <a:rPr lang="en-US" altLang="zh-CN" sz="1200" dirty="0" smtClean="0">
+                <a:solidFill>
+                  <a:schemeClr val="tx1"/>
+                </a:solidFill>
+              </a:rPr>
+              <a:t>SQL optimizer</a:t>
+            </a:r>
+            <a:endParaRPr lang="zh-CN" altLang="en-US" sz="1200" dirty="0">
+              <a:solidFill>
+                <a:schemeClr val="tx1"/>
+              </a:solidFill>
+            </a:endParaRPr>
+          </a:p>
+        </p:txBody>
+      </p:sp>
+      <p:sp>
+        <p:nvSpPr>
+          <p:cNvPr id="6" name="矩形 5"/>
+          <p:cNvSpPr/>
+          <p:nvPr/>
+        </p:nvSpPr>
+        <p:spPr>
+          <a:xfrm>
+            <a:off x="1771655" y="3642194"/>
+            <a:ext cx="1676395" cy="289672"/>
+          </a:xfrm>
+          <a:prstGeom prst="rect">
+            <a:avLst/>
+          </a:prstGeom>
+          <a:solidFill>
+            <a:schemeClr val="bg2"/>
+          </a:solidFill>
+          <a:ln>
+            <a:solidFill>
+              <a:schemeClr val="tx1"/>
+            </a:solidFill>
+          </a:ln>
+        </p:spPr>
+        <p:style>
+          <a:lnRef idx="2">
+            <a:schemeClr val="accent1">
+              <a:shade val="50000"/>
+            </a:schemeClr>
+          </a:lnRef>
+          <a:fillRef idx="1">
+            <a:schemeClr val="accent1"/>
+          </a:fillRef>
+          <a:effectRef idx="0">
+            <a:schemeClr val="accent1"/>
+          </a:effectRef>
+          <a:fontRef idx="minor">
+            <a:schemeClr val="lt1"/>
+          </a:fontRef>
+        </p:style>
+        <p:txBody>
+          <a:bodyPr rtlCol="0" anchor="ctr"/>
+          <a:lstStyle/>
+          <a:p>
+            <a:pPr algn="ctr"/>
+            <a:r>
+              <a:rPr lang="en-US" altLang="zh-CN" sz="1200" dirty="0" smtClean="0">
+                <a:solidFill>
+                  <a:schemeClr val="tx1"/>
+                </a:solidFill>
+              </a:rPr>
+              <a:t>Vector plan </a:t>
+            </a:r>
+            <a:r>
+              <a:rPr lang="en-US" altLang="zh-CN" sz="1200" dirty="0">
+                <a:solidFill>
+                  <a:schemeClr val="tx1"/>
+                </a:solidFill>
+              </a:rPr>
+              <a:t>generator</a:t>
+            </a:r>
+            <a:endParaRPr lang="zh-CN" altLang="en-US" sz="1200" dirty="0">
+              <a:solidFill>
+                <a:schemeClr val="tx1"/>
+              </a:solidFill>
+            </a:endParaRPr>
+          </a:p>
+        </p:txBody>
+      </p:sp>
+      <p:sp>
+        <p:nvSpPr>
+          <p:cNvPr id="7" name="矩形 6"/>
+          <p:cNvSpPr/>
+          <p:nvPr/>
+        </p:nvSpPr>
+        <p:spPr>
+          <a:xfrm>
+            <a:off x="1771654" y="4585172"/>
+            <a:ext cx="1676395" cy="289672"/>
+          </a:xfrm>
+          <a:prstGeom prst="rect">
+            <a:avLst/>
+          </a:prstGeom>
+          <a:solidFill>
+            <a:schemeClr val="bg2"/>
+          </a:solidFill>
+          <a:ln>
+            <a:solidFill>
+              <a:schemeClr val="tx1"/>
+            </a:solidFill>
+          </a:ln>
+        </p:spPr>
+        <p:style>
+          <a:lnRef idx="2">
+            <a:schemeClr val="accent1">
+              <a:shade val="50000"/>
+            </a:schemeClr>
+          </a:lnRef>
+          <a:fillRef idx="1">
+            <a:schemeClr val="accent1"/>
+          </a:fillRef>
+          <a:effectRef idx="0">
+            <a:schemeClr val="accent1"/>
+          </a:effectRef>
+          <a:fontRef idx="minor">
+            <a:schemeClr val="lt1"/>
+          </a:fontRef>
+        </p:style>
+        <p:txBody>
+          <a:bodyPr rtlCol="0" anchor="ctr"/>
+          <a:lstStyle/>
+          <a:p>
+            <a:pPr algn="ctr"/>
+            <a:r>
+              <a:rPr lang="en-US" altLang="zh-CN" sz="1200" dirty="0">
+                <a:solidFill>
+                  <a:schemeClr val="tx1"/>
+                </a:solidFill>
+              </a:rPr>
+              <a:t>Parallel </a:t>
+            </a:r>
+            <a:r>
+              <a:rPr lang="en-US" altLang="zh-CN" sz="1200" dirty="0" smtClean="0">
+                <a:solidFill>
+                  <a:schemeClr val="tx1"/>
+                </a:solidFill>
+              </a:rPr>
+              <a:t>executor</a:t>
+            </a:r>
+            <a:endParaRPr lang="zh-CN" altLang="en-US" sz="1200" dirty="0">
+              <a:solidFill>
+                <a:schemeClr val="tx1"/>
+              </a:solidFill>
+            </a:endParaRPr>
+          </a:p>
+        </p:txBody>
+      </p:sp>
+      <p:cxnSp>
+        <p:nvCxnSpPr>
+          <p:cNvPr id="10" name="直接箭头连接符 9"/>
+          <p:cNvCxnSpPr>
+            <a:stCxn id="3" idx="2"/>
+            <a:endCxn id="4" idx="0"/>
+          </p:cNvCxnSpPr>
+          <p:nvPr/>
+        </p:nvCxnSpPr>
+        <p:spPr>
+          <a:xfrm>
+            <a:off x="2609853" y="2571751"/>
+            <a:ext cx="0" cy="158003"/>
+          </a:xfrm>
+          <a:prstGeom prst="straightConnector1">
+            <a:avLst/>
+          </a:prstGeom>
+          <a:ln>
+            <a:solidFill>
+              <a:schemeClr val="tx1"/>
+            </a:solidFill>
+            <a:tailEnd type="triangle"/>
+          </a:ln>
+        </p:spPr>
+        <p:style>
+          <a:lnRef idx="1">
+            <a:schemeClr val="accent1"/>
+          </a:lnRef>
+          <a:fillRef idx="0">
+            <a:schemeClr val="accent1"/>
+          </a:fillRef>
+          <a:effectRef idx="0">
+            <a:schemeClr val="accent1"/>
+          </a:effectRef>
+          <a:fontRef idx="minor">
+            <a:schemeClr val="tx1"/>
+          </a:fontRef>
+        </p:style>
+      </p:cxnSp>
+      <p:cxnSp>
+        <p:nvCxnSpPr>
+          <p:cNvPr id="11" name="直接箭头连接符 10"/>
+          <p:cNvCxnSpPr>
+            <a:stCxn id="4" idx="2"/>
+            <a:endCxn id="5" idx="0"/>
+          </p:cNvCxnSpPr>
+          <p:nvPr/>
+        </p:nvCxnSpPr>
+        <p:spPr>
+          <a:xfrm>
+            <a:off x="2609853" y="3019426"/>
+            <a:ext cx="0" cy="158003"/>
+          </a:xfrm>
+          <a:prstGeom prst="straightConnector1">
+            <a:avLst/>
+          </a:prstGeom>
+          <a:ln>
+            <a:solidFill>
+              <a:schemeClr val="tx1"/>
+            </a:solidFill>
+            <a:tailEnd type="triangle"/>
+          </a:ln>
+        </p:spPr>
+        <p:style>
+          <a:lnRef idx="1">
+            <a:schemeClr val="accent1"/>
+          </a:lnRef>
+          <a:fillRef idx="0">
+            <a:schemeClr val="accent1"/>
+          </a:fillRef>
+          <a:effectRef idx="0">
+            <a:schemeClr val="accent1"/>
+          </a:effectRef>
+          <a:fontRef idx="minor">
+            <a:schemeClr val="tx1"/>
+          </a:fontRef>
+        </p:style>
+      </p:cxnSp>
+      <p:cxnSp>
+        <p:nvCxnSpPr>
+          <p:cNvPr id="14" name="直接箭头连接符 13"/>
+          <p:cNvCxnSpPr>
+            <a:stCxn id="5" idx="2"/>
+            <a:endCxn id="6" idx="0"/>
+          </p:cNvCxnSpPr>
+          <p:nvPr/>
+        </p:nvCxnSpPr>
+        <p:spPr>
+          <a:xfrm>
+            <a:off x="2609853" y="3467101"/>
+            <a:ext cx="0" cy="175093"/>
+          </a:xfrm>
+          <a:prstGeom prst="straightConnector1">
+            <a:avLst/>
+          </a:prstGeom>
+          <a:ln>
+            <a:solidFill>
+              <a:schemeClr val="tx1"/>
+            </a:solidFill>
+            <a:tailEnd type="triangle"/>
+          </a:ln>
+        </p:spPr>
+        <p:style>
+          <a:lnRef idx="1">
+            <a:schemeClr val="accent1"/>
+          </a:lnRef>
+          <a:fillRef idx="0">
+            <a:schemeClr val="accent1"/>
+          </a:fillRef>
+          <a:effectRef idx="0">
+            <a:schemeClr val="accent1"/>
+          </a:effectRef>
+          <a:fontRef idx="minor">
+            <a:schemeClr val="tx1"/>
+          </a:fontRef>
+        </p:style>
+      </p:cxnSp>
+      <p:cxnSp>
+        <p:nvCxnSpPr>
+          <p:cNvPr id="17" name="直接箭头连接符 16"/>
+          <p:cNvCxnSpPr>
+            <a:stCxn id="6" idx="2"/>
+            <a:endCxn id="21" idx="0"/>
+          </p:cNvCxnSpPr>
+          <p:nvPr/>
+        </p:nvCxnSpPr>
+        <p:spPr>
+          <a:xfrm flipH="1">
+            <a:off x="2609852" y="3931866"/>
+            <a:ext cx="1" cy="177054"/>
+          </a:xfrm>
+          <a:prstGeom prst="straightConnector1">
+            <a:avLst/>
+          </a:prstGeom>
+          <a:ln>
+            <a:solidFill>
+              <a:schemeClr val="tx1"/>
+            </a:solidFill>
+            <a:tailEnd type="triangle"/>
+          </a:ln>
+        </p:spPr>
+        <p:style>
+          <a:lnRef idx="1">
+            <a:schemeClr val="accent1"/>
+          </a:lnRef>
+          <a:fillRef idx="0">
+            <a:schemeClr val="accent1"/>
+          </a:fillRef>
+          <a:effectRef idx="0">
+            <a:schemeClr val="accent1"/>
+          </a:effectRef>
+          <a:fontRef idx="minor">
+            <a:schemeClr val="tx1"/>
+          </a:fontRef>
+        </p:style>
+      </p:cxnSp>
+      <p:sp>
+        <p:nvSpPr>
+          <p:cNvPr id="21" name="矩形 20"/>
+          <p:cNvSpPr/>
+          <p:nvPr/>
+        </p:nvSpPr>
+        <p:spPr>
+          <a:xfrm>
+            <a:off x="1771654" y="4108920"/>
+            <a:ext cx="1676395" cy="289672"/>
+          </a:xfrm>
+          <a:prstGeom prst="rect">
+            <a:avLst/>
+          </a:prstGeom>
+          <a:solidFill>
+            <a:schemeClr val="bg2"/>
+          </a:solidFill>
+          <a:ln>
+            <a:solidFill>
+              <a:schemeClr val="tx1"/>
+            </a:solidFill>
+          </a:ln>
+        </p:spPr>
+        <p:style>
+          <a:lnRef idx="2">
+            <a:schemeClr val="accent1">
+              <a:shade val="50000"/>
+            </a:schemeClr>
+          </a:lnRef>
+          <a:fillRef idx="1">
+            <a:schemeClr val="accent1"/>
+          </a:fillRef>
+          <a:effectRef idx="0">
+            <a:schemeClr val="accent1"/>
+          </a:effectRef>
+          <a:fontRef idx="minor">
+            <a:schemeClr val="lt1"/>
+          </a:fontRef>
+        </p:style>
+        <p:txBody>
+          <a:bodyPr rtlCol="0" anchor="ctr"/>
+          <a:lstStyle/>
+          <a:p>
+            <a:pPr algn="ctr"/>
+            <a:r>
+              <a:rPr lang="en-US" altLang="zh-CN" sz="1200" dirty="0">
+                <a:solidFill>
+                  <a:schemeClr val="tx1"/>
+                </a:solidFill>
+              </a:rPr>
+              <a:t>Parallel Rewriter</a:t>
+            </a:r>
+            <a:endParaRPr lang="zh-CN" altLang="en-US" sz="1200" dirty="0">
+              <a:solidFill>
+                <a:schemeClr val="tx1"/>
+              </a:solidFill>
+            </a:endParaRPr>
+          </a:p>
+        </p:txBody>
+      </p:sp>
+      <p:cxnSp>
+        <p:nvCxnSpPr>
+          <p:cNvPr id="24" name="直接箭头连接符 23"/>
+          <p:cNvCxnSpPr>
+            <a:stCxn id="21" idx="2"/>
+            <a:endCxn id="7" idx="0"/>
+          </p:cNvCxnSpPr>
+          <p:nvPr/>
+        </p:nvCxnSpPr>
+        <p:spPr>
+          <a:xfrm>
+            <a:off x="2609852" y="4398592"/>
+            <a:ext cx="0" cy="186580"/>
+          </a:xfrm>
+          <a:prstGeom prst="straightConnector1">
+            <a:avLst/>
+          </a:prstGeom>
+          <a:ln>
+            <a:solidFill>
+              <a:schemeClr val="tx1"/>
+            </a:solidFill>
+            <a:tailEnd type="triangle"/>
+          </a:ln>
+        </p:spPr>
+        <p:style>
+          <a:lnRef idx="1">
+            <a:schemeClr val="accent1"/>
+          </a:lnRef>
+          <a:fillRef idx="0">
+            <a:schemeClr val="accent1"/>
+          </a:fillRef>
+          <a:effectRef idx="0">
+            <a:schemeClr val="accent1"/>
+          </a:effectRef>
+          <a:fontRef idx="minor">
+            <a:schemeClr val="tx1"/>
+          </a:fontRef>
+        </p:style>
+      </p:cxnSp>
+      <p:sp>
+        <p:nvSpPr>
+          <p:cNvPr id="8" name="矩形 7"/>
+          <p:cNvSpPr/>
+          <p:nvPr/>
+        </p:nvSpPr>
+        <p:spPr>
+          <a:xfrm>
+            <a:off x="3730752" y="1812986"/>
+            <a:ext cx="7522464" cy="369332"/>
+          </a:xfrm>
+          <a:prstGeom prst="rect">
+            <a:avLst/>
+          </a:prstGeom>
+        </p:spPr>
+        <p:txBody>
+          <a:bodyPr wrap="square">
+            <a:spAutoFit/>
+          </a:bodyPr>
+          <a:lstStyle/>
+          <a:p>
+            <a:r>
+              <a:rPr lang="en-US" altLang="zh-CN" b="1" kern="100" dirty="0">
+                <a:latin typeface="Times New Roman" panose="02020603050405020304" pitchFamily="18" charset="0"/>
+              </a:rPr>
+              <a:t>SELECT </a:t>
+            </a:r>
+            <a:r>
+              <a:rPr lang="en-US" altLang="zh-CN" i="1" kern="100" dirty="0">
+                <a:latin typeface="Times New Roman" panose="02020603050405020304" pitchFamily="18" charset="0"/>
+              </a:rPr>
+              <a:t>f1, </a:t>
+            </a:r>
+            <a:r>
+              <a:rPr lang="en-US" altLang="zh-CN" b="1" kern="100" dirty="0" smtClean="0">
+                <a:latin typeface="Times New Roman" panose="02020603050405020304" pitchFamily="18" charset="0"/>
+              </a:rPr>
+              <a:t>COUNT(</a:t>
+            </a:r>
+            <a:r>
+              <a:rPr lang="en-US" altLang="zh-CN" i="1" kern="100" dirty="0" smtClean="0">
+                <a:latin typeface="Times New Roman" panose="02020603050405020304" pitchFamily="18" charset="0"/>
+              </a:rPr>
+              <a:t>f2</a:t>
+            </a:r>
+            <a:r>
+              <a:rPr lang="en-US" altLang="zh-CN" b="1" kern="100" dirty="0">
+                <a:latin typeface="Times New Roman" panose="02020603050405020304" pitchFamily="18" charset="0"/>
+              </a:rPr>
+              <a:t>) FROM</a:t>
+            </a:r>
+            <a:r>
+              <a:rPr lang="en-US" altLang="zh-CN" kern="100" dirty="0">
+                <a:latin typeface="Times New Roman" panose="02020603050405020304" pitchFamily="18" charset="0"/>
+              </a:rPr>
+              <a:t> </a:t>
+            </a:r>
+            <a:r>
+              <a:rPr lang="en-US" altLang="zh-CN" i="1" kern="100" dirty="0">
+                <a:latin typeface="Times New Roman" panose="02020603050405020304" pitchFamily="18" charset="0"/>
+              </a:rPr>
+              <a:t>table1</a:t>
+            </a:r>
+            <a:r>
+              <a:rPr lang="en-US" altLang="zh-CN" kern="100" dirty="0">
+                <a:latin typeface="Times New Roman" panose="02020603050405020304" pitchFamily="18" charset="0"/>
+              </a:rPr>
+              <a:t> </a:t>
+            </a:r>
+            <a:r>
+              <a:rPr lang="en-US" altLang="zh-CN" b="1" kern="100" dirty="0">
+                <a:latin typeface="Times New Roman" panose="02020603050405020304" pitchFamily="18" charset="0"/>
+              </a:rPr>
+              <a:t>WHERE</a:t>
+            </a:r>
+            <a:r>
+              <a:rPr lang="en-US" altLang="zh-CN" kern="100" dirty="0">
+                <a:latin typeface="Times New Roman" panose="02020603050405020304" pitchFamily="18" charset="0"/>
+              </a:rPr>
+              <a:t> </a:t>
+            </a:r>
+            <a:r>
+              <a:rPr lang="en-US" altLang="zh-CN" i="1" kern="100" dirty="0">
+                <a:latin typeface="Times New Roman" panose="02020603050405020304" pitchFamily="18" charset="0"/>
+              </a:rPr>
+              <a:t>f3 </a:t>
+            </a:r>
+            <a:r>
+              <a:rPr lang="en-US" altLang="zh-CN" kern="100" dirty="0">
+                <a:latin typeface="Times New Roman" panose="02020603050405020304" pitchFamily="18" charset="0"/>
+              </a:rPr>
+              <a:t>&gt; 100 </a:t>
+            </a:r>
+            <a:r>
+              <a:rPr lang="en-US" altLang="zh-CN" b="1" kern="100" dirty="0">
+                <a:latin typeface="Times New Roman" panose="02020603050405020304" pitchFamily="18" charset="0"/>
+              </a:rPr>
+              <a:t>GROUP BY </a:t>
+            </a:r>
+            <a:r>
+              <a:rPr lang="en-US" altLang="zh-CN" i="1" kern="100" dirty="0">
+                <a:latin typeface="Times New Roman" panose="02020603050405020304" pitchFamily="18" charset="0"/>
+              </a:rPr>
+              <a:t>f1</a:t>
+            </a:r>
+            <a:r>
+              <a:rPr lang="en-US" altLang="zh-CN" kern="100" dirty="0">
+                <a:latin typeface="Times New Roman" panose="02020603050405020304" pitchFamily="18" charset="0"/>
+              </a:rPr>
+              <a:t>;</a:t>
+            </a:r>
+            <a:endParaRPr lang="zh-CN" altLang="en-US" dirty="0"/>
+          </a:p>
+        </p:txBody>
+      </p:sp>
+      <p:sp>
+        <p:nvSpPr>
+          <p:cNvPr id="15" name="矩形 14"/>
+          <p:cNvSpPr/>
+          <p:nvPr/>
+        </p:nvSpPr>
+        <p:spPr>
+          <a:xfrm>
+            <a:off x="6776471" y="2808755"/>
+            <a:ext cx="881629" cy="265857"/>
+          </a:xfrm>
+          <a:prstGeom prst="rect">
+            <a:avLst/>
+          </a:prstGeom>
+          <a:solidFill>
+            <a:schemeClr val="bg2"/>
+          </a:solidFill>
+          <a:ln>
+            <a:solidFill>
+              <a:schemeClr val="tx1"/>
+            </a:solidFill>
+          </a:ln>
+        </p:spPr>
+        <p:style>
+          <a:lnRef idx="2">
+            <a:schemeClr val="accent1">
+              <a:shade val="50000"/>
+            </a:schemeClr>
+          </a:lnRef>
+          <a:fillRef idx="1">
+            <a:schemeClr val="accent1"/>
+          </a:fillRef>
+          <a:effectRef idx="0">
+            <a:schemeClr val="accent1"/>
+          </a:effectRef>
+          <a:fontRef idx="minor">
+            <a:schemeClr val="lt1"/>
+          </a:fontRef>
+        </p:style>
+        <p:txBody>
+          <a:bodyPr rtlCol="0" anchor="ctr"/>
+          <a:lstStyle/>
+          <a:p>
+            <a:pPr algn="ctr"/>
+            <a:r>
+              <a:rPr lang="en-US" altLang="zh-CN" sz="1000" dirty="0" smtClean="0">
+                <a:solidFill>
+                  <a:schemeClr val="tx1"/>
+                </a:solidFill>
+              </a:rPr>
+              <a:t>project</a:t>
+            </a:r>
+            <a:endParaRPr lang="zh-CN" altLang="en-US" sz="1000" dirty="0">
+              <a:solidFill>
+                <a:schemeClr val="tx1"/>
+              </a:solidFill>
+            </a:endParaRPr>
+          </a:p>
+        </p:txBody>
+      </p:sp>
+      <p:sp>
+        <p:nvSpPr>
+          <p:cNvPr id="16" name="矩形 15"/>
+          <p:cNvSpPr/>
+          <p:nvPr/>
+        </p:nvSpPr>
+        <p:spPr>
+          <a:xfrm>
+            <a:off x="6776471" y="3338919"/>
+            <a:ext cx="881629" cy="265857"/>
+          </a:xfrm>
+          <a:prstGeom prst="rect">
+            <a:avLst/>
+          </a:prstGeom>
+          <a:solidFill>
+            <a:schemeClr val="bg2"/>
+          </a:solidFill>
+          <a:ln>
+            <a:solidFill>
+              <a:schemeClr val="tx1"/>
+            </a:solidFill>
+          </a:ln>
+        </p:spPr>
+        <p:style>
+          <a:lnRef idx="2">
+            <a:schemeClr val="accent1">
+              <a:shade val="50000"/>
+            </a:schemeClr>
+          </a:lnRef>
+          <a:fillRef idx="1">
+            <a:schemeClr val="accent1"/>
+          </a:fillRef>
+          <a:effectRef idx="0">
+            <a:schemeClr val="accent1"/>
+          </a:effectRef>
+          <a:fontRef idx="minor">
+            <a:schemeClr val="lt1"/>
+          </a:fontRef>
+        </p:style>
+        <p:txBody>
+          <a:bodyPr rtlCol="0" anchor="ctr"/>
+          <a:lstStyle/>
+          <a:p>
+            <a:pPr algn="ctr"/>
+            <a:r>
+              <a:rPr lang="en-US" altLang="zh-CN" sz="1000" dirty="0" smtClean="0">
+                <a:solidFill>
+                  <a:schemeClr val="tx1"/>
+                </a:solidFill>
+              </a:rPr>
+              <a:t>group</a:t>
+            </a:r>
+            <a:endParaRPr lang="zh-CN" altLang="en-US" sz="1000" dirty="0">
+              <a:solidFill>
+                <a:schemeClr val="tx1"/>
+              </a:solidFill>
+            </a:endParaRPr>
+          </a:p>
+        </p:txBody>
+      </p:sp>
+      <p:sp>
+        <p:nvSpPr>
+          <p:cNvPr id="18" name="矩形 17"/>
+          <p:cNvSpPr/>
+          <p:nvPr/>
+        </p:nvSpPr>
+        <p:spPr>
+          <a:xfrm>
+            <a:off x="6776471" y="3887043"/>
+            <a:ext cx="881629" cy="265857"/>
+          </a:xfrm>
+          <a:prstGeom prst="rect">
+            <a:avLst/>
+          </a:prstGeom>
+          <a:solidFill>
+            <a:schemeClr val="bg2"/>
+          </a:solidFill>
+          <a:ln>
+            <a:solidFill>
+              <a:schemeClr val="tx1"/>
+            </a:solidFill>
+          </a:ln>
+        </p:spPr>
+        <p:style>
+          <a:lnRef idx="2">
+            <a:schemeClr val="accent1">
+              <a:shade val="50000"/>
+            </a:schemeClr>
+          </a:lnRef>
+          <a:fillRef idx="1">
+            <a:schemeClr val="accent1"/>
+          </a:fillRef>
+          <a:effectRef idx="0">
+            <a:schemeClr val="accent1"/>
+          </a:effectRef>
+          <a:fontRef idx="minor">
+            <a:schemeClr val="lt1"/>
+          </a:fontRef>
+        </p:style>
+        <p:txBody>
+          <a:bodyPr rtlCol="0" anchor="ctr"/>
+          <a:lstStyle/>
+          <a:p>
+            <a:pPr algn="ctr"/>
+            <a:r>
+              <a:rPr lang="en-US" altLang="zh-CN" sz="1000" dirty="0" smtClean="0">
+                <a:solidFill>
+                  <a:schemeClr val="tx1"/>
+                </a:solidFill>
+              </a:rPr>
+              <a:t>scan</a:t>
+            </a:r>
+            <a:endParaRPr lang="zh-CN" altLang="en-US" sz="1000" dirty="0">
+              <a:solidFill>
+                <a:schemeClr val="tx1"/>
+              </a:solidFill>
+            </a:endParaRPr>
+          </a:p>
+        </p:txBody>
+      </p:sp>
+      <p:cxnSp>
+        <p:nvCxnSpPr>
+          <p:cNvPr id="19" name="直接箭头连接符 18"/>
+          <p:cNvCxnSpPr>
+            <a:stCxn id="16" idx="2"/>
+            <a:endCxn id="18" idx="0"/>
+          </p:cNvCxnSpPr>
+          <p:nvPr/>
+        </p:nvCxnSpPr>
+        <p:spPr>
+          <a:xfrm>
+            <a:off x="7217286" y="3604776"/>
+            <a:ext cx="0" cy="282267"/>
+          </a:xfrm>
+          <a:prstGeom prst="straightConnector1">
+            <a:avLst/>
+          </a:prstGeom>
+          <a:ln>
+            <a:solidFill>
+              <a:schemeClr val="tx1"/>
+            </a:solidFill>
+            <a:tailEnd type="triangle"/>
+          </a:ln>
+        </p:spPr>
+        <p:style>
+          <a:lnRef idx="1">
+            <a:schemeClr val="accent1"/>
+          </a:lnRef>
+          <a:fillRef idx="0">
+            <a:schemeClr val="accent1"/>
+          </a:fillRef>
+          <a:effectRef idx="0">
+            <a:schemeClr val="accent1"/>
+          </a:effectRef>
+          <a:fontRef idx="minor">
+            <a:schemeClr val="tx1"/>
+          </a:fontRef>
+        </p:style>
+      </p:cxnSp>
+      <p:cxnSp>
+        <p:nvCxnSpPr>
+          <p:cNvPr id="22" name="直接箭头连接符 21"/>
+          <p:cNvCxnSpPr>
+            <a:stCxn id="15" idx="2"/>
+            <a:endCxn id="16" idx="0"/>
+          </p:cNvCxnSpPr>
+          <p:nvPr/>
+        </p:nvCxnSpPr>
+        <p:spPr>
+          <a:xfrm>
+            <a:off x="7217286" y="3074612"/>
+            <a:ext cx="0" cy="264307"/>
+          </a:xfrm>
+          <a:prstGeom prst="straightConnector1">
+            <a:avLst/>
+          </a:prstGeom>
+          <a:ln>
+            <a:solidFill>
+              <a:schemeClr val="tx1"/>
+            </a:solidFill>
+            <a:tailEnd type="triangle"/>
+          </a:ln>
+        </p:spPr>
+        <p:style>
+          <a:lnRef idx="1">
+            <a:schemeClr val="accent1"/>
+          </a:lnRef>
+          <a:fillRef idx="0">
+            <a:schemeClr val="accent1"/>
+          </a:fillRef>
+          <a:effectRef idx="0">
+            <a:schemeClr val="accent1"/>
+          </a:effectRef>
+          <a:fontRef idx="minor">
+            <a:schemeClr val="tx1"/>
+          </a:fontRef>
+        </p:style>
+      </p:cxnSp>
+      <p:sp>
+        <p:nvSpPr>
+          <p:cNvPr id="38" name="文本框 37"/>
+          <p:cNvSpPr txBox="1"/>
+          <p:nvPr/>
+        </p:nvSpPr>
+        <p:spPr>
+          <a:xfrm>
+            <a:off x="7202042" y="3083033"/>
+            <a:ext cx="508367" cy="246221"/>
+          </a:xfrm>
+          <a:prstGeom prst="rect">
+            <a:avLst/>
+          </a:prstGeom>
+          <a:noFill/>
+        </p:spPr>
+        <p:txBody>
+          <a:bodyPr wrap="square" rtlCol="0">
+            <a:spAutoFit/>
+          </a:bodyPr>
+          <a:lstStyle/>
+          <a:p>
+            <a:r>
+              <a:rPr lang="en-US" altLang="zh-CN" sz="1000" i="1" dirty="0" smtClean="0"/>
+              <a:t>next()</a:t>
+            </a:r>
+            <a:endParaRPr lang="zh-CN" altLang="en-US" sz="1000" i="1" dirty="0"/>
+          </a:p>
+        </p:txBody>
+      </p:sp>
+      <p:sp>
+        <p:nvSpPr>
+          <p:cNvPr id="39" name="文本框 38"/>
+          <p:cNvSpPr txBox="1"/>
+          <p:nvPr/>
+        </p:nvSpPr>
+        <p:spPr>
+          <a:xfrm>
+            <a:off x="7202042" y="3621772"/>
+            <a:ext cx="508367" cy="246221"/>
+          </a:xfrm>
+          <a:prstGeom prst="rect">
+            <a:avLst/>
+          </a:prstGeom>
+          <a:noFill/>
+        </p:spPr>
+        <p:txBody>
+          <a:bodyPr wrap="square" rtlCol="0">
+            <a:spAutoFit/>
+          </a:bodyPr>
+          <a:lstStyle/>
+          <a:p>
+            <a:r>
+              <a:rPr lang="en-US" altLang="zh-CN" sz="1000" i="1" dirty="0" smtClean="0"/>
+              <a:t>next()</a:t>
+            </a:r>
+            <a:endParaRPr lang="zh-CN" altLang="en-US" sz="1000" i="1" dirty="0"/>
+          </a:p>
+        </p:txBody>
+      </p:sp>
+    </p:spTree>
+    <p:extLst>
+      <p:ext uri="{BB962C8B-B14F-4D97-AF65-F5344CB8AC3E}">
+        <p14:creationId xmlns:p14="http://schemas.microsoft.com/office/powerpoint/2010/main" val="1169795049"/>
       </p:ext>
     </p:extLst>
   </p:cSld>
